--- a/assets/figures.pptx
+++ b/assets/figures.pptx
@@ -105,13 +105,18 @@
       </a:defRPr>
     </a:lvl9pPr>
   </p:defaultTextStyle>
+  <p:extLst>
+    <p:ext uri="{EFAFB233-063F-42B5-8137-9DF3F51BA10A}">
+      <p15:sldGuideLst xmlns:p15="http://schemas.microsoft.com/office/powerpoint/2012/main"/>
+    </p:ext>
+  </p:extLst>
 </p:presentation>
 </file>
 
 <file path=ppt/revisionInfo.xml><?xml version="1.0" encoding="utf-8"?>
 <p1510:revInfo xmlns:a="http://schemas.openxmlformats.org/drawingml/2006/main" xmlns:r="http://schemas.openxmlformats.org/officeDocument/2006/relationships" xmlns:p1510="http://schemas.microsoft.com/office/powerpoint/2015/10/main">
   <p1510:revLst>
-    <p1510:client id="{0190945F-89A7-4B46-967C-3ACE53AB7830}" v="31" dt="2023-12-31T06:57:44.160"/>
+    <p1510:client id="{0190945F-89A7-4B46-967C-3ACE53AB7830}" v="32" dt="2023-12-31T07:12:05.080"/>
   </p1510:revLst>
 </p1510:revInfo>
 </file>
@@ -121,12 +126,12 @@
   <pc:docChgLst>
     <pc:chgData name="ZHANG Xiangyu" userId="0af619d5-14b7-43d3-95bc-94ad39c803d6" providerId="ADAL" clId="{0190945F-89A7-4B46-967C-3ACE53AB7830}"/>
     <pc:docChg chg="undo custSel addSld modSld">
-      <pc:chgData name="ZHANG Xiangyu" userId="0af619d5-14b7-43d3-95bc-94ad39c803d6" providerId="ADAL" clId="{0190945F-89A7-4B46-967C-3ACE53AB7830}" dt="2023-12-31T06:57:44.150" v="88" actId="5736"/>
+      <pc:chgData name="ZHANG Xiangyu" userId="0af619d5-14b7-43d3-95bc-94ad39c803d6" providerId="ADAL" clId="{0190945F-89A7-4B46-967C-3ACE53AB7830}" dt="2023-12-31T07:12:05.076" v="91" actId="5736"/>
       <pc:docMkLst>
         <pc:docMk/>
       </pc:docMkLst>
       <pc:sldChg chg="addSp delSp modSp new mod">
-        <pc:chgData name="ZHANG Xiangyu" userId="0af619d5-14b7-43d3-95bc-94ad39c803d6" providerId="ADAL" clId="{0190945F-89A7-4B46-967C-3ACE53AB7830}" dt="2023-12-31T06:29:10.574" v="34" actId="1076"/>
+        <pc:chgData name="ZHANG Xiangyu" userId="0af619d5-14b7-43d3-95bc-94ad39c803d6" providerId="ADAL" clId="{0190945F-89A7-4B46-967C-3ACE53AB7830}" dt="2023-12-31T07:12:05.076" v="91" actId="5736"/>
         <pc:sldMkLst>
           <pc:docMk/>
           <pc:sldMk cId="3049935216" sldId="256"/>
@@ -164,7 +169,7 @@
           </ac:spMkLst>
         </pc:spChg>
         <pc:graphicFrameChg chg="add mod modGraphic">
-          <ac:chgData name="ZHANG Xiangyu" userId="0af619d5-14b7-43d3-95bc-94ad39c803d6" providerId="ADAL" clId="{0190945F-89A7-4B46-967C-3ACE53AB7830}" dt="2023-12-31T06:17:46.553" v="22" actId="5736"/>
+          <ac:chgData name="ZHANG Xiangyu" userId="0af619d5-14b7-43d3-95bc-94ad39c803d6" providerId="ADAL" clId="{0190945F-89A7-4B46-967C-3ACE53AB7830}" dt="2023-12-31T07:12:05.076" v="91" actId="5736"/>
           <ac:graphicFrameMkLst>
             <pc:docMk/>
             <pc:sldMk cId="3049935216" sldId="256"/>
@@ -3445,7 +3450,7 @@
           <p:nvPr>
             <p:extLst>
               <p:ext uri="{D42A27DB-BD31-4B8C-83A1-F6EECF244321}">
-                <p14:modId xmlns:p14="http://schemas.microsoft.com/office/powerpoint/2010/main" val="1615171777"/>
+                <p14:modId xmlns:p14="http://schemas.microsoft.com/office/powerpoint/2010/main" val="524473739"/>
               </p:ext>
             </p:extLst>
           </p:nvPr>
@@ -3615,7 +3620,7 @@
                         <a:rPr lang="en-US" b="1" dirty="0">
                           <a:effectLst/>
                         </a:rPr>
-                        <a:t>(Pay on and before 15 March 2020)</a:t>
+                        <a:t>(Pay on and before 15 March 2024)</a:t>
                       </a:r>
                     </a:p>
                   </a:txBody>
@@ -3756,7 +3761,7 @@
                         <a:rPr lang="en-US" b="1" dirty="0">
                           <a:effectLst/>
                         </a:rPr>
-                        <a:t>(Pay on and before 15 May 2020)</a:t>
+                        <a:t>(Pay on and before 15 May 2024)</a:t>
                       </a:r>
                     </a:p>
                   </a:txBody>
@@ -3883,18 +3888,18 @@
                     <a:p>
                       <a:pPr algn="l"/>
                       <a:r>
-                        <a:rPr lang="en-US" b="1">
+                        <a:rPr lang="en-US" b="1" dirty="0">
                           <a:effectLst/>
                         </a:rPr>
                         <a:t>Late Registration (please note NO on site registration）</a:t>
                       </a:r>
                       <a:br>
-                        <a:rPr lang="en-US" b="1">
+                        <a:rPr lang="en-US" b="1" dirty="0">
                           <a:effectLst/>
                         </a:rPr>
                       </a:br>
                       <a:r>
-                        <a:rPr lang="en-US" b="1">
+                        <a:rPr lang="en-US" b="1" dirty="0">
                           <a:effectLst/>
                         </a:rPr>
                         <a:t>(Pay on and before 15 July 2020)</a:t>

--- a/assets/figures.pptx
+++ b/assets/figures.pptx
@@ -116,7 +116,7 @@
 <file path=ppt/revisionInfo.xml><?xml version="1.0" encoding="utf-8"?>
 <p1510:revInfo xmlns:a="http://schemas.openxmlformats.org/drawingml/2006/main" xmlns:r="http://schemas.openxmlformats.org/officeDocument/2006/relationships" xmlns:p1510="http://schemas.microsoft.com/office/powerpoint/2015/10/main">
   <p1510:revLst>
-    <p1510:client id="{0190945F-89A7-4B46-967C-3ACE53AB7830}" v="32" dt="2023-12-31T07:12:05.080"/>
+    <p1510:client id="{0190945F-89A7-4B46-967C-3ACE53AB7830}" v="45" dt="2024-01-02T07:40:50.942"/>
   </p1510:revLst>
 </p1510:revInfo>
 </file>
@@ -126,12 +126,12 @@
   <pc:docChgLst>
     <pc:chgData name="ZHANG Xiangyu" userId="0af619d5-14b7-43d3-95bc-94ad39c803d6" providerId="ADAL" clId="{0190945F-89A7-4B46-967C-3ACE53AB7830}"/>
     <pc:docChg chg="undo custSel addSld modSld">
-      <pc:chgData name="ZHANG Xiangyu" userId="0af619d5-14b7-43d3-95bc-94ad39c803d6" providerId="ADAL" clId="{0190945F-89A7-4B46-967C-3ACE53AB7830}" dt="2023-12-31T07:12:05.076" v="91" actId="5736"/>
+      <pc:chgData name="ZHANG Xiangyu" userId="0af619d5-14b7-43d3-95bc-94ad39c803d6" providerId="ADAL" clId="{0190945F-89A7-4B46-967C-3ACE53AB7830}" dt="2024-01-02T07:40:58.936" v="152" actId="2711"/>
       <pc:docMkLst>
         <pc:docMk/>
       </pc:docMkLst>
       <pc:sldChg chg="addSp delSp modSp new mod">
-        <pc:chgData name="ZHANG Xiangyu" userId="0af619d5-14b7-43d3-95bc-94ad39c803d6" providerId="ADAL" clId="{0190945F-89A7-4B46-967C-3ACE53AB7830}" dt="2023-12-31T07:12:05.076" v="91" actId="5736"/>
+        <pc:chgData name="ZHANG Xiangyu" userId="0af619d5-14b7-43d3-95bc-94ad39c803d6" providerId="ADAL" clId="{0190945F-89A7-4B46-967C-3ACE53AB7830}" dt="2024-01-02T07:40:58.936" v="152" actId="2711"/>
         <pc:sldMkLst>
           <pc:docMk/>
           <pc:sldMk cId="3049935216" sldId="256"/>
@@ -153,7 +153,7 @@
           </ac:spMkLst>
         </pc:spChg>
         <pc:spChg chg="add mod">
-          <ac:chgData name="ZHANG Xiangyu" userId="0af619d5-14b7-43d3-95bc-94ad39c803d6" providerId="ADAL" clId="{0190945F-89A7-4B46-967C-3ACE53AB7830}" dt="2023-12-31T06:28:54.687" v="28" actId="403"/>
+          <ac:chgData name="ZHANG Xiangyu" userId="0af619d5-14b7-43d3-95bc-94ad39c803d6" providerId="ADAL" clId="{0190945F-89A7-4B46-967C-3ACE53AB7830}" dt="2024-01-02T07:40:54.999" v="151" actId="2711"/>
           <ac:spMkLst>
             <pc:docMk/>
             <pc:sldMk cId="3049935216" sldId="256"/>
@@ -161,7 +161,7 @@
           </ac:spMkLst>
         </pc:spChg>
         <pc:spChg chg="add mod">
-          <ac:chgData name="ZHANG Xiangyu" userId="0af619d5-14b7-43d3-95bc-94ad39c803d6" providerId="ADAL" clId="{0190945F-89A7-4B46-967C-3ACE53AB7830}" dt="2023-12-31T06:29:10.574" v="34" actId="1076"/>
+          <ac:chgData name="ZHANG Xiangyu" userId="0af619d5-14b7-43d3-95bc-94ad39c803d6" providerId="ADAL" clId="{0190945F-89A7-4B46-967C-3ACE53AB7830}" dt="2024-01-02T07:40:58.936" v="152" actId="2711"/>
           <ac:spMkLst>
             <pc:docMk/>
             <pc:sldMk cId="3049935216" sldId="256"/>
@@ -169,7 +169,7 @@
           </ac:spMkLst>
         </pc:spChg>
         <pc:graphicFrameChg chg="add mod modGraphic">
-          <ac:chgData name="ZHANG Xiangyu" userId="0af619d5-14b7-43d3-95bc-94ad39c803d6" providerId="ADAL" clId="{0190945F-89A7-4B46-967C-3ACE53AB7830}" dt="2023-12-31T07:12:05.076" v="91" actId="5736"/>
+          <ac:chgData name="ZHANG Xiangyu" userId="0af619d5-14b7-43d3-95bc-94ad39c803d6" providerId="ADAL" clId="{0190945F-89A7-4B46-967C-3ACE53AB7830}" dt="2024-01-02T07:40:50.942" v="150" actId="5736"/>
           <ac:graphicFrameMkLst>
             <pc:docMk/>
             <pc:sldMk cId="3049935216" sldId="256"/>
@@ -178,7 +178,7 @@
         </pc:graphicFrameChg>
       </pc:sldChg>
       <pc:sldChg chg="addSp delSp modSp new mod">
-        <pc:chgData name="ZHANG Xiangyu" userId="0af619d5-14b7-43d3-95bc-94ad39c803d6" providerId="ADAL" clId="{0190945F-89A7-4B46-967C-3ACE53AB7830}" dt="2023-12-31T06:57:44.150" v="88" actId="5736"/>
+        <pc:chgData name="ZHANG Xiangyu" userId="0af619d5-14b7-43d3-95bc-94ad39c803d6" providerId="ADAL" clId="{0190945F-89A7-4B46-967C-3ACE53AB7830}" dt="2024-01-02T07:40:36.921" v="148" actId="5736"/>
         <pc:sldMkLst>
           <pc:docMk/>
           <pc:sldMk cId="3827943510" sldId="257"/>
@@ -208,7 +208,7 @@
           </ac:spMkLst>
         </pc:spChg>
         <pc:graphicFrameChg chg="add mod modGraphic">
-          <ac:chgData name="ZHANG Xiangyu" userId="0af619d5-14b7-43d3-95bc-94ad39c803d6" providerId="ADAL" clId="{0190945F-89A7-4B46-967C-3ACE53AB7830}" dt="2023-12-31T06:57:44.150" v="88" actId="5736"/>
+          <ac:chgData name="ZHANG Xiangyu" userId="0af619d5-14b7-43d3-95bc-94ad39c803d6" providerId="ADAL" clId="{0190945F-89A7-4B46-967C-3ACE53AB7830}" dt="2024-01-02T07:40:36.921" v="148" actId="5736"/>
           <ac:graphicFrameMkLst>
             <pc:docMk/>
             <pc:sldMk cId="3827943510" sldId="257"/>
@@ -368,7 +368,7 @@
           <a:p>
             <a:fld id="{443201C6-C6B2-4F96-9DF6-297028943761}" type="datetimeFigureOut">
               <a:rPr lang="zh-CN" altLang="en-US" smtClean="0"/>
-              <a:t>2023/12/31</a:t>
+              <a:t>2024/1/2</a:t>
             </a:fld>
             <a:endParaRPr lang="zh-CN" altLang="en-US"/>
           </a:p>
@@ -566,7 +566,7 @@
           <a:p>
             <a:fld id="{443201C6-C6B2-4F96-9DF6-297028943761}" type="datetimeFigureOut">
               <a:rPr lang="zh-CN" altLang="en-US" smtClean="0"/>
-              <a:t>2023/12/31</a:t>
+              <a:t>2024/1/2</a:t>
             </a:fld>
             <a:endParaRPr lang="zh-CN" altLang="en-US"/>
           </a:p>
@@ -774,7 +774,7 @@
           <a:p>
             <a:fld id="{443201C6-C6B2-4F96-9DF6-297028943761}" type="datetimeFigureOut">
               <a:rPr lang="zh-CN" altLang="en-US" smtClean="0"/>
-              <a:t>2023/12/31</a:t>
+              <a:t>2024/1/2</a:t>
             </a:fld>
             <a:endParaRPr lang="zh-CN" altLang="en-US"/>
           </a:p>
@@ -972,7 +972,7 @@
           <a:p>
             <a:fld id="{443201C6-C6B2-4F96-9DF6-297028943761}" type="datetimeFigureOut">
               <a:rPr lang="zh-CN" altLang="en-US" smtClean="0"/>
-              <a:t>2023/12/31</a:t>
+              <a:t>2024/1/2</a:t>
             </a:fld>
             <a:endParaRPr lang="zh-CN" altLang="en-US"/>
           </a:p>
@@ -1247,7 +1247,7 @@
           <a:p>
             <a:fld id="{443201C6-C6B2-4F96-9DF6-297028943761}" type="datetimeFigureOut">
               <a:rPr lang="zh-CN" altLang="en-US" smtClean="0"/>
-              <a:t>2023/12/31</a:t>
+              <a:t>2024/1/2</a:t>
             </a:fld>
             <a:endParaRPr lang="zh-CN" altLang="en-US"/>
           </a:p>
@@ -1512,7 +1512,7 @@
           <a:p>
             <a:fld id="{443201C6-C6B2-4F96-9DF6-297028943761}" type="datetimeFigureOut">
               <a:rPr lang="zh-CN" altLang="en-US" smtClean="0"/>
-              <a:t>2023/12/31</a:t>
+              <a:t>2024/1/2</a:t>
             </a:fld>
             <a:endParaRPr lang="zh-CN" altLang="en-US"/>
           </a:p>
@@ -1924,7 +1924,7 @@
           <a:p>
             <a:fld id="{443201C6-C6B2-4F96-9DF6-297028943761}" type="datetimeFigureOut">
               <a:rPr lang="zh-CN" altLang="en-US" smtClean="0"/>
-              <a:t>2023/12/31</a:t>
+              <a:t>2024/1/2</a:t>
             </a:fld>
             <a:endParaRPr lang="zh-CN" altLang="en-US"/>
           </a:p>
@@ -2065,7 +2065,7 @@
           <a:p>
             <a:fld id="{443201C6-C6B2-4F96-9DF6-297028943761}" type="datetimeFigureOut">
               <a:rPr lang="zh-CN" altLang="en-US" smtClean="0"/>
-              <a:t>2023/12/31</a:t>
+              <a:t>2024/1/2</a:t>
             </a:fld>
             <a:endParaRPr lang="zh-CN" altLang="en-US"/>
           </a:p>
@@ -2178,7 +2178,7 @@
           <a:p>
             <a:fld id="{443201C6-C6B2-4F96-9DF6-297028943761}" type="datetimeFigureOut">
               <a:rPr lang="zh-CN" altLang="en-US" smtClean="0"/>
-              <a:t>2023/12/31</a:t>
+              <a:t>2024/1/2</a:t>
             </a:fld>
             <a:endParaRPr lang="zh-CN" altLang="en-US"/>
           </a:p>
@@ -2489,7 +2489,7 @@
           <a:p>
             <a:fld id="{443201C6-C6B2-4F96-9DF6-297028943761}" type="datetimeFigureOut">
               <a:rPr lang="zh-CN" altLang="en-US" smtClean="0"/>
-              <a:t>2023/12/31</a:t>
+              <a:t>2024/1/2</a:t>
             </a:fld>
             <a:endParaRPr lang="zh-CN" altLang="en-US"/>
           </a:p>
@@ -2777,7 +2777,7 @@
           <a:p>
             <a:fld id="{443201C6-C6B2-4F96-9DF6-297028943761}" type="datetimeFigureOut">
               <a:rPr lang="zh-CN" altLang="en-US" smtClean="0"/>
-              <a:t>2023/12/31</a:t>
+              <a:t>2024/1/2</a:t>
             </a:fld>
             <a:endParaRPr lang="zh-CN" altLang="en-US"/>
           </a:p>
@@ -3018,7 +3018,7 @@
           <a:p>
             <a:fld id="{443201C6-C6B2-4F96-9DF6-297028943761}" type="datetimeFigureOut">
               <a:rPr lang="zh-CN" altLang="en-US" smtClean="0"/>
-              <a:t>2023/12/31</a:t>
+              <a:t>2024/1/2</a:t>
             </a:fld>
             <a:endParaRPr lang="zh-CN" altLang="en-US"/>
           </a:p>
@@ -3450,7 +3450,7 @@
           <p:nvPr>
             <p:extLst>
               <p:ext uri="{D42A27DB-BD31-4B8C-83A1-F6EECF244321}">
-                <p14:modId xmlns:p14="http://schemas.microsoft.com/office/powerpoint/2010/main" val="524473739"/>
+                <p14:modId xmlns:p14="http://schemas.microsoft.com/office/powerpoint/2010/main" val="2697094990"/>
               </p:ext>
             </p:extLst>
           </p:nvPr>
@@ -3464,14 +3464,14 @@
             <a:tbl>
               <a:tblPr/>
               <a:tblGrid>
-                <a:gridCol w="6209857">
+                <a:gridCol w="5199046">
                   <a:extLst>
                     <a:ext uri="{9D8B030D-6E8A-4147-A177-3AD203B41FA5}">
                       <a16:colId xmlns:a16="http://schemas.microsoft.com/office/drawing/2014/main" val="3078818713"/>
                     </a:ext>
                   </a:extLst>
                 </a:gridCol>
-                <a:gridCol w="2801347">
+                <a:gridCol w="3812158">
                   <a:extLst>
                     <a:ext uri="{9D8B030D-6E8A-4147-A177-3AD203B41FA5}">
                       <a16:colId xmlns:a16="http://schemas.microsoft.com/office/drawing/2014/main" val="3809513742"/>
@@ -3485,13 +3485,27 @@
                     <a:bodyPr/>
                     <a:lstStyle/>
                     <a:p>
-                      <a:pPr algn="l"/>
+                      <a:pPr algn="ctr"/>
                       <a:r>
-                        <a:rPr lang="en-US" dirty="0">
+                        <a:rPr lang="en-US" altLang="zh-CN" sz="1800" b="1" i="0" kern="1200" dirty="0">
+                          <a:solidFill>
+                            <a:srgbClr val="CC0000"/>
+                          </a:solidFill>
                           <a:effectLst/>
+                          <a:latin typeface="Arial" panose="020B0604020202020204" pitchFamily="34" charset="0"/>
+                          <a:ea typeface="+mn-ea"/>
+                          <a:cs typeface="Arial" panose="020B0604020202020204" pitchFamily="34" charset="0"/>
                         </a:rPr>
-                        <a:t>Tickets</a:t>
+                        <a:t>Registration Type</a:t>
                       </a:r>
+                      <a:endParaRPr lang="en-US" dirty="0">
+                        <a:solidFill>
+                          <a:srgbClr val="CC0000"/>
+                        </a:solidFill>
+                        <a:effectLst/>
+                        <a:latin typeface="Arial" panose="020B0604020202020204" pitchFamily="34" charset="0"/>
+                        <a:cs typeface="Arial" panose="020B0604020202020204" pitchFamily="34" charset="0"/>
+                      </a:endParaRPr>
                     </a:p>
                   </a:txBody>
                   <a:tcPr marL="63500" marR="63500" marT="63500" marB="63500" anchor="ctr">
@@ -3541,10 +3555,16 @@
                     <a:bodyPr/>
                     <a:lstStyle/>
                     <a:p>
-                      <a:pPr algn="ctr"/>
+                      <a:pPr marL="0" algn="ctr" defTabSz="914400" rtl="0" eaLnBrk="1" latinLnBrk="0" hangingPunct="1"/>
                       <a:r>
-                        <a:rPr lang="en-US">
+                        <a:rPr lang="en-US" sz="1800" b="1" i="0" kern="1200" dirty="0">
+                          <a:solidFill>
+                            <a:srgbClr val="CC0000"/>
+                          </a:solidFill>
                           <a:effectLst/>
+                          <a:latin typeface="Arial" panose="020B0604020202020204" pitchFamily="34" charset="0"/>
+                          <a:ea typeface="+mn-ea"/>
+                          <a:cs typeface="Arial" panose="020B0604020202020204" pitchFamily="34" charset="0"/>
                         </a:rPr>
                         <a:t>Registration Fee</a:t>
                       </a:r>
@@ -3604,24 +3624,24 @@
                     <a:bodyPr/>
                     <a:lstStyle/>
                     <a:p>
-                      <a:pPr algn="l" latinLnBrk="1"/>
+                      <a:pPr algn="ctr" latinLnBrk="1"/>
                       <a:r>
-                        <a:rPr lang="en-US" b="1" dirty="0">
+                        <a:rPr lang="en-US" altLang="zh-CN" sz="1800" b="1" i="0" kern="1200" dirty="0">
+                          <a:solidFill>
+                            <a:schemeClr val="tx1"/>
+                          </a:solidFill>
                           <a:effectLst/>
+                          <a:latin typeface="Arial" panose="020B0604020202020204" pitchFamily="34" charset="0"/>
+                          <a:ea typeface="+mn-ea"/>
+                          <a:cs typeface="Arial" panose="020B0604020202020204" pitchFamily="34" charset="0"/>
                         </a:rPr>
-                        <a:t>Early Bird Registration</a:t>
+                        <a:t>Full Delegate</a:t>
                       </a:r>
-                      <a:br>
-                        <a:rPr lang="en-US" b="1" dirty="0">
-                          <a:effectLst/>
-                        </a:rPr>
-                      </a:br>
-                      <a:r>
-                        <a:rPr lang="en-US" b="1" dirty="0">
-                          <a:effectLst/>
-                        </a:rPr>
-                        <a:t>(Pay on and before 15 March 2024)</a:t>
-                      </a:r>
+                      <a:endParaRPr lang="en-US" b="1" dirty="0">
+                        <a:effectLst/>
+                        <a:latin typeface="Arial" panose="020B0604020202020204" pitchFamily="34" charset="0"/>
+                        <a:cs typeface="Arial" panose="020B0604020202020204" pitchFamily="34" charset="0"/>
+                      </a:endParaRPr>
                     </a:p>
                   </a:txBody>
                   <a:tcPr marL="63500" marR="63500" marT="63500" marB="63500" anchor="ctr">
@@ -3675,19 +3695,10 @@
                       <a:r>
                         <a:rPr lang="en-US" dirty="0">
                           <a:effectLst/>
+                          <a:latin typeface="Arial" panose="020B0604020202020204" pitchFamily="34" charset="0"/>
+                          <a:cs typeface="Arial" panose="020B0604020202020204" pitchFamily="34" charset="0"/>
                         </a:rPr>
-                        <a:t>USD 550</a:t>
-                      </a:r>
-                      <a:br>
-                        <a:rPr lang="en-US" dirty="0">
-                          <a:effectLst/>
-                        </a:rPr>
-                      </a:br>
-                      <a:r>
-                        <a:rPr lang="en-US" dirty="0">
-                          <a:effectLst/>
-                        </a:rPr>
-                        <a:t>(RMB 3850)</a:t>
+                        <a:t>USD 850</a:t>
                       </a:r>
                     </a:p>
                   </a:txBody>
@@ -3745,24 +3756,24 @@
                     <a:bodyPr/>
                     <a:lstStyle/>
                     <a:p>
-                      <a:pPr algn="l" latinLnBrk="1"/>
+                      <a:pPr algn="ctr" latinLnBrk="1"/>
                       <a:r>
-                        <a:rPr lang="en-US" b="1" dirty="0">
+                        <a:rPr lang="en-US" altLang="zh-CN" sz="1800" b="1" i="0" kern="1200" dirty="0">
+                          <a:solidFill>
+                            <a:schemeClr val="tx1"/>
+                          </a:solidFill>
                           <a:effectLst/>
+                          <a:latin typeface="Arial" panose="020B0604020202020204" pitchFamily="34" charset="0"/>
+                          <a:ea typeface="+mn-ea"/>
+                          <a:cs typeface="Arial" panose="020B0604020202020204" pitchFamily="34" charset="0"/>
                         </a:rPr>
-                        <a:t>Regular Registration</a:t>
+                        <a:t>Student Delegate</a:t>
                       </a:r>
-                      <a:br>
-                        <a:rPr lang="en-US" b="1" dirty="0">
-                          <a:effectLst/>
-                        </a:rPr>
-                      </a:br>
-                      <a:r>
-                        <a:rPr lang="en-US" b="1" dirty="0">
-                          <a:effectLst/>
-                        </a:rPr>
-                        <a:t>(Pay on and before 15 May 2024)</a:t>
-                      </a:r>
+                      <a:endParaRPr lang="en-US" b="1" dirty="0">
+                        <a:effectLst/>
+                        <a:latin typeface="Arial" panose="020B0604020202020204" pitchFamily="34" charset="0"/>
+                        <a:cs typeface="Arial" panose="020B0604020202020204" pitchFamily="34" charset="0"/>
+                      </a:endParaRPr>
                     </a:p>
                   </a:txBody>
                   <a:tcPr marL="63500" marR="63500" marT="63500" marB="63500" anchor="ctr">
@@ -3816,20 +3827,55 @@
                       <a:r>
                         <a:rPr lang="en-US" dirty="0">
                           <a:effectLst/>
+                          <a:latin typeface="Arial" panose="020B0604020202020204" pitchFamily="34" charset="0"/>
+                          <a:cs typeface="Arial" panose="020B0604020202020204" pitchFamily="34" charset="0"/>
                         </a:rPr>
-                        <a:t>USD 700</a:t>
+                        <a:t>USD 750</a:t>
                       </a:r>
-                      <a:br>
-                        <a:rPr lang="en-US" dirty="0">
+                    </a:p>
+                    <a:p>
+                      <a:pPr algn="ctr"/>
+                      <a:r>
+                        <a:rPr lang="en-US" altLang="zh-CN" sz="1800" b="0" i="0" kern="1200" dirty="0">
+                          <a:solidFill>
+                            <a:schemeClr val="tx1"/>
+                          </a:solidFill>
                           <a:effectLst/>
+                          <a:latin typeface="Arial" panose="020B0604020202020204" pitchFamily="34" charset="0"/>
+                          <a:ea typeface="+mn-ea"/>
+                          <a:cs typeface="Arial" panose="020B0604020202020204" pitchFamily="34" charset="0"/>
                         </a:rPr>
-                      </a:br>
+                        <a:t>(Banquet </a:t>
+                      </a:r>
                       <a:r>
-                        <a:rPr lang="en-US" dirty="0">
+                        <a:rPr lang="en-US" altLang="zh-CN" sz="1800" b="1" i="0" kern="1200" dirty="0">
+                          <a:solidFill>
+                            <a:schemeClr val="tx1"/>
+                          </a:solidFill>
                           <a:effectLst/>
+                          <a:latin typeface="Arial" panose="020B0604020202020204" pitchFamily="34" charset="0"/>
+                          <a:ea typeface="+mn-ea"/>
+                          <a:cs typeface="Arial" panose="020B0604020202020204" pitchFamily="34" charset="0"/>
                         </a:rPr>
-                        <a:t>(RMB 4900)</a:t>
+                        <a:t>NOT</a:t>
                       </a:r>
+                      <a:r>
+                        <a:rPr lang="en-US" altLang="zh-CN" sz="1800" b="0" i="0" kern="1200" dirty="0">
+                          <a:solidFill>
+                            <a:schemeClr val="tx1"/>
+                          </a:solidFill>
+                          <a:effectLst/>
+                          <a:latin typeface="Arial" panose="020B0604020202020204" pitchFamily="34" charset="0"/>
+                          <a:ea typeface="+mn-ea"/>
+                          <a:cs typeface="Arial" panose="020B0604020202020204" pitchFamily="34" charset="0"/>
+                        </a:rPr>
+                        <a:t> Included)</a:t>
+                      </a:r>
+                      <a:endParaRPr lang="en-US" dirty="0">
+                        <a:effectLst/>
+                        <a:latin typeface="Arial" panose="020B0604020202020204" pitchFamily="34" charset="0"/>
+                        <a:cs typeface="Arial" panose="020B0604020202020204" pitchFamily="34" charset="0"/>
+                      </a:endParaRPr>
                     </a:p>
                   </a:txBody>
                   <a:tcPr marL="63500" marR="63500" marT="63500" marB="63500" anchor="ctr">
@@ -3886,24 +3932,24 @@
                     <a:bodyPr/>
                     <a:lstStyle/>
                     <a:p>
-                      <a:pPr algn="l"/>
+                      <a:pPr algn="ctr"/>
                       <a:r>
-                        <a:rPr lang="en-US" b="1" dirty="0">
+                        <a:rPr lang="en-US" altLang="zh-CN" sz="1800" b="1" i="0" kern="1200" dirty="0">
+                          <a:solidFill>
+                            <a:schemeClr val="tx1"/>
+                          </a:solidFill>
                           <a:effectLst/>
+                          <a:latin typeface="Arial" panose="020B0604020202020204" pitchFamily="34" charset="0"/>
+                          <a:ea typeface="+mn-ea"/>
+                          <a:cs typeface="Arial" panose="020B0604020202020204" pitchFamily="34" charset="0"/>
                         </a:rPr>
-                        <a:t>Late Registration (please note NO on site registration）</a:t>
+                        <a:t>Additional Banquet</a:t>
                       </a:r>
-                      <a:br>
-                        <a:rPr lang="en-US" b="1" dirty="0">
-                          <a:effectLst/>
-                        </a:rPr>
-                      </a:br>
-                      <a:r>
-                        <a:rPr lang="en-US" b="1" dirty="0">
-                          <a:effectLst/>
-                        </a:rPr>
-                        <a:t>(Pay on and before 15 July 2020)</a:t>
-                      </a:r>
+                      <a:endParaRPr lang="en-US" b="1" dirty="0">
+                        <a:effectLst/>
+                        <a:latin typeface="Arial" panose="020B0604020202020204" pitchFamily="34" charset="0"/>
+                        <a:cs typeface="Arial" panose="020B0604020202020204" pitchFamily="34" charset="0"/>
+                      </a:endParaRPr>
                     </a:p>
                   </a:txBody>
                   <a:tcPr marL="63500" marR="63500" marT="63500" marB="63500" anchor="ctr">
@@ -3955,22 +4001,22 @@
                     <a:p>
                       <a:pPr algn="ctr"/>
                       <a:r>
-                        <a:rPr lang="en-US" dirty="0">
+                        <a:rPr lang="en-US" altLang="zh-CN" sz="1800" b="0" i="0" kern="1200" dirty="0">
+                          <a:solidFill>
+                            <a:schemeClr val="tx1"/>
+                          </a:solidFill>
                           <a:effectLst/>
+                          <a:latin typeface="Arial" panose="020B0604020202020204" pitchFamily="34" charset="0"/>
+                          <a:ea typeface="+mn-ea"/>
+                          <a:cs typeface="Arial" panose="020B0604020202020204" pitchFamily="34" charset="0"/>
                         </a:rPr>
-                        <a:t>USD 900</a:t>
+                        <a:t>150 USD</a:t>
                       </a:r>
-                      <a:br>
-                        <a:rPr lang="en-US" dirty="0">
-                          <a:effectLst/>
-                        </a:rPr>
-                      </a:br>
-                      <a:r>
-                        <a:rPr lang="en-US" dirty="0">
-                          <a:effectLst/>
-                        </a:rPr>
-                        <a:t>(RMB 6300)</a:t>
-                      </a:r>
+                      <a:endParaRPr lang="en-US" dirty="0">
+                        <a:effectLst/>
+                        <a:latin typeface="Arial" panose="020B0604020202020204" pitchFamily="34" charset="0"/>
+                        <a:cs typeface="Arial" panose="020B0604020202020204" pitchFamily="34" charset="0"/>
+                      </a:endParaRPr>
                     </a:p>
                   </a:txBody>
                   <a:tcPr marL="63500" marR="63500" marT="63500" marB="63500" anchor="ctr">
@@ -4045,6 +4091,27 @@
           <a:prstGeom prst="roundRect">
             <a:avLst/>
           </a:prstGeom>
+          <a:ln>
+            <a:noFill/>
+          </a:ln>
+          <a:effectLst>
+            <a:outerShdw blurRad="190500" dist="228600" dir="2700000" algn="ctr">
+              <a:srgbClr val="000000">
+                <a:alpha val="30000"/>
+              </a:srgbClr>
+            </a:outerShdw>
+          </a:effectLst>
+          <a:scene3d>
+            <a:camera prst="orthographicFront">
+              <a:rot lat="0" lon="0" rev="0"/>
+            </a:camera>
+            <a:lightRig rig="glow" dir="t">
+              <a:rot lat="0" lon="0" rev="4800000"/>
+            </a:lightRig>
+          </a:scene3d>
+          <a:sp3d prstMaterial="matte">
+            <a:bevelT w="127000" h="63500"/>
+          </a:sp3d>
         </p:spPr>
         <p:style>
           <a:lnRef idx="2">
@@ -4068,10 +4135,16 @@
           <a:p>
             <a:pPr algn="ctr"/>
             <a:r>
-              <a:rPr lang="en-US" altLang="zh-CN" sz="2400" dirty="0"/>
+              <a:rPr lang="en-US" altLang="zh-CN" sz="2600" dirty="0">
+                <a:latin typeface="Arial" panose="020B0604020202020204" pitchFamily="34" charset="0"/>
+                <a:cs typeface="Arial" panose="020B0604020202020204" pitchFamily="34" charset="0"/>
+              </a:rPr>
               <a:t>Registration</a:t>
             </a:r>
-            <a:endParaRPr lang="zh-CN" altLang="en-US" dirty="0"/>
+            <a:endParaRPr lang="zh-CN" altLang="en-US" sz="2600" dirty="0">
+              <a:latin typeface="Arial" panose="020B0604020202020204" pitchFamily="34" charset="0"/>
+              <a:cs typeface="Arial" panose="020B0604020202020204" pitchFamily="34" charset="0"/>
+            </a:endParaRPr>
           </a:p>
         </p:txBody>
       </p:sp>
@@ -4095,6 +4168,27 @@
           <a:prstGeom prst="roundRect">
             <a:avLst/>
           </a:prstGeom>
+          <a:ln>
+            <a:noFill/>
+          </a:ln>
+          <a:effectLst>
+            <a:outerShdw blurRad="190500" dist="228600" dir="2700000" algn="ctr">
+              <a:srgbClr val="000000">
+                <a:alpha val="30000"/>
+              </a:srgbClr>
+            </a:outerShdw>
+          </a:effectLst>
+          <a:scene3d>
+            <a:camera prst="orthographicFront">
+              <a:rot lat="0" lon="0" rev="0"/>
+            </a:camera>
+            <a:lightRig rig="glow" dir="t">
+              <a:rot lat="0" lon="0" rev="4800000"/>
+            </a:lightRig>
+          </a:scene3d>
+          <a:sp3d prstMaterial="matte">
+            <a:bevelT w="127000" h="63500"/>
+          </a:sp3d>
         </p:spPr>
         <p:style>
           <a:lnRef idx="2">
@@ -4118,10 +4212,16 @@
           <a:p>
             <a:pPr algn="ctr"/>
             <a:r>
-              <a:rPr lang="en-US" altLang="zh-CN" sz="2400" dirty="0"/>
+              <a:rPr lang="en-US" altLang="zh-CN" sz="2600" dirty="0">
+                <a:latin typeface="Arial" panose="020B0604020202020204" pitchFamily="34" charset="0"/>
+                <a:cs typeface="Arial" panose="020B0604020202020204" pitchFamily="34" charset="0"/>
+              </a:rPr>
               <a:t>Submission</a:t>
             </a:r>
-            <a:endParaRPr lang="zh-CN" altLang="en-US" dirty="0"/>
+            <a:endParaRPr lang="zh-CN" altLang="en-US" sz="2600" dirty="0">
+              <a:latin typeface="Arial" panose="020B0604020202020204" pitchFamily="34" charset="0"/>
+              <a:cs typeface="Arial" panose="020B0604020202020204" pitchFamily="34" charset="0"/>
+            </a:endParaRPr>
           </a:p>
         </p:txBody>
       </p:sp>
@@ -4170,28 +4270,28 @@
           <p:nvPr>
             <p:extLst>
               <p:ext uri="{D42A27DB-BD31-4B8C-83A1-F6EECF244321}">
-                <p14:modId xmlns:p14="http://schemas.microsoft.com/office/powerpoint/2010/main" val="3791338788"/>
+                <p14:modId xmlns:p14="http://schemas.microsoft.com/office/powerpoint/2010/main" val="1035910870"/>
               </p:ext>
             </p:extLst>
           </p:nvPr>
         </p:nvGraphicFramePr>
         <p:xfrm>
-          <a:off x="1406248" y="1301750"/>
-          <a:ext cx="8080652" cy="3386475"/>
+          <a:off x="2254928" y="1301750"/>
+          <a:ext cx="7231971" cy="2709180"/>
         </p:xfrm>
         <a:graphic>
           <a:graphicData uri="http://schemas.openxmlformats.org/drawingml/2006/table">
             <a:tbl>
-              <a:tblPr/>
+              <a:tblPr firstRow="1"/>
               <a:tblGrid>
-                <a:gridCol w="6061352">
+                <a:gridCol w="5424751">
                   <a:extLst>
                     <a:ext uri="{9D8B030D-6E8A-4147-A177-3AD203B41FA5}">
                       <a16:colId xmlns:a16="http://schemas.microsoft.com/office/drawing/2014/main" val="3078818713"/>
                     </a:ext>
                   </a:extLst>
                 </a:gridCol>
-                <a:gridCol w="2019300">
+                <a:gridCol w="1807220">
                   <a:extLst>
                     <a:ext uri="{9D8B030D-6E8A-4147-A177-3AD203B41FA5}">
                       <a16:colId xmlns:a16="http://schemas.microsoft.com/office/drawing/2014/main" val="3809513742"/>
@@ -4205,14 +4305,15 @@
                     <a:bodyPr/>
                     <a:lstStyle/>
                     <a:p>
-                      <a:pPr algn="l"/>
+                      <a:pPr algn="ctr"/>
                       <a:r>
-                        <a:rPr lang="en-US" altLang="zh-CN" b="0" i="0" dirty="0">
+                        <a:rPr lang="en-US" altLang="zh-CN" sz="2000" b="0" i="0" dirty="0">
                           <a:solidFill>
-                            <a:srgbClr val="0A0B40"/>
+                            <a:schemeClr val="tx1"/>
                           </a:solidFill>
                           <a:effectLst/>
-                          <a:latin typeface="PingFang SC"/>
+                          <a:latin typeface="Arial" panose="020B0604020202020204" pitchFamily="34" charset="0"/>
+                          <a:cs typeface="Arial" panose="020B0604020202020204" pitchFamily="34" charset="0"/>
                         </a:rPr>
                         <a:t>Conference Start Time</a:t>
                       </a:r>
@@ -4265,16 +4366,17 @@
                     <a:bodyPr/>
                     <a:lstStyle/>
                     <a:p>
-                      <a:pPr algn="l"/>
+                      <a:pPr algn="ctr"/>
                       <a:r>
-                        <a:rPr lang="en-US" altLang="zh-CN" b="0" i="0" dirty="0">
+                        <a:rPr lang="en-US" altLang="zh-CN" sz="2000" b="0" i="0" dirty="0">
                           <a:solidFill>
-                            <a:srgbClr val="535353"/>
+                            <a:schemeClr val="tx1"/>
                           </a:solidFill>
                           <a:effectLst/>
-                          <a:latin typeface="PingFang SC"/>
+                          <a:latin typeface="Arial" panose="020B0604020202020204" pitchFamily="34" charset="0"/>
+                          <a:cs typeface="Arial" panose="020B0604020202020204" pitchFamily="34" charset="0"/>
                         </a:rPr>
-                        <a:t>2024-08-04</a:t>
+                        <a:t>2024-07-13</a:t>
                       </a:r>
                     </a:p>
                   </a:txBody>
@@ -4332,14 +4434,15 @@
                     <a:bodyPr/>
                     <a:lstStyle/>
                     <a:p>
-                      <a:pPr algn="l"/>
+                      <a:pPr algn="ctr"/>
                       <a:r>
-                        <a:rPr lang="en-US" altLang="zh-CN" b="0" i="0" dirty="0">
+                        <a:rPr lang="en-US" altLang="zh-CN" sz="2000" b="0" i="0" dirty="0">
                           <a:solidFill>
-                            <a:srgbClr val="0A0B40"/>
+                            <a:schemeClr val="tx1"/>
                           </a:solidFill>
                           <a:effectLst/>
-                          <a:latin typeface="PingFang SC"/>
+                          <a:latin typeface="Arial" panose="020B0604020202020204" pitchFamily="34" charset="0"/>
+                          <a:cs typeface="Arial" panose="020B0604020202020204" pitchFamily="34" charset="0"/>
                         </a:rPr>
                         <a:t>Registration Deadline</a:t>
                       </a:r>
@@ -4392,16 +4495,17 @@
                     <a:bodyPr/>
                     <a:lstStyle/>
                     <a:p>
-                      <a:pPr algn="l"/>
+                      <a:pPr algn="ctr"/>
                       <a:r>
-                        <a:rPr lang="en-US" altLang="zh-CN" b="0" i="0" dirty="0">
+                        <a:rPr lang="en-US" altLang="zh-CN" sz="2000" b="0" i="0" dirty="0">
                           <a:solidFill>
-                            <a:srgbClr val="535353"/>
+                            <a:schemeClr val="tx1"/>
                           </a:solidFill>
                           <a:effectLst/>
-                          <a:latin typeface="PingFang SC"/>
+                          <a:latin typeface="Arial" panose="020B0604020202020204" pitchFamily="34" charset="0"/>
+                          <a:cs typeface="Arial" panose="020B0604020202020204" pitchFamily="34" charset="0"/>
                         </a:rPr>
-                        <a:t>2024-07-15</a:t>
+                        <a:t>2024-06-15</a:t>
                       </a:r>
                     </a:p>
                   </a:txBody>
@@ -4459,14 +4563,15 @@
                     <a:bodyPr/>
                     <a:lstStyle/>
                     <a:p>
-                      <a:pPr algn="l"/>
+                      <a:pPr algn="ctr"/>
                       <a:r>
-                        <a:rPr lang="en-US" altLang="zh-CN" b="0" i="0" dirty="0">
+                        <a:rPr lang="en-US" altLang="zh-CN" sz="2000" b="0" i="0" dirty="0">
                           <a:solidFill>
-                            <a:srgbClr val="0A0B40"/>
+                            <a:schemeClr val="tx1"/>
                           </a:solidFill>
                           <a:effectLst/>
-                          <a:latin typeface="PingFang SC"/>
+                          <a:latin typeface="Arial" panose="020B0604020202020204" pitchFamily="34" charset="0"/>
+                          <a:cs typeface="Arial" panose="020B0604020202020204" pitchFamily="34" charset="0"/>
                         </a:rPr>
                         <a:t>Abstract Submission Deadline</a:t>
                       </a:r>
@@ -4519,16 +4624,17 @@
                     <a:bodyPr/>
                     <a:lstStyle/>
                     <a:p>
-                      <a:pPr algn="l"/>
+                      <a:pPr algn="ctr"/>
                       <a:r>
-                        <a:rPr lang="en-US" altLang="zh-CN" b="0" i="0" dirty="0">
+                        <a:rPr lang="en-US" altLang="zh-CN" sz="2000" b="0" i="0" dirty="0">
                           <a:solidFill>
-                            <a:srgbClr val="535353"/>
+                            <a:schemeClr val="tx1"/>
                           </a:solidFill>
                           <a:effectLst/>
-                          <a:latin typeface="PingFang SC"/>
+                          <a:latin typeface="Arial" panose="020B0604020202020204" pitchFamily="34" charset="0"/>
+                          <a:cs typeface="Arial" panose="020B0604020202020204" pitchFamily="34" charset="0"/>
                         </a:rPr>
-                        <a:t>2024-06-30</a:t>
+                        <a:t>2024-05-30</a:t>
                       </a:r>
                     </a:p>
                   </a:txBody>
@@ -4586,7 +4692,7 @@
                     <a:bodyPr/>
                     <a:lstStyle/>
                     <a:p>
-                      <a:pPr marL="0" marR="0" lvl="0" indent="0" algn="l" defTabSz="914400" rtl="0" eaLnBrk="1" fontAlgn="auto" latinLnBrk="0" hangingPunct="1">
+                      <a:pPr marL="0" marR="0" lvl="0" indent="0" algn="ctr" defTabSz="914400" rtl="0" eaLnBrk="1" fontAlgn="auto" latinLnBrk="0" hangingPunct="1">
                         <a:lnSpc>
                           <a:spcPct val="100000"/>
                         </a:lnSpc>
@@ -4604,14 +4710,15 @@
                         <a:defRPr/>
                       </a:pPr>
                       <a:r>
-                        <a:rPr lang="en-US" altLang="zh-CN" b="0" i="0" dirty="0">
+                        <a:rPr lang="en-US" altLang="zh-CN" sz="2000" b="0" i="0" dirty="0">
                           <a:solidFill>
-                            <a:srgbClr val="0A0B40"/>
+                            <a:schemeClr val="tx1"/>
                           </a:solidFill>
                           <a:effectLst/>
-                          <a:latin typeface="PingFang SC"/>
+                          <a:latin typeface="Arial" panose="020B0604020202020204" pitchFamily="34" charset="0"/>
+                          <a:cs typeface="Arial" panose="020B0604020202020204" pitchFamily="34" charset="0"/>
                         </a:rPr>
-                        <a:t>Commencement of Full Text Submission (optional)</a:t>
+                        <a:t>Full Text Submission Deadline (optional)</a:t>
                       </a:r>
                     </a:p>
                   </a:txBody>
@@ -4662,7 +4769,7 @@
                     <a:bodyPr/>
                     <a:lstStyle/>
                     <a:p>
-                      <a:pPr marL="0" marR="0" lvl="0" indent="0" algn="l" defTabSz="914400" rtl="0" eaLnBrk="1" fontAlgn="auto" latinLnBrk="0" hangingPunct="1">
+                      <a:pPr marL="0" marR="0" lvl="0" indent="0" algn="ctr" defTabSz="914400" rtl="0" eaLnBrk="1" fontAlgn="auto" latinLnBrk="0" hangingPunct="1">
                         <a:lnSpc>
                           <a:spcPct val="100000"/>
                         </a:lnSpc>
@@ -4680,173 +4787,15 @@
                         <a:defRPr/>
                       </a:pPr>
                       <a:r>
-                        <a:rPr lang="en-US" altLang="zh-CN" b="0" i="0" dirty="0">
+                        <a:rPr lang="en-US" altLang="zh-CN" sz="2000" b="0" i="0" dirty="0">
                           <a:solidFill>
-                            <a:srgbClr val="535353"/>
+                            <a:schemeClr val="tx1"/>
                           </a:solidFill>
                           <a:effectLst/>
-                          <a:latin typeface="PingFang SC"/>
+                          <a:latin typeface="Arial" panose="020B0604020202020204" pitchFamily="34" charset="0"/>
+                          <a:cs typeface="Arial" panose="020B0604020202020204" pitchFamily="34" charset="0"/>
                         </a:rPr>
-                        <a:t>2024-07-01</a:t>
-                      </a:r>
-                    </a:p>
-                  </a:txBody>
-                  <a:tcPr marL="63500" marR="63500" marT="63500" marB="63500" anchor="ctr">
-                    <a:lnL w="12700" cap="flat" cmpd="sng" algn="ctr">
-                      <a:solidFill>
-                        <a:schemeClr val="tx1"/>
-                      </a:solidFill>
-                      <a:prstDash val="solid"/>
-                      <a:round/>
-                      <a:headEnd type="none" w="med" len="med"/>
-                      <a:tailEnd type="none" w="med" len="med"/>
-                    </a:lnL>
-                    <a:lnR w="12700" cap="flat" cmpd="sng" algn="ctr">
-                      <a:solidFill>
-                        <a:schemeClr val="tx1"/>
-                      </a:solidFill>
-                      <a:prstDash val="solid"/>
-                      <a:round/>
-                      <a:headEnd type="none" w="med" len="med"/>
-                      <a:tailEnd type="none" w="med" len="med"/>
-                    </a:lnR>
-                    <a:lnT w="12700" cap="flat" cmpd="sng" algn="ctr">
-                      <a:solidFill>
-                        <a:schemeClr val="tx1"/>
-                      </a:solidFill>
-                      <a:prstDash val="solid"/>
-                      <a:round/>
-                      <a:headEnd type="none" w="med" len="med"/>
-                      <a:tailEnd type="none" w="med" len="med"/>
-                    </a:lnT>
-                    <a:lnB w="12700" cap="flat" cmpd="sng" algn="ctr">
-                      <a:solidFill>
-                        <a:schemeClr val="tx1"/>
-                      </a:solidFill>
-                      <a:prstDash val="solid"/>
-                      <a:round/>
-                      <a:headEnd type="none" w="med" len="med"/>
-                      <a:tailEnd type="none" w="med" len="med"/>
-                    </a:lnB>
-                    <a:solidFill>
-                      <a:srgbClr val="FFFFFF"/>
-                    </a:solidFill>
-                  </a:tcPr>
-                </a:tc>
-                <a:extLst>
-                  <a:ext uri="{0D108BD9-81ED-4DB2-BD59-A6C34878D82A}">
-                    <a16:rowId xmlns:a16="http://schemas.microsoft.com/office/drawing/2014/main" val="3431332842"/>
-                  </a:ext>
-                </a:extLst>
-              </a:tr>
-              <a:tr h="677295">
-                <a:tc>
-                  <a:txBody>
-                    <a:bodyPr/>
-                    <a:lstStyle/>
-                    <a:p>
-                      <a:pPr marL="0" marR="0" lvl="0" indent="0" algn="l" defTabSz="914400" rtl="0" eaLnBrk="1" fontAlgn="auto" latinLnBrk="0" hangingPunct="1">
-                        <a:lnSpc>
-                          <a:spcPct val="100000"/>
-                        </a:lnSpc>
-                        <a:spcBef>
-                          <a:spcPts val="0"/>
-                        </a:spcBef>
-                        <a:spcAft>
-                          <a:spcPts val="0"/>
-                        </a:spcAft>
-                        <a:buClrTx/>
-                        <a:buSzTx/>
-                        <a:buFontTx/>
-                        <a:buNone/>
-                        <a:tabLst/>
-                        <a:defRPr/>
-                      </a:pPr>
-                      <a:r>
-                        <a:rPr lang="en-US" altLang="zh-CN" b="0" i="0" dirty="0">
-                          <a:solidFill>
-                            <a:srgbClr val="0A0B40"/>
-                          </a:solidFill>
-                          <a:effectLst/>
-                          <a:latin typeface="PingFang SC"/>
-                        </a:rPr>
-                        <a:t>Full Text Submission Deadline (optional)</a:t>
-                      </a:r>
-                    </a:p>
-                  </a:txBody>
-                  <a:tcPr marL="63500" marR="63500" marT="63500" marB="63500" anchor="ctr">
-                    <a:lnL w="12700" cap="flat" cmpd="sng" algn="ctr">
-                      <a:solidFill>
-                        <a:schemeClr val="tx1"/>
-                      </a:solidFill>
-                      <a:prstDash val="solid"/>
-                      <a:round/>
-                      <a:headEnd type="none" w="med" len="med"/>
-                      <a:tailEnd type="none" w="med" len="med"/>
-                    </a:lnL>
-                    <a:lnR w="12700" cap="flat" cmpd="sng" algn="ctr">
-                      <a:solidFill>
-                        <a:schemeClr val="tx1"/>
-                      </a:solidFill>
-                      <a:prstDash val="solid"/>
-                      <a:round/>
-                      <a:headEnd type="none" w="med" len="med"/>
-                      <a:tailEnd type="none" w="med" len="med"/>
-                    </a:lnR>
-                    <a:lnT w="12700" cap="flat" cmpd="sng" algn="ctr">
-                      <a:solidFill>
-                        <a:schemeClr val="tx1"/>
-                      </a:solidFill>
-                      <a:prstDash val="solid"/>
-                      <a:round/>
-                      <a:headEnd type="none" w="med" len="med"/>
-                      <a:tailEnd type="none" w="med" len="med"/>
-                    </a:lnT>
-                    <a:lnB w="12700" cap="flat" cmpd="sng" algn="ctr">
-                      <a:solidFill>
-                        <a:schemeClr val="tx1"/>
-                      </a:solidFill>
-                      <a:prstDash val="solid"/>
-                      <a:round/>
-                      <a:headEnd type="none" w="med" len="med"/>
-                      <a:tailEnd type="none" w="med" len="med"/>
-                    </a:lnB>
-                    <a:solidFill>
-                      <a:srgbClr val="FFFFFF"/>
-                    </a:solidFill>
-                  </a:tcPr>
-                </a:tc>
-                <a:tc>
-                  <a:txBody>
-                    <a:bodyPr/>
-                    <a:lstStyle/>
-                    <a:p>
-                      <a:pPr marL="0" marR="0" lvl="0" indent="0" algn="l" defTabSz="914400" rtl="0" eaLnBrk="1" fontAlgn="auto" latinLnBrk="0" hangingPunct="1">
-                        <a:lnSpc>
-                          <a:spcPct val="100000"/>
-                        </a:lnSpc>
-                        <a:spcBef>
-                          <a:spcPts val="0"/>
-                        </a:spcBef>
-                        <a:spcAft>
-                          <a:spcPts val="0"/>
-                        </a:spcAft>
-                        <a:buClrTx/>
-                        <a:buSzTx/>
-                        <a:buFontTx/>
-                        <a:buNone/>
-                        <a:tabLst/>
-                        <a:defRPr/>
-                      </a:pPr>
-                      <a:r>
-                        <a:rPr lang="en-US" altLang="zh-CN" b="0" i="0" dirty="0">
-                          <a:solidFill>
-                            <a:srgbClr val="535353"/>
-                          </a:solidFill>
-                          <a:effectLst/>
-                          <a:latin typeface="PingFang SC"/>
-                        </a:rPr>
-                        <a:t>2024-07-31</a:t>
+                        <a:t>2024-06-31</a:t>
                       </a:r>
                     </a:p>
                   </a:txBody>

--- a/assets/figures.pptx
+++ b/assets/figures.pptx
@@ -4,9 +4,13 @@
   <p:sldMasterIdLst>
     <p:sldMasterId id="2147483648" r:id="rId1"/>
   </p:sldMasterIdLst>
+  <p:notesMasterIdLst>
+    <p:notesMasterId r:id="rId5"/>
+  </p:notesMasterIdLst>
   <p:sldIdLst>
     <p:sldId id="256" r:id="rId2"/>
     <p:sldId id="257" r:id="rId3"/>
+    <p:sldId id="258" r:id="rId4"/>
   </p:sldIdLst>
   <p:sldSz cx="12192000" cy="6858000"/>
   <p:notesSz cx="6858000" cy="9144000"/>
@@ -116,7 +120,7 @@
 <file path=ppt/revisionInfo.xml><?xml version="1.0" encoding="utf-8"?>
 <p1510:revInfo xmlns:a="http://schemas.openxmlformats.org/drawingml/2006/main" xmlns:r="http://schemas.openxmlformats.org/officeDocument/2006/relationships" xmlns:p1510="http://schemas.microsoft.com/office/powerpoint/2015/10/main">
   <p1510:revLst>
-    <p1510:client id="{0190945F-89A7-4B46-967C-3ACE53AB7830}" v="45" dt="2024-01-02T07:40:50.942"/>
+    <p1510:client id="{0190945F-89A7-4B46-967C-3ACE53AB7830}" v="65" dt="2024-01-02T12:07:19.284"/>
   </p1510:revLst>
 </p1510:revInfo>
 </file>
@@ -126,12 +130,12 @@
   <pc:docChgLst>
     <pc:chgData name="ZHANG Xiangyu" userId="0af619d5-14b7-43d3-95bc-94ad39c803d6" providerId="ADAL" clId="{0190945F-89A7-4B46-967C-3ACE53AB7830}"/>
     <pc:docChg chg="undo custSel addSld modSld">
-      <pc:chgData name="ZHANG Xiangyu" userId="0af619d5-14b7-43d3-95bc-94ad39c803d6" providerId="ADAL" clId="{0190945F-89A7-4B46-967C-3ACE53AB7830}" dt="2024-01-02T07:40:58.936" v="152" actId="2711"/>
+      <pc:chgData name="ZHANG Xiangyu" userId="0af619d5-14b7-43d3-95bc-94ad39c803d6" providerId="ADAL" clId="{0190945F-89A7-4B46-967C-3ACE53AB7830}" dt="2024-01-02T12:17:51.983" v="303" actId="14100"/>
       <pc:docMkLst>
         <pc:docMk/>
       </pc:docMkLst>
       <pc:sldChg chg="addSp delSp modSp new mod">
-        <pc:chgData name="ZHANG Xiangyu" userId="0af619d5-14b7-43d3-95bc-94ad39c803d6" providerId="ADAL" clId="{0190945F-89A7-4B46-967C-3ACE53AB7830}" dt="2024-01-02T07:40:58.936" v="152" actId="2711"/>
+        <pc:chgData name="ZHANG Xiangyu" userId="0af619d5-14b7-43d3-95bc-94ad39c803d6" providerId="ADAL" clId="{0190945F-89A7-4B46-967C-3ACE53AB7830}" dt="2024-01-02T11:35:26.181" v="175" actId="207"/>
         <pc:sldMkLst>
           <pc:docMk/>
           <pc:sldMk cId="3049935216" sldId="256"/>
@@ -142,6 +146,14 @@
             <pc:docMk/>
             <pc:sldMk cId="3049935216" sldId="256"/>
             <ac:spMk id="2" creationId="{C218CF49-6BDB-9F6C-16EA-9412A4B21C4B}"/>
+          </ac:spMkLst>
+        </pc:spChg>
+        <pc:spChg chg="add mod">
+          <ac:chgData name="ZHANG Xiangyu" userId="0af619d5-14b7-43d3-95bc-94ad39c803d6" providerId="ADAL" clId="{0190945F-89A7-4B46-967C-3ACE53AB7830}" dt="2024-01-02T11:35:26.181" v="175" actId="207"/>
+          <ac:spMkLst>
+            <pc:docMk/>
+            <pc:sldMk cId="3049935216" sldId="256"/>
+            <ac:spMk id="3" creationId="{101486CA-BA59-57CC-E758-409045605CE6}"/>
           </ac:spMkLst>
         </pc:spChg>
         <pc:spChg chg="del">
@@ -176,6 +188,30 @@
             <ac:graphicFrameMk id="4" creationId="{16594B61-899E-8A5D-3F30-E5ECAA00AC8D}"/>
           </ac:graphicFrameMkLst>
         </pc:graphicFrameChg>
+        <pc:picChg chg="add mod">
+          <ac:chgData name="ZHANG Xiangyu" userId="0af619d5-14b7-43d3-95bc-94ad39c803d6" providerId="ADAL" clId="{0190945F-89A7-4B46-967C-3ACE53AB7830}" dt="2024-01-02T11:17:28.938" v="162" actId="1076"/>
+          <ac:picMkLst>
+            <pc:docMk/>
+            <pc:sldMk cId="3049935216" sldId="256"/>
+            <ac:picMk id="7" creationId="{7DAB61B9-8CD3-90F3-ACC4-8DFEAB7FA849}"/>
+          </ac:picMkLst>
+        </pc:picChg>
+        <pc:picChg chg="add mod">
+          <ac:chgData name="ZHANG Xiangyu" userId="0af619d5-14b7-43d3-95bc-94ad39c803d6" providerId="ADAL" clId="{0190945F-89A7-4B46-967C-3ACE53AB7830}" dt="2024-01-02T11:22:14.684" v="167" actId="1076"/>
+          <ac:picMkLst>
+            <pc:docMk/>
+            <pc:sldMk cId="3049935216" sldId="256"/>
+            <ac:picMk id="8" creationId="{164AA4B6-CAA9-FC08-A928-E4D4FC66DDC5}"/>
+          </ac:picMkLst>
+        </pc:picChg>
+        <pc:picChg chg="add mod">
+          <ac:chgData name="ZHANG Xiangyu" userId="0af619d5-14b7-43d3-95bc-94ad39c803d6" providerId="ADAL" clId="{0190945F-89A7-4B46-967C-3ACE53AB7830}" dt="2024-01-02T11:28:01.837" v="172" actId="1076"/>
+          <ac:picMkLst>
+            <pc:docMk/>
+            <pc:sldMk cId="3049935216" sldId="256"/>
+            <ac:picMk id="9" creationId="{AA1F90E1-170A-BA94-FFE6-2FD9E20EFF97}"/>
+          </ac:picMkLst>
+        </pc:picChg>
       </pc:sldChg>
       <pc:sldChg chg="addSp delSp modSp new mod">
         <pc:chgData name="ZHANG Xiangyu" userId="0af619d5-14b7-43d3-95bc-94ad39c803d6" providerId="ADAL" clId="{0190945F-89A7-4B46-967C-3ACE53AB7830}" dt="2024-01-02T07:40:36.921" v="148" actId="5736"/>
@@ -216,9 +252,529 @@
           </ac:graphicFrameMkLst>
         </pc:graphicFrameChg>
       </pc:sldChg>
+      <pc:sldChg chg="addSp delSp modSp new mod">
+        <pc:chgData name="ZHANG Xiangyu" userId="0af619d5-14b7-43d3-95bc-94ad39c803d6" providerId="ADAL" clId="{0190945F-89A7-4B46-967C-3ACE53AB7830}" dt="2024-01-02T12:17:51.983" v="303" actId="14100"/>
+        <pc:sldMkLst>
+          <pc:docMk/>
+          <pc:sldMk cId="3376447091" sldId="258"/>
+        </pc:sldMkLst>
+        <pc:spChg chg="del">
+          <ac:chgData name="ZHANG Xiangyu" userId="0af619d5-14b7-43d3-95bc-94ad39c803d6" providerId="ADAL" clId="{0190945F-89A7-4B46-967C-3ACE53AB7830}" dt="2024-01-02T11:53:08.593" v="177" actId="478"/>
+          <ac:spMkLst>
+            <pc:docMk/>
+            <pc:sldMk cId="3376447091" sldId="258"/>
+            <ac:spMk id="2" creationId="{64689E8B-3A1F-3B42-36E7-1DBE076E3A03}"/>
+          </ac:spMkLst>
+        </pc:spChg>
+        <pc:spChg chg="del">
+          <ac:chgData name="ZHANG Xiangyu" userId="0af619d5-14b7-43d3-95bc-94ad39c803d6" providerId="ADAL" clId="{0190945F-89A7-4B46-967C-3ACE53AB7830}" dt="2024-01-02T11:53:08.593" v="177" actId="478"/>
+          <ac:spMkLst>
+            <pc:docMk/>
+            <pc:sldMk cId="3376447091" sldId="258"/>
+            <ac:spMk id="3" creationId="{DEA6B49C-7D7B-1B54-05F8-77EB3105D876}"/>
+          </ac:spMkLst>
+        </pc:spChg>
+        <pc:spChg chg="add mod">
+          <ac:chgData name="ZHANG Xiangyu" userId="0af619d5-14b7-43d3-95bc-94ad39c803d6" providerId="ADAL" clId="{0190945F-89A7-4B46-967C-3ACE53AB7830}" dt="2024-01-02T12:07:07.235" v="301" actId="164"/>
+          <ac:spMkLst>
+            <pc:docMk/>
+            <pc:sldMk cId="3376447091" sldId="258"/>
+            <ac:spMk id="8" creationId="{9F82CA91-EC88-7B15-3748-C00073B9926F}"/>
+          </ac:spMkLst>
+        </pc:spChg>
+        <pc:spChg chg="add mod">
+          <ac:chgData name="ZHANG Xiangyu" userId="0af619d5-14b7-43d3-95bc-94ad39c803d6" providerId="ADAL" clId="{0190945F-89A7-4B46-967C-3ACE53AB7830}" dt="2024-01-02T12:17:51.983" v="303" actId="14100"/>
+          <ac:spMkLst>
+            <pc:docMk/>
+            <pc:sldMk cId="3376447091" sldId="258"/>
+            <ac:spMk id="13" creationId="{20E76A9B-1177-B2AE-788A-3386D87A00FC}"/>
+          </ac:spMkLst>
+        </pc:spChg>
+        <pc:grpChg chg="add mod">
+          <ac:chgData name="ZHANG Xiangyu" userId="0af619d5-14b7-43d3-95bc-94ad39c803d6" providerId="ADAL" clId="{0190945F-89A7-4B46-967C-3ACE53AB7830}" dt="2024-01-02T12:07:07.235" v="301" actId="164"/>
+          <ac:grpSpMkLst>
+            <pc:docMk/>
+            <pc:sldMk cId="3376447091" sldId="258"/>
+            <ac:grpSpMk id="14" creationId="{C782A61A-070F-7915-5677-E8B7205D17CE}"/>
+          </ac:grpSpMkLst>
+        </pc:grpChg>
+        <pc:grpChg chg="add mod">
+          <ac:chgData name="ZHANG Xiangyu" userId="0af619d5-14b7-43d3-95bc-94ad39c803d6" providerId="ADAL" clId="{0190945F-89A7-4B46-967C-3ACE53AB7830}" dt="2024-01-02T12:07:19.283" v="302" actId="164"/>
+          <ac:grpSpMkLst>
+            <pc:docMk/>
+            <pc:sldMk cId="3376447091" sldId="258"/>
+            <ac:grpSpMk id="15" creationId="{5283558D-41E1-CF12-F650-80573F419935}"/>
+          </ac:grpSpMkLst>
+        </pc:grpChg>
+        <pc:graphicFrameChg chg="add del mod">
+          <ac:chgData name="ZHANG Xiangyu" userId="0af619d5-14b7-43d3-95bc-94ad39c803d6" providerId="ADAL" clId="{0190945F-89A7-4B46-967C-3ACE53AB7830}" dt="2024-01-02T11:53:17.561" v="180"/>
+          <ac:graphicFrameMkLst>
+            <pc:docMk/>
+            <pc:sldMk cId="3376447091" sldId="258"/>
+            <ac:graphicFrameMk id="4" creationId="{C1E6AD06-DB8C-9980-C234-DA7EC2C4FDA3}"/>
+          </ac:graphicFrameMkLst>
+        </pc:graphicFrameChg>
+        <pc:graphicFrameChg chg="add del mod">
+          <ac:chgData name="ZHANG Xiangyu" userId="0af619d5-14b7-43d3-95bc-94ad39c803d6" providerId="ADAL" clId="{0190945F-89A7-4B46-967C-3ACE53AB7830}" dt="2024-01-02T11:56:14.315" v="197"/>
+          <ac:graphicFrameMkLst>
+            <pc:docMk/>
+            <pc:sldMk cId="3376447091" sldId="258"/>
+            <ac:graphicFrameMk id="9" creationId="{D46EC842-0CCF-8D15-04AE-E23530F59437}"/>
+          </ac:graphicFrameMkLst>
+        </pc:graphicFrameChg>
+        <pc:picChg chg="add mod">
+          <ac:chgData name="ZHANG Xiangyu" userId="0af619d5-14b7-43d3-95bc-94ad39c803d6" providerId="ADAL" clId="{0190945F-89A7-4B46-967C-3ACE53AB7830}" dt="2024-01-02T12:07:07.235" v="301" actId="164"/>
+          <ac:picMkLst>
+            <pc:docMk/>
+            <pc:sldMk cId="3376447091" sldId="258"/>
+            <ac:picMk id="6" creationId="{111713F4-305F-0BBD-407D-CC6893B9F584}"/>
+          </ac:picMkLst>
+        </pc:picChg>
+        <pc:picChg chg="add mod modCrop">
+          <ac:chgData name="ZHANG Xiangyu" userId="0af619d5-14b7-43d3-95bc-94ad39c803d6" providerId="ADAL" clId="{0190945F-89A7-4B46-967C-3ACE53AB7830}" dt="2024-01-02T12:07:19.283" v="302" actId="164"/>
+          <ac:picMkLst>
+            <pc:docMk/>
+            <pc:sldMk cId="3376447091" sldId="258"/>
+            <ac:picMk id="11" creationId="{2C76A879-F945-0727-8312-E1D4C80BA4E7}"/>
+          </ac:picMkLst>
+        </pc:picChg>
+      </pc:sldChg>
     </pc:docChg>
   </pc:docChgLst>
 </pc:chgInfo>
+</file>
+
+<file path=ppt/notesMasters/notesMaster1.xml><?xml version="1.0" encoding="utf-8"?>
+<p:notesMaster xmlns:a="http://schemas.openxmlformats.org/drawingml/2006/main" xmlns:r="http://schemas.openxmlformats.org/officeDocument/2006/relationships" xmlns:p="http://schemas.openxmlformats.org/presentationml/2006/main">
+  <p:cSld>
+    <p:bg>
+      <p:bgRef idx="1001">
+        <a:schemeClr val="bg1"/>
+      </p:bgRef>
+    </p:bg>
+    <p:spTree>
+      <p:nvGrpSpPr>
+        <p:cNvPr id="1" name=""/>
+        <p:cNvGrpSpPr/>
+        <p:nvPr/>
+      </p:nvGrpSpPr>
+      <p:grpSpPr>
+        <a:xfrm>
+          <a:off x="0" y="0"/>
+          <a:ext cx="0" cy="0"/>
+          <a:chOff x="0" y="0"/>
+          <a:chExt cx="0" cy="0"/>
+        </a:xfrm>
+      </p:grpSpPr>
+      <p:sp>
+        <p:nvSpPr>
+          <p:cNvPr id="2" name="页眉占位符 1"/>
+          <p:cNvSpPr>
+            <a:spLocks noGrp="1"/>
+          </p:cNvSpPr>
+          <p:nvPr>
+            <p:ph type="hdr" sz="quarter"/>
+          </p:nvPr>
+        </p:nvSpPr>
+        <p:spPr>
+          <a:xfrm>
+            <a:off x="0" y="0"/>
+            <a:ext cx="2971800" cy="458788"/>
+          </a:xfrm>
+          <a:prstGeom prst="rect">
+            <a:avLst/>
+          </a:prstGeom>
+        </p:spPr>
+        <p:txBody>
+          <a:bodyPr vert="horz" lIns="91440" tIns="45720" rIns="91440" bIns="45720" rtlCol="0"/>
+          <a:lstStyle>
+            <a:lvl1pPr algn="l">
+              <a:defRPr sz="1200"/>
+            </a:lvl1pPr>
+          </a:lstStyle>
+          <a:p>
+            <a:endParaRPr lang="zh-CN" altLang="en-US"/>
+          </a:p>
+        </p:txBody>
+      </p:sp>
+      <p:sp>
+        <p:nvSpPr>
+          <p:cNvPr id="3" name="日期占位符 2"/>
+          <p:cNvSpPr>
+            <a:spLocks noGrp="1"/>
+          </p:cNvSpPr>
+          <p:nvPr>
+            <p:ph type="dt" idx="1"/>
+          </p:nvPr>
+        </p:nvSpPr>
+        <p:spPr>
+          <a:xfrm>
+            <a:off x="3884613" y="0"/>
+            <a:ext cx="2971800" cy="458788"/>
+          </a:xfrm>
+          <a:prstGeom prst="rect">
+            <a:avLst/>
+          </a:prstGeom>
+        </p:spPr>
+        <p:txBody>
+          <a:bodyPr vert="horz" lIns="91440" tIns="45720" rIns="91440" bIns="45720" rtlCol="0"/>
+          <a:lstStyle>
+            <a:lvl1pPr algn="r">
+              <a:defRPr sz="1200"/>
+            </a:lvl1pPr>
+          </a:lstStyle>
+          <a:p>
+            <a:fld id="{B6A0FF1A-FA3A-44F4-8102-A8B090DA15CE}" type="datetimeFigureOut">
+              <a:rPr lang="zh-CN" altLang="en-US" smtClean="0"/>
+              <a:t>2024/1/2</a:t>
+            </a:fld>
+            <a:endParaRPr lang="zh-CN" altLang="en-US"/>
+          </a:p>
+        </p:txBody>
+      </p:sp>
+      <p:sp>
+        <p:nvSpPr>
+          <p:cNvPr id="4" name="幻灯片图像占位符 3"/>
+          <p:cNvSpPr>
+            <a:spLocks noGrp="1" noRot="1" noChangeAspect="1"/>
+          </p:cNvSpPr>
+          <p:nvPr>
+            <p:ph type="sldImg" idx="2"/>
+          </p:nvPr>
+        </p:nvSpPr>
+        <p:spPr>
+          <a:xfrm>
+            <a:off x="685800" y="1143000"/>
+            <a:ext cx="5486400" cy="3086100"/>
+          </a:xfrm>
+          <a:prstGeom prst="rect">
+            <a:avLst/>
+          </a:prstGeom>
+          <a:noFill/>
+          <a:ln w="12700">
+            <a:solidFill>
+              <a:prstClr val="black"/>
+            </a:solidFill>
+          </a:ln>
+        </p:spPr>
+        <p:txBody>
+          <a:bodyPr vert="horz" lIns="91440" tIns="45720" rIns="91440" bIns="45720" rtlCol="0" anchor="ctr"/>
+          <a:lstStyle/>
+          <a:p>
+            <a:endParaRPr lang="zh-CN" altLang="en-US"/>
+          </a:p>
+        </p:txBody>
+      </p:sp>
+      <p:sp>
+        <p:nvSpPr>
+          <p:cNvPr id="5" name="备注占位符 4"/>
+          <p:cNvSpPr>
+            <a:spLocks noGrp="1"/>
+          </p:cNvSpPr>
+          <p:nvPr>
+            <p:ph type="body" sz="quarter" idx="3"/>
+          </p:nvPr>
+        </p:nvSpPr>
+        <p:spPr>
+          <a:xfrm>
+            <a:off x="685800" y="4400550"/>
+            <a:ext cx="5486400" cy="3600450"/>
+          </a:xfrm>
+          <a:prstGeom prst="rect">
+            <a:avLst/>
+          </a:prstGeom>
+        </p:spPr>
+        <p:txBody>
+          <a:bodyPr vert="horz" lIns="91440" tIns="45720" rIns="91440" bIns="45720" rtlCol="0"/>
+          <a:lstStyle/>
+          <a:p>
+            <a:pPr lvl="0"/>
+            <a:r>
+              <a:rPr lang="zh-CN" altLang="en-US"/>
+              <a:t>单击此处编辑母版文本样式</a:t>
+            </a:r>
+          </a:p>
+          <a:p>
+            <a:pPr lvl="1"/>
+            <a:r>
+              <a:rPr lang="zh-CN" altLang="en-US"/>
+              <a:t>二级</a:t>
+            </a:r>
+          </a:p>
+          <a:p>
+            <a:pPr lvl="2"/>
+            <a:r>
+              <a:rPr lang="zh-CN" altLang="en-US"/>
+              <a:t>三级</a:t>
+            </a:r>
+          </a:p>
+          <a:p>
+            <a:pPr lvl="3"/>
+            <a:r>
+              <a:rPr lang="zh-CN" altLang="en-US"/>
+              <a:t>四级</a:t>
+            </a:r>
+          </a:p>
+          <a:p>
+            <a:pPr lvl="4"/>
+            <a:r>
+              <a:rPr lang="zh-CN" altLang="en-US"/>
+              <a:t>五级</a:t>
+            </a:r>
+          </a:p>
+        </p:txBody>
+      </p:sp>
+      <p:sp>
+        <p:nvSpPr>
+          <p:cNvPr id="6" name="页脚占位符 5"/>
+          <p:cNvSpPr>
+            <a:spLocks noGrp="1"/>
+          </p:cNvSpPr>
+          <p:nvPr>
+            <p:ph type="ftr" sz="quarter" idx="4"/>
+          </p:nvPr>
+        </p:nvSpPr>
+        <p:spPr>
+          <a:xfrm>
+            <a:off x="0" y="8685213"/>
+            <a:ext cx="2971800" cy="458787"/>
+          </a:xfrm>
+          <a:prstGeom prst="rect">
+            <a:avLst/>
+          </a:prstGeom>
+        </p:spPr>
+        <p:txBody>
+          <a:bodyPr vert="horz" lIns="91440" tIns="45720" rIns="91440" bIns="45720" rtlCol="0" anchor="b"/>
+          <a:lstStyle>
+            <a:lvl1pPr algn="l">
+              <a:defRPr sz="1200"/>
+            </a:lvl1pPr>
+          </a:lstStyle>
+          <a:p>
+            <a:endParaRPr lang="zh-CN" altLang="en-US"/>
+          </a:p>
+        </p:txBody>
+      </p:sp>
+      <p:sp>
+        <p:nvSpPr>
+          <p:cNvPr id="7" name="灯片编号占位符 6"/>
+          <p:cNvSpPr>
+            <a:spLocks noGrp="1"/>
+          </p:cNvSpPr>
+          <p:nvPr>
+            <p:ph type="sldNum" sz="quarter" idx="5"/>
+          </p:nvPr>
+        </p:nvSpPr>
+        <p:spPr>
+          <a:xfrm>
+            <a:off x="3884613" y="8685213"/>
+            <a:ext cx="2971800" cy="458787"/>
+          </a:xfrm>
+          <a:prstGeom prst="rect">
+            <a:avLst/>
+          </a:prstGeom>
+        </p:spPr>
+        <p:txBody>
+          <a:bodyPr vert="horz" lIns="91440" tIns="45720" rIns="91440" bIns="45720" rtlCol="0" anchor="b"/>
+          <a:lstStyle>
+            <a:lvl1pPr algn="r">
+              <a:defRPr sz="1200"/>
+            </a:lvl1pPr>
+          </a:lstStyle>
+          <a:p>
+            <a:fld id="{F5B200CC-652F-45D7-9D9C-40A56CAF48BA}" type="slidenum">
+              <a:rPr lang="zh-CN" altLang="en-US" smtClean="0"/>
+              <a:t>‹#›</a:t>
+            </a:fld>
+            <a:endParaRPr lang="zh-CN" altLang="en-US"/>
+          </a:p>
+        </p:txBody>
+      </p:sp>
+    </p:spTree>
+    <p:extLst>
+      <p:ext uri="{BB962C8B-B14F-4D97-AF65-F5344CB8AC3E}">
+        <p14:creationId xmlns:p14="http://schemas.microsoft.com/office/powerpoint/2010/main" val="1927575331"/>
+      </p:ext>
+    </p:extLst>
+  </p:cSld>
+  <p:clrMap bg1="lt1" tx1="dk1" bg2="lt2" tx2="dk2" accent1="accent1" accent2="accent2" accent3="accent3" accent4="accent4" accent5="accent5" accent6="accent6" hlink="hlink" folHlink="folHlink"/>
+  <p:notesStyle>
+    <a:lvl1pPr marL="0" algn="l" defTabSz="914400" rtl="0" eaLnBrk="1" latinLnBrk="0" hangingPunct="1">
+      <a:defRPr sz="1200" kern="1200">
+        <a:solidFill>
+          <a:schemeClr val="tx1"/>
+        </a:solidFill>
+        <a:latin typeface="+mn-lt"/>
+        <a:ea typeface="+mn-ea"/>
+        <a:cs typeface="+mn-cs"/>
+      </a:defRPr>
+    </a:lvl1pPr>
+    <a:lvl2pPr marL="457200" algn="l" defTabSz="914400" rtl="0" eaLnBrk="1" latinLnBrk="0" hangingPunct="1">
+      <a:defRPr sz="1200" kern="1200">
+        <a:solidFill>
+          <a:schemeClr val="tx1"/>
+        </a:solidFill>
+        <a:latin typeface="+mn-lt"/>
+        <a:ea typeface="+mn-ea"/>
+        <a:cs typeface="+mn-cs"/>
+      </a:defRPr>
+    </a:lvl2pPr>
+    <a:lvl3pPr marL="914400" algn="l" defTabSz="914400" rtl="0" eaLnBrk="1" latinLnBrk="0" hangingPunct="1">
+      <a:defRPr sz="1200" kern="1200">
+        <a:solidFill>
+          <a:schemeClr val="tx1"/>
+        </a:solidFill>
+        <a:latin typeface="+mn-lt"/>
+        <a:ea typeface="+mn-ea"/>
+        <a:cs typeface="+mn-cs"/>
+      </a:defRPr>
+    </a:lvl3pPr>
+    <a:lvl4pPr marL="1371600" algn="l" defTabSz="914400" rtl="0" eaLnBrk="1" latinLnBrk="0" hangingPunct="1">
+      <a:defRPr sz="1200" kern="1200">
+        <a:solidFill>
+          <a:schemeClr val="tx1"/>
+        </a:solidFill>
+        <a:latin typeface="+mn-lt"/>
+        <a:ea typeface="+mn-ea"/>
+        <a:cs typeface="+mn-cs"/>
+      </a:defRPr>
+    </a:lvl4pPr>
+    <a:lvl5pPr marL="1828800" algn="l" defTabSz="914400" rtl="0" eaLnBrk="1" latinLnBrk="0" hangingPunct="1">
+      <a:defRPr sz="1200" kern="1200">
+        <a:solidFill>
+          <a:schemeClr val="tx1"/>
+        </a:solidFill>
+        <a:latin typeface="+mn-lt"/>
+        <a:ea typeface="+mn-ea"/>
+        <a:cs typeface="+mn-cs"/>
+      </a:defRPr>
+    </a:lvl5pPr>
+    <a:lvl6pPr marL="2286000" algn="l" defTabSz="914400" rtl="0" eaLnBrk="1" latinLnBrk="0" hangingPunct="1">
+      <a:defRPr sz="1200" kern="1200">
+        <a:solidFill>
+          <a:schemeClr val="tx1"/>
+        </a:solidFill>
+        <a:latin typeface="+mn-lt"/>
+        <a:ea typeface="+mn-ea"/>
+        <a:cs typeface="+mn-cs"/>
+      </a:defRPr>
+    </a:lvl6pPr>
+    <a:lvl7pPr marL="2743200" algn="l" defTabSz="914400" rtl="0" eaLnBrk="1" latinLnBrk="0" hangingPunct="1">
+      <a:defRPr sz="1200" kern="1200">
+        <a:solidFill>
+          <a:schemeClr val="tx1"/>
+        </a:solidFill>
+        <a:latin typeface="+mn-lt"/>
+        <a:ea typeface="+mn-ea"/>
+        <a:cs typeface="+mn-cs"/>
+      </a:defRPr>
+    </a:lvl7pPr>
+    <a:lvl8pPr marL="3200400" algn="l" defTabSz="914400" rtl="0" eaLnBrk="1" latinLnBrk="0" hangingPunct="1">
+      <a:defRPr sz="1200" kern="1200">
+        <a:solidFill>
+          <a:schemeClr val="tx1"/>
+        </a:solidFill>
+        <a:latin typeface="+mn-lt"/>
+        <a:ea typeface="+mn-ea"/>
+        <a:cs typeface="+mn-cs"/>
+      </a:defRPr>
+    </a:lvl8pPr>
+    <a:lvl9pPr marL="3657600" algn="l" defTabSz="914400" rtl="0" eaLnBrk="1" latinLnBrk="0" hangingPunct="1">
+      <a:defRPr sz="1200" kern="1200">
+        <a:solidFill>
+          <a:schemeClr val="tx1"/>
+        </a:solidFill>
+        <a:latin typeface="+mn-lt"/>
+        <a:ea typeface="+mn-ea"/>
+        <a:cs typeface="+mn-cs"/>
+      </a:defRPr>
+    </a:lvl9pPr>
+  </p:notesStyle>
+</p:notesMaster>
+</file>
+
+<file path=ppt/notesSlides/notesSlide1.xml><?xml version="1.0" encoding="utf-8"?>
+<p:notes xmlns:a="http://schemas.openxmlformats.org/drawingml/2006/main" xmlns:r="http://schemas.openxmlformats.org/officeDocument/2006/relationships" xmlns:p="http://schemas.openxmlformats.org/presentationml/2006/main">
+  <p:cSld>
+    <p:spTree>
+      <p:nvGrpSpPr>
+        <p:cNvPr id="1" name=""/>
+        <p:cNvGrpSpPr/>
+        <p:nvPr/>
+      </p:nvGrpSpPr>
+      <p:grpSpPr>
+        <a:xfrm>
+          <a:off x="0" y="0"/>
+          <a:ext cx="0" cy="0"/>
+          <a:chOff x="0" y="0"/>
+          <a:chExt cx="0" cy="0"/>
+        </a:xfrm>
+      </p:grpSpPr>
+      <p:sp>
+        <p:nvSpPr>
+          <p:cNvPr id="2" name="幻灯片图像占位符 1"/>
+          <p:cNvSpPr>
+            <a:spLocks noGrp="1" noRot="1" noChangeAspect="1"/>
+          </p:cNvSpPr>
+          <p:nvPr>
+            <p:ph type="sldImg"/>
+          </p:nvPr>
+        </p:nvSpPr>
+        <p:spPr/>
+      </p:sp>
+      <p:sp>
+        <p:nvSpPr>
+          <p:cNvPr id="3" name="备注占位符 2"/>
+          <p:cNvSpPr>
+            <a:spLocks noGrp="1"/>
+          </p:cNvSpPr>
+          <p:nvPr>
+            <p:ph type="body" idx="1"/>
+          </p:nvPr>
+        </p:nvSpPr>
+        <p:spPr/>
+        <p:txBody>
+          <a:bodyPr/>
+          <a:lstStyle/>
+          <a:p>
+            <a:endParaRPr lang="zh-CN" altLang="en-US" dirty="0"/>
+          </a:p>
+        </p:txBody>
+      </p:sp>
+      <p:sp>
+        <p:nvSpPr>
+          <p:cNvPr id="4" name="灯片编号占位符 3"/>
+          <p:cNvSpPr>
+            <a:spLocks noGrp="1"/>
+          </p:cNvSpPr>
+          <p:nvPr>
+            <p:ph type="sldNum" sz="quarter" idx="5"/>
+          </p:nvPr>
+        </p:nvSpPr>
+        <p:spPr/>
+        <p:txBody>
+          <a:bodyPr/>
+          <a:lstStyle/>
+          <a:p>
+            <a:fld id="{F5B200CC-652F-45D7-9D9C-40A56CAF48BA}" type="slidenum">
+              <a:rPr lang="zh-CN" altLang="en-US" smtClean="0"/>
+              <a:t>1</a:t>
+            </a:fld>
+            <a:endParaRPr lang="zh-CN" altLang="en-US"/>
+          </a:p>
+        </p:txBody>
+      </p:sp>
+    </p:spTree>
+    <p:extLst>
+      <p:ext uri="{BB962C8B-B14F-4D97-AF65-F5344CB8AC3E}">
+        <p14:creationId xmlns:p14="http://schemas.microsoft.com/office/powerpoint/2010/main" val="2495014264"/>
+      </p:ext>
+    </p:extLst>
+  </p:cSld>
+  <p:clrMapOvr>
+    <a:masterClrMapping/>
+  </p:clrMapOvr>
+</p:notes>
 </file>
 
 <file path=ppt/slideLayouts/slideLayout1.xml><?xml version="1.0" encoding="utf-8"?>
@@ -4225,6 +4781,162 @@
           </a:p>
         </p:txBody>
       </p:sp>
+      <p:sp>
+        <p:nvSpPr>
+          <p:cNvPr id="3" name="文本框 2">
+            <a:extLst>
+              <a:ext uri="{FF2B5EF4-FFF2-40B4-BE49-F238E27FC236}">
+                <a16:creationId xmlns:a16="http://schemas.microsoft.com/office/drawing/2014/main" id="{101486CA-BA59-57CC-E758-409045605CE6}"/>
+              </a:ext>
+            </a:extLst>
+          </p:cNvPr>
+          <p:cNvSpPr txBox="1"/>
+          <p:nvPr/>
+        </p:nvSpPr>
+        <p:spPr>
+          <a:xfrm>
+            <a:off x="1026663" y="5746233"/>
+            <a:ext cx="6096000" cy="369332"/>
+          </a:xfrm>
+          <a:prstGeom prst="rect">
+            <a:avLst/>
+          </a:prstGeom>
+          <a:noFill/>
+        </p:spPr>
+        <p:txBody>
+          <a:bodyPr wrap="square">
+            <a:spAutoFit/>
+          </a:bodyPr>
+          <a:lstStyle/>
+          <a:p>
+            <a:pPr algn="ctr"/>
+            <a:r>
+              <a:rPr lang="en-US" altLang="zh-CN" sz="1800" b="1" i="0" kern="1200" dirty="0">
+                <a:solidFill>
+                  <a:srgbClr val="FA9C3E"/>
+                </a:solidFill>
+                <a:effectLst/>
+                <a:latin typeface="Arial Black" panose="020B0A04020102020204" pitchFamily="34" charset="0"/>
+                <a:cs typeface="Arial" panose="020B0604020202020204" pitchFamily="34" charset="0"/>
+              </a:rPr>
+              <a:t>Registration</a:t>
+            </a:r>
+            <a:r>
+              <a:rPr lang="en-US" altLang="zh-CN" sz="1800" b="1" i="0" kern="1200" dirty="0">
+                <a:solidFill>
+                  <a:schemeClr val="bg1">
+                    <a:lumMod val="85000"/>
+                  </a:schemeClr>
+                </a:solidFill>
+                <a:effectLst/>
+                <a:latin typeface="Arial Black" panose="020B0A04020102020204" pitchFamily="34" charset="0"/>
+                <a:cs typeface="Arial" panose="020B0604020202020204" pitchFamily="34" charset="0"/>
+              </a:rPr>
+              <a:t> Type</a:t>
+            </a:r>
+            <a:endParaRPr lang="en-US" altLang="zh-CN" dirty="0">
+              <a:solidFill>
+                <a:schemeClr val="bg1">
+                  <a:lumMod val="85000"/>
+                </a:schemeClr>
+              </a:solidFill>
+              <a:effectLst/>
+              <a:latin typeface="Arial Black" panose="020B0A04020102020204" pitchFamily="34" charset="0"/>
+              <a:cs typeface="Arial" panose="020B0604020202020204" pitchFamily="34" charset="0"/>
+            </a:endParaRPr>
+          </a:p>
+        </p:txBody>
+      </p:sp>
+      <p:pic>
+        <p:nvPicPr>
+          <p:cNvPr id="7" name="图片 6">
+            <a:extLst>
+              <a:ext uri="{FF2B5EF4-FFF2-40B4-BE49-F238E27FC236}">
+                <a16:creationId xmlns:a16="http://schemas.microsoft.com/office/drawing/2014/main" id="{7DAB61B9-8CD3-90F3-ACC4-8DFEAB7FA849}"/>
+              </a:ext>
+            </a:extLst>
+          </p:cNvPr>
+          <p:cNvPicPr>
+            <a:picLocks noChangeAspect="1"/>
+          </p:cNvPicPr>
+          <p:nvPr/>
+        </p:nvPicPr>
+        <p:blipFill>
+          <a:blip r:embed="rId3"/>
+          <a:stretch>
+            <a:fillRect/>
+          </a:stretch>
+        </p:blipFill>
+        <p:spPr>
+          <a:xfrm>
+            <a:off x="5224224" y="5711813"/>
+            <a:ext cx="1200212" cy="438173"/>
+          </a:xfrm>
+          <a:prstGeom prst="rect">
+            <a:avLst/>
+          </a:prstGeom>
+        </p:spPr>
+      </p:pic>
+      <p:pic>
+        <p:nvPicPr>
+          <p:cNvPr id="8" name="图片 7">
+            <a:extLst>
+              <a:ext uri="{FF2B5EF4-FFF2-40B4-BE49-F238E27FC236}">
+                <a16:creationId xmlns:a16="http://schemas.microsoft.com/office/drawing/2014/main" id="{164AA4B6-CAA9-FC08-A928-E4D4FC66DDC5}"/>
+              </a:ext>
+            </a:extLst>
+          </p:cNvPr>
+          <p:cNvPicPr>
+            <a:picLocks noChangeAspect="1"/>
+          </p:cNvPicPr>
+          <p:nvPr/>
+        </p:nvPicPr>
+        <p:blipFill>
+          <a:blip r:embed="rId4"/>
+          <a:stretch>
+            <a:fillRect/>
+          </a:stretch>
+        </p:blipFill>
+        <p:spPr>
+          <a:xfrm>
+            <a:off x="6853791" y="3118486"/>
+            <a:ext cx="2635385" cy="3391074"/>
+          </a:xfrm>
+          <a:prstGeom prst="rect">
+            <a:avLst/>
+          </a:prstGeom>
+        </p:spPr>
+      </p:pic>
+      <p:pic>
+        <p:nvPicPr>
+          <p:cNvPr id="9" name="图片 8">
+            <a:extLst>
+              <a:ext uri="{FF2B5EF4-FFF2-40B4-BE49-F238E27FC236}">
+                <a16:creationId xmlns:a16="http://schemas.microsoft.com/office/drawing/2014/main" id="{AA1F90E1-170A-BA94-FFE6-2FD9E20EFF97}"/>
+              </a:ext>
+            </a:extLst>
+          </p:cNvPr>
+          <p:cNvPicPr>
+            <a:picLocks noChangeAspect="1"/>
+          </p:cNvPicPr>
+          <p:nvPr/>
+        </p:nvPicPr>
+        <p:blipFill>
+          <a:blip r:embed="rId5"/>
+          <a:stretch>
+            <a:fillRect/>
+          </a:stretch>
+        </p:blipFill>
+        <p:spPr>
+          <a:xfrm>
+            <a:off x="4878774" y="4544465"/>
+            <a:ext cx="977950" cy="698536"/>
+          </a:xfrm>
+          <a:prstGeom prst="rect">
+            <a:avLst/>
+          </a:prstGeom>
+        </p:spPr>
+      </p:pic>
     </p:spTree>
     <p:extLst>
       <p:ext uri="{BB962C8B-B14F-4D97-AF65-F5344CB8AC3E}">
@@ -4864,6 +5576,311 @@
 </p:sld>
 </file>
 
+<file path=ppt/slides/slide3.xml><?xml version="1.0" encoding="utf-8"?>
+<p:sld xmlns:a="http://schemas.openxmlformats.org/drawingml/2006/main" xmlns:r="http://schemas.openxmlformats.org/officeDocument/2006/relationships" xmlns:p="http://schemas.openxmlformats.org/presentationml/2006/main">
+  <p:cSld>
+    <p:spTree>
+      <p:nvGrpSpPr>
+        <p:cNvPr id="1" name=""/>
+        <p:cNvGrpSpPr/>
+        <p:nvPr/>
+      </p:nvGrpSpPr>
+      <p:grpSpPr>
+        <a:xfrm>
+          <a:off x="0" y="0"/>
+          <a:ext cx="0" cy="0"/>
+          <a:chOff x="0" y="0"/>
+          <a:chExt cx="0" cy="0"/>
+        </a:xfrm>
+      </p:grpSpPr>
+      <p:grpSp>
+        <p:nvGrpSpPr>
+          <p:cNvPr id="14" name="组合 13">
+            <a:extLst>
+              <a:ext uri="{FF2B5EF4-FFF2-40B4-BE49-F238E27FC236}">
+                <a16:creationId xmlns:a16="http://schemas.microsoft.com/office/drawing/2014/main" id="{C782A61A-070F-7915-5677-E8B7205D17CE}"/>
+              </a:ext>
+            </a:extLst>
+          </p:cNvPr>
+          <p:cNvGrpSpPr/>
+          <p:nvPr/>
+        </p:nvGrpSpPr>
+        <p:grpSpPr>
+          <a:xfrm>
+            <a:off x="1476375" y="1197887"/>
+            <a:ext cx="8767762" cy="1411462"/>
+            <a:chOff x="1476375" y="1197887"/>
+            <a:chExt cx="8767762" cy="1411462"/>
+          </a:xfrm>
+        </p:grpSpPr>
+        <p:pic>
+          <p:nvPicPr>
+            <p:cNvPr id="6" name="图片 5" descr="文本, 信件&#10;&#10;描述已自动生成">
+              <a:extLst>
+                <a:ext uri="{FF2B5EF4-FFF2-40B4-BE49-F238E27FC236}">
+                  <a16:creationId xmlns:a16="http://schemas.microsoft.com/office/drawing/2014/main" id="{111713F4-305F-0BBD-407D-CC6893B9F584}"/>
+                </a:ext>
+              </a:extLst>
+            </p:cNvPr>
+            <p:cNvPicPr>
+              <a:picLocks noChangeAspect="1"/>
+            </p:cNvPicPr>
+            <p:nvPr/>
+          </p:nvPicPr>
+          <p:blipFill>
+            <a:blip r:embed="rId2">
+              <a:extLst>
+                <a:ext uri="{28A0092B-C50C-407E-A947-70E740481C1C}">
+                  <a14:useLocalDpi xmlns:a14="http://schemas.microsoft.com/office/drawing/2010/main" val="0"/>
+                </a:ext>
+              </a:extLst>
+            </a:blip>
+            <a:stretch>
+              <a:fillRect/>
+            </a:stretch>
+          </p:blipFill>
+          <p:spPr>
+            <a:xfrm>
+              <a:off x="1476375" y="1197887"/>
+              <a:ext cx="2114550" cy="1411462"/>
+            </a:xfrm>
+            <a:prstGeom prst="rect">
+              <a:avLst/>
+            </a:prstGeom>
+          </p:spPr>
+        </p:pic>
+        <p:sp>
+          <p:nvSpPr>
+            <p:cNvPr id="8" name="文本框 7">
+              <a:extLst>
+                <a:ext uri="{FF2B5EF4-FFF2-40B4-BE49-F238E27FC236}">
+                  <a16:creationId xmlns:a16="http://schemas.microsoft.com/office/drawing/2014/main" id="{9F82CA91-EC88-7B15-3748-C00073B9926F}"/>
+                </a:ext>
+              </a:extLst>
+            </p:cNvPr>
+            <p:cNvSpPr txBox="1"/>
+            <p:nvPr/>
+          </p:nvSpPr>
+          <p:spPr>
+            <a:xfrm>
+              <a:off x="3905250" y="1197887"/>
+              <a:ext cx="6338887" cy="1247008"/>
+            </a:xfrm>
+            <a:prstGeom prst="rect">
+              <a:avLst/>
+            </a:prstGeom>
+            <a:noFill/>
+          </p:spPr>
+          <p:txBody>
+            <a:bodyPr wrap="square">
+              <a:spAutoFit/>
+            </a:bodyPr>
+            <a:lstStyle/>
+            <a:p>
+              <a:pPr>
+                <a:lnSpc>
+                  <a:spcPct val="120000"/>
+                </a:lnSpc>
+              </a:pPr>
+              <a:r>
+                <a:rPr lang="en-US" altLang="zh-CN" sz="1600" dirty="0">
+                  <a:latin typeface="Arial" panose="020B0604020202020204" pitchFamily="34" charset="0"/>
+                  <a:cs typeface="Arial" panose="020B0604020202020204" pitchFamily="34" charset="0"/>
+                </a:rPr>
+                <a:t>Chinese and Indian tourists will enjoy visa-free access to Malaysia for up to 30 days within one year from December 1, 2023.</a:t>
+              </a:r>
+            </a:p>
+            <a:p>
+              <a:pPr>
+                <a:lnSpc>
+                  <a:spcPct val="120000"/>
+                </a:lnSpc>
+              </a:pPr>
+              <a:endParaRPr lang="en-US" altLang="zh-CN" sz="1600" dirty="0">
+                <a:latin typeface="Arial" panose="020B0604020202020204" pitchFamily="34" charset="0"/>
+                <a:cs typeface="Arial" panose="020B0604020202020204" pitchFamily="34" charset="0"/>
+              </a:endParaRPr>
+            </a:p>
+            <a:p>
+              <a:pPr>
+                <a:lnSpc>
+                  <a:spcPct val="120000"/>
+                </a:lnSpc>
+              </a:pPr>
+              <a:r>
+                <a:rPr lang="en-US" altLang="zh-CN" sz="1600" dirty="0">
+                  <a:solidFill>
+                    <a:schemeClr val="bg1">
+                      <a:lumMod val="75000"/>
+                    </a:schemeClr>
+                  </a:solidFill>
+                  <a:latin typeface="Arial" panose="020B0604020202020204" pitchFamily="34" charset="0"/>
+                  <a:cs typeface="Arial" panose="020B0604020202020204" pitchFamily="34" charset="0"/>
+                </a:rPr>
+                <a:t>Learn More</a:t>
+              </a:r>
+              <a:endParaRPr lang="zh-CN" altLang="en-US" sz="1600" dirty="0">
+                <a:solidFill>
+                  <a:schemeClr val="bg1">
+                    <a:lumMod val="75000"/>
+                  </a:schemeClr>
+                </a:solidFill>
+                <a:latin typeface="Arial" panose="020B0604020202020204" pitchFamily="34" charset="0"/>
+                <a:cs typeface="Arial" panose="020B0604020202020204" pitchFamily="34" charset="0"/>
+              </a:endParaRPr>
+            </a:p>
+          </p:txBody>
+        </p:sp>
+      </p:grpSp>
+      <p:grpSp>
+        <p:nvGrpSpPr>
+          <p:cNvPr id="15" name="组合 14">
+            <a:extLst>
+              <a:ext uri="{FF2B5EF4-FFF2-40B4-BE49-F238E27FC236}">
+                <a16:creationId xmlns:a16="http://schemas.microsoft.com/office/drawing/2014/main" id="{5283558D-41E1-CF12-F650-80573F419935}"/>
+              </a:ext>
+            </a:extLst>
+          </p:cNvPr>
+          <p:cNvGrpSpPr/>
+          <p:nvPr/>
+        </p:nvGrpSpPr>
+        <p:grpSpPr>
+          <a:xfrm>
+            <a:off x="1476375" y="3429000"/>
+            <a:ext cx="8767761" cy="830997"/>
+            <a:chOff x="1476375" y="3429000"/>
+            <a:chExt cx="8767761" cy="830997"/>
+          </a:xfrm>
+        </p:grpSpPr>
+        <p:pic>
+          <p:nvPicPr>
+            <p:cNvPr id="11" name="图片 10" descr="卡通画&#10;&#10;描述已自动生成">
+              <a:extLst>
+                <a:ext uri="{FF2B5EF4-FFF2-40B4-BE49-F238E27FC236}">
+                  <a16:creationId xmlns:a16="http://schemas.microsoft.com/office/drawing/2014/main" id="{2C76A879-F945-0727-8312-E1D4C80BA4E7}"/>
+                </a:ext>
+              </a:extLst>
+            </p:cNvPr>
+            <p:cNvPicPr>
+              <a:picLocks noChangeAspect="1"/>
+            </p:cNvPicPr>
+            <p:nvPr/>
+          </p:nvPicPr>
+          <p:blipFill rotWithShape="1">
+            <a:blip r:embed="rId3">
+              <a:extLst>
+                <a:ext uri="{28A0092B-C50C-407E-A947-70E740481C1C}">
+                  <a14:useLocalDpi xmlns:a14="http://schemas.microsoft.com/office/drawing/2010/main" val="0"/>
+                </a:ext>
+              </a:extLst>
+            </a:blip>
+            <a:srcRect l="9160"/>
+            <a:stretch/>
+          </p:blipFill>
+          <p:spPr>
+            <a:xfrm>
+              <a:off x="1476375" y="3429001"/>
+              <a:ext cx="2114550" cy="728510"/>
+            </a:xfrm>
+            <a:prstGeom prst="rect">
+              <a:avLst/>
+            </a:prstGeom>
+          </p:spPr>
+        </p:pic>
+        <p:sp>
+          <p:nvSpPr>
+            <p:cNvPr id="13" name="文本框 12">
+              <a:extLst>
+                <a:ext uri="{FF2B5EF4-FFF2-40B4-BE49-F238E27FC236}">
+                  <a16:creationId xmlns:a16="http://schemas.microsoft.com/office/drawing/2014/main" id="{20E76A9B-1177-B2AE-788A-3386D87A00FC}"/>
+                </a:ext>
+              </a:extLst>
+            </p:cNvPr>
+            <p:cNvSpPr txBox="1"/>
+            <p:nvPr/>
+          </p:nvSpPr>
+          <p:spPr>
+            <a:xfrm>
+              <a:off x="3905250" y="3429000"/>
+              <a:ext cx="6338886" cy="830997"/>
+            </a:xfrm>
+            <a:prstGeom prst="rect">
+              <a:avLst/>
+            </a:prstGeom>
+            <a:noFill/>
+          </p:spPr>
+          <p:txBody>
+            <a:bodyPr wrap="square">
+              <a:spAutoFit/>
+            </a:bodyPr>
+            <a:lstStyle/>
+            <a:p>
+              <a:r>
+                <a:rPr lang="zh-CN" altLang="en-US" sz="1600" dirty="0">
+                  <a:latin typeface="Arial" panose="020B0604020202020204" pitchFamily="34" charset="0"/>
+                  <a:cs typeface="Arial" panose="020B0604020202020204" pitchFamily="34" charset="0"/>
+                </a:rPr>
+                <a:t>Malaysia Electronic Visa Facilitation </a:t>
+              </a:r>
+              <a:r>
+                <a:rPr lang="en-US" altLang="zh-CN" sz="1600" dirty="0">
+                  <a:latin typeface="Arial" panose="020B0604020202020204" pitchFamily="34" charset="0"/>
+                  <a:cs typeface="Arial" panose="020B0604020202020204" pitchFamily="34" charset="0"/>
+                </a:rPr>
+                <a:t>&amp;</a:t>
+              </a:r>
+              <a:r>
+                <a:rPr lang="zh-CN" altLang="en-US" sz="1600" dirty="0">
+                  <a:latin typeface="Arial" panose="020B0604020202020204" pitchFamily="34" charset="0"/>
+                  <a:cs typeface="Arial" panose="020B0604020202020204" pitchFamily="34" charset="0"/>
+                </a:rPr>
+                <a:t> Services</a:t>
+              </a:r>
+              <a:endParaRPr lang="en-US" altLang="zh-CN" sz="1600" dirty="0">
+                <a:latin typeface="Arial" panose="020B0604020202020204" pitchFamily="34" charset="0"/>
+                <a:cs typeface="Arial" panose="020B0604020202020204" pitchFamily="34" charset="0"/>
+              </a:endParaRPr>
+            </a:p>
+            <a:p>
+              <a:endParaRPr lang="en-US" altLang="zh-CN" sz="1600" dirty="0">
+                <a:latin typeface="Arial" panose="020B0604020202020204" pitchFamily="34" charset="0"/>
+                <a:cs typeface="Arial" panose="020B0604020202020204" pitchFamily="34" charset="0"/>
+              </a:endParaRPr>
+            </a:p>
+            <a:p>
+              <a:r>
+                <a:rPr lang="en-US" altLang="zh-CN" sz="1600" dirty="0">
+                  <a:solidFill>
+                    <a:schemeClr val="bg1">
+                      <a:lumMod val="75000"/>
+                    </a:schemeClr>
+                  </a:solidFill>
+                  <a:latin typeface="Arial" panose="020B0604020202020204" pitchFamily="34" charset="0"/>
+                  <a:cs typeface="Arial" panose="020B0604020202020204" pitchFamily="34" charset="0"/>
+                </a:rPr>
+                <a:t>Learn More</a:t>
+              </a:r>
+              <a:endParaRPr lang="zh-CN" altLang="en-US" sz="1600" dirty="0">
+                <a:latin typeface="Arial" panose="020B0604020202020204" pitchFamily="34" charset="0"/>
+                <a:cs typeface="Arial" panose="020B0604020202020204" pitchFamily="34" charset="0"/>
+              </a:endParaRPr>
+            </a:p>
+          </p:txBody>
+        </p:sp>
+      </p:grpSp>
+    </p:spTree>
+    <p:extLst>
+      <p:ext uri="{BB962C8B-B14F-4D97-AF65-F5344CB8AC3E}">
+        <p14:creationId xmlns:p14="http://schemas.microsoft.com/office/powerpoint/2010/main" val="3376447091"/>
+      </p:ext>
+    </p:extLst>
+  </p:cSld>
+  <p:clrMapOvr>
+    <a:masterClrMapping/>
+  </p:clrMapOvr>
+</p:sld>
+</file>
+
 <file path=ppt/theme/theme1.xml><?xml version="1.0" encoding="utf-8"?>
 <a:theme xmlns:a="http://schemas.openxmlformats.org/drawingml/2006/main" name="Office 主题​​">
   <a:themeElements>
@@ -5157,4 +6174,299 @@
     </a:ext>
   </a:extLst>
 </a:theme>
+</file>
+
+<file path=ppt/theme/theme2.xml><?xml version="1.0" encoding="utf-8"?>
+<a:theme xmlns:a="http://schemas.openxmlformats.org/drawingml/2006/main" name="Office 主题​​">
+  <a:themeElements>
+    <a:clrScheme name="Office">
+      <a:dk1>
+        <a:sysClr val="windowText" lastClr="000000"/>
+      </a:dk1>
+      <a:lt1>
+        <a:sysClr val="window" lastClr="FFFFFF"/>
+      </a:lt1>
+      <a:dk2>
+        <a:srgbClr val="44546A"/>
+      </a:dk2>
+      <a:lt2>
+        <a:srgbClr val="E7E6E6"/>
+      </a:lt2>
+      <a:accent1>
+        <a:srgbClr val="4472C4"/>
+      </a:accent1>
+      <a:accent2>
+        <a:srgbClr val="ED7D31"/>
+      </a:accent2>
+      <a:accent3>
+        <a:srgbClr val="A5A5A5"/>
+      </a:accent3>
+      <a:accent4>
+        <a:srgbClr val="FFC000"/>
+      </a:accent4>
+      <a:accent5>
+        <a:srgbClr val="5B9BD5"/>
+      </a:accent5>
+      <a:accent6>
+        <a:srgbClr val="70AD47"/>
+      </a:accent6>
+      <a:hlink>
+        <a:srgbClr val="0563C1"/>
+      </a:hlink>
+      <a:folHlink>
+        <a:srgbClr val="954F72"/>
+      </a:folHlink>
+    </a:clrScheme>
+    <a:fontScheme name="Office">
+      <a:majorFont>
+        <a:latin typeface="等线 Light" panose="020F0302020204030204"/>
+        <a:ea typeface=""/>
+        <a:cs typeface=""/>
+        <a:font script="Jpan" typeface="游ゴシック Light"/>
+        <a:font script="Hang" typeface="맑은 고딕"/>
+        <a:font script="Hans" typeface="等线 Light"/>
+        <a:font script="Hant" typeface="新細明體"/>
+        <a:font script="Arab" typeface="Times New Roman"/>
+        <a:font script="Hebr" typeface="Times New Roman"/>
+        <a:font script="Thai" typeface="Angsana New"/>
+        <a:font script="Ethi" typeface="Nyala"/>
+        <a:font script="Beng" typeface="Vrinda"/>
+        <a:font script="Gujr" typeface="Shruti"/>
+        <a:font script="Khmr" typeface="MoolBoran"/>
+        <a:font script="Knda" typeface="Tunga"/>
+        <a:font script="Guru" typeface="Raavi"/>
+        <a:font script="Cans" typeface="Euphemia"/>
+        <a:font script="Cher" typeface="Plantagenet Cherokee"/>
+        <a:font script="Yiii" typeface="Microsoft Yi Baiti"/>
+        <a:font script="Tibt" typeface="Microsoft Himalaya"/>
+        <a:font script="Thaa" typeface="MV Boli"/>
+        <a:font script="Deva" typeface="Mangal"/>
+        <a:font script="Telu" typeface="Gautami"/>
+        <a:font script="Taml" typeface="Latha"/>
+        <a:font script="Syrc" typeface="Estrangelo Edessa"/>
+        <a:font script="Orya" typeface="Kalinga"/>
+        <a:font script="Mlym" typeface="Kartika"/>
+        <a:font script="Laoo" typeface="DokChampa"/>
+        <a:font script="Sinh" typeface="Iskoola Pota"/>
+        <a:font script="Mong" typeface="Mongolian Baiti"/>
+        <a:font script="Viet" typeface="Times New Roman"/>
+        <a:font script="Uigh" typeface="Microsoft Uighur"/>
+        <a:font script="Geor" typeface="Sylfaen"/>
+        <a:font script="Armn" typeface="Arial"/>
+        <a:font script="Bugi" typeface="Leelawadee UI"/>
+        <a:font script="Bopo" typeface="Microsoft JhengHei"/>
+        <a:font script="Java" typeface="Javanese Text"/>
+        <a:font script="Lisu" typeface="Segoe UI"/>
+        <a:font script="Mymr" typeface="Myanmar Text"/>
+        <a:font script="Nkoo" typeface="Ebrima"/>
+        <a:font script="Olck" typeface="Nirmala UI"/>
+        <a:font script="Osma" typeface="Ebrima"/>
+        <a:font script="Phag" typeface="Phagspa"/>
+        <a:font script="Syrn" typeface="Estrangelo Edessa"/>
+        <a:font script="Syrj" typeface="Estrangelo Edessa"/>
+        <a:font script="Syre" typeface="Estrangelo Edessa"/>
+        <a:font script="Sora" typeface="Nirmala UI"/>
+        <a:font script="Tale" typeface="Microsoft Tai Le"/>
+        <a:font script="Talu" typeface="Microsoft New Tai Lue"/>
+        <a:font script="Tfng" typeface="Ebrima"/>
+      </a:majorFont>
+      <a:minorFont>
+        <a:latin typeface="等线" panose="020F0502020204030204"/>
+        <a:ea typeface=""/>
+        <a:cs typeface=""/>
+        <a:font script="Jpan" typeface="游ゴシック"/>
+        <a:font script="Hang" typeface="맑은 고딕"/>
+        <a:font script="Hans" typeface="等线"/>
+        <a:font script="Hant" typeface="新細明體"/>
+        <a:font script="Arab" typeface="Arial"/>
+        <a:font script="Hebr" typeface="Arial"/>
+        <a:font script="Thai" typeface="Cordia New"/>
+        <a:font script="Ethi" typeface="Nyala"/>
+        <a:font script="Beng" typeface="Vrinda"/>
+        <a:font script="Gujr" typeface="Shruti"/>
+        <a:font script="Khmr" typeface="DaunPenh"/>
+        <a:font script="Knda" typeface="Tunga"/>
+        <a:font script="Guru" typeface="Raavi"/>
+        <a:font script="Cans" typeface="Euphemia"/>
+        <a:font script="Cher" typeface="Plantagenet Cherokee"/>
+        <a:font script="Yiii" typeface="Microsoft Yi Baiti"/>
+        <a:font script="Tibt" typeface="Microsoft Himalaya"/>
+        <a:font script="Thaa" typeface="MV Boli"/>
+        <a:font script="Deva" typeface="Mangal"/>
+        <a:font script="Telu" typeface="Gautami"/>
+        <a:font script="Taml" typeface="Latha"/>
+        <a:font script="Syrc" typeface="Estrangelo Edessa"/>
+        <a:font script="Orya" typeface="Kalinga"/>
+        <a:font script="Mlym" typeface="Kartika"/>
+        <a:font script="Laoo" typeface="DokChampa"/>
+        <a:font script="Sinh" typeface="Iskoola Pota"/>
+        <a:font script="Mong" typeface="Mongolian Baiti"/>
+        <a:font script="Viet" typeface="Arial"/>
+        <a:font script="Uigh" typeface="Microsoft Uighur"/>
+        <a:font script="Geor" typeface="Sylfaen"/>
+        <a:font script="Armn" typeface="Arial"/>
+        <a:font script="Bugi" typeface="Leelawadee UI"/>
+        <a:font script="Bopo" typeface="Microsoft JhengHei"/>
+        <a:font script="Java" typeface="Javanese Text"/>
+        <a:font script="Lisu" typeface="Segoe UI"/>
+        <a:font script="Mymr" typeface="Myanmar Text"/>
+        <a:font script="Nkoo" typeface="Ebrima"/>
+        <a:font script="Olck" typeface="Nirmala UI"/>
+        <a:font script="Osma" typeface="Ebrima"/>
+        <a:font script="Phag" typeface="Phagspa"/>
+        <a:font script="Syrn" typeface="Estrangelo Edessa"/>
+        <a:font script="Syrj" typeface="Estrangelo Edessa"/>
+        <a:font script="Syre" typeface="Estrangelo Edessa"/>
+        <a:font script="Sora" typeface="Nirmala UI"/>
+        <a:font script="Tale" typeface="Microsoft Tai Le"/>
+        <a:font script="Talu" typeface="Microsoft New Tai Lue"/>
+        <a:font script="Tfng" typeface="Ebrima"/>
+      </a:minorFont>
+    </a:fontScheme>
+    <a:fmtScheme name="Office">
+      <a:fillStyleLst>
+        <a:solidFill>
+          <a:schemeClr val="phClr"/>
+        </a:solidFill>
+        <a:gradFill rotWithShape="1">
+          <a:gsLst>
+            <a:gs pos="0">
+              <a:schemeClr val="phClr">
+                <a:lumMod val="110000"/>
+                <a:satMod val="105000"/>
+                <a:tint val="67000"/>
+              </a:schemeClr>
+            </a:gs>
+            <a:gs pos="50000">
+              <a:schemeClr val="phClr">
+                <a:lumMod val="105000"/>
+                <a:satMod val="103000"/>
+                <a:tint val="73000"/>
+              </a:schemeClr>
+            </a:gs>
+            <a:gs pos="100000">
+              <a:schemeClr val="phClr">
+                <a:lumMod val="105000"/>
+                <a:satMod val="109000"/>
+                <a:tint val="81000"/>
+              </a:schemeClr>
+            </a:gs>
+          </a:gsLst>
+          <a:lin ang="5400000" scaled="0"/>
+        </a:gradFill>
+        <a:gradFill rotWithShape="1">
+          <a:gsLst>
+            <a:gs pos="0">
+              <a:schemeClr val="phClr">
+                <a:satMod val="103000"/>
+                <a:lumMod val="102000"/>
+                <a:tint val="94000"/>
+              </a:schemeClr>
+            </a:gs>
+            <a:gs pos="50000">
+              <a:schemeClr val="phClr">
+                <a:satMod val="110000"/>
+                <a:lumMod val="100000"/>
+                <a:shade val="100000"/>
+              </a:schemeClr>
+            </a:gs>
+            <a:gs pos="100000">
+              <a:schemeClr val="phClr">
+                <a:lumMod val="99000"/>
+                <a:satMod val="120000"/>
+                <a:shade val="78000"/>
+              </a:schemeClr>
+            </a:gs>
+          </a:gsLst>
+          <a:lin ang="5400000" scaled="0"/>
+        </a:gradFill>
+      </a:fillStyleLst>
+      <a:lnStyleLst>
+        <a:ln w="6350" cap="flat" cmpd="sng" algn="ctr">
+          <a:solidFill>
+            <a:schemeClr val="phClr"/>
+          </a:solidFill>
+          <a:prstDash val="solid"/>
+          <a:miter lim="800000"/>
+        </a:ln>
+        <a:ln w="12700" cap="flat" cmpd="sng" algn="ctr">
+          <a:solidFill>
+            <a:schemeClr val="phClr"/>
+          </a:solidFill>
+          <a:prstDash val="solid"/>
+          <a:miter lim="800000"/>
+        </a:ln>
+        <a:ln w="19050" cap="flat" cmpd="sng" algn="ctr">
+          <a:solidFill>
+            <a:schemeClr val="phClr"/>
+          </a:solidFill>
+          <a:prstDash val="solid"/>
+          <a:miter lim="800000"/>
+        </a:ln>
+      </a:lnStyleLst>
+      <a:effectStyleLst>
+        <a:effectStyle>
+          <a:effectLst/>
+        </a:effectStyle>
+        <a:effectStyle>
+          <a:effectLst/>
+        </a:effectStyle>
+        <a:effectStyle>
+          <a:effectLst>
+            <a:outerShdw blurRad="57150" dist="19050" dir="5400000" algn="ctr" rotWithShape="0">
+              <a:srgbClr val="000000">
+                <a:alpha val="63000"/>
+              </a:srgbClr>
+            </a:outerShdw>
+          </a:effectLst>
+        </a:effectStyle>
+      </a:effectStyleLst>
+      <a:bgFillStyleLst>
+        <a:solidFill>
+          <a:schemeClr val="phClr"/>
+        </a:solidFill>
+        <a:solidFill>
+          <a:schemeClr val="phClr">
+            <a:tint val="95000"/>
+            <a:satMod val="170000"/>
+          </a:schemeClr>
+        </a:solidFill>
+        <a:gradFill rotWithShape="1">
+          <a:gsLst>
+            <a:gs pos="0">
+              <a:schemeClr val="phClr">
+                <a:tint val="93000"/>
+                <a:satMod val="150000"/>
+                <a:shade val="98000"/>
+                <a:lumMod val="102000"/>
+              </a:schemeClr>
+            </a:gs>
+            <a:gs pos="50000">
+              <a:schemeClr val="phClr">
+                <a:tint val="98000"/>
+                <a:satMod val="130000"/>
+                <a:shade val="90000"/>
+                <a:lumMod val="103000"/>
+              </a:schemeClr>
+            </a:gs>
+            <a:gs pos="100000">
+              <a:schemeClr val="phClr">
+                <a:shade val="63000"/>
+                <a:satMod val="120000"/>
+              </a:schemeClr>
+            </a:gs>
+          </a:gsLst>
+          <a:lin ang="5400000" scaled="0"/>
+        </a:gradFill>
+      </a:bgFillStyleLst>
+    </a:fmtScheme>
+  </a:themeElements>
+  <a:objectDefaults/>
+  <a:extraClrSchemeLst/>
+  <a:extLst>
+    <a:ext uri="{05A4C25C-085E-4340-85A3-A5531E510DB2}">
+      <thm15:themeFamily xmlns:thm15="http://schemas.microsoft.com/office/thememl/2012/main" name="Office Theme" id="{62F939B6-93AF-4DB8-9C6B-D6C7DFDC589F}" vid="{4A3C46E8-61CC-4603-A589-7422A47A8E4A}"/>
+    </a:ext>
+  </a:extLst>
+</a:theme>
 </file>
--- a/assets/figures.pptx
+++ b/assets/figures.pptx
@@ -5,12 +5,13 @@
     <p:sldMasterId id="2147483648" r:id="rId1"/>
   </p:sldMasterIdLst>
   <p:notesMasterIdLst>
-    <p:notesMasterId r:id="rId5"/>
+    <p:notesMasterId r:id="rId6"/>
   </p:notesMasterIdLst>
   <p:sldIdLst>
-    <p:sldId id="256" r:id="rId2"/>
-    <p:sldId id="257" r:id="rId3"/>
-    <p:sldId id="258" r:id="rId4"/>
+    <p:sldId id="259" r:id="rId2"/>
+    <p:sldId id="256" r:id="rId3"/>
+    <p:sldId id="257" r:id="rId4"/>
+    <p:sldId id="258" r:id="rId5"/>
   </p:sldIdLst>
   <p:sldSz cx="12192000" cy="6858000"/>
   <p:notesSz cx="6858000" cy="9144000"/>
@@ -120,7 +121,7 @@
 <file path=ppt/revisionInfo.xml><?xml version="1.0" encoding="utf-8"?>
 <p1510:revInfo xmlns:a="http://schemas.openxmlformats.org/drawingml/2006/main" xmlns:r="http://schemas.openxmlformats.org/officeDocument/2006/relationships" xmlns:p1510="http://schemas.microsoft.com/office/powerpoint/2015/10/main">
   <p1510:revLst>
-    <p1510:client id="{0190945F-89A7-4B46-967C-3ACE53AB7830}" v="65" dt="2024-01-02T12:07:19.284"/>
+    <p1510:client id="{0190945F-89A7-4B46-967C-3ACE53AB7830}" v="80" dt="2024-01-02T13:31:33.498"/>
   </p1510:revLst>
 </p1510:revInfo>
 </file>
@@ -130,12 +131,12 @@
   <pc:docChgLst>
     <pc:chgData name="ZHANG Xiangyu" userId="0af619d5-14b7-43d3-95bc-94ad39c803d6" providerId="ADAL" clId="{0190945F-89A7-4B46-967C-3ACE53AB7830}"/>
     <pc:docChg chg="undo custSel addSld modSld">
-      <pc:chgData name="ZHANG Xiangyu" userId="0af619d5-14b7-43d3-95bc-94ad39c803d6" providerId="ADAL" clId="{0190945F-89A7-4B46-967C-3ACE53AB7830}" dt="2024-01-02T12:17:51.983" v="303" actId="14100"/>
+      <pc:chgData name="ZHANG Xiangyu" userId="0af619d5-14b7-43d3-95bc-94ad39c803d6" providerId="ADAL" clId="{0190945F-89A7-4B46-967C-3ACE53AB7830}" dt="2024-01-02T13:32:08.123" v="408" actId="1076"/>
       <pc:docMkLst>
         <pc:docMk/>
       </pc:docMkLst>
       <pc:sldChg chg="addSp delSp modSp new mod">
-        <pc:chgData name="ZHANG Xiangyu" userId="0af619d5-14b7-43d3-95bc-94ad39c803d6" providerId="ADAL" clId="{0190945F-89A7-4B46-967C-3ACE53AB7830}" dt="2024-01-02T11:35:26.181" v="175" actId="207"/>
+        <pc:chgData name="ZHANG Xiangyu" userId="0af619d5-14b7-43d3-95bc-94ad39c803d6" providerId="ADAL" clId="{0190945F-89A7-4B46-967C-3ACE53AB7830}" dt="2024-01-02T13:10:03.113" v="323" actId="5736"/>
         <pc:sldMkLst>
           <pc:docMk/>
           <pc:sldMk cId="3049935216" sldId="256"/>
@@ -181,7 +182,7 @@
           </ac:spMkLst>
         </pc:spChg>
         <pc:graphicFrameChg chg="add mod modGraphic">
-          <ac:chgData name="ZHANG Xiangyu" userId="0af619d5-14b7-43d3-95bc-94ad39c803d6" providerId="ADAL" clId="{0190945F-89A7-4B46-967C-3ACE53AB7830}" dt="2024-01-02T07:40:50.942" v="150" actId="5736"/>
+          <ac:chgData name="ZHANG Xiangyu" userId="0af619d5-14b7-43d3-95bc-94ad39c803d6" providerId="ADAL" clId="{0190945F-89A7-4B46-967C-3ACE53AB7830}" dt="2024-01-02T13:10:03.113" v="323" actId="5736"/>
           <ac:graphicFrameMkLst>
             <pc:docMk/>
             <pc:sldMk cId="3049935216" sldId="256"/>
@@ -197,7 +198,7 @@
           </ac:picMkLst>
         </pc:picChg>
         <pc:picChg chg="add mod">
-          <ac:chgData name="ZHANG Xiangyu" userId="0af619d5-14b7-43d3-95bc-94ad39c803d6" providerId="ADAL" clId="{0190945F-89A7-4B46-967C-3ACE53AB7830}" dt="2024-01-02T11:22:14.684" v="167" actId="1076"/>
+          <ac:chgData name="ZHANG Xiangyu" userId="0af619d5-14b7-43d3-95bc-94ad39c803d6" providerId="ADAL" clId="{0190945F-89A7-4B46-967C-3ACE53AB7830}" dt="2024-01-02T12:48:29.207" v="304" actId="1076"/>
           <ac:picMkLst>
             <pc:docMk/>
             <pc:sldMk cId="3049935216" sldId="256"/>
@@ -339,6 +340,93 @@
           </ac:picMkLst>
         </pc:picChg>
       </pc:sldChg>
+      <pc:sldChg chg="addSp delSp modSp new mod">
+        <pc:chgData name="ZHANG Xiangyu" userId="0af619d5-14b7-43d3-95bc-94ad39c803d6" providerId="ADAL" clId="{0190945F-89A7-4B46-967C-3ACE53AB7830}" dt="2024-01-02T13:32:08.123" v="408" actId="1076"/>
+        <pc:sldMkLst>
+          <pc:docMk/>
+          <pc:sldMk cId="3249798467" sldId="259"/>
+        </pc:sldMkLst>
+        <pc:spChg chg="del">
+          <ac:chgData name="ZHANG Xiangyu" userId="0af619d5-14b7-43d3-95bc-94ad39c803d6" providerId="ADAL" clId="{0190945F-89A7-4B46-967C-3ACE53AB7830}" dt="2024-01-02T13:10:34.159" v="325" actId="478"/>
+          <ac:spMkLst>
+            <pc:docMk/>
+            <pc:sldMk cId="3249798467" sldId="259"/>
+            <ac:spMk id="2" creationId="{F32B5F21-292F-FF04-B197-B48C6CA2A474}"/>
+          </ac:spMkLst>
+        </pc:spChg>
+        <pc:spChg chg="del">
+          <ac:chgData name="ZHANG Xiangyu" userId="0af619d5-14b7-43d3-95bc-94ad39c803d6" providerId="ADAL" clId="{0190945F-89A7-4B46-967C-3ACE53AB7830}" dt="2024-01-02T13:10:34.159" v="325" actId="478"/>
+          <ac:spMkLst>
+            <pc:docMk/>
+            <pc:sldMk cId="3249798467" sldId="259"/>
+            <ac:spMk id="3" creationId="{7B38ADBA-8E4D-0196-FCE6-CE6E571E8FF9}"/>
+          </ac:spMkLst>
+        </pc:spChg>
+        <pc:spChg chg="add del mod topLvl">
+          <ac:chgData name="ZHANG Xiangyu" userId="0af619d5-14b7-43d3-95bc-94ad39c803d6" providerId="ADAL" clId="{0190945F-89A7-4B46-967C-3ACE53AB7830}" dt="2024-01-02T13:21:53.985" v="397" actId="478"/>
+          <ac:spMkLst>
+            <pc:docMk/>
+            <pc:sldMk cId="3249798467" sldId="259"/>
+            <ac:spMk id="8" creationId="{792F573E-AAD0-A184-0122-C46EA659C578}"/>
+          </ac:spMkLst>
+        </pc:spChg>
+        <pc:grpChg chg="add del mod">
+          <ac:chgData name="ZHANG Xiangyu" userId="0af619d5-14b7-43d3-95bc-94ad39c803d6" providerId="ADAL" clId="{0190945F-89A7-4B46-967C-3ACE53AB7830}" dt="2024-01-02T13:19:47.208" v="361" actId="478"/>
+          <ac:grpSpMkLst>
+            <pc:docMk/>
+            <pc:sldMk cId="3249798467" sldId="259"/>
+            <ac:grpSpMk id="9" creationId="{41FE5E43-4B36-1627-4E4D-CDA6E45CF736}"/>
+          </ac:grpSpMkLst>
+        </pc:grpChg>
+        <pc:graphicFrameChg chg="add del mod">
+          <ac:chgData name="ZHANG Xiangyu" userId="0af619d5-14b7-43d3-95bc-94ad39c803d6" providerId="ADAL" clId="{0190945F-89A7-4B46-967C-3ACE53AB7830}" dt="2024-01-02T13:10:43.903" v="328"/>
+          <ac:graphicFrameMkLst>
+            <pc:docMk/>
+            <pc:sldMk cId="3249798467" sldId="259"/>
+            <ac:graphicFrameMk id="4" creationId="{D2C26497-D3B9-5EAE-A982-D727A303526B}"/>
+          </ac:graphicFrameMkLst>
+        </pc:graphicFrameChg>
+        <pc:graphicFrameChg chg="add del mod">
+          <ac:chgData name="ZHANG Xiangyu" userId="0af619d5-14b7-43d3-95bc-94ad39c803d6" providerId="ADAL" clId="{0190945F-89A7-4B46-967C-3ACE53AB7830}" dt="2024-01-02T13:19:50.602" v="364"/>
+          <ac:graphicFrameMkLst>
+            <pc:docMk/>
+            <pc:sldMk cId="3249798467" sldId="259"/>
+            <ac:graphicFrameMk id="10" creationId="{7AAD8032-9E87-24E8-C12B-F3B1C59D4AC2}"/>
+          </ac:graphicFrameMkLst>
+        </pc:graphicFrameChg>
+        <pc:graphicFrameChg chg="add del mod">
+          <ac:chgData name="ZHANG Xiangyu" userId="0af619d5-14b7-43d3-95bc-94ad39c803d6" providerId="ADAL" clId="{0190945F-89A7-4B46-967C-3ACE53AB7830}" dt="2024-01-02T13:31:26.078" v="400"/>
+          <ac:graphicFrameMkLst>
+            <pc:docMk/>
+            <pc:sldMk cId="3249798467" sldId="259"/>
+            <ac:graphicFrameMk id="13" creationId="{D807CC50-4E39-0C82-146E-C646287ABFDF}"/>
+          </ac:graphicFrameMkLst>
+        </pc:graphicFrameChg>
+        <pc:picChg chg="add del mod topLvl">
+          <ac:chgData name="ZHANG Xiangyu" userId="0af619d5-14b7-43d3-95bc-94ad39c803d6" providerId="ADAL" clId="{0190945F-89A7-4B46-967C-3ACE53AB7830}" dt="2024-01-02T13:19:47.208" v="361" actId="478"/>
+          <ac:picMkLst>
+            <pc:docMk/>
+            <pc:sldMk cId="3249798467" sldId="259"/>
+            <ac:picMk id="6" creationId="{251802F0-1A61-937F-0E02-23F0AFA1C27A}"/>
+          </ac:picMkLst>
+        </pc:picChg>
+        <pc:picChg chg="add mod ord modCrop">
+          <ac:chgData name="ZHANG Xiangyu" userId="0af619d5-14b7-43d3-95bc-94ad39c803d6" providerId="ADAL" clId="{0190945F-89A7-4B46-967C-3ACE53AB7830}" dt="2024-01-02T13:21:04.442" v="379" actId="732"/>
+          <ac:picMkLst>
+            <pc:docMk/>
+            <pc:sldMk cId="3249798467" sldId="259"/>
+            <ac:picMk id="12" creationId="{E49065C2-B49C-55B0-D758-605DC024E729}"/>
+          </ac:picMkLst>
+        </pc:picChg>
+        <pc:picChg chg="add mod">
+          <ac:chgData name="ZHANG Xiangyu" userId="0af619d5-14b7-43d3-95bc-94ad39c803d6" providerId="ADAL" clId="{0190945F-89A7-4B46-967C-3ACE53AB7830}" dt="2024-01-02T13:32:08.123" v="408" actId="1076"/>
+          <ac:picMkLst>
+            <pc:docMk/>
+            <pc:sldMk cId="3249798467" sldId="259"/>
+            <ac:picMk id="15" creationId="{34A6F26E-61F7-BDFB-EAA5-98226E1290C6}"/>
+          </ac:picMkLst>
+        </pc:picChg>
+      </pc:sldChg>
     </pc:docChg>
   </pc:docChgLst>
 </pc:chgInfo>
@@ -758,7 +846,7 @@
           <a:p>
             <a:fld id="{F5B200CC-652F-45D7-9D9C-40A56CAF48BA}" type="slidenum">
               <a:rPr lang="zh-CN" altLang="en-US" smtClean="0"/>
-              <a:t>1</a:t>
+              <a:t>2</a:t>
             </a:fld>
             <a:endParaRPr lang="zh-CN" altLang="en-US"/>
           </a:p>
@@ -3991,6 +4079,117 @@
           <a:chExt cx="0" cy="0"/>
         </a:xfrm>
       </p:grpSpPr>
+      <p:pic>
+        <p:nvPicPr>
+          <p:cNvPr id="12" name="图片 11" descr="城市的夜景&#10;&#10;描述已自动生成">
+            <a:extLst>
+              <a:ext uri="{FF2B5EF4-FFF2-40B4-BE49-F238E27FC236}">
+                <a16:creationId xmlns:a16="http://schemas.microsoft.com/office/drawing/2014/main" id="{E49065C2-B49C-55B0-D758-605DC024E729}"/>
+              </a:ext>
+            </a:extLst>
+          </p:cNvPr>
+          <p:cNvPicPr>
+            <a:picLocks noChangeAspect="1"/>
+          </p:cNvPicPr>
+          <p:nvPr/>
+        </p:nvPicPr>
+        <p:blipFill rotWithShape="1">
+          <a:blip r:embed="rId2">
+            <a:extLst>
+              <a:ext uri="{28A0092B-C50C-407E-A947-70E740481C1C}">
+                <a14:useLocalDpi xmlns:a14="http://schemas.microsoft.com/office/drawing/2010/main" val="0"/>
+              </a:ext>
+            </a:extLst>
+          </a:blip>
+          <a:srcRect b="40291"/>
+          <a:stretch/>
+        </p:blipFill>
+        <p:spPr>
+          <a:xfrm>
+            <a:off x="4296000" y="1954695"/>
+            <a:ext cx="3600000" cy="1433030"/>
+          </a:xfrm>
+          <a:prstGeom prst="rect">
+            <a:avLst/>
+          </a:prstGeom>
+        </p:spPr>
+      </p:pic>
+      <p:pic>
+        <p:nvPicPr>
+          <p:cNvPr id="15" name="图片 14" descr="QR 代码&#10;&#10;描述已自动生成">
+            <a:extLst>
+              <a:ext uri="{FF2B5EF4-FFF2-40B4-BE49-F238E27FC236}">
+                <a16:creationId xmlns:a16="http://schemas.microsoft.com/office/drawing/2014/main" id="{34A6F26E-61F7-BDFB-EAA5-98226E1290C6}"/>
+              </a:ext>
+            </a:extLst>
+          </p:cNvPr>
+          <p:cNvPicPr>
+            <a:picLocks noChangeAspect="1"/>
+          </p:cNvPicPr>
+          <p:nvPr/>
+        </p:nvPicPr>
+        <p:blipFill>
+          <a:blip r:embed="rId3">
+            <a:clrChange>
+              <a:clrFrom>
+                <a:srgbClr val="FFFFFF"/>
+              </a:clrFrom>
+              <a:clrTo>
+                <a:srgbClr val="FFFFFF">
+                  <a:alpha val="0"/>
+                </a:srgbClr>
+              </a:clrTo>
+            </a:clrChange>
+            <a:extLst>
+              <a:ext uri="{28A0092B-C50C-407E-A947-70E740481C1C}">
+                <a14:useLocalDpi xmlns:a14="http://schemas.microsoft.com/office/drawing/2010/main" val="0"/>
+              </a:ext>
+            </a:extLst>
+          </a:blip>
+          <a:stretch>
+            <a:fillRect/>
+          </a:stretch>
+        </p:blipFill>
+        <p:spPr>
+          <a:xfrm>
+            <a:off x="-2164044" y="1655544"/>
+            <a:ext cx="8260044" cy="6858000"/>
+          </a:xfrm>
+          <a:prstGeom prst="rect">
+            <a:avLst/>
+          </a:prstGeom>
+        </p:spPr>
+      </p:pic>
+    </p:spTree>
+    <p:extLst>
+      <p:ext uri="{BB962C8B-B14F-4D97-AF65-F5344CB8AC3E}">
+        <p14:creationId xmlns:p14="http://schemas.microsoft.com/office/powerpoint/2010/main" val="3249798467"/>
+      </p:ext>
+    </p:extLst>
+  </p:cSld>
+  <p:clrMapOvr>
+    <a:masterClrMapping/>
+  </p:clrMapOvr>
+</p:sld>
+</file>
+
+<file path=ppt/slides/slide2.xml><?xml version="1.0" encoding="utf-8"?>
+<p:sld xmlns:a="http://schemas.openxmlformats.org/drawingml/2006/main" xmlns:r="http://schemas.openxmlformats.org/officeDocument/2006/relationships" xmlns:p="http://schemas.openxmlformats.org/presentationml/2006/main">
+  <p:cSld>
+    <p:spTree>
+      <p:nvGrpSpPr>
+        <p:cNvPr id="1" name=""/>
+        <p:cNvGrpSpPr/>
+        <p:nvPr/>
+      </p:nvGrpSpPr>
+      <p:grpSpPr>
+        <a:xfrm>
+          <a:off x="0" y="0"/>
+          <a:ext cx="0" cy="0"/>
+          <a:chOff x="0" y="0"/>
+          <a:chExt cx="0" cy="0"/>
+        </a:xfrm>
+      </p:grpSpPr>
       <p:graphicFrame>
         <p:nvGraphicFramePr>
           <p:cNvPr id="4" name="表格 3">
@@ -4006,28 +4205,28 @@
           <p:nvPr>
             <p:extLst>
               <p:ext uri="{D42A27DB-BD31-4B8C-83A1-F6EECF244321}">
-                <p14:modId xmlns:p14="http://schemas.microsoft.com/office/powerpoint/2010/main" val="2697094990"/>
+                <p14:modId xmlns:p14="http://schemas.microsoft.com/office/powerpoint/2010/main" val="2087561171"/>
               </p:ext>
             </p:extLst>
           </p:nvPr>
         </p:nvGraphicFramePr>
         <p:xfrm>
-          <a:off x="1840946" y="927100"/>
-          <a:ext cx="9011204" cy="2709180"/>
+          <a:off x="695739" y="742435"/>
+          <a:ext cx="11084063" cy="2709180"/>
         </p:xfrm>
         <a:graphic>
           <a:graphicData uri="http://schemas.openxmlformats.org/drawingml/2006/table">
             <a:tbl>
               <a:tblPr/>
               <a:tblGrid>
-                <a:gridCol w="5199046">
+                <a:gridCol w="5539409">
                   <a:extLst>
                     <a:ext uri="{9D8B030D-6E8A-4147-A177-3AD203B41FA5}">
                       <a16:colId xmlns:a16="http://schemas.microsoft.com/office/drawing/2014/main" val="3078818713"/>
                     </a:ext>
                   </a:extLst>
                 </a:gridCol>
-                <a:gridCol w="3812158">
+                <a:gridCol w="5544654">
                   <a:extLst>
                     <a:ext uri="{9D8B030D-6E8A-4147-A177-3AD203B41FA5}">
                       <a16:colId xmlns:a16="http://schemas.microsoft.com/office/drawing/2014/main" val="3809513742"/>
@@ -4043,9 +4242,9 @@
                     <a:p>
                       <a:pPr algn="ctr"/>
                       <a:r>
-                        <a:rPr lang="en-US" altLang="zh-CN" sz="1800" b="1" i="0" kern="1200" dirty="0">
+                        <a:rPr lang="en-US" altLang="zh-CN" sz="2000" b="1" i="0" kern="1200" dirty="0">
                           <a:solidFill>
-                            <a:srgbClr val="CC0000"/>
+                            <a:srgbClr val="0070C0"/>
                           </a:solidFill>
                           <a:effectLst/>
                           <a:latin typeface="Arial" panose="020B0604020202020204" pitchFamily="34" charset="0"/>
@@ -4054,9 +4253,9 @@
                         </a:rPr>
                         <a:t>Registration Type</a:t>
                       </a:r>
-                      <a:endParaRPr lang="en-US" dirty="0">
+                      <a:endParaRPr lang="en-US" sz="2000" dirty="0">
                         <a:solidFill>
-                          <a:srgbClr val="CC0000"/>
+                          <a:srgbClr val="0070C0"/>
                         </a:solidFill>
                         <a:effectLst/>
                         <a:latin typeface="Arial" panose="020B0604020202020204" pitchFamily="34" charset="0"/>
@@ -4102,7 +4301,10 @@
                       <a:tailEnd type="none" w="med" len="med"/>
                     </a:lnB>
                     <a:solidFill>
-                      <a:srgbClr val="F0F1F6"/>
+                      <a:schemeClr val="accent1">
+                        <a:lumMod val="20000"/>
+                        <a:lumOff val="80000"/>
+                      </a:schemeClr>
                     </a:solidFill>
                   </a:tcPr>
                 </a:tc>
@@ -4113,9 +4315,9 @@
                     <a:p>
                       <a:pPr marL="0" algn="ctr" defTabSz="914400" rtl="0" eaLnBrk="1" latinLnBrk="0" hangingPunct="1"/>
                       <a:r>
-                        <a:rPr lang="en-US" sz="1800" b="1" i="0" kern="1200" dirty="0">
+                        <a:rPr lang="en-US" sz="2000" b="1" i="0" kern="1200" dirty="0">
                           <a:solidFill>
-                            <a:srgbClr val="CC0000"/>
+                            <a:srgbClr val="0070C0"/>
                           </a:solidFill>
                           <a:effectLst/>
                           <a:latin typeface="Arial" panose="020B0604020202020204" pitchFamily="34" charset="0"/>
@@ -4164,7 +4366,10 @@
                       <a:tailEnd type="none" w="med" len="med"/>
                     </a:lnB>
                     <a:solidFill>
-                      <a:srgbClr val="F0F1F6"/>
+                      <a:schemeClr val="accent1">
+                        <a:lumMod val="20000"/>
+                        <a:lumOff val="80000"/>
+                      </a:schemeClr>
                     </a:solidFill>
                   </a:tcPr>
                 </a:tc>
@@ -4182,7 +4387,7 @@
                     <a:p>
                       <a:pPr algn="ctr" latinLnBrk="1"/>
                       <a:r>
-                        <a:rPr lang="en-US" altLang="zh-CN" sz="1800" b="1" i="0" kern="1200" dirty="0">
+                        <a:rPr lang="en-US" altLang="zh-CN" sz="1800" b="0" i="0" kern="1200" dirty="0">
                           <a:solidFill>
                             <a:schemeClr val="tx1"/>
                           </a:solidFill>
@@ -4193,7 +4398,7 @@
                         </a:rPr>
                         <a:t>Full Delegate</a:t>
                       </a:r>
-                      <a:endParaRPr lang="en-US" b="1" dirty="0">
+                      <a:endParaRPr lang="en-US" b="0" dirty="0">
                         <a:effectLst/>
                         <a:latin typeface="Arial" panose="020B0604020202020204" pitchFamily="34" charset="0"/>
                         <a:cs typeface="Arial" panose="020B0604020202020204" pitchFamily="34" charset="0"/>
@@ -4314,7 +4519,7 @@
                     <a:p>
                       <a:pPr algn="ctr" latinLnBrk="1"/>
                       <a:r>
-                        <a:rPr lang="en-US" altLang="zh-CN" sz="1800" b="1" i="0" kern="1200" dirty="0">
+                        <a:rPr lang="en-US" altLang="zh-CN" sz="1800" b="0" i="0" kern="1200" dirty="0">
                           <a:solidFill>
                             <a:schemeClr val="tx1"/>
                           </a:solidFill>
@@ -4325,7 +4530,7 @@
                         </a:rPr>
                         <a:t>Student Delegate</a:t>
                       </a:r>
-                      <a:endParaRPr lang="en-US" b="1" dirty="0">
+                      <a:endParaRPr lang="en-US" b="0" dirty="0">
                         <a:effectLst/>
                         <a:latin typeface="Arial" panose="020B0604020202020204" pitchFamily="34" charset="0"/>
                         <a:cs typeface="Arial" panose="020B0604020202020204" pitchFamily="34" charset="0"/>
@@ -4370,7 +4575,10 @@
                       <a:tailEnd type="none" w="med" len="med"/>
                     </a:lnB>
                     <a:solidFill>
-                      <a:srgbClr val="FFFFFF"/>
+                      <a:schemeClr val="accent1">
+                        <a:lumMod val="20000"/>
+                        <a:lumOff val="80000"/>
+                      </a:schemeClr>
                     </a:solidFill>
                   </a:tcPr>
                 </a:tc>
@@ -4386,7 +4594,7 @@
                           <a:latin typeface="Arial" panose="020B0604020202020204" pitchFamily="34" charset="0"/>
                           <a:cs typeface="Arial" panose="020B0604020202020204" pitchFamily="34" charset="0"/>
                         </a:rPr>
-                        <a:t>USD 750</a:t>
+                        <a:t>USD 600</a:t>
                       </a:r>
                     </a:p>
                     <a:p>
@@ -4472,7 +4680,10 @@
                       <a:tailEnd type="none" w="med" len="med"/>
                     </a:lnB>
                     <a:solidFill>
-                      <a:srgbClr val="FFFFFF"/>
+                      <a:schemeClr val="accent1">
+                        <a:lumMod val="20000"/>
+                        <a:lumOff val="80000"/>
+                      </a:schemeClr>
                     </a:solidFill>
                   </a:tcPr>
                 </a:tc>
@@ -4490,7 +4701,7 @@
                     <a:p>
                       <a:pPr algn="ctr"/>
                       <a:r>
-                        <a:rPr lang="en-US" altLang="zh-CN" sz="1800" b="1" i="0" kern="1200" dirty="0">
+                        <a:rPr lang="en-US" altLang="zh-CN" sz="1800" b="0" i="0" kern="1200" dirty="0">
                           <a:solidFill>
                             <a:schemeClr val="tx1"/>
                           </a:solidFill>
@@ -4501,7 +4712,7 @@
                         </a:rPr>
                         <a:t>Additional Banquet</a:t>
                       </a:r>
-                      <a:endParaRPr lang="en-US" b="1" dirty="0">
+                      <a:endParaRPr lang="en-US" b="0" dirty="0">
                         <a:effectLst/>
                         <a:latin typeface="Arial" panose="020B0604020202020204" pitchFamily="34" charset="0"/>
                         <a:cs typeface="Arial" panose="020B0604020202020204" pitchFamily="34" charset="0"/>
@@ -4899,7 +5110,7 @@
         </p:blipFill>
         <p:spPr>
           <a:xfrm>
-            <a:off x="6853791" y="3118486"/>
+            <a:off x="9040400" y="4655739"/>
             <a:ext cx="2635385" cy="3391074"/>
           </a:xfrm>
           <a:prstGeom prst="rect">
@@ -4950,7 +5161,7 @@
 </p:sld>
 </file>
 
-<file path=ppt/slides/slide2.xml><?xml version="1.0" encoding="utf-8"?>
+<file path=ppt/slides/slide3.xml><?xml version="1.0" encoding="utf-8"?>
 <p:sld xmlns:a="http://schemas.openxmlformats.org/drawingml/2006/main" xmlns:r="http://schemas.openxmlformats.org/officeDocument/2006/relationships" xmlns:p="http://schemas.openxmlformats.org/presentationml/2006/main">
   <p:cSld>
     <p:spTree>
@@ -5576,7 +5787,7 @@
 </p:sld>
 </file>
 
-<file path=ppt/slides/slide3.xml><?xml version="1.0" encoding="utf-8"?>
+<file path=ppt/slides/slide4.xml><?xml version="1.0" encoding="utf-8"?>
 <p:sld xmlns:a="http://schemas.openxmlformats.org/drawingml/2006/main" xmlns:r="http://schemas.openxmlformats.org/officeDocument/2006/relationships" xmlns:p="http://schemas.openxmlformats.org/presentationml/2006/main">
   <p:cSld>
     <p:spTree>

--- a/assets/figures.pptx
+++ b/assets/figures.pptx
@@ -1,17 +1,18 @@
 
 <file path=ppt/presentation.xml><?xml version="1.0" encoding="utf-8"?>
-<p:presentation xmlns:a="http://schemas.openxmlformats.org/drawingml/2006/main" xmlns:r="http://schemas.openxmlformats.org/officeDocument/2006/relationships" xmlns:p="http://schemas.openxmlformats.org/presentationml/2006/main" saveSubsetFonts="1">
+<p:presentation xmlns:a="http://schemas.openxmlformats.org/drawingml/2006/main" xmlns:r="http://schemas.openxmlformats.org/officeDocument/2006/relationships" xmlns:p="http://schemas.openxmlformats.org/presentationml/2006/main" saveSubsetFonts="1" autoCompressPictures="0">
   <p:sldMasterIdLst>
     <p:sldMasterId id="2147483648" r:id="rId1"/>
   </p:sldMasterIdLst>
   <p:notesMasterIdLst>
-    <p:notesMasterId r:id="rId6"/>
+    <p:notesMasterId r:id="rId7"/>
   </p:notesMasterIdLst>
   <p:sldIdLst>
-    <p:sldId id="259" r:id="rId2"/>
-    <p:sldId id="256" r:id="rId3"/>
-    <p:sldId id="257" r:id="rId4"/>
-    <p:sldId id="258" r:id="rId5"/>
+    <p:sldId id="260" r:id="rId2"/>
+    <p:sldId id="259" r:id="rId3"/>
+    <p:sldId id="256" r:id="rId4"/>
+    <p:sldId id="257" r:id="rId5"/>
+    <p:sldId id="258" r:id="rId6"/>
   </p:sldIdLst>
   <p:sldSz cx="12192000" cy="6858000"/>
   <p:notesSz cx="6858000" cy="9144000"/>
@@ -121,7 +122,7 @@
 <file path=ppt/revisionInfo.xml><?xml version="1.0" encoding="utf-8"?>
 <p1510:revInfo xmlns:a="http://schemas.openxmlformats.org/drawingml/2006/main" xmlns:r="http://schemas.openxmlformats.org/officeDocument/2006/relationships" xmlns:p1510="http://schemas.microsoft.com/office/powerpoint/2015/10/main">
   <p1510:revLst>
-    <p1510:client id="{0190945F-89A7-4B46-967C-3ACE53AB7830}" v="80" dt="2024-01-02T13:31:33.498"/>
+    <p1510:client id="{0190945F-89A7-4B46-967C-3ACE53AB7830}" v="93" dt="2024-01-03T06:59:32.451"/>
   </p1510:revLst>
 </p1510:revInfo>
 </file>
@@ -130,8 +131,8 @@
 <pc:chgInfo xmlns:a="http://schemas.openxmlformats.org/drawingml/2006/main" xmlns:r="http://schemas.openxmlformats.org/officeDocument/2006/relationships" xmlns:ac="http://schemas.microsoft.com/office/drawing/2013/main/command" xmlns:pc="http://schemas.microsoft.com/office/powerpoint/2013/main/command">
   <pc:docChgLst>
     <pc:chgData name="ZHANG Xiangyu" userId="0af619d5-14b7-43d3-95bc-94ad39c803d6" providerId="ADAL" clId="{0190945F-89A7-4B46-967C-3ACE53AB7830}"/>
-    <pc:docChg chg="undo custSel addSld modSld">
-      <pc:chgData name="ZHANG Xiangyu" userId="0af619d5-14b7-43d3-95bc-94ad39c803d6" providerId="ADAL" clId="{0190945F-89A7-4B46-967C-3ACE53AB7830}" dt="2024-01-02T13:32:08.123" v="408" actId="1076"/>
+    <pc:docChg chg="undo redo custSel addSld modSld">
+      <pc:chgData name="ZHANG Xiangyu" userId="0af619d5-14b7-43d3-95bc-94ad39c803d6" providerId="ADAL" clId="{0190945F-89A7-4B46-967C-3ACE53AB7830}" dt="2024-01-03T06:59:48.762" v="518" actId="207"/>
       <pc:docMkLst>
         <pc:docMk/>
       </pc:docMkLst>
@@ -341,7 +342,7 @@
         </pc:picChg>
       </pc:sldChg>
       <pc:sldChg chg="addSp delSp modSp new mod">
-        <pc:chgData name="ZHANG Xiangyu" userId="0af619d5-14b7-43d3-95bc-94ad39c803d6" providerId="ADAL" clId="{0190945F-89A7-4B46-967C-3ACE53AB7830}" dt="2024-01-02T13:32:08.123" v="408" actId="1076"/>
+        <pc:chgData name="ZHANG Xiangyu" userId="0af619d5-14b7-43d3-95bc-94ad39c803d6" providerId="ADAL" clId="{0190945F-89A7-4B46-967C-3ACE53AB7830}" dt="2024-01-03T06:17:57.328" v="411" actId="1076"/>
         <pc:sldMkLst>
           <pc:docMk/>
           <pc:sldMk cId="3249798467" sldId="259"/>
@@ -410,8 +411,8 @@
             <ac:picMk id="6" creationId="{251802F0-1A61-937F-0E02-23F0AFA1C27A}"/>
           </ac:picMkLst>
         </pc:picChg>
-        <pc:picChg chg="add mod ord modCrop">
-          <ac:chgData name="ZHANG Xiangyu" userId="0af619d5-14b7-43d3-95bc-94ad39c803d6" providerId="ADAL" clId="{0190945F-89A7-4B46-967C-3ACE53AB7830}" dt="2024-01-02T13:21:04.442" v="379" actId="732"/>
+        <pc:picChg chg="add del mod ord modCrop">
+          <ac:chgData name="ZHANG Xiangyu" userId="0af619d5-14b7-43d3-95bc-94ad39c803d6" providerId="ADAL" clId="{0190945F-89A7-4B46-967C-3ACE53AB7830}" dt="2024-01-03T06:17:53.315" v="410" actId="478"/>
           <ac:picMkLst>
             <pc:docMk/>
             <pc:sldMk cId="3249798467" sldId="259"/>
@@ -419,11 +420,90 @@
           </ac:picMkLst>
         </pc:picChg>
         <pc:picChg chg="add mod">
-          <ac:chgData name="ZHANG Xiangyu" userId="0af619d5-14b7-43d3-95bc-94ad39c803d6" providerId="ADAL" clId="{0190945F-89A7-4B46-967C-3ACE53AB7830}" dt="2024-01-02T13:32:08.123" v="408" actId="1076"/>
+          <ac:chgData name="ZHANG Xiangyu" userId="0af619d5-14b7-43d3-95bc-94ad39c803d6" providerId="ADAL" clId="{0190945F-89A7-4B46-967C-3ACE53AB7830}" dt="2024-01-03T06:17:57.328" v="411" actId="1076"/>
           <ac:picMkLst>
             <pc:docMk/>
             <pc:sldMk cId="3249798467" sldId="259"/>
             <ac:picMk id="15" creationId="{34A6F26E-61F7-BDFB-EAA5-98226E1290C6}"/>
+          </ac:picMkLst>
+        </pc:picChg>
+      </pc:sldChg>
+      <pc:sldChg chg="addSp delSp modSp new mod">
+        <pc:chgData name="ZHANG Xiangyu" userId="0af619d5-14b7-43d3-95bc-94ad39c803d6" providerId="ADAL" clId="{0190945F-89A7-4B46-967C-3ACE53AB7830}" dt="2024-01-03T06:59:48.762" v="518" actId="207"/>
+        <pc:sldMkLst>
+          <pc:docMk/>
+          <pc:sldMk cId="1279138180" sldId="260"/>
+        </pc:sldMkLst>
+        <pc:spChg chg="del">
+          <ac:chgData name="ZHANG Xiangyu" userId="0af619d5-14b7-43d3-95bc-94ad39c803d6" providerId="ADAL" clId="{0190945F-89A7-4B46-967C-3ACE53AB7830}" dt="2024-01-03T06:18:00.881" v="413" actId="478"/>
+          <ac:spMkLst>
+            <pc:docMk/>
+            <pc:sldMk cId="1279138180" sldId="260"/>
+            <ac:spMk id="2" creationId="{A3C4F14C-382D-B724-3265-64C6E0F17654}"/>
+          </ac:spMkLst>
+        </pc:spChg>
+        <pc:spChg chg="del">
+          <ac:chgData name="ZHANG Xiangyu" userId="0af619d5-14b7-43d3-95bc-94ad39c803d6" providerId="ADAL" clId="{0190945F-89A7-4B46-967C-3ACE53AB7830}" dt="2024-01-03T06:18:00.881" v="413" actId="478"/>
+          <ac:spMkLst>
+            <pc:docMk/>
+            <pc:sldMk cId="1279138180" sldId="260"/>
+            <ac:spMk id="3" creationId="{DD53DBB0-7AAB-76FD-58B2-34698C691A09}"/>
+          </ac:spMkLst>
+        </pc:spChg>
+        <pc:spChg chg="add mod">
+          <ac:chgData name="ZHANG Xiangyu" userId="0af619d5-14b7-43d3-95bc-94ad39c803d6" providerId="ADAL" clId="{0190945F-89A7-4B46-967C-3ACE53AB7830}" dt="2024-01-03T06:30:46.690" v="474" actId="1076"/>
+          <ac:spMkLst>
+            <pc:docMk/>
+            <pc:sldMk cId="1279138180" sldId="260"/>
+            <ac:spMk id="8" creationId="{EC54EA04-B81C-9230-9CA0-8FFB2142BCD5}"/>
+          </ac:spMkLst>
+        </pc:spChg>
+        <pc:spChg chg="add mod">
+          <ac:chgData name="ZHANG Xiangyu" userId="0af619d5-14b7-43d3-95bc-94ad39c803d6" providerId="ADAL" clId="{0190945F-89A7-4B46-967C-3ACE53AB7830}" dt="2024-01-03T06:59:48.762" v="518" actId="207"/>
+          <ac:spMkLst>
+            <pc:docMk/>
+            <pc:sldMk cId="1279138180" sldId="260"/>
+            <ac:spMk id="10" creationId="{C13D0B15-10E8-E7A7-D1A9-B74628D675CB}"/>
+          </ac:spMkLst>
+        </pc:spChg>
+        <pc:grpChg chg="add mod">
+          <ac:chgData name="ZHANG Xiangyu" userId="0af619d5-14b7-43d3-95bc-94ad39c803d6" providerId="ADAL" clId="{0190945F-89A7-4B46-967C-3ACE53AB7830}" dt="2024-01-03T06:34:54.394" v="512" actId="14100"/>
+          <ac:grpSpMkLst>
+            <pc:docMk/>
+            <pc:sldMk cId="1279138180" sldId="260"/>
+            <ac:grpSpMk id="11" creationId="{AE74565F-723F-DB7C-BDA0-65C5FE52E407}"/>
+          </ac:grpSpMkLst>
+        </pc:grpChg>
+        <pc:graphicFrameChg chg="add del mod">
+          <ac:chgData name="ZHANG Xiangyu" userId="0af619d5-14b7-43d3-95bc-94ad39c803d6" providerId="ADAL" clId="{0190945F-89A7-4B46-967C-3ACE53AB7830}" dt="2024-01-03T06:18:20.643" v="416"/>
+          <ac:graphicFrameMkLst>
+            <pc:docMk/>
+            <pc:sldMk cId="1279138180" sldId="260"/>
+            <ac:graphicFrameMk id="4" creationId="{9F81224E-967A-3BBF-6890-87BA14910CD3}"/>
+          </ac:graphicFrameMkLst>
+        </pc:graphicFrameChg>
+        <pc:picChg chg="add mod">
+          <ac:chgData name="ZHANG Xiangyu" userId="0af619d5-14b7-43d3-95bc-94ad39c803d6" providerId="ADAL" clId="{0190945F-89A7-4B46-967C-3ACE53AB7830}" dt="2024-01-03T06:30:18.765" v="471" actId="1076"/>
+          <ac:picMkLst>
+            <pc:docMk/>
+            <pc:sldMk cId="1279138180" sldId="260"/>
+            <ac:picMk id="6" creationId="{2085F9E3-E7DE-5D79-BB8F-544F8107703E}"/>
+          </ac:picMkLst>
+        </pc:picChg>
+        <pc:picChg chg="add del mod">
+          <ac:chgData name="ZHANG Xiangyu" userId="0af619d5-14b7-43d3-95bc-94ad39c803d6" providerId="ADAL" clId="{0190945F-89A7-4B46-967C-3ACE53AB7830}" dt="2024-01-03T06:35:07.927" v="515" actId="478"/>
+          <ac:picMkLst>
+            <pc:docMk/>
+            <pc:sldMk cId="1279138180" sldId="260"/>
+            <ac:picMk id="12" creationId="{8BC3BDB6-E74C-6CCD-BC03-C3DC4A879D29}"/>
+          </ac:picMkLst>
+        </pc:picChg>
+        <pc:picChg chg="add mod">
+          <ac:chgData name="ZHANG Xiangyu" userId="0af619d5-14b7-43d3-95bc-94ad39c803d6" providerId="ADAL" clId="{0190945F-89A7-4B46-967C-3ACE53AB7830}" dt="2024-01-03T06:59:34.136" v="517" actId="1076"/>
+          <ac:picMkLst>
+            <pc:docMk/>
+            <pc:sldMk cId="1279138180" sldId="260"/>
+            <ac:picMk id="13" creationId="{C0FF0EB6-BA0A-F413-21E7-399F6B56F11C}"/>
           </ac:picMkLst>
         </pc:picChg>
       </pc:sldChg>
@@ -514,7 +594,7 @@
           <a:p>
             <a:fld id="{B6A0FF1A-FA3A-44F4-8102-A8B090DA15CE}" type="datetimeFigureOut">
               <a:rPr lang="zh-CN" altLang="en-US" smtClean="0"/>
-              <a:t>2024/1/2</a:t>
+              <a:t>2024/1/3</a:t>
             </a:fld>
             <a:endParaRPr lang="zh-CN" altLang="en-US"/>
           </a:p>
@@ -846,7 +926,7 @@
           <a:p>
             <a:fld id="{F5B200CC-652F-45D7-9D9C-40A56CAF48BA}" type="slidenum">
               <a:rPr lang="zh-CN" altLang="en-US" smtClean="0"/>
-              <a:t>2</a:t>
+              <a:t>3</a:t>
             </a:fld>
             <a:endParaRPr lang="zh-CN" altLang="en-US"/>
           </a:p>
@@ -1012,7 +1092,7 @@
           <a:p>
             <a:fld id="{443201C6-C6B2-4F96-9DF6-297028943761}" type="datetimeFigureOut">
               <a:rPr lang="zh-CN" altLang="en-US" smtClean="0"/>
-              <a:t>2024/1/2</a:t>
+              <a:t>2024/1/3</a:t>
             </a:fld>
             <a:endParaRPr lang="zh-CN" altLang="en-US"/>
           </a:p>
@@ -1210,7 +1290,7 @@
           <a:p>
             <a:fld id="{443201C6-C6B2-4F96-9DF6-297028943761}" type="datetimeFigureOut">
               <a:rPr lang="zh-CN" altLang="en-US" smtClean="0"/>
-              <a:t>2024/1/2</a:t>
+              <a:t>2024/1/3</a:t>
             </a:fld>
             <a:endParaRPr lang="zh-CN" altLang="en-US"/>
           </a:p>
@@ -1418,7 +1498,7 @@
           <a:p>
             <a:fld id="{443201C6-C6B2-4F96-9DF6-297028943761}" type="datetimeFigureOut">
               <a:rPr lang="zh-CN" altLang="en-US" smtClean="0"/>
-              <a:t>2024/1/2</a:t>
+              <a:t>2024/1/3</a:t>
             </a:fld>
             <a:endParaRPr lang="zh-CN" altLang="en-US"/>
           </a:p>
@@ -1616,7 +1696,7 @@
           <a:p>
             <a:fld id="{443201C6-C6B2-4F96-9DF6-297028943761}" type="datetimeFigureOut">
               <a:rPr lang="zh-CN" altLang="en-US" smtClean="0"/>
-              <a:t>2024/1/2</a:t>
+              <a:t>2024/1/3</a:t>
             </a:fld>
             <a:endParaRPr lang="zh-CN" altLang="en-US"/>
           </a:p>
@@ -1891,7 +1971,7 @@
           <a:p>
             <a:fld id="{443201C6-C6B2-4F96-9DF6-297028943761}" type="datetimeFigureOut">
               <a:rPr lang="zh-CN" altLang="en-US" smtClean="0"/>
-              <a:t>2024/1/2</a:t>
+              <a:t>2024/1/3</a:t>
             </a:fld>
             <a:endParaRPr lang="zh-CN" altLang="en-US"/>
           </a:p>
@@ -2156,7 +2236,7 @@
           <a:p>
             <a:fld id="{443201C6-C6B2-4F96-9DF6-297028943761}" type="datetimeFigureOut">
               <a:rPr lang="zh-CN" altLang="en-US" smtClean="0"/>
-              <a:t>2024/1/2</a:t>
+              <a:t>2024/1/3</a:t>
             </a:fld>
             <a:endParaRPr lang="zh-CN" altLang="en-US"/>
           </a:p>
@@ -2568,7 +2648,7 @@
           <a:p>
             <a:fld id="{443201C6-C6B2-4F96-9DF6-297028943761}" type="datetimeFigureOut">
               <a:rPr lang="zh-CN" altLang="en-US" smtClean="0"/>
-              <a:t>2024/1/2</a:t>
+              <a:t>2024/1/3</a:t>
             </a:fld>
             <a:endParaRPr lang="zh-CN" altLang="en-US"/>
           </a:p>
@@ -2709,7 +2789,7 @@
           <a:p>
             <a:fld id="{443201C6-C6B2-4F96-9DF6-297028943761}" type="datetimeFigureOut">
               <a:rPr lang="zh-CN" altLang="en-US" smtClean="0"/>
-              <a:t>2024/1/2</a:t>
+              <a:t>2024/1/3</a:t>
             </a:fld>
             <a:endParaRPr lang="zh-CN" altLang="en-US"/>
           </a:p>
@@ -2822,7 +2902,7 @@
           <a:p>
             <a:fld id="{443201C6-C6B2-4F96-9DF6-297028943761}" type="datetimeFigureOut">
               <a:rPr lang="zh-CN" altLang="en-US" smtClean="0"/>
-              <a:t>2024/1/2</a:t>
+              <a:t>2024/1/3</a:t>
             </a:fld>
             <a:endParaRPr lang="zh-CN" altLang="en-US"/>
           </a:p>
@@ -3133,7 +3213,7 @@
           <a:p>
             <a:fld id="{443201C6-C6B2-4F96-9DF6-297028943761}" type="datetimeFigureOut">
               <a:rPr lang="zh-CN" altLang="en-US" smtClean="0"/>
-              <a:t>2024/1/2</a:t>
+              <a:t>2024/1/3</a:t>
             </a:fld>
             <a:endParaRPr lang="zh-CN" altLang="en-US"/>
           </a:p>
@@ -3421,7 +3501,7 @@
           <a:p>
             <a:fld id="{443201C6-C6B2-4F96-9DF6-297028943761}" type="datetimeFigureOut">
               <a:rPr lang="zh-CN" altLang="en-US" smtClean="0"/>
-              <a:t>2024/1/2</a:t>
+              <a:t>2024/1/3</a:t>
             </a:fld>
             <a:endParaRPr lang="zh-CN" altLang="en-US"/>
           </a:p>
@@ -3662,7 +3742,7 @@
           <a:p>
             <a:fld id="{443201C6-C6B2-4F96-9DF6-297028943761}" type="datetimeFigureOut">
               <a:rPr lang="zh-CN" altLang="en-US" smtClean="0"/>
-              <a:t>2024/1/2</a:t>
+              <a:t>2024/1/3</a:t>
             </a:fld>
             <a:endParaRPr lang="zh-CN" altLang="en-US"/>
           </a:p>
@@ -4079,12 +4159,272 @@
           <a:chExt cx="0" cy="0"/>
         </a:xfrm>
       </p:grpSpPr>
+      <p:grpSp>
+        <p:nvGrpSpPr>
+          <p:cNvPr id="11" name="组合 10">
+            <a:extLst>
+              <a:ext uri="{FF2B5EF4-FFF2-40B4-BE49-F238E27FC236}">
+                <a16:creationId xmlns:a16="http://schemas.microsoft.com/office/drawing/2014/main" id="{AE74565F-723F-DB7C-BDA0-65C5FE52E407}"/>
+              </a:ext>
+            </a:extLst>
+          </p:cNvPr>
+          <p:cNvGrpSpPr>
+            <a:grpSpLocks noChangeAspect="1"/>
+          </p:cNvGrpSpPr>
+          <p:nvPr/>
+        </p:nvGrpSpPr>
+        <p:grpSpPr>
+          <a:xfrm>
+            <a:off x="0" y="304800"/>
+            <a:ext cx="12168000" cy="4876800"/>
+            <a:chOff x="0" y="990600"/>
+            <a:chExt cx="12192000" cy="4876800"/>
+          </a:xfrm>
+        </p:grpSpPr>
+        <p:pic>
+          <p:nvPicPr>
+            <p:cNvPr id="6" name="图片 5" descr="夜晚的城市建筑&#10;&#10;描述已自动生成">
+              <a:extLst>
+                <a:ext uri="{FF2B5EF4-FFF2-40B4-BE49-F238E27FC236}">
+                  <a16:creationId xmlns:a16="http://schemas.microsoft.com/office/drawing/2014/main" id="{2085F9E3-E7DE-5D79-BB8F-544F8107703E}"/>
+                </a:ext>
+              </a:extLst>
+            </p:cNvPr>
+            <p:cNvPicPr>
+              <a:picLocks noChangeAspect="1"/>
+            </p:cNvPicPr>
+            <p:nvPr/>
+          </p:nvPicPr>
+          <p:blipFill>
+            <a:blip r:embed="rId2">
+              <a:extLst>
+                <a:ext uri="{28A0092B-C50C-407E-A947-70E740481C1C}">
+                  <a14:useLocalDpi xmlns:a14="http://schemas.microsoft.com/office/drawing/2010/main" val="0"/>
+                </a:ext>
+              </a:extLst>
+            </a:blip>
+            <a:stretch>
+              <a:fillRect/>
+            </a:stretch>
+          </p:blipFill>
+          <p:spPr>
+            <a:xfrm>
+              <a:off x="0" y="990600"/>
+              <a:ext cx="12192000" cy="4876800"/>
+            </a:xfrm>
+            <a:prstGeom prst="rect">
+              <a:avLst/>
+            </a:prstGeom>
+          </p:spPr>
+        </p:pic>
+        <p:sp>
+          <p:nvSpPr>
+            <p:cNvPr id="8" name="文本框 7">
+              <a:extLst>
+                <a:ext uri="{FF2B5EF4-FFF2-40B4-BE49-F238E27FC236}">
+                  <a16:creationId xmlns:a16="http://schemas.microsoft.com/office/drawing/2014/main" id="{EC54EA04-B81C-9230-9CA0-8FFB2142BCD5}"/>
+                </a:ext>
+              </a:extLst>
+            </p:cNvPr>
+            <p:cNvSpPr txBox="1"/>
+            <p:nvPr/>
+          </p:nvSpPr>
+          <p:spPr>
+            <a:xfrm>
+              <a:off x="527783" y="1240305"/>
+              <a:ext cx="11136430" cy="2231765"/>
+            </a:xfrm>
+            <a:prstGeom prst="rect">
+              <a:avLst/>
+            </a:prstGeom>
+            <a:noFill/>
+          </p:spPr>
+          <p:txBody>
+            <a:bodyPr wrap="square">
+              <a:spAutoFit/>
+            </a:bodyPr>
+            <a:lstStyle/>
+            <a:p>
+              <a:pPr algn="ctr">
+                <a:lnSpc>
+                  <a:spcPct val="150000"/>
+                </a:lnSpc>
+              </a:pPr>
+              <a:r>
+                <a:rPr lang="en-US" altLang="zh-CN" sz="3200" b="0" i="0" dirty="0">
+                  <a:solidFill>
+                    <a:srgbClr val="FAFAFA"/>
+                  </a:solidFill>
+                  <a:effectLst/>
+                  <a:latin typeface="Arial Black" panose="020B0A04020102020204" pitchFamily="34" charset="0"/>
+                </a:rPr>
+                <a:t>The 6th International Conference on Modeling in</a:t>
+              </a:r>
+              <a:br>
+                <a:rPr lang="en-US" altLang="zh-CN" sz="3200" dirty="0">
+                  <a:latin typeface="Arial Black" panose="020B0A04020102020204" pitchFamily="34" charset="0"/>
+                </a:rPr>
+              </a:br>
+              <a:r>
+                <a:rPr lang="en-US" altLang="zh-CN" sz="3200" b="0" i="0" dirty="0">
+                  <a:solidFill>
+                    <a:srgbClr val="FAFAFA"/>
+                  </a:solidFill>
+                  <a:effectLst/>
+                  <a:latin typeface="Arial Black" panose="020B0A04020102020204" pitchFamily="34" charset="0"/>
+                </a:rPr>
+                <a:t>Mechanics and Materials</a:t>
+              </a:r>
+              <a:br>
+                <a:rPr lang="en-US" altLang="zh-CN" sz="3200" dirty="0">
+                  <a:latin typeface="Arial Black" panose="020B0A04020102020204" pitchFamily="34" charset="0"/>
+                </a:rPr>
+              </a:br>
+              <a:r>
+                <a:rPr lang="en-US" altLang="zh-CN" sz="3200" b="0" i="0" dirty="0">
+                  <a:solidFill>
+                    <a:srgbClr val="FAFAFA"/>
+                  </a:solidFill>
+                  <a:effectLst/>
+                  <a:latin typeface="Arial Black" panose="020B0A04020102020204" pitchFamily="34" charset="0"/>
+                </a:rPr>
+                <a:t>(CMMM2024)</a:t>
+              </a:r>
+              <a:endParaRPr lang="zh-CN" altLang="en-US" sz="3200" dirty="0">
+                <a:latin typeface="Arial Black" panose="020B0A04020102020204" pitchFamily="34" charset="0"/>
+              </a:endParaRPr>
+            </a:p>
+          </p:txBody>
+        </p:sp>
+        <p:sp>
+          <p:nvSpPr>
+            <p:cNvPr id="10" name="文本框 9">
+              <a:extLst>
+                <a:ext uri="{FF2B5EF4-FFF2-40B4-BE49-F238E27FC236}">
+                  <a16:creationId xmlns:a16="http://schemas.microsoft.com/office/drawing/2014/main" id="{C13D0B15-10E8-E7A7-D1A9-B74628D675CB}"/>
+                </a:ext>
+              </a:extLst>
+            </p:cNvPr>
+            <p:cNvSpPr txBox="1"/>
+            <p:nvPr/>
+          </p:nvSpPr>
+          <p:spPr>
+            <a:xfrm>
+              <a:off x="1487003" y="4298616"/>
+              <a:ext cx="9217989" cy="1319079"/>
+            </a:xfrm>
+            <a:prstGeom prst="rect">
+              <a:avLst/>
+            </a:prstGeom>
+            <a:noFill/>
+            <a:effectLst>
+              <a:glow rad="139700">
+                <a:schemeClr val="accent5">
+                  <a:satMod val="175000"/>
+                  <a:alpha val="40000"/>
+                </a:schemeClr>
+              </a:glow>
+            </a:effectLst>
+          </p:spPr>
+          <p:txBody>
+            <a:bodyPr wrap="square">
+              <a:spAutoFit/>
+              <a:scene3d>
+                <a:camera prst="orthographicFront"/>
+                <a:lightRig rig="soft" dir="t">
+                  <a:rot lat="0" lon="0" rev="15600000"/>
+                </a:lightRig>
+              </a:scene3d>
+              <a:sp3d extrusionH="57150" prstMaterial="softEdge">
+                <a:bevelT w="25400" h="38100"/>
+              </a:sp3d>
+            </a:bodyPr>
+            <a:lstStyle/>
+            <a:p>
+              <a:pPr algn="ctr">
+                <a:lnSpc>
+                  <a:spcPct val="150000"/>
+                </a:lnSpc>
+              </a:pPr>
+              <a:r>
+                <a:rPr lang="en-US" altLang="zh-CN" sz="2800" b="1" i="0" dirty="0">
+                  <a:ln w="22225">
+                    <a:solidFill>
+                      <a:schemeClr val="accent2"/>
+                    </a:solidFill>
+                    <a:prstDash val="solid"/>
+                  </a:ln>
+                  <a:solidFill>
+                    <a:srgbClr val="FFC000"/>
+                  </a:solidFill>
+                  <a:latin typeface="Arial Black" panose="020B0A04020102020204" pitchFamily="34" charset="0"/>
+                </a:rPr>
+                <a:t>7-13 </a:t>
+              </a:r>
+              <a:r>
+                <a:rPr lang="en-US" altLang="zh-CN" sz="2800" b="1" i="0" dirty="0">
+                  <a:ln w="22225">
+                    <a:solidFill>
+                      <a:schemeClr val="accent2"/>
+                    </a:solidFill>
+                    <a:prstDash val="solid"/>
+                  </a:ln>
+                  <a:solidFill>
+                    <a:srgbClr val="FA9C3E"/>
+                  </a:solidFill>
+                  <a:latin typeface="Arial Black" panose="020B0A04020102020204" pitchFamily="34" charset="0"/>
+                </a:rPr>
+                <a:t>July, 2024</a:t>
+              </a:r>
+              <a:br>
+                <a:rPr lang="en-US" altLang="zh-CN" sz="2800" b="1" dirty="0">
+                  <a:ln w="22225">
+                    <a:solidFill>
+                      <a:schemeClr val="accent2"/>
+                    </a:solidFill>
+                    <a:prstDash val="solid"/>
+                  </a:ln>
+                  <a:solidFill>
+                    <a:srgbClr val="FFC000"/>
+                  </a:solidFill>
+                </a:rPr>
+              </a:br>
+              <a:r>
+                <a:rPr lang="en-US" altLang="zh-CN" sz="2800" b="1" i="0" dirty="0">
+                  <a:ln w="22225">
+                    <a:solidFill>
+                      <a:schemeClr val="accent2"/>
+                    </a:solidFill>
+                    <a:prstDash val="solid"/>
+                  </a:ln>
+                  <a:solidFill>
+                    <a:srgbClr val="FFC000"/>
+                  </a:solidFill>
+                  <a:latin typeface="Arial Black" panose="020B0A04020102020204" pitchFamily="34" charset="0"/>
+                </a:rPr>
+                <a:t>Kuala Lumpur, Malaysia</a:t>
+              </a:r>
+              <a:endParaRPr lang="zh-CN" altLang="en-US" sz="2800" b="1" dirty="0">
+                <a:ln w="22225">
+                  <a:solidFill>
+                    <a:schemeClr val="accent2"/>
+                  </a:solidFill>
+                  <a:prstDash val="solid"/>
+                </a:ln>
+                <a:solidFill>
+                  <a:srgbClr val="FFC000"/>
+                </a:solidFill>
+              </a:endParaRPr>
+            </a:p>
+          </p:txBody>
+        </p:sp>
+      </p:grpSp>
       <p:pic>
         <p:nvPicPr>
-          <p:cNvPr id="12" name="图片 11" descr="城市的夜景&#10;&#10;描述已自动生成">
-            <a:extLst>
-              <a:ext uri="{FF2B5EF4-FFF2-40B4-BE49-F238E27FC236}">
-                <a16:creationId xmlns:a16="http://schemas.microsoft.com/office/drawing/2014/main" id="{E49065C2-B49C-55B0-D758-605DC024E729}"/>
+          <p:cNvPr id="13" name="图片 12">
+            <a:extLst>
+              <a:ext uri="{FF2B5EF4-FFF2-40B4-BE49-F238E27FC236}">
+                <a16:creationId xmlns:a16="http://schemas.microsoft.com/office/drawing/2014/main" id="{C0FF0EB6-BA0A-F413-21E7-399F6B56F11C}"/>
               </a:ext>
             </a:extLst>
           </p:cNvPr>
@@ -4093,27 +4433,52 @@
           </p:cNvPicPr>
           <p:nvPr/>
         </p:nvPicPr>
-        <p:blipFill rotWithShape="1">
-          <a:blip r:embed="rId2">
-            <a:extLst>
-              <a:ext uri="{28A0092B-C50C-407E-A947-70E740481C1C}">
-                <a14:useLocalDpi xmlns:a14="http://schemas.microsoft.com/office/drawing/2010/main" val="0"/>
-              </a:ext>
-            </a:extLst>
-          </a:blip>
-          <a:srcRect b="40291"/>
-          <a:stretch/>
+        <p:blipFill>
+          <a:blip r:embed="rId3"/>
+          <a:stretch>
+            <a:fillRect/>
+          </a:stretch>
         </p:blipFill>
         <p:spPr>
           <a:xfrm>
-            <a:off x="4296000" y="1954695"/>
-            <a:ext cx="3600000" cy="1433030"/>
+            <a:off x="5797892" y="5780098"/>
+            <a:ext cx="971600" cy="844593"/>
           </a:xfrm>
           <a:prstGeom prst="rect">
             <a:avLst/>
           </a:prstGeom>
         </p:spPr>
       </p:pic>
+    </p:spTree>
+    <p:extLst>
+      <p:ext uri="{BB962C8B-B14F-4D97-AF65-F5344CB8AC3E}">
+        <p14:creationId xmlns:p14="http://schemas.microsoft.com/office/powerpoint/2010/main" val="1279138180"/>
+      </p:ext>
+    </p:extLst>
+  </p:cSld>
+  <p:clrMapOvr>
+    <a:masterClrMapping/>
+  </p:clrMapOvr>
+</p:sld>
+</file>
+
+<file path=ppt/slides/slide2.xml><?xml version="1.0" encoding="utf-8"?>
+<p:sld xmlns:a="http://schemas.openxmlformats.org/drawingml/2006/main" xmlns:r="http://schemas.openxmlformats.org/officeDocument/2006/relationships" xmlns:p="http://schemas.openxmlformats.org/presentationml/2006/main">
+  <p:cSld>
+    <p:spTree>
+      <p:nvGrpSpPr>
+        <p:cNvPr id="1" name=""/>
+        <p:cNvGrpSpPr/>
+        <p:nvPr/>
+      </p:nvGrpSpPr>
+      <p:grpSpPr>
+        <a:xfrm>
+          <a:off x="0" y="0"/>
+          <a:ext cx="0" cy="0"/>
+          <a:chOff x="0" y="0"/>
+          <a:chExt cx="0" cy="0"/>
+        </a:xfrm>
+      </p:grpSpPr>
       <p:pic>
         <p:nvPicPr>
           <p:cNvPr id="15" name="图片 14" descr="QR 代码&#10;&#10;描述已自动生成">
@@ -4129,7 +4494,7 @@
           <p:nvPr/>
         </p:nvPicPr>
         <p:blipFill>
-          <a:blip r:embed="rId3">
+          <a:blip r:embed="rId2">
             <a:clrChange>
               <a:clrFrom>
                 <a:srgbClr val="FFFFFF"/>
@@ -4152,7 +4517,7 @@
         </p:blipFill>
         <p:spPr>
           <a:xfrm>
-            <a:off x="-2164044" y="1655544"/>
+            <a:off x="1361034" y="0"/>
             <a:ext cx="8260044" cy="6858000"/>
           </a:xfrm>
           <a:prstGeom prst="rect">
@@ -4173,7 +4538,7 @@
 </p:sld>
 </file>
 
-<file path=ppt/slides/slide2.xml><?xml version="1.0" encoding="utf-8"?>
+<file path=ppt/slides/slide3.xml><?xml version="1.0" encoding="utf-8"?>
 <p:sld xmlns:a="http://schemas.openxmlformats.org/drawingml/2006/main" xmlns:r="http://schemas.openxmlformats.org/officeDocument/2006/relationships" xmlns:p="http://schemas.openxmlformats.org/presentationml/2006/main">
   <p:cSld>
     <p:spTree>
@@ -5161,7 +5526,7 @@
 </p:sld>
 </file>
 
-<file path=ppt/slides/slide3.xml><?xml version="1.0" encoding="utf-8"?>
+<file path=ppt/slides/slide4.xml><?xml version="1.0" encoding="utf-8"?>
 <p:sld xmlns:a="http://schemas.openxmlformats.org/drawingml/2006/main" xmlns:r="http://schemas.openxmlformats.org/officeDocument/2006/relationships" xmlns:p="http://schemas.openxmlformats.org/presentationml/2006/main">
   <p:cSld>
     <p:spTree>
@@ -5787,7 +6152,7 @@
 </p:sld>
 </file>
 
-<file path=ppt/slides/slide4.xml><?xml version="1.0" encoding="utf-8"?>
+<file path=ppt/slides/slide5.xml><?xml version="1.0" encoding="utf-8"?>
 <p:sld xmlns:a="http://schemas.openxmlformats.org/drawingml/2006/main" xmlns:r="http://schemas.openxmlformats.org/officeDocument/2006/relationships" xmlns:p="http://schemas.openxmlformats.org/presentationml/2006/main">
   <p:cSld>
     <p:spTree>

--- a/assets/figures.pptx
+++ b/assets/figures.pptx
@@ -122,7 +122,7 @@
 <file path=ppt/revisionInfo.xml><?xml version="1.0" encoding="utf-8"?>
 <p1510:revInfo xmlns:a="http://schemas.openxmlformats.org/drawingml/2006/main" xmlns:r="http://schemas.openxmlformats.org/officeDocument/2006/relationships" xmlns:p1510="http://schemas.microsoft.com/office/powerpoint/2015/10/main">
   <p1510:revLst>
-    <p1510:client id="{0190945F-89A7-4B46-967C-3ACE53AB7830}" v="93" dt="2024-01-03T06:59:32.451"/>
+    <p1510:client id="{0190945F-89A7-4B46-967C-3ACE53AB7830}" v="95" dt="2024-01-05T02:34:49.213"/>
   </p1510:revLst>
 </p1510:revInfo>
 </file>
@@ -132,12 +132,12 @@
   <pc:docChgLst>
     <pc:chgData name="ZHANG Xiangyu" userId="0af619d5-14b7-43d3-95bc-94ad39c803d6" providerId="ADAL" clId="{0190945F-89A7-4B46-967C-3ACE53AB7830}"/>
     <pc:docChg chg="undo redo custSel addSld modSld">
-      <pc:chgData name="ZHANG Xiangyu" userId="0af619d5-14b7-43d3-95bc-94ad39c803d6" providerId="ADAL" clId="{0190945F-89A7-4B46-967C-3ACE53AB7830}" dt="2024-01-03T06:59:48.762" v="518" actId="207"/>
+      <pc:chgData name="ZHANG Xiangyu" userId="0af619d5-14b7-43d3-95bc-94ad39c803d6" providerId="ADAL" clId="{0190945F-89A7-4B46-967C-3ACE53AB7830}" dt="2024-01-05T02:34:49.213" v="531" actId="5736"/>
       <pc:docMkLst>
         <pc:docMk/>
       </pc:docMkLst>
       <pc:sldChg chg="addSp delSp modSp new mod">
-        <pc:chgData name="ZHANG Xiangyu" userId="0af619d5-14b7-43d3-95bc-94ad39c803d6" providerId="ADAL" clId="{0190945F-89A7-4B46-967C-3ACE53AB7830}" dt="2024-01-02T13:10:03.113" v="323" actId="5736"/>
+        <pc:chgData name="ZHANG Xiangyu" userId="0af619d5-14b7-43d3-95bc-94ad39c803d6" providerId="ADAL" clId="{0190945F-89A7-4B46-967C-3ACE53AB7830}" dt="2024-01-05T02:34:49.213" v="531" actId="5736"/>
         <pc:sldMkLst>
           <pc:docMk/>
           <pc:sldMk cId="3049935216" sldId="256"/>
@@ -183,7 +183,7 @@
           </ac:spMkLst>
         </pc:spChg>
         <pc:graphicFrameChg chg="add mod modGraphic">
-          <ac:chgData name="ZHANG Xiangyu" userId="0af619d5-14b7-43d3-95bc-94ad39c803d6" providerId="ADAL" clId="{0190945F-89A7-4B46-967C-3ACE53AB7830}" dt="2024-01-02T13:10:03.113" v="323" actId="5736"/>
+          <ac:chgData name="ZHANG Xiangyu" userId="0af619d5-14b7-43d3-95bc-94ad39c803d6" providerId="ADAL" clId="{0190945F-89A7-4B46-967C-3ACE53AB7830}" dt="2024-01-05T02:34:49.213" v="531" actId="5736"/>
           <ac:graphicFrameMkLst>
             <pc:docMk/>
             <pc:sldMk cId="3049935216" sldId="256"/>
@@ -255,7 +255,7 @@
         </pc:graphicFrameChg>
       </pc:sldChg>
       <pc:sldChg chg="addSp delSp modSp new mod">
-        <pc:chgData name="ZHANG Xiangyu" userId="0af619d5-14b7-43d3-95bc-94ad39c803d6" providerId="ADAL" clId="{0190945F-89A7-4B46-967C-3ACE53AB7830}" dt="2024-01-02T12:17:51.983" v="303" actId="14100"/>
+        <pc:chgData name="ZHANG Xiangyu" userId="0af619d5-14b7-43d3-95bc-94ad39c803d6" providerId="ADAL" clId="{0190945F-89A7-4B46-967C-3ACE53AB7830}" dt="2024-01-05T02:33:35.408" v="529" actId="478"/>
         <pc:sldMkLst>
           <pc:docMk/>
           <pc:sldMk cId="3376447091" sldId="258"/>
@@ -268,6 +268,14 @@
             <ac:spMk id="2" creationId="{64689E8B-3A1F-3B42-36E7-1DBE076E3A03}"/>
           </ac:spMkLst>
         </pc:spChg>
+        <pc:spChg chg="add del mod">
+          <ac:chgData name="ZHANG Xiangyu" userId="0af619d5-14b7-43d3-95bc-94ad39c803d6" providerId="ADAL" clId="{0190945F-89A7-4B46-967C-3ACE53AB7830}" dt="2024-01-05T02:33:35.408" v="529" actId="478"/>
+          <ac:spMkLst>
+            <pc:docMk/>
+            <pc:sldMk cId="3376447091" sldId="258"/>
+            <ac:spMk id="3" creationId="{71FDDAD1-B75F-F36E-DFBD-100B9C969818}"/>
+          </ac:spMkLst>
+        </pc:spChg>
         <pc:spChg chg="del">
           <ac:chgData name="ZHANG Xiangyu" userId="0af619d5-14b7-43d3-95bc-94ad39c803d6" providerId="ADAL" clId="{0190945F-89A7-4B46-967C-3ACE53AB7830}" dt="2024-01-02T11:53:08.593" v="177" actId="478"/>
           <ac:spMkLst>
@@ -277,7 +285,7 @@
           </ac:spMkLst>
         </pc:spChg>
         <pc:spChg chg="add mod">
-          <ac:chgData name="ZHANG Xiangyu" userId="0af619d5-14b7-43d3-95bc-94ad39c803d6" providerId="ADAL" clId="{0190945F-89A7-4B46-967C-3ACE53AB7830}" dt="2024-01-02T12:07:07.235" v="301" actId="164"/>
+          <ac:chgData name="ZHANG Xiangyu" userId="0af619d5-14b7-43d3-95bc-94ad39c803d6" providerId="ADAL" clId="{0190945F-89A7-4B46-967C-3ACE53AB7830}" dt="2024-01-05T02:25:37.694" v="524" actId="207"/>
           <ac:spMkLst>
             <pc:docMk/>
             <pc:sldMk cId="3376447091" sldId="258"/>
@@ -285,7 +293,7 @@
           </ac:spMkLst>
         </pc:spChg>
         <pc:spChg chg="add mod">
-          <ac:chgData name="ZHANG Xiangyu" userId="0af619d5-14b7-43d3-95bc-94ad39c803d6" providerId="ADAL" clId="{0190945F-89A7-4B46-967C-3ACE53AB7830}" dt="2024-01-02T12:17:51.983" v="303" actId="14100"/>
+          <ac:chgData name="ZHANG Xiangyu" userId="0af619d5-14b7-43d3-95bc-94ad39c803d6" providerId="ADAL" clId="{0190945F-89A7-4B46-967C-3ACE53AB7830}" dt="2024-01-05T02:29:03.804" v="528"/>
           <ac:spMkLst>
             <pc:docMk/>
             <pc:sldMk cId="3376447091" sldId="258"/>
@@ -301,7 +309,7 @@
           </ac:grpSpMkLst>
         </pc:grpChg>
         <pc:grpChg chg="add mod">
-          <ac:chgData name="ZHANG Xiangyu" userId="0af619d5-14b7-43d3-95bc-94ad39c803d6" providerId="ADAL" clId="{0190945F-89A7-4B46-967C-3ACE53AB7830}" dt="2024-01-02T12:07:19.283" v="302" actId="164"/>
+          <ac:chgData name="ZHANG Xiangyu" userId="0af619d5-14b7-43d3-95bc-94ad39c803d6" providerId="ADAL" clId="{0190945F-89A7-4B46-967C-3ACE53AB7830}" dt="2024-01-05T02:25:41.749" v="526" actId="1076"/>
           <ac:grpSpMkLst>
             <pc:docMk/>
             <pc:sldMk cId="3376447091" sldId="258"/>
@@ -594,7 +602,7 @@
           <a:p>
             <a:fld id="{B6A0FF1A-FA3A-44F4-8102-A8B090DA15CE}" type="datetimeFigureOut">
               <a:rPr lang="zh-CN" altLang="en-US" smtClean="0"/>
-              <a:t>2024/1/3</a:t>
+              <a:t>2024/1/5</a:t>
             </a:fld>
             <a:endParaRPr lang="zh-CN" altLang="en-US"/>
           </a:p>
@@ -1092,7 +1100,7 @@
           <a:p>
             <a:fld id="{443201C6-C6B2-4F96-9DF6-297028943761}" type="datetimeFigureOut">
               <a:rPr lang="zh-CN" altLang="en-US" smtClean="0"/>
-              <a:t>2024/1/3</a:t>
+              <a:t>2024/1/5</a:t>
             </a:fld>
             <a:endParaRPr lang="zh-CN" altLang="en-US"/>
           </a:p>
@@ -1290,7 +1298,7 @@
           <a:p>
             <a:fld id="{443201C6-C6B2-4F96-9DF6-297028943761}" type="datetimeFigureOut">
               <a:rPr lang="zh-CN" altLang="en-US" smtClean="0"/>
-              <a:t>2024/1/3</a:t>
+              <a:t>2024/1/5</a:t>
             </a:fld>
             <a:endParaRPr lang="zh-CN" altLang="en-US"/>
           </a:p>
@@ -1498,7 +1506,7 @@
           <a:p>
             <a:fld id="{443201C6-C6B2-4F96-9DF6-297028943761}" type="datetimeFigureOut">
               <a:rPr lang="zh-CN" altLang="en-US" smtClean="0"/>
-              <a:t>2024/1/3</a:t>
+              <a:t>2024/1/5</a:t>
             </a:fld>
             <a:endParaRPr lang="zh-CN" altLang="en-US"/>
           </a:p>
@@ -1696,7 +1704,7 @@
           <a:p>
             <a:fld id="{443201C6-C6B2-4F96-9DF6-297028943761}" type="datetimeFigureOut">
               <a:rPr lang="zh-CN" altLang="en-US" smtClean="0"/>
-              <a:t>2024/1/3</a:t>
+              <a:t>2024/1/5</a:t>
             </a:fld>
             <a:endParaRPr lang="zh-CN" altLang="en-US"/>
           </a:p>
@@ -1971,7 +1979,7 @@
           <a:p>
             <a:fld id="{443201C6-C6B2-4F96-9DF6-297028943761}" type="datetimeFigureOut">
               <a:rPr lang="zh-CN" altLang="en-US" smtClean="0"/>
-              <a:t>2024/1/3</a:t>
+              <a:t>2024/1/5</a:t>
             </a:fld>
             <a:endParaRPr lang="zh-CN" altLang="en-US"/>
           </a:p>
@@ -2236,7 +2244,7 @@
           <a:p>
             <a:fld id="{443201C6-C6B2-4F96-9DF6-297028943761}" type="datetimeFigureOut">
               <a:rPr lang="zh-CN" altLang="en-US" smtClean="0"/>
-              <a:t>2024/1/3</a:t>
+              <a:t>2024/1/5</a:t>
             </a:fld>
             <a:endParaRPr lang="zh-CN" altLang="en-US"/>
           </a:p>
@@ -2648,7 +2656,7 @@
           <a:p>
             <a:fld id="{443201C6-C6B2-4F96-9DF6-297028943761}" type="datetimeFigureOut">
               <a:rPr lang="zh-CN" altLang="en-US" smtClean="0"/>
-              <a:t>2024/1/3</a:t>
+              <a:t>2024/1/5</a:t>
             </a:fld>
             <a:endParaRPr lang="zh-CN" altLang="en-US"/>
           </a:p>
@@ -2789,7 +2797,7 @@
           <a:p>
             <a:fld id="{443201C6-C6B2-4F96-9DF6-297028943761}" type="datetimeFigureOut">
               <a:rPr lang="zh-CN" altLang="en-US" smtClean="0"/>
-              <a:t>2024/1/3</a:t>
+              <a:t>2024/1/5</a:t>
             </a:fld>
             <a:endParaRPr lang="zh-CN" altLang="en-US"/>
           </a:p>
@@ -2902,7 +2910,7 @@
           <a:p>
             <a:fld id="{443201C6-C6B2-4F96-9DF6-297028943761}" type="datetimeFigureOut">
               <a:rPr lang="zh-CN" altLang="en-US" smtClean="0"/>
-              <a:t>2024/1/3</a:t>
+              <a:t>2024/1/5</a:t>
             </a:fld>
             <a:endParaRPr lang="zh-CN" altLang="en-US"/>
           </a:p>
@@ -3213,7 +3221,7 @@
           <a:p>
             <a:fld id="{443201C6-C6B2-4F96-9DF6-297028943761}" type="datetimeFigureOut">
               <a:rPr lang="zh-CN" altLang="en-US" smtClean="0"/>
-              <a:t>2024/1/3</a:t>
+              <a:t>2024/1/5</a:t>
             </a:fld>
             <a:endParaRPr lang="zh-CN" altLang="en-US"/>
           </a:p>
@@ -3501,7 +3509,7 @@
           <a:p>
             <a:fld id="{443201C6-C6B2-4F96-9DF6-297028943761}" type="datetimeFigureOut">
               <a:rPr lang="zh-CN" altLang="en-US" smtClean="0"/>
-              <a:t>2024/1/3</a:t>
+              <a:t>2024/1/5</a:t>
             </a:fld>
             <a:endParaRPr lang="zh-CN" altLang="en-US"/>
           </a:p>
@@ -3742,7 +3750,7 @@
           <a:p>
             <a:fld id="{443201C6-C6B2-4F96-9DF6-297028943761}" type="datetimeFigureOut">
               <a:rPr lang="zh-CN" altLang="en-US" smtClean="0"/>
-              <a:t>2024/1/3</a:t>
+              <a:t>2024/1/5</a:t>
             </a:fld>
             <a:endParaRPr lang="zh-CN" altLang="en-US"/>
           </a:p>
@@ -4570,7 +4578,7 @@
           <p:nvPr>
             <p:extLst>
               <p:ext uri="{D42A27DB-BD31-4B8C-83A1-F6EECF244321}">
-                <p14:modId xmlns:p14="http://schemas.microsoft.com/office/powerpoint/2010/main" val="2087561171"/>
+                <p14:modId xmlns:p14="http://schemas.microsoft.com/office/powerpoint/2010/main" val="3331924831"/>
               </p:ext>
             </p:extLst>
           </p:nvPr>
@@ -4754,7 +4762,7 @@
                       <a:r>
                         <a:rPr lang="en-US" altLang="zh-CN" sz="1800" b="0" i="0" kern="1200" dirty="0">
                           <a:solidFill>
-                            <a:schemeClr val="tx1"/>
+                            <a:srgbClr val="505050"/>
                           </a:solidFill>
                           <a:effectLst/>
                           <a:latin typeface="Arial" panose="020B0604020202020204" pitchFamily="34" charset="0"/>
@@ -4764,6 +4772,9 @@
                         <a:t>Full Delegate</a:t>
                       </a:r>
                       <a:endParaRPr lang="en-US" b="0" dirty="0">
+                        <a:solidFill>
+                          <a:srgbClr val="505050"/>
+                        </a:solidFill>
                         <a:effectLst/>
                         <a:latin typeface="Arial" panose="020B0604020202020204" pitchFamily="34" charset="0"/>
                         <a:cs typeface="Arial" panose="020B0604020202020204" pitchFamily="34" charset="0"/>
@@ -4820,6 +4831,9 @@
                       <a:pPr algn="ctr"/>
                       <a:r>
                         <a:rPr lang="en-US" dirty="0">
+                          <a:solidFill>
+                            <a:srgbClr val="505050"/>
+                          </a:solidFill>
                           <a:effectLst/>
                           <a:latin typeface="Arial" panose="020B0604020202020204" pitchFamily="34" charset="0"/>
                           <a:cs typeface="Arial" panose="020B0604020202020204" pitchFamily="34" charset="0"/>
@@ -4886,7 +4900,7 @@
                       <a:r>
                         <a:rPr lang="en-US" altLang="zh-CN" sz="1800" b="0" i="0" kern="1200" dirty="0">
                           <a:solidFill>
-                            <a:schemeClr val="tx1"/>
+                            <a:srgbClr val="505050"/>
                           </a:solidFill>
                           <a:effectLst/>
                           <a:latin typeface="Arial" panose="020B0604020202020204" pitchFamily="34" charset="0"/>
@@ -4896,6 +4910,9 @@
                         <a:t>Student Delegate</a:t>
                       </a:r>
                       <a:endParaRPr lang="en-US" b="0" dirty="0">
+                        <a:solidFill>
+                          <a:srgbClr val="505050"/>
+                        </a:solidFill>
                         <a:effectLst/>
                         <a:latin typeface="Arial" panose="020B0604020202020204" pitchFamily="34" charset="0"/>
                         <a:cs typeface="Arial" panose="020B0604020202020204" pitchFamily="34" charset="0"/>
@@ -4955,6 +4972,9 @@
                       <a:pPr algn="ctr"/>
                       <a:r>
                         <a:rPr lang="en-US" dirty="0">
+                          <a:solidFill>
+                            <a:srgbClr val="505050"/>
+                          </a:solidFill>
                           <a:effectLst/>
                           <a:latin typeface="Arial" panose="020B0604020202020204" pitchFamily="34" charset="0"/>
                           <a:cs typeface="Arial" panose="020B0604020202020204" pitchFamily="34" charset="0"/>
@@ -4967,7 +4987,7 @@
                       <a:r>
                         <a:rPr lang="en-US" altLang="zh-CN" sz="1800" b="0" i="0" kern="1200" dirty="0">
                           <a:solidFill>
-                            <a:schemeClr val="tx1"/>
+                            <a:srgbClr val="505050"/>
                           </a:solidFill>
                           <a:effectLst/>
                           <a:latin typeface="Arial" panose="020B0604020202020204" pitchFamily="34" charset="0"/>
@@ -4979,7 +4999,7 @@
                       <a:r>
                         <a:rPr lang="en-US" altLang="zh-CN" sz="1800" b="1" i="0" kern="1200" dirty="0">
                           <a:solidFill>
-                            <a:schemeClr val="tx1"/>
+                            <a:srgbClr val="505050"/>
                           </a:solidFill>
                           <a:effectLst/>
                           <a:latin typeface="Arial" panose="020B0604020202020204" pitchFamily="34" charset="0"/>
@@ -4991,7 +5011,7 @@
                       <a:r>
                         <a:rPr lang="en-US" altLang="zh-CN" sz="1800" b="0" i="0" kern="1200" dirty="0">
                           <a:solidFill>
-                            <a:schemeClr val="tx1"/>
+                            <a:srgbClr val="505050"/>
                           </a:solidFill>
                           <a:effectLst/>
                           <a:latin typeface="Arial" panose="020B0604020202020204" pitchFamily="34" charset="0"/>
@@ -5001,6 +5021,9 @@
                         <a:t> Included)</a:t>
                       </a:r>
                       <a:endParaRPr lang="en-US" dirty="0">
+                        <a:solidFill>
+                          <a:srgbClr val="505050"/>
+                        </a:solidFill>
                         <a:effectLst/>
                         <a:latin typeface="Arial" panose="020B0604020202020204" pitchFamily="34" charset="0"/>
                         <a:cs typeface="Arial" panose="020B0604020202020204" pitchFamily="34" charset="0"/>
@@ -5068,7 +5091,7 @@
                       <a:r>
                         <a:rPr lang="en-US" altLang="zh-CN" sz="1800" b="0" i="0" kern="1200" dirty="0">
                           <a:solidFill>
-                            <a:schemeClr val="tx1"/>
+                            <a:srgbClr val="505050"/>
                           </a:solidFill>
                           <a:effectLst/>
                           <a:latin typeface="Arial" panose="020B0604020202020204" pitchFamily="34" charset="0"/>
@@ -5078,6 +5101,9 @@
                         <a:t>Additional Banquet</a:t>
                       </a:r>
                       <a:endParaRPr lang="en-US" b="0" dirty="0">
+                        <a:solidFill>
+                          <a:srgbClr val="505050"/>
+                        </a:solidFill>
                         <a:effectLst/>
                         <a:latin typeface="Arial" panose="020B0604020202020204" pitchFamily="34" charset="0"/>
                         <a:cs typeface="Arial" panose="020B0604020202020204" pitchFamily="34" charset="0"/>
@@ -5135,7 +5161,7 @@
                       <a:r>
                         <a:rPr lang="en-US" altLang="zh-CN" sz="1800" b="0" i="0" kern="1200" dirty="0">
                           <a:solidFill>
-                            <a:schemeClr val="tx1"/>
+                            <a:srgbClr val="505050"/>
                           </a:solidFill>
                           <a:effectLst/>
                           <a:latin typeface="Arial" panose="020B0604020202020204" pitchFamily="34" charset="0"/>
@@ -5145,6 +5171,9 @@
                         <a:t>150 USD</a:t>
                       </a:r>
                       <a:endParaRPr lang="en-US" dirty="0">
+                        <a:solidFill>
+                          <a:srgbClr val="505050"/>
+                        </a:solidFill>
                         <a:effectLst/>
                         <a:latin typeface="Arial" panose="020B0604020202020204" pitchFamily="34" charset="0"/>
                         <a:cs typeface="Arial" panose="020B0604020202020204" pitchFamily="34" charset="0"/>
@@ -6260,6 +6289,9 @@
               </a:pPr>
               <a:r>
                 <a:rPr lang="en-US" altLang="zh-CN" sz="1600" dirty="0">
+                  <a:solidFill>
+                    <a:srgbClr val="505050"/>
+                  </a:solidFill>
                   <a:latin typeface="Arial" panose="020B0604020202020204" pitchFamily="34" charset="0"/>
                   <a:cs typeface="Arial" panose="020B0604020202020204" pitchFamily="34" charset="0"/>
                 </a:rPr>
@@ -6393,6 +6425,9 @@
             <a:p>
               <a:r>
                 <a:rPr lang="zh-CN" altLang="en-US" sz="1600" dirty="0">
+                  <a:solidFill>
+                    <a:srgbClr val="505050"/>
+                  </a:solidFill>
                   <a:latin typeface="Arial" panose="020B0604020202020204" pitchFamily="34" charset="0"/>
                   <a:cs typeface="Arial" panose="020B0604020202020204" pitchFamily="34" charset="0"/>
                 </a:rPr>
@@ -6400,6 +6435,9 @@
               </a:r>
               <a:r>
                 <a:rPr lang="en-US" altLang="zh-CN" sz="1600" dirty="0">
+                  <a:solidFill>
+                    <a:srgbClr val="505050"/>
+                  </a:solidFill>
                   <a:latin typeface="Arial" panose="020B0604020202020204" pitchFamily="34" charset="0"/>
                   <a:cs typeface="Arial" panose="020B0604020202020204" pitchFamily="34" charset="0"/>
                 </a:rPr>
@@ -6407,12 +6445,18 @@
               </a:r>
               <a:r>
                 <a:rPr lang="zh-CN" altLang="en-US" sz="1600" dirty="0">
+                  <a:solidFill>
+                    <a:srgbClr val="505050"/>
+                  </a:solidFill>
                   <a:latin typeface="Arial" panose="020B0604020202020204" pitchFamily="34" charset="0"/>
                   <a:cs typeface="Arial" panose="020B0604020202020204" pitchFamily="34" charset="0"/>
                 </a:rPr>
                 <a:t> Services</a:t>
               </a:r>
               <a:endParaRPr lang="en-US" altLang="zh-CN" sz="1600" dirty="0">
+                <a:solidFill>
+                  <a:srgbClr val="505050"/>
+                </a:solidFill>
                 <a:latin typeface="Arial" panose="020B0604020202020204" pitchFamily="34" charset="0"/>
                 <a:cs typeface="Arial" panose="020B0604020202020204" pitchFamily="34" charset="0"/>
               </a:endParaRPr>

--- a/assets/figures.pptx
+++ b/assets/figures.pptx
@@ -122,7 +122,7 @@
 <file path=ppt/revisionInfo.xml><?xml version="1.0" encoding="utf-8"?>
 <p1510:revInfo xmlns:a="http://schemas.openxmlformats.org/drawingml/2006/main" xmlns:r="http://schemas.openxmlformats.org/officeDocument/2006/relationships" xmlns:p1510="http://schemas.microsoft.com/office/powerpoint/2015/10/main">
   <p1510:revLst>
-    <p1510:client id="{0190945F-89A7-4B46-967C-3ACE53AB7830}" v="95" dt="2024-01-05T02:34:49.213"/>
+    <p1510:client id="{0190945F-89A7-4B46-967C-3ACE53AB7830}" v="99" dt="2024-01-05T03:53:31.777"/>
   </p1510:revLst>
 </p1510:revInfo>
 </file>
@@ -132,12 +132,12 @@
   <pc:docChgLst>
     <pc:chgData name="ZHANG Xiangyu" userId="0af619d5-14b7-43d3-95bc-94ad39c803d6" providerId="ADAL" clId="{0190945F-89A7-4B46-967C-3ACE53AB7830}"/>
     <pc:docChg chg="undo redo custSel addSld modSld">
-      <pc:chgData name="ZHANG Xiangyu" userId="0af619d5-14b7-43d3-95bc-94ad39c803d6" providerId="ADAL" clId="{0190945F-89A7-4B46-967C-3ACE53AB7830}" dt="2024-01-05T02:34:49.213" v="531" actId="5736"/>
+      <pc:chgData name="ZHANG Xiangyu" userId="0af619d5-14b7-43d3-95bc-94ad39c803d6" providerId="ADAL" clId="{0190945F-89A7-4B46-967C-3ACE53AB7830}" dt="2024-01-05T03:53:37.301" v="542" actId="14100"/>
       <pc:docMkLst>
         <pc:docMk/>
       </pc:docMkLst>
       <pc:sldChg chg="addSp delSp modSp new mod">
-        <pc:chgData name="ZHANG Xiangyu" userId="0af619d5-14b7-43d3-95bc-94ad39c803d6" providerId="ADAL" clId="{0190945F-89A7-4B46-967C-3ACE53AB7830}" dt="2024-01-05T02:34:49.213" v="531" actId="5736"/>
+        <pc:chgData name="ZHANG Xiangyu" userId="0af619d5-14b7-43d3-95bc-94ad39c803d6" providerId="ADAL" clId="{0190945F-89A7-4B46-967C-3ACE53AB7830}" dt="2024-01-05T03:53:37.301" v="542" actId="14100"/>
         <pc:sldMkLst>
           <pc:docMk/>
           <pc:sldMk cId="3049935216" sldId="256"/>
@@ -175,7 +175,7 @@
           </ac:spMkLst>
         </pc:spChg>
         <pc:spChg chg="add mod">
-          <ac:chgData name="ZHANG Xiangyu" userId="0af619d5-14b7-43d3-95bc-94ad39c803d6" providerId="ADAL" clId="{0190945F-89A7-4B46-967C-3ACE53AB7830}" dt="2024-01-02T07:40:58.936" v="152" actId="2711"/>
+          <ac:chgData name="ZHANG Xiangyu" userId="0af619d5-14b7-43d3-95bc-94ad39c803d6" providerId="ADAL" clId="{0190945F-89A7-4B46-967C-3ACE53AB7830}" dt="2024-01-05T03:53:37.301" v="542" actId="14100"/>
           <ac:spMkLst>
             <pc:docMk/>
             <pc:sldMk cId="3049935216" sldId="256"/>
@@ -5323,8 +5323,8 @@
         </p:nvSpPr>
         <p:spPr>
           <a:xfrm>
-            <a:off x="6730723" y="4286250"/>
-            <a:ext cx="2038350" cy="914400"/>
+            <a:off x="6424436" y="4286250"/>
+            <a:ext cx="2344637" cy="914400"/>
           </a:xfrm>
           <a:prstGeom prst="roundRect">
             <a:avLst/>
@@ -5377,7 +5377,7 @@
                 <a:latin typeface="Arial" panose="020B0604020202020204" pitchFamily="34" charset="0"/>
                 <a:cs typeface="Arial" panose="020B0604020202020204" pitchFamily="34" charset="0"/>
               </a:rPr>
-              <a:t>Submission</a:t>
+              <a:t>Questionnaire </a:t>
             </a:r>
             <a:endParaRPr lang="zh-CN" altLang="en-US" sz="2600" dirty="0">
               <a:latin typeface="Arial" panose="020B0604020202020204" pitchFamily="34" charset="0"/>

--- a/assets/figures.pptx
+++ b/assets/figures.pptx
@@ -132,12 +132,12 @@
   <pc:docChgLst>
     <pc:chgData name="ZHANG Xiangyu" userId="0af619d5-14b7-43d3-95bc-94ad39c803d6" providerId="ADAL" clId="{0190945F-89A7-4B46-967C-3ACE53AB7830}"/>
     <pc:docChg chg="undo redo custSel addSld modSld">
-      <pc:chgData name="ZHANG Xiangyu" userId="0af619d5-14b7-43d3-95bc-94ad39c803d6" providerId="ADAL" clId="{0190945F-89A7-4B46-967C-3ACE53AB7830}" dt="2024-01-05T03:53:37.301" v="542" actId="14100"/>
+      <pc:chgData name="ZHANG Xiangyu" userId="0af619d5-14b7-43d3-95bc-94ad39c803d6" providerId="ADAL" clId="{0190945F-89A7-4B46-967C-3ACE53AB7830}" dt="2024-01-05T04:10:20.325" v="543"/>
       <pc:docMkLst>
         <pc:docMk/>
       </pc:docMkLst>
       <pc:sldChg chg="addSp delSp modSp new mod">
-        <pc:chgData name="ZHANG Xiangyu" userId="0af619d5-14b7-43d3-95bc-94ad39c803d6" providerId="ADAL" clId="{0190945F-89A7-4B46-967C-3ACE53AB7830}" dt="2024-01-05T03:53:37.301" v="542" actId="14100"/>
+        <pc:chgData name="ZHANG Xiangyu" userId="0af619d5-14b7-43d3-95bc-94ad39c803d6" providerId="ADAL" clId="{0190945F-89A7-4B46-967C-3ACE53AB7830}" dt="2024-01-05T04:10:20.325" v="543"/>
         <pc:sldMkLst>
           <pc:docMk/>
           <pc:sldMk cId="3049935216" sldId="256"/>
@@ -175,7 +175,7 @@
           </ac:spMkLst>
         </pc:spChg>
         <pc:spChg chg="add mod">
-          <ac:chgData name="ZHANG Xiangyu" userId="0af619d5-14b7-43d3-95bc-94ad39c803d6" providerId="ADAL" clId="{0190945F-89A7-4B46-967C-3ACE53AB7830}" dt="2024-01-05T03:53:37.301" v="542" actId="14100"/>
+          <ac:chgData name="ZHANG Xiangyu" userId="0af619d5-14b7-43d3-95bc-94ad39c803d6" providerId="ADAL" clId="{0190945F-89A7-4B46-967C-3ACE53AB7830}" dt="2024-01-05T04:10:20.325" v="543"/>
           <ac:spMkLst>
             <pc:docMk/>
             <pc:sldMk cId="3049935216" sldId="256"/>
@@ -5377,7 +5377,7 @@
                 <a:latin typeface="Arial" panose="020B0604020202020204" pitchFamily="34" charset="0"/>
                 <a:cs typeface="Arial" panose="020B0604020202020204" pitchFamily="34" charset="0"/>
               </a:rPr>
-              <a:t>Questionnaire </a:t>
+              <a:t>Data Collection</a:t>
             </a:r>
             <a:endParaRPr lang="zh-CN" altLang="en-US" sz="2600" dirty="0">
               <a:latin typeface="Arial" panose="020B0604020202020204" pitchFamily="34" charset="0"/>

--- a/assets/figures.pptx
+++ b/assets/figures.pptx
@@ -122,7 +122,7 @@
 <file path=ppt/revisionInfo.xml><?xml version="1.0" encoding="utf-8"?>
 <p1510:revInfo xmlns:a="http://schemas.openxmlformats.org/drawingml/2006/main" xmlns:r="http://schemas.openxmlformats.org/officeDocument/2006/relationships" xmlns:p1510="http://schemas.microsoft.com/office/powerpoint/2015/10/main">
   <p1510:revLst>
-    <p1510:client id="{0190945F-89A7-4B46-967C-3ACE53AB7830}" v="99" dt="2024-01-05T03:53:31.777"/>
+    <p1510:client id="{0190945F-89A7-4B46-967C-3ACE53AB7830}" v="101" dt="2024-01-05T05:55:16.480"/>
   </p1510:revLst>
 </p1510:revInfo>
 </file>
@@ -132,12 +132,12 @@
   <pc:docChgLst>
     <pc:chgData name="ZHANG Xiangyu" userId="0af619d5-14b7-43d3-95bc-94ad39c803d6" providerId="ADAL" clId="{0190945F-89A7-4B46-967C-3ACE53AB7830}"/>
     <pc:docChg chg="undo redo custSel addSld modSld">
-      <pc:chgData name="ZHANG Xiangyu" userId="0af619d5-14b7-43d3-95bc-94ad39c803d6" providerId="ADAL" clId="{0190945F-89A7-4B46-967C-3ACE53AB7830}" dt="2024-01-05T04:10:20.325" v="543"/>
+      <pc:chgData name="ZHANG Xiangyu" userId="0af619d5-14b7-43d3-95bc-94ad39c803d6" providerId="ADAL" clId="{0190945F-89A7-4B46-967C-3ACE53AB7830}" dt="2024-01-05T05:55:40.030" v="549" actId="207"/>
       <pc:docMkLst>
         <pc:docMk/>
       </pc:docMkLst>
       <pc:sldChg chg="addSp delSp modSp new mod">
-        <pc:chgData name="ZHANG Xiangyu" userId="0af619d5-14b7-43d3-95bc-94ad39c803d6" providerId="ADAL" clId="{0190945F-89A7-4B46-967C-3ACE53AB7830}" dt="2024-01-05T04:10:20.325" v="543"/>
+        <pc:chgData name="ZHANG Xiangyu" userId="0af619d5-14b7-43d3-95bc-94ad39c803d6" providerId="ADAL" clId="{0190945F-89A7-4B46-967C-3ACE53AB7830}" dt="2024-01-05T05:55:16.479" v="547" actId="5736"/>
         <pc:sldMkLst>
           <pc:docMk/>
           <pc:sldMk cId="3049935216" sldId="256"/>
@@ -182,8 +182,16 @@
             <ac:spMk id="6" creationId="{8218391C-31EC-DA92-D9F1-A0623DD25C8D}"/>
           </ac:spMkLst>
         </pc:spChg>
+        <pc:spChg chg="add">
+          <ac:chgData name="ZHANG Xiangyu" userId="0af619d5-14b7-43d3-95bc-94ad39c803d6" providerId="ADAL" clId="{0190945F-89A7-4B46-967C-3ACE53AB7830}" dt="2024-01-05T05:54:50.303" v="545"/>
+          <ac:spMkLst>
+            <pc:docMk/>
+            <pc:sldMk cId="3049935216" sldId="256"/>
+            <ac:spMk id="10" creationId="{D60C2AB1-B15E-C476-43B4-390BAE11570D}"/>
+          </ac:spMkLst>
+        </pc:spChg>
         <pc:graphicFrameChg chg="add mod modGraphic">
-          <ac:chgData name="ZHANG Xiangyu" userId="0af619d5-14b7-43d3-95bc-94ad39c803d6" providerId="ADAL" clId="{0190945F-89A7-4B46-967C-3ACE53AB7830}" dt="2024-01-05T02:34:49.213" v="531" actId="5736"/>
+          <ac:chgData name="ZHANG Xiangyu" userId="0af619d5-14b7-43d3-95bc-94ad39c803d6" providerId="ADAL" clId="{0190945F-89A7-4B46-967C-3ACE53AB7830}" dt="2024-01-05T05:55:16.479" v="547" actId="5736"/>
           <ac:graphicFrameMkLst>
             <pc:docMk/>
             <pc:sldMk cId="3049935216" sldId="256"/>
@@ -255,7 +263,7 @@
         </pc:graphicFrameChg>
       </pc:sldChg>
       <pc:sldChg chg="addSp delSp modSp new mod">
-        <pc:chgData name="ZHANG Xiangyu" userId="0af619d5-14b7-43d3-95bc-94ad39c803d6" providerId="ADAL" clId="{0190945F-89A7-4B46-967C-3ACE53AB7830}" dt="2024-01-05T02:33:35.408" v="529" actId="478"/>
+        <pc:chgData name="ZHANG Xiangyu" userId="0af619d5-14b7-43d3-95bc-94ad39c803d6" providerId="ADAL" clId="{0190945F-89A7-4B46-967C-3ACE53AB7830}" dt="2024-01-05T05:55:40.030" v="549" actId="207"/>
         <pc:sldMkLst>
           <pc:docMk/>
           <pc:sldMk cId="3376447091" sldId="258"/>
@@ -285,7 +293,7 @@
           </ac:spMkLst>
         </pc:spChg>
         <pc:spChg chg="add mod">
-          <ac:chgData name="ZHANG Xiangyu" userId="0af619d5-14b7-43d3-95bc-94ad39c803d6" providerId="ADAL" clId="{0190945F-89A7-4B46-967C-3ACE53AB7830}" dt="2024-01-05T02:25:37.694" v="524" actId="207"/>
+          <ac:chgData name="ZHANG Xiangyu" userId="0af619d5-14b7-43d3-95bc-94ad39c803d6" providerId="ADAL" clId="{0190945F-89A7-4B46-967C-3ACE53AB7830}" dt="2024-01-05T05:55:37.285" v="548" actId="207"/>
           <ac:spMkLst>
             <pc:docMk/>
             <pc:sldMk cId="3376447091" sldId="258"/>
@@ -293,7 +301,7 @@
           </ac:spMkLst>
         </pc:spChg>
         <pc:spChg chg="add mod">
-          <ac:chgData name="ZHANG Xiangyu" userId="0af619d5-14b7-43d3-95bc-94ad39c803d6" providerId="ADAL" clId="{0190945F-89A7-4B46-967C-3ACE53AB7830}" dt="2024-01-05T02:29:03.804" v="528"/>
+          <ac:chgData name="ZHANG Xiangyu" userId="0af619d5-14b7-43d3-95bc-94ad39c803d6" providerId="ADAL" clId="{0190945F-89A7-4B46-967C-3ACE53AB7830}" dt="2024-01-05T05:55:40.030" v="549" actId="207"/>
           <ac:spMkLst>
             <pc:docMk/>
             <pc:sldMk cId="3376447091" sldId="258"/>
@@ -4578,7 +4586,7 @@
           <p:nvPr>
             <p:extLst>
               <p:ext uri="{D42A27DB-BD31-4B8C-83A1-F6EECF244321}">
-                <p14:modId xmlns:p14="http://schemas.microsoft.com/office/powerpoint/2010/main" val="3331924831"/>
+                <p14:modId xmlns:p14="http://schemas.microsoft.com/office/powerpoint/2010/main" val="2927378217"/>
               </p:ext>
             </p:extLst>
           </p:nvPr>
@@ -4762,7 +4770,7 @@
                       <a:r>
                         <a:rPr lang="en-US" altLang="zh-CN" sz="1800" b="0" i="0" kern="1200" dirty="0">
                           <a:solidFill>
-                            <a:srgbClr val="505050"/>
+                            <a:schemeClr val="tx1"/>
                           </a:solidFill>
                           <a:effectLst/>
                           <a:latin typeface="Arial" panose="020B0604020202020204" pitchFamily="34" charset="0"/>
@@ -4773,7 +4781,7 @@
                       </a:r>
                       <a:endParaRPr lang="en-US" b="0" dirty="0">
                         <a:solidFill>
-                          <a:srgbClr val="505050"/>
+                          <a:schemeClr val="tx1"/>
                         </a:solidFill>
                         <a:effectLst/>
                         <a:latin typeface="Arial" panose="020B0604020202020204" pitchFamily="34" charset="0"/>
@@ -4832,7 +4840,7 @@
                       <a:r>
                         <a:rPr lang="en-US" dirty="0">
                           <a:solidFill>
-                            <a:srgbClr val="505050"/>
+                            <a:schemeClr val="tx1"/>
                           </a:solidFill>
                           <a:effectLst/>
                           <a:latin typeface="Arial" panose="020B0604020202020204" pitchFamily="34" charset="0"/>
@@ -4900,7 +4908,7 @@
                       <a:r>
                         <a:rPr lang="en-US" altLang="zh-CN" sz="1800" b="0" i="0" kern="1200" dirty="0">
                           <a:solidFill>
-                            <a:srgbClr val="505050"/>
+                            <a:schemeClr val="tx1"/>
                           </a:solidFill>
                           <a:effectLst/>
                           <a:latin typeface="Arial" panose="020B0604020202020204" pitchFamily="34" charset="0"/>
@@ -4911,7 +4919,7 @@
                       </a:r>
                       <a:endParaRPr lang="en-US" b="0" dirty="0">
                         <a:solidFill>
-                          <a:srgbClr val="505050"/>
+                          <a:schemeClr val="tx1"/>
                         </a:solidFill>
                         <a:effectLst/>
                         <a:latin typeface="Arial" panose="020B0604020202020204" pitchFamily="34" charset="0"/>
@@ -4973,7 +4981,7 @@
                       <a:r>
                         <a:rPr lang="en-US" dirty="0">
                           <a:solidFill>
-                            <a:srgbClr val="505050"/>
+                            <a:schemeClr val="tx1"/>
                           </a:solidFill>
                           <a:effectLst/>
                           <a:latin typeface="Arial" panose="020B0604020202020204" pitchFamily="34" charset="0"/>
@@ -4987,7 +4995,7 @@
                       <a:r>
                         <a:rPr lang="en-US" altLang="zh-CN" sz="1800" b="0" i="0" kern="1200" dirty="0">
                           <a:solidFill>
-                            <a:srgbClr val="505050"/>
+                            <a:schemeClr val="tx1"/>
                           </a:solidFill>
                           <a:effectLst/>
                           <a:latin typeface="Arial" panose="020B0604020202020204" pitchFamily="34" charset="0"/>
@@ -4999,7 +5007,7 @@
                       <a:r>
                         <a:rPr lang="en-US" altLang="zh-CN" sz="1800" b="1" i="0" kern="1200" dirty="0">
                           <a:solidFill>
-                            <a:srgbClr val="505050"/>
+                            <a:schemeClr val="tx1"/>
                           </a:solidFill>
                           <a:effectLst/>
                           <a:latin typeface="Arial" panose="020B0604020202020204" pitchFamily="34" charset="0"/>
@@ -5011,7 +5019,7 @@
                       <a:r>
                         <a:rPr lang="en-US" altLang="zh-CN" sz="1800" b="0" i="0" kern="1200" dirty="0">
                           <a:solidFill>
-                            <a:srgbClr val="505050"/>
+                            <a:schemeClr val="tx1"/>
                           </a:solidFill>
                           <a:effectLst/>
                           <a:latin typeface="Arial" panose="020B0604020202020204" pitchFamily="34" charset="0"/>
@@ -5022,7 +5030,7 @@
                       </a:r>
                       <a:endParaRPr lang="en-US" dirty="0">
                         <a:solidFill>
-                          <a:srgbClr val="505050"/>
+                          <a:schemeClr val="tx1"/>
                         </a:solidFill>
                         <a:effectLst/>
                         <a:latin typeface="Arial" panose="020B0604020202020204" pitchFamily="34" charset="0"/>
@@ -5091,7 +5099,7 @@
                       <a:r>
                         <a:rPr lang="en-US" altLang="zh-CN" sz="1800" b="0" i="0" kern="1200" dirty="0">
                           <a:solidFill>
-                            <a:srgbClr val="505050"/>
+                            <a:schemeClr val="tx1"/>
                           </a:solidFill>
                           <a:effectLst/>
                           <a:latin typeface="Arial" panose="020B0604020202020204" pitchFamily="34" charset="0"/>
@@ -5102,7 +5110,7 @@
                       </a:r>
                       <a:endParaRPr lang="en-US" b="0" dirty="0">
                         <a:solidFill>
-                          <a:srgbClr val="505050"/>
+                          <a:schemeClr val="tx1"/>
                         </a:solidFill>
                         <a:effectLst/>
                         <a:latin typeface="Arial" panose="020B0604020202020204" pitchFamily="34" charset="0"/>
@@ -5161,7 +5169,7 @@
                       <a:r>
                         <a:rPr lang="en-US" altLang="zh-CN" sz="1800" b="0" i="0" kern="1200" dirty="0">
                           <a:solidFill>
-                            <a:srgbClr val="505050"/>
+                            <a:schemeClr val="tx1"/>
                           </a:solidFill>
                           <a:effectLst/>
                           <a:latin typeface="Arial" panose="020B0604020202020204" pitchFamily="34" charset="0"/>
@@ -5172,7 +5180,7 @@
                       </a:r>
                       <a:endParaRPr lang="en-US" dirty="0">
                         <a:solidFill>
-                          <a:srgbClr val="505050"/>
+                          <a:schemeClr val="tx1"/>
                         </a:solidFill>
                         <a:effectLst/>
                         <a:latin typeface="Arial" panose="020B0604020202020204" pitchFamily="34" charset="0"/>
@@ -5542,6 +5550,48 @@
           </a:prstGeom>
         </p:spPr>
       </p:pic>
+      <p:sp>
+        <p:nvSpPr>
+          <p:cNvPr id="10" name="文本框 9">
+            <a:extLst>
+              <a:ext uri="{FF2B5EF4-FFF2-40B4-BE49-F238E27FC236}">
+                <a16:creationId xmlns:a16="http://schemas.microsoft.com/office/drawing/2014/main" id="{D60C2AB1-B15E-C476-43B4-390BAE11570D}"/>
+              </a:ext>
+            </a:extLst>
+          </p:cNvPr>
+          <p:cNvSpPr txBox="1"/>
+          <p:nvPr/>
+        </p:nvSpPr>
+        <p:spPr>
+          <a:xfrm>
+            <a:off x="3047260" y="3836918"/>
+            <a:ext cx="6094520" cy="369332"/>
+          </a:xfrm>
+          <a:prstGeom prst="rect">
+            <a:avLst/>
+          </a:prstGeom>
+          <a:noFill/>
+        </p:spPr>
+        <p:txBody>
+          <a:bodyPr wrap="square">
+            <a:spAutoFit/>
+          </a:bodyPr>
+          <a:lstStyle/>
+          <a:p>
+            <a:r>
+              <a:rPr lang="en-US" altLang="zh-CN" b="0" i="0" dirty="0">
+                <a:solidFill>
+                  <a:srgbClr val="000000"/>
+                </a:solidFill>
+                <a:effectLst/>
+                <a:latin typeface="Arial" panose="020B0604020202020204" pitchFamily="34" charset="0"/>
+              </a:rPr>
+              <a:t>e for CMMM 20</a:t>
+            </a:r>
+            <a:endParaRPr lang="zh-CN" altLang="en-US" dirty="0"/>
+          </a:p>
+        </p:txBody>
+      </p:sp>
     </p:spTree>
     <p:extLst>
       <p:ext uri="{BB962C8B-B14F-4D97-AF65-F5344CB8AC3E}">
@@ -6289,9 +6339,6 @@
               </a:pPr>
               <a:r>
                 <a:rPr lang="en-US" altLang="zh-CN" sz="1600" dirty="0">
-                  <a:solidFill>
-                    <a:srgbClr val="505050"/>
-                  </a:solidFill>
                   <a:latin typeface="Arial" panose="020B0604020202020204" pitchFamily="34" charset="0"/>
                   <a:cs typeface="Arial" panose="020B0604020202020204" pitchFamily="34" charset="0"/>
                 </a:rPr>
@@ -6425,9 +6472,6 @@
             <a:p>
               <a:r>
                 <a:rPr lang="zh-CN" altLang="en-US" sz="1600" dirty="0">
-                  <a:solidFill>
-                    <a:srgbClr val="505050"/>
-                  </a:solidFill>
                   <a:latin typeface="Arial" panose="020B0604020202020204" pitchFamily="34" charset="0"/>
                   <a:cs typeface="Arial" panose="020B0604020202020204" pitchFamily="34" charset="0"/>
                 </a:rPr>
@@ -6435,9 +6479,6 @@
               </a:r>
               <a:r>
                 <a:rPr lang="en-US" altLang="zh-CN" sz="1600" dirty="0">
-                  <a:solidFill>
-                    <a:srgbClr val="505050"/>
-                  </a:solidFill>
                   <a:latin typeface="Arial" panose="020B0604020202020204" pitchFamily="34" charset="0"/>
                   <a:cs typeface="Arial" panose="020B0604020202020204" pitchFamily="34" charset="0"/>
                 </a:rPr>
@@ -6445,18 +6486,12 @@
               </a:r>
               <a:r>
                 <a:rPr lang="zh-CN" altLang="en-US" sz="1600" dirty="0">
-                  <a:solidFill>
-                    <a:srgbClr val="505050"/>
-                  </a:solidFill>
                   <a:latin typeface="Arial" panose="020B0604020202020204" pitchFamily="34" charset="0"/>
                   <a:cs typeface="Arial" panose="020B0604020202020204" pitchFamily="34" charset="0"/>
                 </a:rPr>
                 <a:t> Services</a:t>
               </a:r>
               <a:endParaRPr lang="en-US" altLang="zh-CN" sz="1600" dirty="0">
-                <a:solidFill>
-                  <a:srgbClr val="505050"/>
-                </a:solidFill>
                 <a:latin typeface="Arial" panose="020B0604020202020204" pitchFamily="34" charset="0"/>
                 <a:cs typeface="Arial" panose="020B0604020202020204" pitchFamily="34" charset="0"/>
               </a:endParaRPr>

--- a/assets/figures.pptx
+++ b/assets/figures.pptx
@@ -122,7 +122,7 @@
 <file path=ppt/revisionInfo.xml><?xml version="1.0" encoding="utf-8"?>
 <p1510:revInfo xmlns:a="http://schemas.openxmlformats.org/drawingml/2006/main" xmlns:r="http://schemas.openxmlformats.org/officeDocument/2006/relationships" xmlns:p1510="http://schemas.microsoft.com/office/powerpoint/2015/10/main">
   <p1510:revLst>
-    <p1510:client id="{0190945F-89A7-4B46-967C-3ACE53AB7830}" v="101" dt="2024-01-05T05:55:16.480"/>
+    <p1510:client id="{0190945F-89A7-4B46-967C-3ACE53AB7830}" v="102" dt="2024-01-05T07:33:13.775"/>
   </p1510:revLst>
 </p1510:revInfo>
 </file>
@@ -132,12 +132,12 @@
   <pc:docChgLst>
     <pc:chgData name="ZHANG Xiangyu" userId="0af619d5-14b7-43d3-95bc-94ad39c803d6" providerId="ADAL" clId="{0190945F-89A7-4B46-967C-3ACE53AB7830}"/>
     <pc:docChg chg="undo redo custSel addSld modSld">
-      <pc:chgData name="ZHANG Xiangyu" userId="0af619d5-14b7-43d3-95bc-94ad39c803d6" providerId="ADAL" clId="{0190945F-89A7-4B46-967C-3ACE53AB7830}" dt="2024-01-05T05:55:40.030" v="549" actId="207"/>
+      <pc:chgData name="ZHANG Xiangyu" userId="0af619d5-14b7-43d3-95bc-94ad39c803d6" providerId="ADAL" clId="{0190945F-89A7-4B46-967C-3ACE53AB7830}" dt="2024-01-05T07:37:51.238" v="554" actId="207"/>
       <pc:docMkLst>
         <pc:docMk/>
       </pc:docMkLst>
       <pc:sldChg chg="addSp delSp modSp new mod">
-        <pc:chgData name="ZHANG Xiangyu" userId="0af619d5-14b7-43d3-95bc-94ad39c803d6" providerId="ADAL" clId="{0190945F-89A7-4B46-967C-3ACE53AB7830}" dt="2024-01-05T05:55:16.479" v="547" actId="5736"/>
+        <pc:chgData name="ZHANG Xiangyu" userId="0af619d5-14b7-43d3-95bc-94ad39c803d6" providerId="ADAL" clId="{0190945F-89A7-4B46-967C-3ACE53AB7830}" dt="2024-01-05T07:37:51.238" v="554" actId="207"/>
         <pc:sldMkLst>
           <pc:docMk/>
           <pc:sldMk cId="3049935216" sldId="256"/>
@@ -175,7 +175,7 @@
           </ac:spMkLst>
         </pc:spChg>
         <pc:spChg chg="add mod">
-          <ac:chgData name="ZHANG Xiangyu" userId="0af619d5-14b7-43d3-95bc-94ad39c803d6" providerId="ADAL" clId="{0190945F-89A7-4B46-967C-3ACE53AB7830}" dt="2024-01-05T04:10:20.325" v="543"/>
+          <ac:chgData name="ZHANG Xiangyu" userId="0af619d5-14b7-43d3-95bc-94ad39c803d6" providerId="ADAL" clId="{0190945F-89A7-4B46-967C-3ACE53AB7830}" dt="2024-01-05T07:37:51.238" v="554" actId="207"/>
           <ac:spMkLst>
             <pc:docMk/>
             <pc:sldMk cId="3049935216" sldId="256"/>
@@ -191,13 +191,21 @@
           </ac:spMkLst>
         </pc:spChg>
         <pc:graphicFrameChg chg="add mod modGraphic">
-          <ac:chgData name="ZHANG Xiangyu" userId="0af619d5-14b7-43d3-95bc-94ad39c803d6" providerId="ADAL" clId="{0190945F-89A7-4B46-967C-3ACE53AB7830}" dt="2024-01-05T05:55:16.479" v="547" actId="5736"/>
+          <ac:chgData name="ZHANG Xiangyu" userId="0af619d5-14b7-43d3-95bc-94ad39c803d6" providerId="ADAL" clId="{0190945F-89A7-4B46-967C-3ACE53AB7830}" dt="2024-01-05T07:37:23.495" v="553" actId="404"/>
           <ac:graphicFrameMkLst>
             <pc:docMk/>
             <pc:sldMk cId="3049935216" sldId="256"/>
             <ac:graphicFrameMk id="4" creationId="{16594B61-899E-8A5D-3F30-E5ECAA00AC8D}"/>
           </ac:graphicFrameMkLst>
         </pc:graphicFrameChg>
+        <pc:picChg chg="add mod">
+          <ac:chgData name="ZHANG Xiangyu" userId="0af619d5-14b7-43d3-95bc-94ad39c803d6" providerId="ADAL" clId="{0190945F-89A7-4B46-967C-3ACE53AB7830}" dt="2024-01-05T07:33:15.873" v="551" actId="1076"/>
+          <ac:picMkLst>
+            <pc:docMk/>
+            <pc:sldMk cId="3049935216" sldId="256"/>
+            <ac:picMk id="2" creationId="{E482143C-36ED-BFAF-8970-71CF702E86AC}"/>
+          </ac:picMkLst>
+        </pc:picChg>
         <pc:picChg chg="add mod">
           <ac:chgData name="ZHANG Xiangyu" userId="0af619d5-14b7-43d3-95bc-94ad39c803d6" providerId="ADAL" clId="{0190945F-89A7-4B46-967C-3ACE53AB7830}" dt="2024-01-02T11:17:28.938" v="162" actId="1076"/>
           <ac:picMkLst>
@@ -4586,7 +4594,7 @@
           <p:nvPr>
             <p:extLst>
               <p:ext uri="{D42A27DB-BD31-4B8C-83A1-F6EECF244321}">
-                <p14:modId xmlns:p14="http://schemas.microsoft.com/office/powerpoint/2010/main" val="2927378217"/>
+                <p14:modId xmlns:p14="http://schemas.microsoft.com/office/powerpoint/2010/main" val="2916448433"/>
               </p:ext>
             </p:extLst>
           </p:nvPr>
@@ -5337,6 +5345,9 @@
           <a:prstGeom prst="roundRect">
             <a:avLst/>
           </a:prstGeom>
+          <a:solidFill>
+            <a:srgbClr val="0070C0"/>
+          </a:solidFill>
           <a:ln>
             <a:noFill/>
           </a:ln>
@@ -5592,6 +5603,36 @@
           </a:p>
         </p:txBody>
       </p:sp>
+      <p:pic>
+        <p:nvPicPr>
+          <p:cNvPr id="2" name="图片 1">
+            <a:extLst>
+              <a:ext uri="{FF2B5EF4-FFF2-40B4-BE49-F238E27FC236}">
+                <a16:creationId xmlns:a16="http://schemas.microsoft.com/office/drawing/2014/main" id="{E482143C-36ED-BFAF-8970-71CF702E86AC}"/>
+              </a:ext>
+            </a:extLst>
+          </p:cNvPr>
+          <p:cNvPicPr>
+            <a:picLocks noChangeAspect="1"/>
+          </p:cNvPicPr>
+          <p:nvPr/>
+        </p:nvPicPr>
+        <p:blipFill>
+          <a:blip r:embed="rId6"/>
+          <a:stretch>
+            <a:fillRect/>
+          </a:stretch>
+        </p:blipFill>
+        <p:spPr>
+          <a:xfrm>
+            <a:off x="8089889" y="144396"/>
+            <a:ext cx="406421" cy="425472"/>
+          </a:xfrm>
+          <a:prstGeom prst="rect">
+            <a:avLst/>
+          </a:prstGeom>
+        </p:spPr>
+      </p:pic>
     </p:spTree>
     <p:extLst>
       <p:ext uri="{BB962C8B-B14F-4D97-AF65-F5344CB8AC3E}">

--- a/assets/figures.pptx
+++ b/assets/figures.pptx
@@ -122,7 +122,7 @@
 <file path=ppt/revisionInfo.xml><?xml version="1.0" encoding="utf-8"?>
 <p1510:revInfo xmlns:a="http://schemas.openxmlformats.org/drawingml/2006/main" xmlns:r="http://schemas.openxmlformats.org/officeDocument/2006/relationships" xmlns:p1510="http://schemas.microsoft.com/office/powerpoint/2015/10/main">
   <p1510:revLst>
-    <p1510:client id="{0190945F-89A7-4B46-967C-3ACE53AB7830}" v="102" dt="2024-01-05T07:33:13.775"/>
+    <p1510:client id="{0190945F-89A7-4B46-967C-3ACE53AB7830}" v="103" dt="2024-01-05T08:06:02.677"/>
   </p1510:revLst>
 </p1510:revInfo>
 </file>
@@ -132,12 +132,12 @@
   <pc:docChgLst>
     <pc:chgData name="ZHANG Xiangyu" userId="0af619d5-14b7-43d3-95bc-94ad39c803d6" providerId="ADAL" clId="{0190945F-89A7-4B46-967C-3ACE53AB7830}"/>
     <pc:docChg chg="undo redo custSel addSld modSld">
-      <pc:chgData name="ZHANG Xiangyu" userId="0af619d5-14b7-43d3-95bc-94ad39c803d6" providerId="ADAL" clId="{0190945F-89A7-4B46-967C-3ACE53AB7830}" dt="2024-01-05T07:37:51.238" v="554" actId="207"/>
+      <pc:chgData name="ZHANG Xiangyu" userId="0af619d5-14b7-43d3-95bc-94ad39c803d6" providerId="ADAL" clId="{0190945F-89A7-4B46-967C-3ACE53AB7830}" dt="2024-01-05T08:06:02.677" v="557" actId="5736"/>
       <pc:docMkLst>
         <pc:docMk/>
       </pc:docMkLst>
       <pc:sldChg chg="addSp delSp modSp new mod">
-        <pc:chgData name="ZHANG Xiangyu" userId="0af619d5-14b7-43d3-95bc-94ad39c803d6" providerId="ADAL" clId="{0190945F-89A7-4B46-967C-3ACE53AB7830}" dt="2024-01-05T07:37:51.238" v="554" actId="207"/>
+        <pc:chgData name="ZHANG Xiangyu" userId="0af619d5-14b7-43d3-95bc-94ad39c803d6" providerId="ADAL" clId="{0190945F-89A7-4B46-967C-3ACE53AB7830}" dt="2024-01-05T08:06:02.677" v="557" actId="5736"/>
         <pc:sldMkLst>
           <pc:docMk/>
           <pc:sldMk cId="3049935216" sldId="256"/>
@@ -191,7 +191,7 @@
           </ac:spMkLst>
         </pc:spChg>
         <pc:graphicFrameChg chg="add mod modGraphic">
-          <ac:chgData name="ZHANG Xiangyu" userId="0af619d5-14b7-43d3-95bc-94ad39c803d6" providerId="ADAL" clId="{0190945F-89A7-4B46-967C-3ACE53AB7830}" dt="2024-01-05T07:37:23.495" v="553" actId="404"/>
+          <ac:chgData name="ZHANG Xiangyu" userId="0af619d5-14b7-43d3-95bc-94ad39c803d6" providerId="ADAL" clId="{0190945F-89A7-4B46-967C-3ACE53AB7830}" dt="2024-01-05T08:06:02.677" v="557" actId="5736"/>
           <ac:graphicFrameMkLst>
             <pc:docMk/>
             <pc:sldMk cId="3049935216" sldId="256"/>
@@ -4594,7 +4594,7 @@
           <p:nvPr>
             <p:extLst>
               <p:ext uri="{D42A27DB-BD31-4B8C-83A1-F6EECF244321}">
-                <p14:modId xmlns:p14="http://schemas.microsoft.com/office/powerpoint/2010/main" val="2916448433"/>
+                <p14:modId xmlns:p14="http://schemas.microsoft.com/office/powerpoint/2010/main" val="190968439"/>
               </p:ext>
             </p:extLst>
           </p:nvPr>
@@ -4631,7 +4631,7 @@
                     <a:p>
                       <a:pPr algn="ctr"/>
                       <a:r>
-                        <a:rPr lang="en-US" altLang="zh-CN" sz="2000" b="1" i="0" kern="1200" dirty="0">
+                        <a:rPr lang="en-US" altLang="zh-CN" sz="1800" b="1" i="0" kern="1200" dirty="0">
                           <a:solidFill>
                             <a:srgbClr val="0070C0"/>
                           </a:solidFill>
@@ -4642,7 +4642,7 @@
                         </a:rPr>
                         <a:t>Registration Type</a:t>
                       </a:r>
-                      <a:endParaRPr lang="en-US" sz="2000" dirty="0">
+                      <a:endParaRPr lang="en-US" sz="1800" dirty="0">
                         <a:solidFill>
                           <a:srgbClr val="0070C0"/>
                         </a:solidFill>
@@ -4704,7 +4704,7 @@
                     <a:p>
                       <a:pPr marL="0" algn="ctr" defTabSz="914400" rtl="0" eaLnBrk="1" latinLnBrk="0" hangingPunct="1"/>
                       <a:r>
-                        <a:rPr lang="en-US" sz="2000" b="1" i="0" kern="1200" dirty="0">
+                        <a:rPr lang="en-US" sz="1800" b="1" i="0" kern="1200" dirty="0">
                           <a:solidFill>
                             <a:srgbClr val="0070C0"/>
                           </a:solidFill>
@@ -4776,7 +4776,7 @@
                     <a:p>
                       <a:pPr algn="ctr" latinLnBrk="1"/>
                       <a:r>
-                        <a:rPr lang="en-US" altLang="zh-CN" sz="1800" b="0" i="0" kern="1200" dirty="0">
+                        <a:rPr lang="en-US" altLang="zh-CN" sz="1600" b="0" i="0" kern="1200" dirty="0">
                           <a:solidFill>
                             <a:schemeClr val="tx1"/>
                           </a:solidFill>
@@ -4787,7 +4787,7 @@
                         </a:rPr>
                         <a:t>Full Delegate</a:t>
                       </a:r>
-                      <a:endParaRPr lang="en-US" b="0" dirty="0">
+                      <a:endParaRPr lang="en-US" sz="1600" b="0" dirty="0">
                         <a:solidFill>
                           <a:schemeClr val="tx1"/>
                         </a:solidFill>
@@ -4846,7 +4846,7 @@
                     <a:p>
                       <a:pPr algn="ctr"/>
                       <a:r>
-                        <a:rPr lang="en-US" dirty="0">
+                        <a:rPr lang="en-US" sz="1600" dirty="0">
                           <a:solidFill>
                             <a:schemeClr val="tx1"/>
                           </a:solidFill>
@@ -4914,7 +4914,7 @@
                     <a:p>
                       <a:pPr algn="ctr" latinLnBrk="1"/>
                       <a:r>
-                        <a:rPr lang="en-US" altLang="zh-CN" sz="1800" b="0" i="0" kern="1200" dirty="0">
+                        <a:rPr lang="en-US" altLang="zh-CN" sz="1600" b="0" i="0" kern="1200" dirty="0">
                           <a:solidFill>
                             <a:schemeClr val="tx1"/>
                           </a:solidFill>
@@ -4925,7 +4925,7 @@
                         </a:rPr>
                         <a:t>Student Delegate</a:t>
                       </a:r>
-                      <a:endParaRPr lang="en-US" b="0" dirty="0">
+                      <a:endParaRPr lang="en-US" sz="1600" b="0" dirty="0">
                         <a:solidFill>
                           <a:schemeClr val="tx1"/>
                         </a:solidFill>
@@ -4987,7 +4987,7 @@
                     <a:p>
                       <a:pPr algn="ctr"/>
                       <a:r>
-                        <a:rPr lang="en-US" dirty="0">
+                        <a:rPr lang="en-US" sz="1600" dirty="0">
                           <a:solidFill>
                             <a:schemeClr val="tx1"/>
                           </a:solidFill>
@@ -5001,7 +5001,7 @@
                     <a:p>
                       <a:pPr algn="ctr"/>
                       <a:r>
-                        <a:rPr lang="en-US" altLang="zh-CN" sz="1800" b="0" i="0" kern="1200" dirty="0">
+                        <a:rPr lang="en-US" altLang="zh-CN" sz="1600" b="0" i="0" kern="1200" dirty="0">
                           <a:solidFill>
                             <a:schemeClr val="tx1"/>
                           </a:solidFill>
@@ -5013,7 +5013,7 @@
                         <a:t>(Banquet </a:t>
                       </a:r>
                       <a:r>
-                        <a:rPr lang="en-US" altLang="zh-CN" sz="1800" b="1" i="0" kern="1200" dirty="0">
+                        <a:rPr lang="en-US" altLang="zh-CN" sz="1600" b="1" i="0" kern="1200" dirty="0">
                           <a:solidFill>
                             <a:schemeClr val="tx1"/>
                           </a:solidFill>
@@ -5025,7 +5025,7 @@
                         <a:t>NOT</a:t>
                       </a:r>
                       <a:r>
-                        <a:rPr lang="en-US" altLang="zh-CN" sz="1800" b="0" i="0" kern="1200" dirty="0">
+                        <a:rPr lang="en-US" altLang="zh-CN" sz="1600" b="0" i="0" kern="1200" dirty="0">
                           <a:solidFill>
                             <a:schemeClr val="tx1"/>
                           </a:solidFill>
@@ -5036,7 +5036,7 @@
                         </a:rPr>
                         <a:t> Included)</a:t>
                       </a:r>
-                      <a:endParaRPr lang="en-US" dirty="0">
+                      <a:endParaRPr lang="en-US" sz="1600" dirty="0">
                         <a:solidFill>
                           <a:schemeClr val="tx1"/>
                         </a:solidFill>
@@ -5105,7 +5105,7 @@
                     <a:p>
                       <a:pPr algn="ctr"/>
                       <a:r>
-                        <a:rPr lang="en-US" altLang="zh-CN" sz="1800" b="0" i="0" kern="1200" dirty="0">
+                        <a:rPr lang="en-US" altLang="zh-CN" sz="1600" b="0" i="0" kern="1200" dirty="0">
                           <a:solidFill>
                             <a:schemeClr val="tx1"/>
                           </a:solidFill>
@@ -5116,7 +5116,7 @@
                         </a:rPr>
                         <a:t>Additional Banquet</a:t>
                       </a:r>
-                      <a:endParaRPr lang="en-US" b="0" dirty="0">
+                      <a:endParaRPr lang="en-US" sz="1600" b="0" dirty="0">
                         <a:solidFill>
                           <a:schemeClr val="tx1"/>
                         </a:solidFill>
@@ -5175,7 +5175,7 @@
                     <a:p>
                       <a:pPr algn="ctr"/>
                       <a:r>
-                        <a:rPr lang="en-US" altLang="zh-CN" sz="1800" b="0" i="0" kern="1200" dirty="0">
+                        <a:rPr lang="en-US" altLang="zh-CN" sz="1600" b="0" i="0" kern="1200" dirty="0">
                           <a:solidFill>
                             <a:schemeClr val="tx1"/>
                           </a:solidFill>
@@ -5186,7 +5186,7 @@
                         </a:rPr>
                         <a:t>150 USD</a:t>
                       </a:r>
-                      <a:endParaRPr lang="en-US" dirty="0">
+                      <a:endParaRPr lang="en-US" sz="1600" dirty="0">
                         <a:solidFill>
                           <a:schemeClr val="tx1"/>
                         </a:solidFill>

--- a/assets/figures.pptx
+++ b/assets/figures.pptx
@@ -122,7 +122,7 @@
 <file path=ppt/revisionInfo.xml><?xml version="1.0" encoding="utf-8"?>
 <p1510:revInfo xmlns:a="http://schemas.openxmlformats.org/drawingml/2006/main" xmlns:r="http://schemas.openxmlformats.org/officeDocument/2006/relationships" xmlns:p1510="http://schemas.microsoft.com/office/powerpoint/2015/10/main">
   <p1510:revLst>
-    <p1510:client id="{0190945F-89A7-4B46-967C-3ACE53AB7830}" v="103" dt="2024-01-05T08:06:02.677"/>
+    <p1510:client id="{0190945F-89A7-4B46-967C-3ACE53AB7830}" v="104" dt="2024-01-05T08:21:56.271"/>
   </p1510:revLst>
 </p1510:revInfo>
 </file>
@@ -132,12 +132,12 @@
   <pc:docChgLst>
     <pc:chgData name="ZHANG Xiangyu" userId="0af619d5-14b7-43d3-95bc-94ad39c803d6" providerId="ADAL" clId="{0190945F-89A7-4B46-967C-3ACE53AB7830}"/>
     <pc:docChg chg="undo redo custSel addSld modSld">
-      <pc:chgData name="ZHANG Xiangyu" userId="0af619d5-14b7-43d3-95bc-94ad39c803d6" providerId="ADAL" clId="{0190945F-89A7-4B46-967C-3ACE53AB7830}" dt="2024-01-05T08:06:02.677" v="557" actId="5736"/>
+      <pc:chgData name="ZHANG Xiangyu" userId="0af619d5-14b7-43d3-95bc-94ad39c803d6" providerId="ADAL" clId="{0190945F-89A7-4B46-967C-3ACE53AB7830}" dt="2024-01-05T08:21:56.270" v="559" actId="5736"/>
       <pc:docMkLst>
         <pc:docMk/>
       </pc:docMkLst>
       <pc:sldChg chg="addSp delSp modSp new mod">
-        <pc:chgData name="ZHANG Xiangyu" userId="0af619d5-14b7-43d3-95bc-94ad39c803d6" providerId="ADAL" clId="{0190945F-89A7-4B46-967C-3ACE53AB7830}" dt="2024-01-05T08:06:02.677" v="557" actId="5736"/>
+        <pc:chgData name="ZHANG Xiangyu" userId="0af619d5-14b7-43d3-95bc-94ad39c803d6" providerId="ADAL" clId="{0190945F-89A7-4B46-967C-3ACE53AB7830}" dt="2024-01-05T08:21:56.270" v="559" actId="5736"/>
         <pc:sldMkLst>
           <pc:docMk/>
           <pc:sldMk cId="3049935216" sldId="256"/>
@@ -191,7 +191,7 @@
           </ac:spMkLst>
         </pc:spChg>
         <pc:graphicFrameChg chg="add mod modGraphic">
-          <ac:chgData name="ZHANG Xiangyu" userId="0af619d5-14b7-43d3-95bc-94ad39c803d6" providerId="ADAL" clId="{0190945F-89A7-4B46-967C-3ACE53AB7830}" dt="2024-01-05T08:06:02.677" v="557" actId="5736"/>
+          <ac:chgData name="ZHANG Xiangyu" userId="0af619d5-14b7-43d3-95bc-94ad39c803d6" providerId="ADAL" clId="{0190945F-89A7-4B46-967C-3ACE53AB7830}" dt="2024-01-05T08:21:56.270" v="559" actId="5736"/>
           <ac:graphicFrameMkLst>
             <pc:docMk/>
             <pc:sldMk cId="3049935216" sldId="256"/>
@@ -4594,7 +4594,7 @@
           <p:nvPr>
             <p:extLst>
               <p:ext uri="{D42A27DB-BD31-4B8C-83A1-F6EECF244321}">
-                <p14:modId xmlns:p14="http://schemas.microsoft.com/office/powerpoint/2010/main" val="190968439"/>
+                <p14:modId xmlns:p14="http://schemas.microsoft.com/office/powerpoint/2010/main" val="3648909824"/>
               </p:ext>
             </p:extLst>
           </p:nvPr>
@@ -4631,7 +4631,7 @@
                     <a:p>
                       <a:pPr algn="ctr"/>
                       <a:r>
-                        <a:rPr lang="en-US" altLang="zh-CN" sz="1800" b="1" i="0" kern="1200" dirty="0">
+                        <a:rPr lang="en-US" altLang="zh-CN" sz="1800" b="0" i="0" kern="1200" dirty="0">
                           <a:solidFill>
                             <a:srgbClr val="0070C0"/>
                           </a:solidFill>
@@ -4642,7 +4642,7 @@
                         </a:rPr>
                         <a:t>Registration Type</a:t>
                       </a:r>
-                      <a:endParaRPr lang="en-US" sz="1800" dirty="0">
+                      <a:endParaRPr lang="en-US" sz="1800" b="0" dirty="0">
                         <a:solidFill>
                           <a:srgbClr val="0070C0"/>
                         </a:solidFill>
@@ -4704,7 +4704,7 @@
                     <a:p>
                       <a:pPr marL="0" algn="ctr" defTabSz="914400" rtl="0" eaLnBrk="1" latinLnBrk="0" hangingPunct="1"/>
                       <a:r>
-                        <a:rPr lang="en-US" sz="1800" b="1" i="0" kern="1200" dirty="0">
+                        <a:rPr lang="en-US" sz="1800" b="0" i="0" kern="1200" dirty="0">
                           <a:solidFill>
                             <a:srgbClr val="0070C0"/>
                           </a:solidFill>

--- a/assets/figures.pptx
+++ b/assets/figures.pptx
@@ -122,7 +122,7 @@
 <file path=ppt/revisionInfo.xml><?xml version="1.0" encoding="utf-8"?>
 <p1510:revInfo xmlns:a="http://schemas.openxmlformats.org/drawingml/2006/main" xmlns:r="http://schemas.openxmlformats.org/officeDocument/2006/relationships" xmlns:p1510="http://schemas.microsoft.com/office/powerpoint/2015/10/main">
   <p1510:revLst>
-    <p1510:client id="{0190945F-89A7-4B46-967C-3ACE53AB7830}" v="104" dt="2024-01-05T08:21:56.271"/>
+    <p1510:client id="{0190945F-89A7-4B46-967C-3ACE53AB7830}" v="105" dt="2024-01-05T08:24:10.052"/>
   </p1510:revLst>
 </p1510:revInfo>
 </file>
@@ -132,12 +132,12 @@
   <pc:docChgLst>
     <pc:chgData name="ZHANG Xiangyu" userId="0af619d5-14b7-43d3-95bc-94ad39c803d6" providerId="ADAL" clId="{0190945F-89A7-4B46-967C-3ACE53AB7830}"/>
     <pc:docChg chg="undo redo custSel addSld modSld">
-      <pc:chgData name="ZHANG Xiangyu" userId="0af619d5-14b7-43d3-95bc-94ad39c803d6" providerId="ADAL" clId="{0190945F-89A7-4B46-967C-3ACE53AB7830}" dt="2024-01-05T08:21:56.270" v="559" actId="5736"/>
+      <pc:chgData name="ZHANG Xiangyu" userId="0af619d5-14b7-43d3-95bc-94ad39c803d6" providerId="ADAL" clId="{0190945F-89A7-4B46-967C-3ACE53AB7830}" dt="2024-01-05T08:25:04.194" v="568" actId="14100"/>
       <pc:docMkLst>
         <pc:docMk/>
       </pc:docMkLst>
       <pc:sldChg chg="addSp delSp modSp new mod">
-        <pc:chgData name="ZHANG Xiangyu" userId="0af619d5-14b7-43d3-95bc-94ad39c803d6" providerId="ADAL" clId="{0190945F-89A7-4B46-967C-3ACE53AB7830}" dt="2024-01-05T08:21:56.270" v="559" actId="5736"/>
+        <pc:chgData name="ZHANG Xiangyu" userId="0af619d5-14b7-43d3-95bc-94ad39c803d6" providerId="ADAL" clId="{0190945F-89A7-4B46-967C-3ACE53AB7830}" dt="2024-01-05T08:25:04.194" v="568" actId="14100"/>
         <pc:sldMkLst>
           <pc:docMk/>
           <pc:sldMk cId="3049935216" sldId="256"/>
@@ -182,12 +182,20 @@
             <ac:spMk id="6" creationId="{8218391C-31EC-DA92-D9F1-A0623DD25C8D}"/>
           </ac:spMkLst>
         </pc:spChg>
-        <pc:spChg chg="add">
-          <ac:chgData name="ZHANG Xiangyu" userId="0af619d5-14b7-43d3-95bc-94ad39c803d6" providerId="ADAL" clId="{0190945F-89A7-4B46-967C-3ACE53AB7830}" dt="2024-01-05T05:54:50.303" v="545"/>
+        <pc:spChg chg="add mod">
+          <ac:chgData name="ZHANG Xiangyu" userId="0af619d5-14b7-43d3-95bc-94ad39c803d6" providerId="ADAL" clId="{0190945F-89A7-4B46-967C-3ACE53AB7830}" dt="2024-01-05T08:25:04.194" v="568" actId="14100"/>
           <ac:spMkLst>
             <pc:docMk/>
             <pc:sldMk cId="3049935216" sldId="256"/>
             <ac:spMk id="10" creationId="{D60C2AB1-B15E-C476-43B4-390BAE11570D}"/>
+          </ac:spMkLst>
+        </pc:spChg>
+        <pc:spChg chg="add mod">
+          <ac:chgData name="ZHANG Xiangyu" userId="0af619d5-14b7-43d3-95bc-94ad39c803d6" providerId="ADAL" clId="{0190945F-89A7-4B46-967C-3ACE53AB7830}" dt="2024-01-05T08:24:17.677" v="566" actId="14100"/>
+          <ac:spMkLst>
+            <pc:docMk/>
+            <pc:sldMk cId="3049935216" sldId="256"/>
+            <ac:spMk id="12" creationId="{B71B1E0A-F915-F79A-7636-3AAD7E8EA84A}"/>
           </ac:spMkLst>
         </pc:spChg>
         <pc:graphicFrameChg chg="add mod modGraphic">
@@ -5575,8 +5583,8 @@
         </p:nvSpPr>
         <p:spPr>
           <a:xfrm>
-            <a:off x="3047260" y="3836918"/>
-            <a:ext cx="6094520" cy="369332"/>
+            <a:off x="6424436" y="3767974"/>
+            <a:ext cx="1796020" cy="369332"/>
           </a:xfrm>
           <a:prstGeom prst="rect">
             <a:avLst/>
@@ -5633,6 +5641,68 @@
           </a:prstGeom>
         </p:spPr>
       </p:pic>
+      <p:sp>
+        <p:nvSpPr>
+          <p:cNvPr id="12" name="文本框 11">
+            <a:extLst>
+              <a:ext uri="{FF2B5EF4-FFF2-40B4-BE49-F238E27FC236}">
+                <a16:creationId xmlns:a16="http://schemas.microsoft.com/office/drawing/2014/main" id="{B71B1E0A-F915-F79A-7636-3AAD7E8EA84A}"/>
+              </a:ext>
+            </a:extLst>
+          </p:cNvPr>
+          <p:cNvSpPr txBox="1"/>
+          <p:nvPr/>
+        </p:nvSpPr>
+        <p:spPr>
+          <a:xfrm>
+            <a:off x="-95435" y="3795222"/>
+            <a:ext cx="3824056" cy="369332"/>
+          </a:xfrm>
+          <a:prstGeom prst="rect">
+            <a:avLst/>
+          </a:prstGeom>
+          <a:noFill/>
+        </p:spPr>
+        <p:txBody>
+          <a:bodyPr wrap="square">
+            <a:spAutoFit/>
+          </a:bodyPr>
+          <a:lstStyle/>
+          <a:p>
+            <a:pPr algn="just" fontAlgn="base"/>
+            <a:r>
+              <a:rPr lang="en-US" altLang="zh-CN" b="1" i="0" dirty="0">
+                <a:solidFill>
+                  <a:srgbClr val="0070C0"/>
+                </a:solidFill>
+                <a:effectLst/>
+                <a:latin typeface="Arial" panose="020B0604020202020204" pitchFamily="34" charset="0"/>
+              </a:rPr>
+              <a:t>Mini-Symposia (To be </a:t>
+            </a:r>
+            <a:r>
+              <a:rPr lang="en-US" altLang="zh-CN" b="1" i="0" dirty="0" err="1">
+                <a:solidFill>
+                  <a:srgbClr val="0070C0"/>
+                </a:solidFill>
+                <a:effectLst/>
+                <a:latin typeface="Arial" panose="020B0604020202020204" pitchFamily="34" charset="0"/>
+              </a:rPr>
+              <a:t>comfimed</a:t>
+            </a:r>
+            <a:r>
+              <a:rPr lang="en-US" altLang="zh-CN" b="1" i="0" dirty="0">
+                <a:solidFill>
+                  <a:srgbClr val="0070C0"/>
+                </a:solidFill>
+                <a:effectLst/>
+                <a:latin typeface="Arial" panose="020B0604020202020204" pitchFamily="34" charset="0"/>
+              </a:rPr>
+              <a:t>)</a:t>
+            </a:r>
+          </a:p>
+        </p:txBody>
+      </p:sp>
     </p:spTree>
     <p:extLst>
       <p:ext uri="{BB962C8B-B14F-4D97-AF65-F5344CB8AC3E}">

--- a/assets/figures.pptx
+++ b/assets/figures.pptx
@@ -122,7 +122,7 @@
 <file path=ppt/revisionInfo.xml><?xml version="1.0" encoding="utf-8"?>
 <p1510:revInfo xmlns:a="http://schemas.openxmlformats.org/drawingml/2006/main" xmlns:r="http://schemas.openxmlformats.org/officeDocument/2006/relationships" xmlns:p1510="http://schemas.microsoft.com/office/powerpoint/2015/10/main">
   <p1510:revLst>
-    <p1510:client id="{0190945F-89A7-4B46-967C-3ACE53AB7830}" v="105" dt="2024-01-05T08:24:10.052"/>
+    <p1510:client id="{0190945F-89A7-4B46-967C-3ACE53AB7830}" v="114" dt="2024-01-06T10:36:24.295"/>
   </p1510:revLst>
 </p1510:revInfo>
 </file>
@@ -132,12 +132,12 @@
   <pc:docChgLst>
     <pc:chgData name="ZHANG Xiangyu" userId="0af619d5-14b7-43d3-95bc-94ad39c803d6" providerId="ADAL" clId="{0190945F-89A7-4B46-967C-3ACE53AB7830}"/>
     <pc:docChg chg="undo redo custSel addSld modSld">
-      <pc:chgData name="ZHANG Xiangyu" userId="0af619d5-14b7-43d3-95bc-94ad39c803d6" providerId="ADAL" clId="{0190945F-89A7-4B46-967C-3ACE53AB7830}" dt="2024-01-05T08:25:04.194" v="568" actId="14100"/>
+      <pc:chgData name="ZHANG Xiangyu" userId="0af619d5-14b7-43d3-95bc-94ad39c803d6" providerId="ADAL" clId="{0190945F-89A7-4B46-967C-3ACE53AB7830}" dt="2024-01-06T10:36:24.294" v="621" actId="5736"/>
       <pc:docMkLst>
         <pc:docMk/>
       </pc:docMkLst>
       <pc:sldChg chg="addSp delSp modSp new mod">
-        <pc:chgData name="ZHANG Xiangyu" userId="0af619d5-14b7-43d3-95bc-94ad39c803d6" providerId="ADAL" clId="{0190945F-89A7-4B46-967C-3ACE53AB7830}" dt="2024-01-05T08:25:04.194" v="568" actId="14100"/>
+        <pc:chgData name="ZHANG Xiangyu" userId="0af619d5-14b7-43d3-95bc-94ad39c803d6" providerId="ADAL" clId="{0190945F-89A7-4B46-967C-3ACE53AB7830}" dt="2024-01-06T10:36:24.294" v="621" actId="5736"/>
         <pc:sldMkLst>
           <pc:docMk/>
           <pc:sldMk cId="3049935216" sldId="256"/>
@@ -198,8 +198,24 @@
             <ac:spMk id="12" creationId="{B71B1E0A-F915-F79A-7636-3AAD7E8EA84A}"/>
           </ac:spMkLst>
         </pc:spChg>
+        <pc:spChg chg="add del mod">
+          <ac:chgData name="ZHANG Xiangyu" userId="0af619d5-14b7-43d3-95bc-94ad39c803d6" providerId="ADAL" clId="{0190945F-89A7-4B46-967C-3ACE53AB7830}" dt="2024-01-06T10:34:44.589" v="602"/>
+          <ac:spMkLst>
+            <pc:docMk/>
+            <pc:sldMk cId="3049935216" sldId="256"/>
+            <ac:spMk id="15" creationId="{5E850152-2D03-8535-D6BE-8C0DEEF5E4A7}"/>
+          </ac:spMkLst>
+        </pc:spChg>
+        <pc:spChg chg="add del mod">
+          <ac:chgData name="ZHANG Xiangyu" userId="0af619d5-14b7-43d3-95bc-94ad39c803d6" providerId="ADAL" clId="{0190945F-89A7-4B46-967C-3ACE53AB7830}" dt="2024-01-06T10:34:43.922" v="599"/>
+          <ac:spMkLst>
+            <pc:docMk/>
+            <pc:sldMk cId="3049935216" sldId="256"/>
+            <ac:spMk id="17" creationId="{0776723B-C416-E47A-6F5A-932795768AEE}"/>
+          </ac:spMkLst>
+        </pc:spChg>
         <pc:graphicFrameChg chg="add mod modGraphic">
-          <ac:chgData name="ZHANG Xiangyu" userId="0af619d5-14b7-43d3-95bc-94ad39c803d6" providerId="ADAL" clId="{0190945F-89A7-4B46-967C-3ACE53AB7830}" dt="2024-01-05T08:21:56.270" v="559" actId="5736"/>
+          <ac:chgData name="ZHANG Xiangyu" userId="0af619d5-14b7-43d3-95bc-94ad39c803d6" providerId="ADAL" clId="{0190945F-89A7-4B46-967C-3ACE53AB7830}" dt="2024-01-06T10:36:24.294" v="621" actId="5736"/>
           <ac:graphicFrameMkLst>
             <pc:docMk/>
             <pc:sldMk cId="3049935216" sldId="256"/>
@@ -236,6 +252,30 @@
             <pc:docMk/>
             <pc:sldMk cId="3049935216" sldId="256"/>
             <ac:picMk id="9" creationId="{AA1F90E1-170A-BA94-FFE6-2FD9E20EFF97}"/>
+          </ac:picMkLst>
+        </pc:picChg>
+        <pc:picChg chg="add mod">
+          <ac:chgData name="ZHANG Xiangyu" userId="0af619d5-14b7-43d3-95bc-94ad39c803d6" providerId="ADAL" clId="{0190945F-89A7-4B46-967C-3ACE53AB7830}" dt="2024-01-06T10:34:50.636" v="611" actId="1076"/>
+          <ac:picMkLst>
+            <pc:docMk/>
+            <pc:sldMk cId="3049935216" sldId="256"/>
+            <ac:picMk id="11" creationId="{B7841F16-01C7-E779-309C-8D3CAE6756FE}"/>
+          </ac:picMkLst>
+        </pc:picChg>
+        <pc:picChg chg="add del mod">
+          <ac:chgData name="ZHANG Xiangyu" userId="0af619d5-14b7-43d3-95bc-94ad39c803d6" providerId="ADAL" clId="{0190945F-89A7-4B46-967C-3ACE53AB7830}" dt="2024-01-06T10:34:49.402" v="610"/>
+          <ac:picMkLst>
+            <pc:docMk/>
+            <pc:sldMk cId="3049935216" sldId="256"/>
+            <ac:picMk id="13" creationId="{ADC903BC-4D95-E4BE-750F-D7F4DD477FB6}"/>
+          </ac:picMkLst>
+        </pc:picChg>
+        <pc:picChg chg="add del mod">
+          <ac:chgData name="ZHANG Xiangyu" userId="0af619d5-14b7-43d3-95bc-94ad39c803d6" providerId="ADAL" clId="{0190945F-89A7-4B46-967C-3ACE53AB7830}" dt="2024-01-06T10:35:29.279" v="617" actId="478"/>
+          <ac:picMkLst>
+            <pc:docMk/>
+            <pc:sldMk cId="3049935216" sldId="256"/>
+            <ac:picMk id="18" creationId="{F91AA4A6-86C0-77C1-E054-82C15FC0E28D}"/>
           </ac:picMkLst>
         </pc:picChg>
       </pc:sldChg>
@@ -626,7 +666,7 @@
           <a:p>
             <a:fld id="{B6A0FF1A-FA3A-44F4-8102-A8B090DA15CE}" type="datetimeFigureOut">
               <a:rPr lang="zh-CN" altLang="en-US" smtClean="0"/>
-              <a:t>2024/1/5</a:t>
+              <a:t>2024/1/6</a:t>
             </a:fld>
             <a:endParaRPr lang="zh-CN" altLang="en-US"/>
           </a:p>
@@ -1124,7 +1164,7 @@
           <a:p>
             <a:fld id="{443201C6-C6B2-4F96-9DF6-297028943761}" type="datetimeFigureOut">
               <a:rPr lang="zh-CN" altLang="en-US" smtClean="0"/>
-              <a:t>2024/1/5</a:t>
+              <a:t>2024/1/6</a:t>
             </a:fld>
             <a:endParaRPr lang="zh-CN" altLang="en-US"/>
           </a:p>
@@ -1322,7 +1362,7 @@
           <a:p>
             <a:fld id="{443201C6-C6B2-4F96-9DF6-297028943761}" type="datetimeFigureOut">
               <a:rPr lang="zh-CN" altLang="en-US" smtClean="0"/>
-              <a:t>2024/1/5</a:t>
+              <a:t>2024/1/6</a:t>
             </a:fld>
             <a:endParaRPr lang="zh-CN" altLang="en-US"/>
           </a:p>
@@ -1530,7 +1570,7 @@
           <a:p>
             <a:fld id="{443201C6-C6B2-4F96-9DF6-297028943761}" type="datetimeFigureOut">
               <a:rPr lang="zh-CN" altLang="en-US" smtClean="0"/>
-              <a:t>2024/1/5</a:t>
+              <a:t>2024/1/6</a:t>
             </a:fld>
             <a:endParaRPr lang="zh-CN" altLang="en-US"/>
           </a:p>
@@ -1728,7 +1768,7 @@
           <a:p>
             <a:fld id="{443201C6-C6B2-4F96-9DF6-297028943761}" type="datetimeFigureOut">
               <a:rPr lang="zh-CN" altLang="en-US" smtClean="0"/>
-              <a:t>2024/1/5</a:t>
+              <a:t>2024/1/6</a:t>
             </a:fld>
             <a:endParaRPr lang="zh-CN" altLang="en-US"/>
           </a:p>
@@ -2003,7 +2043,7 @@
           <a:p>
             <a:fld id="{443201C6-C6B2-4F96-9DF6-297028943761}" type="datetimeFigureOut">
               <a:rPr lang="zh-CN" altLang="en-US" smtClean="0"/>
-              <a:t>2024/1/5</a:t>
+              <a:t>2024/1/6</a:t>
             </a:fld>
             <a:endParaRPr lang="zh-CN" altLang="en-US"/>
           </a:p>
@@ -2268,7 +2308,7 @@
           <a:p>
             <a:fld id="{443201C6-C6B2-4F96-9DF6-297028943761}" type="datetimeFigureOut">
               <a:rPr lang="zh-CN" altLang="en-US" smtClean="0"/>
-              <a:t>2024/1/5</a:t>
+              <a:t>2024/1/6</a:t>
             </a:fld>
             <a:endParaRPr lang="zh-CN" altLang="en-US"/>
           </a:p>
@@ -2680,7 +2720,7 @@
           <a:p>
             <a:fld id="{443201C6-C6B2-4F96-9DF6-297028943761}" type="datetimeFigureOut">
               <a:rPr lang="zh-CN" altLang="en-US" smtClean="0"/>
-              <a:t>2024/1/5</a:t>
+              <a:t>2024/1/6</a:t>
             </a:fld>
             <a:endParaRPr lang="zh-CN" altLang="en-US"/>
           </a:p>
@@ -2821,7 +2861,7 @@
           <a:p>
             <a:fld id="{443201C6-C6B2-4F96-9DF6-297028943761}" type="datetimeFigureOut">
               <a:rPr lang="zh-CN" altLang="en-US" smtClean="0"/>
-              <a:t>2024/1/5</a:t>
+              <a:t>2024/1/6</a:t>
             </a:fld>
             <a:endParaRPr lang="zh-CN" altLang="en-US"/>
           </a:p>
@@ -2934,7 +2974,7 @@
           <a:p>
             <a:fld id="{443201C6-C6B2-4F96-9DF6-297028943761}" type="datetimeFigureOut">
               <a:rPr lang="zh-CN" altLang="en-US" smtClean="0"/>
-              <a:t>2024/1/5</a:t>
+              <a:t>2024/1/6</a:t>
             </a:fld>
             <a:endParaRPr lang="zh-CN" altLang="en-US"/>
           </a:p>
@@ -3245,7 +3285,7 @@
           <a:p>
             <a:fld id="{443201C6-C6B2-4F96-9DF6-297028943761}" type="datetimeFigureOut">
               <a:rPr lang="zh-CN" altLang="en-US" smtClean="0"/>
-              <a:t>2024/1/5</a:t>
+              <a:t>2024/1/6</a:t>
             </a:fld>
             <a:endParaRPr lang="zh-CN" altLang="en-US"/>
           </a:p>
@@ -3533,7 +3573,7 @@
           <a:p>
             <a:fld id="{443201C6-C6B2-4F96-9DF6-297028943761}" type="datetimeFigureOut">
               <a:rPr lang="zh-CN" altLang="en-US" smtClean="0"/>
-              <a:t>2024/1/5</a:t>
+              <a:t>2024/1/6</a:t>
             </a:fld>
             <a:endParaRPr lang="zh-CN" altLang="en-US"/>
           </a:p>
@@ -3774,7 +3814,7 @@
           <a:p>
             <a:fld id="{443201C6-C6B2-4F96-9DF6-297028943761}" type="datetimeFigureOut">
               <a:rPr lang="zh-CN" altLang="en-US" smtClean="0"/>
-              <a:t>2024/1/5</a:t>
+              <a:t>2024/1/6</a:t>
             </a:fld>
             <a:endParaRPr lang="zh-CN" altLang="en-US"/>
           </a:p>
@@ -4602,7 +4642,7 @@
           <p:nvPr>
             <p:extLst>
               <p:ext uri="{D42A27DB-BD31-4B8C-83A1-F6EECF244321}">
-                <p14:modId xmlns:p14="http://schemas.microsoft.com/office/powerpoint/2010/main" val="3648909824"/>
+                <p14:modId xmlns:p14="http://schemas.microsoft.com/office/powerpoint/2010/main" val="1338699590"/>
               </p:ext>
             </p:extLst>
           </p:nvPr>
@@ -4698,10 +4738,7 @@
                       <a:tailEnd type="none" w="med" len="med"/>
                     </a:lnB>
                     <a:solidFill>
-                      <a:schemeClr val="accent1">
-                        <a:lumMod val="20000"/>
-                        <a:lumOff val="80000"/>
-                      </a:schemeClr>
+                      <a:schemeClr val="bg1"/>
                     </a:solidFill>
                   </a:tcPr>
                 </a:tc>
@@ -4763,10 +4800,7 @@
                       <a:tailEnd type="none" w="med" len="med"/>
                     </a:lnB>
                     <a:solidFill>
-                      <a:schemeClr val="accent1">
-                        <a:lumMod val="20000"/>
-                        <a:lumOff val="80000"/>
-                      </a:schemeClr>
+                      <a:schemeClr val="bg1"/>
                     </a:solidFill>
                   </a:tcPr>
                 </a:tc>
@@ -4843,7 +4877,10 @@
                       <a:tailEnd type="none" w="med" len="med"/>
                     </a:lnB>
                     <a:solidFill>
-                      <a:srgbClr val="FFFFFF"/>
+                      <a:schemeClr val="accent5">
+                        <a:lumMod val="20000"/>
+                        <a:lumOff val="80000"/>
+                      </a:schemeClr>
                     </a:solidFill>
                   </a:tcPr>
                 </a:tc>
@@ -4904,7 +4941,10 @@
                       <a:tailEnd type="none" w="med" len="med"/>
                     </a:lnB>
                     <a:solidFill>
-                      <a:srgbClr val="FFFFFF"/>
+                      <a:schemeClr val="accent5">
+                        <a:lumMod val="20000"/>
+                        <a:lumOff val="80000"/>
+                      </a:schemeClr>
                     </a:solidFill>
                   </a:tcPr>
                 </a:tc>
@@ -4981,10 +5021,7 @@
                       <a:tailEnd type="none" w="med" len="med"/>
                     </a:lnB>
                     <a:solidFill>
-                      <a:schemeClr val="accent1">
-                        <a:lumMod val="20000"/>
-                        <a:lumOff val="80000"/>
-                      </a:schemeClr>
+                      <a:schemeClr val="bg1"/>
                     </a:solidFill>
                   </a:tcPr>
                 </a:tc>
@@ -5092,10 +5129,7 @@
                       <a:tailEnd type="none" w="med" len="med"/>
                     </a:lnB>
                     <a:solidFill>
-                      <a:schemeClr val="accent1">
-                        <a:lumMod val="20000"/>
-                        <a:lumOff val="80000"/>
-                      </a:schemeClr>
+                      <a:schemeClr val="bg1"/>
                     </a:solidFill>
                   </a:tcPr>
                 </a:tc>
@@ -5172,7 +5206,10 @@
                       <a:tailEnd type="none" w="med" len="med"/>
                     </a:lnB>
                     <a:solidFill>
-                      <a:srgbClr val="FFFFFF"/>
+                      <a:schemeClr val="accent5">
+                        <a:lumMod val="20000"/>
+                        <a:lumOff val="80000"/>
+                      </a:schemeClr>
                     </a:solidFill>
                   </a:tcPr>
                 </a:tc>
@@ -5242,7 +5279,10 @@
                       <a:tailEnd type="none" w="med" len="med"/>
                     </a:lnB>
                     <a:solidFill>
-                      <a:srgbClr val="FFFFFF"/>
+                      <a:schemeClr val="accent5">
+                        <a:lumMod val="20000"/>
+                        <a:lumOff val="80000"/>
+                      </a:schemeClr>
                     </a:solidFill>
                   </a:tcPr>
                 </a:tc>
@@ -5703,6 +5743,36 @@
           </a:p>
         </p:txBody>
       </p:sp>
+      <p:pic>
+        <p:nvPicPr>
+          <p:cNvPr id="11" name="图片 10">
+            <a:extLst>
+              <a:ext uri="{FF2B5EF4-FFF2-40B4-BE49-F238E27FC236}">
+                <a16:creationId xmlns:a16="http://schemas.microsoft.com/office/drawing/2014/main" id="{B7841F16-01C7-E779-309C-8D3CAE6756FE}"/>
+              </a:ext>
+            </a:extLst>
+          </p:cNvPr>
+          <p:cNvPicPr>
+            <a:picLocks noChangeAspect="1"/>
+          </p:cNvPicPr>
+          <p:nvPr/>
+        </p:nvPicPr>
+        <p:blipFill>
+          <a:blip r:embed="rId7"/>
+          <a:stretch>
+            <a:fillRect/>
+          </a:stretch>
+        </p:blipFill>
+        <p:spPr>
+          <a:xfrm>
+            <a:off x="5175202" y="3235315"/>
+            <a:ext cx="1841595" cy="387370"/>
+          </a:xfrm>
+          <a:prstGeom prst="rect">
+            <a:avLst/>
+          </a:prstGeom>
+        </p:spPr>
+      </p:pic>
     </p:spTree>
     <p:extLst>
       <p:ext uri="{BB962C8B-B14F-4D97-AF65-F5344CB8AC3E}">

--- a/assets/figures.pptx
+++ b/assets/figures.pptx
@@ -122,7 +122,7 @@
 <file path=ppt/revisionInfo.xml><?xml version="1.0" encoding="utf-8"?>
 <p1510:revInfo xmlns:a="http://schemas.openxmlformats.org/drawingml/2006/main" xmlns:r="http://schemas.openxmlformats.org/officeDocument/2006/relationships" xmlns:p1510="http://schemas.microsoft.com/office/powerpoint/2015/10/main">
   <p1510:revLst>
-    <p1510:client id="{0190945F-89A7-4B46-967C-3ACE53AB7830}" v="114" dt="2024-01-06T10:36:24.295"/>
+    <p1510:client id="{0190945F-89A7-4B46-967C-3ACE53AB7830}" v="119" dt="2024-01-06T10:54:00.527"/>
   </p1510:revLst>
 </p1510:revInfo>
 </file>
@@ -132,12 +132,12 @@
   <pc:docChgLst>
     <pc:chgData name="ZHANG Xiangyu" userId="0af619d5-14b7-43d3-95bc-94ad39c803d6" providerId="ADAL" clId="{0190945F-89A7-4B46-967C-3ACE53AB7830}"/>
     <pc:docChg chg="undo redo custSel addSld modSld">
-      <pc:chgData name="ZHANG Xiangyu" userId="0af619d5-14b7-43d3-95bc-94ad39c803d6" providerId="ADAL" clId="{0190945F-89A7-4B46-967C-3ACE53AB7830}" dt="2024-01-06T10:36:24.294" v="621" actId="5736"/>
+      <pc:chgData name="ZHANG Xiangyu" userId="0af619d5-14b7-43d3-95bc-94ad39c803d6" providerId="ADAL" clId="{0190945F-89A7-4B46-967C-3ACE53AB7830}" dt="2024-01-06T10:54:03.938" v="645" actId="1076"/>
       <pc:docMkLst>
         <pc:docMk/>
       </pc:docMkLst>
       <pc:sldChg chg="addSp delSp modSp new mod">
-        <pc:chgData name="ZHANG Xiangyu" userId="0af619d5-14b7-43d3-95bc-94ad39c803d6" providerId="ADAL" clId="{0190945F-89A7-4B46-967C-3ACE53AB7830}" dt="2024-01-06T10:36:24.294" v="621" actId="5736"/>
+        <pc:chgData name="ZHANG Xiangyu" userId="0af619d5-14b7-43d3-95bc-94ad39c803d6" providerId="ADAL" clId="{0190945F-89A7-4B46-967C-3ACE53AB7830}" dt="2024-01-06T10:54:03.938" v="645" actId="1076"/>
         <pc:sldMkLst>
           <pc:docMk/>
           <pc:sldMk cId="3049935216" sldId="256"/>
@@ -199,6 +199,14 @@
           </ac:spMkLst>
         </pc:spChg>
         <pc:spChg chg="add del mod">
+          <ac:chgData name="ZHANG Xiangyu" userId="0af619d5-14b7-43d3-95bc-94ad39c803d6" providerId="ADAL" clId="{0190945F-89A7-4B46-967C-3ACE53AB7830}" dt="2024-01-06T10:50:36.396" v="626" actId="478"/>
+          <ac:spMkLst>
+            <pc:docMk/>
+            <pc:sldMk cId="3049935216" sldId="256"/>
+            <ac:spMk id="14" creationId="{C79C5FEF-CB68-61AB-969F-AF531B940D4A}"/>
+          </ac:spMkLst>
+        </pc:spChg>
+        <pc:spChg chg="add del mod">
           <ac:chgData name="ZHANG Xiangyu" userId="0af619d5-14b7-43d3-95bc-94ad39c803d6" providerId="ADAL" clId="{0190945F-89A7-4B46-967C-3ACE53AB7830}" dt="2024-01-06T10:34:44.589" v="602"/>
           <ac:spMkLst>
             <pc:docMk/>
@@ -215,7 +223,7 @@
           </ac:spMkLst>
         </pc:spChg>
         <pc:graphicFrameChg chg="add mod modGraphic">
-          <ac:chgData name="ZHANG Xiangyu" userId="0af619d5-14b7-43d3-95bc-94ad39c803d6" providerId="ADAL" clId="{0190945F-89A7-4B46-967C-3ACE53AB7830}" dt="2024-01-06T10:36:24.294" v="621" actId="5736"/>
+          <ac:chgData name="ZHANG Xiangyu" userId="0af619d5-14b7-43d3-95bc-94ad39c803d6" providerId="ADAL" clId="{0190945F-89A7-4B46-967C-3ACE53AB7830}" dt="2024-01-06T10:54:00.526" v="644" actId="5736"/>
           <ac:graphicFrameMkLst>
             <pc:docMk/>
             <pc:sldMk cId="3049935216" sldId="256"/>
@@ -255,7 +263,7 @@
           </ac:picMkLst>
         </pc:picChg>
         <pc:picChg chg="add mod">
-          <ac:chgData name="ZHANG Xiangyu" userId="0af619d5-14b7-43d3-95bc-94ad39c803d6" providerId="ADAL" clId="{0190945F-89A7-4B46-967C-3ACE53AB7830}" dt="2024-01-06T10:34:50.636" v="611" actId="1076"/>
+          <ac:chgData name="ZHANG Xiangyu" userId="0af619d5-14b7-43d3-95bc-94ad39c803d6" providerId="ADAL" clId="{0190945F-89A7-4B46-967C-3ACE53AB7830}" dt="2024-01-06T10:54:03.938" v="645" actId="1076"/>
           <ac:picMkLst>
             <pc:docMk/>
             <pc:sldMk cId="3049935216" sldId="256"/>
@@ -268,6 +276,30 @@
             <pc:docMk/>
             <pc:sldMk cId="3049935216" sldId="256"/>
             <ac:picMk id="13" creationId="{ADC903BC-4D95-E4BE-750F-D7F4DD477FB6}"/>
+          </ac:picMkLst>
+        </pc:picChg>
+        <pc:picChg chg="add del mod">
+          <ac:chgData name="ZHANG Xiangyu" userId="0af619d5-14b7-43d3-95bc-94ad39c803d6" providerId="ADAL" clId="{0190945F-89A7-4B46-967C-3ACE53AB7830}" dt="2024-01-06T10:52:31.038" v="635" actId="478"/>
+          <ac:picMkLst>
+            <pc:docMk/>
+            <pc:sldMk cId="3049935216" sldId="256"/>
+            <ac:picMk id="15" creationId="{35E293D7-96AB-30AE-63F4-98F1B41A0BC5}"/>
+          </ac:picMkLst>
+        </pc:picChg>
+        <pc:picChg chg="add del mod">
+          <ac:chgData name="ZHANG Xiangyu" userId="0af619d5-14b7-43d3-95bc-94ad39c803d6" providerId="ADAL" clId="{0190945F-89A7-4B46-967C-3ACE53AB7830}" dt="2024-01-06T10:52:51.333" v="637" actId="478"/>
+          <ac:picMkLst>
+            <pc:docMk/>
+            <pc:sldMk cId="3049935216" sldId="256"/>
+            <ac:picMk id="16" creationId="{3F86F322-E877-3F7D-76BE-C0E6AF1BDE02}"/>
+          </ac:picMkLst>
+        </pc:picChg>
+        <pc:picChg chg="add del mod">
+          <ac:chgData name="ZHANG Xiangyu" userId="0af619d5-14b7-43d3-95bc-94ad39c803d6" providerId="ADAL" clId="{0190945F-89A7-4B46-967C-3ACE53AB7830}" dt="2024-01-06T10:53:15.123" v="640" actId="478"/>
+          <ac:picMkLst>
+            <pc:docMk/>
+            <pc:sldMk cId="3049935216" sldId="256"/>
+            <ac:picMk id="18" creationId="{F1452F48-A90E-6349-BF04-00FE2264DB7F}"/>
           </ac:picMkLst>
         </pc:picChg>
         <pc:picChg chg="add del mod">
@@ -4642,7 +4674,7 @@
           <p:nvPr>
             <p:extLst>
               <p:ext uri="{D42A27DB-BD31-4B8C-83A1-F6EECF244321}">
-                <p14:modId xmlns:p14="http://schemas.microsoft.com/office/powerpoint/2010/main" val="1338699590"/>
+                <p14:modId xmlns:p14="http://schemas.microsoft.com/office/powerpoint/2010/main" val="979308329"/>
               </p:ext>
             </p:extLst>
           </p:nvPr>
@@ -4681,7 +4713,7 @@
                       <a:r>
                         <a:rPr lang="en-US" altLang="zh-CN" sz="1800" b="0" i="0" kern="1200" dirty="0">
                           <a:solidFill>
-                            <a:srgbClr val="0070C0"/>
+                            <a:srgbClr val="177BC5"/>
                           </a:solidFill>
                           <a:effectLst/>
                           <a:latin typeface="Arial" panose="020B0604020202020204" pitchFamily="34" charset="0"/>
@@ -4692,7 +4724,7 @@
                       </a:r>
                       <a:endParaRPr lang="en-US" sz="1800" b="0" dirty="0">
                         <a:solidFill>
-                          <a:srgbClr val="0070C0"/>
+                          <a:srgbClr val="177BC5"/>
                         </a:solidFill>
                         <a:effectLst/>
                         <a:latin typeface="Arial" panose="020B0604020202020204" pitchFamily="34" charset="0"/>
@@ -4738,7 +4770,10 @@
                       <a:tailEnd type="none" w="med" len="med"/>
                     </a:lnB>
                     <a:solidFill>
-                      <a:schemeClr val="bg1"/>
+                      <a:schemeClr val="accent5">
+                        <a:lumMod val="20000"/>
+                        <a:lumOff val="80000"/>
+                      </a:schemeClr>
                     </a:solidFill>
                   </a:tcPr>
                 </a:tc>
@@ -4751,7 +4786,7 @@
                       <a:r>
                         <a:rPr lang="en-US" sz="1800" b="0" i="0" kern="1200" dirty="0">
                           <a:solidFill>
-                            <a:srgbClr val="0070C0"/>
+                            <a:srgbClr val="177BC5"/>
                           </a:solidFill>
                           <a:effectLst/>
                           <a:latin typeface="Arial" panose="020B0604020202020204" pitchFamily="34" charset="0"/>
@@ -4800,7 +4835,10 @@
                       <a:tailEnd type="none" w="med" len="med"/>
                     </a:lnB>
                     <a:solidFill>
-                      <a:schemeClr val="bg1"/>
+                      <a:schemeClr val="accent5">
+                        <a:lumMod val="20000"/>
+                        <a:lumOff val="80000"/>
+                      </a:schemeClr>
                     </a:solidFill>
                   </a:tcPr>
                 </a:tc>
@@ -4877,10 +4915,7 @@
                       <a:tailEnd type="none" w="med" len="med"/>
                     </a:lnB>
                     <a:solidFill>
-                      <a:schemeClr val="accent5">
-                        <a:lumMod val="20000"/>
-                        <a:lumOff val="80000"/>
-                      </a:schemeClr>
+                      <a:schemeClr val="bg1"/>
                     </a:solidFill>
                   </a:tcPr>
                 </a:tc>
@@ -4941,10 +4976,7 @@
                       <a:tailEnd type="none" w="med" len="med"/>
                     </a:lnB>
                     <a:solidFill>
-                      <a:schemeClr val="accent5">
-                        <a:lumMod val="20000"/>
-                        <a:lumOff val="80000"/>
-                      </a:schemeClr>
+                      <a:schemeClr val="bg1"/>
                     </a:solidFill>
                   </a:tcPr>
                 </a:tc>
@@ -5021,7 +5053,10 @@
                       <a:tailEnd type="none" w="med" len="med"/>
                     </a:lnB>
                     <a:solidFill>
-                      <a:schemeClr val="bg1"/>
+                      <a:schemeClr val="accent5">
+                        <a:lumMod val="20000"/>
+                        <a:lumOff val="80000"/>
+                      </a:schemeClr>
                     </a:solidFill>
                   </a:tcPr>
                 </a:tc>
@@ -5129,7 +5164,10 @@
                       <a:tailEnd type="none" w="med" len="med"/>
                     </a:lnB>
                     <a:solidFill>
-                      <a:schemeClr val="bg1"/>
+                      <a:schemeClr val="accent5">
+                        <a:lumMod val="20000"/>
+                        <a:lumOff val="80000"/>
+                      </a:schemeClr>
                     </a:solidFill>
                   </a:tcPr>
                 </a:tc>
@@ -5206,10 +5244,7 @@
                       <a:tailEnd type="none" w="med" len="med"/>
                     </a:lnB>
                     <a:solidFill>
-                      <a:schemeClr val="accent5">
-                        <a:lumMod val="20000"/>
-                        <a:lumOff val="80000"/>
-                      </a:schemeClr>
+                      <a:schemeClr val="bg1"/>
                     </a:solidFill>
                   </a:tcPr>
                 </a:tc>
@@ -5279,10 +5314,7 @@
                       <a:tailEnd type="none" w="med" len="med"/>
                     </a:lnB>
                     <a:solidFill>
-                      <a:schemeClr val="accent5">
-                        <a:lumMod val="20000"/>
-                        <a:lumOff val="80000"/>
-                      </a:schemeClr>
+                      <a:schemeClr val="bg1"/>
                     </a:solidFill>
                   </a:tcPr>
                 </a:tc>
@@ -5765,7 +5797,7 @@
         </p:blipFill>
         <p:spPr>
           <a:xfrm>
-            <a:off x="5175202" y="3235315"/>
+            <a:off x="4878774" y="4194344"/>
             <a:ext cx="1841595" cy="387370"/>
           </a:xfrm>
           <a:prstGeom prst="rect">

--- a/assets/figures.pptx
+++ b/assets/figures.pptx
@@ -5,7 +5,7 @@
     <p:sldMasterId id="2147483648" r:id="rId1"/>
   </p:sldMasterIdLst>
   <p:notesMasterIdLst>
-    <p:notesMasterId r:id="rId7"/>
+    <p:notesMasterId r:id="rId8"/>
   </p:notesMasterIdLst>
   <p:sldIdLst>
     <p:sldId id="260" r:id="rId2"/>
@@ -13,6 +13,7 @@
     <p:sldId id="256" r:id="rId4"/>
     <p:sldId id="257" r:id="rId5"/>
     <p:sldId id="258" r:id="rId6"/>
+    <p:sldId id="261" r:id="rId7"/>
   </p:sldIdLst>
   <p:sldSz cx="12192000" cy="6858000"/>
   <p:notesSz cx="6858000" cy="9144000"/>
@@ -122,7 +123,7 @@
 <file path=ppt/revisionInfo.xml><?xml version="1.0" encoding="utf-8"?>
 <p1510:revInfo xmlns:a="http://schemas.openxmlformats.org/drawingml/2006/main" xmlns:r="http://schemas.openxmlformats.org/officeDocument/2006/relationships" xmlns:p1510="http://schemas.microsoft.com/office/powerpoint/2015/10/main">
   <p1510:revLst>
-    <p1510:client id="{0190945F-89A7-4B46-967C-3ACE53AB7830}" v="119" dt="2024-01-06T10:54:00.527"/>
+    <p1510:client id="{0190945F-89A7-4B46-967C-3ACE53AB7830}" v="126" dt="2024-01-06T11:08:45.565"/>
   </p1510:revLst>
 </p1510:revInfo>
 </file>
@@ -132,12 +133,12 @@
   <pc:docChgLst>
     <pc:chgData name="ZHANG Xiangyu" userId="0af619d5-14b7-43d3-95bc-94ad39c803d6" providerId="ADAL" clId="{0190945F-89A7-4B46-967C-3ACE53AB7830}"/>
     <pc:docChg chg="undo redo custSel addSld modSld">
-      <pc:chgData name="ZHANG Xiangyu" userId="0af619d5-14b7-43d3-95bc-94ad39c803d6" providerId="ADAL" clId="{0190945F-89A7-4B46-967C-3ACE53AB7830}" dt="2024-01-06T10:54:03.938" v="645" actId="1076"/>
+      <pc:chgData name="ZHANG Xiangyu" userId="0af619d5-14b7-43d3-95bc-94ad39c803d6" providerId="ADAL" clId="{0190945F-89A7-4B46-967C-3ACE53AB7830}" dt="2024-01-06T11:08:45.564" v="682" actId="5736"/>
       <pc:docMkLst>
         <pc:docMk/>
       </pc:docMkLst>
       <pc:sldChg chg="addSp delSp modSp new mod">
-        <pc:chgData name="ZHANG Xiangyu" userId="0af619d5-14b7-43d3-95bc-94ad39c803d6" providerId="ADAL" clId="{0190945F-89A7-4B46-967C-3ACE53AB7830}" dt="2024-01-06T10:54:03.938" v="645" actId="1076"/>
+        <pc:chgData name="ZHANG Xiangyu" userId="0af619d5-14b7-43d3-95bc-94ad39c803d6" providerId="ADAL" clId="{0190945F-89A7-4B46-967C-3ACE53AB7830}" dt="2024-01-06T11:08:45.564" v="682" actId="5736"/>
         <pc:sldMkLst>
           <pc:docMk/>
           <pc:sldMk cId="3049935216" sldId="256"/>
@@ -175,7 +176,7 @@
           </ac:spMkLst>
         </pc:spChg>
         <pc:spChg chg="add mod">
-          <ac:chgData name="ZHANG Xiangyu" userId="0af619d5-14b7-43d3-95bc-94ad39c803d6" providerId="ADAL" clId="{0190945F-89A7-4B46-967C-3ACE53AB7830}" dt="2024-01-05T07:37:51.238" v="554" actId="207"/>
+          <ac:chgData name="ZHANG Xiangyu" userId="0af619d5-14b7-43d3-95bc-94ad39c803d6" providerId="ADAL" clId="{0190945F-89A7-4B46-967C-3ACE53AB7830}" dt="2024-01-06T11:00:49.200" v="654" actId="1076"/>
           <ac:spMkLst>
             <pc:docMk/>
             <pc:sldMk cId="3049935216" sldId="256"/>
@@ -223,7 +224,7 @@
           </ac:spMkLst>
         </pc:spChg>
         <pc:graphicFrameChg chg="add mod modGraphic">
-          <ac:chgData name="ZHANG Xiangyu" userId="0af619d5-14b7-43d3-95bc-94ad39c803d6" providerId="ADAL" clId="{0190945F-89A7-4B46-967C-3ACE53AB7830}" dt="2024-01-06T10:54:00.526" v="644" actId="5736"/>
+          <ac:chgData name="ZHANG Xiangyu" userId="0af619d5-14b7-43d3-95bc-94ad39c803d6" providerId="ADAL" clId="{0190945F-89A7-4B46-967C-3ACE53AB7830}" dt="2024-01-06T11:08:45.564" v="682" actId="5736"/>
           <ac:graphicFrameMkLst>
             <pc:docMk/>
             <pc:sldMk cId="3049935216" sldId="256"/>
@@ -268,6 +269,14 @@
             <pc:docMk/>
             <pc:sldMk cId="3049935216" sldId="256"/>
             <ac:picMk id="11" creationId="{B7841F16-01C7-E779-309C-8D3CAE6756FE}"/>
+          </ac:picMkLst>
+        </pc:picChg>
+        <pc:picChg chg="add del mod">
+          <ac:chgData name="ZHANG Xiangyu" userId="0af619d5-14b7-43d3-95bc-94ad39c803d6" providerId="ADAL" clId="{0190945F-89A7-4B46-967C-3ACE53AB7830}" dt="2024-01-06T11:05:17.616" v="664"/>
+          <ac:picMkLst>
+            <pc:docMk/>
+            <pc:sldMk cId="3049935216" sldId="256"/>
+            <ac:picMk id="13" creationId="{2C325AD0-E181-FA1D-D737-7978494932B6}"/>
           </ac:picMkLst>
         </pc:picChg>
         <pc:picChg chg="add del mod">
@@ -611,6 +620,45 @@
           </ac:picMkLst>
         </pc:picChg>
       </pc:sldChg>
+      <pc:sldChg chg="addSp delSp modSp new mod">
+        <pc:chgData name="ZHANG Xiangyu" userId="0af619d5-14b7-43d3-95bc-94ad39c803d6" providerId="ADAL" clId="{0190945F-89A7-4B46-967C-3ACE53AB7830}" dt="2024-01-06T11:07:54.911" v="678" actId="207"/>
+        <pc:sldMkLst>
+          <pc:docMk/>
+          <pc:sldMk cId="401007361" sldId="261"/>
+        </pc:sldMkLst>
+        <pc:spChg chg="mod">
+          <ac:chgData name="ZHANG Xiangyu" userId="0af619d5-14b7-43d3-95bc-94ad39c803d6" providerId="ADAL" clId="{0190945F-89A7-4B46-967C-3ACE53AB7830}" dt="2024-01-06T11:07:54.911" v="678" actId="207"/>
+          <ac:spMkLst>
+            <pc:docMk/>
+            <pc:sldMk cId="401007361" sldId="261"/>
+            <ac:spMk id="2" creationId="{6DC1A0D8-6C2C-4E5C-4D91-A5CB3F2DF905}"/>
+          </ac:spMkLst>
+        </pc:spChg>
+        <pc:spChg chg="del">
+          <ac:chgData name="ZHANG Xiangyu" userId="0af619d5-14b7-43d3-95bc-94ad39c803d6" providerId="ADAL" clId="{0190945F-89A7-4B46-967C-3ACE53AB7830}" dt="2024-01-06T11:06:25.879" v="668" actId="478"/>
+          <ac:spMkLst>
+            <pc:docMk/>
+            <pc:sldMk cId="401007361" sldId="261"/>
+            <ac:spMk id="3" creationId="{660B629D-E44F-E5D1-B269-4150A88A4335}"/>
+          </ac:spMkLst>
+        </pc:spChg>
+        <pc:picChg chg="add mod">
+          <ac:chgData name="ZHANG Xiangyu" userId="0af619d5-14b7-43d3-95bc-94ad39c803d6" providerId="ADAL" clId="{0190945F-89A7-4B46-967C-3ACE53AB7830}" dt="2024-01-06T11:06:33.793" v="672" actId="1076"/>
+          <ac:picMkLst>
+            <pc:docMk/>
+            <pc:sldMk cId="401007361" sldId="261"/>
+            <ac:picMk id="4" creationId="{B1532C56-1391-5D4D-D6A7-883D09389B03}"/>
+          </ac:picMkLst>
+        </pc:picChg>
+        <pc:picChg chg="add mod">
+          <ac:chgData name="ZHANG Xiangyu" userId="0af619d5-14b7-43d3-95bc-94ad39c803d6" providerId="ADAL" clId="{0190945F-89A7-4B46-967C-3ACE53AB7830}" dt="2024-01-06T11:07:21.394" v="676" actId="1076"/>
+          <ac:picMkLst>
+            <pc:docMk/>
+            <pc:sldMk cId="401007361" sldId="261"/>
+            <ac:picMk id="6" creationId="{6C39D1F3-649E-8A41-7B43-1F097C21D97D}"/>
+          </ac:picMkLst>
+        </pc:picChg>
+      </pc:sldChg>
     </pc:docChg>
   </pc:docChgLst>
 </pc:chgInfo>
@@ -4674,7 +4722,7 @@
           <p:nvPr>
             <p:extLst>
               <p:ext uri="{D42A27DB-BD31-4B8C-83A1-F6EECF244321}">
-                <p14:modId xmlns:p14="http://schemas.microsoft.com/office/powerpoint/2010/main" val="979308329"/>
+                <p14:modId xmlns:p14="http://schemas.microsoft.com/office/powerpoint/2010/main" val="3391711174"/>
               </p:ext>
             </p:extLst>
           </p:nvPr>
@@ -4709,11 +4757,11 @@
                     <a:bodyPr/>
                     <a:lstStyle/>
                     <a:p>
-                      <a:pPr algn="ctr"/>
+                      <a:pPr marL="0" algn="ctr" defTabSz="914400" rtl="0" eaLnBrk="1" latinLnBrk="0" hangingPunct="1"/>
                       <a:r>
                         <a:rPr lang="en-US" altLang="zh-CN" sz="1800" b="0" i="0" kern="1200" dirty="0">
                           <a:solidFill>
-                            <a:srgbClr val="177BC5"/>
+                            <a:srgbClr val="006DBE"/>
                           </a:solidFill>
                           <a:effectLst/>
                           <a:latin typeface="Arial" panose="020B0604020202020204" pitchFamily="34" charset="0"/>
@@ -4722,12 +4770,13 @@
                         </a:rPr>
                         <a:t>Registration Type</a:t>
                       </a:r>
-                      <a:endParaRPr lang="en-US" sz="1800" b="0" dirty="0">
+                      <a:endParaRPr lang="en-US" sz="1800" b="0" i="0" kern="1200" dirty="0">
                         <a:solidFill>
-                          <a:srgbClr val="177BC5"/>
+                          <a:srgbClr val="006DBE"/>
                         </a:solidFill>
                         <a:effectLst/>
                         <a:latin typeface="Arial" panose="020B0604020202020204" pitchFamily="34" charset="0"/>
+                        <a:ea typeface="+mn-ea"/>
                         <a:cs typeface="Arial" panose="020B0604020202020204" pitchFamily="34" charset="0"/>
                       </a:endParaRPr>
                     </a:p>
@@ -4786,7 +4835,7 @@
                       <a:r>
                         <a:rPr lang="en-US" sz="1800" b="0" i="0" kern="1200" dirty="0">
                           <a:solidFill>
-                            <a:srgbClr val="177BC5"/>
+                            <a:srgbClr val="006DBE"/>
                           </a:solidFill>
                           <a:effectLst/>
                           <a:latin typeface="Arial" panose="020B0604020202020204" pitchFamily="34" charset="0"/>
@@ -5419,14 +5468,14 @@
         </p:nvSpPr>
         <p:spPr>
           <a:xfrm>
-            <a:off x="6424436" y="4286250"/>
+            <a:off x="6418949" y="4740619"/>
             <a:ext cx="2344637" cy="914400"/>
           </a:xfrm>
           <a:prstGeom prst="roundRect">
             <a:avLst/>
           </a:prstGeom>
           <a:solidFill>
-            <a:srgbClr val="0070C0"/>
+            <a:srgbClr val="177BC5"/>
           </a:solidFill>
           <a:ln>
             <a:noFill/>
@@ -6749,6 +6798,133 @@
 </p:sld>
 </file>
 
+<file path=ppt/slides/slide6.xml><?xml version="1.0" encoding="utf-8"?>
+<p:sld xmlns:a="http://schemas.openxmlformats.org/drawingml/2006/main" xmlns:r="http://schemas.openxmlformats.org/officeDocument/2006/relationships" xmlns:p="http://schemas.openxmlformats.org/presentationml/2006/main">
+  <p:cSld>
+    <p:spTree>
+      <p:nvGrpSpPr>
+        <p:cNvPr id="1" name=""/>
+        <p:cNvGrpSpPr/>
+        <p:nvPr/>
+      </p:nvGrpSpPr>
+      <p:grpSpPr>
+        <a:xfrm>
+          <a:off x="0" y="0"/>
+          <a:ext cx="0" cy="0"/>
+          <a:chOff x="0" y="0"/>
+          <a:chExt cx="0" cy="0"/>
+        </a:xfrm>
+      </p:grpSpPr>
+      <p:sp>
+        <p:nvSpPr>
+          <p:cNvPr id="2" name="标题 1">
+            <a:extLst>
+              <a:ext uri="{FF2B5EF4-FFF2-40B4-BE49-F238E27FC236}">
+                <a16:creationId xmlns:a16="http://schemas.microsoft.com/office/drawing/2014/main" id="{6DC1A0D8-6C2C-4E5C-4D91-A5CB3F2DF905}"/>
+              </a:ext>
+            </a:extLst>
+          </p:cNvPr>
+          <p:cNvSpPr>
+            <a:spLocks noGrp="1"/>
+          </p:cNvSpPr>
+          <p:nvPr>
+            <p:ph type="title"/>
+          </p:nvPr>
+        </p:nvSpPr>
+        <p:spPr/>
+        <p:txBody>
+          <a:bodyPr/>
+          <a:lstStyle/>
+          <a:p>
+            <a:r>
+              <a:rPr lang="en-US" altLang="zh-CN" dirty="0" err="1">
+                <a:solidFill>
+                  <a:srgbClr val="006DBE"/>
+                </a:solidFill>
+              </a:rPr>
+              <a:t>Aaa</a:t>
+            </a:r>
+            <a:r>
+              <a:rPr lang="en-US" altLang="zh-CN" dirty="0"/>
+              <a:t>`</a:t>
+            </a:r>
+            <a:endParaRPr lang="zh-CN" altLang="en-US" dirty="0"/>
+          </a:p>
+        </p:txBody>
+      </p:sp>
+      <p:pic>
+        <p:nvPicPr>
+          <p:cNvPr id="4" name="图片 3">
+            <a:extLst>
+              <a:ext uri="{FF2B5EF4-FFF2-40B4-BE49-F238E27FC236}">
+                <a16:creationId xmlns:a16="http://schemas.microsoft.com/office/drawing/2014/main" id="{B1532C56-1391-5D4D-D6A7-883D09389B03}"/>
+              </a:ext>
+            </a:extLst>
+          </p:cNvPr>
+          <p:cNvPicPr>
+            <a:picLocks noChangeAspect="1"/>
+          </p:cNvPicPr>
+          <p:nvPr/>
+        </p:nvPicPr>
+        <p:blipFill>
+          <a:blip r:embed="rId2"/>
+          <a:stretch>
+            <a:fillRect/>
+          </a:stretch>
+        </p:blipFill>
+        <p:spPr>
+          <a:xfrm>
+            <a:off x="2355423" y="1286828"/>
+            <a:ext cx="2959252" cy="1606633"/>
+          </a:xfrm>
+          <a:prstGeom prst="rect">
+            <a:avLst/>
+          </a:prstGeom>
+        </p:spPr>
+      </p:pic>
+      <p:pic>
+        <p:nvPicPr>
+          <p:cNvPr id="6" name="图片 5">
+            <a:extLst>
+              <a:ext uri="{FF2B5EF4-FFF2-40B4-BE49-F238E27FC236}">
+                <a16:creationId xmlns:a16="http://schemas.microsoft.com/office/drawing/2014/main" id="{6C39D1F3-649E-8A41-7B43-1F097C21D97D}"/>
+              </a:ext>
+            </a:extLst>
+          </p:cNvPr>
+          <p:cNvPicPr>
+            <a:picLocks noChangeAspect="1"/>
+          </p:cNvPicPr>
+          <p:nvPr/>
+        </p:nvPicPr>
+        <p:blipFill>
+          <a:blip r:embed="rId3"/>
+          <a:stretch>
+            <a:fillRect/>
+          </a:stretch>
+        </p:blipFill>
+        <p:spPr>
+          <a:xfrm>
+            <a:off x="838200" y="1503982"/>
+            <a:ext cx="1783235" cy="373412"/>
+          </a:xfrm>
+          <a:prstGeom prst="rect">
+            <a:avLst/>
+          </a:prstGeom>
+        </p:spPr>
+      </p:pic>
+    </p:spTree>
+    <p:extLst>
+      <p:ext uri="{BB962C8B-B14F-4D97-AF65-F5344CB8AC3E}">
+        <p14:creationId xmlns:p14="http://schemas.microsoft.com/office/powerpoint/2010/main" val="401007361"/>
+      </p:ext>
+    </p:extLst>
+  </p:cSld>
+  <p:clrMapOvr>
+    <a:masterClrMapping/>
+  </p:clrMapOvr>
+</p:sld>
+</file>
+
 <file path=ppt/theme/theme1.xml><?xml version="1.0" encoding="utf-8"?>
 <a:theme xmlns:a="http://schemas.openxmlformats.org/drawingml/2006/main" name="Office 主题​​">
   <a:themeElements>

--- a/assets/figures.pptx
+++ b/assets/figures.pptx
@@ -133,7 +133,7 @@
   <pc:docChgLst>
     <pc:chgData name="ZHANG Xiangyu" userId="0af619d5-14b7-43d3-95bc-94ad39c803d6" providerId="ADAL" clId="{0190945F-89A7-4B46-967C-3ACE53AB7830}"/>
     <pc:docChg chg="undo redo custSel addSld modSld">
-      <pc:chgData name="ZHANG Xiangyu" userId="0af619d5-14b7-43d3-95bc-94ad39c803d6" providerId="ADAL" clId="{0190945F-89A7-4B46-967C-3ACE53AB7830}" dt="2024-01-06T11:08:45.564" v="682" actId="5736"/>
+      <pc:chgData name="ZHANG Xiangyu" userId="0af619d5-14b7-43d3-95bc-94ad39c803d6" providerId="ADAL" clId="{0190945F-89A7-4B46-967C-3ACE53AB7830}" dt="2024-01-08T02:04:34.417" v="687" actId="478"/>
       <pc:docMkLst>
         <pc:docMk/>
       </pc:docMkLst>
@@ -455,7 +455,7 @@
         </pc:picChg>
       </pc:sldChg>
       <pc:sldChg chg="addSp delSp modSp new mod">
-        <pc:chgData name="ZHANG Xiangyu" userId="0af619d5-14b7-43d3-95bc-94ad39c803d6" providerId="ADAL" clId="{0190945F-89A7-4B46-967C-3ACE53AB7830}" dt="2024-01-03T06:17:57.328" v="411" actId="1076"/>
+        <pc:chgData name="ZHANG Xiangyu" userId="0af619d5-14b7-43d3-95bc-94ad39c803d6" providerId="ADAL" clId="{0190945F-89A7-4B46-967C-3ACE53AB7830}" dt="2024-01-08T02:04:24.369" v="684" actId="1076"/>
         <pc:sldMkLst>
           <pc:docMk/>
           <pc:sldMk cId="3249798467" sldId="259"/>
@@ -533,7 +533,7 @@
           </ac:picMkLst>
         </pc:picChg>
         <pc:picChg chg="add mod">
-          <ac:chgData name="ZHANG Xiangyu" userId="0af619d5-14b7-43d3-95bc-94ad39c803d6" providerId="ADAL" clId="{0190945F-89A7-4B46-967C-3ACE53AB7830}" dt="2024-01-03T06:17:57.328" v="411" actId="1076"/>
+          <ac:chgData name="ZHANG Xiangyu" userId="0af619d5-14b7-43d3-95bc-94ad39c803d6" providerId="ADAL" clId="{0190945F-89A7-4B46-967C-3ACE53AB7830}" dt="2024-01-08T02:04:24.369" v="684" actId="1076"/>
           <ac:picMkLst>
             <pc:docMk/>
             <pc:sldMk cId="3249798467" sldId="259"/>
@@ -542,7 +542,7 @@
         </pc:picChg>
       </pc:sldChg>
       <pc:sldChg chg="addSp delSp modSp new mod">
-        <pc:chgData name="ZHANG Xiangyu" userId="0af619d5-14b7-43d3-95bc-94ad39c803d6" providerId="ADAL" clId="{0190945F-89A7-4B46-967C-3ACE53AB7830}" dt="2024-01-03T06:59:48.762" v="518" actId="207"/>
+        <pc:chgData name="ZHANG Xiangyu" userId="0af619d5-14b7-43d3-95bc-94ad39c803d6" providerId="ADAL" clId="{0190945F-89A7-4B46-967C-3ACE53AB7830}" dt="2024-01-08T02:04:21.011" v="683" actId="478"/>
         <pc:sldMkLst>
           <pc:docMk/>
           <pc:sldMk cId="1279138180" sldId="260"/>
@@ -611,8 +611,8 @@
             <ac:picMk id="12" creationId="{8BC3BDB6-E74C-6CCD-BC03-C3DC4A879D29}"/>
           </ac:picMkLst>
         </pc:picChg>
-        <pc:picChg chg="add mod">
-          <ac:chgData name="ZHANG Xiangyu" userId="0af619d5-14b7-43d3-95bc-94ad39c803d6" providerId="ADAL" clId="{0190945F-89A7-4B46-967C-3ACE53AB7830}" dt="2024-01-03T06:59:34.136" v="517" actId="1076"/>
+        <pc:picChg chg="add del mod">
+          <ac:chgData name="ZHANG Xiangyu" userId="0af619d5-14b7-43d3-95bc-94ad39c803d6" providerId="ADAL" clId="{0190945F-89A7-4B46-967C-3ACE53AB7830}" dt="2024-01-08T02:04:21.011" v="683" actId="478"/>
           <ac:picMkLst>
             <pc:docMk/>
             <pc:sldMk cId="1279138180" sldId="260"/>
@@ -621,13 +621,13 @@
         </pc:picChg>
       </pc:sldChg>
       <pc:sldChg chg="addSp delSp modSp new mod">
-        <pc:chgData name="ZHANG Xiangyu" userId="0af619d5-14b7-43d3-95bc-94ad39c803d6" providerId="ADAL" clId="{0190945F-89A7-4B46-967C-3ACE53AB7830}" dt="2024-01-06T11:07:54.911" v="678" actId="207"/>
+        <pc:chgData name="ZHANG Xiangyu" userId="0af619d5-14b7-43d3-95bc-94ad39c803d6" providerId="ADAL" clId="{0190945F-89A7-4B46-967C-3ACE53AB7830}" dt="2024-01-08T02:04:34.417" v="687" actId="478"/>
         <pc:sldMkLst>
           <pc:docMk/>
           <pc:sldMk cId="401007361" sldId="261"/>
         </pc:sldMkLst>
-        <pc:spChg chg="mod">
-          <ac:chgData name="ZHANG Xiangyu" userId="0af619d5-14b7-43d3-95bc-94ad39c803d6" providerId="ADAL" clId="{0190945F-89A7-4B46-967C-3ACE53AB7830}" dt="2024-01-06T11:07:54.911" v="678" actId="207"/>
+        <pc:spChg chg="del mod">
+          <ac:chgData name="ZHANG Xiangyu" userId="0af619d5-14b7-43d3-95bc-94ad39c803d6" providerId="ADAL" clId="{0190945F-89A7-4B46-967C-3ACE53AB7830}" dt="2024-01-08T02:04:33.034" v="686" actId="478"/>
           <ac:spMkLst>
             <pc:docMk/>
             <pc:sldMk cId="401007361" sldId="261"/>
@@ -642,16 +642,24 @@
             <ac:spMk id="3" creationId="{660B629D-E44F-E5D1-B269-4150A88A4335}"/>
           </ac:spMkLst>
         </pc:spChg>
-        <pc:picChg chg="add mod">
-          <ac:chgData name="ZHANG Xiangyu" userId="0af619d5-14b7-43d3-95bc-94ad39c803d6" providerId="ADAL" clId="{0190945F-89A7-4B46-967C-3ACE53AB7830}" dt="2024-01-06T11:06:33.793" v="672" actId="1076"/>
+        <pc:spChg chg="add del mod">
+          <ac:chgData name="ZHANG Xiangyu" userId="0af619d5-14b7-43d3-95bc-94ad39c803d6" providerId="ADAL" clId="{0190945F-89A7-4B46-967C-3ACE53AB7830}" dt="2024-01-08T02:04:34.417" v="687" actId="478"/>
+          <ac:spMkLst>
+            <pc:docMk/>
+            <pc:sldMk cId="401007361" sldId="261"/>
+            <ac:spMk id="5" creationId="{751899B1-B4B6-479B-E358-8B45FFE22212}"/>
+          </ac:spMkLst>
+        </pc:spChg>
+        <pc:picChg chg="add del mod">
+          <ac:chgData name="ZHANG Xiangyu" userId="0af619d5-14b7-43d3-95bc-94ad39c803d6" providerId="ADAL" clId="{0190945F-89A7-4B46-967C-3ACE53AB7830}" dt="2024-01-08T02:04:31.202" v="685" actId="478"/>
           <ac:picMkLst>
             <pc:docMk/>
             <pc:sldMk cId="401007361" sldId="261"/>
             <ac:picMk id="4" creationId="{B1532C56-1391-5D4D-D6A7-883D09389B03}"/>
           </ac:picMkLst>
         </pc:picChg>
-        <pc:picChg chg="add mod">
-          <ac:chgData name="ZHANG Xiangyu" userId="0af619d5-14b7-43d3-95bc-94ad39c803d6" providerId="ADAL" clId="{0190945F-89A7-4B46-967C-3ACE53AB7830}" dt="2024-01-06T11:07:21.394" v="676" actId="1076"/>
+        <pc:picChg chg="add del mod">
+          <ac:chgData name="ZHANG Xiangyu" userId="0af619d5-14b7-43d3-95bc-94ad39c803d6" providerId="ADAL" clId="{0190945F-89A7-4B46-967C-3ACE53AB7830}" dt="2024-01-08T02:04:31.202" v="685" actId="478"/>
           <ac:picMkLst>
             <pc:docMk/>
             <pc:sldMk cId="401007361" sldId="261"/>
@@ -746,7 +754,7 @@
           <a:p>
             <a:fld id="{B6A0FF1A-FA3A-44F4-8102-A8B090DA15CE}" type="datetimeFigureOut">
               <a:rPr lang="zh-CN" altLang="en-US" smtClean="0"/>
-              <a:t>2024/1/6</a:t>
+              <a:t>2024/1/8</a:t>
             </a:fld>
             <a:endParaRPr lang="zh-CN" altLang="en-US"/>
           </a:p>
@@ -1244,7 +1252,7 @@
           <a:p>
             <a:fld id="{443201C6-C6B2-4F96-9DF6-297028943761}" type="datetimeFigureOut">
               <a:rPr lang="zh-CN" altLang="en-US" smtClean="0"/>
-              <a:t>2024/1/6</a:t>
+              <a:t>2024/1/8</a:t>
             </a:fld>
             <a:endParaRPr lang="zh-CN" altLang="en-US"/>
           </a:p>
@@ -1442,7 +1450,7 @@
           <a:p>
             <a:fld id="{443201C6-C6B2-4F96-9DF6-297028943761}" type="datetimeFigureOut">
               <a:rPr lang="zh-CN" altLang="en-US" smtClean="0"/>
-              <a:t>2024/1/6</a:t>
+              <a:t>2024/1/8</a:t>
             </a:fld>
             <a:endParaRPr lang="zh-CN" altLang="en-US"/>
           </a:p>
@@ -1650,7 +1658,7 @@
           <a:p>
             <a:fld id="{443201C6-C6B2-4F96-9DF6-297028943761}" type="datetimeFigureOut">
               <a:rPr lang="zh-CN" altLang="en-US" smtClean="0"/>
-              <a:t>2024/1/6</a:t>
+              <a:t>2024/1/8</a:t>
             </a:fld>
             <a:endParaRPr lang="zh-CN" altLang="en-US"/>
           </a:p>
@@ -1848,7 +1856,7 @@
           <a:p>
             <a:fld id="{443201C6-C6B2-4F96-9DF6-297028943761}" type="datetimeFigureOut">
               <a:rPr lang="zh-CN" altLang="en-US" smtClean="0"/>
-              <a:t>2024/1/6</a:t>
+              <a:t>2024/1/8</a:t>
             </a:fld>
             <a:endParaRPr lang="zh-CN" altLang="en-US"/>
           </a:p>
@@ -2123,7 +2131,7 @@
           <a:p>
             <a:fld id="{443201C6-C6B2-4F96-9DF6-297028943761}" type="datetimeFigureOut">
               <a:rPr lang="zh-CN" altLang="en-US" smtClean="0"/>
-              <a:t>2024/1/6</a:t>
+              <a:t>2024/1/8</a:t>
             </a:fld>
             <a:endParaRPr lang="zh-CN" altLang="en-US"/>
           </a:p>
@@ -2388,7 +2396,7 @@
           <a:p>
             <a:fld id="{443201C6-C6B2-4F96-9DF6-297028943761}" type="datetimeFigureOut">
               <a:rPr lang="zh-CN" altLang="en-US" smtClean="0"/>
-              <a:t>2024/1/6</a:t>
+              <a:t>2024/1/8</a:t>
             </a:fld>
             <a:endParaRPr lang="zh-CN" altLang="en-US"/>
           </a:p>
@@ -2800,7 +2808,7 @@
           <a:p>
             <a:fld id="{443201C6-C6B2-4F96-9DF6-297028943761}" type="datetimeFigureOut">
               <a:rPr lang="zh-CN" altLang="en-US" smtClean="0"/>
-              <a:t>2024/1/6</a:t>
+              <a:t>2024/1/8</a:t>
             </a:fld>
             <a:endParaRPr lang="zh-CN" altLang="en-US"/>
           </a:p>
@@ -2941,7 +2949,7 @@
           <a:p>
             <a:fld id="{443201C6-C6B2-4F96-9DF6-297028943761}" type="datetimeFigureOut">
               <a:rPr lang="zh-CN" altLang="en-US" smtClean="0"/>
-              <a:t>2024/1/6</a:t>
+              <a:t>2024/1/8</a:t>
             </a:fld>
             <a:endParaRPr lang="zh-CN" altLang="en-US"/>
           </a:p>
@@ -3054,7 +3062,7 @@
           <a:p>
             <a:fld id="{443201C6-C6B2-4F96-9DF6-297028943761}" type="datetimeFigureOut">
               <a:rPr lang="zh-CN" altLang="en-US" smtClean="0"/>
-              <a:t>2024/1/6</a:t>
+              <a:t>2024/1/8</a:t>
             </a:fld>
             <a:endParaRPr lang="zh-CN" altLang="en-US"/>
           </a:p>
@@ -3365,7 +3373,7 @@
           <a:p>
             <a:fld id="{443201C6-C6B2-4F96-9DF6-297028943761}" type="datetimeFigureOut">
               <a:rPr lang="zh-CN" altLang="en-US" smtClean="0"/>
-              <a:t>2024/1/6</a:t>
+              <a:t>2024/1/8</a:t>
             </a:fld>
             <a:endParaRPr lang="zh-CN" altLang="en-US"/>
           </a:p>
@@ -3653,7 +3661,7 @@
           <a:p>
             <a:fld id="{443201C6-C6B2-4F96-9DF6-297028943761}" type="datetimeFigureOut">
               <a:rPr lang="zh-CN" altLang="en-US" smtClean="0"/>
-              <a:t>2024/1/6</a:t>
+              <a:t>2024/1/8</a:t>
             </a:fld>
             <a:endParaRPr lang="zh-CN" altLang="en-US"/>
           </a:p>
@@ -3894,7 +3902,7 @@
           <a:p>
             <a:fld id="{443201C6-C6B2-4F96-9DF6-297028943761}" type="datetimeFigureOut">
               <a:rPr lang="zh-CN" altLang="en-US" smtClean="0"/>
-              <a:t>2024/1/6</a:t>
+              <a:t>2024/1/8</a:t>
             </a:fld>
             <a:endParaRPr lang="zh-CN" altLang="en-US"/>
           </a:p>
@@ -4571,36 +4579,6 @@
           </p:txBody>
         </p:sp>
       </p:grpSp>
-      <p:pic>
-        <p:nvPicPr>
-          <p:cNvPr id="13" name="图片 12">
-            <a:extLst>
-              <a:ext uri="{FF2B5EF4-FFF2-40B4-BE49-F238E27FC236}">
-                <a16:creationId xmlns:a16="http://schemas.microsoft.com/office/drawing/2014/main" id="{C0FF0EB6-BA0A-F413-21E7-399F6B56F11C}"/>
-              </a:ext>
-            </a:extLst>
-          </p:cNvPr>
-          <p:cNvPicPr>
-            <a:picLocks noChangeAspect="1"/>
-          </p:cNvPicPr>
-          <p:nvPr/>
-        </p:nvPicPr>
-        <p:blipFill>
-          <a:blip r:embed="rId3"/>
-          <a:stretch>
-            <a:fillRect/>
-          </a:stretch>
-        </p:blipFill>
-        <p:spPr>
-          <a:xfrm>
-            <a:off x="5797892" y="5780098"/>
-            <a:ext cx="971600" cy="844593"/>
-          </a:xfrm>
-          <a:prstGeom prst="rect">
-            <a:avLst/>
-          </a:prstGeom>
-        </p:spPr>
-      </p:pic>
     </p:spTree>
     <p:extLst>
       <p:ext uri="{BB962C8B-B14F-4D97-AF65-F5344CB8AC3E}">
@@ -4669,7 +4647,7 @@
         </p:blipFill>
         <p:spPr>
           <a:xfrm>
-            <a:off x="1361034" y="0"/>
+            <a:off x="1965978" y="0"/>
             <a:ext cx="8260044" cy="6858000"/>
           </a:xfrm>
           <a:prstGeom prst="rect">
@@ -6815,103 +6793,6 @@
           <a:chExt cx="0" cy="0"/>
         </a:xfrm>
       </p:grpSpPr>
-      <p:sp>
-        <p:nvSpPr>
-          <p:cNvPr id="2" name="标题 1">
-            <a:extLst>
-              <a:ext uri="{FF2B5EF4-FFF2-40B4-BE49-F238E27FC236}">
-                <a16:creationId xmlns:a16="http://schemas.microsoft.com/office/drawing/2014/main" id="{6DC1A0D8-6C2C-4E5C-4D91-A5CB3F2DF905}"/>
-              </a:ext>
-            </a:extLst>
-          </p:cNvPr>
-          <p:cNvSpPr>
-            <a:spLocks noGrp="1"/>
-          </p:cNvSpPr>
-          <p:nvPr>
-            <p:ph type="title"/>
-          </p:nvPr>
-        </p:nvSpPr>
-        <p:spPr/>
-        <p:txBody>
-          <a:bodyPr/>
-          <a:lstStyle/>
-          <a:p>
-            <a:r>
-              <a:rPr lang="en-US" altLang="zh-CN" dirty="0" err="1">
-                <a:solidFill>
-                  <a:srgbClr val="006DBE"/>
-                </a:solidFill>
-              </a:rPr>
-              <a:t>Aaa</a:t>
-            </a:r>
-            <a:r>
-              <a:rPr lang="en-US" altLang="zh-CN" dirty="0"/>
-              <a:t>`</a:t>
-            </a:r>
-            <a:endParaRPr lang="zh-CN" altLang="en-US" dirty="0"/>
-          </a:p>
-        </p:txBody>
-      </p:sp>
-      <p:pic>
-        <p:nvPicPr>
-          <p:cNvPr id="4" name="图片 3">
-            <a:extLst>
-              <a:ext uri="{FF2B5EF4-FFF2-40B4-BE49-F238E27FC236}">
-                <a16:creationId xmlns:a16="http://schemas.microsoft.com/office/drawing/2014/main" id="{B1532C56-1391-5D4D-D6A7-883D09389B03}"/>
-              </a:ext>
-            </a:extLst>
-          </p:cNvPr>
-          <p:cNvPicPr>
-            <a:picLocks noChangeAspect="1"/>
-          </p:cNvPicPr>
-          <p:nvPr/>
-        </p:nvPicPr>
-        <p:blipFill>
-          <a:blip r:embed="rId2"/>
-          <a:stretch>
-            <a:fillRect/>
-          </a:stretch>
-        </p:blipFill>
-        <p:spPr>
-          <a:xfrm>
-            <a:off x="2355423" y="1286828"/>
-            <a:ext cx="2959252" cy="1606633"/>
-          </a:xfrm>
-          <a:prstGeom prst="rect">
-            <a:avLst/>
-          </a:prstGeom>
-        </p:spPr>
-      </p:pic>
-      <p:pic>
-        <p:nvPicPr>
-          <p:cNvPr id="6" name="图片 5">
-            <a:extLst>
-              <a:ext uri="{FF2B5EF4-FFF2-40B4-BE49-F238E27FC236}">
-                <a16:creationId xmlns:a16="http://schemas.microsoft.com/office/drawing/2014/main" id="{6C39D1F3-649E-8A41-7B43-1F097C21D97D}"/>
-              </a:ext>
-            </a:extLst>
-          </p:cNvPr>
-          <p:cNvPicPr>
-            <a:picLocks noChangeAspect="1"/>
-          </p:cNvPicPr>
-          <p:nvPr/>
-        </p:nvPicPr>
-        <p:blipFill>
-          <a:blip r:embed="rId3"/>
-          <a:stretch>
-            <a:fillRect/>
-          </a:stretch>
-        </p:blipFill>
-        <p:spPr>
-          <a:xfrm>
-            <a:off x="838200" y="1503982"/>
-            <a:ext cx="1783235" cy="373412"/>
-          </a:xfrm>
-          <a:prstGeom prst="rect">
-            <a:avLst/>
-          </a:prstGeom>
-        </p:spPr>
-      </p:pic>
     </p:spTree>
     <p:extLst>
       <p:ext uri="{BB962C8B-B14F-4D97-AF65-F5344CB8AC3E}">

--- a/assets/figures.pptx
+++ b/assets/figures.pptx
@@ -123,7 +123,7 @@
 <file path=ppt/revisionInfo.xml><?xml version="1.0" encoding="utf-8"?>
 <p1510:revInfo xmlns:a="http://schemas.openxmlformats.org/drawingml/2006/main" xmlns:r="http://schemas.openxmlformats.org/officeDocument/2006/relationships" xmlns:p1510="http://schemas.microsoft.com/office/powerpoint/2015/10/main">
   <p1510:revLst>
-    <p1510:client id="{0190945F-89A7-4B46-967C-3ACE53AB7830}" v="126" dt="2024-01-06T11:08:45.565"/>
+    <p1510:client id="{0190945F-89A7-4B46-967C-3ACE53AB7830}" v="129" dt="2024-01-08T04:08:51.373"/>
   </p1510:revLst>
 </p1510:revInfo>
 </file>
@@ -133,12 +133,12 @@
   <pc:docChgLst>
     <pc:chgData name="ZHANG Xiangyu" userId="0af619d5-14b7-43d3-95bc-94ad39c803d6" providerId="ADAL" clId="{0190945F-89A7-4B46-967C-3ACE53AB7830}"/>
     <pc:docChg chg="undo redo custSel addSld modSld">
-      <pc:chgData name="ZHANG Xiangyu" userId="0af619d5-14b7-43d3-95bc-94ad39c803d6" providerId="ADAL" clId="{0190945F-89A7-4B46-967C-3ACE53AB7830}" dt="2024-01-08T02:04:34.417" v="687" actId="478"/>
+      <pc:chgData name="ZHANG Xiangyu" userId="0af619d5-14b7-43d3-95bc-94ad39c803d6" providerId="ADAL" clId="{0190945F-89A7-4B46-967C-3ACE53AB7830}" dt="2024-01-08T04:09:31.356" v="707" actId="207"/>
       <pc:docMkLst>
         <pc:docMk/>
       </pc:docMkLst>
       <pc:sldChg chg="addSp delSp modSp new mod">
-        <pc:chgData name="ZHANG Xiangyu" userId="0af619d5-14b7-43d3-95bc-94ad39c803d6" providerId="ADAL" clId="{0190945F-89A7-4B46-967C-3ACE53AB7830}" dt="2024-01-06T11:08:45.564" v="682" actId="5736"/>
+        <pc:chgData name="ZHANG Xiangyu" userId="0af619d5-14b7-43d3-95bc-94ad39c803d6" providerId="ADAL" clId="{0190945F-89A7-4B46-967C-3ACE53AB7830}" dt="2024-01-08T04:09:31.356" v="707" actId="207"/>
         <pc:sldMkLst>
           <pc:docMk/>
           <pc:sldMk cId="3049935216" sldId="256"/>
@@ -224,7 +224,7 @@
           </ac:spMkLst>
         </pc:spChg>
         <pc:graphicFrameChg chg="add mod modGraphic">
-          <ac:chgData name="ZHANG Xiangyu" userId="0af619d5-14b7-43d3-95bc-94ad39c803d6" providerId="ADAL" clId="{0190945F-89A7-4B46-967C-3ACE53AB7830}" dt="2024-01-06T11:08:45.564" v="682" actId="5736"/>
+          <ac:chgData name="ZHANG Xiangyu" userId="0af619d5-14b7-43d3-95bc-94ad39c803d6" providerId="ADAL" clId="{0190945F-89A7-4B46-967C-3ACE53AB7830}" dt="2024-01-08T04:09:31.356" v="707" actId="207"/>
           <ac:graphicFrameMkLst>
             <pc:docMk/>
             <pc:sldMk cId="3049935216" sldId="256"/>
@@ -277,6 +277,14 @@
             <pc:docMk/>
             <pc:sldMk cId="3049935216" sldId="256"/>
             <ac:picMk id="13" creationId="{2C325AD0-E181-FA1D-D737-7978494932B6}"/>
+          </ac:picMkLst>
+        </pc:picChg>
+        <pc:picChg chg="add del mod">
+          <ac:chgData name="ZHANG Xiangyu" userId="0af619d5-14b7-43d3-95bc-94ad39c803d6" providerId="ADAL" clId="{0190945F-89A7-4B46-967C-3ACE53AB7830}" dt="2024-01-08T04:08:53.225" v="704" actId="478"/>
+          <ac:picMkLst>
+            <pc:docMk/>
+            <pc:sldMk cId="3049935216" sldId="256"/>
+            <ac:picMk id="13" creationId="{540D6A95-9656-2198-24A9-49D84148F319}"/>
           </ac:picMkLst>
         </pc:picChg>
         <pc:picChg chg="add del mod">
@@ -4700,7 +4708,7 @@
           <p:nvPr>
             <p:extLst>
               <p:ext uri="{D42A27DB-BD31-4B8C-83A1-F6EECF244321}">
-                <p14:modId xmlns:p14="http://schemas.microsoft.com/office/powerpoint/2010/main" val="3391711174"/>
+                <p14:modId xmlns:p14="http://schemas.microsoft.com/office/powerpoint/2010/main" val="1388146552"/>
               </p:ext>
             </p:extLst>
           </p:nvPr>
@@ -4796,12 +4804,7 @@
                       <a:headEnd type="none" w="med" len="med"/>
                       <a:tailEnd type="none" w="med" len="med"/>
                     </a:lnB>
-                    <a:solidFill>
-                      <a:schemeClr val="accent5">
-                        <a:lumMod val="20000"/>
-                        <a:lumOff val="80000"/>
-                      </a:schemeClr>
-                    </a:solidFill>
+                    <a:noFill/>
                   </a:tcPr>
                 </a:tc>
                 <a:tc>
@@ -4861,12 +4864,7 @@
                       <a:headEnd type="none" w="med" len="med"/>
                       <a:tailEnd type="none" w="med" len="med"/>
                     </a:lnB>
-                    <a:solidFill>
-                      <a:schemeClr val="accent5">
-                        <a:lumMod val="20000"/>
-                        <a:lumOff val="80000"/>
-                      </a:schemeClr>
-                    </a:solidFill>
+                    <a:noFill/>
                   </a:tcPr>
                 </a:tc>
                 <a:extLst>
@@ -4942,7 +4940,9 @@
                       <a:tailEnd type="none" w="med" len="med"/>
                     </a:lnB>
                     <a:solidFill>
-                      <a:schemeClr val="bg1"/>
+                      <a:srgbClr val="DEEBF7">
+                        <a:alpha val="20000"/>
+                      </a:srgbClr>
                     </a:solidFill>
                   </a:tcPr>
                 </a:tc>
@@ -5003,7 +5003,9 @@
                       <a:tailEnd type="none" w="med" len="med"/>
                     </a:lnB>
                     <a:solidFill>
-                      <a:schemeClr val="bg1"/>
+                      <a:srgbClr val="DEEBF7">
+                        <a:alpha val="20000"/>
+                      </a:srgbClr>
                     </a:solidFill>
                   </a:tcPr>
                 </a:tc>
@@ -5079,12 +5081,7 @@
                       <a:headEnd type="none" w="med" len="med"/>
                       <a:tailEnd type="none" w="med" len="med"/>
                     </a:lnB>
-                    <a:solidFill>
-                      <a:schemeClr val="accent5">
-                        <a:lumMod val="20000"/>
-                        <a:lumOff val="80000"/>
-                      </a:schemeClr>
-                    </a:solidFill>
+                    <a:noFill/>
                   </a:tcPr>
                 </a:tc>
                 <a:tc>
@@ -5190,12 +5187,7 @@
                       <a:headEnd type="none" w="med" len="med"/>
                       <a:tailEnd type="none" w="med" len="med"/>
                     </a:lnB>
-                    <a:solidFill>
-                      <a:schemeClr val="accent5">
-                        <a:lumMod val="20000"/>
-                        <a:lumOff val="80000"/>
-                      </a:schemeClr>
-                    </a:solidFill>
+                    <a:noFill/>
                   </a:tcPr>
                 </a:tc>
                 <a:extLst>
@@ -5271,7 +5263,9 @@
                       <a:tailEnd type="none" w="med" len="med"/>
                     </a:lnB>
                     <a:solidFill>
-                      <a:schemeClr val="bg1"/>
+                      <a:srgbClr val="DEEBF7">
+                        <a:alpha val="20000"/>
+                      </a:srgbClr>
                     </a:solidFill>
                   </a:tcPr>
                 </a:tc>
@@ -5341,7 +5335,9 @@
                       <a:tailEnd type="none" w="med" len="med"/>
                     </a:lnB>
                     <a:solidFill>
-                      <a:schemeClr val="bg1"/>
+                      <a:srgbClr val="DEEBF7">
+                        <a:alpha val="20000"/>
+                      </a:srgbClr>
                     </a:solidFill>
                   </a:tcPr>
                 </a:tc>

--- a/assets/figures.pptx
+++ b/assets/figures.pptx
@@ -123,7 +123,7 @@
 <file path=ppt/revisionInfo.xml><?xml version="1.0" encoding="utf-8"?>
 <p1510:revInfo xmlns:a="http://schemas.openxmlformats.org/drawingml/2006/main" xmlns:r="http://schemas.openxmlformats.org/officeDocument/2006/relationships" xmlns:p1510="http://schemas.microsoft.com/office/powerpoint/2015/10/main">
   <p1510:revLst>
-    <p1510:client id="{0190945F-89A7-4B46-967C-3ACE53AB7830}" v="129" dt="2024-01-08T04:08:51.373"/>
+    <p1510:client id="{0190945F-89A7-4B46-967C-3ACE53AB7830}" v="137" dt="2024-01-08T04:36:23.992"/>
   </p1510:revLst>
 </p1510:revInfo>
 </file>
@@ -133,12 +133,12 @@
   <pc:docChgLst>
     <pc:chgData name="ZHANG Xiangyu" userId="0af619d5-14b7-43d3-95bc-94ad39c803d6" providerId="ADAL" clId="{0190945F-89A7-4B46-967C-3ACE53AB7830}"/>
     <pc:docChg chg="undo redo custSel addSld modSld">
-      <pc:chgData name="ZHANG Xiangyu" userId="0af619d5-14b7-43d3-95bc-94ad39c803d6" providerId="ADAL" clId="{0190945F-89A7-4B46-967C-3ACE53AB7830}" dt="2024-01-08T04:09:31.356" v="707" actId="207"/>
+      <pc:chgData name="ZHANG Xiangyu" userId="0af619d5-14b7-43d3-95bc-94ad39c803d6" providerId="ADAL" clId="{0190945F-89A7-4B46-967C-3ACE53AB7830}" dt="2024-01-08T04:36:26.844" v="741" actId="1076"/>
       <pc:docMkLst>
         <pc:docMk/>
       </pc:docMkLst>
       <pc:sldChg chg="addSp delSp modSp new mod">
-        <pc:chgData name="ZHANG Xiangyu" userId="0af619d5-14b7-43d3-95bc-94ad39c803d6" providerId="ADAL" clId="{0190945F-89A7-4B46-967C-3ACE53AB7830}" dt="2024-01-08T04:09:31.356" v="707" actId="207"/>
+        <pc:chgData name="ZHANG Xiangyu" userId="0af619d5-14b7-43d3-95bc-94ad39c803d6" providerId="ADAL" clId="{0190945F-89A7-4B46-967C-3ACE53AB7830}" dt="2024-01-08T04:36:26.844" v="741" actId="1076"/>
         <pc:sldMkLst>
           <pc:docMk/>
           <pc:sldMk cId="3049935216" sldId="256"/>
@@ -152,7 +152,7 @@
           </ac:spMkLst>
         </pc:spChg>
         <pc:spChg chg="add mod">
-          <ac:chgData name="ZHANG Xiangyu" userId="0af619d5-14b7-43d3-95bc-94ad39c803d6" providerId="ADAL" clId="{0190945F-89A7-4B46-967C-3ACE53AB7830}" dt="2024-01-02T11:35:26.181" v="175" actId="207"/>
+          <ac:chgData name="ZHANG Xiangyu" userId="0af619d5-14b7-43d3-95bc-94ad39c803d6" providerId="ADAL" clId="{0190945F-89A7-4B46-967C-3ACE53AB7830}" dt="2024-01-08T04:34:44.333" v="721" actId="1076"/>
           <ac:spMkLst>
             <pc:docMk/>
             <pc:sldMk cId="3049935216" sldId="256"/>
@@ -168,7 +168,7 @@
           </ac:spMkLst>
         </pc:spChg>
         <pc:spChg chg="add mod">
-          <ac:chgData name="ZHANG Xiangyu" userId="0af619d5-14b7-43d3-95bc-94ad39c803d6" providerId="ADAL" clId="{0190945F-89A7-4B46-967C-3ACE53AB7830}" dt="2024-01-02T07:40:54.999" v="151" actId="2711"/>
+          <ac:chgData name="ZHANG Xiangyu" userId="0af619d5-14b7-43d3-95bc-94ad39c803d6" providerId="ADAL" clId="{0190945F-89A7-4B46-967C-3ACE53AB7830}" dt="2024-01-08T04:34:44.333" v="721" actId="1076"/>
           <ac:spMkLst>
             <pc:docMk/>
             <pc:sldMk cId="3049935216" sldId="256"/>
@@ -176,7 +176,7 @@
           </ac:spMkLst>
         </pc:spChg>
         <pc:spChg chg="add mod">
-          <ac:chgData name="ZHANG Xiangyu" userId="0af619d5-14b7-43d3-95bc-94ad39c803d6" providerId="ADAL" clId="{0190945F-89A7-4B46-967C-3ACE53AB7830}" dt="2024-01-06T11:00:49.200" v="654" actId="1076"/>
+          <ac:chgData name="ZHANG Xiangyu" userId="0af619d5-14b7-43d3-95bc-94ad39c803d6" providerId="ADAL" clId="{0190945F-89A7-4B46-967C-3ACE53AB7830}" dt="2024-01-08T04:34:44.333" v="721" actId="1076"/>
           <ac:spMkLst>
             <pc:docMk/>
             <pc:sldMk cId="3049935216" sldId="256"/>
@@ -184,7 +184,7 @@
           </ac:spMkLst>
         </pc:spChg>
         <pc:spChg chg="add mod">
-          <ac:chgData name="ZHANG Xiangyu" userId="0af619d5-14b7-43d3-95bc-94ad39c803d6" providerId="ADAL" clId="{0190945F-89A7-4B46-967C-3ACE53AB7830}" dt="2024-01-05T08:25:04.194" v="568" actId="14100"/>
+          <ac:chgData name="ZHANG Xiangyu" userId="0af619d5-14b7-43d3-95bc-94ad39c803d6" providerId="ADAL" clId="{0190945F-89A7-4B46-967C-3ACE53AB7830}" dt="2024-01-08T04:34:44.333" v="721" actId="1076"/>
           <ac:spMkLst>
             <pc:docMk/>
             <pc:sldMk cId="3049935216" sldId="256"/>
@@ -192,7 +192,7 @@
           </ac:spMkLst>
         </pc:spChg>
         <pc:spChg chg="add mod">
-          <ac:chgData name="ZHANG Xiangyu" userId="0af619d5-14b7-43d3-95bc-94ad39c803d6" providerId="ADAL" clId="{0190945F-89A7-4B46-967C-3ACE53AB7830}" dt="2024-01-05T08:24:17.677" v="566" actId="14100"/>
+          <ac:chgData name="ZHANG Xiangyu" userId="0af619d5-14b7-43d3-95bc-94ad39c803d6" providerId="ADAL" clId="{0190945F-89A7-4B46-967C-3ACE53AB7830}" dt="2024-01-08T04:34:44.333" v="721" actId="1076"/>
           <ac:spMkLst>
             <pc:docMk/>
             <pc:sldMk cId="3049935216" sldId="256"/>
@@ -224,7 +224,7 @@
           </ac:spMkLst>
         </pc:spChg>
         <pc:graphicFrameChg chg="add mod modGraphic">
-          <ac:chgData name="ZHANG Xiangyu" userId="0af619d5-14b7-43d3-95bc-94ad39c803d6" providerId="ADAL" clId="{0190945F-89A7-4B46-967C-3ACE53AB7830}" dt="2024-01-08T04:09:31.356" v="707" actId="207"/>
+          <ac:chgData name="ZHANG Xiangyu" userId="0af619d5-14b7-43d3-95bc-94ad39c803d6" providerId="ADAL" clId="{0190945F-89A7-4B46-967C-3ACE53AB7830}" dt="2024-01-08T04:36:18.766" v="738" actId="555"/>
           <ac:graphicFrameMkLst>
             <pc:docMk/>
             <pc:sldMk cId="3049935216" sldId="256"/>
@@ -240,7 +240,7 @@
           </ac:picMkLst>
         </pc:picChg>
         <pc:picChg chg="add mod">
-          <ac:chgData name="ZHANG Xiangyu" userId="0af619d5-14b7-43d3-95bc-94ad39c803d6" providerId="ADAL" clId="{0190945F-89A7-4B46-967C-3ACE53AB7830}" dt="2024-01-02T11:17:28.938" v="162" actId="1076"/>
+          <ac:chgData name="ZHANG Xiangyu" userId="0af619d5-14b7-43d3-95bc-94ad39c803d6" providerId="ADAL" clId="{0190945F-89A7-4B46-967C-3ACE53AB7830}" dt="2024-01-08T04:34:44.333" v="721" actId="1076"/>
           <ac:picMkLst>
             <pc:docMk/>
             <pc:sldMk cId="3049935216" sldId="256"/>
@@ -248,7 +248,7 @@
           </ac:picMkLst>
         </pc:picChg>
         <pc:picChg chg="add mod">
-          <ac:chgData name="ZHANG Xiangyu" userId="0af619d5-14b7-43d3-95bc-94ad39c803d6" providerId="ADAL" clId="{0190945F-89A7-4B46-967C-3ACE53AB7830}" dt="2024-01-02T12:48:29.207" v="304" actId="1076"/>
+          <ac:chgData name="ZHANG Xiangyu" userId="0af619d5-14b7-43d3-95bc-94ad39c803d6" providerId="ADAL" clId="{0190945F-89A7-4B46-967C-3ACE53AB7830}" dt="2024-01-08T04:34:44.333" v="721" actId="1076"/>
           <ac:picMkLst>
             <pc:docMk/>
             <pc:sldMk cId="3049935216" sldId="256"/>
@@ -256,7 +256,7 @@
           </ac:picMkLst>
         </pc:picChg>
         <pc:picChg chg="add mod">
-          <ac:chgData name="ZHANG Xiangyu" userId="0af619d5-14b7-43d3-95bc-94ad39c803d6" providerId="ADAL" clId="{0190945F-89A7-4B46-967C-3ACE53AB7830}" dt="2024-01-02T11:28:01.837" v="172" actId="1076"/>
+          <ac:chgData name="ZHANG Xiangyu" userId="0af619d5-14b7-43d3-95bc-94ad39c803d6" providerId="ADAL" clId="{0190945F-89A7-4B46-967C-3ACE53AB7830}" dt="2024-01-08T04:34:44.333" v="721" actId="1076"/>
           <ac:picMkLst>
             <pc:docMk/>
             <pc:sldMk cId="3049935216" sldId="256"/>
@@ -264,7 +264,7 @@
           </ac:picMkLst>
         </pc:picChg>
         <pc:picChg chg="add mod">
-          <ac:chgData name="ZHANG Xiangyu" userId="0af619d5-14b7-43d3-95bc-94ad39c803d6" providerId="ADAL" clId="{0190945F-89A7-4B46-967C-3ACE53AB7830}" dt="2024-01-06T10:54:03.938" v="645" actId="1076"/>
+          <ac:chgData name="ZHANG Xiangyu" userId="0af619d5-14b7-43d3-95bc-94ad39c803d6" providerId="ADAL" clId="{0190945F-89A7-4B46-967C-3ACE53AB7830}" dt="2024-01-08T04:34:44.333" v="721" actId="1076"/>
           <ac:picMkLst>
             <pc:docMk/>
             <pc:sldMk cId="3049935216" sldId="256"/>
@@ -287,6 +287,14 @@
             <ac:picMk id="13" creationId="{540D6A95-9656-2198-24A9-49D84148F319}"/>
           </ac:picMkLst>
         </pc:picChg>
+        <pc:picChg chg="add mod">
+          <ac:chgData name="ZHANG Xiangyu" userId="0af619d5-14b7-43d3-95bc-94ad39c803d6" providerId="ADAL" clId="{0190945F-89A7-4B46-967C-3ACE53AB7830}" dt="2024-01-08T04:33:52.358" v="720" actId="1076"/>
+          <ac:picMkLst>
+            <pc:docMk/>
+            <pc:sldMk cId="3049935216" sldId="256"/>
+            <ac:picMk id="13" creationId="{5BBE5763-E66D-99EA-5BC4-BDA4EF3A2AA3}"/>
+          </ac:picMkLst>
+        </pc:picChg>
         <pc:picChg chg="add del mod">
           <ac:chgData name="ZHANG Xiangyu" userId="0af619d5-14b7-43d3-95bc-94ad39c803d6" providerId="ADAL" clId="{0190945F-89A7-4B46-967C-3ACE53AB7830}" dt="2024-01-06T10:34:49.402" v="610"/>
           <ac:picMkLst>
@@ -295,12 +303,28 @@
             <ac:picMk id="13" creationId="{ADC903BC-4D95-E4BE-750F-D7F4DD477FB6}"/>
           </ac:picMkLst>
         </pc:picChg>
+        <pc:picChg chg="add mod ord">
+          <ac:chgData name="ZHANG Xiangyu" userId="0af619d5-14b7-43d3-95bc-94ad39c803d6" providerId="ADAL" clId="{0190945F-89A7-4B46-967C-3ACE53AB7830}" dt="2024-01-08T04:36:18.766" v="738" actId="555"/>
+          <ac:picMkLst>
+            <pc:docMk/>
+            <pc:sldMk cId="3049935216" sldId="256"/>
+            <ac:picMk id="14" creationId="{CE44F6A1-F581-1A0B-D982-BCFC538674C8}"/>
+          </ac:picMkLst>
+        </pc:picChg>
         <pc:picChg chg="add del mod">
           <ac:chgData name="ZHANG Xiangyu" userId="0af619d5-14b7-43d3-95bc-94ad39c803d6" providerId="ADAL" clId="{0190945F-89A7-4B46-967C-3ACE53AB7830}" dt="2024-01-06T10:52:31.038" v="635" actId="478"/>
           <ac:picMkLst>
             <pc:docMk/>
             <pc:sldMk cId="3049935216" sldId="256"/>
             <ac:picMk id="15" creationId="{35E293D7-96AB-30AE-63F4-98F1B41A0BC5}"/>
+          </ac:picMkLst>
+        </pc:picChg>
+        <pc:picChg chg="add mod">
+          <ac:chgData name="ZHANG Xiangyu" userId="0af619d5-14b7-43d3-95bc-94ad39c803d6" providerId="ADAL" clId="{0190945F-89A7-4B46-967C-3ACE53AB7830}" dt="2024-01-08T04:36:26.844" v="741" actId="1076"/>
+          <ac:picMkLst>
+            <pc:docMk/>
+            <pc:sldMk cId="3049935216" sldId="256"/>
+            <ac:picMk id="15" creationId="{3816E1C0-DD25-6D20-49AB-F24DDF4C3879}"/>
           </ac:picMkLst>
         </pc:picChg>
         <pc:picChg chg="add del mod">
@@ -629,7 +653,7 @@
         </pc:picChg>
       </pc:sldChg>
       <pc:sldChg chg="addSp delSp modSp new mod">
-        <pc:chgData name="ZHANG Xiangyu" userId="0af619d5-14b7-43d3-95bc-94ad39c803d6" providerId="ADAL" clId="{0190945F-89A7-4B46-967C-3ACE53AB7830}" dt="2024-01-08T02:04:34.417" v="687" actId="478"/>
+        <pc:chgData name="ZHANG Xiangyu" userId="0af619d5-14b7-43d3-95bc-94ad39c803d6" providerId="ADAL" clId="{0190945F-89A7-4B46-967C-3ACE53AB7830}" dt="2024-01-08T04:29:05.288" v="715" actId="1076"/>
         <pc:sldMkLst>
           <pc:docMk/>
           <pc:sldMk cId="401007361" sldId="261"/>
@@ -658,6 +682,30 @@
             <ac:spMk id="5" creationId="{751899B1-B4B6-479B-E358-8B45FFE22212}"/>
           </ac:spMkLst>
         </pc:spChg>
+        <pc:picChg chg="add mod">
+          <ac:chgData name="ZHANG Xiangyu" userId="0af619d5-14b7-43d3-95bc-94ad39c803d6" providerId="ADAL" clId="{0190945F-89A7-4B46-967C-3ACE53AB7830}" dt="2024-01-08T04:27:20.743" v="709" actId="1076"/>
+          <ac:picMkLst>
+            <pc:docMk/>
+            <pc:sldMk cId="401007361" sldId="261"/>
+            <ac:picMk id="2" creationId="{60E8CE4D-12D5-11A8-9416-B34A1F19D02E}"/>
+          </ac:picMkLst>
+        </pc:picChg>
+        <pc:picChg chg="add mod">
+          <ac:chgData name="ZHANG Xiangyu" userId="0af619d5-14b7-43d3-95bc-94ad39c803d6" providerId="ADAL" clId="{0190945F-89A7-4B46-967C-3ACE53AB7830}" dt="2024-01-08T04:29:05.288" v="715" actId="1076"/>
+          <ac:picMkLst>
+            <pc:docMk/>
+            <pc:sldMk cId="401007361" sldId="261"/>
+            <ac:picMk id="3" creationId="{BCA397E5-0A88-E36C-86DF-1E6DC1AB58B6}"/>
+          </ac:picMkLst>
+        </pc:picChg>
+        <pc:picChg chg="add mod">
+          <ac:chgData name="ZHANG Xiangyu" userId="0af619d5-14b7-43d3-95bc-94ad39c803d6" providerId="ADAL" clId="{0190945F-89A7-4B46-967C-3ACE53AB7830}" dt="2024-01-08T04:29:03.871" v="714" actId="1076"/>
+          <ac:picMkLst>
+            <pc:docMk/>
+            <pc:sldMk cId="401007361" sldId="261"/>
+            <ac:picMk id="4" creationId="{65F5B701-0927-EDBD-84D0-5990F8B8759E}"/>
+          </ac:picMkLst>
+        </pc:picChg>
         <pc:picChg chg="add del mod">
           <ac:chgData name="ZHANG Xiangyu" userId="0af619d5-14b7-43d3-95bc-94ad39c803d6" providerId="ADAL" clId="{0190945F-89A7-4B46-967C-3ACE53AB7830}" dt="2024-01-08T02:04:31.202" v="685" actId="478"/>
           <ac:picMkLst>
@@ -4693,6 +4741,36 @@
           <a:chExt cx="0" cy="0"/>
         </a:xfrm>
       </p:grpSpPr>
+      <p:pic>
+        <p:nvPicPr>
+          <p:cNvPr id="14" name="图片 13">
+            <a:extLst>
+              <a:ext uri="{FF2B5EF4-FFF2-40B4-BE49-F238E27FC236}">
+                <a16:creationId xmlns:a16="http://schemas.microsoft.com/office/drawing/2014/main" id="{CE44F6A1-F581-1A0B-D982-BCFC538674C8}"/>
+              </a:ext>
+            </a:extLst>
+          </p:cNvPr>
+          <p:cNvPicPr>
+            <a:picLocks/>
+          </p:cNvPicPr>
+          <p:nvPr/>
+        </p:nvPicPr>
+        <p:blipFill>
+          <a:blip r:embed="rId3"/>
+          <a:stretch>
+            <a:fillRect/>
+          </a:stretch>
+        </p:blipFill>
+        <p:spPr>
+          <a:xfrm>
+            <a:off x="695402" y="740815"/>
+            <a:ext cx="11084400" cy="2710800"/>
+          </a:xfrm>
+          <a:prstGeom prst="rect">
+            <a:avLst/>
+          </a:prstGeom>
+        </p:spPr>
+      </p:pic>
       <p:graphicFrame>
         <p:nvGraphicFramePr>
           <p:cNvPr id="4" name="表格 3">
@@ -4708,7 +4786,7 @@
           <p:nvPr>
             <p:extLst>
               <p:ext uri="{D42A27DB-BD31-4B8C-83A1-F6EECF244321}">
-                <p14:modId xmlns:p14="http://schemas.microsoft.com/office/powerpoint/2010/main" val="1388146552"/>
+                <p14:modId xmlns:p14="http://schemas.microsoft.com/office/powerpoint/2010/main" val="13676221"/>
               </p:ext>
             </p:extLst>
           </p:nvPr>
@@ -4745,7 +4823,7 @@
                     <a:p>
                       <a:pPr marL="0" algn="ctr" defTabSz="914400" rtl="0" eaLnBrk="1" latinLnBrk="0" hangingPunct="1"/>
                       <a:r>
-                        <a:rPr lang="en-US" altLang="zh-CN" sz="1800" b="0" i="0" kern="1200" dirty="0">
+                        <a:rPr lang="en-US" altLang="zh-CN" sz="1800" b="1" i="0" kern="1200" dirty="0">
                           <a:solidFill>
                             <a:srgbClr val="006DBE"/>
                           </a:solidFill>
@@ -4756,7 +4834,7 @@
                         </a:rPr>
                         <a:t>Registration Type</a:t>
                       </a:r>
-                      <a:endParaRPr lang="en-US" sz="1800" b="0" i="0" kern="1200" dirty="0">
+                      <a:endParaRPr lang="en-US" sz="1800" b="1" i="0" kern="1200" dirty="0">
                         <a:solidFill>
                           <a:srgbClr val="006DBE"/>
                         </a:solidFill>
@@ -4814,7 +4892,7 @@
                     <a:p>
                       <a:pPr marL="0" algn="ctr" defTabSz="914400" rtl="0" eaLnBrk="1" latinLnBrk="0" hangingPunct="1"/>
                       <a:r>
-                        <a:rPr lang="en-US" sz="1800" b="0" i="0" kern="1200" dirty="0">
+                        <a:rPr lang="en-US" sz="1800" b="1" i="0" kern="1200" dirty="0">
                           <a:solidFill>
                             <a:srgbClr val="006DBE"/>
                           </a:solidFill>
@@ -5365,7 +5443,7 @@
         </p:nvSpPr>
         <p:spPr>
           <a:xfrm>
-            <a:off x="2635250" y="4286250"/>
+            <a:off x="10686431" y="8800498"/>
             <a:ext cx="2038350" cy="914400"/>
           </a:xfrm>
           <a:prstGeom prst="roundRect">
@@ -5442,7 +5520,7 @@
         </p:nvSpPr>
         <p:spPr>
           <a:xfrm>
-            <a:off x="6418949" y="4740619"/>
+            <a:off x="14470130" y="9254867"/>
             <a:ext cx="2344637" cy="914400"/>
           </a:xfrm>
           <a:prstGeom prst="roundRect">
@@ -5522,7 +5600,7 @@
         </p:nvSpPr>
         <p:spPr>
           <a:xfrm>
-            <a:off x="1026663" y="5746233"/>
+            <a:off x="9077844" y="10260481"/>
             <a:ext cx="6096000" cy="369332"/>
           </a:xfrm>
           <a:prstGeom prst="rect">
@@ -5589,14 +5667,14 @@
           <p:nvPr/>
         </p:nvPicPr>
         <p:blipFill>
-          <a:blip r:embed="rId3"/>
+          <a:blip r:embed="rId4"/>
           <a:stretch>
             <a:fillRect/>
           </a:stretch>
         </p:blipFill>
         <p:spPr>
           <a:xfrm>
-            <a:off x="5224224" y="5711813"/>
+            <a:off x="13275405" y="10226061"/>
             <a:ext cx="1200212" cy="438173"/>
           </a:xfrm>
           <a:prstGeom prst="rect">
@@ -5610,36 +5688,6 @@
             <a:extLst>
               <a:ext uri="{FF2B5EF4-FFF2-40B4-BE49-F238E27FC236}">
                 <a16:creationId xmlns:a16="http://schemas.microsoft.com/office/drawing/2014/main" id="{164AA4B6-CAA9-FC08-A928-E4D4FC66DDC5}"/>
-              </a:ext>
-            </a:extLst>
-          </p:cNvPr>
-          <p:cNvPicPr>
-            <a:picLocks noChangeAspect="1"/>
-          </p:cNvPicPr>
-          <p:nvPr/>
-        </p:nvPicPr>
-        <p:blipFill>
-          <a:blip r:embed="rId4"/>
-          <a:stretch>
-            <a:fillRect/>
-          </a:stretch>
-        </p:blipFill>
-        <p:spPr>
-          <a:xfrm>
-            <a:off x="9040400" y="4655739"/>
-            <a:ext cx="2635385" cy="3391074"/>
-          </a:xfrm>
-          <a:prstGeom prst="rect">
-            <a:avLst/>
-          </a:prstGeom>
-        </p:spPr>
-      </p:pic>
-      <p:pic>
-        <p:nvPicPr>
-          <p:cNvPr id="9" name="图片 8">
-            <a:extLst>
-              <a:ext uri="{FF2B5EF4-FFF2-40B4-BE49-F238E27FC236}">
-                <a16:creationId xmlns:a16="http://schemas.microsoft.com/office/drawing/2014/main" id="{AA1F90E1-170A-BA94-FFE6-2FD9E20EFF97}"/>
               </a:ext>
             </a:extLst>
           </p:cNvPr>
@@ -5656,7 +5704,37 @@
         </p:blipFill>
         <p:spPr>
           <a:xfrm>
-            <a:off x="4878774" y="4544465"/>
+            <a:off x="17091581" y="9169987"/>
+            <a:ext cx="2635385" cy="3391074"/>
+          </a:xfrm>
+          <a:prstGeom prst="rect">
+            <a:avLst/>
+          </a:prstGeom>
+        </p:spPr>
+      </p:pic>
+      <p:pic>
+        <p:nvPicPr>
+          <p:cNvPr id="9" name="图片 8">
+            <a:extLst>
+              <a:ext uri="{FF2B5EF4-FFF2-40B4-BE49-F238E27FC236}">
+                <a16:creationId xmlns:a16="http://schemas.microsoft.com/office/drawing/2014/main" id="{AA1F90E1-170A-BA94-FFE6-2FD9E20EFF97}"/>
+              </a:ext>
+            </a:extLst>
+          </p:cNvPr>
+          <p:cNvPicPr>
+            <a:picLocks noChangeAspect="1"/>
+          </p:cNvPicPr>
+          <p:nvPr/>
+        </p:nvPicPr>
+        <p:blipFill>
+          <a:blip r:embed="rId6"/>
+          <a:stretch>
+            <a:fillRect/>
+          </a:stretch>
+        </p:blipFill>
+        <p:spPr>
+          <a:xfrm>
+            <a:off x="12929955" y="9058713"/>
             <a:ext cx="977950" cy="698536"/>
           </a:xfrm>
           <a:prstGeom prst="rect">
@@ -5678,7 +5756,7 @@
         </p:nvSpPr>
         <p:spPr>
           <a:xfrm>
-            <a:off x="6424436" y="3767974"/>
+            <a:off x="14475617" y="8282222"/>
             <a:ext cx="1796020" cy="369332"/>
           </a:xfrm>
           <a:prstGeom prst="rect">
@@ -5721,7 +5799,7 @@
           <p:nvPr/>
         </p:nvPicPr>
         <p:blipFill>
-          <a:blip r:embed="rId6"/>
+          <a:blip r:embed="rId7"/>
           <a:stretch>
             <a:fillRect/>
           </a:stretch>
@@ -5750,7 +5828,7 @@
         </p:nvSpPr>
         <p:spPr>
           <a:xfrm>
-            <a:off x="-95435" y="3795222"/>
+            <a:off x="7955746" y="8309470"/>
             <a:ext cx="3824056" cy="369332"/>
           </a:xfrm>
           <a:prstGeom prst="rect">
@@ -5813,15 +5891,75 @@
           <p:nvPr/>
         </p:nvPicPr>
         <p:blipFill>
-          <a:blip r:embed="rId7"/>
+          <a:blip r:embed="rId8"/>
           <a:stretch>
             <a:fillRect/>
           </a:stretch>
         </p:blipFill>
         <p:spPr>
           <a:xfrm>
-            <a:off x="4878774" y="4194344"/>
+            <a:off x="12929955" y="8708592"/>
             <a:ext cx="1841595" cy="387370"/>
+          </a:xfrm>
+          <a:prstGeom prst="rect">
+            <a:avLst/>
+          </a:prstGeom>
+        </p:spPr>
+      </p:pic>
+      <p:pic>
+        <p:nvPicPr>
+          <p:cNvPr id="13" name="图片 12">
+            <a:extLst>
+              <a:ext uri="{FF2B5EF4-FFF2-40B4-BE49-F238E27FC236}">
+                <a16:creationId xmlns:a16="http://schemas.microsoft.com/office/drawing/2014/main" id="{5BBE5763-E66D-99EA-5BC4-BDA4EF3A2AA3}"/>
+              </a:ext>
+            </a:extLst>
+          </p:cNvPr>
+          <p:cNvPicPr>
+            <a:picLocks noChangeAspect="1"/>
+          </p:cNvPicPr>
+          <p:nvPr/>
+        </p:nvPicPr>
+        <p:blipFill>
+          <a:blip r:embed="rId9"/>
+          <a:stretch>
+            <a:fillRect/>
+          </a:stretch>
+        </p:blipFill>
+        <p:spPr>
+          <a:xfrm>
+            <a:off x="-3510511" y="7236698"/>
+            <a:ext cx="11101778" cy="2725148"/>
+          </a:xfrm>
+          <a:prstGeom prst="rect">
+            <a:avLst/>
+          </a:prstGeom>
+        </p:spPr>
+      </p:pic>
+      <p:pic>
+        <p:nvPicPr>
+          <p:cNvPr id="15" name="图片 14">
+            <a:extLst>
+              <a:ext uri="{FF2B5EF4-FFF2-40B4-BE49-F238E27FC236}">
+                <a16:creationId xmlns:a16="http://schemas.microsoft.com/office/drawing/2014/main" id="{3816E1C0-DD25-6D20-49AB-F24DDF4C3879}"/>
+              </a:ext>
+            </a:extLst>
+          </p:cNvPr>
+          <p:cNvPicPr>
+            <a:picLocks noChangeAspect="1"/>
+          </p:cNvPicPr>
+          <p:nvPr/>
+        </p:nvPicPr>
+        <p:blipFill>
+          <a:blip r:embed="rId10"/>
+          <a:stretch>
+            <a:fillRect/>
+          </a:stretch>
+        </p:blipFill>
+        <p:spPr>
+          <a:xfrm>
+            <a:off x="686713" y="3919559"/>
+            <a:ext cx="11101778" cy="2725148"/>
           </a:xfrm>
           <a:prstGeom prst="rect">
             <a:avLst/>
@@ -6789,6 +6927,96 @@
           <a:chExt cx="0" cy="0"/>
         </a:xfrm>
       </p:grpSpPr>
+      <p:pic>
+        <p:nvPicPr>
+          <p:cNvPr id="2" name="图片 1">
+            <a:extLst>
+              <a:ext uri="{FF2B5EF4-FFF2-40B4-BE49-F238E27FC236}">
+                <a16:creationId xmlns:a16="http://schemas.microsoft.com/office/drawing/2014/main" id="{60E8CE4D-12D5-11A8-9416-B34A1F19D02E}"/>
+              </a:ext>
+            </a:extLst>
+          </p:cNvPr>
+          <p:cNvPicPr>
+            <a:picLocks noChangeAspect="1"/>
+          </p:cNvPicPr>
+          <p:nvPr/>
+        </p:nvPicPr>
+        <p:blipFill>
+          <a:blip r:embed="rId2"/>
+          <a:stretch>
+            <a:fillRect/>
+          </a:stretch>
+        </p:blipFill>
+        <p:spPr>
+          <a:xfrm>
+            <a:off x="2327081" y="517477"/>
+            <a:ext cx="7537837" cy="1860646"/>
+          </a:xfrm>
+          <a:prstGeom prst="rect">
+            <a:avLst/>
+          </a:prstGeom>
+        </p:spPr>
+      </p:pic>
+      <p:pic>
+        <p:nvPicPr>
+          <p:cNvPr id="3" name="图片 2">
+            <a:extLst>
+              <a:ext uri="{FF2B5EF4-FFF2-40B4-BE49-F238E27FC236}">
+                <a16:creationId xmlns:a16="http://schemas.microsoft.com/office/drawing/2014/main" id="{BCA397E5-0A88-E36C-86DF-1E6DC1AB58B6}"/>
+              </a:ext>
+            </a:extLst>
+          </p:cNvPr>
+          <p:cNvPicPr>
+            <a:picLocks noChangeAspect="1"/>
+          </p:cNvPicPr>
+          <p:nvPr/>
+        </p:nvPicPr>
+        <p:blipFill>
+          <a:blip r:embed="rId2"/>
+          <a:stretch>
+            <a:fillRect/>
+          </a:stretch>
+        </p:blipFill>
+        <p:spPr>
+          <a:xfrm>
+            <a:off x="2327081" y="3108277"/>
+            <a:ext cx="7537837" cy="1860646"/>
+          </a:xfrm>
+          <a:prstGeom prst="rect">
+            <a:avLst/>
+          </a:prstGeom>
+        </p:spPr>
+      </p:pic>
+      <p:pic>
+        <p:nvPicPr>
+          <p:cNvPr id="4" name="图片 3">
+            <a:extLst>
+              <a:ext uri="{FF2B5EF4-FFF2-40B4-BE49-F238E27FC236}">
+                <a16:creationId xmlns:a16="http://schemas.microsoft.com/office/drawing/2014/main" id="{65F5B701-0927-EDBD-84D0-5990F8B8759E}"/>
+              </a:ext>
+            </a:extLst>
+          </p:cNvPr>
+          <p:cNvPicPr>
+            <a:picLocks noChangeAspect="1"/>
+          </p:cNvPicPr>
+          <p:nvPr/>
+        </p:nvPicPr>
+        <p:blipFill>
+          <a:blip r:embed="rId3"/>
+          <a:stretch>
+            <a:fillRect/>
+          </a:stretch>
+        </p:blipFill>
+        <p:spPr>
+          <a:xfrm>
+            <a:off x="5075468" y="3429000"/>
+            <a:ext cx="1856285" cy="1364449"/>
+          </a:xfrm>
+          <a:prstGeom prst="rect">
+            <a:avLst/>
+          </a:prstGeom>
+        </p:spPr>
+      </p:pic>
     </p:spTree>
     <p:extLst>
       <p:ext uri="{BB962C8B-B14F-4D97-AF65-F5344CB8AC3E}">

--- a/assets/figures.pptx
+++ b/assets/figures.pptx
@@ -5,7 +5,7 @@
     <p:sldMasterId id="2147483648" r:id="rId1"/>
   </p:sldMasterIdLst>
   <p:notesMasterIdLst>
-    <p:notesMasterId r:id="rId8"/>
+    <p:notesMasterId r:id="rId9"/>
   </p:notesMasterIdLst>
   <p:sldIdLst>
     <p:sldId id="260" r:id="rId2"/>
@@ -14,6 +14,7 @@
     <p:sldId id="257" r:id="rId5"/>
     <p:sldId id="258" r:id="rId6"/>
     <p:sldId id="261" r:id="rId7"/>
+    <p:sldId id="262" r:id="rId8"/>
   </p:sldIdLst>
   <p:sldSz cx="12192000" cy="6858000"/>
   <p:notesSz cx="6858000" cy="9144000"/>
@@ -123,7 +124,7 @@
 <file path=ppt/revisionInfo.xml><?xml version="1.0" encoding="utf-8"?>
 <p1510:revInfo xmlns:a="http://schemas.openxmlformats.org/drawingml/2006/main" xmlns:r="http://schemas.openxmlformats.org/officeDocument/2006/relationships" xmlns:p1510="http://schemas.microsoft.com/office/powerpoint/2015/10/main">
   <p1510:revLst>
-    <p1510:client id="{0190945F-89A7-4B46-967C-3ACE53AB7830}" v="137" dt="2024-01-08T04:36:23.992"/>
+    <p1510:client id="{0190945F-89A7-4B46-967C-3ACE53AB7830}" v="147" dt="2024-01-08T04:56:38.857"/>
   </p1510:revLst>
 </p1510:revInfo>
 </file>
@@ -133,7 +134,7 @@
   <pc:docChgLst>
     <pc:chgData name="ZHANG Xiangyu" userId="0af619d5-14b7-43d3-95bc-94ad39c803d6" providerId="ADAL" clId="{0190945F-89A7-4B46-967C-3ACE53AB7830}"/>
     <pc:docChg chg="undo redo custSel addSld modSld">
-      <pc:chgData name="ZHANG Xiangyu" userId="0af619d5-14b7-43d3-95bc-94ad39c803d6" providerId="ADAL" clId="{0190945F-89A7-4B46-967C-3ACE53AB7830}" dt="2024-01-08T04:36:26.844" v="741" actId="1076"/>
+      <pc:chgData name="ZHANG Xiangyu" userId="0af619d5-14b7-43d3-95bc-94ad39c803d6" providerId="ADAL" clId="{0190945F-89A7-4B46-967C-3ACE53AB7830}" dt="2024-01-08T04:56:47.206" v="773" actId="1076"/>
       <pc:docMkLst>
         <pc:docMk/>
       </pc:docMkLst>
@@ -720,6 +721,141 @@
             <pc:docMk/>
             <pc:sldMk cId="401007361" sldId="261"/>
             <ac:picMk id="6" creationId="{6C39D1F3-649E-8A41-7B43-1F097C21D97D}"/>
+          </ac:picMkLst>
+        </pc:picChg>
+      </pc:sldChg>
+      <pc:sldChg chg="addSp delSp modSp new mod">
+        <pc:chgData name="ZHANG Xiangyu" userId="0af619d5-14b7-43d3-95bc-94ad39c803d6" providerId="ADAL" clId="{0190945F-89A7-4B46-967C-3ACE53AB7830}" dt="2024-01-08T04:56:47.206" v="773" actId="1076"/>
+        <pc:sldMkLst>
+          <pc:docMk/>
+          <pc:sldMk cId="2809007463" sldId="262"/>
+        </pc:sldMkLst>
+        <pc:spChg chg="del">
+          <ac:chgData name="ZHANG Xiangyu" userId="0af619d5-14b7-43d3-95bc-94ad39c803d6" providerId="ADAL" clId="{0190945F-89A7-4B46-967C-3ACE53AB7830}" dt="2024-01-08T04:54:47.568" v="743" actId="478"/>
+          <ac:spMkLst>
+            <pc:docMk/>
+            <pc:sldMk cId="2809007463" sldId="262"/>
+            <ac:spMk id="2" creationId="{F3CE67B7-E649-0387-208C-8981780503E0}"/>
+          </ac:spMkLst>
+        </pc:spChg>
+        <pc:spChg chg="del">
+          <ac:chgData name="ZHANG Xiangyu" userId="0af619d5-14b7-43d3-95bc-94ad39c803d6" providerId="ADAL" clId="{0190945F-89A7-4B46-967C-3ACE53AB7830}" dt="2024-01-08T04:54:47.568" v="743" actId="478"/>
+          <ac:spMkLst>
+            <pc:docMk/>
+            <pc:sldMk cId="2809007463" sldId="262"/>
+            <ac:spMk id="3" creationId="{BD95337D-8A56-B408-59C9-FAD870AB43A6}"/>
+          </ac:spMkLst>
+        </pc:spChg>
+        <pc:picChg chg="add mod">
+          <ac:chgData name="ZHANG Xiangyu" userId="0af619d5-14b7-43d3-95bc-94ad39c803d6" providerId="ADAL" clId="{0190945F-89A7-4B46-967C-3ACE53AB7830}" dt="2024-01-08T04:54:52.934" v="746" actId="14100"/>
+          <ac:picMkLst>
+            <pc:docMk/>
+            <pc:sldMk cId="2809007463" sldId="262"/>
+            <ac:picMk id="4" creationId="{8133EE48-992C-039F-D61A-CFC680595CE0}"/>
+          </ac:picMkLst>
+        </pc:picChg>
+        <pc:picChg chg="add del mod">
+          <ac:chgData name="ZHANG Xiangyu" userId="0af619d5-14b7-43d3-95bc-94ad39c803d6" providerId="ADAL" clId="{0190945F-89A7-4B46-967C-3ACE53AB7830}" dt="2024-01-08T04:56:18.185" v="765" actId="478"/>
+          <ac:picMkLst>
+            <pc:docMk/>
+            <pc:sldMk cId="2809007463" sldId="262"/>
+            <ac:picMk id="5" creationId="{4C262172-30BE-AEF4-F0CE-B6D7862CD6CB}"/>
+          </ac:picMkLst>
+        </pc:picChg>
+        <pc:picChg chg="add del mod modCrop">
+          <ac:chgData name="ZHANG Xiangyu" userId="0af619d5-14b7-43d3-95bc-94ad39c803d6" providerId="ADAL" clId="{0190945F-89A7-4B46-967C-3ACE53AB7830}" dt="2024-01-08T04:56:19.529" v="767" actId="478"/>
+          <ac:picMkLst>
+            <pc:docMk/>
+            <pc:sldMk cId="2809007463" sldId="262"/>
+            <ac:picMk id="6" creationId="{A3CBCD2E-80E4-BDD1-399E-794D68456B72}"/>
+          </ac:picMkLst>
+        </pc:picChg>
+        <pc:picChg chg="add del mod">
+          <ac:chgData name="ZHANG Xiangyu" userId="0af619d5-14b7-43d3-95bc-94ad39c803d6" providerId="ADAL" clId="{0190945F-89A7-4B46-967C-3ACE53AB7830}" dt="2024-01-08T04:55:34.379" v="755" actId="478"/>
+          <ac:picMkLst>
+            <pc:docMk/>
+            <pc:sldMk cId="2809007463" sldId="262"/>
+            <ac:picMk id="7" creationId="{A01AB087-8A0A-4031-F14A-7BE8F37A72EF}"/>
+          </ac:picMkLst>
+        </pc:picChg>
+        <pc:picChg chg="add mod modCrop">
+          <ac:chgData name="ZHANG Xiangyu" userId="0af619d5-14b7-43d3-95bc-94ad39c803d6" providerId="ADAL" clId="{0190945F-89A7-4B46-967C-3ACE53AB7830}" dt="2024-01-08T04:55:46.711" v="758" actId="732"/>
+          <ac:picMkLst>
+            <pc:docMk/>
+            <pc:sldMk cId="2809007463" sldId="262"/>
+            <ac:picMk id="8" creationId="{70DCC77C-F325-7BF6-1C32-DC36C2BDF99F}"/>
+          </ac:picMkLst>
+        </pc:picChg>
+        <pc:picChg chg="add mod modCrop">
+          <ac:chgData name="ZHANG Xiangyu" userId="0af619d5-14b7-43d3-95bc-94ad39c803d6" providerId="ADAL" clId="{0190945F-89A7-4B46-967C-3ACE53AB7830}" dt="2024-01-08T04:56:00.819" v="761" actId="1076"/>
+          <ac:picMkLst>
+            <pc:docMk/>
+            <pc:sldMk cId="2809007463" sldId="262"/>
+            <ac:picMk id="9" creationId="{4401A8DA-BF9D-FAD6-C188-B67F6C3E8CE4}"/>
+          </ac:picMkLst>
+        </pc:picChg>
+        <pc:picChg chg="add del mod">
+          <ac:chgData name="ZHANG Xiangyu" userId="0af619d5-14b7-43d3-95bc-94ad39c803d6" providerId="ADAL" clId="{0190945F-89A7-4B46-967C-3ACE53AB7830}" dt="2024-01-08T04:56:18.930" v="766" actId="478"/>
+          <ac:picMkLst>
+            <pc:docMk/>
+            <pc:sldMk cId="2809007463" sldId="262"/>
+            <ac:picMk id="10" creationId="{AF2CD012-3488-DC04-6A6A-64C34017898B}"/>
+          </ac:picMkLst>
+        </pc:picChg>
+        <pc:picChg chg="add mod">
+          <ac:chgData name="ZHANG Xiangyu" userId="0af619d5-14b7-43d3-95bc-94ad39c803d6" providerId="ADAL" clId="{0190945F-89A7-4B46-967C-3ACE53AB7830}" dt="2024-01-08T04:56:14.398" v="763" actId="571"/>
+          <ac:picMkLst>
+            <pc:docMk/>
+            <pc:sldMk cId="2809007463" sldId="262"/>
+            <ac:picMk id="11" creationId="{6084358B-3761-0863-BE17-3FD34FFE3B0F}"/>
+          </ac:picMkLst>
+        </pc:picChg>
+        <pc:picChg chg="add mod">
+          <ac:chgData name="ZHANG Xiangyu" userId="0af619d5-14b7-43d3-95bc-94ad39c803d6" providerId="ADAL" clId="{0190945F-89A7-4B46-967C-3ACE53AB7830}" dt="2024-01-08T04:56:24.924" v="769" actId="1076"/>
+          <ac:picMkLst>
+            <pc:docMk/>
+            <pc:sldMk cId="2809007463" sldId="262"/>
+            <ac:picMk id="12" creationId="{C4995BEC-1688-1030-E9FC-22B364D5BF12}"/>
+          </ac:picMkLst>
+        </pc:picChg>
+        <pc:picChg chg="add mod">
+          <ac:chgData name="ZHANG Xiangyu" userId="0af619d5-14b7-43d3-95bc-94ad39c803d6" providerId="ADAL" clId="{0190945F-89A7-4B46-967C-3ACE53AB7830}" dt="2024-01-08T04:56:24.924" v="769" actId="1076"/>
+          <ac:picMkLst>
+            <pc:docMk/>
+            <pc:sldMk cId="2809007463" sldId="262"/>
+            <ac:picMk id="13" creationId="{DF6B4E85-0750-8A58-1A5D-BF54EE0DC555}"/>
+          </ac:picMkLst>
+        </pc:picChg>
+        <pc:picChg chg="add mod">
+          <ac:chgData name="ZHANG Xiangyu" userId="0af619d5-14b7-43d3-95bc-94ad39c803d6" providerId="ADAL" clId="{0190945F-89A7-4B46-967C-3ACE53AB7830}" dt="2024-01-08T04:56:30.269" v="770" actId="1076"/>
+          <ac:picMkLst>
+            <pc:docMk/>
+            <pc:sldMk cId="2809007463" sldId="262"/>
+            <ac:picMk id="14" creationId="{B0DAE54E-96FB-4936-E408-C8DE17DCEA5A}"/>
+          </ac:picMkLst>
+        </pc:picChg>
+        <pc:picChg chg="add mod">
+          <ac:chgData name="ZHANG Xiangyu" userId="0af619d5-14b7-43d3-95bc-94ad39c803d6" providerId="ADAL" clId="{0190945F-89A7-4B46-967C-3ACE53AB7830}" dt="2024-01-08T04:56:38.856" v="771" actId="571"/>
+          <ac:picMkLst>
+            <pc:docMk/>
+            <pc:sldMk cId="2809007463" sldId="262"/>
+            <ac:picMk id="15" creationId="{1AD3EF3C-2FDE-77B1-77A5-2D1F39AEA2B6}"/>
+          </ac:picMkLst>
+        </pc:picChg>
+        <pc:picChg chg="add mod">
+          <ac:chgData name="ZHANG Xiangyu" userId="0af619d5-14b7-43d3-95bc-94ad39c803d6" providerId="ADAL" clId="{0190945F-89A7-4B46-967C-3ACE53AB7830}" dt="2024-01-08T04:56:44.805" v="772" actId="1076"/>
+          <ac:picMkLst>
+            <pc:docMk/>
+            <pc:sldMk cId="2809007463" sldId="262"/>
+            <ac:picMk id="16" creationId="{5E4AA7D8-80BA-333C-F90F-D73E6FBCB985}"/>
+          </ac:picMkLst>
+        </pc:picChg>
+        <pc:picChg chg="add mod">
+          <ac:chgData name="ZHANG Xiangyu" userId="0af619d5-14b7-43d3-95bc-94ad39c803d6" providerId="ADAL" clId="{0190945F-89A7-4B46-967C-3ACE53AB7830}" dt="2024-01-08T04:56:47.206" v="773" actId="1076"/>
+          <ac:picMkLst>
+            <pc:docMk/>
+            <pc:sldMk cId="2809007463" sldId="262"/>
+            <ac:picMk id="17" creationId="{F951C286-6BB5-5302-7B6D-4E7685403C26}"/>
           </ac:picMkLst>
         </pc:picChg>
       </pc:sldChg>
@@ -7030,6 +7166,327 @@
 </p:sld>
 </file>
 
+<file path=ppt/slides/slide7.xml><?xml version="1.0" encoding="utf-8"?>
+<p:sld xmlns:a="http://schemas.openxmlformats.org/drawingml/2006/main" xmlns:r="http://schemas.openxmlformats.org/officeDocument/2006/relationships" xmlns:p="http://schemas.openxmlformats.org/presentationml/2006/main">
+  <p:cSld>
+    <p:spTree>
+      <p:nvGrpSpPr>
+        <p:cNvPr id="1" name=""/>
+        <p:cNvGrpSpPr/>
+        <p:nvPr/>
+      </p:nvGrpSpPr>
+      <p:grpSpPr>
+        <a:xfrm>
+          <a:off x="0" y="0"/>
+          <a:ext cx="0" cy="0"/>
+          <a:chOff x="0" y="0"/>
+          <a:chExt cx="0" cy="0"/>
+        </a:xfrm>
+      </p:grpSpPr>
+      <p:pic>
+        <p:nvPicPr>
+          <p:cNvPr id="4" name="图片 3">
+            <a:extLst>
+              <a:ext uri="{FF2B5EF4-FFF2-40B4-BE49-F238E27FC236}">
+                <a16:creationId xmlns:a16="http://schemas.microsoft.com/office/drawing/2014/main" id="{8133EE48-992C-039F-D61A-CFC680595CE0}"/>
+              </a:ext>
+            </a:extLst>
+          </p:cNvPr>
+          <p:cNvPicPr>
+            <a:picLocks noChangeAspect="1"/>
+          </p:cNvPicPr>
+          <p:nvPr/>
+        </p:nvPicPr>
+        <p:blipFill>
+          <a:blip r:embed="rId2"/>
+          <a:stretch>
+            <a:fillRect/>
+          </a:stretch>
+        </p:blipFill>
+        <p:spPr>
+          <a:xfrm>
+            <a:off x="0" y="1"/>
+            <a:ext cx="5493026" cy="2905522"/>
+          </a:xfrm>
+          <a:prstGeom prst="rect">
+            <a:avLst/>
+          </a:prstGeom>
+        </p:spPr>
+      </p:pic>
+      <p:pic>
+        <p:nvPicPr>
+          <p:cNvPr id="8" name="图片 7">
+            <a:extLst>
+              <a:ext uri="{FF2B5EF4-FFF2-40B4-BE49-F238E27FC236}">
+                <a16:creationId xmlns:a16="http://schemas.microsoft.com/office/drawing/2014/main" id="{70DCC77C-F325-7BF6-1C32-DC36C2BDF99F}"/>
+              </a:ext>
+            </a:extLst>
+          </p:cNvPr>
+          <p:cNvPicPr>
+            <a:picLocks noChangeAspect="1"/>
+          </p:cNvPicPr>
+          <p:nvPr/>
+        </p:nvPicPr>
+        <p:blipFill rotWithShape="1">
+          <a:blip r:embed="rId2"/>
+          <a:srcRect b="40661"/>
+          <a:stretch/>
+        </p:blipFill>
+        <p:spPr>
+          <a:xfrm>
+            <a:off x="0" y="3231811"/>
+            <a:ext cx="5493026" cy="1724097"/>
+          </a:xfrm>
+          <a:prstGeom prst="rect">
+            <a:avLst/>
+          </a:prstGeom>
+        </p:spPr>
+      </p:pic>
+      <p:pic>
+        <p:nvPicPr>
+          <p:cNvPr id="9" name="图片 8">
+            <a:extLst>
+              <a:ext uri="{FF2B5EF4-FFF2-40B4-BE49-F238E27FC236}">
+                <a16:creationId xmlns:a16="http://schemas.microsoft.com/office/drawing/2014/main" id="{4401A8DA-BF9D-FAD6-C188-B67F6C3E8CE4}"/>
+              </a:ext>
+            </a:extLst>
+          </p:cNvPr>
+          <p:cNvPicPr>
+            <a:picLocks noChangeAspect="1"/>
+          </p:cNvPicPr>
+          <p:nvPr/>
+        </p:nvPicPr>
+        <p:blipFill rotWithShape="1">
+          <a:blip r:embed="rId2"/>
+          <a:srcRect t="60344" r="74077"/>
+          <a:stretch/>
+        </p:blipFill>
+        <p:spPr>
+          <a:xfrm>
+            <a:off x="0" y="4936747"/>
+            <a:ext cx="1423951" cy="1152213"/>
+          </a:xfrm>
+          <a:prstGeom prst="rect">
+            <a:avLst/>
+          </a:prstGeom>
+        </p:spPr>
+      </p:pic>
+      <p:pic>
+        <p:nvPicPr>
+          <p:cNvPr id="11" name="图片 10">
+            <a:extLst>
+              <a:ext uri="{FF2B5EF4-FFF2-40B4-BE49-F238E27FC236}">
+                <a16:creationId xmlns:a16="http://schemas.microsoft.com/office/drawing/2014/main" id="{6084358B-3761-0863-BE17-3FD34FFE3B0F}"/>
+              </a:ext>
+            </a:extLst>
+          </p:cNvPr>
+          <p:cNvPicPr>
+            <a:picLocks noChangeAspect="1"/>
+          </p:cNvPicPr>
+          <p:nvPr/>
+        </p:nvPicPr>
+        <p:blipFill rotWithShape="1">
+          <a:blip r:embed="rId2"/>
+          <a:srcRect l="26375" t="59877" r="48439"/>
+          <a:stretch/>
+        </p:blipFill>
+        <p:spPr>
+          <a:xfrm>
+            <a:off x="4109551" y="4929959"/>
+            <a:ext cx="1383475" cy="1165788"/>
+          </a:xfrm>
+          <a:prstGeom prst="rect">
+            <a:avLst/>
+          </a:prstGeom>
+        </p:spPr>
+      </p:pic>
+      <p:pic>
+        <p:nvPicPr>
+          <p:cNvPr id="12" name="图片 11">
+            <a:extLst>
+              <a:ext uri="{FF2B5EF4-FFF2-40B4-BE49-F238E27FC236}">
+                <a16:creationId xmlns:a16="http://schemas.microsoft.com/office/drawing/2014/main" id="{C4995BEC-1688-1030-E9FC-22B364D5BF12}"/>
+              </a:ext>
+            </a:extLst>
+          </p:cNvPr>
+          <p:cNvPicPr>
+            <a:picLocks noChangeAspect="1"/>
+          </p:cNvPicPr>
+          <p:nvPr/>
+        </p:nvPicPr>
+        <p:blipFill rotWithShape="1">
+          <a:blip r:embed="rId2"/>
+          <a:srcRect b="40661"/>
+          <a:stretch/>
+        </p:blipFill>
+        <p:spPr>
+          <a:xfrm>
+            <a:off x="5929746" y="41587"/>
+            <a:ext cx="5493026" cy="1724097"/>
+          </a:xfrm>
+          <a:prstGeom prst="rect">
+            <a:avLst/>
+          </a:prstGeom>
+        </p:spPr>
+      </p:pic>
+      <p:pic>
+        <p:nvPicPr>
+          <p:cNvPr id="13" name="图片 12">
+            <a:extLst>
+              <a:ext uri="{FF2B5EF4-FFF2-40B4-BE49-F238E27FC236}">
+                <a16:creationId xmlns:a16="http://schemas.microsoft.com/office/drawing/2014/main" id="{DF6B4E85-0750-8A58-1A5D-BF54EE0DC555}"/>
+              </a:ext>
+            </a:extLst>
+          </p:cNvPr>
+          <p:cNvPicPr>
+            <a:picLocks noChangeAspect="1"/>
+          </p:cNvPicPr>
+          <p:nvPr/>
+        </p:nvPicPr>
+        <p:blipFill rotWithShape="1">
+          <a:blip r:embed="rId2"/>
+          <a:srcRect t="60344" r="74077"/>
+          <a:stretch/>
+        </p:blipFill>
+        <p:spPr>
+          <a:xfrm>
+            <a:off x="5929746" y="1746523"/>
+            <a:ext cx="1423951" cy="1152213"/>
+          </a:xfrm>
+          <a:prstGeom prst="rect">
+            <a:avLst/>
+          </a:prstGeom>
+        </p:spPr>
+      </p:pic>
+      <p:pic>
+        <p:nvPicPr>
+          <p:cNvPr id="14" name="图片 13">
+            <a:extLst>
+              <a:ext uri="{FF2B5EF4-FFF2-40B4-BE49-F238E27FC236}">
+                <a16:creationId xmlns:a16="http://schemas.microsoft.com/office/drawing/2014/main" id="{B0DAE54E-96FB-4936-E408-C8DE17DCEA5A}"/>
+              </a:ext>
+            </a:extLst>
+          </p:cNvPr>
+          <p:cNvPicPr>
+            <a:picLocks noChangeAspect="1"/>
+          </p:cNvPicPr>
+          <p:nvPr/>
+        </p:nvPicPr>
+        <p:blipFill rotWithShape="1">
+          <a:blip r:embed="rId2"/>
+          <a:srcRect l="26375" t="59877" r="48439"/>
+          <a:stretch/>
+        </p:blipFill>
+        <p:spPr>
+          <a:xfrm>
+            <a:off x="8162995" y="1739735"/>
+            <a:ext cx="1383475" cy="1165788"/>
+          </a:xfrm>
+          <a:prstGeom prst="rect">
+            <a:avLst/>
+          </a:prstGeom>
+        </p:spPr>
+      </p:pic>
+      <p:pic>
+        <p:nvPicPr>
+          <p:cNvPr id="15" name="图片 14">
+            <a:extLst>
+              <a:ext uri="{FF2B5EF4-FFF2-40B4-BE49-F238E27FC236}">
+                <a16:creationId xmlns:a16="http://schemas.microsoft.com/office/drawing/2014/main" id="{1AD3EF3C-2FDE-77B1-77A5-2D1F39AEA2B6}"/>
+              </a:ext>
+            </a:extLst>
+          </p:cNvPr>
+          <p:cNvPicPr>
+            <a:picLocks noChangeAspect="1"/>
+          </p:cNvPicPr>
+          <p:nvPr/>
+        </p:nvPicPr>
+        <p:blipFill rotWithShape="1">
+          <a:blip r:embed="rId2"/>
+          <a:srcRect b="40661"/>
+          <a:stretch/>
+        </p:blipFill>
+        <p:spPr>
+          <a:xfrm>
+            <a:off x="5929746" y="3257760"/>
+            <a:ext cx="5493026" cy="1724097"/>
+          </a:xfrm>
+          <a:prstGeom prst="rect">
+            <a:avLst/>
+          </a:prstGeom>
+        </p:spPr>
+      </p:pic>
+      <p:pic>
+        <p:nvPicPr>
+          <p:cNvPr id="16" name="图片 15">
+            <a:extLst>
+              <a:ext uri="{FF2B5EF4-FFF2-40B4-BE49-F238E27FC236}">
+                <a16:creationId xmlns:a16="http://schemas.microsoft.com/office/drawing/2014/main" id="{5E4AA7D8-80BA-333C-F90F-D73E6FBCB985}"/>
+              </a:ext>
+            </a:extLst>
+          </p:cNvPr>
+          <p:cNvPicPr>
+            <a:picLocks noChangeAspect="1"/>
+          </p:cNvPicPr>
+          <p:nvPr/>
+        </p:nvPicPr>
+        <p:blipFill rotWithShape="1">
+          <a:blip r:embed="rId2"/>
+          <a:srcRect t="60344" r="74077"/>
+          <a:stretch/>
+        </p:blipFill>
+        <p:spPr>
+          <a:xfrm>
+            <a:off x="7353697" y="4962696"/>
+            <a:ext cx="1423951" cy="1152213"/>
+          </a:xfrm>
+          <a:prstGeom prst="rect">
+            <a:avLst/>
+          </a:prstGeom>
+        </p:spPr>
+      </p:pic>
+      <p:pic>
+        <p:nvPicPr>
+          <p:cNvPr id="17" name="图片 16">
+            <a:extLst>
+              <a:ext uri="{FF2B5EF4-FFF2-40B4-BE49-F238E27FC236}">
+                <a16:creationId xmlns:a16="http://schemas.microsoft.com/office/drawing/2014/main" id="{F951C286-6BB5-5302-7B6D-4E7685403C26}"/>
+              </a:ext>
+            </a:extLst>
+          </p:cNvPr>
+          <p:cNvPicPr>
+            <a:picLocks noChangeAspect="1"/>
+          </p:cNvPicPr>
+          <p:nvPr/>
+        </p:nvPicPr>
+        <p:blipFill rotWithShape="1">
+          <a:blip r:embed="rId2"/>
+          <a:srcRect l="26375" t="59877" r="48439"/>
+          <a:stretch/>
+        </p:blipFill>
+        <p:spPr>
+          <a:xfrm>
+            <a:off x="8910839" y="4923172"/>
+            <a:ext cx="1383475" cy="1165788"/>
+          </a:xfrm>
+          <a:prstGeom prst="rect">
+            <a:avLst/>
+          </a:prstGeom>
+        </p:spPr>
+      </p:pic>
+    </p:spTree>
+    <p:extLst>
+      <p:ext uri="{BB962C8B-B14F-4D97-AF65-F5344CB8AC3E}">
+        <p14:creationId xmlns:p14="http://schemas.microsoft.com/office/powerpoint/2010/main" val="2809007463"/>
+      </p:ext>
+    </p:extLst>
+  </p:cSld>
+  <p:clrMapOvr>
+    <a:masterClrMapping/>
+  </p:clrMapOvr>
+</p:sld>
+</file>
+
 <file path=ppt/theme/theme1.xml><?xml version="1.0" encoding="utf-8"?>
 <a:theme xmlns:a="http://schemas.openxmlformats.org/drawingml/2006/main" name="Office 主题​​">
   <a:themeElements>

--- a/assets/figures.pptx
+++ b/assets/figures.pptx
@@ -124,7 +124,7 @@
 <file path=ppt/revisionInfo.xml><?xml version="1.0" encoding="utf-8"?>
 <p1510:revInfo xmlns:a="http://schemas.openxmlformats.org/drawingml/2006/main" xmlns:r="http://schemas.openxmlformats.org/officeDocument/2006/relationships" xmlns:p1510="http://schemas.microsoft.com/office/powerpoint/2015/10/main">
   <p1510:revLst>
-    <p1510:client id="{0190945F-89A7-4B46-967C-3ACE53AB7830}" v="147" dt="2024-01-08T04:56:38.857"/>
+    <p1510:client id="{0190945F-89A7-4B46-967C-3ACE53AB7830}" v="148" dt="2024-01-08T05:21:58.924"/>
   </p1510:revLst>
 </p1510:revInfo>
 </file>
@@ -134,12 +134,12 @@
   <pc:docChgLst>
     <pc:chgData name="ZHANG Xiangyu" userId="0af619d5-14b7-43d3-95bc-94ad39c803d6" providerId="ADAL" clId="{0190945F-89A7-4B46-967C-3ACE53AB7830}"/>
     <pc:docChg chg="undo redo custSel addSld modSld">
-      <pc:chgData name="ZHANG Xiangyu" userId="0af619d5-14b7-43d3-95bc-94ad39c803d6" providerId="ADAL" clId="{0190945F-89A7-4B46-967C-3ACE53AB7830}" dt="2024-01-08T04:56:47.206" v="773" actId="1076"/>
+      <pc:chgData name="ZHANG Xiangyu" userId="0af619d5-14b7-43d3-95bc-94ad39c803d6" providerId="ADAL" clId="{0190945F-89A7-4B46-967C-3ACE53AB7830}" dt="2024-01-08T05:21:58.923" v="776" actId="5736"/>
       <pc:docMkLst>
         <pc:docMk/>
       </pc:docMkLst>
       <pc:sldChg chg="addSp delSp modSp new mod">
-        <pc:chgData name="ZHANG Xiangyu" userId="0af619d5-14b7-43d3-95bc-94ad39c803d6" providerId="ADAL" clId="{0190945F-89A7-4B46-967C-3ACE53AB7830}" dt="2024-01-08T04:36:26.844" v="741" actId="1076"/>
+        <pc:chgData name="ZHANG Xiangyu" userId="0af619d5-14b7-43d3-95bc-94ad39c803d6" providerId="ADAL" clId="{0190945F-89A7-4B46-967C-3ACE53AB7830}" dt="2024-01-08T05:21:58.923" v="776" actId="5736"/>
         <pc:sldMkLst>
           <pc:docMk/>
           <pc:sldMk cId="3049935216" sldId="256"/>
@@ -225,7 +225,7 @@
           </ac:spMkLst>
         </pc:spChg>
         <pc:graphicFrameChg chg="add mod modGraphic">
-          <ac:chgData name="ZHANG Xiangyu" userId="0af619d5-14b7-43d3-95bc-94ad39c803d6" providerId="ADAL" clId="{0190945F-89A7-4B46-967C-3ACE53AB7830}" dt="2024-01-08T04:36:18.766" v="738" actId="555"/>
+          <ac:chgData name="ZHANG Xiangyu" userId="0af619d5-14b7-43d3-95bc-94ad39c803d6" providerId="ADAL" clId="{0190945F-89A7-4B46-967C-3ACE53AB7830}" dt="2024-01-08T05:21:58.923" v="776" actId="5736"/>
           <ac:graphicFrameMkLst>
             <pc:docMk/>
             <pc:sldMk cId="3049935216" sldId="256"/>
@@ -321,7 +321,7 @@
           </ac:picMkLst>
         </pc:picChg>
         <pc:picChg chg="add mod">
-          <ac:chgData name="ZHANG Xiangyu" userId="0af619d5-14b7-43d3-95bc-94ad39c803d6" providerId="ADAL" clId="{0190945F-89A7-4B46-967C-3ACE53AB7830}" dt="2024-01-08T04:36:26.844" v="741" actId="1076"/>
+          <ac:chgData name="ZHANG Xiangyu" userId="0af619d5-14b7-43d3-95bc-94ad39c803d6" providerId="ADAL" clId="{0190945F-89A7-4B46-967C-3ACE53AB7830}" dt="2024-01-08T05:21:33.578" v="774" actId="1076"/>
           <ac:picMkLst>
             <pc:docMk/>
             <pc:sldMk cId="3049935216" sldId="256"/>
@@ -4922,7 +4922,7 @@
           <p:nvPr>
             <p:extLst>
               <p:ext uri="{D42A27DB-BD31-4B8C-83A1-F6EECF244321}">
-                <p14:modId xmlns:p14="http://schemas.microsoft.com/office/powerpoint/2010/main" val="13676221"/>
+                <p14:modId xmlns:p14="http://schemas.microsoft.com/office/powerpoint/2010/main" val="2718838485"/>
               </p:ext>
             </p:extLst>
           </p:nvPr>
@@ -4961,7 +4961,7 @@
                       <a:r>
                         <a:rPr lang="en-US" altLang="zh-CN" sz="1800" b="1" i="0" kern="1200" dirty="0">
                           <a:solidFill>
-                            <a:srgbClr val="006DBE"/>
+                            <a:schemeClr val="tx1"/>
                           </a:solidFill>
                           <a:effectLst/>
                           <a:latin typeface="Arial" panose="020B0604020202020204" pitchFamily="34" charset="0"/>
@@ -4972,7 +4972,7 @@
                       </a:r>
                       <a:endParaRPr lang="en-US" sz="1800" b="1" i="0" kern="1200" dirty="0">
                         <a:solidFill>
-                          <a:srgbClr val="006DBE"/>
+                          <a:schemeClr val="tx1"/>
                         </a:solidFill>
                         <a:effectLst/>
                         <a:latin typeface="Arial" panose="020B0604020202020204" pitchFamily="34" charset="0"/>
@@ -5030,7 +5030,7 @@
                       <a:r>
                         <a:rPr lang="en-US" sz="1800" b="1" i="0" kern="1200" dirty="0">
                           <a:solidFill>
-                            <a:srgbClr val="006DBE"/>
+                            <a:schemeClr val="tx1"/>
                           </a:solidFill>
                           <a:effectLst/>
                           <a:latin typeface="Arial" panose="020B0604020202020204" pitchFamily="34" charset="0"/>
@@ -6094,7 +6094,7 @@
         </p:blipFill>
         <p:spPr>
           <a:xfrm>
-            <a:off x="686713" y="3919559"/>
+            <a:off x="695402" y="3919559"/>
             <a:ext cx="11101778" cy="2725148"/>
           </a:xfrm>
           <a:prstGeom prst="rect">

--- a/assets/figures.pptx
+++ b/assets/figures.pptx
@@ -124,7 +124,7 @@
 <file path=ppt/revisionInfo.xml><?xml version="1.0" encoding="utf-8"?>
 <p1510:revInfo xmlns:a="http://schemas.openxmlformats.org/drawingml/2006/main" xmlns:r="http://schemas.openxmlformats.org/officeDocument/2006/relationships" xmlns:p1510="http://schemas.microsoft.com/office/powerpoint/2015/10/main">
   <p1510:revLst>
-    <p1510:client id="{0190945F-89A7-4B46-967C-3ACE53AB7830}" v="148" dt="2024-01-08T05:21:58.924"/>
+    <p1510:client id="{0190945F-89A7-4B46-967C-3ACE53AB7830}" v="154" dt="2024-01-08T08:32:15.671"/>
   </p1510:revLst>
 </p1510:revInfo>
 </file>
@@ -134,12 +134,12 @@
   <pc:docChgLst>
     <pc:chgData name="ZHANG Xiangyu" userId="0af619d5-14b7-43d3-95bc-94ad39c803d6" providerId="ADAL" clId="{0190945F-89A7-4B46-967C-3ACE53AB7830}"/>
     <pc:docChg chg="undo redo custSel addSld modSld">
-      <pc:chgData name="ZHANG Xiangyu" userId="0af619d5-14b7-43d3-95bc-94ad39c803d6" providerId="ADAL" clId="{0190945F-89A7-4B46-967C-3ACE53AB7830}" dt="2024-01-08T05:21:58.923" v="776" actId="5736"/>
+      <pc:chgData name="ZHANG Xiangyu" userId="0af619d5-14b7-43d3-95bc-94ad39c803d6" providerId="ADAL" clId="{0190945F-89A7-4B46-967C-3ACE53AB7830}" dt="2024-01-08T08:32:21.104" v="786" actId="478"/>
       <pc:docMkLst>
         <pc:docMk/>
       </pc:docMkLst>
       <pc:sldChg chg="addSp delSp modSp new mod">
-        <pc:chgData name="ZHANG Xiangyu" userId="0af619d5-14b7-43d3-95bc-94ad39c803d6" providerId="ADAL" clId="{0190945F-89A7-4B46-967C-3ACE53AB7830}" dt="2024-01-08T05:21:58.923" v="776" actId="5736"/>
+        <pc:chgData name="ZHANG Xiangyu" userId="0af619d5-14b7-43d3-95bc-94ad39c803d6" providerId="ADAL" clId="{0190945F-89A7-4B46-967C-3ACE53AB7830}" dt="2024-01-08T08:32:21.104" v="786" actId="478"/>
         <pc:sldMkLst>
           <pc:docMk/>
           <pc:sldMk cId="3049935216" sldId="256"/>
@@ -225,11 +225,19 @@
           </ac:spMkLst>
         </pc:spChg>
         <pc:graphicFrameChg chg="add mod modGraphic">
-          <ac:chgData name="ZHANG Xiangyu" userId="0af619d5-14b7-43d3-95bc-94ad39c803d6" providerId="ADAL" clId="{0190945F-89A7-4B46-967C-3ACE53AB7830}" dt="2024-01-08T05:21:58.923" v="776" actId="5736"/>
+          <ac:chgData name="ZHANG Xiangyu" userId="0af619d5-14b7-43d3-95bc-94ad39c803d6" providerId="ADAL" clId="{0190945F-89A7-4B46-967C-3ACE53AB7830}" dt="2024-01-08T08:32:15.671" v="785" actId="5736"/>
           <ac:graphicFrameMkLst>
             <pc:docMk/>
             <pc:sldMk cId="3049935216" sldId="256"/>
             <ac:graphicFrameMk id="4" creationId="{16594B61-899E-8A5D-3F30-E5ECAA00AC8D}"/>
+          </ac:graphicFrameMkLst>
+        </pc:graphicFrameChg>
+        <pc:graphicFrameChg chg="add del mod">
+          <ac:chgData name="ZHANG Xiangyu" userId="0af619d5-14b7-43d3-95bc-94ad39c803d6" providerId="ADAL" clId="{0190945F-89A7-4B46-967C-3ACE53AB7830}" dt="2024-01-08T08:30:31.666" v="782"/>
+          <ac:graphicFrameMkLst>
+            <pc:docMk/>
+            <pc:sldMk cId="3049935216" sldId="256"/>
+            <ac:graphicFrameMk id="16" creationId="{A7A3416F-E16D-244A-F558-0F88948F7F41}"/>
           </ac:graphicFrameMkLst>
         </pc:graphicFrameChg>
         <pc:picChg chg="add mod">
@@ -320,8 +328,8 @@
             <ac:picMk id="15" creationId="{35E293D7-96AB-30AE-63F4-98F1B41A0BC5}"/>
           </ac:picMkLst>
         </pc:picChg>
-        <pc:picChg chg="add mod">
-          <ac:chgData name="ZHANG Xiangyu" userId="0af619d5-14b7-43d3-95bc-94ad39c803d6" providerId="ADAL" clId="{0190945F-89A7-4B46-967C-3ACE53AB7830}" dt="2024-01-08T05:21:33.578" v="774" actId="1076"/>
+        <pc:picChg chg="add del mod">
+          <ac:chgData name="ZHANG Xiangyu" userId="0af619d5-14b7-43d3-95bc-94ad39c803d6" providerId="ADAL" clId="{0190945F-89A7-4B46-967C-3ACE53AB7830}" dt="2024-01-08T08:32:21.104" v="786" actId="478"/>
           <ac:picMkLst>
             <pc:docMk/>
             <pc:sldMk cId="3049935216" sldId="256"/>
@@ -4922,7 +4930,7 @@
           <p:nvPr>
             <p:extLst>
               <p:ext uri="{D42A27DB-BD31-4B8C-83A1-F6EECF244321}">
-                <p14:modId xmlns:p14="http://schemas.microsoft.com/office/powerpoint/2010/main" val="2718838485"/>
+                <p14:modId xmlns:p14="http://schemas.microsoft.com/office/powerpoint/2010/main" val="2986877102"/>
               </p:ext>
             </p:extLst>
           </p:nvPr>
@@ -5427,7 +5435,7 @@
                           <a:ea typeface="+mn-ea"/>
                           <a:cs typeface="Arial" panose="020B0604020202020204" pitchFamily="34" charset="0"/>
                         </a:rPr>
-                        <a:t>Additional Banquet</a:t>
+                        <a:t>Additional Banquet Ticket</a:t>
                       </a:r>
                       <a:endParaRPr lang="en-US" sz="1600" b="0" dirty="0">
                         <a:solidFill>
@@ -6065,36 +6073,6 @@
         <p:spPr>
           <a:xfrm>
             <a:off x="-3510511" y="7236698"/>
-            <a:ext cx="11101778" cy="2725148"/>
-          </a:xfrm>
-          <a:prstGeom prst="rect">
-            <a:avLst/>
-          </a:prstGeom>
-        </p:spPr>
-      </p:pic>
-      <p:pic>
-        <p:nvPicPr>
-          <p:cNvPr id="15" name="图片 14">
-            <a:extLst>
-              <a:ext uri="{FF2B5EF4-FFF2-40B4-BE49-F238E27FC236}">
-                <a16:creationId xmlns:a16="http://schemas.microsoft.com/office/drawing/2014/main" id="{3816E1C0-DD25-6D20-49AB-F24DDF4C3879}"/>
-              </a:ext>
-            </a:extLst>
-          </p:cNvPr>
-          <p:cNvPicPr>
-            <a:picLocks noChangeAspect="1"/>
-          </p:cNvPicPr>
-          <p:nvPr/>
-        </p:nvPicPr>
-        <p:blipFill>
-          <a:blip r:embed="rId10"/>
-          <a:stretch>
-            <a:fillRect/>
-          </a:stretch>
-        </p:blipFill>
-        <p:spPr>
-          <a:xfrm>
-            <a:off x="695402" y="3919559"/>
             <a:ext cx="11101778" cy="2725148"/>
           </a:xfrm>
           <a:prstGeom prst="rect">

--- a/assets/figures.pptx
+++ b/assets/figures.pptx
@@ -124,7 +124,7 @@
 <file path=ppt/revisionInfo.xml><?xml version="1.0" encoding="utf-8"?>
 <p1510:revInfo xmlns:a="http://schemas.openxmlformats.org/drawingml/2006/main" xmlns:r="http://schemas.openxmlformats.org/officeDocument/2006/relationships" xmlns:p1510="http://schemas.microsoft.com/office/powerpoint/2015/10/main">
   <p1510:revLst>
-    <p1510:client id="{0190945F-89A7-4B46-967C-3ACE53AB7830}" v="154" dt="2024-01-08T08:32:15.671"/>
+    <p1510:client id="{0190945F-89A7-4B46-967C-3ACE53AB7830}" v="155" dt="2024-01-08T09:10:09.090"/>
   </p1510:revLst>
 </p1510:revInfo>
 </file>
@@ -134,12 +134,12 @@
   <pc:docChgLst>
     <pc:chgData name="ZHANG Xiangyu" userId="0af619d5-14b7-43d3-95bc-94ad39c803d6" providerId="ADAL" clId="{0190945F-89A7-4B46-967C-3ACE53AB7830}"/>
     <pc:docChg chg="undo redo custSel addSld modSld">
-      <pc:chgData name="ZHANG Xiangyu" userId="0af619d5-14b7-43d3-95bc-94ad39c803d6" providerId="ADAL" clId="{0190945F-89A7-4B46-967C-3ACE53AB7830}" dt="2024-01-08T08:32:21.104" v="786" actId="478"/>
+      <pc:chgData name="ZHANG Xiangyu" userId="0af619d5-14b7-43d3-95bc-94ad39c803d6" providerId="ADAL" clId="{0190945F-89A7-4B46-967C-3ACE53AB7830}" dt="2024-01-08T09:10:09.085" v="791" actId="5736"/>
       <pc:docMkLst>
         <pc:docMk/>
       </pc:docMkLst>
       <pc:sldChg chg="addSp delSp modSp new mod">
-        <pc:chgData name="ZHANG Xiangyu" userId="0af619d5-14b7-43d3-95bc-94ad39c803d6" providerId="ADAL" clId="{0190945F-89A7-4B46-967C-3ACE53AB7830}" dt="2024-01-08T08:32:21.104" v="786" actId="478"/>
+        <pc:chgData name="ZHANG Xiangyu" userId="0af619d5-14b7-43d3-95bc-94ad39c803d6" providerId="ADAL" clId="{0190945F-89A7-4B46-967C-3ACE53AB7830}" dt="2024-01-08T09:10:09.085" v="791" actId="5736"/>
         <pc:sldMkLst>
           <pc:docMk/>
           <pc:sldMk cId="3049935216" sldId="256"/>
@@ -225,7 +225,7 @@
           </ac:spMkLst>
         </pc:spChg>
         <pc:graphicFrameChg chg="add mod modGraphic">
-          <ac:chgData name="ZHANG Xiangyu" userId="0af619d5-14b7-43d3-95bc-94ad39c803d6" providerId="ADAL" clId="{0190945F-89A7-4B46-967C-3ACE53AB7830}" dt="2024-01-08T08:32:15.671" v="785" actId="5736"/>
+          <ac:chgData name="ZHANG Xiangyu" userId="0af619d5-14b7-43d3-95bc-94ad39c803d6" providerId="ADAL" clId="{0190945F-89A7-4B46-967C-3ACE53AB7830}" dt="2024-01-08T09:10:09.085" v="791" actId="5736"/>
           <ac:graphicFrameMkLst>
             <pc:docMk/>
             <pc:sldMk cId="3049935216" sldId="256"/>
@@ -4930,7 +4930,7 @@
           <p:nvPr>
             <p:extLst>
               <p:ext uri="{D42A27DB-BD31-4B8C-83A1-F6EECF244321}">
-                <p14:modId xmlns:p14="http://schemas.microsoft.com/office/powerpoint/2010/main" val="2986877102"/>
+                <p14:modId xmlns:p14="http://schemas.microsoft.com/office/powerpoint/2010/main" val="4073353347"/>
               </p:ext>
             </p:extLst>
           </p:nvPr>
@@ -5321,7 +5321,7 @@
                           <a:latin typeface="Arial" panose="020B0604020202020204" pitchFamily="34" charset="0"/>
                           <a:cs typeface="Arial" panose="020B0604020202020204" pitchFamily="34" charset="0"/>
                         </a:rPr>
-                        <a:t>USD 600</a:t>
+                        <a:t>USD 700</a:t>
                       </a:r>
                     </a:p>
                     <a:p>
@@ -5507,7 +5507,7 @@
                           <a:ea typeface="+mn-ea"/>
                           <a:cs typeface="Arial" panose="020B0604020202020204" pitchFamily="34" charset="0"/>
                         </a:rPr>
-                        <a:t>150 USD</a:t>
+                        <a:t>100 USD</a:t>
                       </a:r>
                       <a:endParaRPr lang="en-US" sz="1600" dirty="0">
                         <a:solidFill>

--- a/assets/figures.pptx
+++ b/assets/figures.pptx
@@ -124,7 +124,7 @@
 <file path=ppt/revisionInfo.xml><?xml version="1.0" encoding="utf-8"?>
 <p1510:revInfo xmlns:a="http://schemas.openxmlformats.org/drawingml/2006/main" xmlns:r="http://schemas.openxmlformats.org/officeDocument/2006/relationships" xmlns:p1510="http://schemas.microsoft.com/office/powerpoint/2015/10/main">
   <p1510:revLst>
-    <p1510:client id="{0190945F-89A7-4B46-967C-3ACE53AB7830}" v="155" dt="2024-01-08T09:10:09.090"/>
+    <p1510:client id="{0190945F-89A7-4B46-967C-3ACE53AB7830}" v="164" dt="2024-01-08T11:45:31.038"/>
   </p1510:revLst>
 </p1510:revInfo>
 </file>
@@ -134,12 +134,12 @@
   <pc:docChgLst>
     <pc:chgData name="ZHANG Xiangyu" userId="0af619d5-14b7-43d3-95bc-94ad39c803d6" providerId="ADAL" clId="{0190945F-89A7-4B46-967C-3ACE53AB7830}"/>
     <pc:docChg chg="undo redo custSel addSld modSld">
-      <pc:chgData name="ZHANG Xiangyu" userId="0af619d5-14b7-43d3-95bc-94ad39c803d6" providerId="ADAL" clId="{0190945F-89A7-4B46-967C-3ACE53AB7830}" dt="2024-01-08T09:10:09.085" v="791" actId="5736"/>
+      <pc:chgData name="ZHANG Xiangyu" userId="0af619d5-14b7-43d3-95bc-94ad39c803d6" providerId="ADAL" clId="{0190945F-89A7-4B46-967C-3ACE53AB7830}" dt="2024-01-08T11:45:31.037" v="808" actId="5736"/>
       <pc:docMkLst>
         <pc:docMk/>
       </pc:docMkLst>
       <pc:sldChg chg="addSp delSp modSp new mod">
-        <pc:chgData name="ZHANG Xiangyu" userId="0af619d5-14b7-43d3-95bc-94ad39c803d6" providerId="ADAL" clId="{0190945F-89A7-4B46-967C-3ACE53AB7830}" dt="2024-01-08T09:10:09.085" v="791" actId="5736"/>
+        <pc:chgData name="ZHANG Xiangyu" userId="0af619d5-14b7-43d3-95bc-94ad39c803d6" providerId="ADAL" clId="{0190945F-89A7-4B46-967C-3ACE53AB7830}" dt="2024-01-08T11:45:31.037" v="808" actId="5736"/>
         <pc:sldMkLst>
           <pc:docMk/>
           <pc:sldMk cId="3049935216" sldId="256"/>
@@ -225,7 +225,7 @@
           </ac:spMkLst>
         </pc:spChg>
         <pc:graphicFrameChg chg="add mod modGraphic">
-          <ac:chgData name="ZHANG Xiangyu" userId="0af619d5-14b7-43d3-95bc-94ad39c803d6" providerId="ADAL" clId="{0190945F-89A7-4B46-967C-3ACE53AB7830}" dt="2024-01-08T09:10:09.085" v="791" actId="5736"/>
+          <ac:chgData name="ZHANG Xiangyu" userId="0af619d5-14b7-43d3-95bc-94ad39c803d6" providerId="ADAL" clId="{0190945F-89A7-4B46-967C-3ACE53AB7830}" dt="2024-01-08T11:45:31.037" v="808" actId="5736"/>
           <ac:graphicFrameMkLst>
             <pc:docMk/>
             <pc:sldMk cId="3049935216" sldId="256"/>
@@ -4930,7 +4930,7 @@
           <p:nvPr>
             <p:extLst>
               <p:ext uri="{D42A27DB-BD31-4B8C-83A1-F6EECF244321}">
-                <p14:modId xmlns:p14="http://schemas.microsoft.com/office/powerpoint/2010/main" val="4073353347"/>
+                <p14:modId xmlns:p14="http://schemas.microsoft.com/office/powerpoint/2010/main" val="3364260575"/>
               </p:ext>
             </p:extLst>
           </p:nvPr>
@@ -5175,6 +5175,17 @@
                     <a:p>
                       <a:pPr algn="ctr"/>
                       <a:r>
+                        <a:rPr lang="en-US" altLang="zh-CN" sz="1600" dirty="0">
+                          <a:solidFill>
+                            <a:schemeClr val="tx1"/>
+                          </a:solidFill>
+                          <a:effectLst/>
+                          <a:latin typeface="Arial" panose="020B0604020202020204" pitchFamily="34" charset="0"/>
+                          <a:cs typeface="Arial" panose="020B0604020202020204" pitchFamily="34" charset="0"/>
+                        </a:rPr>
+                        <a:t>850 </a:t>
+                      </a:r>
+                      <a:r>
                         <a:rPr lang="en-US" sz="1600" dirty="0">
                           <a:solidFill>
                             <a:schemeClr val="tx1"/>
@@ -5183,7 +5194,7 @@
                           <a:latin typeface="Arial" panose="020B0604020202020204" pitchFamily="34" charset="0"/>
                           <a:cs typeface="Arial" panose="020B0604020202020204" pitchFamily="34" charset="0"/>
                         </a:rPr>
-                        <a:t>USD 850</a:t>
+                        <a:t>USD</a:t>
                       </a:r>
                     </a:p>
                   </a:txBody>
@@ -5311,7 +5322,23 @@
                     <a:bodyPr/>
                     <a:lstStyle/>
                     <a:p>
-                      <a:pPr algn="ctr"/>
+                      <a:pPr marL="0" marR="0" lvl="0" indent="0" algn="ctr" defTabSz="914400" rtl="0" eaLnBrk="1" fontAlgn="auto" latinLnBrk="0" hangingPunct="1">
+                        <a:lnSpc>
+                          <a:spcPct val="100000"/>
+                        </a:lnSpc>
+                        <a:spcBef>
+                          <a:spcPts val="0"/>
+                        </a:spcBef>
+                        <a:spcAft>
+                          <a:spcPts val="0"/>
+                        </a:spcAft>
+                        <a:buClrTx/>
+                        <a:buSzTx/>
+                        <a:buFontTx/>
+                        <a:buNone/>
+                        <a:tabLst/>
+                        <a:defRPr/>
+                      </a:pPr>
                       <a:r>
                         <a:rPr lang="en-US" sz="1600" dirty="0">
                           <a:solidFill>
@@ -5321,11 +5348,49 @@
                           <a:latin typeface="Arial" panose="020B0604020202020204" pitchFamily="34" charset="0"/>
                           <a:cs typeface="Arial" panose="020B0604020202020204" pitchFamily="34" charset="0"/>
                         </a:rPr>
-                        <a:t>USD 700</a:t>
+                        <a:t> </a:t>
+                      </a:r>
+                      <a:r>
+                        <a:rPr lang="en-US" altLang="zh-CN" sz="1600" dirty="0">
+                          <a:solidFill>
+                            <a:schemeClr val="tx1"/>
+                          </a:solidFill>
+                          <a:effectLst/>
+                          <a:latin typeface="Arial" panose="020B0604020202020204" pitchFamily="34" charset="0"/>
+                          <a:cs typeface="Arial" panose="020B0604020202020204" pitchFamily="34" charset="0"/>
+                        </a:rPr>
+                        <a:t>700 </a:t>
+                      </a:r>
+                      <a:r>
+                        <a:rPr lang="en-US" sz="1600" dirty="0">
+                          <a:solidFill>
+                            <a:schemeClr val="tx1"/>
+                          </a:solidFill>
+                          <a:effectLst/>
+                          <a:latin typeface="Arial" panose="020B0604020202020204" pitchFamily="34" charset="0"/>
+                          <a:cs typeface="Arial" panose="020B0604020202020204" pitchFamily="34" charset="0"/>
+                        </a:rPr>
+                        <a:t>USD</a:t>
                       </a:r>
                     </a:p>
                     <a:p>
-                      <a:pPr algn="ctr"/>
+                      <a:pPr marL="0" marR="0" lvl="0" indent="0" algn="ctr" defTabSz="914400" rtl="0" eaLnBrk="1" fontAlgn="auto" latinLnBrk="0" hangingPunct="1">
+                        <a:lnSpc>
+                          <a:spcPct val="100000"/>
+                        </a:lnSpc>
+                        <a:spcBef>
+                          <a:spcPts val="0"/>
+                        </a:spcBef>
+                        <a:spcAft>
+                          <a:spcPts val="0"/>
+                        </a:spcAft>
+                        <a:buClrTx/>
+                        <a:buSzTx/>
+                        <a:buFontTx/>
+                        <a:buNone/>
+                        <a:tabLst/>
+                        <a:defRPr/>
+                      </a:pPr>
                       <a:r>
                         <a:rPr lang="en-US" altLang="zh-CN" sz="1600" b="0" i="0" kern="1200" dirty="0">
                           <a:solidFill>

--- a/assets/figures.pptx
+++ b/assets/figures.pptx
@@ -124,7 +124,7 @@
 <file path=ppt/revisionInfo.xml><?xml version="1.0" encoding="utf-8"?>
 <p1510:revInfo xmlns:a="http://schemas.openxmlformats.org/drawingml/2006/main" xmlns:r="http://schemas.openxmlformats.org/officeDocument/2006/relationships" xmlns:p1510="http://schemas.microsoft.com/office/powerpoint/2015/10/main">
   <p1510:revLst>
-    <p1510:client id="{0190945F-89A7-4B46-967C-3ACE53AB7830}" v="164" dt="2024-01-08T11:45:31.038"/>
+    <p1510:client id="{0190945F-89A7-4B46-967C-3ACE53AB7830}" v="166" dt="2024-01-10T06:18:11.266"/>
   </p1510:revLst>
 </p1510:revInfo>
 </file>
@@ -134,12 +134,12 @@
   <pc:docChgLst>
     <pc:chgData name="ZHANG Xiangyu" userId="0af619d5-14b7-43d3-95bc-94ad39c803d6" providerId="ADAL" clId="{0190945F-89A7-4B46-967C-3ACE53AB7830}"/>
     <pc:docChg chg="undo redo custSel addSld modSld">
-      <pc:chgData name="ZHANG Xiangyu" userId="0af619d5-14b7-43d3-95bc-94ad39c803d6" providerId="ADAL" clId="{0190945F-89A7-4B46-967C-3ACE53AB7830}" dt="2024-01-08T11:45:31.037" v="808" actId="5736"/>
+      <pc:chgData name="ZHANG Xiangyu" userId="0af619d5-14b7-43d3-95bc-94ad39c803d6" providerId="ADAL" clId="{0190945F-89A7-4B46-967C-3ACE53AB7830}" dt="2024-01-10T06:18:11.264" v="820" actId="5736"/>
       <pc:docMkLst>
         <pc:docMk/>
       </pc:docMkLst>
       <pc:sldChg chg="addSp delSp modSp new mod">
-        <pc:chgData name="ZHANG Xiangyu" userId="0af619d5-14b7-43d3-95bc-94ad39c803d6" providerId="ADAL" clId="{0190945F-89A7-4B46-967C-3ACE53AB7830}" dt="2024-01-08T11:45:31.037" v="808" actId="5736"/>
+        <pc:chgData name="ZHANG Xiangyu" userId="0af619d5-14b7-43d3-95bc-94ad39c803d6" providerId="ADAL" clId="{0190945F-89A7-4B46-967C-3ACE53AB7830}" dt="2024-01-10T06:18:11.264" v="820" actId="5736"/>
         <pc:sldMkLst>
           <pc:docMk/>
           <pc:sldMk cId="3049935216" sldId="256"/>
@@ -230,6 +230,14 @@
             <pc:docMk/>
             <pc:sldMk cId="3049935216" sldId="256"/>
             <ac:graphicFrameMk id="4" creationId="{16594B61-899E-8A5D-3F30-E5ECAA00AC8D}"/>
+          </ac:graphicFrameMkLst>
+        </pc:graphicFrameChg>
+        <pc:graphicFrameChg chg="add mod modGraphic">
+          <ac:chgData name="ZHANG Xiangyu" userId="0af619d5-14b7-43d3-95bc-94ad39c803d6" providerId="ADAL" clId="{0190945F-89A7-4B46-967C-3ACE53AB7830}" dt="2024-01-10T06:18:11.264" v="820" actId="5736"/>
+          <ac:graphicFrameMkLst>
+            <pc:docMk/>
+            <pc:sldMk cId="3049935216" sldId="256"/>
+            <ac:graphicFrameMk id="15" creationId="{A66506E4-7D75-9BFA-897E-873F5D668AE0}"/>
           </ac:graphicFrameMkLst>
         </pc:graphicFrameChg>
         <pc:graphicFrameChg chg="add del mod">
@@ -954,7 +962,7 @@
           <a:p>
             <a:fld id="{B6A0FF1A-FA3A-44F4-8102-A8B090DA15CE}" type="datetimeFigureOut">
               <a:rPr lang="zh-CN" altLang="en-US" smtClean="0"/>
-              <a:t>2024/1/8</a:t>
+              <a:t>2024/1/10</a:t>
             </a:fld>
             <a:endParaRPr lang="zh-CN" altLang="en-US"/>
           </a:p>
@@ -1452,7 +1460,7 @@
           <a:p>
             <a:fld id="{443201C6-C6B2-4F96-9DF6-297028943761}" type="datetimeFigureOut">
               <a:rPr lang="zh-CN" altLang="en-US" smtClean="0"/>
-              <a:t>2024/1/8</a:t>
+              <a:t>2024/1/10</a:t>
             </a:fld>
             <a:endParaRPr lang="zh-CN" altLang="en-US"/>
           </a:p>
@@ -1650,7 +1658,7 @@
           <a:p>
             <a:fld id="{443201C6-C6B2-4F96-9DF6-297028943761}" type="datetimeFigureOut">
               <a:rPr lang="zh-CN" altLang="en-US" smtClean="0"/>
-              <a:t>2024/1/8</a:t>
+              <a:t>2024/1/10</a:t>
             </a:fld>
             <a:endParaRPr lang="zh-CN" altLang="en-US"/>
           </a:p>
@@ -1858,7 +1866,7 @@
           <a:p>
             <a:fld id="{443201C6-C6B2-4F96-9DF6-297028943761}" type="datetimeFigureOut">
               <a:rPr lang="zh-CN" altLang="en-US" smtClean="0"/>
-              <a:t>2024/1/8</a:t>
+              <a:t>2024/1/10</a:t>
             </a:fld>
             <a:endParaRPr lang="zh-CN" altLang="en-US"/>
           </a:p>
@@ -2056,7 +2064,7 @@
           <a:p>
             <a:fld id="{443201C6-C6B2-4F96-9DF6-297028943761}" type="datetimeFigureOut">
               <a:rPr lang="zh-CN" altLang="en-US" smtClean="0"/>
-              <a:t>2024/1/8</a:t>
+              <a:t>2024/1/10</a:t>
             </a:fld>
             <a:endParaRPr lang="zh-CN" altLang="en-US"/>
           </a:p>
@@ -2331,7 +2339,7 @@
           <a:p>
             <a:fld id="{443201C6-C6B2-4F96-9DF6-297028943761}" type="datetimeFigureOut">
               <a:rPr lang="zh-CN" altLang="en-US" smtClean="0"/>
-              <a:t>2024/1/8</a:t>
+              <a:t>2024/1/10</a:t>
             </a:fld>
             <a:endParaRPr lang="zh-CN" altLang="en-US"/>
           </a:p>
@@ -2596,7 +2604,7 @@
           <a:p>
             <a:fld id="{443201C6-C6B2-4F96-9DF6-297028943761}" type="datetimeFigureOut">
               <a:rPr lang="zh-CN" altLang="en-US" smtClean="0"/>
-              <a:t>2024/1/8</a:t>
+              <a:t>2024/1/10</a:t>
             </a:fld>
             <a:endParaRPr lang="zh-CN" altLang="en-US"/>
           </a:p>
@@ -3008,7 +3016,7 @@
           <a:p>
             <a:fld id="{443201C6-C6B2-4F96-9DF6-297028943761}" type="datetimeFigureOut">
               <a:rPr lang="zh-CN" altLang="en-US" smtClean="0"/>
-              <a:t>2024/1/8</a:t>
+              <a:t>2024/1/10</a:t>
             </a:fld>
             <a:endParaRPr lang="zh-CN" altLang="en-US"/>
           </a:p>
@@ -3149,7 +3157,7 @@
           <a:p>
             <a:fld id="{443201C6-C6B2-4F96-9DF6-297028943761}" type="datetimeFigureOut">
               <a:rPr lang="zh-CN" altLang="en-US" smtClean="0"/>
-              <a:t>2024/1/8</a:t>
+              <a:t>2024/1/10</a:t>
             </a:fld>
             <a:endParaRPr lang="zh-CN" altLang="en-US"/>
           </a:p>
@@ -3262,7 +3270,7 @@
           <a:p>
             <a:fld id="{443201C6-C6B2-4F96-9DF6-297028943761}" type="datetimeFigureOut">
               <a:rPr lang="zh-CN" altLang="en-US" smtClean="0"/>
-              <a:t>2024/1/8</a:t>
+              <a:t>2024/1/10</a:t>
             </a:fld>
             <a:endParaRPr lang="zh-CN" altLang="en-US"/>
           </a:p>
@@ -3573,7 +3581,7 @@
           <a:p>
             <a:fld id="{443201C6-C6B2-4F96-9DF6-297028943761}" type="datetimeFigureOut">
               <a:rPr lang="zh-CN" altLang="en-US" smtClean="0"/>
-              <a:t>2024/1/8</a:t>
+              <a:t>2024/1/10</a:t>
             </a:fld>
             <a:endParaRPr lang="zh-CN" altLang="en-US"/>
           </a:p>
@@ -3861,7 +3869,7 @@
           <a:p>
             <a:fld id="{443201C6-C6B2-4F96-9DF6-297028943761}" type="datetimeFigureOut">
               <a:rPr lang="zh-CN" altLang="en-US" smtClean="0"/>
-              <a:t>2024/1/8</a:t>
+              <a:t>2024/1/10</a:t>
             </a:fld>
             <a:endParaRPr lang="zh-CN" altLang="en-US"/>
           </a:p>
@@ -4102,7 +4110,7 @@
           <a:p>
             <a:fld id="{443201C6-C6B2-4F96-9DF6-297028943761}" type="datetimeFigureOut">
               <a:rPr lang="zh-CN" altLang="en-US" smtClean="0"/>
-              <a:t>2024/1/8</a:t>
+              <a:t>2024/1/10</a:t>
             </a:fld>
             <a:endParaRPr lang="zh-CN" altLang="en-US"/>
           </a:p>
@@ -4930,7 +4938,7 @@
           <p:nvPr>
             <p:extLst>
               <p:ext uri="{D42A27DB-BD31-4B8C-83A1-F6EECF244321}">
-                <p14:modId xmlns:p14="http://schemas.microsoft.com/office/powerpoint/2010/main" val="3364260575"/>
+                <p14:modId xmlns:p14="http://schemas.microsoft.com/office/powerpoint/2010/main" val="2872282302"/>
               </p:ext>
             </p:extLst>
           </p:nvPr>
@@ -6145,6 +6153,729 @@
           </a:prstGeom>
         </p:spPr>
       </p:pic>
+      <p:graphicFrame>
+        <p:nvGraphicFramePr>
+          <p:cNvPr id="15" name="表格 14">
+            <a:extLst>
+              <a:ext uri="{FF2B5EF4-FFF2-40B4-BE49-F238E27FC236}">
+                <a16:creationId xmlns:a16="http://schemas.microsoft.com/office/drawing/2014/main" id="{A66506E4-7D75-9BFA-897E-873F5D668AE0}"/>
+              </a:ext>
+            </a:extLst>
+          </p:cNvPr>
+          <p:cNvGraphicFramePr>
+            <a:graphicFrameLocks noGrp="1"/>
+          </p:cNvGraphicFramePr>
+          <p:nvPr>
+            <p:extLst>
+              <p:ext uri="{D42A27DB-BD31-4B8C-83A1-F6EECF244321}">
+                <p14:modId xmlns:p14="http://schemas.microsoft.com/office/powerpoint/2010/main" val="3268889910"/>
+              </p:ext>
+            </p:extLst>
+          </p:nvPr>
+        </p:nvGraphicFramePr>
+        <p:xfrm>
+          <a:off x="695740" y="4073133"/>
+          <a:ext cx="9108660" cy="2768485"/>
+        </p:xfrm>
+        <a:graphic>
+          <a:graphicData uri="http://schemas.openxmlformats.org/drawingml/2006/table">
+            <a:tbl>
+              <a:tblPr/>
+              <a:tblGrid>
+                <a:gridCol w="4552175">
+                  <a:extLst>
+                    <a:ext uri="{9D8B030D-6E8A-4147-A177-3AD203B41FA5}">
+                      <a16:colId xmlns:a16="http://schemas.microsoft.com/office/drawing/2014/main" val="3078818713"/>
+                    </a:ext>
+                  </a:extLst>
+                </a:gridCol>
+                <a:gridCol w="4556485">
+                  <a:extLst>
+                    <a:ext uri="{9D8B030D-6E8A-4147-A177-3AD203B41FA5}">
+                      <a16:colId xmlns:a16="http://schemas.microsoft.com/office/drawing/2014/main" val="3809513742"/>
+                    </a:ext>
+                  </a:extLst>
+                </a:gridCol>
+              </a:tblGrid>
+              <a:tr h="677295">
+                <a:tc>
+                  <a:txBody>
+                    <a:bodyPr/>
+                    <a:lstStyle/>
+                    <a:p>
+                      <a:pPr marL="0" algn="ctr" defTabSz="914400" rtl="0" eaLnBrk="1" latinLnBrk="0" hangingPunct="1"/>
+                      <a:r>
+                        <a:rPr lang="en-US" altLang="zh-CN" sz="2400" b="1" i="0" kern="1200" dirty="0">
+                          <a:solidFill>
+                            <a:schemeClr val="tx1"/>
+                          </a:solidFill>
+                          <a:effectLst/>
+                          <a:latin typeface="Arial" panose="020B0604020202020204" pitchFamily="34" charset="0"/>
+                          <a:ea typeface="+mn-ea"/>
+                          <a:cs typeface="Arial" panose="020B0604020202020204" pitchFamily="34" charset="0"/>
+                        </a:rPr>
+                        <a:t>Registration Type</a:t>
+                      </a:r>
+                      <a:endParaRPr lang="en-US" sz="2400" b="1" i="0" kern="1200" dirty="0">
+                        <a:solidFill>
+                          <a:schemeClr val="tx1"/>
+                        </a:solidFill>
+                        <a:effectLst/>
+                        <a:latin typeface="Arial" panose="020B0604020202020204" pitchFamily="34" charset="0"/>
+                        <a:ea typeface="+mn-ea"/>
+                        <a:cs typeface="Arial" panose="020B0604020202020204" pitchFamily="34" charset="0"/>
+                      </a:endParaRPr>
+                    </a:p>
+                  </a:txBody>
+                  <a:tcPr marL="63500" marR="63500" marT="63500" marB="63500" anchor="ctr">
+                    <a:lnL w="6350" cap="flat" cmpd="sng" algn="ctr">
+                      <a:solidFill>
+                        <a:srgbClr val="DDDDDD"/>
+                      </a:solidFill>
+                      <a:prstDash val="solid"/>
+                      <a:round/>
+                      <a:headEnd type="none" w="med" len="med"/>
+                      <a:tailEnd type="none" w="med" len="med"/>
+                    </a:lnL>
+                    <a:lnR w="6350" cap="flat" cmpd="sng" algn="ctr">
+                      <a:solidFill>
+                        <a:srgbClr val="DDDDDD"/>
+                      </a:solidFill>
+                      <a:prstDash val="solid"/>
+                      <a:round/>
+                      <a:headEnd type="none" w="med" len="med"/>
+                      <a:tailEnd type="none" w="med" len="med"/>
+                    </a:lnR>
+                    <a:lnT w="6350" cap="flat" cmpd="sng" algn="ctr">
+                      <a:solidFill>
+                        <a:srgbClr val="DDDDDD"/>
+                      </a:solidFill>
+                      <a:prstDash val="solid"/>
+                      <a:round/>
+                      <a:headEnd type="none" w="med" len="med"/>
+                      <a:tailEnd type="none" w="med" len="med"/>
+                    </a:lnT>
+                    <a:lnB w="6350" cap="flat" cmpd="sng" algn="ctr">
+                      <a:solidFill>
+                        <a:srgbClr val="DDDDDD"/>
+                      </a:solidFill>
+                      <a:prstDash val="solid"/>
+                      <a:round/>
+                      <a:headEnd type="none" w="med" len="med"/>
+                      <a:tailEnd type="none" w="med" len="med"/>
+                    </a:lnB>
+                    <a:noFill/>
+                  </a:tcPr>
+                </a:tc>
+                <a:tc>
+                  <a:txBody>
+                    <a:bodyPr/>
+                    <a:lstStyle/>
+                    <a:p>
+                      <a:pPr marL="0" algn="ctr" defTabSz="914400" rtl="0" eaLnBrk="1" latinLnBrk="0" hangingPunct="1"/>
+                      <a:r>
+                        <a:rPr lang="en-US" sz="2400" b="1" i="0" kern="1200" dirty="0">
+                          <a:solidFill>
+                            <a:schemeClr val="tx1"/>
+                          </a:solidFill>
+                          <a:effectLst/>
+                          <a:latin typeface="Arial" panose="020B0604020202020204" pitchFamily="34" charset="0"/>
+                          <a:ea typeface="+mn-ea"/>
+                          <a:cs typeface="Arial" panose="020B0604020202020204" pitchFamily="34" charset="0"/>
+                        </a:rPr>
+                        <a:t>Registration Fee</a:t>
+                      </a:r>
+                    </a:p>
+                  </a:txBody>
+                  <a:tcPr marL="63500" marR="63500" marT="63500" marB="63500" anchor="ctr">
+                    <a:lnL w="6350" cap="flat" cmpd="sng" algn="ctr">
+                      <a:solidFill>
+                        <a:srgbClr val="DDDDDD"/>
+                      </a:solidFill>
+                      <a:prstDash val="solid"/>
+                      <a:round/>
+                      <a:headEnd type="none" w="med" len="med"/>
+                      <a:tailEnd type="none" w="med" len="med"/>
+                    </a:lnL>
+                    <a:lnR w="6350" cap="flat" cmpd="sng" algn="ctr">
+                      <a:solidFill>
+                        <a:srgbClr val="DDDDDD"/>
+                      </a:solidFill>
+                      <a:prstDash val="solid"/>
+                      <a:round/>
+                      <a:headEnd type="none" w="med" len="med"/>
+                      <a:tailEnd type="none" w="med" len="med"/>
+                    </a:lnR>
+                    <a:lnT w="6350" cap="flat" cmpd="sng" algn="ctr">
+                      <a:solidFill>
+                        <a:srgbClr val="DDDDDD"/>
+                      </a:solidFill>
+                      <a:prstDash val="solid"/>
+                      <a:round/>
+                      <a:headEnd type="none" w="med" len="med"/>
+                      <a:tailEnd type="none" w="med" len="med"/>
+                    </a:lnT>
+                    <a:lnB w="6350" cap="flat" cmpd="sng" algn="ctr">
+                      <a:solidFill>
+                        <a:srgbClr val="DDDDDD"/>
+                      </a:solidFill>
+                      <a:prstDash val="solid"/>
+                      <a:round/>
+                      <a:headEnd type="none" w="med" len="med"/>
+                      <a:tailEnd type="none" w="med" len="med"/>
+                    </a:lnB>
+                    <a:noFill/>
+                  </a:tcPr>
+                </a:tc>
+                <a:extLst>
+                  <a:ext uri="{0D108BD9-81ED-4DB2-BD59-A6C34878D82A}">
+                    <a16:rowId xmlns:a16="http://schemas.microsoft.com/office/drawing/2014/main" val="1319623959"/>
+                  </a:ext>
+                </a:extLst>
+              </a:tr>
+              <a:tr h="677295">
+                <a:tc>
+                  <a:txBody>
+                    <a:bodyPr/>
+                    <a:lstStyle/>
+                    <a:p>
+                      <a:pPr algn="ctr" latinLnBrk="1"/>
+                      <a:r>
+                        <a:rPr lang="en-US" altLang="zh-CN" sz="2000" b="0" i="0" kern="1200" dirty="0">
+                          <a:solidFill>
+                            <a:schemeClr val="tx1"/>
+                          </a:solidFill>
+                          <a:effectLst/>
+                          <a:latin typeface="Arial" panose="020B0604020202020204" pitchFamily="34" charset="0"/>
+                          <a:ea typeface="+mn-ea"/>
+                          <a:cs typeface="Arial" panose="020B0604020202020204" pitchFamily="34" charset="0"/>
+                        </a:rPr>
+                        <a:t>Full Delegate</a:t>
+                      </a:r>
+                      <a:endParaRPr lang="en-US" sz="2000" b="0" dirty="0">
+                        <a:solidFill>
+                          <a:schemeClr val="tx1"/>
+                        </a:solidFill>
+                        <a:effectLst/>
+                        <a:latin typeface="Arial" panose="020B0604020202020204" pitchFamily="34" charset="0"/>
+                        <a:cs typeface="Arial" panose="020B0604020202020204" pitchFamily="34" charset="0"/>
+                      </a:endParaRPr>
+                    </a:p>
+                  </a:txBody>
+                  <a:tcPr marL="63500" marR="63500" marT="63500" marB="63500" anchor="ctr">
+                    <a:lnL w="6350" cap="flat" cmpd="sng" algn="ctr">
+                      <a:solidFill>
+                        <a:srgbClr val="DDDDDD"/>
+                      </a:solidFill>
+                      <a:prstDash val="solid"/>
+                      <a:round/>
+                      <a:headEnd type="none" w="med" len="med"/>
+                      <a:tailEnd type="none" w="med" len="med"/>
+                    </a:lnL>
+                    <a:lnR w="6350" cap="flat" cmpd="sng" algn="ctr">
+                      <a:solidFill>
+                        <a:srgbClr val="DDDDDD"/>
+                      </a:solidFill>
+                      <a:prstDash val="solid"/>
+                      <a:round/>
+                      <a:headEnd type="none" w="med" len="med"/>
+                      <a:tailEnd type="none" w="med" len="med"/>
+                    </a:lnR>
+                    <a:lnT w="6350" cap="flat" cmpd="sng" algn="ctr">
+                      <a:solidFill>
+                        <a:srgbClr val="DDDDDD"/>
+                      </a:solidFill>
+                      <a:prstDash val="solid"/>
+                      <a:round/>
+                      <a:headEnd type="none" w="med" len="med"/>
+                      <a:tailEnd type="none" w="med" len="med"/>
+                    </a:lnT>
+                    <a:lnB w="6350" cap="flat" cmpd="sng" algn="ctr">
+                      <a:solidFill>
+                        <a:srgbClr val="DDDDDD"/>
+                      </a:solidFill>
+                      <a:prstDash val="solid"/>
+                      <a:round/>
+                      <a:headEnd type="none" w="med" len="med"/>
+                      <a:tailEnd type="none" w="med" len="med"/>
+                    </a:lnB>
+                    <a:solidFill>
+                      <a:srgbClr val="DEEBF7">
+                        <a:alpha val="20000"/>
+                      </a:srgbClr>
+                    </a:solidFill>
+                  </a:tcPr>
+                </a:tc>
+                <a:tc>
+                  <a:txBody>
+                    <a:bodyPr/>
+                    <a:lstStyle/>
+                    <a:p>
+                      <a:pPr algn="ctr"/>
+                      <a:r>
+                        <a:rPr lang="en-US" altLang="zh-CN" sz="2000" dirty="0">
+                          <a:solidFill>
+                            <a:schemeClr val="tx1"/>
+                          </a:solidFill>
+                          <a:effectLst/>
+                          <a:latin typeface="Arial" panose="020B0604020202020204" pitchFamily="34" charset="0"/>
+                          <a:cs typeface="Arial" panose="020B0604020202020204" pitchFamily="34" charset="0"/>
+                        </a:rPr>
+                        <a:t>850 </a:t>
+                      </a:r>
+                      <a:r>
+                        <a:rPr lang="en-US" sz="2000" dirty="0">
+                          <a:solidFill>
+                            <a:schemeClr val="tx1"/>
+                          </a:solidFill>
+                          <a:effectLst/>
+                          <a:latin typeface="Arial" panose="020B0604020202020204" pitchFamily="34" charset="0"/>
+                          <a:cs typeface="Arial" panose="020B0604020202020204" pitchFamily="34" charset="0"/>
+                        </a:rPr>
+                        <a:t>USD</a:t>
+                      </a:r>
+                    </a:p>
+                  </a:txBody>
+                  <a:tcPr marL="63500" marR="63500" marT="63500" marB="63500" anchor="ctr">
+                    <a:lnL w="6350" cap="flat" cmpd="sng" algn="ctr">
+                      <a:solidFill>
+                        <a:srgbClr val="DDDDDD"/>
+                      </a:solidFill>
+                      <a:prstDash val="solid"/>
+                      <a:round/>
+                      <a:headEnd type="none" w="med" len="med"/>
+                      <a:tailEnd type="none" w="med" len="med"/>
+                    </a:lnL>
+                    <a:lnR w="6350" cap="flat" cmpd="sng" algn="ctr">
+                      <a:solidFill>
+                        <a:srgbClr val="DDDDDD"/>
+                      </a:solidFill>
+                      <a:prstDash val="solid"/>
+                      <a:round/>
+                      <a:headEnd type="none" w="med" len="med"/>
+                      <a:tailEnd type="none" w="med" len="med"/>
+                    </a:lnR>
+                    <a:lnT w="6350" cap="flat" cmpd="sng" algn="ctr">
+                      <a:solidFill>
+                        <a:srgbClr val="DDDDDD"/>
+                      </a:solidFill>
+                      <a:prstDash val="solid"/>
+                      <a:round/>
+                      <a:headEnd type="none" w="med" len="med"/>
+                      <a:tailEnd type="none" w="med" len="med"/>
+                    </a:lnT>
+                    <a:lnB w="6350" cap="flat" cmpd="sng" algn="ctr">
+                      <a:solidFill>
+                        <a:srgbClr val="DDDDDD"/>
+                      </a:solidFill>
+                      <a:prstDash val="solid"/>
+                      <a:round/>
+                      <a:headEnd type="none" w="med" len="med"/>
+                      <a:tailEnd type="none" w="med" len="med"/>
+                    </a:lnB>
+                    <a:solidFill>
+                      <a:srgbClr val="DEEBF7">
+                        <a:alpha val="20000"/>
+                      </a:srgbClr>
+                    </a:solidFill>
+                  </a:tcPr>
+                </a:tc>
+                <a:extLst>
+                  <a:ext uri="{0D108BD9-81ED-4DB2-BD59-A6C34878D82A}">
+                    <a16:rowId xmlns:a16="http://schemas.microsoft.com/office/drawing/2014/main" val="402465856"/>
+                  </a:ext>
+                </a:extLst>
+              </a:tr>
+              <a:tr h="677295">
+                <a:tc>
+                  <a:txBody>
+                    <a:bodyPr/>
+                    <a:lstStyle/>
+                    <a:p>
+                      <a:pPr algn="ctr" latinLnBrk="1"/>
+                      <a:r>
+                        <a:rPr lang="en-US" altLang="zh-CN" sz="2000" b="0" i="0" kern="1200" dirty="0">
+                          <a:solidFill>
+                            <a:schemeClr val="tx1"/>
+                          </a:solidFill>
+                          <a:effectLst/>
+                          <a:latin typeface="Arial" panose="020B0604020202020204" pitchFamily="34" charset="0"/>
+                          <a:ea typeface="+mn-ea"/>
+                          <a:cs typeface="Arial" panose="020B0604020202020204" pitchFamily="34" charset="0"/>
+                        </a:rPr>
+                        <a:t>Student Delegate</a:t>
+                      </a:r>
+                      <a:endParaRPr lang="en-US" sz="2000" b="0" dirty="0">
+                        <a:solidFill>
+                          <a:schemeClr val="tx1"/>
+                        </a:solidFill>
+                        <a:effectLst/>
+                        <a:latin typeface="Arial" panose="020B0604020202020204" pitchFamily="34" charset="0"/>
+                        <a:cs typeface="Arial" panose="020B0604020202020204" pitchFamily="34" charset="0"/>
+                      </a:endParaRPr>
+                    </a:p>
+                  </a:txBody>
+                  <a:tcPr marL="63500" marR="63500" marT="63500" marB="63500" anchor="ctr">
+                    <a:lnL w="6350" cap="flat" cmpd="sng" algn="ctr">
+                      <a:solidFill>
+                        <a:srgbClr val="DDDDDD"/>
+                      </a:solidFill>
+                      <a:prstDash val="solid"/>
+                      <a:round/>
+                      <a:headEnd type="none" w="med" len="med"/>
+                      <a:tailEnd type="none" w="med" len="med"/>
+                    </a:lnL>
+                    <a:lnR w="6350" cap="flat" cmpd="sng" algn="ctr">
+                      <a:solidFill>
+                        <a:srgbClr val="DDDDDD"/>
+                      </a:solidFill>
+                      <a:prstDash val="solid"/>
+                      <a:round/>
+                      <a:headEnd type="none" w="med" len="med"/>
+                      <a:tailEnd type="none" w="med" len="med"/>
+                    </a:lnR>
+                    <a:lnT w="6350" cap="flat" cmpd="sng" algn="ctr">
+                      <a:solidFill>
+                        <a:srgbClr val="DDDDDD"/>
+                      </a:solidFill>
+                      <a:prstDash val="solid"/>
+                      <a:round/>
+                      <a:headEnd type="none" w="med" len="med"/>
+                      <a:tailEnd type="none" w="med" len="med"/>
+                    </a:lnT>
+                    <a:lnB w="6350" cap="flat" cmpd="sng" algn="ctr">
+                      <a:solidFill>
+                        <a:srgbClr val="DDDDDD"/>
+                      </a:solidFill>
+                      <a:prstDash val="solid"/>
+                      <a:round/>
+                      <a:headEnd type="none" w="med" len="med"/>
+                      <a:tailEnd type="none" w="med" len="med"/>
+                    </a:lnB>
+                    <a:noFill/>
+                  </a:tcPr>
+                </a:tc>
+                <a:tc>
+                  <a:txBody>
+                    <a:bodyPr/>
+                    <a:lstStyle/>
+                    <a:p>
+                      <a:pPr marL="0" marR="0" lvl="0" indent="0" algn="ctr" defTabSz="914400" rtl="0" eaLnBrk="1" fontAlgn="auto" latinLnBrk="0" hangingPunct="1">
+                        <a:lnSpc>
+                          <a:spcPct val="100000"/>
+                        </a:lnSpc>
+                        <a:spcBef>
+                          <a:spcPts val="0"/>
+                        </a:spcBef>
+                        <a:spcAft>
+                          <a:spcPts val="0"/>
+                        </a:spcAft>
+                        <a:buClrTx/>
+                        <a:buSzTx/>
+                        <a:buFontTx/>
+                        <a:buNone/>
+                        <a:tabLst/>
+                        <a:defRPr/>
+                      </a:pPr>
+                      <a:r>
+                        <a:rPr lang="en-US" sz="2000" dirty="0">
+                          <a:solidFill>
+                            <a:schemeClr val="tx1"/>
+                          </a:solidFill>
+                          <a:effectLst/>
+                          <a:latin typeface="Arial" panose="020B0604020202020204" pitchFamily="34" charset="0"/>
+                          <a:cs typeface="Arial" panose="020B0604020202020204" pitchFamily="34" charset="0"/>
+                        </a:rPr>
+                        <a:t> </a:t>
+                      </a:r>
+                      <a:r>
+                        <a:rPr lang="en-US" altLang="zh-CN" sz="2000" dirty="0">
+                          <a:solidFill>
+                            <a:schemeClr val="tx1"/>
+                          </a:solidFill>
+                          <a:effectLst/>
+                          <a:latin typeface="Arial" panose="020B0604020202020204" pitchFamily="34" charset="0"/>
+                          <a:cs typeface="Arial" panose="020B0604020202020204" pitchFamily="34" charset="0"/>
+                        </a:rPr>
+                        <a:t>700 </a:t>
+                      </a:r>
+                      <a:r>
+                        <a:rPr lang="en-US" sz="2000" dirty="0">
+                          <a:solidFill>
+                            <a:schemeClr val="tx1"/>
+                          </a:solidFill>
+                          <a:effectLst/>
+                          <a:latin typeface="Arial" panose="020B0604020202020204" pitchFamily="34" charset="0"/>
+                          <a:cs typeface="Arial" panose="020B0604020202020204" pitchFamily="34" charset="0"/>
+                        </a:rPr>
+                        <a:t>USD</a:t>
+                      </a:r>
+                    </a:p>
+                    <a:p>
+                      <a:pPr marL="0" marR="0" lvl="0" indent="0" algn="ctr" defTabSz="914400" rtl="0" eaLnBrk="1" fontAlgn="auto" latinLnBrk="0" hangingPunct="1">
+                        <a:lnSpc>
+                          <a:spcPct val="100000"/>
+                        </a:lnSpc>
+                        <a:spcBef>
+                          <a:spcPts val="0"/>
+                        </a:spcBef>
+                        <a:spcAft>
+                          <a:spcPts val="0"/>
+                        </a:spcAft>
+                        <a:buClrTx/>
+                        <a:buSzTx/>
+                        <a:buFontTx/>
+                        <a:buNone/>
+                        <a:tabLst/>
+                        <a:defRPr/>
+                      </a:pPr>
+                      <a:r>
+                        <a:rPr lang="en-US" altLang="zh-CN" sz="2000" b="0" i="0" kern="1200" dirty="0">
+                          <a:solidFill>
+                            <a:schemeClr val="tx1"/>
+                          </a:solidFill>
+                          <a:effectLst/>
+                          <a:latin typeface="Arial" panose="020B0604020202020204" pitchFamily="34" charset="0"/>
+                          <a:ea typeface="+mn-ea"/>
+                          <a:cs typeface="Arial" panose="020B0604020202020204" pitchFamily="34" charset="0"/>
+                        </a:rPr>
+                        <a:t>(Banquet </a:t>
+                      </a:r>
+                      <a:r>
+                        <a:rPr lang="en-US" altLang="zh-CN" sz="2000" b="1" i="0" kern="1200" dirty="0">
+                          <a:solidFill>
+                            <a:schemeClr val="tx1"/>
+                          </a:solidFill>
+                          <a:effectLst/>
+                          <a:latin typeface="Arial" panose="020B0604020202020204" pitchFamily="34" charset="0"/>
+                          <a:ea typeface="+mn-ea"/>
+                          <a:cs typeface="Arial" panose="020B0604020202020204" pitchFamily="34" charset="0"/>
+                        </a:rPr>
+                        <a:t>NOT</a:t>
+                      </a:r>
+                      <a:r>
+                        <a:rPr lang="en-US" altLang="zh-CN" sz="2000" b="0" i="0" kern="1200" dirty="0">
+                          <a:solidFill>
+                            <a:schemeClr val="tx1"/>
+                          </a:solidFill>
+                          <a:effectLst/>
+                          <a:latin typeface="Arial" panose="020B0604020202020204" pitchFamily="34" charset="0"/>
+                          <a:ea typeface="+mn-ea"/>
+                          <a:cs typeface="Arial" panose="020B0604020202020204" pitchFamily="34" charset="0"/>
+                        </a:rPr>
+                        <a:t> Included)</a:t>
+                      </a:r>
+                      <a:endParaRPr lang="en-US" sz="2000" dirty="0">
+                        <a:solidFill>
+                          <a:schemeClr val="tx1"/>
+                        </a:solidFill>
+                        <a:effectLst/>
+                        <a:latin typeface="Arial" panose="020B0604020202020204" pitchFamily="34" charset="0"/>
+                        <a:cs typeface="Arial" panose="020B0604020202020204" pitchFamily="34" charset="0"/>
+                      </a:endParaRPr>
+                    </a:p>
+                  </a:txBody>
+                  <a:tcPr marL="63500" marR="63500" marT="63500" marB="63500" anchor="ctr">
+                    <a:lnL w="6350" cap="flat" cmpd="sng" algn="ctr">
+                      <a:solidFill>
+                        <a:srgbClr val="DDDDDD"/>
+                      </a:solidFill>
+                      <a:prstDash val="solid"/>
+                      <a:round/>
+                      <a:headEnd type="none" w="med" len="med"/>
+                      <a:tailEnd type="none" w="med" len="med"/>
+                    </a:lnL>
+                    <a:lnR w="6350" cap="flat" cmpd="sng" algn="ctr">
+                      <a:solidFill>
+                        <a:srgbClr val="DDDDDD"/>
+                      </a:solidFill>
+                      <a:prstDash val="solid"/>
+                      <a:round/>
+                      <a:headEnd type="none" w="med" len="med"/>
+                      <a:tailEnd type="none" w="med" len="med"/>
+                    </a:lnR>
+                    <a:lnT w="6350" cap="flat" cmpd="sng" algn="ctr">
+                      <a:solidFill>
+                        <a:srgbClr val="DDDDDD"/>
+                      </a:solidFill>
+                      <a:prstDash val="solid"/>
+                      <a:round/>
+                      <a:headEnd type="none" w="med" len="med"/>
+                      <a:tailEnd type="none" w="med" len="med"/>
+                    </a:lnT>
+                    <a:lnB w="6350" cap="flat" cmpd="sng" algn="ctr">
+                      <a:solidFill>
+                        <a:srgbClr val="DDDDDD"/>
+                      </a:solidFill>
+                      <a:prstDash val="solid"/>
+                      <a:round/>
+                      <a:headEnd type="none" w="med" len="med"/>
+                      <a:tailEnd type="none" w="med" len="med"/>
+                    </a:lnB>
+                    <a:noFill/>
+                  </a:tcPr>
+                </a:tc>
+                <a:extLst>
+                  <a:ext uri="{0D108BD9-81ED-4DB2-BD59-A6C34878D82A}">
+                    <a16:rowId xmlns:a16="http://schemas.microsoft.com/office/drawing/2014/main" val="3995739784"/>
+                  </a:ext>
+                </a:extLst>
+              </a:tr>
+              <a:tr h="677295">
+                <a:tc>
+                  <a:txBody>
+                    <a:bodyPr/>
+                    <a:lstStyle/>
+                    <a:p>
+                      <a:pPr algn="ctr"/>
+                      <a:r>
+                        <a:rPr lang="en-US" altLang="zh-CN" sz="2000" b="0" i="0" kern="1200" dirty="0">
+                          <a:solidFill>
+                            <a:schemeClr val="tx1"/>
+                          </a:solidFill>
+                          <a:effectLst/>
+                          <a:latin typeface="Arial" panose="020B0604020202020204" pitchFamily="34" charset="0"/>
+                          <a:ea typeface="+mn-ea"/>
+                          <a:cs typeface="Arial" panose="020B0604020202020204" pitchFamily="34" charset="0"/>
+                        </a:rPr>
+                        <a:t>Additional Banquet Ticket</a:t>
+                      </a:r>
+                      <a:endParaRPr lang="en-US" sz="2000" b="0" dirty="0">
+                        <a:solidFill>
+                          <a:schemeClr val="tx1"/>
+                        </a:solidFill>
+                        <a:effectLst/>
+                        <a:latin typeface="Arial" panose="020B0604020202020204" pitchFamily="34" charset="0"/>
+                        <a:cs typeface="Arial" panose="020B0604020202020204" pitchFamily="34" charset="0"/>
+                      </a:endParaRPr>
+                    </a:p>
+                  </a:txBody>
+                  <a:tcPr marL="63500" marR="63500" marT="63500" marB="63500" anchor="ctr">
+                    <a:lnL w="6350" cap="flat" cmpd="sng" algn="ctr">
+                      <a:solidFill>
+                        <a:srgbClr val="DDDDDD"/>
+                      </a:solidFill>
+                      <a:prstDash val="solid"/>
+                      <a:round/>
+                      <a:headEnd type="none" w="med" len="med"/>
+                      <a:tailEnd type="none" w="med" len="med"/>
+                    </a:lnL>
+                    <a:lnR w="6350" cap="flat" cmpd="sng" algn="ctr">
+                      <a:solidFill>
+                        <a:srgbClr val="DDDDDD"/>
+                      </a:solidFill>
+                      <a:prstDash val="solid"/>
+                      <a:round/>
+                      <a:headEnd type="none" w="med" len="med"/>
+                      <a:tailEnd type="none" w="med" len="med"/>
+                    </a:lnR>
+                    <a:lnT w="6350" cap="flat" cmpd="sng" algn="ctr">
+                      <a:solidFill>
+                        <a:srgbClr val="DDDDDD"/>
+                      </a:solidFill>
+                      <a:prstDash val="solid"/>
+                      <a:round/>
+                      <a:headEnd type="none" w="med" len="med"/>
+                      <a:tailEnd type="none" w="med" len="med"/>
+                    </a:lnT>
+                    <a:lnB w="6350" cap="flat" cmpd="sng" algn="ctr">
+                      <a:solidFill>
+                        <a:srgbClr val="DDDDDD"/>
+                      </a:solidFill>
+                      <a:prstDash val="solid"/>
+                      <a:round/>
+                      <a:headEnd type="none" w="med" len="med"/>
+                      <a:tailEnd type="none" w="med" len="med"/>
+                    </a:lnB>
+                    <a:solidFill>
+                      <a:srgbClr val="DEEBF7">
+                        <a:alpha val="20000"/>
+                      </a:srgbClr>
+                    </a:solidFill>
+                  </a:tcPr>
+                </a:tc>
+                <a:tc>
+                  <a:txBody>
+                    <a:bodyPr/>
+                    <a:lstStyle/>
+                    <a:p>
+                      <a:pPr algn="ctr"/>
+                      <a:r>
+                        <a:rPr lang="en-US" altLang="zh-CN" sz="2000" b="0" i="0" kern="1200" dirty="0">
+                          <a:solidFill>
+                            <a:schemeClr val="tx1"/>
+                          </a:solidFill>
+                          <a:effectLst/>
+                          <a:latin typeface="Arial" panose="020B0604020202020204" pitchFamily="34" charset="0"/>
+                          <a:ea typeface="+mn-ea"/>
+                          <a:cs typeface="Arial" panose="020B0604020202020204" pitchFamily="34" charset="0"/>
+                        </a:rPr>
+                        <a:t>100 USD</a:t>
+                      </a:r>
+                      <a:endParaRPr lang="en-US" sz="2000" dirty="0">
+                        <a:solidFill>
+                          <a:schemeClr val="tx1"/>
+                        </a:solidFill>
+                        <a:effectLst/>
+                        <a:latin typeface="Arial" panose="020B0604020202020204" pitchFamily="34" charset="0"/>
+                        <a:cs typeface="Arial" panose="020B0604020202020204" pitchFamily="34" charset="0"/>
+                      </a:endParaRPr>
+                    </a:p>
+                  </a:txBody>
+                  <a:tcPr marL="63500" marR="63500" marT="63500" marB="63500" anchor="ctr">
+                    <a:lnL w="6350" cap="flat" cmpd="sng" algn="ctr">
+                      <a:solidFill>
+                        <a:srgbClr val="DDDDDD"/>
+                      </a:solidFill>
+                      <a:prstDash val="solid"/>
+                      <a:round/>
+                      <a:headEnd type="none" w="med" len="med"/>
+                      <a:tailEnd type="none" w="med" len="med"/>
+                    </a:lnL>
+                    <a:lnR w="6350" cap="flat" cmpd="sng" algn="ctr">
+                      <a:solidFill>
+                        <a:srgbClr val="DDDDDD"/>
+                      </a:solidFill>
+                      <a:prstDash val="solid"/>
+                      <a:round/>
+                      <a:headEnd type="none" w="med" len="med"/>
+                      <a:tailEnd type="none" w="med" len="med"/>
+                    </a:lnR>
+                    <a:lnT w="6350" cap="flat" cmpd="sng" algn="ctr">
+                      <a:solidFill>
+                        <a:srgbClr val="DDDDDD"/>
+                      </a:solidFill>
+                      <a:prstDash val="solid"/>
+                      <a:round/>
+                      <a:headEnd type="none" w="med" len="med"/>
+                      <a:tailEnd type="none" w="med" len="med"/>
+                    </a:lnT>
+                    <a:lnB w="6350" cap="flat" cmpd="sng" algn="ctr">
+                      <a:solidFill>
+                        <a:srgbClr val="DDDDDD"/>
+                      </a:solidFill>
+                      <a:prstDash val="solid"/>
+                      <a:round/>
+                      <a:headEnd type="none" w="med" len="med"/>
+                      <a:tailEnd type="none" w="med" len="med"/>
+                    </a:lnB>
+                    <a:solidFill>
+                      <a:srgbClr val="DEEBF7">
+                        <a:alpha val="20000"/>
+                      </a:srgbClr>
+                    </a:solidFill>
+                  </a:tcPr>
+                </a:tc>
+                <a:extLst>
+                  <a:ext uri="{0D108BD9-81ED-4DB2-BD59-A6C34878D82A}">
+                    <a16:rowId xmlns:a16="http://schemas.microsoft.com/office/drawing/2014/main" val="190464406"/>
+                  </a:ext>
+                </a:extLst>
+              </a:tr>
+            </a:tbl>
+          </a:graphicData>
+        </a:graphic>
+      </p:graphicFrame>
     </p:spTree>
     <p:extLst>
       <p:ext uri="{BB962C8B-B14F-4D97-AF65-F5344CB8AC3E}">

--- a/assets/figures.pptx
+++ b/assets/figures.pptx
@@ -124,7 +124,7 @@
 <file path=ppt/revisionInfo.xml><?xml version="1.0" encoding="utf-8"?>
 <p1510:revInfo xmlns:a="http://schemas.openxmlformats.org/drawingml/2006/main" xmlns:r="http://schemas.openxmlformats.org/officeDocument/2006/relationships" xmlns:p1510="http://schemas.microsoft.com/office/powerpoint/2015/10/main">
   <p1510:revLst>
-    <p1510:client id="{0190945F-89A7-4B46-967C-3ACE53AB7830}" v="166" dt="2024-01-10T06:18:11.266"/>
+    <p1510:client id="{0190945F-89A7-4B46-967C-3ACE53AB7830}" v="167" dt="2024-01-10T06:22:12.618"/>
   </p1510:revLst>
 </p1510:revInfo>
 </file>
@@ -134,12 +134,12 @@
   <pc:docChgLst>
     <pc:chgData name="ZHANG Xiangyu" userId="0af619d5-14b7-43d3-95bc-94ad39c803d6" providerId="ADAL" clId="{0190945F-89A7-4B46-967C-3ACE53AB7830}"/>
     <pc:docChg chg="undo redo custSel addSld modSld">
-      <pc:chgData name="ZHANG Xiangyu" userId="0af619d5-14b7-43d3-95bc-94ad39c803d6" providerId="ADAL" clId="{0190945F-89A7-4B46-967C-3ACE53AB7830}" dt="2024-01-10T06:18:11.264" v="820" actId="5736"/>
+      <pc:chgData name="ZHANG Xiangyu" userId="0af619d5-14b7-43d3-95bc-94ad39c803d6" providerId="ADAL" clId="{0190945F-89A7-4B46-967C-3ACE53AB7830}" dt="2024-01-10T06:22:12.617" v="822" actId="5736"/>
       <pc:docMkLst>
         <pc:docMk/>
       </pc:docMkLst>
       <pc:sldChg chg="addSp delSp modSp new mod">
-        <pc:chgData name="ZHANG Xiangyu" userId="0af619d5-14b7-43d3-95bc-94ad39c803d6" providerId="ADAL" clId="{0190945F-89A7-4B46-967C-3ACE53AB7830}" dt="2024-01-10T06:18:11.264" v="820" actId="5736"/>
+        <pc:chgData name="ZHANG Xiangyu" userId="0af619d5-14b7-43d3-95bc-94ad39c803d6" providerId="ADAL" clId="{0190945F-89A7-4B46-967C-3ACE53AB7830}" dt="2024-01-10T06:22:12.617" v="822" actId="5736"/>
         <pc:sldMkLst>
           <pc:docMk/>
           <pc:sldMk cId="3049935216" sldId="256"/>
@@ -233,7 +233,7 @@
           </ac:graphicFrameMkLst>
         </pc:graphicFrameChg>
         <pc:graphicFrameChg chg="add mod modGraphic">
-          <ac:chgData name="ZHANG Xiangyu" userId="0af619d5-14b7-43d3-95bc-94ad39c803d6" providerId="ADAL" clId="{0190945F-89A7-4B46-967C-3ACE53AB7830}" dt="2024-01-10T06:18:11.264" v="820" actId="5736"/>
+          <ac:chgData name="ZHANG Xiangyu" userId="0af619d5-14b7-43d3-95bc-94ad39c803d6" providerId="ADAL" clId="{0190945F-89A7-4B46-967C-3ACE53AB7830}" dt="2024-01-10T06:22:12.617" v="822" actId="5736"/>
           <ac:graphicFrameMkLst>
             <pc:docMk/>
             <pc:sldMk cId="3049935216" sldId="256"/>
@@ -6168,14 +6168,14 @@
           <p:nvPr>
             <p:extLst>
               <p:ext uri="{D42A27DB-BD31-4B8C-83A1-F6EECF244321}">
-                <p14:modId xmlns:p14="http://schemas.microsoft.com/office/powerpoint/2010/main" val="3268889910"/>
+                <p14:modId xmlns:p14="http://schemas.microsoft.com/office/powerpoint/2010/main" val="526531697"/>
               </p:ext>
             </p:extLst>
           </p:nvPr>
         </p:nvGraphicFramePr>
         <p:xfrm>
           <a:off x="695740" y="4073133"/>
-          <a:ext cx="9108660" cy="2768485"/>
+          <a:ext cx="9108660" cy="2890405"/>
         </p:xfrm>
         <a:graphic>
           <a:graphicData uri="http://schemas.openxmlformats.org/drawingml/2006/table">
@@ -6205,7 +6205,7 @@
                     <a:p>
                       <a:pPr marL="0" algn="ctr" defTabSz="914400" rtl="0" eaLnBrk="1" latinLnBrk="0" hangingPunct="1"/>
                       <a:r>
-                        <a:rPr lang="en-US" altLang="zh-CN" sz="2400" b="1" i="0" kern="1200" dirty="0">
+                        <a:rPr lang="en-US" altLang="zh-CN" sz="2800" b="1" i="0" kern="1200" dirty="0">
                           <a:solidFill>
                             <a:schemeClr val="tx1"/>
                           </a:solidFill>
@@ -6216,7 +6216,7 @@
                         </a:rPr>
                         <a:t>Registration Type</a:t>
                       </a:r>
-                      <a:endParaRPr lang="en-US" sz="2400" b="1" i="0" kern="1200" dirty="0">
+                      <a:endParaRPr lang="en-US" sz="2800" b="1" i="0" kern="1200" dirty="0">
                         <a:solidFill>
                           <a:schemeClr val="tx1"/>
                         </a:solidFill>
@@ -6274,7 +6274,7 @@
                     <a:p>
                       <a:pPr marL="0" algn="ctr" defTabSz="914400" rtl="0" eaLnBrk="1" latinLnBrk="0" hangingPunct="1"/>
                       <a:r>
-                        <a:rPr lang="en-US" sz="2400" b="1" i="0" kern="1200" dirty="0">
+                        <a:rPr lang="en-US" sz="2800" b="1" i="0" kern="1200" dirty="0">
                           <a:solidFill>
                             <a:schemeClr val="tx1"/>
                           </a:solidFill>
@@ -6341,7 +6341,7 @@
                     <a:p>
                       <a:pPr algn="ctr" latinLnBrk="1"/>
                       <a:r>
-                        <a:rPr lang="en-US" altLang="zh-CN" sz="2000" b="0" i="0" kern="1200" dirty="0">
+                        <a:rPr lang="en-US" altLang="zh-CN" sz="2400" b="0" i="0" kern="1200" dirty="0">
                           <a:solidFill>
                             <a:schemeClr val="tx1"/>
                           </a:solidFill>
@@ -6352,7 +6352,7 @@
                         </a:rPr>
                         <a:t>Full Delegate</a:t>
                       </a:r>
-                      <a:endParaRPr lang="en-US" sz="2000" b="0" dirty="0">
+                      <a:endParaRPr lang="en-US" sz="2400" b="0" dirty="0">
                         <a:solidFill>
                           <a:schemeClr val="tx1"/>
                         </a:solidFill>
@@ -6413,7 +6413,7 @@
                     <a:p>
                       <a:pPr algn="ctr"/>
                       <a:r>
-                        <a:rPr lang="en-US" altLang="zh-CN" sz="2000" dirty="0">
+                        <a:rPr lang="en-US" altLang="zh-CN" sz="2400" dirty="0">
                           <a:solidFill>
                             <a:schemeClr val="tx1"/>
                           </a:solidFill>
@@ -6424,7 +6424,7 @@
                         <a:t>850 </a:t>
                       </a:r>
                       <a:r>
-                        <a:rPr lang="en-US" sz="2000" dirty="0">
+                        <a:rPr lang="en-US" sz="2400" dirty="0">
                           <a:solidFill>
                             <a:schemeClr val="tx1"/>
                           </a:solidFill>
@@ -6494,7 +6494,7 @@
                     <a:p>
                       <a:pPr algn="ctr" latinLnBrk="1"/>
                       <a:r>
-                        <a:rPr lang="en-US" altLang="zh-CN" sz="2000" b="0" i="0" kern="1200" dirty="0">
+                        <a:rPr lang="en-US" altLang="zh-CN" sz="2400" b="0" i="0" kern="1200" dirty="0">
                           <a:solidFill>
                             <a:schemeClr val="tx1"/>
                           </a:solidFill>
@@ -6505,7 +6505,7 @@
                         </a:rPr>
                         <a:t>Student Delegate</a:t>
                       </a:r>
-                      <a:endParaRPr lang="en-US" sz="2000" b="0" dirty="0">
+                      <a:endParaRPr lang="en-US" sz="2400" b="0" dirty="0">
                         <a:solidFill>
                           <a:schemeClr val="tx1"/>
                         </a:solidFill>
@@ -6578,7 +6578,7 @@
                         <a:defRPr/>
                       </a:pPr>
                       <a:r>
-                        <a:rPr lang="en-US" sz="2000" dirty="0">
+                        <a:rPr lang="en-US" sz="2400" dirty="0">
                           <a:solidFill>
                             <a:schemeClr val="tx1"/>
                           </a:solidFill>
@@ -6589,7 +6589,7 @@
                         <a:t> </a:t>
                       </a:r>
                       <a:r>
-                        <a:rPr lang="en-US" altLang="zh-CN" sz="2000" dirty="0">
+                        <a:rPr lang="en-US" altLang="zh-CN" sz="2400" dirty="0">
                           <a:solidFill>
                             <a:schemeClr val="tx1"/>
                           </a:solidFill>
@@ -6600,7 +6600,7 @@
                         <a:t>700 </a:t>
                       </a:r>
                       <a:r>
-                        <a:rPr lang="en-US" sz="2000" dirty="0">
+                        <a:rPr lang="en-US" sz="2400" dirty="0">
                           <a:solidFill>
                             <a:schemeClr val="tx1"/>
                           </a:solidFill>
@@ -6630,7 +6630,7 @@
                         <a:defRPr/>
                       </a:pPr>
                       <a:r>
-                        <a:rPr lang="en-US" altLang="zh-CN" sz="2000" b="0" i="0" kern="1200" dirty="0">
+                        <a:rPr lang="en-US" altLang="zh-CN" sz="2400" b="0" i="0" kern="1200" dirty="0">
                           <a:solidFill>
                             <a:schemeClr val="tx1"/>
                           </a:solidFill>
@@ -6642,7 +6642,7 @@
                         <a:t>(Banquet </a:t>
                       </a:r>
                       <a:r>
-                        <a:rPr lang="en-US" altLang="zh-CN" sz="2000" b="1" i="0" kern="1200" dirty="0">
+                        <a:rPr lang="en-US" altLang="zh-CN" sz="2400" b="1" i="0" kern="1200" dirty="0">
                           <a:solidFill>
                             <a:schemeClr val="tx1"/>
                           </a:solidFill>
@@ -6654,7 +6654,7 @@
                         <a:t>NOT</a:t>
                       </a:r>
                       <a:r>
-                        <a:rPr lang="en-US" altLang="zh-CN" sz="2000" b="0" i="0" kern="1200" dirty="0">
+                        <a:rPr lang="en-US" altLang="zh-CN" sz="2400" b="0" i="0" kern="1200" dirty="0">
                           <a:solidFill>
                             <a:schemeClr val="tx1"/>
                           </a:solidFill>
@@ -6665,7 +6665,7 @@
                         </a:rPr>
                         <a:t> Included)</a:t>
                       </a:r>
-                      <a:endParaRPr lang="en-US" sz="2000" dirty="0">
+                      <a:endParaRPr lang="en-US" sz="2400" dirty="0">
                         <a:solidFill>
                           <a:schemeClr val="tx1"/>
                         </a:solidFill>
@@ -6729,7 +6729,7 @@
                     <a:p>
                       <a:pPr algn="ctr"/>
                       <a:r>
-                        <a:rPr lang="en-US" altLang="zh-CN" sz="2000" b="0" i="0" kern="1200" dirty="0">
+                        <a:rPr lang="en-US" altLang="zh-CN" sz="2400" b="0" i="0" kern="1200" dirty="0">
                           <a:solidFill>
                             <a:schemeClr val="tx1"/>
                           </a:solidFill>
@@ -6740,7 +6740,7 @@
                         </a:rPr>
                         <a:t>Additional Banquet Ticket</a:t>
                       </a:r>
-                      <a:endParaRPr lang="en-US" sz="2000" b="0" dirty="0">
+                      <a:endParaRPr lang="en-US" sz="2400" b="0" dirty="0">
                         <a:solidFill>
                           <a:schemeClr val="tx1"/>
                         </a:solidFill>
@@ -6801,7 +6801,7 @@
                     <a:p>
                       <a:pPr algn="ctr"/>
                       <a:r>
-                        <a:rPr lang="en-US" altLang="zh-CN" sz="2000" b="0" i="0" kern="1200" dirty="0">
+                        <a:rPr lang="en-US" altLang="zh-CN" sz="2400" b="0" i="0" kern="1200" dirty="0">
                           <a:solidFill>
                             <a:schemeClr val="tx1"/>
                           </a:solidFill>
@@ -6812,7 +6812,7 @@
                         </a:rPr>
                         <a:t>100 USD</a:t>
                       </a:r>
-                      <a:endParaRPr lang="en-US" sz="2000" dirty="0">
+                      <a:endParaRPr lang="en-US" sz="2400" dirty="0">
                         <a:solidFill>
                           <a:schemeClr val="tx1"/>
                         </a:solidFill>

--- a/assets/figures.pptx
+++ b/assets/figures.pptx
@@ -124,7 +124,7 @@
 <file path=ppt/revisionInfo.xml><?xml version="1.0" encoding="utf-8"?>
 <p1510:revInfo xmlns:a="http://schemas.openxmlformats.org/drawingml/2006/main" xmlns:r="http://schemas.openxmlformats.org/officeDocument/2006/relationships" xmlns:p1510="http://schemas.microsoft.com/office/powerpoint/2015/10/main">
   <p1510:revLst>
-    <p1510:client id="{0190945F-89A7-4B46-967C-3ACE53AB7830}" v="167" dt="2024-01-10T06:22:12.618"/>
+    <p1510:client id="{0190945F-89A7-4B46-967C-3ACE53AB7830}" v="177" dt="2024-01-10T06:27:50.234"/>
   </p1510:revLst>
 </p1510:revInfo>
 </file>
@@ -134,12 +134,12 @@
   <pc:docChgLst>
     <pc:chgData name="ZHANG Xiangyu" userId="0af619d5-14b7-43d3-95bc-94ad39c803d6" providerId="ADAL" clId="{0190945F-89A7-4B46-967C-3ACE53AB7830}"/>
     <pc:docChg chg="undo redo custSel addSld modSld">
-      <pc:chgData name="ZHANG Xiangyu" userId="0af619d5-14b7-43d3-95bc-94ad39c803d6" providerId="ADAL" clId="{0190945F-89A7-4B46-967C-3ACE53AB7830}" dt="2024-01-10T06:22:12.617" v="822" actId="5736"/>
+      <pc:chgData name="ZHANG Xiangyu" userId="0af619d5-14b7-43d3-95bc-94ad39c803d6" providerId="ADAL" clId="{0190945F-89A7-4B46-967C-3ACE53AB7830}" dt="2024-01-10T06:27:50.234" v="849" actId="5736"/>
       <pc:docMkLst>
         <pc:docMk/>
       </pc:docMkLst>
       <pc:sldChg chg="addSp delSp modSp new mod">
-        <pc:chgData name="ZHANG Xiangyu" userId="0af619d5-14b7-43d3-95bc-94ad39c803d6" providerId="ADAL" clId="{0190945F-89A7-4B46-967C-3ACE53AB7830}" dt="2024-01-10T06:22:12.617" v="822" actId="5736"/>
+        <pc:chgData name="ZHANG Xiangyu" userId="0af619d5-14b7-43d3-95bc-94ad39c803d6" providerId="ADAL" clId="{0190945F-89A7-4B46-967C-3ACE53AB7830}" dt="2024-01-10T06:27:50.234" v="849" actId="5736"/>
         <pc:sldMkLst>
           <pc:docMk/>
           <pc:sldMk cId="3049935216" sldId="256"/>
@@ -233,7 +233,7 @@
           </ac:graphicFrameMkLst>
         </pc:graphicFrameChg>
         <pc:graphicFrameChg chg="add mod modGraphic">
-          <ac:chgData name="ZHANG Xiangyu" userId="0af619d5-14b7-43d3-95bc-94ad39c803d6" providerId="ADAL" clId="{0190945F-89A7-4B46-967C-3ACE53AB7830}" dt="2024-01-10T06:22:12.617" v="822" actId="5736"/>
+          <ac:chgData name="ZHANG Xiangyu" userId="0af619d5-14b7-43d3-95bc-94ad39c803d6" providerId="ADAL" clId="{0190945F-89A7-4B46-967C-3ACE53AB7830}" dt="2024-01-10T06:27:50.234" v="849" actId="5736"/>
           <ac:graphicFrameMkLst>
             <pc:docMk/>
             <pc:sldMk cId="3049935216" sldId="256"/>
@@ -6168,14 +6168,14 @@
           <p:nvPr>
             <p:extLst>
               <p:ext uri="{D42A27DB-BD31-4B8C-83A1-F6EECF244321}">
-                <p14:modId xmlns:p14="http://schemas.microsoft.com/office/powerpoint/2010/main" val="526531697"/>
+                <p14:modId xmlns:p14="http://schemas.microsoft.com/office/powerpoint/2010/main" val="2120565325"/>
               </p:ext>
             </p:extLst>
           </p:nvPr>
         </p:nvGraphicFramePr>
         <p:xfrm>
-          <a:off x="695740" y="4073133"/>
-          <a:ext cx="9108660" cy="2890405"/>
+          <a:off x="1282517" y="3622562"/>
+          <a:ext cx="9108660" cy="3096000"/>
         </p:xfrm>
         <a:graphic>
           <a:graphicData uri="http://schemas.openxmlformats.org/drawingml/2006/table">
@@ -6197,7 +6197,7 @@
                   </a:extLst>
                 </a:gridCol>
               </a:tblGrid>
-              <a:tr h="677295">
+              <a:tr h="704166">
                 <a:tc>
                   <a:txBody>
                     <a:bodyPr/>
@@ -6205,7 +6205,7 @@
                     <a:p>
                       <a:pPr marL="0" algn="ctr" defTabSz="914400" rtl="0" eaLnBrk="1" latinLnBrk="0" hangingPunct="1"/>
                       <a:r>
-                        <a:rPr lang="en-US" altLang="zh-CN" sz="2800" b="1" i="0" kern="1200" dirty="0">
+                        <a:rPr lang="en-US" altLang="zh-CN" sz="3200" b="1" i="0" kern="1200" dirty="0">
                           <a:solidFill>
                             <a:schemeClr val="tx1"/>
                           </a:solidFill>
@@ -6216,7 +6216,7 @@
                         </a:rPr>
                         <a:t>Registration Type</a:t>
                       </a:r>
-                      <a:endParaRPr lang="en-US" sz="2800" b="1" i="0" kern="1200" dirty="0">
+                      <a:endParaRPr lang="en-US" sz="3200" b="1" i="0" kern="1200" dirty="0">
                         <a:solidFill>
                           <a:schemeClr val="tx1"/>
                         </a:solidFill>
@@ -6274,7 +6274,7 @@
                     <a:p>
                       <a:pPr marL="0" algn="ctr" defTabSz="914400" rtl="0" eaLnBrk="1" latinLnBrk="0" hangingPunct="1"/>
                       <a:r>
-                        <a:rPr lang="en-US" sz="2800" b="1" i="0" kern="1200" dirty="0">
+                        <a:rPr lang="en-US" sz="3200" b="1" i="0" kern="1200" dirty="0">
                           <a:solidFill>
                             <a:schemeClr val="tx1"/>
                           </a:solidFill>
@@ -6333,7 +6333,7 @@
                   </a:ext>
                 </a:extLst>
               </a:tr>
-              <a:tr h="677295">
+              <a:tr h="634331">
                 <a:tc>
                   <a:txBody>
                     <a:bodyPr/>
@@ -6341,7 +6341,7 @@
                     <a:p>
                       <a:pPr algn="ctr" latinLnBrk="1"/>
                       <a:r>
-                        <a:rPr lang="en-US" altLang="zh-CN" sz="2400" b="0" i="0" kern="1200" dirty="0">
+                        <a:rPr lang="en-US" altLang="zh-CN" sz="2800" b="0" i="0" kern="1200" dirty="0">
                           <a:solidFill>
                             <a:schemeClr val="tx1"/>
                           </a:solidFill>
@@ -6352,7 +6352,7 @@
                         </a:rPr>
                         <a:t>Full Delegate</a:t>
                       </a:r>
-                      <a:endParaRPr lang="en-US" sz="2400" b="0" dirty="0">
+                      <a:endParaRPr lang="en-US" sz="2800" b="0" dirty="0">
                         <a:solidFill>
                           <a:schemeClr val="tx1"/>
                         </a:solidFill>
@@ -6413,7 +6413,7 @@
                     <a:p>
                       <a:pPr algn="ctr"/>
                       <a:r>
-                        <a:rPr lang="en-US" altLang="zh-CN" sz="2400" dirty="0">
+                        <a:rPr lang="en-US" altLang="zh-CN" sz="2800" dirty="0">
                           <a:solidFill>
                             <a:schemeClr val="tx1"/>
                           </a:solidFill>
@@ -6424,7 +6424,7 @@
                         <a:t>850 </a:t>
                       </a:r>
                       <a:r>
-                        <a:rPr lang="en-US" sz="2400" dirty="0">
+                        <a:rPr lang="en-US" sz="2800" dirty="0">
                           <a:solidFill>
                             <a:schemeClr val="tx1"/>
                           </a:solidFill>
@@ -6486,7 +6486,7 @@
                   </a:ext>
                 </a:extLst>
               </a:tr>
-              <a:tr h="677295">
+              <a:tr h="1123172">
                 <a:tc>
                   <a:txBody>
                     <a:bodyPr/>
@@ -6494,7 +6494,7 @@
                     <a:p>
                       <a:pPr algn="ctr" latinLnBrk="1"/>
                       <a:r>
-                        <a:rPr lang="en-US" altLang="zh-CN" sz="2400" b="0" i="0" kern="1200" dirty="0">
+                        <a:rPr lang="en-US" altLang="zh-CN" sz="2800" b="0" i="0" kern="1200" dirty="0">
                           <a:solidFill>
                             <a:schemeClr val="tx1"/>
                           </a:solidFill>
@@ -6505,7 +6505,7 @@
                         </a:rPr>
                         <a:t>Student Delegate</a:t>
                       </a:r>
-                      <a:endParaRPr lang="en-US" sz="2400" b="0" dirty="0">
+                      <a:endParaRPr lang="en-US" sz="2800" b="0" dirty="0">
                         <a:solidFill>
                           <a:schemeClr val="tx1"/>
                         </a:solidFill>
@@ -6578,7 +6578,7 @@
                         <a:defRPr/>
                       </a:pPr>
                       <a:r>
-                        <a:rPr lang="en-US" sz="2400" dirty="0">
+                        <a:rPr lang="en-US" sz="2800" dirty="0">
                           <a:solidFill>
                             <a:schemeClr val="tx1"/>
                           </a:solidFill>
@@ -6589,7 +6589,7 @@
                         <a:t> </a:t>
                       </a:r>
                       <a:r>
-                        <a:rPr lang="en-US" altLang="zh-CN" sz="2400" dirty="0">
+                        <a:rPr lang="en-US" altLang="zh-CN" sz="2800" dirty="0">
                           <a:solidFill>
                             <a:schemeClr val="tx1"/>
                           </a:solidFill>
@@ -6600,7 +6600,7 @@
                         <a:t>700 </a:t>
                       </a:r>
                       <a:r>
-                        <a:rPr lang="en-US" sz="2400" dirty="0">
+                        <a:rPr lang="en-US" sz="2800" dirty="0">
                           <a:solidFill>
                             <a:schemeClr val="tx1"/>
                           </a:solidFill>
@@ -6630,7 +6630,7 @@
                         <a:defRPr/>
                       </a:pPr>
                       <a:r>
-                        <a:rPr lang="en-US" altLang="zh-CN" sz="2400" b="0" i="0" kern="1200" dirty="0">
+                        <a:rPr lang="en-US" altLang="zh-CN" sz="2800" b="0" i="0" kern="1200" dirty="0">
                           <a:solidFill>
                             <a:schemeClr val="tx1"/>
                           </a:solidFill>
@@ -6642,7 +6642,7 @@
                         <a:t>(Banquet </a:t>
                       </a:r>
                       <a:r>
-                        <a:rPr lang="en-US" altLang="zh-CN" sz="2400" b="1" i="0" kern="1200" dirty="0">
+                        <a:rPr lang="en-US" altLang="zh-CN" sz="2800" b="1" i="0" kern="1200" dirty="0">
                           <a:solidFill>
                             <a:schemeClr val="tx1"/>
                           </a:solidFill>
@@ -6654,7 +6654,7 @@
                         <a:t>NOT</a:t>
                       </a:r>
                       <a:r>
-                        <a:rPr lang="en-US" altLang="zh-CN" sz="2400" b="0" i="0" kern="1200" dirty="0">
+                        <a:rPr lang="en-US" altLang="zh-CN" sz="2800" b="0" i="0" kern="1200" dirty="0">
                           <a:solidFill>
                             <a:schemeClr val="tx1"/>
                           </a:solidFill>
@@ -6665,7 +6665,7 @@
                         </a:rPr>
                         <a:t> Included)</a:t>
                       </a:r>
-                      <a:endParaRPr lang="en-US" sz="2400" dirty="0">
+                      <a:endParaRPr lang="en-US" sz="2800" dirty="0">
                         <a:solidFill>
                           <a:schemeClr val="tx1"/>
                         </a:solidFill>
@@ -6721,7 +6721,7 @@
                   </a:ext>
                 </a:extLst>
               </a:tr>
-              <a:tr h="677295">
+              <a:tr h="634331">
                 <a:tc>
                   <a:txBody>
                     <a:bodyPr/>
@@ -6729,7 +6729,7 @@
                     <a:p>
                       <a:pPr algn="ctr"/>
                       <a:r>
-                        <a:rPr lang="en-US" altLang="zh-CN" sz="2400" b="0" i="0" kern="1200" dirty="0">
+                        <a:rPr lang="en-US" altLang="zh-CN" sz="2800" b="0" i="0" kern="1200" dirty="0">
                           <a:solidFill>
                             <a:schemeClr val="tx1"/>
                           </a:solidFill>
@@ -6740,7 +6740,7 @@
                         </a:rPr>
                         <a:t>Additional Banquet Ticket</a:t>
                       </a:r>
-                      <a:endParaRPr lang="en-US" sz="2400" b="0" dirty="0">
+                      <a:endParaRPr lang="en-US" sz="2800" b="0" dirty="0">
                         <a:solidFill>
                           <a:schemeClr val="tx1"/>
                         </a:solidFill>
@@ -6801,7 +6801,7 @@
                     <a:p>
                       <a:pPr algn="ctr"/>
                       <a:r>
-                        <a:rPr lang="en-US" altLang="zh-CN" sz="2400" b="0" i="0" kern="1200" dirty="0">
+                        <a:rPr lang="en-US" altLang="zh-CN" sz="2800" b="0" i="0" kern="1200" dirty="0">
                           <a:solidFill>
                             <a:schemeClr val="tx1"/>
                           </a:solidFill>
@@ -6812,7 +6812,7 @@
                         </a:rPr>
                         <a:t>100 USD</a:t>
                       </a:r>
-                      <a:endParaRPr lang="en-US" sz="2400" dirty="0">
+                      <a:endParaRPr lang="en-US" sz="2800" dirty="0">
                         <a:solidFill>
                           <a:schemeClr val="tx1"/>
                         </a:solidFill>

--- a/assets/figures.pptx
+++ b/assets/figures.pptx
@@ -124,7 +124,7 @@
 <file path=ppt/revisionInfo.xml><?xml version="1.0" encoding="utf-8"?>
 <p1510:revInfo xmlns:a="http://schemas.openxmlformats.org/drawingml/2006/main" xmlns:r="http://schemas.openxmlformats.org/officeDocument/2006/relationships" xmlns:p1510="http://schemas.microsoft.com/office/powerpoint/2015/10/main">
   <p1510:revLst>
-    <p1510:client id="{0190945F-89A7-4B46-967C-3ACE53AB7830}" v="177" dt="2024-01-10T06:27:50.234"/>
+    <p1510:client id="{0190945F-89A7-4B46-967C-3ACE53AB7830}" v="180" dt="2024-01-15T14:29:13.831"/>
   </p1510:revLst>
 </p1510:revInfo>
 </file>
@@ -134,7 +134,7 @@
   <pc:docChgLst>
     <pc:chgData name="ZHANG Xiangyu" userId="0af619d5-14b7-43d3-95bc-94ad39c803d6" providerId="ADAL" clId="{0190945F-89A7-4B46-967C-3ACE53AB7830}"/>
     <pc:docChg chg="undo redo custSel addSld modSld">
-      <pc:chgData name="ZHANG Xiangyu" userId="0af619d5-14b7-43d3-95bc-94ad39c803d6" providerId="ADAL" clId="{0190945F-89A7-4B46-967C-3ACE53AB7830}" dt="2024-01-10T06:27:50.234" v="849" actId="5736"/>
+      <pc:chgData name="ZHANG Xiangyu" userId="0af619d5-14b7-43d3-95bc-94ad39c803d6" providerId="ADAL" clId="{0190945F-89A7-4B46-967C-3ACE53AB7830}" dt="2024-01-15T14:29:30.552" v="865" actId="1076"/>
       <pc:docMkLst>
         <pc:docMk/>
       </pc:docMkLst>
@@ -591,7 +591,7 @@
         </pc:picChg>
       </pc:sldChg>
       <pc:sldChg chg="addSp delSp modSp new mod">
-        <pc:chgData name="ZHANG Xiangyu" userId="0af619d5-14b7-43d3-95bc-94ad39c803d6" providerId="ADAL" clId="{0190945F-89A7-4B46-967C-3ACE53AB7830}" dt="2024-01-08T02:04:21.011" v="683" actId="478"/>
+        <pc:chgData name="ZHANG Xiangyu" userId="0af619d5-14b7-43d3-95bc-94ad39c803d6" providerId="ADAL" clId="{0190945F-89A7-4B46-967C-3ACE53AB7830}" dt="2024-01-15T14:29:30.552" v="865" actId="1076"/>
         <pc:sldMkLst>
           <pc:docMk/>
           <pc:sldMk cId="1279138180" sldId="260"/>
@@ -604,6 +604,14 @@
             <ac:spMk id="2" creationId="{A3C4F14C-382D-B724-3265-64C6E0F17654}"/>
           </ac:spMkLst>
         </pc:spChg>
+        <pc:spChg chg="add del">
+          <ac:chgData name="ZHANG Xiangyu" userId="0af619d5-14b7-43d3-95bc-94ad39c803d6" providerId="ADAL" clId="{0190945F-89A7-4B46-967C-3ACE53AB7830}" dt="2024-01-15T14:29:11.263" v="856"/>
+          <ac:spMkLst>
+            <pc:docMk/>
+            <pc:sldMk cId="1279138180" sldId="260"/>
+            <ac:spMk id="3" creationId="{3DDD05A3-E1E3-1A93-63B1-FF80693A650C}"/>
+          </ac:spMkLst>
+        </pc:spChg>
         <pc:spChg chg="del">
           <ac:chgData name="ZHANG Xiangyu" userId="0af619d5-14b7-43d3-95bc-94ad39c803d6" providerId="ADAL" clId="{0190945F-89A7-4B46-967C-3ACE53AB7830}" dt="2024-01-03T06:18:00.881" v="413" actId="478"/>
           <ac:spMkLst>
@@ -613,7 +621,15 @@
           </ac:spMkLst>
         </pc:spChg>
         <pc:spChg chg="add mod">
-          <ac:chgData name="ZHANG Xiangyu" userId="0af619d5-14b7-43d3-95bc-94ad39c803d6" providerId="ADAL" clId="{0190945F-89A7-4B46-967C-3ACE53AB7830}" dt="2024-01-03T06:30:46.690" v="474" actId="1076"/>
+          <ac:chgData name="ZHANG Xiangyu" userId="0af619d5-14b7-43d3-95bc-94ad39c803d6" providerId="ADAL" clId="{0190945F-89A7-4B46-967C-3ACE53AB7830}" dt="2024-01-15T14:29:27.696" v="864" actId="1076"/>
+          <ac:spMkLst>
+            <pc:docMk/>
+            <pc:sldMk cId="1279138180" sldId="260"/>
+            <ac:spMk id="4" creationId="{ECFD36A7-581B-ABDE-5E15-38457E740D64}"/>
+          </ac:spMkLst>
+        </pc:spChg>
+        <pc:spChg chg="add mod">
+          <ac:chgData name="ZHANG Xiangyu" userId="0af619d5-14b7-43d3-95bc-94ad39c803d6" providerId="ADAL" clId="{0190945F-89A7-4B46-967C-3ACE53AB7830}" dt="2024-01-15T14:29:20.549" v="862" actId="20577"/>
           <ac:spMkLst>
             <pc:docMk/>
             <pc:sldMk cId="1279138180" sldId="260"/>
@@ -621,7 +637,7 @@
           </ac:spMkLst>
         </pc:spChg>
         <pc:spChg chg="add mod">
-          <ac:chgData name="ZHANG Xiangyu" userId="0af619d5-14b7-43d3-95bc-94ad39c803d6" providerId="ADAL" clId="{0190945F-89A7-4B46-967C-3ACE53AB7830}" dt="2024-01-03T06:59:48.762" v="518" actId="207"/>
+          <ac:chgData name="ZHANG Xiangyu" userId="0af619d5-14b7-43d3-95bc-94ad39c803d6" providerId="ADAL" clId="{0190945F-89A7-4B46-967C-3ACE53AB7830}" dt="2024-01-15T14:29:30.552" v="865" actId="1076"/>
           <ac:spMkLst>
             <pc:docMk/>
             <pc:sldMk cId="1279138180" sldId="260"/>
@@ -629,7 +645,7 @@
           </ac:spMkLst>
         </pc:spChg>
         <pc:grpChg chg="add mod">
-          <ac:chgData name="ZHANG Xiangyu" userId="0af619d5-14b7-43d3-95bc-94ad39c803d6" providerId="ADAL" clId="{0190945F-89A7-4B46-967C-3ACE53AB7830}" dt="2024-01-03T06:34:54.394" v="512" actId="14100"/>
+          <ac:chgData name="ZHANG Xiangyu" userId="0af619d5-14b7-43d3-95bc-94ad39c803d6" providerId="ADAL" clId="{0190945F-89A7-4B46-967C-3ACE53AB7830}" dt="2024-01-15T14:29:13.830" v="858" actId="571"/>
           <ac:grpSpMkLst>
             <pc:docMk/>
             <pc:sldMk cId="1279138180" sldId="260"/>
@@ -645,7 +661,7 @@
           </ac:graphicFrameMkLst>
         </pc:graphicFrameChg>
         <pc:picChg chg="add mod">
-          <ac:chgData name="ZHANG Xiangyu" userId="0af619d5-14b7-43d3-95bc-94ad39c803d6" providerId="ADAL" clId="{0190945F-89A7-4B46-967C-3ACE53AB7830}" dt="2024-01-03T06:30:18.765" v="471" actId="1076"/>
+          <ac:chgData name="ZHANG Xiangyu" userId="0af619d5-14b7-43d3-95bc-94ad39c803d6" providerId="ADAL" clId="{0190945F-89A7-4B46-967C-3ACE53AB7830}" dt="2024-01-15T14:29:13.830" v="858" actId="571"/>
           <ac:picMkLst>
             <pc:docMk/>
             <pc:sldMk cId="1279138180" sldId="260"/>
@@ -962,7 +978,7 @@
           <a:p>
             <a:fld id="{B6A0FF1A-FA3A-44F4-8102-A8B090DA15CE}" type="datetimeFigureOut">
               <a:rPr lang="zh-CN" altLang="en-US" smtClean="0"/>
-              <a:t>2024/1/10</a:t>
+              <a:t>2024/1/15</a:t>
             </a:fld>
             <a:endParaRPr lang="zh-CN" altLang="en-US"/>
           </a:p>
@@ -1460,7 +1476,7 @@
           <a:p>
             <a:fld id="{443201C6-C6B2-4F96-9DF6-297028943761}" type="datetimeFigureOut">
               <a:rPr lang="zh-CN" altLang="en-US" smtClean="0"/>
-              <a:t>2024/1/10</a:t>
+              <a:t>2024/1/15</a:t>
             </a:fld>
             <a:endParaRPr lang="zh-CN" altLang="en-US"/>
           </a:p>
@@ -1658,7 +1674,7 @@
           <a:p>
             <a:fld id="{443201C6-C6B2-4F96-9DF6-297028943761}" type="datetimeFigureOut">
               <a:rPr lang="zh-CN" altLang="en-US" smtClean="0"/>
-              <a:t>2024/1/10</a:t>
+              <a:t>2024/1/15</a:t>
             </a:fld>
             <a:endParaRPr lang="zh-CN" altLang="en-US"/>
           </a:p>
@@ -1866,7 +1882,7 @@
           <a:p>
             <a:fld id="{443201C6-C6B2-4F96-9DF6-297028943761}" type="datetimeFigureOut">
               <a:rPr lang="zh-CN" altLang="en-US" smtClean="0"/>
-              <a:t>2024/1/10</a:t>
+              <a:t>2024/1/15</a:t>
             </a:fld>
             <a:endParaRPr lang="zh-CN" altLang="en-US"/>
           </a:p>
@@ -2064,7 +2080,7 @@
           <a:p>
             <a:fld id="{443201C6-C6B2-4F96-9DF6-297028943761}" type="datetimeFigureOut">
               <a:rPr lang="zh-CN" altLang="en-US" smtClean="0"/>
-              <a:t>2024/1/10</a:t>
+              <a:t>2024/1/15</a:t>
             </a:fld>
             <a:endParaRPr lang="zh-CN" altLang="en-US"/>
           </a:p>
@@ -2339,7 +2355,7 @@
           <a:p>
             <a:fld id="{443201C6-C6B2-4F96-9DF6-297028943761}" type="datetimeFigureOut">
               <a:rPr lang="zh-CN" altLang="en-US" smtClean="0"/>
-              <a:t>2024/1/10</a:t>
+              <a:t>2024/1/15</a:t>
             </a:fld>
             <a:endParaRPr lang="zh-CN" altLang="en-US"/>
           </a:p>
@@ -2604,7 +2620,7 @@
           <a:p>
             <a:fld id="{443201C6-C6B2-4F96-9DF6-297028943761}" type="datetimeFigureOut">
               <a:rPr lang="zh-CN" altLang="en-US" smtClean="0"/>
-              <a:t>2024/1/10</a:t>
+              <a:t>2024/1/15</a:t>
             </a:fld>
             <a:endParaRPr lang="zh-CN" altLang="en-US"/>
           </a:p>
@@ -3016,7 +3032,7 @@
           <a:p>
             <a:fld id="{443201C6-C6B2-4F96-9DF6-297028943761}" type="datetimeFigureOut">
               <a:rPr lang="zh-CN" altLang="en-US" smtClean="0"/>
-              <a:t>2024/1/10</a:t>
+              <a:t>2024/1/15</a:t>
             </a:fld>
             <a:endParaRPr lang="zh-CN" altLang="en-US"/>
           </a:p>
@@ -3157,7 +3173,7 @@
           <a:p>
             <a:fld id="{443201C6-C6B2-4F96-9DF6-297028943761}" type="datetimeFigureOut">
               <a:rPr lang="zh-CN" altLang="en-US" smtClean="0"/>
-              <a:t>2024/1/10</a:t>
+              <a:t>2024/1/15</a:t>
             </a:fld>
             <a:endParaRPr lang="zh-CN" altLang="en-US"/>
           </a:p>
@@ -3270,7 +3286,7 @@
           <a:p>
             <a:fld id="{443201C6-C6B2-4F96-9DF6-297028943761}" type="datetimeFigureOut">
               <a:rPr lang="zh-CN" altLang="en-US" smtClean="0"/>
-              <a:t>2024/1/10</a:t>
+              <a:t>2024/1/15</a:t>
             </a:fld>
             <a:endParaRPr lang="zh-CN" altLang="en-US"/>
           </a:p>
@@ -3581,7 +3597,7 @@
           <a:p>
             <a:fld id="{443201C6-C6B2-4F96-9DF6-297028943761}" type="datetimeFigureOut">
               <a:rPr lang="zh-CN" altLang="en-US" smtClean="0"/>
-              <a:t>2024/1/10</a:t>
+              <a:t>2024/1/15</a:t>
             </a:fld>
             <a:endParaRPr lang="zh-CN" altLang="en-US"/>
           </a:p>
@@ -3869,7 +3885,7 @@
           <a:p>
             <a:fld id="{443201C6-C6B2-4F96-9DF6-297028943761}" type="datetimeFigureOut">
               <a:rPr lang="zh-CN" altLang="en-US" smtClean="0"/>
-              <a:t>2024/1/10</a:t>
+              <a:t>2024/1/15</a:t>
             </a:fld>
             <a:endParaRPr lang="zh-CN" altLang="en-US"/>
           </a:p>
@@ -4110,7 +4126,7 @@
           <a:p>
             <a:fld id="{443201C6-C6B2-4F96-9DF6-297028943761}" type="datetimeFigureOut">
               <a:rPr lang="zh-CN" altLang="en-US" smtClean="0"/>
-              <a:t>2024/1/10</a:t>
+              <a:t>2024/1/15</a:t>
             </a:fld>
             <a:endParaRPr lang="zh-CN" altLang="en-US"/>
           </a:p>
@@ -4600,7 +4616,7 @@
           <p:spPr>
             <a:xfrm>
               <a:off x="527783" y="1240305"/>
-              <a:ext cx="11136430" cy="2231765"/>
+              <a:ext cx="11136430" cy="1485215"/>
             </a:xfrm>
             <a:prstGeom prst="rect">
               <a:avLst/>
@@ -4619,44 +4635,32 @@
                 </a:lnSpc>
               </a:pPr>
               <a:r>
-                <a:rPr lang="en-US" altLang="zh-CN" sz="3200" b="0" i="0" dirty="0">
+                <a:rPr lang="en-US" altLang="zh-CN" sz="3200" b="1" i="0" dirty="0">
                   <a:solidFill>
                     <a:srgbClr val="FAFAFA"/>
                   </a:solidFill>
                   <a:effectLst/>
-                  <a:latin typeface="Arial Black" panose="020B0A04020102020204" pitchFamily="34" charset="0"/>
+                  <a:latin typeface="仿宋" panose="02010609060101010101" pitchFamily="49" charset="-122"/>
+                  <a:ea typeface="仿宋" panose="02010609060101010101" pitchFamily="49" charset="-122"/>
                 </a:rPr>
                 <a:t>The 6th International Conference on Modeling in</a:t>
               </a:r>
               <a:br>
-                <a:rPr lang="en-US" altLang="zh-CN" sz="3200" dirty="0">
-                  <a:latin typeface="Arial Black" panose="020B0A04020102020204" pitchFamily="34" charset="0"/>
+                <a:rPr lang="en-US" altLang="zh-CN" sz="3200" b="1" dirty="0">
+                  <a:latin typeface="仿宋" panose="02010609060101010101" pitchFamily="49" charset="-122"/>
+                  <a:ea typeface="仿宋" panose="02010609060101010101" pitchFamily="49" charset="-122"/>
                 </a:rPr>
               </a:br>
               <a:r>
-                <a:rPr lang="en-US" altLang="zh-CN" sz="3200" b="0" i="0" dirty="0">
+                <a:rPr lang="en-US" altLang="zh-CN" sz="3200" b="1" i="0" dirty="0">
                   <a:solidFill>
                     <a:srgbClr val="FAFAFA"/>
                   </a:solidFill>
                   <a:effectLst/>
-                  <a:latin typeface="Arial Black" panose="020B0A04020102020204" pitchFamily="34" charset="0"/>
+                  <a:latin typeface="仿宋" panose="02010609060101010101" pitchFamily="49" charset="-122"/>
+                  <a:ea typeface="仿宋" panose="02010609060101010101" pitchFamily="49" charset="-122"/>
                 </a:rPr>
                 <a:t>Mechanics and Materials</a:t>
-              </a:r>
-              <a:br>
-                <a:rPr lang="en-US" altLang="zh-CN" sz="3200" dirty="0">
-                  <a:latin typeface="Arial Black" panose="020B0A04020102020204" pitchFamily="34" charset="0"/>
-                </a:rPr>
-              </a:br>
-              <a:r>
-                <a:rPr lang="en-US" altLang="zh-CN" sz="3200" b="0" i="0" dirty="0">
-                  <a:solidFill>
-                    <a:srgbClr val="FAFAFA"/>
-                  </a:solidFill>
-                  <a:effectLst/>
-                  <a:latin typeface="Arial Black" panose="020B0A04020102020204" pitchFamily="34" charset="0"/>
-                </a:rPr>
-                <a:t>(CMMM2024)</a:t>
               </a:r>
               <a:endParaRPr lang="zh-CN" altLang="en-US" sz="3200" dirty="0">
                 <a:latin typeface="Arial Black" panose="020B0A04020102020204" pitchFamily="34" charset="0"/>
@@ -4678,7 +4682,7 @@
           </p:nvSpPr>
           <p:spPr>
             <a:xfrm>
-              <a:off x="1487003" y="4298616"/>
+              <a:off x="1499029" y="3817353"/>
               <a:ext cx="9217989" cy="1319079"/>
             </a:xfrm>
             <a:prstGeom prst="rect">
@@ -4782,6 +4786,55 @@
                 <a:solidFill>
                   <a:srgbClr val="FFC000"/>
                 </a:solidFill>
+              </a:endParaRPr>
+            </a:p>
+          </p:txBody>
+        </p:sp>
+        <p:sp>
+          <p:nvSpPr>
+            <p:cNvPr id="4" name="文本框 3">
+              <a:extLst>
+                <a:ext uri="{FF2B5EF4-FFF2-40B4-BE49-F238E27FC236}">
+                  <a16:creationId xmlns:a16="http://schemas.microsoft.com/office/drawing/2014/main" id="{ECFD36A7-581B-ABDE-5E15-38457E740D64}"/>
+                </a:ext>
+              </a:extLst>
+            </p:cNvPr>
+            <p:cNvSpPr txBox="1"/>
+            <p:nvPr/>
+          </p:nvSpPr>
+          <p:spPr>
+            <a:xfrm>
+              <a:off x="539809" y="3134849"/>
+              <a:ext cx="11136430" cy="754437"/>
+            </a:xfrm>
+            <a:prstGeom prst="rect">
+              <a:avLst/>
+            </a:prstGeom>
+            <a:noFill/>
+          </p:spPr>
+          <p:txBody>
+            <a:bodyPr wrap="square">
+              <a:spAutoFit/>
+            </a:bodyPr>
+            <a:lstStyle/>
+            <a:p>
+              <a:pPr algn="ctr">
+                <a:lnSpc>
+                  <a:spcPct val="150000"/>
+                </a:lnSpc>
+              </a:pPr>
+              <a:r>
+                <a:rPr lang="en-US" altLang="zh-CN" sz="3200" b="0" i="0" dirty="0">
+                  <a:solidFill>
+                    <a:srgbClr val="FAFAFA"/>
+                  </a:solidFill>
+                  <a:effectLst/>
+                  <a:latin typeface="Arial Black" panose="020B0A04020102020204" pitchFamily="34" charset="0"/>
+                </a:rPr>
+                <a:t>(CMMM2024)</a:t>
+              </a:r>
+              <a:endParaRPr lang="zh-CN" altLang="en-US" sz="3200" dirty="0">
+                <a:latin typeface="Arial Black" panose="020B0A04020102020204" pitchFamily="34" charset="0"/>
               </a:endParaRPr>
             </a:p>
           </p:txBody>

--- a/assets/figures.pptx
+++ b/assets/figures.pptx
@@ -5,16 +5,17 @@
     <p:sldMasterId id="2147483648" r:id="rId1"/>
   </p:sldMasterIdLst>
   <p:notesMasterIdLst>
-    <p:notesMasterId r:id="rId9"/>
+    <p:notesMasterId r:id="rId10"/>
   </p:notesMasterIdLst>
   <p:sldIdLst>
     <p:sldId id="260" r:id="rId2"/>
     <p:sldId id="259" r:id="rId3"/>
     <p:sldId id="256" r:id="rId4"/>
-    <p:sldId id="257" r:id="rId5"/>
-    <p:sldId id="258" r:id="rId6"/>
-    <p:sldId id="261" r:id="rId7"/>
-    <p:sldId id="262" r:id="rId8"/>
+    <p:sldId id="263" r:id="rId5"/>
+    <p:sldId id="257" r:id="rId6"/>
+    <p:sldId id="258" r:id="rId7"/>
+    <p:sldId id="261" r:id="rId8"/>
+    <p:sldId id="262" r:id="rId9"/>
   </p:sldIdLst>
   <p:sldSz cx="12192000" cy="6858000"/>
   <p:notesSz cx="6858000" cy="9144000"/>
@@ -124,7 +125,7 @@
 <file path=ppt/revisionInfo.xml><?xml version="1.0" encoding="utf-8"?>
 <p1510:revInfo xmlns:a="http://schemas.openxmlformats.org/drawingml/2006/main" xmlns:r="http://schemas.openxmlformats.org/officeDocument/2006/relationships" xmlns:p1510="http://schemas.microsoft.com/office/powerpoint/2015/10/main">
   <p1510:revLst>
-    <p1510:client id="{0190945F-89A7-4B46-967C-3ACE53AB7830}" v="180" dt="2024-01-15T14:29:13.831"/>
+    <p1510:client id="{0190945F-89A7-4B46-967C-3ACE53AB7830}" v="213" dt="2024-01-16T07:32:10.272"/>
   </p1510:revLst>
 </p1510:revInfo>
 </file>
@@ -134,12 +135,12 @@
   <pc:docChgLst>
     <pc:chgData name="ZHANG Xiangyu" userId="0af619d5-14b7-43d3-95bc-94ad39c803d6" providerId="ADAL" clId="{0190945F-89A7-4B46-967C-3ACE53AB7830}"/>
     <pc:docChg chg="undo redo custSel addSld modSld">
-      <pc:chgData name="ZHANG Xiangyu" userId="0af619d5-14b7-43d3-95bc-94ad39c803d6" providerId="ADAL" clId="{0190945F-89A7-4B46-967C-3ACE53AB7830}" dt="2024-01-15T14:29:30.552" v="865" actId="1076"/>
+      <pc:chgData name="ZHANG Xiangyu" userId="0af619d5-14b7-43d3-95bc-94ad39c803d6" providerId="ADAL" clId="{0190945F-89A7-4B46-967C-3ACE53AB7830}" dt="2024-01-16T07:32:10.271" v="962" actId="5736"/>
       <pc:docMkLst>
         <pc:docMk/>
       </pc:docMkLst>
       <pc:sldChg chg="addSp delSp modSp new mod">
-        <pc:chgData name="ZHANG Xiangyu" userId="0af619d5-14b7-43d3-95bc-94ad39c803d6" providerId="ADAL" clId="{0190945F-89A7-4B46-967C-3ACE53AB7830}" dt="2024-01-10T06:27:50.234" v="849" actId="5736"/>
+        <pc:chgData name="ZHANG Xiangyu" userId="0af619d5-14b7-43d3-95bc-94ad39c803d6" providerId="ADAL" clId="{0190945F-89A7-4B46-967C-3ACE53AB7830}" dt="2024-01-16T07:16:43.250" v="867" actId="1076"/>
         <pc:sldMkLst>
           <pc:docMk/>
           <pc:sldMk cId="3049935216" sldId="256"/>
@@ -233,7 +234,7 @@
           </ac:graphicFrameMkLst>
         </pc:graphicFrameChg>
         <pc:graphicFrameChg chg="add mod modGraphic">
-          <ac:chgData name="ZHANG Xiangyu" userId="0af619d5-14b7-43d3-95bc-94ad39c803d6" providerId="ADAL" clId="{0190945F-89A7-4B46-967C-3ACE53AB7830}" dt="2024-01-10T06:27:50.234" v="849" actId="5736"/>
+          <ac:chgData name="ZHANG Xiangyu" userId="0af619d5-14b7-43d3-95bc-94ad39c803d6" providerId="ADAL" clId="{0190945F-89A7-4B46-967C-3ACE53AB7830}" dt="2024-01-16T07:16:40.570" v="866" actId="1076"/>
           <ac:graphicFrameMkLst>
             <pc:docMk/>
             <pc:sldMk cId="3049935216" sldId="256"/>
@@ -305,7 +306,7 @@
           </ac:picMkLst>
         </pc:picChg>
         <pc:picChg chg="add mod">
-          <ac:chgData name="ZHANG Xiangyu" userId="0af619d5-14b7-43d3-95bc-94ad39c803d6" providerId="ADAL" clId="{0190945F-89A7-4B46-967C-3ACE53AB7830}" dt="2024-01-08T04:33:52.358" v="720" actId="1076"/>
+          <ac:chgData name="ZHANG Xiangyu" userId="0af619d5-14b7-43d3-95bc-94ad39c803d6" providerId="ADAL" clId="{0190945F-89A7-4B46-967C-3ACE53AB7830}" dt="2024-01-16T07:16:43.250" v="867" actId="1076"/>
           <ac:picMkLst>
             <pc:docMk/>
             <pc:sldMk cId="3049935216" sldId="256"/>
@@ -891,6 +892,117 @@
           </ac:picMkLst>
         </pc:picChg>
       </pc:sldChg>
+      <pc:sldChg chg="addSp delSp modSp add mod">
+        <pc:chgData name="ZHANG Xiangyu" userId="0af619d5-14b7-43d3-95bc-94ad39c803d6" providerId="ADAL" clId="{0190945F-89A7-4B46-967C-3ACE53AB7830}" dt="2024-01-16T07:32:10.271" v="962" actId="5736"/>
+        <pc:sldMkLst>
+          <pc:docMk/>
+          <pc:sldMk cId="1994468853" sldId="263"/>
+        </pc:sldMkLst>
+        <pc:spChg chg="del">
+          <ac:chgData name="ZHANG Xiangyu" userId="0af619d5-14b7-43d3-95bc-94ad39c803d6" providerId="ADAL" clId="{0190945F-89A7-4B46-967C-3ACE53AB7830}" dt="2024-01-16T07:16:56.686" v="877" actId="478"/>
+          <ac:spMkLst>
+            <pc:docMk/>
+            <pc:sldMk cId="1994468853" sldId="263"/>
+            <ac:spMk id="3" creationId="{101486CA-BA59-57CC-E758-409045605CE6}"/>
+          </ac:spMkLst>
+        </pc:spChg>
+        <pc:spChg chg="del">
+          <ac:chgData name="ZHANG Xiangyu" userId="0af619d5-14b7-43d3-95bc-94ad39c803d6" providerId="ADAL" clId="{0190945F-89A7-4B46-967C-3ACE53AB7830}" dt="2024-01-16T07:16:49.672" v="871" actId="478"/>
+          <ac:spMkLst>
+            <pc:docMk/>
+            <pc:sldMk cId="1994468853" sldId="263"/>
+            <ac:spMk id="5" creationId="{7597878F-EE96-D09D-84D5-B0B7E6C703B5}"/>
+          </ac:spMkLst>
+        </pc:spChg>
+        <pc:spChg chg="del mod">
+          <ac:chgData name="ZHANG Xiangyu" userId="0af619d5-14b7-43d3-95bc-94ad39c803d6" providerId="ADAL" clId="{0190945F-89A7-4B46-967C-3ACE53AB7830}" dt="2024-01-16T07:16:54.733" v="876" actId="478"/>
+          <ac:spMkLst>
+            <pc:docMk/>
+            <pc:sldMk cId="1994468853" sldId="263"/>
+            <ac:spMk id="6" creationId="{8218391C-31EC-DA92-D9F1-A0623DD25C8D}"/>
+          </ac:spMkLst>
+        </pc:spChg>
+        <pc:spChg chg="del mod">
+          <ac:chgData name="ZHANG Xiangyu" userId="0af619d5-14b7-43d3-95bc-94ad39c803d6" providerId="ADAL" clId="{0190945F-89A7-4B46-967C-3ACE53AB7830}" dt="2024-01-16T07:16:54.733" v="876" actId="478"/>
+          <ac:spMkLst>
+            <pc:docMk/>
+            <pc:sldMk cId="1994468853" sldId="263"/>
+            <ac:spMk id="10" creationId="{D60C2AB1-B15E-C476-43B4-390BAE11570D}"/>
+          </ac:spMkLst>
+        </pc:spChg>
+        <pc:spChg chg="del">
+          <ac:chgData name="ZHANG Xiangyu" userId="0af619d5-14b7-43d3-95bc-94ad39c803d6" providerId="ADAL" clId="{0190945F-89A7-4B46-967C-3ACE53AB7830}" dt="2024-01-16T07:16:49.263" v="870" actId="478"/>
+          <ac:spMkLst>
+            <pc:docMk/>
+            <pc:sldMk cId="1994468853" sldId="263"/>
+            <ac:spMk id="12" creationId="{B71B1E0A-F915-F79A-7636-3AAD7E8EA84A}"/>
+          </ac:spMkLst>
+        </pc:spChg>
+        <pc:graphicFrameChg chg="mod modGraphic">
+          <ac:chgData name="ZHANG Xiangyu" userId="0af619d5-14b7-43d3-95bc-94ad39c803d6" providerId="ADAL" clId="{0190945F-89A7-4B46-967C-3ACE53AB7830}" dt="2024-01-16T07:32:03.393" v="961" actId="5736"/>
+          <ac:graphicFrameMkLst>
+            <pc:docMk/>
+            <pc:sldMk cId="1994468853" sldId="263"/>
+            <ac:graphicFrameMk id="4" creationId="{16594B61-899E-8A5D-3F30-E5ECAA00AC8D}"/>
+          </ac:graphicFrameMkLst>
+        </pc:graphicFrameChg>
+        <pc:graphicFrameChg chg="mod modGraphic">
+          <ac:chgData name="ZHANG Xiangyu" userId="0af619d5-14b7-43d3-95bc-94ad39c803d6" providerId="ADAL" clId="{0190945F-89A7-4B46-967C-3ACE53AB7830}" dt="2024-01-16T07:32:10.271" v="962" actId="5736"/>
+          <ac:graphicFrameMkLst>
+            <pc:docMk/>
+            <pc:sldMk cId="1994468853" sldId="263"/>
+            <ac:graphicFrameMk id="15" creationId="{A66506E4-7D75-9BFA-897E-873F5D668AE0}"/>
+          </ac:graphicFrameMkLst>
+        </pc:graphicFrameChg>
+        <pc:graphicFrameChg chg="add">
+          <ac:chgData name="ZHANG Xiangyu" userId="0af619d5-14b7-43d3-95bc-94ad39c803d6" providerId="ADAL" clId="{0190945F-89A7-4B46-967C-3ACE53AB7830}" dt="2024-01-16T07:24:59.387" v="894"/>
+          <ac:graphicFrameMkLst>
+            <pc:docMk/>
+            <pc:sldMk cId="1994468853" sldId="263"/>
+            <ac:graphicFrameMk id="16" creationId="{A043A074-270B-8915-E1C8-5AF3FE840A1A}"/>
+          </ac:graphicFrameMkLst>
+        </pc:graphicFrameChg>
+        <pc:picChg chg="del">
+          <ac:chgData name="ZHANG Xiangyu" userId="0af619d5-14b7-43d3-95bc-94ad39c803d6" providerId="ADAL" clId="{0190945F-89A7-4B46-967C-3ACE53AB7830}" dt="2024-01-16T07:16:54.733" v="876" actId="478"/>
+          <ac:picMkLst>
+            <pc:docMk/>
+            <pc:sldMk cId="1994468853" sldId="263"/>
+            <ac:picMk id="7" creationId="{7DAB61B9-8CD3-90F3-ACC4-8DFEAB7FA849}"/>
+          </ac:picMkLst>
+        </pc:picChg>
+        <pc:picChg chg="del">
+          <ac:chgData name="ZHANG Xiangyu" userId="0af619d5-14b7-43d3-95bc-94ad39c803d6" providerId="ADAL" clId="{0190945F-89A7-4B46-967C-3ACE53AB7830}" dt="2024-01-16T07:16:54.733" v="876" actId="478"/>
+          <ac:picMkLst>
+            <pc:docMk/>
+            <pc:sldMk cId="1994468853" sldId="263"/>
+            <ac:picMk id="8" creationId="{164AA4B6-CAA9-FC08-A928-E4D4FC66DDC5}"/>
+          </ac:picMkLst>
+        </pc:picChg>
+        <pc:picChg chg="del">
+          <ac:chgData name="ZHANG Xiangyu" userId="0af619d5-14b7-43d3-95bc-94ad39c803d6" providerId="ADAL" clId="{0190945F-89A7-4B46-967C-3ACE53AB7830}" dt="2024-01-16T07:16:51.319" v="874" actId="478"/>
+          <ac:picMkLst>
+            <pc:docMk/>
+            <pc:sldMk cId="1994468853" sldId="263"/>
+            <ac:picMk id="9" creationId="{AA1F90E1-170A-BA94-FFE6-2FD9E20EFF97}"/>
+          </ac:picMkLst>
+        </pc:picChg>
+        <pc:picChg chg="del">
+          <ac:chgData name="ZHANG Xiangyu" userId="0af619d5-14b7-43d3-95bc-94ad39c803d6" providerId="ADAL" clId="{0190945F-89A7-4B46-967C-3ACE53AB7830}" dt="2024-01-16T07:16:50.136" v="872" actId="478"/>
+          <ac:picMkLst>
+            <pc:docMk/>
+            <pc:sldMk cId="1994468853" sldId="263"/>
+            <ac:picMk id="11" creationId="{B7841F16-01C7-E779-309C-8D3CAE6756FE}"/>
+          </ac:picMkLst>
+        </pc:picChg>
+        <pc:picChg chg="del">
+          <ac:chgData name="ZHANG Xiangyu" userId="0af619d5-14b7-43d3-95bc-94ad39c803d6" providerId="ADAL" clId="{0190945F-89A7-4B46-967C-3ACE53AB7830}" dt="2024-01-16T07:16:48.063" v="869" actId="478"/>
+          <ac:picMkLst>
+            <pc:docMk/>
+            <pc:sldMk cId="1994468853" sldId="263"/>
+            <ac:picMk id="13" creationId="{5BBE5763-E66D-99EA-5BC4-BDA4EF3A2AA3}"/>
+          </ac:picMkLst>
+        </pc:picChg>
+      </pc:sldChg>
     </pc:docChg>
   </pc:docChgLst>
 </pc:chgInfo>
@@ -978,7 +1090,7 @@
           <a:p>
             <a:fld id="{B6A0FF1A-FA3A-44F4-8102-A8B090DA15CE}" type="datetimeFigureOut">
               <a:rPr lang="zh-CN" altLang="en-US" smtClean="0"/>
-              <a:t>2024/1/15</a:t>
+              <a:t>2024/1/16</a:t>
             </a:fld>
             <a:endParaRPr lang="zh-CN" altLang="en-US"/>
           </a:p>
@@ -1329,6 +1441,90 @@
 </p:notes>
 </file>
 
+<file path=ppt/notesSlides/notesSlide2.xml><?xml version="1.0" encoding="utf-8"?>
+<p:notes xmlns:a="http://schemas.openxmlformats.org/drawingml/2006/main" xmlns:r="http://schemas.openxmlformats.org/officeDocument/2006/relationships" xmlns:p="http://schemas.openxmlformats.org/presentationml/2006/main">
+  <p:cSld>
+    <p:spTree>
+      <p:nvGrpSpPr>
+        <p:cNvPr id="1" name=""/>
+        <p:cNvGrpSpPr/>
+        <p:nvPr/>
+      </p:nvGrpSpPr>
+      <p:grpSpPr>
+        <a:xfrm>
+          <a:off x="0" y="0"/>
+          <a:ext cx="0" cy="0"/>
+          <a:chOff x="0" y="0"/>
+          <a:chExt cx="0" cy="0"/>
+        </a:xfrm>
+      </p:grpSpPr>
+      <p:sp>
+        <p:nvSpPr>
+          <p:cNvPr id="2" name="幻灯片图像占位符 1"/>
+          <p:cNvSpPr>
+            <a:spLocks noGrp="1" noRot="1" noChangeAspect="1"/>
+          </p:cNvSpPr>
+          <p:nvPr>
+            <p:ph type="sldImg"/>
+          </p:nvPr>
+        </p:nvSpPr>
+        <p:spPr/>
+      </p:sp>
+      <p:sp>
+        <p:nvSpPr>
+          <p:cNvPr id="3" name="备注占位符 2"/>
+          <p:cNvSpPr>
+            <a:spLocks noGrp="1"/>
+          </p:cNvSpPr>
+          <p:nvPr>
+            <p:ph type="body" idx="1"/>
+          </p:nvPr>
+        </p:nvSpPr>
+        <p:spPr/>
+        <p:txBody>
+          <a:bodyPr/>
+          <a:lstStyle/>
+          <a:p>
+            <a:endParaRPr lang="zh-CN" altLang="en-US" dirty="0"/>
+          </a:p>
+        </p:txBody>
+      </p:sp>
+      <p:sp>
+        <p:nvSpPr>
+          <p:cNvPr id="4" name="灯片编号占位符 3"/>
+          <p:cNvSpPr>
+            <a:spLocks noGrp="1"/>
+          </p:cNvSpPr>
+          <p:nvPr>
+            <p:ph type="sldNum" sz="quarter" idx="5"/>
+          </p:nvPr>
+        </p:nvSpPr>
+        <p:spPr/>
+        <p:txBody>
+          <a:bodyPr/>
+          <a:lstStyle/>
+          <a:p>
+            <a:fld id="{F5B200CC-652F-45D7-9D9C-40A56CAF48BA}" type="slidenum">
+              <a:rPr lang="zh-CN" altLang="en-US" smtClean="0"/>
+              <a:t>4</a:t>
+            </a:fld>
+            <a:endParaRPr lang="zh-CN" altLang="en-US"/>
+          </a:p>
+        </p:txBody>
+      </p:sp>
+    </p:spTree>
+    <p:extLst>
+      <p:ext uri="{BB962C8B-B14F-4D97-AF65-F5344CB8AC3E}">
+        <p14:creationId xmlns:p14="http://schemas.microsoft.com/office/powerpoint/2010/main" val="2119672646"/>
+      </p:ext>
+    </p:extLst>
+  </p:cSld>
+  <p:clrMapOvr>
+    <a:masterClrMapping/>
+  </p:clrMapOvr>
+</p:notes>
+</file>
+
 <file path=ppt/slideLayouts/slideLayout1.xml><?xml version="1.0" encoding="utf-8"?>
 <p:sldLayout xmlns:a="http://schemas.openxmlformats.org/drawingml/2006/main" xmlns:r="http://schemas.openxmlformats.org/officeDocument/2006/relationships" xmlns:p="http://schemas.openxmlformats.org/presentationml/2006/main" type="title" preserve="1">
   <p:cSld name="标题幻灯片">
@@ -1476,7 +1672,7 @@
           <a:p>
             <a:fld id="{443201C6-C6B2-4F96-9DF6-297028943761}" type="datetimeFigureOut">
               <a:rPr lang="zh-CN" altLang="en-US" smtClean="0"/>
-              <a:t>2024/1/15</a:t>
+              <a:t>2024/1/16</a:t>
             </a:fld>
             <a:endParaRPr lang="zh-CN" altLang="en-US"/>
           </a:p>
@@ -1674,7 +1870,7 @@
           <a:p>
             <a:fld id="{443201C6-C6B2-4F96-9DF6-297028943761}" type="datetimeFigureOut">
               <a:rPr lang="zh-CN" altLang="en-US" smtClean="0"/>
-              <a:t>2024/1/15</a:t>
+              <a:t>2024/1/16</a:t>
             </a:fld>
             <a:endParaRPr lang="zh-CN" altLang="en-US"/>
           </a:p>
@@ -1882,7 +2078,7 @@
           <a:p>
             <a:fld id="{443201C6-C6B2-4F96-9DF6-297028943761}" type="datetimeFigureOut">
               <a:rPr lang="zh-CN" altLang="en-US" smtClean="0"/>
-              <a:t>2024/1/15</a:t>
+              <a:t>2024/1/16</a:t>
             </a:fld>
             <a:endParaRPr lang="zh-CN" altLang="en-US"/>
           </a:p>
@@ -2080,7 +2276,7 @@
           <a:p>
             <a:fld id="{443201C6-C6B2-4F96-9DF6-297028943761}" type="datetimeFigureOut">
               <a:rPr lang="zh-CN" altLang="en-US" smtClean="0"/>
-              <a:t>2024/1/15</a:t>
+              <a:t>2024/1/16</a:t>
             </a:fld>
             <a:endParaRPr lang="zh-CN" altLang="en-US"/>
           </a:p>
@@ -2355,7 +2551,7 @@
           <a:p>
             <a:fld id="{443201C6-C6B2-4F96-9DF6-297028943761}" type="datetimeFigureOut">
               <a:rPr lang="zh-CN" altLang="en-US" smtClean="0"/>
-              <a:t>2024/1/15</a:t>
+              <a:t>2024/1/16</a:t>
             </a:fld>
             <a:endParaRPr lang="zh-CN" altLang="en-US"/>
           </a:p>
@@ -2620,7 +2816,7 @@
           <a:p>
             <a:fld id="{443201C6-C6B2-4F96-9DF6-297028943761}" type="datetimeFigureOut">
               <a:rPr lang="zh-CN" altLang="en-US" smtClean="0"/>
-              <a:t>2024/1/15</a:t>
+              <a:t>2024/1/16</a:t>
             </a:fld>
             <a:endParaRPr lang="zh-CN" altLang="en-US"/>
           </a:p>
@@ -3032,7 +3228,7 @@
           <a:p>
             <a:fld id="{443201C6-C6B2-4F96-9DF6-297028943761}" type="datetimeFigureOut">
               <a:rPr lang="zh-CN" altLang="en-US" smtClean="0"/>
-              <a:t>2024/1/15</a:t>
+              <a:t>2024/1/16</a:t>
             </a:fld>
             <a:endParaRPr lang="zh-CN" altLang="en-US"/>
           </a:p>
@@ -3173,7 +3369,7 @@
           <a:p>
             <a:fld id="{443201C6-C6B2-4F96-9DF6-297028943761}" type="datetimeFigureOut">
               <a:rPr lang="zh-CN" altLang="en-US" smtClean="0"/>
-              <a:t>2024/1/15</a:t>
+              <a:t>2024/1/16</a:t>
             </a:fld>
             <a:endParaRPr lang="zh-CN" altLang="en-US"/>
           </a:p>
@@ -3286,7 +3482,7 @@
           <a:p>
             <a:fld id="{443201C6-C6B2-4F96-9DF6-297028943761}" type="datetimeFigureOut">
               <a:rPr lang="zh-CN" altLang="en-US" smtClean="0"/>
-              <a:t>2024/1/15</a:t>
+              <a:t>2024/1/16</a:t>
             </a:fld>
             <a:endParaRPr lang="zh-CN" altLang="en-US"/>
           </a:p>
@@ -3597,7 +3793,7 @@
           <a:p>
             <a:fld id="{443201C6-C6B2-4F96-9DF6-297028943761}" type="datetimeFigureOut">
               <a:rPr lang="zh-CN" altLang="en-US" smtClean="0"/>
-              <a:t>2024/1/15</a:t>
+              <a:t>2024/1/16</a:t>
             </a:fld>
             <a:endParaRPr lang="zh-CN" altLang="en-US"/>
           </a:p>
@@ -3885,7 +4081,7 @@
           <a:p>
             <a:fld id="{443201C6-C6B2-4F96-9DF6-297028943761}" type="datetimeFigureOut">
               <a:rPr lang="zh-CN" altLang="en-US" smtClean="0"/>
-              <a:t>2024/1/15</a:t>
+              <a:t>2024/1/16</a:t>
             </a:fld>
             <a:endParaRPr lang="zh-CN" altLang="en-US"/>
           </a:p>
@@ -4126,7 +4322,7 @@
           <a:p>
             <a:fld id="{443201C6-C6B2-4F96-9DF6-297028943761}" type="datetimeFigureOut">
               <a:rPr lang="zh-CN" altLang="en-US" smtClean="0"/>
-              <a:t>2024/1/15</a:t>
+              <a:t>2024/1/16</a:t>
             </a:fld>
             <a:endParaRPr lang="zh-CN" altLang="en-US"/>
           </a:p>
@@ -6198,7 +6394,7 @@
         </p:blipFill>
         <p:spPr>
           <a:xfrm>
-            <a:off x="-3510511" y="7236698"/>
+            <a:off x="-4687575" y="8651554"/>
             <a:ext cx="11101778" cy="2725148"/>
           </a:xfrm>
           <a:prstGeom prst="rect">
@@ -6221,13 +6417,13 @@
           <p:nvPr>
             <p:extLst>
               <p:ext uri="{D42A27DB-BD31-4B8C-83A1-F6EECF244321}">
-                <p14:modId xmlns:p14="http://schemas.microsoft.com/office/powerpoint/2010/main" val="2120565325"/>
+                <p14:modId xmlns:p14="http://schemas.microsoft.com/office/powerpoint/2010/main" val="2197163567"/>
               </p:ext>
             </p:extLst>
           </p:nvPr>
         </p:nvGraphicFramePr>
         <p:xfrm>
-          <a:off x="1282517" y="3622562"/>
+          <a:off x="1541670" y="4052013"/>
           <a:ext cx="9108660" cy="3096000"/>
         </p:xfrm>
         <a:graphic>
@@ -6959,6 +7155,1883 @@
           <a:chExt cx="0" cy="0"/>
         </a:xfrm>
       </p:grpSpPr>
+      <p:pic>
+        <p:nvPicPr>
+          <p:cNvPr id="14" name="图片 13">
+            <a:extLst>
+              <a:ext uri="{FF2B5EF4-FFF2-40B4-BE49-F238E27FC236}">
+                <a16:creationId xmlns:a16="http://schemas.microsoft.com/office/drawing/2014/main" id="{CE44F6A1-F581-1A0B-D982-BCFC538674C8}"/>
+              </a:ext>
+            </a:extLst>
+          </p:cNvPr>
+          <p:cNvPicPr>
+            <a:picLocks/>
+          </p:cNvPicPr>
+          <p:nvPr/>
+        </p:nvPicPr>
+        <p:blipFill>
+          <a:blip r:embed="rId3"/>
+          <a:stretch>
+            <a:fillRect/>
+          </a:stretch>
+        </p:blipFill>
+        <p:spPr>
+          <a:xfrm>
+            <a:off x="695402" y="740815"/>
+            <a:ext cx="11084400" cy="2710800"/>
+          </a:xfrm>
+          <a:prstGeom prst="rect">
+            <a:avLst/>
+          </a:prstGeom>
+        </p:spPr>
+      </p:pic>
+      <p:graphicFrame>
+        <p:nvGraphicFramePr>
+          <p:cNvPr id="4" name="表格 3">
+            <a:extLst>
+              <a:ext uri="{FF2B5EF4-FFF2-40B4-BE49-F238E27FC236}">
+                <a16:creationId xmlns:a16="http://schemas.microsoft.com/office/drawing/2014/main" id="{16594B61-899E-8A5D-3F30-E5ECAA00AC8D}"/>
+              </a:ext>
+            </a:extLst>
+          </p:cNvPr>
+          <p:cNvGraphicFramePr>
+            <a:graphicFrameLocks noGrp="1"/>
+          </p:cNvGraphicFramePr>
+          <p:nvPr>
+            <p:extLst>
+              <p:ext uri="{D42A27DB-BD31-4B8C-83A1-F6EECF244321}">
+                <p14:modId xmlns:p14="http://schemas.microsoft.com/office/powerpoint/2010/main" val="2205352857"/>
+              </p:ext>
+            </p:extLst>
+          </p:nvPr>
+        </p:nvGraphicFramePr>
+        <p:xfrm>
+          <a:off x="695739" y="742435"/>
+          <a:ext cx="11084063" cy="3386475"/>
+        </p:xfrm>
+        <a:graphic>
+          <a:graphicData uri="http://schemas.openxmlformats.org/drawingml/2006/table">
+            <a:tbl>
+              <a:tblPr/>
+              <a:tblGrid>
+                <a:gridCol w="5539409">
+                  <a:extLst>
+                    <a:ext uri="{9D8B030D-6E8A-4147-A177-3AD203B41FA5}">
+                      <a16:colId xmlns:a16="http://schemas.microsoft.com/office/drawing/2014/main" val="3078818713"/>
+                    </a:ext>
+                  </a:extLst>
+                </a:gridCol>
+                <a:gridCol w="5544654">
+                  <a:extLst>
+                    <a:ext uri="{9D8B030D-6E8A-4147-A177-3AD203B41FA5}">
+                      <a16:colId xmlns:a16="http://schemas.microsoft.com/office/drawing/2014/main" val="3809513742"/>
+                    </a:ext>
+                  </a:extLst>
+                </a:gridCol>
+              </a:tblGrid>
+              <a:tr h="677295">
+                <a:tc>
+                  <a:txBody>
+                    <a:bodyPr/>
+                    <a:lstStyle/>
+                    <a:p>
+                      <a:pPr marL="0" algn="ctr" defTabSz="914400" rtl="0" eaLnBrk="1" latinLnBrk="0" hangingPunct="1"/>
+                      <a:r>
+                        <a:rPr lang="en-US" altLang="zh-CN" sz="1800" b="1" i="0" kern="1200" dirty="0">
+                          <a:solidFill>
+                            <a:schemeClr val="tx1"/>
+                          </a:solidFill>
+                          <a:effectLst/>
+                          <a:latin typeface="Arial" panose="020B0604020202020204" pitchFamily="34" charset="0"/>
+                          <a:ea typeface="+mn-ea"/>
+                          <a:cs typeface="Arial" panose="020B0604020202020204" pitchFamily="34" charset="0"/>
+                        </a:rPr>
+                        <a:t>Registration Type</a:t>
+                      </a:r>
+                      <a:endParaRPr lang="en-US" sz="1800" b="1" i="0" kern="1200" dirty="0">
+                        <a:solidFill>
+                          <a:schemeClr val="tx1"/>
+                        </a:solidFill>
+                        <a:effectLst/>
+                        <a:latin typeface="Arial" panose="020B0604020202020204" pitchFamily="34" charset="0"/>
+                        <a:ea typeface="+mn-ea"/>
+                        <a:cs typeface="Arial" panose="020B0604020202020204" pitchFamily="34" charset="0"/>
+                      </a:endParaRPr>
+                    </a:p>
+                  </a:txBody>
+                  <a:tcPr marL="63500" marR="63500" marT="63500" marB="63500" anchor="ctr">
+                    <a:lnL w="6350" cap="flat" cmpd="sng" algn="ctr">
+                      <a:solidFill>
+                        <a:srgbClr val="DDDDDD"/>
+                      </a:solidFill>
+                      <a:prstDash val="solid"/>
+                      <a:round/>
+                      <a:headEnd type="none" w="med" len="med"/>
+                      <a:tailEnd type="none" w="med" len="med"/>
+                    </a:lnL>
+                    <a:lnR w="6350" cap="flat" cmpd="sng" algn="ctr">
+                      <a:solidFill>
+                        <a:srgbClr val="DDDDDD"/>
+                      </a:solidFill>
+                      <a:prstDash val="solid"/>
+                      <a:round/>
+                      <a:headEnd type="none" w="med" len="med"/>
+                      <a:tailEnd type="none" w="med" len="med"/>
+                    </a:lnR>
+                    <a:lnT w="6350" cap="flat" cmpd="sng" algn="ctr">
+                      <a:solidFill>
+                        <a:srgbClr val="DDDDDD"/>
+                      </a:solidFill>
+                      <a:prstDash val="solid"/>
+                      <a:round/>
+                      <a:headEnd type="none" w="med" len="med"/>
+                      <a:tailEnd type="none" w="med" len="med"/>
+                    </a:lnT>
+                    <a:lnB w="6350" cap="flat" cmpd="sng" algn="ctr">
+                      <a:solidFill>
+                        <a:srgbClr val="DDDDDD"/>
+                      </a:solidFill>
+                      <a:prstDash val="solid"/>
+                      <a:round/>
+                      <a:headEnd type="none" w="med" len="med"/>
+                      <a:tailEnd type="none" w="med" len="med"/>
+                    </a:lnB>
+                    <a:noFill/>
+                  </a:tcPr>
+                </a:tc>
+                <a:tc>
+                  <a:txBody>
+                    <a:bodyPr/>
+                    <a:lstStyle/>
+                    <a:p>
+                      <a:pPr marL="0" algn="ctr" defTabSz="914400" rtl="0" eaLnBrk="1" latinLnBrk="0" hangingPunct="1"/>
+                      <a:r>
+                        <a:rPr lang="en-US" sz="1800" b="1" i="0" kern="1200" dirty="0">
+                          <a:solidFill>
+                            <a:schemeClr val="tx1"/>
+                          </a:solidFill>
+                          <a:effectLst/>
+                          <a:latin typeface="Arial" panose="020B0604020202020204" pitchFamily="34" charset="0"/>
+                          <a:ea typeface="+mn-ea"/>
+                          <a:cs typeface="Arial" panose="020B0604020202020204" pitchFamily="34" charset="0"/>
+                        </a:rPr>
+                        <a:t>Registration Fee</a:t>
+                      </a:r>
+                    </a:p>
+                  </a:txBody>
+                  <a:tcPr marL="63500" marR="63500" marT="63500" marB="63500" anchor="ctr">
+                    <a:lnL w="6350" cap="flat" cmpd="sng" algn="ctr">
+                      <a:solidFill>
+                        <a:srgbClr val="DDDDDD"/>
+                      </a:solidFill>
+                      <a:prstDash val="solid"/>
+                      <a:round/>
+                      <a:headEnd type="none" w="med" len="med"/>
+                      <a:tailEnd type="none" w="med" len="med"/>
+                    </a:lnL>
+                    <a:lnR w="6350" cap="flat" cmpd="sng" algn="ctr">
+                      <a:solidFill>
+                        <a:srgbClr val="DDDDDD"/>
+                      </a:solidFill>
+                      <a:prstDash val="solid"/>
+                      <a:round/>
+                      <a:headEnd type="none" w="med" len="med"/>
+                      <a:tailEnd type="none" w="med" len="med"/>
+                    </a:lnR>
+                    <a:lnT w="6350" cap="flat" cmpd="sng" algn="ctr">
+                      <a:solidFill>
+                        <a:srgbClr val="DDDDDD"/>
+                      </a:solidFill>
+                      <a:prstDash val="solid"/>
+                      <a:round/>
+                      <a:headEnd type="none" w="med" len="med"/>
+                      <a:tailEnd type="none" w="med" len="med"/>
+                    </a:lnT>
+                    <a:lnB w="6350" cap="flat" cmpd="sng" algn="ctr">
+                      <a:solidFill>
+                        <a:srgbClr val="DDDDDD"/>
+                      </a:solidFill>
+                      <a:prstDash val="solid"/>
+                      <a:round/>
+                      <a:headEnd type="none" w="med" len="med"/>
+                      <a:tailEnd type="none" w="med" len="med"/>
+                    </a:lnB>
+                    <a:noFill/>
+                  </a:tcPr>
+                </a:tc>
+                <a:extLst>
+                  <a:ext uri="{0D108BD9-81ED-4DB2-BD59-A6C34878D82A}">
+                    <a16:rowId xmlns:a16="http://schemas.microsoft.com/office/drawing/2014/main" val="1319623959"/>
+                  </a:ext>
+                </a:extLst>
+              </a:tr>
+              <a:tr h="677295">
+                <a:tc>
+                  <a:txBody>
+                    <a:bodyPr/>
+                    <a:lstStyle/>
+                    <a:p>
+                      <a:pPr marL="0" marR="0" lvl="0" indent="0" algn="ctr" defTabSz="914400" rtl="0" eaLnBrk="1" fontAlgn="auto" latinLnBrk="1" hangingPunct="1">
+                        <a:lnSpc>
+                          <a:spcPct val="100000"/>
+                        </a:lnSpc>
+                        <a:spcBef>
+                          <a:spcPts val="0"/>
+                        </a:spcBef>
+                        <a:spcAft>
+                          <a:spcPts val="0"/>
+                        </a:spcAft>
+                        <a:buClrTx/>
+                        <a:buSzTx/>
+                        <a:buFontTx/>
+                        <a:buNone/>
+                        <a:tabLst/>
+                        <a:defRPr/>
+                      </a:pPr>
+                      <a:r>
+                        <a:rPr lang="en-US" altLang="zh-CN" sz="1600" b="0" i="0" kern="1200" dirty="0">
+                          <a:solidFill>
+                            <a:schemeClr val="tx1"/>
+                          </a:solidFill>
+                          <a:effectLst/>
+                          <a:latin typeface="Arial" panose="020B0604020202020204" pitchFamily="34" charset="0"/>
+                          <a:ea typeface="+mn-ea"/>
+                          <a:cs typeface="Arial" panose="020B0604020202020204" pitchFamily="34" charset="0"/>
+                        </a:rPr>
+                        <a:t>Full Delegate (Early Bird)</a:t>
+                      </a:r>
+                      <a:endParaRPr lang="en-US" sz="1600" b="0" dirty="0">
+                        <a:solidFill>
+                          <a:schemeClr val="tx1"/>
+                        </a:solidFill>
+                        <a:effectLst/>
+                        <a:latin typeface="Arial" panose="020B0604020202020204" pitchFamily="34" charset="0"/>
+                        <a:cs typeface="Arial" panose="020B0604020202020204" pitchFamily="34" charset="0"/>
+                      </a:endParaRPr>
+                    </a:p>
+                  </a:txBody>
+                  <a:tcPr marL="63500" marR="63500" marT="63500" marB="63500" anchor="ctr">
+                    <a:lnL w="6350" cap="flat" cmpd="sng" algn="ctr">
+                      <a:solidFill>
+                        <a:srgbClr val="DDDDDD"/>
+                      </a:solidFill>
+                      <a:prstDash val="solid"/>
+                      <a:round/>
+                      <a:headEnd type="none" w="med" len="med"/>
+                      <a:tailEnd type="none" w="med" len="med"/>
+                    </a:lnL>
+                    <a:lnR w="6350" cap="flat" cmpd="sng" algn="ctr">
+                      <a:solidFill>
+                        <a:srgbClr val="DDDDDD"/>
+                      </a:solidFill>
+                      <a:prstDash val="solid"/>
+                      <a:round/>
+                      <a:headEnd type="none" w="med" len="med"/>
+                      <a:tailEnd type="none" w="med" len="med"/>
+                    </a:lnR>
+                    <a:lnT w="6350" cap="flat" cmpd="sng" algn="ctr">
+                      <a:solidFill>
+                        <a:srgbClr val="DDDDDD"/>
+                      </a:solidFill>
+                      <a:prstDash val="solid"/>
+                      <a:round/>
+                      <a:headEnd type="none" w="med" len="med"/>
+                      <a:tailEnd type="none" w="med" len="med"/>
+                    </a:lnT>
+                    <a:lnB w="6350" cap="flat" cmpd="sng" algn="ctr">
+                      <a:solidFill>
+                        <a:srgbClr val="DDDDDD"/>
+                      </a:solidFill>
+                      <a:prstDash val="solid"/>
+                      <a:round/>
+                      <a:headEnd type="none" w="med" len="med"/>
+                      <a:tailEnd type="none" w="med" len="med"/>
+                    </a:lnB>
+                    <a:solidFill>
+                      <a:srgbClr val="DEEBF7">
+                        <a:alpha val="20000"/>
+                      </a:srgbClr>
+                    </a:solidFill>
+                  </a:tcPr>
+                </a:tc>
+                <a:tc>
+                  <a:txBody>
+                    <a:bodyPr/>
+                    <a:lstStyle/>
+                    <a:p>
+                      <a:pPr algn="ctr"/>
+                      <a:r>
+                        <a:rPr lang="en-US" altLang="zh-CN" sz="1600" dirty="0">
+                          <a:solidFill>
+                            <a:schemeClr val="tx1"/>
+                          </a:solidFill>
+                          <a:effectLst/>
+                          <a:latin typeface="Arial" panose="020B0604020202020204" pitchFamily="34" charset="0"/>
+                          <a:cs typeface="Arial" panose="020B0604020202020204" pitchFamily="34" charset="0"/>
+                        </a:rPr>
+                        <a:t>850 </a:t>
+                      </a:r>
+                      <a:r>
+                        <a:rPr lang="en-US" sz="1600" dirty="0">
+                          <a:solidFill>
+                            <a:schemeClr val="tx1"/>
+                          </a:solidFill>
+                          <a:effectLst/>
+                          <a:latin typeface="Arial" panose="020B0604020202020204" pitchFamily="34" charset="0"/>
+                          <a:cs typeface="Arial" panose="020B0604020202020204" pitchFamily="34" charset="0"/>
+                        </a:rPr>
+                        <a:t>USD</a:t>
+                      </a:r>
+                    </a:p>
+                  </a:txBody>
+                  <a:tcPr marL="63500" marR="63500" marT="63500" marB="63500" anchor="ctr">
+                    <a:lnL w="6350" cap="flat" cmpd="sng" algn="ctr">
+                      <a:solidFill>
+                        <a:srgbClr val="DDDDDD"/>
+                      </a:solidFill>
+                      <a:prstDash val="solid"/>
+                      <a:round/>
+                      <a:headEnd type="none" w="med" len="med"/>
+                      <a:tailEnd type="none" w="med" len="med"/>
+                    </a:lnL>
+                    <a:lnR w="6350" cap="flat" cmpd="sng" algn="ctr">
+                      <a:solidFill>
+                        <a:srgbClr val="DDDDDD"/>
+                      </a:solidFill>
+                      <a:prstDash val="solid"/>
+                      <a:round/>
+                      <a:headEnd type="none" w="med" len="med"/>
+                      <a:tailEnd type="none" w="med" len="med"/>
+                    </a:lnR>
+                    <a:lnT w="6350" cap="flat" cmpd="sng" algn="ctr">
+                      <a:solidFill>
+                        <a:srgbClr val="DDDDDD"/>
+                      </a:solidFill>
+                      <a:prstDash val="solid"/>
+                      <a:round/>
+                      <a:headEnd type="none" w="med" len="med"/>
+                      <a:tailEnd type="none" w="med" len="med"/>
+                    </a:lnT>
+                    <a:lnB w="6350" cap="flat" cmpd="sng" algn="ctr">
+                      <a:solidFill>
+                        <a:srgbClr val="DDDDDD"/>
+                      </a:solidFill>
+                      <a:prstDash val="solid"/>
+                      <a:round/>
+                      <a:headEnd type="none" w="med" len="med"/>
+                      <a:tailEnd type="none" w="med" len="med"/>
+                    </a:lnB>
+                    <a:solidFill>
+                      <a:srgbClr val="DEEBF7">
+                        <a:alpha val="20000"/>
+                      </a:srgbClr>
+                    </a:solidFill>
+                  </a:tcPr>
+                </a:tc>
+                <a:extLst>
+                  <a:ext uri="{0D108BD9-81ED-4DB2-BD59-A6C34878D82A}">
+                    <a16:rowId xmlns:a16="http://schemas.microsoft.com/office/drawing/2014/main" val="402465856"/>
+                  </a:ext>
+                </a:extLst>
+              </a:tr>
+              <a:tr h="677295">
+                <a:tc>
+                  <a:txBody>
+                    <a:bodyPr/>
+                    <a:lstStyle/>
+                    <a:p>
+                      <a:pPr algn="ctr" latinLnBrk="1"/>
+                      <a:r>
+                        <a:rPr lang="en-US" altLang="zh-CN" sz="1600" b="0" i="0" kern="1200" dirty="0">
+                          <a:solidFill>
+                            <a:schemeClr val="tx1"/>
+                          </a:solidFill>
+                          <a:effectLst/>
+                          <a:latin typeface="Arial" panose="020B0604020202020204" pitchFamily="34" charset="0"/>
+                          <a:ea typeface="+mn-ea"/>
+                          <a:cs typeface="Arial" panose="020B0604020202020204" pitchFamily="34" charset="0"/>
+                        </a:rPr>
+                        <a:t>Student Delegate (Early Bird)</a:t>
+                      </a:r>
+                      <a:endParaRPr lang="en-US" altLang="zh-CN" sz="1600" b="0" dirty="0">
+                        <a:solidFill>
+                          <a:schemeClr val="tx1"/>
+                        </a:solidFill>
+                        <a:effectLst/>
+                        <a:latin typeface="Arial" panose="020B0604020202020204" pitchFamily="34" charset="0"/>
+                        <a:cs typeface="Arial" panose="020B0604020202020204" pitchFamily="34" charset="0"/>
+                      </a:endParaRPr>
+                    </a:p>
+                  </a:txBody>
+                  <a:tcPr marL="63500" marR="63500" marT="63500" marB="63500" anchor="ctr">
+                    <a:lnL w="6350" cap="flat" cmpd="sng" algn="ctr">
+                      <a:solidFill>
+                        <a:srgbClr val="DDDDDD"/>
+                      </a:solidFill>
+                      <a:prstDash val="solid"/>
+                      <a:round/>
+                      <a:headEnd type="none" w="med" len="med"/>
+                      <a:tailEnd type="none" w="med" len="med"/>
+                    </a:lnL>
+                    <a:lnR w="6350" cap="flat" cmpd="sng" algn="ctr">
+                      <a:solidFill>
+                        <a:srgbClr val="DDDDDD"/>
+                      </a:solidFill>
+                      <a:prstDash val="solid"/>
+                      <a:round/>
+                      <a:headEnd type="none" w="med" len="med"/>
+                      <a:tailEnd type="none" w="med" len="med"/>
+                    </a:lnR>
+                    <a:lnT w="6350" cap="flat" cmpd="sng" algn="ctr">
+                      <a:solidFill>
+                        <a:srgbClr val="DDDDDD"/>
+                      </a:solidFill>
+                      <a:prstDash val="solid"/>
+                      <a:round/>
+                      <a:headEnd type="none" w="med" len="med"/>
+                      <a:tailEnd type="none" w="med" len="med"/>
+                    </a:lnT>
+                    <a:lnB w="6350" cap="flat" cmpd="sng" algn="ctr">
+                      <a:solidFill>
+                        <a:srgbClr val="DDDDDD"/>
+                      </a:solidFill>
+                      <a:prstDash val="solid"/>
+                      <a:round/>
+                      <a:headEnd type="none" w="med" len="med"/>
+                      <a:tailEnd type="none" w="med" len="med"/>
+                    </a:lnB>
+                    <a:noFill/>
+                  </a:tcPr>
+                </a:tc>
+                <a:tc>
+                  <a:txBody>
+                    <a:bodyPr/>
+                    <a:lstStyle/>
+                    <a:p>
+                      <a:pPr marL="0" marR="0" lvl="0" indent="0" algn="ctr" defTabSz="914400" rtl="0" eaLnBrk="1" fontAlgn="auto" latinLnBrk="0" hangingPunct="1">
+                        <a:lnSpc>
+                          <a:spcPct val="100000"/>
+                        </a:lnSpc>
+                        <a:spcBef>
+                          <a:spcPts val="0"/>
+                        </a:spcBef>
+                        <a:spcAft>
+                          <a:spcPts val="0"/>
+                        </a:spcAft>
+                        <a:buClrTx/>
+                        <a:buSzTx/>
+                        <a:buFontTx/>
+                        <a:buNone/>
+                        <a:tabLst/>
+                        <a:defRPr/>
+                      </a:pPr>
+                      <a:r>
+                        <a:rPr lang="en-US" sz="1600" dirty="0">
+                          <a:solidFill>
+                            <a:schemeClr val="tx1"/>
+                          </a:solidFill>
+                          <a:effectLst/>
+                          <a:latin typeface="Arial" panose="020B0604020202020204" pitchFamily="34" charset="0"/>
+                          <a:cs typeface="Arial" panose="020B0604020202020204" pitchFamily="34" charset="0"/>
+                        </a:rPr>
+                        <a:t> 70</a:t>
+                      </a:r>
+                      <a:r>
+                        <a:rPr lang="en-US" altLang="zh-CN" sz="1600" dirty="0">
+                          <a:solidFill>
+                            <a:schemeClr val="tx1"/>
+                          </a:solidFill>
+                          <a:effectLst/>
+                          <a:latin typeface="Arial" panose="020B0604020202020204" pitchFamily="34" charset="0"/>
+                          <a:cs typeface="Arial" panose="020B0604020202020204" pitchFamily="34" charset="0"/>
+                        </a:rPr>
+                        <a:t>0 </a:t>
+                      </a:r>
+                      <a:r>
+                        <a:rPr lang="en-US" sz="1600" dirty="0">
+                          <a:solidFill>
+                            <a:schemeClr val="tx1"/>
+                          </a:solidFill>
+                          <a:effectLst/>
+                          <a:latin typeface="Arial" panose="020B0604020202020204" pitchFamily="34" charset="0"/>
+                          <a:cs typeface="Arial" panose="020B0604020202020204" pitchFamily="34" charset="0"/>
+                        </a:rPr>
+                        <a:t>USD</a:t>
+                      </a:r>
+                    </a:p>
+                    <a:p>
+                      <a:pPr marL="0" marR="0" lvl="0" indent="0" algn="ctr" defTabSz="914400" rtl="0" eaLnBrk="1" fontAlgn="auto" latinLnBrk="0" hangingPunct="1">
+                        <a:lnSpc>
+                          <a:spcPct val="100000"/>
+                        </a:lnSpc>
+                        <a:spcBef>
+                          <a:spcPts val="0"/>
+                        </a:spcBef>
+                        <a:spcAft>
+                          <a:spcPts val="0"/>
+                        </a:spcAft>
+                        <a:buClrTx/>
+                        <a:buSzTx/>
+                        <a:buFontTx/>
+                        <a:buNone/>
+                        <a:tabLst/>
+                        <a:defRPr/>
+                      </a:pPr>
+                      <a:r>
+                        <a:rPr lang="en-US" altLang="zh-CN" sz="1600" b="0" i="0" kern="1200" dirty="0">
+                          <a:solidFill>
+                            <a:schemeClr val="tx1"/>
+                          </a:solidFill>
+                          <a:effectLst/>
+                          <a:latin typeface="Arial" panose="020B0604020202020204" pitchFamily="34" charset="0"/>
+                          <a:ea typeface="+mn-ea"/>
+                          <a:cs typeface="Arial" panose="020B0604020202020204" pitchFamily="34" charset="0"/>
+                        </a:rPr>
+                        <a:t>(Banquet </a:t>
+                      </a:r>
+                      <a:r>
+                        <a:rPr lang="en-US" altLang="zh-CN" sz="1600" b="1" i="0" kern="1200" dirty="0">
+                          <a:solidFill>
+                            <a:schemeClr val="tx1"/>
+                          </a:solidFill>
+                          <a:effectLst/>
+                          <a:latin typeface="Arial" panose="020B0604020202020204" pitchFamily="34" charset="0"/>
+                          <a:ea typeface="+mn-ea"/>
+                          <a:cs typeface="Arial" panose="020B0604020202020204" pitchFamily="34" charset="0"/>
+                        </a:rPr>
+                        <a:t>NOT</a:t>
+                      </a:r>
+                      <a:r>
+                        <a:rPr lang="en-US" altLang="zh-CN" sz="1600" b="0" i="0" kern="1200" dirty="0">
+                          <a:solidFill>
+                            <a:schemeClr val="tx1"/>
+                          </a:solidFill>
+                          <a:effectLst/>
+                          <a:latin typeface="Arial" panose="020B0604020202020204" pitchFamily="34" charset="0"/>
+                          <a:ea typeface="+mn-ea"/>
+                          <a:cs typeface="Arial" panose="020B0604020202020204" pitchFamily="34" charset="0"/>
+                        </a:rPr>
+                        <a:t> Included)</a:t>
+                      </a:r>
+                      <a:endParaRPr lang="en-US" sz="1600" dirty="0">
+                        <a:solidFill>
+                          <a:schemeClr val="tx1"/>
+                        </a:solidFill>
+                        <a:effectLst/>
+                        <a:latin typeface="Arial" panose="020B0604020202020204" pitchFamily="34" charset="0"/>
+                        <a:cs typeface="Arial" panose="020B0604020202020204" pitchFamily="34" charset="0"/>
+                      </a:endParaRPr>
+                    </a:p>
+                  </a:txBody>
+                  <a:tcPr marL="63500" marR="63500" marT="63500" marB="63500" anchor="ctr">
+                    <a:lnL w="6350" cap="flat" cmpd="sng" algn="ctr">
+                      <a:solidFill>
+                        <a:srgbClr val="DDDDDD"/>
+                      </a:solidFill>
+                      <a:prstDash val="solid"/>
+                      <a:round/>
+                      <a:headEnd type="none" w="med" len="med"/>
+                      <a:tailEnd type="none" w="med" len="med"/>
+                    </a:lnL>
+                    <a:lnR w="6350" cap="flat" cmpd="sng" algn="ctr">
+                      <a:solidFill>
+                        <a:srgbClr val="DDDDDD"/>
+                      </a:solidFill>
+                      <a:prstDash val="solid"/>
+                      <a:round/>
+                      <a:headEnd type="none" w="med" len="med"/>
+                      <a:tailEnd type="none" w="med" len="med"/>
+                    </a:lnR>
+                    <a:lnT w="6350" cap="flat" cmpd="sng" algn="ctr">
+                      <a:solidFill>
+                        <a:srgbClr val="DDDDDD"/>
+                      </a:solidFill>
+                      <a:prstDash val="solid"/>
+                      <a:round/>
+                      <a:headEnd type="none" w="med" len="med"/>
+                      <a:tailEnd type="none" w="med" len="med"/>
+                    </a:lnT>
+                    <a:lnB w="6350" cap="flat" cmpd="sng" algn="ctr">
+                      <a:solidFill>
+                        <a:srgbClr val="DDDDDD"/>
+                      </a:solidFill>
+                      <a:prstDash val="solid"/>
+                      <a:round/>
+                      <a:headEnd type="none" w="med" len="med"/>
+                      <a:tailEnd type="none" w="med" len="med"/>
+                    </a:lnB>
+                    <a:noFill/>
+                  </a:tcPr>
+                </a:tc>
+                <a:extLst>
+                  <a:ext uri="{0D108BD9-81ED-4DB2-BD59-A6C34878D82A}">
+                    <a16:rowId xmlns:a16="http://schemas.microsoft.com/office/drawing/2014/main" val="3995739784"/>
+                  </a:ext>
+                </a:extLst>
+              </a:tr>
+              <a:tr h="677295">
+                <a:tc>
+                  <a:txBody>
+                    <a:bodyPr/>
+                    <a:lstStyle/>
+                    <a:p>
+                      <a:pPr algn="ctr" latinLnBrk="1"/>
+                      <a:r>
+                        <a:rPr lang="en-US" altLang="zh-CN" sz="1600" b="0" i="0" kern="1200" dirty="0">
+                          <a:solidFill>
+                            <a:schemeClr val="tx1"/>
+                          </a:solidFill>
+                          <a:effectLst/>
+                          <a:latin typeface="Arial" panose="020B0604020202020204" pitchFamily="34" charset="0"/>
+                          <a:ea typeface="+mn-ea"/>
+                          <a:cs typeface="Arial" panose="020B0604020202020204" pitchFamily="34" charset="0"/>
+                        </a:rPr>
+                        <a:t>Regular Registration</a:t>
+                      </a:r>
+                      <a:endParaRPr lang="en-US" altLang="zh-CN" sz="1600" b="0" dirty="0">
+                        <a:solidFill>
+                          <a:schemeClr val="tx1"/>
+                        </a:solidFill>
+                        <a:effectLst/>
+                        <a:latin typeface="Arial" panose="020B0604020202020204" pitchFamily="34" charset="0"/>
+                        <a:cs typeface="Arial" panose="020B0604020202020204" pitchFamily="34" charset="0"/>
+                      </a:endParaRPr>
+                    </a:p>
+                  </a:txBody>
+                  <a:tcPr marL="63500" marR="63500" marT="63500" marB="63500" anchor="ctr">
+                    <a:lnL w="6350" cap="flat" cmpd="sng" algn="ctr">
+                      <a:solidFill>
+                        <a:srgbClr val="DDDDDD"/>
+                      </a:solidFill>
+                      <a:prstDash val="solid"/>
+                      <a:round/>
+                      <a:headEnd type="none" w="med" len="med"/>
+                      <a:tailEnd type="none" w="med" len="med"/>
+                    </a:lnL>
+                    <a:lnR w="6350" cap="flat" cmpd="sng" algn="ctr">
+                      <a:solidFill>
+                        <a:srgbClr val="DDDDDD"/>
+                      </a:solidFill>
+                      <a:prstDash val="solid"/>
+                      <a:round/>
+                      <a:headEnd type="none" w="med" len="med"/>
+                      <a:tailEnd type="none" w="med" len="med"/>
+                    </a:lnR>
+                    <a:lnT w="6350" cap="flat" cmpd="sng" algn="ctr">
+                      <a:solidFill>
+                        <a:srgbClr val="DDDDDD"/>
+                      </a:solidFill>
+                      <a:prstDash val="solid"/>
+                      <a:round/>
+                      <a:headEnd type="none" w="med" len="med"/>
+                      <a:tailEnd type="none" w="med" len="med"/>
+                    </a:lnT>
+                    <a:lnB w="6350" cap="flat" cmpd="sng" algn="ctr">
+                      <a:solidFill>
+                        <a:srgbClr val="DDDDDD"/>
+                      </a:solidFill>
+                      <a:prstDash val="solid"/>
+                      <a:round/>
+                      <a:headEnd type="none" w="med" len="med"/>
+                      <a:tailEnd type="none" w="med" len="med"/>
+                    </a:lnB>
+                    <a:solidFill>
+                      <a:srgbClr val="DEEBF7">
+                        <a:alpha val="20000"/>
+                      </a:srgbClr>
+                    </a:solidFill>
+                  </a:tcPr>
+                </a:tc>
+                <a:tc>
+                  <a:txBody>
+                    <a:bodyPr/>
+                    <a:lstStyle/>
+                    <a:p>
+                      <a:pPr marL="0" marR="0" lvl="0" indent="0" algn="ctr" defTabSz="914400" rtl="0" eaLnBrk="1" fontAlgn="auto" latinLnBrk="0" hangingPunct="1">
+                        <a:lnSpc>
+                          <a:spcPct val="100000"/>
+                        </a:lnSpc>
+                        <a:spcBef>
+                          <a:spcPts val="0"/>
+                        </a:spcBef>
+                        <a:spcAft>
+                          <a:spcPts val="0"/>
+                        </a:spcAft>
+                        <a:buClrTx/>
+                        <a:buSzTx/>
+                        <a:buFontTx/>
+                        <a:buNone/>
+                        <a:tabLst/>
+                        <a:defRPr/>
+                      </a:pPr>
+                      <a:r>
+                        <a:rPr lang="en-US" altLang="zh-CN" sz="1600" dirty="0">
+                          <a:solidFill>
+                            <a:schemeClr val="tx1"/>
+                          </a:solidFill>
+                          <a:effectLst/>
+                          <a:latin typeface="Arial" panose="020B0604020202020204" pitchFamily="34" charset="0"/>
+                          <a:cs typeface="Arial" panose="020B0604020202020204" pitchFamily="34" charset="0"/>
+                        </a:rPr>
+                        <a:t> 950 USD</a:t>
+                      </a:r>
+                    </a:p>
+                  </a:txBody>
+                  <a:tcPr marL="63500" marR="63500" marT="63500" marB="63500" anchor="ctr">
+                    <a:lnL w="6350" cap="flat" cmpd="sng" algn="ctr">
+                      <a:solidFill>
+                        <a:srgbClr val="DDDDDD"/>
+                      </a:solidFill>
+                      <a:prstDash val="solid"/>
+                      <a:round/>
+                      <a:headEnd type="none" w="med" len="med"/>
+                      <a:tailEnd type="none" w="med" len="med"/>
+                    </a:lnL>
+                    <a:lnR w="6350" cap="flat" cmpd="sng" algn="ctr">
+                      <a:solidFill>
+                        <a:srgbClr val="DDDDDD"/>
+                      </a:solidFill>
+                      <a:prstDash val="solid"/>
+                      <a:round/>
+                      <a:headEnd type="none" w="med" len="med"/>
+                      <a:tailEnd type="none" w="med" len="med"/>
+                    </a:lnR>
+                    <a:lnT w="6350" cap="flat" cmpd="sng" algn="ctr">
+                      <a:solidFill>
+                        <a:srgbClr val="DDDDDD"/>
+                      </a:solidFill>
+                      <a:prstDash val="solid"/>
+                      <a:round/>
+                      <a:headEnd type="none" w="med" len="med"/>
+                      <a:tailEnd type="none" w="med" len="med"/>
+                    </a:lnT>
+                    <a:lnB w="6350" cap="flat" cmpd="sng" algn="ctr">
+                      <a:solidFill>
+                        <a:srgbClr val="DDDDDD"/>
+                      </a:solidFill>
+                      <a:prstDash val="solid"/>
+                      <a:round/>
+                      <a:headEnd type="none" w="med" len="med"/>
+                      <a:tailEnd type="none" w="med" len="med"/>
+                    </a:lnB>
+                    <a:solidFill>
+                      <a:srgbClr val="DEEBF7">
+                        <a:alpha val="20000"/>
+                      </a:srgbClr>
+                    </a:solidFill>
+                  </a:tcPr>
+                </a:tc>
+                <a:extLst>
+                  <a:ext uri="{0D108BD9-81ED-4DB2-BD59-A6C34878D82A}">
+                    <a16:rowId xmlns:a16="http://schemas.microsoft.com/office/drawing/2014/main" val="190464406"/>
+                  </a:ext>
+                </a:extLst>
+              </a:tr>
+              <a:tr h="677295">
+                <a:tc>
+                  <a:txBody>
+                    <a:bodyPr/>
+                    <a:lstStyle/>
+                    <a:p>
+                      <a:pPr algn="ctr"/>
+                      <a:r>
+                        <a:rPr lang="en-US" altLang="zh-CN" sz="1600" b="0" i="0" kern="1200" dirty="0">
+                          <a:solidFill>
+                            <a:schemeClr val="tx1"/>
+                          </a:solidFill>
+                          <a:effectLst/>
+                          <a:latin typeface="Arial" panose="020B0604020202020204" pitchFamily="34" charset="0"/>
+                          <a:ea typeface="+mn-ea"/>
+                          <a:cs typeface="Arial" panose="020B0604020202020204" pitchFamily="34" charset="0"/>
+                        </a:rPr>
+                        <a:t>Additional Banquet Ticket</a:t>
+                      </a:r>
+                      <a:endParaRPr lang="en-US" sz="1600" b="0" dirty="0">
+                        <a:solidFill>
+                          <a:schemeClr val="tx1"/>
+                        </a:solidFill>
+                        <a:effectLst/>
+                        <a:latin typeface="Arial" panose="020B0604020202020204" pitchFamily="34" charset="0"/>
+                        <a:cs typeface="Arial" panose="020B0604020202020204" pitchFamily="34" charset="0"/>
+                      </a:endParaRPr>
+                    </a:p>
+                  </a:txBody>
+                  <a:tcPr marL="63500" marR="63500" marT="63500" marB="63500" anchor="ctr">
+                    <a:lnL w="6350" cap="flat" cmpd="sng" algn="ctr">
+                      <a:solidFill>
+                        <a:srgbClr val="DDDDDD"/>
+                      </a:solidFill>
+                      <a:prstDash val="solid"/>
+                      <a:round/>
+                      <a:headEnd type="none" w="med" len="med"/>
+                      <a:tailEnd type="none" w="med" len="med"/>
+                    </a:lnL>
+                    <a:lnR w="6350" cap="flat" cmpd="sng" algn="ctr">
+                      <a:solidFill>
+                        <a:srgbClr val="DDDDDD"/>
+                      </a:solidFill>
+                      <a:prstDash val="solid"/>
+                      <a:round/>
+                      <a:headEnd type="none" w="med" len="med"/>
+                      <a:tailEnd type="none" w="med" len="med"/>
+                    </a:lnR>
+                    <a:lnT w="6350" cap="flat" cmpd="sng" algn="ctr">
+                      <a:solidFill>
+                        <a:srgbClr val="DDDDDD"/>
+                      </a:solidFill>
+                      <a:prstDash val="solid"/>
+                      <a:round/>
+                      <a:headEnd type="none" w="med" len="med"/>
+                      <a:tailEnd type="none" w="med" len="med"/>
+                    </a:lnT>
+                    <a:lnB w="6350" cap="flat" cmpd="sng" algn="ctr">
+                      <a:solidFill>
+                        <a:srgbClr val="DDDDDD"/>
+                      </a:solidFill>
+                      <a:prstDash val="solid"/>
+                      <a:round/>
+                      <a:headEnd type="none" w="med" len="med"/>
+                      <a:tailEnd type="none" w="med" len="med"/>
+                    </a:lnB>
+                    <a:solidFill>
+                      <a:schemeClr val="bg1">
+                        <a:alpha val="20000"/>
+                      </a:schemeClr>
+                    </a:solidFill>
+                  </a:tcPr>
+                </a:tc>
+                <a:tc>
+                  <a:txBody>
+                    <a:bodyPr/>
+                    <a:lstStyle/>
+                    <a:p>
+                      <a:pPr algn="ctr"/>
+                      <a:r>
+                        <a:rPr lang="en-US" altLang="zh-CN" sz="1600" b="0" i="0" kern="1200" dirty="0">
+                          <a:solidFill>
+                            <a:schemeClr val="tx1"/>
+                          </a:solidFill>
+                          <a:effectLst/>
+                          <a:latin typeface="Arial" panose="020B0604020202020204" pitchFamily="34" charset="0"/>
+                          <a:ea typeface="+mn-ea"/>
+                          <a:cs typeface="Arial" panose="020B0604020202020204" pitchFamily="34" charset="0"/>
+                        </a:rPr>
+                        <a:t>100 USD</a:t>
+                      </a:r>
+                      <a:endParaRPr lang="en-US" sz="1600" dirty="0">
+                        <a:solidFill>
+                          <a:schemeClr val="tx1"/>
+                        </a:solidFill>
+                        <a:effectLst/>
+                        <a:latin typeface="Arial" panose="020B0604020202020204" pitchFamily="34" charset="0"/>
+                        <a:cs typeface="Arial" panose="020B0604020202020204" pitchFamily="34" charset="0"/>
+                      </a:endParaRPr>
+                    </a:p>
+                  </a:txBody>
+                  <a:tcPr marL="63500" marR="63500" marT="63500" marB="63500" anchor="ctr">
+                    <a:lnL w="6350" cap="flat" cmpd="sng" algn="ctr">
+                      <a:solidFill>
+                        <a:srgbClr val="DDDDDD"/>
+                      </a:solidFill>
+                      <a:prstDash val="solid"/>
+                      <a:round/>
+                      <a:headEnd type="none" w="med" len="med"/>
+                      <a:tailEnd type="none" w="med" len="med"/>
+                    </a:lnL>
+                    <a:lnR w="6350" cap="flat" cmpd="sng" algn="ctr">
+                      <a:solidFill>
+                        <a:srgbClr val="DDDDDD"/>
+                      </a:solidFill>
+                      <a:prstDash val="solid"/>
+                      <a:round/>
+                      <a:headEnd type="none" w="med" len="med"/>
+                      <a:tailEnd type="none" w="med" len="med"/>
+                    </a:lnR>
+                    <a:lnT w="6350" cap="flat" cmpd="sng" algn="ctr">
+                      <a:solidFill>
+                        <a:srgbClr val="DDDDDD"/>
+                      </a:solidFill>
+                      <a:prstDash val="solid"/>
+                      <a:round/>
+                      <a:headEnd type="none" w="med" len="med"/>
+                      <a:tailEnd type="none" w="med" len="med"/>
+                    </a:lnT>
+                    <a:lnB w="6350" cap="flat" cmpd="sng" algn="ctr">
+                      <a:solidFill>
+                        <a:srgbClr val="DDDDDD"/>
+                      </a:solidFill>
+                      <a:prstDash val="solid"/>
+                      <a:round/>
+                      <a:headEnd type="none" w="med" len="med"/>
+                      <a:tailEnd type="none" w="med" len="med"/>
+                    </a:lnB>
+                    <a:solidFill>
+                      <a:schemeClr val="bg1">
+                        <a:alpha val="20000"/>
+                      </a:schemeClr>
+                    </a:solidFill>
+                  </a:tcPr>
+                </a:tc>
+                <a:extLst>
+                  <a:ext uri="{0D108BD9-81ED-4DB2-BD59-A6C34878D82A}">
+                    <a16:rowId xmlns:a16="http://schemas.microsoft.com/office/drawing/2014/main" val="1014126739"/>
+                  </a:ext>
+                </a:extLst>
+              </a:tr>
+            </a:tbl>
+          </a:graphicData>
+        </a:graphic>
+      </p:graphicFrame>
+      <p:pic>
+        <p:nvPicPr>
+          <p:cNvPr id="2" name="图片 1">
+            <a:extLst>
+              <a:ext uri="{FF2B5EF4-FFF2-40B4-BE49-F238E27FC236}">
+                <a16:creationId xmlns:a16="http://schemas.microsoft.com/office/drawing/2014/main" id="{E482143C-36ED-BFAF-8970-71CF702E86AC}"/>
+              </a:ext>
+            </a:extLst>
+          </p:cNvPr>
+          <p:cNvPicPr>
+            <a:picLocks noChangeAspect="1"/>
+          </p:cNvPicPr>
+          <p:nvPr/>
+        </p:nvPicPr>
+        <p:blipFill>
+          <a:blip r:embed="rId4"/>
+          <a:stretch>
+            <a:fillRect/>
+          </a:stretch>
+        </p:blipFill>
+        <p:spPr>
+          <a:xfrm>
+            <a:off x="8089889" y="144396"/>
+            <a:ext cx="406421" cy="425472"/>
+          </a:xfrm>
+          <a:prstGeom prst="rect">
+            <a:avLst/>
+          </a:prstGeom>
+        </p:spPr>
+      </p:pic>
+      <p:graphicFrame>
+        <p:nvGraphicFramePr>
+          <p:cNvPr id="15" name="表格 14">
+            <a:extLst>
+              <a:ext uri="{FF2B5EF4-FFF2-40B4-BE49-F238E27FC236}">
+                <a16:creationId xmlns:a16="http://schemas.microsoft.com/office/drawing/2014/main" id="{A66506E4-7D75-9BFA-897E-873F5D668AE0}"/>
+              </a:ext>
+            </a:extLst>
+          </p:cNvPr>
+          <p:cNvGraphicFramePr>
+            <a:graphicFrameLocks noGrp="1"/>
+          </p:cNvGraphicFramePr>
+          <p:nvPr>
+            <p:extLst>
+              <p:ext uri="{D42A27DB-BD31-4B8C-83A1-F6EECF244321}">
+                <p14:modId xmlns:p14="http://schemas.microsoft.com/office/powerpoint/2010/main" val="1411161547"/>
+              </p:ext>
+            </p:extLst>
+          </p:nvPr>
+        </p:nvGraphicFramePr>
+        <p:xfrm>
+          <a:off x="1038640" y="7094865"/>
+          <a:ext cx="9108660" cy="3730331"/>
+        </p:xfrm>
+        <a:graphic>
+          <a:graphicData uri="http://schemas.openxmlformats.org/drawingml/2006/table">
+            <a:tbl>
+              <a:tblPr/>
+              <a:tblGrid>
+                <a:gridCol w="4744830">
+                  <a:extLst>
+                    <a:ext uri="{9D8B030D-6E8A-4147-A177-3AD203B41FA5}">
+                      <a16:colId xmlns:a16="http://schemas.microsoft.com/office/drawing/2014/main" val="3078818713"/>
+                    </a:ext>
+                  </a:extLst>
+                </a:gridCol>
+                <a:gridCol w="4363830">
+                  <a:extLst>
+                    <a:ext uri="{9D8B030D-6E8A-4147-A177-3AD203B41FA5}">
+                      <a16:colId xmlns:a16="http://schemas.microsoft.com/office/drawing/2014/main" val="3809513742"/>
+                    </a:ext>
+                  </a:extLst>
+                </a:gridCol>
+              </a:tblGrid>
+              <a:tr h="704166">
+                <a:tc>
+                  <a:txBody>
+                    <a:bodyPr/>
+                    <a:lstStyle/>
+                    <a:p>
+                      <a:pPr marL="0" algn="ctr" defTabSz="914400" rtl="0" eaLnBrk="1" latinLnBrk="0" hangingPunct="1"/>
+                      <a:r>
+                        <a:rPr lang="en-US" altLang="zh-CN" sz="3200" b="1" i="0" kern="1200" dirty="0">
+                          <a:solidFill>
+                            <a:schemeClr val="tx1"/>
+                          </a:solidFill>
+                          <a:effectLst/>
+                          <a:latin typeface="Arial" panose="020B0604020202020204" pitchFamily="34" charset="0"/>
+                          <a:ea typeface="+mn-ea"/>
+                          <a:cs typeface="Arial" panose="020B0604020202020204" pitchFamily="34" charset="0"/>
+                        </a:rPr>
+                        <a:t>Registration Type</a:t>
+                      </a:r>
+                      <a:endParaRPr lang="en-US" sz="3200" b="1" i="0" kern="1200" dirty="0">
+                        <a:solidFill>
+                          <a:schemeClr val="tx1"/>
+                        </a:solidFill>
+                        <a:effectLst/>
+                        <a:latin typeface="Arial" panose="020B0604020202020204" pitchFamily="34" charset="0"/>
+                        <a:ea typeface="+mn-ea"/>
+                        <a:cs typeface="Arial" panose="020B0604020202020204" pitchFamily="34" charset="0"/>
+                      </a:endParaRPr>
+                    </a:p>
+                  </a:txBody>
+                  <a:tcPr marL="63500" marR="63500" marT="63500" marB="63500" anchor="ctr">
+                    <a:lnL w="6350" cap="flat" cmpd="sng" algn="ctr">
+                      <a:solidFill>
+                        <a:srgbClr val="DDDDDD"/>
+                      </a:solidFill>
+                      <a:prstDash val="solid"/>
+                      <a:round/>
+                      <a:headEnd type="none" w="med" len="med"/>
+                      <a:tailEnd type="none" w="med" len="med"/>
+                    </a:lnL>
+                    <a:lnR w="6350" cap="flat" cmpd="sng" algn="ctr">
+                      <a:solidFill>
+                        <a:srgbClr val="DDDDDD"/>
+                      </a:solidFill>
+                      <a:prstDash val="solid"/>
+                      <a:round/>
+                      <a:headEnd type="none" w="med" len="med"/>
+                      <a:tailEnd type="none" w="med" len="med"/>
+                    </a:lnR>
+                    <a:lnT w="6350" cap="flat" cmpd="sng" algn="ctr">
+                      <a:solidFill>
+                        <a:srgbClr val="DDDDDD"/>
+                      </a:solidFill>
+                      <a:prstDash val="solid"/>
+                      <a:round/>
+                      <a:headEnd type="none" w="med" len="med"/>
+                      <a:tailEnd type="none" w="med" len="med"/>
+                    </a:lnT>
+                    <a:lnB w="6350" cap="flat" cmpd="sng" algn="ctr">
+                      <a:solidFill>
+                        <a:srgbClr val="DDDDDD"/>
+                      </a:solidFill>
+                      <a:prstDash val="solid"/>
+                      <a:round/>
+                      <a:headEnd type="none" w="med" len="med"/>
+                      <a:tailEnd type="none" w="med" len="med"/>
+                    </a:lnB>
+                    <a:noFill/>
+                  </a:tcPr>
+                </a:tc>
+                <a:tc>
+                  <a:txBody>
+                    <a:bodyPr/>
+                    <a:lstStyle/>
+                    <a:p>
+                      <a:pPr marL="0" algn="ctr" defTabSz="914400" rtl="0" eaLnBrk="1" latinLnBrk="0" hangingPunct="1"/>
+                      <a:r>
+                        <a:rPr lang="en-US" sz="3200" b="1" i="0" kern="1200" dirty="0">
+                          <a:solidFill>
+                            <a:schemeClr val="tx1"/>
+                          </a:solidFill>
+                          <a:effectLst/>
+                          <a:latin typeface="Arial" panose="020B0604020202020204" pitchFamily="34" charset="0"/>
+                          <a:ea typeface="+mn-ea"/>
+                          <a:cs typeface="Arial" panose="020B0604020202020204" pitchFamily="34" charset="0"/>
+                        </a:rPr>
+                        <a:t>Registration Fee</a:t>
+                      </a:r>
+                    </a:p>
+                  </a:txBody>
+                  <a:tcPr marL="63500" marR="63500" marT="63500" marB="63500" anchor="ctr">
+                    <a:lnL w="6350" cap="flat" cmpd="sng" algn="ctr">
+                      <a:solidFill>
+                        <a:srgbClr val="DDDDDD"/>
+                      </a:solidFill>
+                      <a:prstDash val="solid"/>
+                      <a:round/>
+                      <a:headEnd type="none" w="med" len="med"/>
+                      <a:tailEnd type="none" w="med" len="med"/>
+                    </a:lnL>
+                    <a:lnR w="6350" cap="flat" cmpd="sng" algn="ctr">
+                      <a:solidFill>
+                        <a:srgbClr val="DDDDDD"/>
+                      </a:solidFill>
+                      <a:prstDash val="solid"/>
+                      <a:round/>
+                      <a:headEnd type="none" w="med" len="med"/>
+                      <a:tailEnd type="none" w="med" len="med"/>
+                    </a:lnR>
+                    <a:lnT w="6350" cap="flat" cmpd="sng" algn="ctr">
+                      <a:solidFill>
+                        <a:srgbClr val="DDDDDD"/>
+                      </a:solidFill>
+                      <a:prstDash val="solid"/>
+                      <a:round/>
+                      <a:headEnd type="none" w="med" len="med"/>
+                      <a:tailEnd type="none" w="med" len="med"/>
+                    </a:lnT>
+                    <a:lnB w="6350" cap="flat" cmpd="sng" algn="ctr">
+                      <a:solidFill>
+                        <a:srgbClr val="DDDDDD"/>
+                      </a:solidFill>
+                      <a:prstDash val="solid"/>
+                      <a:round/>
+                      <a:headEnd type="none" w="med" len="med"/>
+                      <a:tailEnd type="none" w="med" len="med"/>
+                    </a:lnB>
+                    <a:noFill/>
+                  </a:tcPr>
+                </a:tc>
+                <a:extLst>
+                  <a:ext uri="{0D108BD9-81ED-4DB2-BD59-A6C34878D82A}">
+                    <a16:rowId xmlns:a16="http://schemas.microsoft.com/office/drawing/2014/main" val="1319623959"/>
+                  </a:ext>
+                </a:extLst>
+              </a:tr>
+              <a:tr h="634331">
+                <a:tc>
+                  <a:txBody>
+                    <a:bodyPr/>
+                    <a:lstStyle/>
+                    <a:p>
+                      <a:pPr marL="0" marR="0" lvl="0" indent="0" algn="ctr" defTabSz="914400" rtl="0" eaLnBrk="1" fontAlgn="auto" latinLnBrk="1" hangingPunct="1">
+                        <a:lnSpc>
+                          <a:spcPct val="100000"/>
+                        </a:lnSpc>
+                        <a:spcBef>
+                          <a:spcPts val="0"/>
+                        </a:spcBef>
+                        <a:spcAft>
+                          <a:spcPts val="0"/>
+                        </a:spcAft>
+                        <a:buClrTx/>
+                        <a:buSzTx/>
+                        <a:buFontTx/>
+                        <a:buNone/>
+                        <a:tabLst/>
+                        <a:defRPr/>
+                      </a:pPr>
+                      <a:r>
+                        <a:rPr lang="en-US" altLang="zh-CN" sz="2800" b="0" i="0" kern="1200" dirty="0">
+                          <a:solidFill>
+                            <a:schemeClr val="tx1"/>
+                          </a:solidFill>
+                          <a:effectLst/>
+                          <a:latin typeface="Arial" panose="020B0604020202020204" pitchFamily="34" charset="0"/>
+                          <a:ea typeface="+mn-ea"/>
+                          <a:cs typeface="Arial" panose="020B0604020202020204" pitchFamily="34" charset="0"/>
+                        </a:rPr>
+                        <a:t>Full Delegate (Early Bird)</a:t>
+                      </a:r>
+                      <a:endParaRPr lang="en-US" sz="2800" b="0" dirty="0">
+                        <a:solidFill>
+                          <a:schemeClr val="tx1"/>
+                        </a:solidFill>
+                        <a:effectLst/>
+                        <a:latin typeface="Arial" panose="020B0604020202020204" pitchFamily="34" charset="0"/>
+                        <a:cs typeface="Arial" panose="020B0604020202020204" pitchFamily="34" charset="0"/>
+                      </a:endParaRPr>
+                    </a:p>
+                  </a:txBody>
+                  <a:tcPr marL="63500" marR="63500" marT="63500" marB="63500" anchor="ctr">
+                    <a:lnL w="6350" cap="flat" cmpd="sng" algn="ctr">
+                      <a:solidFill>
+                        <a:srgbClr val="DDDDDD"/>
+                      </a:solidFill>
+                      <a:prstDash val="solid"/>
+                      <a:round/>
+                      <a:headEnd type="none" w="med" len="med"/>
+                      <a:tailEnd type="none" w="med" len="med"/>
+                    </a:lnL>
+                    <a:lnR w="6350" cap="flat" cmpd="sng" algn="ctr">
+                      <a:solidFill>
+                        <a:srgbClr val="DDDDDD"/>
+                      </a:solidFill>
+                      <a:prstDash val="solid"/>
+                      <a:round/>
+                      <a:headEnd type="none" w="med" len="med"/>
+                      <a:tailEnd type="none" w="med" len="med"/>
+                    </a:lnR>
+                    <a:lnT w="6350" cap="flat" cmpd="sng" algn="ctr">
+                      <a:solidFill>
+                        <a:srgbClr val="DDDDDD"/>
+                      </a:solidFill>
+                      <a:prstDash val="solid"/>
+                      <a:round/>
+                      <a:headEnd type="none" w="med" len="med"/>
+                      <a:tailEnd type="none" w="med" len="med"/>
+                    </a:lnT>
+                    <a:lnB w="6350" cap="flat" cmpd="sng" algn="ctr">
+                      <a:solidFill>
+                        <a:srgbClr val="DDDDDD"/>
+                      </a:solidFill>
+                      <a:prstDash val="solid"/>
+                      <a:round/>
+                      <a:headEnd type="none" w="med" len="med"/>
+                      <a:tailEnd type="none" w="med" len="med"/>
+                    </a:lnB>
+                    <a:solidFill>
+                      <a:srgbClr val="DEEBF7">
+                        <a:alpha val="20000"/>
+                      </a:srgbClr>
+                    </a:solidFill>
+                  </a:tcPr>
+                </a:tc>
+                <a:tc>
+                  <a:txBody>
+                    <a:bodyPr/>
+                    <a:lstStyle/>
+                    <a:p>
+                      <a:pPr algn="ctr"/>
+                      <a:r>
+                        <a:rPr lang="en-US" altLang="zh-CN" sz="2800" dirty="0">
+                          <a:solidFill>
+                            <a:schemeClr val="tx1"/>
+                          </a:solidFill>
+                          <a:effectLst/>
+                          <a:latin typeface="Arial" panose="020B0604020202020204" pitchFamily="34" charset="0"/>
+                          <a:cs typeface="Arial" panose="020B0604020202020204" pitchFamily="34" charset="0"/>
+                        </a:rPr>
+                        <a:t>850 </a:t>
+                      </a:r>
+                      <a:r>
+                        <a:rPr lang="en-US" sz="2800" dirty="0">
+                          <a:solidFill>
+                            <a:schemeClr val="tx1"/>
+                          </a:solidFill>
+                          <a:effectLst/>
+                          <a:latin typeface="Arial" panose="020B0604020202020204" pitchFamily="34" charset="0"/>
+                          <a:cs typeface="Arial" panose="020B0604020202020204" pitchFamily="34" charset="0"/>
+                        </a:rPr>
+                        <a:t>USD</a:t>
+                      </a:r>
+                    </a:p>
+                  </a:txBody>
+                  <a:tcPr marL="63500" marR="63500" marT="63500" marB="63500" anchor="ctr">
+                    <a:lnL w="6350" cap="flat" cmpd="sng" algn="ctr">
+                      <a:solidFill>
+                        <a:srgbClr val="DDDDDD"/>
+                      </a:solidFill>
+                      <a:prstDash val="solid"/>
+                      <a:round/>
+                      <a:headEnd type="none" w="med" len="med"/>
+                      <a:tailEnd type="none" w="med" len="med"/>
+                    </a:lnL>
+                    <a:lnR w="6350" cap="flat" cmpd="sng" algn="ctr">
+                      <a:solidFill>
+                        <a:srgbClr val="DDDDDD"/>
+                      </a:solidFill>
+                      <a:prstDash val="solid"/>
+                      <a:round/>
+                      <a:headEnd type="none" w="med" len="med"/>
+                      <a:tailEnd type="none" w="med" len="med"/>
+                    </a:lnR>
+                    <a:lnT w="6350" cap="flat" cmpd="sng" algn="ctr">
+                      <a:solidFill>
+                        <a:srgbClr val="DDDDDD"/>
+                      </a:solidFill>
+                      <a:prstDash val="solid"/>
+                      <a:round/>
+                      <a:headEnd type="none" w="med" len="med"/>
+                      <a:tailEnd type="none" w="med" len="med"/>
+                    </a:lnT>
+                    <a:lnB w="6350" cap="flat" cmpd="sng" algn="ctr">
+                      <a:solidFill>
+                        <a:srgbClr val="DDDDDD"/>
+                      </a:solidFill>
+                      <a:prstDash val="solid"/>
+                      <a:round/>
+                      <a:headEnd type="none" w="med" len="med"/>
+                      <a:tailEnd type="none" w="med" len="med"/>
+                    </a:lnB>
+                    <a:solidFill>
+                      <a:srgbClr val="DEEBF7">
+                        <a:alpha val="20000"/>
+                      </a:srgbClr>
+                    </a:solidFill>
+                  </a:tcPr>
+                </a:tc>
+                <a:extLst>
+                  <a:ext uri="{0D108BD9-81ED-4DB2-BD59-A6C34878D82A}">
+                    <a16:rowId xmlns:a16="http://schemas.microsoft.com/office/drawing/2014/main" val="402465856"/>
+                  </a:ext>
+                </a:extLst>
+              </a:tr>
+              <a:tr h="1123172">
+                <a:tc>
+                  <a:txBody>
+                    <a:bodyPr/>
+                    <a:lstStyle/>
+                    <a:p>
+                      <a:pPr algn="ctr" latinLnBrk="1"/>
+                      <a:r>
+                        <a:rPr lang="en-US" altLang="zh-CN" sz="2800" b="0" i="0" kern="1200" dirty="0">
+                          <a:solidFill>
+                            <a:schemeClr val="tx1"/>
+                          </a:solidFill>
+                          <a:effectLst/>
+                          <a:latin typeface="Arial" panose="020B0604020202020204" pitchFamily="34" charset="0"/>
+                          <a:ea typeface="+mn-ea"/>
+                          <a:cs typeface="Arial" panose="020B0604020202020204" pitchFamily="34" charset="0"/>
+                        </a:rPr>
+                        <a:t>Student Delegate (Early Bird)</a:t>
+                      </a:r>
+                      <a:endParaRPr lang="en-US" sz="2800" b="0" dirty="0">
+                        <a:solidFill>
+                          <a:schemeClr val="tx1"/>
+                        </a:solidFill>
+                        <a:effectLst/>
+                        <a:latin typeface="Arial" panose="020B0604020202020204" pitchFamily="34" charset="0"/>
+                        <a:cs typeface="Arial" panose="020B0604020202020204" pitchFamily="34" charset="0"/>
+                      </a:endParaRPr>
+                    </a:p>
+                  </a:txBody>
+                  <a:tcPr marL="63500" marR="63500" marT="63500" marB="63500" anchor="ctr">
+                    <a:lnL w="6350" cap="flat" cmpd="sng" algn="ctr">
+                      <a:solidFill>
+                        <a:srgbClr val="DDDDDD"/>
+                      </a:solidFill>
+                      <a:prstDash val="solid"/>
+                      <a:round/>
+                      <a:headEnd type="none" w="med" len="med"/>
+                      <a:tailEnd type="none" w="med" len="med"/>
+                    </a:lnL>
+                    <a:lnR w="6350" cap="flat" cmpd="sng" algn="ctr">
+                      <a:solidFill>
+                        <a:srgbClr val="DDDDDD"/>
+                      </a:solidFill>
+                      <a:prstDash val="solid"/>
+                      <a:round/>
+                      <a:headEnd type="none" w="med" len="med"/>
+                      <a:tailEnd type="none" w="med" len="med"/>
+                    </a:lnR>
+                    <a:lnT w="6350" cap="flat" cmpd="sng" algn="ctr">
+                      <a:solidFill>
+                        <a:srgbClr val="DDDDDD"/>
+                      </a:solidFill>
+                      <a:prstDash val="solid"/>
+                      <a:round/>
+                      <a:headEnd type="none" w="med" len="med"/>
+                      <a:tailEnd type="none" w="med" len="med"/>
+                    </a:lnT>
+                    <a:lnB w="6350" cap="flat" cmpd="sng" algn="ctr">
+                      <a:solidFill>
+                        <a:srgbClr val="DDDDDD"/>
+                      </a:solidFill>
+                      <a:prstDash val="solid"/>
+                      <a:round/>
+                      <a:headEnd type="none" w="med" len="med"/>
+                      <a:tailEnd type="none" w="med" len="med"/>
+                    </a:lnB>
+                    <a:noFill/>
+                  </a:tcPr>
+                </a:tc>
+                <a:tc>
+                  <a:txBody>
+                    <a:bodyPr/>
+                    <a:lstStyle/>
+                    <a:p>
+                      <a:pPr marL="0" marR="0" lvl="0" indent="0" algn="ctr" defTabSz="914400" rtl="0" eaLnBrk="1" fontAlgn="auto" latinLnBrk="0" hangingPunct="1">
+                        <a:lnSpc>
+                          <a:spcPct val="100000"/>
+                        </a:lnSpc>
+                        <a:spcBef>
+                          <a:spcPts val="0"/>
+                        </a:spcBef>
+                        <a:spcAft>
+                          <a:spcPts val="0"/>
+                        </a:spcAft>
+                        <a:buClrTx/>
+                        <a:buSzTx/>
+                        <a:buFontTx/>
+                        <a:buNone/>
+                        <a:tabLst/>
+                        <a:defRPr/>
+                      </a:pPr>
+                      <a:r>
+                        <a:rPr lang="en-US" sz="2800" dirty="0">
+                          <a:solidFill>
+                            <a:schemeClr val="tx1"/>
+                          </a:solidFill>
+                          <a:effectLst/>
+                          <a:latin typeface="Arial" panose="020B0604020202020204" pitchFamily="34" charset="0"/>
+                          <a:cs typeface="Arial" panose="020B0604020202020204" pitchFamily="34" charset="0"/>
+                        </a:rPr>
+                        <a:t> </a:t>
+                      </a:r>
+                      <a:r>
+                        <a:rPr lang="en-US" altLang="zh-CN" sz="2800" dirty="0">
+                          <a:solidFill>
+                            <a:schemeClr val="tx1"/>
+                          </a:solidFill>
+                          <a:effectLst/>
+                          <a:latin typeface="Arial" panose="020B0604020202020204" pitchFamily="34" charset="0"/>
+                          <a:cs typeface="Arial" panose="020B0604020202020204" pitchFamily="34" charset="0"/>
+                        </a:rPr>
+                        <a:t>700 </a:t>
+                      </a:r>
+                      <a:r>
+                        <a:rPr lang="en-US" sz="2800" dirty="0">
+                          <a:solidFill>
+                            <a:schemeClr val="tx1"/>
+                          </a:solidFill>
+                          <a:effectLst/>
+                          <a:latin typeface="Arial" panose="020B0604020202020204" pitchFamily="34" charset="0"/>
+                          <a:cs typeface="Arial" panose="020B0604020202020204" pitchFamily="34" charset="0"/>
+                        </a:rPr>
+                        <a:t>USD</a:t>
+                      </a:r>
+                    </a:p>
+                    <a:p>
+                      <a:pPr marL="0" marR="0" lvl="0" indent="0" algn="ctr" defTabSz="914400" rtl="0" eaLnBrk="1" fontAlgn="auto" latinLnBrk="0" hangingPunct="1">
+                        <a:lnSpc>
+                          <a:spcPct val="100000"/>
+                        </a:lnSpc>
+                        <a:spcBef>
+                          <a:spcPts val="0"/>
+                        </a:spcBef>
+                        <a:spcAft>
+                          <a:spcPts val="0"/>
+                        </a:spcAft>
+                        <a:buClrTx/>
+                        <a:buSzTx/>
+                        <a:buFontTx/>
+                        <a:buNone/>
+                        <a:tabLst/>
+                        <a:defRPr/>
+                      </a:pPr>
+                      <a:r>
+                        <a:rPr lang="en-US" altLang="zh-CN" sz="2800" b="0" i="0" kern="1200" dirty="0">
+                          <a:solidFill>
+                            <a:schemeClr val="tx1"/>
+                          </a:solidFill>
+                          <a:effectLst/>
+                          <a:latin typeface="Arial" panose="020B0604020202020204" pitchFamily="34" charset="0"/>
+                          <a:ea typeface="+mn-ea"/>
+                          <a:cs typeface="Arial" panose="020B0604020202020204" pitchFamily="34" charset="0"/>
+                        </a:rPr>
+                        <a:t>(Banquet </a:t>
+                      </a:r>
+                      <a:r>
+                        <a:rPr lang="en-US" altLang="zh-CN" sz="2800" b="1" i="0" kern="1200" dirty="0">
+                          <a:solidFill>
+                            <a:schemeClr val="tx1"/>
+                          </a:solidFill>
+                          <a:effectLst/>
+                          <a:latin typeface="Arial" panose="020B0604020202020204" pitchFamily="34" charset="0"/>
+                          <a:ea typeface="+mn-ea"/>
+                          <a:cs typeface="Arial" panose="020B0604020202020204" pitchFamily="34" charset="0"/>
+                        </a:rPr>
+                        <a:t>NOT</a:t>
+                      </a:r>
+                      <a:r>
+                        <a:rPr lang="en-US" altLang="zh-CN" sz="2800" b="0" i="0" kern="1200" dirty="0">
+                          <a:solidFill>
+                            <a:schemeClr val="tx1"/>
+                          </a:solidFill>
+                          <a:effectLst/>
+                          <a:latin typeface="Arial" panose="020B0604020202020204" pitchFamily="34" charset="0"/>
+                          <a:ea typeface="+mn-ea"/>
+                          <a:cs typeface="Arial" panose="020B0604020202020204" pitchFamily="34" charset="0"/>
+                        </a:rPr>
+                        <a:t> Included)</a:t>
+                      </a:r>
+                      <a:endParaRPr lang="en-US" sz="2800" dirty="0">
+                        <a:solidFill>
+                          <a:schemeClr val="tx1"/>
+                        </a:solidFill>
+                        <a:effectLst/>
+                        <a:latin typeface="Arial" panose="020B0604020202020204" pitchFamily="34" charset="0"/>
+                        <a:cs typeface="Arial" panose="020B0604020202020204" pitchFamily="34" charset="0"/>
+                      </a:endParaRPr>
+                    </a:p>
+                  </a:txBody>
+                  <a:tcPr marL="63500" marR="63500" marT="63500" marB="63500" anchor="ctr">
+                    <a:lnL w="6350" cap="flat" cmpd="sng" algn="ctr">
+                      <a:solidFill>
+                        <a:srgbClr val="DDDDDD"/>
+                      </a:solidFill>
+                      <a:prstDash val="solid"/>
+                      <a:round/>
+                      <a:headEnd type="none" w="med" len="med"/>
+                      <a:tailEnd type="none" w="med" len="med"/>
+                    </a:lnL>
+                    <a:lnR w="6350" cap="flat" cmpd="sng" algn="ctr">
+                      <a:solidFill>
+                        <a:srgbClr val="DDDDDD"/>
+                      </a:solidFill>
+                      <a:prstDash val="solid"/>
+                      <a:round/>
+                      <a:headEnd type="none" w="med" len="med"/>
+                      <a:tailEnd type="none" w="med" len="med"/>
+                    </a:lnR>
+                    <a:lnT w="6350" cap="flat" cmpd="sng" algn="ctr">
+                      <a:solidFill>
+                        <a:srgbClr val="DDDDDD"/>
+                      </a:solidFill>
+                      <a:prstDash val="solid"/>
+                      <a:round/>
+                      <a:headEnd type="none" w="med" len="med"/>
+                      <a:tailEnd type="none" w="med" len="med"/>
+                    </a:lnT>
+                    <a:lnB w="6350" cap="flat" cmpd="sng" algn="ctr">
+                      <a:solidFill>
+                        <a:srgbClr val="DDDDDD"/>
+                      </a:solidFill>
+                      <a:prstDash val="solid"/>
+                      <a:round/>
+                      <a:headEnd type="none" w="med" len="med"/>
+                      <a:tailEnd type="none" w="med" len="med"/>
+                    </a:lnB>
+                    <a:noFill/>
+                  </a:tcPr>
+                </a:tc>
+                <a:extLst>
+                  <a:ext uri="{0D108BD9-81ED-4DB2-BD59-A6C34878D82A}">
+                    <a16:rowId xmlns:a16="http://schemas.microsoft.com/office/drawing/2014/main" val="3995739784"/>
+                  </a:ext>
+                </a:extLst>
+              </a:tr>
+              <a:tr h="634331">
+                <a:tc>
+                  <a:txBody>
+                    <a:bodyPr/>
+                    <a:lstStyle/>
+                    <a:p>
+                      <a:pPr algn="ctr" latinLnBrk="1"/>
+                      <a:r>
+                        <a:rPr lang="en-US" altLang="zh-CN" sz="2800" b="0" i="0" kern="1200" dirty="0">
+                          <a:solidFill>
+                            <a:schemeClr val="tx1"/>
+                          </a:solidFill>
+                          <a:effectLst/>
+                          <a:latin typeface="Arial" panose="020B0604020202020204" pitchFamily="34" charset="0"/>
+                          <a:ea typeface="+mn-ea"/>
+                          <a:cs typeface="Arial" panose="020B0604020202020204" pitchFamily="34" charset="0"/>
+                        </a:rPr>
+                        <a:t>Regular Registration</a:t>
+                      </a:r>
+                    </a:p>
+                  </a:txBody>
+                  <a:tcPr marL="63500" marR="63500" marT="63500" marB="63500" anchor="ctr">
+                    <a:lnL w="6350" cap="flat" cmpd="sng" algn="ctr">
+                      <a:solidFill>
+                        <a:srgbClr val="DDDDDD"/>
+                      </a:solidFill>
+                      <a:prstDash val="solid"/>
+                      <a:round/>
+                      <a:headEnd type="none" w="med" len="med"/>
+                      <a:tailEnd type="none" w="med" len="med"/>
+                    </a:lnL>
+                    <a:lnR w="6350" cap="flat" cmpd="sng" algn="ctr">
+                      <a:solidFill>
+                        <a:srgbClr val="DDDDDD"/>
+                      </a:solidFill>
+                      <a:prstDash val="solid"/>
+                      <a:round/>
+                      <a:headEnd type="none" w="med" len="med"/>
+                      <a:tailEnd type="none" w="med" len="med"/>
+                    </a:lnR>
+                    <a:lnT w="6350" cap="flat" cmpd="sng" algn="ctr">
+                      <a:solidFill>
+                        <a:srgbClr val="DDDDDD"/>
+                      </a:solidFill>
+                      <a:prstDash val="solid"/>
+                      <a:round/>
+                      <a:headEnd type="none" w="med" len="med"/>
+                      <a:tailEnd type="none" w="med" len="med"/>
+                    </a:lnT>
+                    <a:lnB w="6350" cap="flat" cmpd="sng" algn="ctr">
+                      <a:solidFill>
+                        <a:srgbClr val="DDDDDD"/>
+                      </a:solidFill>
+                      <a:prstDash val="solid"/>
+                      <a:round/>
+                      <a:headEnd type="none" w="med" len="med"/>
+                      <a:tailEnd type="none" w="med" len="med"/>
+                    </a:lnB>
+                    <a:solidFill>
+                      <a:srgbClr val="DEEBF7">
+                        <a:alpha val="20000"/>
+                      </a:srgbClr>
+                    </a:solidFill>
+                  </a:tcPr>
+                </a:tc>
+                <a:tc>
+                  <a:txBody>
+                    <a:bodyPr/>
+                    <a:lstStyle/>
+                    <a:p>
+                      <a:pPr marL="0" marR="0" lvl="0" indent="0" algn="ctr" defTabSz="914400" rtl="0" eaLnBrk="1" fontAlgn="auto" latinLnBrk="0" hangingPunct="1">
+                        <a:lnSpc>
+                          <a:spcPct val="100000"/>
+                        </a:lnSpc>
+                        <a:spcBef>
+                          <a:spcPts val="0"/>
+                        </a:spcBef>
+                        <a:spcAft>
+                          <a:spcPts val="0"/>
+                        </a:spcAft>
+                        <a:buClrTx/>
+                        <a:buSzTx/>
+                        <a:buFontTx/>
+                        <a:buNone/>
+                        <a:tabLst/>
+                        <a:defRPr/>
+                      </a:pPr>
+                      <a:r>
+                        <a:rPr lang="en-US" altLang="zh-CN" sz="2800" b="0" i="0" kern="1200" dirty="0">
+                          <a:solidFill>
+                            <a:schemeClr val="tx1"/>
+                          </a:solidFill>
+                          <a:effectLst/>
+                          <a:latin typeface="Arial" panose="020B0604020202020204" pitchFamily="34" charset="0"/>
+                          <a:ea typeface="+mn-ea"/>
+                          <a:cs typeface="Arial" panose="020B0604020202020204" pitchFamily="34" charset="0"/>
+                        </a:rPr>
+                        <a:t> 950 USD</a:t>
+                      </a:r>
+                    </a:p>
+                  </a:txBody>
+                  <a:tcPr marL="63500" marR="63500" marT="63500" marB="63500" anchor="ctr">
+                    <a:lnL w="6350" cap="flat" cmpd="sng" algn="ctr">
+                      <a:solidFill>
+                        <a:srgbClr val="DDDDDD"/>
+                      </a:solidFill>
+                      <a:prstDash val="solid"/>
+                      <a:round/>
+                      <a:headEnd type="none" w="med" len="med"/>
+                      <a:tailEnd type="none" w="med" len="med"/>
+                    </a:lnL>
+                    <a:lnR w="6350" cap="flat" cmpd="sng" algn="ctr">
+                      <a:solidFill>
+                        <a:srgbClr val="DDDDDD"/>
+                      </a:solidFill>
+                      <a:prstDash val="solid"/>
+                      <a:round/>
+                      <a:headEnd type="none" w="med" len="med"/>
+                      <a:tailEnd type="none" w="med" len="med"/>
+                    </a:lnR>
+                    <a:lnT w="6350" cap="flat" cmpd="sng" algn="ctr">
+                      <a:solidFill>
+                        <a:srgbClr val="DDDDDD"/>
+                      </a:solidFill>
+                      <a:prstDash val="solid"/>
+                      <a:round/>
+                      <a:headEnd type="none" w="med" len="med"/>
+                      <a:tailEnd type="none" w="med" len="med"/>
+                    </a:lnT>
+                    <a:lnB w="6350" cap="flat" cmpd="sng" algn="ctr">
+                      <a:solidFill>
+                        <a:srgbClr val="DDDDDD"/>
+                      </a:solidFill>
+                      <a:prstDash val="solid"/>
+                      <a:round/>
+                      <a:headEnd type="none" w="med" len="med"/>
+                      <a:tailEnd type="none" w="med" len="med"/>
+                    </a:lnB>
+                    <a:solidFill>
+                      <a:srgbClr val="DEEBF7">
+                        <a:alpha val="20000"/>
+                      </a:srgbClr>
+                    </a:solidFill>
+                  </a:tcPr>
+                </a:tc>
+                <a:extLst>
+                  <a:ext uri="{0D108BD9-81ED-4DB2-BD59-A6C34878D82A}">
+                    <a16:rowId xmlns:a16="http://schemas.microsoft.com/office/drawing/2014/main" val="190464406"/>
+                  </a:ext>
+                </a:extLst>
+              </a:tr>
+              <a:tr h="634331">
+                <a:tc>
+                  <a:txBody>
+                    <a:bodyPr/>
+                    <a:lstStyle/>
+                    <a:p>
+                      <a:pPr algn="ctr"/>
+                      <a:r>
+                        <a:rPr lang="en-US" altLang="zh-CN" sz="2800" b="0" i="0" kern="1200" dirty="0">
+                          <a:solidFill>
+                            <a:schemeClr val="tx1"/>
+                          </a:solidFill>
+                          <a:effectLst/>
+                          <a:latin typeface="Arial" panose="020B0604020202020204" pitchFamily="34" charset="0"/>
+                          <a:ea typeface="+mn-ea"/>
+                          <a:cs typeface="Arial" panose="020B0604020202020204" pitchFamily="34" charset="0"/>
+                        </a:rPr>
+                        <a:t>Additional Banquet Ticket</a:t>
+                      </a:r>
+                      <a:endParaRPr lang="en-US" sz="2800" b="0" dirty="0">
+                        <a:solidFill>
+                          <a:schemeClr val="tx1"/>
+                        </a:solidFill>
+                        <a:effectLst/>
+                        <a:latin typeface="Arial" panose="020B0604020202020204" pitchFamily="34" charset="0"/>
+                        <a:cs typeface="Arial" panose="020B0604020202020204" pitchFamily="34" charset="0"/>
+                      </a:endParaRPr>
+                    </a:p>
+                  </a:txBody>
+                  <a:tcPr marL="63500" marR="63500" marT="63500" marB="63500" anchor="ctr">
+                    <a:lnL w="6350" cap="flat" cmpd="sng" algn="ctr">
+                      <a:solidFill>
+                        <a:srgbClr val="DDDDDD"/>
+                      </a:solidFill>
+                      <a:prstDash val="solid"/>
+                      <a:round/>
+                      <a:headEnd type="none" w="med" len="med"/>
+                      <a:tailEnd type="none" w="med" len="med"/>
+                    </a:lnL>
+                    <a:lnR w="6350" cap="flat" cmpd="sng" algn="ctr">
+                      <a:solidFill>
+                        <a:srgbClr val="DDDDDD"/>
+                      </a:solidFill>
+                      <a:prstDash val="solid"/>
+                      <a:round/>
+                      <a:headEnd type="none" w="med" len="med"/>
+                      <a:tailEnd type="none" w="med" len="med"/>
+                    </a:lnR>
+                    <a:lnT w="6350" cap="flat" cmpd="sng" algn="ctr">
+                      <a:solidFill>
+                        <a:srgbClr val="DDDDDD"/>
+                      </a:solidFill>
+                      <a:prstDash val="solid"/>
+                      <a:round/>
+                      <a:headEnd type="none" w="med" len="med"/>
+                      <a:tailEnd type="none" w="med" len="med"/>
+                    </a:lnT>
+                    <a:lnB w="6350" cap="flat" cmpd="sng" algn="ctr">
+                      <a:solidFill>
+                        <a:srgbClr val="DDDDDD"/>
+                      </a:solidFill>
+                      <a:prstDash val="solid"/>
+                      <a:round/>
+                      <a:headEnd type="none" w="med" len="med"/>
+                      <a:tailEnd type="none" w="med" len="med"/>
+                    </a:lnB>
+                    <a:solidFill>
+                      <a:schemeClr val="bg1">
+                        <a:alpha val="20000"/>
+                      </a:schemeClr>
+                    </a:solidFill>
+                  </a:tcPr>
+                </a:tc>
+                <a:tc>
+                  <a:txBody>
+                    <a:bodyPr/>
+                    <a:lstStyle/>
+                    <a:p>
+                      <a:pPr algn="ctr"/>
+                      <a:r>
+                        <a:rPr lang="en-US" altLang="zh-CN" sz="2800" b="0" i="0" kern="1200" dirty="0">
+                          <a:solidFill>
+                            <a:schemeClr val="tx1"/>
+                          </a:solidFill>
+                          <a:effectLst/>
+                          <a:latin typeface="Arial" panose="020B0604020202020204" pitchFamily="34" charset="0"/>
+                          <a:ea typeface="+mn-ea"/>
+                          <a:cs typeface="Arial" panose="020B0604020202020204" pitchFamily="34" charset="0"/>
+                        </a:rPr>
+                        <a:t>100 USD</a:t>
+                      </a:r>
+                      <a:endParaRPr lang="en-US" sz="2800" dirty="0">
+                        <a:solidFill>
+                          <a:schemeClr val="tx1"/>
+                        </a:solidFill>
+                        <a:effectLst/>
+                        <a:latin typeface="Arial" panose="020B0604020202020204" pitchFamily="34" charset="0"/>
+                        <a:cs typeface="Arial" panose="020B0604020202020204" pitchFamily="34" charset="0"/>
+                      </a:endParaRPr>
+                    </a:p>
+                  </a:txBody>
+                  <a:tcPr marL="63500" marR="63500" marT="63500" marB="63500" anchor="ctr">
+                    <a:lnL w="6350" cap="flat" cmpd="sng" algn="ctr">
+                      <a:solidFill>
+                        <a:srgbClr val="DDDDDD"/>
+                      </a:solidFill>
+                      <a:prstDash val="solid"/>
+                      <a:round/>
+                      <a:headEnd type="none" w="med" len="med"/>
+                      <a:tailEnd type="none" w="med" len="med"/>
+                    </a:lnL>
+                    <a:lnR w="6350" cap="flat" cmpd="sng" algn="ctr">
+                      <a:solidFill>
+                        <a:srgbClr val="DDDDDD"/>
+                      </a:solidFill>
+                      <a:prstDash val="solid"/>
+                      <a:round/>
+                      <a:headEnd type="none" w="med" len="med"/>
+                      <a:tailEnd type="none" w="med" len="med"/>
+                    </a:lnR>
+                    <a:lnT w="6350" cap="flat" cmpd="sng" algn="ctr">
+                      <a:solidFill>
+                        <a:srgbClr val="DDDDDD"/>
+                      </a:solidFill>
+                      <a:prstDash val="solid"/>
+                      <a:round/>
+                      <a:headEnd type="none" w="med" len="med"/>
+                      <a:tailEnd type="none" w="med" len="med"/>
+                    </a:lnT>
+                    <a:lnB w="6350" cap="flat" cmpd="sng" algn="ctr">
+                      <a:solidFill>
+                        <a:srgbClr val="DDDDDD"/>
+                      </a:solidFill>
+                      <a:prstDash val="solid"/>
+                      <a:round/>
+                      <a:headEnd type="none" w="med" len="med"/>
+                      <a:tailEnd type="none" w="med" len="med"/>
+                    </a:lnB>
+                    <a:solidFill>
+                      <a:schemeClr val="bg1">
+                        <a:alpha val="20000"/>
+                      </a:schemeClr>
+                    </a:solidFill>
+                  </a:tcPr>
+                </a:tc>
+                <a:extLst>
+                  <a:ext uri="{0D108BD9-81ED-4DB2-BD59-A6C34878D82A}">
+                    <a16:rowId xmlns:a16="http://schemas.microsoft.com/office/drawing/2014/main" val="153859849"/>
+                  </a:ext>
+                </a:extLst>
+              </a:tr>
+            </a:tbl>
+          </a:graphicData>
+        </a:graphic>
+      </p:graphicFrame>
+    </p:spTree>
+    <p:extLst>
+      <p:ext uri="{BB962C8B-B14F-4D97-AF65-F5344CB8AC3E}">
+        <p14:creationId xmlns:p14="http://schemas.microsoft.com/office/powerpoint/2010/main" val="1994468853"/>
+      </p:ext>
+    </p:extLst>
+  </p:cSld>
+  <p:clrMapOvr>
+    <a:masterClrMapping/>
+  </p:clrMapOvr>
+</p:sld>
+</file>
+
+<file path=ppt/slides/slide5.xml><?xml version="1.0" encoding="utf-8"?>
+<p:sld xmlns:a="http://schemas.openxmlformats.org/drawingml/2006/main" xmlns:r="http://schemas.openxmlformats.org/officeDocument/2006/relationships" xmlns:p="http://schemas.openxmlformats.org/presentationml/2006/main">
+  <p:cSld>
+    <p:spTree>
+      <p:nvGrpSpPr>
+        <p:cNvPr id="1" name=""/>
+        <p:cNvGrpSpPr/>
+        <p:nvPr/>
+      </p:nvGrpSpPr>
+      <p:grpSpPr>
+        <a:xfrm>
+          <a:off x="0" y="0"/>
+          <a:ext cx="0" cy="0"/>
+          <a:chOff x="0" y="0"/>
+          <a:chExt cx="0" cy="0"/>
+        </a:xfrm>
+      </p:grpSpPr>
       <p:graphicFrame>
         <p:nvGraphicFramePr>
           <p:cNvPr id="6" name="表格 5">
@@ -7568,7 +9641,7 @@
 </p:sld>
 </file>
 
-<file path=ppt/slides/slide5.xml><?xml version="1.0" encoding="utf-8"?>
+<file path=ppt/slides/slide6.xml><?xml version="1.0" encoding="utf-8"?>
 <p:sld xmlns:a="http://schemas.openxmlformats.org/drawingml/2006/main" xmlns:r="http://schemas.openxmlformats.org/officeDocument/2006/relationships" xmlns:p="http://schemas.openxmlformats.org/presentationml/2006/main">
   <p:cSld>
     <p:spTree>
@@ -7873,7 +9946,7 @@
 </p:sld>
 </file>
 
-<file path=ppt/slides/slide6.xml><?xml version="1.0" encoding="utf-8"?>
+<file path=ppt/slides/slide7.xml><?xml version="1.0" encoding="utf-8"?>
 <p:sld xmlns:a="http://schemas.openxmlformats.org/drawingml/2006/main" xmlns:r="http://schemas.openxmlformats.org/officeDocument/2006/relationships" xmlns:p="http://schemas.openxmlformats.org/presentationml/2006/main">
   <p:cSld>
     <p:spTree>
@@ -7993,7 +10066,7 @@
 </p:sld>
 </file>
 
-<file path=ppt/slides/slide7.xml><?xml version="1.0" encoding="utf-8"?>
+<file path=ppt/slides/slide8.xml><?xml version="1.0" encoding="utf-8"?>
 <p:sld xmlns:a="http://schemas.openxmlformats.org/drawingml/2006/main" xmlns:r="http://schemas.openxmlformats.org/officeDocument/2006/relationships" xmlns:p="http://schemas.openxmlformats.org/presentationml/2006/main">
   <p:cSld>
     <p:spTree>

--- a/assets/figures.pptx
+++ b/assets/figures.pptx
@@ -125,7 +125,7 @@
 <file path=ppt/revisionInfo.xml><?xml version="1.0" encoding="utf-8"?>
 <p1510:revInfo xmlns:a="http://schemas.openxmlformats.org/drawingml/2006/main" xmlns:r="http://schemas.openxmlformats.org/officeDocument/2006/relationships" xmlns:p1510="http://schemas.microsoft.com/office/powerpoint/2015/10/main">
   <p1510:revLst>
-    <p1510:client id="{0190945F-89A7-4B46-967C-3ACE53AB7830}" v="213" dt="2024-01-16T07:32:10.272"/>
+    <p1510:client id="{0190945F-89A7-4B46-967C-3ACE53AB7830}" v="231" dt="2024-01-16T08:05:20.024"/>
   </p1510:revLst>
 </p1510:revInfo>
 </file>
@@ -135,7 +135,7 @@
   <pc:docChgLst>
     <pc:chgData name="ZHANG Xiangyu" userId="0af619d5-14b7-43d3-95bc-94ad39c803d6" providerId="ADAL" clId="{0190945F-89A7-4B46-967C-3ACE53AB7830}"/>
     <pc:docChg chg="undo redo custSel addSld modSld">
-      <pc:chgData name="ZHANG Xiangyu" userId="0af619d5-14b7-43d3-95bc-94ad39c803d6" providerId="ADAL" clId="{0190945F-89A7-4B46-967C-3ACE53AB7830}" dt="2024-01-16T07:32:10.271" v="962" actId="5736"/>
+      <pc:chgData name="ZHANG Xiangyu" userId="0af619d5-14b7-43d3-95bc-94ad39c803d6" providerId="ADAL" clId="{0190945F-89A7-4B46-967C-3ACE53AB7830}" dt="2024-01-16T08:05:20.024" v="1034" actId="5736"/>
       <pc:docMkLst>
         <pc:docMk/>
       </pc:docMkLst>
@@ -893,7 +893,7 @@
         </pc:picChg>
       </pc:sldChg>
       <pc:sldChg chg="addSp delSp modSp add mod">
-        <pc:chgData name="ZHANG Xiangyu" userId="0af619d5-14b7-43d3-95bc-94ad39c803d6" providerId="ADAL" clId="{0190945F-89A7-4B46-967C-3ACE53AB7830}" dt="2024-01-16T07:32:10.271" v="962" actId="5736"/>
+        <pc:chgData name="ZHANG Xiangyu" userId="0af619d5-14b7-43d3-95bc-94ad39c803d6" providerId="ADAL" clId="{0190945F-89A7-4B46-967C-3ACE53AB7830}" dt="2024-01-16T08:05:20.024" v="1034" actId="5736"/>
         <pc:sldMkLst>
           <pc:docMk/>
           <pc:sldMk cId="1994468853" sldId="263"/>
@@ -938,16 +938,24 @@
             <ac:spMk id="12" creationId="{B71B1E0A-F915-F79A-7636-3AAD7E8EA84A}"/>
           </ac:spMkLst>
         </pc:spChg>
+        <pc:graphicFrameChg chg="add mod modGraphic">
+          <ac:chgData name="ZHANG Xiangyu" userId="0af619d5-14b7-43d3-95bc-94ad39c803d6" providerId="ADAL" clId="{0190945F-89A7-4B46-967C-3ACE53AB7830}" dt="2024-01-16T08:05:20.024" v="1034" actId="5736"/>
+          <ac:graphicFrameMkLst>
+            <pc:docMk/>
+            <pc:sldMk cId="1994468853" sldId="263"/>
+            <ac:graphicFrameMk id="3" creationId="{F62F55DD-A513-8385-3514-D87BEDD21619}"/>
+          </ac:graphicFrameMkLst>
+        </pc:graphicFrameChg>
         <pc:graphicFrameChg chg="mod modGraphic">
-          <ac:chgData name="ZHANG Xiangyu" userId="0af619d5-14b7-43d3-95bc-94ad39c803d6" providerId="ADAL" clId="{0190945F-89A7-4B46-967C-3ACE53AB7830}" dt="2024-01-16T07:32:03.393" v="961" actId="5736"/>
+          <ac:chgData name="ZHANG Xiangyu" userId="0af619d5-14b7-43d3-95bc-94ad39c803d6" providerId="ADAL" clId="{0190945F-89A7-4B46-967C-3ACE53AB7830}" dt="2024-01-16T08:05:14.240" v="1033" actId="5736"/>
           <ac:graphicFrameMkLst>
             <pc:docMk/>
             <pc:sldMk cId="1994468853" sldId="263"/>
             <ac:graphicFrameMk id="4" creationId="{16594B61-899E-8A5D-3F30-E5ECAA00AC8D}"/>
           </ac:graphicFrameMkLst>
         </pc:graphicFrameChg>
-        <pc:graphicFrameChg chg="mod modGraphic">
-          <ac:chgData name="ZHANG Xiangyu" userId="0af619d5-14b7-43d3-95bc-94ad39c803d6" providerId="ADAL" clId="{0190945F-89A7-4B46-967C-3ACE53AB7830}" dt="2024-01-16T07:32:10.271" v="962" actId="5736"/>
+        <pc:graphicFrameChg chg="del mod modGraphic">
+          <ac:chgData name="ZHANG Xiangyu" userId="0af619d5-14b7-43d3-95bc-94ad39c803d6" providerId="ADAL" clId="{0190945F-89A7-4B46-967C-3ACE53AB7830}" dt="2024-01-16T08:03:23.009" v="1018" actId="478"/>
           <ac:graphicFrameMkLst>
             <pc:docMk/>
             <pc:sldMk cId="1994468853" sldId="263"/>
@@ -962,6 +970,14 @@
             <ac:graphicFrameMk id="16" creationId="{A043A074-270B-8915-E1C8-5AF3FE840A1A}"/>
           </ac:graphicFrameMkLst>
         </pc:graphicFrameChg>
+        <pc:picChg chg="del">
+          <ac:chgData name="ZHANG Xiangyu" userId="0af619d5-14b7-43d3-95bc-94ad39c803d6" providerId="ADAL" clId="{0190945F-89A7-4B46-967C-3ACE53AB7830}" dt="2024-01-16T08:05:07.577" v="1032" actId="478"/>
+          <ac:picMkLst>
+            <pc:docMk/>
+            <pc:sldMk cId="1994468853" sldId="263"/>
+            <ac:picMk id="2" creationId="{E482143C-36ED-BFAF-8970-71CF702E86AC}"/>
+          </ac:picMkLst>
+        </pc:picChg>
         <pc:picChg chg="del">
           <ac:chgData name="ZHANG Xiangyu" userId="0af619d5-14b7-43d3-95bc-94ad39c803d6" providerId="ADAL" clId="{0190945F-89A7-4B46-967C-3ACE53AB7830}" dt="2024-01-16T07:16:54.733" v="876" actId="478"/>
           <ac:picMkLst>
@@ -7200,28 +7216,35 @@
           <p:nvPr>
             <p:extLst>
               <p:ext uri="{D42A27DB-BD31-4B8C-83A1-F6EECF244321}">
-                <p14:modId xmlns:p14="http://schemas.microsoft.com/office/powerpoint/2010/main" val="2205352857"/>
+                <p14:modId xmlns:p14="http://schemas.microsoft.com/office/powerpoint/2010/main" val="887970674"/>
               </p:ext>
             </p:extLst>
           </p:nvPr>
         </p:nvGraphicFramePr>
         <p:xfrm>
           <a:off x="695739" y="742435"/>
-          <a:ext cx="11084063" cy="3386475"/>
+          <a:ext cx="11084063" cy="3522488"/>
         </p:xfrm>
         <a:graphic>
           <a:graphicData uri="http://schemas.openxmlformats.org/drawingml/2006/table">
             <a:tbl>
               <a:tblPr/>
               <a:tblGrid>
-                <a:gridCol w="5539409">
+                <a:gridCol w="3693522">
+                  <a:extLst>
+                    <a:ext uri="{9D8B030D-6E8A-4147-A177-3AD203B41FA5}">
+                      <a16:colId xmlns:a16="http://schemas.microsoft.com/office/drawing/2014/main" val="2749278103"/>
+                    </a:ext>
+                  </a:extLst>
+                </a:gridCol>
+                <a:gridCol w="3693522">
                   <a:extLst>
                     <a:ext uri="{9D8B030D-6E8A-4147-A177-3AD203B41FA5}">
                       <a16:colId xmlns:a16="http://schemas.microsoft.com/office/drawing/2014/main" val="3078818713"/>
                     </a:ext>
                   </a:extLst>
                 </a:gridCol>
-                <a:gridCol w="5544654">
+                <a:gridCol w="3697019">
                   <a:extLst>
                     <a:ext uri="{9D8B030D-6E8A-4147-A177-3AD203B41FA5}">
                       <a16:colId xmlns:a16="http://schemas.microsoft.com/office/drawing/2014/main" val="3809513742"/>
@@ -7230,7 +7253,7 @@
                 </a:gridCol>
               </a:tblGrid>
               <a:tr h="677295">
-                <a:tc>
+                <a:tc gridSpan="2">
                   <a:txBody>
                     <a:bodyPr/>
                     <a:lstStyle/>
@@ -7299,6 +7322,75 @@
                     <a:noFill/>
                   </a:tcPr>
                 </a:tc>
+                <a:tc hMerge="1">
+                  <a:txBody>
+                    <a:bodyPr/>
+                    <a:lstStyle/>
+                    <a:p>
+                      <a:pPr marL="0" algn="ctr" defTabSz="914400" rtl="0" eaLnBrk="1" latinLnBrk="0" hangingPunct="1"/>
+                      <a:r>
+                        <a:rPr lang="en-US" altLang="zh-CN" sz="1800" b="1" i="0" kern="1200" dirty="0">
+                          <a:solidFill>
+                            <a:schemeClr val="tx1"/>
+                          </a:solidFill>
+                          <a:effectLst/>
+                          <a:latin typeface="Arial" panose="020B0604020202020204" pitchFamily="34" charset="0"/>
+                          <a:ea typeface="+mn-ea"/>
+                          <a:cs typeface="Arial" panose="020B0604020202020204" pitchFamily="34" charset="0"/>
+                        </a:rPr>
+                        <a:t>Registration Type</a:t>
+                      </a:r>
+                      <a:endParaRPr lang="en-US" sz="1800" b="1" i="0" kern="1200" dirty="0">
+                        <a:solidFill>
+                          <a:schemeClr val="tx1"/>
+                        </a:solidFill>
+                        <a:effectLst/>
+                        <a:latin typeface="Arial" panose="020B0604020202020204" pitchFamily="34" charset="0"/>
+                        <a:ea typeface="+mn-ea"/>
+                        <a:cs typeface="Arial" panose="020B0604020202020204" pitchFamily="34" charset="0"/>
+                      </a:endParaRPr>
+                    </a:p>
+                  </a:txBody>
+                  <a:tcPr marL="63500" marR="63500" marT="63500" marB="63500" anchor="ctr">
+                    <a:lnL w="6350" cap="flat" cmpd="sng" algn="ctr">
+                      <a:solidFill>
+                        <a:srgbClr val="DDDDDD"/>
+                      </a:solidFill>
+                      <a:prstDash val="solid"/>
+                      <a:round/>
+                      <a:headEnd type="none" w="med" len="med"/>
+                      <a:tailEnd type="none" w="med" len="med"/>
+                    </a:lnL>
+                    <a:lnR w="6350" cap="flat" cmpd="sng" algn="ctr">
+                      <a:solidFill>
+                        <a:srgbClr val="DDDDDD"/>
+                      </a:solidFill>
+                      <a:prstDash val="solid"/>
+                      <a:round/>
+                      <a:headEnd type="none" w="med" len="med"/>
+                      <a:tailEnd type="none" w="med" len="med"/>
+                    </a:lnR>
+                    <a:lnT w="6350" cap="flat" cmpd="sng" algn="ctr">
+                      <a:solidFill>
+                        <a:srgbClr val="DDDDDD"/>
+                      </a:solidFill>
+                      <a:prstDash val="solid"/>
+                      <a:round/>
+                      <a:headEnd type="none" w="med" len="med"/>
+                      <a:tailEnd type="none" w="med" len="med"/>
+                    </a:lnT>
+                    <a:lnB w="6350" cap="flat" cmpd="sng" algn="ctr">
+                      <a:solidFill>
+                        <a:srgbClr val="DDDDDD"/>
+                      </a:solidFill>
+                      <a:prstDash val="solid"/>
+                      <a:round/>
+                      <a:headEnd type="none" w="med" len="med"/>
+                      <a:tailEnd type="none" w="med" len="med"/>
+                    </a:lnB>
+                    <a:noFill/>
+                  </a:tcPr>
+                </a:tc>
                 <a:tc>
                   <a:txBody>
                     <a:bodyPr/>
@@ -7366,6 +7458,125 @@
                 </a:extLst>
               </a:tr>
               <a:tr h="677295">
+                <a:tc rowSpan="2">
+                  <a:txBody>
+                    <a:bodyPr/>
+                    <a:lstStyle/>
+                    <a:p>
+                      <a:pPr marL="0" marR="0" lvl="0" indent="0" algn="ctr" defTabSz="914400" rtl="0" eaLnBrk="1" fontAlgn="auto" latinLnBrk="1" hangingPunct="1">
+                        <a:lnSpc>
+                          <a:spcPct val="150000"/>
+                        </a:lnSpc>
+                        <a:spcBef>
+                          <a:spcPts val="0"/>
+                        </a:spcBef>
+                        <a:spcAft>
+                          <a:spcPts val="0"/>
+                        </a:spcAft>
+                        <a:buClrTx/>
+                        <a:buSzTx/>
+                        <a:buFontTx/>
+                        <a:buNone/>
+                        <a:tabLst/>
+                        <a:defRPr/>
+                      </a:pPr>
+                      <a:r>
+                        <a:rPr lang="en-US" altLang="zh-CN" sz="1600" b="0" i="0" kern="1200" dirty="0">
+                          <a:solidFill>
+                            <a:schemeClr val="tx1"/>
+                          </a:solidFill>
+                          <a:effectLst/>
+                          <a:latin typeface="Arial" panose="020B0604020202020204" pitchFamily="34" charset="0"/>
+                          <a:ea typeface="+mn-ea"/>
+                          <a:cs typeface="Arial" panose="020B0604020202020204" pitchFamily="34" charset="0"/>
+                        </a:rPr>
+                        <a:t>Early Bird registration </a:t>
+                      </a:r>
+                    </a:p>
+                    <a:p>
+                      <a:pPr marL="0" marR="0" lvl="0" indent="0" algn="ctr" defTabSz="914400" rtl="0" eaLnBrk="1" fontAlgn="auto" latinLnBrk="1" hangingPunct="1">
+                        <a:lnSpc>
+                          <a:spcPct val="150000"/>
+                        </a:lnSpc>
+                        <a:spcBef>
+                          <a:spcPts val="0"/>
+                        </a:spcBef>
+                        <a:spcAft>
+                          <a:spcPts val="0"/>
+                        </a:spcAft>
+                        <a:buClrTx/>
+                        <a:buSzTx/>
+                        <a:buFontTx/>
+                        <a:buNone/>
+                        <a:tabLst/>
+                        <a:defRPr/>
+                      </a:pPr>
+                      <a:r>
+                        <a:rPr lang="en-US" altLang="zh-CN" sz="1600" b="0" i="0" kern="1200" dirty="0">
+                          <a:solidFill>
+                            <a:schemeClr val="tx1"/>
+                          </a:solidFill>
+                          <a:effectLst/>
+                          <a:latin typeface="Arial" panose="020B0604020202020204" pitchFamily="34" charset="0"/>
+                          <a:ea typeface="+mn-ea"/>
+                          <a:cs typeface="Arial" panose="020B0604020202020204" pitchFamily="34" charset="0"/>
+                        </a:rPr>
+                        <a:t>(Due on 15 April 2024)</a:t>
+                      </a:r>
+                      <a:endParaRPr lang="en-US" sz="1600" b="0" dirty="0">
+                        <a:solidFill>
+                          <a:schemeClr val="tx1"/>
+                        </a:solidFill>
+                        <a:effectLst/>
+                        <a:latin typeface="Arial" panose="020B0604020202020204" pitchFamily="34" charset="0"/>
+                        <a:cs typeface="Arial" panose="020B0604020202020204" pitchFamily="34" charset="0"/>
+                      </a:endParaRPr>
+                    </a:p>
+                  </a:txBody>
+                  <a:tcPr marL="63500" marR="63500" marT="63500" marB="63500" anchor="ctr">
+                    <a:lnL w="6350" cap="flat" cmpd="sng" algn="ctr">
+                      <a:solidFill>
+                        <a:srgbClr val="DDDDDD"/>
+                      </a:solidFill>
+                      <a:prstDash val="solid"/>
+                      <a:round/>
+                      <a:headEnd type="none" w="med" len="med"/>
+                      <a:tailEnd type="none" w="med" len="med"/>
+                    </a:lnL>
+                    <a:lnR w="6350" cap="flat" cmpd="sng" algn="ctr">
+                      <a:solidFill>
+                        <a:srgbClr val="DDDDDD"/>
+                      </a:solidFill>
+                      <a:prstDash val="solid"/>
+                      <a:round/>
+                      <a:headEnd type="none" w="med" len="med"/>
+                      <a:tailEnd type="none" w="med" len="med"/>
+                    </a:lnR>
+                    <a:lnT w="6350" cap="flat" cmpd="sng" algn="ctr">
+                      <a:solidFill>
+                        <a:srgbClr val="DDDDDD"/>
+                      </a:solidFill>
+                      <a:prstDash val="solid"/>
+                      <a:round/>
+                      <a:headEnd type="none" w="med" len="med"/>
+                      <a:tailEnd type="none" w="med" len="med"/>
+                    </a:lnT>
+                    <a:lnB w="6350" cap="flat" cmpd="sng" algn="ctr">
+                      <a:solidFill>
+                        <a:srgbClr val="DDDDDD"/>
+                      </a:solidFill>
+                      <a:prstDash val="solid"/>
+                      <a:round/>
+                      <a:headEnd type="none" w="med" len="med"/>
+                      <a:tailEnd type="none" w="med" len="med"/>
+                    </a:lnB>
+                    <a:solidFill>
+                      <a:srgbClr val="DEEBF7">
+                        <a:alpha val="20000"/>
+                      </a:srgbClr>
+                    </a:solidFill>
+                  </a:tcPr>
+                </a:tc>
                 <a:tc>
                   <a:txBody>
                     <a:bodyPr/>
@@ -7398,7 +7609,7 @@
                           <a:ea typeface="+mn-ea"/>
                           <a:cs typeface="Arial" panose="020B0604020202020204" pitchFamily="34" charset="0"/>
                         </a:rPr>
-                        <a:t>Full Delegate (Early Bird)</a:t>
+                        <a:t>Full Delegate</a:t>
                       </a:r>
                       <a:endParaRPr lang="en-US" sz="1600" b="0" dirty="0">
                         <a:solidFill>
@@ -7535,6 +7746,62 @@
                 </a:extLst>
               </a:tr>
               <a:tr h="677295">
+                <a:tc vMerge="1">
+                  <a:txBody>
+                    <a:bodyPr/>
+                    <a:lstStyle/>
+                    <a:p>
+                      <a:pPr algn="ctr" latinLnBrk="1"/>
+                      <a:endParaRPr lang="en-US" altLang="zh-CN" sz="1600" b="0" dirty="0">
+                        <a:solidFill>
+                          <a:schemeClr val="tx1"/>
+                        </a:solidFill>
+                        <a:effectLst/>
+                        <a:latin typeface="Arial" panose="020B0604020202020204" pitchFamily="34" charset="0"/>
+                        <a:cs typeface="Arial" panose="020B0604020202020204" pitchFamily="34" charset="0"/>
+                      </a:endParaRPr>
+                    </a:p>
+                  </a:txBody>
+                  <a:tcPr marL="63500" marR="63500" marT="63500" marB="63500" anchor="ctr">
+                    <a:lnL w="6350" cap="flat" cmpd="sng" algn="ctr">
+                      <a:solidFill>
+                        <a:srgbClr val="DDDDDD"/>
+                      </a:solidFill>
+                      <a:prstDash val="solid"/>
+                      <a:round/>
+                      <a:headEnd type="none" w="med" len="med"/>
+                      <a:tailEnd type="none" w="med" len="med"/>
+                    </a:lnL>
+                    <a:lnR w="6350" cap="flat" cmpd="sng" algn="ctr">
+                      <a:solidFill>
+                        <a:srgbClr val="DDDDDD"/>
+                      </a:solidFill>
+                      <a:prstDash val="solid"/>
+                      <a:round/>
+                      <a:headEnd type="none" w="med" len="med"/>
+                      <a:tailEnd type="none" w="med" len="med"/>
+                    </a:lnR>
+                    <a:lnT w="6350" cap="flat" cmpd="sng" algn="ctr">
+                      <a:solidFill>
+                        <a:srgbClr val="DDDDDD"/>
+                      </a:solidFill>
+                      <a:prstDash val="solid"/>
+                      <a:round/>
+                      <a:headEnd type="none" w="med" len="med"/>
+                      <a:tailEnd type="none" w="med" len="med"/>
+                    </a:lnT>
+                    <a:lnB w="6350" cap="flat" cmpd="sng" algn="ctr">
+                      <a:solidFill>
+                        <a:srgbClr val="DDDDDD"/>
+                      </a:solidFill>
+                      <a:prstDash val="solid"/>
+                      <a:round/>
+                      <a:headEnd type="none" w="med" len="med"/>
+                      <a:tailEnd type="none" w="med" len="med"/>
+                    </a:lnB>
+                    <a:noFill/>
+                  </a:tcPr>
+                </a:tc>
                 <a:tc>
                   <a:txBody>
                     <a:bodyPr/>
@@ -7551,7 +7818,7 @@
                           <a:ea typeface="+mn-ea"/>
                           <a:cs typeface="Arial" panose="020B0604020202020204" pitchFamily="34" charset="0"/>
                         </a:rPr>
-                        <a:t>Student Delegate (Early Bird)</a:t>
+                        <a:t>Student Delegate</a:t>
                       </a:r>
                       <a:endParaRPr lang="en-US" altLang="zh-CN" sz="1600" b="0" dirty="0">
                         <a:solidFill>
@@ -7600,7 +7867,11 @@
                       <a:headEnd type="none" w="med" len="med"/>
                       <a:tailEnd type="none" w="med" len="med"/>
                     </a:lnB>
-                    <a:noFill/>
+                    <a:solidFill>
+                      <a:srgbClr val="DEEBF7">
+                        <a:alpha val="20000"/>
+                      </a:srgbClr>
+                    </a:solidFill>
                   </a:tcPr>
                 </a:tc>
                 <a:tc>
@@ -7760,7 +8031,11 @@
                       <a:headEnd type="none" w="med" len="med"/>
                       <a:tailEnd type="none" w="med" len="med"/>
                     </a:lnB>
-                    <a:noFill/>
+                    <a:solidFill>
+                      <a:srgbClr val="DEEBF7">
+                        <a:alpha val="20000"/>
+                      </a:srgbClr>
+                    </a:solidFill>
                   </a:tcPr>
                 </a:tc>
                 <a:extLst>
@@ -7770,12 +8045,16 @@
                 </a:extLst>
               </a:tr>
               <a:tr h="677295">
-                <a:tc>
+                <a:tc gridSpan="2">
                   <a:txBody>
                     <a:bodyPr/>
                     <a:lstStyle/>
                     <a:p>
-                      <a:pPr algn="ctr" latinLnBrk="1"/>
+                      <a:pPr algn="ctr" latinLnBrk="1">
+                        <a:lnSpc>
+                          <a:spcPct val="150000"/>
+                        </a:lnSpc>
+                      </a:pPr>
                       <a:r>
                         <a:rPr lang="en-US" altLang="zh-CN" sz="1600" b="0" i="0" kern="1200" dirty="0">
                           <a:solidFill>
@@ -7786,7 +8065,26 @@
                           <a:ea typeface="+mn-ea"/>
                           <a:cs typeface="Arial" panose="020B0604020202020204" pitchFamily="34" charset="0"/>
                         </a:rPr>
-                        <a:t>Regular Registration</a:t>
+                        <a:t>Regular registration </a:t>
+                      </a:r>
+                    </a:p>
+                    <a:p>
+                      <a:pPr algn="ctr" latinLnBrk="1">
+                        <a:lnSpc>
+                          <a:spcPct val="150000"/>
+                        </a:lnSpc>
+                      </a:pPr>
+                      <a:r>
+                        <a:rPr lang="en-US" altLang="zh-CN" sz="1600" b="0" i="0" kern="1200" dirty="0">
+                          <a:solidFill>
+                            <a:schemeClr val="tx1"/>
+                          </a:solidFill>
+                          <a:effectLst/>
+                          <a:latin typeface="Arial" panose="020B0604020202020204" pitchFamily="34" charset="0"/>
+                          <a:ea typeface="+mn-ea"/>
+                          <a:cs typeface="Arial" panose="020B0604020202020204" pitchFamily="34" charset="0"/>
+                        </a:rPr>
+                        <a:t>(From 15 April 2024 to 15 May 2024)</a:t>
                       </a:r>
                       <a:endParaRPr lang="en-US" altLang="zh-CN" sz="1600" b="0" dirty="0">
                         <a:solidFill>
@@ -7836,9 +8134,69 @@
                       <a:tailEnd type="none" w="med" len="med"/>
                     </a:lnB>
                     <a:solidFill>
-                      <a:srgbClr val="DEEBF7">
+                      <a:schemeClr val="bg1">
                         <a:alpha val="20000"/>
-                      </a:srgbClr>
+                      </a:schemeClr>
+                    </a:solidFill>
+                  </a:tcPr>
+                </a:tc>
+                <a:tc hMerge="1">
+                  <a:txBody>
+                    <a:bodyPr/>
+                    <a:lstStyle/>
+                    <a:p>
+                      <a:pPr algn="ctr" latinLnBrk="1"/>
+                      <a:endParaRPr lang="en-US" altLang="zh-CN" sz="1600" b="0" dirty="0">
+                        <a:solidFill>
+                          <a:schemeClr val="tx1"/>
+                        </a:solidFill>
+                        <a:effectLst/>
+                        <a:latin typeface="Arial" panose="020B0604020202020204" pitchFamily="34" charset="0"/>
+                        <a:cs typeface="Arial" panose="020B0604020202020204" pitchFamily="34" charset="0"/>
+                      </a:endParaRPr>
+                    </a:p>
+                  </a:txBody>
+                  <a:tcPr marL="63500" marR="63500" marT="63500" marB="63500" anchor="ctr">
+                    <a:lnL w="6350" cap="flat" cmpd="sng" algn="ctr">
+                      <a:solidFill>
+                        <a:srgbClr val="DDDDDD"/>
+                      </a:solidFill>
+                      <a:prstDash val="solid"/>
+                      <a:round/>
+                      <a:headEnd type="none" w="med" len="med"/>
+                      <a:tailEnd type="none" w="med" len="med"/>
+                    </a:lnL>
+                    <a:lnR w="6350" cap="flat" cmpd="sng" algn="ctr">
+                      <a:solidFill>
+                        <a:srgbClr val="DDDDDD"/>
+                      </a:solidFill>
+                      <a:prstDash val="solid"/>
+                      <a:round/>
+                      <a:headEnd type="none" w="med" len="med"/>
+                      <a:tailEnd type="none" w="med" len="med"/>
+                    </a:lnR>
+                    <a:lnT w="6350" cap="flat" cmpd="sng" algn="ctr">
+                      <a:solidFill>
+                        <a:srgbClr val="DDDDDD"/>
+                      </a:solidFill>
+                      <a:prstDash val="solid"/>
+                      <a:round/>
+                      <a:headEnd type="none" w="med" len="med"/>
+                      <a:tailEnd type="none" w="med" len="med"/>
+                    </a:lnT>
+                    <a:lnB w="6350" cap="flat" cmpd="sng" algn="ctr">
+                      <a:solidFill>
+                        <a:srgbClr val="DDDDDD"/>
+                      </a:solidFill>
+                      <a:prstDash val="solid"/>
+                      <a:round/>
+                      <a:headEnd type="none" w="med" len="med"/>
+                      <a:tailEnd type="none" w="med" len="med"/>
+                    </a:lnB>
+                    <a:solidFill>
+                      <a:schemeClr val="bg1">
+                        <a:alpha val="20000"/>
+                      </a:schemeClr>
                     </a:solidFill>
                   </a:tcPr>
                 </a:tc>
@@ -7915,9 +8273,9 @@
                       <a:tailEnd type="none" w="med" len="med"/>
                     </a:lnB>
                     <a:solidFill>
-                      <a:srgbClr val="DEEBF7">
+                      <a:schemeClr val="bg1">
                         <a:alpha val="20000"/>
-                      </a:srgbClr>
+                      </a:schemeClr>
                     </a:solidFill>
                   </a:tcPr>
                 </a:tc>
@@ -7928,7 +8286,81 @@
                 </a:extLst>
               </a:tr>
               <a:tr h="677295">
-                <a:tc>
+                <a:tc gridSpan="2">
+                  <a:txBody>
+                    <a:bodyPr/>
+                    <a:lstStyle/>
+                    <a:p>
+                      <a:pPr algn="ctr"/>
+                      <a:r>
+                        <a:rPr lang="en-US" altLang="zh-CN" sz="1600" b="0" i="0" kern="1200" dirty="0">
+                          <a:solidFill>
+                            <a:schemeClr val="tx1"/>
+                          </a:solidFill>
+                          <a:effectLst/>
+                          <a:latin typeface="Arial" panose="020B0604020202020204" pitchFamily="34" charset="0"/>
+                          <a:ea typeface="+mn-ea"/>
+                          <a:cs typeface="Arial" panose="020B0604020202020204" pitchFamily="34" charset="0"/>
+                        </a:rPr>
+                        <a:t>Additional Banquet Ticket</a:t>
+                      </a:r>
+                      <a:endParaRPr lang="en-US" sz="1600" b="0" dirty="0">
+                        <a:solidFill>
+                          <a:schemeClr val="tx1"/>
+                        </a:solidFill>
+                        <a:effectLst/>
+                        <a:latin typeface="Arial" panose="020B0604020202020204" pitchFamily="34" charset="0"/>
+                        <a:cs typeface="Arial" panose="020B0604020202020204" pitchFamily="34" charset="0"/>
+                      </a:endParaRPr>
+                    </a:p>
+                  </a:txBody>
+                  <a:tcPr marL="63500" marR="63500" marT="63500" marB="63500" anchor="ctr">
+                    <a:lnL w="6350" cap="flat" cmpd="sng" algn="ctr">
+                      <a:solidFill>
+                        <a:srgbClr val="DDDDDD"/>
+                      </a:solidFill>
+                      <a:prstDash val="solid"/>
+                      <a:round/>
+                      <a:headEnd type="none" w="med" len="med"/>
+                      <a:tailEnd type="none" w="med" len="med"/>
+                    </a:lnL>
+                    <a:lnR w="6350" cap="flat" cmpd="sng" algn="ctr">
+                      <a:solidFill>
+                        <a:srgbClr val="DDDDDD"/>
+                      </a:solidFill>
+                      <a:prstDash val="solid"/>
+                      <a:round/>
+                      <a:headEnd type="none" w="med" len="med"/>
+                      <a:tailEnd type="none" w="med" len="med"/>
+                    </a:lnR>
+                    <a:lnT w="6350" cap="flat" cmpd="sng" algn="ctr">
+                      <a:solidFill>
+                        <a:srgbClr val="DDDDDD"/>
+                      </a:solidFill>
+                      <a:prstDash val="solid"/>
+                      <a:round/>
+                      <a:headEnd type="none" w="med" len="med"/>
+                      <a:tailEnd type="none" w="med" len="med"/>
+                    </a:lnT>
+                    <a:lnB w="6350" cap="flat" cmpd="sng" algn="ctr">
+                      <a:solidFill>
+                        <a:srgbClr val="DDDDDD"/>
+                      </a:solidFill>
+                      <a:prstDash val="solid"/>
+                      <a:round/>
+                      <a:headEnd type="none" w="med" len="med"/>
+                      <a:tailEnd type="none" w="med" len="med"/>
+                    </a:lnB>
+                    <a:solidFill>
+                      <a:schemeClr val="accent5">
+                        <a:lumMod val="20000"/>
+                        <a:lumOff val="80000"/>
+                        <a:alpha val="20000"/>
+                      </a:schemeClr>
+                    </a:solidFill>
+                  </a:tcPr>
+                </a:tc>
+                <a:tc hMerge="1">
                   <a:txBody>
                     <a:bodyPr/>
                     <a:lstStyle/>
@@ -8066,7 +8498,9 @@
                       <a:tailEnd type="none" w="med" len="med"/>
                     </a:lnB>
                     <a:solidFill>
-                      <a:schemeClr val="bg1">
+                      <a:schemeClr val="accent5">
+                        <a:lumMod val="20000"/>
+                        <a:lumOff val="80000"/>
                         <a:alpha val="20000"/>
                       </a:schemeClr>
                     </a:solidFill>
@@ -8082,42 +8516,12 @@
           </a:graphicData>
         </a:graphic>
       </p:graphicFrame>
-      <p:pic>
-        <p:nvPicPr>
-          <p:cNvPr id="2" name="图片 1">
+      <p:graphicFrame>
+        <p:nvGraphicFramePr>
+          <p:cNvPr id="3" name="表格 2">
             <a:extLst>
               <a:ext uri="{FF2B5EF4-FFF2-40B4-BE49-F238E27FC236}">
-                <a16:creationId xmlns:a16="http://schemas.microsoft.com/office/drawing/2014/main" id="{E482143C-36ED-BFAF-8970-71CF702E86AC}"/>
-              </a:ext>
-            </a:extLst>
-          </p:cNvPr>
-          <p:cNvPicPr>
-            <a:picLocks noChangeAspect="1"/>
-          </p:cNvPicPr>
-          <p:nvPr/>
-        </p:nvPicPr>
-        <p:blipFill>
-          <a:blip r:embed="rId4"/>
-          <a:stretch>
-            <a:fillRect/>
-          </a:stretch>
-        </p:blipFill>
-        <p:spPr>
-          <a:xfrm>
-            <a:off x="8089889" y="144396"/>
-            <a:ext cx="406421" cy="425472"/>
-          </a:xfrm>
-          <a:prstGeom prst="rect">
-            <a:avLst/>
-          </a:prstGeom>
-        </p:spPr>
-      </p:pic>
-      <p:graphicFrame>
-        <p:nvGraphicFramePr>
-          <p:cNvPr id="15" name="表格 14">
-            <a:extLst>
-              <a:ext uri="{FF2B5EF4-FFF2-40B4-BE49-F238E27FC236}">
-                <a16:creationId xmlns:a16="http://schemas.microsoft.com/office/drawing/2014/main" id="{A66506E4-7D75-9BFA-897E-873F5D668AE0}"/>
+                <a16:creationId xmlns:a16="http://schemas.microsoft.com/office/drawing/2014/main" id="{F62F55DD-A513-8385-3514-D87BEDD21619}"/>
               </a:ext>
             </a:extLst>
           </p:cNvPr>
@@ -8127,28 +8531,35 @@
           <p:nvPr>
             <p:extLst>
               <p:ext uri="{D42A27DB-BD31-4B8C-83A1-F6EECF244321}">
-                <p14:modId xmlns:p14="http://schemas.microsoft.com/office/powerpoint/2010/main" val="1411161547"/>
+                <p14:modId xmlns:p14="http://schemas.microsoft.com/office/powerpoint/2010/main" val="832395143"/>
               </p:ext>
             </p:extLst>
           </p:nvPr>
         </p:nvGraphicFramePr>
         <p:xfrm>
-          <a:off x="1038640" y="7094865"/>
-          <a:ext cx="9108660" cy="3730331"/>
+          <a:off x="810039" y="4520313"/>
+          <a:ext cx="11084063" cy="4046867"/>
         </p:xfrm>
         <a:graphic>
           <a:graphicData uri="http://schemas.openxmlformats.org/drawingml/2006/table">
             <a:tbl>
               <a:tblPr/>
               <a:tblGrid>
-                <a:gridCol w="4744830">
+                <a:gridCol w="3693522">
+                  <a:extLst>
+                    <a:ext uri="{9D8B030D-6E8A-4147-A177-3AD203B41FA5}">
+                      <a16:colId xmlns:a16="http://schemas.microsoft.com/office/drawing/2014/main" val="2749278103"/>
+                    </a:ext>
+                  </a:extLst>
+                </a:gridCol>
+                <a:gridCol w="3693522">
                   <a:extLst>
                     <a:ext uri="{9D8B030D-6E8A-4147-A177-3AD203B41FA5}">
                       <a16:colId xmlns:a16="http://schemas.microsoft.com/office/drawing/2014/main" val="3078818713"/>
                     </a:ext>
                   </a:extLst>
                 </a:gridCol>
-                <a:gridCol w="4363830">
+                <a:gridCol w="3697019">
                   <a:extLst>
                     <a:ext uri="{9D8B030D-6E8A-4147-A177-3AD203B41FA5}">
                       <a16:colId xmlns:a16="http://schemas.microsoft.com/office/drawing/2014/main" val="3809513742"/>
@@ -8156,15 +8567,15 @@
                   </a:extLst>
                 </a:gridCol>
               </a:tblGrid>
-              <a:tr h="704166">
-                <a:tc>
+              <a:tr h="677295">
+                <a:tc gridSpan="2">
                   <a:txBody>
                     <a:bodyPr/>
                     <a:lstStyle/>
                     <a:p>
                       <a:pPr marL="0" algn="ctr" defTabSz="914400" rtl="0" eaLnBrk="1" latinLnBrk="0" hangingPunct="1"/>
                       <a:r>
-                        <a:rPr lang="en-US" altLang="zh-CN" sz="3200" b="1" i="0" kern="1200" dirty="0">
+                        <a:rPr lang="en-US" altLang="zh-CN" sz="2800" b="1" i="0" kern="1200" dirty="0">
                           <a:solidFill>
                             <a:schemeClr val="tx1"/>
                           </a:solidFill>
@@ -8175,7 +8586,7 @@
                         </a:rPr>
                         <a:t>Registration Type</a:t>
                       </a:r>
-                      <a:endParaRPr lang="en-US" sz="3200" b="1" i="0" kern="1200" dirty="0">
+                      <a:endParaRPr lang="en-US" sz="2800" b="1" i="0" kern="1200" dirty="0">
                         <a:solidFill>
                           <a:schemeClr val="tx1"/>
                         </a:solidFill>
@@ -8226,6 +8637,75 @@
                     <a:noFill/>
                   </a:tcPr>
                 </a:tc>
+                <a:tc hMerge="1">
+                  <a:txBody>
+                    <a:bodyPr/>
+                    <a:lstStyle/>
+                    <a:p>
+                      <a:pPr marL="0" algn="ctr" defTabSz="914400" rtl="0" eaLnBrk="1" latinLnBrk="0" hangingPunct="1"/>
+                      <a:r>
+                        <a:rPr lang="en-US" altLang="zh-CN" sz="1800" b="1" i="0" kern="1200" dirty="0">
+                          <a:solidFill>
+                            <a:schemeClr val="tx1"/>
+                          </a:solidFill>
+                          <a:effectLst/>
+                          <a:latin typeface="Arial" panose="020B0604020202020204" pitchFamily="34" charset="0"/>
+                          <a:ea typeface="+mn-ea"/>
+                          <a:cs typeface="Arial" panose="020B0604020202020204" pitchFamily="34" charset="0"/>
+                        </a:rPr>
+                        <a:t>Registration Type</a:t>
+                      </a:r>
+                      <a:endParaRPr lang="en-US" sz="1800" b="1" i="0" kern="1200" dirty="0">
+                        <a:solidFill>
+                          <a:schemeClr val="tx1"/>
+                        </a:solidFill>
+                        <a:effectLst/>
+                        <a:latin typeface="Arial" panose="020B0604020202020204" pitchFamily="34" charset="0"/>
+                        <a:ea typeface="+mn-ea"/>
+                        <a:cs typeface="Arial" panose="020B0604020202020204" pitchFamily="34" charset="0"/>
+                      </a:endParaRPr>
+                    </a:p>
+                  </a:txBody>
+                  <a:tcPr marL="63500" marR="63500" marT="63500" marB="63500" anchor="ctr">
+                    <a:lnL w="6350" cap="flat" cmpd="sng" algn="ctr">
+                      <a:solidFill>
+                        <a:srgbClr val="DDDDDD"/>
+                      </a:solidFill>
+                      <a:prstDash val="solid"/>
+                      <a:round/>
+                      <a:headEnd type="none" w="med" len="med"/>
+                      <a:tailEnd type="none" w="med" len="med"/>
+                    </a:lnL>
+                    <a:lnR w="6350" cap="flat" cmpd="sng" algn="ctr">
+                      <a:solidFill>
+                        <a:srgbClr val="DDDDDD"/>
+                      </a:solidFill>
+                      <a:prstDash val="solid"/>
+                      <a:round/>
+                      <a:headEnd type="none" w="med" len="med"/>
+                      <a:tailEnd type="none" w="med" len="med"/>
+                    </a:lnR>
+                    <a:lnT w="6350" cap="flat" cmpd="sng" algn="ctr">
+                      <a:solidFill>
+                        <a:srgbClr val="DDDDDD"/>
+                      </a:solidFill>
+                      <a:prstDash val="solid"/>
+                      <a:round/>
+                      <a:headEnd type="none" w="med" len="med"/>
+                      <a:tailEnd type="none" w="med" len="med"/>
+                    </a:lnT>
+                    <a:lnB w="6350" cap="flat" cmpd="sng" algn="ctr">
+                      <a:solidFill>
+                        <a:srgbClr val="DDDDDD"/>
+                      </a:solidFill>
+                      <a:prstDash val="solid"/>
+                      <a:round/>
+                      <a:headEnd type="none" w="med" len="med"/>
+                      <a:tailEnd type="none" w="med" len="med"/>
+                    </a:lnB>
+                    <a:noFill/>
+                  </a:tcPr>
+                </a:tc>
                 <a:tc>
                   <a:txBody>
                     <a:bodyPr/>
@@ -8233,7 +8713,7 @@
                     <a:p>
                       <a:pPr marL="0" algn="ctr" defTabSz="914400" rtl="0" eaLnBrk="1" latinLnBrk="0" hangingPunct="1"/>
                       <a:r>
-                        <a:rPr lang="en-US" sz="3200" b="1" i="0" kern="1200" dirty="0">
+                        <a:rPr lang="en-US" sz="2800" b="1" i="0" kern="1200" dirty="0">
                           <a:solidFill>
                             <a:schemeClr val="tx1"/>
                           </a:solidFill>
@@ -8292,7 +8772,126 @@
                   </a:ext>
                 </a:extLst>
               </a:tr>
-              <a:tr h="634331">
+              <a:tr h="677295">
+                <a:tc rowSpan="2">
+                  <a:txBody>
+                    <a:bodyPr/>
+                    <a:lstStyle/>
+                    <a:p>
+                      <a:pPr marL="0" marR="0" lvl="0" indent="0" algn="ctr" defTabSz="914400" rtl="0" eaLnBrk="1" fontAlgn="auto" latinLnBrk="1" hangingPunct="1">
+                        <a:lnSpc>
+                          <a:spcPct val="150000"/>
+                        </a:lnSpc>
+                        <a:spcBef>
+                          <a:spcPts val="0"/>
+                        </a:spcBef>
+                        <a:spcAft>
+                          <a:spcPts val="0"/>
+                        </a:spcAft>
+                        <a:buClrTx/>
+                        <a:buSzTx/>
+                        <a:buFontTx/>
+                        <a:buNone/>
+                        <a:tabLst/>
+                        <a:defRPr/>
+                      </a:pPr>
+                      <a:r>
+                        <a:rPr lang="en-US" altLang="zh-CN" sz="2400" b="0" i="0" kern="1200" dirty="0">
+                          <a:solidFill>
+                            <a:schemeClr val="tx1"/>
+                          </a:solidFill>
+                          <a:effectLst/>
+                          <a:latin typeface="Arial" panose="020B0604020202020204" pitchFamily="34" charset="0"/>
+                          <a:ea typeface="+mn-ea"/>
+                          <a:cs typeface="Arial" panose="020B0604020202020204" pitchFamily="34" charset="0"/>
+                        </a:rPr>
+                        <a:t>Early Bird registration </a:t>
+                      </a:r>
+                    </a:p>
+                    <a:p>
+                      <a:pPr marL="0" marR="0" lvl="0" indent="0" algn="ctr" defTabSz="914400" rtl="0" eaLnBrk="1" fontAlgn="auto" latinLnBrk="1" hangingPunct="1">
+                        <a:lnSpc>
+                          <a:spcPct val="150000"/>
+                        </a:lnSpc>
+                        <a:spcBef>
+                          <a:spcPts val="0"/>
+                        </a:spcBef>
+                        <a:spcAft>
+                          <a:spcPts val="0"/>
+                        </a:spcAft>
+                        <a:buClrTx/>
+                        <a:buSzTx/>
+                        <a:buFontTx/>
+                        <a:buNone/>
+                        <a:tabLst/>
+                        <a:defRPr/>
+                      </a:pPr>
+                      <a:r>
+                        <a:rPr lang="en-US" altLang="zh-CN" sz="2400" b="0" i="0" kern="1200" dirty="0">
+                          <a:solidFill>
+                            <a:schemeClr val="tx1"/>
+                          </a:solidFill>
+                          <a:effectLst/>
+                          <a:latin typeface="Arial" panose="020B0604020202020204" pitchFamily="34" charset="0"/>
+                          <a:ea typeface="+mn-ea"/>
+                          <a:cs typeface="Arial" panose="020B0604020202020204" pitchFamily="34" charset="0"/>
+                        </a:rPr>
+                        <a:t>(Due on 15 April 2024)</a:t>
+                      </a:r>
+                      <a:endParaRPr lang="en-US" sz="2400" b="0" dirty="0">
+                        <a:solidFill>
+                          <a:schemeClr val="tx1"/>
+                        </a:solidFill>
+                        <a:effectLst/>
+                        <a:latin typeface="Arial" panose="020B0604020202020204" pitchFamily="34" charset="0"/>
+                        <a:cs typeface="Arial" panose="020B0604020202020204" pitchFamily="34" charset="0"/>
+                      </a:endParaRPr>
+                    </a:p>
+                  </a:txBody>
+                  <a:tcPr marL="63500" marR="63500" marT="63500" marB="63500" anchor="ctr">
+                    <a:lnL w="6350" cap="flat" cmpd="sng" algn="ctr">
+                      <a:solidFill>
+                        <a:srgbClr val="DDDDDD"/>
+                      </a:solidFill>
+                      <a:prstDash val="solid"/>
+                      <a:round/>
+                      <a:headEnd type="none" w="med" len="med"/>
+                      <a:tailEnd type="none" w="med" len="med"/>
+                    </a:lnL>
+                    <a:lnR w="6350" cap="flat" cmpd="sng" algn="ctr">
+                      <a:solidFill>
+                        <a:srgbClr val="DDDDDD"/>
+                      </a:solidFill>
+                      <a:prstDash val="solid"/>
+                      <a:round/>
+                      <a:headEnd type="none" w="med" len="med"/>
+                      <a:tailEnd type="none" w="med" len="med"/>
+                    </a:lnR>
+                    <a:lnT w="6350" cap="flat" cmpd="sng" algn="ctr">
+                      <a:solidFill>
+                        <a:srgbClr val="DDDDDD"/>
+                      </a:solidFill>
+                      <a:prstDash val="solid"/>
+                      <a:round/>
+                      <a:headEnd type="none" w="med" len="med"/>
+                      <a:tailEnd type="none" w="med" len="med"/>
+                    </a:lnT>
+                    <a:lnB w="6350" cap="flat" cmpd="sng" algn="ctr">
+                      <a:solidFill>
+                        <a:srgbClr val="DDDDDD"/>
+                      </a:solidFill>
+                      <a:prstDash val="solid"/>
+                      <a:round/>
+                      <a:headEnd type="none" w="med" len="med"/>
+                      <a:tailEnd type="none" w="med" len="med"/>
+                    </a:lnB>
+                    <a:solidFill>
+                      <a:srgbClr val="DEEBF7">
+                        <a:alpha val="20000"/>
+                      </a:srgbClr>
+                    </a:solidFill>
+                  </a:tcPr>
+                </a:tc>
                 <a:tc>
                   <a:txBody>
                     <a:bodyPr/>
@@ -8316,7 +8915,7 @@
                         <a:defRPr/>
                       </a:pPr>
                       <a:r>
-                        <a:rPr lang="en-US" altLang="zh-CN" sz="2800" b="0" i="0" kern="1200" dirty="0">
+                        <a:rPr lang="en-US" altLang="zh-CN" sz="2400" b="0" i="0" kern="1200" dirty="0">
                           <a:solidFill>
                             <a:schemeClr val="tx1"/>
                           </a:solidFill>
@@ -8325,9 +8924,9 @@
                           <a:ea typeface="+mn-ea"/>
                           <a:cs typeface="Arial" panose="020B0604020202020204" pitchFamily="34" charset="0"/>
                         </a:rPr>
-                        <a:t>Full Delegate (Early Bird)</a:t>
+                        <a:t>Full Delegate</a:t>
                       </a:r>
-                      <a:endParaRPr lang="en-US" sz="2800" b="0" dirty="0">
+                      <a:endParaRPr lang="en-US" sz="2400" b="0" dirty="0">
                         <a:solidFill>
                           <a:schemeClr val="tx1"/>
                         </a:solidFill>
@@ -8388,7 +8987,7 @@
                     <a:p>
                       <a:pPr algn="ctr"/>
                       <a:r>
-                        <a:rPr lang="en-US" altLang="zh-CN" sz="2800" dirty="0">
+                        <a:rPr lang="en-US" altLang="zh-CN" sz="2400" dirty="0">
                           <a:solidFill>
                             <a:schemeClr val="tx1"/>
                           </a:solidFill>
@@ -8399,7 +8998,7 @@
                         <a:t>850 </a:t>
                       </a:r>
                       <a:r>
-                        <a:rPr lang="en-US" sz="2800" dirty="0">
+                        <a:rPr lang="en-US" sz="2400" dirty="0">
                           <a:solidFill>
                             <a:schemeClr val="tx1"/>
                           </a:solidFill>
@@ -8461,26 +9060,14 @@
                   </a:ext>
                 </a:extLst>
               </a:tr>
-              <a:tr h="1123172">
-                <a:tc>
+              <a:tr h="677295">
+                <a:tc vMerge="1">
                   <a:txBody>
                     <a:bodyPr/>
                     <a:lstStyle/>
                     <a:p>
                       <a:pPr algn="ctr" latinLnBrk="1"/>
-                      <a:r>
-                        <a:rPr lang="en-US" altLang="zh-CN" sz="2800" b="0" i="0" kern="1200" dirty="0">
-                          <a:solidFill>
-                            <a:schemeClr val="tx1"/>
-                          </a:solidFill>
-                          <a:effectLst/>
-                          <a:latin typeface="Arial" panose="020B0604020202020204" pitchFamily="34" charset="0"/>
-                          <a:ea typeface="+mn-ea"/>
-                          <a:cs typeface="Arial" panose="020B0604020202020204" pitchFamily="34" charset="0"/>
-                        </a:rPr>
-                        <a:t>Student Delegate (Early Bird)</a:t>
-                      </a:r>
-                      <a:endParaRPr lang="en-US" sz="2800" b="0" dirty="0">
+                      <a:endParaRPr lang="en-US" altLang="zh-CN" sz="1600" b="0" dirty="0">
                         <a:solidFill>
                           <a:schemeClr val="tx1"/>
                         </a:solidFill>
@@ -8535,77 +9122,9 @@
                     <a:bodyPr/>
                     <a:lstStyle/>
                     <a:p>
-                      <a:pPr marL="0" marR="0" lvl="0" indent="0" algn="ctr" defTabSz="914400" rtl="0" eaLnBrk="1" fontAlgn="auto" latinLnBrk="0" hangingPunct="1">
-                        <a:lnSpc>
-                          <a:spcPct val="100000"/>
-                        </a:lnSpc>
-                        <a:spcBef>
-                          <a:spcPts val="0"/>
-                        </a:spcBef>
-                        <a:spcAft>
-                          <a:spcPts val="0"/>
-                        </a:spcAft>
-                        <a:buClrTx/>
-                        <a:buSzTx/>
-                        <a:buFontTx/>
-                        <a:buNone/>
-                        <a:tabLst/>
-                        <a:defRPr/>
-                      </a:pPr>
+                      <a:pPr algn="ctr" latinLnBrk="1"/>
                       <a:r>
-                        <a:rPr lang="en-US" sz="2800" dirty="0">
-                          <a:solidFill>
-                            <a:schemeClr val="tx1"/>
-                          </a:solidFill>
-                          <a:effectLst/>
-                          <a:latin typeface="Arial" panose="020B0604020202020204" pitchFamily="34" charset="0"/>
-                          <a:cs typeface="Arial" panose="020B0604020202020204" pitchFamily="34" charset="0"/>
-                        </a:rPr>
-                        <a:t> </a:t>
-                      </a:r>
-                      <a:r>
-                        <a:rPr lang="en-US" altLang="zh-CN" sz="2800" dirty="0">
-                          <a:solidFill>
-                            <a:schemeClr val="tx1"/>
-                          </a:solidFill>
-                          <a:effectLst/>
-                          <a:latin typeface="Arial" panose="020B0604020202020204" pitchFamily="34" charset="0"/>
-                          <a:cs typeface="Arial" panose="020B0604020202020204" pitchFamily="34" charset="0"/>
-                        </a:rPr>
-                        <a:t>700 </a:t>
-                      </a:r>
-                      <a:r>
-                        <a:rPr lang="en-US" sz="2800" dirty="0">
-                          <a:solidFill>
-                            <a:schemeClr val="tx1"/>
-                          </a:solidFill>
-                          <a:effectLst/>
-                          <a:latin typeface="Arial" panose="020B0604020202020204" pitchFamily="34" charset="0"/>
-                          <a:cs typeface="Arial" panose="020B0604020202020204" pitchFamily="34" charset="0"/>
-                        </a:rPr>
-                        <a:t>USD</a:t>
-                      </a:r>
-                    </a:p>
-                    <a:p>
-                      <a:pPr marL="0" marR="0" lvl="0" indent="0" algn="ctr" defTabSz="914400" rtl="0" eaLnBrk="1" fontAlgn="auto" latinLnBrk="0" hangingPunct="1">
-                        <a:lnSpc>
-                          <a:spcPct val="100000"/>
-                        </a:lnSpc>
-                        <a:spcBef>
-                          <a:spcPts val="0"/>
-                        </a:spcBef>
-                        <a:spcAft>
-                          <a:spcPts val="0"/>
-                        </a:spcAft>
-                        <a:buClrTx/>
-                        <a:buSzTx/>
-                        <a:buFontTx/>
-                        <a:buNone/>
-                        <a:tabLst/>
-                        <a:defRPr/>
-                      </a:pPr>
-                      <a:r>
-                        <a:rPr lang="en-US" altLang="zh-CN" sz="2800" b="0" i="0" kern="1200" dirty="0">
+                        <a:rPr lang="en-US" altLang="zh-CN" sz="2400" b="0" i="0" kern="1200" dirty="0">
                           <a:solidFill>
                             <a:schemeClr val="tx1"/>
                           </a:solidFill>
@@ -8614,33 +9133,9 @@
                           <a:ea typeface="+mn-ea"/>
                           <a:cs typeface="Arial" panose="020B0604020202020204" pitchFamily="34" charset="0"/>
                         </a:rPr>
-                        <a:t>(Banquet </a:t>
+                        <a:t>Student Delegate</a:t>
                       </a:r>
-                      <a:r>
-                        <a:rPr lang="en-US" altLang="zh-CN" sz="2800" b="1" i="0" kern="1200" dirty="0">
-                          <a:solidFill>
-                            <a:schemeClr val="tx1"/>
-                          </a:solidFill>
-                          <a:effectLst/>
-                          <a:latin typeface="Arial" panose="020B0604020202020204" pitchFamily="34" charset="0"/>
-                          <a:ea typeface="+mn-ea"/>
-                          <a:cs typeface="Arial" panose="020B0604020202020204" pitchFamily="34" charset="0"/>
-                        </a:rPr>
-                        <a:t>NOT</a:t>
-                      </a:r>
-                      <a:r>
-                        <a:rPr lang="en-US" altLang="zh-CN" sz="2800" b="0" i="0" kern="1200" dirty="0">
-                          <a:solidFill>
-                            <a:schemeClr val="tx1"/>
-                          </a:solidFill>
-                          <a:effectLst/>
-                          <a:latin typeface="Arial" panose="020B0604020202020204" pitchFamily="34" charset="0"/>
-                          <a:ea typeface="+mn-ea"/>
-                          <a:cs typeface="Arial" panose="020B0604020202020204" pitchFamily="34" charset="0"/>
-                        </a:rPr>
-                        <a:t> Included)</a:t>
-                      </a:r>
-                      <a:endParaRPr lang="en-US" sz="2800" dirty="0">
+                      <a:endParaRPr lang="en-US" altLang="zh-CN" sz="2400" b="0" dirty="0">
                         <a:solidFill>
                           <a:schemeClr val="tx1"/>
                         </a:solidFill>
@@ -8648,73 +9143,6 @@
                         <a:latin typeface="Arial" panose="020B0604020202020204" pitchFamily="34" charset="0"/>
                         <a:cs typeface="Arial" panose="020B0604020202020204" pitchFamily="34" charset="0"/>
                       </a:endParaRPr>
-                    </a:p>
-                  </a:txBody>
-                  <a:tcPr marL="63500" marR="63500" marT="63500" marB="63500" anchor="ctr">
-                    <a:lnL w="6350" cap="flat" cmpd="sng" algn="ctr">
-                      <a:solidFill>
-                        <a:srgbClr val="DDDDDD"/>
-                      </a:solidFill>
-                      <a:prstDash val="solid"/>
-                      <a:round/>
-                      <a:headEnd type="none" w="med" len="med"/>
-                      <a:tailEnd type="none" w="med" len="med"/>
-                    </a:lnL>
-                    <a:lnR w="6350" cap="flat" cmpd="sng" algn="ctr">
-                      <a:solidFill>
-                        <a:srgbClr val="DDDDDD"/>
-                      </a:solidFill>
-                      <a:prstDash val="solid"/>
-                      <a:round/>
-                      <a:headEnd type="none" w="med" len="med"/>
-                      <a:tailEnd type="none" w="med" len="med"/>
-                    </a:lnR>
-                    <a:lnT w="6350" cap="flat" cmpd="sng" algn="ctr">
-                      <a:solidFill>
-                        <a:srgbClr val="DDDDDD"/>
-                      </a:solidFill>
-                      <a:prstDash val="solid"/>
-                      <a:round/>
-                      <a:headEnd type="none" w="med" len="med"/>
-                      <a:tailEnd type="none" w="med" len="med"/>
-                    </a:lnT>
-                    <a:lnB w="6350" cap="flat" cmpd="sng" algn="ctr">
-                      <a:solidFill>
-                        <a:srgbClr val="DDDDDD"/>
-                      </a:solidFill>
-                      <a:prstDash val="solid"/>
-                      <a:round/>
-                      <a:headEnd type="none" w="med" len="med"/>
-                      <a:tailEnd type="none" w="med" len="med"/>
-                    </a:lnB>
-                    <a:noFill/>
-                  </a:tcPr>
-                </a:tc>
-                <a:extLst>
-                  <a:ext uri="{0D108BD9-81ED-4DB2-BD59-A6C34878D82A}">
-                    <a16:rowId xmlns:a16="http://schemas.microsoft.com/office/drawing/2014/main" val="3995739784"/>
-                  </a:ext>
-                </a:extLst>
-              </a:tr>
-              <a:tr h="634331">
-                <a:tc>
-                  <a:txBody>
-                    <a:bodyPr/>
-                    <a:lstStyle/>
-                    <a:p>
-                      <a:pPr algn="ctr" latinLnBrk="1"/>
-                      <a:r>
-                        <a:rPr lang="en-US" altLang="zh-CN" sz="2800" b="0" i="0" kern="1200" dirty="0">
-                          <a:solidFill>
-                            <a:schemeClr val="tx1"/>
-                          </a:solidFill>
-                          <a:effectLst/>
-                          <a:latin typeface="Arial" panose="020B0604020202020204" pitchFamily="34" charset="0"/>
-                          <a:ea typeface="+mn-ea"/>
-                          <a:cs typeface="Arial" panose="020B0604020202020204" pitchFamily="34" charset="0"/>
-                        </a:rPr>
-                        <a:t>Regular Registration</a:t>
-                      </a:r>
                     </a:p>
                   </a:txBody>
                   <a:tcPr marL="63500" marR="63500" marT="63500" marB="63500" anchor="ctr">
@@ -8784,7 +9212,59 @@
                         <a:defRPr/>
                       </a:pPr>
                       <a:r>
-                        <a:rPr lang="en-US" altLang="zh-CN" sz="2800" b="0" i="0" kern="1200" dirty="0">
+                        <a:rPr lang="en-US" sz="2400" dirty="0">
+                          <a:solidFill>
+                            <a:schemeClr val="tx1"/>
+                          </a:solidFill>
+                          <a:effectLst/>
+                          <a:latin typeface="Arial" panose="020B0604020202020204" pitchFamily="34" charset="0"/>
+                          <a:cs typeface="Arial" panose="020B0604020202020204" pitchFamily="34" charset="0"/>
+                        </a:rPr>
+                        <a:t> 70</a:t>
+                      </a:r>
+                      <a:r>
+                        <a:rPr lang="en-US" altLang="zh-CN" sz="2400" dirty="0">
+                          <a:solidFill>
+                            <a:schemeClr val="tx1"/>
+                          </a:solidFill>
+                          <a:effectLst/>
+                          <a:latin typeface="Arial" panose="020B0604020202020204" pitchFamily="34" charset="0"/>
+                          <a:cs typeface="Arial" panose="020B0604020202020204" pitchFamily="34" charset="0"/>
+                        </a:rPr>
+                        <a:t>0 </a:t>
+                      </a:r>
+                      <a:r>
+                        <a:rPr lang="en-US" sz="2400" dirty="0">
+                          <a:solidFill>
+                            <a:schemeClr val="tx1"/>
+                          </a:solidFill>
+                          <a:effectLst/>
+                          <a:latin typeface="Arial" panose="020B0604020202020204" pitchFamily="34" charset="0"/>
+                          <a:cs typeface="Arial" panose="020B0604020202020204" pitchFamily="34" charset="0"/>
+                        </a:rPr>
+                        <a:t>USD</a:t>
+                      </a:r>
+                    </a:p>
+                    <a:p>
+                      <a:pPr marL="0" marR="0" lvl="0" indent="0" algn="ctr" defTabSz="914400" rtl="0" eaLnBrk="1" fontAlgn="auto" latinLnBrk="0" hangingPunct="1">
+                        <a:lnSpc>
+                          <a:spcPct val="100000"/>
+                        </a:lnSpc>
+                        <a:spcBef>
+                          <a:spcPts val="0"/>
+                        </a:spcBef>
+                        <a:spcAft>
+                          <a:spcPts val="0"/>
+                        </a:spcAft>
+                        <a:buClrTx/>
+                        <a:buSzTx/>
+                        <a:buFontTx/>
+                        <a:buNone/>
+                        <a:tabLst/>
+                        <a:defRPr/>
+                      </a:pPr>
+                      <a:r>
+                        <a:rPr lang="en-US" altLang="zh-CN" sz="2400" b="0" i="0" kern="1200" dirty="0">
                           <a:solidFill>
                             <a:schemeClr val="tx1"/>
                           </a:solidFill>
@@ -8793,8 +9273,40 @@
                           <a:ea typeface="+mn-ea"/>
                           <a:cs typeface="Arial" panose="020B0604020202020204" pitchFamily="34" charset="0"/>
                         </a:rPr>
-                        <a:t> 950 USD</a:t>
+                        <a:t>(Banquet </a:t>
                       </a:r>
+                      <a:r>
+                        <a:rPr lang="en-US" altLang="zh-CN" sz="2400" b="1" i="0" kern="1200" dirty="0">
+                          <a:solidFill>
+                            <a:schemeClr val="tx1"/>
+                          </a:solidFill>
+                          <a:effectLst/>
+                          <a:latin typeface="Arial" panose="020B0604020202020204" pitchFamily="34" charset="0"/>
+                          <a:ea typeface="+mn-ea"/>
+                          <a:cs typeface="Arial" panose="020B0604020202020204" pitchFamily="34" charset="0"/>
+                        </a:rPr>
+                        <a:t>NOT</a:t>
+                      </a:r>
+                      <a:r>
+                        <a:rPr lang="en-US" altLang="zh-CN" sz="2400" b="0" i="0" kern="1200" dirty="0">
+                          <a:solidFill>
+                            <a:schemeClr val="tx1"/>
+                          </a:solidFill>
+                          <a:effectLst/>
+                          <a:latin typeface="Arial" panose="020B0604020202020204" pitchFamily="34" charset="0"/>
+                          <a:ea typeface="+mn-ea"/>
+                          <a:cs typeface="Arial" panose="020B0604020202020204" pitchFamily="34" charset="0"/>
+                        </a:rPr>
+                        <a:t> Included)</a:t>
+                      </a:r>
+                      <a:endParaRPr lang="en-US" sz="2400" dirty="0">
+                        <a:solidFill>
+                          <a:schemeClr val="tx1"/>
+                        </a:solidFill>
+                        <a:effectLst/>
+                        <a:latin typeface="Arial" panose="020B0604020202020204" pitchFamily="34" charset="0"/>
+                        <a:cs typeface="Arial" panose="020B0604020202020204" pitchFamily="34" charset="0"/>
+                      </a:endParaRPr>
                     </a:p>
                   </a:txBody>
                   <a:tcPr marL="63500" marR="63500" marT="63500" marB="63500" anchor="ctr">
@@ -8843,19 +9355,260 @@
                 </a:tc>
                 <a:extLst>
                   <a:ext uri="{0D108BD9-81ED-4DB2-BD59-A6C34878D82A}">
+                    <a16:rowId xmlns:a16="http://schemas.microsoft.com/office/drawing/2014/main" val="3995739784"/>
+                  </a:ext>
+                </a:extLst>
+              </a:tr>
+              <a:tr h="677295">
+                <a:tc gridSpan="2">
+                  <a:txBody>
+                    <a:bodyPr/>
+                    <a:lstStyle/>
+                    <a:p>
+                      <a:pPr algn="ctr" latinLnBrk="1">
+                        <a:lnSpc>
+                          <a:spcPct val="150000"/>
+                        </a:lnSpc>
+                      </a:pPr>
+                      <a:r>
+                        <a:rPr lang="en-US" altLang="zh-CN" sz="2400" b="0" i="0" kern="1200" dirty="0">
+                          <a:solidFill>
+                            <a:schemeClr val="tx1"/>
+                          </a:solidFill>
+                          <a:effectLst/>
+                          <a:latin typeface="Arial" panose="020B0604020202020204" pitchFamily="34" charset="0"/>
+                          <a:ea typeface="+mn-ea"/>
+                          <a:cs typeface="Arial" panose="020B0604020202020204" pitchFamily="34" charset="0"/>
+                        </a:rPr>
+                        <a:t>Regular registration </a:t>
+                      </a:r>
+                    </a:p>
+                    <a:p>
+                      <a:pPr algn="ctr" latinLnBrk="1">
+                        <a:lnSpc>
+                          <a:spcPct val="150000"/>
+                        </a:lnSpc>
+                      </a:pPr>
+                      <a:r>
+                        <a:rPr lang="en-US" altLang="zh-CN" sz="2400" b="0" i="0" kern="1200" dirty="0">
+                          <a:solidFill>
+                            <a:schemeClr val="tx1"/>
+                          </a:solidFill>
+                          <a:effectLst/>
+                          <a:latin typeface="Arial" panose="020B0604020202020204" pitchFamily="34" charset="0"/>
+                          <a:ea typeface="+mn-ea"/>
+                          <a:cs typeface="Arial" panose="020B0604020202020204" pitchFamily="34" charset="0"/>
+                        </a:rPr>
+                        <a:t>(From 15 April 2024 to 15 May 2024)</a:t>
+                      </a:r>
+                      <a:endParaRPr lang="en-US" altLang="zh-CN" sz="2400" b="0" dirty="0">
+                        <a:solidFill>
+                          <a:schemeClr val="tx1"/>
+                        </a:solidFill>
+                        <a:effectLst/>
+                        <a:latin typeface="Arial" panose="020B0604020202020204" pitchFamily="34" charset="0"/>
+                        <a:cs typeface="Arial" panose="020B0604020202020204" pitchFamily="34" charset="0"/>
+                      </a:endParaRPr>
+                    </a:p>
+                  </a:txBody>
+                  <a:tcPr marL="63500" marR="63500" marT="63500" marB="63500" anchor="ctr">
+                    <a:lnL w="6350" cap="flat" cmpd="sng" algn="ctr">
+                      <a:solidFill>
+                        <a:srgbClr val="DDDDDD"/>
+                      </a:solidFill>
+                      <a:prstDash val="solid"/>
+                      <a:round/>
+                      <a:headEnd type="none" w="med" len="med"/>
+                      <a:tailEnd type="none" w="med" len="med"/>
+                    </a:lnL>
+                    <a:lnR w="6350" cap="flat" cmpd="sng" algn="ctr">
+                      <a:solidFill>
+                        <a:srgbClr val="DDDDDD"/>
+                      </a:solidFill>
+                      <a:prstDash val="solid"/>
+                      <a:round/>
+                      <a:headEnd type="none" w="med" len="med"/>
+                      <a:tailEnd type="none" w="med" len="med"/>
+                    </a:lnR>
+                    <a:lnT w="6350" cap="flat" cmpd="sng" algn="ctr">
+                      <a:solidFill>
+                        <a:srgbClr val="DDDDDD"/>
+                      </a:solidFill>
+                      <a:prstDash val="solid"/>
+                      <a:round/>
+                      <a:headEnd type="none" w="med" len="med"/>
+                      <a:tailEnd type="none" w="med" len="med"/>
+                    </a:lnT>
+                    <a:lnB w="6350" cap="flat" cmpd="sng" algn="ctr">
+                      <a:solidFill>
+                        <a:srgbClr val="DDDDDD"/>
+                      </a:solidFill>
+                      <a:prstDash val="solid"/>
+                      <a:round/>
+                      <a:headEnd type="none" w="med" len="med"/>
+                      <a:tailEnd type="none" w="med" len="med"/>
+                    </a:lnB>
+                    <a:solidFill>
+                      <a:schemeClr val="bg1">
+                        <a:alpha val="20000"/>
+                      </a:schemeClr>
+                    </a:solidFill>
+                  </a:tcPr>
+                </a:tc>
+                <a:tc hMerge="1">
+                  <a:txBody>
+                    <a:bodyPr/>
+                    <a:lstStyle/>
+                    <a:p>
+                      <a:pPr algn="ctr" latinLnBrk="1"/>
+                      <a:endParaRPr lang="en-US" altLang="zh-CN" sz="1600" b="0" dirty="0">
+                        <a:solidFill>
+                          <a:schemeClr val="tx1"/>
+                        </a:solidFill>
+                        <a:effectLst/>
+                        <a:latin typeface="Arial" panose="020B0604020202020204" pitchFamily="34" charset="0"/>
+                        <a:cs typeface="Arial" panose="020B0604020202020204" pitchFamily="34" charset="0"/>
+                      </a:endParaRPr>
+                    </a:p>
+                  </a:txBody>
+                  <a:tcPr marL="63500" marR="63500" marT="63500" marB="63500" anchor="ctr">
+                    <a:lnL w="6350" cap="flat" cmpd="sng" algn="ctr">
+                      <a:solidFill>
+                        <a:srgbClr val="DDDDDD"/>
+                      </a:solidFill>
+                      <a:prstDash val="solid"/>
+                      <a:round/>
+                      <a:headEnd type="none" w="med" len="med"/>
+                      <a:tailEnd type="none" w="med" len="med"/>
+                    </a:lnL>
+                    <a:lnR w="6350" cap="flat" cmpd="sng" algn="ctr">
+                      <a:solidFill>
+                        <a:srgbClr val="DDDDDD"/>
+                      </a:solidFill>
+                      <a:prstDash val="solid"/>
+                      <a:round/>
+                      <a:headEnd type="none" w="med" len="med"/>
+                      <a:tailEnd type="none" w="med" len="med"/>
+                    </a:lnR>
+                    <a:lnT w="6350" cap="flat" cmpd="sng" algn="ctr">
+                      <a:solidFill>
+                        <a:srgbClr val="DDDDDD"/>
+                      </a:solidFill>
+                      <a:prstDash val="solid"/>
+                      <a:round/>
+                      <a:headEnd type="none" w="med" len="med"/>
+                      <a:tailEnd type="none" w="med" len="med"/>
+                    </a:lnT>
+                    <a:lnB w="6350" cap="flat" cmpd="sng" algn="ctr">
+                      <a:solidFill>
+                        <a:srgbClr val="DDDDDD"/>
+                      </a:solidFill>
+                      <a:prstDash val="solid"/>
+                      <a:round/>
+                      <a:headEnd type="none" w="med" len="med"/>
+                      <a:tailEnd type="none" w="med" len="med"/>
+                    </a:lnB>
+                    <a:solidFill>
+                      <a:schemeClr val="bg1">
+                        <a:alpha val="20000"/>
+                      </a:schemeClr>
+                    </a:solidFill>
+                  </a:tcPr>
+                </a:tc>
+                <a:tc>
+                  <a:txBody>
+                    <a:bodyPr/>
+                    <a:lstStyle/>
+                    <a:p>
+                      <a:pPr marL="0" marR="0" lvl="0" indent="0" algn="ctr" defTabSz="914400" rtl="0" eaLnBrk="1" fontAlgn="auto" latinLnBrk="0" hangingPunct="1">
+                        <a:lnSpc>
+                          <a:spcPct val="100000"/>
+                        </a:lnSpc>
+                        <a:spcBef>
+                          <a:spcPts val="0"/>
+                        </a:spcBef>
+                        <a:spcAft>
+                          <a:spcPts val="0"/>
+                        </a:spcAft>
+                        <a:buClrTx/>
+                        <a:buSzTx/>
+                        <a:buFontTx/>
+                        <a:buNone/>
+                        <a:tabLst/>
+                        <a:defRPr/>
+                      </a:pPr>
+                      <a:r>
+                        <a:rPr lang="en-US" altLang="zh-CN" sz="2400" dirty="0">
+                          <a:solidFill>
+                            <a:schemeClr val="tx1"/>
+                          </a:solidFill>
+                          <a:effectLst/>
+                          <a:latin typeface="Arial" panose="020B0604020202020204" pitchFamily="34" charset="0"/>
+                          <a:cs typeface="Arial" panose="020B0604020202020204" pitchFamily="34" charset="0"/>
+                        </a:rPr>
+                        <a:t> 950 USD</a:t>
+                      </a:r>
+                    </a:p>
+                  </a:txBody>
+                  <a:tcPr marL="63500" marR="63500" marT="63500" marB="63500" anchor="ctr">
+                    <a:lnL w="6350" cap="flat" cmpd="sng" algn="ctr">
+                      <a:solidFill>
+                        <a:srgbClr val="DDDDDD"/>
+                      </a:solidFill>
+                      <a:prstDash val="solid"/>
+                      <a:round/>
+                      <a:headEnd type="none" w="med" len="med"/>
+                      <a:tailEnd type="none" w="med" len="med"/>
+                    </a:lnL>
+                    <a:lnR w="6350" cap="flat" cmpd="sng" algn="ctr">
+                      <a:solidFill>
+                        <a:srgbClr val="DDDDDD"/>
+                      </a:solidFill>
+                      <a:prstDash val="solid"/>
+                      <a:round/>
+                      <a:headEnd type="none" w="med" len="med"/>
+                      <a:tailEnd type="none" w="med" len="med"/>
+                    </a:lnR>
+                    <a:lnT w="6350" cap="flat" cmpd="sng" algn="ctr">
+                      <a:solidFill>
+                        <a:srgbClr val="DDDDDD"/>
+                      </a:solidFill>
+                      <a:prstDash val="solid"/>
+                      <a:round/>
+                      <a:headEnd type="none" w="med" len="med"/>
+                      <a:tailEnd type="none" w="med" len="med"/>
+                    </a:lnT>
+                    <a:lnB w="6350" cap="flat" cmpd="sng" algn="ctr">
+                      <a:solidFill>
+                        <a:srgbClr val="DDDDDD"/>
+                      </a:solidFill>
+                      <a:prstDash val="solid"/>
+                      <a:round/>
+                      <a:headEnd type="none" w="med" len="med"/>
+                      <a:tailEnd type="none" w="med" len="med"/>
+                    </a:lnB>
+                    <a:solidFill>
+                      <a:schemeClr val="bg1">
+                        <a:alpha val="20000"/>
+                      </a:schemeClr>
+                    </a:solidFill>
+                  </a:tcPr>
+                </a:tc>
+                <a:extLst>
+                  <a:ext uri="{0D108BD9-81ED-4DB2-BD59-A6C34878D82A}">
                     <a16:rowId xmlns:a16="http://schemas.microsoft.com/office/drawing/2014/main" val="190464406"/>
                   </a:ext>
                 </a:extLst>
               </a:tr>
-              <a:tr h="634331">
-                <a:tc>
+              <a:tr h="677295">
+                <a:tc gridSpan="2">
                   <a:txBody>
                     <a:bodyPr/>
                     <a:lstStyle/>
                     <a:p>
                       <a:pPr algn="ctr"/>
                       <a:r>
-                        <a:rPr lang="en-US" altLang="zh-CN" sz="2800" b="0" i="0" kern="1200" dirty="0">
+                        <a:rPr lang="en-US" altLang="zh-CN" sz="2400" b="0" i="0" kern="1200" dirty="0">
                           <a:solidFill>
                             <a:schemeClr val="tx1"/>
                           </a:solidFill>
@@ -8866,7 +9619,81 @@
                         </a:rPr>
                         <a:t>Additional Banquet Ticket</a:t>
                       </a:r>
-                      <a:endParaRPr lang="en-US" sz="2800" b="0" dirty="0">
+                      <a:endParaRPr lang="en-US" sz="2400" b="0" dirty="0">
+                        <a:solidFill>
+                          <a:schemeClr val="tx1"/>
+                        </a:solidFill>
+                        <a:effectLst/>
+                        <a:latin typeface="Arial" panose="020B0604020202020204" pitchFamily="34" charset="0"/>
+                        <a:cs typeface="Arial" panose="020B0604020202020204" pitchFamily="34" charset="0"/>
+                      </a:endParaRPr>
+                    </a:p>
+                  </a:txBody>
+                  <a:tcPr marL="63500" marR="63500" marT="63500" marB="63500" anchor="ctr">
+                    <a:lnL w="6350" cap="flat" cmpd="sng" algn="ctr">
+                      <a:solidFill>
+                        <a:srgbClr val="DDDDDD"/>
+                      </a:solidFill>
+                      <a:prstDash val="solid"/>
+                      <a:round/>
+                      <a:headEnd type="none" w="med" len="med"/>
+                      <a:tailEnd type="none" w="med" len="med"/>
+                    </a:lnL>
+                    <a:lnR w="6350" cap="flat" cmpd="sng" algn="ctr">
+                      <a:solidFill>
+                        <a:srgbClr val="DDDDDD"/>
+                      </a:solidFill>
+                      <a:prstDash val="solid"/>
+                      <a:round/>
+                      <a:headEnd type="none" w="med" len="med"/>
+                      <a:tailEnd type="none" w="med" len="med"/>
+                    </a:lnR>
+                    <a:lnT w="6350" cap="flat" cmpd="sng" algn="ctr">
+                      <a:solidFill>
+                        <a:srgbClr val="DDDDDD"/>
+                      </a:solidFill>
+                      <a:prstDash val="solid"/>
+                      <a:round/>
+                      <a:headEnd type="none" w="med" len="med"/>
+                      <a:tailEnd type="none" w="med" len="med"/>
+                    </a:lnT>
+                    <a:lnB w="6350" cap="flat" cmpd="sng" algn="ctr">
+                      <a:solidFill>
+                        <a:srgbClr val="DDDDDD"/>
+                      </a:solidFill>
+                      <a:prstDash val="solid"/>
+                      <a:round/>
+                      <a:headEnd type="none" w="med" len="med"/>
+                      <a:tailEnd type="none" w="med" len="med"/>
+                    </a:lnB>
+                    <a:solidFill>
+                      <a:schemeClr val="accent5">
+                        <a:lumMod val="20000"/>
+                        <a:lumOff val="80000"/>
+                        <a:alpha val="20000"/>
+                      </a:schemeClr>
+                    </a:solidFill>
+                  </a:tcPr>
+                </a:tc>
+                <a:tc hMerge="1">
+                  <a:txBody>
+                    <a:bodyPr/>
+                    <a:lstStyle/>
+                    <a:p>
+                      <a:pPr algn="ctr"/>
+                      <a:r>
+                        <a:rPr lang="en-US" altLang="zh-CN" sz="1600" b="0" i="0" kern="1200" dirty="0">
+                          <a:solidFill>
+                            <a:schemeClr val="tx1"/>
+                          </a:solidFill>
+                          <a:effectLst/>
+                          <a:latin typeface="Arial" panose="020B0604020202020204" pitchFamily="34" charset="0"/>
+                          <a:ea typeface="+mn-ea"/>
+                          <a:cs typeface="Arial" panose="020B0604020202020204" pitchFamily="34" charset="0"/>
+                        </a:rPr>
+                        <a:t>Additional Banquet Ticket</a:t>
+                      </a:r>
+                      <a:endParaRPr lang="en-US" sz="1600" b="0" dirty="0">
                         <a:solidFill>
                           <a:schemeClr val="tx1"/>
                         </a:solidFill>
@@ -8927,7 +9754,7 @@
                     <a:p>
                       <a:pPr algn="ctr"/>
                       <a:r>
-                        <a:rPr lang="en-US" altLang="zh-CN" sz="2800" b="0" i="0" kern="1200" dirty="0">
+                        <a:rPr lang="en-US" altLang="zh-CN" sz="2400" b="0" i="0" kern="1200" dirty="0">
                           <a:solidFill>
                             <a:schemeClr val="tx1"/>
                           </a:solidFill>
@@ -8938,7 +9765,7 @@
                         </a:rPr>
                         <a:t>100 USD</a:t>
                       </a:r>
-                      <a:endParaRPr lang="en-US" sz="2800" dirty="0">
+                      <a:endParaRPr lang="en-US" sz="2400" dirty="0">
                         <a:solidFill>
                           <a:schemeClr val="tx1"/>
                         </a:solidFill>
@@ -8986,7 +9813,9 @@
                       <a:tailEnd type="none" w="med" len="med"/>
                     </a:lnB>
                     <a:solidFill>
-                      <a:schemeClr val="bg1">
+                      <a:schemeClr val="accent5">
+                        <a:lumMod val="20000"/>
+                        <a:lumOff val="80000"/>
                         <a:alpha val="20000"/>
                       </a:schemeClr>
                     </a:solidFill>
@@ -8994,7 +9823,7 @@
                 </a:tc>
                 <a:extLst>
                   <a:ext uri="{0D108BD9-81ED-4DB2-BD59-A6C34878D82A}">
-                    <a16:rowId xmlns:a16="http://schemas.microsoft.com/office/drawing/2014/main" val="153859849"/>
+                    <a16:rowId xmlns:a16="http://schemas.microsoft.com/office/drawing/2014/main" val="1014126739"/>
                   </a:ext>
                 </a:extLst>
               </a:tr>

--- a/assets/figures.pptx
+++ b/assets/figures.pptx
@@ -125,7 +125,7 @@
 <file path=ppt/revisionInfo.xml><?xml version="1.0" encoding="utf-8"?>
 <p1510:revInfo xmlns:a="http://schemas.openxmlformats.org/drawingml/2006/main" xmlns:r="http://schemas.openxmlformats.org/officeDocument/2006/relationships" xmlns:p1510="http://schemas.microsoft.com/office/powerpoint/2015/10/main">
   <p1510:revLst>
-    <p1510:client id="{0190945F-89A7-4B46-967C-3ACE53AB7830}" v="231" dt="2024-01-16T08:05:20.024"/>
+    <p1510:client id="{0190945F-89A7-4B46-967C-3ACE53AB7830}" v="233" dt="2024-01-16T08:09:26.470"/>
   </p1510:revLst>
 </p1510:revInfo>
 </file>
@@ -135,7 +135,7 @@
   <pc:docChgLst>
     <pc:chgData name="ZHANG Xiangyu" userId="0af619d5-14b7-43d3-95bc-94ad39c803d6" providerId="ADAL" clId="{0190945F-89A7-4B46-967C-3ACE53AB7830}"/>
     <pc:docChg chg="undo redo custSel addSld modSld">
-      <pc:chgData name="ZHANG Xiangyu" userId="0af619d5-14b7-43d3-95bc-94ad39c803d6" providerId="ADAL" clId="{0190945F-89A7-4B46-967C-3ACE53AB7830}" dt="2024-01-16T08:05:20.024" v="1034" actId="5736"/>
+      <pc:chgData name="ZHANG Xiangyu" userId="0af619d5-14b7-43d3-95bc-94ad39c803d6" providerId="ADAL" clId="{0190945F-89A7-4B46-967C-3ACE53AB7830}" dt="2024-01-16T08:09:26.470" v="1040" actId="5736"/>
       <pc:docMkLst>
         <pc:docMk/>
       </pc:docMkLst>
@@ -893,7 +893,7 @@
         </pc:picChg>
       </pc:sldChg>
       <pc:sldChg chg="addSp delSp modSp add mod">
-        <pc:chgData name="ZHANG Xiangyu" userId="0af619d5-14b7-43d3-95bc-94ad39c803d6" providerId="ADAL" clId="{0190945F-89A7-4B46-967C-3ACE53AB7830}" dt="2024-01-16T08:05:20.024" v="1034" actId="5736"/>
+        <pc:chgData name="ZHANG Xiangyu" userId="0af619d5-14b7-43d3-95bc-94ad39c803d6" providerId="ADAL" clId="{0190945F-89A7-4B46-967C-3ACE53AB7830}" dt="2024-01-16T08:09:26.470" v="1040" actId="5736"/>
         <pc:sldMkLst>
           <pc:docMk/>
           <pc:sldMk cId="1994468853" sldId="263"/>
@@ -939,7 +939,7 @@
           </ac:spMkLst>
         </pc:spChg>
         <pc:graphicFrameChg chg="add mod modGraphic">
-          <ac:chgData name="ZHANG Xiangyu" userId="0af619d5-14b7-43d3-95bc-94ad39c803d6" providerId="ADAL" clId="{0190945F-89A7-4B46-967C-3ACE53AB7830}" dt="2024-01-16T08:05:20.024" v="1034" actId="5736"/>
+          <ac:chgData name="ZHANG Xiangyu" userId="0af619d5-14b7-43d3-95bc-94ad39c803d6" providerId="ADAL" clId="{0190945F-89A7-4B46-967C-3ACE53AB7830}" dt="2024-01-16T08:09:26.470" v="1040" actId="5736"/>
           <ac:graphicFrameMkLst>
             <pc:docMk/>
             <pc:sldMk cId="1994468853" sldId="263"/>
@@ -947,7 +947,7 @@
           </ac:graphicFrameMkLst>
         </pc:graphicFrameChg>
         <pc:graphicFrameChg chg="mod modGraphic">
-          <ac:chgData name="ZHANG Xiangyu" userId="0af619d5-14b7-43d3-95bc-94ad39c803d6" providerId="ADAL" clId="{0190945F-89A7-4B46-967C-3ACE53AB7830}" dt="2024-01-16T08:05:14.240" v="1033" actId="5736"/>
+          <ac:chgData name="ZHANG Xiangyu" userId="0af619d5-14b7-43d3-95bc-94ad39c803d6" providerId="ADAL" clId="{0190945F-89A7-4B46-967C-3ACE53AB7830}" dt="2024-01-16T08:09:19.897" v="1039" actId="5736"/>
           <ac:graphicFrameMkLst>
             <pc:docMk/>
             <pc:sldMk cId="1994468853" sldId="263"/>
@@ -7216,7 +7216,7 @@
           <p:nvPr>
             <p:extLst>
               <p:ext uri="{D42A27DB-BD31-4B8C-83A1-F6EECF244321}">
-                <p14:modId xmlns:p14="http://schemas.microsoft.com/office/powerpoint/2010/main" val="887970674"/>
+                <p14:modId xmlns:p14="http://schemas.microsoft.com/office/powerpoint/2010/main" val="3268801593"/>
               </p:ext>
             </p:extLst>
           </p:nvPr>
@@ -8084,7 +8084,7 @@
                           <a:ea typeface="+mn-ea"/>
                           <a:cs typeface="Arial" panose="020B0604020202020204" pitchFamily="34" charset="0"/>
                         </a:rPr>
-                        <a:t>(From 15 April 2024 to 15 May 2024)</a:t>
+                        <a:t>(From 16 April 2024 to 15 May 2024)</a:t>
                       </a:r>
                       <a:endParaRPr lang="en-US" altLang="zh-CN" sz="1600" b="0" dirty="0">
                         <a:solidFill>
@@ -8531,7 +8531,7 @@
           <p:nvPr>
             <p:extLst>
               <p:ext uri="{D42A27DB-BD31-4B8C-83A1-F6EECF244321}">
-                <p14:modId xmlns:p14="http://schemas.microsoft.com/office/powerpoint/2010/main" val="832395143"/>
+                <p14:modId xmlns:p14="http://schemas.microsoft.com/office/powerpoint/2010/main" val="3929191826"/>
               </p:ext>
             </p:extLst>
           </p:nvPr>
@@ -8836,7 +8836,7 @@
                           <a:ea typeface="+mn-ea"/>
                           <a:cs typeface="Arial" panose="020B0604020202020204" pitchFamily="34" charset="0"/>
                         </a:rPr>
-                        <a:t>(Due on 15 April 2024)</a:t>
+                        <a:t>(Due on 16 April 2024)</a:t>
                       </a:r>
                       <a:endParaRPr lang="en-US" sz="2400" b="0" dirty="0">
                         <a:solidFill>

--- a/assets/figures.pptx
+++ b/assets/figures.pptx
@@ -125,7 +125,7 @@
 <file path=ppt/revisionInfo.xml><?xml version="1.0" encoding="utf-8"?>
 <p1510:revInfo xmlns:a="http://schemas.openxmlformats.org/drawingml/2006/main" xmlns:r="http://schemas.openxmlformats.org/officeDocument/2006/relationships" xmlns:p1510="http://schemas.microsoft.com/office/powerpoint/2015/10/main">
   <p1510:revLst>
-    <p1510:client id="{0190945F-89A7-4B46-967C-3ACE53AB7830}" v="233" dt="2024-01-16T08:09:26.470"/>
+    <p1510:client id="{0190945F-89A7-4B46-967C-3ACE53AB7830}" v="258" dt="2024-01-16T08:43:15.436"/>
   </p1510:revLst>
 </p1510:revInfo>
 </file>
@@ -135,7 +135,7 @@
   <pc:docChgLst>
     <pc:chgData name="ZHANG Xiangyu" userId="0af619d5-14b7-43d3-95bc-94ad39c803d6" providerId="ADAL" clId="{0190945F-89A7-4B46-967C-3ACE53AB7830}"/>
     <pc:docChg chg="undo redo custSel addSld modSld">
-      <pc:chgData name="ZHANG Xiangyu" userId="0af619d5-14b7-43d3-95bc-94ad39c803d6" providerId="ADAL" clId="{0190945F-89A7-4B46-967C-3ACE53AB7830}" dt="2024-01-16T08:09:26.470" v="1040" actId="5736"/>
+      <pc:chgData name="ZHANG Xiangyu" userId="0af619d5-14b7-43d3-95bc-94ad39c803d6" providerId="ADAL" clId="{0190945F-89A7-4B46-967C-3ACE53AB7830}" dt="2024-01-16T08:43:15.436" v="1204" actId="5736"/>
       <pc:docMkLst>
         <pc:docMk/>
       </pc:docMkLst>
@@ -893,7 +893,7 @@
         </pc:picChg>
       </pc:sldChg>
       <pc:sldChg chg="addSp delSp modSp add mod">
-        <pc:chgData name="ZHANG Xiangyu" userId="0af619d5-14b7-43d3-95bc-94ad39c803d6" providerId="ADAL" clId="{0190945F-89A7-4B46-967C-3ACE53AB7830}" dt="2024-01-16T08:09:26.470" v="1040" actId="5736"/>
+        <pc:chgData name="ZHANG Xiangyu" userId="0af619d5-14b7-43d3-95bc-94ad39c803d6" providerId="ADAL" clId="{0190945F-89A7-4B46-967C-3ACE53AB7830}" dt="2024-01-16T08:43:15.436" v="1204" actId="5736"/>
         <pc:sldMkLst>
           <pc:docMk/>
           <pc:sldMk cId="1994468853" sldId="263"/>
@@ -922,6 +922,14 @@
             <ac:spMk id="6" creationId="{8218391C-31EC-DA92-D9F1-A0623DD25C8D}"/>
           </ac:spMkLst>
         </pc:spChg>
+        <pc:spChg chg="add del mod">
+          <ac:chgData name="ZHANG Xiangyu" userId="0af619d5-14b7-43d3-95bc-94ad39c803d6" providerId="ADAL" clId="{0190945F-89A7-4B46-967C-3ACE53AB7830}" dt="2024-01-16T08:33:37.324" v="1172"/>
+          <ac:spMkLst>
+            <pc:docMk/>
+            <pc:sldMk cId="1994468853" sldId="263"/>
+            <ac:spMk id="6" creationId="{8C996873-E99E-67F7-F57F-3B9FD735E48B}"/>
+          </ac:spMkLst>
+        </pc:spChg>
         <pc:spChg chg="del mod">
           <ac:chgData name="ZHANG Xiangyu" userId="0af619d5-14b7-43d3-95bc-94ad39c803d6" providerId="ADAL" clId="{0190945F-89A7-4B46-967C-3ACE53AB7830}" dt="2024-01-16T07:16:54.733" v="876" actId="478"/>
           <ac:spMkLst>
@@ -938,8 +946,16 @@
             <ac:spMk id="12" creationId="{B71B1E0A-F915-F79A-7636-3AAD7E8EA84A}"/>
           </ac:spMkLst>
         </pc:spChg>
-        <pc:graphicFrameChg chg="add mod modGraphic">
-          <ac:chgData name="ZHANG Xiangyu" userId="0af619d5-14b7-43d3-95bc-94ad39c803d6" providerId="ADAL" clId="{0190945F-89A7-4B46-967C-3ACE53AB7830}" dt="2024-01-16T08:09:26.470" v="1040" actId="5736"/>
+        <pc:graphicFrameChg chg="add del mod modGraphic">
+          <ac:chgData name="ZHANG Xiangyu" userId="0af619d5-14b7-43d3-95bc-94ad39c803d6" providerId="ADAL" clId="{0190945F-89A7-4B46-967C-3ACE53AB7830}" dt="2024-01-16T08:25:05.780" v="1082" actId="478"/>
+          <ac:graphicFrameMkLst>
+            <pc:docMk/>
+            <pc:sldMk cId="1994468853" sldId="263"/>
+            <ac:graphicFrameMk id="2" creationId="{E43DDE18-A5BD-7DAB-DCF9-6704EBCF8C25}"/>
+          </ac:graphicFrameMkLst>
+        </pc:graphicFrameChg>
+        <pc:graphicFrameChg chg="add del mod modGraphic">
+          <ac:chgData name="ZHANG Xiangyu" userId="0af619d5-14b7-43d3-95bc-94ad39c803d6" providerId="ADAL" clId="{0190945F-89A7-4B46-967C-3ACE53AB7830}" dt="2024-01-16T08:22:05.300" v="1064" actId="478"/>
           <ac:graphicFrameMkLst>
             <pc:docMk/>
             <pc:sldMk cId="1994468853" sldId="263"/>
@@ -947,11 +963,27 @@
           </ac:graphicFrameMkLst>
         </pc:graphicFrameChg>
         <pc:graphicFrameChg chg="mod modGraphic">
-          <ac:chgData name="ZHANG Xiangyu" userId="0af619d5-14b7-43d3-95bc-94ad39c803d6" providerId="ADAL" clId="{0190945F-89A7-4B46-967C-3ACE53AB7830}" dt="2024-01-16T08:09:19.897" v="1039" actId="5736"/>
+          <ac:chgData name="ZHANG Xiangyu" userId="0af619d5-14b7-43d3-95bc-94ad39c803d6" providerId="ADAL" clId="{0190945F-89A7-4B46-967C-3ACE53AB7830}" dt="2024-01-16T08:43:15.436" v="1204" actId="5736"/>
           <ac:graphicFrameMkLst>
             <pc:docMk/>
             <pc:sldMk cId="1994468853" sldId="263"/>
             <ac:graphicFrameMk id="4" creationId="{16594B61-899E-8A5D-3F30-E5ECAA00AC8D}"/>
+          </ac:graphicFrameMkLst>
+        </pc:graphicFrameChg>
+        <pc:graphicFrameChg chg="add del mod modGraphic">
+          <ac:chgData name="ZHANG Xiangyu" userId="0af619d5-14b7-43d3-95bc-94ad39c803d6" providerId="ADAL" clId="{0190945F-89A7-4B46-967C-3ACE53AB7830}" dt="2024-01-16T08:42:20.765" v="1195" actId="478"/>
+          <ac:graphicFrameMkLst>
+            <pc:docMk/>
+            <pc:sldMk cId="1994468853" sldId="263"/>
+            <ac:graphicFrameMk id="7" creationId="{10544380-9117-43A0-3173-B0D5551570B8}"/>
+          </ac:graphicFrameMkLst>
+        </pc:graphicFrameChg>
+        <pc:graphicFrameChg chg="add mod modGraphic">
+          <ac:chgData name="ZHANG Xiangyu" userId="0af619d5-14b7-43d3-95bc-94ad39c803d6" providerId="ADAL" clId="{0190945F-89A7-4B46-967C-3ACE53AB7830}" dt="2024-01-16T08:42:51.837" v="1203" actId="5736"/>
+          <ac:graphicFrameMkLst>
+            <pc:docMk/>
+            <pc:sldMk cId="1994468853" sldId="263"/>
+            <ac:graphicFrameMk id="8" creationId="{40DCA412-8710-4D65-187C-6EDD2D0BC6C7}"/>
           </ac:graphicFrameMkLst>
         </pc:graphicFrameChg>
         <pc:graphicFrameChg chg="del mod modGraphic">
@@ -7216,13 +7248,13 @@
           <p:nvPr>
             <p:extLst>
               <p:ext uri="{D42A27DB-BD31-4B8C-83A1-F6EECF244321}">
-                <p14:modId xmlns:p14="http://schemas.microsoft.com/office/powerpoint/2010/main" val="3268801593"/>
+                <p14:modId xmlns:p14="http://schemas.microsoft.com/office/powerpoint/2010/main" val="3413883646"/>
               </p:ext>
             </p:extLst>
           </p:nvPr>
         </p:nvGraphicFramePr>
         <p:xfrm>
-          <a:off x="695739" y="742435"/>
+          <a:off x="553968" y="334971"/>
           <a:ext cx="11084063" cy="3522488"/>
         </p:xfrm>
         <a:graphic>
@@ -7230,14 +7262,14 @@
             <a:tbl>
               <a:tblPr/>
               <a:tblGrid>
-                <a:gridCol w="3693522">
+                <a:gridCol w="3920649">
                   <a:extLst>
                     <a:ext uri="{9D8B030D-6E8A-4147-A177-3AD203B41FA5}">
                       <a16:colId xmlns:a16="http://schemas.microsoft.com/office/drawing/2014/main" val="2749278103"/>
                     </a:ext>
                   </a:extLst>
                 </a:gridCol>
-                <a:gridCol w="3693522">
+                <a:gridCol w="3466395">
                   <a:extLst>
                     <a:ext uri="{9D8B030D-6E8A-4147-A177-3AD203B41FA5}">
                       <a16:colId xmlns:a16="http://schemas.microsoft.com/office/drawing/2014/main" val="3078818713"/>
@@ -7521,7 +7553,31 @@
                           <a:ea typeface="+mn-ea"/>
                           <a:cs typeface="Arial" panose="020B0604020202020204" pitchFamily="34" charset="0"/>
                         </a:rPr>
-                        <a:t>(Due on 15 April 2024)</a:t>
+                        <a:t>(Due on 15</a:t>
+                      </a:r>
+                      <a:r>
+                        <a:rPr lang="zh-CN" altLang="en-US" sz="1600" b="0" i="0" kern="1200" cap="all" spc="180" baseline="0" dirty="0">
+                          <a:solidFill>
+                            <a:schemeClr val="tx1"/>
+                          </a:solidFill>
+                          <a:effectLst/>
+                          <a:latin typeface="Arial" panose="020B0604020202020204" pitchFamily="34" charset="0"/>
+                          <a:ea typeface="+mn-ea"/>
+                          <a:cs typeface="Arial" panose="020B0604020202020204" pitchFamily="34" charset="0"/>
+                        </a:rPr>
+                        <a:t> </a:t>
+                      </a:r>
+                      <a:r>
+                        <a:rPr lang="en-US" altLang="zh-CN" sz="1600" b="0" i="0" kern="1200" dirty="0">
+                          <a:solidFill>
+                            <a:schemeClr val="tx1"/>
+                          </a:solidFill>
+                          <a:effectLst/>
+                          <a:latin typeface="Arial" panose="020B0604020202020204" pitchFamily="34" charset="0"/>
+                          <a:ea typeface="+mn-ea"/>
+                          <a:cs typeface="Arial" panose="020B0604020202020204" pitchFamily="34" charset="0"/>
+                        </a:rPr>
+                        <a:t>April 2024)</a:t>
                       </a:r>
                       <a:endParaRPr lang="en-US" sz="1600" b="0" dirty="0">
                         <a:solidFill>
@@ -8045,7 +8101,7 @@
                 </a:extLst>
               </a:tr>
               <a:tr h="677295">
-                <a:tc gridSpan="2">
+                <a:tc>
                   <a:txBody>
                     <a:bodyPr/>
                     <a:lstStyle/>
@@ -8084,7 +8140,55 @@
                           <a:ea typeface="+mn-ea"/>
                           <a:cs typeface="Arial" panose="020B0604020202020204" pitchFamily="34" charset="0"/>
                         </a:rPr>
-                        <a:t>(From 16 April 2024 to 15 May 2024)</a:t>
+                        <a:t>(From 16</a:t>
+                      </a:r>
+                      <a:r>
+                        <a:rPr lang="zh-CN" altLang="en-US" sz="1600" b="0" i="0" kern="1200" cap="all" spc="180" baseline="0" dirty="0">
+                          <a:solidFill>
+                            <a:schemeClr val="tx1"/>
+                          </a:solidFill>
+                          <a:effectLst/>
+                          <a:latin typeface="Arial" panose="020B0604020202020204" pitchFamily="34" charset="0"/>
+                          <a:ea typeface="+mn-ea"/>
+                          <a:cs typeface="Arial" panose="020B0604020202020204" pitchFamily="34" charset="0"/>
+                        </a:rPr>
+                        <a:t> </a:t>
+                      </a:r>
+                      <a:r>
+                        <a:rPr lang="en-US" altLang="zh-CN" sz="1600" b="0" i="0" kern="1200" dirty="0">
+                          <a:solidFill>
+                            <a:schemeClr val="tx1"/>
+                          </a:solidFill>
+                          <a:effectLst/>
+                          <a:latin typeface="Arial" panose="020B0604020202020204" pitchFamily="34" charset="0"/>
+                          <a:ea typeface="+mn-ea"/>
+                          <a:cs typeface="Arial" panose="020B0604020202020204" pitchFamily="34" charset="0"/>
+                        </a:rPr>
+                        <a:t>April 2024</a:t>
+                      </a:r>
+                      <a:r>
+                        <a:rPr lang="zh-CN" altLang="en-US" sz="1600" b="0" i="0" kern="1200" cap="all" spc="180" baseline="0" dirty="0">
+                          <a:solidFill>
+                            <a:schemeClr val="tx1"/>
+                          </a:solidFill>
+                          <a:effectLst/>
+                          <a:latin typeface="Arial" panose="020B0604020202020204" pitchFamily="34" charset="0"/>
+                          <a:ea typeface="+mn-ea"/>
+                          <a:cs typeface="Arial" panose="020B0604020202020204" pitchFamily="34" charset="0"/>
+                        </a:rPr>
+                        <a:t> </a:t>
+                      </a:r>
+                      <a:r>
+                        <a:rPr lang="en-US" altLang="zh-CN" sz="1600" b="0" i="0" kern="1200" dirty="0">
+                          <a:solidFill>
+                            <a:schemeClr val="tx1"/>
+                          </a:solidFill>
+                          <a:effectLst/>
+                          <a:latin typeface="Arial" panose="020B0604020202020204" pitchFamily="34" charset="0"/>
+                          <a:ea typeface="+mn-ea"/>
+                          <a:cs typeface="Arial" panose="020B0604020202020204" pitchFamily="34" charset="0"/>
+                        </a:rPr>
+                        <a:t>to 15 May 2024)</a:t>
                       </a:r>
                       <a:endParaRPr lang="en-US" altLang="zh-CN" sz="1600" b="0" dirty="0">
                         <a:solidFill>
@@ -8140,12 +8244,40 @@
                     </a:solidFill>
                   </a:tcPr>
                 </a:tc>
-                <a:tc hMerge="1">
+                <a:tc>
                   <a:txBody>
                     <a:bodyPr/>
                     <a:lstStyle/>
                     <a:p>
-                      <a:pPr algn="ctr" latinLnBrk="1"/>
+                      <a:pPr marL="0" marR="0" lvl="0" indent="0" algn="ctr" defTabSz="914400" rtl="0" eaLnBrk="1" fontAlgn="auto" latinLnBrk="1" hangingPunct="1">
+                        <a:lnSpc>
+                          <a:spcPct val="150000"/>
+                        </a:lnSpc>
+                        <a:spcBef>
+                          <a:spcPts val="0"/>
+                        </a:spcBef>
+                        <a:spcAft>
+                          <a:spcPts val="0"/>
+                        </a:spcAft>
+                        <a:buClrTx/>
+                        <a:buSzTx/>
+                        <a:buFontTx/>
+                        <a:buNone/>
+                        <a:tabLst/>
+                        <a:defRPr/>
+                      </a:pPr>
+                      <a:r>
+                        <a:rPr lang="en-US" altLang="zh-CN" sz="1600" b="0" i="0" kern="1200" dirty="0">
+                          <a:solidFill>
+                            <a:schemeClr val="tx1"/>
+                          </a:solidFill>
+                          <a:effectLst/>
+                          <a:latin typeface="Arial" panose="020B0604020202020204" pitchFamily="34" charset="0"/>
+                          <a:ea typeface="+mn-ea"/>
+                          <a:cs typeface="Arial" panose="020B0604020202020204" pitchFamily="34" charset="0"/>
+                        </a:rPr>
+                        <a:t>Full and Student Delegate</a:t>
+                      </a:r>
                       <a:endParaRPr lang="en-US" altLang="zh-CN" sz="1600" b="0" dirty="0">
                         <a:solidFill>
                           <a:schemeClr val="tx1"/>
@@ -8518,10 +8650,10 @@
       </p:graphicFrame>
       <p:graphicFrame>
         <p:nvGraphicFramePr>
-          <p:cNvPr id="3" name="表格 2">
+          <p:cNvPr id="8" name="表格 7">
             <a:extLst>
               <a:ext uri="{FF2B5EF4-FFF2-40B4-BE49-F238E27FC236}">
-                <a16:creationId xmlns:a16="http://schemas.microsoft.com/office/drawing/2014/main" id="{F62F55DD-A513-8385-3514-D87BEDD21619}"/>
+                <a16:creationId xmlns:a16="http://schemas.microsoft.com/office/drawing/2014/main" id="{40DCA412-8710-4D65-187C-6EDD2D0BC6C7}"/>
               </a:ext>
             </a:extLst>
           </p:cNvPr>
@@ -8531,35 +8663,35 @@
           <p:nvPr>
             <p:extLst>
               <p:ext uri="{D42A27DB-BD31-4B8C-83A1-F6EECF244321}">
-                <p14:modId xmlns:p14="http://schemas.microsoft.com/office/powerpoint/2010/main" val="3929191826"/>
+                <p14:modId xmlns:p14="http://schemas.microsoft.com/office/powerpoint/2010/main" val="2626858855"/>
               </p:ext>
             </p:extLst>
           </p:nvPr>
         </p:nvGraphicFramePr>
         <p:xfrm>
-          <a:off x="810039" y="4520313"/>
-          <a:ext cx="11084063" cy="4046867"/>
+          <a:off x="553967" y="4229974"/>
+          <a:ext cx="11084063" cy="4595507"/>
         </p:xfrm>
         <a:graphic>
           <a:graphicData uri="http://schemas.openxmlformats.org/drawingml/2006/table">
             <a:tbl>
               <a:tblPr/>
               <a:tblGrid>
-                <a:gridCol w="3693522">
+                <a:gridCol w="3920649">
                   <a:extLst>
                     <a:ext uri="{9D8B030D-6E8A-4147-A177-3AD203B41FA5}">
                       <a16:colId xmlns:a16="http://schemas.microsoft.com/office/drawing/2014/main" val="2749278103"/>
                     </a:ext>
                   </a:extLst>
                 </a:gridCol>
-                <a:gridCol w="3693522">
+                <a:gridCol w="3666084">
                   <a:extLst>
                     <a:ext uri="{9D8B030D-6E8A-4147-A177-3AD203B41FA5}">
                       <a16:colId xmlns:a16="http://schemas.microsoft.com/office/drawing/2014/main" val="3078818713"/>
                     </a:ext>
                   </a:extLst>
                 </a:gridCol>
-                <a:gridCol w="3697019">
+                <a:gridCol w="3497330">
                   <a:extLst>
                     <a:ext uri="{9D8B030D-6E8A-4147-A177-3AD203B41FA5}">
                       <a16:colId xmlns:a16="http://schemas.microsoft.com/office/drawing/2014/main" val="3809513742"/>
@@ -8836,7 +8968,31 @@
                           <a:ea typeface="+mn-ea"/>
                           <a:cs typeface="Arial" panose="020B0604020202020204" pitchFamily="34" charset="0"/>
                         </a:rPr>
-                        <a:t>(Due on 16 April 2024)</a:t>
+                        <a:t>(Due on 15</a:t>
+                      </a:r>
+                      <a:r>
+                        <a:rPr lang="zh-CN" altLang="en-US" sz="2400" b="0" i="0" kern="1200" cap="all" spc="180" baseline="0" dirty="0">
+                          <a:solidFill>
+                            <a:schemeClr val="tx1"/>
+                          </a:solidFill>
+                          <a:effectLst/>
+                          <a:latin typeface="Arial" panose="020B0604020202020204" pitchFamily="34" charset="0"/>
+                          <a:ea typeface="+mn-ea"/>
+                          <a:cs typeface="Arial" panose="020B0604020202020204" pitchFamily="34" charset="0"/>
+                        </a:rPr>
+                        <a:t> </a:t>
+                      </a:r>
+                      <a:r>
+                        <a:rPr lang="en-US" altLang="zh-CN" sz="2400" b="0" i="0" kern="1200" dirty="0">
+                          <a:solidFill>
+                            <a:schemeClr val="tx1"/>
+                          </a:solidFill>
+                          <a:effectLst/>
+                          <a:latin typeface="Arial" panose="020B0604020202020204" pitchFamily="34" charset="0"/>
+                          <a:ea typeface="+mn-ea"/>
+                          <a:cs typeface="Arial" panose="020B0604020202020204" pitchFamily="34" charset="0"/>
+                        </a:rPr>
+                        <a:t>April 2024)</a:t>
                       </a:r>
                       <a:endParaRPr lang="en-US" sz="2400" b="0" dirty="0">
                         <a:solidFill>
@@ -9360,7 +9516,7 @@
                 </a:extLst>
               </a:tr>
               <a:tr h="677295">
-                <a:tc gridSpan="2">
+                <a:tc>
                   <a:txBody>
                     <a:bodyPr/>
                     <a:lstStyle/>
@@ -9399,7 +9555,71 @@
                           <a:ea typeface="+mn-ea"/>
                           <a:cs typeface="Arial" panose="020B0604020202020204" pitchFamily="34" charset="0"/>
                         </a:rPr>
-                        <a:t>(From 15 April 2024 to 15 May 2024)</a:t>
+                        <a:t>(From 16</a:t>
+                      </a:r>
+                      <a:r>
+                        <a:rPr lang="zh-CN" altLang="en-US" sz="2400" b="0" i="0" kern="1200" cap="all" spc="180" baseline="0" dirty="0">
+                          <a:solidFill>
+                            <a:schemeClr val="tx1"/>
+                          </a:solidFill>
+                          <a:effectLst/>
+                          <a:latin typeface="Arial" panose="020B0604020202020204" pitchFamily="34" charset="0"/>
+                          <a:ea typeface="+mn-ea"/>
+                          <a:cs typeface="Arial" panose="020B0604020202020204" pitchFamily="34" charset="0"/>
+                        </a:rPr>
+                        <a:t> </a:t>
+                      </a:r>
+                      <a:r>
+                        <a:rPr lang="en-US" altLang="zh-CN" sz="2400" b="0" i="0" kern="1200" dirty="0">
+                          <a:solidFill>
+                            <a:schemeClr val="tx1"/>
+                          </a:solidFill>
+                          <a:effectLst/>
+                          <a:latin typeface="Arial" panose="020B0604020202020204" pitchFamily="34" charset="0"/>
+                          <a:ea typeface="+mn-ea"/>
+                          <a:cs typeface="Arial" panose="020B0604020202020204" pitchFamily="34" charset="0"/>
+                        </a:rPr>
+                        <a:t>April 2024</a:t>
+                      </a:r>
+                      <a:r>
+                        <a:rPr lang="zh-CN" altLang="en-US" sz="2400" b="0" i="0" kern="1200" cap="all" spc="180" baseline="0" dirty="0">
+                          <a:solidFill>
+                            <a:schemeClr val="tx1"/>
+                          </a:solidFill>
+                          <a:effectLst/>
+                          <a:latin typeface="Arial" panose="020B0604020202020204" pitchFamily="34" charset="0"/>
+                          <a:ea typeface="+mn-ea"/>
+                          <a:cs typeface="Arial" panose="020B0604020202020204" pitchFamily="34" charset="0"/>
+                        </a:rPr>
+                        <a:t> </a:t>
+                      </a:r>
+                      <a:endParaRPr lang="en-US" altLang="zh-CN" sz="2400" b="0" i="0" kern="1200" cap="all" spc="180" baseline="0" dirty="0">
+                        <a:solidFill>
+                          <a:schemeClr val="tx1"/>
+                        </a:solidFill>
+                        <a:effectLst/>
+                        <a:latin typeface="Arial" panose="020B0604020202020204" pitchFamily="34" charset="0"/>
+                        <a:ea typeface="+mn-ea"/>
+                        <a:cs typeface="Arial" panose="020B0604020202020204" pitchFamily="34" charset="0"/>
+                      </a:endParaRPr>
+                    </a:p>
+                    <a:p>
+                      <a:pPr algn="ctr" latinLnBrk="1">
+                        <a:lnSpc>
+                          <a:spcPct val="150000"/>
+                        </a:lnSpc>
+                      </a:pPr>
+                      <a:r>
+                        <a:rPr lang="en-US" altLang="zh-CN" sz="2400" b="0" i="0" kern="1200" dirty="0">
+                          <a:solidFill>
+                            <a:schemeClr val="tx1"/>
+                          </a:solidFill>
+                          <a:effectLst/>
+                          <a:latin typeface="Arial" panose="020B0604020202020204" pitchFamily="34" charset="0"/>
+                          <a:ea typeface="+mn-ea"/>
+                          <a:cs typeface="Arial" panose="020B0604020202020204" pitchFamily="34" charset="0"/>
+                        </a:rPr>
+                        <a:t>to 15 May 2024)</a:t>
                       </a:r>
                       <a:endParaRPr lang="en-US" altLang="zh-CN" sz="2400" b="0" dirty="0">
                         <a:solidFill>
@@ -9455,13 +9675,41 @@
                     </a:solidFill>
                   </a:tcPr>
                 </a:tc>
-                <a:tc hMerge="1">
+                <a:tc>
                   <a:txBody>
                     <a:bodyPr/>
                     <a:lstStyle/>
                     <a:p>
-                      <a:pPr algn="ctr" latinLnBrk="1"/>
-                      <a:endParaRPr lang="en-US" altLang="zh-CN" sz="1600" b="0" dirty="0">
+                      <a:pPr marL="0" marR="0" lvl="0" indent="0" algn="ctr" defTabSz="914400" rtl="0" eaLnBrk="1" fontAlgn="auto" latinLnBrk="1" hangingPunct="1">
+                        <a:lnSpc>
+                          <a:spcPct val="150000"/>
+                        </a:lnSpc>
+                        <a:spcBef>
+                          <a:spcPts val="0"/>
+                        </a:spcBef>
+                        <a:spcAft>
+                          <a:spcPts val="0"/>
+                        </a:spcAft>
+                        <a:buClrTx/>
+                        <a:buSzTx/>
+                        <a:buFontTx/>
+                        <a:buNone/>
+                        <a:tabLst/>
+                        <a:defRPr/>
+                      </a:pPr>
+                      <a:r>
+                        <a:rPr lang="en-US" altLang="zh-CN" sz="2400" b="0" i="0" kern="1200" dirty="0">
+                          <a:solidFill>
+                            <a:schemeClr val="tx1"/>
+                          </a:solidFill>
+                          <a:effectLst/>
+                          <a:latin typeface="Arial" panose="020B0604020202020204" pitchFamily="34" charset="0"/>
+                          <a:ea typeface="+mn-ea"/>
+                          <a:cs typeface="Arial" panose="020B0604020202020204" pitchFamily="34" charset="0"/>
+                        </a:rPr>
+                        <a:t>Full and Student Delegate</a:t>
+                      </a:r>
+                      <a:endParaRPr lang="en-US" altLang="zh-CN" sz="2400" b="0" dirty="0">
                         <a:solidFill>
                           <a:schemeClr val="tx1"/>
                         </a:solidFill>

--- a/assets/figures.pptx
+++ b/assets/figures.pptx
@@ -125,7 +125,7 @@
 <file path=ppt/revisionInfo.xml><?xml version="1.0" encoding="utf-8"?>
 <p1510:revInfo xmlns:a="http://schemas.openxmlformats.org/drawingml/2006/main" xmlns:r="http://schemas.openxmlformats.org/officeDocument/2006/relationships" xmlns:p1510="http://schemas.microsoft.com/office/powerpoint/2015/10/main">
   <p1510:revLst>
-    <p1510:client id="{0190945F-89A7-4B46-967C-3ACE53AB7830}" v="258" dt="2024-01-16T08:43:15.436"/>
+    <p1510:client id="{0190945F-89A7-4B46-967C-3ACE53AB7830}" v="260" dt="2024-01-16T08:49:28.702"/>
   </p1510:revLst>
 </p1510:revInfo>
 </file>
@@ -135,7 +135,7 @@
   <pc:docChgLst>
     <pc:chgData name="ZHANG Xiangyu" userId="0af619d5-14b7-43d3-95bc-94ad39c803d6" providerId="ADAL" clId="{0190945F-89A7-4B46-967C-3ACE53AB7830}"/>
     <pc:docChg chg="undo redo custSel addSld modSld">
-      <pc:chgData name="ZHANG Xiangyu" userId="0af619d5-14b7-43d3-95bc-94ad39c803d6" providerId="ADAL" clId="{0190945F-89A7-4B46-967C-3ACE53AB7830}" dt="2024-01-16T08:43:15.436" v="1204" actId="5736"/>
+      <pc:chgData name="ZHANG Xiangyu" userId="0af619d5-14b7-43d3-95bc-94ad39c803d6" providerId="ADAL" clId="{0190945F-89A7-4B46-967C-3ACE53AB7830}" dt="2024-01-16T08:49:28.702" v="1210" actId="5736"/>
       <pc:docMkLst>
         <pc:docMk/>
       </pc:docMkLst>
@@ -893,7 +893,7 @@
         </pc:picChg>
       </pc:sldChg>
       <pc:sldChg chg="addSp delSp modSp add mod">
-        <pc:chgData name="ZHANG Xiangyu" userId="0af619d5-14b7-43d3-95bc-94ad39c803d6" providerId="ADAL" clId="{0190945F-89A7-4B46-967C-3ACE53AB7830}" dt="2024-01-16T08:43:15.436" v="1204" actId="5736"/>
+        <pc:chgData name="ZHANG Xiangyu" userId="0af619d5-14b7-43d3-95bc-94ad39c803d6" providerId="ADAL" clId="{0190945F-89A7-4B46-967C-3ACE53AB7830}" dt="2024-01-16T08:49:28.702" v="1210" actId="5736"/>
         <pc:sldMkLst>
           <pc:docMk/>
           <pc:sldMk cId="1994468853" sldId="263"/>
@@ -963,7 +963,7 @@
           </ac:graphicFrameMkLst>
         </pc:graphicFrameChg>
         <pc:graphicFrameChg chg="mod modGraphic">
-          <ac:chgData name="ZHANG Xiangyu" userId="0af619d5-14b7-43d3-95bc-94ad39c803d6" providerId="ADAL" clId="{0190945F-89A7-4B46-967C-3ACE53AB7830}" dt="2024-01-16T08:43:15.436" v="1204" actId="5736"/>
+          <ac:chgData name="ZHANG Xiangyu" userId="0af619d5-14b7-43d3-95bc-94ad39c803d6" providerId="ADAL" clId="{0190945F-89A7-4B46-967C-3ACE53AB7830}" dt="2024-01-16T08:49:17.283" v="1209" actId="5736"/>
           <ac:graphicFrameMkLst>
             <pc:docMk/>
             <pc:sldMk cId="1994468853" sldId="263"/>
@@ -979,7 +979,7 @@
           </ac:graphicFrameMkLst>
         </pc:graphicFrameChg>
         <pc:graphicFrameChg chg="add mod modGraphic">
-          <ac:chgData name="ZHANG Xiangyu" userId="0af619d5-14b7-43d3-95bc-94ad39c803d6" providerId="ADAL" clId="{0190945F-89A7-4B46-967C-3ACE53AB7830}" dt="2024-01-16T08:42:51.837" v="1203" actId="5736"/>
+          <ac:chgData name="ZHANG Xiangyu" userId="0af619d5-14b7-43d3-95bc-94ad39c803d6" providerId="ADAL" clId="{0190945F-89A7-4B46-967C-3ACE53AB7830}" dt="2024-01-16T08:49:28.702" v="1210" actId="5736"/>
           <ac:graphicFrameMkLst>
             <pc:docMk/>
             <pc:sldMk cId="1994468853" sldId="263"/>
@@ -7248,7 +7248,7 @@
           <p:nvPr>
             <p:extLst>
               <p:ext uri="{D42A27DB-BD31-4B8C-83A1-F6EECF244321}">
-                <p14:modId xmlns:p14="http://schemas.microsoft.com/office/powerpoint/2010/main" val="3413883646"/>
+                <p14:modId xmlns:p14="http://schemas.microsoft.com/office/powerpoint/2010/main" val="3505934691"/>
               </p:ext>
             </p:extLst>
           </p:nvPr>
@@ -7961,7 +7961,7 @@
                           <a:latin typeface="Arial" panose="020B0604020202020204" pitchFamily="34" charset="0"/>
                           <a:cs typeface="Arial" panose="020B0604020202020204" pitchFamily="34" charset="0"/>
                         </a:rPr>
-                        <a:t> 70</a:t>
+                        <a:t>70</a:t>
                       </a:r>
                       <a:r>
                         <a:rPr lang="en-US" altLang="zh-CN" sz="1600" dirty="0">
@@ -8363,7 +8363,7 @@
                           <a:latin typeface="Arial" panose="020B0604020202020204" pitchFamily="34" charset="0"/>
                           <a:cs typeface="Arial" panose="020B0604020202020204" pitchFamily="34" charset="0"/>
                         </a:rPr>
-                        <a:t> 950 USD</a:t>
+                        <a:t>950 USD</a:t>
                       </a:r>
                     </a:p>
                   </a:txBody>
@@ -8663,7 +8663,7 @@
           <p:nvPr>
             <p:extLst>
               <p:ext uri="{D42A27DB-BD31-4B8C-83A1-F6EECF244321}">
-                <p14:modId xmlns:p14="http://schemas.microsoft.com/office/powerpoint/2010/main" val="2626858855"/>
+                <p14:modId xmlns:p14="http://schemas.microsoft.com/office/powerpoint/2010/main" val="1316938982"/>
               </p:ext>
             </p:extLst>
           </p:nvPr>
@@ -9376,7 +9376,7 @@
                           <a:latin typeface="Arial" panose="020B0604020202020204" pitchFamily="34" charset="0"/>
                           <a:cs typeface="Arial" panose="020B0604020202020204" pitchFamily="34" charset="0"/>
                         </a:rPr>
-                        <a:t> 70</a:t>
+                        <a:t>70</a:t>
                       </a:r>
                       <a:r>
                         <a:rPr lang="en-US" altLang="zh-CN" sz="2400" dirty="0">
@@ -9794,7 +9794,7 @@
                           <a:latin typeface="Arial" panose="020B0604020202020204" pitchFamily="34" charset="0"/>
                           <a:cs typeface="Arial" panose="020B0604020202020204" pitchFamily="34" charset="0"/>
                         </a:rPr>
-                        <a:t> 950 USD</a:t>
+                        <a:t>950 USD</a:t>
                       </a:r>
                     </a:p>
                   </a:txBody>

--- a/assets/figures.pptx
+++ b/assets/figures.pptx
@@ -125,7 +125,7 @@
 <file path=ppt/revisionInfo.xml><?xml version="1.0" encoding="utf-8"?>
 <p1510:revInfo xmlns:a="http://schemas.openxmlformats.org/drawingml/2006/main" xmlns:r="http://schemas.openxmlformats.org/officeDocument/2006/relationships" xmlns:p1510="http://schemas.microsoft.com/office/powerpoint/2015/10/main">
   <p1510:revLst>
-    <p1510:client id="{0190945F-89A7-4B46-967C-3ACE53AB7830}" v="260" dt="2024-01-16T08:49:28.702"/>
+    <p1510:client id="{0190945F-89A7-4B46-967C-3ACE53AB7830}" v="266" dt="2024-01-16T09:02:44.456"/>
   </p1510:revLst>
 </p1510:revInfo>
 </file>
@@ -135,7 +135,7 @@
   <pc:docChgLst>
     <pc:chgData name="ZHANG Xiangyu" userId="0af619d5-14b7-43d3-95bc-94ad39c803d6" providerId="ADAL" clId="{0190945F-89A7-4B46-967C-3ACE53AB7830}"/>
     <pc:docChg chg="undo redo custSel addSld modSld">
-      <pc:chgData name="ZHANG Xiangyu" userId="0af619d5-14b7-43d3-95bc-94ad39c803d6" providerId="ADAL" clId="{0190945F-89A7-4B46-967C-3ACE53AB7830}" dt="2024-01-16T08:49:28.702" v="1210" actId="5736"/>
+      <pc:chgData name="ZHANG Xiangyu" userId="0af619d5-14b7-43d3-95bc-94ad39c803d6" providerId="ADAL" clId="{0190945F-89A7-4B46-967C-3ACE53AB7830}" dt="2024-01-16T09:02:44.454" v="1225" actId="5736"/>
       <pc:docMkLst>
         <pc:docMk/>
       </pc:docMkLst>
@@ -893,7 +893,7 @@
         </pc:picChg>
       </pc:sldChg>
       <pc:sldChg chg="addSp delSp modSp add mod">
-        <pc:chgData name="ZHANG Xiangyu" userId="0af619d5-14b7-43d3-95bc-94ad39c803d6" providerId="ADAL" clId="{0190945F-89A7-4B46-967C-3ACE53AB7830}" dt="2024-01-16T08:49:28.702" v="1210" actId="5736"/>
+        <pc:chgData name="ZHANG Xiangyu" userId="0af619d5-14b7-43d3-95bc-94ad39c803d6" providerId="ADAL" clId="{0190945F-89A7-4B46-967C-3ACE53AB7830}" dt="2024-01-16T09:02:44.454" v="1225" actId="5736"/>
         <pc:sldMkLst>
           <pc:docMk/>
           <pc:sldMk cId="1994468853" sldId="263"/>
@@ -963,7 +963,7 @@
           </ac:graphicFrameMkLst>
         </pc:graphicFrameChg>
         <pc:graphicFrameChg chg="mod modGraphic">
-          <ac:chgData name="ZHANG Xiangyu" userId="0af619d5-14b7-43d3-95bc-94ad39c803d6" providerId="ADAL" clId="{0190945F-89A7-4B46-967C-3ACE53AB7830}" dt="2024-01-16T08:49:17.283" v="1209" actId="5736"/>
+          <ac:chgData name="ZHANG Xiangyu" userId="0af619d5-14b7-43d3-95bc-94ad39c803d6" providerId="ADAL" clId="{0190945F-89A7-4B46-967C-3ACE53AB7830}" dt="2024-01-16T09:02:35.642" v="1224" actId="5736"/>
           <ac:graphicFrameMkLst>
             <pc:docMk/>
             <pc:sldMk cId="1994468853" sldId="263"/>
@@ -979,7 +979,7 @@
           </ac:graphicFrameMkLst>
         </pc:graphicFrameChg>
         <pc:graphicFrameChg chg="add mod modGraphic">
-          <ac:chgData name="ZHANG Xiangyu" userId="0af619d5-14b7-43d3-95bc-94ad39c803d6" providerId="ADAL" clId="{0190945F-89A7-4B46-967C-3ACE53AB7830}" dt="2024-01-16T08:49:28.702" v="1210" actId="5736"/>
+          <ac:chgData name="ZHANG Xiangyu" userId="0af619d5-14b7-43d3-95bc-94ad39c803d6" providerId="ADAL" clId="{0190945F-89A7-4B46-967C-3ACE53AB7830}" dt="2024-01-16T09:02:44.454" v="1225" actId="5736"/>
           <ac:graphicFrameMkLst>
             <pc:docMk/>
             <pc:sldMk cId="1994468853" sldId="263"/>
@@ -7248,7 +7248,7 @@
           <p:nvPr>
             <p:extLst>
               <p:ext uri="{D42A27DB-BD31-4B8C-83A1-F6EECF244321}">
-                <p14:modId xmlns:p14="http://schemas.microsoft.com/office/powerpoint/2010/main" val="3505934691"/>
+                <p14:modId xmlns:p14="http://schemas.microsoft.com/office/powerpoint/2010/main" val="1458121776"/>
               </p:ext>
             </p:extLst>
           </p:nvPr>
@@ -7522,7 +7522,7 @@
                           <a:ea typeface="+mn-ea"/>
                           <a:cs typeface="Arial" panose="020B0604020202020204" pitchFamily="34" charset="0"/>
                         </a:rPr>
-                        <a:t>Early Bird registration </a:t>
+                        <a:t>Early bird registration </a:t>
                       </a:r>
                     </a:p>
                     <a:p>
@@ -8276,7 +8276,7 @@
                           <a:ea typeface="+mn-ea"/>
                           <a:cs typeface="Arial" panose="020B0604020202020204" pitchFamily="34" charset="0"/>
                         </a:rPr>
-                        <a:t>Full and Student Delegate</a:t>
+                        <a:t>Full and Student Delegates</a:t>
                       </a:r>
                       <a:endParaRPr lang="en-US" altLang="zh-CN" sz="1600" b="0" dirty="0">
                         <a:solidFill>
@@ -8663,7 +8663,7 @@
           <p:nvPr>
             <p:extLst>
               <p:ext uri="{D42A27DB-BD31-4B8C-83A1-F6EECF244321}">
-                <p14:modId xmlns:p14="http://schemas.microsoft.com/office/powerpoint/2010/main" val="1316938982"/>
+                <p14:modId xmlns:p14="http://schemas.microsoft.com/office/powerpoint/2010/main" val="4052427593"/>
               </p:ext>
             </p:extLst>
           </p:nvPr>
@@ -8677,14 +8677,14 @@
             <a:tbl>
               <a:tblPr/>
               <a:tblGrid>
-                <a:gridCol w="3920649">
+                <a:gridCol w="3636293">
                   <a:extLst>
                     <a:ext uri="{9D8B030D-6E8A-4147-A177-3AD203B41FA5}">
                       <a16:colId xmlns:a16="http://schemas.microsoft.com/office/drawing/2014/main" val="2749278103"/>
                     </a:ext>
                   </a:extLst>
                 </a:gridCol>
-                <a:gridCol w="3666084">
+                <a:gridCol w="3950440">
                   <a:extLst>
                     <a:ext uri="{9D8B030D-6E8A-4147-A177-3AD203B41FA5}">
                       <a16:colId xmlns:a16="http://schemas.microsoft.com/office/drawing/2014/main" val="3078818713"/>
@@ -8937,7 +8937,7 @@
                           <a:ea typeface="+mn-ea"/>
                           <a:cs typeface="Arial" panose="020B0604020202020204" pitchFamily="34" charset="0"/>
                         </a:rPr>
-                        <a:t>Early Bird registration </a:t>
+                        <a:t>Early bird registration </a:t>
                       </a:r>
                     </a:p>
                     <a:p>
@@ -9707,7 +9707,7 @@
                           <a:ea typeface="+mn-ea"/>
                           <a:cs typeface="Arial" panose="020B0604020202020204" pitchFamily="34" charset="0"/>
                         </a:rPr>
-                        <a:t>Full and Student Delegate</a:t>
+                        <a:t>Full and Student Delegates</a:t>
                       </a:r>
                       <a:endParaRPr lang="en-US" altLang="zh-CN" sz="2400" b="0" dirty="0">
                         <a:solidFill>

--- a/assets/figures.pptx
+++ b/assets/figures.pptx
@@ -125,7 +125,7 @@
 <file path=ppt/revisionInfo.xml><?xml version="1.0" encoding="utf-8"?>
 <p1510:revInfo xmlns:a="http://schemas.openxmlformats.org/drawingml/2006/main" xmlns:r="http://schemas.openxmlformats.org/officeDocument/2006/relationships" xmlns:p1510="http://schemas.microsoft.com/office/powerpoint/2015/10/main">
   <p1510:revLst>
-    <p1510:client id="{0190945F-89A7-4B46-967C-3ACE53AB7830}" v="266" dt="2024-01-16T09:02:44.456"/>
+    <p1510:client id="{0190945F-89A7-4B46-967C-3ACE53AB7830}" v="271" dt="2024-01-16T09:08:48.328"/>
   </p1510:revLst>
 </p1510:revInfo>
 </file>
@@ -135,7 +135,7 @@
   <pc:docChgLst>
     <pc:chgData name="ZHANG Xiangyu" userId="0af619d5-14b7-43d3-95bc-94ad39c803d6" providerId="ADAL" clId="{0190945F-89A7-4B46-967C-3ACE53AB7830}"/>
     <pc:docChg chg="undo redo custSel addSld modSld">
-      <pc:chgData name="ZHANG Xiangyu" userId="0af619d5-14b7-43d3-95bc-94ad39c803d6" providerId="ADAL" clId="{0190945F-89A7-4B46-967C-3ACE53AB7830}" dt="2024-01-16T09:02:44.454" v="1225" actId="5736"/>
+      <pc:chgData name="ZHANG Xiangyu" userId="0af619d5-14b7-43d3-95bc-94ad39c803d6" providerId="ADAL" clId="{0190945F-89A7-4B46-967C-3ACE53AB7830}" dt="2024-01-16T09:08:48.328" v="1241" actId="5736"/>
       <pc:docMkLst>
         <pc:docMk/>
       </pc:docMkLst>
@@ -893,7 +893,7 @@
         </pc:picChg>
       </pc:sldChg>
       <pc:sldChg chg="addSp delSp modSp add mod">
-        <pc:chgData name="ZHANG Xiangyu" userId="0af619d5-14b7-43d3-95bc-94ad39c803d6" providerId="ADAL" clId="{0190945F-89A7-4B46-967C-3ACE53AB7830}" dt="2024-01-16T09:02:44.454" v="1225" actId="5736"/>
+        <pc:chgData name="ZHANG Xiangyu" userId="0af619d5-14b7-43d3-95bc-94ad39c803d6" providerId="ADAL" clId="{0190945F-89A7-4B46-967C-3ACE53AB7830}" dt="2024-01-16T09:08:48.328" v="1241" actId="5736"/>
         <pc:sldMkLst>
           <pc:docMk/>
           <pc:sldMk cId="1994468853" sldId="263"/>
@@ -963,7 +963,7 @@
           </ac:graphicFrameMkLst>
         </pc:graphicFrameChg>
         <pc:graphicFrameChg chg="mod modGraphic">
-          <ac:chgData name="ZHANG Xiangyu" userId="0af619d5-14b7-43d3-95bc-94ad39c803d6" providerId="ADAL" clId="{0190945F-89A7-4B46-967C-3ACE53AB7830}" dt="2024-01-16T09:02:35.642" v="1224" actId="5736"/>
+          <ac:chgData name="ZHANG Xiangyu" userId="0af619d5-14b7-43d3-95bc-94ad39c803d6" providerId="ADAL" clId="{0190945F-89A7-4B46-967C-3ACE53AB7830}" dt="2024-01-16T09:08:48.328" v="1241" actId="5736"/>
           <ac:graphicFrameMkLst>
             <pc:docMk/>
             <pc:sldMk cId="1994468853" sldId="263"/>
@@ -979,7 +979,7 @@
           </ac:graphicFrameMkLst>
         </pc:graphicFrameChg>
         <pc:graphicFrameChg chg="add mod modGraphic">
-          <ac:chgData name="ZHANG Xiangyu" userId="0af619d5-14b7-43d3-95bc-94ad39c803d6" providerId="ADAL" clId="{0190945F-89A7-4B46-967C-3ACE53AB7830}" dt="2024-01-16T09:02:44.454" v="1225" actId="5736"/>
+          <ac:chgData name="ZHANG Xiangyu" userId="0af619d5-14b7-43d3-95bc-94ad39c803d6" providerId="ADAL" clId="{0190945F-89A7-4B46-967C-3ACE53AB7830}" dt="2024-01-16T09:08:41.538" v="1240" actId="5736"/>
           <ac:graphicFrameMkLst>
             <pc:docMk/>
             <pc:sldMk cId="1994468853" sldId="263"/>
@@ -7248,7 +7248,7 @@
           <p:nvPr>
             <p:extLst>
               <p:ext uri="{D42A27DB-BD31-4B8C-83A1-F6EECF244321}">
-                <p14:modId xmlns:p14="http://schemas.microsoft.com/office/powerpoint/2010/main" val="1458121776"/>
+                <p14:modId xmlns:p14="http://schemas.microsoft.com/office/powerpoint/2010/main" val="232049243"/>
               </p:ext>
             </p:extLst>
           </p:nvPr>
@@ -7522,7 +7522,7 @@
                           <a:ea typeface="+mn-ea"/>
                           <a:cs typeface="Arial" panose="020B0604020202020204" pitchFamily="34" charset="0"/>
                         </a:rPr>
-                        <a:t>Early bird registration </a:t>
+                        <a:t>Early Bird Registration </a:t>
                       </a:r>
                     </a:p>
                     <a:p>
@@ -8121,7 +8121,7 @@
                           <a:ea typeface="+mn-ea"/>
                           <a:cs typeface="Arial" panose="020B0604020202020204" pitchFamily="34" charset="0"/>
                         </a:rPr>
-                        <a:t>Regular registration </a:t>
+                        <a:t>Regular Registration </a:t>
                       </a:r>
                     </a:p>
                     <a:p>
@@ -8663,7 +8663,7 @@
           <p:nvPr>
             <p:extLst>
               <p:ext uri="{D42A27DB-BD31-4B8C-83A1-F6EECF244321}">
-                <p14:modId xmlns:p14="http://schemas.microsoft.com/office/powerpoint/2010/main" val="4052427593"/>
+                <p14:modId xmlns:p14="http://schemas.microsoft.com/office/powerpoint/2010/main" val="1382922211"/>
               </p:ext>
             </p:extLst>
           </p:nvPr>
@@ -8937,7 +8937,7 @@
                           <a:ea typeface="+mn-ea"/>
                           <a:cs typeface="Arial" panose="020B0604020202020204" pitchFamily="34" charset="0"/>
                         </a:rPr>
-                        <a:t>Early bird registration </a:t>
+                        <a:t>Early Bird Registration </a:t>
                       </a:r>
                     </a:p>
                     <a:p>
@@ -9536,7 +9536,7 @@
                           <a:ea typeface="+mn-ea"/>
                           <a:cs typeface="Arial" panose="020B0604020202020204" pitchFamily="34" charset="0"/>
                         </a:rPr>
-                        <a:t>Regular registration </a:t>
+                        <a:t>Regular Registration </a:t>
                       </a:r>
                     </a:p>
                     <a:p>

--- a/assets/figures.pptx
+++ b/assets/figures.pptx
@@ -5,17 +5,19 @@
     <p:sldMasterId id="2147483648" r:id="rId1"/>
   </p:sldMasterIdLst>
   <p:notesMasterIdLst>
-    <p:notesMasterId r:id="rId10"/>
+    <p:notesMasterId r:id="rId12"/>
   </p:notesMasterIdLst>
   <p:sldIdLst>
     <p:sldId id="260" r:id="rId2"/>
-    <p:sldId id="259" r:id="rId3"/>
-    <p:sldId id="256" r:id="rId4"/>
-    <p:sldId id="263" r:id="rId5"/>
-    <p:sldId id="257" r:id="rId6"/>
-    <p:sldId id="258" r:id="rId7"/>
-    <p:sldId id="261" r:id="rId8"/>
-    <p:sldId id="262" r:id="rId9"/>
+    <p:sldId id="265" r:id="rId3"/>
+    <p:sldId id="259" r:id="rId4"/>
+    <p:sldId id="256" r:id="rId5"/>
+    <p:sldId id="263" r:id="rId6"/>
+    <p:sldId id="264" r:id="rId7"/>
+    <p:sldId id="257" r:id="rId8"/>
+    <p:sldId id="258" r:id="rId9"/>
+    <p:sldId id="261" r:id="rId10"/>
+    <p:sldId id="262" r:id="rId11"/>
   </p:sldIdLst>
   <p:sldSz cx="12192000" cy="6858000"/>
   <p:notesSz cx="6858000" cy="9144000"/>
@@ -125,7 +127,7 @@
 <file path=ppt/revisionInfo.xml><?xml version="1.0" encoding="utf-8"?>
 <p1510:revInfo xmlns:a="http://schemas.openxmlformats.org/drawingml/2006/main" xmlns:r="http://schemas.openxmlformats.org/officeDocument/2006/relationships" xmlns:p1510="http://schemas.microsoft.com/office/powerpoint/2015/10/main">
   <p1510:revLst>
-    <p1510:client id="{0190945F-89A7-4B46-967C-3ACE53AB7830}" v="271" dt="2024-01-16T09:08:48.328"/>
+    <p1510:client id="{0190945F-89A7-4B46-967C-3ACE53AB7830}" v="286" dt="2024-01-16T13:43:40.250"/>
   </p1510:revLst>
 </p1510:revInfo>
 </file>
@@ -135,7 +137,7 @@
   <pc:docChgLst>
     <pc:chgData name="ZHANG Xiangyu" userId="0af619d5-14b7-43d3-95bc-94ad39c803d6" providerId="ADAL" clId="{0190945F-89A7-4B46-967C-3ACE53AB7830}"/>
     <pc:docChg chg="undo redo custSel addSld modSld">
-      <pc:chgData name="ZHANG Xiangyu" userId="0af619d5-14b7-43d3-95bc-94ad39c803d6" providerId="ADAL" clId="{0190945F-89A7-4B46-967C-3ACE53AB7830}" dt="2024-01-16T09:08:48.328" v="1241" actId="5736"/>
+      <pc:chgData name="ZHANG Xiangyu" userId="0af619d5-14b7-43d3-95bc-94ad39c803d6" providerId="ADAL" clId="{0190945F-89A7-4B46-967C-3ACE53AB7830}" dt="2024-01-16T13:43:48.121" v="1300" actId="478"/>
       <pc:docMkLst>
         <pc:docMk/>
       </pc:docMkLst>
@@ -1051,6 +1053,172 @@
           </ac:picMkLst>
         </pc:picChg>
       </pc:sldChg>
+      <pc:sldChg chg="addSp delSp modSp new mod">
+        <pc:chgData name="ZHANG Xiangyu" userId="0af619d5-14b7-43d3-95bc-94ad39c803d6" providerId="ADAL" clId="{0190945F-89A7-4B46-967C-3ACE53AB7830}" dt="2024-01-16T13:08:36.596" v="1245" actId="1076"/>
+        <pc:sldMkLst>
+          <pc:docMk/>
+          <pc:sldMk cId="1914114955" sldId="264"/>
+        </pc:sldMkLst>
+        <pc:spChg chg="del">
+          <ac:chgData name="ZHANG Xiangyu" userId="0af619d5-14b7-43d3-95bc-94ad39c803d6" providerId="ADAL" clId="{0190945F-89A7-4B46-967C-3ACE53AB7830}" dt="2024-01-16T13:08:32.304" v="1243" actId="478"/>
+          <ac:spMkLst>
+            <pc:docMk/>
+            <pc:sldMk cId="1914114955" sldId="264"/>
+            <ac:spMk id="2" creationId="{82120D3A-44C9-9367-BDCD-918C2A9A6991}"/>
+          </ac:spMkLst>
+        </pc:spChg>
+        <pc:spChg chg="del">
+          <ac:chgData name="ZHANG Xiangyu" userId="0af619d5-14b7-43d3-95bc-94ad39c803d6" providerId="ADAL" clId="{0190945F-89A7-4B46-967C-3ACE53AB7830}" dt="2024-01-16T13:08:32.304" v="1243" actId="478"/>
+          <ac:spMkLst>
+            <pc:docMk/>
+            <pc:sldMk cId="1914114955" sldId="264"/>
+            <ac:spMk id="3" creationId="{270522BB-85B2-8259-DE63-EF326B04AEC1}"/>
+          </ac:spMkLst>
+        </pc:spChg>
+        <pc:spChg chg="mod">
+          <ac:chgData name="ZHANG Xiangyu" userId="0af619d5-14b7-43d3-95bc-94ad39c803d6" providerId="ADAL" clId="{0190945F-89A7-4B46-967C-3ACE53AB7830}" dt="2024-01-16T13:08:33.421" v="1244"/>
+          <ac:spMkLst>
+            <pc:docMk/>
+            <pc:sldMk cId="1914114955" sldId="264"/>
+            <ac:spMk id="5" creationId="{044497EB-57B3-FBE9-071E-447923CCD1CC}"/>
+          </ac:spMkLst>
+        </pc:spChg>
+        <pc:grpChg chg="add mod">
+          <ac:chgData name="ZHANG Xiangyu" userId="0af619d5-14b7-43d3-95bc-94ad39c803d6" providerId="ADAL" clId="{0190945F-89A7-4B46-967C-3ACE53AB7830}" dt="2024-01-16T13:08:36.596" v="1245" actId="1076"/>
+          <ac:grpSpMkLst>
+            <pc:docMk/>
+            <pc:sldMk cId="1914114955" sldId="264"/>
+            <ac:grpSpMk id="4" creationId="{85F23458-4B05-378C-872F-D6F2F6955630}"/>
+          </ac:grpSpMkLst>
+        </pc:grpChg>
+        <pc:picChg chg="mod">
+          <ac:chgData name="ZHANG Xiangyu" userId="0af619d5-14b7-43d3-95bc-94ad39c803d6" providerId="ADAL" clId="{0190945F-89A7-4B46-967C-3ACE53AB7830}" dt="2024-01-16T13:08:33.421" v="1244"/>
+          <ac:picMkLst>
+            <pc:docMk/>
+            <pc:sldMk cId="1914114955" sldId="264"/>
+            <ac:picMk id="6" creationId="{9EFA56DD-A63A-194E-6522-77EAD029688E}"/>
+          </ac:picMkLst>
+        </pc:picChg>
+      </pc:sldChg>
+      <pc:sldChg chg="addSp delSp modSp new mod">
+        <pc:chgData name="ZHANG Xiangyu" userId="0af619d5-14b7-43d3-95bc-94ad39c803d6" providerId="ADAL" clId="{0190945F-89A7-4B46-967C-3ACE53AB7830}" dt="2024-01-16T13:43:48.121" v="1300" actId="478"/>
+        <pc:sldMkLst>
+          <pc:docMk/>
+          <pc:sldMk cId="3557840703" sldId="265"/>
+        </pc:sldMkLst>
+        <pc:spChg chg="del">
+          <ac:chgData name="ZHANG Xiangyu" userId="0af619d5-14b7-43d3-95bc-94ad39c803d6" providerId="ADAL" clId="{0190945F-89A7-4B46-967C-3ACE53AB7830}" dt="2024-01-16T13:19:55.766" v="1247" actId="478"/>
+          <ac:spMkLst>
+            <pc:docMk/>
+            <pc:sldMk cId="3557840703" sldId="265"/>
+            <ac:spMk id="2" creationId="{CEABC074-E5A7-0778-9F12-25CE197FF9C2}"/>
+          </ac:spMkLst>
+        </pc:spChg>
+        <pc:spChg chg="del">
+          <ac:chgData name="ZHANG Xiangyu" userId="0af619d5-14b7-43d3-95bc-94ad39c803d6" providerId="ADAL" clId="{0190945F-89A7-4B46-967C-3ACE53AB7830}" dt="2024-01-16T13:19:55.766" v="1247" actId="478"/>
+          <ac:spMkLst>
+            <pc:docMk/>
+            <pc:sldMk cId="3557840703" sldId="265"/>
+            <ac:spMk id="3" creationId="{CF06BDCE-081A-65A3-03E9-4910F4927D3F}"/>
+          </ac:spMkLst>
+        </pc:spChg>
+        <pc:grpChg chg="add mod">
+          <ac:chgData name="ZHANG Xiangyu" userId="0af619d5-14b7-43d3-95bc-94ad39c803d6" providerId="ADAL" clId="{0190945F-89A7-4B46-967C-3ACE53AB7830}" dt="2024-01-16T13:43:39.550" v="1298" actId="164"/>
+          <ac:grpSpMkLst>
+            <pc:docMk/>
+            <pc:sldMk cId="3557840703" sldId="265"/>
+            <ac:grpSpMk id="16" creationId="{575D3877-82A7-6842-2523-F8FCB262C361}"/>
+          </ac:grpSpMkLst>
+        </pc:grpChg>
+        <pc:graphicFrameChg chg="add del mod">
+          <ac:chgData name="ZHANG Xiangyu" userId="0af619d5-14b7-43d3-95bc-94ad39c803d6" providerId="ADAL" clId="{0190945F-89A7-4B46-967C-3ACE53AB7830}" dt="2024-01-16T13:22:02.831" v="1253"/>
+          <ac:graphicFrameMkLst>
+            <pc:docMk/>
+            <pc:sldMk cId="3557840703" sldId="265"/>
+            <ac:graphicFrameMk id="5" creationId="{0CBFAAB0-8674-511D-ECF0-D511B7776FD5}"/>
+          </ac:graphicFrameMkLst>
+        </pc:graphicFrameChg>
+        <pc:graphicFrameChg chg="add del mod">
+          <ac:chgData name="ZHANG Xiangyu" userId="0af619d5-14b7-43d3-95bc-94ad39c803d6" providerId="ADAL" clId="{0190945F-89A7-4B46-967C-3ACE53AB7830}" dt="2024-01-16T13:40:19.201" v="1274"/>
+          <ac:graphicFrameMkLst>
+            <pc:docMk/>
+            <pc:sldMk cId="3557840703" sldId="265"/>
+            <ac:graphicFrameMk id="10" creationId="{54416911-54AE-8E72-7FB9-8CA62E76D203}"/>
+          </ac:graphicFrameMkLst>
+        </pc:graphicFrameChg>
+        <pc:picChg chg="add mod">
+          <ac:chgData name="ZHANG Xiangyu" userId="0af619d5-14b7-43d3-95bc-94ad39c803d6" providerId="ADAL" clId="{0190945F-89A7-4B46-967C-3ACE53AB7830}" dt="2024-01-16T13:43:39.550" v="1298" actId="164"/>
+          <ac:picMkLst>
+            <pc:docMk/>
+            <pc:sldMk cId="3557840703" sldId="265"/>
+            <ac:picMk id="4" creationId="{F916A26E-AF21-DC35-9647-CDADA001101D}"/>
+          </ac:picMkLst>
+        </pc:picChg>
+        <pc:picChg chg="add del mod">
+          <ac:chgData name="ZHANG Xiangyu" userId="0af619d5-14b7-43d3-95bc-94ad39c803d6" providerId="ADAL" clId="{0190945F-89A7-4B46-967C-3ACE53AB7830}" dt="2024-01-16T13:41:37.041" v="1287" actId="478"/>
+          <ac:picMkLst>
+            <pc:docMk/>
+            <pc:sldMk cId="3557840703" sldId="265"/>
+            <ac:picMk id="7" creationId="{CD2990C2-1EF5-AF2A-61F6-E3E3A9DC27E4}"/>
+          </ac:picMkLst>
+        </pc:picChg>
+        <pc:picChg chg="add del mod">
+          <ac:chgData name="ZHANG Xiangyu" userId="0af619d5-14b7-43d3-95bc-94ad39c803d6" providerId="ADAL" clId="{0190945F-89A7-4B46-967C-3ACE53AB7830}" dt="2024-01-16T13:41:35.187" v="1286" actId="478"/>
+          <ac:picMkLst>
+            <pc:docMk/>
+            <pc:sldMk cId="3557840703" sldId="265"/>
+            <ac:picMk id="8" creationId="{DA70E4A0-112D-062A-CB6C-3D1FB134C7CF}"/>
+          </ac:picMkLst>
+        </pc:picChg>
+        <pc:picChg chg="add del mod">
+          <ac:chgData name="ZHANG Xiangyu" userId="0af619d5-14b7-43d3-95bc-94ad39c803d6" providerId="ADAL" clId="{0190945F-89A7-4B46-967C-3ACE53AB7830}" dt="2024-01-16T13:41:34.672" v="1285" actId="478"/>
+          <ac:picMkLst>
+            <pc:docMk/>
+            <pc:sldMk cId="3557840703" sldId="265"/>
+            <ac:picMk id="9" creationId="{70D78693-7F5E-54F5-CB70-02DA960323AA}"/>
+          </ac:picMkLst>
+        </pc:picChg>
+        <pc:picChg chg="add del mod">
+          <ac:chgData name="ZHANG Xiangyu" userId="0af619d5-14b7-43d3-95bc-94ad39c803d6" providerId="ADAL" clId="{0190945F-89A7-4B46-967C-3ACE53AB7830}" dt="2024-01-16T13:41:07.958" v="1279" actId="478"/>
+          <ac:picMkLst>
+            <pc:docMk/>
+            <pc:sldMk cId="3557840703" sldId="265"/>
+            <ac:picMk id="12" creationId="{DF69575E-7C23-2C3E-595D-212AE38AE56F}"/>
+          </ac:picMkLst>
+        </pc:picChg>
+        <pc:picChg chg="add mod">
+          <ac:chgData name="ZHANG Xiangyu" userId="0af619d5-14b7-43d3-95bc-94ad39c803d6" providerId="ADAL" clId="{0190945F-89A7-4B46-967C-3ACE53AB7830}" dt="2024-01-16T13:43:39.550" v="1298" actId="164"/>
+          <ac:picMkLst>
+            <pc:docMk/>
+            <pc:sldMk cId="3557840703" sldId="265"/>
+            <ac:picMk id="13" creationId="{2F8A3422-DAFB-2C4C-0C90-49F5D4CE5059}"/>
+          </ac:picMkLst>
+        </pc:picChg>
+        <pc:picChg chg="add mod">
+          <ac:chgData name="ZHANG Xiangyu" userId="0af619d5-14b7-43d3-95bc-94ad39c803d6" providerId="ADAL" clId="{0190945F-89A7-4B46-967C-3ACE53AB7830}" dt="2024-01-16T13:43:39.550" v="1298" actId="164"/>
+          <ac:picMkLst>
+            <pc:docMk/>
+            <pc:sldMk cId="3557840703" sldId="265"/>
+            <ac:picMk id="14" creationId="{90F969D4-1434-9C48-AB57-4E3ADD50A9BD}"/>
+          </ac:picMkLst>
+        </pc:picChg>
+        <pc:picChg chg="add mod">
+          <ac:chgData name="ZHANG Xiangyu" userId="0af619d5-14b7-43d3-95bc-94ad39c803d6" providerId="ADAL" clId="{0190945F-89A7-4B46-967C-3ACE53AB7830}" dt="2024-01-16T13:43:39.550" v="1298" actId="164"/>
+          <ac:picMkLst>
+            <pc:docMk/>
+            <pc:sldMk cId="3557840703" sldId="265"/>
+            <ac:picMk id="15" creationId="{CCAC94F5-491E-A163-B0A8-C3680AE24709}"/>
+          </ac:picMkLst>
+        </pc:picChg>
+        <pc:picChg chg="add del">
+          <ac:chgData name="ZHANG Xiangyu" userId="0af619d5-14b7-43d3-95bc-94ad39c803d6" providerId="ADAL" clId="{0190945F-89A7-4B46-967C-3ACE53AB7830}" dt="2024-01-16T13:43:48.121" v="1300" actId="478"/>
+          <ac:picMkLst>
+            <pc:docMk/>
+            <pc:sldMk cId="3557840703" sldId="265"/>
+            <ac:picMk id="17" creationId="{EE19C2D6-2D4E-096F-485A-EBF1BC361BCF}"/>
+          </ac:picMkLst>
+        </pc:picChg>
+      </pc:sldChg>
     </pc:docChg>
   </pc:docChgLst>
 </pc:chgInfo>
@@ -1470,7 +1638,7 @@
           <a:p>
             <a:fld id="{F5B200CC-652F-45D7-9D9C-40A56CAF48BA}" type="slidenum">
               <a:rPr lang="zh-CN" altLang="en-US" smtClean="0"/>
-              <a:t>3</a:t>
+              <a:t>4</a:t>
             </a:fld>
             <a:endParaRPr lang="zh-CN" altLang="en-US"/>
           </a:p>
@@ -1554,7 +1722,7 @@
           <a:p>
             <a:fld id="{F5B200CC-652F-45D7-9D9C-40A56CAF48BA}" type="slidenum">
               <a:rPr lang="zh-CN" altLang="en-US" smtClean="0"/>
-              <a:t>4</a:t>
+              <a:t>5</a:t>
             </a:fld>
             <a:endParaRPr lang="zh-CN" altLang="en-US"/>
           </a:p>
@@ -5097,7 +5265,499 @@
 </p:sld>
 </file>
 
+<file path=ppt/slides/slide10.xml><?xml version="1.0" encoding="utf-8"?>
+<p:sld xmlns:a="http://schemas.openxmlformats.org/drawingml/2006/main" xmlns:r="http://schemas.openxmlformats.org/officeDocument/2006/relationships" xmlns:p="http://schemas.openxmlformats.org/presentationml/2006/main">
+  <p:cSld>
+    <p:spTree>
+      <p:nvGrpSpPr>
+        <p:cNvPr id="1" name=""/>
+        <p:cNvGrpSpPr/>
+        <p:nvPr/>
+      </p:nvGrpSpPr>
+      <p:grpSpPr>
+        <a:xfrm>
+          <a:off x="0" y="0"/>
+          <a:ext cx="0" cy="0"/>
+          <a:chOff x="0" y="0"/>
+          <a:chExt cx="0" cy="0"/>
+        </a:xfrm>
+      </p:grpSpPr>
+      <p:pic>
+        <p:nvPicPr>
+          <p:cNvPr id="4" name="图片 3">
+            <a:extLst>
+              <a:ext uri="{FF2B5EF4-FFF2-40B4-BE49-F238E27FC236}">
+                <a16:creationId xmlns:a16="http://schemas.microsoft.com/office/drawing/2014/main" id="{8133EE48-992C-039F-D61A-CFC680595CE0}"/>
+              </a:ext>
+            </a:extLst>
+          </p:cNvPr>
+          <p:cNvPicPr>
+            <a:picLocks noChangeAspect="1"/>
+          </p:cNvPicPr>
+          <p:nvPr/>
+        </p:nvPicPr>
+        <p:blipFill>
+          <a:blip r:embed="rId2"/>
+          <a:stretch>
+            <a:fillRect/>
+          </a:stretch>
+        </p:blipFill>
+        <p:spPr>
+          <a:xfrm>
+            <a:off x="0" y="1"/>
+            <a:ext cx="5493026" cy="2905522"/>
+          </a:xfrm>
+          <a:prstGeom prst="rect">
+            <a:avLst/>
+          </a:prstGeom>
+        </p:spPr>
+      </p:pic>
+      <p:pic>
+        <p:nvPicPr>
+          <p:cNvPr id="8" name="图片 7">
+            <a:extLst>
+              <a:ext uri="{FF2B5EF4-FFF2-40B4-BE49-F238E27FC236}">
+                <a16:creationId xmlns:a16="http://schemas.microsoft.com/office/drawing/2014/main" id="{70DCC77C-F325-7BF6-1C32-DC36C2BDF99F}"/>
+              </a:ext>
+            </a:extLst>
+          </p:cNvPr>
+          <p:cNvPicPr>
+            <a:picLocks noChangeAspect="1"/>
+          </p:cNvPicPr>
+          <p:nvPr/>
+        </p:nvPicPr>
+        <p:blipFill rotWithShape="1">
+          <a:blip r:embed="rId2"/>
+          <a:srcRect b="40661"/>
+          <a:stretch/>
+        </p:blipFill>
+        <p:spPr>
+          <a:xfrm>
+            <a:off x="0" y="3231811"/>
+            <a:ext cx="5493026" cy="1724097"/>
+          </a:xfrm>
+          <a:prstGeom prst="rect">
+            <a:avLst/>
+          </a:prstGeom>
+        </p:spPr>
+      </p:pic>
+      <p:pic>
+        <p:nvPicPr>
+          <p:cNvPr id="9" name="图片 8">
+            <a:extLst>
+              <a:ext uri="{FF2B5EF4-FFF2-40B4-BE49-F238E27FC236}">
+                <a16:creationId xmlns:a16="http://schemas.microsoft.com/office/drawing/2014/main" id="{4401A8DA-BF9D-FAD6-C188-B67F6C3E8CE4}"/>
+              </a:ext>
+            </a:extLst>
+          </p:cNvPr>
+          <p:cNvPicPr>
+            <a:picLocks noChangeAspect="1"/>
+          </p:cNvPicPr>
+          <p:nvPr/>
+        </p:nvPicPr>
+        <p:blipFill rotWithShape="1">
+          <a:blip r:embed="rId2"/>
+          <a:srcRect t="60344" r="74077"/>
+          <a:stretch/>
+        </p:blipFill>
+        <p:spPr>
+          <a:xfrm>
+            <a:off x="0" y="4936747"/>
+            <a:ext cx="1423951" cy="1152213"/>
+          </a:xfrm>
+          <a:prstGeom prst="rect">
+            <a:avLst/>
+          </a:prstGeom>
+        </p:spPr>
+      </p:pic>
+      <p:pic>
+        <p:nvPicPr>
+          <p:cNvPr id="11" name="图片 10">
+            <a:extLst>
+              <a:ext uri="{FF2B5EF4-FFF2-40B4-BE49-F238E27FC236}">
+                <a16:creationId xmlns:a16="http://schemas.microsoft.com/office/drawing/2014/main" id="{6084358B-3761-0863-BE17-3FD34FFE3B0F}"/>
+              </a:ext>
+            </a:extLst>
+          </p:cNvPr>
+          <p:cNvPicPr>
+            <a:picLocks noChangeAspect="1"/>
+          </p:cNvPicPr>
+          <p:nvPr/>
+        </p:nvPicPr>
+        <p:blipFill rotWithShape="1">
+          <a:blip r:embed="rId2"/>
+          <a:srcRect l="26375" t="59877" r="48439"/>
+          <a:stretch/>
+        </p:blipFill>
+        <p:spPr>
+          <a:xfrm>
+            <a:off x="4109551" y="4929959"/>
+            <a:ext cx="1383475" cy="1165788"/>
+          </a:xfrm>
+          <a:prstGeom prst="rect">
+            <a:avLst/>
+          </a:prstGeom>
+        </p:spPr>
+      </p:pic>
+      <p:pic>
+        <p:nvPicPr>
+          <p:cNvPr id="12" name="图片 11">
+            <a:extLst>
+              <a:ext uri="{FF2B5EF4-FFF2-40B4-BE49-F238E27FC236}">
+                <a16:creationId xmlns:a16="http://schemas.microsoft.com/office/drawing/2014/main" id="{C4995BEC-1688-1030-E9FC-22B364D5BF12}"/>
+              </a:ext>
+            </a:extLst>
+          </p:cNvPr>
+          <p:cNvPicPr>
+            <a:picLocks noChangeAspect="1"/>
+          </p:cNvPicPr>
+          <p:nvPr/>
+        </p:nvPicPr>
+        <p:blipFill rotWithShape="1">
+          <a:blip r:embed="rId2"/>
+          <a:srcRect b="40661"/>
+          <a:stretch/>
+        </p:blipFill>
+        <p:spPr>
+          <a:xfrm>
+            <a:off x="5929746" y="41587"/>
+            <a:ext cx="5493026" cy="1724097"/>
+          </a:xfrm>
+          <a:prstGeom prst="rect">
+            <a:avLst/>
+          </a:prstGeom>
+        </p:spPr>
+      </p:pic>
+      <p:pic>
+        <p:nvPicPr>
+          <p:cNvPr id="13" name="图片 12">
+            <a:extLst>
+              <a:ext uri="{FF2B5EF4-FFF2-40B4-BE49-F238E27FC236}">
+                <a16:creationId xmlns:a16="http://schemas.microsoft.com/office/drawing/2014/main" id="{DF6B4E85-0750-8A58-1A5D-BF54EE0DC555}"/>
+              </a:ext>
+            </a:extLst>
+          </p:cNvPr>
+          <p:cNvPicPr>
+            <a:picLocks noChangeAspect="1"/>
+          </p:cNvPicPr>
+          <p:nvPr/>
+        </p:nvPicPr>
+        <p:blipFill rotWithShape="1">
+          <a:blip r:embed="rId2"/>
+          <a:srcRect t="60344" r="74077"/>
+          <a:stretch/>
+        </p:blipFill>
+        <p:spPr>
+          <a:xfrm>
+            <a:off x="5929746" y="1746523"/>
+            <a:ext cx="1423951" cy="1152213"/>
+          </a:xfrm>
+          <a:prstGeom prst="rect">
+            <a:avLst/>
+          </a:prstGeom>
+        </p:spPr>
+      </p:pic>
+      <p:pic>
+        <p:nvPicPr>
+          <p:cNvPr id="14" name="图片 13">
+            <a:extLst>
+              <a:ext uri="{FF2B5EF4-FFF2-40B4-BE49-F238E27FC236}">
+                <a16:creationId xmlns:a16="http://schemas.microsoft.com/office/drawing/2014/main" id="{B0DAE54E-96FB-4936-E408-C8DE17DCEA5A}"/>
+              </a:ext>
+            </a:extLst>
+          </p:cNvPr>
+          <p:cNvPicPr>
+            <a:picLocks noChangeAspect="1"/>
+          </p:cNvPicPr>
+          <p:nvPr/>
+        </p:nvPicPr>
+        <p:blipFill rotWithShape="1">
+          <a:blip r:embed="rId2"/>
+          <a:srcRect l="26375" t="59877" r="48439"/>
+          <a:stretch/>
+        </p:blipFill>
+        <p:spPr>
+          <a:xfrm>
+            <a:off x="8162995" y="1739735"/>
+            <a:ext cx="1383475" cy="1165788"/>
+          </a:xfrm>
+          <a:prstGeom prst="rect">
+            <a:avLst/>
+          </a:prstGeom>
+        </p:spPr>
+      </p:pic>
+      <p:pic>
+        <p:nvPicPr>
+          <p:cNvPr id="15" name="图片 14">
+            <a:extLst>
+              <a:ext uri="{FF2B5EF4-FFF2-40B4-BE49-F238E27FC236}">
+                <a16:creationId xmlns:a16="http://schemas.microsoft.com/office/drawing/2014/main" id="{1AD3EF3C-2FDE-77B1-77A5-2D1F39AEA2B6}"/>
+              </a:ext>
+            </a:extLst>
+          </p:cNvPr>
+          <p:cNvPicPr>
+            <a:picLocks noChangeAspect="1"/>
+          </p:cNvPicPr>
+          <p:nvPr/>
+        </p:nvPicPr>
+        <p:blipFill rotWithShape="1">
+          <a:blip r:embed="rId2"/>
+          <a:srcRect b="40661"/>
+          <a:stretch/>
+        </p:blipFill>
+        <p:spPr>
+          <a:xfrm>
+            <a:off x="5929746" y="3257760"/>
+            <a:ext cx="5493026" cy="1724097"/>
+          </a:xfrm>
+          <a:prstGeom prst="rect">
+            <a:avLst/>
+          </a:prstGeom>
+        </p:spPr>
+      </p:pic>
+      <p:pic>
+        <p:nvPicPr>
+          <p:cNvPr id="16" name="图片 15">
+            <a:extLst>
+              <a:ext uri="{FF2B5EF4-FFF2-40B4-BE49-F238E27FC236}">
+                <a16:creationId xmlns:a16="http://schemas.microsoft.com/office/drawing/2014/main" id="{5E4AA7D8-80BA-333C-F90F-D73E6FBCB985}"/>
+              </a:ext>
+            </a:extLst>
+          </p:cNvPr>
+          <p:cNvPicPr>
+            <a:picLocks noChangeAspect="1"/>
+          </p:cNvPicPr>
+          <p:nvPr/>
+        </p:nvPicPr>
+        <p:blipFill rotWithShape="1">
+          <a:blip r:embed="rId2"/>
+          <a:srcRect t="60344" r="74077"/>
+          <a:stretch/>
+        </p:blipFill>
+        <p:spPr>
+          <a:xfrm>
+            <a:off x="7353697" y="4962696"/>
+            <a:ext cx="1423951" cy="1152213"/>
+          </a:xfrm>
+          <a:prstGeom prst="rect">
+            <a:avLst/>
+          </a:prstGeom>
+        </p:spPr>
+      </p:pic>
+      <p:pic>
+        <p:nvPicPr>
+          <p:cNvPr id="17" name="图片 16">
+            <a:extLst>
+              <a:ext uri="{FF2B5EF4-FFF2-40B4-BE49-F238E27FC236}">
+                <a16:creationId xmlns:a16="http://schemas.microsoft.com/office/drawing/2014/main" id="{F951C286-6BB5-5302-7B6D-4E7685403C26}"/>
+              </a:ext>
+            </a:extLst>
+          </p:cNvPr>
+          <p:cNvPicPr>
+            <a:picLocks noChangeAspect="1"/>
+          </p:cNvPicPr>
+          <p:nvPr/>
+        </p:nvPicPr>
+        <p:blipFill rotWithShape="1">
+          <a:blip r:embed="rId2"/>
+          <a:srcRect l="26375" t="59877" r="48439"/>
+          <a:stretch/>
+        </p:blipFill>
+        <p:spPr>
+          <a:xfrm>
+            <a:off x="8910839" y="4923172"/>
+            <a:ext cx="1383475" cy="1165788"/>
+          </a:xfrm>
+          <a:prstGeom prst="rect">
+            <a:avLst/>
+          </a:prstGeom>
+        </p:spPr>
+      </p:pic>
+    </p:spTree>
+    <p:extLst>
+      <p:ext uri="{BB962C8B-B14F-4D97-AF65-F5344CB8AC3E}">
+        <p14:creationId xmlns:p14="http://schemas.microsoft.com/office/powerpoint/2010/main" val="2809007463"/>
+      </p:ext>
+    </p:extLst>
+  </p:cSld>
+  <p:clrMapOvr>
+    <a:masterClrMapping/>
+  </p:clrMapOvr>
+</p:sld>
+</file>
+
 <file path=ppt/slides/slide2.xml><?xml version="1.0" encoding="utf-8"?>
+<p:sld xmlns:a="http://schemas.openxmlformats.org/drawingml/2006/main" xmlns:r="http://schemas.openxmlformats.org/officeDocument/2006/relationships" xmlns:p="http://schemas.openxmlformats.org/presentationml/2006/main">
+  <p:cSld>
+    <p:spTree>
+      <p:nvGrpSpPr>
+        <p:cNvPr id="1" name=""/>
+        <p:cNvGrpSpPr/>
+        <p:nvPr/>
+      </p:nvGrpSpPr>
+      <p:grpSpPr>
+        <a:xfrm>
+          <a:off x="0" y="0"/>
+          <a:ext cx="0" cy="0"/>
+          <a:chOff x="0" y="0"/>
+          <a:chExt cx="0" cy="0"/>
+        </a:xfrm>
+      </p:grpSpPr>
+      <p:grpSp>
+        <p:nvGrpSpPr>
+          <p:cNvPr id="16" name="组合 15">
+            <a:extLst>
+              <a:ext uri="{FF2B5EF4-FFF2-40B4-BE49-F238E27FC236}">
+                <a16:creationId xmlns:a16="http://schemas.microsoft.com/office/drawing/2014/main" id="{575D3877-82A7-6842-2523-F8FCB262C361}"/>
+              </a:ext>
+            </a:extLst>
+          </p:cNvPr>
+          <p:cNvGrpSpPr/>
+          <p:nvPr/>
+        </p:nvGrpSpPr>
+        <p:grpSpPr>
+          <a:xfrm>
+            <a:off x="0" y="0"/>
+            <a:ext cx="12192000" cy="5230570"/>
+            <a:chOff x="0" y="0"/>
+            <a:chExt cx="12192000" cy="5230570"/>
+          </a:xfrm>
+        </p:grpSpPr>
+        <p:pic>
+          <p:nvPicPr>
+            <p:cNvPr id="4" name="图片 3">
+              <a:extLst>
+                <a:ext uri="{FF2B5EF4-FFF2-40B4-BE49-F238E27FC236}">
+                  <a16:creationId xmlns:a16="http://schemas.microsoft.com/office/drawing/2014/main" id="{F916A26E-AF21-DC35-9647-CDADA001101D}"/>
+                </a:ext>
+              </a:extLst>
+            </p:cNvPr>
+            <p:cNvPicPr>
+              <a:picLocks noChangeAspect="1"/>
+            </p:cNvPicPr>
+            <p:nvPr/>
+          </p:nvPicPr>
+          <p:blipFill>
+            <a:blip r:embed="rId2"/>
+            <a:stretch>
+              <a:fillRect/>
+            </a:stretch>
+          </p:blipFill>
+          <p:spPr>
+            <a:xfrm>
+              <a:off x="0" y="0"/>
+              <a:ext cx="6155735" cy="2505075"/>
+            </a:xfrm>
+            <a:prstGeom prst="rect">
+              <a:avLst/>
+            </a:prstGeom>
+          </p:spPr>
+        </p:pic>
+        <p:pic>
+          <p:nvPicPr>
+            <p:cNvPr id="13" name="图片 12">
+              <a:extLst>
+                <a:ext uri="{FF2B5EF4-FFF2-40B4-BE49-F238E27FC236}">
+                  <a16:creationId xmlns:a16="http://schemas.microsoft.com/office/drawing/2014/main" id="{2F8A3422-DAFB-2C4C-0C90-49F5D4CE5059}"/>
+                </a:ext>
+              </a:extLst>
+            </p:cNvPr>
+            <p:cNvPicPr>
+              <a:picLocks noChangeAspect="1"/>
+            </p:cNvPicPr>
+            <p:nvPr/>
+          </p:nvPicPr>
+          <p:blipFill>
+            <a:blip r:embed="rId3"/>
+            <a:stretch>
+              <a:fillRect/>
+            </a:stretch>
+          </p:blipFill>
+          <p:spPr>
+            <a:xfrm>
+              <a:off x="69056" y="2505075"/>
+              <a:ext cx="6017622" cy="2725495"/>
+            </a:xfrm>
+            <a:prstGeom prst="rect">
+              <a:avLst/>
+            </a:prstGeom>
+          </p:spPr>
+        </p:pic>
+        <p:pic>
+          <p:nvPicPr>
+            <p:cNvPr id="14" name="图片 13">
+              <a:extLst>
+                <a:ext uri="{FF2B5EF4-FFF2-40B4-BE49-F238E27FC236}">
+                  <a16:creationId xmlns:a16="http://schemas.microsoft.com/office/drawing/2014/main" id="{90F969D4-1434-9C48-AB57-4E3ADD50A9BD}"/>
+                </a:ext>
+              </a:extLst>
+            </p:cNvPr>
+            <p:cNvPicPr>
+              <a:picLocks noChangeAspect="1"/>
+            </p:cNvPicPr>
+            <p:nvPr/>
+          </p:nvPicPr>
+          <p:blipFill>
+            <a:blip r:embed="rId4"/>
+            <a:stretch>
+              <a:fillRect/>
+            </a:stretch>
+          </p:blipFill>
+          <p:spPr>
+            <a:xfrm>
+              <a:off x="6155734" y="2505076"/>
+              <a:ext cx="5964812" cy="2725494"/>
+            </a:xfrm>
+            <a:prstGeom prst="rect">
+              <a:avLst/>
+            </a:prstGeom>
+          </p:spPr>
+        </p:pic>
+        <p:pic>
+          <p:nvPicPr>
+            <p:cNvPr id="15" name="图片 14">
+              <a:extLst>
+                <a:ext uri="{FF2B5EF4-FFF2-40B4-BE49-F238E27FC236}">
+                  <a16:creationId xmlns:a16="http://schemas.microsoft.com/office/drawing/2014/main" id="{CCAC94F5-491E-A163-B0A8-C3680AE24709}"/>
+                </a:ext>
+              </a:extLst>
+            </p:cNvPr>
+            <p:cNvPicPr>
+              <a:picLocks noChangeAspect="1"/>
+            </p:cNvPicPr>
+            <p:nvPr/>
+          </p:nvPicPr>
+          <p:blipFill>
+            <a:blip r:embed="rId5"/>
+            <a:stretch>
+              <a:fillRect/>
+            </a:stretch>
+          </p:blipFill>
+          <p:spPr>
+            <a:xfrm>
+              <a:off x="6155735" y="0"/>
+              <a:ext cx="6036265" cy="2448513"/>
+            </a:xfrm>
+            <a:prstGeom prst="rect">
+              <a:avLst/>
+            </a:prstGeom>
+          </p:spPr>
+        </p:pic>
+      </p:grpSp>
+    </p:spTree>
+    <p:extLst>
+      <p:ext uri="{BB962C8B-B14F-4D97-AF65-F5344CB8AC3E}">
+        <p14:creationId xmlns:p14="http://schemas.microsoft.com/office/powerpoint/2010/main" val="3557840703"/>
+      </p:ext>
+    </p:extLst>
+  </p:cSld>
+  <p:clrMapOvr>
+    <a:masterClrMapping/>
+  </p:clrMapOvr>
+</p:sld>
+</file>
+
+<file path=ppt/slides/slide3.xml><?xml version="1.0" encoding="utf-8"?>
 <p:sld xmlns:a="http://schemas.openxmlformats.org/drawingml/2006/main" xmlns:r="http://schemas.openxmlformats.org/officeDocument/2006/relationships" xmlns:p="http://schemas.openxmlformats.org/presentationml/2006/main">
   <p:cSld>
     <p:spTree>
@@ -5173,7 +5833,7 @@
 </p:sld>
 </file>
 
-<file path=ppt/slides/slide3.xml><?xml version="1.0" encoding="utf-8"?>
+<file path=ppt/slides/slide4.xml><?xml version="1.0" encoding="utf-8"?>
 <p:sld xmlns:a="http://schemas.openxmlformats.org/drawingml/2006/main" xmlns:r="http://schemas.openxmlformats.org/officeDocument/2006/relationships" xmlns:p="http://schemas.openxmlformats.org/presentationml/2006/main">
   <p:cSld>
     <p:spTree>
@@ -7186,7 +7846,7 @@
 </p:sld>
 </file>
 
-<file path=ppt/slides/slide4.xml><?xml version="1.0" encoding="utf-8"?>
+<file path=ppt/slides/slide5.xml><?xml version="1.0" encoding="utf-8"?>
 <p:sld xmlns:a="http://schemas.openxmlformats.org/drawingml/2006/main" xmlns:r="http://schemas.openxmlformats.org/officeDocument/2006/relationships" xmlns:p="http://schemas.openxmlformats.org/presentationml/2006/main">
   <p:cSld>
     <p:spTree>
@@ -10092,7 +10752,152 @@
 </p:sld>
 </file>
 
-<file path=ppt/slides/slide5.xml><?xml version="1.0" encoding="utf-8"?>
+<file path=ppt/slides/slide6.xml><?xml version="1.0" encoding="utf-8"?>
+<p:sld xmlns:a="http://schemas.openxmlformats.org/drawingml/2006/main" xmlns:r="http://schemas.openxmlformats.org/officeDocument/2006/relationships" xmlns:p="http://schemas.openxmlformats.org/presentationml/2006/main">
+  <p:cSld>
+    <p:spTree>
+      <p:nvGrpSpPr>
+        <p:cNvPr id="1" name=""/>
+        <p:cNvGrpSpPr/>
+        <p:nvPr/>
+      </p:nvGrpSpPr>
+      <p:grpSpPr>
+        <a:xfrm>
+          <a:off x="0" y="0"/>
+          <a:ext cx="0" cy="0"/>
+          <a:chOff x="0" y="0"/>
+          <a:chExt cx="0" cy="0"/>
+        </a:xfrm>
+      </p:grpSpPr>
+      <p:grpSp>
+        <p:nvGrpSpPr>
+          <p:cNvPr id="4" name="组合 3">
+            <a:extLst>
+              <a:ext uri="{FF2B5EF4-FFF2-40B4-BE49-F238E27FC236}">
+                <a16:creationId xmlns:a16="http://schemas.microsoft.com/office/drawing/2014/main" id="{85F23458-4B05-378C-872F-D6F2F6955630}"/>
+              </a:ext>
+            </a:extLst>
+          </p:cNvPr>
+          <p:cNvGrpSpPr/>
+          <p:nvPr/>
+        </p:nvGrpSpPr>
+        <p:grpSpPr>
+          <a:xfrm>
+            <a:off x="3567017" y="1830940"/>
+            <a:ext cx="4891856" cy="2449727"/>
+            <a:chOff x="2297510" y="1484711"/>
+            <a:chExt cx="4891856" cy="2449727"/>
+          </a:xfrm>
+        </p:grpSpPr>
+        <p:sp>
+          <p:nvSpPr>
+            <p:cNvPr id="5" name="Title 1">
+              <a:extLst>
+                <a:ext uri="{FF2B5EF4-FFF2-40B4-BE49-F238E27FC236}">
+                  <a16:creationId xmlns:a16="http://schemas.microsoft.com/office/drawing/2014/main" id="{044497EB-57B3-FBE9-071E-447923CCD1CC}"/>
+                </a:ext>
+              </a:extLst>
+            </p:cNvPr>
+            <p:cNvSpPr txBox="1">
+              <a:spLocks/>
+            </p:cNvSpPr>
+            <p:nvPr/>
+          </p:nvSpPr>
+          <p:spPr>
+            <a:xfrm>
+              <a:off x="2297510" y="3024232"/>
+              <a:ext cx="4891856" cy="910206"/>
+            </a:xfrm>
+            <a:prstGeom prst="rect">
+              <a:avLst/>
+            </a:prstGeom>
+          </p:spPr>
+          <p:txBody>
+            <a:bodyPr vert="horz" lIns="91440" tIns="45720" rIns="91440" bIns="45720" rtlCol="0" anchor="ctr">
+              <a:normAutofit/>
+            </a:bodyPr>
+            <a:lstStyle>
+              <a:lvl1pPr algn="l" defTabSz="914400" rtl="0" eaLnBrk="1" latinLnBrk="0" hangingPunct="1">
+                <a:lnSpc>
+                  <a:spcPct val="90000"/>
+                </a:lnSpc>
+                <a:spcBef>
+                  <a:spcPct val="0"/>
+                </a:spcBef>
+                <a:buNone/>
+                <a:defRPr sz="4400" kern="1200">
+                  <a:solidFill>
+                    <a:schemeClr val="tx1"/>
+                  </a:solidFill>
+                  <a:latin typeface="+mj-lt"/>
+                  <a:ea typeface="+mj-ea"/>
+                  <a:cs typeface="+mj-cs"/>
+                </a:defRPr>
+              </a:lvl1pPr>
+            </a:lstStyle>
+            <a:p>
+              <a:pPr algn="ctr"/>
+              <a:r>
+                <a:rPr lang="en-HK" sz="2800" b="1" dirty="0">
+                  <a:latin typeface="Open Sans" panose="020B0606030504020204" pitchFamily="34" charset="0"/>
+                </a:rPr>
+                <a:t>UNIVERSITI TUNKU ABDUL RAHMAN</a:t>
+              </a:r>
+              <a:endParaRPr lang="en-HK" sz="2800" b="1" dirty="0"/>
+            </a:p>
+          </p:txBody>
+        </p:sp>
+        <p:pic>
+          <p:nvPicPr>
+            <p:cNvPr id="6" name="图片 5" descr="徽标&#10;&#10;描述已自动生成">
+              <a:extLst>
+                <a:ext uri="{FF2B5EF4-FFF2-40B4-BE49-F238E27FC236}">
+                  <a16:creationId xmlns:a16="http://schemas.microsoft.com/office/drawing/2014/main" id="{9EFA56DD-A63A-194E-6522-77EAD029688E}"/>
+                </a:ext>
+              </a:extLst>
+            </p:cNvPr>
+            <p:cNvPicPr>
+              <a:picLocks noChangeAspect="1"/>
+            </p:cNvPicPr>
+            <p:nvPr/>
+          </p:nvPicPr>
+          <p:blipFill>
+            <a:blip r:embed="rId2">
+              <a:extLst>
+                <a:ext uri="{28A0092B-C50C-407E-A947-70E740481C1C}">
+                  <a14:useLocalDpi xmlns:a14="http://schemas.microsoft.com/office/drawing/2010/main" val="0"/>
+                </a:ext>
+              </a:extLst>
+            </a:blip>
+            <a:stretch>
+              <a:fillRect/>
+            </a:stretch>
+          </p:blipFill>
+          <p:spPr>
+            <a:xfrm>
+              <a:off x="3339240" y="1484711"/>
+              <a:ext cx="2819079" cy="1417880"/>
+            </a:xfrm>
+            <a:prstGeom prst="rect">
+              <a:avLst/>
+            </a:prstGeom>
+          </p:spPr>
+        </p:pic>
+      </p:grpSp>
+    </p:spTree>
+    <p:extLst>
+      <p:ext uri="{BB962C8B-B14F-4D97-AF65-F5344CB8AC3E}">
+        <p14:creationId xmlns:p14="http://schemas.microsoft.com/office/powerpoint/2010/main" val="1914114955"/>
+      </p:ext>
+    </p:extLst>
+  </p:cSld>
+  <p:clrMapOvr>
+    <a:masterClrMapping/>
+  </p:clrMapOvr>
+</p:sld>
+</file>
+
+<file path=ppt/slides/slide7.xml><?xml version="1.0" encoding="utf-8"?>
 <p:sld xmlns:a="http://schemas.openxmlformats.org/drawingml/2006/main" xmlns:r="http://schemas.openxmlformats.org/officeDocument/2006/relationships" xmlns:p="http://schemas.openxmlformats.org/presentationml/2006/main">
   <p:cSld>
     <p:spTree>
@@ -10718,7 +11523,7 @@
 </p:sld>
 </file>
 
-<file path=ppt/slides/slide6.xml><?xml version="1.0" encoding="utf-8"?>
+<file path=ppt/slides/slide8.xml><?xml version="1.0" encoding="utf-8"?>
 <p:sld xmlns:a="http://schemas.openxmlformats.org/drawingml/2006/main" xmlns:r="http://schemas.openxmlformats.org/officeDocument/2006/relationships" xmlns:p="http://schemas.openxmlformats.org/presentationml/2006/main">
   <p:cSld>
     <p:spTree>
@@ -11023,7 +11828,7 @@
 </p:sld>
 </file>
 
-<file path=ppt/slides/slide7.xml><?xml version="1.0" encoding="utf-8"?>
+<file path=ppt/slides/slide9.xml><?xml version="1.0" encoding="utf-8"?>
 <p:sld xmlns:a="http://schemas.openxmlformats.org/drawingml/2006/main" xmlns:r="http://schemas.openxmlformats.org/officeDocument/2006/relationships" xmlns:p="http://schemas.openxmlformats.org/presentationml/2006/main">
   <p:cSld>
     <p:spTree>
@@ -11134,327 +11939,6 @@
     <p:extLst>
       <p:ext uri="{BB962C8B-B14F-4D97-AF65-F5344CB8AC3E}">
         <p14:creationId xmlns:p14="http://schemas.microsoft.com/office/powerpoint/2010/main" val="401007361"/>
-      </p:ext>
-    </p:extLst>
-  </p:cSld>
-  <p:clrMapOvr>
-    <a:masterClrMapping/>
-  </p:clrMapOvr>
-</p:sld>
-</file>
-
-<file path=ppt/slides/slide8.xml><?xml version="1.0" encoding="utf-8"?>
-<p:sld xmlns:a="http://schemas.openxmlformats.org/drawingml/2006/main" xmlns:r="http://schemas.openxmlformats.org/officeDocument/2006/relationships" xmlns:p="http://schemas.openxmlformats.org/presentationml/2006/main">
-  <p:cSld>
-    <p:spTree>
-      <p:nvGrpSpPr>
-        <p:cNvPr id="1" name=""/>
-        <p:cNvGrpSpPr/>
-        <p:nvPr/>
-      </p:nvGrpSpPr>
-      <p:grpSpPr>
-        <a:xfrm>
-          <a:off x="0" y="0"/>
-          <a:ext cx="0" cy="0"/>
-          <a:chOff x="0" y="0"/>
-          <a:chExt cx="0" cy="0"/>
-        </a:xfrm>
-      </p:grpSpPr>
-      <p:pic>
-        <p:nvPicPr>
-          <p:cNvPr id="4" name="图片 3">
-            <a:extLst>
-              <a:ext uri="{FF2B5EF4-FFF2-40B4-BE49-F238E27FC236}">
-                <a16:creationId xmlns:a16="http://schemas.microsoft.com/office/drawing/2014/main" id="{8133EE48-992C-039F-D61A-CFC680595CE0}"/>
-              </a:ext>
-            </a:extLst>
-          </p:cNvPr>
-          <p:cNvPicPr>
-            <a:picLocks noChangeAspect="1"/>
-          </p:cNvPicPr>
-          <p:nvPr/>
-        </p:nvPicPr>
-        <p:blipFill>
-          <a:blip r:embed="rId2"/>
-          <a:stretch>
-            <a:fillRect/>
-          </a:stretch>
-        </p:blipFill>
-        <p:spPr>
-          <a:xfrm>
-            <a:off x="0" y="1"/>
-            <a:ext cx="5493026" cy="2905522"/>
-          </a:xfrm>
-          <a:prstGeom prst="rect">
-            <a:avLst/>
-          </a:prstGeom>
-        </p:spPr>
-      </p:pic>
-      <p:pic>
-        <p:nvPicPr>
-          <p:cNvPr id="8" name="图片 7">
-            <a:extLst>
-              <a:ext uri="{FF2B5EF4-FFF2-40B4-BE49-F238E27FC236}">
-                <a16:creationId xmlns:a16="http://schemas.microsoft.com/office/drawing/2014/main" id="{70DCC77C-F325-7BF6-1C32-DC36C2BDF99F}"/>
-              </a:ext>
-            </a:extLst>
-          </p:cNvPr>
-          <p:cNvPicPr>
-            <a:picLocks noChangeAspect="1"/>
-          </p:cNvPicPr>
-          <p:nvPr/>
-        </p:nvPicPr>
-        <p:blipFill rotWithShape="1">
-          <a:blip r:embed="rId2"/>
-          <a:srcRect b="40661"/>
-          <a:stretch/>
-        </p:blipFill>
-        <p:spPr>
-          <a:xfrm>
-            <a:off x="0" y="3231811"/>
-            <a:ext cx="5493026" cy="1724097"/>
-          </a:xfrm>
-          <a:prstGeom prst="rect">
-            <a:avLst/>
-          </a:prstGeom>
-        </p:spPr>
-      </p:pic>
-      <p:pic>
-        <p:nvPicPr>
-          <p:cNvPr id="9" name="图片 8">
-            <a:extLst>
-              <a:ext uri="{FF2B5EF4-FFF2-40B4-BE49-F238E27FC236}">
-                <a16:creationId xmlns:a16="http://schemas.microsoft.com/office/drawing/2014/main" id="{4401A8DA-BF9D-FAD6-C188-B67F6C3E8CE4}"/>
-              </a:ext>
-            </a:extLst>
-          </p:cNvPr>
-          <p:cNvPicPr>
-            <a:picLocks noChangeAspect="1"/>
-          </p:cNvPicPr>
-          <p:nvPr/>
-        </p:nvPicPr>
-        <p:blipFill rotWithShape="1">
-          <a:blip r:embed="rId2"/>
-          <a:srcRect t="60344" r="74077"/>
-          <a:stretch/>
-        </p:blipFill>
-        <p:spPr>
-          <a:xfrm>
-            <a:off x="0" y="4936747"/>
-            <a:ext cx="1423951" cy="1152213"/>
-          </a:xfrm>
-          <a:prstGeom prst="rect">
-            <a:avLst/>
-          </a:prstGeom>
-        </p:spPr>
-      </p:pic>
-      <p:pic>
-        <p:nvPicPr>
-          <p:cNvPr id="11" name="图片 10">
-            <a:extLst>
-              <a:ext uri="{FF2B5EF4-FFF2-40B4-BE49-F238E27FC236}">
-                <a16:creationId xmlns:a16="http://schemas.microsoft.com/office/drawing/2014/main" id="{6084358B-3761-0863-BE17-3FD34FFE3B0F}"/>
-              </a:ext>
-            </a:extLst>
-          </p:cNvPr>
-          <p:cNvPicPr>
-            <a:picLocks noChangeAspect="1"/>
-          </p:cNvPicPr>
-          <p:nvPr/>
-        </p:nvPicPr>
-        <p:blipFill rotWithShape="1">
-          <a:blip r:embed="rId2"/>
-          <a:srcRect l="26375" t="59877" r="48439"/>
-          <a:stretch/>
-        </p:blipFill>
-        <p:spPr>
-          <a:xfrm>
-            <a:off x="4109551" y="4929959"/>
-            <a:ext cx="1383475" cy="1165788"/>
-          </a:xfrm>
-          <a:prstGeom prst="rect">
-            <a:avLst/>
-          </a:prstGeom>
-        </p:spPr>
-      </p:pic>
-      <p:pic>
-        <p:nvPicPr>
-          <p:cNvPr id="12" name="图片 11">
-            <a:extLst>
-              <a:ext uri="{FF2B5EF4-FFF2-40B4-BE49-F238E27FC236}">
-                <a16:creationId xmlns:a16="http://schemas.microsoft.com/office/drawing/2014/main" id="{C4995BEC-1688-1030-E9FC-22B364D5BF12}"/>
-              </a:ext>
-            </a:extLst>
-          </p:cNvPr>
-          <p:cNvPicPr>
-            <a:picLocks noChangeAspect="1"/>
-          </p:cNvPicPr>
-          <p:nvPr/>
-        </p:nvPicPr>
-        <p:blipFill rotWithShape="1">
-          <a:blip r:embed="rId2"/>
-          <a:srcRect b="40661"/>
-          <a:stretch/>
-        </p:blipFill>
-        <p:spPr>
-          <a:xfrm>
-            <a:off x="5929746" y="41587"/>
-            <a:ext cx="5493026" cy="1724097"/>
-          </a:xfrm>
-          <a:prstGeom prst="rect">
-            <a:avLst/>
-          </a:prstGeom>
-        </p:spPr>
-      </p:pic>
-      <p:pic>
-        <p:nvPicPr>
-          <p:cNvPr id="13" name="图片 12">
-            <a:extLst>
-              <a:ext uri="{FF2B5EF4-FFF2-40B4-BE49-F238E27FC236}">
-                <a16:creationId xmlns:a16="http://schemas.microsoft.com/office/drawing/2014/main" id="{DF6B4E85-0750-8A58-1A5D-BF54EE0DC555}"/>
-              </a:ext>
-            </a:extLst>
-          </p:cNvPr>
-          <p:cNvPicPr>
-            <a:picLocks noChangeAspect="1"/>
-          </p:cNvPicPr>
-          <p:nvPr/>
-        </p:nvPicPr>
-        <p:blipFill rotWithShape="1">
-          <a:blip r:embed="rId2"/>
-          <a:srcRect t="60344" r="74077"/>
-          <a:stretch/>
-        </p:blipFill>
-        <p:spPr>
-          <a:xfrm>
-            <a:off x="5929746" y="1746523"/>
-            <a:ext cx="1423951" cy="1152213"/>
-          </a:xfrm>
-          <a:prstGeom prst="rect">
-            <a:avLst/>
-          </a:prstGeom>
-        </p:spPr>
-      </p:pic>
-      <p:pic>
-        <p:nvPicPr>
-          <p:cNvPr id="14" name="图片 13">
-            <a:extLst>
-              <a:ext uri="{FF2B5EF4-FFF2-40B4-BE49-F238E27FC236}">
-                <a16:creationId xmlns:a16="http://schemas.microsoft.com/office/drawing/2014/main" id="{B0DAE54E-96FB-4936-E408-C8DE17DCEA5A}"/>
-              </a:ext>
-            </a:extLst>
-          </p:cNvPr>
-          <p:cNvPicPr>
-            <a:picLocks noChangeAspect="1"/>
-          </p:cNvPicPr>
-          <p:nvPr/>
-        </p:nvPicPr>
-        <p:blipFill rotWithShape="1">
-          <a:blip r:embed="rId2"/>
-          <a:srcRect l="26375" t="59877" r="48439"/>
-          <a:stretch/>
-        </p:blipFill>
-        <p:spPr>
-          <a:xfrm>
-            <a:off x="8162995" y="1739735"/>
-            <a:ext cx="1383475" cy="1165788"/>
-          </a:xfrm>
-          <a:prstGeom prst="rect">
-            <a:avLst/>
-          </a:prstGeom>
-        </p:spPr>
-      </p:pic>
-      <p:pic>
-        <p:nvPicPr>
-          <p:cNvPr id="15" name="图片 14">
-            <a:extLst>
-              <a:ext uri="{FF2B5EF4-FFF2-40B4-BE49-F238E27FC236}">
-                <a16:creationId xmlns:a16="http://schemas.microsoft.com/office/drawing/2014/main" id="{1AD3EF3C-2FDE-77B1-77A5-2D1F39AEA2B6}"/>
-              </a:ext>
-            </a:extLst>
-          </p:cNvPr>
-          <p:cNvPicPr>
-            <a:picLocks noChangeAspect="1"/>
-          </p:cNvPicPr>
-          <p:nvPr/>
-        </p:nvPicPr>
-        <p:blipFill rotWithShape="1">
-          <a:blip r:embed="rId2"/>
-          <a:srcRect b="40661"/>
-          <a:stretch/>
-        </p:blipFill>
-        <p:spPr>
-          <a:xfrm>
-            <a:off x="5929746" y="3257760"/>
-            <a:ext cx="5493026" cy="1724097"/>
-          </a:xfrm>
-          <a:prstGeom prst="rect">
-            <a:avLst/>
-          </a:prstGeom>
-        </p:spPr>
-      </p:pic>
-      <p:pic>
-        <p:nvPicPr>
-          <p:cNvPr id="16" name="图片 15">
-            <a:extLst>
-              <a:ext uri="{FF2B5EF4-FFF2-40B4-BE49-F238E27FC236}">
-                <a16:creationId xmlns:a16="http://schemas.microsoft.com/office/drawing/2014/main" id="{5E4AA7D8-80BA-333C-F90F-D73E6FBCB985}"/>
-              </a:ext>
-            </a:extLst>
-          </p:cNvPr>
-          <p:cNvPicPr>
-            <a:picLocks noChangeAspect="1"/>
-          </p:cNvPicPr>
-          <p:nvPr/>
-        </p:nvPicPr>
-        <p:blipFill rotWithShape="1">
-          <a:blip r:embed="rId2"/>
-          <a:srcRect t="60344" r="74077"/>
-          <a:stretch/>
-        </p:blipFill>
-        <p:spPr>
-          <a:xfrm>
-            <a:off x="7353697" y="4962696"/>
-            <a:ext cx="1423951" cy="1152213"/>
-          </a:xfrm>
-          <a:prstGeom prst="rect">
-            <a:avLst/>
-          </a:prstGeom>
-        </p:spPr>
-      </p:pic>
-      <p:pic>
-        <p:nvPicPr>
-          <p:cNvPr id="17" name="图片 16">
-            <a:extLst>
-              <a:ext uri="{FF2B5EF4-FFF2-40B4-BE49-F238E27FC236}">
-                <a16:creationId xmlns:a16="http://schemas.microsoft.com/office/drawing/2014/main" id="{F951C286-6BB5-5302-7B6D-4E7685403C26}"/>
-              </a:ext>
-            </a:extLst>
-          </p:cNvPr>
-          <p:cNvPicPr>
-            <a:picLocks noChangeAspect="1"/>
-          </p:cNvPicPr>
-          <p:nvPr/>
-        </p:nvPicPr>
-        <p:blipFill rotWithShape="1">
-          <a:blip r:embed="rId2"/>
-          <a:srcRect l="26375" t="59877" r="48439"/>
-          <a:stretch/>
-        </p:blipFill>
-        <p:spPr>
-          <a:xfrm>
-            <a:off x="8910839" y="4923172"/>
-            <a:ext cx="1383475" cy="1165788"/>
-          </a:xfrm>
-          <a:prstGeom prst="rect">
-            <a:avLst/>
-          </a:prstGeom>
-        </p:spPr>
-      </p:pic>
-    </p:spTree>
-    <p:extLst>
-      <p:ext uri="{BB962C8B-B14F-4D97-AF65-F5344CB8AC3E}">
-        <p14:creationId xmlns:p14="http://schemas.microsoft.com/office/powerpoint/2010/main" val="2809007463"/>
       </p:ext>
     </p:extLst>
   </p:cSld>

--- a/assets/figures.pptx
+++ b/assets/figures.pptx
@@ -137,7 +137,7 @@
   <pc:docChgLst>
     <pc:chgData name="ZHANG Xiangyu" userId="0af619d5-14b7-43d3-95bc-94ad39c803d6" providerId="ADAL" clId="{0190945F-89A7-4B46-967C-3ACE53AB7830}"/>
     <pc:docChg chg="undo redo custSel addSld modSld">
-      <pc:chgData name="ZHANG Xiangyu" userId="0af619d5-14b7-43d3-95bc-94ad39c803d6" providerId="ADAL" clId="{0190945F-89A7-4B46-967C-3ACE53AB7830}" dt="2024-01-16T13:43:48.121" v="1300" actId="478"/>
+      <pc:chgData name="ZHANG Xiangyu" userId="0af619d5-14b7-43d3-95bc-94ad39c803d6" providerId="ADAL" clId="{0190945F-89A7-4B46-967C-3ACE53AB7830}" dt="2024-01-16T14:04:36.080" v="1301" actId="207"/>
       <pc:docMkLst>
         <pc:docMk/>
       </pc:docMkLst>
@@ -1054,7 +1054,7 @@
         </pc:picChg>
       </pc:sldChg>
       <pc:sldChg chg="addSp delSp modSp new mod">
-        <pc:chgData name="ZHANG Xiangyu" userId="0af619d5-14b7-43d3-95bc-94ad39c803d6" providerId="ADAL" clId="{0190945F-89A7-4B46-967C-3ACE53AB7830}" dt="2024-01-16T13:08:36.596" v="1245" actId="1076"/>
+        <pc:chgData name="ZHANG Xiangyu" userId="0af619d5-14b7-43d3-95bc-94ad39c803d6" providerId="ADAL" clId="{0190945F-89A7-4B46-967C-3ACE53AB7830}" dt="2024-01-16T14:04:36.080" v="1301" actId="207"/>
         <pc:sldMkLst>
           <pc:docMk/>
           <pc:sldMk cId="1914114955" sldId="264"/>
@@ -1076,7 +1076,7 @@
           </ac:spMkLst>
         </pc:spChg>
         <pc:spChg chg="mod">
-          <ac:chgData name="ZHANG Xiangyu" userId="0af619d5-14b7-43d3-95bc-94ad39c803d6" providerId="ADAL" clId="{0190945F-89A7-4B46-967C-3ACE53AB7830}" dt="2024-01-16T13:08:33.421" v="1244"/>
+          <ac:chgData name="ZHANG Xiangyu" userId="0af619d5-14b7-43d3-95bc-94ad39c803d6" providerId="ADAL" clId="{0190945F-89A7-4B46-967C-3ACE53AB7830}" dt="2024-01-16T14:04:36.080" v="1301" actId="207"/>
           <ac:spMkLst>
             <pc:docMk/>
             <pc:sldMk cId="1914114955" sldId="264"/>
@@ -10839,11 +10839,18 @@
               <a:pPr algn="ctr"/>
               <a:r>
                 <a:rPr lang="en-HK" sz="2800" b="1" dirty="0">
+                  <a:solidFill>
+                    <a:srgbClr val="002060"/>
+                  </a:solidFill>
                   <a:latin typeface="Open Sans" panose="020B0606030504020204" pitchFamily="34" charset="0"/>
                 </a:rPr>
                 <a:t>UNIVERSITI TUNKU ABDUL RAHMAN</a:t>
               </a:r>
-              <a:endParaRPr lang="en-HK" sz="2800" b="1" dirty="0"/>
+              <a:endParaRPr lang="en-HK" sz="2800" b="1" dirty="0">
+                <a:solidFill>
+                  <a:srgbClr val="002060"/>
+                </a:solidFill>
+              </a:endParaRPr>
             </a:p>
           </p:txBody>
         </p:sp>

--- a/assets/figures.pptx
+++ b/assets/figures.pptx
@@ -127,7 +127,7 @@
 <file path=ppt/revisionInfo.xml><?xml version="1.0" encoding="utf-8"?>
 <p1510:revInfo xmlns:a="http://schemas.openxmlformats.org/drawingml/2006/main" xmlns:r="http://schemas.openxmlformats.org/officeDocument/2006/relationships" xmlns:p1510="http://schemas.microsoft.com/office/powerpoint/2015/10/main">
   <p1510:revLst>
-    <p1510:client id="{0190945F-89A7-4B46-967C-3ACE53AB7830}" v="286" dt="2024-01-16T13:43:40.250"/>
+    <p1510:client id="{0190945F-89A7-4B46-967C-3ACE53AB7830}" v="289" dt="2024-01-16T14:16:55.259"/>
   </p1510:revLst>
 </p1510:revInfo>
 </file>
@@ -137,7 +137,7 @@
   <pc:docChgLst>
     <pc:chgData name="ZHANG Xiangyu" userId="0af619d5-14b7-43d3-95bc-94ad39c803d6" providerId="ADAL" clId="{0190945F-89A7-4B46-967C-3ACE53AB7830}"/>
     <pc:docChg chg="undo redo custSel addSld modSld">
-      <pc:chgData name="ZHANG Xiangyu" userId="0af619d5-14b7-43d3-95bc-94ad39c803d6" providerId="ADAL" clId="{0190945F-89A7-4B46-967C-3ACE53AB7830}" dt="2024-01-16T14:04:36.080" v="1301" actId="207"/>
+      <pc:chgData name="ZHANG Xiangyu" userId="0af619d5-14b7-43d3-95bc-94ad39c803d6" providerId="ADAL" clId="{0190945F-89A7-4B46-967C-3ACE53AB7830}" dt="2024-01-16T14:17:04.880" v="1317" actId="478"/>
       <pc:docMkLst>
         <pc:docMk/>
       </pc:docMkLst>
@@ -1054,7 +1054,7 @@
         </pc:picChg>
       </pc:sldChg>
       <pc:sldChg chg="addSp delSp modSp new mod">
-        <pc:chgData name="ZHANG Xiangyu" userId="0af619d5-14b7-43d3-95bc-94ad39c803d6" providerId="ADAL" clId="{0190945F-89A7-4B46-967C-3ACE53AB7830}" dt="2024-01-16T14:04:36.080" v="1301" actId="207"/>
+        <pc:chgData name="ZHANG Xiangyu" userId="0af619d5-14b7-43d3-95bc-94ad39c803d6" providerId="ADAL" clId="{0190945F-89A7-4B46-967C-3ACE53AB7830}" dt="2024-01-16T14:17:04.880" v="1317" actId="478"/>
         <pc:sldMkLst>
           <pc:docMk/>
           <pc:sldMk cId="1914114955" sldId="264"/>
@@ -1076,11 +1076,19 @@
           </ac:spMkLst>
         </pc:spChg>
         <pc:spChg chg="mod">
-          <ac:chgData name="ZHANG Xiangyu" userId="0af619d5-14b7-43d3-95bc-94ad39c803d6" providerId="ADAL" clId="{0190945F-89A7-4B46-967C-3ACE53AB7830}" dt="2024-01-16T14:04:36.080" v="1301" actId="207"/>
+          <ac:chgData name="ZHANG Xiangyu" userId="0af619d5-14b7-43d3-95bc-94ad39c803d6" providerId="ADAL" clId="{0190945F-89A7-4B46-967C-3ACE53AB7830}" dt="2024-01-16T14:15:10.693" v="1307" actId="207"/>
           <ac:spMkLst>
             <pc:docMk/>
             <pc:sldMk cId="1914114955" sldId="264"/>
             <ac:spMk id="5" creationId="{044497EB-57B3-FBE9-071E-447923CCD1CC}"/>
+          </ac:spMkLst>
+        </pc:spChg>
+        <pc:spChg chg="add del mod">
+          <ac:chgData name="ZHANG Xiangyu" userId="0af619d5-14b7-43d3-95bc-94ad39c803d6" providerId="ADAL" clId="{0190945F-89A7-4B46-967C-3ACE53AB7830}" dt="2024-01-16T14:17:04.880" v="1317" actId="478"/>
+          <ac:spMkLst>
+            <pc:docMk/>
+            <pc:sldMk cId="1914114955" sldId="264"/>
+            <ac:spMk id="8" creationId="{22A5F8F4-7E08-D8CC-8B40-F8C4F1A525F7}"/>
           </ac:spMkLst>
         </pc:spChg>
         <pc:grpChg chg="add mod">
@@ -1091,6 +1099,22 @@
             <ac:grpSpMk id="4" creationId="{85F23458-4B05-378C-872F-D6F2F6955630}"/>
           </ac:grpSpMkLst>
         </pc:grpChg>
+        <pc:picChg chg="add del mod">
+          <ac:chgData name="ZHANG Xiangyu" userId="0af619d5-14b7-43d3-95bc-94ad39c803d6" providerId="ADAL" clId="{0190945F-89A7-4B46-967C-3ACE53AB7830}" dt="2024-01-16T14:16:50.812" v="1310" actId="478"/>
+          <ac:picMkLst>
+            <pc:docMk/>
+            <pc:sldMk cId="1914114955" sldId="264"/>
+            <ac:picMk id="2" creationId="{CECFE0E8-4F91-C133-F34A-81EAACFB0F47}"/>
+          </ac:picMkLst>
+        </pc:picChg>
+        <pc:picChg chg="add mod">
+          <ac:chgData name="ZHANG Xiangyu" userId="0af619d5-14b7-43d3-95bc-94ad39c803d6" providerId="ADAL" clId="{0190945F-89A7-4B46-967C-3ACE53AB7830}" dt="2024-01-16T14:16:52.108" v="1311" actId="1076"/>
+          <ac:picMkLst>
+            <pc:docMk/>
+            <pc:sldMk cId="1914114955" sldId="264"/>
+            <ac:picMk id="3" creationId="{A2B67B8D-9ED9-84AD-B857-D8A8AE46B1CB}"/>
+          </ac:picMkLst>
+        </pc:picChg>
         <pc:picChg chg="mod">
           <ac:chgData name="ZHANG Xiangyu" userId="0af619d5-14b7-43d3-95bc-94ad39c803d6" providerId="ADAL" clId="{0190945F-89A7-4B46-967C-3ACE53AB7830}" dt="2024-01-16T13:08:33.421" v="1244"/>
           <ac:picMkLst>
@@ -10840,7 +10864,7 @@
               <a:r>
                 <a:rPr lang="en-HK" sz="2800" b="1" dirty="0">
                   <a:solidFill>
-                    <a:srgbClr val="002060"/>
+                    <a:srgbClr val="0978C2"/>
                   </a:solidFill>
                   <a:latin typeface="Open Sans" panose="020B0606030504020204" pitchFamily="34" charset="0"/>
                 </a:rPr>
@@ -10848,7 +10872,7 @@
               </a:r>
               <a:endParaRPr lang="en-HK" sz="2800" b="1" dirty="0">
                 <a:solidFill>
-                  <a:srgbClr val="002060"/>
+                  <a:srgbClr val="0978C2"/>
                 </a:solidFill>
               </a:endParaRPr>
             </a:p>
@@ -10891,6 +10915,36 @@
           </p:spPr>
         </p:pic>
       </p:grpSp>
+      <p:pic>
+        <p:nvPicPr>
+          <p:cNvPr id="3" name="图片 2">
+            <a:extLst>
+              <a:ext uri="{FF2B5EF4-FFF2-40B4-BE49-F238E27FC236}">
+                <a16:creationId xmlns:a16="http://schemas.microsoft.com/office/drawing/2014/main" id="{A2B67B8D-9ED9-84AD-B857-D8A8AE46B1CB}"/>
+              </a:ext>
+            </a:extLst>
+          </p:cNvPr>
+          <p:cNvPicPr>
+            <a:picLocks noChangeAspect="1"/>
+          </p:cNvPicPr>
+          <p:nvPr/>
+        </p:nvPicPr>
+        <p:blipFill>
+          <a:blip r:embed="rId3"/>
+          <a:stretch>
+            <a:fillRect/>
+          </a:stretch>
+        </p:blipFill>
+        <p:spPr>
+          <a:xfrm>
+            <a:off x="10013882" y="2967215"/>
+            <a:ext cx="2654436" cy="806491"/>
+          </a:xfrm>
+          <a:prstGeom prst="rect">
+            <a:avLst/>
+          </a:prstGeom>
+        </p:spPr>
+      </p:pic>
     </p:spTree>
     <p:extLst>
       <p:ext uri="{BB962C8B-B14F-4D97-AF65-F5344CB8AC3E}">

--- a/assets/figures.pptx
+++ b/assets/figures.pptx
@@ -127,7 +127,7 @@
 <file path=ppt/revisionInfo.xml><?xml version="1.0" encoding="utf-8"?>
 <p1510:revInfo xmlns:a="http://schemas.openxmlformats.org/drawingml/2006/main" xmlns:r="http://schemas.openxmlformats.org/officeDocument/2006/relationships" xmlns:p1510="http://schemas.microsoft.com/office/powerpoint/2015/10/main">
   <p1510:revLst>
-    <p1510:client id="{0190945F-89A7-4B46-967C-3ACE53AB7830}" v="289" dt="2024-01-16T14:16:55.259"/>
+    <p1510:client id="{0190945F-89A7-4B46-967C-3ACE53AB7830}" v="291" dt="2024-01-19T00:51:45.194"/>
   </p1510:revLst>
 </p1510:revInfo>
 </file>
@@ -137,7 +137,7 @@
   <pc:docChgLst>
     <pc:chgData name="ZHANG Xiangyu" userId="0af619d5-14b7-43d3-95bc-94ad39c803d6" providerId="ADAL" clId="{0190945F-89A7-4B46-967C-3ACE53AB7830}"/>
     <pc:docChg chg="undo redo custSel addSld modSld">
-      <pc:chgData name="ZHANG Xiangyu" userId="0af619d5-14b7-43d3-95bc-94ad39c803d6" providerId="ADAL" clId="{0190945F-89A7-4B46-967C-3ACE53AB7830}" dt="2024-01-16T14:17:04.880" v="1317" actId="478"/>
+      <pc:chgData name="ZHANG Xiangyu" userId="0af619d5-14b7-43d3-95bc-94ad39c803d6" providerId="ADAL" clId="{0190945F-89A7-4B46-967C-3ACE53AB7830}" dt="2024-01-19T00:51:45.193" v="1331" actId="5736"/>
       <pc:docMkLst>
         <pc:docMk/>
       </pc:docMkLst>
@@ -895,7 +895,7 @@
         </pc:picChg>
       </pc:sldChg>
       <pc:sldChg chg="addSp delSp modSp add mod">
-        <pc:chgData name="ZHANG Xiangyu" userId="0af619d5-14b7-43d3-95bc-94ad39c803d6" providerId="ADAL" clId="{0190945F-89A7-4B46-967C-3ACE53AB7830}" dt="2024-01-16T09:08:48.328" v="1241" actId="5736"/>
+        <pc:chgData name="ZHANG Xiangyu" userId="0af619d5-14b7-43d3-95bc-94ad39c803d6" providerId="ADAL" clId="{0190945F-89A7-4B46-967C-3ACE53AB7830}" dt="2024-01-19T00:51:45.193" v="1331" actId="5736"/>
         <pc:sldMkLst>
           <pc:docMk/>
           <pc:sldMk cId="1994468853" sldId="263"/>
@@ -965,7 +965,7 @@
           </ac:graphicFrameMkLst>
         </pc:graphicFrameChg>
         <pc:graphicFrameChg chg="mod modGraphic">
-          <ac:chgData name="ZHANG Xiangyu" userId="0af619d5-14b7-43d3-95bc-94ad39c803d6" providerId="ADAL" clId="{0190945F-89A7-4B46-967C-3ACE53AB7830}" dt="2024-01-16T09:08:48.328" v="1241" actId="5736"/>
+          <ac:chgData name="ZHANG Xiangyu" userId="0af619d5-14b7-43d3-95bc-94ad39c803d6" providerId="ADAL" clId="{0190945F-89A7-4B46-967C-3ACE53AB7830}" dt="2024-01-19T00:51:31.210" v="1330" actId="5736"/>
           <ac:graphicFrameMkLst>
             <pc:docMk/>
             <pc:sldMk cId="1994468853" sldId="263"/>
@@ -981,7 +981,7 @@
           </ac:graphicFrameMkLst>
         </pc:graphicFrameChg>
         <pc:graphicFrameChg chg="add mod modGraphic">
-          <ac:chgData name="ZHANG Xiangyu" userId="0af619d5-14b7-43d3-95bc-94ad39c803d6" providerId="ADAL" clId="{0190945F-89A7-4B46-967C-3ACE53AB7830}" dt="2024-01-16T09:08:41.538" v="1240" actId="5736"/>
+          <ac:chgData name="ZHANG Xiangyu" userId="0af619d5-14b7-43d3-95bc-94ad39c803d6" providerId="ADAL" clId="{0190945F-89A7-4B46-967C-3ACE53AB7830}" dt="2024-01-19T00:51:45.193" v="1331" actId="5736"/>
           <ac:graphicFrameMkLst>
             <pc:docMk/>
             <pc:sldMk cId="1994468853" sldId="263"/>
@@ -1330,7 +1330,7 @@
           <a:p>
             <a:fld id="{B6A0FF1A-FA3A-44F4-8102-A8B090DA15CE}" type="datetimeFigureOut">
               <a:rPr lang="zh-CN" altLang="en-US" smtClean="0"/>
-              <a:t>2024/1/16</a:t>
+              <a:t>2024/1/19</a:t>
             </a:fld>
             <a:endParaRPr lang="zh-CN" altLang="en-US"/>
           </a:p>
@@ -1912,7 +1912,7 @@
           <a:p>
             <a:fld id="{443201C6-C6B2-4F96-9DF6-297028943761}" type="datetimeFigureOut">
               <a:rPr lang="zh-CN" altLang="en-US" smtClean="0"/>
-              <a:t>2024/1/16</a:t>
+              <a:t>2024/1/19</a:t>
             </a:fld>
             <a:endParaRPr lang="zh-CN" altLang="en-US"/>
           </a:p>
@@ -2110,7 +2110,7 @@
           <a:p>
             <a:fld id="{443201C6-C6B2-4F96-9DF6-297028943761}" type="datetimeFigureOut">
               <a:rPr lang="zh-CN" altLang="en-US" smtClean="0"/>
-              <a:t>2024/1/16</a:t>
+              <a:t>2024/1/19</a:t>
             </a:fld>
             <a:endParaRPr lang="zh-CN" altLang="en-US"/>
           </a:p>
@@ -2318,7 +2318,7 @@
           <a:p>
             <a:fld id="{443201C6-C6B2-4F96-9DF6-297028943761}" type="datetimeFigureOut">
               <a:rPr lang="zh-CN" altLang="en-US" smtClean="0"/>
-              <a:t>2024/1/16</a:t>
+              <a:t>2024/1/19</a:t>
             </a:fld>
             <a:endParaRPr lang="zh-CN" altLang="en-US"/>
           </a:p>
@@ -2516,7 +2516,7 @@
           <a:p>
             <a:fld id="{443201C6-C6B2-4F96-9DF6-297028943761}" type="datetimeFigureOut">
               <a:rPr lang="zh-CN" altLang="en-US" smtClean="0"/>
-              <a:t>2024/1/16</a:t>
+              <a:t>2024/1/19</a:t>
             </a:fld>
             <a:endParaRPr lang="zh-CN" altLang="en-US"/>
           </a:p>
@@ -2791,7 +2791,7 @@
           <a:p>
             <a:fld id="{443201C6-C6B2-4F96-9DF6-297028943761}" type="datetimeFigureOut">
               <a:rPr lang="zh-CN" altLang="en-US" smtClean="0"/>
-              <a:t>2024/1/16</a:t>
+              <a:t>2024/1/19</a:t>
             </a:fld>
             <a:endParaRPr lang="zh-CN" altLang="en-US"/>
           </a:p>
@@ -3056,7 +3056,7 @@
           <a:p>
             <a:fld id="{443201C6-C6B2-4F96-9DF6-297028943761}" type="datetimeFigureOut">
               <a:rPr lang="zh-CN" altLang="en-US" smtClean="0"/>
-              <a:t>2024/1/16</a:t>
+              <a:t>2024/1/19</a:t>
             </a:fld>
             <a:endParaRPr lang="zh-CN" altLang="en-US"/>
           </a:p>
@@ -3468,7 +3468,7 @@
           <a:p>
             <a:fld id="{443201C6-C6B2-4F96-9DF6-297028943761}" type="datetimeFigureOut">
               <a:rPr lang="zh-CN" altLang="en-US" smtClean="0"/>
-              <a:t>2024/1/16</a:t>
+              <a:t>2024/1/19</a:t>
             </a:fld>
             <a:endParaRPr lang="zh-CN" altLang="en-US"/>
           </a:p>
@@ -3609,7 +3609,7 @@
           <a:p>
             <a:fld id="{443201C6-C6B2-4F96-9DF6-297028943761}" type="datetimeFigureOut">
               <a:rPr lang="zh-CN" altLang="en-US" smtClean="0"/>
-              <a:t>2024/1/16</a:t>
+              <a:t>2024/1/19</a:t>
             </a:fld>
             <a:endParaRPr lang="zh-CN" altLang="en-US"/>
           </a:p>
@@ -3722,7 +3722,7 @@
           <a:p>
             <a:fld id="{443201C6-C6B2-4F96-9DF6-297028943761}" type="datetimeFigureOut">
               <a:rPr lang="zh-CN" altLang="en-US" smtClean="0"/>
-              <a:t>2024/1/16</a:t>
+              <a:t>2024/1/19</a:t>
             </a:fld>
             <a:endParaRPr lang="zh-CN" altLang="en-US"/>
           </a:p>
@@ -4033,7 +4033,7 @@
           <a:p>
             <a:fld id="{443201C6-C6B2-4F96-9DF6-297028943761}" type="datetimeFigureOut">
               <a:rPr lang="zh-CN" altLang="en-US" smtClean="0"/>
-              <a:t>2024/1/16</a:t>
+              <a:t>2024/1/19</a:t>
             </a:fld>
             <a:endParaRPr lang="zh-CN" altLang="en-US"/>
           </a:p>
@@ -4321,7 +4321,7 @@
           <a:p>
             <a:fld id="{443201C6-C6B2-4F96-9DF6-297028943761}" type="datetimeFigureOut">
               <a:rPr lang="zh-CN" altLang="en-US" smtClean="0"/>
-              <a:t>2024/1/16</a:t>
+              <a:t>2024/1/19</a:t>
             </a:fld>
             <a:endParaRPr lang="zh-CN" altLang="en-US"/>
           </a:p>
@@ -4562,7 +4562,7 @@
           <a:p>
             <a:fld id="{443201C6-C6B2-4F96-9DF6-297028943761}" type="datetimeFigureOut">
               <a:rPr lang="zh-CN" altLang="en-US" smtClean="0"/>
-              <a:t>2024/1/16</a:t>
+              <a:t>2024/1/19</a:t>
             </a:fld>
             <a:endParaRPr lang="zh-CN" altLang="en-US"/>
           </a:p>
@@ -7932,7 +7932,7 @@
           <p:nvPr>
             <p:extLst>
               <p:ext uri="{D42A27DB-BD31-4B8C-83A1-F6EECF244321}">
-                <p14:modId xmlns:p14="http://schemas.microsoft.com/office/powerpoint/2010/main" val="232049243"/>
+                <p14:modId xmlns:p14="http://schemas.microsoft.com/office/powerpoint/2010/main" val="3691177311"/>
               </p:ext>
             </p:extLst>
           </p:nvPr>
@@ -8123,7 +8123,7 @@
                           <a:ea typeface="+mn-ea"/>
                           <a:cs typeface="Arial" panose="020B0604020202020204" pitchFamily="34" charset="0"/>
                         </a:rPr>
-                        <a:t>Registration Fee</a:t>
+                        <a:t>Registration Fee*</a:t>
                       </a:r>
                     </a:p>
                   </a:txBody>
@@ -8558,7 +8558,7 @@
                           <a:ea typeface="+mn-ea"/>
                           <a:cs typeface="Arial" panose="020B0604020202020204" pitchFamily="34" charset="0"/>
                         </a:rPr>
-                        <a:t>Student Delegate</a:t>
+                        <a:t>Student Delegate*</a:t>
                       </a:r>
                       <a:endParaRPr lang="en-US" altLang="zh-CN" sz="1600" b="0" dirty="0">
                         <a:solidFill>
@@ -8645,7 +8645,7 @@
                           <a:latin typeface="Arial" panose="020B0604020202020204" pitchFamily="34" charset="0"/>
                           <a:cs typeface="Arial" panose="020B0604020202020204" pitchFamily="34" charset="0"/>
                         </a:rPr>
-                        <a:t>70</a:t>
+                        <a:t>72</a:t>
                       </a:r>
                       <a:r>
                         <a:rPr lang="en-US" altLang="zh-CN" sz="1600" dirty="0">
@@ -8669,69 +8669,6 @@
                         </a:rPr>
                         <a:t>USD</a:t>
                       </a:r>
-                    </a:p>
-                    <a:p>
-                      <a:pPr marL="0" marR="0" lvl="0" indent="0" algn="ctr" defTabSz="914400" rtl="0" eaLnBrk="1" fontAlgn="auto" latinLnBrk="0" hangingPunct="1">
-                        <a:lnSpc>
-                          <a:spcPct val="100000"/>
-                        </a:lnSpc>
-                        <a:spcBef>
-                          <a:spcPts val="0"/>
-                        </a:spcBef>
-                        <a:spcAft>
-                          <a:spcPts val="0"/>
-                        </a:spcAft>
-                        <a:buClrTx/>
-                        <a:buSzTx/>
-                        <a:buFontTx/>
-                        <a:buNone/>
-                        <a:tabLst/>
-                        <a:defRPr/>
-                      </a:pPr>
-                      <a:r>
-                        <a:rPr lang="en-US" altLang="zh-CN" sz="1600" b="0" i="0" kern="1200" dirty="0">
-                          <a:solidFill>
-                            <a:schemeClr val="tx1"/>
-                          </a:solidFill>
-                          <a:effectLst/>
-                          <a:latin typeface="Arial" panose="020B0604020202020204" pitchFamily="34" charset="0"/>
-                          <a:ea typeface="+mn-ea"/>
-                          <a:cs typeface="Arial" panose="020B0604020202020204" pitchFamily="34" charset="0"/>
-                        </a:rPr>
-                        <a:t>(Banquet </a:t>
-                      </a:r>
-                      <a:r>
-                        <a:rPr lang="en-US" altLang="zh-CN" sz="1600" b="1" i="0" kern="1200" dirty="0">
-                          <a:solidFill>
-                            <a:schemeClr val="tx1"/>
-                          </a:solidFill>
-                          <a:effectLst/>
-                          <a:latin typeface="Arial" panose="020B0604020202020204" pitchFamily="34" charset="0"/>
-                          <a:ea typeface="+mn-ea"/>
-                          <a:cs typeface="Arial" panose="020B0604020202020204" pitchFamily="34" charset="0"/>
-                        </a:rPr>
-                        <a:t>NOT</a:t>
-                      </a:r>
-                      <a:r>
-                        <a:rPr lang="en-US" altLang="zh-CN" sz="1600" b="0" i="0" kern="1200" dirty="0">
-                          <a:solidFill>
-                            <a:schemeClr val="tx1"/>
-                          </a:solidFill>
-                          <a:effectLst/>
-                          <a:latin typeface="Arial" panose="020B0604020202020204" pitchFamily="34" charset="0"/>
-                          <a:ea typeface="+mn-ea"/>
-                          <a:cs typeface="Arial" panose="020B0604020202020204" pitchFamily="34" charset="0"/>
-                        </a:rPr>
-                        <a:t> Included)</a:t>
-                      </a:r>
-                      <a:endParaRPr lang="en-US" sz="1600" dirty="0">
-                        <a:solidFill>
-                          <a:schemeClr val="tx1"/>
-                        </a:solidFill>
-                        <a:effectLst/>
-                        <a:latin typeface="Arial" panose="020B0604020202020204" pitchFamily="34" charset="0"/>
-                        <a:cs typeface="Arial" panose="020B0604020202020204" pitchFamily="34" charset="0"/>
-                      </a:endParaRPr>
                     </a:p>
                   </a:txBody>
                   <a:tcPr marL="63500" marR="63500" marT="63500" marB="63500" anchor="ctr">
@@ -9347,14 +9284,14 @@
           <p:nvPr>
             <p:extLst>
               <p:ext uri="{D42A27DB-BD31-4B8C-83A1-F6EECF244321}">
-                <p14:modId xmlns:p14="http://schemas.microsoft.com/office/powerpoint/2010/main" val="1382922211"/>
+                <p14:modId xmlns:p14="http://schemas.microsoft.com/office/powerpoint/2010/main" val="2232661090"/>
               </p:ext>
             </p:extLst>
           </p:nvPr>
         </p:nvGraphicFramePr>
         <p:xfrm>
           <a:off x="553967" y="4229974"/>
-          <a:ext cx="11084063" cy="4595507"/>
+          <a:ext cx="11084063" cy="4414282"/>
         </p:xfrm>
         <a:graphic>
           <a:graphicData uri="http://schemas.openxmlformats.org/drawingml/2006/table">
@@ -9538,7 +9475,7 @@
                           <a:ea typeface="+mn-ea"/>
                           <a:cs typeface="Arial" panose="020B0604020202020204" pitchFamily="34" charset="0"/>
                         </a:rPr>
-                        <a:t>Registration Fee</a:t>
+                        <a:t>Registration Fee*</a:t>
                       </a:r>
                     </a:p>
                   </a:txBody>
@@ -9973,7 +9910,7 @@
                           <a:ea typeface="+mn-ea"/>
                           <a:cs typeface="Arial" panose="020B0604020202020204" pitchFamily="34" charset="0"/>
                         </a:rPr>
-                        <a:t>Student Delegate</a:t>
+                        <a:t>Student Delegate*</a:t>
                       </a:r>
                       <a:endParaRPr lang="en-US" altLang="zh-CN" sz="2400" b="0" dirty="0">
                         <a:solidFill>
@@ -10060,7 +9997,7 @@
                           <a:latin typeface="Arial" panose="020B0604020202020204" pitchFamily="34" charset="0"/>
                           <a:cs typeface="Arial" panose="020B0604020202020204" pitchFamily="34" charset="0"/>
                         </a:rPr>
-                        <a:t>70</a:t>
+                        <a:t>72</a:t>
                       </a:r>
                       <a:r>
                         <a:rPr lang="en-US" altLang="zh-CN" sz="2400" dirty="0">
@@ -10084,69 +10021,6 @@
                         </a:rPr>
                         <a:t>USD</a:t>
                       </a:r>
-                    </a:p>
-                    <a:p>
-                      <a:pPr marL="0" marR="0" lvl="0" indent="0" algn="ctr" defTabSz="914400" rtl="0" eaLnBrk="1" fontAlgn="auto" latinLnBrk="0" hangingPunct="1">
-                        <a:lnSpc>
-                          <a:spcPct val="100000"/>
-                        </a:lnSpc>
-                        <a:spcBef>
-                          <a:spcPts val="0"/>
-                        </a:spcBef>
-                        <a:spcAft>
-                          <a:spcPts val="0"/>
-                        </a:spcAft>
-                        <a:buClrTx/>
-                        <a:buSzTx/>
-                        <a:buFontTx/>
-                        <a:buNone/>
-                        <a:tabLst/>
-                        <a:defRPr/>
-                      </a:pPr>
-                      <a:r>
-                        <a:rPr lang="en-US" altLang="zh-CN" sz="2400" b="0" i="0" kern="1200" dirty="0">
-                          <a:solidFill>
-                            <a:schemeClr val="tx1"/>
-                          </a:solidFill>
-                          <a:effectLst/>
-                          <a:latin typeface="Arial" panose="020B0604020202020204" pitchFamily="34" charset="0"/>
-                          <a:ea typeface="+mn-ea"/>
-                          <a:cs typeface="Arial" panose="020B0604020202020204" pitchFamily="34" charset="0"/>
-                        </a:rPr>
-                        <a:t>(Banquet </a:t>
-                      </a:r>
-                      <a:r>
-                        <a:rPr lang="en-US" altLang="zh-CN" sz="2400" b="1" i="0" kern="1200" dirty="0">
-                          <a:solidFill>
-                            <a:schemeClr val="tx1"/>
-                          </a:solidFill>
-                          <a:effectLst/>
-                          <a:latin typeface="Arial" panose="020B0604020202020204" pitchFamily="34" charset="0"/>
-                          <a:ea typeface="+mn-ea"/>
-                          <a:cs typeface="Arial" panose="020B0604020202020204" pitchFamily="34" charset="0"/>
-                        </a:rPr>
-                        <a:t>NOT</a:t>
-                      </a:r>
-                      <a:r>
-                        <a:rPr lang="en-US" altLang="zh-CN" sz="2400" b="0" i="0" kern="1200" dirty="0">
-                          <a:solidFill>
-                            <a:schemeClr val="tx1"/>
-                          </a:solidFill>
-                          <a:effectLst/>
-                          <a:latin typeface="Arial" panose="020B0604020202020204" pitchFamily="34" charset="0"/>
-                          <a:ea typeface="+mn-ea"/>
-                          <a:cs typeface="Arial" panose="020B0604020202020204" pitchFamily="34" charset="0"/>
-                        </a:rPr>
-                        <a:t> Included)</a:t>
-                      </a:r>
-                      <a:endParaRPr lang="en-US" sz="2400" dirty="0">
-                        <a:solidFill>
-                          <a:schemeClr val="tx1"/>
-                        </a:solidFill>
-                        <a:effectLst/>
-                        <a:latin typeface="Arial" panose="020B0604020202020204" pitchFamily="34" charset="0"/>
-                        <a:cs typeface="Arial" panose="020B0604020202020204" pitchFamily="34" charset="0"/>
-                      </a:endParaRPr>
                     </a:p>
                   </a:txBody>
                   <a:tcPr marL="63500" marR="63500" marT="63500" marB="63500" anchor="ctr">

--- a/assets/figures.pptx
+++ b/assets/figures.pptx
@@ -124,16 +124,40 @@
 </p:presentation>
 </file>
 
-<file path=ppt/revisionInfo.xml><?xml version="1.0" encoding="utf-8"?>
-<p1510:revInfo xmlns:a="http://schemas.openxmlformats.org/drawingml/2006/main" xmlns:r="http://schemas.openxmlformats.org/officeDocument/2006/relationships" xmlns:p1510="http://schemas.microsoft.com/office/powerpoint/2015/10/main">
-  <p1510:revLst>
-    <p1510:client id="{0190945F-89A7-4B46-967C-3ACE53AB7830}" v="291" dt="2024-01-19T00:51:45.194"/>
-  </p1510:revLst>
-</p1510:revInfo>
-</file>
-
 <file path=ppt/changesInfos/changesInfo1.xml><?xml version="1.0" encoding="utf-8"?>
 <pc:chgInfo xmlns:a="http://schemas.openxmlformats.org/drawingml/2006/main" xmlns:r="http://schemas.openxmlformats.org/officeDocument/2006/relationships" xmlns:ac="http://schemas.microsoft.com/office/drawing/2013/main/command" xmlns:pc="http://schemas.microsoft.com/office/powerpoint/2013/main/command">
+  <pc:docChgLst>
+    <pc:chgData name="ZHANG Xiangyu" userId="0af619d5-14b7-43d3-95bc-94ad39c803d6" providerId="ADAL" clId="{8389F082-1A8D-4443-8CCA-CD40720395CC}"/>
+    <pc:docChg chg="modSld">
+      <pc:chgData name="ZHANG Xiangyu" userId="0af619d5-14b7-43d3-95bc-94ad39c803d6" providerId="ADAL" clId="{8389F082-1A8D-4443-8CCA-CD40720395CC}" dt="2024-01-21T06:04:50.681" v="7" actId="5736"/>
+      <pc:docMkLst>
+        <pc:docMk/>
+      </pc:docMkLst>
+      <pc:sldChg chg="modSp mod">
+        <pc:chgData name="ZHANG Xiangyu" userId="0af619d5-14b7-43d3-95bc-94ad39c803d6" providerId="ADAL" clId="{8389F082-1A8D-4443-8CCA-CD40720395CC}" dt="2024-01-21T06:04:50.681" v="7" actId="5736"/>
+        <pc:sldMkLst>
+          <pc:docMk/>
+          <pc:sldMk cId="1994468853" sldId="263"/>
+        </pc:sldMkLst>
+        <pc:graphicFrameChg chg="mod modGraphic">
+          <ac:chgData name="ZHANG Xiangyu" userId="0af619d5-14b7-43d3-95bc-94ad39c803d6" providerId="ADAL" clId="{8389F082-1A8D-4443-8CCA-CD40720395CC}" dt="2024-01-21T06:04:42.228" v="6" actId="5736"/>
+          <ac:graphicFrameMkLst>
+            <pc:docMk/>
+            <pc:sldMk cId="1994468853" sldId="263"/>
+            <ac:graphicFrameMk id="4" creationId="{16594B61-899E-8A5D-3F30-E5ECAA00AC8D}"/>
+          </ac:graphicFrameMkLst>
+        </pc:graphicFrameChg>
+        <pc:graphicFrameChg chg="mod modGraphic">
+          <ac:chgData name="ZHANG Xiangyu" userId="0af619d5-14b7-43d3-95bc-94ad39c803d6" providerId="ADAL" clId="{8389F082-1A8D-4443-8CCA-CD40720395CC}" dt="2024-01-21T06:04:50.681" v="7" actId="5736"/>
+          <ac:graphicFrameMkLst>
+            <pc:docMk/>
+            <pc:sldMk cId="1994468853" sldId="263"/>
+            <ac:graphicFrameMk id="8" creationId="{40DCA412-8710-4D65-187C-6EDD2D0BC6C7}"/>
+          </ac:graphicFrameMkLst>
+        </pc:graphicFrameChg>
+      </pc:sldChg>
+    </pc:docChg>
+  </pc:docChgLst>
   <pc:docChgLst>
     <pc:chgData name="ZHANG Xiangyu" userId="0af619d5-14b7-43d3-95bc-94ad39c803d6" providerId="ADAL" clId="{0190945F-89A7-4B46-967C-3ACE53AB7830}"/>
     <pc:docChg chg="undo redo custSel addSld modSld">
@@ -1330,7 +1354,7 @@
           <a:p>
             <a:fld id="{B6A0FF1A-FA3A-44F4-8102-A8B090DA15CE}" type="datetimeFigureOut">
               <a:rPr lang="zh-CN" altLang="en-US" smtClean="0"/>
-              <a:t>2024/1/19</a:t>
+              <a:t>2024/1/21</a:t>
             </a:fld>
             <a:endParaRPr lang="zh-CN" altLang="en-US"/>
           </a:p>
@@ -1912,7 +1936,7 @@
           <a:p>
             <a:fld id="{443201C6-C6B2-4F96-9DF6-297028943761}" type="datetimeFigureOut">
               <a:rPr lang="zh-CN" altLang="en-US" smtClean="0"/>
-              <a:t>2024/1/19</a:t>
+              <a:t>2024/1/21</a:t>
             </a:fld>
             <a:endParaRPr lang="zh-CN" altLang="en-US"/>
           </a:p>
@@ -2110,7 +2134,7 @@
           <a:p>
             <a:fld id="{443201C6-C6B2-4F96-9DF6-297028943761}" type="datetimeFigureOut">
               <a:rPr lang="zh-CN" altLang="en-US" smtClean="0"/>
-              <a:t>2024/1/19</a:t>
+              <a:t>2024/1/21</a:t>
             </a:fld>
             <a:endParaRPr lang="zh-CN" altLang="en-US"/>
           </a:p>
@@ -2318,7 +2342,7 @@
           <a:p>
             <a:fld id="{443201C6-C6B2-4F96-9DF6-297028943761}" type="datetimeFigureOut">
               <a:rPr lang="zh-CN" altLang="en-US" smtClean="0"/>
-              <a:t>2024/1/19</a:t>
+              <a:t>2024/1/21</a:t>
             </a:fld>
             <a:endParaRPr lang="zh-CN" altLang="en-US"/>
           </a:p>
@@ -2516,7 +2540,7 @@
           <a:p>
             <a:fld id="{443201C6-C6B2-4F96-9DF6-297028943761}" type="datetimeFigureOut">
               <a:rPr lang="zh-CN" altLang="en-US" smtClean="0"/>
-              <a:t>2024/1/19</a:t>
+              <a:t>2024/1/21</a:t>
             </a:fld>
             <a:endParaRPr lang="zh-CN" altLang="en-US"/>
           </a:p>
@@ -2791,7 +2815,7 @@
           <a:p>
             <a:fld id="{443201C6-C6B2-4F96-9DF6-297028943761}" type="datetimeFigureOut">
               <a:rPr lang="zh-CN" altLang="en-US" smtClean="0"/>
-              <a:t>2024/1/19</a:t>
+              <a:t>2024/1/21</a:t>
             </a:fld>
             <a:endParaRPr lang="zh-CN" altLang="en-US"/>
           </a:p>
@@ -3056,7 +3080,7 @@
           <a:p>
             <a:fld id="{443201C6-C6B2-4F96-9DF6-297028943761}" type="datetimeFigureOut">
               <a:rPr lang="zh-CN" altLang="en-US" smtClean="0"/>
-              <a:t>2024/1/19</a:t>
+              <a:t>2024/1/21</a:t>
             </a:fld>
             <a:endParaRPr lang="zh-CN" altLang="en-US"/>
           </a:p>
@@ -3468,7 +3492,7 @@
           <a:p>
             <a:fld id="{443201C6-C6B2-4F96-9DF6-297028943761}" type="datetimeFigureOut">
               <a:rPr lang="zh-CN" altLang="en-US" smtClean="0"/>
-              <a:t>2024/1/19</a:t>
+              <a:t>2024/1/21</a:t>
             </a:fld>
             <a:endParaRPr lang="zh-CN" altLang="en-US"/>
           </a:p>
@@ -3609,7 +3633,7 @@
           <a:p>
             <a:fld id="{443201C6-C6B2-4F96-9DF6-297028943761}" type="datetimeFigureOut">
               <a:rPr lang="zh-CN" altLang="en-US" smtClean="0"/>
-              <a:t>2024/1/19</a:t>
+              <a:t>2024/1/21</a:t>
             </a:fld>
             <a:endParaRPr lang="zh-CN" altLang="en-US"/>
           </a:p>
@@ -3722,7 +3746,7 @@
           <a:p>
             <a:fld id="{443201C6-C6B2-4F96-9DF6-297028943761}" type="datetimeFigureOut">
               <a:rPr lang="zh-CN" altLang="en-US" smtClean="0"/>
-              <a:t>2024/1/19</a:t>
+              <a:t>2024/1/21</a:t>
             </a:fld>
             <a:endParaRPr lang="zh-CN" altLang="en-US"/>
           </a:p>
@@ -4033,7 +4057,7 @@
           <a:p>
             <a:fld id="{443201C6-C6B2-4F96-9DF6-297028943761}" type="datetimeFigureOut">
               <a:rPr lang="zh-CN" altLang="en-US" smtClean="0"/>
-              <a:t>2024/1/19</a:t>
+              <a:t>2024/1/21</a:t>
             </a:fld>
             <a:endParaRPr lang="zh-CN" altLang="en-US"/>
           </a:p>
@@ -4321,7 +4345,7 @@
           <a:p>
             <a:fld id="{443201C6-C6B2-4F96-9DF6-297028943761}" type="datetimeFigureOut">
               <a:rPr lang="zh-CN" altLang="en-US" smtClean="0"/>
-              <a:t>2024/1/19</a:t>
+              <a:t>2024/1/21</a:t>
             </a:fld>
             <a:endParaRPr lang="zh-CN" altLang="en-US"/>
           </a:p>
@@ -4562,7 +4586,7 @@
           <a:p>
             <a:fld id="{443201C6-C6B2-4F96-9DF6-297028943761}" type="datetimeFigureOut">
               <a:rPr lang="zh-CN" altLang="en-US" smtClean="0"/>
-              <a:t>2024/1/19</a:t>
+              <a:t>2024/1/21</a:t>
             </a:fld>
             <a:endParaRPr lang="zh-CN" altLang="en-US"/>
           </a:p>
@@ -7932,7 +7956,7 @@
           <p:nvPr>
             <p:extLst>
               <p:ext uri="{D42A27DB-BD31-4B8C-83A1-F6EECF244321}">
-                <p14:modId xmlns:p14="http://schemas.microsoft.com/office/powerpoint/2010/main" val="3691177311"/>
+                <p14:modId xmlns:p14="http://schemas.microsoft.com/office/powerpoint/2010/main" val="1090231157"/>
               </p:ext>
             </p:extLst>
           </p:nvPr>
@@ -8420,7 +8444,7 @@
                           <a:latin typeface="Arial" panose="020B0604020202020204" pitchFamily="34" charset="0"/>
                           <a:cs typeface="Arial" panose="020B0604020202020204" pitchFamily="34" charset="0"/>
                         </a:rPr>
-                        <a:t>850 </a:t>
+                        <a:t>880 </a:t>
                       </a:r>
                       <a:r>
                         <a:rPr lang="en-US" sz="1600" dirty="0">
@@ -8645,7 +8669,7 @@
                           <a:latin typeface="Arial" panose="020B0604020202020204" pitchFamily="34" charset="0"/>
                           <a:cs typeface="Arial" panose="020B0604020202020204" pitchFamily="34" charset="0"/>
                         </a:rPr>
-                        <a:t>72</a:t>
+                        <a:t>74</a:t>
                       </a:r>
                       <a:r>
                         <a:rPr lang="en-US" altLang="zh-CN" sz="1600" dirty="0">
@@ -8984,7 +9008,7 @@
                           <a:latin typeface="Arial" panose="020B0604020202020204" pitchFamily="34" charset="0"/>
                           <a:cs typeface="Arial" panose="020B0604020202020204" pitchFamily="34" charset="0"/>
                         </a:rPr>
-                        <a:t>950 USD</a:t>
+                        <a:t>980 USD</a:t>
                       </a:r>
                     </a:p>
                   </a:txBody>
@@ -9284,7 +9308,7 @@
           <p:nvPr>
             <p:extLst>
               <p:ext uri="{D42A27DB-BD31-4B8C-83A1-F6EECF244321}">
-                <p14:modId xmlns:p14="http://schemas.microsoft.com/office/powerpoint/2010/main" val="2232661090"/>
+                <p14:modId xmlns:p14="http://schemas.microsoft.com/office/powerpoint/2010/main" val="1698451313"/>
               </p:ext>
             </p:extLst>
           </p:nvPr>
@@ -9772,7 +9796,7 @@
                           <a:latin typeface="Arial" panose="020B0604020202020204" pitchFamily="34" charset="0"/>
                           <a:cs typeface="Arial" panose="020B0604020202020204" pitchFamily="34" charset="0"/>
                         </a:rPr>
-                        <a:t>850 </a:t>
+                        <a:t>880 </a:t>
                       </a:r>
                       <a:r>
                         <a:rPr lang="en-US" sz="2400" dirty="0">
@@ -9997,7 +10021,7 @@
                           <a:latin typeface="Arial" panose="020B0604020202020204" pitchFamily="34" charset="0"/>
                           <a:cs typeface="Arial" panose="020B0604020202020204" pitchFamily="34" charset="0"/>
                         </a:rPr>
-                        <a:t>72</a:t>
+                        <a:t>74</a:t>
                       </a:r>
                       <a:r>
                         <a:rPr lang="en-US" altLang="zh-CN" sz="2400" dirty="0">
@@ -10352,7 +10376,7 @@
                           <a:latin typeface="Arial" panose="020B0604020202020204" pitchFamily="34" charset="0"/>
                           <a:cs typeface="Arial" panose="020B0604020202020204" pitchFamily="34" charset="0"/>
                         </a:rPr>
-                        <a:t>950 USD</a:t>
+                        <a:t>980 USD</a:t>
                       </a:r>
                     </a:p>
                   </a:txBody>

--- a/assets/figures.pptx
+++ b/assets/figures.pptx
@@ -124,6 +124,14 @@
 </p:presentation>
 </file>
 
+<file path=ppt/revisionInfo.xml><?xml version="1.0" encoding="utf-8"?>
+<p1510:revInfo xmlns:a="http://schemas.openxmlformats.org/drawingml/2006/main" xmlns:r="http://schemas.openxmlformats.org/officeDocument/2006/relationships" xmlns:p1510="http://schemas.microsoft.com/office/powerpoint/2015/10/main">
+  <p1510:revLst>
+    <p1510:client id="{0190945F-89A7-4B46-967C-3ACE53AB7830}" v="5" dt="2024-01-21T06:48:33.257"/>
+  </p1510:revLst>
+</p1510:revInfo>
+</file>
+
 <file path=ppt/changesInfos/changesInfo1.xml><?xml version="1.0" encoding="utf-8"?>
 <pc:chgInfo xmlns:a="http://schemas.openxmlformats.org/drawingml/2006/main" xmlns:r="http://schemas.openxmlformats.org/officeDocument/2006/relationships" xmlns:ac="http://schemas.microsoft.com/office/drawing/2013/main/command" xmlns:pc="http://schemas.microsoft.com/office/powerpoint/2013/main/command">
   <pc:docChgLst>
@@ -161,7 +169,7 @@
   <pc:docChgLst>
     <pc:chgData name="ZHANG Xiangyu" userId="0af619d5-14b7-43d3-95bc-94ad39c803d6" providerId="ADAL" clId="{0190945F-89A7-4B46-967C-3ACE53AB7830}"/>
     <pc:docChg chg="undo redo custSel addSld modSld">
-      <pc:chgData name="ZHANG Xiangyu" userId="0af619d5-14b7-43d3-95bc-94ad39c803d6" providerId="ADAL" clId="{0190945F-89A7-4B46-967C-3ACE53AB7830}" dt="2024-01-19T00:51:45.193" v="1331" actId="5736"/>
+      <pc:chgData name="ZHANG Xiangyu" userId="0af619d5-14b7-43d3-95bc-94ad39c803d6" providerId="ADAL" clId="{0190945F-89A7-4B46-967C-3ACE53AB7830}" dt="2024-01-21T06:48:33.256" v="1340" actId="5736"/>
       <pc:docMkLst>
         <pc:docMk/>
       </pc:docMkLst>
@@ -919,7 +927,7 @@
         </pc:picChg>
       </pc:sldChg>
       <pc:sldChg chg="addSp delSp modSp add mod">
-        <pc:chgData name="ZHANG Xiangyu" userId="0af619d5-14b7-43d3-95bc-94ad39c803d6" providerId="ADAL" clId="{0190945F-89A7-4B46-967C-3ACE53AB7830}" dt="2024-01-19T00:51:45.193" v="1331" actId="5736"/>
+        <pc:chgData name="ZHANG Xiangyu" userId="0af619d5-14b7-43d3-95bc-94ad39c803d6" providerId="ADAL" clId="{0190945F-89A7-4B46-967C-3ACE53AB7830}" dt="2024-01-21T06:48:33.256" v="1340" actId="5736"/>
         <pc:sldMkLst>
           <pc:docMk/>
           <pc:sldMk cId="1994468853" sldId="263"/>
@@ -989,7 +997,7 @@
           </ac:graphicFrameMkLst>
         </pc:graphicFrameChg>
         <pc:graphicFrameChg chg="mod modGraphic">
-          <ac:chgData name="ZHANG Xiangyu" userId="0af619d5-14b7-43d3-95bc-94ad39c803d6" providerId="ADAL" clId="{0190945F-89A7-4B46-967C-3ACE53AB7830}" dt="2024-01-19T00:51:31.210" v="1330" actId="5736"/>
+          <ac:chgData name="ZHANG Xiangyu" userId="0af619d5-14b7-43d3-95bc-94ad39c803d6" providerId="ADAL" clId="{0190945F-89A7-4B46-967C-3ACE53AB7830}" dt="2024-01-21T06:48:24.830" v="1339" actId="5736"/>
           <ac:graphicFrameMkLst>
             <pc:docMk/>
             <pc:sldMk cId="1994468853" sldId="263"/>
@@ -1005,7 +1013,7 @@
           </ac:graphicFrameMkLst>
         </pc:graphicFrameChg>
         <pc:graphicFrameChg chg="add mod modGraphic">
-          <ac:chgData name="ZHANG Xiangyu" userId="0af619d5-14b7-43d3-95bc-94ad39c803d6" providerId="ADAL" clId="{0190945F-89A7-4B46-967C-3ACE53AB7830}" dt="2024-01-19T00:51:45.193" v="1331" actId="5736"/>
+          <ac:chgData name="ZHANG Xiangyu" userId="0af619d5-14b7-43d3-95bc-94ad39c803d6" providerId="ADAL" clId="{0190945F-89A7-4B46-967C-3ACE53AB7830}" dt="2024-01-21T06:48:33.256" v="1340" actId="5736"/>
           <ac:graphicFrameMkLst>
             <pc:docMk/>
             <pc:sldMk cId="1994468853" sldId="263"/>
@@ -7956,7 +7964,7 @@
           <p:nvPr>
             <p:extLst>
               <p:ext uri="{D42A27DB-BD31-4B8C-83A1-F6EECF244321}">
-                <p14:modId xmlns:p14="http://schemas.microsoft.com/office/powerpoint/2010/main" val="1090231157"/>
+                <p14:modId xmlns:p14="http://schemas.microsoft.com/office/powerpoint/2010/main" val="3754510054"/>
               </p:ext>
             </p:extLst>
           </p:nvPr>
@@ -8261,7 +8269,7 @@
                           <a:ea typeface="+mn-ea"/>
                           <a:cs typeface="Arial" panose="020B0604020202020204" pitchFamily="34" charset="0"/>
                         </a:rPr>
-                        <a:t>(Due on 15</a:t>
+                        <a:t>(Before 15</a:t>
                       </a:r>
                       <a:r>
                         <a:rPr lang="zh-CN" altLang="en-US" sz="1600" b="0" i="0" kern="1200" cap="all" spc="180" baseline="0" dirty="0">
@@ -9308,7 +9316,7 @@
           <p:nvPr>
             <p:extLst>
               <p:ext uri="{D42A27DB-BD31-4B8C-83A1-F6EECF244321}">
-                <p14:modId xmlns:p14="http://schemas.microsoft.com/office/powerpoint/2010/main" val="1698451313"/>
+                <p14:modId xmlns:p14="http://schemas.microsoft.com/office/powerpoint/2010/main" val="2831844884"/>
               </p:ext>
             </p:extLst>
           </p:nvPr>
@@ -9613,7 +9621,7 @@
                           <a:ea typeface="+mn-ea"/>
                           <a:cs typeface="Arial" panose="020B0604020202020204" pitchFamily="34" charset="0"/>
                         </a:rPr>
-                        <a:t>(Due on 15</a:t>
+                        <a:t>(Before 15</a:t>
                       </a:r>
                       <a:r>
                         <a:rPr lang="zh-CN" altLang="en-US" sz="2400" b="0" i="0" kern="1200" cap="all" spc="180" baseline="0" dirty="0">

--- a/assets/figures.pptx
+++ b/assets/figures.pptx
@@ -127,7 +127,7 @@
 <file path=ppt/revisionInfo.xml><?xml version="1.0" encoding="utf-8"?>
 <p1510:revInfo xmlns:a="http://schemas.openxmlformats.org/drawingml/2006/main" xmlns:r="http://schemas.openxmlformats.org/officeDocument/2006/relationships" xmlns:p1510="http://schemas.microsoft.com/office/powerpoint/2015/10/main">
   <p1510:revLst>
-    <p1510:client id="{0190945F-89A7-4B46-967C-3ACE53AB7830}" v="5" dt="2024-01-21T06:48:33.257"/>
+    <p1510:client id="{0190945F-89A7-4B46-967C-3ACE53AB7830}" v="8" dt="2024-01-21T07:05:06.616"/>
   </p1510:revLst>
 </p1510:revInfo>
 </file>
@@ -169,7 +169,7 @@
   <pc:docChgLst>
     <pc:chgData name="ZHANG Xiangyu" userId="0af619d5-14b7-43d3-95bc-94ad39c803d6" providerId="ADAL" clId="{0190945F-89A7-4B46-967C-3ACE53AB7830}"/>
     <pc:docChg chg="undo redo custSel addSld modSld">
-      <pc:chgData name="ZHANG Xiangyu" userId="0af619d5-14b7-43d3-95bc-94ad39c803d6" providerId="ADAL" clId="{0190945F-89A7-4B46-967C-3ACE53AB7830}" dt="2024-01-21T06:48:33.256" v="1340" actId="5736"/>
+      <pc:chgData name="ZHANG Xiangyu" userId="0af619d5-14b7-43d3-95bc-94ad39c803d6" providerId="ADAL" clId="{0190945F-89A7-4B46-967C-3ACE53AB7830}" dt="2024-01-21T07:05:06.616" v="1363" actId="5736"/>
       <pc:docMkLst>
         <pc:docMk/>
       </pc:docMkLst>
@@ -927,7 +927,7 @@
         </pc:picChg>
       </pc:sldChg>
       <pc:sldChg chg="addSp delSp modSp add mod">
-        <pc:chgData name="ZHANG Xiangyu" userId="0af619d5-14b7-43d3-95bc-94ad39c803d6" providerId="ADAL" clId="{0190945F-89A7-4B46-967C-3ACE53AB7830}" dt="2024-01-21T06:48:33.256" v="1340" actId="5736"/>
+        <pc:chgData name="ZHANG Xiangyu" userId="0af619d5-14b7-43d3-95bc-94ad39c803d6" providerId="ADAL" clId="{0190945F-89A7-4B46-967C-3ACE53AB7830}" dt="2024-01-21T07:05:06.616" v="1363" actId="5736"/>
         <pc:sldMkLst>
           <pc:docMk/>
           <pc:sldMk cId="1994468853" sldId="263"/>
@@ -997,7 +997,7 @@
           </ac:graphicFrameMkLst>
         </pc:graphicFrameChg>
         <pc:graphicFrameChg chg="mod modGraphic">
-          <ac:chgData name="ZHANG Xiangyu" userId="0af619d5-14b7-43d3-95bc-94ad39c803d6" providerId="ADAL" clId="{0190945F-89A7-4B46-967C-3ACE53AB7830}" dt="2024-01-21T06:48:24.830" v="1339" actId="5736"/>
+          <ac:chgData name="ZHANG Xiangyu" userId="0af619d5-14b7-43d3-95bc-94ad39c803d6" providerId="ADAL" clId="{0190945F-89A7-4B46-967C-3ACE53AB7830}" dt="2024-01-21T07:05:00.655" v="1362" actId="5736"/>
           <ac:graphicFrameMkLst>
             <pc:docMk/>
             <pc:sldMk cId="1994468853" sldId="263"/>
@@ -1013,7 +1013,7 @@
           </ac:graphicFrameMkLst>
         </pc:graphicFrameChg>
         <pc:graphicFrameChg chg="add mod modGraphic">
-          <ac:chgData name="ZHANG Xiangyu" userId="0af619d5-14b7-43d3-95bc-94ad39c803d6" providerId="ADAL" clId="{0190945F-89A7-4B46-967C-3ACE53AB7830}" dt="2024-01-21T06:48:33.256" v="1340" actId="5736"/>
+          <ac:chgData name="ZHANG Xiangyu" userId="0af619d5-14b7-43d3-95bc-94ad39c803d6" providerId="ADAL" clId="{0190945F-89A7-4B46-967C-3ACE53AB7830}" dt="2024-01-21T07:05:06.616" v="1363" actId="5736"/>
           <ac:graphicFrameMkLst>
             <pc:docMk/>
             <pc:sldMk cId="1994468853" sldId="263"/>
@@ -7964,7 +7964,7 @@
           <p:nvPr>
             <p:extLst>
               <p:ext uri="{D42A27DB-BD31-4B8C-83A1-F6EECF244321}">
-                <p14:modId xmlns:p14="http://schemas.microsoft.com/office/powerpoint/2010/main" val="3754510054"/>
+                <p14:modId xmlns:p14="http://schemas.microsoft.com/office/powerpoint/2010/main" val="969616520"/>
               </p:ext>
             </p:extLst>
           </p:nvPr>
@@ -8269,7 +8269,7 @@
                           <a:ea typeface="+mn-ea"/>
                           <a:cs typeface="Arial" panose="020B0604020202020204" pitchFamily="34" charset="0"/>
                         </a:rPr>
-                        <a:t>(Before 15</a:t>
+                        <a:t>(Before/on 15</a:t>
                       </a:r>
                       <a:r>
                         <a:rPr lang="zh-CN" altLang="en-US" sz="1600" b="0" i="0" kern="1200" cap="all" spc="180" baseline="0" dirty="0">
@@ -9316,7 +9316,7 @@
           <p:nvPr>
             <p:extLst>
               <p:ext uri="{D42A27DB-BD31-4B8C-83A1-F6EECF244321}">
-                <p14:modId xmlns:p14="http://schemas.microsoft.com/office/powerpoint/2010/main" val="2831844884"/>
+                <p14:modId xmlns:p14="http://schemas.microsoft.com/office/powerpoint/2010/main" val="2565238939"/>
               </p:ext>
             </p:extLst>
           </p:nvPr>
@@ -9621,7 +9621,7 @@
                           <a:ea typeface="+mn-ea"/>
                           <a:cs typeface="Arial" panose="020B0604020202020204" pitchFamily="34" charset="0"/>
                         </a:rPr>
-                        <a:t>(Before 15</a:t>
+                        <a:t>(Before/on 15</a:t>
                       </a:r>
                       <a:r>
                         <a:rPr lang="zh-CN" altLang="en-US" sz="2400" b="0" i="0" kern="1200" cap="all" spc="180" baseline="0" dirty="0">

--- a/assets/figures.pptx
+++ b/assets/figures.pptx
@@ -124,31 +124,23 @@
 </p:presentation>
 </file>
 
-<file path=ppt/revisionInfo.xml><?xml version="1.0" encoding="utf-8"?>
-<p1510:revInfo xmlns:a="http://schemas.openxmlformats.org/drawingml/2006/main" xmlns:r="http://schemas.openxmlformats.org/officeDocument/2006/relationships" xmlns:p1510="http://schemas.microsoft.com/office/powerpoint/2015/10/main">
-  <p1510:revLst>
-    <p1510:client id="{0190945F-89A7-4B46-967C-3ACE53AB7830}" v="8" dt="2024-01-21T07:05:06.616"/>
-  </p1510:revLst>
-</p1510:revInfo>
-</file>
-
 <file path=ppt/changesInfos/changesInfo1.xml><?xml version="1.0" encoding="utf-8"?>
 <pc:chgInfo xmlns:a="http://schemas.openxmlformats.org/drawingml/2006/main" xmlns:r="http://schemas.openxmlformats.org/officeDocument/2006/relationships" xmlns:ac="http://schemas.microsoft.com/office/drawing/2013/main/command" xmlns:pc="http://schemas.microsoft.com/office/powerpoint/2013/main/command">
   <pc:docChgLst>
     <pc:chgData name="ZHANG Xiangyu" userId="0af619d5-14b7-43d3-95bc-94ad39c803d6" providerId="ADAL" clId="{8389F082-1A8D-4443-8CCA-CD40720395CC}"/>
     <pc:docChg chg="modSld">
-      <pc:chgData name="ZHANG Xiangyu" userId="0af619d5-14b7-43d3-95bc-94ad39c803d6" providerId="ADAL" clId="{8389F082-1A8D-4443-8CCA-CD40720395CC}" dt="2024-01-21T06:04:50.681" v="7" actId="5736"/>
+      <pc:chgData name="ZHANG Xiangyu" userId="0af619d5-14b7-43d3-95bc-94ad39c803d6" providerId="ADAL" clId="{8389F082-1A8D-4443-8CCA-CD40720395CC}" dt="2024-01-23T03:02:28.295" v="14" actId="5736"/>
       <pc:docMkLst>
         <pc:docMk/>
       </pc:docMkLst>
       <pc:sldChg chg="modSp mod">
-        <pc:chgData name="ZHANG Xiangyu" userId="0af619d5-14b7-43d3-95bc-94ad39c803d6" providerId="ADAL" clId="{8389F082-1A8D-4443-8CCA-CD40720395CC}" dt="2024-01-21T06:04:50.681" v="7" actId="5736"/>
+        <pc:chgData name="ZHANG Xiangyu" userId="0af619d5-14b7-43d3-95bc-94ad39c803d6" providerId="ADAL" clId="{8389F082-1A8D-4443-8CCA-CD40720395CC}" dt="2024-01-23T03:02:28.295" v="14" actId="5736"/>
         <pc:sldMkLst>
           <pc:docMk/>
           <pc:sldMk cId="1994468853" sldId="263"/>
         </pc:sldMkLst>
         <pc:graphicFrameChg chg="mod modGraphic">
-          <ac:chgData name="ZHANG Xiangyu" userId="0af619d5-14b7-43d3-95bc-94ad39c803d6" providerId="ADAL" clId="{8389F082-1A8D-4443-8CCA-CD40720395CC}" dt="2024-01-21T06:04:42.228" v="6" actId="5736"/>
+          <ac:chgData name="ZHANG Xiangyu" userId="0af619d5-14b7-43d3-95bc-94ad39c803d6" providerId="ADAL" clId="{8389F082-1A8D-4443-8CCA-CD40720395CC}" dt="2024-01-23T03:02:17.893" v="13" actId="5736"/>
           <ac:graphicFrameMkLst>
             <pc:docMk/>
             <pc:sldMk cId="1994468853" sldId="263"/>
@@ -156,7 +148,7 @@
           </ac:graphicFrameMkLst>
         </pc:graphicFrameChg>
         <pc:graphicFrameChg chg="mod modGraphic">
-          <ac:chgData name="ZHANG Xiangyu" userId="0af619d5-14b7-43d3-95bc-94ad39c803d6" providerId="ADAL" clId="{8389F082-1A8D-4443-8CCA-CD40720395CC}" dt="2024-01-21T06:04:50.681" v="7" actId="5736"/>
+          <ac:chgData name="ZHANG Xiangyu" userId="0af619d5-14b7-43d3-95bc-94ad39c803d6" providerId="ADAL" clId="{8389F082-1A8D-4443-8CCA-CD40720395CC}" dt="2024-01-23T03:02:28.295" v="14" actId="5736"/>
           <ac:graphicFrameMkLst>
             <pc:docMk/>
             <pc:sldMk cId="1994468853" sldId="263"/>
@@ -1362,7 +1354,7 @@
           <a:p>
             <a:fld id="{B6A0FF1A-FA3A-44F4-8102-A8B090DA15CE}" type="datetimeFigureOut">
               <a:rPr lang="zh-CN" altLang="en-US" smtClean="0"/>
-              <a:t>2024/1/21</a:t>
+              <a:t>2024/1/23</a:t>
             </a:fld>
             <a:endParaRPr lang="zh-CN" altLang="en-US"/>
           </a:p>
@@ -1944,7 +1936,7 @@
           <a:p>
             <a:fld id="{443201C6-C6B2-4F96-9DF6-297028943761}" type="datetimeFigureOut">
               <a:rPr lang="zh-CN" altLang="en-US" smtClean="0"/>
-              <a:t>2024/1/21</a:t>
+              <a:t>2024/1/23</a:t>
             </a:fld>
             <a:endParaRPr lang="zh-CN" altLang="en-US"/>
           </a:p>
@@ -2142,7 +2134,7 @@
           <a:p>
             <a:fld id="{443201C6-C6B2-4F96-9DF6-297028943761}" type="datetimeFigureOut">
               <a:rPr lang="zh-CN" altLang="en-US" smtClean="0"/>
-              <a:t>2024/1/21</a:t>
+              <a:t>2024/1/23</a:t>
             </a:fld>
             <a:endParaRPr lang="zh-CN" altLang="en-US"/>
           </a:p>
@@ -2350,7 +2342,7 @@
           <a:p>
             <a:fld id="{443201C6-C6B2-4F96-9DF6-297028943761}" type="datetimeFigureOut">
               <a:rPr lang="zh-CN" altLang="en-US" smtClean="0"/>
-              <a:t>2024/1/21</a:t>
+              <a:t>2024/1/23</a:t>
             </a:fld>
             <a:endParaRPr lang="zh-CN" altLang="en-US"/>
           </a:p>
@@ -2548,7 +2540,7 @@
           <a:p>
             <a:fld id="{443201C6-C6B2-4F96-9DF6-297028943761}" type="datetimeFigureOut">
               <a:rPr lang="zh-CN" altLang="en-US" smtClean="0"/>
-              <a:t>2024/1/21</a:t>
+              <a:t>2024/1/23</a:t>
             </a:fld>
             <a:endParaRPr lang="zh-CN" altLang="en-US"/>
           </a:p>
@@ -2823,7 +2815,7 @@
           <a:p>
             <a:fld id="{443201C6-C6B2-4F96-9DF6-297028943761}" type="datetimeFigureOut">
               <a:rPr lang="zh-CN" altLang="en-US" smtClean="0"/>
-              <a:t>2024/1/21</a:t>
+              <a:t>2024/1/23</a:t>
             </a:fld>
             <a:endParaRPr lang="zh-CN" altLang="en-US"/>
           </a:p>
@@ -3088,7 +3080,7 @@
           <a:p>
             <a:fld id="{443201C6-C6B2-4F96-9DF6-297028943761}" type="datetimeFigureOut">
               <a:rPr lang="zh-CN" altLang="en-US" smtClean="0"/>
-              <a:t>2024/1/21</a:t>
+              <a:t>2024/1/23</a:t>
             </a:fld>
             <a:endParaRPr lang="zh-CN" altLang="en-US"/>
           </a:p>
@@ -3500,7 +3492,7 @@
           <a:p>
             <a:fld id="{443201C6-C6B2-4F96-9DF6-297028943761}" type="datetimeFigureOut">
               <a:rPr lang="zh-CN" altLang="en-US" smtClean="0"/>
-              <a:t>2024/1/21</a:t>
+              <a:t>2024/1/23</a:t>
             </a:fld>
             <a:endParaRPr lang="zh-CN" altLang="en-US"/>
           </a:p>
@@ -3641,7 +3633,7 @@
           <a:p>
             <a:fld id="{443201C6-C6B2-4F96-9DF6-297028943761}" type="datetimeFigureOut">
               <a:rPr lang="zh-CN" altLang="en-US" smtClean="0"/>
-              <a:t>2024/1/21</a:t>
+              <a:t>2024/1/23</a:t>
             </a:fld>
             <a:endParaRPr lang="zh-CN" altLang="en-US"/>
           </a:p>
@@ -3754,7 +3746,7 @@
           <a:p>
             <a:fld id="{443201C6-C6B2-4F96-9DF6-297028943761}" type="datetimeFigureOut">
               <a:rPr lang="zh-CN" altLang="en-US" smtClean="0"/>
-              <a:t>2024/1/21</a:t>
+              <a:t>2024/1/23</a:t>
             </a:fld>
             <a:endParaRPr lang="zh-CN" altLang="en-US"/>
           </a:p>
@@ -4065,7 +4057,7 @@
           <a:p>
             <a:fld id="{443201C6-C6B2-4F96-9DF6-297028943761}" type="datetimeFigureOut">
               <a:rPr lang="zh-CN" altLang="en-US" smtClean="0"/>
-              <a:t>2024/1/21</a:t>
+              <a:t>2024/1/23</a:t>
             </a:fld>
             <a:endParaRPr lang="zh-CN" altLang="en-US"/>
           </a:p>
@@ -4353,7 +4345,7 @@
           <a:p>
             <a:fld id="{443201C6-C6B2-4F96-9DF6-297028943761}" type="datetimeFigureOut">
               <a:rPr lang="zh-CN" altLang="en-US" smtClean="0"/>
-              <a:t>2024/1/21</a:t>
+              <a:t>2024/1/23</a:t>
             </a:fld>
             <a:endParaRPr lang="zh-CN" altLang="en-US"/>
           </a:p>
@@ -4594,7 +4586,7 @@
           <a:p>
             <a:fld id="{443201C6-C6B2-4F96-9DF6-297028943761}" type="datetimeFigureOut">
               <a:rPr lang="zh-CN" altLang="en-US" smtClean="0"/>
-              <a:t>2024/1/21</a:t>
+              <a:t>2024/1/23</a:t>
             </a:fld>
             <a:endParaRPr lang="zh-CN" altLang="en-US"/>
           </a:p>
@@ -7964,7 +7956,7 @@
           <p:nvPr>
             <p:extLst>
               <p:ext uri="{D42A27DB-BD31-4B8C-83A1-F6EECF244321}">
-                <p14:modId xmlns:p14="http://schemas.microsoft.com/office/powerpoint/2010/main" val="969616520"/>
+                <p14:modId xmlns:p14="http://schemas.microsoft.com/office/powerpoint/2010/main" val="656163145"/>
               </p:ext>
             </p:extLst>
           </p:nvPr>
@@ -8590,9 +8582,21 @@
                           <a:ea typeface="+mn-ea"/>
                           <a:cs typeface="Arial" panose="020B0604020202020204" pitchFamily="34" charset="0"/>
                         </a:rPr>
-                        <a:t>Student Delegate*</a:t>
+                        <a:t>Student Delegate</a:t>
                       </a:r>
-                      <a:endParaRPr lang="en-US" altLang="zh-CN" sz="1600" b="0" dirty="0">
+                      <a:r>
+                        <a:rPr lang="en-US" altLang="zh-CN" sz="1600" b="1" i="0" kern="1200" baseline="30000" dirty="0">
+                          <a:solidFill>
+                            <a:schemeClr val="tx1"/>
+                          </a:solidFill>
+                          <a:effectLst/>
+                          <a:latin typeface="Arial" panose="020B0604020202020204" pitchFamily="34" charset="0"/>
+                          <a:ea typeface="+mn-ea"/>
+                          <a:cs typeface="Arial" panose="020B0604020202020204" pitchFamily="34" charset="0"/>
+                        </a:rPr>
+                        <a:t>#</a:t>
+                      </a:r>
+                      <a:endParaRPr lang="en-US" altLang="zh-CN" sz="1600" b="1" baseline="30000" dirty="0">
                         <a:solidFill>
                           <a:schemeClr val="tx1"/>
                         </a:solidFill>
@@ -9316,7 +9320,7 @@
           <p:nvPr>
             <p:extLst>
               <p:ext uri="{D42A27DB-BD31-4B8C-83A1-F6EECF244321}">
-                <p14:modId xmlns:p14="http://schemas.microsoft.com/office/powerpoint/2010/main" val="2565238939"/>
+                <p14:modId xmlns:p14="http://schemas.microsoft.com/office/powerpoint/2010/main" val="3137590598"/>
               </p:ext>
             </p:extLst>
           </p:nvPr>
@@ -9942,7 +9946,19 @@
                           <a:ea typeface="+mn-ea"/>
                           <a:cs typeface="Arial" panose="020B0604020202020204" pitchFamily="34" charset="0"/>
                         </a:rPr>
-                        <a:t>Student Delegate*</a:t>
+                        <a:t>Student Delegate</a:t>
+                      </a:r>
+                      <a:r>
+                        <a:rPr lang="en-US" altLang="zh-CN" sz="2400" b="1" i="0" kern="1200" baseline="30000" dirty="0">
+                          <a:solidFill>
+                            <a:schemeClr val="tx1"/>
+                          </a:solidFill>
+                          <a:effectLst/>
+                          <a:latin typeface="Arial" panose="020B0604020202020204" pitchFamily="34" charset="0"/>
+                          <a:ea typeface="+mn-ea"/>
+                          <a:cs typeface="Arial" panose="020B0604020202020204" pitchFamily="34" charset="0"/>
+                        </a:rPr>
+                        <a:t>#</a:t>
                       </a:r>
                       <a:endParaRPr lang="en-US" altLang="zh-CN" sz="2400" b="0" dirty="0">
                         <a:solidFill>

--- a/assets/figures.pptx
+++ b/assets/figures.pptx
@@ -124,6 +124,14 @@
 </p:presentation>
 </file>
 
+<file path=ppt/revisionInfo.xml><?xml version="1.0" encoding="utf-8"?>
+<p1510:revInfo xmlns:a="http://schemas.openxmlformats.org/drawingml/2006/main" xmlns:r="http://schemas.openxmlformats.org/officeDocument/2006/relationships" xmlns:p1510="http://schemas.microsoft.com/office/powerpoint/2015/10/main">
+  <p1510:revLst>
+    <p1510:client id="{0190945F-89A7-4B46-967C-3ACE53AB7830}" v="3" dt="2024-01-25T07:45:21.512"/>
+  </p1510:revLst>
+</p1510:revInfo>
+</file>
+
 <file path=ppt/changesInfos/changesInfo1.xml><?xml version="1.0" encoding="utf-8"?>
 <pc:chgInfo xmlns:a="http://schemas.openxmlformats.org/drawingml/2006/main" xmlns:r="http://schemas.openxmlformats.org/officeDocument/2006/relationships" xmlns:ac="http://schemas.microsoft.com/office/drawing/2013/main/command" xmlns:pc="http://schemas.microsoft.com/office/powerpoint/2013/main/command">
   <pc:docChgLst>
@@ -161,12 +169,12 @@
   <pc:docChgLst>
     <pc:chgData name="ZHANG Xiangyu" userId="0af619d5-14b7-43d3-95bc-94ad39c803d6" providerId="ADAL" clId="{0190945F-89A7-4B46-967C-3ACE53AB7830}"/>
     <pc:docChg chg="undo redo custSel addSld modSld">
-      <pc:chgData name="ZHANG Xiangyu" userId="0af619d5-14b7-43d3-95bc-94ad39c803d6" providerId="ADAL" clId="{0190945F-89A7-4B46-967C-3ACE53AB7830}" dt="2024-01-21T07:05:06.616" v="1363" actId="5736"/>
+      <pc:chgData name="ZHANG Xiangyu" userId="0af619d5-14b7-43d3-95bc-94ad39c803d6" providerId="ADAL" clId="{0190945F-89A7-4B46-967C-3ACE53AB7830}" dt="2024-01-25T07:45:21.511" v="1380"/>
       <pc:docMkLst>
         <pc:docMk/>
       </pc:docMkLst>
       <pc:sldChg chg="addSp delSp modSp new mod">
-        <pc:chgData name="ZHANG Xiangyu" userId="0af619d5-14b7-43d3-95bc-94ad39c803d6" providerId="ADAL" clId="{0190945F-89A7-4B46-967C-3ACE53AB7830}" dt="2024-01-16T07:16:43.250" v="867" actId="1076"/>
+        <pc:chgData name="ZHANG Xiangyu" userId="0af619d5-14b7-43d3-95bc-94ad39c803d6" providerId="ADAL" clId="{0190945F-89A7-4B46-967C-3ACE53AB7830}" dt="2024-01-25T07:45:21.511" v="1380"/>
         <pc:sldMkLst>
           <pc:docMk/>
           <pc:sldMk cId="3049935216" sldId="256"/>
@@ -196,7 +204,7 @@
           </ac:spMkLst>
         </pc:spChg>
         <pc:spChg chg="add mod">
-          <ac:chgData name="ZHANG Xiangyu" userId="0af619d5-14b7-43d3-95bc-94ad39c803d6" providerId="ADAL" clId="{0190945F-89A7-4B46-967C-3ACE53AB7830}" dt="2024-01-08T04:34:44.333" v="721" actId="1076"/>
+          <ac:chgData name="ZHANG Xiangyu" userId="0af619d5-14b7-43d3-95bc-94ad39c803d6" providerId="ADAL" clId="{0190945F-89A7-4B46-967C-3ACE53AB7830}" dt="2024-01-25T07:45:21.511" v="1380"/>
           <ac:spMkLst>
             <pc:docMk/>
             <pc:sldMk cId="3049935216" sldId="256"/>
@@ -1354,7 +1362,7 @@
           <a:p>
             <a:fld id="{B6A0FF1A-FA3A-44F4-8102-A8B090DA15CE}" type="datetimeFigureOut">
               <a:rPr lang="zh-CN" altLang="en-US" smtClean="0"/>
-              <a:t>2024/1/23</a:t>
+              <a:t>2024/1/25</a:t>
             </a:fld>
             <a:endParaRPr lang="zh-CN" altLang="en-US"/>
           </a:p>
@@ -1936,7 +1944,7 @@
           <a:p>
             <a:fld id="{443201C6-C6B2-4F96-9DF6-297028943761}" type="datetimeFigureOut">
               <a:rPr lang="zh-CN" altLang="en-US" smtClean="0"/>
-              <a:t>2024/1/23</a:t>
+              <a:t>2024/1/25</a:t>
             </a:fld>
             <a:endParaRPr lang="zh-CN" altLang="en-US"/>
           </a:p>
@@ -2134,7 +2142,7 @@
           <a:p>
             <a:fld id="{443201C6-C6B2-4F96-9DF6-297028943761}" type="datetimeFigureOut">
               <a:rPr lang="zh-CN" altLang="en-US" smtClean="0"/>
-              <a:t>2024/1/23</a:t>
+              <a:t>2024/1/25</a:t>
             </a:fld>
             <a:endParaRPr lang="zh-CN" altLang="en-US"/>
           </a:p>
@@ -2342,7 +2350,7 @@
           <a:p>
             <a:fld id="{443201C6-C6B2-4F96-9DF6-297028943761}" type="datetimeFigureOut">
               <a:rPr lang="zh-CN" altLang="en-US" smtClean="0"/>
-              <a:t>2024/1/23</a:t>
+              <a:t>2024/1/25</a:t>
             </a:fld>
             <a:endParaRPr lang="zh-CN" altLang="en-US"/>
           </a:p>
@@ -2540,7 +2548,7 @@
           <a:p>
             <a:fld id="{443201C6-C6B2-4F96-9DF6-297028943761}" type="datetimeFigureOut">
               <a:rPr lang="zh-CN" altLang="en-US" smtClean="0"/>
-              <a:t>2024/1/23</a:t>
+              <a:t>2024/1/25</a:t>
             </a:fld>
             <a:endParaRPr lang="zh-CN" altLang="en-US"/>
           </a:p>
@@ -2815,7 +2823,7 @@
           <a:p>
             <a:fld id="{443201C6-C6B2-4F96-9DF6-297028943761}" type="datetimeFigureOut">
               <a:rPr lang="zh-CN" altLang="en-US" smtClean="0"/>
-              <a:t>2024/1/23</a:t>
+              <a:t>2024/1/25</a:t>
             </a:fld>
             <a:endParaRPr lang="zh-CN" altLang="en-US"/>
           </a:p>
@@ -3080,7 +3088,7 @@
           <a:p>
             <a:fld id="{443201C6-C6B2-4F96-9DF6-297028943761}" type="datetimeFigureOut">
               <a:rPr lang="zh-CN" altLang="en-US" smtClean="0"/>
-              <a:t>2024/1/23</a:t>
+              <a:t>2024/1/25</a:t>
             </a:fld>
             <a:endParaRPr lang="zh-CN" altLang="en-US"/>
           </a:p>
@@ -3492,7 +3500,7 @@
           <a:p>
             <a:fld id="{443201C6-C6B2-4F96-9DF6-297028943761}" type="datetimeFigureOut">
               <a:rPr lang="zh-CN" altLang="en-US" smtClean="0"/>
-              <a:t>2024/1/23</a:t>
+              <a:t>2024/1/25</a:t>
             </a:fld>
             <a:endParaRPr lang="zh-CN" altLang="en-US"/>
           </a:p>
@@ -3633,7 +3641,7 @@
           <a:p>
             <a:fld id="{443201C6-C6B2-4F96-9DF6-297028943761}" type="datetimeFigureOut">
               <a:rPr lang="zh-CN" altLang="en-US" smtClean="0"/>
-              <a:t>2024/1/23</a:t>
+              <a:t>2024/1/25</a:t>
             </a:fld>
             <a:endParaRPr lang="zh-CN" altLang="en-US"/>
           </a:p>
@@ -3746,7 +3754,7 @@
           <a:p>
             <a:fld id="{443201C6-C6B2-4F96-9DF6-297028943761}" type="datetimeFigureOut">
               <a:rPr lang="zh-CN" altLang="en-US" smtClean="0"/>
-              <a:t>2024/1/23</a:t>
+              <a:t>2024/1/25</a:t>
             </a:fld>
             <a:endParaRPr lang="zh-CN" altLang="en-US"/>
           </a:p>
@@ -4057,7 +4065,7 @@
           <a:p>
             <a:fld id="{443201C6-C6B2-4F96-9DF6-297028943761}" type="datetimeFigureOut">
               <a:rPr lang="zh-CN" altLang="en-US" smtClean="0"/>
-              <a:t>2024/1/23</a:t>
+              <a:t>2024/1/25</a:t>
             </a:fld>
             <a:endParaRPr lang="zh-CN" altLang="en-US"/>
           </a:p>
@@ -4345,7 +4353,7 @@
           <a:p>
             <a:fld id="{443201C6-C6B2-4F96-9DF6-297028943761}" type="datetimeFigureOut">
               <a:rPr lang="zh-CN" altLang="en-US" smtClean="0"/>
-              <a:t>2024/1/23</a:t>
+              <a:t>2024/1/25</a:t>
             </a:fld>
             <a:endParaRPr lang="zh-CN" altLang="en-US"/>
           </a:p>
@@ -4586,7 +4594,7 @@
           <a:p>
             <a:fld id="{443201C6-C6B2-4F96-9DF6-297028943761}" type="datetimeFigureOut">
               <a:rPr lang="zh-CN" altLang="en-US" smtClean="0"/>
-              <a:t>2024/1/23</a:t>
+              <a:t>2024/1/25</a:t>
             </a:fld>
             <a:endParaRPr lang="zh-CN" altLang="en-US"/>
           </a:p>
@@ -6665,8 +6673,8 @@
         </p:nvSpPr>
         <p:spPr>
           <a:xfrm>
-            <a:off x="10686431" y="8800498"/>
-            <a:ext cx="2038350" cy="914400"/>
+            <a:off x="12018963" y="1606654"/>
+            <a:ext cx="2038350" cy="800330"/>
           </a:xfrm>
           <a:prstGeom prst="roundRect">
             <a:avLst/>
@@ -6715,13 +6723,13 @@
           <a:p>
             <a:pPr algn="ctr"/>
             <a:r>
-              <a:rPr lang="en-US" altLang="zh-CN" sz="2600" dirty="0">
+              <a:rPr lang="en-US" altLang="zh-CN" sz="2000" dirty="0">
                 <a:latin typeface="Arial" panose="020B0604020202020204" pitchFamily="34" charset="0"/>
                 <a:cs typeface="Arial" panose="020B0604020202020204" pitchFamily="34" charset="0"/>
               </a:rPr>
-              <a:t>Registration</a:t>
+              <a:t>Registration Channel</a:t>
             </a:r>
-            <a:endParaRPr lang="zh-CN" altLang="en-US" sz="2600" dirty="0">
+            <a:endParaRPr lang="zh-CN" altLang="en-US" sz="2000" dirty="0">
               <a:latin typeface="Arial" panose="020B0604020202020204" pitchFamily="34" charset="0"/>
               <a:cs typeface="Arial" panose="020B0604020202020204" pitchFamily="34" charset="0"/>
             </a:endParaRPr>

--- a/assets/figures.pptx
+++ b/assets/figures.pptx
@@ -169,12 +169,12 @@
   <pc:docChgLst>
     <pc:chgData name="ZHANG Xiangyu" userId="0af619d5-14b7-43d3-95bc-94ad39c803d6" providerId="ADAL" clId="{0190945F-89A7-4B46-967C-3ACE53AB7830}"/>
     <pc:docChg chg="undo redo custSel addSld modSld">
-      <pc:chgData name="ZHANG Xiangyu" userId="0af619d5-14b7-43d3-95bc-94ad39c803d6" providerId="ADAL" clId="{0190945F-89A7-4B46-967C-3ACE53AB7830}" dt="2024-01-25T07:45:21.511" v="1380"/>
+      <pc:chgData name="ZHANG Xiangyu" userId="0af619d5-14b7-43d3-95bc-94ad39c803d6" providerId="ADAL" clId="{0190945F-89A7-4B46-967C-3ACE53AB7830}" dt="2024-01-25T07:53:19.541" v="1382" actId="14100"/>
       <pc:docMkLst>
         <pc:docMk/>
       </pc:docMkLst>
       <pc:sldChg chg="addSp delSp modSp new mod">
-        <pc:chgData name="ZHANG Xiangyu" userId="0af619d5-14b7-43d3-95bc-94ad39c803d6" providerId="ADAL" clId="{0190945F-89A7-4B46-967C-3ACE53AB7830}" dt="2024-01-25T07:45:21.511" v="1380"/>
+        <pc:chgData name="ZHANG Xiangyu" userId="0af619d5-14b7-43d3-95bc-94ad39c803d6" providerId="ADAL" clId="{0190945F-89A7-4B46-967C-3ACE53AB7830}" dt="2024-01-25T07:53:19.541" v="1382" actId="14100"/>
         <pc:sldMkLst>
           <pc:docMk/>
           <pc:sldMk cId="3049935216" sldId="256"/>
@@ -204,7 +204,7 @@
           </ac:spMkLst>
         </pc:spChg>
         <pc:spChg chg="add mod">
-          <ac:chgData name="ZHANG Xiangyu" userId="0af619d5-14b7-43d3-95bc-94ad39c803d6" providerId="ADAL" clId="{0190945F-89A7-4B46-967C-3ACE53AB7830}" dt="2024-01-25T07:45:21.511" v="1380"/>
+          <ac:chgData name="ZHANG Xiangyu" userId="0af619d5-14b7-43d3-95bc-94ad39c803d6" providerId="ADAL" clId="{0190945F-89A7-4B46-967C-3ACE53AB7830}" dt="2024-01-25T07:53:19.541" v="1382" actId="14100"/>
           <ac:spMkLst>
             <pc:docMk/>
             <pc:sldMk cId="3049935216" sldId="256"/>
@@ -6673,8 +6673,8 @@
         </p:nvSpPr>
         <p:spPr>
           <a:xfrm>
-            <a:off x="12018963" y="1606654"/>
-            <a:ext cx="2038350" cy="800330"/>
+            <a:off x="12018962" y="1606654"/>
+            <a:ext cx="3030537" cy="698536"/>
           </a:xfrm>
           <a:prstGeom prst="roundRect">
             <a:avLst/>

--- a/assets/figures.pptx
+++ b/assets/figures.pptx
@@ -169,12 +169,12 @@
   <pc:docChgLst>
     <pc:chgData name="ZHANG Xiangyu" userId="0af619d5-14b7-43d3-95bc-94ad39c803d6" providerId="ADAL" clId="{0190945F-89A7-4B46-967C-3ACE53AB7830}"/>
     <pc:docChg chg="undo redo custSel addSld modSld">
-      <pc:chgData name="ZHANG Xiangyu" userId="0af619d5-14b7-43d3-95bc-94ad39c803d6" providerId="ADAL" clId="{0190945F-89A7-4B46-967C-3ACE53AB7830}" dt="2024-01-25T07:53:19.541" v="1382" actId="14100"/>
+      <pc:chgData name="ZHANG Xiangyu" userId="0af619d5-14b7-43d3-95bc-94ad39c803d6" providerId="ADAL" clId="{0190945F-89A7-4B46-967C-3ACE53AB7830}" dt="2024-01-25T07:56:55.662" v="1388" actId="14100"/>
       <pc:docMkLst>
         <pc:docMk/>
       </pc:docMkLst>
       <pc:sldChg chg="addSp delSp modSp new mod">
-        <pc:chgData name="ZHANG Xiangyu" userId="0af619d5-14b7-43d3-95bc-94ad39c803d6" providerId="ADAL" clId="{0190945F-89A7-4B46-967C-3ACE53AB7830}" dt="2024-01-25T07:53:19.541" v="1382" actId="14100"/>
+        <pc:chgData name="ZHANG Xiangyu" userId="0af619d5-14b7-43d3-95bc-94ad39c803d6" providerId="ADAL" clId="{0190945F-89A7-4B46-967C-3ACE53AB7830}" dt="2024-01-25T07:56:55.662" v="1388" actId="14100"/>
         <pc:sldMkLst>
           <pc:docMk/>
           <pc:sldMk cId="3049935216" sldId="256"/>
@@ -204,7 +204,7 @@
           </ac:spMkLst>
         </pc:spChg>
         <pc:spChg chg="add mod">
-          <ac:chgData name="ZHANG Xiangyu" userId="0af619d5-14b7-43d3-95bc-94ad39c803d6" providerId="ADAL" clId="{0190945F-89A7-4B46-967C-3ACE53AB7830}" dt="2024-01-25T07:53:19.541" v="1382" actId="14100"/>
+          <ac:chgData name="ZHANG Xiangyu" userId="0af619d5-14b7-43d3-95bc-94ad39c803d6" providerId="ADAL" clId="{0190945F-89A7-4B46-967C-3ACE53AB7830}" dt="2024-01-25T07:56:55.662" v="1388" actId="14100"/>
           <ac:spMkLst>
             <pc:docMk/>
             <pc:sldMk cId="3049935216" sldId="256"/>
@@ -6674,7 +6674,7 @@
         <p:spPr>
           <a:xfrm>
             <a:off x="12018962" y="1606654"/>
-            <a:ext cx="3030537" cy="698536"/>
+            <a:ext cx="3154882" cy="698536"/>
           </a:xfrm>
           <a:prstGeom prst="roundRect">
             <a:avLst/>
@@ -6723,13 +6723,13 @@
           <a:p>
             <a:pPr algn="ctr"/>
             <a:r>
-              <a:rPr lang="en-US" altLang="zh-CN" sz="2000" dirty="0">
+              <a:rPr lang="en-US" altLang="zh-CN" sz="2400" dirty="0">
                 <a:latin typeface="Arial" panose="020B0604020202020204" pitchFamily="34" charset="0"/>
                 <a:cs typeface="Arial" panose="020B0604020202020204" pitchFamily="34" charset="0"/>
               </a:rPr>
               <a:t>Registration Channel</a:t>
             </a:r>
-            <a:endParaRPr lang="zh-CN" altLang="en-US" sz="2000" dirty="0">
+            <a:endParaRPr lang="zh-CN" altLang="en-US" sz="2400" dirty="0">
               <a:latin typeface="Arial" panose="020B0604020202020204" pitchFamily="34" charset="0"/>
               <a:cs typeface="Arial" panose="020B0604020202020204" pitchFamily="34" charset="0"/>
             </a:endParaRPr>

--- a/assets/figures.pptx
+++ b/assets/figures.pptx
@@ -5,7 +5,7 @@
     <p:sldMasterId id="2147483648" r:id="rId1"/>
   </p:sldMasterIdLst>
   <p:notesMasterIdLst>
-    <p:notesMasterId r:id="rId12"/>
+    <p:notesMasterId r:id="rId13"/>
   </p:notesMasterIdLst>
   <p:sldIdLst>
     <p:sldId id="260" r:id="rId2"/>
@@ -18,6 +18,7 @@
     <p:sldId id="258" r:id="rId9"/>
     <p:sldId id="261" r:id="rId10"/>
     <p:sldId id="262" r:id="rId11"/>
+    <p:sldId id="266" r:id="rId12"/>
   </p:sldIdLst>
   <p:sldSz cx="12192000" cy="6858000"/>
   <p:notesSz cx="6858000" cy="9144000"/>
@@ -127,7 +128,7 @@
 <file path=ppt/revisionInfo.xml><?xml version="1.0" encoding="utf-8"?>
 <p1510:revInfo xmlns:a="http://schemas.openxmlformats.org/drawingml/2006/main" xmlns:r="http://schemas.openxmlformats.org/officeDocument/2006/relationships" xmlns:p1510="http://schemas.microsoft.com/office/powerpoint/2015/10/main">
   <p1510:revLst>
-    <p1510:client id="{0190945F-89A7-4B46-967C-3ACE53AB7830}" v="3" dt="2024-01-25T07:45:21.512"/>
+    <p1510:client id="{0190945F-89A7-4B46-967C-3ACE53AB7830}" v="4" dt="2024-01-25T09:04:30.812"/>
   </p1510:revLst>
 </p1510:revInfo>
 </file>
@@ -169,7 +170,7 @@
   <pc:docChgLst>
     <pc:chgData name="ZHANG Xiangyu" userId="0af619d5-14b7-43d3-95bc-94ad39c803d6" providerId="ADAL" clId="{0190945F-89A7-4B46-967C-3ACE53AB7830}"/>
     <pc:docChg chg="undo redo custSel addSld modSld">
-      <pc:chgData name="ZHANG Xiangyu" userId="0af619d5-14b7-43d3-95bc-94ad39c803d6" providerId="ADAL" clId="{0190945F-89A7-4B46-967C-3ACE53AB7830}" dt="2024-01-25T07:56:55.662" v="1388" actId="14100"/>
+      <pc:chgData name="ZHANG Xiangyu" userId="0af619d5-14b7-43d3-95bc-94ad39c803d6" providerId="ADAL" clId="{0190945F-89A7-4B46-967C-3ACE53AB7830}" dt="2024-01-25T09:04:30.811" v="1391"/>
       <pc:docMkLst>
         <pc:docMk/>
       </pc:docMkLst>
@@ -1272,6 +1273,149 @@
             <pc:docMk/>
             <pc:sldMk cId="3557840703" sldId="265"/>
             <ac:picMk id="17" creationId="{EE19C2D6-2D4E-096F-485A-EBF1BC361BCF}"/>
+          </ac:picMkLst>
+        </pc:picChg>
+      </pc:sldChg>
+      <pc:sldChg chg="addSp delSp modSp new mod">
+        <pc:chgData name="ZHANG Xiangyu" userId="0af619d5-14b7-43d3-95bc-94ad39c803d6" providerId="ADAL" clId="{0190945F-89A7-4B46-967C-3ACE53AB7830}" dt="2024-01-25T09:04:30.811" v="1391"/>
+        <pc:sldMkLst>
+          <pc:docMk/>
+          <pc:sldMk cId="4183016900" sldId="266"/>
+        </pc:sldMkLst>
+        <pc:spChg chg="del">
+          <ac:chgData name="ZHANG Xiangyu" userId="0af619d5-14b7-43d3-95bc-94ad39c803d6" providerId="ADAL" clId="{0190945F-89A7-4B46-967C-3ACE53AB7830}" dt="2024-01-25T09:04:29.951" v="1390" actId="478"/>
+          <ac:spMkLst>
+            <pc:docMk/>
+            <pc:sldMk cId="4183016900" sldId="266"/>
+            <ac:spMk id="2" creationId="{31147F7E-2B8E-839B-C6B6-AEE8D2A4FC5C}"/>
+          </ac:spMkLst>
+        </pc:spChg>
+        <pc:spChg chg="del">
+          <ac:chgData name="ZHANG Xiangyu" userId="0af619d5-14b7-43d3-95bc-94ad39c803d6" providerId="ADAL" clId="{0190945F-89A7-4B46-967C-3ACE53AB7830}" dt="2024-01-25T09:04:29.951" v="1390" actId="478"/>
+          <ac:spMkLst>
+            <pc:docMk/>
+            <pc:sldMk cId="4183016900" sldId="266"/>
+            <ac:spMk id="3" creationId="{2FDD7845-7AB0-261A-3EAE-18A250CDDD17}"/>
+          </ac:spMkLst>
+        </pc:spChg>
+        <pc:spChg chg="mod">
+          <ac:chgData name="ZHANG Xiangyu" userId="0af619d5-14b7-43d3-95bc-94ad39c803d6" providerId="ADAL" clId="{0190945F-89A7-4B46-967C-3ACE53AB7830}" dt="2024-01-25T09:04:30.811" v="1391"/>
+          <ac:spMkLst>
+            <pc:docMk/>
+            <pc:sldMk cId="4183016900" sldId="266"/>
+            <ac:spMk id="6" creationId="{F87D0185-10CD-56E6-18F7-0D7F4E9CA4E8}"/>
+          </ac:spMkLst>
+        </pc:spChg>
+        <pc:spChg chg="mod">
+          <ac:chgData name="ZHANG Xiangyu" userId="0af619d5-14b7-43d3-95bc-94ad39c803d6" providerId="ADAL" clId="{0190945F-89A7-4B46-967C-3ACE53AB7830}" dt="2024-01-25T09:04:30.811" v="1391"/>
+          <ac:spMkLst>
+            <pc:docMk/>
+            <pc:sldMk cId="4183016900" sldId="266"/>
+            <ac:spMk id="7" creationId="{A2B47E98-2EBD-24BF-CEE8-3B488C907A52}"/>
+          </ac:spMkLst>
+        </pc:spChg>
+        <pc:spChg chg="mod">
+          <ac:chgData name="ZHANG Xiangyu" userId="0af619d5-14b7-43d3-95bc-94ad39c803d6" providerId="ADAL" clId="{0190945F-89A7-4B46-967C-3ACE53AB7830}" dt="2024-01-25T09:04:30.811" v="1391"/>
+          <ac:spMkLst>
+            <pc:docMk/>
+            <pc:sldMk cId="4183016900" sldId="266"/>
+            <ac:spMk id="11" creationId="{7BC549FC-2BF6-0C35-477C-B01698A09A34}"/>
+          </ac:spMkLst>
+        </pc:spChg>
+        <pc:spChg chg="mod">
+          <ac:chgData name="ZHANG Xiangyu" userId="0af619d5-14b7-43d3-95bc-94ad39c803d6" providerId="ADAL" clId="{0190945F-89A7-4B46-967C-3ACE53AB7830}" dt="2024-01-25T09:04:30.811" v="1391"/>
+          <ac:spMkLst>
+            <pc:docMk/>
+            <pc:sldMk cId="4183016900" sldId="266"/>
+            <ac:spMk id="12" creationId="{5D416E54-6CE9-8D86-4262-7FE219B9314E}"/>
+          </ac:spMkLst>
+        </pc:spChg>
+        <pc:spChg chg="mod">
+          <ac:chgData name="ZHANG Xiangyu" userId="0af619d5-14b7-43d3-95bc-94ad39c803d6" providerId="ADAL" clId="{0190945F-89A7-4B46-967C-3ACE53AB7830}" dt="2024-01-25T09:04:30.811" v="1391"/>
+          <ac:spMkLst>
+            <pc:docMk/>
+            <pc:sldMk cId="4183016900" sldId="266"/>
+            <ac:spMk id="13" creationId="{E317E23B-06A7-051E-0BCB-68EB1E549A6D}"/>
+          </ac:spMkLst>
+        </pc:spChg>
+        <pc:spChg chg="mod">
+          <ac:chgData name="ZHANG Xiangyu" userId="0af619d5-14b7-43d3-95bc-94ad39c803d6" providerId="ADAL" clId="{0190945F-89A7-4B46-967C-3ACE53AB7830}" dt="2024-01-25T09:04:30.811" v="1391"/>
+          <ac:spMkLst>
+            <pc:docMk/>
+            <pc:sldMk cId="4183016900" sldId="266"/>
+            <ac:spMk id="14" creationId="{4CF6F578-334C-FFE7-1365-3E6236B83FD9}"/>
+          </ac:spMkLst>
+        </pc:spChg>
+        <pc:spChg chg="mod">
+          <ac:chgData name="ZHANG Xiangyu" userId="0af619d5-14b7-43d3-95bc-94ad39c803d6" providerId="ADAL" clId="{0190945F-89A7-4B46-967C-3ACE53AB7830}" dt="2024-01-25T09:04:30.811" v="1391"/>
+          <ac:spMkLst>
+            <pc:docMk/>
+            <pc:sldMk cId="4183016900" sldId="266"/>
+            <ac:spMk id="15" creationId="{E5A66021-EEC3-8B47-4DF3-E20C122AD0DB}"/>
+          </ac:spMkLst>
+        </pc:spChg>
+        <pc:spChg chg="mod">
+          <ac:chgData name="ZHANG Xiangyu" userId="0af619d5-14b7-43d3-95bc-94ad39c803d6" providerId="ADAL" clId="{0190945F-89A7-4B46-967C-3ACE53AB7830}" dt="2024-01-25T09:04:30.811" v="1391"/>
+          <ac:spMkLst>
+            <pc:docMk/>
+            <pc:sldMk cId="4183016900" sldId="266"/>
+            <ac:spMk id="16" creationId="{162CAC97-045F-CD04-E7D7-47E86BD96F41}"/>
+          </ac:spMkLst>
+        </pc:spChg>
+        <pc:spChg chg="mod">
+          <ac:chgData name="ZHANG Xiangyu" userId="0af619d5-14b7-43d3-95bc-94ad39c803d6" providerId="ADAL" clId="{0190945F-89A7-4B46-967C-3ACE53AB7830}" dt="2024-01-25T09:04:30.811" v="1391"/>
+          <ac:spMkLst>
+            <pc:docMk/>
+            <pc:sldMk cId="4183016900" sldId="266"/>
+            <ac:spMk id="18" creationId="{1AFC97F9-386A-C182-127B-BF19A9FEBA42}"/>
+          </ac:spMkLst>
+        </pc:spChg>
+        <pc:grpChg chg="add mod">
+          <ac:chgData name="ZHANG Xiangyu" userId="0af619d5-14b7-43d3-95bc-94ad39c803d6" providerId="ADAL" clId="{0190945F-89A7-4B46-967C-3ACE53AB7830}" dt="2024-01-25T09:04:30.811" v="1391"/>
+          <ac:grpSpMkLst>
+            <pc:docMk/>
+            <pc:sldMk cId="4183016900" sldId="266"/>
+            <ac:grpSpMk id="4" creationId="{4E30DD75-0F30-34DD-1BE3-AB7CF530894A}"/>
+          </ac:grpSpMkLst>
+        </pc:grpChg>
+        <pc:grpChg chg="mod">
+          <ac:chgData name="ZHANG Xiangyu" userId="0af619d5-14b7-43d3-95bc-94ad39c803d6" providerId="ADAL" clId="{0190945F-89A7-4B46-967C-3ACE53AB7830}" dt="2024-01-25T09:04:30.811" v="1391"/>
+          <ac:grpSpMkLst>
+            <pc:docMk/>
+            <pc:sldMk cId="4183016900" sldId="266"/>
+            <ac:grpSpMk id="5" creationId="{E24489D8-3DA1-D625-7227-6F6EA1D44AFF}"/>
+          </ac:grpSpMkLst>
+        </pc:grpChg>
+        <pc:grpChg chg="mod">
+          <ac:chgData name="ZHANG Xiangyu" userId="0af619d5-14b7-43d3-95bc-94ad39c803d6" providerId="ADAL" clId="{0190945F-89A7-4B46-967C-3ACE53AB7830}" dt="2024-01-25T09:04:30.811" v="1391"/>
+          <ac:grpSpMkLst>
+            <pc:docMk/>
+            <pc:sldMk cId="4183016900" sldId="266"/>
+            <ac:grpSpMk id="8" creationId="{A514BEFF-67AB-39F7-703E-CC1AAAE67270}"/>
+          </ac:grpSpMkLst>
+        </pc:grpChg>
+        <pc:grpChg chg="mod">
+          <ac:chgData name="ZHANG Xiangyu" userId="0af619d5-14b7-43d3-95bc-94ad39c803d6" providerId="ADAL" clId="{0190945F-89A7-4B46-967C-3ACE53AB7830}" dt="2024-01-25T09:04:30.811" v="1391"/>
+          <ac:grpSpMkLst>
+            <pc:docMk/>
+            <pc:sldMk cId="4183016900" sldId="266"/>
+            <ac:grpSpMk id="9" creationId="{BD8B9DCE-3FD6-CE1D-51CF-627FE0EBE931}"/>
+          </ac:grpSpMkLst>
+        </pc:grpChg>
+        <pc:picChg chg="mod">
+          <ac:chgData name="ZHANG Xiangyu" userId="0af619d5-14b7-43d3-95bc-94ad39c803d6" providerId="ADAL" clId="{0190945F-89A7-4B46-967C-3ACE53AB7830}" dt="2024-01-25T09:04:30.811" v="1391"/>
+          <ac:picMkLst>
+            <pc:docMk/>
+            <pc:sldMk cId="4183016900" sldId="266"/>
+            <ac:picMk id="10" creationId="{477AEF24-6020-9048-4FEE-608C6FD4B1C7}"/>
+          </ac:picMkLst>
+        </pc:picChg>
+        <pc:picChg chg="mod">
+          <ac:chgData name="ZHANG Xiangyu" userId="0af619d5-14b7-43d3-95bc-94ad39c803d6" providerId="ADAL" clId="{0190945F-89A7-4B46-967C-3ACE53AB7830}" dt="2024-01-25T09:04:30.811" v="1391"/>
+          <ac:picMkLst>
+            <pc:docMk/>
+            <pc:sldMk cId="4183016900" sldId="266"/>
+            <ac:picMk id="17" creationId="{24E00303-00FE-0F46-A351-255492D5D8A5}"/>
           </ac:picMkLst>
         </pc:picChg>
       </pc:sldChg>
@@ -5642,6 +5786,696 @@
 </p:sld>
 </file>
 
+<file path=ppt/slides/slide11.xml><?xml version="1.0" encoding="utf-8"?>
+<p:sld xmlns:a="http://schemas.openxmlformats.org/drawingml/2006/main" xmlns:r="http://schemas.openxmlformats.org/officeDocument/2006/relationships" xmlns:p="http://schemas.openxmlformats.org/presentationml/2006/main">
+  <p:cSld>
+    <p:spTree>
+      <p:nvGrpSpPr>
+        <p:cNvPr id="1" name=""/>
+        <p:cNvGrpSpPr/>
+        <p:nvPr/>
+      </p:nvGrpSpPr>
+      <p:grpSpPr>
+        <a:xfrm>
+          <a:off x="0" y="0"/>
+          <a:ext cx="0" cy="0"/>
+          <a:chOff x="0" y="0"/>
+          <a:chExt cx="0" cy="0"/>
+        </a:xfrm>
+      </p:grpSpPr>
+      <p:grpSp>
+        <p:nvGrpSpPr>
+          <p:cNvPr id="4" name="组合 3">
+            <a:extLst>
+              <a:ext uri="{FF2B5EF4-FFF2-40B4-BE49-F238E27FC236}">
+                <a16:creationId xmlns:a16="http://schemas.microsoft.com/office/drawing/2014/main" id="{4E30DD75-0F30-34DD-1BE3-AB7CF530894A}"/>
+              </a:ext>
+            </a:extLst>
+          </p:cNvPr>
+          <p:cNvGrpSpPr/>
+          <p:nvPr/>
+        </p:nvGrpSpPr>
+        <p:grpSpPr>
+          <a:xfrm>
+            <a:off x="325373" y="117093"/>
+            <a:ext cx="11633609" cy="5336424"/>
+            <a:chOff x="325373" y="117093"/>
+            <a:chExt cx="11633609" cy="5336424"/>
+          </a:xfrm>
+        </p:grpSpPr>
+        <p:grpSp>
+          <p:nvGrpSpPr>
+            <p:cNvPr id="5" name="组合 4">
+              <a:extLst>
+                <a:ext uri="{FF2B5EF4-FFF2-40B4-BE49-F238E27FC236}">
+                  <a16:creationId xmlns:a16="http://schemas.microsoft.com/office/drawing/2014/main" id="{E24489D8-3DA1-D625-7227-6F6EA1D44AFF}"/>
+                </a:ext>
+              </a:extLst>
+            </p:cNvPr>
+            <p:cNvGrpSpPr/>
+            <p:nvPr/>
+          </p:nvGrpSpPr>
+          <p:grpSpPr>
+            <a:xfrm>
+              <a:off x="369581" y="117502"/>
+              <a:ext cx="11589401" cy="5336015"/>
+              <a:chOff x="420381" y="-34898"/>
+              <a:chExt cx="11589401" cy="5336015"/>
+            </a:xfrm>
+          </p:grpSpPr>
+          <p:grpSp>
+            <p:nvGrpSpPr>
+              <p:cNvPr id="8" name="组合 7">
+                <a:extLst>
+                  <a:ext uri="{FF2B5EF4-FFF2-40B4-BE49-F238E27FC236}">
+                    <a16:creationId xmlns:a16="http://schemas.microsoft.com/office/drawing/2014/main" id="{A514BEFF-67AB-39F7-703E-CC1AAAE67270}"/>
+                  </a:ext>
+                </a:extLst>
+              </p:cNvPr>
+              <p:cNvGrpSpPr/>
+              <p:nvPr/>
+            </p:nvGrpSpPr>
+            <p:grpSpPr>
+              <a:xfrm>
+                <a:off x="7763576" y="-34898"/>
+                <a:ext cx="4246206" cy="3618898"/>
+                <a:chOff x="7264594" y="-40350"/>
+                <a:chExt cx="4250917" cy="3622913"/>
+              </a:xfrm>
+            </p:grpSpPr>
+            <p:pic>
+              <p:nvPicPr>
+                <p:cNvPr id="17" name="图片 16">
+                  <a:extLst>
+                    <a:ext uri="{FF2B5EF4-FFF2-40B4-BE49-F238E27FC236}">
+                      <a16:creationId xmlns:a16="http://schemas.microsoft.com/office/drawing/2014/main" id="{24E00303-00FE-0F46-A351-255492D5D8A5}"/>
+                    </a:ext>
+                  </a:extLst>
+                </p:cNvPr>
+                <p:cNvPicPr>
+                  <a:picLocks noChangeAspect="1"/>
+                </p:cNvPicPr>
+                <p:nvPr/>
+              </p:nvPicPr>
+              <p:blipFill>
+                <a:blip r:embed="rId2">
+                  <a:extLst>
+                    <a:ext uri="{28A0092B-C50C-407E-A947-70E740481C1C}">
+                      <a14:useLocalDpi xmlns:a14="http://schemas.microsoft.com/office/drawing/2010/main" val="0"/>
+                    </a:ext>
+                  </a:extLst>
+                </a:blip>
+                <a:stretch>
+                  <a:fillRect/>
+                </a:stretch>
+              </p:blipFill>
+              <p:spPr>
+                <a:xfrm>
+                  <a:off x="7264594" y="492474"/>
+                  <a:ext cx="4250917" cy="3090089"/>
+                </a:xfrm>
+                <a:prstGeom prst="rect">
+                  <a:avLst/>
+                </a:prstGeom>
+              </p:spPr>
+            </p:pic>
+            <p:sp>
+              <p:nvSpPr>
+                <p:cNvPr id="18" name="文本框 17">
+                  <a:extLst>
+                    <a:ext uri="{FF2B5EF4-FFF2-40B4-BE49-F238E27FC236}">
+                      <a16:creationId xmlns:a16="http://schemas.microsoft.com/office/drawing/2014/main" id="{1AFC97F9-386A-C182-127B-BF19A9FEBA42}"/>
+                    </a:ext>
+                  </a:extLst>
+                </p:cNvPr>
+                <p:cNvSpPr txBox="1"/>
+                <p:nvPr/>
+              </p:nvSpPr>
+              <p:spPr>
+                <a:xfrm>
+                  <a:off x="7264594" y="-40350"/>
+                  <a:ext cx="2998356" cy="369332"/>
+                </a:xfrm>
+                <a:prstGeom prst="rect">
+                  <a:avLst/>
+                </a:prstGeom>
+                <a:noFill/>
+              </p:spPr>
+              <p:txBody>
+                <a:bodyPr wrap="square">
+                  <a:spAutoFit/>
+                </a:bodyPr>
+                <a:lstStyle/>
+                <a:p>
+                  <a:endParaRPr lang="zh-CN" altLang="en-US" dirty="0">
+                    <a:solidFill>
+                      <a:srgbClr val="002060"/>
+                    </a:solidFill>
+                  </a:endParaRPr>
+                </a:p>
+              </p:txBody>
+            </p:sp>
+          </p:grpSp>
+          <p:grpSp>
+            <p:nvGrpSpPr>
+              <p:cNvPr id="9" name="组合 8">
+                <a:extLst>
+                  <a:ext uri="{FF2B5EF4-FFF2-40B4-BE49-F238E27FC236}">
+                    <a16:creationId xmlns:a16="http://schemas.microsoft.com/office/drawing/2014/main" id="{BD8B9DCE-3FD6-CE1D-51CF-627FE0EBE931}"/>
+                  </a:ext>
+                </a:extLst>
+              </p:cNvPr>
+              <p:cNvGrpSpPr/>
+              <p:nvPr/>
+            </p:nvGrpSpPr>
+            <p:grpSpPr>
+              <a:xfrm>
+                <a:off x="420381" y="303328"/>
+                <a:ext cx="8371658" cy="4997789"/>
+                <a:chOff x="426279" y="118662"/>
+                <a:chExt cx="8371658" cy="4997789"/>
+              </a:xfrm>
+            </p:grpSpPr>
+            <p:pic>
+              <p:nvPicPr>
+                <p:cNvPr id="10" name="图片 9">
+                  <a:extLst>
+                    <a:ext uri="{FF2B5EF4-FFF2-40B4-BE49-F238E27FC236}">
+                      <a16:creationId xmlns:a16="http://schemas.microsoft.com/office/drawing/2014/main" id="{477AEF24-6020-9048-4FEE-608C6FD4B1C7}"/>
+                    </a:ext>
+                  </a:extLst>
+                </p:cNvPr>
+                <p:cNvPicPr>
+                  <a:picLocks noChangeAspect="1"/>
+                </p:cNvPicPr>
+                <p:nvPr/>
+              </p:nvPicPr>
+              <p:blipFill>
+                <a:blip r:embed="rId3">
+                  <a:extLst>
+                    <a:ext uri="{28A0092B-C50C-407E-A947-70E740481C1C}">
+                      <a14:useLocalDpi xmlns:a14="http://schemas.microsoft.com/office/drawing/2010/main" val="0"/>
+                    </a:ext>
+                  </a:extLst>
+                </a:blip>
+                <a:stretch>
+                  <a:fillRect/>
+                </a:stretch>
+              </p:blipFill>
+              <p:spPr>
+                <a:xfrm>
+                  <a:off x="565882" y="118662"/>
+                  <a:ext cx="6575248" cy="4997789"/>
+                </a:xfrm>
+                <a:prstGeom prst="rect">
+                  <a:avLst/>
+                </a:prstGeom>
+              </p:spPr>
+            </p:pic>
+            <p:sp>
+              <p:nvSpPr>
+                <p:cNvPr id="11" name="椭圆 10">
+                  <a:extLst>
+                    <a:ext uri="{FF2B5EF4-FFF2-40B4-BE49-F238E27FC236}">
+                      <a16:creationId xmlns:a16="http://schemas.microsoft.com/office/drawing/2014/main" id="{7BC549FC-2BF6-0C35-477C-B01698A09A34}"/>
+                    </a:ext>
+                  </a:extLst>
+                </p:cNvPr>
+                <p:cNvSpPr/>
+                <p:nvPr/>
+              </p:nvSpPr>
+              <p:spPr>
+                <a:xfrm>
+                  <a:off x="426279" y="1403012"/>
+                  <a:ext cx="279206" cy="279206"/>
+                </a:xfrm>
+                <a:prstGeom prst="ellipse">
+                  <a:avLst/>
+                </a:prstGeom>
+                <a:noFill/>
+                <a:ln w="28575">
+                  <a:solidFill>
+                    <a:srgbClr val="FF0000"/>
+                  </a:solidFill>
+                </a:ln>
+              </p:spPr>
+              <p:style>
+                <a:lnRef idx="2">
+                  <a:schemeClr val="accent1">
+                    <a:shade val="50000"/>
+                  </a:schemeClr>
+                </a:lnRef>
+                <a:fillRef idx="1">
+                  <a:schemeClr val="accent1"/>
+                </a:fillRef>
+                <a:effectRef idx="0">
+                  <a:schemeClr val="accent1"/>
+                </a:effectRef>
+                <a:fontRef idx="minor">
+                  <a:schemeClr val="lt1"/>
+                </a:fontRef>
+              </p:style>
+              <p:txBody>
+                <a:bodyPr rtlCol="0" anchor="ctr"/>
+                <a:lstStyle/>
+                <a:p>
+                  <a:pPr algn="ctr"/>
+                  <a:r>
+                    <a:rPr lang="en-US" altLang="zh-CN" dirty="0">
+                      <a:solidFill>
+                        <a:srgbClr val="FF0000"/>
+                      </a:solidFill>
+                    </a:rPr>
+                    <a:t>1</a:t>
+                  </a:r>
+                  <a:endParaRPr lang="zh-CN" altLang="en-US" dirty="0">
+                    <a:solidFill>
+                      <a:srgbClr val="FF0000"/>
+                    </a:solidFill>
+                  </a:endParaRPr>
+                </a:p>
+              </p:txBody>
+            </p:sp>
+            <p:sp>
+              <p:nvSpPr>
+                <p:cNvPr id="12" name="椭圆 11">
+                  <a:extLst>
+                    <a:ext uri="{FF2B5EF4-FFF2-40B4-BE49-F238E27FC236}">
+                      <a16:creationId xmlns:a16="http://schemas.microsoft.com/office/drawing/2014/main" id="{5D416E54-6CE9-8D86-4262-7FE219B9314E}"/>
+                    </a:ext>
+                  </a:extLst>
+                </p:cNvPr>
+                <p:cNvSpPr/>
+                <p:nvPr/>
+              </p:nvSpPr>
+              <p:spPr>
+                <a:xfrm>
+                  <a:off x="426279" y="3120128"/>
+                  <a:ext cx="279206" cy="279206"/>
+                </a:xfrm>
+                <a:prstGeom prst="ellipse">
+                  <a:avLst/>
+                </a:prstGeom>
+                <a:noFill/>
+                <a:ln w="28575">
+                  <a:solidFill>
+                    <a:srgbClr val="FF0000"/>
+                  </a:solidFill>
+                </a:ln>
+              </p:spPr>
+              <p:style>
+                <a:lnRef idx="2">
+                  <a:schemeClr val="accent1">
+                    <a:shade val="50000"/>
+                  </a:schemeClr>
+                </a:lnRef>
+                <a:fillRef idx="1">
+                  <a:schemeClr val="accent1"/>
+                </a:fillRef>
+                <a:effectRef idx="0">
+                  <a:schemeClr val="accent1"/>
+                </a:effectRef>
+                <a:fontRef idx="minor">
+                  <a:schemeClr val="lt1"/>
+                </a:fontRef>
+              </p:style>
+              <p:txBody>
+                <a:bodyPr rtlCol="0" anchor="ctr"/>
+                <a:lstStyle/>
+                <a:p>
+                  <a:pPr algn="ctr"/>
+                  <a:r>
+                    <a:rPr lang="en-US" altLang="zh-CN" dirty="0">
+                      <a:solidFill>
+                        <a:srgbClr val="FF0000"/>
+                      </a:solidFill>
+                    </a:rPr>
+                    <a:t>2</a:t>
+                  </a:r>
+                  <a:endParaRPr lang="zh-CN" altLang="en-US" dirty="0">
+                    <a:solidFill>
+                      <a:srgbClr val="FF0000"/>
+                    </a:solidFill>
+                  </a:endParaRPr>
+                </a:p>
+              </p:txBody>
+            </p:sp>
+            <p:sp>
+              <p:nvSpPr>
+                <p:cNvPr id="13" name="椭圆 12">
+                  <a:extLst>
+                    <a:ext uri="{FF2B5EF4-FFF2-40B4-BE49-F238E27FC236}">
+                      <a16:creationId xmlns:a16="http://schemas.microsoft.com/office/drawing/2014/main" id="{E317E23B-06A7-051E-0BCB-68EB1E549A6D}"/>
+                    </a:ext>
+                  </a:extLst>
+                </p:cNvPr>
+                <p:cNvSpPr/>
+                <p:nvPr/>
+              </p:nvSpPr>
+              <p:spPr>
+                <a:xfrm>
+                  <a:off x="4062939" y="1333209"/>
+                  <a:ext cx="279206" cy="279206"/>
+                </a:xfrm>
+                <a:prstGeom prst="ellipse">
+                  <a:avLst/>
+                </a:prstGeom>
+                <a:noFill/>
+                <a:ln w="28575">
+                  <a:solidFill>
+                    <a:srgbClr val="FF0000"/>
+                  </a:solidFill>
+                </a:ln>
+              </p:spPr>
+              <p:style>
+                <a:lnRef idx="2">
+                  <a:schemeClr val="accent1">
+                    <a:shade val="50000"/>
+                  </a:schemeClr>
+                </a:lnRef>
+                <a:fillRef idx="1">
+                  <a:schemeClr val="accent1"/>
+                </a:fillRef>
+                <a:effectRef idx="0">
+                  <a:schemeClr val="accent1"/>
+                </a:effectRef>
+                <a:fontRef idx="minor">
+                  <a:schemeClr val="lt1"/>
+                </a:fontRef>
+              </p:style>
+              <p:txBody>
+                <a:bodyPr rtlCol="0" anchor="ctr"/>
+                <a:lstStyle/>
+                <a:p>
+                  <a:pPr algn="ctr"/>
+                  <a:r>
+                    <a:rPr lang="en-US" altLang="zh-CN" dirty="0">
+                      <a:solidFill>
+                        <a:srgbClr val="FF0000"/>
+                      </a:solidFill>
+                    </a:rPr>
+                    <a:t>4</a:t>
+                  </a:r>
+                  <a:endParaRPr lang="zh-CN" altLang="en-US" dirty="0">
+                    <a:solidFill>
+                      <a:srgbClr val="FF0000"/>
+                    </a:solidFill>
+                  </a:endParaRPr>
+                </a:p>
+              </p:txBody>
+            </p:sp>
+            <p:sp>
+              <p:nvSpPr>
+                <p:cNvPr id="14" name="椭圆 13">
+                  <a:extLst>
+                    <a:ext uri="{FF2B5EF4-FFF2-40B4-BE49-F238E27FC236}">
+                      <a16:creationId xmlns:a16="http://schemas.microsoft.com/office/drawing/2014/main" id="{4CF6F578-334C-FFE7-1365-3E6236B83FD9}"/>
+                    </a:ext>
+                  </a:extLst>
+                </p:cNvPr>
+                <p:cNvSpPr/>
+                <p:nvPr/>
+              </p:nvSpPr>
+              <p:spPr>
+                <a:xfrm>
+                  <a:off x="6198865" y="2429092"/>
+                  <a:ext cx="279206" cy="279206"/>
+                </a:xfrm>
+                <a:prstGeom prst="ellipse">
+                  <a:avLst/>
+                </a:prstGeom>
+                <a:noFill/>
+                <a:ln w="28575">
+                  <a:solidFill>
+                    <a:srgbClr val="FF0000"/>
+                  </a:solidFill>
+                </a:ln>
+              </p:spPr>
+              <p:style>
+                <a:lnRef idx="2">
+                  <a:schemeClr val="accent1">
+                    <a:shade val="50000"/>
+                  </a:schemeClr>
+                </a:lnRef>
+                <a:fillRef idx="1">
+                  <a:schemeClr val="accent1"/>
+                </a:fillRef>
+                <a:effectRef idx="0">
+                  <a:schemeClr val="accent1"/>
+                </a:effectRef>
+                <a:fontRef idx="minor">
+                  <a:schemeClr val="lt1"/>
+                </a:fontRef>
+              </p:style>
+              <p:txBody>
+                <a:bodyPr rtlCol="0" anchor="ctr"/>
+                <a:lstStyle/>
+                <a:p>
+                  <a:pPr algn="ctr"/>
+                  <a:r>
+                    <a:rPr lang="en-US" altLang="zh-CN" dirty="0">
+                      <a:solidFill>
+                        <a:srgbClr val="FF0000"/>
+                      </a:solidFill>
+                    </a:rPr>
+                    <a:t>5</a:t>
+                  </a:r>
+                  <a:endParaRPr lang="zh-CN" altLang="en-US" dirty="0">
+                    <a:solidFill>
+                      <a:srgbClr val="FF0000"/>
+                    </a:solidFill>
+                  </a:endParaRPr>
+                </a:p>
+              </p:txBody>
+            </p:sp>
+            <p:sp>
+              <p:nvSpPr>
+                <p:cNvPr id="15" name="椭圆 14">
+                  <a:extLst>
+                    <a:ext uri="{FF2B5EF4-FFF2-40B4-BE49-F238E27FC236}">
+                      <a16:creationId xmlns:a16="http://schemas.microsoft.com/office/drawing/2014/main" id="{E5A66021-EEC3-8B47-4DF3-E20C122AD0DB}"/>
+                    </a:ext>
+                  </a:extLst>
+                </p:cNvPr>
+                <p:cNvSpPr/>
+                <p:nvPr/>
+              </p:nvSpPr>
+              <p:spPr>
+                <a:xfrm>
+                  <a:off x="4062939" y="303328"/>
+                  <a:ext cx="279206" cy="279206"/>
+                </a:xfrm>
+                <a:prstGeom prst="ellipse">
+                  <a:avLst/>
+                </a:prstGeom>
+                <a:noFill/>
+                <a:ln w="28575">
+                  <a:solidFill>
+                    <a:srgbClr val="FF0000"/>
+                  </a:solidFill>
+                </a:ln>
+              </p:spPr>
+              <p:style>
+                <a:lnRef idx="2">
+                  <a:schemeClr val="accent1">
+                    <a:shade val="50000"/>
+                  </a:schemeClr>
+                </a:lnRef>
+                <a:fillRef idx="1">
+                  <a:schemeClr val="accent1"/>
+                </a:fillRef>
+                <a:effectRef idx="0">
+                  <a:schemeClr val="accent1"/>
+                </a:effectRef>
+                <a:fontRef idx="minor">
+                  <a:schemeClr val="lt1"/>
+                </a:fontRef>
+              </p:style>
+              <p:txBody>
+                <a:bodyPr rtlCol="0" anchor="ctr"/>
+                <a:lstStyle/>
+                <a:p>
+                  <a:pPr algn="ctr"/>
+                  <a:r>
+                    <a:rPr lang="en-US" altLang="zh-CN" dirty="0">
+                      <a:solidFill>
+                        <a:srgbClr val="FF0000"/>
+                      </a:solidFill>
+                    </a:rPr>
+                    <a:t>3</a:t>
+                  </a:r>
+                  <a:endParaRPr lang="zh-CN" altLang="en-US" dirty="0">
+                    <a:solidFill>
+                      <a:srgbClr val="FF0000"/>
+                    </a:solidFill>
+                  </a:endParaRPr>
+                </a:p>
+              </p:txBody>
+            </p:sp>
+            <p:sp>
+              <p:nvSpPr>
+                <p:cNvPr id="16" name="椭圆 15">
+                  <a:extLst>
+                    <a:ext uri="{FF2B5EF4-FFF2-40B4-BE49-F238E27FC236}">
+                      <a16:creationId xmlns:a16="http://schemas.microsoft.com/office/drawing/2014/main" id="{162CAC97-045F-CD04-E7D7-47E86BD96F41}"/>
+                    </a:ext>
+                  </a:extLst>
+                </p:cNvPr>
+                <p:cNvSpPr/>
+                <p:nvPr/>
+              </p:nvSpPr>
+              <p:spPr>
+                <a:xfrm>
+                  <a:off x="8518731" y="319600"/>
+                  <a:ext cx="279206" cy="279206"/>
+                </a:xfrm>
+                <a:prstGeom prst="ellipse">
+                  <a:avLst/>
+                </a:prstGeom>
+                <a:noFill/>
+                <a:ln w="28575">
+                  <a:solidFill>
+                    <a:srgbClr val="FF0000"/>
+                  </a:solidFill>
+                </a:ln>
+              </p:spPr>
+              <p:style>
+                <a:lnRef idx="2">
+                  <a:schemeClr val="accent1">
+                    <a:shade val="50000"/>
+                  </a:schemeClr>
+                </a:lnRef>
+                <a:fillRef idx="1">
+                  <a:schemeClr val="accent1"/>
+                </a:fillRef>
+                <a:effectRef idx="0">
+                  <a:schemeClr val="accent1"/>
+                </a:effectRef>
+                <a:fontRef idx="minor">
+                  <a:schemeClr val="lt1"/>
+                </a:fontRef>
+              </p:style>
+              <p:txBody>
+                <a:bodyPr rtlCol="0" anchor="ctr"/>
+                <a:lstStyle/>
+                <a:p>
+                  <a:pPr algn="ctr"/>
+                  <a:r>
+                    <a:rPr lang="en-US" altLang="zh-CN" dirty="0">
+                      <a:solidFill>
+                        <a:srgbClr val="FF0000"/>
+                      </a:solidFill>
+                    </a:rPr>
+                    <a:t>6</a:t>
+                  </a:r>
+                  <a:endParaRPr lang="zh-CN" altLang="en-US" dirty="0">
+                    <a:solidFill>
+                      <a:srgbClr val="FF0000"/>
+                    </a:solidFill>
+                  </a:endParaRPr>
+                </a:p>
+              </p:txBody>
+            </p:sp>
+          </p:grpSp>
+        </p:grpSp>
+        <p:sp>
+          <p:nvSpPr>
+            <p:cNvPr id="6" name="文本框 5">
+              <a:extLst>
+                <a:ext uri="{FF2B5EF4-FFF2-40B4-BE49-F238E27FC236}">
+                  <a16:creationId xmlns:a16="http://schemas.microsoft.com/office/drawing/2014/main" id="{F87D0185-10CD-56E6-18F7-0D7F4E9CA4E8}"/>
+                </a:ext>
+              </a:extLst>
+            </p:cNvPr>
+            <p:cNvSpPr txBox="1"/>
+            <p:nvPr/>
+          </p:nvSpPr>
+          <p:spPr>
+            <a:xfrm>
+              <a:off x="325373" y="117093"/>
+              <a:ext cx="1503427" cy="369332"/>
+            </a:xfrm>
+            <a:prstGeom prst="rect">
+              <a:avLst/>
+            </a:prstGeom>
+            <a:noFill/>
+          </p:spPr>
+          <p:txBody>
+            <a:bodyPr wrap="square">
+              <a:spAutoFit/>
+            </a:bodyPr>
+            <a:lstStyle/>
+            <a:p>
+              <a:pPr algn="just" fontAlgn="base"/>
+              <a:r>
+                <a:rPr lang="en-US" altLang="zh-CN" i="0" dirty="0">
+                  <a:solidFill>
+                    <a:srgbClr val="006DBE"/>
+                  </a:solidFill>
+                  <a:effectLst/>
+                  <a:latin typeface="Arial" panose="020B0604020202020204" pitchFamily="34" charset="0"/>
+                </a:rPr>
+                <a:t>a. Payment</a:t>
+              </a:r>
+            </a:p>
+          </p:txBody>
+        </p:sp>
+        <p:sp>
+          <p:nvSpPr>
+            <p:cNvPr id="7" name="文本框 6">
+              <a:extLst>
+                <a:ext uri="{FF2B5EF4-FFF2-40B4-BE49-F238E27FC236}">
+                  <a16:creationId xmlns:a16="http://schemas.microsoft.com/office/drawing/2014/main" id="{A2B47E98-2EBD-24BF-CEE8-3B488C907A52}"/>
+                </a:ext>
+              </a:extLst>
+            </p:cNvPr>
+            <p:cNvSpPr txBox="1"/>
+            <p:nvPr/>
+          </p:nvSpPr>
+          <p:spPr>
+            <a:xfrm>
+              <a:off x="7629788" y="117093"/>
+              <a:ext cx="2995033" cy="369332"/>
+            </a:xfrm>
+            <a:prstGeom prst="rect">
+              <a:avLst/>
+            </a:prstGeom>
+            <a:noFill/>
+          </p:spPr>
+          <p:txBody>
+            <a:bodyPr wrap="square">
+              <a:spAutoFit/>
+            </a:bodyPr>
+            <a:lstStyle/>
+            <a:p>
+              <a:pPr algn="just" fontAlgn="base"/>
+              <a:r>
+                <a:rPr lang="en-US" altLang="zh-CN" i="0" dirty="0">
+                  <a:solidFill>
+                    <a:srgbClr val="006DBE"/>
+                  </a:solidFill>
+                  <a:effectLst/>
+                  <a:latin typeface="Arial" panose="020B0604020202020204" pitchFamily="34" charset="0"/>
+                </a:rPr>
+                <a:t>b. Your CMMM2024 receipt </a:t>
+              </a:r>
+            </a:p>
+          </p:txBody>
+        </p:sp>
+      </p:grpSp>
+    </p:spTree>
+    <p:extLst>
+      <p:ext uri="{BB962C8B-B14F-4D97-AF65-F5344CB8AC3E}">
+        <p14:creationId xmlns:p14="http://schemas.microsoft.com/office/powerpoint/2010/main" val="4183016900"/>
+      </p:ext>
+    </p:extLst>
+  </p:cSld>
+  <p:clrMapOvr>
+    <a:masterClrMapping/>
+  </p:clrMapOvr>
+</p:sld>
+</file>
+
 <file path=ppt/slides/slide2.xml><?xml version="1.0" encoding="utf-8"?>
 <p:sld xmlns:a="http://schemas.openxmlformats.org/drawingml/2006/main" xmlns:r="http://schemas.openxmlformats.org/officeDocument/2006/relationships" xmlns:p="http://schemas.openxmlformats.org/presentationml/2006/main">
   <p:cSld>

--- a/assets/figures.pptx
+++ b/assets/figures.pptx
@@ -5,20 +5,21 @@
     <p:sldMasterId id="2147483648" r:id="rId1"/>
   </p:sldMasterIdLst>
   <p:notesMasterIdLst>
-    <p:notesMasterId r:id="rId13"/>
+    <p:notesMasterId r:id="rId14"/>
   </p:notesMasterIdLst>
   <p:sldIdLst>
     <p:sldId id="260" r:id="rId2"/>
-    <p:sldId id="265" r:id="rId3"/>
-    <p:sldId id="259" r:id="rId4"/>
-    <p:sldId id="256" r:id="rId5"/>
-    <p:sldId id="263" r:id="rId6"/>
-    <p:sldId id="264" r:id="rId7"/>
-    <p:sldId id="257" r:id="rId8"/>
-    <p:sldId id="258" r:id="rId9"/>
-    <p:sldId id="261" r:id="rId10"/>
-    <p:sldId id="262" r:id="rId11"/>
-    <p:sldId id="266" r:id="rId12"/>
+    <p:sldId id="267" r:id="rId3"/>
+    <p:sldId id="265" r:id="rId4"/>
+    <p:sldId id="259" r:id="rId5"/>
+    <p:sldId id="256" r:id="rId6"/>
+    <p:sldId id="263" r:id="rId7"/>
+    <p:sldId id="264" r:id="rId8"/>
+    <p:sldId id="257" r:id="rId9"/>
+    <p:sldId id="258" r:id="rId10"/>
+    <p:sldId id="261" r:id="rId11"/>
+    <p:sldId id="262" r:id="rId12"/>
+    <p:sldId id="266" r:id="rId13"/>
   </p:sldIdLst>
   <p:sldSz cx="12192000" cy="6858000"/>
   <p:notesSz cx="6858000" cy="9144000"/>
@@ -128,7 +129,7 @@
 <file path=ppt/revisionInfo.xml><?xml version="1.0" encoding="utf-8"?>
 <p1510:revInfo xmlns:a="http://schemas.openxmlformats.org/drawingml/2006/main" xmlns:r="http://schemas.openxmlformats.org/officeDocument/2006/relationships" xmlns:p1510="http://schemas.microsoft.com/office/powerpoint/2015/10/main">
   <p1510:revLst>
-    <p1510:client id="{0190945F-89A7-4B46-967C-3ACE53AB7830}" v="4" dt="2024-01-25T09:04:30.812"/>
+    <p1510:client id="{0190945F-89A7-4B46-967C-3ACE53AB7830}" v="7" dt="2024-01-30T17:07:26.841"/>
   </p1510:revLst>
 </p1510:revInfo>
 </file>
@@ -170,7 +171,7 @@
   <pc:docChgLst>
     <pc:chgData name="ZHANG Xiangyu" userId="0af619d5-14b7-43d3-95bc-94ad39c803d6" providerId="ADAL" clId="{0190945F-89A7-4B46-967C-3ACE53AB7830}"/>
     <pc:docChg chg="undo redo custSel addSld modSld">
-      <pc:chgData name="ZHANG Xiangyu" userId="0af619d5-14b7-43d3-95bc-94ad39c803d6" providerId="ADAL" clId="{0190945F-89A7-4B46-967C-3ACE53AB7830}" dt="2024-01-25T09:04:30.811" v="1391"/>
+      <pc:chgData name="ZHANG Xiangyu" userId="0af619d5-14b7-43d3-95bc-94ad39c803d6" providerId="ADAL" clId="{0190945F-89A7-4B46-967C-3ACE53AB7830}" dt="2024-01-30T17:09:17.398" v="1432" actId="1076"/>
       <pc:docMkLst>
         <pc:docMk/>
       </pc:docMkLst>
@@ -1416,6 +1417,61 @@
             <pc:docMk/>
             <pc:sldMk cId="4183016900" sldId="266"/>
             <ac:picMk id="17" creationId="{24E00303-00FE-0F46-A351-255492D5D8A5}"/>
+          </ac:picMkLst>
+        </pc:picChg>
+      </pc:sldChg>
+      <pc:sldChg chg="addSp delSp modSp add mod">
+        <pc:chgData name="ZHANG Xiangyu" userId="0af619d5-14b7-43d3-95bc-94ad39c803d6" providerId="ADAL" clId="{0190945F-89A7-4B46-967C-3ACE53AB7830}" dt="2024-01-30T17:09:17.398" v="1432" actId="1076"/>
+        <pc:sldMkLst>
+          <pc:docMk/>
+          <pc:sldMk cId="1971036303" sldId="267"/>
+        </pc:sldMkLst>
+        <pc:spChg chg="mod topLvl">
+          <ac:chgData name="ZHANG Xiangyu" userId="0af619d5-14b7-43d3-95bc-94ad39c803d6" providerId="ADAL" clId="{0190945F-89A7-4B46-967C-3ACE53AB7830}" dt="2024-01-30T17:09:11.154" v="1431" actId="1076"/>
+          <ac:spMkLst>
+            <pc:docMk/>
+            <pc:sldMk cId="1971036303" sldId="267"/>
+            <ac:spMk id="4" creationId="{ECFD36A7-581B-ABDE-5E15-38457E740D64}"/>
+          </ac:spMkLst>
+        </pc:spChg>
+        <pc:spChg chg="del mod topLvl">
+          <ac:chgData name="ZHANG Xiangyu" userId="0af619d5-14b7-43d3-95bc-94ad39c803d6" providerId="ADAL" clId="{0190945F-89A7-4B46-967C-3ACE53AB7830}" dt="2024-01-30T17:06:30.784" v="1409"/>
+          <ac:spMkLst>
+            <pc:docMk/>
+            <pc:sldMk cId="1971036303" sldId="267"/>
+            <ac:spMk id="8" creationId="{EC54EA04-B81C-9230-9CA0-8FFB2142BCD5}"/>
+          </ac:spMkLst>
+        </pc:spChg>
+        <pc:spChg chg="mod topLvl">
+          <ac:chgData name="ZHANG Xiangyu" userId="0af619d5-14b7-43d3-95bc-94ad39c803d6" providerId="ADAL" clId="{0190945F-89A7-4B46-967C-3ACE53AB7830}" dt="2024-01-30T17:09:17.398" v="1432" actId="1076"/>
+          <ac:spMkLst>
+            <pc:docMk/>
+            <pc:sldMk cId="1971036303" sldId="267"/>
+            <ac:spMk id="10" creationId="{C13D0B15-10E8-E7A7-D1A9-B74628D675CB}"/>
+          </ac:spMkLst>
+        </pc:spChg>
+        <pc:grpChg chg="add mod">
+          <ac:chgData name="ZHANG Xiangyu" userId="0af619d5-14b7-43d3-95bc-94ad39c803d6" providerId="ADAL" clId="{0190945F-89A7-4B46-967C-3ACE53AB7830}" dt="2024-01-30T17:09:04.667" v="1428" actId="14100"/>
+          <ac:grpSpMkLst>
+            <pc:docMk/>
+            <pc:sldMk cId="1971036303" sldId="267"/>
+            <ac:grpSpMk id="2" creationId="{4F32F864-D404-B30E-05C9-A05EB90B0880}"/>
+          </ac:grpSpMkLst>
+        </pc:grpChg>
+        <pc:grpChg chg="del mod">
+          <ac:chgData name="ZHANG Xiangyu" userId="0af619d5-14b7-43d3-95bc-94ad39c803d6" providerId="ADAL" clId="{0190945F-89A7-4B46-967C-3ACE53AB7830}" dt="2024-01-30T17:06:17.871" v="1404" actId="165"/>
+          <ac:grpSpMkLst>
+            <pc:docMk/>
+            <pc:sldMk cId="1971036303" sldId="267"/>
+            <ac:grpSpMk id="11" creationId="{AE74565F-723F-DB7C-BDA0-65C5FE52E407}"/>
+          </ac:grpSpMkLst>
+        </pc:grpChg>
+        <pc:picChg chg="mod topLvl">
+          <ac:chgData name="ZHANG Xiangyu" userId="0af619d5-14b7-43d3-95bc-94ad39c803d6" providerId="ADAL" clId="{0190945F-89A7-4B46-967C-3ACE53AB7830}" dt="2024-01-30T17:07:26.841" v="1427" actId="164"/>
+          <ac:picMkLst>
+            <pc:docMk/>
+            <pc:sldMk cId="1971036303" sldId="267"/>
+            <ac:picMk id="6" creationId="{2085F9E3-E7DE-5D79-BB8F-544F8107703E}"/>
           </ac:picMkLst>
         </pc:picChg>
       </pc:sldChg>
@@ -1506,7 +1562,7 @@
           <a:p>
             <a:fld id="{B6A0FF1A-FA3A-44F4-8102-A8B090DA15CE}" type="datetimeFigureOut">
               <a:rPr lang="zh-CN" altLang="en-US" smtClean="0"/>
-              <a:t>2024/1/25</a:t>
+              <a:t>2024/1/31</a:t>
             </a:fld>
             <a:endParaRPr lang="zh-CN" altLang="en-US"/>
           </a:p>
@@ -1838,7 +1894,7 @@
           <a:p>
             <a:fld id="{F5B200CC-652F-45D7-9D9C-40A56CAF48BA}" type="slidenum">
               <a:rPr lang="zh-CN" altLang="en-US" smtClean="0"/>
-              <a:t>4</a:t>
+              <a:t>5</a:t>
             </a:fld>
             <a:endParaRPr lang="zh-CN" altLang="en-US"/>
           </a:p>
@@ -1922,7 +1978,7 @@
           <a:p>
             <a:fld id="{F5B200CC-652F-45D7-9D9C-40A56CAF48BA}" type="slidenum">
               <a:rPr lang="zh-CN" altLang="en-US" smtClean="0"/>
-              <a:t>5</a:t>
+              <a:t>6</a:t>
             </a:fld>
             <a:endParaRPr lang="zh-CN" altLang="en-US"/>
           </a:p>
@@ -2088,7 +2144,7 @@
           <a:p>
             <a:fld id="{443201C6-C6B2-4F96-9DF6-297028943761}" type="datetimeFigureOut">
               <a:rPr lang="zh-CN" altLang="en-US" smtClean="0"/>
-              <a:t>2024/1/25</a:t>
+              <a:t>2024/1/31</a:t>
             </a:fld>
             <a:endParaRPr lang="zh-CN" altLang="en-US"/>
           </a:p>
@@ -2286,7 +2342,7 @@
           <a:p>
             <a:fld id="{443201C6-C6B2-4F96-9DF6-297028943761}" type="datetimeFigureOut">
               <a:rPr lang="zh-CN" altLang="en-US" smtClean="0"/>
-              <a:t>2024/1/25</a:t>
+              <a:t>2024/1/31</a:t>
             </a:fld>
             <a:endParaRPr lang="zh-CN" altLang="en-US"/>
           </a:p>
@@ -2494,7 +2550,7 @@
           <a:p>
             <a:fld id="{443201C6-C6B2-4F96-9DF6-297028943761}" type="datetimeFigureOut">
               <a:rPr lang="zh-CN" altLang="en-US" smtClean="0"/>
-              <a:t>2024/1/25</a:t>
+              <a:t>2024/1/31</a:t>
             </a:fld>
             <a:endParaRPr lang="zh-CN" altLang="en-US"/>
           </a:p>
@@ -2692,7 +2748,7 @@
           <a:p>
             <a:fld id="{443201C6-C6B2-4F96-9DF6-297028943761}" type="datetimeFigureOut">
               <a:rPr lang="zh-CN" altLang="en-US" smtClean="0"/>
-              <a:t>2024/1/25</a:t>
+              <a:t>2024/1/31</a:t>
             </a:fld>
             <a:endParaRPr lang="zh-CN" altLang="en-US"/>
           </a:p>
@@ -2967,7 +3023,7 @@
           <a:p>
             <a:fld id="{443201C6-C6B2-4F96-9DF6-297028943761}" type="datetimeFigureOut">
               <a:rPr lang="zh-CN" altLang="en-US" smtClean="0"/>
-              <a:t>2024/1/25</a:t>
+              <a:t>2024/1/31</a:t>
             </a:fld>
             <a:endParaRPr lang="zh-CN" altLang="en-US"/>
           </a:p>
@@ -3232,7 +3288,7 @@
           <a:p>
             <a:fld id="{443201C6-C6B2-4F96-9DF6-297028943761}" type="datetimeFigureOut">
               <a:rPr lang="zh-CN" altLang="en-US" smtClean="0"/>
-              <a:t>2024/1/25</a:t>
+              <a:t>2024/1/31</a:t>
             </a:fld>
             <a:endParaRPr lang="zh-CN" altLang="en-US"/>
           </a:p>
@@ -3644,7 +3700,7 @@
           <a:p>
             <a:fld id="{443201C6-C6B2-4F96-9DF6-297028943761}" type="datetimeFigureOut">
               <a:rPr lang="zh-CN" altLang="en-US" smtClean="0"/>
-              <a:t>2024/1/25</a:t>
+              <a:t>2024/1/31</a:t>
             </a:fld>
             <a:endParaRPr lang="zh-CN" altLang="en-US"/>
           </a:p>
@@ -3785,7 +3841,7 @@
           <a:p>
             <a:fld id="{443201C6-C6B2-4F96-9DF6-297028943761}" type="datetimeFigureOut">
               <a:rPr lang="zh-CN" altLang="en-US" smtClean="0"/>
-              <a:t>2024/1/25</a:t>
+              <a:t>2024/1/31</a:t>
             </a:fld>
             <a:endParaRPr lang="zh-CN" altLang="en-US"/>
           </a:p>
@@ -3898,7 +3954,7 @@
           <a:p>
             <a:fld id="{443201C6-C6B2-4F96-9DF6-297028943761}" type="datetimeFigureOut">
               <a:rPr lang="zh-CN" altLang="en-US" smtClean="0"/>
-              <a:t>2024/1/25</a:t>
+              <a:t>2024/1/31</a:t>
             </a:fld>
             <a:endParaRPr lang="zh-CN" altLang="en-US"/>
           </a:p>
@@ -4209,7 +4265,7 @@
           <a:p>
             <a:fld id="{443201C6-C6B2-4F96-9DF6-297028943761}" type="datetimeFigureOut">
               <a:rPr lang="zh-CN" altLang="en-US" smtClean="0"/>
-              <a:t>2024/1/25</a:t>
+              <a:t>2024/1/31</a:t>
             </a:fld>
             <a:endParaRPr lang="zh-CN" altLang="en-US"/>
           </a:p>
@@ -4497,7 +4553,7 @@
           <a:p>
             <a:fld id="{443201C6-C6B2-4F96-9DF6-297028943761}" type="datetimeFigureOut">
               <a:rPr lang="zh-CN" altLang="en-US" smtClean="0"/>
-              <a:t>2024/1/25</a:t>
+              <a:t>2024/1/31</a:t>
             </a:fld>
             <a:endParaRPr lang="zh-CN" altLang="en-US"/>
           </a:p>
@@ -4738,7 +4794,7 @@
           <a:p>
             <a:fld id="{443201C6-C6B2-4F96-9DF6-297028943761}" type="datetimeFigureOut">
               <a:rPr lang="zh-CN" altLang="en-US" smtClean="0"/>
-              <a:t>2024/1/25</a:t>
+              <a:t>2024/1/31</a:t>
             </a:fld>
             <a:endParaRPr lang="zh-CN" altLang="en-US"/>
           </a:p>
@@ -5484,6 +5540,126 @@
       </p:grpSpPr>
       <p:pic>
         <p:nvPicPr>
+          <p:cNvPr id="2" name="图片 1">
+            <a:extLst>
+              <a:ext uri="{FF2B5EF4-FFF2-40B4-BE49-F238E27FC236}">
+                <a16:creationId xmlns:a16="http://schemas.microsoft.com/office/drawing/2014/main" id="{60E8CE4D-12D5-11A8-9416-B34A1F19D02E}"/>
+              </a:ext>
+            </a:extLst>
+          </p:cNvPr>
+          <p:cNvPicPr>
+            <a:picLocks noChangeAspect="1"/>
+          </p:cNvPicPr>
+          <p:nvPr/>
+        </p:nvPicPr>
+        <p:blipFill>
+          <a:blip r:embed="rId2"/>
+          <a:stretch>
+            <a:fillRect/>
+          </a:stretch>
+        </p:blipFill>
+        <p:spPr>
+          <a:xfrm>
+            <a:off x="2327081" y="517477"/>
+            <a:ext cx="7537837" cy="1860646"/>
+          </a:xfrm>
+          <a:prstGeom prst="rect">
+            <a:avLst/>
+          </a:prstGeom>
+        </p:spPr>
+      </p:pic>
+      <p:pic>
+        <p:nvPicPr>
+          <p:cNvPr id="3" name="图片 2">
+            <a:extLst>
+              <a:ext uri="{FF2B5EF4-FFF2-40B4-BE49-F238E27FC236}">
+                <a16:creationId xmlns:a16="http://schemas.microsoft.com/office/drawing/2014/main" id="{BCA397E5-0A88-E36C-86DF-1E6DC1AB58B6}"/>
+              </a:ext>
+            </a:extLst>
+          </p:cNvPr>
+          <p:cNvPicPr>
+            <a:picLocks noChangeAspect="1"/>
+          </p:cNvPicPr>
+          <p:nvPr/>
+        </p:nvPicPr>
+        <p:blipFill>
+          <a:blip r:embed="rId2"/>
+          <a:stretch>
+            <a:fillRect/>
+          </a:stretch>
+        </p:blipFill>
+        <p:spPr>
+          <a:xfrm>
+            <a:off x="2327081" y="3108277"/>
+            <a:ext cx="7537837" cy="1860646"/>
+          </a:xfrm>
+          <a:prstGeom prst="rect">
+            <a:avLst/>
+          </a:prstGeom>
+        </p:spPr>
+      </p:pic>
+      <p:pic>
+        <p:nvPicPr>
+          <p:cNvPr id="4" name="图片 3">
+            <a:extLst>
+              <a:ext uri="{FF2B5EF4-FFF2-40B4-BE49-F238E27FC236}">
+                <a16:creationId xmlns:a16="http://schemas.microsoft.com/office/drawing/2014/main" id="{65F5B701-0927-EDBD-84D0-5990F8B8759E}"/>
+              </a:ext>
+            </a:extLst>
+          </p:cNvPr>
+          <p:cNvPicPr>
+            <a:picLocks noChangeAspect="1"/>
+          </p:cNvPicPr>
+          <p:nvPr/>
+        </p:nvPicPr>
+        <p:blipFill>
+          <a:blip r:embed="rId3"/>
+          <a:stretch>
+            <a:fillRect/>
+          </a:stretch>
+        </p:blipFill>
+        <p:spPr>
+          <a:xfrm>
+            <a:off x="5075468" y="3429000"/>
+            <a:ext cx="1856285" cy="1364449"/>
+          </a:xfrm>
+          <a:prstGeom prst="rect">
+            <a:avLst/>
+          </a:prstGeom>
+        </p:spPr>
+      </p:pic>
+    </p:spTree>
+    <p:extLst>
+      <p:ext uri="{BB962C8B-B14F-4D97-AF65-F5344CB8AC3E}">
+        <p14:creationId xmlns:p14="http://schemas.microsoft.com/office/powerpoint/2010/main" val="401007361"/>
+      </p:ext>
+    </p:extLst>
+  </p:cSld>
+  <p:clrMapOvr>
+    <a:masterClrMapping/>
+  </p:clrMapOvr>
+</p:sld>
+</file>
+
+<file path=ppt/slides/slide11.xml><?xml version="1.0" encoding="utf-8"?>
+<p:sld xmlns:a="http://schemas.openxmlformats.org/drawingml/2006/main" xmlns:r="http://schemas.openxmlformats.org/officeDocument/2006/relationships" xmlns:p="http://schemas.openxmlformats.org/presentationml/2006/main">
+  <p:cSld>
+    <p:spTree>
+      <p:nvGrpSpPr>
+        <p:cNvPr id="1" name=""/>
+        <p:cNvGrpSpPr/>
+        <p:nvPr/>
+      </p:nvGrpSpPr>
+      <p:grpSpPr>
+        <a:xfrm>
+          <a:off x="0" y="0"/>
+          <a:ext cx="0" cy="0"/>
+          <a:chOff x="0" y="0"/>
+          <a:chExt cx="0" cy="0"/>
+        </a:xfrm>
+      </p:grpSpPr>
+      <p:pic>
+        <p:nvPicPr>
           <p:cNvPr id="4" name="图片 3">
             <a:extLst>
               <a:ext uri="{FF2B5EF4-FFF2-40B4-BE49-F238E27FC236}">
@@ -5786,7 +5962,7 @@
 </p:sld>
 </file>
 
-<file path=ppt/slides/slide11.xml><?xml version="1.0" encoding="utf-8"?>
+<file path=ppt/slides/slide12.xml><?xml version="1.0" encoding="utf-8"?>
 <p:sld xmlns:a="http://schemas.openxmlformats.org/drawingml/2006/main" xmlns:r="http://schemas.openxmlformats.org/officeDocument/2006/relationships" xmlns:p="http://schemas.openxmlformats.org/presentationml/2006/main">
   <p:cSld>
     <p:spTree>
@@ -6495,6 +6671,286 @@
       </p:grpSpPr>
       <p:grpSp>
         <p:nvGrpSpPr>
+          <p:cNvPr id="2" name="组合 1">
+            <a:extLst>
+              <a:ext uri="{FF2B5EF4-FFF2-40B4-BE49-F238E27FC236}">
+                <a16:creationId xmlns:a16="http://schemas.microsoft.com/office/drawing/2014/main" id="{4F32F864-D404-B30E-05C9-A05EB90B0880}"/>
+              </a:ext>
+            </a:extLst>
+          </p:cNvPr>
+          <p:cNvGrpSpPr/>
+          <p:nvPr/>
+        </p:nvGrpSpPr>
+        <p:grpSpPr>
+          <a:xfrm>
+            <a:off x="139985" y="364065"/>
+            <a:ext cx="6509471" cy="4572002"/>
+            <a:chOff x="139985" y="364065"/>
+            <a:chExt cx="4973873" cy="3493457"/>
+          </a:xfrm>
+        </p:grpSpPr>
+        <p:pic>
+          <p:nvPicPr>
+            <p:cNvPr id="6" name="图片 5" descr="夜晚的城市建筑&#10;&#10;描述已自动生成">
+              <a:extLst>
+                <a:ext uri="{FF2B5EF4-FFF2-40B4-BE49-F238E27FC236}">
+                  <a16:creationId xmlns:a16="http://schemas.microsoft.com/office/drawing/2014/main" id="{2085F9E3-E7DE-5D79-BB8F-544F8107703E}"/>
+                </a:ext>
+              </a:extLst>
+            </p:cNvPr>
+            <p:cNvPicPr>
+              <a:picLocks noChangeAspect="1"/>
+            </p:cNvPicPr>
+            <p:nvPr/>
+          </p:nvPicPr>
+          <p:blipFill>
+            <a:blip r:embed="rId2">
+              <a:extLst>
+                <a:ext uri="{28A0092B-C50C-407E-A947-70E740481C1C}">
+                  <a14:useLocalDpi xmlns:a14="http://schemas.microsoft.com/office/drawing/2010/main" val="0"/>
+                </a:ext>
+              </a:extLst>
+            </a:blip>
+            <a:stretch>
+              <a:fillRect/>
+            </a:stretch>
+          </p:blipFill>
+          <p:spPr>
+            <a:xfrm>
+              <a:off x="240471" y="364065"/>
+              <a:ext cx="4712529" cy="3493457"/>
+            </a:xfrm>
+            <a:prstGeom prst="rect">
+              <a:avLst/>
+            </a:prstGeom>
+          </p:spPr>
+        </p:pic>
+        <p:sp>
+          <p:nvSpPr>
+            <p:cNvPr id="10" name="文本框 9">
+              <a:extLst>
+                <a:ext uri="{FF2B5EF4-FFF2-40B4-BE49-F238E27FC236}">
+                  <a16:creationId xmlns:a16="http://schemas.microsoft.com/office/drawing/2014/main" id="{C13D0B15-10E8-E7A7-D1A9-B74628D675CB}"/>
+                </a:ext>
+              </a:extLst>
+            </p:cNvPr>
+            <p:cNvSpPr txBox="1"/>
+            <p:nvPr/>
+          </p:nvSpPr>
+          <p:spPr>
+            <a:xfrm>
+              <a:off x="139985" y="1672153"/>
+              <a:ext cx="4973873" cy="1965410"/>
+            </a:xfrm>
+            <a:prstGeom prst="rect">
+              <a:avLst/>
+            </a:prstGeom>
+            <a:noFill/>
+            <a:effectLst>
+              <a:glow rad="139700">
+                <a:schemeClr val="accent5">
+                  <a:satMod val="175000"/>
+                  <a:alpha val="40000"/>
+                </a:schemeClr>
+              </a:glow>
+            </a:effectLst>
+          </p:spPr>
+          <p:txBody>
+            <a:bodyPr wrap="square">
+              <a:spAutoFit/>
+              <a:scene3d>
+                <a:camera prst="orthographicFront"/>
+                <a:lightRig rig="soft" dir="t">
+                  <a:rot lat="0" lon="0" rev="15600000"/>
+                </a:lightRig>
+              </a:scene3d>
+              <a:sp3d extrusionH="57150" prstMaterial="softEdge">
+                <a:bevelT w="25400" h="38100"/>
+              </a:sp3d>
+            </a:bodyPr>
+            <a:lstStyle/>
+            <a:p>
+              <a:pPr algn="ctr">
+                <a:lnSpc>
+                  <a:spcPct val="150000"/>
+                </a:lnSpc>
+              </a:pPr>
+              <a:r>
+                <a:rPr lang="en-US" altLang="zh-CN" sz="2800" b="1" i="0" dirty="0">
+                  <a:ln w="22225">
+                    <a:solidFill>
+                      <a:schemeClr val="accent2"/>
+                    </a:solidFill>
+                    <a:prstDash val="solid"/>
+                  </a:ln>
+                  <a:solidFill>
+                    <a:srgbClr val="FFC000"/>
+                  </a:solidFill>
+                  <a:latin typeface="Arial Black" panose="020B0A04020102020204" pitchFamily="34" charset="0"/>
+                </a:rPr>
+                <a:t>7-13 </a:t>
+              </a:r>
+              <a:r>
+                <a:rPr lang="en-US" altLang="zh-CN" sz="2800" b="1" i="0" dirty="0">
+                  <a:ln w="22225">
+                    <a:solidFill>
+                      <a:schemeClr val="accent2"/>
+                    </a:solidFill>
+                    <a:prstDash val="solid"/>
+                  </a:ln>
+                  <a:solidFill>
+                    <a:srgbClr val="FA9C3E"/>
+                  </a:solidFill>
+                  <a:latin typeface="Arial Black" panose="020B0A04020102020204" pitchFamily="34" charset="0"/>
+                </a:rPr>
+                <a:t>July, 2024</a:t>
+              </a:r>
+              <a:br>
+                <a:rPr lang="en-US" altLang="zh-CN" sz="2800" b="1" dirty="0">
+                  <a:ln w="22225">
+                    <a:solidFill>
+                      <a:schemeClr val="accent2"/>
+                    </a:solidFill>
+                    <a:prstDash val="solid"/>
+                  </a:ln>
+                  <a:solidFill>
+                    <a:srgbClr val="FFC000"/>
+                  </a:solidFill>
+                </a:rPr>
+              </a:br>
+              <a:r>
+                <a:rPr lang="en-US" altLang="zh-CN" sz="2800" b="1" i="0" dirty="0">
+                  <a:ln w="22225">
+                    <a:solidFill>
+                      <a:schemeClr val="accent2"/>
+                    </a:solidFill>
+                    <a:prstDash val="solid"/>
+                  </a:ln>
+                  <a:solidFill>
+                    <a:srgbClr val="FFC000"/>
+                  </a:solidFill>
+                  <a:latin typeface="Arial Black" panose="020B0A04020102020204" pitchFamily="34" charset="0"/>
+                </a:rPr>
+                <a:t>Kuala Lumpur</a:t>
+              </a:r>
+            </a:p>
+            <a:p>
+              <a:pPr algn="ctr">
+                <a:lnSpc>
+                  <a:spcPct val="150000"/>
+                </a:lnSpc>
+              </a:pPr>
+              <a:r>
+                <a:rPr lang="en-US" altLang="zh-CN" sz="2800" b="1" i="0" dirty="0">
+                  <a:ln w="22225">
+                    <a:solidFill>
+                      <a:schemeClr val="accent2"/>
+                    </a:solidFill>
+                    <a:prstDash val="solid"/>
+                  </a:ln>
+                  <a:solidFill>
+                    <a:srgbClr val="FFC000"/>
+                  </a:solidFill>
+                  <a:latin typeface="Arial Black" panose="020B0A04020102020204" pitchFamily="34" charset="0"/>
+                </a:rPr>
+                <a:t>Malaysia</a:t>
+              </a:r>
+              <a:endParaRPr lang="zh-CN" altLang="en-US" sz="2800" b="1" dirty="0">
+                <a:ln w="22225">
+                  <a:solidFill>
+                    <a:schemeClr val="accent2"/>
+                  </a:solidFill>
+                  <a:prstDash val="solid"/>
+                </a:ln>
+                <a:solidFill>
+                  <a:srgbClr val="FFC000"/>
+                </a:solidFill>
+              </a:endParaRPr>
+            </a:p>
+          </p:txBody>
+        </p:sp>
+        <p:sp>
+          <p:nvSpPr>
+            <p:cNvPr id="4" name="文本框 3">
+              <a:extLst>
+                <a:ext uri="{FF2B5EF4-FFF2-40B4-BE49-F238E27FC236}">
+                  <a16:creationId xmlns:a16="http://schemas.microsoft.com/office/drawing/2014/main" id="{ECFD36A7-581B-ABDE-5E15-38457E740D64}"/>
+                </a:ext>
+              </a:extLst>
+            </p:cNvPr>
+            <p:cNvSpPr txBox="1"/>
+            <p:nvPr/>
+          </p:nvSpPr>
+          <p:spPr>
+            <a:xfrm>
+              <a:off x="139985" y="1025304"/>
+              <a:ext cx="4712529" cy="1085490"/>
+            </a:xfrm>
+            <a:prstGeom prst="rect">
+              <a:avLst/>
+            </a:prstGeom>
+            <a:noFill/>
+          </p:spPr>
+          <p:txBody>
+            <a:bodyPr wrap="square">
+              <a:spAutoFit/>
+            </a:bodyPr>
+            <a:lstStyle/>
+            <a:p>
+              <a:pPr algn="ctr">
+                <a:lnSpc>
+                  <a:spcPct val="150000"/>
+                </a:lnSpc>
+              </a:pPr>
+              <a:r>
+                <a:rPr lang="en-US" altLang="zh-CN" sz="4800" b="0" i="0" dirty="0">
+                  <a:solidFill>
+                    <a:srgbClr val="FAFAFA"/>
+                  </a:solidFill>
+                  <a:effectLst/>
+                  <a:latin typeface="Arial Black" panose="020B0A04020102020204" pitchFamily="34" charset="0"/>
+                </a:rPr>
+                <a:t>(CMMM2024)</a:t>
+              </a:r>
+              <a:endParaRPr lang="zh-CN" altLang="en-US" sz="4800" dirty="0">
+                <a:latin typeface="Arial Black" panose="020B0A04020102020204" pitchFamily="34" charset="0"/>
+              </a:endParaRPr>
+            </a:p>
+          </p:txBody>
+        </p:sp>
+      </p:grpSp>
+    </p:spTree>
+    <p:extLst>
+      <p:ext uri="{BB962C8B-B14F-4D97-AF65-F5344CB8AC3E}">
+        <p14:creationId xmlns:p14="http://schemas.microsoft.com/office/powerpoint/2010/main" val="1971036303"/>
+      </p:ext>
+    </p:extLst>
+  </p:cSld>
+  <p:clrMapOvr>
+    <a:masterClrMapping/>
+  </p:clrMapOvr>
+</p:sld>
+</file>
+
+<file path=ppt/slides/slide3.xml><?xml version="1.0" encoding="utf-8"?>
+<p:sld xmlns:a="http://schemas.openxmlformats.org/drawingml/2006/main" xmlns:r="http://schemas.openxmlformats.org/officeDocument/2006/relationships" xmlns:p="http://schemas.openxmlformats.org/presentationml/2006/main">
+  <p:cSld>
+    <p:spTree>
+      <p:nvGrpSpPr>
+        <p:cNvPr id="1" name=""/>
+        <p:cNvGrpSpPr/>
+        <p:nvPr/>
+      </p:nvGrpSpPr>
+      <p:grpSpPr>
+        <a:xfrm>
+          <a:off x="0" y="0"/>
+          <a:ext cx="0" cy="0"/>
+          <a:chOff x="0" y="0"/>
+          <a:chExt cx="0" cy="0"/>
+        </a:xfrm>
+      </p:grpSpPr>
+      <p:grpSp>
+        <p:nvGrpSpPr>
           <p:cNvPr id="16" name="组合 15">
             <a:extLst>
               <a:ext uri="{FF2B5EF4-FFF2-40B4-BE49-F238E27FC236}">
@@ -6647,7 +7103,7 @@
 </p:sld>
 </file>
 
-<file path=ppt/slides/slide3.xml><?xml version="1.0" encoding="utf-8"?>
+<file path=ppt/slides/slide4.xml><?xml version="1.0" encoding="utf-8"?>
 <p:sld xmlns:a="http://schemas.openxmlformats.org/drawingml/2006/main" xmlns:r="http://schemas.openxmlformats.org/officeDocument/2006/relationships" xmlns:p="http://schemas.openxmlformats.org/presentationml/2006/main">
   <p:cSld>
     <p:spTree>
@@ -6723,7 +7179,7 @@
 </p:sld>
 </file>
 
-<file path=ppt/slides/slide4.xml><?xml version="1.0" encoding="utf-8"?>
+<file path=ppt/slides/slide5.xml><?xml version="1.0" encoding="utf-8"?>
 <p:sld xmlns:a="http://schemas.openxmlformats.org/drawingml/2006/main" xmlns:r="http://schemas.openxmlformats.org/officeDocument/2006/relationships" xmlns:p="http://schemas.openxmlformats.org/presentationml/2006/main">
   <p:cSld>
     <p:spTree>
@@ -8736,7 +9192,7 @@
 </p:sld>
 </file>
 
-<file path=ppt/slides/slide5.xml><?xml version="1.0" encoding="utf-8"?>
+<file path=ppt/slides/slide6.xml><?xml version="1.0" encoding="utf-8"?>
 <p:sld xmlns:a="http://schemas.openxmlformats.org/drawingml/2006/main" xmlns:r="http://schemas.openxmlformats.org/officeDocument/2006/relationships" xmlns:p="http://schemas.openxmlformats.org/presentationml/2006/main">
   <p:cSld>
     <p:spTree>
@@ -11540,7 +11996,7 @@
 </p:sld>
 </file>
 
-<file path=ppt/slides/slide6.xml><?xml version="1.0" encoding="utf-8"?>
+<file path=ppt/slides/slide7.xml><?xml version="1.0" encoding="utf-8"?>
 <p:sld xmlns:a="http://schemas.openxmlformats.org/drawingml/2006/main" xmlns:r="http://schemas.openxmlformats.org/officeDocument/2006/relationships" xmlns:p="http://schemas.openxmlformats.org/presentationml/2006/main">
   <p:cSld>
     <p:spTree>
@@ -11722,7 +12178,7 @@
 </p:sld>
 </file>
 
-<file path=ppt/slides/slide7.xml><?xml version="1.0" encoding="utf-8"?>
+<file path=ppt/slides/slide8.xml><?xml version="1.0" encoding="utf-8"?>
 <p:sld xmlns:a="http://schemas.openxmlformats.org/drawingml/2006/main" xmlns:r="http://schemas.openxmlformats.org/officeDocument/2006/relationships" xmlns:p="http://schemas.openxmlformats.org/presentationml/2006/main">
   <p:cSld>
     <p:spTree>
@@ -12348,7 +12804,7 @@
 </p:sld>
 </file>
 
-<file path=ppt/slides/slide8.xml><?xml version="1.0" encoding="utf-8"?>
+<file path=ppt/slides/slide9.xml><?xml version="1.0" encoding="utf-8"?>
 <p:sld xmlns:a="http://schemas.openxmlformats.org/drawingml/2006/main" xmlns:r="http://schemas.openxmlformats.org/officeDocument/2006/relationships" xmlns:p="http://schemas.openxmlformats.org/presentationml/2006/main">
   <p:cSld>
     <p:spTree>
@@ -12644,126 +13100,6 @@
     <p:extLst>
       <p:ext uri="{BB962C8B-B14F-4D97-AF65-F5344CB8AC3E}">
         <p14:creationId xmlns:p14="http://schemas.microsoft.com/office/powerpoint/2010/main" val="3376447091"/>
-      </p:ext>
-    </p:extLst>
-  </p:cSld>
-  <p:clrMapOvr>
-    <a:masterClrMapping/>
-  </p:clrMapOvr>
-</p:sld>
-</file>
-
-<file path=ppt/slides/slide9.xml><?xml version="1.0" encoding="utf-8"?>
-<p:sld xmlns:a="http://schemas.openxmlformats.org/drawingml/2006/main" xmlns:r="http://schemas.openxmlformats.org/officeDocument/2006/relationships" xmlns:p="http://schemas.openxmlformats.org/presentationml/2006/main">
-  <p:cSld>
-    <p:spTree>
-      <p:nvGrpSpPr>
-        <p:cNvPr id="1" name=""/>
-        <p:cNvGrpSpPr/>
-        <p:nvPr/>
-      </p:nvGrpSpPr>
-      <p:grpSpPr>
-        <a:xfrm>
-          <a:off x="0" y="0"/>
-          <a:ext cx="0" cy="0"/>
-          <a:chOff x="0" y="0"/>
-          <a:chExt cx="0" cy="0"/>
-        </a:xfrm>
-      </p:grpSpPr>
-      <p:pic>
-        <p:nvPicPr>
-          <p:cNvPr id="2" name="图片 1">
-            <a:extLst>
-              <a:ext uri="{FF2B5EF4-FFF2-40B4-BE49-F238E27FC236}">
-                <a16:creationId xmlns:a16="http://schemas.microsoft.com/office/drawing/2014/main" id="{60E8CE4D-12D5-11A8-9416-B34A1F19D02E}"/>
-              </a:ext>
-            </a:extLst>
-          </p:cNvPr>
-          <p:cNvPicPr>
-            <a:picLocks noChangeAspect="1"/>
-          </p:cNvPicPr>
-          <p:nvPr/>
-        </p:nvPicPr>
-        <p:blipFill>
-          <a:blip r:embed="rId2"/>
-          <a:stretch>
-            <a:fillRect/>
-          </a:stretch>
-        </p:blipFill>
-        <p:spPr>
-          <a:xfrm>
-            <a:off x="2327081" y="517477"/>
-            <a:ext cx="7537837" cy="1860646"/>
-          </a:xfrm>
-          <a:prstGeom prst="rect">
-            <a:avLst/>
-          </a:prstGeom>
-        </p:spPr>
-      </p:pic>
-      <p:pic>
-        <p:nvPicPr>
-          <p:cNvPr id="3" name="图片 2">
-            <a:extLst>
-              <a:ext uri="{FF2B5EF4-FFF2-40B4-BE49-F238E27FC236}">
-                <a16:creationId xmlns:a16="http://schemas.microsoft.com/office/drawing/2014/main" id="{BCA397E5-0A88-E36C-86DF-1E6DC1AB58B6}"/>
-              </a:ext>
-            </a:extLst>
-          </p:cNvPr>
-          <p:cNvPicPr>
-            <a:picLocks noChangeAspect="1"/>
-          </p:cNvPicPr>
-          <p:nvPr/>
-        </p:nvPicPr>
-        <p:blipFill>
-          <a:blip r:embed="rId2"/>
-          <a:stretch>
-            <a:fillRect/>
-          </a:stretch>
-        </p:blipFill>
-        <p:spPr>
-          <a:xfrm>
-            <a:off x="2327081" y="3108277"/>
-            <a:ext cx="7537837" cy="1860646"/>
-          </a:xfrm>
-          <a:prstGeom prst="rect">
-            <a:avLst/>
-          </a:prstGeom>
-        </p:spPr>
-      </p:pic>
-      <p:pic>
-        <p:nvPicPr>
-          <p:cNvPr id="4" name="图片 3">
-            <a:extLst>
-              <a:ext uri="{FF2B5EF4-FFF2-40B4-BE49-F238E27FC236}">
-                <a16:creationId xmlns:a16="http://schemas.microsoft.com/office/drawing/2014/main" id="{65F5B701-0927-EDBD-84D0-5990F8B8759E}"/>
-              </a:ext>
-            </a:extLst>
-          </p:cNvPr>
-          <p:cNvPicPr>
-            <a:picLocks noChangeAspect="1"/>
-          </p:cNvPicPr>
-          <p:nvPr/>
-        </p:nvPicPr>
-        <p:blipFill>
-          <a:blip r:embed="rId3"/>
-          <a:stretch>
-            <a:fillRect/>
-          </a:stretch>
-        </p:blipFill>
-        <p:spPr>
-          <a:xfrm>
-            <a:off x="5075468" y="3429000"/>
-            <a:ext cx="1856285" cy="1364449"/>
-          </a:xfrm>
-          <a:prstGeom prst="rect">
-            <a:avLst/>
-          </a:prstGeom>
-        </p:spPr>
-      </p:pic>
-    </p:spTree>
-    <p:extLst>
-      <p:ext uri="{BB962C8B-B14F-4D97-AF65-F5344CB8AC3E}">
-        <p14:creationId xmlns:p14="http://schemas.microsoft.com/office/powerpoint/2010/main" val="401007361"/>
       </p:ext>
     </p:extLst>
   </p:cSld>

--- a/assets/figures.pptx
+++ b/assets/figures.pptx
@@ -5,7 +5,7 @@
     <p:sldMasterId id="2147483648" r:id="rId1"/>
   </p:sldMasterIdLst>
   <p:notesMasterIdLst>
-    <p:notesMasterId r:id="rId14"/>
+    <p:notesMasterId r:id="rId15"/>
   </p:notesMasterIdLst>
   <p:sldIdLst>
     <p:sldId id="260" r:id="rId2"/>
@@ -14,12 +14,13 @@
     <p:sldId id="259" r:id="rId5"/>
     <p:sldId id="256" r:id="rId6"/>
     <p:sldId id="263" r:id="rId7"/>
-    <p:sldId id="264" r:id="rId8"/>
-    <p:sldId id="257" r:id="rId9"/>
-    <p:sldId id="258" r:id="rId10"/>
-    <p:sldId id="261" r:id="rId11"/>
-    <p:sldId id="262" r:id="rId12"/>
-    <p:sldId id="266" r:id="rId13"/>
+    <p:sldId id="268" r:id="rId8"/>
+    <p:sldId id="264" r:id="rId9"/>
+    <p:sldId id="257" r:id="rId10"/>
+    <p:sldId id="258" r:id="rId11"/>
+    <p:sldId id="261" r:id="rId12"/>
+    <p:sldId id="262" r:id="rId13"/>
+    <p:sldId id="266" r:id="rId14"/>
   </p:sldIdLst>
   <p:sldSz cx="12192000" cy="6858000"/>
   <p:notesSz cx="6858000" cy="9144000"/>
@@ -126,14 +127,6 @@
 </p:presentation>
 </file>
 
-<file path=ppt/revisionInfo.xml><?xml version="1.0" encoding="utf-8"?>
-<p1510:revInfo xmlns:a="http://schemas.openxmlformats.org/drawingml/2006/main" xmlns:r="http://schemas.openxmlformats.org/officeDocument/2006/relationships" xmlns:p1510="http://schemas.microsoft.com/office/powerpoint/2015/10/main">
-  <p1510:revLst>
-    <p1510:client id="{0190945F-89A7-4B46-967C-3ACE53AB7830}" v="7" dt="2024-01-30T17:07:26.841"/>
-  </p1510:revLst>
-</p1510:revInfo>
-</file>
-
 <file path=ppt/changesInfos/changesInfo1.xml><?xml version="1.0" encoding="utf-8"?>
 <pc:chgInfo xmlns:a="http://schemas.openxmlformats.org/drawingml/2006/main" xmlns:r="http://schemas.openxmlformats.org/officeDocument/2006/relationships" xmlns:ac="http://schemas.microsoft.com/office/drawing/2013/main/command" xmlns:pc="http://schemas.microsoft.com/office/powerpoint/2013/main/command">
   <pc:docChgLst>
@@ -165,6 +158,70 @@
             <ac:graphicFrameMk id="8" creationId="{40DCA412-8710-4D65-187C-6EDD2D0BC6C7}"/>
           </ac:graphicFrameMkLst>
         </pc:graphicFrameChg>
+      </pc:sldChg>
+    </pc:docChg>
+  </pc:docChgLst>
+  <pc:docChgLst>
+    <pc:chgData name="ZHANG Xiangyu" userId="0af619d5-14b7-43d3-95bc-94ad39c803d6" providerId="ADAL" clId="{EAD82443-C9D1-49D6-90E9-DE8316454DD6}"/>
+    <pc:docChg chg="undo custSel addSld modSld">
+      <pc:chgData name="ZHANG Xiangyu" userId="0af619d5-14b7-43d3-95bc-94ad39c803d6" providerId="ADAL" clId="{EAD82443-C9D1-49D6-90E9-DE8316454DD6}" dt="2024-02-28T12:21:20.279" v="42"/>
+      <pc:docMkLst>
+        <pc:docMk/>
+      </pc:docMkLst>
+      <pc:sldChg chg="addSp delSp modSp new mod">
+        <pc:chgData name="ZHANG Xiangyu" userId="0af619d5-14b7-43d3-95bc-94ad39c803d6" providerId="ADAL" clId="{EAD82443-C9D1-49D6-90E9-DE8316454DD6}" dt="2024-02-28T12:21:20.279" v="42"/>
+        <pc:sldMkLst>
+          <pc:docMk/>
+          <pc:sldMk cId="256383091" sldId="268"/>
+        </pc:sldMkLst>
+        <pc:spChg chg="del">
+          <ac:chgData name="ZHANG Xiangyu" userId="0af619d5-14b7-43d3-95bc-94ad39c803d6" providerId="ADAL" clId="{EAD82443-C9D1-49D6-90E9-DE8316454DD6}" dt="2024-02-28T12:19:17.837" v="1" actId="478"/>
+          <ac:spMkLst>
+            <pc:docMk/>
+            <pc:sldMk cId="256383091" sldId="268"/>
+            <ac:spMk id="2" creationId="{F52FD566-42D3-44A6-B710-281202AA4DC1}"/>
+          </ac:spMkLst>
+        </pc:spChg>
+        <pc:spChg chg="del">
+          <ac:chgData name="ZHANG Xiangyu" userId="0af619d5-14b7-43d3-95bc-94ad39c803d6" providerId="ADAL" clId="{EAD82443-C9D1-49D6-90E9-DE8316454DD6}" dt="2024-02-28T12:19:17.837" v="1" actId="478"/>
+          <ac:spMkLst>
+            <pc:docMk/>
+            <pc:sldMk cId="256383091" sldId="268"/>
+            <ac:spMk id="3" creationId="{A4C46108-DBEB-4284-B70C-1F707D64F50A}"/>
+          </ac:spMkLst>
+        </pc:spChg>
+        <pc:spChg chg="add mod">
+          <ac:chgData name="ZHANG Xiangyu" userId="0af619d5-14b7-43d3-95bc-94ad39c803d6" providerId="ADAL" clId="{EAD82443-C9D1-49D6-90E9-DE8316454DD6}" dt="2024-02-28T12:19:21.723" v="4" actId="1076"/>
+          <ac:spMkLst>
+            <pc:docMk/>
+            <pc:sldMk cId="256383091" sldId="268"/>
+            <ac:spMk id="5" creationId="{AACD3674-51AA-4F6F-8214-E4F354AD4EB6}"/>
+          </ac:spMkLst>
+        </pc:spChg>
+        <pc:spChg chg="add mod">
+          <ac:chgData name="ZHANG Xiangyu" userId="0af619d5-14b7-43d3-95bc-94ad39c803d6" providerId="ADAL" clId="{EAD82443-C9D1-49D6-90E9-DE8316454DD6}" dt="2024-02-28T12:20:49.169" v="34" actId="14100"/>
+          <ac:spMkLst>
+            <pc:docMk/>
+            <pc:sldMk cId="256383091" sldId="268"/>
+            <ac:spMk id="6" creationId="{33A82ADD-C6DC-4AF5-A8A1-F398971E7C70}"/>
+          </ac:spMkLst>
+        </pc:spChg>
+        <pc:spChg chg="add mod">
+          <ac:chgData name="ZHANG Xiangyu" userId="0af619d5-14b7-43d3-95bc-94ad39c803d6" providerId="ADAL" clId="{EAD82443-C9D1-49D6-90E9-DE8316454DD6}" dt="2024-02-28T12:21:05.995" v="40"/>
+          <ac:spMkLst>
+            <pc:docMk/>
+            <pc:sldMk cId="256383091" sldId="268"/>
+            <ac:spMk id="7" creationId="{77D7C711-D69E-4C29-AF35-26784B08B915}"/>
+          </ac:spMkLst>
+        </pc:spChg>
+        <pc:spChg chg="add mod">
+          <ac:chgData name="ZHANG Xiangyu" userId="0af619d5-14b7-43d3-95bc-94ad39c803d6" providerId="ADAL" clId="{EAD82443-C9D1-49D6-90E9-DE8316454DD6}" dt="2024-02-28T12:21:20.279" v="42"/>
+          <ac:spMkLst>
+            <pc:docMk/>
+            <pc:sldMk cId="256383091" sldId="268"/>
+            <ac:spMk id="8" creationId="{695A870D-92BA-43D7-85A2-BEA01BC7234C}"/>
+          </ac:spMkLst>
+        </pc:spChg>
       </pc:sldChg>
     </pc:docChg>
   </pc:docChgLst>
@@ -1562,7 +1619,7 @@
           <a:p>
             <a:fld id="{B6A0FF1A-FA3A-44F4-8102-A8B090DA15CE}" type="datetimeFigureOut">
               <a:rPr lang="zh-CN" altLang="en-US" smtClean="0"/>
-              <a:t>2024/1/31</a:t>
+              <a:t>2024/2/28</a:t>
             </a:fld>
             <a:endParaRPr lang="zh-CN" altLang="en-US"/>
           </a:p>
@@ -2144,7 +2201,7 @@
           <a:p>
             <a:fld id="{443201C6-C6B2-4F96-9DF6-297028943761}" type="datetimeFigureOut">
               <a:rPr lang="zh-CN" altLang="en-US" smtClean="0"/>
-              <a:t>2024/1/31</a:t>
+              <a:t>2024/2/28</a:t>
             </a:fld>
             <a:endParaRPr lang="zh-CN" altLang="en-US"/>
           </a:p>
@@ -2342,7 +2399,7 @@
           <a:p>
             <a:fld id="{443201C6-C6B2-4F96-9DF6-297028943761}" type="datetimeFigureOut">
               <a:rPr lang="zh-CN" altLang="en-US" smtClean="0"/>
-              <a:t>2024/1/31</a:t>
+              <a:t>2024/2/28</a:t>
             </a:fld>
             <a:endParaRPr lang="zh-CN" altLang="en-US"/>
           </a:p>
@@ -2550,7 +2607,7 @@
           <a:p>
             <a:fld id="{443201C6-C6B2-4F96-9DF6-297028943761}" type="datetimeFigureOut">
               <a:rPr lang="zh-CN" altLang="en-US" smtClean="0"/>
-              <a:t>2024/1/31</a:t>
+              <a:t>2024/2/28</a:t>
             </a:fld>
             <a:endParaRPr lang="zh-CN" altLang="en-US"/>
           </a:p>
@@ -2748,7 +2805,7 @@
           <a:p>
             <a:fld id="{443201C6-C6B2-4F96-9DF6-297028943761}" type="datetimeFigureOut">
               <a:rPr lang="zh-CN" altLang="en-US" smtClean="0"/>
-              <a:t>2024/1/31</a:t>
+              <a:t>2024/2/28</a:t>
             </a:fld>
             <a:endParaRPr lang="zh-CN" altLang="en-US"/>
           </a:p>
@@ -3023,7 +3080,7 @@
           <a:p>
             <a:fld id="{443201C6-C6B2-4F96-9DF6-297028943761}" type="datetimeFigureOut">
               <a:rPr lang="zh-CN" altLang="en-US" smtClean="0"/>
-              <a:t>2024/1/31</a:t>
+              <a:t>2024/2/28</a:t>
             </a:fld>
             <a:endParaRPr lang="zh-CN" altLang="en-US"/>
           </a:p>
@@ -3288,7 +3345,7 @@
           <a:p>
             <a:fld id="{443201C6-C6B2-4F96-9DF6-297028943761}" type="datetimeFigureOut">
               <a:rPr lang="zh-CN" altLang="en-US" smtClean="0"/>
-              <a:t>2024/1/31</a:t>
+              <a:t>2024/2/28</a:t>
             </a:fld>
             <a:endParaRPr lang="zh-CN" altLang="en-US"/>
           </a:p>
@@ -3700,7 +3757,7 @@
           <a:p>
             <a:fld id="{443201C6-C6B2-4F96-9DF6-297028943761}" type="datetimeFigureOut">
               <a:rPr lang="zh-CN" altLang="en-US" smtClean="0"/>
-              <a:t>2024/1/31</a:t>
+              <a:t>2024/2/28</a:t>
             </a:fld>
             <a:endParaRPr lang="zh-CN" altLang="en-US"/>
           </a:p>
@@ -3841,7 +3898,7 @@
           <a:p>
             <a:fld id="{443201C6-C6B2-4F96-9DF6-297028943761}" type="datetimeFigureOut">
               <a:rPr lang="zh-CN" altLang="en-US" smtClean="0"/>
-              <a:t>2024/1/31</a:t>
+              <a:t>2024/2/28</a:t>
             </a:fld>
             <a:endParaRPr lang="zh-CN" altLang="en-US"/>
           </a:p>
@@ -3954,7 +4011,7 @@
           <a:p>
             <a:fld id="{443201C6-C6B2-4F96-9DF6-297028943761}" type="datetimeFigureOut">
               <a:rPr lang="zh-CN" altLang="en-US" smtClean="0"/>
-              <a:t>2024/1/31</a:t>
+              <a:t>2024/2/28</a:t>
             </a:fld>
             <a:endParaRPr lang="zh-CN" altLang="en-US"/>
           </a:p>
@@ -4265,7 +4322,7 @@
           <a:p>
             <a:fld id="{443201C6-C6B2-4F96-9DF6-297028943761}" type="datetimeFigureOut">
               <a:rPr lang="zh-CN" altLang="en-US" smtClean="0"/>
-              <a:t>2024/1/31</a:t>
+              <a:t>2024/2/28</a:t>
             </a:fld>
             <a:endParaRPr lang="zh-CN" altLang="en-US"/>
           </a:p>
@@ -4553,7 +4610,7 @@
           <a:p>
             <a:fld id="{443201C6-C6B2-4F96-9DF6-297028943761}" type="datetimeFigureOut">
               <a:rPr lang="zh-CN" altLang="en-US" smtClean="0"/>
-              <a:t>2024/1/31</a:t>
+              <a:t>2024/2/28</a:t>
             </a:fld>
             <a:endParaRPr lang="zh-CN" altLang="en-US"/>
           </a:p>
@@ -4794,7 +4851,7 @@
           <a:p>
             <a:fld id="{443201C6-C6B2-4F96-9DF6-297028943761}" type="datetimeFigureOut">
               <a:rPr lang="zh-CN" altLang="en-US" smtClean="0"/>
-              <a:t>2024/1/31</a:t>
+              <a:t>2024/2/28</a:t>
             </a:fld>
             <a:endParaRPr lang="zh-CN" altLang="en-US"/>
           </a:p>
@@ -5538,6 +5595,311 @@
           <a:chExt cx="0" cy="0"/>
         </a:xfrm>
       </p:grpSpPr>
+      <p:grpSp>
+        <p:nvGrpSpPr>
+          <p:cNvPr id="14" name="组合 13">
+            <a:extLst>
+              <a:ext uri="{FF2B5EF4-FFF2-40B4-BE49-F238E27FC236}">
+                <a16:creationId xmlns:a16="http://schemas.microsoft.com/office/drawing/2014/main" id="{C782A61A-070F-7915-5677-E8B7205D17CE}"/>
+              </a:ext>
+            </a:extLst>
+          </p:cNvPr>
+          <p:cNvGrpSpPr/>
+          <p:nvPr/>
+        </p:nvGrpSpPr>
+        <p:grpSpPr>
+          <a:xfrm>
+            <a:off x="1476375" y="1197887"/>
+            <a:ext cx="8767762" cy="1411462"/>
+            <a:chOff x="1476375" y="1197887"/>
+            <a:chExt cx="8767762" cy="1411462"/>
+          </a:xfrm>
+        </p:grpSpPr>
+        <p:pic>
+          <p:nvPicPr>
+            <p:cNvPr id="6" name="图片 5" descr="文本, 信件&#10;&#10;描述已自动生成">
+              <a:extLst>
+                <a:ext uri="{FF2B5EF4-FFF2-40B4-BE49-F238E27FC236}">
+                  <a16:creationId xmlns:a16="http://schemas.microsoft.com/office/drawing/2014/main" id="{111713F4-305F-0BBD-407D-CC6893B9F584}"/>
+                </a:ext>
+              </a:extLst>
+            </p:cNvPr>
+            <p:cNvPicPr>
+              <a:picLocks noChangeAspect="1"/>
+            </p:cNvPicPr>
+            <p:nvPr/>
+          </p:nvPicPr>
+          <p:blipFill>
+            <a:blip r:embed="rId2">
+              <a:extLst>
+                <a:ext uri="{28A0092B-C50C-407E-A947-70E740481C1C}">
+                  <a14:useLocalDpi xmlns:a14="http://schemas.microsoft.com/office/drawing/2010/main" val="0"/>
+                </a:ext>
+              </a:extLst>
+            </a:blip>
+            <a:stretch>
+              <a:fillRect/>
+            </a:stretch>
+          </p:blipFill>
+          <p:spPr>
+            <a:xfrm>
+              <a:off x="1476375" y="1197887"/>
+              <a:ext cx="2114550" cy="1411462"/>
+            </a:xfrm>
+            <a:prstGeom prst="rect">
+              <a:avLst/>
+            </a:prstGeom>
+          </p:spPr>
+        </p:pic>
+        <p:sp>
+          <p:nvSpPr>
+            <p:cNvPr id="8" name="文本框 7">
+              <a:extLst>
+                <a:ext uri="{FF2B5EF4-FFF2-40B4-BE49-F238E27FC236}">
+                  <a16:creationId xmlns:a16="http://schemas.microsoft.com/office/drawing/2014/main" id="{9F82CA91-EC88-7B15-3748-C00073B9926F}"/>
+                </a:ext>
+              </a:extLst>
+            </p:cNvPr>
+            <p:cNvSpPr txBox="1"/>
+            <p:nvPr/>
+          </p:nvSpPr>
+          <p:spPr>
+            <a:xfrm>
+              <a:off x="3905250" y="1197887"/>
+              <a:ext cx="6338887" cy="1247008"/>
+            </a:xfrm>
+            <a:prstGeom prst="rect">
+              <a:avLst/>
+            </a:prstGeom>
+            <a:noFill/>
+          </p:spPr>
+          <p:txBody>
+            <a:bodyPr wrap="square">
+              <a:spAutoFit/>
+            </a:bodyPr>
+            <a:lstStyle/>
+            <a:p>
+              <a:pPr>
+                <a:lnSpc>
+                  <a:spcPct val="120000"/>
+                </a:lnSpc>
+              </a:pPr>
+              <a:r>
+                <a:rPr lang="en-US" altLang="zh-CN" sz="1600" dirty="0">
+                  <a:latin typeface="Arial" panose="020B0604020202020204" pitchFamily="34" charset="0"/>
+                  <a:cs typeface="Arial" panose="020B0604020202020204" pitchFamily="34" charset="0"/>
+                </a:rPr>
+                <a:t>Chinese and Indian tourists will enjoy visa-free access to Malaysia for up to 30 days within one year from December 1, 2023.</a:t>
+              </a:r>
+            </a:p>
+            <a:p>
+              <a:pPr>
+                <a:lnSpc>
+                  <a:spcPct val="120000"/>
+                </a:lnSpc>
+              </a:pPr>
+              <a:endParaRPr lang="en-US" altLang="zh-CN" sz="1600" dirty="0">
+                <a:latin typeface="Arial" panose="020B0604020202020204" pitchFamily="34" charset="0"/>
+                <a:cs typeface="Arial" panose="020B0604020202020204" pitchFamily="34" charset="0"/>
+              </a:endParaRPr>
+            </a:p>
+            <a:p>
+              <a:pPr>
+                <a:lnSpc>
+                  <a:spcPct val="120000"/>
+                </a:lnSpc>
+              </a:pPr>
+              <a:r>
+                <a:rPr lang="en-US" altLang="zh-CN" sz="1600" dirty="0">
+                  <a:solidFill>
+                    <a:schemeClr val="bg1">
+                      <a:lumMod val="75000"/>
+                    </a:schemeClr>
+                  </a:solidFill>
+                  <a:latin typeface="Arial" panose="020B0604020202020204" pitchFamily="34" charset="0"/>
+                  <a:cs typeface="Arial" panose="020B0604020202020204" pitchFamily="34" charset="0"/>
+                </a:rPr>
+                <a:t>Learn More</a:t>
+              </a:r>
+              <a:endParaRPr lang="zh-CN" altLang="en-US" sz="1600" dirty="0">
+                <a:solidFill>
+                  <a:schemeClr val="bg1">
+                    <a:lumMod val="75000"/>
+                  </a:schemeClr>
+                </a:solidFill>
+                <a:latin typeface="Arial" panose="020B0604020202020204" pitchFamily="34" charset="0"/>
+                <a:cs typeface="Arial" panose="020B0604020202020204" pitchFamily="34" charset="0"/>
+              </a:endParaRPr>
+            </a:p>
+          </p:txBody>
+        </p:sp>
+      </p:grpSp>
+      <p:grpSp>
+        <p:nvGrpSpPr>
+          <p:cNvPr id="15" name="组合 14">
+            <a:extLst>
+              <a:ext uri="{FF2B5EF4-FFF2-40B4-BE49-F238E27FC236}">
+                <a16:creationId xmlns:a16="http://schemas.microsoft.com/office/drawing/2014/main" id="{5283558D-41E1-CF12-F650-80573F419935}"/>
+              </a:ext>
+            </a:extLst>
+          </p:cNvPr>
+          <p:cNvGrpSpPr/>
+          <p:nvPr/>
+        </p:nvGrpSpPr>
+        <p:grpSpPr>
+          <a:xfrm>
+            <a:off x="1476375" y="3429000"/>
+            <a:ext cx="8767761" cy="830997"/>
+            <a:chOff x="1476375" y="3429000"/>
+            <a:chExt cx="8767761" cy="830997"/>
+          </a:xfrm>
+        </p:grpSpPr>
+        <p:pic>
+          <p:nvPicPr>
+            <p:cNvPr id="11" name="图片 10" descr="卡通画&#10;&#10;描述已自动生成">
+              <a:extLst>
+                <a:ext uri="{FF2B5EF4-FFF2-40B4-BE49-F238E27FC236}">
+                  <a16:creationId xmlns:a16="http://schemas.microsoft.com/office/drawing/2014/main" id="{2C76A879-F945-0727-8312-E1D4C80BA4E7}"/>
+                </a:ext>
+              </a:extLst>
+            </p:cNvPr>
+            <p:cNvPicPr>
+              <a:picLocks noChangeAspect="1"/>
+            </p:cNvPicPr>
+            <p:nvPr/>
+          </p:nvPicPr>
+          <p:blipFill rotWithShape="1">
+            <a:blip r:embed="rId3">
+              <a:extLst>
+                <a:ext uri="{28A0092B-C50C-407E-A947-70E740481C1C}">
+                  <a14:useLocalDpi xmlns:a14="http://schemas.microsoft.com/office/drawing/2010/main" val="0"/>
+                </a:ext>
+              </a:extLst>
+            </a:blip>
+            <a:srcRect l="9160"/>
+            <a:stretch/>
+          </p:blipFill>
+          <p:spPr>
+            <a:xfrm>
+              <a:off x="1476375" y="3429001"/>
+              <a:ext cx="2114550" cy="728510"/>
+            </a:xfrm>
+            <a:prstGeom prst="rect">
+              <a:avLst/>
+            </a:prstGeom>
+          </p:spPr>
+        </p:pic>
+        <p:sp>
+          <p:nvSpPr>
+            <p:cNvPr id="13" name="文本框 12">
+              <a:extLst>
+                <a:ext uri="{FF2B5EF4-FFF2-40B4-BE49-F238E27FC236}">
+                  <a16:creationId xmlns:a16="http://schemas.microsoft.com/office/drawing/2014/main" id="{20E76A9B-1177-B2AE-788A-3386D87A00FC}"/>
+                </a:ext>
+              </a:extLst>
+            </p:cNvPr>
+            <p:cNvSpPr txBox="1"/>
+            <p:nvPr/>
+          </p:nvSpPr>
+          <p:spPr>
+            <a:xfrm>
+              <a:off x="3905250" y="3429000"/>
+              <a:ext cx="6338886" cy="830997"/>
+            </a:xfrm>
+            <a:prstGeom prst="rect">
+              <a:avLst/>
+            </a:prstGeom>
+            <a:noFill/>
+          </p:spPr>
+          <p:txBody>
+            <a:bodyPr wrap="square">
+              <a:spAutoFit/>
+            </a:bodyPr>
+            <a:lstStyle/>
+            <a:p>
+              <a:r>
+                <a:rPr lang="zh-CN" altLang="en-US" sz="1600" dirty="0">
+                  <a:latin typeface="Arial" panose="020B0604020202020204" pitchFamily="34" charset="0"/>
+                  <a:cs typeface="Arial" panose="020B0604020202020204" pitchFamily="34" charset="0"/>
+                </a:rPr>
+                <a:t>Malaysia Electronic Visa Facilitation </a:t>
+              </a:r>
+              <a:r>
+                <a:rPr lang="en-US" altLang="zh-CN" sz="1600" dirty="0">
+                  <a:latin typeface="Arial" panose="020B0604020202020204" pitchFamily="34" charset="0"/>
+                  <a:cs typeface="Arial" panose="020B0604020202020204" pitchFamily="34" charset="0"/>
+                </a:rPr>
+                <a:t>&amp;</a:t>
+              </a:r>
+              <a:r>
+                <a:rPr lang="zh-CN" altLang="en-US" sz="1600" dirty="0">
+                  <a:latin typeface="Arial" panose="020B0604020202020204" pitchFamily="34" charset="0"/>
+                  <a:cs typeface="Arial" panose="020B0604020202020204" pitchFamily="34" charset="0"/>
+                </a:rPr>
+                <a:t> Services</a:t>
+              </a:r>
+              <a:endParaRPr lang="en-US" altLang="zh-CN" sz="1600" dirty="0">
+                <a:latin typeface="Arial" panose="020B0604020202020204" pitchFamily="34" charset="0"/>
+                <a:cs typeface="Arial" panose="020B0604020202020204" pitchFamily="34" charset="0"/>
+              </a:endParaRPr>
+            </a:p>
+            <a:p>
+              <a:endParaRPr lang="en-US" altLang="zh-CN" sz="1600" dirty="0">
+                <a:latin typeface="Arial" panose="020B0604020202020204" pitchFamily="34" charset="0"/>
+                <a:cs typeface="Arial" panose="020B0604020202020204" pitchFamily="34" charset="0"/>
+              </a:endParaRPr>
+            </a:p>
+            <a:p>
+              <a:r>
+                <a:rPr lang="en-US" altLang="zh-CN" sz="1600" dirty="0">
+                  <a:solidFill>
+                    <a:schemeClr val="bg1">
+                      <a:lumMod val="75000"/>
+                    </a:schemeClr>
+                  </a:solidFill>
+                  <a:latin typeface="Arial" panose="020B0604020202020204" pitchFamily="34" charset="0"/>
+                  <a:cs typeface="Arial" panose="020B0604020202020204" pitchFamily="34" charset="0"/>
+                </a:rPr>
+                <a:t>Learn More</a:t>
+              </a:r>
+              <a:endParaRPr lang="zh-CN" altLang="en-US" sz="1600" dirty="0">
+                <a:latin typeface="Arial" panose="020B0604020202020204" pitchFamily="34" charset="0"/>
+                <a:cs typeface="Arial" panose="020B0604020202020204" pitchFamily="34" charset="0"/>
+              </a:endParaRPr>
+            </a:p>
+          </p:txBody>
+        </p:sp>
+      </p:grpSp>
+    </p:spTree>
+    <p:extLst>
+      <p:ext uri="{BB962C8B-B14F-4D97-AF65-F5344CB8AC3E}">
+        <p14:creationId xmlns:p14="http://schemas.microsoft.com/office/powerpoint/2010/main" val="3376447091"/>
+      </p:ext>
+    </p:extLst>
+  </p:cSld>
+  <p:clrMapOvr>
+    <a:masterClrMapping/>
+  </p:clrMapOvr>
+</p:sld>
+</file>
+
+<file path=ppt/slides/slide11.xml><?xml version="1.0" encoding="utf-8"?>
+<p:sld xmlns:a="http://schemas.openxmlformats.org/drawingml/2006/main" xmlns:r="http://schemas.openxmlformats.org/officeDocument/2006/relationships" xmlns:p="http://schemas.openxmlformats.org/presentationml/2006/main">
+  <p:cSld>
+    <p:spTree>
+      <p:nvGrpSpPr>
+        <p:cNvPr id="1" name=""/>
+        <p:cNvGrpSpPr/>
+        <p:nvPr/>
+      </p:nvGrpSpPr>
+      <p:grpSpPr>
+        <a:xfrm>
+          <a:off x="0" y="0"/>
+          <a:ext cx="0" cy="0"/>
+          <a:chOff x="0" y="0"/>
+          <a:chExt cx="0" cy="0"/>
+        </a:xfrm>
+      </p:grpSpPr>
       <p:pic>
         <p:nvPicPr>
           <p:cNvPr id="2" name="图片 1">
@@ -5641,7 +6003,7 @@
 </p:sld>
 </file>
 
-<file path=ppt/slides/slide11.xml><?xml version="1.0" encoding="utf-8"?>
+<file path=ppt/slides/slide12.xml><?xml version="1.0" encoding="utf-8"?>
 <p:sld xmlns:a="http://schemas.openxmlformats.org/drawingml/2006/main" xmlns:r="http://schemas.openxmlformats.org/officeDocument/2006/relationships" xmlns:p="http://schemas.openxmlformats.org/presentationml/2006/main">
   <p:cSld>
     <p:spTree>
@@ -5962,7 +6324,7 @@
 </p:sld>
 </file>
 
-<file path=ppt/slides/slide12.xml><?xml version="1.0" encoding="utf-8"?>
+<file path=ppt/slides/slide13.xml><?xml version="1.0" encoding="utf-8"?>
 <p:sld xmlns:a="http://schemas.openxmlformats.org/drawingml/2006/main" xmlns:r="http://schemas.openxmlformats.org/officeDocument/2006/relationships" xmlns:p="http://schemas.openxmlformats.org/presentationml/2006/main">
   <p:cSld>
     <p:spTree>
@@ -12013,6 +12375,319 @@
           <a:chExt cx="0" cy="0"/>
         </a:xfrm>
       </p:grpSpPr>
+      <p:sp>
+        <p:nvSpPr>
+          <p:cNvPr id="5" name="文本框 4">
+            <a:extLst>
+              <a:ext uri="{FF2B5EF4-FFF2-40B4-BE49-F238E27FC236}">
+                <a16:creationId xmlns:a16="http://schemas.microsoft.com/office/drawing/2014/main" id="{AACD3674-51AA-4F6F-8214-E4F354AD4EB6}"/>
+              </a:ext>
+            </a:extLst>
+          </p:cNvPr>
+          <p:cNvSpPr txBox="1"/>
+          <p:nvPr/>
+        </p:nvSpPr>
+        <p:spPr>
+          <a:xfrm>
+            <a:off x="1576137" y="388037"/>
+            <a:ext cx="6097604" cy="369332"/>
+          </a:xfrm>
+          <a:prstGeom prst="rect">
+            <a:avLst/>
+          </a:prstGeom>
+          <a:noFill/>
+        </p:spPr>
+        <p:txBody>
+          <a:bodyPr wrap="square">
+            <a:spAutoFit/>
+          </a:bodyPr>
+          <a:lstStyle/>
+          <a:p>
+            <a:r>
+              <a:rPr lang="en-US" altLang="zh-CN" sz="1800" b="0" i="0" kern="1200" dirty="0">
+                <a:solidFill>
+                  <a:schemeClr val="tx1"/>
+                </a:solidFill>
+                <a:effectLst/>
+                <a:latin typeface="Arial" panose="020B0604020202020204" pitchFamily="34" charset="0"/>
+                <a:ea typeface="+mn-ea"/>
+                <a:cs typeface="Arial" panose="020B0604020202020204" pitchFamily="34" charset="0"/>
+              </a:rPr>
+              <a:t>Early Bird </a:t>
+            </a:r>
+            <a:endParaRPr lang="zh-CN" altLang="en-US" dirty="0"/>
+          </a:p>
+        </p:txBody>
+      </p:sp>
+      <p:sp>
+        <p:nvSpPr>
+          <p:cNvPr id="6" name="矩形: 圆角 5">
+            <a:extLst>
+              <a:ext uri="{FF2B5EF4-FFF2-40B4-BE49-F238E27FC236}">
+                <a16:creationId xmlns:a16="http://schemas.microsoft.com/office/drawing/2014/main" id="{33A82ADD-C6DC-4AF5-A8A1-F398971E7C70}"/>
+              </a:ext>
+            </a:extLst>
+          </p:cNvPr>
+          <p:cNvSpPr/>
+          <p:nvPr/>
+        </p:nvSpPr>
+        <p:spPr>
+          <a:xfrm>
+            <a:off x="779462" y="1632054"/>
+            <a:ext cx="3297238" cy="1428646"/>
+          </a:xfrm>
+          <a:prstGeom prst="roundRect">
+            <a:avLst/>
+          </a:prstGeom>
+          <a:ln>
+            <a:noFill/>
+          </a:ln>
+          <a:effectLst>
+            <a:outerShdw blurRad="190500" dist="228600" dir="2700000" algn="ctr">
+              <a:srgbClr val="000000">
+                <a:alpha val="30000"/>
+              </a:srgbClr>
+            </a:outerShdw>
+          </a:effectLst>
+          <a:scene3d>
+            <a:camera prst="orthographicFront">
+              <a:rot lat="0" lon="0" rev="0"/>
+            </a:camera>
+            <a:lightRig rig="glow" dir="t">
+              <a:rot lat="0" lon="0" rev="4800000"/>
+            </a:lightRig>
+          </a:scene3d>
+          <a:sp3d prstMaterial="matte">
+            <a:bevelT w="127000" h="63500"/>
+          </a:sp3d>
+        </p:spPr>
+        <p:style>
+          <a:lnRef idx="2">
+            <a:schemeClr val="accent1">
+              <a:shade val="15000"/>
+            </a:schemeClr>
+          </a:lnRef>
+          <a:fillRef idx="1">
+            <a:schemeClr val="accent1"/>
+          </a:fillRef>
+          <a:effectRef idx="0">
+            <a:schemeClr val="accent1"/>
+          </a:effectRef>
+          <a:fontRef idx="minor">
+            <a:schemeClr val="lt1"/>
+          </a:fontRef>
+        </p:style>
+        <p:txBody>
+          <a:bodyPr rtlCol="0" anchor="ctr"/>
+          <a:lstStyle/>
+          <a:p>
+            <a:pPr algn="ctr"/>
+            <a:r>
+              <a:rPr lang="en-US" altLang="zh-CN" sz="3200" dirty="0">
+                <a:latin typeface="Arial" panose="020B0604020202020204" pitchFamily="34" charset="0"/>
+                <a:cs typeface="Arial" panose="020B0604020202020204" pitchFamily="34" charset="0"/>
+              </a:rPr>
+              <a:t>Early Bird </a:t>
+            </a:r>
+          </a:p>
+          <a:p>
+            <a:pPr algn="ctr"/>
+            <a:r>
+              <a:rPr lang="en-US" altLang="zh-CN" sz="2800" dirty="0">
+                <a:latin typeface="Arial" panose="020B0604020202020204" pitchFamily="34" charset="0"/>
+                <a:cs typeface="Arial" panose="020B0604020202020204" pitchFamily="34" charset="0"/>
+              </a:rPr>
+              <a:t>(Student Delegate) </a:t>
+            </a:r>
+          </a:p>
+        </p:txBody>
+      </p:sp>
+      <p:sp>
+        <p:nvSpPr>
+          <p:cNvPr id="7" name="矩形: 圆角 6">
+            <a:extLst>
+              <a:ext uri="{FF2B5EF4-FFF2-40B4-BE49-F238E27FC236}">
+                <a16:creationId xmlns:a16="http://schemas.microsoft.com/office/drawing/2014/main" id="{77D7C711-D69E-4C29-AF35-26784B08B915}"/>
+              </a:ext>
+            </a:extLst>
+          </p:cNvPr>
+          <p:cNvSpPr/>
+          <p:nvPr/>
+        </p:nvSpPr>
+        <p:spPr>
+          <a:xfrm>
+            <a:off x="4624939" y="1632054"/>
+            <a:ext cx="3297238" cy="1428646"/>
+          </a:xfrm>
+          <a:prstGeom prst="roundRect">
+            <a:avLst/>
+          </a:prstGeom>
+          <a:ln>
+            <a:noFill/>
+          </a:ln>
+          <a:effectLst>
+            <a:outerShdw blurRad="190500" dist="228600" dir="2700000" algn="ctr">
+              <a:srgbClr val="000000">
+                <a:alpha val="30000"/>
+              </a:srgbClr>
+            </a:outerShdw>
+          </a:effectLst>
+          <a:scene3d>
+            <a:camera prst="orthographicFront">
+              <a:rot lat="0" lon="0" rev="0"/>
+            </a:camera>
+            <a:lightRig rig="glow" dir="t">
+              <a:rot lat="0" lon="0" rev="4800000"/>
+            </a:lightRig>
+          </a:scene3d>
+          <a:sp3d prstMaterial="matte">
+            <a:bevelT w="127000" h="63500"/>
+          </a:sp3d>
+        </p:spPr>
+        <p:style>
+          <a:lnRef idx="2">
+            <a:schemeClr val="accent1">
+              <a:shade val="15000"/>
+            </a:schemeClr>
+          </a:lnRef>
+          <a:fillRef idx="1">
+            <a:schemeClr val="accent1"/>
+          </a:fillRef>
+          <a:effectRef idx="0">
+            <a:schemeClr val="accent1"/>
+          </a:effectRef>
+          <a:fontRef idx="minor">
+            <a:schemeClr val="lt1"/>
+          </a:fontRef>
+        </p:style>
+        <p:txBody>
+          <a:bodyPr rtlCol="0" anchor="ctr"/>
+          <a:lstStyle/>
+          <a:p>
+            <a:pPr algn="ctr"/>
+            <a:r>
+              <a:rPr lang="en-US" altLang="zh-CN" sz="3200" dirty="0">
+                <a:latin typeface="Arial" panose="020B0604020202020204" pitchFamily="34" charset="0"/>
+                <a:cs typeface="Arial" panose="020B0604020202020204" pitchFamily="34" charset="0"/>
+              </a:rPr>
+              <a:t>Early Bird </a:t>
+            </a:r>
+          </a:p>
+          <a:p>
+            <a:pPr algn="ctr"/>
+            <a:r>
+              <a:rPr lang="en-US" altLang="zh-CN" sz="2800" dirty="0">
+                <a:latin typeface="Arial" panose="020B0604020202020204" pitchFamily="34" charset="0"/>
+                <a:cs typeface="Arial" panose="020B0604020202020204" pitchFamily="34" charset="0"/>
+              </a:rPr>
+              <a:t>(Full Delegate) </a:t>
+            </a:r>
+          </a:p>
+        </p:txBody>
+      </p:sp>
+      <p:sp>
+        <p:nvSpPr>
+          <p:cNvPr id="8" name="矩形: 圆角 7">
+            <a:extLst>
+              <a:ext uri="{FF2B5EF4-FFF2-40B4-BE49-F238E27FC236}">
+                <a16:creationId xmlns:a16="http://schemas.microsoft.com/office/drawing/2014/main" id="{695A870D-92BA-43D7-85A2-BEA01BC7234C}"/>
+              </a:ext>
+            </a:extLst>
+          </p:cNvPr>
+          <p:cNvSpPr/>
+          <p:nvPr/>
+        </p:nvSpPr>
+        <p:spPr>
+          <a:xfrm>
+            <a:off x="8470416" y="1619354"/>
+            <a:ext cx="3297238" cy="1428646"/>
+          </a:xfrm>
+          <a:prstGeom prst="roundRect">
+            <a:avLst/>
+          </a:prstGeom>
+          <a:ln>
+            <a:noFill/>
+          </a:ln>
+          <a:effectLst>
+            <a:outerShdw blurRad="190500" dist="228600" dir="2700000" algn="ctr">
+              <a:srgbClr val="000000">
+                <a:alpha val="30000"/>
+              </a:srgbClr>
+            </a:outerShdw>
+          </a:effectLst>
+          <a:scene3d>
+            <a:camera prst="orthographicFront">
+              <a:rot lat="0" lon="0" rev="0"/>
+            </a:camera>
+            <a:lightRig rig="glow" dir="t">
+              <a:rot lat="0" lon="0" rev="4800000"/>
+            </a:lightRig>
+          </a:scene3d>
+          <a:sp3d prstMaterial="matte">
+            <a:bevelT w="127000" h="63500"/>
+          </a:sp3d>
+        </p:spPr>
+        <p:style>
+          <a:lnRef idx="2">
+            <a:schemeClr val="accent1">
+              <a:shade val="15000"/>
+            </a:schemeClr>
+          </a:lnRef>
+          <a:fillRef idx="1">
+            <a:schemeClr val="accent1"/>
+          </a:fillRef>
+          <a:effectRef idx="0">
+            <a:schemeClr val="accent1"/>
+          </a:effectRef>
+          <a:fontRef idx="minor">
+            <a:schemeClr val="lt1"/>
+          </a:fontRef>
+        </p:style>
+        <p:txBody>
+          <a:bodyPr rtlCol="0" anchor="ctr"/>
+          <a:lstStyle/>
+          <a:p>
+            <a:pPr algn="ctr"/>
+            <a:r>
+              <a:rPr lang="en-US" altLang="zh-CN" sz="3200" dirty="0">
+                <a:latin typeface="Arial" panose="020B0604020202020204" pitchFamily="34" charset="0"/>
+                <a:cs typeface="Arial" panose="020B0604020202020204" pitchFamily="34" charset="0"/>
+              </a:rPr>
+              <a:t>Additional Banquet Ticket</a:t>
+            </a:r>
+          </a:p>
+        </p:txBody>
+      </p:sp>
+    </p:spTree>
+    <p:extLst>
+      <p:ext uri="{BB962C8B-B14F-4D97-AF65-F5344CB8AC3E}">
+        <p14:creationId xmlns:p14="http://schemas.microsoft.com/office/powerpoint/2010/main" val="256383091"/>
+      </p:ext>
+    </p:extLst>
+  </p:cSld>
+  <p:clrMapOvr>
+    <a:masterClrMapping/>
+  </p:clrMapOvr>
+</p:sld>
+</file>
+
+<file path=ppt/slides/slide8.xml><?xml version="1.0" encoding="utf-8"?>
+<p:sld xmlns:a="http://schemas.openxmlformats.org/drawingml/2006/main" xmlns:r="http://schemas.openxmlformats.org/officeDocument/2006/relationships" xmlns:p="http://schemas.openxmlformats.org/presentationml/2006/main">
+  <p:cSld>
+    <p:spTree>
+      <p:nvGrpSpPr>
+        <p:cNvPr id="1" name=""/>
+        <p:cNvGrpSpPr/>
+        <p:nvPr/>
+      </p:nvGrpSpPr>
+      <p:grpSpPr>
+        <a:xfrm>
+          <a:off x="0" y="0"/>
+          <a:ext cx="0" cy="0"/>
+          <a:chOff x="0" y="0"/>
+          <a:chExt cx="0" cy="0"/>
+        </a:xfrm>
+      </p:grpSpPr>
       <p:grpSp>
         <p:nvGrpSpPr>
           <p:cNvPr id="4" name="组合 3">
@@ -12178,7 +12853,7 @@
 </p:sld>
 </file>
 
-<file path=ppt/slides/slide8.xml><?xml version="1.0" encoding="utf-8"?>
+<file path=ppt/slides/slide9.xml><?xml version="1.0" encoding="utf-8"?>
 <p:sld xmlns:a="http://schemas.openxmlformats.org/drawingml/2006/main" xmlns:r="http://schemas.openxmlformats.org/officeDocument/2006/relationships" xmlns:p="http://schemas.openxmlformats.org/presentationml/2006/main">
   <p:cSld>
     <p:spTree>
@@ -12795,311 +13470,6 @@
     <p:extLst>
       <p:ext uri="{BB962C8B-B14F-4D97-AF65-F5344CB8AC3E}">
         <p14:creationId xmlns:p14="http://schemas.microsoft.com/office/powerpoint/2010/main" val="3827943510"/>
-      </p:ext>
-    </p:extLst>
-  </p:cSld>
-  <p:clrMapOvr>
-    <a:masterClrMapping/>
-  </p:clrMapOvr>
-</p:sld>
-</file>
-
-<file path=ppt/slides/slide9.xml><?xml version="1.0" encoding="utf-8"?>
-<p:sld xmlns:a="http://schemas.openxmlformats.org/drawingml/2006/main" xmlns:r="http://schemas.openxmlformats.org/officeDocument/2006/relationships" xmlns:p="http://schemas.openxmlformats.org/presentationml/2006/main">
-  <p:cSld>
-    <p:spTree>
-      <p:nvGrpSpPr>
-        <p:cNvPr id="1" name=""/>
-        <p:cNvGrpSpPr/>
-        <p:nvPr/>
-      </p:nvGrpSpPr>
-      <p:grpSpPr>
-        <a:xfrm>
-          <a:off x="0" y="0"/>
-          <a:ext cx="0" cy="0"/>
-          <a:chOff x="0" y="0"/>
-          <a:chExt cx="0" cy="0"/>
-        </a:xfrm>
-      </p:grpSpPr>
-      <p:grpSp>
-        <p:nvGrpSpPr>
-          <p:cNvPr id="14" name="组合 13">
-            <a:extLst>
-              <a:ext uri="{FF2B5EF4-FFF2-40B4-BE49-F238E27FC236}">
-                <a16:creationId xmlns:a16="http://schemas.microsoft.com/office/drawing/2014/main" id="{C782A61A-070F-7915-5677-E8B7205D17CE}"/>
-              </a:ext>
-            </a:extLst>
-          </p:cNvPr>
-          <p:cNvGrpSpPr/>
-          <p:nvPr/>
-        </p:nvGrpSpPr>
-        <p:grpSpPr>
-          <a:xfrm>
-            <a:off x="1476375" y="1197887"/>
-            <a:ext cx="8767762" cy="1411462"/>
-            <a:chOff x="1476375" y="1197887"/>
-            <a:chExt cx="8767762" cy="1411462"/>
-          </a:xfrm>
-        </p:grpSpPr>
-        <p:pic>
-          <p:nvPicPr>
-            <p:cNvPr id="6" name="图片 5" descr="文本, 信件&#10;&#10;描述已自动生成">
-              <a:extLst>
-                <a:ext uri="{FF2B5EF4-FFF2-40B4-BE49-F238E27FC236}">
-                  <a16:creationId xmlns:a16="http://schemas.microsoft.com/office/drawing/2014/main" id="{111713F4-305F-0BBD-407D-CC6893B9F584}"/>
-                </a:ext>
-              </a:extLst>
-            </p:cNvPr>
-            <p:cNvPicPr>
-              <a:picLocks noChangeAspect="1"/>
-            </p:cNvPicPr>
-            <p:nvPr/>
-          </p:nvPicPr>
-          <p:blipFill>
-            <a:blip r:embed="rId2">
-              <a:extLst>
-                <a:ext uri="{28A0092B-C50C-407E-A947-70E740481C1C}">
-                  <a14:useLocalDpi xmlns:a14="http://schemas.microsoft.com/office/drawing/2010/main" val="0"/>
-                </a:ext>
-              </a:extLst>
-            </a:blip>
-            <a:stretch>
-              <a:fillRect/>
-            </a:stretch>
-          </p:blipFill>
-          <p:spPr>
-            <a:xfrm>
-              <a:off x="1476375" y="1197887"/>
-              <a:ext cx="2114550" cy="1411462"/>
-            </a:xfrm>
-            <a:prstGeom prst="rect">
-              <a:avLst/>
-            </a:prstGeom>
-          </p:spPr>
-        </p:pic>
-        <p:sp>
-          <p:nvSpPr>
-            <p:cNvPr id="8" name="文本框 7">
-              <a:extLst>
-                <a:ext uri="{FF2B5EF4-FFF2-40B4-BE49-F238E27FC236}">
-                  <a16:creationId xmlns:a16="http://schemas.microsoft.com/office/drawing/2014/main" id="{9F82CA91-EC88-7B15-3748-C00073B9926F}"/>
-                </a:ext>
-              </a:extLst>
-            </p:cNvPr>
-            <p:cNvSpPr txBox="1"/>
-            <p:nvPr/>
-          </p:nvSpPr>
-          <p:spPr>
-            <a:xfrm>
-              <a:off x="3905250" y="1197887"/>
-              <a:ext cx="6338887" cy="1247008"/>
-            </a:xfrm>
-            <a:prstGeom prst="rect">
-              <a:avLst/>
-            </a:prstGeom>
-            <a:noFill/>
-          </p:spPr>
-          <p:txBody>
-            <a:bodyPr wrap="square">
-              <a:spAutoFit/>
-            </a:bodyPr>
-            <a:lstStyle/>
-            <a:p>
-              <a:pPr>
-                <a:lnSpc>
-                  <a:spcPct val="120000"/>
-                </a:lnSpc>
-              </a:pPr>
-              <a:r>
-                <a:rPr lang="en-US" altLang="zh-CN" sz="1600" dirty="0">
-                  <a:latin typeface="Arial" panose="020B0604020202020204" pitchFamily="34" charset="0"/>
-                  <a:cs typeface="Arial" panose="020B0604020202020204" pitchFamily="34" charset="0"/>
-                </a:rPr>
-                <a:t>Chinese and Indian tourists will enjoy visa-free access to Malaysia for up to 30 days within one year from December 1, 2023.</a:t>
-              </a:r>
-            </a:p>
-            <a:p>
-              <a:pPr>
-                <a:lnSpc>
-                  <a:spcPct val="120000"/>
-                </a:lnSpc>
-              </a:pPr>
-              <a:endParaRPr lang="en-US" altLang="zh-CN" sz="1600" dirty="0">
-                <a:latin typeface="Arial" panose="020B0604020202020204" pitchFamily="34" charset="0"/>
-                <a:cs typeface="Arial" panose="020B0604020202020204" pitchFamily="34" charset="0"/>
-              </a:endParaRPr>
-            </a:p>
-            <a:p>
-              <a:pPr>
-                <a:lnSpc>
-                  <a:spcPct val="120000"/>
-                </a:lnSpc>
-              </a:pPr>
-              <a:r>
-                <a:rPr lang="en-US" altLang="zh-CN" sz="1600" dirty="0">
-                  <a:solidFill>
-                    <a:schemeClr val="bg1">
-                      <a:lumMod val="75000"/>
-                    </a:schemeClr>
-                  </a:solidFill>
-                  <a:latin typeface="Arial" panose="020B0604020202020204" pitchFamily="34" charset="0"/>
-                  <a:cs typeface="Arial" panose="020B0604020202020204" pitchFamily="34" charset="0"/>
-                </a:rPr>
-                <a:t>Learn More</a:t>
-              </a:r>
-              <a:endParaRPr lang="zh-CN" altLang="en-US" sz="1600" dirty="0">
-                <a:solidFill>
-                  <a:schemeClr val="bg1">
-                    <a:lumMod val="75000"/>
-                  </a:schemeClr>
-                </a:solidFill>
-                <a:latin typeface="Arial" panose="020B0604020202020204" pitchFamily="34" charset="0"/>
-                <a:cs typeface="Arial" panose="020B0604020202020204" pitchFamily="34" charset="0"/>
-              </a:endParaRPr>
-            </a:p>
-          </p:txBody>
-        </p:sp>
-      </p:grpSp>
-      <p:grpSp>
-        <p:nvGrpSpPr>
-          <p:cNvPr id="15" name="组合 14">
-            <a:extLst>
-              <a:ext uri="{FF2B5EF4-FFF2-40B4-BE49-F238E27FC236}">
-                <a16:creationId xmlns:a16="http://schemas.microsoft.com/office/drawing/2014/main" id="{5283558D-41E1-CF12-F650-80573F419935}"/>
-              </a:ext>
-            </a:extLst>
-          </p:cNvPr>
-          <p:cNvGrpSpPr/>
-          <p:nvPr/>
-        </p:nvGrpSpPr>
-        <p:grpSpPr>
-          <a:xfrm>
-            <a:off x="1476375" y="3429000"/>
-            <a:ext cx="8767761" cy="830997"/>
-            <a:chOff x="1476375" y="3429000"/>
-            <a:chExt cx="8767761" cy="830997"/>
-          </a:xfrm>
-        </p:grpSpPr>
-        <p:pic>
-          <p:nvPicPr>
-            <p:cNvPr id="11" name="图片 10" descr="卡通画&#10;&#10;描述已自动生成">
-              <a:extLst>
-                <a:ext uri="{FF2B5EF4-FFF2-40B4-BE49-F238E27FC236}">
-                  <a16:creationId xmlns:a16="http://schemas.microsoft.com/office/drawing/2014/main" id="{2C76A879-F945-0727-8312-E1D4C80BA4E7}"/>
-                </a:ext>
-              </a:extLst>
-            </p:cNvPr>
-            <p:cNvPicPr>
-              <a:picLocks noChangeAspect="1"/>
-            </p:cNvPicPr>
-            <p:nvPr/>
-          </p:nvPicPr>
-          <p:blipFill rotWithShape="1">
-            <a:blip r:embed="rId3">
-              <a:extLst>
-                <a:ext uri="{28A0092B-C50C-407E-A947-70E740481C1C}">
-                  <a14:useLocalDpi xmlns:a14="http://schemas.microsoft.com/office/drawing/2010/main" val="0"/>
-                </a:ext>
-              </a:extLst>
-            </a:blip>
-            <a:srcRect l="9160"/>
-            <a:stretch/>
-          </p:blipFill>
-          <p:spPr>
-            <a:xfrm>
-              <a:off x="1476375" y="3429001"/>
-              <a:ext cx="2114550" cy="728510"/>
-            </a:xfrm>
-            <a:prstGeom prst="rect">
-              <a:avLst/>
-            </a:prstGeom>
-          </p:spPr>
-        </p:pic>
-        <p:sp>
-          <p:nvSpPr>
-            <p:cNvPr id="13" name="文本框 12">
-              <a:extLst>
-                <a:ext uri="{FF2B5EF4-FFF2-40B4-BE49-F238E27FC236}">
-                  <a16:creationId xmlns:a16="http://schemas.microsoft.com/office/drawing/2014/main" id="{20E76A9B-1177-B2AE-788A-3386D87A00FC}"/>
-                </a:ext>
-              </a:extLst>
-            </p:cNvPr>
-            <p:cNvSpPr txBox="1"/>
-            <p:nvPr/>
-          </p:nvSpPr>
-          <p:spPr>
-            <a:xfrm>
-              <a:off x="3905250" y="3429000"/>
-              <a:ext cx="6338886" cy="830997"/>
-            </a:xfrm>
-            <a:prstGeom prst="rect">
-              <a:avLst/>
-            </a:prstGeom>
-            <a:noFill/>
-          </p:spPr>
-          <p:txBody>
-            <a:bodyPr wrap="square">
-              <a:spAutoFit/>
-            </a:bodyPr>
-            <a:lstStyle/>
-            <a:p>
-              <a:r>
-                <a:rPr lang="zh-CN" altLang="en-US" sz="1600" dirty="0">
-                  <a:latin typeface="Arial" panose="020B0604020202020204" pitchFamily="34" charset="0"/>
-                  <a:cs typeface="Arial" panose="020B0604020202020204" pitchFamily="34" charset="0"/>
-                </a:rPr>
-                <a:t>Malaysia Electronic Visa Facilitation </a:t>
-              </a:r>
-              <a:r>
-                <a:rPr lang="en-US" altLang="zh-CN" sz="1600" dirty="0">
-                  <a:latin typeface="Arial" panose="020B0604020202020204" pitchFamily="34" charset="0"/>
-                  <a:cs typeface="Arial" panose="020B0604020202020204" pitchFamily="34" charset="0"/>
-                </a:rPr>
-                <a:t>&amp;</a:t>
-              </a:r>
-              <a:r>
-                <a:rPr lang="zh-CN" altLang="en-US" sz="1600" dirty="0">
-                  <a:latin typeface="Arial" panose="020B0604020202020204" pitchFamily="34" charset="0"/>
-                  <a:cs typeface="Arial" panose="020B0604020202020204" pitchFamily="34" charset="0"/>
-                </a:rPr>
-                <a:t> Services</a:t>
-              </a:r>
-              <a:endParaRPr lang="en-US" altLang="zh-CN" sz="1600" dirty="0">
-                <a:latin typeface="Arial" panose="020B0604020202020204" pitchFamily="34" charset="0"/>
-                <a:cs typeface="Arial" panose="020B0604020202020204" pitchFamily="34" charset="0"/>
-              </a:endParaRPr>
-            </a:p>
-            <a:p>
-              <a:endParaRPr lang="en-US" altLang="zh-CN" sz="1600" dirty="0">
-                <a:latin typeface="Arial" panose="020B0604020202020204" pitchFamily="34" charset="0"/>
-                <a:cs typeface="Arial" panose="020B0604020202020204" pitchFamily="34" charset="0"/>
-              </a:endParaRPr>
-            </a:p>
-            <a:p>
-              <a:r>
-                <a:rPr lang="en-US" altLang="zh-CN" sz="1600" dirty="0">
-                  <a:solidFill>
-                    <a:schemeClr val="bg1">
-                      <a:lumMod val="75000"/>
-                    </a:schemeClr>
-                  </a:solidFill>
-                  <a:latin typeface="Arial" panose="020B0604020202020204" pitchFamily="34" charset="0"/>
-                  <a:cs typeface="Arial" panose="020B0604020202020204" pitchFamily="34" charset="0"/>
-                </a:rPr>
-                <a:t>Learn More</a:t>
-              </a:r>
-              <a:endParaRPr lang="zh-CN" altLang="en-US" sz="1600" dirty="0">
-                <a:latin typeface="Arial" panose="020B0604020202020204" pitchFamily="34" charset="0"/>
-                <a:cs typeface="Arial" panose="020B0604020202020204" pitchFamily="34" charset="0"/>
-              </a:endParaRPr>
-            </a:p>
-          </p:txBody>
-        </p:sp>
-      </p:grpSp>
-    </p:spTree>
-    <p:extLst>
-      <p:ext uri="{BB962C8B-B14F-4D97-AF65-F5344CB8AC3E}">
-        <p14:creationId xmlns:p14="http://schemas.microsoft.com/office/powerpoint/2010/main" val="3376447091"/>
       </p:ext>
     </p:extLst>
   </p:cSld>

--- a/assets/figures.pptx
+++ b/assets/figures.pptx
@@ -164,12 +164,12 @@
   <pc:docChgLst>
     <pc:chgData name="ZHANG Xiangyu" userId="0af619d5-14b7-43d3-95bc-94ad39c803d6" providerId="ADAL" clId="{EAD82443-C9D1-49D6-90E9-DE8316454DD6}"/>
     <pc:docChg chg="undo custSel addSld modSld">
-      <pc:chgData name="ZHANG Xiangyu" userId="0af619d5-14b7-43d3-95bc-94ad39c803d6" providerId="ADAL" clId="{EAD82443-C9D1-49D6-90E9-DE8316454DD6}" dt="2024-02-28T12:21:20.279" v="42"/>
+      <pc:chgData name="ZHANG Xiangyu" userId="0af619d5-14b7-43d3-95bc-94ad39c803d6" providerId="ADAL" clId="{EAD82443-C9D1-49D6-90E9-DE8316454DD6}" dt="2024-02-28T12:42:00.959" v="75" actId="14100"/>
       <pc:docMkLst>
         <pc:docMk/>
       </pc:docMkLst>
       <pc:sldChg chg="addSp delSp modSp new mod">
-        <pc:chgData name="ZHANG Xiangyu" userId="0af619d5-14b7-43d3-95bc-94ad39c803d6" providerId="ADAL" clId="{EAD82443-C9D1-49D6-90E9-DE8316454DD6}" dt="2024-02-28T12:21:20.279" v="42"/>
+        <pc:chgData name="ZHANG Xiangyu" userId="0af619d5-14b7-43d3-95bc-94ad39c803d6" providerId="ADAL" clId="{EAD82443-C9D1-49D6-90E9-DE8316454DD6}" dt="2024-02-28T12:42:00.959" v="75" actId="14100"/>
         <pc:sldMkLst>
           <pc:docMk/>
           <pc:sldMk cId="256383091" sldId="268"/>
@@ -199,7 +199,7 @@
           </ac:spMkLst>
         </pc:spChg>
         <pc:spChg chg="add mod">
-          <ac:chgData name="ZHANG Xiangyu" userId="0af619d5-14b7-43d3-95bc-94ad39c803d6" providerId="ADAL" clId="{EAD82443-C9D1-49D6-90E9-DE8316454DD6}" dt="2024-02-28T12:20:49.169" v="34" actId="14100"/>
+          <ac:chgData name="ZHANG Xiangyu" userId="0af619d5-14b7-43d3-95bc-94ad39c803d6" providerId="ADAL" clId="{EAD82443-C9D1-49D6-90E9-DE8316454DD6}" dt="2024-02-28T12:41:55.777" v="73" actId="14100"/>
           <ac:spMkLst>
             <pc:docMk/>
             <pc:sldMk cId="256383091" sldId="268"/>
@@ -207,7 +207,7 @@
           </ac:spMkLst>
         </pc:spChg>
         <pc:spChg chg="add mod">
-          <ac:chgData name="ZHANG Xiangyu" userId="0af619d5-14b7-43d3-95bc-94ad39c803d6" providerId="ADAL" clId="{EAD82443-C9D1-49D6-90E9-DE8316454DD6}" dt="2024-02-28T12:21:05.995" v="40"/>
+          <ac:chgData name="ZHANG Xiangyu" userId="0af619d5-14b7-43d3-95bc-94ad39c803d6" providerId="ADAL" clId="{EAD82443-C9D1-49D6-90E9-DE8316454DD6}" dt="2024-02-28T12:41:58.133" v="74" actId="14100"/>
           <ac:spMkLst>
             <pc:docMk/>
             <pc:sldMk cId="256383091" sldId="268"/>
@@ -215,7 +215,7 @@
           </ac:spMkLst>
         </pc:spChg>
         <pc:spChg chg="add mod">
-          <ac:chgData name="ZHANG Xiangyu" userId="0af619d5-14b7-43d3-95bc-94ad39c803d6" providerId="ADAL" clId="{EAD82443-C9D1-49D6-90E9-DE8316454DD6}" dt="2024-02-28T12:21:20.279" v="42"/>
+          <ac:chgData name="ZHANG Xiangyu" userId="0af619d5-14b7-43d3-95bc-94ad39c803d6" providerId="ADAL" clId="{EAD82443-C9D1-49D6-90E9-DE8316454DD6}" dt="2024-02-28T12:42:00.959" v="75" actId="14100"/>
           <ac:spMkLst>
             <pc:docMk/>
             <pc:sldMk cId="256383091" sldId="268"/>
@@ -12433,8 +12433,8 @@
         </p:nvSpPr>
         <p:spPr>
           <a:xfrm>
-            <a:off x="779462" y="1632054"/>
-            <a:ext cx="3297238" cy="1428646"/>
+            <a:off x="779462" y="2108200"/>
+            <a:ext cx="3297238" cy="952500"/>
           </a:xfrm>
           <a:prstGeom prst="roundRect">
             <a:avLst/>
@@ -12483,7 +12483,7 @@
           <a:p>
             <a:pPr algn="ctr"/>
             <a:r>
-              <a:rPr lang="en-US" altLang="zh-CN" sz="3200" dirty="0">
+              <a:rPr lang="en-US" altLang="zh-CN" sz="2400" dirty="0">
                 <a:latin typeface="Arial" panose="020B0604020202020204" pitchFamily="34" charset="0"/>
                 <a:cs typeface="Arial" panose="020B0604020202020204" pitchFamily="34" charset="0"/>
               </a:rPr>
@@ -12493,7 +12493,7 @@
           <a:p>
             <a:pPr algn="ctr"/>
             <a:r>
-              <a:rPr lang="en-US" altLang="zh-CN" sz="2800" dirty="0">
+              <a:rPr lang="en-US" altLang="zh-CN" sz="2000" dirty="0">
                 <a:latin typeface="Arial" panose="020B0604020202020204" pitchFamily="34" charset="0"/>
                 <a:cs typeface="Arial" panose="020B0604020202020204" pitchFamily="34" charset="0"/>
               </a:rPr>
@@ -12516,8 +12516,8 @@
         </p:nvSpPr>
         <p:spPr>
           <a:xfrm>
-            <a:off x="4624939" y="1632054"/>
-            <a:ext cx="3297238" cy="1428646"/>
+            <a:off x="4624939" y="2108200"/>
+            <a:ext cx="3297238" cy="952500"/>
           </a:xfrm>
           <a:prstGeom prst="roundRect">
             <a:avLst/>
@@ -12566,7 +12566,7 @@
           <a:p>
             <a:pPr algn="ctr"/>
             <a:r>
-              <a:rPr lang="en-US" altLang="zh-CN" sz="3200" dirty="0">
+              <a:rPr lang="en-US" altLang="zh-CN" sz="2400" dirty="0">
                 <a:latin typeface="Arial" panose="020B0604020202020204" pitchFamily="34" charset="0"/>
                 <a:cs typeface="Arial" panose="020B0604020202020204" pitchFamily="34" charset="0"/>
               </a:rPr>
@@ -12576,7 +12576,7 @@
           <a:p>
             <a:pPr algn="ctr"/>
             <a:r>
-              <a:rPr lang="en-US" altLang="zh-CN" sz="2800" dirty="0">
+              <a:rPr lang="en-US" altLang="zh-CN" sz="2000" dirty="0">
                 <a:latin typeface="Arial" panose="020B0604020202020204" pitchFamily="34" charset="0"/>
                 <a:cs typeface="Arial" panose="020B0604020202020204" pitchFamily="34" charset="0"/>
               </a:rPr>
@@ -12599,8 +12599,8 @@
         </p:nvSpPr>
         <p:spPr>
           <a:xfrm>
-            <a:off x="8470416" y="1619354"/>
-            <a:ext cx="3297238" cy="1428646"/>
+            <a:off x="8470416" y="2108200"/>
+            <a:ext cx="3297238" cy="939800"/>
           </a:xfrm>
           <a:prstGeom prst="roundRect">
             <a:avLst/>
@@ -12649,7 +12649,7 @@
           <a:p>
             <a:pPr algn="ctr"/>
             <a:r>
-              <a:rPr lang="en-US" altLang="zh-CN" sz="3200" dirty="0">
+              <a:rPr lang="en-US" altLang="zh-CN" sz="2400" dirty="0">
                 <a:latin typeface="Arial" panose="020B0604020202020204" pitchFamily="34" charset="0"/>
                 <a:cs typeface="Arial" panose="020B0604020202020204" pitchFamily="34" charset="0"/>
               </a:rPr>

--- a/assets/figures.pptx
+++ b/assets/figures.pptx
@@ -162,6 +162,46 @@
     </pc:docChg>
   </pc:docChgLst>
   <pc:docChgLst>
+    <pc:chgData name="ZHANG Xiangyu" userId="0af619d5-14b7-43d3-95bc-94ad39c803d6" providerId="ADAL" clId="{1DC4A7AB-8307-463F-B68B-CDC3B517A939}"/>
+    <pc:docChg chg="modSld">
+      <pc:chgData name="ZHANG Xiangyu" userId="0af619d5-14b7-43d3-95bc-94ad39c803d6" providerId="ADAL" clId="{1DC4A7AB-8307-463F-B68B-CDC3B517A939}" dt="2024-02-29T08:22:05.939" v="6" actId="14100"/>
+      <pc:docMkLst>
+        <pc:docMk/>
+      </pc:docMkLst>
+      <pc:sldChg chg="modSp mod">
+        <pc:chgData name="ZHANG Xiangyu" userId="0af619d5-14b7-43d3-95bc-94ad39c803d6" providerId="ADAL" clId="{1DC4A7AB-8307-463F-B68B-CDC3B517A939}" dt="2024-02-29T08:22:05.939" v="6" actId="14100"/>
+        <pc:sldMkLst>
+          <pc:docMk/>
+          <pc:sldMk cId="256383091" sldId="268"/>
+        </pc:sldMkLst>
+        <pc:spChg chg="mod">
+          <ac:chgData name="ZHANG Xiangyu" userId="0af619d5-14b7-43d3-95bc-94ad39c803d6" providerId="ADAL" clId="{1DC4A7AB-8307-463F-B68B-CDC3B517A939}" dt="2024-02-29T08:21:44.856" v="1" actId="14100"/>
+          <ac:spMkLst>
+            <pc:docMk/>
+            <pc:sldMk cId="256383091" sldId="268"/>
+            <ac:spMk id="6" creationId="{33A82ADD-C6DC-4AF5-A8A1-F398971E7C70}"/>
+          </ac:spMkLst>
+        </pc:spChg>
+        <pc:spChg chg="mod">
+          <ac:chgData name="ZHANG Xiangyu" userId="0af619d5-14b7-43d3-95bc-94ad39c803d6" providerId="ADAL" clId="{1DC4A7AB-8307-463F-B68B-CDC3B517A939}" dt="2024-02-29T08:21:53.856" v="3" actId="14100"/>
+          <ac:spMkLst>
+            <pc:docMk/>
+            <pc:sldMk cId="256383091" sldId="268"/>
+            <ac:spMk id="7" creationId="{77D7C711-D69E-4C29-AF35-26784B08B915}"/>
+          </ac:spMkLst>
+        </pc:spChg>
+        <pc:spChg chg="mod">
+          <ac:chgData name="ZHANG Xiangyu" userId="0af619d5-14b7-43d3-95bc-94ad39c803d6" providerId="ADAL" clId="{1DC4A7AB-8307-463F-B68B-CDC3B517A939}" dt="2024-02-29T08:22:05.939" v="6" actId="14100"/>
+          <ac:spMkLst>
+            <pc:docMk/>
+            <pc:sldMk cId="256383091" sldId="268"/>
+            <ac:spMk id="8" creationId="{695A870D-92BA-43D7-85A2-BEA01BC7234C}"/>
+          </ac:spMkLst>
+        </pc:spChg>
+      </pc:sldChg>
+    </pc:docChg>
+  </pc:docChgLst>
+  <pc:docChgLst>
     <pc:chgData name="ZHANG Xiangyu" userId="0af619d5-14b7-43d3-95bc-94ad39c803d6" providerId="ADAL" clId="{EAD82443-C9D1-49D6-90E9-DE8316454DD6}"/>
     <pc:docChg chg="undo custSel addSld modSld">
       <pc:chgData name="ZHANG Xiangyu" userId="0af619d5-14b7-43d3-95bc-94ad39c803d6" providerId="ADAL" clId="{EAD82443-C9D1-49D6-90E9-DE8316454DD6}" dt="2024-02-28T12:42:00.959" v="75" actId="14100"/>
@@ -1619,7 +1659,7 @@
           <a:p>
             <a:fld id="{B6A0FF1A-FA3A-44F4-8102-A8B090DA15CE}" type="datetimeFigureOut">
               <a:rPr lang="zh-CN" altLang="en-US" smtClean="0"/>
-              <a:t>2024/2/28</a:t>
+              <a:t>2024/2/29</a:t>
             </a:fld>
             <a:endParaRPr lang="zh-CN" altLang="en-US"/>
           </a:p>
@@ -2201,7 +2241,7 @@
           <a:p>
             <a:fld id="{443201C6-C6B2-4F96-9DF6-297028943761}" type="datetimeFigureOut">
               <a:rPr lang="zh-CN" altLang="en-US" smtClean="0"/>
-              <a:t>2024/2/28</a:t>
+              <a:t>2024/2/29</a:t>
             </a:fld>
             <a:endParaRPr lang="zh-CN" altLang="en-US"/>
           </a:p>
@@ -2399,7 +2439,7 @@
           <a:p>
             <a:fld id="{443201C6-C6B2-4F96-9DF6-297028943761}" type="datetimeFigureOut">
               <a:rPr lang="zh-CN" altLang="en-US" smtClean="0"/>
-              <a:t>2024/2/28</a:t>
+              <a:t>2024/2/29</a:t>
             </a:fld>
             <a:endParaRPr lang="zh-CN" altLang="en-US"/>
           </a:p>
@@ -2607,7 +2647,7 @@
           <a:p>
             <a:fld id="{443201C6-C6B2-4F96-9DF6-297028943761}" type="datetimeFigureOut">
               <a:rPr lang="zh-CN" altLang="en-US" smtClean="0"/>
-              <a:t>2024/2/28</a:t>
+              <a:t>2024/2/29</a:t>
             </a:fld>
             <a:endParaRPr lang="zh-CN" altLang="en-US"/>
           </a:p>
@@ -2805,7 +2845,7 @@
           <a:p>
             <a:fld id="{443201C6-C6B2-4F96-9DF6-297028943761}" type="datetimeFigureOut">
               <a:rPr lang="zh-CN" altLang="en-US" smtClean="0"/>
-              <a:t>2024/2/28</a:t>
+              <a:t>2024/2/29</a:t>
             </a:fld>
             <a:endParaRPr lang="zh-CN" altLang="en-US"/>
           </a:p>
@@ -3080,7 +3120,7 @@
           <a:p>
             <a:fld id="{443201C6-C6B2-4F96-9DF6-297028943761}" type="datetimeFigureOut">
               <a:rPr lang="zh-CN" altLang="en-US" smtClean="0"/>
-              <a:t>2024/2/28</a:t>
+              <a:t>2024/2/29</a:t>
             </a:fld>
             <a:endParaRPr lang="zh-CN" altLang="en-US"/>
           </a:p>
@@ -3345,7 +3385,7 @@
           <a:p>
             <a:fld id="{443201C6-C6B2-4F96-9DF6-297028943761}" type="datetimeFigureOut">
               <a:rPr lang="zh-CN" altLang="en-US" smtClean="0"/>
-              <a:t>2024/2/28</a:t>
+              <a:t>2024/2/29</a:t>
             </a:fld>
             <a:endParaRPr lang="zh-CN" altLang="en-US"/>
           </a:p>
@@ -3757,7 +3797,7 @@
           <a:p>
             <a:fld id="{443201C6-C6B2-4F96-9DF6-297028943761}" type="datetimeFigureOut">
               <a:rPr lang="zh-CN" altLang="en-US" smtClean="0"/>
-              <a:t>2024/2/28</a:t>
+              <a:t>2024/2/29</a:t>
             </a:fld>
             <a:endParaRPr lang="zh-CN" altLang="en-US"/>
           </a:p>
@@ -3898,7 +3938,7 @@
           <a:p>
             <a:fld id="{443201C6-C6B2-4F96-9DF6-297028943761}" type="datetimeFigureOut">
               <a:rPr lang="zh-CN" altLang="en-US" smtClean="0"/>
-              <a:t>2024/2/28</a:t>
+              <a:t>2024/2/29</a:t>
             </a:fld>
             <a:endParaRPr lang="zh-CN" altLang="en-US"/>
           </a:p>
@@ -4011,7 +4051,7 @@
           <a:p>
             <a:fld id="{443201C6-C6B2-4F96-9DF6-297028943761}" type="datetimeFigureOut">
               <a:rPr lang="zh-CN" altLang="en-US" smtClean="0"/>
-              <a:t>2024/2/28</a:t>
+              <a:t>2024/2/29</a:t>
             </a:fld>
             <a:endParaRPr lang="zh-CN" altLang="en-US"/>
           </a:p>
@@ -4322,7 +4362,7 @@
           <a:p>
             <a:fld id="{443201C6-C6B2-4F96-9DF6-297028943761}" type="datetimeFigureOut">
               <a:rPr lang="zh-CN" altLang="en-US" smtClean="0"/>
-              <a:t>2024/2/28</a:t>
+              <a:t>2024/2/29</a:t>
             </a:fld>
             <a:endParaRPr lang="zh-CN" altLang="en-US"/>
           </a:p>
@@ -4610,7 +4650,7 @@
           <a:p>
             <a:fld id="{443201C6-C6B2-4F96-9DF6-297028943761}" type="datetimeFigureOut">
               <a:rPr lang="zh-CN" altLang="en-US" smtClean="0"/>
-              <a:t>2024/2/28</a:t>
+              <a:t>2024/2/29</a:t>
             </a:fld>
             <a:endParaRPr lang="zh-CN" altLang="en-US"/>
           </a:p>
@@ -4851,7 +4891,7 @@
           <a:p>
             <a:fld id="{443201C6-C6B2-4F96-9DF6-297028943761}" type="datetimeFigureOut">
               <a:rPr lang="zh-CN" altLang="en-US" smtClean="0"/>
-              <a:t>2024/2/28</a:t>
+              <a:t>2024/2/29</a:t>
             </a:fld>
             <a:endParaRPr lang="zh-CN" altLang="en-US"/>
           </a:p>
@@ -12434,7 +12474,7 @@
         <p:spPr>
           <a:xfrm>
             <a:off x="779462" y="2108200"/>
-            <a:ext cx="3297238" cy="952500"/>
+            <a:ext cx="3297238" cy="688009"/>
           </a:xfrm>
           <a:prstGeom prst="roundRect">
             <a:avLst/>
@@ -12483,7 +12523,7 @@
           <a:p>
             <a:pPr algn="ctr"/>
             <a:r>
-              <a:rPr lang="en-US" altLang="zh-CN" sz="2400" dirty="0">
+              <a:rPr lang="en-US" altLang="zh-CN" sz="2000" dirty="0">
                 <a:latin typeface="Arial" panose="020B0604020202020204" pitchFamily="34" charset="0"/>
                 <a:cs typeface="Arial" panose="020B0604020202020204" pitchFamily="34" charset="0"/>
               </a:rPr>
@@ -12493,7 +12533,7 @@
           <a:p>
             <a:pPr algn="ctr"/>
             <a:r>
-              <a:rPr lang="en-US" altLang="zh-CN" sz="2000" dirty="0">
+              <a:rPr lang="en-US" altLang="zh-CN" dirty="0">
                 <a:latin typeface="Arial" panose="020B0604020202020204" pitchFamily="34" charset="0"/>
                 <a:cs typeface="Arial" panose="020B0604020202020204" pitchFamily="34" charset="0"/>
               </a:rPr>
@@ -12517,7 +12557,7 @@
         <p:spPr>
           <a:xfrm>
             <a:off x="4624939" y="2108200"/>
-            <a:ext cx="3297238" cy="952500"/>
+            <a:ext cx="3297238" cy="688009"/>
           </a:xfrm>
           <a:prstGeom prst="roundRect">
             <a:avLst/>
@@ -12566,7 +12606,7 @@
           <a:p>
             <a:pPr algn="ctr"/>
             <a:r>
-              <a:rPr lang="en-US" altLang="zh-CN" sz="2400" dirty="0">
+              <a:rPr lang="en-US" altLang="zh-CN" sz="2000" dirty="0">
                 <a:latin typeface="Arial" panose="020B0604020202020204" pitchFamily="34" charset="0"/>
                 <a:cs typeface="Arial" panose="020B0604020202020204" pitchFamily="34" charset="0"/>
               </a:rPr>
@@ -12576,7 +12616,7 @@
           <a:p>
             <a:pPr algn="ctr"/>
             <a:r>
-              <a:rPr lang="en-US" altLang="zh-CN" sz="2000" dirty="0">
+              <a:rPr lang="en-US" altLang="zh-CN" dirty="0">
                 <a:latin typeface="Arial" panose="020B0604020202020204" pitchFamily="34" charset="0"/>
                 <a:cs typeface="Arial" panose="020B0604020202020204" pitchFamily="34" charset="0"/>
               </a:rPr>
@@ -12600,7 +12640,7 @@
         <p:spPr>
           <a:xfrm>
             <a:off x="8470416" y="2108200"/>
-            <a:ext cx="3297238" cy="939800"/>
+            <a:ext cx="3297238" cy="688010"/>
           </a:xfrm>
           <a:prstGeom prst="roundRect">
             <a:avLst/>
@@ -12649,7 +12689,7 @@
           <a:p>
             <a:pPr algn="ctr"/>
             <a:r>
-              <a:rPr lang="en-US" altLang="zh-CN" sz="2400" dirty="0">
+              <a:rPr lang="en-US" altLang="zh-CN" sz="2000" dirty="0">
                 <a:latin typeface="Arial" panose="020B0604020202020204" pitchFamily="34" charset="0"/>
                 <a:cs typeface="Arial" panose="020B0604020202020204" pitchFamily="34" charset="0"/>
               </a:rPr>

--- a/assets/figures.pptx
+++ b/assets/figures.pptx
@@ -127,6 +127,14 @@
 </p:presentation>
 </file>
 
+<file path=ppt/revisionInfo.xml><?xml version="1.0" encoding="utf-8"?>
+<p1510:revInfo xmlns:a="http://schemas.openxmlformats.org/drawingml/2006/main" xmlns:r="http://schemas.openxmlformats.org/officeDocument/2006/relationships" xmlns:p1510="http://schemas.microsoft.com/office/powerpoint/2015/10/main">
+  <p1510:revLst>
+    <p1510:client id="{1DC4A7AB-8307-463F-B68B-CDC3B517A939}" v="2" dt="2024-02-29T08:31:52.900"/>
+  </p1510:revLst>
+</p1510:revInfo>
+</file>
+
 <file path=ppt/changesInfos/changesInfo1.xml><?xml version="1.0" encoding="utf-8"?>
 <pc:chgInfo xmlns:a="http://schemas.openxmlformats.org/drawingml/2006/main" xmlns:r="http://schemas.openxmlformats.org/officeDocument/2006/relationships" xmlns:ac="http://schemas.microsoft.com/office/drawing/2013/main/command" xmlns:pc="http://schemas.microsoft.com/office/powerpoint/2013/main/command">
   <pc:docChgLst>
@@ -164,10 +172,33 @@
   <pc:docChgLst>
     <pc:chgData name="ZHANG Xiangyu" userId="0af619d5-14b7-43d3-95bc-94ad39c803d6" providerId="ADAL" clId="{1DC4A7AB-8307-463F-B68B-CDC3B517A939}"/>
     <pc:docChg chg="modSld">
-      <pc:chgData name="ZHANG Xiangyu" userId="0af619d5-14b7-43d3-95bc-94ad39c803d6" providerId="ADAL" clId="{1DC4A7AB-8307-463F-B68B-CDC3B517A939}" dt="2024-02-29T08:22:05.939" v="6" actId="14100"/>
+      <pc:chgData name="ZHANG Xiangyu" userId="0af619d5-14b7-43d3-95bc-94ad39c803d6" providerId="ADAL" clId="{1DC4A7AB-8307-463F-B68B-CDC3B517A939}" dt="2024-02-29T08:31:52.896" v="16" actId="5736"/>
       <pc:docMkLst>
         <pc:docMk/>
       </pc:docMkLst>
+      <pc:sldChg chg="modSp mod">
+        <pc:chgData name="ZHANG Xiangyu" userId="0af619d5-14b7-43d3-95bc-94ad39c803d6" providerId="ADAL" clId="{1DC4A7AB-8307-463F-B68B-CDC3B517A939}" dt="2024-02-29T08:31:52.896" v="16" actId="5736"/>
+        <pc:sldMkLst>
+          <pc:docMk/>
+          <pc:sldMk cId="1994468853" sldId="263"/>
+        </pc:sldMkLst>
+        <pc:graphicFrameChg chg="mod modGraphic">
+          <ac:chgData name="ZHANG Xiangyu" userId="0af619d5-14b7-43d3-95bc-94ad39c803d6" providerId="ADAL" clId="{1DC4A7AB-8307-463F-B68B-CDC3B517A939}" dt="2024-02-29T08:31:45.395" v="15" actId="5736"/>
+          <ac:graphicFrameMkLst>
+            <pc:docMk/>
+            <pc:sldMk cId="1994468853" sldId="263"/>
+            <ac:graphicFrameMk id="4" creationId="{16594B61-899E-8A5D-3F30-E5ECAA00AC8D}"/>
+          </ac:graphicFrameMkLst>
+        </pc:graphicFrameChg>
+        <pc:graphicFrameChg chg="mod modGraphic">
+          <ac:chgData name="ZHANG Xiangyu" userId="0af619d5-14b7-43d3-95bc-94ad39c803d6" providerId="ADAL" clId="{1DC4A7AB-8307-463F-B68B-CDC3B517A939}" dt="2024-02-29T08:31:52.896" v="16" actId="5736"/>
+          <ac:graphicFrameMkLst>
+            <pc:docMk/>
+            <pc:sldMk cId="1994468853" sldId="263"/>
+            <ac:graphicFrameMk id="8" creationId="{40DCA412-8710-4D65-187C-6EDD2D0BC6C7}"/>
+          </ac:graphicFrameMkLst>
+        </pc:graphicFrameChg>
+      </pc:sldChg>
       <pc:sldChg chg="modSp mod">
         <pc:chgData name="ZHANG Xiangyu" userId="0af619d5-14b7-43d3-95bc-94ad39c803d6" providerId="ADAL" clId="{1DC4A7AB-8307-463F-B68B-CDC3B517A939}" dt="2024-02-29T08:22:05.939" v="6" actId="14100"/>
         <pc:sldMkLst>
@@ -9656,7 +9687,7 @@
           <p:nvPr>
             <p:extLst>
               <p:ext uri="{D42A27DB-BD31-4B8C-83A1-F6EECF244321}">
-                <p14:modId xmlns:p14="http://schemas.microsoft.com/office/powerpoint/2010/main" val="656163145"/>
+                <p14:modId xmlns:p14="http://schemas.microsoft.com/office/powerpoint/2010/main" val="1405810654"/>
               </p:ext>
             </p:extLst>
           </p:nvPr>
@@ -10545,7 +10576,7 @@
                           <a:ea typeface="+mn-ea"/>
                           <a:cs typeface="Arial" panose="020B0604020202020204" pitchFamily="34" charset="0"/>
                         </a:rPr>
-                        <a:t>to 15 May 2024)</a:t>
+                        <a:t>to 30 May 2024)</a:t>
                       </a:r>
                       <a:endParaRPr lang="en-US" altLang="zh-CN" sz="1600" b="0" dirty="0">
                         <a:solidFill>
@@ -11020,7 +11051,7 @@
           <p:nvPr>
             <p:extLst>
               <p:ext uri="{D42A27DB-BD31-4B8C-83A1-F6EECF244321}">
-                <p14:modId xmlns:p14="http://schemas.microsoft.com/office/powerpoint/2010/main" val="3137590598"/>
+                <p14:modId xmlns:p14="http://schemas.microsoft.com/office/powerpoint/2010/main" val="1422771126"/>
               </p:ext>
             </p:extLst>
           </p:nvPr>
@@ -11925,7 +11956,7 @@
                           <a:ea typeface="+mn-ea"/>
                           <a:cs typeface="Arial" panose="020B0604020202020204" pitchFamily="34" charset="0"/>
                         </a:rPr>
-                        <a:t>to 15 May 2024)</a:t>
+                        <a:t>to 30 May 2024)</a:t>
                       </a:r>
                       <a:endParaRPr lang="en-US" altLang="zh-CN" sz="2400" b="0" dirty="0">
                         <a:solidFill>

--- a/assets/figures.pptx
+++ b/assets/figures.pptx
@@ -130,7 +130,7 @@
 <file path=ppt/revisionInfo.xml><?xml version="1.0" encoding="utf-8"?>
 <p1510:revInfo xmlns:a="http://schemas.openxmlformats.org/drawingml/2006/main" xmlns:r="http://schemas.openxmlformats.org/officeDocument/2006/relationships" xmlns:p1510="http://schemas.microsoft.com/office/powerpoint/2015/10/main">
   <p1510:revLst>
-    <p1510:client id="{1DC4A7AB-8307-463F-B68B-CDC3B517A939}" v="2" dt="2024-02-29T08:31:52.900"/>
+    <p1510:client id="{1DC4A7AB-8307-463F-B68B-CDC3B517A939}" v="3" dt="2024-02-29T10:02:05.656"/>
   </p1510:revLst>
 </p1510:revInfo>
 </file>
@@ -172,7 +172,7 @@
   <pc:docChgLst>
     <pc:chgData name="ZHANG Xiangyu" userId="0af619d5-14b7-43d3-95bc-94ad39c803d6" providerId="ADAL" clId="{1DC4A7AB-8307-463F-B68B-CDC3B517A939}"/>
     <pc:docChg chg="modSld">
-      <pc:chgData name="ZHANG Xiangyu" userId="0af619d5-14b7-43d3-95bc-94ad39c803d6" providerId="ADAL" clId="{1DC4A7AB-8307-463F-B68B-CDC3B517A939}" dt="2024-02-29T08:31:52.896" v="16" actId="5736"/>
+      <pc:chgData name="ZHANG Xiangyu" userId="0af619d5-14b7-43d3-95bc-94ad39c803d6" providerId="ADAL" clId="{1DC4A7AB-8307-463F-B68B-CDC3B517A939}" dt="2024-02-29T10:10:27.640" v="28" actId="14100"/>
       <pc:docMkLst>
         <pc:docMk/>
       </pc:docMkLst>
@@ -198,6 +198,53 @@
             <ac:graphicFrameMk id="8" creationId="{40DCA412-8710-4D65-187C-6EDD2D0BC6C7}"/>
           </ac:graphicFrameMkLst>
         </pc:graphicFrameChg>
+      </pc:sldChg>
+      <pc:sldChg chg="addSp modSp mod">
+        <pc:chgData name="ZHANG Xiangyu" userId="0af619d5-14b7-43d3-95bc-94ad39c803d6" providerId="ADAL" clId="{1DC4A7AB-8307-463F-B68B-CDC3B517A939}" dt="2024-02-29T10:10:27.640" v="28" actId="14100"/>
+        <pc:sldMkLst>
+          <pc:docMk/>
+          <pc:sldMk cId="1971036303" sldId="267"/>
+        </pc:sldMkLst>
+        <pc:spChg chg="add mod">
+          <ac:chgData name="ZHANG Xiangyu" userId="0af619d5-14b7-43d3-95bc-94ad39c803d6" providerId="ADAL" clId="{1DC4A7AB-8307-463F-B68B-CDC3B517A939}" dt="2024-02-29T10:10:27.640" v="28" actId="14100"/>
+          <ac:spMkLst>
+            <pc:docMk/>
+            <pc:sldMk cId="1971036303" sldId="267"/>
+            <ac:spMk id="3" creationId="{CA29A7B9-1B93-73F6-0155-800A4713B79F}"/>
+          </ac:spMkLst>
+        </pc:spChg>
+        <pc:spChg chg="mod">
+          <ac:chgData name="ZHANG Xiangyu" userId="0af619d5-14b7-43d3-95bc-94ad39c803d6" providerId="ADAL" clId="{1DC4A7AB-8307-463F-B68B-CDC3B517A939}" dt="2024-02-29T10:02:05.654" v="17" actId="571"/>
+          <ac:spMkLst>
+            <pc:docMk/>
+            <pc:sldMk cId="1971036303" sldId="267"/>
+            <ac:spMk id="4" creationId="{ECFD36A7-581B-ABDE-5E15-38457E740D64}"/>
+          </ac:spMkLst>
+        </pc:spChg>
+        <pc:spChg chg="mod">
+          <ac:chgData name="ZHANG Xiangyu" userId="0af619d5-14b7-43d3-95bc-94ad39c803d6" providerId="ADAL" clId="{1DC4A7AB-8307-463F-B68B-CDC3B517A939}" dt="2024-02-29T10:02:05.654" v="17" actId="571"/>
+          <ac:spMkLst>
+            <pc:docMk/>
+            <pc:sldMk cId="1971036303" sldId="267"/>
+            <ac:spMk id="10" creationId="{C13D0B15-10E8-E7A7-D1A9-B74628D675CB}"/>
+          </ac:spMkLst>
+        </pc:spChg>
+        <pc:grpChg chg="mod">
+          <ac:chgData name="ZHANG Xiangyu" userId="0af619d5-14b7-43d3-95bc-94ad39c803d6" providerId="ADAL" clId="{1DC4A7AB-8307-463F-B68B-CDC3B517A939}" dt="2024-02-29T10:02:05.654" v="17" actId="571"/>
+          <ac:grpSpMkLst>
+            <pc:docMk/>
+            <pc:sldMk cId="1971036303" sldId="267"/>
+            <ac:grpSpMk id="2" creationId="{4F32F864-D404-B30E-05C9-A05EB90B0880}"/>
+          </ac:grpSpMkLst>
+        </pc:grpChg>
+        <pc:picChg chg="mod">
+          <ac:chgData name="ZHANG Xiangyu" userId="0af619d5-14b7-43d3-95bc-94ad39c803d6" providerId="ADAL" clId="{1DC4A7AB-8307-463F-B68B-CDC3B517A939}" dt="2024-02-29T10:02:05.654" v="17" actId="571"/>
+          <ac:picMkLst>
+            <pc:docMk/>
+            <pc:sldMk cId="1971036303" sldId="267"/>
+            <ac:picMk id="6" creationId="{2085F9E3-E7DE-5D79-BB8F-544F8107703E}"/>
+          </ac:picMkLst>
+        </pc:picChg>
       </pc:sldChg>
       <pc:sldChg chg="modSp mod">
         <pc:chgData name="ZHANG Xiangyu" userId="0af619d5-14b7-43d3-95bc-94ad39c803d6" providerId="ADAL" clId="{1DC4A7AB-8307-463F-B68B-CDC3B517A939}" dt="2024-02-29T08:22:05.939" v="6" actId="14100"/>
@@ -7117,9 +7164,9 @@
         <p:grpSpPr>
           <a:xfrm>
             <a:off x="139985" y="364065"/>
-            <a:ext cx="6509471" cy="4572002"/>
+            <a:ext cx="9785064" cy="4572002"/>
             <a:chOff x="139985" y="364065"/>
-            <a:chExt cx="4973873" cy="3493457"/>
+            <a:chExt cx="7476747" cy="3493457"/>
           </a:xfrm>
         </p:grpSpPr>
         <p:pic>
@@ -7346,6 +7393,58 @@
                 <a:t>(CMMM2024)</a:t>
               </a:r>
               <a:endParaRPr lang="zh-CN" altLang="en-US" sz="4800" dirty="0">
+                <a:latin typeface="Arial Black" panose="020B0A04020102020204" pitchFamily="34" charset="0"/>
+              </a:endParaRPr>
+            </a:p>
+          </p:txBody>
+        </p:sp>
+        <p:sp>
+          <p:nvSpPr>
+            <p:cNvPr id="3" name="文本框 2">
+              <a:extLst>
+                <a:ext uri="{FF2B5EF4-FFF2-40B4-BE49-F238E27FC236}">
+                  <a16:creationId xmlns:a16="http://schemas.microsoft.com/office/drawing/2014/main" id="{CA29A7B9-1B93-73F6-0155-800A4713B79F}"/>
+                </a:ext>
+              </a:extLst>
+            </p:cNvPr>
+            <p:cNvSpPr txBox="1"/>
+            <p:nvPr/>
+          </p:nvSpPr>
+          <p:spPr>
+            <a:xfrm>
+              <a:off x="5399359" y="1867956"/>
+              <a:ext cx="2217373" cy="1340477"/>
+            </a:xfrm>
+            <a:prstGeom prst="rect">
+              <a:avLst/>
+            </a:prstGeom>
+            <a:noFill/>
+          </p:spPr>
+          <p:txBody>
+            <a:bodyPr wrap="square">
+              <a:spAutoFit/>
+            </a:bodyPr>
+            <a:lstStyle/>
+            <a:p>
+              <a:pPr algn="ctr"/>
+              <a:r>
+                <a:rPr lang="en-US" altLang="zh-CN" sz="5400" b="0" i="0" dirty="0">
+                  <a:effectLst/>
+                  <a:latin typeface="Arial Black" panose="020B0A04020102020204" pitchFamily="34" charset="0"/>
+                </a:rPr>
+                <a:t>CMMM</a:t>
+              </a:r>
+            </a:p>
+            <a:p>
+              <a:pPr algn="ctr"/>
+              <a:r>
+                <a:rPr lang="en-US" altLang="zh-CN" sz="5400" b="0" i="0" dirty="0">
+                  <a:effectLst/>
+                  <a:latin typeface="Arial Black" panose="020B0A04020102020204" pitchFamily="34" charset="0"/>
+                </a:rPr>
+                <a:t>2024</a:t>
+              </a:r>
+              <a:endParaRPr lang="zh-CN" altLang="en-US" sz="5400" dirty="0">
                 <a:latin typeface="Arial Black" panose="020B0A04020102020204" pitchFamily="34" charset="0"/>
               </a:endParaRPr>
             </a:p>

--- a/assets/figures.pptx
+++ b/assets/figures.pptx
@@ -5,7 +5,7 @@
     <p:sldMasterId id="2147483648" r:id="rId1"/>
   </p:sldMasterIdLst>
   <p:notesMasterIdLst>
-    <p:notesMasterId r:id="rId15"/>
+    <p:notesMasterId r:id="rId16"/>
   </p:notesMasterIdLst>
   <p:sldIdLst>
     <p:sldId id="260" r:id="rId2"/>
@@ -21,6 +21,7 @@
     <p:sldId id="261" r:id="rId12"/>
     <p:sldId id="262" r:id="rId13"/>
     <p:sldId id="266" r:id="rId14"/>
+    <p:sldId id="269" r:id="rId15"/>
   </p:sldIdLst>
   <p:sldSz cx="12192000" cy="6858000"/>
   <p:notesSz cx="6858000" cy="9144000"/>
@@ -130,7 +131,7 @@
 <file path=ppt/revisionInfo.xml><?xml version="1.0" encoding="utf-8"?>
 <p1510:revInfo xmlns:a="http://schemas.openxmlformats.org/drawingml/2006/main" xmlns:r="http://schemas.openxmlformats.org/officeDocument/2006/relationships" xmlns:p1510="http://schemas.microsoft.com/office/powerpoint/2015/10/main">
   <p1510:revLst>
-    <p1510:client id="{1DC4A7AB-8307-463F-B68B-CDC3B517A939}" v="3" dt="2024-02-29T10:02:05.656"/>
+    <p1510:client id="{1DC4A7AB-8307-463F-B68B-CDC3B517A939}" v="19" dt="2024-02-29T11:07:02.867"/>
   </p1510:revLst>
 </p1510:revInfo>
 </file>
@@ -171,8 +172,8 @@
   </pc:docChgLst>
   <pc:docChgLst>
     <pc:chgData name="ZHANG Xiangyu" userId="0af619d5-14b7-43d3-95bc-94ad39c803d6" providerId="ADAL" clId="{1DC4A7AB-8307-463F-B68B-CDC3B517A939}"/>
-    <pc:docChg chg="modSld">
-      <pc:chgData name="ZHANG Xiangyu" userId="0af619d5-14b7-43d3-95bc-94ad39c803d6" providerId="ADAL" clId="{1DC4A7AB-8307-463F-B68B-CDC3B517A939}" dt="2024-02-29T10:10:27.640" v="28" actId="14100"/>
+    <pc:docChg chg="custSel addSld modSld">
+      <pc:chgData name="ZHANG Xiangyu" userId="0af619d5-14b7-43d3-95bc-94ad39c803d6" providerId="ADAL" clId="{1DC4A7AB-8307-463F-B68B-CDC3B517A939}" dt="2024-02-29T11:07:02.864" v="45" actId="1076"/>
       <pc:docMkLst>
         <pc:docMk/>
       </pc:docMkLst>
@@ -276,6 +277,53 @@
             <ac:spMk id="8" creationId="{695A870D-92BA-43D7-85A2-BEA01BC7234C}"/>
           </ac:spMkLst>
         </pc:spChg>
+      </pc:sldChg>
+      <pc:sldChg chg="addSp delSp modSp new mod">
+        <pc:chgData name="ZHANG Xiangyu" userId="0af619d5-14b7-43d3-95bc-94ad39c803d6" providerId="ADAL" clId="{1DC4A7AB-8307-463F-B68B-CDC3B517A939}" dt="2024-02-29T11:07:02.864" v="45" actId="1076"/>
+        <pc:sldMkLst>
+          <pc:docMk/>
+          <pc:sldMk cId="1786891255" sldId="269"/>
+        </pc:sldMkLst>
+        <pc:spChg chg="del">
+          <ac:chgData name="ZHANG Xiangyu" userId="0af619d5-14b7-43d3-95bc-94ad39c803d6" providerId="ADAL" clId="{1DC4A7AB-8307-463F-B68B-CDC3B517A939}" dt="2024-02-29T11:05:33.613" v="30" actId="478"/>
+          <ac:spMkLst>
+            <pc:docMk/>
+            <pc:sldMk cId="1786891255" sldId="269"/>
+            <ac:spMk id="2" creationId="{07D3DEA6-E947-B2E6-A9ED-38A37E0516A4}"/>
+          </ac:spMkLst>
+        </pc:spChg>
+        <pc:spChg chg="del">
+          <ac:chgData name="ZHANG Xiangyu" userId="0af619d5-14b7-43d3-95bc-94ad39c803d6" providerId="ADAL" clId="{1DC4A7AB-8307-463F-B68B-CDC3B517A939}" dt="2024-02-29T11:05:33.613" v="30" actId="478"/>
+          <ac:spMkLst>
+            <pc:docMk/>
+            <pc:sldMk cId="1786891255" sldId="269"/>
+            <ac:spMk id="3" creationId="{4A43F445-0983-0D7A-5C9B-7E7A82D7FD88}"/>
+          </ac:spMkLst>
+        </pc:spChg>
+        <pc:grpChg chg="add mod">
+          <ac:chgData name="ZHANG Xiangyu" userId="0af619d5-14b7-43d3-95bc-94ad39c803d6" providerId="ADAL" clId="{1DC4A7AB-8307-463F-B68B-CDC3B517A939}" dt="2024-02-29T11:07:02.864" v="45" actId="1076"/>
+          <ac:grpSpMkLst>
+            <pc:docMk/>
+            <pc:sldMk cId="1786891255" sldId="269"/>
+            <ac:grpSpMk id="4" creationId="{997831B2-F83B-686D-007E-A1AB9F93621F}"/>
+          </ac:grpSpMkLst>
+        </pc:grpChg>
+        <pc:picChg chg="add mod">
+          <ac:chgData name="ZHANG Xiangyu" userId="0af619d5-14b7-43d3-95bc-94ad39c803d6" providerId="ADAL" clId="{1DC4A7AB-8307-463F-B68B-CDC3B517A939}" dt="2024-02-29T11:07:02.864" v="45" actId="1076"/>
+          <ac:picMkLst>
+            <pc:docMk/>
+            <pc:sldMk cId="1786891255" sldId="269"/>
+            <ac:picMk id="1026" creationId="{E353D949-E708-72C4-55C6-40D40E9F644C}"/>
+          </ac:picMkLst>
+        </pc:picChg>
+        <pc:picChg chg="add mod">
+          <ac:chgData name="ZHANG Xiangyu" userId="0af619d5-14b7-43d3-95bc-94ad39c803d6" providerId="ADAL" clId="{1DC4A7AB-8307-463F-B68B-CDC3B517A939}" dt="2024-02-29T11:07:02.864" v="45" actId="1076"/>
+          <ac:picMkLst>
+            <pc:docMk/>
+            <pc:sldMk cId="1786891255" sldId="269"/>
+            <ac:picMk id="1028" creationId="{16560F57-C323-C19D-381A-B2331F852671}"/>
+          </ac:picMkLst>
+        </pc:picChg>
       </pc:sldChg>
     </pc:docChg>
   </pc:docChgLst>
@@ -7132,6 +7180,149 @@
 </p:sld>
 </file>
 
+<file path=ppt/slides/slide14.xml><?xml version="1.0" encoding="utf-8"?>
+<p:sld xmlns:a="http://schemas.openxmlformats.org/drawingml/2006/main" xmlns:r="http://schemas.openxmlformats.org/officeDocument/2006/relationships" xmlns:p="http://schemas.openxmlformats.org/presentationml/2006/main">
+  <p:cSld>
+    <p:spTree>
+      <p:nvGrpSpPr>
+        <p:cNvPr id="1" name=""/>
+        <p:cNvGrpSpPr/>
+        <p:nvPr/>
+      </p:nvGrpSpPr>
+      <p:grpSpPr>
+        <a:xfrm>
+          <a:off x="0" y="0"/>
+          <a:ext cx="0" cy="0"/>
+          <a:chOff x="0" y="0"/>
+          <a:chExt cx="0" cy="0"/>
+        </a:xfrm>
+      </p:grpSpPr>
+      <p:grpSp>
+        <p:nvGrpSpPr>
+          <p:cNvPr id="4" name="组合 3">
+            <a:extLst>
+              <a:ext uri="{FF2B5EF4-FFF2-40B4-BE49-F238E27FC236}">
+                <a16:creationId xmlns:a16="http://schemas.microsoft.com/office/drawing/2014/main" id="{997831B2-F83B-686D-007E-A1AB9F93621F}"/>
+              </a:ext>
+            </a:extLst>
+          </p:cNvPr>
+          <p:cNvGrpSpPr/>
+          <p:nvPr/>
+        </p:nvGrpSpPr>
+        <p:grpSpPr>
+          <a:xfrm>
+            <a:off x="904427" y="1180803"/>
+            <a:ext cx="11287573" cy="3723582"/>
+            <a:chOff x="904427" y="1338679"/>
+            <a:chExt cx="11287573" cy="3723582"/>
+          </a:xfrm>
+        </p:grpSpPr>
+        <p:pic>
+          <p:nvPicPr>
+            <p:cNvPr id="1026" name="Picture 2" descr="DoubleTree By Hilton Kuala Lumpur, Kuala Lumpur – Updated 2024 Prices">
+              <a:extLst>
+                <a:ext uri="{FF2B5EF4-FFF2-40B4-BE49-F238E27FC236}">
+                  <a16:creationId xmlns:a16="http://schemas.microsoft.com/office/drawing/2014/main" id="{E353D949-E708-72C4-55C6-40D40E9F644C}"/>
+                </a:ext>
+              </a:extLst>
+            </p:cNvPr>
+            <p:cNvPicPr>
+              <a:picLocks noChangeAspect="1" noChangeArrowheads="1"/>
+            </p:cNvPicPr>
+            <p:nvPr/>
+          </p:nvPicPr>
+          <p:blipFill>
+            <a:blip r:embed="rId2">
+              <a:extLst>
+                <a:ext uri="{28A0092B-C50C-407E-A947-70E740481C1C}">
+                  <a14:useLocalDpi xmlns:a14="http://schemas.microsoft.com/office/drawing/2010/main" val="0"/>
+                </a:ext>
+              </a:extLst>
+            </a:blip>
+            <a:srcRect/>
+            <a:stretch>
+              <a:fillRect/>
+            </a:stretch>
+          </p:blipFill>
+          <p:spPr bwMode="auto">
+            <a:xfrm>
+              <a:off x="6592957" y="1338679"/>
+              <a:ext cx="5599043" cy="3723582"/>
+            </a:xfrm>
+            <a:prstGeom prst="rect">
+              <a:avLst/>
+            </a:prstGeom>
+            <a:noFill/>
+            <a:extLst>
+              <a:ext uri="{909E8E84-426E-40DD-AFC4-6F175D3DCCD1}">
+                <a14:hiddenFill xmlns:a14="http://schemas.microsoft.com/office/drawing/2010/main">
+                  <a:solidFill>
+                    <a:srgbClr val="FFFFFF"/>
+                  </a:solidFill>
+                </a14:hiddenFill>
+              </a:ext>
+            </a:extLst>
+          </p:spPr>
+        </p:pic>
+        <p:pic>
+          <p:nvPicPr>
+            <p:cNvPr id="1028" name="Picture 4" descr="Hotel Exterior Night">
+              <a:extLst>
+                <a:ext uri="{FF2B5EF4-FFF2-40B4-BE49-F238E27FC236}">
+                  <a16:creationId xmlns:a16="http://schemas.microsoft.com/office/drawing/2014/main" id="{16560F57-C323-C19D-381A-B2331F852671}"/>
+                </a:ext>
+              </a:extLst>
+            </p:cNvPr>
+            <p:cNvPicPr>
+              <a:picLocks noChangeAspect="1" noChangeArrowheads="1"/>
+            </p:cNvPicPr>
+            <p:nvPr/>
+          </p:nvPicPr>
+          <p:blipFill rotWithShape="1">
+            <a:blip r:embed="rId3">
+              <a:extLst>
+                <a:ext uri="{28A0092B-C50C-407E-A947-70E740481C1C}">
+                  <a14:useLocalDpi xmlns:a14="http://schemas.microsoft.com/office/drawing/2010/main" val="0"/>
+                </a:ext>
+              </a:extLst>
+            </a:blip>
+            <a:srcRect l="15810"/>
+            <a:stretch/>
+          </p:blipFill>
+          <p:spPr bwMode="auto">
+            <a:xfrm>
+              <a:off x="904427" y="1338679"/>
+              <a:ext cx="5599043" cy="3723582"/>
+            </a:xfrm>
+            <a:prstGeom prst="rect">
+              <a:avLst/>
+            </a:prstGeom>
+            <a:noFill/>
+            <a:extLst>
+              <a:ext uri="{909E8E84-426E-40DD-AFC4-6F175D3DCCD1}">
+                <a14:hiddenFill xmlns:a14="http://schemas.microsoft.com/office/drawing/2010/main">
+                  <a:solidFill>
+                    <a:srgbClr val="FFFFFF"/>
+                  </a:solidFill>
+                </a14:hiddenFill>
+              </a:ext>
+            </a:extLst>
+          </p:spPr>
+        </p:pic>
+      </p:grpSp>
+    </p:spTree>
+    <p:extLst>
+      <p:ext uri="{BB962C8B-B14F-4D97-AF65-F5344CB8AC3E}">
+        <p14:creationId xmlns:p14="http://schemas.microsoft.com/office/powerpoint/2010/main" val="1786891255"/>
+      </p:ext>
+    </p:extLst>
+  </p:cSld>
+  <p:clrMapOvr>
+    <a:masterClrMapping/>
+  </p:clrMapOvr>
+</p:sld>
+</file>
+
 <file path=ppt/slides/slide2.xml><?xml version="1.0" encoding="utf-8"?>
 <p:sld xmlns:a="http://schemas.openxmlformats.org/drawingml/2006/main" xmlns:r="http://schemas.openxmlformats.org/officeDocument/2006/relationships" xmlns:p="http://schemas.openxmlformats.org/presentationml/2006/main">
   <p:cSld>

--- a/assets/figures.pptx
+++ b/assets/figures.pptx
@@ -5,7 +5,7 @@
     <p:sldMasterId id="2147483648" r:id="rId1"/>
   </p:sldMasterIdLst>
   <p:notesMasterIdLst>
-    <p:notesMasterId r:id="rId16"/>
+    <p:notesMasterId r:id="rId17"/>
   </p:notesMasterIdLst>
   <p:sldIdLst>
     <p:sldId id="260" r:id="rId2"/>
@@ -22,6 +22,7 @@
     <p:sldId id="262" r:id="rId13"/>
     <p:sldId id="266" r:id="rId14"/>
     <p:sldId id="269" r:id="rId15"/>
+    <p:sldId id="270" r:id="rId16"/>
   </p:sldIdLst>
   <p:sldSz cx="12192000" cy="6858000"/>
   <p:notesSz cx="6858000" cy="9144000"/>
@@ -131,7 +132,7 @@
 <file path=ppt/revisionInfo.xml><?xml version="1.0" encoding="utf-8"?>
 <p1510:revInfo xmlns:a="http://schemas.openxmlformats.org/drawingml/2006/main" xmlns:r="http://schemas.openxmlformats.org/officeDocument/2006/relationships" xmlns:p1510="http://schemas.microsoft.com/office/powerpoint/2015/10/main">
   <p1510:revLst>
-    <p1510:client id="{1DC4A7AB-8307-463F-B68B-CDC3B517A939}" v="19" dt="2024-02-29T11:07:02.867"/>
+    <p1510:client id="{1DC4A7AB-8307-463F-B68B-CDC3B517A939}" v="27" dt="2024-02-29T12:05:06.359"/>
   </p1510:revLst>
 </p1510:revInfo>
 </file>
@@ -172,8 +173,8 @@
   </pc:docChgLst>
   <pc:docChgLst>
     <pc:chgData name="ZHANG Xiangyu" userId="0af619d5-14b7-43d3-95bc-94ad39c803d6" providerId="ADAL" clId="{1DC4A7AB-8307-463F-B68B-CDC3B517A939}"/>
-    <pc:docChg chg="custSel addSld modSld">
-      <pc:chgData name="ZHANG Xiangyu" userId="0af619d5-14b7-43d3-95bc-94ad39c803d6" providerId="ADAL" clId="{1DC4A7AB-8307-463F-B68B-CDC3B517A939}" dt="2024-02-29T11:07:02.864" v="45" actId="1076"/>
+    <pc:docChg chg="undo custSel addSld modSld">
+      <pc:chgData name="ZHANG Xiangyu" userId="0af619d5-14b7-43d3-95bc-94ad39c803d6" providerId="ADAL" clId="{1DC4A7AB-8307-463F-B68B-CDC3B517A939}" dt="2024-02-29T12:05:23.700" v="109" actId="1076"/>
       <pc:docMkLst>
         <pc:docMk/>
       </pc:docMkLst>
@@ -322,6 +323,93 @@
             <pc:docMk/>
             <pc:sldMk cId="1786891255" sldId="269"/>
             <ac:picMk id="1028" creationId="{16560F57-C323-C19D-381A-B2331F852671}"/>
+          </ac:picMkLst>
+        </pc:picChg>
+      </pc:sldChg>
+      <pc:sldChg chg="addSp delSp modSp new mod">
+        <pc:chgData name="ZHANG Xiangyu" userId="0af619d5-14b7-43d3-95bc-94ad39c803d6" providerId="ADAL" clId="{1DC4A7AB-8307-463F-B68B-CDC3B517A939}" dt="2024-02-29T12:05:23.700" v="109" actId="1076"/>
+        <pc:sldMkLst>
+          <pc:docMk/>
+          <pc:sldMk cId="608414362" sldId="270"/>
+        </pc:sldMkLst>
+        <pc:spChg chg="del">
+          <ac:chgData name="ZHANG Xiangyu" userId="0af619d5-14b7-43d3-95bc-94ad39c803d6" providerId="ADAL" clId="{1DC4A7AB-8307-463F-B68B-CDC3B517A939}" dt="2024-02-29T12:00:52.410" v="47" actId="478"/>
+          <ac:spMkLst>
+            <pc:docMk/>
+            <pc:sldMk cId="608414362" sldId="270"/>
+            <ac:spMk id="2" creationId="{C7BEE26E-E4E3-A8F6-DF62-932F5740DFD6}"/>
+          </ac:spMkLst>
+        </pc:spChg>
+        <pc:spChg chg="del">
+          <ac:chgData name="ZHANG Xiangyu" userId="0af619d5-14b7-43d3-95bc-94ad39c803d6" providerId="ADAL" clId="{1DC4A7AB-8307-463F-B68B-CDC3B517A939}" dt="2024-02-29T12:00:52.410" v="47" actId="478"/>
+          <ac:spMkLst>
+            <pc:docMk/>
+            <pc:sldMk cId="608414362" sldId="270"/>
+            <ac:spMk id="3" creationId="{D29EAB4F-9608-122F-8F19-2F5547A759A2}"/>
+          </ac:spMkLst>
+        </pc:spChg>
+        <pc:spChg chg="add mod">
+          <ac:chgData name="ZHANG Xiangyu" userId="0af619d5-14b7-43d3-95bc-94ad39c803d6" providerId="ADAL" clId="{1DC4A7AB-8307-463F-B68B-CDC3B517A939}" dt="2024-02-29T12:04:53.123" v="103" actId="1076"/>
+          <ac:spMkLst>
+            <pc:docMk/>
+            <pc:sldMk cId="608414362" sldId="270"/>
+            <ac:spMk id="11" creationId="{DC70E18F-72F0-7014-9D1B-0DB1353C6279}"/>
+          </ac:spMkLst>
+        </pc:spChg>
+        <pc:picChg chg="add mod">
+          <ac:chgData name="ZHANG Xiangyu" userId="0af619d5-14b7-43d3-95bc-94ad39c803d6" providerId="ADAL" clId="{1DC4A7AB-8307-463F-B68B-CDC3B517A939}" dt="2024-02-29T12:00:55.371" v="49" actId="1076"/>
+          <ac:picMkLst>
+            <pc:docMk/>
+            <pc:sldMk cId="608414362" sldId="270"/>
+            <ac:picMk id="4" creationId="{C3054E86-587C-0838-76EB-1CE131A9BC0F}"/>
+          </ac:picMkLst>
+        </pc:picChg>
+        <pc:picChg chg="add mod">
+          <ac:chgData name="ZHANG Xiangyu" userId="0af619d5-14b7-43d3-95bc-94ad39c803d6" providerId="ADAL" clId="{1DC4A7AB-8307-463F-B68B-CDC3B517A939}" dt="2024-02-29T12:01:17.602" v="55" actId="1076"/>
+          <ac:picMkLst>
+            <pc:docMk/>
+            <pc:sldMk cId="608414362" sldId="270"/>
+            <ac:picMk id="5" creationId="{E9482567-A3A1-AE5E-D3C8-11E383592009}"/>
+          </ac:picMkLst>
+        </pc:picChg>
+        <pc:picChg chg="add mod">
+          <ac:chgData name="ZHANG Xiangyu" userId="0af619d5-14b7-43d3-95bc-94ad39c803d6" providerId="ADAL" clId="{1DC4A7AB-8307-463F-B68B-CDC3B517A939}" dt="2024-02-29T12:05:23.700" v="109" actId="1076"/>
+          <ac:picMkLst>
+            <pc:docMk/>
+            <pc:sldMk cId="608414362" sldId="270"/>
+            <ac:picMk id="6" creationId="{832854F0-E1E5-9AD4-7E5A-466A427E2205}"/>
+          </ac:picMkLst>
+        </pc:picChg>
+        <pc:picChg chg="add del mod ord">
+          <ac:chgData name="ZHANG Xiangyu" userId="0af619d5-14b7-43d3-95bc-94ad39c803d6" providerId="ADAL" clId="{1DC4A7AB-8307-463F-B68B-CDC3B517A939}" dt="2024-02-29T12:03:49.525" v="92" actId="478"/>
+          <ac:picMkLst>
+            <pc:docMk/>
+            <pc:sldMk cId="608414362" sldId="270"/>
+            <ac:picMk id="7" creationId="{0CA8C24A-C0A3-6548-8E67-DFF09E986148}"/>
+          </ac:picMkLst>
+        </pc:picChg>
+        <pc:picChg chg="add mod ord">
+          <ac:chgData name="ZHANG Xiangyu" userId="0af619d5-14b7-43d3-95bc-94ad39c803d6" providerId="ADAL" clId="{1DC4A7AB-8307-463F-B68B-CDC3B517A939}" dt="2024-02-29T12:03:38.245" v="91" actId="1076"/>
+          <ac:picMkLst>
+            <pc:docMk/>
+            <pc:sldMk cId="608414362" sldId="270"/>
+            <ac:picMk id="8" creationId="{2243D0ED-F81D-9DD9-03F1-71F5B40BC26B}"/>
+          </ac:picMkLst>
+        </pc:picChg>
+        <pc:picChg chg="add mod">
+          <ac:chgData name="ZHANG Xiangyu" userId="0af619d5-14b7-43d3-95bc-94ad39c803d6" providerId="ADAL" clId="{1DC4A7AB-8307-463F-B68B-CDC3B517A939}" dt="2024-02-29T12:01:44.732" v="61" actId="14100"/>
+          <ac:picMkLst>
+            <pc:docMk/>
+            <pc:sldMk cId="608414362" sldId="270"/>
+            <ac:picMk id="9" creationId="{E02A7443-6672-C7F0-C4E4-D7CB815C1D9C}"/>
+          </ac:picMkLst>
+        </pc:picChg>
+        <pc:picChg chg="add mod">
+          <ac:chgData name="ZHANG Xiangyu" userId="0af619d5-14b7-43d3-95bc-94ad39c803d6" providerId="ADAL" clId="{1DC4A7AB-8307-463F-B68B-CDC3B517A939}" dt="2024-02-29T12:05:21.356" v="107" actId="1076"/>
+          <ac:picMkLst>
+            <pc:docMk/>
+            <pc:sldMk cId="608414362" sldId="270"/>
+            <ac:picMk id="12" creationId="{6B4C334B-01ED-A4A7-A37E-F70C541B539E}"/>
           </ac:picMkLst>
         </pc:picChg>
       </pc:sldChg>
@@ -7323,6 +7411,328 @@
 </p:sld>
 </file>
 
+<file path=ppt/slides/slide15.xml><?xml version="1.0" encoding="utf-8"?>
+<p:sld xmlns:a="http://schemas.openxmlformats.org/drawingml/2006/main" xmlns:r="http://schemas.openxmlformats.org/officeDocument/2006/relationships" xmlns:p="http://schemas.openxmlformats.org/presentationml/2006/main">
+  <p:cSld>
+    <p:spTree>
+      <p:nvGrpSpPr>
+        <p:cNvPr id="1" name=""/>
+        <p:cNvGrpSpPr/>
+        <p:nvPr/>
+      </p:nvGrpSpPr>
+      <p:grpSpPr>
+        <a:xfrm>
+          <a:off x="0" y="0"/>
+          <a:ext cx="0" cy="0"/>
+          <a:chOff x="0" y="0"/>
+          <a:chExt cx="0" cy="0"/>
+        </a:xfrm>
+      </p:grpSpPr>
+      <p:pic>
+        <p:nvPicPr>
+          <p:cNvPr id="4" name="图片 3">
+            <a:extLst>
+              <a:ext uri="{FF2B5EF4-FFF2-40B4-BE49-F238E27FC236}">
+                <a16:creationId xmlns:a16="http://schemas.microsoft.com/office/drawing/2014/main" id="{C3054E86-587C-0838-76EB-1CE131A9BC0F}"/>
+              </a:ext>
+            </a:extLst>
+          </p:cNvPr>
+          <p:cNvPicPr>
+            <a:picLocks noChangeAspect="1"/>
+          </p:cNvPicPr>
+          <p:nvPr/>
+        </p:nvPicPr>
+        <p:blipFill>
+          <a:blip r:embed="rId2"/>
+          <a:stretch>
+            <a:fillRect/>
+          </a:stretch>
+        </p:blipFill>
+        <p:spPr>
+          <a:xfrm>
+            <a:off x="77017" y="131485"/>
+            <a:ext cx="5835950" cy="2698889"/>
+          </a:xfrm>
+          <a:prstGeom prst="rect">
+            <a:avLst/>
+          </a:prstGeom>
+        </p:spPr>
+      </p:pic>
+      <p:pic>
+        <p:nvPicPr>
+          <p:cNvPr id="5" name="图片 4">
+            <a:extLst>
+              <a:ext uri="{FF2B5EF4-FFF2-40B4-BE49-F238E27FC236}">
+                <a16:creationId xmlns:a16="http://schemas.microsoft.com/office/drawing/2014/main" id="{E9482567-A3A1-AE5E-D3C8-11E383592009}"/>
+              </a:ext>
+            </a:extLst>
+          </p:cNvPr>
+          <p:cNvPicPr>
+            <a:picLocks noChangeAspect="1"/>
+          </p:cNvPicPr>
+          <p:nvPr/>
+        </p:nvPicPr>
+        <p:blipFill>
+          <a:blip r:embed="rId2"/>
+          <a:stretch>
+            <a:fillRect/>
+          </a:stretch>
+        </p:blipFill>
+        <p:spPr>
+          <a:xfrm>
+            <a:off x="6096000" y="131485"/>
+            <a:ext cx="5835950" cy="2698889"/>
+          </a:xfrm>
+          <a:prstGeom prst="rect">
+            <a:avLst/>
+          </a:prstGeom>
+        </p:spPr>
+      </p:pic>
+      <p:pic>
+        <p:nvPicPr>
+          <p:cNvPr id="6" name="图片 5">
+            <a:extLst>
+              <a:ext uri="{FF2B5EF4-FFF2-40B4-BE49-F238E27FC236}">
+                <a16:creationId xmlns:a16="http://schemas.microsoft.com/office/drawing/2014/main" id="{832854F0-E1E5-9AD4-7E5A-466A427E2205}"/>
+              </a:ext>
+            </a:extLst>
+          </p:cNvPr>
+          <p:cNvPicPr>
+            <a:picLocks noChangeAspect="1"/>
+          </p:cNvPicPr>
+          <p:nvPr/>
+        </p:nvPicPr>
+        <p:blipFill>
+          <a:blip r:embed="rId2"/>
+          <a:stretch>
+            <a:fillRect/>
+          </a:stretch>
+        </p:blipFill>
+        <p:spPr>
+          <a:xfrm>
+            <a:off x="-488042" y="5302111"/>
+            <a:ext cx="5835950" cy="2698889"/>
+          </a:xfrm>
+          <a:prstGeom prst="rect">
+            <a:avLst/>
+          </a:prstGeom>
+        </p:spPr>
+      </p:pic>
+      <p:pic>
+        <p:nvPicPr>
+          <p:cNvPr id="9" name="图片 8">
+            <a:extLst>
+              <a:ext uri="{FF2B5EF4-FFF2-40B4-BE49-F238E27FC236}">
+                <a16:creationId xmlns:a16="http://schemas.microsoft.com/office/drawing/2014/main" id="{E02A7443-6672-C7F0-C4E4-D7CB815C1D9C}"/>
+              </a:ext>
+            </a:extLst>
+          </p:cNvPr>
+          <p:cNvPicPr>
+            <a:picLocks noChangeAspect="1"/>
+          </p:cNvPicPr>
+          <p:nvPr/>
+        </p:nvPicPr>
+        <p:blipFill>
+          <a:blip r:embed="rId3"/>
+          <a:stretch>
+            <a:fillRect/>
+          </a:stretch>
+        </p:blipFill>
+        <p:spPr>
+          <a:xfrm>
+            <a:off x="7983260" y="575047"/>
+            <a:ext cx="2024628" cy="2188321"/>
+          </a:xfrm>
+          <a:prstGeom prst="rect">
+            <a:avLst/>
+          </a:prstGeom>
+        </p:spPr>
+      </p:pic>
+      <p:pic>
+        <p:nvPicPr>
+          <p:cNvPr id="8" name="图片 7">
+            <a:extLst>
+              <a:ext uri="{FF2B5EF4-FFF2-40B4-BE49-F238E27FC236}">
+                <a16:creationId xmlns:a16="http://schemas.microsoft.com/office/drawing/2014/main" id="{2243D0ED-F81D-9DD9-03F1-71F5B40BC26B}"/>
+              </a:ext>
+            </a:extLst>
+          </p:cNvPr>
+          <p:cNvPicPr>
+            <a:picLocks noChangeAspect="1"/>
+          </p:cNvPicPr>
+          <p:nvPr/>
+        </p:nvPicPr>
+        <p:blipFill>
+          <a:blip r:embed="rId4"/>
+          <a:stretch>
+            <a:fillRect/>
+          </a:stretch>
+        </p:blipFill>
+        <p:spPr>
+          <a:xfrm>
+            <a:off x="6879429" y="822777"/>
+            <a:ext cx="1841595" cy="1485976"/>
+          </a:xfrm>
+          <a:prstGeom prst="rect">
+            <a:avLst/>
+          </a:prstGeom>
+        </p:spPr>
+      </p:pic>
+      <p:sp>
+        <p:nvSpPr>
+          <p:cNvPr id="11" name="文本框 10">
+            <a:extLst>
+              <a:ext uri="{FF2B5EF4-FFF2-40B4-BE49-F238E27FC236}">
+                <a16:creationId xmlns:a16="http://schemas.microsoft.com/office/drawing/2014/main" id="{DC70E18F-72F0-7014-9D1B-0DB1353C6279}"/>
+              </a:ext>
+            </a:extLst>
+          </p:cNvPr>
+          <p:cNvSpPr txBox="1"/>
+          <p:nvPr/>
+        </p:nvSpPr>
+        <p:spPr>
+          <a:xfrm>
+            <a:off x="9217323" y="759611"/>
+            <a:ext cx="2102610" cy="1549142"/>
+          </a:xfrm>
+          <a:prstGeom prst="rect">
+            <a:avLst/>
+          </a:prstGeom>
+          <a:noFill/>
+        </p:spPr>
+        <p:txBody>
+          <a:bodyPr wrap="square">
+            <a:spAutoFit/>
+          </a:bodyPr>
+          <a:lstStyle/>
+          <a:p>
+            <a:pPr fontAlgn="base">
+              <a:lnSpc>
+                <a:spcPct val="130000"/>
+              </a:lnSpc>
+            </a:pPr>
+            <a:r>
+              <a:rPr lang="en-US" altLang="zh-CN" sz="1600" b="1" i="0" dirty="0">
+                <a:solidFill>
+                  <a:srgbClr val="000000"/>
+                </a:solidFill>
+                <a:effectLst/>
+                <a:latin typeface="inherit"/>
+              </a:rPr>
+              <a:t>Secretariat: </a:t>
+            </a:r>
+          </a:p>
+          <a:p>
+            <a:pPr fontAlgn="base">
+              <a:lnSpc>
+                <a:spcPct val="130000"/>
+              </a:lnSpc>
+            </a:pPr>
+            <a:r>
+              <a:rPr lang="en-US" altLang="zh-CN" sz="1400" i="0" dirty="0">
+                <a:solidFill>
+                  <a:srgbClr val="000000"/>
+                </a:solidFill>
+                <a:effectLst/>
+                <a:latin typeface="inherit"/>
+              </a:rPr>
+              <a:t>Dr. Binbin Yin</a:t>
+            </a:r>
+          </a:p>
+          <a:p>
+            <a:pPr fontAlgn="base">
+              <a:lnSpc>
+                <a:spcPct val="130000"/>
+              </a:lnSpc>
+            </a:pPr>
+            <a:endParaRPr lang="en-US" altLang="zh-CN" sz="1400" i="0" dirty="0">
+              <a:solidFill>
+                <a:srgbClr val="000000"/>
+              </a:solidFill>
+              <a:effectLst/>
+              <a:latin typeface="inherit"/>
+            </a:endParaRPr>
+          </a:p>
+          <a:p>
+            <a:pPr>
+              <a:lnSpc>
+                <a:spcPct val="130000"/>
+              </a:lnSpc>
+            </a:pPr>
+            <a:r>
+              <a:rPr lang="en-US" altLang="zh-CN" sz="1600" b="1" i="0" dirty="0">
+                <a:solidFill>
+                  <a:srgbClr val="000000"/>
+                </a:solidFill>
+                <a:effectLst/>
+                <a:latin typeface="Arial" panose="020B0604020202020204" pitchFamily="34" charset="0"/>
+              </a:rPr>
+              <a:t>Email: </a:t>
+            </a:r>
+          </a:p>
+          <a:p>
+            <a:pPr>
+              <a:lnSpc>
+                <a:spcPct val="130000"/>
+              </a:lnSpc>
+            </a:pPr>
+            <a:r>
+              <a:rPr lang="en-US" altLang="zh-CN" sz="1400" b="0" i="0" dirty="0">
+                <a:solidFill>
+                  <a:srgbClr val="000000"/>
+                </a:solidFill>
+                <a:effectLst/>
+                <a:latin typeface="Arial" panose="020B0604020202020204" pitchFamily="34" charset="0"/>
+              </a:rPr>
+              <a:t>cmmm2024@163.com</a:t>
+            </a:r>
+            <a:endParaRPr lang="zh-CN" altLang="en-US" sz="1400" dirty="0"/>
+          </a:p>
+        </p:txBody>
+      </p:sp>
+      <p:pic>
+        <p:nvPicPr>
+          <p:cNvPr id="12" name="图片 11">
+            <a:extLst>
+              <a:ext uri="{FF2B5EF4-FFF2-40B4-BE49-F238E27FC236}">
+                <a16:creationId xmlns:a16="http://schemas.microsoft.com/office/drawing/2014/main" id="{6B4C334B-01ED-A4A7-A37E-F70C541B539E}"/>
+              </a:ext>
+            </a:extLst>
+          </p:cNvPr>
+          <p:cNvPicPr>
+            <a:picLocks noChangeAspect="1"/>
+          </p:cNvPicPr>
+          <p:nvPr/>
+        </p:nvPicPr>
+        <p:blipFill>
+          <a:blip r:embed="rId5"/>
+          <a:stretch>
+            <a:fillRect/>
+          </a:stretch>
+        </p:blipFill>
+        <p:spPr>
+          <a:xfrm>
+            <a:off x="6438478" y="2936879"/>
+            <a:ext cx="5834378" cy="2694666"/>
+          </a:xfrm>
+          <a:prstGeom prst="rect">
+            <a:avLst/>
+          </a:prstGeom>
+        </p:spPr>
+      </p:pic>
+    </p:spTree>
+    <p:extLst>
+      <p:ext uri="{BB962C8B-B14F-4D97-AF65-F5344CB8AC3E}">
+        <p14:creationId xmlns:p14="http://schemas.microsoft.com/office/powerpoint/2010/main" val="608414362"/>
+      </p:ext>
+    </p:extLst>
+  </p:cSld>
+  <p:clrMapOvr>
+    <a:masterClrMapping/>
+  </p:clrMapOvr>
+</p:sld>
+</file>
+
 <file path=ppt/slides/slide2.xml><?xml version="1.0" encoding="utf-8"?>
 <p:sld xmlns:a="http://schemas.openxmlformats.org/drawingml/2006/main" xmlns:r="http://schemas.openxmlformats.org/officeDocument/2006/relationships" xmlns:p="http://schemas.openxmlformats.org/presentationml/2006/main">
   <p:cSld>

--- a/assets/figures.pptx
+++ b/assets/figures.pptx
@@ -5,7 +5,7 @@
     <p:sldMasterId id="2147483648" r:id="rId1"/>
   </p:sldMasterIdLst>
   <p:notesMasterIdLst>
-    <p:notesMasterId r:id="rId17"/>
+    <p:notesMasterId r:id="rId18"/>
   </p:notesMasterIdLst>
   <p:sldIdLst>
     <p:sldId id="260" r:id="rId2"/>
@@ -23,6 +23,7 @@
     <p:sldId id="266" r:id="rId14"/>
     <p:sldId id="269" r:id="rId15"/>
     <p:sldId id="270" r:id="rId16"/>
+    <p:sldId id="271" r:id="rId17"/>
   </p:sldIdLst>
   <p:sldSz cx="12192000" cy="6858000"/>
   <p:notesSz cx="6858000" cy="9144000"/>
@@ -132,7 +133,7 @@
 <file path=ppt/revisionInfo.xml><?xml version="1.0" encoding="utf-8"?>
 <p1510:revInfo xmlns:a="http://schemas.openxmlformats.org/drawingml/2006/main" xmlns:r="http://schemas.openxmlformats.org/officeDocument/2006/relationships" xmlns:p1510="http://schemas.microsoft.com/office/powerpoint/2015/10/main">
   <p1510:revLst>
-    <p1510:client id="{1DC4A7AB-8307-463F-B68B-CDC3B517A939}" v="27" dt="2024-02-29T12:05:06.359"/>
+    <p1510:client id="{1DC4A7AB-8307-463F-B68B-CDC3B517A939}" v="47" dt="2024-02-29T12:19:09.991"/>
   </p1510:revLst>
 </p1510:revInfo>
 </file>
@@ -174,7 +175,7 @@
   <pc:docChgLst>
     <pc:chgData name="ZHANG Xiangyu" userId="0af619d5-14b7-43d3-95bc-94ad39c803d6" providerId="ADAL" clId="{1DC4A7AB-8307-463F-B68B-CDC3B517A939}"/>
     <pc:docChg chg="undo custSel addSld modSld">
-      <pc:chgData name="ZHANG Xiangyu" userId="0af619d5-14b7-43d3-95bc-94ad39c803d6" providerId="ADAL" clId="{1DC4A7AB-8307-463F-B68B-CDC3B517A939}" dt="2024-02-29T12:05:23.700" v="109" actId="1076"/>
+      <pc:chgData name="ZHANG Xiangyu" userId="0af619d5-14b7-43d3-95bc-94ad39c803d6" providerId="ADAL" clId="{1DC4A7AB-8307-463F-B68B-CDC3B517A939}" dt="2024-02-29T12:19:15.929" v="156" actId="1076"/>
       <pc:docMkLst>
         <pc:docMk/>
       </pc:docMkLst>
@@ -327,7 +328,7 @@
         </pc:picChg>
       </pc:sldChg>
       <pc:sldChg chg="addSp delSp modSp new mod">
-        <pc:chgData name="ZHANG Xiangyu" userId="0af619d5-14b7-43d3-95bc-94ad39c803d6" providerId="ADAL" clId="{1DC4A7AB-8307-463F-B68B-CDC3B517A939}" dt="2024-02-29T12:05:23.700" v="109" actId="1076"/>
+        <pc:chgData name="ZHANG Xiangyu" userId="0af619d5-14b7-43d3-95bc-94ad39c803d6" providerId="ADAL" clId="{1DC4A7AB-8307-463F-B68B-CDC3B517A939}" dt="2024-02-29T12:15:13.079" v="110" actId="1076"/>
         <pc:sldMkLst>
           <pc:docMk/>
           <pc:sldMk cId="608414362" sldId="270"/>
@@ -373,7 +374,7 @@
           </ac:picMkLst>
         </pc:picChg>
         <pc:picChg chg="add mod">
-          <ac:chgData name="ZHANG Xiangyu" userId="0af619d5-14b7-43d3-95bc-94ad39c803d6" providerId="ADAL" clId="{1DC4A7AB-8307-463F-B68B-CDC3B517A939}" dt="2024-02-29T12:05:23.700" v="109" actId="1076"/>
+          <ac:chgData name="ZHANG Xiangyu" userId="0af619d5-14b7-43d3-95bc-94ad39c803d6" providerId="ADAL" clId="{1DC4A7AB-8307-463F-B68B-CDC3B517A939}" dt="2024-02-29T12:15:13.079" v="110" actId="1076"/>
           <ac:picMkLst>
             <pc:docMk/>
             <pc:sldMk cId="608414362" sldId="270"/>
@@ -410,6 +411,77 @@
             <pc:docMk/>
             <pc:sldMk cId="608414362" sldId="270"/>
             <ac:picMk id="12" creationId="{6B4C334B-01ED-A4A7-A37E-F70C541B539E}"/>
+          </ac:picMkLst>
+        </pc:picChg>
+      </pc:sldChg>
+      <pc:sldChg chg="addSp delSp modSp new mod">
+        <pc:chgData name="ZHANG Xiangyu" userId="0af619d5-14b7-43d3-95bc-94ad39c803d6" providerId="ADAL" clId="{1DC4A7AB-8307-463F-B68B-CDC3B517A939}" dt="2024-02-29T12:19:15.929" v="156" actId="1076"/>
+        <pc:sldMkLst>
+          <pc:docMk/>
+          <pc:sldMk cId="3560355421" sldId="271"/>
+        </pc:sldMkLst>
+        <pc:spChg chg="del">
+          <ac:chgData name="ZHANG Xiangyu" userId="0af619d5-14b7-43d3-95bc-94ad39c803d6" providerId="ADAL" clId="{1DC4A7AB-8307-463F-B68B-CDC3B517A939}" dt="2024-02-29T12:15:18.959" v="112" actId="478"/>
+          <ac:spMkLst>
+            <pc:docMk/>
+            <pc:sldMk cId="3560355421" sldId="271"/>
+            <ac:spMk id="2" creationId="{6CF5F4BB-22CA-F7D7-B9DE-E2C623A348DD}"/>
+          </ac:spMkLst>
+        </pc:spChg>
+        <pc:spChg chg="del">
+          <ac:chgData name="ZHANG Xiangyu" userId="0af619d5-14b7-43d3-95bc-94ad39c803d6" providerId="ADAL" clId="{1DC4A7AB-8307-463F-B68B-CDC3B517A939}" dt="2024-02-29T12:15:18.959" v="112" actId="478"/>
+          <ac:spMkLst>
+            <pc:docMk/>
+            <pc:sldMk cId="3560355421" sldId="271"/>
+            <ac:spMk id="3" creationId="{F5D5EFA8-B40D-925E-E515-D6D86663BE6D}"/>
+          </ac:spMkLst>
+        </pc:spChg>
+        <pc:spChg chg="add mod">
+          <ac:chgData name="ZHANG Xiangyu" userId="0af619d5-14b7-43d3-95bc-94ad39c803d6" providerId="ADAL" clId="{1DC4A7AB-8307-463F-B68B-CDC3B517A939}" dt="2024-02-29T12:18:45.233" v="146" actId="164"/>
+          <ac:spMkLst>
+            <pc:docMk/>
+            <pc:sldMk cId="3560355421" sldId="271"/>
+            <ac:spMk id="5" creationId="{4EFF7833-2C1E-DD27-7410-CED7DD5BB11F}"/>
+          </ac:spMkLst>
+        </pc:spChg>
+        <pc:spChg chg="add mod">
+          <ac:chgData name="ZHANG Xiangyu" userId="0af619d5-14b7-43d3-95bc-94ad39c803d6" providerId="ADAL" clId="{1DC4A7AB-8307-463F-B68B-CDC3B517A939}" dt="2024-02-29T12:18:45.233" v="146" actId="164"/>
+          <ac:spMkLst>
+            <pc:docMk/>
+            <pc:sldMk cId="3560355421" sldId="271"/>
+            <ac:spMk id="7" creationId="{33049768-9AC4-3030-433C-6B81DB9C9022}"/>
+          </ac:spMkLst>
+        </pc:spChg>
+        <pc:grpChg chg="add mod">
+          <ac:chgData name="ZHANG Xiangyu" userId="0af619d5-14b7-43d3-95bc-94ad39c803d6" providerId="ADAL" clId="{1DC4A7AB-8307-463F-B68B-CDC3B517A939}" dt="2024-02-29T12:18:45.233" v="146" actId="164"/>
+          <ac:grpSpMkLst>
+            <pc:docMk/>
+            <pc:sldMk cId="3560355421" sldId="271"/>
+            <ac:grpSpMk id="8" creationId="{57C310DE-96F9-13E5-A5A9-5C83C79D2B8C}"/>
+          </ac:grpSpMkLst>
+        </pc:grpChg>
+        <pc:picChg chg="add del mod">
+          <ac:chgData name="ZHANG Xiangyu" userId="0af619d5-14b7-43d3-95bc-94ad39c803d6" providerId="ADAL" clId="{1DC4A7AB-8307-463F-B68B-CDC3B517A939}" dt="2024-02-29T12:18:57.857" v="151" actId="478"/>
+          <ac:picMkLst>
+            <pc:docMk/>
+            <pc:sldMk cId="3560355421" sldId="271"/>
+            <ac:picMk id="9" creationId="{A1F5E1D3-D280-F750-02E1-3E1D7C4A7A12}"/>
+          </ac:picMkLst>
+        </pc:picChg>
+        <pc:picChg chg="add mod">
+          <ac:chgData name="ZHANG Xiangyu" userId="0af619d5-14b7-43d3-95bc-94ad39c803d6" providerId="ADAL" clId="{1DC4A7AB-8307-463F-B68B-CDC3B517A939}" dt="2024-02-29T12:19:15.929" v="156" actId="1076"/>
+          <ac:picMkLst>
+            <pc:docMk/>
+            <pc:sldMk cId="3560355421" sldId="271"/>
+            <ac:picMk id="10" creationId="{5DF23A82-91C6-362D-AE28-02811DDA2C28}"/>
+          </ac:picMkLst>
+        </pc:picChg>
+        <pc:picChg chg="add mod">
+          <ac:chgData name="ZHANG Xiangyu" userId="0af619d5-14b7-43d3-95bc-94ad39c803d6" providerId="ADAL" clId="{1DC4A7AB-8307-463F-B68B-CDC3B517A939}" dt="2024-02-29T12:19:03.813" v="152"/>
+          <ac:picMkLst>
+            <pc:docMk/>
+            <pc:sldMk cId="3560355421" sldId="271"/>
+            <ac:picMk id="1026" creationId="{14B88B1B-0BD7-D2AF-EF8F-1EC9C16FC005}"/>
           </ac:picMkLst>
         </pc:picChg>
       </pc:sldChg>
@@ -7510,7 +7582,7 @@
         </p:blipFill>
         <p:spPr>
           <a:xfrm>
-            <a:off x="-488042" y="5302111"/>
+            <a:off x="77017" y="2932656"/>
             <a:ext cx="5835950" cy="2698889"/>
           </a:xfrm>
           <a:prstGeom prst="rect">
@@ -7724,6 +7796,306 @@
     <p:extLst>
       <p:ext uri="{BB962C8B-B14F-4D97-AF65-F5344CB8AC3E}">
         <p14:creationId xmlns:p14="http://schemas.microsoft.com/office/powerpoint/2010/main" val="608414362"/>
+      </p:ext>
+    </p:extLst>
+  </p:cSld>
+  <p:clrMapOvr>
+    <a:masterClrMapping/>
+  </p:clrMapOvr>
+</p:sld>
+</file>
+
+<file path=ppt/slides/slide16.xml><?xml version="1.0" encoding="utf-8"?>
+<p:sld xmlns:a="http://schemas.openxmlformats.org/drawingml/2006/main" xmlns:r="http://schemas.openxmlformats.org/officeDocument/2006/relationships" xmlns:p="http://schemas.openxmlformats.org/presentationml/2006/main">
+  <p:cSld>
+    <p:spTree>
+      <p:nvGrpSpPr>
+        <p:cNvPr id="1" name=""/>
+        <p:cNvGrpSpPr/>
+        <p:nvPr/>
+      </p:nvGrpSpPr>
+      <p:grpSpPr>
+        <a:xfrm>
+          <a:off x="0" y="0"/>
+          <a:ext cx="0" cy="0"/>
+          <a:chOff x="0" y="0"/>
+          <a:chExt cx="0" cy="0"/>
+        </a:xfrm>
+      </p:grpSpPr>
+      <p:grpSp>
+        <p:nvGrpSpPr>
+          <p:cNvPr id="8" name="组合 7">
+            <a:extLst>
+              <a:ext uri="{FF2B5EF4-FFF2-40B4-BE49-F238E27FC236}">
+                <a16:creationId xmlns:a16="http://schemas.microsoft.com/office/drawing/2014/main" id="{57C310DE-96F9-13E5-A5A9-5C83C79D2B8C}"/>
+              </a:ext>
+            </a:extLst>
+          </p:cNvPr>
+          <p:cNvGrpSpPr/>
+          <p:nvPr/>
+        </p:nvGrpSpPr>
+        <p:grpSpPr>
+          <a:xfrm>
+            <a:off x="2647392" y="1896188"/>
+            <a:ext cx="7135350" cy="2612575"/>
+            <a:chOff x="2647392" y="1896188"/>
+            <a:chExt cx="7135350" cy="2612575"/>
+          </a:xfrm>
+        </p:grpSpPr>
+        <p:pic>
+          <p:nvPicPr>
+            <p:cNvPr id="1026" name="Picture 2" descr="wechat">
+              <a:extLst>
+                <a:ext uri="{FF2B5EF4-FFF2-40B4-BE49-F238E27FC236}">
+                  <a16:creationId xmlns:a16="http://schemas.microsoft.com/office/drawing/2014/main" id="{14B88B1B-0BD7-D2AF-EF8F-1EC9C16FC005}"/>
+                </a:ext>
+              </a:extLst>
+            </p:cNvPr>
+            <p:cNvPicPr>
+              <a:picLocks noChangeAspect="1" noChangeArrowheads="1"/>
+            </p:cNvPicPr>
+            <p:nvPr/>
+          </p:nvPicPr>
+          <p:blipFill rotWithShape="1">
+            <a:blip r:embed="rId2">
+              <a:clrChange>
+                <a:clrFrom>
+                  <a:srgbClr val="FFFFFF"/>
+                </a:clrFrom>
+                <a:clrTo>
+                  <a:srgbClr val="FFFFFF">
+                    <a:alpha val="0"/>
+                  </a:srgbClr>
+                </a:clrTo>
+              </a:clrChange>
+              <a:extLst>
+                <a:ext uri="{28A0092B-C50C-407E-A947-70E740481C1C}">
+                  <a14:useLocalDpi xmlns:a14="http://schemas.microsoft.com/office/drawing/2010/main" val="0"/>
+                </a:ext>
+              </a:extLst>
+            </a:blip>
+            <a:srcRect l="16582" r="16360"/>
+            <a:stretch/>
+          </p:blipFill>
+          <p:spPr bwMode="auto">
+            <a:xfrm>
+              <a:off x="2647392" y="1896188"/>
+              <a:ext cx="2260598" cy="2318246"/>
+            </a:xfrm>
+            <a:prstGeom prst="rect">
+              <a:avLst/>
+            </a:prstGeom>
+            <a:noFill/>
+            <a:extLst>
+              <a:ext uri="{909E8E84-426E-40DD-AFC4-6F175D3DCCD1}">
+                <a14:hiddenFill xmlns:a14="http://schemas.microsoft.com/office/drawing/2010/main">
+                  <a:solidFill>
+                    <a:srgbClr val="FFFFFF"/>
+                  </a:solidFill>
+                </a14:hiddenFill>
+              </a:ext>
+            </a:extLst>
+          </p:spPr>
+        </p:pic>
+        <p:sp>
+          <p:nvSpPr>
+            <p:cNvPr id="5" name="文本框 4">
+              <a:extLst>
+                <a:ext uri="{FF2B5EF4-FFF2-40B4-BE49-F238E27FC236}">
+                  <a16:creationId xmlns:a16="http://schemas.microsoft.com/office/drawing/2014/main" id="{4EFF7833-2C1E-DD27-7410-CED7DD5BB11F}"/>
+                </a:ext>
+              </a:extLst>
+            </p:cNvPr>
+            <p:cNvSpPr txBox="1"/>
+            <p:nvPr/>
+          </p:nvSpPr>
+          <p:spPr>
+            <a:xfrm>
+              <a:off x="2647392" y="4139431"/>
+              <a:ext cx="2260598" cy="369332"/>
+            </a:xfrm>
+            <a:prstGeom prst="rect">
+              <a:avLst/>
+            </a:prstGeom>
+            <a:noFill/>
+          </p:spPr>
+          <p:txBody>
+            <a:bodyPr wrap="square">
+              <a:spAutoFit/>
+            </a:bodyPr>
+            <a:lstStyle/>
+            <a:p>
+              <a:pPr algn="ctr" fontAlgn="base"/>
+              <a:r>
+                <a:rPr lang="en-US" altLang="zh-CN" b="1" i="0" dirty="0" err="1">
+                  <a:solidFill>
+                    <a:srgbClr val="000000"/>
+                  </a:solidFill>
+                  <a:effectLst/>
+                  <a:latin typeface="Arial" panose="020B0604020202020204" pitchFamily="34" charset="0"/>
+                </a:rPr>
+                <a:t>Wechat</a:t>
+              </a:r>
+              <a:r>
+                <a:rPr lang="en-US" altLang="zh-CN" b="1" i="0" dirty="0">
+                  <a:solidFill>
+                    <a:srgbClr val="000000"/>
+                  </a:solidFill>
+                  <a:effectLst/>
+                  <a:latin typeface="Arial" panose="020B0604020202020204" pitchFamily="34" charset="0"/>
+                </a:rPr>
+                <a:t> Group QR</a:t>
+              </a:r>
+            </a:p>
+          </p:txBody>
+        </p:sp>
+        <p:sp>
+          <p:nvSpPr>
+            <p:cNvPr id="7" name="文本框 6">
+              <a:extLst>
+                <a:ext uri="{FF2B5EF4-FFF2-40B4-BE49-F238E27FC236}">
+                  <a16:creationId xmlns:a16="http://schemas.microsoft.com/office/drawing/2014/main" id="{33049768-9AC4-3030-433C-6B81DB9C9022}"/>
+                </a:ext>
+              </a:extLst>
+            </p:cNvPr>
+            <p:cNvSpPr txBox="1"/>
+            <p:nvPr/>
+          </p:nvSpPr>
+          <p:spPr>
+            <a:xfrm>
+              <a:off x="6396075" y="1896188"/>
+              <a:ext cx="3386667" cy="2612575"/>
+            </a:xfrm>
+            <a:prstGeom prst="rect">
+              <a:avLst/>
+            </a:prstGeom>
+            <a:noFill/>
+          </p:spPr>
+          <p:txBody>
+            <a:bodyPr wrap="square">
+              <a:spAutoFit/>
+            </a:bodyPr>
+            <a:lstStyle/>
+            <a:p>
+              <a:pPr fontAlgn="base">
+                <a:lnSpc>
+                  <a:spcPct val="130000"/>
+                </a:lnSpc>
+              </a:pPr>
+              <a:r>
+                <a:rPr lang="en-US" altLang="zh-CN" sz="2800" b="1" i="0" dirty="0">
+                  <a:solidFill>
+                    <a:srgbClr val="000000"/>
+                  </a:solidFill>
+                  <a:effectLst/>
+                  <a:latin typeface="inherit"/>
+                </a:rPr>
+                <a:t>Secretariat: </a:t>
+              </a:r>
+            </a:p>
+            <a:p>
+              <a:pPr fontAlgn="base">
+                <a:lnSpc>
+                  <a:spcPct val="130000"/>
+                </a:lnSpc>
+              </a:pPr>
+              <a:r>
+                <a:rPr lang="en-US" altLang="zh-CN" sz="2400" i="0" dirty="0">
+                  <a:solidFill>
+                    <a:srgbClr val="000000"/>
+                  </a:solidFill>
+                  <a:effectLst/>
+                  <a:latin typeface="inherit"/>
+                </a:rPr>
+                <a:t>Dr. Binbin Yin</a:t>
+              </a:r>
+            </a:p>
+            <a:p>
+              <a:pPr fontAlgn="base">
+                <a:lnSpc>
+                  <a:spcPct val="130000"/>
+                </a:lnSpc>
+              </a:pPr>
+              <a:endParaRPr lang="en-US" altLang="zh-CN" sz="2400" i="0" dirty="0">
+                <a:solidFill>
+                  <a:srgbClr val="000000"/>
+                </a:solidFill>
+                <a:effectLst/>
+                <a:latin typeface="inherit"/>
+              </a:endParaRPr>
+            </a:p>
+            <a:p>
+              <a:pPr>
+                <a:lnSpc>
+                  <a:spcPct val="130000"/>
+                </a:lnSpc>
+              </a:pPr>
+              <a:r>
+                <a:rPr lang="en-US" altLang="zh-CN" sz="2800" b="1" i="0" dirty="0">
+                  <a:solidFill>
+                    <a:srgbClr val="000000"/>
+                  </a:solidFill>
+                  <a:effectLst/>
+                  <a:latin typeface="Arial" panose="020B0604020202020204" pitchFamily="34" charset="0"/>
+                </a:rPr>
+                <a:t>Email: </a:t>
+              </a:r>
+            </a:p>
+            <a:p>
+              <a:pPr>
+                <a:lnSpc>
+                  <a:spcPct val="130000"/>
+                </a:lnSpc>
+              </a:pPr>
+              <a:r>
+                <a:rPr lang="en-US" altLang="zh-CN" sz="2400" b="0" i="0" dirty="0">
+                  <a:solidFill>
+                    <a:srgbClr val="000000"/>
+                  </a:solidFill>
+                  <a:effectLst/>
+                  <a:latin typeface="Arial" panose="020B0604020202020204" pitchFamily="34" charset="0"/>
+                </a:rPr>
+                <a:t>cmmm2024@163.com</a:t>
+              </a:r>
+              <a:endParaRPr lang="zh-CN" altLang="en-US" sz="2400" dirty="0"/>
+            </a:p>
+          </p:txBody>
+        </p:sp>
+      </p:grpSp>
+      <p:pic>
+        <p:nvPicPr>
+          <p:cNvPr id="10" name="图片 9">
+            <a:extLst>
+              <a:ext uri="{FF2B5EF4-FFF2-40B4-BE49-F238E27FC236}">
+                <a16:creationId xmlns:a16="http://schemas.microsoft.com/office/drawing/2014/main" id="{5DF23A82-91C6-362D-AE28-02811DDA2C28}"/>
+              </a:ext>
+            </a:extLst>
+          </p:cNvPr>
+          <p:cNvPicPr>
+            <a:picLocks noChangeAspect="1"/>
+          </p:cNvPicPr>
+          <p:nvPr/>
+        </p:nvPicPr>
+        <p:blipFill>
+          <a:blip r:embed="rId3"/>
+          <a:stretch>
+            <a:fillRect/>
+          </a:stretch>
+        </p:blipFill>
+        <p:spPr>
+          <a:xfrm>
+            <a:off x="2826557" y="5389432"/>
+            <a:ext cx="7139035" cy="2725148"/>
+          </a:xfrm>
+          <a:prstGeom prst="rect">
+            <a:avLst/>
+          </a:prstGeom>
+        </p:spPr>
+      </p:pic>
+    </p:spTree>
+    <p:extLst>
+      <p:ext uri="{BB962C8B-B14F-4D97-AF65-F5344CB8AC3E}">
+        <p14:creationId xmlns:p14="http://schemas.microsoft.com/office/powerpoint/2010/main" val="3560355421"/>
       </p:ext>
     </p:extLst>
   </p:cSld>

--- a/assets/figures.pptx
+++ b/assets/figures.pptx
@@ -133,7 +133,7 @@
 <file path=ppt/revisionInfo.xml><?xml version="1.0" encoding="utf-8"?>
 <p1510:revInfo xmlns:a="http://schemas.openxmlformats.org/drawingml/2006/main" xmlns:r="http://schemas.openxmlformats.org/officeDocument/2006/relationships" xmlns:p1510="http://schemas.microsoft.com/office/powerpoint/2015/10/main">
   <p1510:revLst>
-    <p1510:client id="{1DC4A7AB-8307-463F-B68B-CDC3B517A939}" v="47" dt="2024-02-29T12:19:09.991"/>
+    <p1510:client id="{1DC4A7AB-8307-463F-B68B-CDC3B517A939}" v="50" dt="2024-02-29T12:23:40.768"/>
   </p1510:revLst>
 </p1510:revInfo>
 </file>
@@ -175,7 +175,7 @@
   <pc:docChgLst>
     <pc:chgData name="ZHANG Xiangyu" userId="0af619d5-14b7-43d3-95bc-94ad39c803d6" providerId="ADAL" clId="{1DC4A7AB-8307-463F-B68B-CDC3B517A939}"/>
     <pc:docChg chg="undo custSel addSld modSld">
-      <pc:chgData name="ZHANG Xiangyu" userId="0af619d5-14b7-43d3-95bc-94ad39c803d6" providerId="ADAL" clId="{1DC4A7AB-8307-463F-B68B-CDC3B517A939}" dt="2024-02-29T12:19:15.929" v="156" actId="1076"/>
+      <pc:chgData name="ZHANG Xiangyu" userId="0af619d5-14b7-43d3-95bc-94ad39c803d6" providerId="ADAL" clId="{1DC4A7AB-8307-463F-B68B-CDC3B517A939}" dt="2024-02-29T12:23:45.194" v="162" actId="1076"/>
       <pc:docMkLst>
         <pc:docMk/>
       </pc:docMkLst>
@@ -415,7 +415,7 @@
         </pc:picChg>
       </pc:sldChg>
       <pc:sldChg chg="addSp delSp modSp new mod">
-        <pc:chgData name="ZHANG Xiangyu" userId="0af619d5-14b7-43d3-95bc-94ad39c803d6" providerId="ADAL" clId="{1DC4A7AB-8307-463F-B68B-CDC3B517A939}" dt="2024-02-29T12:19:15.929" v="156" actId="1076"/>
+        <pc:chgData name="ZHANG Xiangyu" userId="0af619d5-14b7-43d3-95bc-94ad39c803d6" providerId="ADAL" clId="{1DC4A7AB-8307-463F-B68B-CDC3B517A939}" dt="2024-02-29T12:23:45.194" v="162" actId="1076"/>
         <pc:sldMkLst>
           <pc:docMk/>
           <pc:sldMk cId="3560355421" sldId="271"/>
@@ -436,12 +436,12 @@
             <ac:spMk id="3" creationId="{F5D5EFA8-B40D-925E-E515-D6D86663BE6D}"/>
           </ac:spMkLst>
         </pc:spChg>
-        <pc:spChg chg="add mod">
-          <ac:chgData name="ZHANG Xiangyu" userId="0af619d5-14b7-43d3-95bc-94ad39c803d6" providerId="ADAL" clId="{1DC4A7AB-8307-463F-B68B-CDC3B517A939}" dt="2024-02-29T12:18:45.233" v="146" actId="164"/>
+        <pc:spChg chg="mod">
+          <ac:chgData name="ZHANG Xiangyu" userId="0af619d5-14b7-43d3-95bc-94ad39c803d6" providerId="ADAL" clId="{1DC4A7AB-8307-463F-B68B-CDC3B517A939}" dt="2024-02-29T12:23:37.743" v="159"/>
           <ac:spMkLst>
             <pc:docMk/>
             <pc:sldMk cId="3560355421" sldId="271"/>
-            <ac:spMk id="5" creationId="{4EFF7833-2C1E-DD27-7410-CED7DD5BB11F}"/>
+            <ac:spMk id="4" creationId="{542FC2D1-35ED-DBCD-F7E8-33561DCD95DB}"/>
           </ac:spMkLst>
         </pc:spChg>
         <pc:spChg chg="add mod">
@@ -449,10 +449,34 @@
           <ac:spMkLst>
             <pc:docMk/>
             <pc:sldMk cId="3560355421" sldId="271"/>
+            <ac:spMk id="5" creationId="{4EFF7833-2C1E-DD27-7410-CED7DD5BB11F}"/>
+          </ac:spMkLst>
+        </pc:spChg>
+        <pc:spChg chg="mod">
+          <ac:chgData name="ZHANG Xiangyu" userId="0af619d5-14b7-43d3-95bc-94ad39c803d6" providerId="ADAL" clId="{1DC4A7AB-8307-463F-B68B-CDC3B517A939}" dt="2024-02-29T12:23:37.743" v="159"/>
+          <ac:spMkLst>
+            <pc:docMk/>
+            <pc:sldMk cId="3560355421" sldId="271"/>
+            <ac:spMk id="6" creationId="{215736B3-0339-B23B-2A46-5C5AC7C49935}"/>
+          </ac:spMkLst>
+        </pc:spChg>
+        <pc:spChg chg="add mod">
+          <ac:chgData name="ZHANG Xiangyu" userId="0af619d5-14b7-43d3-95bc-94ad39c803d6" providerId="ADAL" clId="{1DC4A7AB-8307-463F-B68B-CDC3B517A939}" dt="2024-02-29T12:23:35.080" v="158" actId="1076"/>
+          <ac:spMkLst>
+            <pc:docMk/>
+            <pc:sldMk cId="3560355421" sldId="271"/>
             <ac:spMk id="7" creationId="{33049768-9AC4-3030-433C-6B81DB9C9022}"/>
           </ac:spMkLst>
         </pc:spChg>
         <pc:grpChg chg="add mod">
+          <ac:chgData name="ZHANG Xiangyu" userId="0af619d5-14b7-43d3-95bc-94ad39c803d6" providerId="ADAL" clId="{1DC4A7AB-8307-463F-B68B-CDC3B517A939}" dt="2024-02-29T12:23:37.743" v="159"/>
+          <ac:grpSpMkLst>
+            <pc:docMk/>
+            <pc:sldMk cId="3560355421" sldId="271"/>
+            <ac:grpSpMk id="2" creationId="{C1F41AAF-911C-6B0C-1838-4DE3025D15D1}"/>
+          </ac:grpSpMkLst>
+        </pc:grpChg>
+        <pc:grpChg chg="add mod">
           <ac:chgData name="ZHANG Xiangyu" userId="0af619d5-14b7-43d3-95bc-94ad39c803d6" providerId="ADAL" clId="{1DC4A7AB-8307-463F-B68B-CDC3B517A939}" dt="2024-02-29T12:18:45.233" v="146" actId="164"/>
           <ac:grpSpMkLst>
             <pc:docMk/>
@@ -460,6 +484,14 @@
             <ac:grpSpMk id="8" creationId="{57C310DE-96F9-13E5-A5A9-5C83C79D2B8C}"/>
           </ac:grpSpMkLst>
         </pc:grpChg>
+        <pc:picChg chg="mod">
+          <ac:chgData name="ZHANG Xiangyu" userId="0af619d5-14b7-43d3-95bc-94ad39c803d6" providerId="ADAL" clId="{1DC4A7AB-8307-463F-B68B-CDC3B517A939}" dt="2024-02-29T12:23:37.743" v="159"/>
+          <ac:picMkLst>
+            <pc:docMk/>
+            <pc:sldMk cId="3560355421" sldId="271"/>
+            <ac:picMk id="3" creationId="{DC09CE1B-7B3D-715F-F198-6740F8551221}"/>
+          </ac:picMkLst>
+        </pc:picChg>
         <pc:picChg chg="add del mod">
           <ac:chgData name="ZHANG Xiangyu" userId="0af619d5-14b7-43d3-95bc-94ad39c803d6" providerId="ADAL" clId="{1DC4A7AB-8307-463F-B68B-CDC3B517A939}" dt="2024-02-29T12:18:57.857" v="151" actId="478"/>
           <ac:picMkLst>
@@ -469,7 +501,15 @@
           </ac:picMkLst>
         </pc:picChg>
         <pc:picChg chg="add mod">
-          <ac:chgData name="ZHANG Xiangyu" userId="0af619d5-14b7-43d3-95bc-94ad39c803d6" providerId="ADAL" clId="{1DC4A7AB-8307-463F-B68B-CDC3B517A939}" dt="2024-02-29T12:19:15.929" v="156" actId="1076"/>
+          <ac:chgData name="ZHANG Xiangyu" userId="0af619d5-14b7-43d3-95bc-94ad39c803d6" providerId="ADAL" clId="{1DC4A7AB-8307-463F-B68B-CDC3B517A939}" dt="2024-02-29T12:23:45.194" v="162" actId="1076"/>
+          <ac:picMkLst>
+            <pc:docMk/>
+            <pc:sldMk cId="3560355421" sldId="271"/>
+            <ac:picMk id="9" creationId="{CE68BC98-B2E1-7850-DDEB-B73974B228AB}"/>
+          </ac:picMkLst>
+        </pc:picChg>
+        <pc:picChg chg="add del mod">
+          <ac:chgData name="ZHANG Xiangyu" userId="0af619d5-14b7-43d3-95bc-94ad39c803d6" providerId="ADAL" clId="{1DC4A7AB-8307-463F-B68B-CDC3B517A939}" dt="2024-02-29T12:23:28.852" v="157" actId="478"/>
           <ac:picMkLst>
             <pc:docMk/>
             <pc:sldMk cId="3560355421" sldId="271"/>
@@ -7837,9 +7877,9 @@
         <p:grpSpPr>
           <a:xfrm>
             <a:off x="2647392" y="1896188"/>
-            <a:ext cx="7135350" cy="2612575"/>
+            <a:ext cx="8492512" cy="2612575"/>
             <a:chOff x="2647392" y="1896188"/>
-            <a:chExt cx="7135350" cy="2612575"/>
+            <a:chExt cx="8492512" cy="2612575"/>
           </a:xfrm>
         </p:grpSpPr>
         <p:pic>
@@ -7963,7 +8003,7 @@
           </p:nvSpPr>
           <p:spPr>
             <a:xfrm>
-              <a:off x="6396075" y="1896188"/>
+              <a:off x="7753237" y="1896188"/>
               <a:ext cx="3386667" cy="2612575"/>
             </a:xfrm>
             <a:prstGeom prst="rect">
@@ -8064,10 +8104,10 @@
       </p:grpSp>
       <p:pic>
         <p:nvPicPr>
-          <p:cNvPr id="10" name="图片 9">
+          <p:cNvPr id="9" name="图片 8">
             <a:extLst>
               <a:ext uri="{FF2B5EF4-FFF2-40B4-BE49-F238E27FC236}">
-                <a16:creationId xmlns:a16="http://schemas.microsoft.com/office/drawing/2014/main" id="{5DF23A82-91C6-362D-AE28-02811DDA2C28}"/>
+                <a16:creationId xmlns:a16="http://schemas.microsoft.com/office/drawing/2014/main" id="{CE68BC98-B2E1-7850-DDEB-B73974B228AB}"/>
               </a:ext>
             </a:extLst>
           </p:cNvPr>
@@ -8084,8 +8124,8 @@
         </p:blipFill>
         <p:spPr>
           <a:xfrm>
-            <a:off x="2826557" y="5389432"/>
-            <a:ext cx="7139035" cy="2725148"/>
+            <a:off x="2647392" y="5095103"/>
+            <a:ext cx="8492464" cy="2725148"/>
           </a:xfrm>
           <a:prstGeom prst="rect">
             <a:avLst/>

--- a/assets/figures.pptx
+++ b/assets/figures.pptx
@@ -133,7 +133,7 @@
 <file path=ppt/revisionInfo.xml><?xml version="1.0" encoding="utf-8"?>
 <p1510:revInfo xmlns:a="http://schemas.openxmlformats.org/drawingml/2006/main" xmlns:r="http://schemas.openxmlformats.org/officeDocument/2006/relationships" xmlns:p1510="http://schemas.microsoft.com/office/powerpoint/2015/10/main">
   <p1510:revLst>
-    <p1510:client id="{1DC4A7AB-8307-463F-B68B-CDC3B517A939}" v="50" dt="2024-02-29T12:23:40.768"/>
+    <p1510:client id="{1DC4A7AB-8307-463F-B68B-CDC3B517A939}" v="55" dt="2024-02-29T12:46:47.541"/>
   </p1510:revLst>
 </p1510:revInfo>
 </file>
@@ -175,7 +175,7 @@
   <pc:docChgLst>
     <pc:chgData name="ZHANG Xiangyu" userId="0af619d5-14b7-43d3-95bc-94ad39c803d6" providerId="ADAL" clId="{1DC4A7AB-8307-463F-B68B-CDC3B517A939}"/>
     <pc:docChg chg="undo custSel addSld modSld">
-      <pc:chgData name="ZHANG Xiangyu" userId="0af619d5-14b7-43d3-95bc-94ad39c803d6" providerId="ADAL" clId="{1DC4A7AB-8307-463F-B68B-CDC3B517A939}" dt="2024-02-29T12:23:45.194" v="162" actId="1076"/>
+      <pc:chgData name="ZHANG Xiangyu" userId="0af619d5-14b7-43d3-95bc-94ad39c803d6" providerId="ADAL" clId="{1DC4A7AB-8307-463F-B68B-CDC3B517A939}" dt="2024-02-29T12:46:47.538" v="200" actId="14100"/>
       <pc:docMkLst>
         <pc:docMk/>
       </pc:docMkLst>
@@ -415,7 +415,7 @@
         </pc:picChg>
       </pc:sldChg>
       <pc:sldChg chg="addSp delSp modSp new mod">
-        <pc:chgData name="ZHANG Xiangyu" userId="0af619d5-14b7-43d3-95bc-94ad39c803d6" providerId="ADAL" clId="{1DC4A7AB-8307-463F-B68B-CDC3B517A939}" dt="2024-02-29T12:23:45.194" v="162" actId="1076"/>
+        <pc:chgData name="ZHANG Xiangyu" userId="0af619d5-14b7-43d3-95bc-94ad39c803d6" providerId="ADAL" clId="{1DC4A7AB-8307-463F-B68B-CDC3B517A939}" dt="2024-02-29T12:46:47.538" v="200" actId="14100"/>
         <pc:sldMkLst>
           <pc:docMk/>
           <pc:sldMk cId="3560355421" sldId="271"/>
@@ -445,7 +445,7 @@
           </ac:spMkLst>
         </pc:spChg>
         <pc:spChg chg="add mod">
-          <ac:chgData name="ZHANG Xiangyu" userId="0af619d5-14b7-43d3-95bc-94ad39c803d6" providerId="ADAL" clId="{1DC4A7AB-8307-463F-B68B-CDC3B517A939}" dt="2024-02-29T12:18:45.233" v="146" actId="164"/>
+          <ac:chgData name="ZHANG Xiangyu" userId="0af619d5-14b7-43d3-95bc-94ad39c803d6" providerId="ADAL" clId="{1DC4A7AB-8307-463F-B68B-CDC3B517A939}" dt="2024-02-29T12:46:47.538" v="200" actId="14100"/>
           <ac:spMkLst>
             <pc:docMk/>
             <pc:sldMk cId="3560355421" sldId="271"/>
@@ -461,7 +461,7 @@
           </ac:spMkLst>
         </pc:spChg>
         <pc:spChg chg="add mod">
-          <ac:chgData name="ZHANG Xiangyu" userId="0af619d5-14b7-43d3-95bc-94ad39c803d6" providerId="ADAL" clId="{1DC4A7AB-8307-463F-B68B-CDC3B517A939}" dt="2024-02-29T12:23:35.080" v="158" actId="1076"/>
+          <ac:chgData name="ZHANG Xiangyu" userId="0af619d5-14b7-43d3-95bc-94ad39c803d6" providerId="ADAL" clId="{1DC4A7AB-8307-463F-B68B-CDC3B517A939}" dt="2024-02-29T12:46:47.538" v="200" actId="14100"/>
           <ac:spMkLst>
             <pc:docMk/>
             <pc:sldMk cId="3560355421" sldId="271"/>
@@ -477,7 +477,7 @@
           </ac:grpSpMkLst>
         </pc:grpChg>
         <pc:grpChg chg="add mod">
-          <ac:chgData name="ZHANG Xiangyu" userId="0af619d5-14b7-43d3-95bc-94ad39c803d6" providerId="ADAL" clId="{1DC4A7AB-8307-463F-B68B-CDC3B517A939}" dt="2024-02-29T12:18:45.233" v="146" actId="164"/>
+          <ac:chgData name="ZHANG Xiangyu" userId="0af619d5-14b7-43d3-95bc-94ad39c803d6" providerId="ADAL" clId="{1DC4A7AB-8307-463F-B68B-CDC3B517A939}" dt="2024-02-29T12:46:47.538" v="200" actId="14100"/>
           <ac:grpSpMkLst>
             <pc:docMk/>
             <pc:sldMk cId="3560355421" sldId="271"/>
@@ -500,8 +500,8 @@
             <ac:picMk id="9" creationId="{A1F5E1D3-D280-F750-02E1-3E1D7C4A7A12}"/>
           </ac:picMkLst>
         </pc:picChg>
-        <pc:picChg chg="add mod">
-          <ac:chgData name="ZHANG Xiangyu" userId="0af619d5-14b7-43d3-95bc-94ad39c803d6" providerId="ADAL" clId="{1DC4A7AB-8307-463F-B68B-CDC3B517A939}" dt="2024-02-29T12:23:45.194" v="162" actId="1076"/>
+        <pc:picChg chg="add del mod">
+          <ac:chgData name="ZHANG Xiangyu" userId="0af619d5-14b7-43d3-95bc-94ad39c803d6" providerId="ADAL" clId="{1DC4A7AB-8307-463F-B68B-CDC3B517A939}" dt="2024-02-29T12:45:05.299" v="163" actId="478"/>
           <ac:picMkLst>
             <pc:docMk/>
             <pc:sldMk cId="3560355421" sldId="271"/>
@@ -517,7 +517,7 @@
           </ac:picMkLst>
         </pc:picChg>
         <pc:picChg chg="add mod">
-          <ac:chgData name="ZHANG Xiangyu" userId="0af619d5-14b7-43d3-95bc-94ad39c803d6" providerId="ADAL" clId="{1DC4A7AB-8307-463F-B68B-CDC3B517A939}" dt="2024-02-29T12:19:03.813" v="152"/>
+          <ac:chgData name="ZHANG Xiangyu" userId="0af619d5-14b7-43d3-95bc-94ad39c803d6" providerId="ADAL" clId="{1DC4A7AB-8307-463F-B68B-CDC3B517A939}" dt="2024-02-29T12:46:47.538" v="200" actId="14100"/>
           <ac:picMkLst>
             <pc:docMk/>
             <pc:sldMk cId="3560355421" sldId="271"/>
@@ -7876,10 +7876,10 @@
         </p:nvGrpSpPr>
         <p:grpSpPr>
           <a:xfrm>
-            <a:off x="2647392" y="1896188"/>
-            <a:ext cx="8492512" cy="2612575"/>
-            <a:chOff x="2647392" y="1896188"/>
-            <a:chExt cx="8492512" cy="2612575"/>
+            <a:off x="1440775" y="1896188"/>
+            <a:ext cx="9699129" cy="2612575"/>
+            <a:chOff x="1440775" y="1896188"/>
+            <a:chExt cx="9699129" cy="2612575"/>
           </a:xfrm>
         </p:grpSpPr>
         <p:pic>
@@ -7919,8 +7919,8 @@
           </p:blipFill>
           <p:spPr bwMode="auto">
             <a:xfrm>
-              <a:off x="2647392" y="1896188"/>
-              <a:ext cx="2260598" cy="2318246"/>
+              <a:off x="2956978" y="2576955"/>
+              <a:ext cx="1883770" cy="1931808"/>
             </a:xfrm>
             <a:prstGeom prst="rect">
               <a:avLst/>
@@ -7951,8 +7951,8 @@
           </p:nvSpPr>
           <p:spPr>
             <a:xfrm>
-              <a:off x="2647392" y="4139431"/>
-              <a:ext cx="2260598" cy="369332"/>
+              <a:off x="1440775" y="1982327"/>
+              <a:ext cx="4915808" cy="461665"/>
             </a:xfrm>
             <a:prstGeom prst="rect">
               <a:avLst/>
@@ -7967,24 +7967,14 @@
             <a:p>
               <a:pPr algn="ctr" fontAlgn="base"/>
               <a:r>
-                <a:rPr lang="en-US" altLang="zh-CN" b="1" i="0" dirty="0" err="1">
+                <a:rPr lang="en-US" altLang="zh-CN" sz="2400" b="1" i="0" dirty="0">
                   <a:solidFill>
                     <a:srgbClr val="000000"/>
                   </a:solidFill>
                   <a:effectLst/>
                   <a:latin typeface="Arial" panose="020B0604020202020204" pitchFamily="34" charset="0"/>
                 </a:rPr>
-                <a:t>Wechat</a:t>
-              </a:r>
-              <a:r>
-                <a:rPr lang="en-US" altLang="zh-CN" b="1" i="0" dirty="0">
-                  <a:solidFill>
-                    <a:srgbClr val="000000"/>
-                  </a:solidFill>
-                  <a:effectLst/>
-                  <a:latin typeface="Arial" panose="020B0604020202020204" pitchFamily="34" charset="0"/>
-                </a:rPr>
-                <a:t> Group QR</a:t>
+                <a:t>Welcome to join WeChat Group</a:t>
               </a:r>
             </a:p>
           </p:txBody>
@@ -8028,7 +8018,8 @@
                     <a:srgbClr val="000000"/>
                   </a:solidFill>
                   <a:effectLst/>
-                  <a:latin typeface="inherit"/>
+                  <a:latin typeface="Arial" panose="020B0604020202020204" pitchFamily="34" charset="0"/>
+                  <a:cs typeface="Arial" panose="020B0604020202020204" pitchFamily="34" charset="0"/>
                 </a:rPr>
                 <a:t>Secretariat: </a:t>
               </a:r>
@@ -8045,7 +8036,8 @@
                     <a:srgbClr val="000000"/>
                   </a:solidFill>
                   <a:effectLst/>
-                  <a:latin typeface="inherit"/>
+                  <a:latin typeface="Arial" panose="020B0604020202020204" pitchFamily="34" charset="0"/>
+                  <a:cs typeface="Arial" panose="020B0604020202020204" pitchFamily="34" charset="0"/>
                 </a:rPr>
                 <a:t>Dr. Binbin Yin</a:t>
               </a:r>
@@ -8061,7 +8053,8 @@
                   <a:srgbClr val="000000"/>
                 </a:solidFill>
                 <a:effectLst/>
-                <a:latin typeface="inherit"/>
+                <a:latin typeface="Arial" panose="020B0604020202020204" pitchFamily="34" charset="0"/>
+                <a:cs typeface="Arial" panose="020B0604020202020204" pitchFamily="34" charset="0"/>
               </a:endParaRPr>
             </a:p>
             <a:p>
@@ -8077,6 +8070,7 @@
                   </a:solidFill>
                   <a:effectLst/>
                   <a:latin typeface="Arial" panose="020B0604020202020204" pitchFamily="34" charset="0"/>
+                  <a:cs typeface="Arial" panose="020B0604020202020204" pitchFamily="34" charset="0"/>
                 </a:rPr>
                 <a:t>Email: </a:t>
               </a:r>
@@ -8094,44 +8088,18 @@
                   </a:solidFill>
                   <a:effectLst/>
                   <a:latin typeface="Arial" panose="020B0604020202020204" pitchFamily="34" charset="0"/>
+                  <a:cs typeface="Arial" panose="020B0604020202020204" pitchFamily="34" charset="0"/>
                 </a:rPr>
                 <a:t>cmmm2024@163.com</a:t>
               </a:r>
-              <a:endParaRPr lang="zh-CN" altLang="en-US" sz="2400" dirty="0"/>
+              <a:endParaRPr lang="zh-CN" altLang="en-US" sz="2400" dirty="0">
+                <a:latin typeface="Arial" panose="020B0604020202020204" pitchFamily="34" charset="0"/>
+                <a:cs typeface="Arial" panose="020B0604020202020204" pitchFamily="34" charset="0"/>
+              </a:endParaRPr>
             </a:p>
           </p:txBody>
         </p:sp>
       </p:grpSp>
-      <p:pic>
-        <p:nvPicPr>
-          <p:cNvPr id="9" name="图片 8">
-            <a:extLst>
-              <a:ext uri="{FF2B5EF4-FFF2-40B4-BE49-F238E27FC236}">
-                <a16:creationId xmlns:a16="http://schemas.microsoft.com/office/drawing/2014/main" id="{CE68BC98-B2E1-7850-DDEB-B73974B228AB}"/>
-              </a:ext>
-            </a:extLst>
-          </p:cNvPr>
-          <p:cNvPicPr>
-            <a:picLocks noChangeAspect="1"/>
-          </p:cNvPicPr>
-          <p:nvPr/>
-        </p:nvPicPr>
-        <p:blipFill>
-          <a:blip r:embed="rId3"/>
-          <a:stretch>
-            <a:fillRect/>
-          </a:stretch>
-        </p:blipFill>
-        <p:spPr>
-          <a:xfrm>
-            <a:off x="2647392" y="5095103"/>
-            <a:ext cx="8492464" cy="2725148"/>
-          </a:xfrm>
-          <a:prstGeom prst="rect">
-            <a:avLst/>
-          </a:prstGeom>
-        </p:spPr>
-      </p:pic>
     </p:spTree>
     <p:extLst>
       <p:ext uri="{BB962C8B-B14F-4D97-AF65-F5344CB8AC3E}">

--- a/assets/figures.pptx
+++ b/assets/figures.pptx
@@ -133,7 +133,7 @@
 <file path=ppt/revisionInfo.xml><?xml version="1.0" encoding="utf-8"?>
 <p1510:revInfo xmlns:a="http://schemas.openxmlformats.org/drawingml/2006/main" xmlns:r="http://schemas.openxmlformats.org/officeDocument/2006/relationships" xmlns:p1510="http://schemas.microsoft.com/office/powerpoint/2015/10/main">
   <p1510:revLst>
-    <p1510:client id="{1DC4A7AB-8307-463F-B68B-CDC3B517A939}" v="55" dt="2024-02-29T12:46:47.541"/>
+    <p1510:client id="{1DC4A7AB-8307-463F-B68B-CDC3B517A939}" v="59" dt="2024-02-29T12:51:22.472"/>
   </p1510:revLst>
 </p1510:revInfo>
 </file>
@@ -175,7 +175,7 @@
   <pc:docChgLst>
     <pc:chgData name="ZHANG Xiangyu" userId="0af619d5-14b7-43d3-95bc-94ad39c803d6" providerId="ADAL" clId="{1DC4A7AB-8307-463F-B68B-CDC3B517A939}"/>
     <pc:docChg chg="undo custSel addSld modSld">
-      <pc:chgData name="ZHANG Xiangyu" userId="0af619d5-14b7-43d3-95bc-94ad39c803d6" providerId="ADAL" clId="{1DC4A7AB-8307-463F-B68B-CDC3B517A939}" dt="2024-02-29T12:46:47.538" v="200" actId="14100"/>
+      <pc:chgData name="ZHANG Xiangyu" userId="0af619d5-14b7-43d3-95bc-94ad39c803d6" providerId="ADAL" clId="{1DC4A7AB-8307-463F-B68B-CDC3B517A939}" dt="2024-02-29T12:51:24.807" v="206" actId="1076"/>
       <pc:docMkLst>
         <pc:docMk/>
       </pc:docMkLst>
@@ -415,7 +415,7 @@
         </pc:picChg>
       </pc:sldChg>
       <pc:sldChg chg="addSp delSp modSp new mod">
-        <pc:chgData name="ZHANG Xiangyu" userId="0af619d5-14b7-43d3-95bc-94ad39c803d6" providerId="ADAL" clId="{1DC4A7AB-8307-463F-B68B-CDC3B517A939}" dt="2024-02-29T12:46:47.538" v="200" actId="14100"/>
+        <pc:chgData name="ZHANG Xiangyu" userId="0af619d5-14b7-43d3-95bc-94ad39c803d6" providerId="ADAL" clId="{1DC4A7AB-8307-463F-B68B-CDC3B517A939}" dt="2024-02-29T12:51:24.807" v="206" actId="1076"/>
         <pc:sldMkLst>
           <pc:docMk/>
           <pc:sldMk cId="3560355421" sldId="271"/>
@@ -437,6 +437,14 @@
           </ac:spMkLst>
         </pc:spChg>
         <pc:spChg chg="mod">
+          <ac:chgData name="ZHANG Xiangyu" userId="0af619d5-14b7-43d3-95bc-94ad39c803d6" providerId="ADAL" clId="{1DC4A7AB-8307-463F-B68B-CDC3B517A939}" dt="2024-02-29T12:51:16.683" v="203" actId="1076"/>
+          <ac:spMkLst>
+            <pc:docMk/>
+            <pc:sldMk cId="3560355421" sldId="271"/>
+            <ac:spMk id="4" creationId="{0B47E447-C60D-C81E-0325-5A88550ECAB3}"/>
+          </ac:spMkLst>
+        </pc:spChg>
+        <pc:spChg chg="mod">
           <ac:chgData name="ZHANG Xiangyu" userId="0af619d5-14b7-43d3-95bc-94ad39c803d6" providerId="ADAL" clId="{1DC4A7AB-8307-463F-B68B-CDC3B517A939}" dt="2024-02-29T12:23:37.743" v="159"/>
           <ac:spMkLst>
             <pc:docMk/>
@@ -445,7 +453,7 @@
           </ac:spMkLst>
         </pc:spChg>
         <pc:spChg chg="add mod">
-          <ac:chgData name="ZHANG Xiangyu" userId="0af619d5-14b7-43d3-95bc-94ad39c803d6" providerId="ADAL" clId="{1DC4A7AB-8307-463F-B68B-CDC3B517A939}" dt="2024-02-29T12:46:47.538" v="200" actId="14100"/>
+          <ac:chgData name="ZHANG Xiangyu" userId="0af619d5-14b7-43d3-95bc-94ad39c803d6" providerId="ADAL" clId="{1DC4A7AB-8307-463F-B68B-CDC3B517A939}" dt="2024-02-29T12:50:49.091" v="201" actId="113"/>
           <ac:spMkLst>
             <pc:docMk/>
             <pc:sldMk cId="3560355421" sldId="271"/>
@@ -460,6 +468,14 @@
             <ac:spMk id="6" creationId="{215736B3-0339-B23B-2A46-5C5AC7C49935}"/>
           </ac:spMkLst>
         </pc:spChg>
+        <pc:spChg chg="mod">
+          <ac:chgData name="ZHANG Xiangyu" userId="0af619d5-14b7-43d3-95bc-94ad39c803d6" providerId="ADAL" clId="{1DC4A7AB-8307-463F-B68B-CDC3B517A939}" dt="2024-02-29T12:51:16.683" v="203" actId="1076"/>
+          <ac:spMkLst>
+            <pc:docMk/>
+            <pc:sldMk cId="3560355421" sldId="271"/>
+            <ac:spMk id="6" creationId="{C18A7A24-A0F6-8BE3-2985-496A12ABE1D1}"/>
+          </ac:spMkLst>
+        </pc:spChg>
         <pc:spChg chg="add mod">
           <ac:chgData name="ZHANG Xiangyu" userId="0af619d5-14b7-43d3-95bc-94ad39c803d6" providerId="ADAL" clId="{1DC4A7AB-8307-463F-B68B-CDC3B517A939}" dt="2024-02-29T12:46:47.538" v="200" actId="14100"/>
           <ac:spMkLst>
@@ -476,6 +492,14 @@
             <ac:grpSpMk id="2" creationId="{C1F41AAF-911C-6B0C-1838-4DE3025D15D1}"/>
           </ac:grpSpMkLst>
         </pc:grpChg>
+        <pc:grpChg chg="add del mod">
+          <ac:chgData name="ZHANG Xiangyu" userId="0af619d5-14b7-43d3-95bc-94ad39c803d6" providerId="ADAL" clId="{1DC4A7AB-8307-463F-B68B-CDC3B517A939}" dt="2024-02-29T12:51:18.955" v="204" actId="478"/>
+          <ac:grpSpMkLst>
+            <pc:docMk/>
+            <pc:sldMk cId="3560355421" sldId="271"/>
+            <ac:grpSpMk id="2" creationId="{DB35270F-3A8D-771C-0D47-AC7F88AA2005}"/>
+          </ac:grpSpMkLst>
+        </pc:grpChg>
         <pc:grpChg chg="add mod">
           <ac:chgData name="ZHANG Xiangyu" userId="0af619d5-14b7-43d3-95bc-94ad39c803d6" providerId="ADAL" clId="{1DC4A7AB-8307-463F-B68B-CDC3B517A939}" dt="2024-02-29T12:46:47.538" v="200" actId="14100"/>
           <ac:grpSpMkLst>
@@ -485,11 +509,27 @@
           </ac:grpSpMkLst>
         </pc:grpChg>
         <pc:picChg chg="mod">
+          <ac:chgData name="ZHANG Xiangyu" userId="0af619d5-14b7-43d3-95bc-94ad39c803d6" providerId="ADAL" clId="{1DC4A7AB-8307-463F-B68B-CDC3B517A939}" dt="2024-02-29T12:51:16.683" v="203" actId="1076"/>
+          <ac:picMkLst>
+            <pc:docMk/>
+            <pc:sldMk cId="3560355421" sldId="271"/>
+            <ac:picMk id="3" creationId="{68AE1737-2182-2D45-18F1-97FDD40AF0A4}"/>
+          </ac:picMkLst>
+        </pc:picChg>
+        <pc:picChg chg="mod">
           <ac:chgData name="ZHANG Xiangyu" userId="0af619d5-14b7-43d3-95bc-94ad39c803d6" providerId="ADAL" clId="{1DC4A7AB-8307-463F-B68B-CDC3B517A939}" dt="2024-02-29T12:23:37.743" v="159"/>
           <ac:picMkLst>
             <pc:docMk/>
             <pc:sldMk cId="3560355421" sldId="271"/>
             <ac:picMk id="3" creationId="{DC09CE1B-7B3D-715F-F198-6740F8551221}"/>
+          </ac:picMkLst>
+        </pc:picChg>
+        <pc:picChg chg="add mod">
+          <ac:chgData name="ZHANG Xiangyu" userId="0af619d5-14b7-43d3-95bc-94ad39c803d6" providerId="ADAL" clId="{1DC4A7AB-8307-463F-B68B-CDC3B517A939}" dt="2024-02-29T12:51:24.807" v="206" actId="1076"/>
+          <ac:picMkLst>
+            <pc:docMk/>
+            <pc:sldMk cId="3560355421" sldId="271"/>
+            <ac:picMk id="9" creationId="{095E96D5-0F46-7B5D-A2D3-7B826475BA7C}"/>
           </ac:picMkLst>
         </pc:picChg>
         <pc:picChg chg="add del mod">
@@ -7967,7 +8007,7 @@
             <a:p>
               <a:pPr algn="ctr" fontAlgn="base"/>
               <a:r>
-                <a:rPr lang="en-US" altLang="zh-CN" sz="2400" b="1" i="0" dirty="0">
+                <a:rPr lang="en-US" altLang="zh-CN" sz="2400" i="0" dirty="0">
                   <a:solidFill>
                     <a:srgbClr val="000000"/>
                   </a:solidFill>
@@ -8100,6 +8140,36 @@
           </p:txBody>
         </p:sp>
       </p:grpSp>
+      <p:pic>
+        <p:nvPicPr>
+          <p:cNvPr id="9" name="图片 8">
+            <a:extLst>
+              <a:ext uri="{FF2B5EF4-FFF2-40B4-BE49-F238E27FC236}">
+                <a16:creationId xmlns:a16="http://schemas.microsoft.com/office/drawing/2014/main" id="{095E96D5-0F46-7B5D-A2D3-7B826475BA7C}"/>
+              </a:ext>
+            </a:extLst>
+          </p:cNvPr>
+          <p:cNvPicPr>
+            <a:picLocks noChangeAspect="1"/>
+          </p:cNvPicPr>
+          <p:nvPr/>
+        </p:nvPicPr>
+        <p:blipFill>
+          <a:blip r:embed="rId3"/>
+          <a:stretch>
+            <a:fillRect/>
+          </a:stretch>
+        </p:blipFill>
+        <p:spPr>
+          <a:xfrm>
+            <a:off x="1246211" y="4919693"/>
+            <a:ext cx="9699577" cy="2725148"/>
+          </a:xfrm>
+          <a:prstGeom prst="rect">
+            <a:avLst/>
+          </a:prstGeom>
+        </p:spPr>
+      </p:pic>
     </p:spTree>
     <p:extLst>
       <p:ext uri="{BB962C8B-B14F-4D97-AF65-F5344CB8AC3E}">

--- a/assets/figures.pptx
+++ b/assets/figures.pptx
@@ -133,7 +133,7 @@
 <file path=ppt/revisionInfo.xml><?xml version="1.0" encoding="utf-8"?>
 <p1510:revInfo xmlns:a="http://schemas.openxmlformats.org/drawingml/2006/main" xmlns:r="http://schemas.openxmlformats.org/officeDocument/2006/relationships" xmlns:p1510="http://schemas.microsoft.com/office/powerpoint/2015/10/main">
   <p1510:revLst>
-    <p1510:client id="{1DC4A7AB-8307-463F-B68B-CDC3B517A939}" v="59" dt="2024-02-29T12:51:22.472"/>
+    <p1510:client id="{1DC4A7AB-8307-463F-B68B-CDC3B517A939}" v="60" dt="2024-02-29T13:08:35.042"/>
   </p1510:revLst>
 </p1510:revInfo>
 </file>
@@ -174,8 +174,8 @@
   </pc:docChgLst>
   <pc:docChgLst>
     <pc:chgData name="ZHANG Xiangyu" userId="0af619d5-14b7-43d3-95bc-94ad39c803d6" providerId="ADAL" clId="{1DC4A7AB-8307-463F-B68B-CDC3B517A939}"/>
-    <pc:docChg chg="undo custSel addSld modSld">
-      <pc:chgData name="ZHANG Xiangyu" userId="0af619d5-14b7-43d3-95bc-94ad39c803d6" providerId="ADAL" clId="{1DC4A7AB-8307-463F-B68B-CDC3B517A939}" dt="2024-02-29T12:51:24.807" v="206" actId="1076"/>
+    <pc:docChg chg="undo redo custSel addSld modSld">
+      <pc:chgData name="ZHANG Xiangyu" userId="0af619d5-14b7-43d3-95bc-94ad39c803d6" providerId="ADAL" clId="{1DC4A7AB-8307-463F-B68B-CDC3B517A939}" dt="2024-02-29T13:08:38.666" v="213" actId="1076"/>
       <pc:docMkLst>
         <pc:docMk/>
       </pc:docMkLst>
@@ -415,7 +415,7 @@
         </pc:picChg>
       </pc:sldChg>
       <pc:sldChg chg="addSp delSp modSp new mod">
-        <pc:chgData name="ZHANG Xiangyu" userId="0af619d5-14b7-43d3-95bc-94ad39c803d6" providerId="ADAL" clId="{1DC4A7AB-8307-463F-B68B-CDC3B517A939}" dt="2024-02-29T12:51:24.807" v="206" actId="1076"/>
+        <pc:chgData name="ZHANG Xiangyu" userId="0af619d5-14b7-43d3-95bc-94ad39c803d6" providerId="ADAL" clId="{1DC4A7AB-8307-463F-B68B-CDC3B517A939}" dt="2024-02-29T13:08:38.666" v="213" actId="1076"/>
         <pc:sldMkLst>
           <pc:docMk/>
           <pc:sldMk cId="3560355421" sldId="271"/>
@@ -453,7 +453,7 @@
           </ac:spMkLst>
         </pc:spChg>
         <pc:spChg chg="add mod">
-          <ac:chgData name="ZHANG Xiangyu" userId="0af619d5-14b7-43d3-95bc-94ad39c803d6" providerId="ADAL" clId="{1DC4A7AB-8307-463F-B68B-CDC3B517A939}" dt="2024-02-29T12:50:49.091" v="201" actId="113"/>
+          <ac:chgData name="ZHANG Xiangyu" userId="0af619d5-14b7-43d3-95bc-94ad39c803d6" providerId="ADAL" clId="{1DC4A7AB-8307-463F-B68B-CDC3B517A939}" dt="2024-02-29T13:08:17.969" v="209"/>
           <ac:spMkLst>
             <pc:docMk/>
             <pc:sldMk cId="3560355421" sldId="271"/>
@@ -508,6 +508,14 @@
             <ac:grpSpMk id="8" creationId="{57C310DE-96F9-13E5-A5A9-5C83C79D2B8C}"/>
           </ac:grpSpMkLst>
         </pc:grpChg>
+        <pc:picChg chg="add mod">
+          <ac:chgData name="ZHANG Xiangyu" userId="0af619d5-14b7-43d3-95bc-94ad39c803d6" providerId="ADAL" clId="{1DC4A7AB-8307-463F-B68B-CDC3B517A939}" dt="2024-02-29T13:08:38.666" v="213" actId="1076"/>
+          <ac:picMkLst>
+            <pc:docMk/>
+            <pc:sldMk cId="3560355421" sldId="271"/>
+            <ac:picMk id="2" creationId="{31817652-2246-73CD-A5C5-4AA48C1CEF0C}"/>
+          </ac:picMkLst>
+        </pc:picChg>
         <pc:picChg chg="mod">
           <ac:chgData name="ZHANG Xiangyu" userId="0af619d5-14b7-43d3-95bc-94ad39c803d6" providerId="ADAL" clId="{1DC4A7AB-8307-463F-B68B-CDC3B517A939}" dt="2024-02-29T12:51:16.683" v="203" actId="1076"/>
           <ac:picMkLst>
@@ -524,8 +532,8 @@
             <ac:picMk id="3" creationId="{DC09CE1B-7B3D-715F-F198-6740F8551221}"/>
           </ac:picMkLst>
         </pc:picChg>
-        <pc:picChg chg="add mod">
-          <ac:chgData name="ZHANG Xiangyu" userId="0af619d5-14b7-43d3-95bc-94ad39c803d6" providerId="ADAL" clId="{1DC4A7AB-8307-463F-B68B-CDC3B517A939}" dt="2024-02-29T12:51:24.807" v="206" actId="1076"/>
+        <pc:picChg chg="add del mod">
+          <ac:chgData name="ZHANG Xiangyu" userId="0af619d5-14b7-43d3-95bc-94ad39c803d6" providerId="ADAL" clId="{1DC4A7AB-8307-463F-B68B-CDC3B517A939}" dt="2024-02-29T13:08:31.136" v="210" actId="478"/>
           <ac:picMkLst>
             <pc:docMk/>
             <pc:sldMk cId="3560355421" sldId="271"/>
@@ -8014,7 +8022,7 @@
                   <a:effectLst/>
                   <a:latin typeface="Arial" panose="020B0604020202020204" pitchFamily="34" charset="0"/>
                 </a:rPr>
-                <a:t>Welcome to join WeChat Group</a:t>
+                <a:t>Join CMMM2024 WeChat Group </a:t>
               </a:r>
             </a:p>
           </p:txBody>
@@ -8142,10 +8150,10 @@
       </p:grpSp>
       <p:pic>
         <p:nvPicPr>
-          <p:cNvPr id="9" name="图片 8">
+          <p:cNvPr id="2" name="图片 1">
             <a:extLst>
               <a:ext uri="{FF2B5EF4-FFF2-40B4-BE49-F238E27FC236}">
-                <a16:creationId xmlns:a16="http://schemas.microsoft.com/office/drawing/2014/main" id="{095E96D5-0F46-7B5D-A2D3-7B826475BA7C}"/>
+                <a16:creationId xmlns:a16="http://schemas.microsoft.com/office/drawing/2014/main" id="{31817652-2246-73CD-A5C5-4AA48C1CEF0C}"/>
               </a:ext>
             </a:extLst>
           </p:cNvPr>
@@ -8162,7 +8170,7 @@
         </p:blipFill>
         <p:spPr>
           <a:xfrm>
-            <a:off x="1246211" y="4919693"/>
+            <a:off x="1506794" y="5275292"/>
             <a:ext cx="9699577" cy="2725148"/>
           </a:xfrm>
           <a:prstGeom prst="rect">

--- a/assets/figures.pptx
+++ b/assets/figures.pptx
@@ -133,7 +133,7 @@
 <file path=ppt/revisionInfo.xml><?xml version="1.0" encoding="utf-8"?>
 <p1510:revInfo xmlns:a="http://schemas.openxmlformats.org/drawingml/2006/main" xmlns:r="http://schemas.openxmlformats.org/officeDocument/2006/relationships" xmlns:p1510="http://schemas.microsoft.com/office/powerpoint/2015/10/main">
   <p1510:revLst>
-    <p1510:client id="{1DC4A7AB-8307-463F-B68B-CDC3B517A939}" v="60" dt="2024-02-29T13:08:35.042"/>
+    <p1510:client id="{1DC4A7AB-8307-463F-B68B-CDC3B517A939}" v="65" dt="2024-02-29T13:50:19.568"/>
   </p1510:revLst>
 </p1510:revInfo>
 </file>
@@ -175,7 +175,7 @@
   <pc:docChgLst>
     <pc:chgData name="ZHANG Xiangyu" userId="0af619d5-14b7-43d3-95bc-94ad39c803d6" providerId="ADAL" clId="{1DC4A7AB-8307-463F-B68B-CDC3B517A939}"/>
     <pc:docChg chg="undo redo custSel addSld modSld">
-      <pc:chgData name="ZHANG Xiangyu" userId="0af619d5-14b7-43d3-95bc-94ad39c803d6" providerId="ADAL" clId="{1DC4A7AB-8307-463F-B68B-CDC3B517A939}" dt="2024-02-29T13:08:38.666" v="213" actId="1076"/>
+      <pc:chgData name="ZHANG Xiangyu" userId="0af619d5-14b7-43d3-95bc-94ad39c803d6" providerId="ADAL" clId="{1DC4A7AB-8307-463F-B68B-CDC3B517A939}" dt="2024-02-29T13:50:21.707" v="255" actId="1076"/>
       <pc:docMkLst>
         <pc:docMk/>
       </pc:docMkLst>
@@ -415,7 +415,7 @@
         </pc:picChg>
       </pc:sldChg>
       <pc:sldChg chg="addSp delSp modSp new mod">
-        <pc:chgData name="ZHANG Xiangyu" userId="0af619d5-14b7-43d3-95bc-94ad39c803d6" providerId="ADAL" clId="{1DC4A7AB-8307-463F-B68B-CDC3B517A939}" dt="2024-02-29T13:08:38.666" v="213" actId="1076"/>
+        <pc:chgData name="ZHANG Xiangyu" userId="0af619d5-14b7-43d3-95bc-94ad39c803d6" providerId="ADAL" clId="{1DC4A7AB-8307-463F-B68B-CDC3B517A939}" dt="2024-02-29T13:50:21.707" v="255" actId="1076"/>
         <pc:sldMkLst>
           <pc:docMk/>
           <pc:sldMk cId="3560355421" sldId="271"/>
@@ -453,7 +453,7 @@
           </ac:spMkLst>
         </pc:spChg>
         <pc:spChg chg="add mod">
-          <ac:chgData name="ZHANG Xiangyu" userId="0af619d5-14b7-43d3-95bc-94ad39c803d6" providerId="ADAL" clId="{1DC4A7AB-8307-463F-B68B-CDC3B517A939}" dt="2024-02-29T13:08:17.969" v="209"/>
+          <ac:chgData name="ZHANG Xiangyu" userId="0af619d5-14b7-43d3-95bc-94ad39c803d6" providerId="ADAL" clId="{1DC4A7AB-8307-463F-B68B-CDC3B517A939}" dt="2024-02-29T13:50:08.509" v="251" actId="20577"/>
           <ac:spMkLst>
             <pc:docMk/>
             <pc:sldMk cId="3560355421" sldId="271"/>
@@ -477,7 +477,7 @@
           </ac:spMkLst>
         </pc:spChg>
         <pc:spChg chg="add mod">
-          <ac:chgData name="ZHANG Xiangyu" userId="0af619d5-14b7-43d3-95bc-94ad39c803d6" providerId="ADAL" clId="{1DC4A7AB-8307-463F-B68B-CDC3B517A939}" dt="2024-02-29T12:46:47.538" v="200" actId="14100"/>
+          <ac:chgData name="ZHANG Xiangyu" userId="0af619d5-14b7-43d3-95bc-94ad39c803d6" providerId="ADAL" clId="{1DC4A7AB-8307-463F-B68B-CDC3B517A939}" dt="2024-02-29T13:49:56.932" v="250" actId="1076"/>
           <ac:spMkLst>
             <pc:docMk/>
             <pc:sldMk cId="3560355421" sldId="271"/>
@@ -501,15 +501,15 @@
           </ac:grpSpMkLst>
         </pc:grpChg>
         <pc:grpChg chg="add mod">
-          <ac:chgData name="ZHANG Xiangyu" userId="0af619d5-14b7-43d3-95bc-94ad39c803d6" providerId="ADAL" clId="{1DC4A7AB-8307-463F-B68B-CDC3B517A939}" dt="2024-02-29T12:46:47.538" v="200" actId="14100"/>
+          <ac:chgData name="ZHANG Xiangyu" userId="0af619d5-14b7-43d3-95bc-94ad39c803d6" providerId="ADAL" clId="{1DC4A7AB-8307-463F-B68B-CDC3B517A939}" dt="2024-02-29T13:49:34.403" v="247" actId="1076"/>
           <ac:grpSpMkLst>
             <pc:docMk/>
             <pc:sldMk cId="3560355421" sldId="271"/>
             <ac:grpSpMk id="8" creationId="{57C310DE-96F9-13E5-A5A9-5C83C79D2B8C}"/>
           </ac:grpSpMkLst>
         </pc:grpChg>
-        <pc:picChg chg="add mod">
-          <ac:chgData name="ZHANG Xiangyu" userId="0af619d5-14b7-43d3-95bc-94ad39c803d6" providerId="ADAL" clId="{1DC4A7AB-8307-463F-B68B-CDC3B517A939}" dt="2024-02-29T13:08:38.666" v="213" actId="1076"/>
+        <pc:picChg chg="add del mod">
+          <ac:chgData name="ZHANG Xiangyu" userId="0af619d5-14b7-43d3-95bc-94ad39c803d6" providerId="ADAL" clId="{1DC4A7AB-8307-463F-B68B-CDC3B517A939}" dt="2024-02-29T13:48:37.927" v="233" actId="478"/>
           <ac:picMkLst>
             <pc:docMk/>
             <pc:sldMk cId="3560355421" sldId="271"/>
@@ -524,12 +524,28 @@
             <ac:picMk id="3" creationId="{68AE1737-2182-2D45-18F1-97FDD40AF0A4}"/>
           </ac:picMkLst>
         </pc:picChg>
+        <pc:picChg chg="add del mod">
+          <ac:chgData name="ZHANG Xiangyu" userId="0af619d5-14b7-43d3-95bc-94ad39c803d6" providerId="ADAL" clId="{1DC4A7AB-8307-463F-B68B-CDC3B517A939}" dt="2024-02-29T13:50:15.166" v="252" actId="478"/>
+          <ac:picMkLst>
+            <pc:docMk/>
+            <pc:sldMk cId="3560355421" sldId="271"/>
+            <ac:picMk id="3" creationId="{C94ADE2C-29E8-0919-2B0F-82D7BA686691}"/>
+          </ac:picMkLst>
+        </pc:picChg>
         <pc:picChg chg="mod">
           <ac:chgData name="ZHANG Xiangyu" userId="0af619d5-14b7-43d3-95bc-94ad39c803d6" providerId="ADAL" clId="{1DC4A7AB-8307-463F-B68B-CDC3B517A939}" dt="2024-02-29T12:23:37.743" v="159"/>
           <ac:picMkLst>
             <pc:docMk/>
             <pc:sldMk cId="3560355421" sldId="271"/>
             <ac:picMk id="3" creationId="{DC09CE1B-7B3D-715F-F198-6740F8551221}"/>
+          </ac:picMkLst>
+        </pc:picChg>
+        <pc:picChg chg="add mod">
+          <ac:chgData name="ZHANG Xiangyu" userId="0af619d5-14b7-43d3-95bc-94ad39c803d6" providerId="ADAL" clId="{1DC4A7AB-8307-463F-B68B-CDC3B517A939}" dt="2024-02-29T13:50:21.707" v="255" actId="1076"/>
+          <ac:picMkLst>
+            <pc:docMk/>
+            <pc:sldMk cId="3560355421" sldId="271"/>
+            <ac:picMk id="4" creationId="{B07F78C9-2D70-8913-A528-EB35349EEA25}"/>
           </ac:picMkLst>
         </pc:picChg>
         <pc:picChg chg="add del mod">
@@ -565,7 +581,7 @@
           </ac:picMkLst>
         </pc:picChg>
         <pc:picChg chg="add mod">
-          <ac:chgData name="ZHANG Xiangyu" userId="0af619d5-14b7-43d3-95bc-94ad39c803d6" providerId="ADAL" clId="{1DC4A7AB-8307-463F-B68B-CDC3B517A939}" dt="2024-02-29T12:46:47.538" v="200" actId="14100"/>
+          <ac:chgData name="ZHANG Xiangyu" userId="0af619d5-14b7-43d3-95bc-94ad39c803d6" providerId="ADAL" clId="{1DC4A7AB-8307-463F-B68B-CDC3B517A939}" dt="2024-02-29T13:49:34.403" v="247" actId="1076"/>
           <ac:picMkLst>
             <pc:docMk/>
             <pc:sldMk cId="3560355421" sldId="271"/>
@@ -7924,10 +7940,10 @@
         </p:nvGrpSpPr>
         <p:grpSpPr>
           <a:xfrm>
-            <a:off x="1440775" y="1896188"/>
-            <a:ext cx="9699129" cy="2612575"/>
-            <a:chOff x="1440775" y="1896188"/>
-            <a:chExt cx="9699129" cy="2612575"/>
+            <a:off x="1440775" y="1798638"/>
+            <a:ext cx="9699129" cy="2978508"/>
+            <a:chOff x="1440775" y="1798638"/>
+            <a:chExt cx="9699129" cy="2978508"/>
           </a:xfrm>
         </p:grpSpPr>
         <p:pic>
@@ -7967,7 +7983,7 @@
           </p:blipFill>
           <p:spPr bwMode="auto">
             <a:xfrm>
-              <a:off x="2956978" y="2576955"/>
+              <a:off x="2956794" y="2758484"/>
               <a:ext cx="1883770" cy="1931808"/>
             </a:xfrm>
             <a:prstGeom prst="rect">
@@ -7999,8 +8015,8 @@
           </p:nvSpPr>
           <p:spPr>
             <a:xfrm>
-              <a:off x="1440775" y="1982327"/>
-              <a:ext cx="4915808" cy="461665"/>
+              <a:off x="1440775" y="1896188"/>
+              <a:ext cx="4915808" cy="830997"/>
             </a:xfrm>
             <a:prstGeom prst="rect">
               <a:avLst/>
@@ -8022,7 +8038,26 @@
                   <a:effectLst/>
                   <a:latin typeface="Arial" panose="020B0604020202020204" pitchFamily="34" charset="0"/>
                 </a:rPr>
-                <a:t>Join CMMM2024 WeChat Group </a:t>
+                <a:t>Scan the QR code to join</a:t>
+              </a:r>
+              <a:br>
+                <a:rPr lang="en-US" altLang="zh-CN" sz="2400" i="0" dirty="0">
+                  <a:solidFill>
+                    <a:srgbClr val="000000"/>
+                  </a:solidFill>
+                  <a:effectLst/>
+                  <a:latin typeface="Arial" panose="020B0604020202020204" pitchFamily="34" charset="0"/>
+                </a:rPr>
+              </a:br>
+              <a:r>
+                <a:rPr lang="en-US" altLang="zh-CN" sz="2400" i="0" dirty="0">
+                  <a:solidFill>
+                    <a:srgbClr val="000000"/>
+                  </a:solidFill>
+                  <a:effectLst/>
+                  <a:latin typeface="Arial" panose="020B0604020202020204" pitchFamily="34" charset="0"/>
+                </a:rPr>
+                <a:t>CMMM2024 WeChat Group </a:t>
               </a:r>
             </a:p>
           </p:txBody>
@@ -8041,8 +8076,8 @@
           </p:nvSpPr>
           <p:spPr>
             <a:xfrm>
-              <a:off x="7753237" y="1896188"/>
-              <a:ext cx="3386667" cy="2612575"/>
+              <a:off x="7753237" y="1798638"/>
+              <a:ext cx="3386667" cy="2978508"/>
             </a:xfrm>
             <a:prstGeom prst="rect">
               <a:avLst/>
@@ -8057,7 +8092,7 @@
             <a:p>
               <a:pPr fontAlgn="base">
                 <a:lnSpc>
-                  <a:spcPct val="130000"/>
+                  <a:spcPct val="150000"/>
                 </a:lnSpc>
               </a:pPr>
               <a:r>
@@ -8075,7 +8110,7 @@
             <a:p>
               <a:pPr fontAlgn="base">
                 <a:lnSpc>
-                  <a:spcPct val="130000"/>
+                  <a:spcPct val="150000"/>
                 </a:lnSpc>
               </a:pPr>
               <a:r>
@@ -8093,7 +8128,7 @@
             <a:p>
               <a:pPr fontAlgn="base">
                 <a:lnSpc>
-                  <a:spcPct val="130000"/>
+                  <a:spcPct val="150000"/>
                 </a:lnSpc>
               </a:pPr>
               <a:endParaRPr lang="en-US" altLang="zh-CN" sz="2400" i="0" dirty="0">
@@ -8108,7 +8143,7 @@
             <a:p>
               <a:pPr>
                 <a:lnSpc>
-                  <a:spcPct val="130000"/>
+                  <a:spcPct val="150000"/>
                 </a:lnSpc>
               </a:pPr>
               <a:r>
@@ -8126,7 +8161,7 @@
             <a:p>
               <a:pPr>
                 <a:lnSpc>
-                  <a:spcPct val="130000"/>
+                  <a:spcPct val="150000"/>
                 </a:lnSpc>
               </a:pPr>
               <a:r>
@@ -8150,10 +8185,10 @@
       </p:grpSp>
       <p:pic>
         <p:nvPicPr>
-          <p:cNvPr id="2" name="图片 1">
+          <p:cNvPr id="4" name="图片 3">
             <a:extLst>
               <a:ext uri="{FF2B5EF4-FFF2-40B4-BE49-F238E27FC236}">
-                <a16:creationId xmlns:a16="http://schemas.microsoft.com/office/drawing/2014/main" id="{31817652-2246-73CD-A5C5-4AA48C1CEF0C}"/>
+                <a16:creationId xmlns:a16="http://schemas.microsoft.com/office/drawing/2014/main" id="{B07F78C9-2D70-8913-A528-EB35349EEA25}"/>
               </a:ext>
             </a:extLst>
           </p:cNvPr>
@@ -8170,8 +8205,8 @@
         </p:blipFill>
         <p:spPr>
           <a:xfrm>
-            <a:off x="1506794" y="5275292"/>
-            <a:ext cx="9699577" cy="2725148"/>
+            <a:off x="1339344" y="5377215"/>
+            <a:ext cx="9699577" cy="3097036"/>
           </a:xfrm>
           <a:prstGeom prst="rect">
             <a:avLst/>

--- a/assets/figures.pptx
+++ b/assets/figures.pptx
@@ -133,7 +133,7 @@
 <file path=ppt/revisionInfo.xml><?xml version="1.0" encoding="utf-8"?>
 <p1510:revInfo xmlns:a="http://schemas.openxmlformats.org/drawingml/2006/main" xmlns:r="http://schemas.openxmlformats.org/officeDocument/2006/relationships" xmlns:p1510="http://schemas.microsoft.com/office/powerpoint/2015/10/main">
   <p1510:revLst>
-    <p1510:client id="{1DC4A7AB-8307-463F-B68B-CDC3B517A939}" v="65" dt="2024-02-29T13:50:19.568"/>
+    <p1510:client id="{1DC4A7AB-8307-463F-B68B-CDC3B517A939}" v="66" dt="2024-02-29T13:55:52.565"/>
   </p1510:revLst>
 </p1510:revInfo>
 </file>
@@ -175,7 +175,7 @@
   <pc:docChgLst>
     <pc:chgData name="ZHANG Xiangyu" userId="0af619d5-14b7-43d3-95bc-94ad39c803d6" providerId="ADAL" clId="{1DC4A7AB-8307-463F-B68B-CDC3B517A939}"/>
     <pc:docChg chg="undo redo custSel addSld modSld">
-      <pc:chgData name="ZHANG Xiangyu" userId="0af619d5-14b7-43d3-95bc-94ad39c803d6" providerId="ADAL" clId="{1DC4A7AB-8307-463F-B68B-CDC3B517A939}" dt="2024-02-29T13:50:21.707" v="255" actId="1076"/>
+      <pc:chgData name="ZHANG Xiangyu" userId="0af619d5-14b7-43d3-95bc-94ad39c803d6" providerId="ADAL" clId="{1DC4A7AB-8307-463F-B68B-CDC3B517A939}" dt="2024-02-29T13:55:55.589" v="259" actId="1076"/>
       <pc:docMkLst>
         <pc:docMk/>
       </pc:docMkLst>
@@ -415,7 +415,7 @@
         </pc:picChg>
       </pc:sldChg>
       <pc:sldChg chg="addSp delSp modSp new mod">
-        <pc:chgData name="ZHANG Xiangyu" userId="0af619d5-14b7-43d3-95bc-94ad39c803d6" providerId="ADAL" clId="{1DC4A7AB-8307-463F-B68B-CDC3B517A939}" dt="2024-02-29T13:50:21.707" v="255" actId="1076"/>
+        <pc:chgData name="ZHANG Xiangyu" userId="0af619d5-14b7-43d3-95bc-94ad39c803d6" providerId="ADAL" clId="{1DC4A7AB-8307-463F-B68B-CDC3B517A939}" dt="2024-02-29T13:55:55.589" v="259" actId="1076"/>
         <pc:sldMkLst>
           <pc:docMk/>
           <pc:sldMk cId="3560355421" sldId="271"/>
@@ -477,7 +477,7 @@
           </ac:spMkLst>
         </pc:spChg>
         <pc:spChg chg="add mod">
-          <ac:chgData name="ZHANG Xiangyu" userId="0af619d5-14b7-43d3-95bc-94ad39c803d6" providerId="ADAL" clId="{1DC4A7AB-8307-463F-B68B-CDC3B517A939}" dt="2024-02-29T13:49:56.932" v="250" actId="1076"/>
+          <ac:chgData name="ZHANG Xiangyu" userId="0af619d5-14b7-43d3-95bc-94ad39c803d6" providerId="ADAL" clId="{1DC4A7AB-8307-463F-B68B-CDC3B517A939}" dt="2024-02-29T13:55:44.309" v="256" actId="948"/>
           <ac:spMkLst>
             <pc:docMk/>
             <pc:sldMk cId="3560355421" sldId="271"/>
@@ -516,6 +516,14 @@
             <ac:picMk id="2" creationId="{31817652-2246-73CD-A5C5-4AA48C1CEF0C}"/>
           </ac:picMkLst>
         </pc:picChg>
+        <pc:picChg chg="add mod">
+          <ac:chgData name="ZHANG Xiangyu" userId="0af619d5-14b7-43d3-95bc-94ad39c803d6" providerId="ADAL" clId="{1DC4A7AB-8307-463F-B68B-CDC3B517A939}" dt="2024-02-29T13:55:55.589" v="259" actId="1076"/>
+          <ac:picMkLst>
+            <pc:docMk/>
+            <pc:sldMk cId="3560355421" sldId="271"/>
+            <ac:picMk id="2" creationId="{34AC00ED-8DC8-E85F-978B-0922D579204D}"/>
+          </ac:picMkLst>
+        </pc:picChg>
         <pc:picChg chg="mod">
           <ac:chgData name="ZHANG Xiangyu" userId="0af619d5-14b7-43d3-95bc-94ad39c803d6" providerId="ADAL" clId="{1DC4A7AB-8307-463F-B68B-CDC3B517A939}" dt="2024-02-29T12:51:16.683" v="203" actId="1076"/>
           <ac:picMkLst>
@@ -540,8 +548,8 @@
             <ac:picMk id="3" creationId="{DC09CE1B-7B3D-715F-F198-6740F8551221}"/>
           </ac:picMkLst>
         </pc:picChg>
-        <pc:picChg chg="add mod">
-          <ac:chgData name="ZHANG Xiangyu" userId="0af619d5-14b7-43d3-95bc-94ad39c803d6" providerId="ADAL" clId="{1DC4A7AB-8307-463F-B68B-CDC3B517A939}" dt="2024-02-29T13:50:21.707" v="255" actId="1076"/>
+        <pc:picChg chg="add del mod">
+          <ac:chgData name="ZHANG Xiangyu" userId="0af619d5-14b7-43d3-95bc-94ad39c803d6" providerId="ADAL" clId="{1DC4A7AB-8307-463F-B68B-CDC3B517A939}" dt="2024-02-29T13:55:54.360" v="258" actId="478"/>
           <ac:picMkLst>
             <pc:docMk/>
             <pc:sldMk cId="3560355421" sldId="271"/>
@@ -7941,9 +7949,9 @@
         <p:grpSpPr>
           <a:xfrm>
             <a:off x="1440775" y="1798638"/>
-            <a:ext cx="9699129" cy="2978508"/>
+            <a:ext cx="9699129" cy="2891654"/>
             <a:chOff x="1440775" y="1798638"/>
-            <a:chExt cx="9699129" cy="2978508"/>
+            <a:chExt cx="9699129" cy="2891654"/>
           </a:xfrm>
         </p:grpSpPr>
         <p:pic>
@@ -8077,7 +8085,7 @@
           <p:spPr>
             <a:xfrm>
               <a:off x="7753237" y="1798638"/>
-              <a:ext cx="3386667" cy="2978508"/>
+              <a:ext cx="3386667" cy="2793842"/>
             </a:xfrm>
             <a:prstGeom prst="rect">
               <a:avLst/>
@@ -8126,11 +8134,7 @@
               </a:r>
             </a:p>
             <a:p>
-              <a:pPr fontAlgn="base">
-                <a:lnSpc>
-                  <a:spcPct val="150000"/>
-                </a:lnSpc>
-              </a:pPr>
+              <a:pPr fontAlgn="base"/>
               <a:endParaRPr lang="en-US" altLang="zh-CN" sz="2400" i="0" dirty="0">
                 <a:solidFill>
                   <a:srgbClr val="000000"/>
@@ -8185,10 +8189,10 @@
       </p:grpSp>
       <p:pic>
         <p:nvPicPr>
-          <p:cNvPr id="4" name="图片 3">
+          <p:cNvPr id="2" name="图片 1">
             <a:extLst>
               <a:ext uri="{FF2B5EF4-FFF2-40B4-BE49-F238E27FC236}">
-                <a16:creationId xmlns:a16="http://schemas.microsoft.com/office/drawing/2014/main" id="{B07F78C9-2D70-8913-A528-EB35349EEA25}"/>
+                <a16:creationId xmlns:a16="http://schemas.microsoft.com/office/drawing/2014/main" id="{34AC00ED-8DC8-E85F-978B-0922D579204D}"/>
               </a:ext>
             </a:extLst>
           </p:cNvPr>
@@ -8205,8 +8209,8 @@
         </p:blipFill>
         <p:spPr>
           <a:xfrm>
-            <a:off x="1339344" y="5377215"/>
-            <a:ext cx="9699577" cy="3097036"/>
+            <a:off x="1173324" y="5278346"/>
+            <a:ext cx="9699577" cy="2914141"/>
           </a:xfrm>
           <a:prstGeom prst="rect">
             <a:avLst/>

--- a/assets/figures.pptx
+++ b/assets/figures.pptx
@@ -133,7 +133,7 @@
 <file path=ppt/revisionInfo.xml><?xml version="1.0" encoding="utf-8"?>
 <p1510:revInfo xmlns:a="http://schemas.openxmlformats.org/drawingml/2006/main" xmlns:r="http://schemas.openxmlformats.org/officeDocument/2006/relationships" xmlns:p1510="http://schemas.microsoft.com/office/powerpoint/2015/10/main">
   <p1510:revLst>
-    <p1510:client id="{1DC4A7AB-8307-463F-B68B-CDC3B517A939}" v="66" dt="2024-02-29T13:55:52.565"/>
+    <p1510:client id="{1DC4A7AB-8307-463F-B68B-CDC3B517A939}" v="76" dt="2024-03-05T07:19:07.191"/>
   </p1510:revLst>
 </p1510:revInfo>
 </file>
@@ -175,7 +175,7 @@
   <pc:docChgLst>
     <pc:chgData name="ZHANG Xiangyu" userId="0af619d5-14b7-43d3-95bc-94ad39c803d6" providerId="ADAL" clId="{1DC4A7AB-8307-463F-B68B-CDC3B517A939}"/>
     <pc:docChg chg="undo redo custSel addSld modSld">
-      <pc:chgData name="ZHANG Xiangyu" userId="0af619d5-14b7-43d3-95bc-94ad39c803d6" providerId="ADAL" clId="{1DC4A7AB-8307-463F-B68B-CDC3B517A939}" dt="2024-02-29T13:55:55.589" v="259" actId="1076"/>
+      <pc:chgData name="ZHANG Xiangyu" userId="0af619d5-14b7-43d3-95bc-94ad39c803d6" providerId="ADAL" clId="{1DC4A7AB-8307-463F-B68B-CDC3B517A939}" dt="2024-03-05T07:44:52.753" v="335" actId="403"/>
       <pc:docMkLst>
         <pc:docMk/>
       </pc:docMkLst>
@@ -201,6 +201,93 @@
             <ac:graphicFrameMk id="8" creationId="{40DCA412-8710-4D65-187C-6EDD2D0BC6C7}"/>
           </ac:graphicFrameMkLst>
         </pc:graphicFrameChg>
+      </pc:sldChg>
+      <pc:sldChg chg="addSp delSp modSp mod">
+        <pc:chgData name="ZHANG Xiangyu" userId="0af619d5-14b7-43d3-95bc-94ad39c803d6" providerId="ADAL" clId="{1DC4A7AB-8307-463F-B68B-CDC3B517A939}" dt="2024-03-05T07:44:52.753" v="335" actId="403"/>
+        <pc:sldMkLst>
+          <pc:docMk/>
+          <pc:sldMk cId="1914114955" sldId="264"/>
+        </pc:sldMkLst>
+        <pc:spChg chg="del topLvl">
+          <ac:chgData name="ZHANG Xiangyu" userId="0af619d5-14b7-43d3-95bc-94ad39c803d6" providerId="ADAL" clId="{1DC4A7AB-8307-463F-B68B-CDC3B517A939}" dt="2024-03-05T07:11:24.895" v="273" actId="478"/>
+          <ac:spMkLst>
+            <pc:docMk/>
+            <pc:sldMk cId="1914114955" sldId="264"/>
+            <ac:spMk id="5" creationId="{044497EB-57B3-FBE9-071E-447923CCD1CC}"/>
+          </ac:spMkLst>
+        </pc:spChg>
+        <pc:spChg chg="add mod">
+          <ac:chgData name="ZHANG Xiangyu" userId="0af619d5-14b7-43d3-95bc-94ad39c803d6" providerId="ADAL" clId="{1DC4A7AB-8307-463F-B68B-CDC3B517A939}" dt="2024-03-05T07:44:48.827" v="333" actId="403"/>
+          <ac:spMkLst>
+            <pc:docMk/>
+            <pc:sldMk cId="1914114955" sldId="264"/>
+            <ac:spMk id="10" creationId="{22DF6092-F4B1-7B11-6F08-4100876EF092}"/>
+          </ac:spMkLst>
+        </pc:spChg>
+        <pc:spChg chg="add mod">
+          <ac:chgData name="ZHANG Xiangyu" userId="0af619d5-14b7-43d3-95bc-94ad39c803d6" providerId="ADAL" clId="{1DC4A7AB-8307-463F-B68B-CDC3B517A939}" dt="2024-03-05T07:44:52.753" v="335" actId="403"/>
+          <ac:spMkLst>
+            <pc:docMk/>
+            <pc:sldMk cId="1914114955" sldId="264"/>
+            <ac:spMk id="12" creationId="{BC950EC9-08A6-7DB8-B5BF-2A709B765548}"/>
+          </ac:spMkLst>
+        </pc:spChg>
+        <pc:grpChg chg="del">
+          <ac:chgData name="ZHANG Xiangyu" userId="0af619d5-14b7-43d3-95bc-94ad39c803d6" providerId="ADAL" clId="{1DC4A7AB-8307-463F-B68B-CDC3B517A939}" dt="2024-03-05T07:11:24.895" v="273" actId="478"/>
+          <ac:grpSpMkLst>
+            <pc:docMk/>
+            <pc:sldMk cId="1914114955" sldId="264"/>
+            <ac:grpSpMk id="4" creationId="{85F23458-4B05-378C-872F-D6F2F6955630}"/>
+          </ac:grpSpMkLst>
+        </pc:grpChg>
+        <pc:grpChg chg="add mod">
+          <ac:chgData name="ZHANG Xiangyu" userId="0af619d5-14b7-43d3-95bc-94ad39c803d6" providerId="ADAL" clId="{1DC4A7AB-8307-463F-B68B-CDC3B517A939}" dt="2024-03-05T07:44:40.700" v="331" actId="14100"/>
+          <ac:grpSpMkLst>
+            <pc:docMk/>
+            <pc:sldMk cId="1914114955" sldId="264"/>
+            <ac:grpSpMk id="13" creationId="{2DC9A1EF-CAD0-2068-03BF-7C54F037F336}"/>
+          </ac:grpSpMkLst>
+        </pc:grpChg>
+        <pc:graphicFrameChg chg="add del mod">
+          <ac:chgData name="ZHANG Xiangyu" userId="0af619d5-14b7-43d3-95bc-94ad39c803d6" providerId="ADAL" clId="{1DC4A7AB-8307-463F-B68B-CDC3B517A939}" dt="2024-03-05T07:10:52.028" v="262"/>
+          <ac:graphicFrameMkLst>
+            <pc:docMk/>
+            <pc:sldMk cId="1914114955" sldId="264"/>
+            <ac:graphicFrameMk id="2" creationId="{330C36DC-C086-25D3-4E5E-3AD75D1491B9}"/>
+          </ac:graphicFrameMkLst>
+        </pc:graphicFrameChg>
+        <pc:picChg chg="del">
+          <ac:chgData name="ZHANG Xiangyu" userId="0af619d5-14b7-43d3-95bc-94ad39c803d6" providerId="ADAL" clId="{1DC4A7AB-8307-463F-B68B-CDC3B517A939}" dt="2024-03-05T07:44:29.963" v="328" actId="478"/>
+          <ac:picMkLst>
+            <pc:docMk/>
+            <pc:sldMk cId="1914114955" sldId="264"/>
+            <ac:picMk id="3" creationId="{A2B67B8D-9ED9-84AD-B857-D8A8AE46B1CB}"/>
+          </ac:picMkLst>
+        </pc:picChg>
+        <pc:picChg chg="mod topLvl">
+          <ac:chgData name="ZHANG Xiangyu" userId="0af619d5-14b7-43d3-95bc-94ad39c803d6" providerId="ADAL" clId="{1DC4A7AB-8307-463F-B68B-CDC3B517A939}" dt="2024-03-05T07:25:34.326" v="318" actId="1076"/>
+          <ac:picMkLst>
+            <pc:docMk/>
+            <pc:sldMk cId="1914114955" sldId="264"/>
+            <ac:picMk id="6" creationId="{9EFA56DD-A63A-194E-6522-77EAD029688E}"/>
+          </ac:picMkLst>
+        </pc:picChg>
+        <pc:picChg chg="add mod">
+          <ac:chgData name="ZHANG Xiangyu" userId="0af619d5-14b7-43d3-95bc-94ad39c803d6" providerId="ADAL" clId="{1DC4A7AB-8307-463F-B68B-CDC3B517A939}" dt="2024-03-05T07:17:59.375" v="294"/>
+          <ac:picMkLst>
+            <pc:docMk/>
+            <pc:sldMk cId="1914114955" sldId="264"/>
+            <ac:picMk id="8" creationId="{E2838A4E-ED2E-1F0F-50C1-EE64F24E1D13}"/>
+          </ac:picMkLst>
+        </pc:picChg>
+        <pc:cxnChg chg="add del mod">
+          <ac:chgData name="ZHANG Xiangyu" userId="0af619d5-14b7-43d3-95bc-94ad39c803d6" providerId="ADAL" clId="{1DC4A7AB-8307-463F-B68B-CDC3B517A939}" dt="2024-03-05T07:29:34.463" v="327" actId="478"/>
+          <ac:cxnSpMkLst>
+            <pc:docMk/>
+            <pc:sldMk cId="1914114955" sldId="264"/>
+            <ac:cxnSpMk id="15" creationId="{451083E3-0A41-B837-6C42-5C7F0082CB2F}"/>
+          </ac:cxnSpMkLst>
+        </pc:cxnChg>
       </pc:sldChg>
       <pc:sldChg chg="addSp modSp mod">
         <pc:chgData name="ZHANG Xiangyu" userId="0af619d5-14b7-43d3-95bc-94ad39c803d6" providerId="ADAL" clId="{1DC4A7AB-8307-463F-B68B-CDC3B517A939}" dt="2024-02-29T10:10:27.640" v="28" actId="14100"/>
@@ -2057,7 +2144,7 @@
           <a:p>
             <a:fld id="{B6A0FF1A-FA3A-44F4-8102-A8B090DA15CE}" type="datetimeFigureOut">
               <a:rPr lang="zh-CN" altLang="en-US" smtClean="0"/>
-              <a:t>2024/2/29</a:t>
+              <a:t>2024/3/5</a:t>
             </a:fld>
             <a:endParaRPr lang="zh-CN" altLang="en-US"/>
           </a:p>
@@ -2639,7 +2726,7 @@
           <a:p>
             <a:fld id="{443201C6-C6B2-4F96-9DF6-297028943761}" type="datetimeFigureOut">
               <a:rPr lang="zh-CN" altLang="en-US" smtClean="0"/>
-              <a:t>2024/2/29</a:t>
+              <a:t>2024/3/5</a:t>
             </a:fld>
             <a:endParaRPr lang="zh-CN" altLang="en-US"/>
           </a:p>
@@ -2837,7 +2924,7 @@
           <a:p>
             <a:fld id="{443201C6-C6B2-4F96-9DF6-297028943761}" type="datetimeFigureOut">
               <a:rPr lang="zh-CN" altLang="en-US" smtClean="0"/>
-              <a:t>2024/2/29</a:t>
+              <a:t>2024/3/5</a:t>
             </a:fld>
             <a:endParaRPr lang="zh-CN" altLang="en-US"/>
           </a:p>
@@ -3045,7 +3132,7 @@
           <a:p>
             <a:fld id="{443201C6-C6B2-4F96-9DF6-297028943761}" type="datetimeFigureOut">
               <a:rPr lang="zh-CN" altLang="en-US" smtClean="0"/>
-              <a:t>2024/2/29</a:t>
+              <a:t>2024/3/5</a:t>
             </a:fld>
             <a:endParaRPr lang="zh-CN" altLang="en-US"/>
           </a:p>
@@ -3243,7 +3330,7 @@
           <a:p>
             <a:fld id="{443201C6-C6B2-4F96-9DF6-297028943761}" type="datetimeFigureOut">
               <a:rPr lang="zh-CN" altLang="en-US" smtClean="0"/>
-              <a:t>2024/2/29</a:t>
+              <a:t>2024/3/5</a:t>
             </a:fld>
             <a:endParaRPr lang="zh-CN" altLang="en-US"/>
           </a:p>
@@ -3518,7 +3605,7 @@
           <a:p>
             <a:fld id="{443201C6-C6B2-4F96-9DF6-297028943761}" type="datetimeFigureOut">
               <a:rPr lang="zh-CN" altLang="en-US" smtClean="0"/>
-              <a:t>2024/2/29</a:t>
+              <a:t>2024/3/5</a:t>
             </a:fld>
             <a:endParaRPr lang="zh-CN" altLang="en-US"/>
           </a:p>
@@ -3783,7 +3870,7 @@
           <a:p>
             <a:fld id="{443201C6-C6B2-4F96-9DF6-297028943761}" type="datetimeFigureOut">
               <a:rPr lang="zh-CN" altLang="en-US" smtClean="0"/>
-              <a:t>2024/2/29</a:t>
+              <a:t>2024/3/5</a:t>
             </a:fld>
             <a:endParaRPr lang="zh-CN" altLang="en-US"/>
           </a:p>
@@ -4195,7 +4282,7 @@
           <a:p>
             <a:fld id="{443201C6-C6B2-4F96-9DF6-297028943761}" type="datetimeFigureOut">
               <a:rPr lang="zh-CN" altLang="en-US" smtClean="0"/>
-              <a:t>2024/2/29</a:t>
+              <a:t>2024/3/5</a:t>
             </a:fld>
             <a:endParaRPr lang="zh-CN" altLang="en-US"/>
           </a:p>
@@ -4336,7 +4423,7 @@
           <a:p>
             <a:fld id="{443201C6-C6B2-4F96-9DF6-297028943761}" type="datetimeFigureOut">
               <a:rPr lang="zh-CN" altLang="en-US" smtClean="0"/>
-              <a:t>2024/2/29</a:t>
+              <a:t>2024/3/5</a:t>
             </a:fld>
             <a:endParaRPr lang="zh-CN" altLang="en-US"/>
           </a:p>
@@ -4449,7 +4536,7 @@
           <a:p>
             <a:fld id="{443201C6-C6B2-4F96-9DF6-297028943761}" type="datetimeFigureOut">
               <a:rPr lang="zh-CN" altLang="en-US" smtClean="0"/>
-              <a:t>2024/2/29</a:t>
+              <a:t>2024/3/5</a:t>
             </a:fld>
             <a:endParaRPr lang="zh-CN" altLang="en-US"/>
           </a:p>
@@ -4760,7 +4847,7 @@
           <a:p>
             <a:fld id="{443201C6-C6B2-4F96-9DF6-297028943761}" type="datetimeFigureOut">
               <a:rPr lang="zh-CN" altLang="en-US" smtClean="0"/>
-              <a:t>2024/2/29</a:t>
+              <a:t>2024/3/5</a:t>
             </a:fld>
             <a:endParaRPr lang="zh-CN" altLang="en-US"/>
           </a:p>
@@ -5048,7 +5135,7 @@
           <a:p>
             <a:fld id="{443201C6-C6B2-4F96-9DF6-297028943761}" type="datetimeFigureOut">
               <a:rPr lang="zh-CN" altLang="en-US" smtClean="0"/>
-              <a:t>2024/2/29</a:t>
+              <a:t>2024/3/5</a:t>
             </a:fld>
             <a:endParaRPr lang="zh-CN" altLang="en-US"/>
           </a:p>
@@ -5289,7 +5376,7 @@
           <a:p>
             <a:fld id="{443201C6-C6B2-4F96-9DF6-297028943761}" type="datetimeFigureOut">
               <a:rPr lang="zh-CN" altLang="en-US" smtClean="0"/>
-              <a:t>2024/2/29</a:t>
+              <a:t>2024/3/5</a:t>
             </a:fld>
             <a:endParaRPr lang="zh-CN" altLang="en-US"/>
           </a:p>
@@ -13958,10 +14045,10 @@
       </p:grpSpPr>
       <p:grpSp>
         <p:nvGrpSpPr>
-          <p:cNvPr id="4" name="组合 3">
+          <p:cNvPr id="13" name="组合 12">
             <a:extLst>
               <a:ext uri="{FF2B5EF4-FFF2-40B4-BE49-F238E27FC236}">
-                <a16:creationId xmlns:a16="http://schemas.microsoft.com/office/drawing/2014/main" id="{85F23458-4B05-378C-872F-D6F2F6955630}"/>
+                <a16:creationId xmlns:a16="http://schemas.microsoft.com/office/drawing/2014/main" id="{2DC9A1EF-CAD0-2068-03BF-7C54F037F336}"/>
               </a:ext>
             </a:extLst>
           </p:cNvPr>
@@ -13970,77 +14057,12 @@
         </p:nvGrpSpPr>
         <p:grpSpPr>
           <a:xfrm>
-            <a:off x="3567017" y="1830940"/>
-            <a:ext cx="4891856" cy="2449727"/>
-            <a:chOff x="2297510" y="1484711"/>
-            <a:chExt cx="4891856" cy="2449727"/>
+            <a:off x="0" y="1098794"/>
+            <a:ext cx="12192000" cy="3047047"/>
+            <a:chOff x="-602342" y="1830940"/>
+            <a:chExt cx="9060542" cy="2264427"/>
           </a:xfrm>
         </p:grpSpPr>
-        <p:sp>
-          <p:nvSpPr>
-            <p:cNvPr id="5" name="Title 1">
-              <a:extLst>
-                <a:ext uri="{FF2B5EF4-FFF2-40B4-BE49-F238E27FC236}">
-                  <a16:creationId xmlns:a16="http://schemas.microsoft.com/office/drawing/2014/main" id="{044497EB-57B3-FBE9-071E-447923CCD1CC}"/>
-                </a:ext>
-              </a:extLst>
-            </p:cNvPr>
-            <p:cNvSpPr txBox="1">
-              <a:spLocks/>
-            </p:cNvSpPr>
-            <p:nvPr/>
-          </p:nvSpPr>
-          <p:spPr>
-            <a:xfrm>
-              <a:off x="2297510" y="3024232"/>
-              <a:ext cx="4891856" cy="910206"/>
-            </a:xfrm>
-            <a:prstGeom prst="rect">
-              <a:avLst/>
-            </a:prstGeom>
-          </p:spPr>
-          <p:txBody>
-            <a:bodyPr vert="horz" lIns="91440" tIns="45720" rIns="91440" bIns="45720" rtlCol="0" anchor="ctr">
-              <a:normAutofit/>
-            </a:bodyPr>
-            <a:lstStyle>
-              <a:lvl1pPr algn="l" defTabSz="914400" rtl="0" eaLnBrk="1" latinLnBrk="0" hangingPunct="1">
-                <a:lnSpc>
-                  <a:spcPct val="90000"/>
-                </a:lnSpc>
-                <a:spcBef>
-                  <a:spcPct val="0"/>
-                </a:spcBef>
-                <a:buNone/>
-                <a:defRPr sz="4400" kern="1200">
-                  <a:solidFill>
-                    <a:schemeClr val="tx1"/>
-                  </a:solidFill>
-                  <a:latin typeface="+mj-lt"/>
-                  <a:ea typeface="+mj-ea"/>
-                  <a:cs typeface="+mj-cs"/>
-                </a:defRPr>
-              </a:lvl1pPr>
-            </a:lstStyle>
-            <a:p>
-              <a:pPr algn="ctr"/>
-              <a:r>
-                <a:rPr lang="en-HK" sz="2800" b="1" dirty="0">
-                  <a:solidFill>
-                    <a:srgbClr val="0978C2"/>
-                  </a:solidFill>
-                  <a:latin typeface="Open Sans" panose="020B0606030504020204" pitchFamily="34" charset="0"/>
-                </a:rPr>
-                <a:t>UNIVERSITI TUNKU ABDUL RAHMAN</a:t>
-              </a:r>
-              <a:endParaRPr lang="en-HK" sz="2800" b="1" dirty="0">
-                <a:solidFill>
-                  <a:srgbClr val="0978C2"/>
-                </a:solidFill>
-              </a:endParaRPr>
-            </a:p>
-          </p:txBody>
-        </p:sp>
         <p:pic>
           <p:nvPicPr>
             <p:cNvPr id="6" name="图片 5" descr="徽标&#10;&#10;描述已自动生成">
@@ -14069,45 +14091,159 @@
           </p:blipFill>
           <p:spPr>
             <a:xfrm>
-              <a:off x="3339240" y="1484711"/>
-              <a:ext cx="2819079" cy="1417880"/>
+              <a:off x="5211929" y="2149978"/>
+              <a:ext cx="2820754" cy="1418722"/>
             </a:xfrm>
             <a:prstGeom prst="rect">
               <a:avLst/>
             </a:prstGeom>
           </p:spPr>
         </p:pic>
+        <p:pic>
+          <p:nvPicPr>
+            <p:cNvPr id="8" name="图片 7" descr="图示, 徽标&#10;&#10;描述已自动生成">
+              <a:extLst>
+                <a:ext uri="{FF2B5EF4-FFF2-40B4-BE49-F238E27FC236}">
+                  <a16:creationId xmlns:a16="http://schemas.microsoft.com/office/drawing/2014/main" id="{E2838A4E-ED2E-1F0F-50C1-EE64F24E1D13}"/>
+                </a:ext>
+              </a:extLst>
+            </p:cNvPr>
+            <p:cNvPicPr>
+              <a:picLocks noChangeAspect="1"/>
+            </p:cNvPicPr>
+            <p:nvPr/>
+          </p:nvPicPr>
+          <p:blipFill>
+            <a:blip r:embed="rId3"/>
+            <a:stretch>
+              <a:fillRect/>
+            </a:stretch>
+          </p:blipFill>
+          <p:spPr>
+            <a:xfrm>
+              <a:off x="1090867" y="1830940"/>
+              <a:ext cx="1416651" cy="1737760"/>
+            </a:xfrm>
+            <a:prstGeom prst="rect">
+              <a:avLst/>
+            </a:prstGeom>
+          </p:spPr>
+        </p:pic>
+        <p:sp>
+          <p:nvSpPr>
+            <p:cNvPr id="10" name="文本框 9">
+              <a:extLst>
+                <a:ext uri="{FF2B5EF4-FFF2-40B4-BE49-F238E27FC236}">
+                  <a16:creationId xmlns:a16="http://schemas.microsoft.com/office/drawing/2014/main" id="{22DF6092-F4B1-7B11-6F08-4100876EF092}"/>
+                </a:ext>
+              </a:extLst>
+            </p:cNvPr>
+            <p:cNvSpPr txBox="1"/>
+            <p:nvPr/>
+          </p:nvSpPr>
+          <p:spPr>
+            <a:xfrm>
+              <a:off x="-602342" y="3706534"/>
+              <a:ext cx="3739051" cy="388833"/>
+            </a:xfrm>
+            <a:prstGeom prst="rect">
+              <a:avLst/>
+            </a:prstGeom>
+            <a:noFill/>
+          </p:spPr>
+          <p:txBody>
+            <a:bodyPr wrap="square">
+              <a:spAutoFit/>
+            </a:bodyPr>
+            <a:lstStyle/>
+            <a:p>
+              <a:pPr algn="r" fontAlgn="base"/>
+              <a:r>
+                <a:rPr lang="en-US" altLang="zh-CN" sz="2800" b="1" i="0" dirty="0">
+                  <a:solidFill>
+                    <a:srgbClr val="006DBE"/>
+                  </a:solidFill>
+                  <a:effectLst/>
+                  <a:latin typeface="Arial" panose="020B0604020202020204" pitchFamily="34" charset="0"/>
+                </a:rPr>
+                <a:t>University of Malaya</a:t>
+              </a:r>
+            </a:p>
+          </p:txBody>
+        </p:sp>
+        <p:sp>
+          <p:nvSpPr>
+            <p:cNvPr id="12" name="文本框 11">
+              <a:extLst>
+                <a:ext uri="{FF2B5EF4-FFF2-40B4-BE49-F238E27FC236}">
+                  <a16:creationId xmlns:a16="http://schemas.microsoft.com/office/drawing/2014/main" id="{BC950EC9-08A6-7DB8-B5BF-2A709B765548}"/>
+                </a:ext>
+              </a:extLst>
+            </p:cNvPr>
+            <p:cNvSpPr txBox="1"/>
+            <p:nvPr/>
+          </p:nvSpPr>
+          <p:spPr>
+            <a:xfrm>
+              <a:off x="3924301" y="3706534"/>
+              <a:ext cx="4533899" cy="388833"/>
+            </a:xfrm>
+            <a:prstGeom prst="rect">
+              <a:avLst/>
+            </a:prstGeom>
+            <a:noFill/>
+          </p:spPr>
+          <p:txBody>
+            <a:bodyPr wrap="square">
+              <a:spAutoFit/>
+            </a:bodyPr>
+            <a:lstStyle/>
+            <a:p>
+              <a:pPr algn="r" fontAlgn="base"/>
+              <a:r>
+                <a:rPr lang="en-US" altLang="zh-CN" sz="2800" b="1" i="0" dirty="0" err="1">
+                  <a:solidFill>
+                    <a:srgbClr val="006DBE"/>
+                  </a:solidFill>
+                  <a:effectLst/>
+                  <a:latin typeface="Arial" panose="020B0604020202020204" pitchFamily="34" charset="0"/>
+                </a:rPr>
+                <a:t>Universiti</a:t>
+              </a:r>
+              <a:r>
+                <a:rPr lang="en-US" altLang="zh-CN" sz="2800" b="1" i="0" dirty="0">
+                  <a:solidFill>
+                    <a:srgbClr val="006DBE"/>
+                  </a:solidFill>
+                  <a:effectLst/>
+                  <a:latin typeface="Arial" panose="020B0604020202020204" pitchFamily="34" charset="0"/>
+                </a:rPr>
+                <a:t> </a:t>
+              </a:r>
+              <a:r>
+                <a:rPr lang="en-US" altLang="zh-CN" sz="2800" b="1" i="0" dirty="0" err="1">
+                  <a:solidFill>
+                    <a:srgbClr val="006DBE"/>
+                  </a:solidFill>
+                  <a:effectLst/>
+                  <a:latin typeface="Arial" panose="020B0604020202020204" pitchFamily="34" charset="0"/>
+                </a:rPr>
+                <a:t>Tunku</a:t>
+              </a:r>
+              <a:r>
+                <a:rPr lang="en-US" altLang="zh-CN" sz="2800" b="1" i="0" dirty="0">
+                  <a:solidFill>
+                    <a:srgbClr val="006DBE"/>
+                  </a:solidFill>
+                  <a:effectLst/>
+                  <a:latin typeface="Arial" panose="020B0604020202020204" pitchFamily="34" charset="0"/>
+                </a:rPr>
+                <a:t> Abdul Rahman</a:t>
+              </a:r>
+            </a:p>
+          </p:txBody>
+        </p:sp>
       </p:grpSp>
-      <p:pic>
-        <p:nvPicPr>
-          <p:cNvPr id="3" name="图片 2">
-            <a:extLst>
-              <a:ext uri="{FF2B5EF4-FFF2-40B4-BE49-F238E27FC236}">
-                <a16:creationId xmlns:a16="http://schemas.microsoft.com/office/drawing/2014/main" id="{A2B67B8D-9ED9-84AD-B857-D8A8AE46B1CB}"/>
-              </a:ext>
-            </a:extLst>
-          </p:cNvPr>
-          <p:cNvPicPr>
-            <a:picLocks noChangeAspect="1"/>
-          </p:cNvPicPr>
-          <p:nvPr/>
-        </p:nvPicPr>
-        <p:blipFill>
-          <a:blip r:embed="rId3"/>
-          <a:stretch>
-            <a:fillRect/>
-          </a:stretch>
-        </p:blipFill>
-        <p:spPr>
-          <a:xfrm>
-            <a:off x="10013882" y="2967215"/>
-            <a:ext cx="2654436" cy="806491"/>
-          </a:xfrm>
-          <a:prstGeom prst="rect">
-            <a:avLst/>
-          </a:prstGeom>
-        </p:spPr>
-      </p:pic>
     </p:spTree>
     <p:extLst>
       <p:ext uri="{BB962C8B-B14F-4D97-AF65-F5344CB8AC3E}">

--- a/assets/figures.pptx
+++ b/assets/figures.pptx
@@ -133,7 +133,7 @@
 <file path=ppt/revisionInfo.xml><?xml version="1.0" encoding="utf-8"?>
 <p1510:revInfo xmlns:a="http://schemas.openxmlformats.org/drawingml/2006/main" xmlns:r="http://schemas.openxmlformats.org/officeDocument/2006/relationships" xmlns:p1510="http://schemas.microsoft.com/office/powerpoint/2015/10/main">
   <p1510:revLst>
-    <p1510:client id="{1DC4A7AB-8307-463F-B68B-CDC3B517A939}" v="76" dt="2024-03-05T07:19:07.191"/>
+    <p1510:client id="{1DC4A7AB-8307-463F-B68B-CDC3B517A939}" v="77" dt="2024-03-05T08:30:02.327"/>
   </p1510:revLst>
 </p1510:revInfo>
 </file>
@@ -175,7 +175,7 @@
   <pc:docChgLst>
     <pc:chgData name="ZHANG Xiangyu" userId="0af619d5-14b7-43d3-95bc-94ad39c803d6" providerId="ADAL" clId="{1DC4A7AB-8307-463F-B68B-CDC3B517A939}"/>
     <pc:docChg chg="undo redo custSel addSld modSld">
-      <pc:chgData name="ZHANG Xiangyu" userId="0af619d5-14b7-43d3-95bc-94ad39c803d6" providerId="ADAL" clId="{1DC4A7AB-8307-463F-B68B-CDC3B517A939}" dt="2024-03-05T07:44:52.753" v="335" actId="403"/>
+      <pc:chgData name="ZHANG Xiangyu" userId="0af619d5-14b7-43d3-95bc-94ad39c803d6" providerId="ADAL" clId="{1DC4A7AB-8307-463F-B68B-CDC3B517A939}" dt="2024-03-05T08:30:13.799" v="339" actId="1076"/>
       <pc:docMkLst>
         <pc:docMk/>
       </pc:docMkLst>
@@ -203,7 +203,7 @@
         </pc:graphicFrameChg>
       </pc:sldChg>
       <pc:sldChg chg="addSp delSp modSp mod">
-        <pc:chgData name="ZHANG Xiangyu" userId="0af619d5-14b7-43d3-95bc-94ad39c803d6" providerId="ADAL" clId="{1DC4A7AB-8307-463F-B68B-CDC3B517A939}" dt="2024-03-05T07:44:52.753" v="335" actId="403"/>
+        <pc:chgData name="ZHANG Xiangyu" userId="0af619d5-14b7-43d3-95bc-94ad39c803d6" providerId="ADAL" clId="{1DC4A7AB-8307-463F-B68B-CDC3B517A939}" dt="2024-03-05T08:30:13.799" v="339" actId="1076"/>
         <pc:sldMkLst>
           <pc:docMk/>
           <pc:sldMk cId="1914114955" sldId="264"/>
@@ -216,6 +216,22 @@
             <ac:spMk id="5" creationId="{044497EB-57B3-FBE9-071E-447923CCD1CC}"/>
           </ac:spMkLst>
         </pc:spChg>
+        <pc:spChg chg="mod">
+          <ac:chgData name="ZHANG Xiangyu" userId="0af619d5-14b7-43d3-95bc-94ad39c803d6" providerId="ADAL" clId="{1DC4A7AB-8307-463F-B68B-CDC3B517A939}" dt="2024-03-05T08:30:07.096" v="337" actId="14100"/>
+          <ac:spMkLst>
+            <pc:docMk/>
+            <pc:sldMk cId="1914114955" sldId="264"/>
+            <ac:spMk id="5" creationId="{7338B47B-80D1-203B-4437-26026DEE3125}"/>
+          </ac:spMkLst>
+        </pc:spChg>
+        <pc:spChg chg="mod">
+          <ac:chgData name="ZHANG Xiangyu" userId="0af619d5-14b7-43d3-95bc-94ad39c803d6" providerId="ADAL" clId="{1DC4A7AB-8307-463F-B68B-CDC3B517A939}" dt="2024-03-05T08:30:13.799" v="339" actId="1076"/>
+          <ac:spMkLst>
+            <pc:docMk/>
+            <pc:sldMk cId="1914114955" sldId="264"/>
+            <ac:spMk id="7" creationId="{10A67654-CDAD-DF6F-D207-80ACC7597F84}"/>
+          </ac:spMkLst>
+        </pc:spChg>
         <pc:spChg chg="add mod">
           <ac:chgData name="ZHANG Xiangyu" userId="0af619d5-14b7-43d3-95bc-94ad39c803d6" providerId="ADAL" clId="{1DC4A7AB-8307-463F-B68B-CDC3B517A939}" dt="2024-03-05T07:44:48.827" v="333" actId="403"/>
           <ac:spMkLst>
@@ -232,6 +248,14 @@
             <ac:spMk id="12" creationId="{BC950EC9-08A6-7DB8-B5BF-2A709B765548}"/>
           </ac:spMkLst>
         </pc:spChg>
+        <pc:grpChg chg="add mod">
+          <ac:chgData name="ZHANG Xiangyu" userId="0af619d5-14b7-43d3-95bc-94ad39c803d6" providerId="ADAL" clId="{1DC4A7AB-8307-463F-B68B-CDC3B517A939}" dt="2024-03-05T08:30:02.326" v="336" actId="571"/>
+          <ac:grpSpMkLst>
+            <pc:docMk/>
+            <pc:sldMk cId="1914114955" sldId="264"/>
+            <ac:grpSpMk id="2" creationId="{A793181F-D364-BEE8-B7A1-63C09252072B}"/>
+          </ac:grpSpMkLst>
+        </pc:grpChg>
         <pc:grpChg chg="del">
           <ac:chgData name="ZHANG Xiangyu" userId="0af619d5-14b7-43d3-95bc-94ad39c803d6" providerId="ADAL" clId="{1DC4A7AB-8307-463F-B68B-CDC3B517A939}" dt="2024-03-05T07:11:24.895" v="273" actId="478"/>
           <ac:grpSpMkLst>
@@ -262,6 +286,22 @@
             <pc:docMk/>
             <pc:sldMk cId="1914114955" sldId="264"/>
             <ac:picMk id="3" creationId="{A2B67B8D-9ED9-84AD-B857-D8A8AE46B1CB}"/>
+          </ac:picMkLst>
+        </pc:picChg>
+        <pc:picChg chg="mod">
+          <ac:chgData name="ZHANG Xiangyu" userId="0af619d5-14b7-43d3-95bc-94ad39c803d6" providerId="ADAL" clId="{1DC4A7AB-8307-463F-B68B-CDC3B517A939}" dt="2024-03-05T08:30:13.799" v="339" actId="1076"/>
+          <ac:picMkLst>
+            <pc:docMk/>
+            <pc:sldMk cId="1914114955" sldId="264"/>
+            <ac:picMk id="3" creationId="{EFF3AD32-96C1-9EE9-25C1-54797B874CA4}"/>
+          </ac:picMkLst>
+        </pc:picChg>
+        <pc:picChg chg="mod">
+          <ac:chgData name="ZHANG Xiangyu" userId="0af619d5-14b7-43d3-95bc-94ad39c803d6" providerId="ADAL" clId="{1DC4A7AB-8307-463F-B68B-CDC3B517A939}" dt="2024-03-05T08:30:02.326" v="336" actId="571"/>
+          <ac:picMkLst>
+            <pc:docMk/>
+            <pc:sldMk cId="1914114955" sldId="264"/>
+            <ac:picMk id="4" creationId="{EA19AFB3-3DC8-37DC-3F08-1290C903D078}"/>
           </ac:picMkLst>
         </pc:picChg>
         <pc:picChg chg="mod topLvl">
@@ -14244,6 +14284,207 @@
           </p:txBody>
         </p:sp>
       </p:grpSp>
+      <p:grpSp>
+        <p:nvGrpSpPr>
+          <p:cNvPr id="2" name="组合 1">
+            <a:extLst>
+              <a:ext uri="{FF2B5EF4-FFF2-40B4-BE49-F238E27FC236}">
+                <a16:creationId xmlns:a16="http://schemas.microsoft.com/office/drawing/2014/main" id="{A793181F-D364-BEE8-B7A1-63C09252072B}"/>
+              </a:ext>
+            </a:extLst>
+          </p:cNvPr>
+          <p:cNvGrpSpPr/>
+          <p:nvPr/>
+        </p:nvGrpSpPr>
+        <p:grpSpPr>
+          <a:xfrm>
+            <a:off x="1306287" y="4828965"/>
+            <a:ext cx="9855199" cy="3047047"/>
+            <a:chOff x="368431" y="1830940"/>
+            <a:chExt cx="7323938" cy="2264427"/>
+          </a:xfrm>
+        </p:grpSpPr>
+        <p:pic>
+          <p:nvPicPr>
+            <p:cNvPr id="3" name="图片 2" descr="徽标&#10;&#10;描述已自动生成">
+              <a:extLst>
+                <a:ext uri="{FF2B5EF4-FFF2-40B4-BE49-F238E27FC236}">
+                  <a16:creationId xmlns:a16="http://schemas.microsoft.com/office/drawing/2014/main" id="{EFF3AD32-96C1-9EE9-25C1-54797B874CA4}"/>
+                </a:ext>
+              </a:extLst>
+            </p:cNvPr>
+            <p:cNvPicPr>
+              <a:picLocks noChangeAspect="1"/>
+            </p:cNvPicPr>
+            <p:nvPr/>
+          </p:nvPicPr>
+          <p:blipFill>
+            <a:blip r:embed="rId2">
+              <a:extLst>
+                <a:ext uri="{28A0092B-C50C-407E-A947-70E740481C1C}">
+                  <a14:useLocalDpi xmlns:a14="http://schemas.microsoft.com/office/drawing/2010/main" val="0"/>
+                </a:ext>
+              </a:extLst>
+            </a:blip>
+            <a:stretch>
+              <a:fillRect/>
+            </a:stretch>
+          </p:blipFill>
+          <p:spPr>
+            <a:xfrm>
+              <a:off x="4446098" y="2149978"/>
+              <a:ext cx="2820754" cy="1418722"/>
+            </a:xfrm>
+            <a:prstGeom prst="rect">
+              <a:avLst/>
+            </a:prstGeom>
+          </p:spPr>
+        </p:pic>
+        <p:pic>
+          <p:nvPicPr>
+            <p:cNvPr id="4" name="图片 3" descr="图示, 徽标&#10;&#10;描述已自动生成">
+              <a:extLst>
+                <a:ext uri="{FF2B5EF4-FFF2-40B4-BE49-F238E27FC236}">
+                  <a16:creationId xmlns:a16="http://schemas.microsoft.com/office/drawing/2014/main" id="{EA19AFB3-3DC8-37DC-3F08-1290C903D078}"/>
+                </a:ext>
+              </a:extLst>
+            </p:cNvPr>
+            <p:cNvPicPr>
+              <a:picLocks noChangeAspect="1"/>
+            </p:cNvPicPr>
+            <p:nvPr/>
+          </p:nvPicPr>
+          <p:blipFill>
+            <a:blip r:embed="rId3"/>
+            <a:stretch>
+              <a:fillRect/>
+            </a:stretch>
+          </p:blipFill>
+          <p:spPr>
+            <a:xfrm>
+              <a:off x="1090867" y="1830940"/>
+              <a:ext cx="1416651" cy="1737760"/>
+            </a:xfrm>
+            <a:prstGeom prst="rect">
+              <a:avLst/>
+            </a:prstGeom>
+          </p:spPr>
+        </p:pic>
+        <p:sp>
+          <p:nvSpPr>
+            <p:cNvPr id="5" name="文本框 4">
+              <a:extLst>
+                <a:ext uri="{FF2B5EF4-FFF2-40B4-BE49-F238E27FC236}">
+                  <a16:creationId xmlns:a16="http://schemas.microsoft.com/office/drawing/2014/main" id="{7338B47B-80D1-203B-4437-26026DEE3125}"/>
+                </a:ext>
+              </a:extLst>
+            </p:cNvPr>
+            <p:cNvSpPr txBox="1"/>
+            <p:nvPr/>
+          </p:nvSpPr>
+          <p:spPr>
+            <a:xfrm>
+              <a:off x="368431" y="3706534"/>
+              <a:ext cx="2768279" cy="388833"/>
+            </a:xfrm>
+            <a:prstGeom prst="rect">
+              <a:avLst/>
+            </a:prstGeom>
+            <a:noFill/>
+          </p:spPr>
+          <p:txBody>
+            <a:bodyPr wrap="square">
+              <a:spAutoFit/>
+            </a:bodyPr>
+            <a:lstStyle/>
+            <a:p>
+              <a:pPr algn="r" fontAlgn="base"/>
+              <a:r>
+                <a:rPr lang="en-US" altLang="zh-CN" sz="2800" b="1" i="0" dirty="0">
+                  <a:solidFill>
+                    <a:srgbClr val="006DBE"/>
+                  </a:solidFill>
+                  <a:effectLst/>
+                  <a:latin typeface="Arial" panose="020B0604020202020204" pitchFamily="34" charset="0"/>
+                </a:rPr>
+                <a:t>University of Malaya</a:t>
+              </a:r>
+            </a:p>
+          </p:txBody>
+        </p:sp>
+        <p:sp>
+          <p:nvSpPr>
+            <p:cNvPr id="7" name="文本框 6">
+              <a:extLst>
+                <a:ext uri="{FF2B5EF4-FFF2-40B4-BE49-F238E27FC236}">
+                  <a16:creationId xmlns:a16="http://schemas.microsoft.com/office/drawing/2014/main" id="{10A67654-CDAD-DF6F-D207-80ACC7597F84}"/>
+                </a:ext>
+              </a:extLst>
+            </p:cNvPr>
+            <p:cNvSpPr txBox="1"/>
+            <p:nvPr/>
+          </p:nvSpPr>
+          <p:spPr>
+            <a:xfrm>
+              <a:off x="3528834" y="3706534"/>
+              <a:ext cx="4163535" cy="388833"/>
+            </a:xfrm>
+            <a:prstGeom prst="rect">
+              <a:avLst/>
+            </a:prstGeom>
+            <a:noFill/>
+          </p:spPr>
+          <p:txBody>
+            <a:bodyPr wrap="square">
+              <a:spAutoFit/>
+            </a:bodyPr>
+            <a:lstStyle/>
+            <a:p>
+              <a:pPr algn="r" fontAlgn="base"/>
+              <a:r>
+                <a:rPr lang="en-US" altLang="zh-CN" sz="2800" b="1" i="0" dirty="0" err="1">
+                  <a:solidFill>
+                    <a:srgbClr val="006DBE"/>
+                  </a:solidFill>
+                  <a:effectLst/>
+                  <a:latin typeface="Arial" panose="020B0604020202020204" pitchFamily="34" charset="0"/>
+                </a:rPr>
+                <a:t>Universiti</a:t>
+              </a:r>
+              <a:r>
+                <a:rPr lang="en-US" altLang="zh-CN" sz="2800" b="1" i="0" dirty="0">
+                  <a:solidFill>
+                    <a:srgbClr val="006DBE"/>
+                  </a:solidFill>
+                  <a:effectLst/>
+                  <a:latin typeface="Arial" panose="020B0604020202020204" pitchFamily="34" charset="0"/>
+                </a:rPr>
+                <a:t> </a:t>
+              </a:r>
+              <a:r>
+                <a:rPr lang="en-US" altLang="zh-CN" sz="2800" b="1" i="0" dirty="0" err="1">
+                  <a:solidFill>
+                    <a:srgbClr val="006DBE"/>
+                  </a:solidFill>
+                  <a:effectLst/>
+                  <a:latin typeface="Arial" panose="020B0604020202020204" pitchFamily="34" charset="0"/>
+                </a:rPr>
+                <a:t>Tunku</a:t>
+              </a:r>
+              <a:r>
+                <a:rPr lang="en-US" altLang="zh-CN" sz="2800" b="1" i="0" dirty="0">
+                  <a:solidFill>
+                    <a:srgbClr val="006DBE"/>
+                  </a:solidFill>
+                  <a:effectLst/>
+                  <a:latin typeface="Arial" panose="020B0604020202020204" pitchFamily="34" charset="0"/>
+                </a:rPr>
+                <a:t> Abdul Rahman</a:t>
+              </a:r>
+            </a:p>
+          </p:txBody>
+        </p:sp>
+      </p:grpSp>
     </p:spTree>
     <p:extLst>
       <p:ext uri="{BB962C8B-B14F-4D97-AF65-F5344CB8AC3E}">

--- a/assets/figures.pptx
+++ b/assets/figures.pptx
@@ -133,7 +133,7 @@
 <file path=ppt/revisionInfo.xml><?xml version="1.0" encoding="utf-8"?>
 <p1510:revInfo xmlns:a="http://schemas.openxmlformats.org/drawingml/2006/main" xmlns:r="http://schemas.openxmlformats.org/officeDocument/2006/relationships" xmlns:p1510="http://schemas.microsoft.com/office/powerpoint/2015/10/main">
   <p1510:revLst>
-    <p1510:client id="{1DC4A7AB-8307-463F-B68B-CDC3B517A939}" v="77" dt="2024-03-05T08:30:02.327"/>
+    <p1510:client id="{1DC4A7AB-8307-463F-B68B-CDC3B517A939}" v="79" dt="2024-03-05T08:48:15.033"/>
   </p1510:revLst>
 </p1510:revInfo>
 </file>
@@ -175,7 +175,7 @@
   <pc:docChgLst>
     <pc:chgData name="ZHANG Xiangyu" userId="0af619d5-14b7-43d3-95bc-94ad39c803d6" providerId="ADAL" clId="{1DC4A7AB-8307-463F-B68B-CDC3B517A939}"/>
     <pc:docChg chg="undo redo custSel addSld modSld">
-      <pc:chgData name="ZHANG Xiangyu" userId="0af619d5-14b7-43d3-95bc-94ad39c803d6" providerId="ADAL" clId="{1DC4A7AB-8307-463F-B68B-CDC3B517A939}" dt="2024-03-05T08:30:13.799" v="339" actId="1076"/>
+      <pc:chgData name="ZHANG Xiangyu" userId="0af619d5-14b7-43d3-95bc-94ad39c803d6" providerId="ADAL" clId="{1DC4A7AB-8307-463F-B68B-CDC3B517A939}" dt="2024-03-05T08:48:37.321" v="364" actId="1076"/>
       <pc:docMkLst>
         <pc:docMk/>
       </pc:docMkLst>
@@ -203,7 +203,7 @@
         </pc:graphicFrameChg>
       </pc:sldChg>
       <pc:sldChg chg="addSp delSp modSp mod">
-        <pc:chgData name="ZHANG Xiangyu" userId="0af619d5-14b7-43d3-95bc-94ad39c803d6" providerId="ADAL" clId="{1DC4A7AB-8307-463F-B68B-CDC3B517A939}" dt="2024-03-05T08:30:13.799" v="339" actId="1076"/>
+        <pc:chgData name="ZHANG Xiangyu" userId="0af619d5-14b7-43d3-95bc-94ad39c803d6" providerId="ADAL" clId="{1DC4A7AB-8307-463F-B68B-CDC3B517A939}" dt="2024-03-05T08:48:37.321" v="364" actId="1076"/>
         <pc:sldMkLst>
           <pc:docMk/>
           <pc:sldMk cId="1914114955" sldId="264"/>
@@ -217,7 +217,7 @@
           </ac:spMkLst>
         </pc:spChg>
         <pc:spChg chg="mod">
-          <ac:chgData name="ZHANG Xiangyu" userId="0af619d5-14b7-43d3-95bc-94ad39c803d6" providerId="ADAL" clId="{1DC4A7AB-8307-463F-B68B-CDC3B517A939}" dt="2024-03-05T08:30:07.096" v="337" actId="14100"/>
+          <ac:chgData name="ZHANG Xiangyu" userId="0af619d5-14b7-43d3-95bc-94ad39c803d6" providerId="ADAL" clId="{1DC4A7AB-8307-463F-B68B-CDC3B517A939}" dt="2024-03-05T08:33:24.676" v="341" actId="403"/>
           <ac:spMkLst>
             <pc:docMk/>
             <pc:sldMk cId="1914114955" sldId="264"/>
@@ -233,19 +233,43 @@
           </ac:spMkLst>
         </pc:spChg>
         <pc:spChg chg="add mod">
-          <ac:chgData name="ZHANG Xiangyu" userId="0af619d5-14b7-43d3-95bc-94ad39c803d6" providerId="ADAL" clId="{1DC4A7AB-8307-463F-B68B-CDC3B517A939}" dt="2024-03-05T07:44:48.827" v="333" actId="403"/>
+          <ac:chgData name="ZHANG Xiangyu" userId="0af619d5-14b7-43d3-95bc-94ad39c803d6" providerId="ADAL" clId="{1DC4A7AB-8307-463F-B68B-CDC3B517A939}" dt="2024-03-05T08:48:09.785" v="359" actId="1076"/>
           <ac:spMkLst>
             <pc:docMk/>
             <pc:sldMk cId="1914114955" sldId="264"/>
             <ac:spMk id="10" creationId="{22DF6092-F4B1-7B11-6F08-4100876EF092}"/>
           </ac:spMkLst>
         </pc:spChg>
+        <pc:spChg chg="add">
+          <ac:chgData name="ZHANG Xiangyu" userId="0af619d5-14b7-43d3-95bc-94ad39c803d6" providerId="ADAL" clId="{1DC4A7AB-8307-463F-B68B-CDC3B517A939}" dt="2024-03-05T08:47:45.345" v="353" actId="11529"/>
+          <ac:spMkLst>
+            <pc:docMk/>
+            <pc:sldMk cId="1914114955" sldId="264"/>
+            <ac:spMk id="11" creationId="{E47FF1F6-7135-D23A-90A5-F0E83169A8F6}"/>
+          </ac:spMkLst>
+        </pc:spChg>
         <pc:spChg chg="add mod">
-          <ac:chgData name="ZHANG Xiangyu" userId="0af619d5-14b7-43d3-95bc-94ad39c803d6" providerId="ADAL" clId="{1DC4A7AB-8307-463F-B68B-CDC3B517A939}" dt="2024-03-05T07:44:52.753" v="335" actId="403"/>
+          <ac:chgData name="ZHANG Xiangyu" userId="0af619d5-14b7-43d3-95bc-94ad39c803d6" providerId="ADAL" clId="{1DC4A7AB-8307-463F-B68B-CDC3B517A939}" dt="2024-03-05T08:48:28.102" v="363" actId="1076"/>
           <ac:spMkLst>
             <pc:docMk/>
             <pc:sldMk cId="1914114955" sldId="264"/>
             <ac:spMk id="12" creationId="{BC950EC9-08A6-7DB8-B5BF-2A709B765548}"/>
+          </ac:spMkLst>
+        </pc:spChg>
+        <pc:spChg chg="add mod">
+          <ac:chgData name="ZHANG Xiangyu" userId="0af619d5-14b7-43d3-95bc-94ad39c803d6" providerId="ADAL" clId="{1DC4A7AB-8307-463F-B68B-CDC3B517A939}" dt="2024-03-05T08:47:54.204" v="355" actId="14100"/>
+          <ac:spMkLst>
+            <pc:docMk/>
+            <pc:sldMk cId="1914114955" sldId="264"/>
+            <ac:spMk id="14" creationId="{0841CF5F-2F75-0521-1B1A-C5133F430EBF}"/>
+          </ac:spMkLst>
+        </pc:spChg>
+        <pc:spChg chg="add mod">
+          <ac:chgData name="ZHANG Xiangyu" userId="0af619d5-14b7-43d3-95bc-94ad39c803d6" providerId="ADAL" clId="{1DC4A7AB-8307-463F-B68B-CDC3B517A939}" dt="2024-03-05T08:48:15.032" v="360" actId="571"/>
+          <ac:spMkLst>
+            <pc:docMk/>
+            <pc:sldMk cId="1914114955" sldId="264"/>
+            <ac:spMk id="15" creationId="{34522029-70B4-4AB8-B152-BFAC1BBA7F7C}"/>
           </ac:spMkLst>
         </pc:spChg>
         <pc:grpChg chg="add mod">
@@ -265,7 +289,7 @@
           </ac:grpSpMkLst>
         </pc:grpChg>
         <pc:grpChg chg="add mod">
-          <ac:chgData name="ZHANG Xiangyu" userId="0af619d5-14b7-43d3-95bc-94ad39c803d6" providerId="ADAL" clId="{1DC4A7AB-8307-463F-B68B-CDC3B517A939}" dt="2024-03-05T07:44:40.700" v="331" actId="14100"/>
+          <ac:chgData name="ZHANG Xiangyu" userId="0af619d5-14b7-43d3-95bc-94ad39c803d6" providerId="ADAL" clId="{1DC4A7AB-8307-463F-B68B-CDC3B517A939}" dt="2024-03-05T08:47:12.512" v="348" actId="1076"/>
           <ac:grpSpMkLst>
             <pc:docMk/>
             <pc:sldMk cId="1914114955" sldId="264"/>
@@ -280,6 +304,14 @@
             <ac:graphicFrameMk id="2" creationId="{330C36DC-C086-25D3-4E5E-3AD75D1491B9}"/>
           </ac:graphicFrameMkLst>
         </pc:graphicFrameChg>
+        <pc:graphicFrameChg chg="add del mod modGraphic">
+          <ac:chgData name="ZHANG Xiangyu" userId="0af619d5-14b7-43d3-95bc-94ad39c803d6" providerId="ADAL" clId="{1DC4A7AB-8307-463F-B68B-CDC3B517A939}" dt="2024-03-05T08:47:36.799" v="352" actId="478"/>
+          <ac:graphicFrameMkLst>
+            <pc:docMk/>
+            <pc:sldMk cId="1914114955" sldId="264"/>
+            <ac:graphicFrameMk id="9" creationId="{67664D67-1F63-0E2F-9605-A2159DB31131}"/>
+          </ac:graphicFrameMkLst>
+        </pc:graphicFrameChg>
         <pc:picChg chg="del">
           <ac:chgData name="ZHANG Xiangyu" userId="0af619d5-14b7-43d3-95bc-94ad39c803d6" providerId="ADAL" clId="{1DC4A7AB-8307-463F-B68B-CDC3B517A939}" dt="2024-03-05T07:44:29.963" v="328" actId="478"/>
           <ac:picMkLst>
@@ -305,7 +337,7 @@
           </ac:picMkLst>
         </pc:picChg>
         <pc:picChg chg="mod topLvl">
-          <ac:chgData name="ZHANG Xiangyu" userId="0af619d5-14b7-43d3-95bc-94ad39c803d6" providerId="ADAL" clId="{1DC4A7AB-8307-463F-B68B-CDC3B517A939}" dt="2024-03-05T07:25:34.326" v="318" actId="1076"/>
+          <ac:chgData name="ZHANG Xiangyu" userId="0af619d5-14b7-43d3-95bc-94ad39c803d6" providerId="ADAL" clId="{1DC4A7AB-8307-463F-B68B-CDC3B517A939}" dt="2024-03-05T08:48:37.321" v="364" actId="1076"/>
           <ac:picMkLst>
             <pc:docMk/>
             <pc:sldMk cId="1914114955" sldId="264"/>
@@ -313,7 +345,7 @@
           </ac:picMkLst>
         </pc:picChg>
         <pc:picChg chg="add mod">
-          <ac:chgData name="ZHANG Xiangyu" userId="0af619d5-14b7-43d3-95bc-94ad39c803d6" providerId="ADAL" clId="{1DC4A7AB-8307-463F-B68B-CDC3B517A939}" dt="2024-03-05T07:17:59.375" v="294"/>
+          <ac:chgData name="ZHANG Xiangyu" userId="0af619d5-14b7-43d3-95bc-94ad39c803d6" providerId="ADAL" clId="{1DC4A7AB-8307-463F-B68B-CDC3B517A939}" dt="2024-03-05T08:48:01.513" v="356" actId="1076"/>
           <ac:picMkLst>
             <pc:docMk/>
             <pc:sldMk cId="1914114955" sldId="264"/>
@@ -14097,10 +14129,10 @@
         </p:nvGrpSpPr>
         <p:grpSpPr>
           <a:xfrm>
-            <a:off x="0" y="1098794"/>
-            <a:ext cx="12192000" cy="3047047"/>
-            <a:chOff x="-602342" y="1830940"/>
-            <a:chExt cx="9060542" cy="2264427"/>
+            <a:off x="119093" y="1311510"/>
+            <a:ext cx="11826163" cy="2914635"/>
+            <a:chOff x="-267964" y="2010594"/>
+            <a:chExt cx="8788668" cy="2166024"/>
           </a:xfrm>
         </p:grpSpPr>
         <p:pic>
@@ -14131,7 +14163,7 @@
           </p:blipFill>
           <p:spPr>
             <a:xfrm>
-              <a:off x="5211929" y="2149978"/>
+              <a:off x="5028559" y="2220572"/>
               <a:ext cx="2820754" cy="1418722"/>
             </a:xfrm>
             <a:prstGeom prst="rect">
@@ -14161,7 +14193,7 @@
           </p:blipFill>
           <p:spPr>
             <a:xfrm>
-              <a:off x="1090867" y="1830940"/>
+              <a:off x="1200341" y="2010594"/>
               <a:ext cx="1416651" cy="1737760"/>
             </a:xfrm>
             <a:prstGeom prst="rect">
@@ -14183,8 +14215,8 @@
           </p:nvSpPr>
           <p:spPr>
             <a:xfrm>
-              <a:off x="-602342" y="3706534"/>
-              <a:ext cx="3739051" cy="388833"/>
+              <a:off x="-267964" y="3787785"/>
+              <a:ext cx="3472870" cy="388833"/>
             </a:xfrm>
             <a:prstGeom prst="rect">
               <a:avLst/>
@@ -14225,8 +14257,8 @@
           </p:nvSpPr>
           <p:spPr>
             <a:xfrm>
-              <a:off x="3924301" y="3706534"/>
-              <a:ext cx="4533899" cy="388833"/>
+              <a:off x="4357169" y="3787785"/>
+              <a:ext cx="4163535" cy="388833"/>
             </a:xfrm>
             <a:prstGeom prst="rect">
               <a:avLst/>
@@ -14485,6 +14517,144 @@
           </p:txBody>
         </p:sp>
       </p:grpSp>
+      <p:sp>
+        <p:nvSpPr>
+          <p:cNvPr id="11" name="矩形 10">
+            <a:extLst>
+              <a:ext uri="{FF2B5EF4-FFF2-40B4-BE49-F238E27FC236}">
+                <a16:creationId xmlns:a16="http://schemas.microsoft.com/office/drawing/2014/main" id="{E47FF1F6-7135-D23A-90A5-F0E83169A8F6}"/>
+              </a:ext>
+            </a:extLst>
+          </p:cNvPr>
+          <p:cNvSpPr/>
+          <p:nvPr/>
+        </p:nvSpPr>
+        <p:spPr>
+          <a:xfrm>
+            <a:off x="0" y="0"/>
+            <a:ext cx="12192000" cy="523220"/>
+          </a:xfrm>
+          <a:prstGeom prst="rect">
+            <a:avLst/>
+          </a:prstGeom>
+        </p:spPr>
+        <p:style>
+          <a:lnRef idx="2">
+            <a:schemeClr val="accent1">
+              <a:shade val="15000"/>
+            </a:schemeClr>
+          </a:lnRef>
+          <a:fillRef idx="1">
+            <a:schemeClr val="accent1"/>
+          </a:fillRef>
+          <a:effectRef idx="0">
+            <a:schemeClr val="accent1"/>
+          </a:effectRef>
+          <a:fontRef idx="minor">
+            <a:schemeClr val="lt1"/>
+          </a:fontRef>
+        </p:style>
+        <p:txBody>
+          <a:bodyPr rtlCol="0" anchor="ctr"/>
+          <a:lstStyle/>
+          <a:p>
+            <a:pPr algn="ctr"/>
+            <a:endParaRPr lang="zh-CN" altLang="en-US"/>
+          </a:p>
+        </p:txBody>
+      </p:sp>
+      <p:sp>
+        <p:nvSpPr>
+          <p:cNvPr id="14" name="矩形 13">
+            <a:extLst>
+              <a:ext uri="{FF2B5EF4-FFF2-40B4-BE49-F238E27FC236}">
+                <a16:creationId xmlns:a16="http://schemas.microsoft.com/office/drawing/2014/main" id="{0841CF5F-2F75-0521-1B1A-C5133F430EBF}"/>
+              </a:ext>
+            </a:extLst>
+          </p:cNvPr>
+          <p:cNvSpPr/>
+          <p:nvPr/>
+        </p:nvSpPr>
+        <p:spPr>
+          <a:xfrm>
+            <a:off x="0" y="599357"/>
+            <a:ext cx="6096000" cy="636016"/>
+          </a:xfrm>
+          <a:prstGeom prst="rect">
+            <a:avLst/>
+          </a:prstGeom>
+        </p:spPr>
+        <p:style>
+          <a:lnRef idx="2">
+            <a:schemeClr val="accent1">
+              <a:shade val="15000"/>
+            </a:schemeClr>
+          </a:lnRef>
+          <a:fillRef idx="1">
+            <a:schemeClr val="accent1"/>
+          </a:fillRef>
+          <a:effectRef idx="0">
+            <a:schemeClr val="accent1"/>
+          </a:effectRef>
+          <a:fontRef idx="minor">
+            <a:schemeClr val="lt1"/>
+          </a:fontRef>
+        </p:style>
+        <p:txBody>
+          <a:bodyPr rtlCol="0" anchor="ctr"/>
+          <a:lstStyle/>
+          <a:p>
+            <a:pPr algn="ctr"/>
+            <a:endParaRPr lang="zh-CN" altLang="en-US"/>
+          </a:p>
+        </p:txBody>
+      </p:sp>
+      <p:sp>
+        <p:nvSpPr>
+          <p:cNvPr id="15" name="矩形 14">
+            <a:extLst>
+              <a:ext uri="{FF2B5EF4-FFF2-40B4-BE49-F238E27FC236}">
+                <a16:creationId xmlns:a16="http://schemas.microsoft.com/office/drawing/2014/main" id="{34522029-70B4-4AB8-B152-BFAC1BBA7F7C}"/>
+              </a:ext>
+            </a:extLst>
+          </p:cNvPr>
+          <p:cNvSpPr/>
+          <p:nvPr/>
+        </p:nvSpPr>
+        <p:spPr>
+          <a:xfrm>
+            <a:off x="6096000" y="599357"/>
+            <a:ext cx="6096000" cy="636016"/>
+          </a:xfrm>
+          <a:prstGeom prst="rect">
+            <a:avLst/>
+          </a:prstGeom>
+        </p:spPr>
+        <p:style>
+          <a:lnRef idx="2">
+            <a:schemeClr val="accent1">
+              <a:shade val="15000"/>
+            </a:schemeClr>
+          </a:lnRef>
+          <a:fillRef idx="1">
+            <a:schemeClr val="accent1"/>
+          </a:fillRef>
+          <a:effectRef idx="0">
+            <a:schemeClr val="accent1"/>
+          </a:effectRef>
+          <a:fontRef idx="minor">
+            <a:schemeClr val="lt1"/>
+          </a:fontRef>
+        </p:style>
+        <p:txBody>
+          <a:bodyPr rtlCol="0" anchor="ctr"/>
+          <a:lstStyle/>
+          <a:p>
+            <a:pPr algn="ctr"/>
+            <a:endParaRPr lang="zh-CN" altLang="en-US"/>
+          </a:p>
+        </p:txBody>
+      </p:sp>
     </p:spTree>
     <p:extLst>
       <p:ext uri="{BB962C8B-B14F-4D97-AF65-F5344CB8AC3E}">

--- a/assets/figures.pptx
+++ b/assets/figures.pptx
@@ -133,7 +133,7 @@
 <file path=ppt/revisionInfo.xml><?xml version="1.0" encoding="utf-8"?>
 <p1510:revInfo xmlns:a="http://schemas.openxmlformats.org/drawingml/2006/main" xmlns:r="http://schemas.openxmlformats.org/officeDocument/2006/relationships" xmlns:p1510="http://schemas.microsoft.com/office/powerpoint/2015/10/main">
   <p1510:revLst>
-    <p1510:client id="{1DC4A7AB-8307-463F-B68B-CDC3B517A939}" v="79" dt="2024-03-05T08:48:15.033"/>
+    <p1510:client id="{1DC4A7AB-8307-463F-B68B-CDC3B517A939}" v="80" dt="2024-03-05T08:53:48.023"/>
   </p1510:revLst>
 </p1510:revInfo>
 </file>
@@ -175,7 +175,7 @@
   <pc:docChgLst>
     <pc:chgData name="ZHANG Xiangyu" userId="0af619d5-14b7-43d3-95bc-94ad39c803d6" providerId="ADAL" clId="{1DC4A7AB-8307-463F-B68B-CDC3B517A939}"/>
     <pc:docChg chg="undo redo custSel addSld modSld">
-      <pc:chgData name="ZHANG Xiangyu" userId="0af619d5-14b7-43d3-95bc-94ad39c803d6" providerId="ADAL" clId="{1DC4A7AB-8307-463F-B68B-CDC3B517A939}" dt="2024-03-05T08:48:37.321" v="364" actId="1076"/>
+      <pc:chgData name="ZHANG Xiangyu" userId="0af619d5-14b7-43d3-95bc-94ad39c803d6" providerId="ADAL" clId="{1DC4A7AB-8307-463F-B68B-CDC3B517A939}" dt="2024-03-05T08:55:26.749" v="370" actId="14100"/>
       <pc:docMkLst>
         <pc:docMk/>
       </pc:docMkLst>
@@ -203,7 +203,7 @@
         </pc:graphicFrameChg>
       </pc:sldChg>
       <pc:sldChg chg="addSp delSp modSp mod">
-        <pc:chgData name="ZHANG Xiangyu" userId="0af619d5-14b7-43d3-95bc-94ad39c803d6" providerId="ADAL" clId="{1DC4A7AB-8307-463F-B68B-CDC3B517A939}" dt="2024-03-05T08:48:37.321" v="364" actId="1076"/>
+        <pc:chgData name="ZHANG Xiangyu" userId="0af619d5-14b7-43d3-95bc-94ad39c803d6" providerId="ADAL" clId="{1DC4A7AB-8307-463F-B68B-CDC3B517A939}" dt="2024-03-05T08:55:26.749" v="370" actId="14100"/>
         <pc:sldMkLst>
           <pc:docMk/>
           <pc:sldMk cId="1914114955" sldId="264"/>
@@ -272,8 +272,24 @@
             <ac:spMk id="15" creationId="{34522029-70B4-4AB8-B152-BFAC1BBA7F7C}"/>
           </ac:spMkLst>
         </pc:spChg>
-        <pc:grpChg chg="add mod">
-          <ac:chgData name="ZHANG Xiangyu" userId="0af619d5-14b7-43d3-95bc-94ad39c803d6" providerId="ADAL" clId="{1DC4A7AB-8307-463F-B68B-CDC3B517A939}" dt="2024-03-05T08:30:02.326" v="336" actId="571"/>
+        <pc:spChg chg="mod">
+          <ac:chgData name="ZHANG Xiangyu" userId="0af619d5-14b7-43d3-95bc-94ad39c803d6" providerId="ADAL" clId="{1DC4A7AB-8307-463F-B68B-CDC3B517A939}" dt="2024-03-05T08:55:26.749" v="370" actId="14100"/>
+          <ac:spMkLst>
+            <pc:docMk/>
+            <pc:sldMk cId="1914114955" sldId="264"/>
+            <ac:spMk id="18" creationId="{9CBB08FF-EC14-142B-D447-141EC80CAB14}"/>
+          </ac:spMkLst>
+        </pc:spChg>
+        <pc:spChg chg="mod">
+          <ac:chgData name="ZHANG Xiangyu" userId="0af619d5-14b7-43d3-95bc-94ad39c803d6" providerId="ADAL" clId="{1DC4A7AB-8307-463F-B68B-CDC3B517A939}" dt="2024-03-05T08:55:22.477" v="369" actId="1076"/>
+          <ac:spMkLst>
+            <pc:docMk/>
+            <pc:sldMk cId="1914114955" sldId="264"/>
+            <ac:spMk id="19" creationId="{55588110-7FEE-4B43-95FE-4CFBA282C78F}"/>
+          </ac:spMkLst>
+        </pc:spChg>
+        <pc:grpChg chg="add del mod">
+          <ac:chgData name="ZHANG Xiangyu" userId="0af619d5-14b7-43d3-95bc-94ad39c803d6" providerId="ADAL" clId="{1DC4A7AB-8307-463F-B68B-CDC3B517A939}" dt="2024-03-05T08:53:44.475" v="365" actId="478"/>
           <ac:grpSpMkLst>
             <pc:docMk/>
             <pc:sldMk cId="1914114955" sldId="264"/>
@@ -289,6 +305,14 @@
           </ac:grpSpMkLst>
         </pc:grpChg>
         <pc:grpChg chg="add mod">
+          <ac:chgData name="ZHANG Xiangyu" userId="0af619d5-14b7-43d3-95bc-94ad39c803d6" providerId="ADAL" clId="{1DC4A7AB-8307-463F-B68B-CDC3B517A939}" dt="2024-03-05T08:55:15.100" v="368" actId="14100"/>
+          <ac:grpSpMkLst>
+            <pc:docMk/>
+            <pc:sldMk cId="1914114955" sldId="264"/>
+            <ac:grpSpMk id="9" creationId="{A59E3ECE-C152-CA2A-E7A9-1BDF2B4CFB1D}"/>
+          </ac:grpSpMkLst>
+        </pc:grpChg>
+        <pc:grpChg chg="add mod">
           <ac:chgData name="ZHANG Xiangyu" userId="0af619d5-14b7-43d3-95bc-94ad39c803d6" providerId="ADAL" clId="{1DC4A7AB-8307-463F-B68B-CDC3B517A939}" dt="2024-03-05T08:47:12.512" v="348" actId="1076"/>
           <ac:grpSpMkLst>
             <pc:docMk/>
@@ -350,6 +374,22 @@
             <pc:docMk/>
             <pc:sldMk cId="1914114955" sldId="264"/>
             <ac:picMk id="8" creationId="{E2838A4E-ED2E-1F0F-50C1-EE64F24E1D13}"/>
+          </ac:picMkLst>
+        </pc:picChg>
+        <pc:picChg chg="mod">
+          <ac:chgData name="ZHANG Xiangyu" userId="0af619d5-14b7-43d3-95bc-94ad39c803d6" providerId="ADAL" clId="{1DC4A7AB-8307-463F-B68B-CDC3B517A939}" dt="2024-03-05T08:55:22.477" v="369" actId="1076"/>
+          <ac:picMkLst>
+            <pc:docMk/>
+            <pc:sldMk cId="1914114955" sldId="264"/>
+            <ac:picMk id="16" creationId="{57DCEBBA-303A-481D-139C-19AEFDFCFCFD}"/>
+          </ac:picMkLst>
+        </pc:picChg>
+        <pc:picChg chg="mod">
+          <ac:chgData name="ZHANG Xiangyu" userId="0af619d5-14b7-43d3-95bc-94ad39c803d6" providerId="ADAL" clId="{1DC4A7AB-8307-463F-B68B-CDC3B517A939}" dt="2024-03-05T08:53:48.023" v="366" actId="571"/>
+          <ac:picMkLst>
+            <pc:docMk/>
+            <pc:sldMk cId="1914114955" sldId="264"/>
+            <ac:picMk id="17" creationId="{AFA5AD92-3E7D-A1BE-ADB2-E26D03CE8BA0}"/>
           </ac:picMkLst>
         </pc:picChg>
         <pc:cxnChg chg="add del mod">
@@ -14316,207 +14356,6 @@
           </p:txBody>
         </p:sp>
       </p:grpSp>
-      <p:grpSp>
-        <p:nvGrpSpPr>
-          <p:cNvPr id="2" name="组合 1">
-            <a:extLst>
-              <a:ext uri="{FF2B5EF4-FFF2-40B4-BE49-F238E27FC236}">
-                <a16:creationId xmlns:a16="http://schemas.microsoft.com/office/drawing/2014/main" id="{A793181F-D364-BEE8-B7A1-63C09252072B}"/>
-              </a:ext>
-            </a:extLst>
-          </p:cNvPr>
-          <p:cNvGrpSpPr/>
-          <p:nvPr/>
-        </p:nvGrpSpPr>
-        <p:grpSpPr>
-          <a:xfrm>
-            <a:off x="1306287" y="4828965"/>
-            <a:ext cx="9855199" cy="3047047"/>
-            <a:chOff x="368431" y="1830940"/>
-            <a:chExt cx="7323938" cy="2264427"/>
-          </a:xfrm>
-        </p:grpSpPr>
-        <p:pic>
-          <p:nvPicPr>
-            <p:cNvPr id="3" name="图片 2" descr="徽标&#10;&#10;描述已自动生成">
-              <a:extLst>
-                <a:ext uri="{FF2B5EF4-FFF2-40B4-BE49-F238E27FC236}">
-                  <a16:creationId xmlns:a16="http://schemas.microsoft.com/office/drawing/2014/main" id="{EFF3AD32-96C1-9EE9-25C1-54797B874CA4}"/>
-                </a:ext>
-              </a:extLst>
-            </p:cNvPr>
-            <p:cNvPicPr>
-              <a:picLocks noChangeAspect="1"/>
-            </p:cNvPicPr>
-            <p:nvPr/>
-          </p:nvPicPr>
-          <p:blipFill>
-            <a:blip r:embed="rId2">
-              <a:extLst>
-                <a:ext uri="{28A0092B-C50C-407E-A947-70E740481C1C}">
-                  <a14:useLocalDpi xmlns:a14="http://schemas.microsoft.com/office/drawing/2010/main" val="0"/>
-                </a:ext>
-              </a:extLst>
-            </a:blip>
-            <a:stretch>
-              <a:fillRect/>
-            </a:stretch>
-          </p:blipFill>
-          <p:spPr>
-            <a:xfrm>
-              <a:off x="4446098" y="2149978"/>
-              <a:ext cx="2820754" cy="1418722"/>
-            </a:xfrm>
-            <a:prstGeom prst="rect">
-              <a:avLst/>
-            </a:prstGeom>
-          </p:spPr>
-        </p:pic>
-        <p:pic>
-          <p:nvPicPr>
-            <p:cNvPr id="4" name="图片 3" descr="图示, 徽标&#10;&#10;描述已自动生成">
-              <a:extLst>
-                <a:ext uri="{FF2B5EF4-FFF2-40B4-BE49-F238E27FC236}">
-                  <a16:creationId xmlns:a16="http://schemas.microsoft.com/office/drawing/2014/main" id="{EA19AFB3-3DC8-37DC-3F08-1290C903D078}"/>
-                </a:ext>
-              </a:extLst>
-            </p:cNvPr>
-            <p:cNvPicPr>
-              <a:picLocks noChangeAspect="1"/>
-            </p:cNvPicPr>
-            <p:nvPr/>
-          </p:nvPicPr>
-          <p:blipFill>
-            <a:blip r:embed="rId3"/>
-            <a:stretch>
-              <a:fillRect/>
-            </a:stretch>
-          </p:blipFill>
-          <p:spPr>
-            <a:xfrm>
-              <a:off x="1090867" y="1830940"/>
-              <a:ext cx="1416651" cy="1737760"/>
-            </a:xfrm>
-            <a:prstGeom prst="rect">
-              <a:avLst/>
-            </a:prstGeom>
-          </p:spPr>
-        </p:pic>
-        <p:sp>
-          <p:nvSpPr>
-            <p:cNvPr id="5" name="文本框 4">
-              <a:extLst>
-                <a:ext uri="{FF2B5EF4-FFF2-40B4-BE49-F238E27FC236}">
-                  <a16:creationId xmlns:a16="http://schemas.microsoft.com/office/drawing/2014/main" id="{7338B47B-80D1-203B-4437-26026DEE3125}"/>
-                </a:ext>
-              </a:extLst>
-            </p:cNvPr>
-            <p:cNvSpPr txBox="1"/>
-            <p:nvPr/>
-          </p:nvSpPr>
-          <p:spPr>
-            <a:xfrm>
-              <a:off x="368431" y="3706534"/>
-              <a:ext cx="2768279" cy="388833"/>
-            </a:xfrm>
-            <a:prstGeom prst="rect">
-              <a:avLst/>
-            </a:prstGeom>
-            <a:noFill/>
-          </p:spPr>
-          <p:txBody>
-            <a:bodyPr wrap="square">
-              <a:spAutoFit/>
-            </a:bodyPr>
-            <a:lstStyle/>
-            <a:p>
-              <a:pPr algn="r" fontAlgn="base"/>
-              <a:r>
-                <a:rPr lang="en-US" altLang="zh-CN" sz="2800" b="1" i="0" dirty="0">
-                  <a:solidFill>
-                    <a:srgbClr val="006DBE"/>
-                  </a:solidFill>
-                  <a:effectLst/>
-                  <a:latin typeface="Arial" panose="020B0604020202020204" pitchFamily="34" charset="0"/>
-                </a:rPr>
-                <a:t>University of Malaya</a:t>
-              </a:r>
-            </a:p>
-          </p:txBody>
-        </p:sp>
-        <p:sp>
-          <p:nvSpPr>
-            <p:cNvPr id="7" name="文本框 6">
-              <a:extLst>
-                <a:ext uri="{FF2B5EF4-FFF2-40B4-BE49-F238E27FC236}">
-                  <a16:creationId xmlns:a16="http://schemas.microsoft.com/office/drawing/2014/main" id="{10A67654-CDAD-DF6F-D207-80ACC7597F84}"/>
-                </a:ext>
-              </a:extLst>
-            </p:cNvPr>
-            <p:cNvSpPr txBox="1"/>
-            <p:nvPr/>
-          </p:nvSpPr>
-          <p:spPr>
-            <a:xfrm>
-              <a:off x="3528834" y="3706534"/>
-              <a:ext cx="4163535" cy="388833"/>
-            </a:xfrm>
-            <a:prstGeom prst="rect">
-              <a:avLst/>
-            </a:prstGeom>
-            <a:noFill/>
-          </p:spPr>
-          <p:txBody>
-            <a:bodyPr wrap="square">
-              <a:spAutoFit/>
-            </a:bodyPr>
-            <a:lstStyle/>
-            <a:p>
-              <a:pPr algn="r" fontAlgn="base"/>
-              <a:r>
-                <a:rPr lang="en-US" altLang="zh-CN" sz="2800" b="1" i="0" dirty="0" err="1">
-                  <a:solidFill>
-                    <a:srgbClr val="006DBE"/>
-                  </a:solidFill>
-                  <a:effectLst/>
-                  <a:latin typeface="Arial" panose="020B0604020202020204" pitchFamily="34" charset="0"/>
-                </a:rPr>
-                <a:t>Universiti</a:t>
-              </a:r>
-              <a:r>
-                <a:rPr lang="en-US" altLang="zh-CN" sz="2800" b="1" i="0" dirty="0">
-                  <a:solidFill>
-                    <a:srgbClr val="006DBE"/>
-                  </a:solidFill>
-                  <a:effectLst/>
-                  <a:latin typeface="Arial" panose="020B0604020202020204" pitchFamily="34" charset="0"/>
-                </a:rPr>
-                <a:t> </a:t>
-              </a:r>
-              <a:r>
-                <a:rPr lang="en-US" altLang="zh-CN" sz="2800" b="1" i="0" dirty="0" err="1">
-                  <a:solidFill>
-                    <a:srgbClr val="006DBE"/>
-                  </a:solidFill>
-                  <a:effectLst/>
-                  <a:latin typeface="Arial" panose="020B0604020202020204" pitchFamily="34" charset="0"/>
-                </a:rPr>
-                <a:t>Tunku</a:t>
-              </a:r>
-              <a:r>
-                <a:rPr lang="en-US" altLang="zh-CN" sz="2800" b="1" i="0" dirty="0">
-                  <a:solidFill>
-                    <a:srgbClr val="006DBE"/>
-                  </a:solidFill>
-                  <a:effectLst/>
-                  <a:latin typeface="Arial" panose="020B0604020202020204" pitchFamily="34" charset="0"/>
-                </a:rPr>
-                <a:t> Abdul Rahman</a:t>
-              </a:r>
-            </a:p>
-          </p:txBody>
-        </p:sp>
-      </p:grpSp>
       <p:sp>
         <p:nvSpPr>
           <p:cNvPr id="11" name="矩形 10">
@@ -14655,6 +14494,207 @@
           </a:p>
         </p:txBody>
       </p:sp>
+      <p:grpSp>
+        <p:nvGrpSpPr>
+          <p:cNvPr id="9" name="组合 8">
+            <a:extLst>
+              <a:ext uri="{FF2B5EF4-FFF2-40B4-BE49-F238E27FC236}">
+                <a16:creationId xmlns:a16="http://schemas.microsoft.com/office/drawing/2014/main" id="{A59E3ECE-C152-CA2A-E7A9-1BDF2B4CFB1D}"/>
+              </a:ext>
+            </a:extLst>
+          </p:cNvPr>
+          <p:cNvGrpSpPr/>
+          <p:nvPr/>
+        </p:nvGrpSpPr>
+        <p:grpSpPr>
+          <a:xfrm>
+            <a:off x="1092199" y="4801325"/>
+            <a:ext cx="9544956" cy="2914635"/>
+            <a:chOff x="455204" y="2010594"/>
+            <a:chExt cx="7093379" cy="2166024"/>
+          </a:xfrm>
+        </p:grpSpPr>
+        <p:pic>
+          <p:nvPicPr>
+            <p:cNvPr id="16" name="图片 15" descr="徽标&#10;&#10;描述已自动生成">
+              <a:extLst>
+                <a:ext uri="{FF2B5EF4-FFF2-40B4-BE49-F238E27FC236}">
+                  <a16:creationId xmlns:a16="http://schemas.microsoft.com/office/drawing/2014/main" id="{57DCEBBA-303A-481D-139C-19AEFDFCFCFD}"/>
+                </a:ext>
+              </a:extLst>
+            </p:cNvPr>
+            <p:cNvPicPr>
+              <a:picLocks noChangeAspect="1"/>
+            </p:cNvPicPr>
+            <p:nvPr/>
+          </p:nvPicPr>
+          <p:blipFill>
+            <a:blip r:embed="rId2">
+              <a:extLst>
+                <a:ext uri="{28A0092B-C50C-407E-A947-70E740481C1C}">
+                  <a14:useLocalDpi xmlns:a14="http://schemas.microsoft.com/office/drawing/2010/main" val="0"/>
+                </a:ext>
+              </a:extLst>
+            </a:blip>
+            <a:stretch>
+              <a:fillRect/>
+            </a:stretch>
+          </p:blipFill>
+          <p:spPr>
+            <a:xfrm>
+              <a:off x="4056439" y="2220572"/>
+              <a:ext cx="2820754" cy="1418722"/>
+            </a:xfrm>
+            <a:prstGeom prst="rect">
+              <a:avLst/>
+            </a:prstGeom>
+          </p:spPr>
+        </p:pic>
+        <p:pic>
+          <p:nvPicPr>
+            <p:cNvPr id="17" name="图片 16" descr="图示, 徽标&#10;&#10;描述已自动生成">
+              <a:extLst>
+                <a:ext uri="{FF2B5EF4-FFF2-40B4-BE49-F238E27FC236}">
+                  <a16:creationId xmlns:a16="http://schemas.microsoft.com/office/drawing/2014/main" id="{AFA5AD92-3E7D-A1BE-ADB2-E26D03CE8BA0}"/>
+                </a:ext>
+              </a:extLst>
+            </p:cNvPr>
+            <p:cNvPicPr>
+              <a:picLocks noChangeAspect="1"/>
+            </p:cNvPicPr>
+            <p:nvPr/>
+          </p:nvPicPr>
+          <p:blipFill>
+            <a:blip r:embed="rId3"/>
+            <a:stretch>
+              <a:fillRect/>
+            </a:stretch>
+          </p:blipFill>
+          <p:spPr>
+            <a:xfrm>
+              <a:off x="1200341" y="2010594"/>
+              <a:ext cx="1416651" cy="1737760"/>
+            </a:xfrm>
+            <a:prstGeom prst="rect">
+              <a:avLst/>
+            </a:prstGeom>
+          </p:spPr>
+        </p:pic>
+        <p:sp>
+          <p:nvSpPr>
+            <p:cNvPr id="18" name="文本框 17">
+              <a:extLst>
+                <a:ext uri="{FF2B5EF4-FFF2-40B4-BE49-F238E27FC236}">
+                  <a16:creationId xmlns:a16="http://schemas.microsoft.com/office/drawing/2014/main" id="{9CBB08FF-EC14-142B-D447-141EC80CAB14}"/>
+                </a:ext>
+              </a:extLst>
+            </p:cNvPr>
+            <p:cNvSpPr txBox="1"/>
+            <p:nvPr/>
+          </p:nvSpPr>
+          <p:spPr>
+            <a:xfrm>
+              <a:off x="455204" y="3787785"/>
+              <a:ext cx="2749701" cy="388833"/>
+            </a:xfrm>
+            <a:prstGeom prst="rect">
+              <a:avLst/>
+            </a:prstGeom>
+            <a:noFill/>
+          </p:spPr>
+          <p:txBody>
+            <a:bodyPr wrap="square">
+              <a:spAutoFit/>
+            </a:bodyPr>
+            <a:lstStyle/>
+            <a:p>
+              <a:pPr algn="r" fontAlgn="base"/>
+              <a:r>
+                <a:rPr lang="en-US" altLang="zh-CN" sz="2800" b="1" i="0" dirty="0">
+                  <a:solidFill>
+                    <a:srgbClr val="006DBE"/>
+                  </a:solidFill>
+                  <a:effectLst/>
+                  <a:latin typeface="Arial" panose="020B0604020202020204" pitchFamily="34" charset="0"/>
+                </a:rPr>
+                <a:t>University of Malaya</a:t>
+              </a:r>
+            </a:p>
+          </p:txBody>
+        </p:sp>
+        <p:sp>
+          <p:nvSpPr>
+            <p:cNvPr id="19" name="文本框 18">
+              <a:extLst>
+                <a:ext uri="{FF2B5EF4-FFF2-40B4-BE49-F238E27FC236}">
+                  <a16:creationId xmlns:a16="http://schemas.microsoft.com/office/drawing/2014/main" id="{55588110-7FEE-4B43-95FE-4CFBA282C78F}"/>
+                </a:ext>
+              </a:extLst>
+            </p:cNvPr>
+            <p:cNvSpPr txBox="1"/>
+            <p:nvPr/>
+          </p:nvSpPr>
+          <p:spPr>
+            <a:xfrm>
+              <a:off x="3385048" y="3787785"/>
+              <a:ext cx="4163535" cy="388833"/>
+            </a:xfrm>
+            <a:prstGeom prst="rect">
+              <a:avLst/>
+            </a:prstGeom>
+            <a:noFill/>
+          </p:spPr>
+          <p:txBody>
+            <a:bodyPr wrap="square">
+              <a:spAutoFit/>
+            </a:bodyPr>
+            <a:lstStyle/>
+            <a:p>
+              <a:pPr algn="r" fontAlgn="base"/>
+              <a:r>
+                <a:rPr lang="en-US" altLang="zh-CN" sz="2800" b="1" i="0" dirty="0" err="1">
+                  <a:solidFill>
+                    <a:srgbClr val="006DBE"/>
+                  </a:solidFill>
+                  <a:effectLst/>
+                  <a:latin typeface="Arial" panose="020B0604020202020204" pitchFamily="34" charset="0"/>
+                </a:rPr>
+                <a:t>Universiti</a:t>
+              </a:r>
+              <a:r>
+                <a:rPr lang="en-US" altLang="zh-CN" sz="2800" b="1" i="0" dirty="0">
+                  <a:solidFill>
+                    <a:srgbClr val="006DBE"/>
+                  </a:solidFill>
+                  <a:effectLst/>
+                  <a:latin typeface="Arial" panose="020B0604020202020204" pitchFamily="34" charset="0"/>
+                </a:rPr>
+                <a:t> </a:t>
+              </a:r>
+              <a:r>
+                <a:rPr lang="en-US" altLang="zh-CN" sz="2800" b="1" i="0" dirty="0" err="1">
+                  <a:solidFill>
+                    <a:srgbClr val="006DBE"/>
+                  </a:solidFill>
+                  <a:effectLst/>
+                  <a:latin typeface="Arial" panose="020B0604020202020204" pitchFamily="34" charset="0"/>
+                </a:rPr>
+                <a:t>Tunku</a:t>
+              </a:r>
+              <a:r>
+                <a:rPr lang="en-US" altLang="zh-CN" sz="2800" b="1" i="0" dirty="0">
+                  <a:solidFill>
+                    <a:srgbClr val="006DBE"/>
+                  </a:solidFill>
+                  <a:effectLst/>
+                  <a:latin typeface="Arial" panose="020B0604020202020204" pitchFamily="34" charset="0"/>
+                </a:rPr>
+                <a:t> Abdul Rahman</a:t>
+              </a:r>
+            </a:p>
+          </p:txBody>
+        </p:sp>
+      </p:grpSp>
     </p:spTree>
     <p:extLst>
       <p:ext uri="{BB962C8B-B14F-4D97-AF65-F5344CB8AC3E}">

--- a/assets/figures.pptx
+++ b/assets/figures.pptx
@@ -133,7 +133,7 @@
 <file path=ppt/revisionInfo.xml><?xml version="1.0" encoding="utf-8"?>
 <p1510:revInfo xmlns:a="http://schemas.openxmlformats.org/drawingml/2006/main" xmlns:r="http://schemas.openxmlformats.org/officeDocument/2006/relationships" xmlns:p1510="http://schemas.microsoft.com/office/powerpoint/2015/10/main">
   <p1510:revLst>
-    <p1510:client id="{1DC4A7AB-8307-463F-B68B-CDC3B517A939}" v="80" dt="2024-03-05T08:53:48.023"/>
+    <p1510:client id="{1DC4A7AB-8307-463F-B68B-CDC3B517A939}" v="81" dt="2024-03-05T11:29:24.675"/>
   </p1510:revLst>
 </p1510:revInfo>
 </file>
@@ -175,7 +175,7 @@
   <pc:docChgLst>
     <pc:chgData name="ZHANG Xiangyu" userId="0af619d5-14b7-43d3-95bc-94ad39c803d6" providerId="ADAL" clId="{1DC4A7AB-8307-463F-B68B-CDC3B517A939}"/>
     <pc:docChg chg="undo redo custSel addSld modSld">
-      <pc:chgData name="ZHANG Xiangyu" userId="0af619d5-14b7-43d3-95bc-94ad39c803d6" providerId="ADAL" clId="{1DC4A7AB-8307-463F-B68B-CDC3B517A939}" dt="2024-03-05T08:55:26.749" v="370" actId="14100"/>
+      <pc:chgData name="ZHANG Xiangyu" userId="0af619d5-14b7-43d3-95bc-94ad39c803d6" providerId="ADAL" clId="{1DC4A7AB-8307-463F-B68B-CDC3B517A939}" dt="2024-03-05T11:29:41.729" v="387" actId="1076"/>
       <pc:docMkLst>
         <pc:docMk/>
       </pc:docMkLst>
@@ -203,7 +203,7 @@
         </pc:graphicFrameChg>
       </pc:sldChg>
       <pc:sldChg chg="addSp delSp modSp mod">
-        <pc:chgData name="ZHANG Xiangyu" userId="0af619d5-14b7-43d3-95bc-94ad39c803d6" providerId="ADAL" clId="{1DC4A7AB-8307-463F-B68B-CDC3B517A939}" dt="2024-03-05T08:55:26.749" v="370" actId="14100"/>
+        <pc:chgData name="ZHANG Xiangyu" userId="0af619d5-14b7-43d3-95bc-94ad39c803d6" providerId="ADAL" clId="{1DC4A7AB-8307-463F-B68B-CDC3B517A939}" dt="2024-03-05T11:29:41.729" v="387" actId="1076"/>
         <pc:sldMkLst>
           <pc:docMk/>
           <pc:sldMk cId="1914114955" sldId="264"/>
@@ -233,7 +233,7 @@
           </ac:spMkLst>
         </pc:spChg>
         <pc:spChg chg="add mod">
-          <ac:chgData name="ZHANG Xiangyu" userId="0af619d5-14b7-43d3-95bc-94ad39c803d6" providerId="ADAL" clId="{1DC4A7AB-8307-463F-B68B-CDC3B517A939}" dt="2024-03-05T08:48:09.785" v="359" actId="1076"/>
+          <ac:chgData name="ZHANG Xiangyu" userId="0af619d5-14b7-43d3-95bc-94ad39c803d6" providerId="ADAL" clId="{1DC4A7AB-8307-463F-B68B-CDC3B517A939}" dt="2024-03-05T11:28:59.664" v="380" actId="14100"/>
           <ac:spMkLst>
             <pc:docMk/>
             <pc:sldMk cId="1914114955" sldId="264"/>
@@ -273,7 +273,7 @@
           </ac:spMkLst>
         </pc:spChg>
         <pc:spChg chg="mod">
-          <ac:chgData name="ZHANG Xiangyu" userId="0af619d5-14b7-43d3-95bc-94ad39c803d6" providerId="ADAL" clId="{1DC4A7AB-8307-463F-B68B-CDC3B517A939}" dt="2024-03-05T08:55:26.749" v="370" actId="14100"/>
+          <ac:chgData name="ZHANG Xiangyu" userId="0af619d5-14b7-43d3-95bc-94ad39c803d6" providerId="ADAL" clId="{1DC4A7AB-8307-463F-B68B-CDC3B517A939}" dt="2024-03-05T11:29:41.729" v="387" actId="1076"/>
           <ac:spMkLst>
             <pc:docMk/>
             <pc:sldMk cId="1914114955" sldId="264"/>
@@ -14169,10 +14169,10 @@
         </p:nvGrpSpPr>
         <p:grpSpPr>
           <a:xfrm>
-            <a:off x="119093" y="1311510"/>
-            <a:ext cx="11826163" cy="2914635"/>
-            <a:chOff x="-267964" y="2010594"/>
-            <a:chExt cx="8788668" cy="2166024"/>
+            <a:off x="787400" y="1311510"/>
+            <a:ext cx="11157856" cy="2914635"/>
+            <a:chOff x="228691" y="2010594"/>
+            <a:chExt cx="8292013" cy="2166024"/>
           </a:xfrm>
         </p:grpSpPr>
         <p:pic>
@@ -14255,8 +14255,8 @@
           </p:nvSpPr>
           <p:spPr>
             <a:xfrm>
-              <a:off x="-267964" y="3787785"/>
-              <a:ext cx="3472870" cy="388833"/>
+              <a:off x="228691" y="3787785"/>
+              <a:ext cx="2831485" cy="388833"/>
             </a:xfrm>
             <a:prstGeom prst="rect">
               <a:avLst/>
@@ -14271,6 +14271,16 @@
             <a:p>
               <a:pPr algn="r" fontAlgn="base"/>
               <a:r>
+                <a:rPr lang="en-US" altLang="zh-CN" sz="2800" b="1" i="0" dirty="0" err="1">
+                  <a:solidFill>
+                    <a:srgbClr val="006DBE"/>
+                  </a:solidFill>
+                  <a:effectLst/>
+                  <a:latin typeface="Arial" panose="020B0604020202020204" pitchFamily="34" charset="0"/>
+                </a:rPr>
+                <a:t>Universiti</a:t>
+              </a:r>
+              <a:r>
                 <a:rPr lang="en-US" altLang="zh-CN" sz="2800" b="1" i="0" dirty="0">
                   <a:solidFill>
                     <a:srgbClr val="006DBE"/>
@@ -14278,7 +14288,7 @@
                   <a:effectLst/>
                   <a:latin typeface="Arial" panose="020B0604020202020204" pitchFamily="34" charset="0"/>
                 </a:rPr>
-                <a:t>University of Malaya</a:t>
+                <a:t> Malaya</a:t>
               </a:r>
             </a:p>
           </p:txBody>
@@ -14508,10 +14518,10 @@
         </p:nvGrpSpPr>
         <p:grpSpPr>
           <a:xfrm>
-            <a:off x="1092199" y="4801325"/>
-            <a:ext cx="9544956" cy="2914635"/>
-            <a:chOff x="455204" y="2010594"/>
-            <a:chExt cx="7093379" cy="2166024"/>
+            <a:off x="1494351" y="4801325"/>
+            <a:ext cx="9142804" cy="2914635"/>
+            <a:chOff x="754065" y="2010594"/>
+            <a:chExt cx="6794518" cy="2166024"/>
           </a:xfrm>
         </p:grpSpPr>
         <p:pic>
@@ -14594,8 +14604,8 @@
           </p:nvSpPr>
           <p:spPr>
             <a:xfrm>
-              <a:off x="455204" y="3787785"/>
-              <a:ext cx="2749701" cy="388833"/>
+              <a:off x="754065" y="3787785"/>
+              <a:ext cx="2306111" cy="388833"/>
             </a:xfrm>
             <a:prstGeom prst="rect">
               <a:avLst/>
@@ -14610,6 +14620,16 @@
             <a:p>
               <a:pPr algn="r" fontAlgn="base"/>
               <a:r>
+                <a:rPr lang="en-US" altLang="zh-CN" sz="2800" b="1" i="0" dirty="0" err="1">
+                  <a:solidFill>
+                    <a:srgbClr val="006DBE"/>
+                  </a:solidFill>
+                  <a:effectLst/>
+                  <a:latin typeface="Arial" panose="020B0604020202020204" pitchFamily="34" charset="0"/>
+                </a:rPr>
+                <a:t>Universiti</a:t>
+              </a:r>
+              <a:r>
                 <a:rPr lang="en-US" altLang="zh-CN" sz="2800" b="1" i="0" dirty="0">
                   <a:solidFill>
                     <a:srgbClr val="006DBE"/>
@@ -14617,7 +14637,7 @@
                   <a:effectLst/>
                   <a:latin typeface="Arial" panose="020B0604020202020204" pitchFamily="34" charset="0"/>
                 </a:rPr>
-                <a:t>University of Malaya</a:t>
+                <a:t> Malaya</a:t>
               </a:r>
             </a:p>
           </p:txBody>

--- a/assets/figures.pptx
+++ b/assets/figures.pptx
@@ -133,7 +133,7 @@
 <file path=ppt/revisionInfo.xml><?xml version="1.0" encoding="utf-8"?>
 <p1510:revInfo xmlns:a="http://schemas.openxmlformats.org/drawingml/2006/main" xmlns:r="http://schemas.openxmlformats.org/officeDocument/2006/relationships" xmlns:p1510="http://schemas.microsoft.com/office/powerpoint/2015/10/main">
   <p1510:revLst>
-    <p1510:client id="{1DC4A7AB-8307-463F-B68B-CDC3B517A939}" v="81" dt="2024-03-05T11:29:24.675"/>
+    <p1510:client id="{1DC4A7AB-8307-463F-B68B-CDC3B517A939}" v="91" dt="2024-03-06T12:44:03.532"/>
   </p1510:revLst>
 </p1510:revInfo>
 </file>
@@ -175,7 +175,7 @@
   <pc:docChgLst>
     <pc:chgData name="ZHANG Xiangyu" userId="0af619d5-14b7-43d3-95bc-94ad39c803d6" providerId="ADAL" clId="{1DC4A7AB-8307-463F-B68B-CDC3B517A939}"/>
     <pc:docChg chg="undo redo custSel addSld modSld">
-      <pc:chgData name="ZHANG Xiangyu" userId="0af619d5-14b7-43d3-95bc-94ad39c803d6" providerId="ADAL" clId="{1DC4A7AB-8307-463F-B68B-CDC3B517A939}" dt="2024-03-05T11:29:41.729" v="387" actId="1076"/>
+      <pc:chgData name="ZHANG Xiangyu" userId="0af619d5-14b7-43d3-95bc-94ad39c803d6" providerId="ADAL" clId="{1DC4A7AB-8307-463F-B68B-CDC3B517A939}" dt="2024-03-06T12:44:07.363" v="417" actId="1076"/>
       <pc:docMkLst>
         <pc:docMk/>
       </pc:docMkLst>
@@ -614,7 +614,7 @@
         </pc:picChg>
       </pc:sldChg>
       <pc:sldChg chg="addSp delSp modSp new mod">
-        <pc:chgData name="ZHANG Xiangyu" userId="0af619d5-14b7-43d3-95bc-94ad39c803d6" providerId="ADAL" clId="{1DC4A7AB-8307-463F-B68B-CDC3B517A939}" dt="2024-02-29T13:55:55.589" v="259" actId="1076"/>
+        <pc:chgData name="ZHANG Xiangyu" userId="0af619d5-14b7-43d3-95bc-94ad39c803d6" providerId="ADAL" clId="{1DC4A7AB-8307-463F-B68B-CDC3B517A939}" dt="2024-03-06T12:44:07.363" v="417" actId="1076"/>
         <pc:sldMkLst>
           <pc:docMk/>
           <pc:sldMk cId="3560355421" sldId="271"/>
@@ -651,8 +651,8 @@
             <ac:spMk id="4" creationId="{542FC2D1-35ED-DBCD-F7E8-33561DCD95DB}"/>
           </ac:spMkLst>
         </pc:spChg>
-        <pc:spChg chg="add mod">
-          <ac:chgData name="ZHANG Xiangyu" userId="0af619d5-14b7-43d3-95bc-94ad39c803d6" providerId="ADAL" clId="{1DC4A7AB-8307-463F-B68B-CDC3B517A939}" dt="2024-02-29T13:50:08.509" v="251" actId="20577"/>
+        <pc:spChg chg="add mod topLvl">
+          <ac:chgData name="ZHANG Xiangyu" userId="0af619d5-14b7-43d3-95bc-94ad39c803d6" providerId="ADAL" clId="{1DC4A7AB-8307-463F-B68B-CDC3B517A939}" dt="2024-03-06T12:43:57.169" v="414" actId="164"/>
           <ac:spMkLst>
             <pc:docMk/>
             <pc:sldMk cId="3560355421" sldId="271"/>
@@ -675,8 +675,8 @@
             <ac:spMk id="6" creationId="{C18A7A24-A0F6-8BE3-2985-496A12ABE1D1}"/>
           </ac:spMkLst>
         </pc:spChg>
-        <pc:spChg chg="add mod">
-          <ac:chgData name="ZHANG Xiangyu" userId="0af619d5-14b7-43d3-95bc-94ad39c803d6" providerId="ADAL" clId="{1DC4A7AB-8307-463F-B68B-CDC3B517A939}" dt="2024-02-29T13:55:44.309" v="256" actId="948"/>
+        <pc:spChg chg="add mod topLvl">
+          <ac:chgData name="ZHANG Xiangyu" userId="0af619d5-14b7-43d3-95bc-94ad39c803d6" providerId="ADAL" clId="{1DC4A7AB-8307-463F-B68B-CDC3B517A939}" dt="2024-03-06T12:43:57.169" v="414" actId="164"/>
           <ac:spMkLst>
             <pc:docMk/>
             <pc:sldMk cId="3560355421" sldId="271"/>
@@ -699,14 +699,30 @@
             <ac:grpSpMk id="2" creationId="{DB35270F-3A8D-771C-0D47-AC7F88AA2005}"/>
           </ac:grpSpMkLst>
         </pc:grpChg>
-        <pc:grpChg chg="add mod">
-          <ac:chgData name="ZHANG Xiangyu" userId="0af619d5-14b7-43d3-95bc-94ad39c803d6" providerId="ADAL" clId="{1DC4A7AB-8307-463F-B68B-CDC3B517A939}" dt="2024-02-29T13:49:34.403" v="247" actId="1076"/>
+        <pc:grpChg chg="add del mod">
+          <ac:chgData name="ZHANG Xiangyu" userId="0af619d5-14b7-43d3-95bc-94ad39c803d6" providerId="ADAL" clId="{1DC4A7AB-8307-463F-B68B-CDC3B517A939}" dt="2024-03-06T12:43:54.789" v="413" actId="165"/>
           <ac:grpSpMkLst>
             <pc:docMk/>
             <pc:sldMk cId="3560355421" sldId="271"/>
             <ac:grpSpMk id="8" creationId="{57C310DE-96F9-13E5-A5A9-5C83C79D2B8C}"/>
           </ac:grpSpMkLst>
         </pc:grpChg>
+        <pc:grpChg chg="add mod">
+          <ac:chgData name="ZHANG Xiangyu" userId="0af619d5-14b7-43d3-95bc-94ad39c803d6" providerId="ADAL" clId="{1DC4A7AB-8307-463F-B68B-CDC3B517A939}" dt="2024-03-06T12:43:57.169" v="414" actId="164"/>
+          <ac:grpSpMkLst>
+            <pc:docMk/>
+            <pc:sldMk cId="3560355421" sldId="271"/>
+            <ac:grpSpMk id="10" creationId="{A43F547D-68A6-C92B-DE7E-5CEEDDFDDE05}"/>
+          </ac:grpSpMkLst>
+        </pc:grpChg>
+        <pc:graphicFrameChg chg="add del mod">
+          <ac:chgData name="ZHANG Xiangyu" userId="0af619d5-14b7-43d3-95bc-94ad39c803d6" providerId="ADAL" clId="{1DC4A7AB-8307-463F-B68B-CDC3B517A939}" dt="2024-03-06T12:42:50.538" v="392"/>
+          <ac:graphicFrameMkLst>
+            <pc:docMk/>
+            <pc:sldMk cId="3560355421" sldId="271"/>
+            <ac:graphicFrameMk id="3" creationId="{D6AAB436-541A-7DC2-F169-AE3E4B00C9D6}"/>
+          </ac:graphicFrameMkLst>
+        </pc:graphicFrameChg>
         <pc:picChg chg="add del mod">
           <ac:chgData name="ZHANG Xiangyu" userId="0af619d5-14b7-43d3-95bc-94ad39c803d6" providerId="ADAL" clId="{1DC4A7AB-8307-463F-B68B-CDC3B517A939}" dt="2024-02-29T13:48:37.927" v="233" actId="478"/>
           <ac:picMkLst>
@@ -715,8 +731,8 @@
             <ac:picMk id="2" creationId="{31817652-2246-73CD-A5C5-4AA48C1CEF0C}"/>
           </ac:picMkLst>
         </pc:picChg>
-        <pc:picChg chg="add mod">
-          <ac:chgData name="ZHANG Xiangyu" userId="0af619d5-14b7-43d3-95bc-94ad39c803d6" providerId="ADAL" clId="{1DC4A7AB-8307-463F-B68B-CDC3B517A939}" dt="2024-02-29T13:55:55.589" v="259" actId="1076"/>
+        <pc:picChg chg="add del mod">
+          <ac:chgData name="ZHANG Xiangyu" userId="0af619d5-14b7-43d3-95bc-94ad39c803d6" providerId="ADAL" clId="{1DC4A7AB-8307-463F-B68B-CDC3B517A939}" dt="2024-03-06T12:42:41.514" v="389" actId="478"/>
           <ac:picMkLst>
             <pc:docMk/>
             <pc:sldMk cId="3560355421" sldId="271"/>
@@ -755,12 +771,28 @@
             <ac:picMk id="4" creationId="{B07F78C9-2D70-8913-A528-EB35349EEA25}"/>
           </ac:picMkLst>
         </pc:picChg>
+        <pc:picChg chg="add mod modCrop">
+          <ac:chgData name="ZHANG Xiangyu" userId="0af619d5-14b7-43d3-95bc-94ad39c803d6" providerId="ADAL" clId="{1DC4A7AB-8307-463F-B68B-CDC3B517A939}" dt="2024-03-06T12:43:57.169" v="414" actId="164"/>
+          <ac:picMkLst>
+            <pc:docMk/>
+            <pc:sldMk cId="3560355421" sldId="271"/>
+            <ac:picMk id="6" creationId="{F6307878-3997-1B88-BC10-ECE6FDEEE914}"/>
+          </ac:picMkLst>
+        </pc:picChg>
         <pc:picChg chg="add del mod">
           <ac:chgData name="ZHANG Xiangyu" userId="0af619d5-14b7-43d3-95bc-94ad39c803d6" providerId="ADAL" clId="{1DC4A7AB-8307-463F-B68B-CDC3B517A939}" dt="2024-02-29T13:08:31.136" v="210" actId="478"/>
           <ac:picMkLst>
             <pc:docMk/>
             <pc:sldMk cId="3560355421" sldId="271"/>
             <ac:picMk id="9" creationId="{095E96D5-0F46-7B5D-A2D3-7B826475BA7C}"/>
+          </ac:picMkLst>
+        </pc:picChg>
+        <pc:picChg chg="add mod">
+          <ac:chgData name="ZHANG Xiangyu" userId="0af619d5-14b7-43d3-95bc-94ad39c803d6" providerId="ADAL" clId="{1DC4A7AB-8307-463F-B68B-CDC3B517A939}" dt="2024-03-06T12:43:46.668" v="412" actId="1076"/>
+          <ac:picMkLst>
+            <pc:docMk/>
+            <pc:sldMk cId="3560355421" sldId="271"/>
+            <ac:picMk id="9" creationId="{263C9E99-B7AC-0B3A-B624-204778C8116B}"/>
           </ac:picMkLst>
         </pc:picChg>
         <pc:picChg chg="add del mod">
@@ -788,7 +820,15 @@
           </ac:picMkLst>
         </pc:picChg>
         <pc:picChg chg="add mod">
-          <ac:chgData name="ZHANG Xiangyu" userId="0af619d5-14b7-43d3-95bc-94ad39c803d6" providerId="ADAL" clId="{1DC4A7AB-8307-463F-B68B-CDC3B517A939}" dt="2024-02-29T13:49:34.403" v="247" actId="1076"/>
+          <ac:chgData name="ZHANG Xiangyu" userId="0af619d5-14b7-43d3-95bc-94ad39c803d6" providerId="ADAL" clId="{1DC4A7AB-8307-463F-B68B-CDC3B517A939}" dt="2024-03-06T12:44:07.363" v="417" actId="1076"/>
+          <ac:picMkLst>
+            <pc:docMk/>
+            <pc:sldMk cId="3560355421" sldId="271"/>
+            <ac:picMk id="11" creationId="{AF6F1760-64B4-A137-A120-BAB7E85EA9B0}"/>
+          </ac:picMkLst>
+        </pc:picChg>
+        <pc:picChg chg="add del mod">
+          <ac:chgData name="ZHANG Xiangyu" userId="0af619d5-14b7-43d3-95bc-94ad39c803d6" providerId="ADAL" clId="{1DC4A7AB-8307-463F-B68B-CDC3B517A939}" dt="2024-03-06T12:43:35.775" v="408" actId="478"/>
           <ac:picMkLst>
             <pc:docMk/>
             <pc:sldMk cId="3560355421" sldId="271"/>
@@ -2256,7 +2296,7 @@
           <a:p>
             <a:fld id="{B6A0FF1A-FA3A-44F4-8102-A8B090DA15CE}" type="datetimeFigureOut">
               <a:rPr lang="zh-CN" altLang="en-US" smtClean="0"/>
-              <a:t>2024/3/5</a:t>
+              <a:t>2024/3/6</a:t>
             </a:fld>
             <a:endParaRPr lang="zh-CN" altLang="en-US"/>
           </a:p>
@@ -2838,7 +2878,7 @@
           <a:p>
             <a:fld id="{443201C6-C6B2-4F96-9DF6-297028943761}" type="datetimeFigureOut">
               <a:rPr lang="zh-CN" altLang="en-US" smtClean="0"/>
-              <a:t>2024/3/5</a:t>
+              <a:t>2024/3/6</a:t>
             </a:fld>
             <a:endParaRPr lang="zh-CN" altLang="en-US"/>
           </a:p>
@@ -3036,7 +3076,7 @@
           <a:p>
             <a:fld id="{443201C6-C6B2-4F96-9DF6-297028943761}" type="datetimeFigureOut">
               <a:rPr lang="zh-CN" altLang="en-US" smtClean="0"/>
-              <a:t>2024/3/5</a:t>
+              <a:t>2024/3/6</a:t>
             </a:fld>
             <a:endParaRPr lang="zh-CN" altLang="en-US"/>
           </a:p>
@@ -3244,7 +3284,7 @@
           <a:p>
             <a:fld id="{443201C6-C6B2-4F96-9DF6-297028943761}" type="datetimeFigureOut">
               <a:rPr lang="zh-CN" altLang="en-US" smtClean="0"/>
-              <a:t>2024/3/5</a:t>
+              <a:t>2024/3/6</a:t>
             </a:fld>
             <a:endParaRPr lang="zh-CN" altLang="en-US"/>
           </a:p>
@@ -3442,7 +3482,7 @@
           <a:p>
             <a:fld id="{443201C6-C6B2-4F96-9DF6-297028943761}" type="datetimeFigureOut">
               <a:rPr lang="zh-CN" altLang="en-US" smtClean="0"/>
-              <a:t>2024/3/5</a:t>
+              <a:t>2024/3/6</a:t>
             </a:fld>
             <a:endParaRPr lang="zh-CN" altLang="en-US"/>
           </a:p>
@@ -3717,7 +3757,7 @@
           <a:p>
             <a:fld id="{443201C6-C6B2-4F96-9DF6-297028943761}" type="datetimeFigureOut">
               <a:rPr lang="zh-CN" altLang="en-US" smtClean="0"/>
-              <a:t>2024/3/5</a:t>
+              <a:t>2024/3/6</a:t>
             </a:fld>
             <a:endParaRPr lang="zh-CN" altLang="en-US"/>
           </a:p>
@@ -3982,7 +4022,7 @@
           <a:p>
             <a:fld id="{443201C6-C6B2-4F96-9DF6-297028943761}" type="datetimeFigureOut">
               <a:rPr lang="zh-CN" altLang="en-US" smtClean="0"/>
-              <a:t>2024/3/5</a:t>
+              <a:t>2024/3/6</a:t>
             </a:fld>
             <a:endParaRPr lang="zh-CN" altLang="en-US"/>
           </a:p>
@@ -4394,7 +4434,7 @@
           <a:p>
             <a:fld id="{443201C6-C6B2-4F96-9DF6-297028943761}" type="datetimeFigureOut">
               <a:rPr lang="zh-CN" altLang="en-US" smtClean="0"/>
-              <a:t>2024/3/5</a:t>
+              <a:t>2024/3/6</a:t>
             </a:fld>
             <a:endParaRPr lang="zh-CN" altLang="en-US"/>
           </a:p>
@@ -4535,7 +4575,7 @@
           <a:p>
             <a:fld id="{443201C6-C6B2-4F96-9DF6-297028943761}" type="datetimeFigureOut">
               <a:rPr lang="zh-CN" altLang="en-US" smtClean="0"/>
-              <a:t>2024/3/5</a:t>
+              <a:t>2024/3/6</a:t>
             </a:fld>
             <a:endParaRPr lang="zh-CN" altLang="en-US"/>
           </a:p>
@@ -4648,7 +4688,7 @@
           <a:p>
             <a:fld id="{443201C6-C6B2-4F96-9DF6-297028943761}" type="datetimeFigureOut">
               <a:rPr lang="zh-CN" altLang="en-US" smtClean="0"/>
-              <a:t>2024/3/5</a:t>
+              <a:t>2024/3/6</a:t>
             </a:fld>
             <a:endParaRPr lang="zh-CN" altLang="en-US"/>
           </a:p>
@@ -4959,7 +4999,7 @@
           <a:p>
             <a:fld id="{443201C6-C6B2-4F96-9DF6-297028943761}" type="datetimeFigureOut">
               <a:rPr lang="zh-CN" altLang="en-US" smtClean="0"/>
-              <a:t>2024/3/5</a:t>
+              <a:t>2024/3/6</a:t>
             </a:fld>
             <a:endParaRPr lang="zh-CN" altLang="en-US"/>
           </a:p>
@@ -5247,7 +5287,7 @@
           <a:p>
             <a:fld id="{443201C6-C6B2-4F96-9DF6-297028943761}" type="datetimeFigureOut">
               <a:rPr lang="zh-CN" altLang="en-US" smtClean="0"/>
-              <a:t>2024/3/5</a:t>
+              <a:t>2024/3/6</a:t>
             </a:fld>
             <a:endParaRPr lang="zh-CN" altLang="en-US"/>
           </a:p>
@@ -5488,7 +5528,7 @@
           <a:p>
             <a:fld id="{443201C6-C6B2-4F96-9DF6-297028943761}" type="datetimeFigureOut">
               <a:rPr lang="zh-CN" altLang="en-US" smtClean="0"/>
-              <a:t>2024/3/5</a:t>
+              <a:t>2024/3/6</a:t>
             </a:fld>
             <a:endParaRPr lang="zh-CN" altLang="en-US"/>
           </a:p>
@@ -8135,10 +8175,10 @@
       </p:grpSpPr>
       <p:grpSp>
         <p:nvGrpSpPr>
-          <p:cNvPr id="8" name="组合 7">
+          <p:cNvPr id="10" name="组合 9">
             <a:extLst>
               <a:ext uri="{FF2B5EF4-FFF2-40B4-BE49-F238E27FC236}">
-                <a16:creationId xmlns:a16="http://schemas.microsoft.com/office/drawing/2014/main" id="{57C310DE-96F9-13E5-A5A9-5C83C79D2B8C}"/>
+                <a16:creationId xmlns:a16="http://schemas.microsoft.com/office/drawing/2014/main" id="{A43F547D-68A6-C92B-DE7E-5CEEDDFDDE05}"/>
               </a:ext>
             </a:extLst>
           </p:cNvPr>
@@ -8148,66 +8188,11 @@
         <p:grpSpPr>
           <a:xfrm>
             <a:off x="1440775" y="1798638"/>
-            <a:ext cx="9699129" cy="2891654"/>
+            <a:ext cx="9699129" cy="2793842"/>
             <a:chOff x="1440775" y="1798638"/>
-            <a:chExt cx="9699129" cy="2891654"/>
+            <a:chExt cx="9699129" cy="2793842"/>
           </a:xfrm>
         </p:grpSpPr>
-        <p:pic>
-          <p:nvPicPr>
-            <p:cNvPr id="1026" name="Picture 2" descr="wechat">
-              <a:extLst>
-                <a:ext uri="{FF2B5EF4-FFF2-40B4-BE49-F238E27FC236}">
-                  <a16:creationId xmlns:a16="http://schemas.microsoft.com/office/drawing/2014/main" id="{14B88B1B-0BD7-D2AF-EF8F-1EC9C16FC005}"/>
-                </a:ext>
-              </a:extLst>
-            </p:cNvPr>
-            <p:cNvPicPr>
-              <a:picLocks noChangeAspect="1" noChangeArrowheads="1"/>
-            </p:cNvPicPr>
-            <p:nvPr/>
-          </p:nvPicPr>
-          <p:blipFill rotWithShape="1">
-            <a:blip r:embed="rId2">
-              <a:clrChange>
-                <a:clrFrom>
-                  <a:srgbClr val="FFFFFF"/>
-                </a:clrFrom>
-                <a:clrTo>
-                  <a:srgbClr val="FFFFFF">
-                    <a:alpha val="0"/>
-                  </a:srgbClr>
-                </a:clrTo>
-              </a:clrChange>
-              <a:extLst>
-                <a:ext uri="{28A0092B-C50C-407E-A947-70E740481C1C}">
-                  <a14:useLocalDpi xmlns:a14="http://schemas.microsoft.com/office/drawing/2010/main" val="0"/>
-                </a:ext>
-              </a:extLst>
-            </a:blip>
-            <a:srcRect l="16582" r="16360"/>
-            <a:stretch/>
-          </p:blipFill>
-          <p:spPr bwMode="auto">
-            <a:xfrm>
-              <a:off x="2956794" y="2758484"/>
-              <a:ext cx="1883770" cy="1931808"/>
-            </a:xfrm>
-            <a:prstGeom prst="rect">
-              <a:avLst/>
-            </a:prstGeom>
-            <a:noFill/>
-            <a:extLst>
-              <a:ext uri="{909E8E84-426E-40DD-AFC4-6F175D3DCCD1}">
-                <a14:hiddenFill xmlns:a14="http://schemas.microsoft.com/office/drawing/2010/main">
-                  <a:solidFill>
-                    <a:srgbClr val="FFFFFF"/>
-                  </a:solidFill>
-                </a14:hiddenFill>
-              </a:ext>
-            </a:extLst>
-          </p:spPr>
-        </p:pic>
         <p:sp>
           <p:nvSpPr>
             <p:cNvPr id="5" name="文本框 4">
@@ -8385,13 +8370,53 @@
             </a:p>
           </p:txBody>
         </p:sp>
+        <p:pic>
+          <p:nvPicPr>
+            <p:cNvPr id="6" name="图片 5" descr="QR 代码&#10;&#10;描述已自动生成">
+              <a:extLst>
+                <a:ext uri="{FF2B5EF4-FFF2-40B4-BE49-F238E27FC236}">
+                  <a16:creationId xmlns:a16="http://schemas.microsoft.com/office/drawing/2014/main" id="{F6307878-3997-1B88-BC10-ECE6FDEEE914}"/>
+                </a:ext>
+              </a:extLst>
+            </p:cNvPr>
+            <p:cNvPicPr>
+              <a:picLocks noChangeAspect="1"/>
+            </p:cNvPicPr>
+            <p:nvPr/>
+          </p:nvPicPr>
+          <p:blipFill rotWithShape="1">
+            <a:blip r:embed="rId2">
+              <a:clrChange>
+                <a:clrFrom>
+                  <a:srgbClr val="FFFFFF"/>
+                </a:clrFrom>
+                <a:clrTo>
+                  <a:srgbClr val="FFFFFF">
+                    <a:alpha val="0"/>
+                  </a:srgbClr>
+                </a:clrTo>
+              </a:clrChange>
+            </a:blip>
+            <a:srcRect l="14920" t="33365" r="16107" b="17746"/>
+            <a:stretch/>
+          </p:blipFill>
+          <p:spPr>
+            <a:xfrm>
+              <a:off x="2956794" y="2727547"/>
+              <a:ext cx="1883770" cy="1864933"/>
+            </a:xfrm>
+            <a:prstGeom prst="rect">
+              <a:avLst/>
+            </a:prstGeom>
+          </p:spPr>
+        </p:pic>
       </p:grpSp>
       <p:pic>
         <p:nvPicPr>
-          <p:cNvPr id="2" name="图片 1">
+          <p:cNvPr id="11" name="图片 10">
             <a:extLst>
               <a:ext uri="{FF2B5EF4-FFF2-40B4-BE49-F238E27FC236}">
-                <a16:creationId xmlns:a16="http://schemas.microsoft.com/office/drawing/2014/main" id="{34AC00ED-8DC8-E85F-978B-0922D579204D}"/>
+                <a16:creationId xmlns:a16="http://schemas.microsoft.com/office/drawing/2014/main" id="{AF6F1760-64B4-A137-A120-BAB7E85EA9B0}"/>
               </a:ext>
             </a:extLst>
           </p:cNvPr>
@@ -8408,7 +8433,7 @@
         </p:blipFill>
         <p:spPr>
           <a:xfrm>
-            <a:off x="1173324" y="5278346"/>
+            <a:off x="1246211" y="5847243"/>
             <a:ext cx="9699577" cy="2914141"/>
           </a:xfrm>
           <a:prstGeom prst="rect">

--- a/assets/figures.pptx
+++ b/assets/figures.pptx
@@ -133,7 +133,7 @@
 <file path=ppt/revisionInfo.xml><?xml version="1.0" encoding="utf-8"?>
 <p1510:revInfo xmlns:a="http://schemas.openxmlformats.org/drawingml/2006/main" xmlns:r="http://schemas.openxmlformats.org/officeDocument/2006/relationships" xmlns:p1510="http://schemas.microsoft.com/office/powerpoint/2015/10/main">
   <p1510:revLst>
-    <p1510:client id="{1DC4A7AB-8307-463F-B68B-CDC3B517A939}" v="91" dt="2024-03-06T12:44:03.532"/>
+    <p1510:client id="{1DC4A7AB-8307-463F-B68B-CDC3B517A939}" v="93" dt="2024-03-08T07:32:45.515"/>
   </p1510:revLst>
 </p1510:revInfo>
 </file>
@@ -175,7 +175,7 @@
   <pc:docChgLst>
     <pc:chgData name="ZHANG Xiangyu" userId="0af619d5-14b7-43d3-95bc-94ad39c803d6" providerId="ADAL" clId="{1DC4A7AB-8307-463F-B68B-CDC3B517A939}"/>
     <pc:docChg chg="undo redo custSel addSld modSld">
-      <pc:chgData name="ZHANG Xiangyu" userId="0af619d5-14b7-43d3-95bc-94ad39c803d6" providerId="ADAL" clId="{1DC4A7AB-8307-463F-B68B-CDC3B517A939}" dt="2024-03-06T12:44:07.363" v="417" actId="1076"/>
+      <pc:chgData name="ZHANG Xiangyu" userId="0af619d5-14b7-43d3-95bc-94ad39c803d6" providerId="ADAL" clId="{1DC4A7AB-8307-463F-B68B-CDC3B517A939}" dt="2024-03-08T07:32:47.950" v="425" actId="1076"/>
       <pc:docMkLst>
         <pc:docMk/>
       </pc:docMkLst>
@@ -614,7 +614,7 @@
         </pc:picChg>
       </pc:sldChg>
       <pc:sldChg chg="addSp delSp modSp new mod">
-        <pc:chgData name="ZHANG Xiangyu" userId="0af619d5-14b7-43d3-95bc-94ad39c803d6" providerId="ADAL" clId="{1DC4A7AB-8307-463F-B68B-CDC3B517A939}" dt="2024-03-06T12:44:07.363" v="417" actId="1076"/>
+        <pc:chgData name="ZHANG Xiangyu" userId="0af619d5-14b7-43d3-95bc-94ad39c803d6" providerId="ADAL" clId="{1DC4A7AB-8307-463F-B68B-CDC3B517A939}" dt="2024-03-08T07:32:47.950" v="425" actId="1076"/>
         <pc:sldMkLst>
           <pc:docMk/>
           <pc:sldMk cId="3560355421" sldId="271"/>
@@ -676,7 +676,7 @@
           </ac:spMkLst>
         </pc:spChg>
         <pc:spChg chg="add mod topLvl">
-          <ac:chgData name="ZHANG Xiangyu" userId="0af619d5-14b7-43d3-95bc-94ad39c803d6" providerId="ADAL" clId="{1DC4A7AB-8307-463F-B68B-CDC3B517A939}" dt="2024-03-06T12:43:57.169" v="414" actId="164"/>
+          <ac:chgData name="ZHANG Xiangyu" userId="0af619d5-14b7-43d3-95bc-94ad39c803d6" providerId="ADAL" clId="{1DC4A7AB-8307-463F-B68B-CDC3B517A939}" dt="2024-03-08T07:32:34.009" v="422"/>
           <ac:spMkLst>
             <pc:docMk/>
             <pc:sldMk cId="3560355421" sldId="271"/>
@@ -739,6 +739,14 @@
             <ac:picMk id="2" creationId="{34AC00ED-8DC8-E85F-978B-0922D579204D}"/>
           </ac:picMkLst>
         </pc:picChg>
+        <pc:picChg chg="add mod">
+          <ac:chgData name="ZHANG Xiangyu" userId="0af619d5-14b7-43d3-95bc-94ad39c803d6" providerId="ADAL" clId="{1DC4A7AB-8307-463F-B68B-CDC3B517A939}" dt="2024-03-08T07:32:47.950" v="425" actId="1076"/>
+          <ac:picMkLst>
+            <pc:docMk/>
+            <pc:sldMk cId="3560355421" sldId="271"/>
+            <ac:picMk id="2" creationId="{E197838B-8E41-0FDC-0640-6AC96FE74179}"/>
+          </ac:picMkLst>
+        </pc:picChg>
         <pc:picChg chg="mod">
           <ac:chgData name="ZHANG Xiangyu" userId="0af619d5-14b7-43d3-95bc-94ad39c803d6" providerId="ADAL" clId="{1DC4A7AB-8307-463F-B68B-CDC3B517A939}" dt="2024-02-29T12:51:16.683" v="203" actId="1076"/>
           <ac:picMkLst>
@@ -819,8 +827,8 @@
             <ac:picMk id="10" creationId="{5DF23A82-91C6-362D-AE28-02811DDA2C28}"/>
           </ac:picMkLst>
         </pc:picChg>
-        <pc:picChg chg="add mod">
-          <ac:chgData name="ZHANG Xiangyu" userId="0af619d5-14b7-43d3-95bc-94ad39c803d6" providerId="ADAL" clId="{1DC4A7AB-8307-463F-B68B-CDC3B517A939}" dt="2024-03-06T12:44:07.363" v="417" actId="1076"/>
+        <pc:picChg chg="add del mod">
+          <ac:chgData name="ZHANG Xiangyu" userId="0af619d5-14b7-43d3-95bc-94ad39c803d6" providerId="ADAL" clId="{1DC4A7AB-8307-463F-B68B-CDC3B517A939}" dt="2024-03-08T07:32:37.027" v="423" actId="478"/>
           <ac:picMkLst>
             <pc:docMk/>
             <pc:sldMk cId="3560355421" sldId="271"/>
@@ -2296,7 +2304,7 @@
           <a:p>
             <a:fld id="{B6A0FF1A-FA3A-44F4-8102-A8B090DA15CE}" type="datetimeFigureOut">
               <a:rPr lang="zh-CN" altLang="en-US" smtClean="0"/>
-              <a:t>2024/3/6</a:t>
+              <a:t>2024/3/8</a:t>
             </a:fld>
             <a:endParaRPr lang="zh-CN" altLang="en-US"/>
           </a:p>
@@ -2878,7 +2886,7 @@
           <a:p>
             <a:fld id="{443201C6-C6B2-4F96-9DF6-297028943761}" type="datetimeFigureOut">
               <a:rPr lang="zh-CN" altLang="en-US" smtClean="0"/>
-              <a:t>2024/3/6</a:t>
+              <a:t>2024/3/8</a:t>
             </a:fld>
             <a:endParaRPr lang="zh-CN" altLang="en-US"/>
           </a:p>
@@ -3076,7 +3084,7 @@
           <a:p>
             <a:fld id="{443201C6-C6B2-4F96-9DF6-297028943761}" type="datetimeFigureOut">
               <a:rPr lang="zh-CN" altLang="en-US" smtClean="0"/>
-              <a:t>2024/3/6</a:t>
+              <a:t>2024/3/8</a:t>
             </a:fld>
             <a:endParaRPr lang="zh-CN" altLang="en-US"/>
           </a:p>
@@ -3284,7 +3292,7 @@
           <a:p>
             <a:fld id="{443201C6-C6B2-4F96-9DF6-297028943761}" type="datetimeFigureOut">
               <a:rPr lang="zh-CN" altLang="en-US" smtClean="0"/>
-              <a:t>2024/3/6</a:t>
+              <a:t>2024/3/8</a:t>
             </a:fld>
             <a:endParaRPr lang="zh-CN" altLang="en-US"/>
           </a:p>
@@ -3482,7 +3490,7 @@
           <a:p>
             <a:fld id="{443201C6-C6B2-4F96-9DF6-297028943761}" type="datetimeFigureOut">
               <a:rPr lang="zh-CN" altLang="en-US" smtClean="0"/>
-              <a:t>2024/3/6</a:t>
+              <a:t>2024/3/8</a:t>
             </a:fld>
             <a:endParaRPr lang="zh-CN" altLang="en-US"/>
           </a:p>
@@ -3757,7 +3765,7 @@
           <a:p>
             <a:fld id="{443201C6-C6B2-4F96-9DF6-297028943761}" type="datetimeFigureOut">
               <a:rPr lang="zh-CN" altLang="en-US" smtClean="0"/>
-              <a:t>2024/3/6</a:t>
+              <a:t>2024/3/8</a:t>
             </a:fld>
             <a:endParaRPr lang="zh-CN" altLang="en-US"/>
           </a:p>
@@ -4022,7 +4030,7 @@
           <a:p>
             <a:fld id="{443201C6-C6B2-4F96-9DF6-297028943761}" type="datetimeFigureOut">
               <a:rPr lang="zh-CN" altLang="en-US" smtClean="0"/>
-              <a:t>2024/3/6</a:t>
+              <a:t>2024/3/8</a:t>
             </a:fld>
             <a:endParaRPr lang="zh-CN" altLang="en-US"/>
           </a:p>
@@ -4434,7 +4442,7 @@
           <a:p>
             <a:fld id="{443201C6-C6B2-4F96-9DF6-297028943761}" type="datetimeFigureOut">
               <a:rPr lang="zh-CN" altLang="en-US" smtClean="0"/>
-              <a:t>2024/3/6</a:t>
+              <a:t>2024/3/8</a:t>
             </a:fld>
             <a:endParaRPr lang="zh-CN" altLang="en-US"/>
           </a:p>
@@ -4575,7 +4583,7 @@
           <a:p>
             <a:fld id="{443201C6-C6B2-4F96-9DF6-297028943761}" type="datetimeFigureOut">
               <a:rPr lang="zh-CN" altLang="en-US" smtClean="0"/>
-              <a:t>2024/3/6</a:t>
+              <a:t>2024/3/8</a:t>
             </a:fld>
             <a:endParaRPr lang="zh-CN" altLang="en-US"/>
           </a:p>
@@ -4688,7 +4696,7 @@
           <a:p>
             <a:fld id="{443201C6-C6B2-4F96-9DF6-297028943761}" type="datetimeFigureOut">
               <a:rPr lang="zh-CN" altLang="en-US" smtClean="0"/>
-              <a:t>2024/3/6</a:t>
+              <a:t>2024/3/8</a:t>
             </a:fld>
             <a:endParaRPr lang="zh-CN" altLang="en-US"/>
           </a:p>
@@ -4999,7 +5007,7 @@
           <a:p>
             <a:fld id="{443201C6-C6B2-4F96-9DF6-297028943761}" type="datetimeFigureOut">
               <a:rPr lang="zh-CN" altLang="en-US" smtClean="0"/>
-              <a:t>2024/3/6</a:t>
+              <a:t>2024/3/8</a:t>
             </a:fld>
             <a:endParaRPr lang="zh-CN" altLang="en-US"/>
           </a:p>
@@ -5287,7 +5295,7 @@
           <a:p>
             <a:fld id="{443201C6-C6B2-4F96-9DF6-297028943761}" type="datetimeFigureOut">
               <a:rPr lang="zh-CN" altLang="en-US" smtClean="0"/>
-              <a:t>2024/3/6</a:t>
+              <a:t>2024/3/8</a:t>
             </a:fld>
             <a:endParaRPr lang="zh-CN" altLang="en-US"/>
           </a:p>
@@ -5528,7 +5536,7 @@
           <a:p>
             <a:fld id="{443201C6-C6B2-4F96-9DF6-297028943761}" type="datetimeFigureOut">
               <a:rPr lang="zh-CN" altLang="en-US" smtClean="0"/>
-              <a:t>2024/3/6</a:t>
+              <a:t>2024/3/8</a:t>
             </a:fld>
             <a:endParaRPr lang="zh-CN" altLang="en-US"/>
           </a:p>
@@ -8314,7 +8322,7 @@
                   <a:latin typeface="Arial" panose="020B0604020202020204" pitchFamily="34" charset="0"/>
                   <a:cs typeface="Arial" panose="020B0604020202020204" pitchFamily="34" charset="0"/>
                 </a:rPr>
-                <a:t>Dr. Binbin Yin</a:t>
+                <a:t>Dr. Yin Binbin</a:t>
               </a:r>
             </a:p>
             <a:p>
@@ -8413,10 +8421,10 @@
       </p:grpSp>
       <p:pic>
         <p:nvPicPr>
-          <p:cNvPr id="11" name="图片 10">
+          <p:cNvPr id="2" name="图片 1">
             <a:extLst>
               <a:ext uri="{FF2B5EF4-FFF2-40B4-BE49-F238E27FC236}">
-                <a16:creationId xmlns:a16="http://schemas.microsoft.com/office/drawing/2014/main" id="{AF6F1760-64B4-A137-A120-BAB7E85EA9B0}"/>
+                <a16:creationId xmlns:a16="http://schemas.microsoft.com/office/drawing/2014/main" id="{E197838B-8E41-0FDC-0640-6AC96FE74179}"/>
               </a:ext>
             </a:extLst>
           </p:cNvPr>
@@ -8433,7 +8441,7 @@
         </p:blipFill>
         <p:spPr>
           <a:xfrm>
-            <a:off x="1246211" y="5847243"/>
+            <a:off x="1246211" y="4956429"/>
             <a:ext cx="9699577" cy="2914141"/>
           </a:xfrm>
           <a:prstGeom prst="rect">

--- a/assets/figures.pptx
+++ b/assets/figures.pptx
@@ -133,7 +133,7 @@
 <file path=ppt/revisionInfo.xml><?xml version="1.0" encoding="utf-8"?>
 <p1510:revInfo xmlns:a="http://schemas.openxmlformats.org/drawingml/2006/main" xmlns:r="http://schemas.openxmlformats.org/officeDocument/2006/relationships" xmlns:p1510="http://schemas.microsoft.com/office/powerpoint/2015/10/main">
   <p1510:revLst>
-    <p1510:client id="{1DC4A7AB-8307-463F-B68B-CDC3B517A939}" v="93" dt="2024-03-08T07:32:45.515"/>
+    <p1510:client id="{1DC4A7AB-8307-463F-B68B-CDC3B517A939}" v="100" dt="2024-03-13T05:02:28.738"/>
   </p1510:revLst>
 </p1510:revInfo>
 </file>
@@ -175,7 +175,7 @@
   <pc:docChgLst>
     <pc:chgData name="ZHANG Xiangyu" userId="0af619d5-14b7-43d3-95bc-94ad39c803d6" providerId="ADAL" clId="{1DC4A7AB-8307-463F-B68B-CDC3B517A939}"/>
     <pc:docChg chg="undo redo custSel addSld modSld">
-      <pc:chgData name="ZHANG Xiangyu" userId="0af619d5-14b7-43d3-95bc-94ad39c803d6" providerId="ADAL" clId="{1DC4A7AB-8307-463F-B68B-CDC3B517A939}" dt="2024-03-08T07:32:47.950" v="425" actId="1076"/>
+      <pc:chgData name="ZHANG Xiangyu" userId="0af619d5-14b7-43d3-95bc-94ad39c803d6" providerId="ADAL" clId="{1DC4A7AB-8307-463F-B68B-CDC3B517A939}" dt="2024-03-13T05:02:33.759" v="447" actId="1076"/>
       <pc:docMkLst>
         <pc:docMk/>
       </pc:docMkLst>
@@ -614,7 +614,7 @@
         </pc:picChg>
       </pc:sldChg>
       <pc:sldChg chg="addSp delSp modSp new mod">
-        <pc:chgData name="ZHANG Xiangyu" userId="0af619d5-14b7-43d3-95bc-94ad39c803d6" providerId="ADAL" clId="{1DC4A7AB-8307-463F-B68B-CDC3B517A939}" dt="2024-03-08T07:32:47.950" v="425" actId="1076"/>
+        <pc:chgData name="ZHANG Xiangyu" userId="0af619d5-14b7-43d3-95bc-94ad39c803d6" providerId="ADAL" clId="{1DC4A7AB-8307-463F-B68B-CDC3B517A939}" dt="2024-03-13T05:02:33.759" v="447" actId="1076"/>
         <pc:sldMkLst>
           <pc:docMk/>
           <pc:sldMk cId="3560355421" sldId="271"/>
@@ -652,7 +652,7 @@
           </ac:spMkLst>
         </pc:spChg>
         <pc:spChg chg="add mod topLvl">
-          <ac:chgData name="ZHANG Xiangyu" userId="0af619d5-14b7-43d3-95bc-94ad39c803d6" providerId="ADAL" clId="{1DC4A7AB-8307-463F-B68B-CDC3B517A939}" dt="2024-03-06T12:43:57.169" v="414" actId="164"/>
+          <ac:chgData name="ZHANG Xiangyu" userId="0af619d5-14b7-43d3-95bc-94ad39c803d6" providerId="ADAL" clId="{1DC4A7AB-8307-463F-B68B-CDC3B517A939}" dt="2024-03-13T05:02:20.897" v="443" actId="164"/>
           <ac:spMkLst>
             <pc:docMk/>
             <pc:sldMk cId="3560355421" sldId="271"/>
@@ -676,7 +676,7 @@
           </ac:spMkLst>
         </pc:spChg>
         <pc:spChg chg="add mod topLvl">
-          <ac:chgData name="ZHANG Xiangyu" userId="0af619d5-14b7-43d3-95bc-94ad39c803d6" providerId="ADAL" clId="{1DC4A7AB-8307-463F-B68B-CDC3B517A939}" dt="2024-03-08T07:32:34.009" v="422"/>
+          <ac:chgData name="ZHANG Xiangyu" userId="0af619d5-14b7-43d3-95bc-94ad39c803d6" providerId="ADAL" clId="{1DC4A7AB-8307-463F-B68B-CDC3B517A939}" dt="2024-03-13T05:02:20.897" v="443" actId="164"/>
           <ac:spMkLst>
             <pc:docMk/>
             <pc:sldMk cId="3560355421" sldId="271"/>
@@ -708,13 +708,29 @@
           </ac:grpSpMkLst>
         </pc:grpChg>
         <pc:grpChg chg="add mod">
-          <ac:chgData name="ZHANG Xiangyu" userId="0af619d5-14b7-43d3-95bc-94ad39c803d6" providerId="ADAL" clId="{1DC4A7AB-8307-463F-B68B-CDC3B517A939}" dt="2024-03-06T12:43:57.169" v="414" actId="164"/>
+          <ac:chgData name="ZHANG Xiangyu" userId="0af619d5-14b7-43d3-95bc-94ad39c803d6" providerId="ADAL" clId="{1DC4A7AB-8307-463F-B68B-CDC3B517A939}" dt="2024-03-13T05:02:20.897" v="443" actId="164"/>
+          <ac:grpSpMkLst>
+            <pc:docMk/>
+            <pc:sldMk cId="3560355421" sldId="271"/>
+            <ac:grpSpMk id="9" creationId="{1E13113B-05B3-5544-3606-B05BFE5B4757}"/>
+          </ac:grpSpMkLst>
+        </pc:grpChg>
+        <pc:grpChg chg="add del mod">
+          <ac:chgData name="ZHANG Xiangyu" userId="0af619d5-14b7-43d3-95bc-94ad39c803d6" providerId="ADAL" clId="{1DC4A7AB-8307-463F-B68B-CDC3B517A939}" dt="2024-03-13T05:02:14.080" v="440" actId="165"/>
           <ac:grpSpMkLst>
             <pc:docMk/>
             <pc:sldMk cId="3560355421" sldId="271"/>
             <ac:grpSpMk id="10" creationId="{A43F547D-68A6-C92B-DE7E-5CEEDDFDDE05}"/>
           </ac:grpSpMkLst>
         </pc:grpChg>
+        <pc:graphicFrameChg chg="add del mod">
+          <ac:chgData name="ZHANG Xiangyu" userId="0af619d5-14b7-43d3-95bc-94ad39c803d6" providerId="ADAL" clId="{1DC4A7AB-8307-463F-B68B-CDC3B517A939}" dt="2024-03-13T05:01:27.813" v="429"/>
+          <ac:graphicFrameMkLst>
+            <pc:docMk/>
+            <pc:sldMk cId="3560355421" sldId="271"/>
+            <ac:graphicFrameMk id="3" creationId="{3B3D5B0E-36D9-C373-D17A-97B84DBAC078}"/>
+          </ac:graphicFrameMkLst>
+        </pc:graphicFrameChg>
         <pc:graphicFrameChg chg="add del mod">
           <ac:chgData name="ZHANG Xiangyu" userId="0af619d5-14b7-43d3-95bc-94ad39c803d6" providerId="ADAL" clId="{1DC4A7AB-8307-463F-B68B-CDC3B517A939}" dt="2024-03-06T12:42:50.538" v="392"/>
           <ac:graphicFrameMkLst>
@@ -739,8 +755,8 @@
             <ac:picMk id="2" creationId="{34AC00ED-8DC8-E85F-978B-0922D579204D}"/>
           </ac:picMkLst>
         </pc:picChg>
-        <pc:picChg chg="add mod">
-          <ac:chgData name="ZHANG Xiangyu" userId="0af619d5-14b7-43d3-95bc-94ad39c803d6" providerId="ADAL" clId="{1DC4A7AB-8307-463F-B68B-CDC3B517A939}" dt="2024-03-08T07:32:47.950" v="425" actId="1076"/>
+        <pc:picChg chg="add del mod">
+          <ac:chgData name="ZHANG Xiangyu" userId="0af619d5-14b7-43d3-95bc-94ad39c803d6" providerId="ADAL" clId="{1DC4A7AB-8307-463F-B68B-CDC3B517A939}" dt="2024-03-13T05:01:23.839" v="426" actId="478"/>
           <ac:picMkLst>
             <pc:docMk/>
             <pc:sldMk cId="3560355421" sldId="271"/>
@@ -779,12 +795,20 @@
             <ac:picMk id="4" creationId="{B07F78C9-2D70-8913-A528-EB35349EEA25}"/>
           </ac:picMkLst>
         </pc:picChg>
-        <pc:picChg chg="add mod modCrop">
-          <ac:chgData name="ZHANG Xiangyu" userId="0af619d5-14b7-43d3-95bc-94ad39c803d6" providerId="ADAL" clId="{1DC4A7AB-8307-463F-B68B-CDC3B517A939}" dt="2024-03-06T12:43:57.169" v="414" actId="164"/>
+        <pc:picChg chg="add del mod topLvl modCrop">
+          <ac:chgData name="ZHANG Xiangyu" userId="0af619d5-14b7-43d3-95bc-94ad39c803d6" providerId="ADAL" clId="{1DC4A7AB-8307-463F-B68B-CDC3B517A939}" dt="2024-03-13T05:02:15.899" v="441" actId="478"/>
           <ac:picMkLst>
             <pc:docMk/>
             <pc:sldMk cId="3560355421" sldId="271"/>
             <ac:picMk id="6" creationId="{F6307878-3997-1B88-BC10-ECE6FDEEE914}"/>
+          </ac:picMkLst>
+        </pc:picChg>
+        <pc:picChg chg="add mod modCrop">
+          <ac:chgData name="ZHANG Xiangyu" userId="0af619d5-14b7-43d3-95bc-94ad39c803d6" providerId="ADAL" clId="{1DC4A7AB-8307-463F-B68B-CDC3B517A939}" dt="2024-03-13T05:02:20.897" v="443" actId="164"/>
+          <ac:picMkLst>
+            <pc:docMk/>
+            <pc:sldMk cId="3560355421" sldId="271"/>
+            <ac:picMk id="8" creationId="{28543EB1-5FA5-EE6A-AD06-925806C7E393}"/>
           </ac:picMkLst>
         </pc:picChg>
         <pc:picChg chg="add del mod">
@@ -825,6 +849,14 @@
             <pc:docMk/>
             <pc:sldMk cId="3560355421" sldId="271"/>
             <ac:picMk id="10" creationId="{5DF23A82-91C6-362D-AE28-02811DDA2C28}"/>
+          </ac:picMkLst>
+        </pc:picChg>
+        <pc:picChg chg="add mod">
+          <ac:chgData name="ZHANG Xiangyu" userId="0af619d5-14b7-43d3-95bc-94ad39c803d6" providerId="ADAL" clId="{1DC4A7AB-8307-463F-B68B-CDC3B517A939}" dt="2024-03-13T05:02:33.759" v="447" actId="1076"/>
+          <ac:picMkLst>
+            <pc:docMk/>
+            <pc:sldMk cId="3560355421" sldId="271"/>
+            <ac:picMk id="11" creationId="{0352FA1B-B170-2C84-FEC3-725262DB4060}"/>
           </ac:picMkLst>
         </pc:picChg>
         <pc:picChg chg="add del mod">
@@ -2304,7 +2336,7 @@
           <a:p>
             <a:fld id="{B6A0FF1A-FA3A-44F4-8102-A8B090DA15CE}" type="datetimeFigureOut">
               <a:rPr lang="zh-CN" altLang="en-US" smtClean="0"/>
-              <a:t>2024/3/8</a:t>
+              <a:t>2024/3/13</a:t>
             </a:fld>
             <a:endParaRPr lang="zh-CN" altLang="en-US"/>
           </a:p>
@@ -2886,7 +2918,7 @@
           <a:p>
             <a:fld id="{443201C6-C6B2-4F96-9DF6-297028943761}" type="datetimeFigureOut">
               <a:rPr lang="zh-CN" altLang="en-US" smtClean="0"/>
-              <a:t>2024/3/8</a:t>
+              <a:t>2024/3/13</a:t>
             </a:fld>
             <a:endParaRPr lang="zh-CN" altLang="en-US"/>
           </a:p>
@@ -3084,7 +3116,7 @@
           <a:p>
             <a:fld id="{443201C6-C6B2-4F96-9DF6-297028943761}" type="datetimeFigureOut">
               <a:rPr lang="zh-CN" altLang="en-US" smtClean="0"/>
-              <a:t>2024/3/8</a:t>
+              <a:t>2024/3/13</a:t>
             </a:fld>
             <a:endParaRPr lang="zh-CN" altLang="en-US"/>
           </a:p>
@@ -3292,7 +3324,7 @@
           <a:p>
             <a:fld id="{443201C6-C6B2-4F96-9DF6-297028943761}" type="datetimeFigureOut">
               <a:rPr lang="zh-CN" altLang="en-US" smtClean="0"/>
-              <a:t>2024/3/8</a:t>
+              <a:t>2024/3/13</a:t>
             </a:fld>
             <a:endParaRPr lang="zh-CN" altLang="en-US"/>
           </a:p>
@@ -3490,7 +3522,7 @@
           <a:p>
             <a:fld id="{443201C6-C6B2-4F96-9DF6-297028943761}" type="datetimeFigureOut">
               <a:rPr lang="zh-CN" altLang="en-US" smtClean="0"/>
-              <a:t>2024/3/8</a:t>
+              <a:t>2024/3/13</a:t>
             </a:fld>
             <a:endParaRPr lang="zh-CN" altLang="en-US"/>
           </a:p>
@@ -3765,7 +3797,7 @@
           <a:p>
             <a:fld id="{443201C6-C6B2-4F96-9DF6-297028943761}" type="datetimeFigureOut">
               <a:rPr lang="zh-CN" altLang="en-US" smtClean="0"/>
-              <a:t>2024/3/8</a:t>
+              <a:t>2024/3/13</a:t>
             </a:fld>
             <a:endParaRPr lang="zh-CN" altLang="en-US"/>
           </a:p>
@@ -4030,7 +4062,7 @@
           <a:p>
             <a:fld id="{443201C6-C6B2-4F96-9DF6-297028943761}" type="datetimeFigureOut">
               <a:rPr lang="zh-CN" altLang="en-US" smtClean="0"/>
-              <a:t>2024/3/8</a:t>
+              <a:t>2024/3/13</a:t>
             </a:fld>
             <a:endParaRPr lang="zh-CN" altLang="en-US"/>
           </a:p>
@@ -4442,7 +4474,7 @@
           <a:p>
             <a:fld id="{443201C6-C6B2-4F96-9DF6-297028943761}" type="datetimeFigureOut">
               <a:rPr lang="zh-CN" altLang="en-US" smtClean="0"/>
-              <a:t>2024/3/8</a:t>
+              <a:t>2024/3/13</a:t>
             </a:fld>
             <a:endParaRPr lang="zh-CN" altLang="en-US"/>
           </a:p>
@@ -4583,7 +4615,7 @@
           <a:p>
             <a:fld id="{443201C6-C6B2-4F96-9DF6-297028943761}" type="datetimeFigureOut">
               <a:rPr lang="zh-CN" altLang="en-US" smtClean="0"/>
-              <a:t>2024/3/8</a:t>
+              <a:t>2024/3/13</a:t>
             </a:fld>
             <a:endParaRPr lang="zh-CN" altLang="en-US"/>
           </a:p>
@@ -4696,7 +4728,7 @@
           <a:p>
             <a:fld id="{443201C6-C6B2-4F96-9DF6-297028943761}" type="datetimeFigureOut">
               <a:rPr lang="zh-CN" altLang="en-US" smtClean="0"/>
-              <a:t>2024/3/8</a:t>
+              <a:t>2024/3/13</a:t>
             </a:fld>
             <a:endParaRPr lang="zh-CN" altLang="en-US"/>
           </a:p>
@@ -5007,7 +5039,7 @@
           <a:p>
             <a:fld id="{443201C6-C6B2-4F96-9DF6-297028943761}" type="datetimeFigureOut">
               <a:rPr lang="zh-CN" altLang="en-US" smtClean="0"/>
-              <a:t>2024/3/8</a:t>
+              <a:t>2024/3/13</a:t>
             </a:fld>
             <a:endParaRPr lang="zh-CN" altLang="en-US"/>
           </a:p>
@@ -5295,7 +5327,7 @@
           <a:p>
             <a:fld id="{443201C6-C6B2-4F96-9DF6-297028943761}" type="datetimeFigureOut">
               <a:rPr lang="zh-CN" altLang="en-US" smtClean="0"/>
-              <a:t>2024/3/8</a:t>
+              <a:t>2024/3/13</a:t>
             </a:fld>
             <a:endParaRPr lang="zh-CN" altLang="en-US"/>
           </a:p>
@@ -5536,7 +5568,7 @@
           <a:p>
             <a:fld id="{443201C6-C6B2-4F96-9DF6-297028943761}" type="datetimeFigureOut">
               <a:rPr lang="zh-CN" altLang="en-US" smtClean="0"/>
-              <a:t>2024/3/8</a:t>
+              <a:t>2024/3/13</a:t>
             </a:fld>
             <a:endParaRPr lang="zh-CN" altLang="en-US"/>
           </a:p>
@@ -8183,10 +8215,10 @@
       </p:grpSpPr>
       <p:grpSp>
         <p:nvGrpSpPr>
-          <p:cNvPr id="10" name="组合 9">
+          <p:cNvPr id="9" name="组合 8">
             <a:extLst>
               <a:ext uri="{FF2B5EF4-FFF2-40B4-BE49-F238E27FC236}">
-                <a16:creationId xmlns:a16="http://schemas.microsoft.com/office/drawing/2014/main" id="{A43F547D-68A6-C92B-DE7E-5CEEDDFDDE05}"/>
+                <a16:creationId xmlns:a16="http://schemas.microsoft.com/office/drawing/2014/main" id="{1E13113B-05B3-5544-3606-B05BFE5B4757}"/>
               </a:ext>
             </a:extLst>
           </p:cNvPr>
@@ -8196,9 +8228,9 @@
         <p:grpSpPr>
           <a:xfrm>
             <a:off x="1440775" y="1798638"/>
-            <a:ext cx="9699129" cy="2793842"/>
+            <a:ext cx="9699129" cy="2834102"/>
             <a:chOff x="1440775" y="1798638"/>
-            <a:chExt cx="9699129" cy="2793842"/>
+            <a:chExt cx="9699129" cy="2834102"/>
           </a:xfrm>
         </p:grpSpPr>
         <p:sp>
@@ -8380,10 +8412,10 @@
         </p:sp>
         <p:pic>
           <p:nvPicPr>
-            <p:cNvPr id="6" name="图片 5" descr="QR 代码&#10;&#10;描述已自动生成">
+            <p:cNvPr id="8" name="图片 7" descr="QR 代码&#10;&#10;描述已自动生成">
               <a:extLst>
                 <a:ext uri="{FF2B5EF4-FFF2-40B4-BE49-F238E27FC236}">
-                  <a16:creationId xmlns:a16="http://schemas.microsoft.com/office/drawing/2014/main" id="{F6307878-3997-1B88-BC10-ECE6FDEEE914}"/>
+                  <a16:creationId xmlns:a16="http://schemas.microsoft.com/office/drawing/2014/main" id="{28543EB1-5FA5-EE6A-AD06-925806C7E393}"/>
                 </a:ext>
               </a:extLst>
             </p:cNvPr>
@@ -8405,13 +8437,13 @@
                 </a:clrTo>
               </a:clrChange>
             </a:blip>
-            <a:srcRect l="14920" t="33365" r="16107" b="17746"/>
+            <a:srcRect l="16248" t="33750" r="16250" b="17361"/>
             <a:stretch/>
           </p:blipFill>
           <p:spPr>
             <a:xfrm>
-              <a:off x="2956794" y="2727547"/>
-              <a:ext cx="1883770" cy="1864933"/>
+              <a:off x="2956793" y="2727185"/>
+              <a:ext cx="1883771" cy="1905555"/>
             </a:xfrm>
             <a:prstGeom prst="rect">
               <a:avLst/>
@@ -8421,10 +8453,10 @@
       </p:grpSp>
       <p:pic>
         <p:nvPicPr>
-          <p:cNvPr id="2" name="图片 1">
+          <p:cNvPr id="11" name="图片 10">
             <a:extLst>
               <a:ext uri="{FF2B5EF4-FFF2-40B4-BE49-F238E27FC236}">
-                <a16:creationId xmlns:a16="http://schemas.microsoft.com/office/drawing/2014/main" id="{E197838B-8E41-0FDC-0640-6AC96FE74179}"/>
+                <a16:creationId xmlns:a16="http://schemas.microsoft.com/office/drawing/2014/main" id="{0352FA1B-B170-2C84-FEC3-725262DB4060}"/>
               </a:ext>
             </a:extLst>
           </p:cNvPr>
@@ -8441,7 +8473,7 @@
         </p:blipFill>
         <p:spPr>
           <a:xfrm>
-            <a:off x="1246211" y="4956429"/>
+            <a:off x="1506794" y="5116849"/>
             <a:ext cx="9699577" cy="2914141"/>
           </a:xfrm>
           <a:prstGeom prst="rect">

--- a/assets/figures.pptx
+++ b/assets/figures.pptx
@@ -5,7 +5,7 @@
     <p:sldMasterId id="2147483648" r:id="rId1"/>
   </p:sldMasterIdLst>
   <p:notesMasterIdLst>
-    <p:notesMasterId r:id="rId18"/>
+    <p:notesMasterId r:id="rId19"/>
   </p:notesMasterIdLst>
   <p:sldIdLst>
     <p:sldId id="260" r:id="rId2"/>
@@ -24,6 +24,7 @@
     <p:sldId id="269" r:id="rId15"/>
     <p:sldId id="270" r:id="rId16"/>
     <p:sldId id="271" r:id="rId17"/>
+    <p:sldId id="272" r:id="rId18"/>
   </p:sldIdLst>
   <p:sldSz cx="12192000" cy="6858000"/>
   <p:notesSz cx="6858000" cy="9144000"/>
@@ -133,7 +134,7 @@
 <file path=ppt/revisionInfo.xml><?xml version="1.0" encoding="utf-8"?>
 <p1510:revInfo xmlns:a="http://schemas.openxmlformats.org/drawingml/2006/main" xmlns:r="http://schemas.openxmlformats.org/officeDocument/2006/relationships" xmlns:p1510="http://schemas.microsoft.com/office/powerpoint/2015/10/main">
   <p1510:revLst>
-    <p1510:client id="{1DC4A7AB-8307-463F-B68B-CDC3B517A939}" v="100" dt="2024-03-13T05:02:28.738"/>
+    <p1510:client id="{1DC4A7AB-8307-463F-B68B-CDC3B517A939}" v="112" dt="2024-03-15T04:33:31.286"/>
   </p1510:revLst>
 </p1510:revInfo>
 </file>
@@ -175,7 +176,7 @@
   <pc:docChgLst>
     <pc:chgData name="ZHANG Xiangyu" userId="0af619d5-14b7-43d3-95bc-94ad39c803d6" providerId="ADAL" clId="{1DC4A7AB-8307-463F-B68B-CDC3B517A939}"/>
     <pc:docChg chg="undo redo custSel addSld modSld">
-      <pc:chgData name="ZHANG Xiangyu" userId="0af619d5-14b7-43d3-95bc-94ad39c803d6" providerId="ADAL" clId="{1DC4A7AB-8307-463F-B68B-CDC3B517A939}" dt="2024-03-13T05:02:33.759" v="447" actId="1076"/>
+      <pc:chgData name="ZHANG Xiangyu" userId="0af619d5-14b7-43d3-95bc-94ad39c803d6" providerId="ADAL" clId="{1DC4A7AB-8307-463F-B68B-CDC3B517A939}" dt="2024-03-15T04:33:31.286" v="470" actId="5736"/>
       <pc:docMkLst>
         <pc:docMk/>
       </pc:docMkLst>
@@ -875,6 +876,77 @@
             <ac:picMk id="1026" creationId="{14B88B1B-0BD7-D2AF-EF8F-1EC9C16FC005}"/>
           </ac:picMkLst>
         </pc:picChg>
+      </pc:sldChg>
+      <pc:sldChg chg="addSp delSp modSp new mod">
+        <pc:chgData name="ZHANG Xiangyu" userId="0af619d5-14b7-43d3-95bc-94ad39c803d6" providerId="ADAL" clId="{1DC4A7AB-8307-463F-B68B-CDC3B517A939}" dt="2024-03-15T04:33:31.286" v="470" actId="5736"/>
+        <pc:sldMkLst>
+          <pc:docMk/>
+          <pc:sldMk cId="2545574032" sldId="272"/>
+        </pc:sldMkLst>
+        <pc:spChg chg="del">
+          <ac:chgData name="ZHANG Xiangyu" userId="0af619d5-14b7-43d3-95bc-94ad39c803d6" providerId="ADAL" clId="{1DC4A7AB-8307-463F-B68B-CDC3B517A939}" dt="2024-03-15T04:31:20.116" v="449" actId="478"/>
+          <ac:spMkLst>
+            <pc:docMk/>
+            <pc:sldMk cId="2545574032" sldId="272"/>
+            <ac:spMk id="2" creationId="{69C192FB-9135-C16A-739C-60302DB7569C}"/>
+          </ac:spMkLst>
+        </pc:spChg>
+        <pc:spChg chg="del">
+          <ac:chgData name="ZHANG Xiangyu" userId="0af619d5-14b7-43d3-95bc-94ad39c803d6" providerId="ADAL" clId="{1DC4A7AB-8307-463F-B68B-CDC3B517A939}" dt="2024-03-15T04:31:20.116" v="449" actId="478"/>
+          <ac:spMkLst>
+            <pc:docMk/>
+            <pc:sldMk cId="2545574032" sldId="272"/>
+            <ac:spMk id="3" creationId="{65BBCD5C-1580-7CEC-4C84-6AB13FC09149}"/>
+          </ac:spMkLst>
+        </pc:spChg>
+        <pc:graphicFrameChg chg="add del mod">
+          <ac:chgData name="ZHANG Xiangyu" userId="0af619d5-14b7-43d3-95bc-94ad39c803d6" providerId="ADAL" clId="{1DC4A7AB-8307-463F-B68B-CDC3B517A939}" dt="2024-03-15T04:31:28.265" v="452"/>
+          <ac:graphicFrameMkLst>
+            <pc:docMk/>
+            <pc:sldMk cId="2545574032" sldId="272"/>
+            <ac:graphicFrameMk id="4" creationId="{00E13720-A4D1-7A95-BDA4-78081D680E73}"/>
+          </ac:graphicFrameMkLst>
+        </pc:graphicFrameChg>
+        <pc:graphicFrameChg chg="add mod">
+          <ac:chgData name="ZHANG Xiangyu" userId="0af619d5-14b7-43d3-95bc-94ad39c803d6" providerId="ADAL" clId="{1DC4A7AB-8307-463F-B68B-CDC3B517A939}" dt="2024-03-15T04:33:17.457" v="469" actId="5736"/>
+          <ac:graphicFrameMkLst>
+            <pc:docMk/>
+            <pc:sldMk cId="2545574032" sldId="272"/>
+            <ac:graphicFrameMk id="5" creationId="{2330448E-74FD-34FC-8DFD-3133A7E8DE84}"/>
+          </ac:graphicFrameMkLst>
+        </pc:graphicFrameChg>
+        <pc:graphicFrameChg chg="add del mod">
+          <ac:chgData name="ZHANG Xiangyu" userId="0af619d5-14b7-43d3-95bc-94ad39c803d6" providerId="ADAL" clId="{1DC4A7AB-8307-463F-B68B-CDC3B517A939}" dt="2024-03-15T04:31:54.112" v="460"/>
+          <ac:graphicFrameMkLst>
+            <pc:docMk/>
+            <pc:sldMk cId="2545574032" sldId="272"/>
+            <ac:graphicFrameMk id="6" creationId="{1BF6A8DD-33B8-8C2E-9138-EFB99E6CC645}"/>
+          </ac:graphicFrameMkLst>
+        </pc:graphicFrameChg>
+        <pc:graphicFrameChg chg="add mod">
+          <ac:chgData name="ZHANG Xiangyu" userId="0af619d5-14b7-43d3-95bc-94ad39c803d6" providerId="ADAL" clId="{1DC4A7AB-8307-463F-B68B-CDC3B517A939}" dt="2024-03-15T04:31:49.956" v="458"/>
+          <ac:graphicFrameMkLst>
+            <pc:docMk/>
+            <pc:sldMk cId="2545574032" sldId="272"/>
+            <ac:graphicFrameMk id="7" creationId="{B6466735-9590-BF8F-C4F4-B7783E3DD518}"/>
+          </ac:graphicFrameMkLst>
+        </pc:graphicFrameChg>
+        <pc:graphicFrameChg chg="add del mod">
+          <ac:chgData name="ZHANG Xiangyu" userId="0af619d5-14b7-43d3-95bc-94ad39c803d6" providerId="ADAL" clId="{1DC4A7AB-8307-463F-B68B-CDC3B517A939}" dt="2024-03-15T04:32:18.322" v="463"/>
+          <ac:graphicFrameMkLst>
+            <pc:docMk/>
+            <pc:sldMk cId="2545574032" sldId="272"/>
+            <ac:graphicFrameMk id="8" creationId="{3B771B73-45CE-8818-2F3F-FA0D621AD80F}"/>
+          </ac:graphicFrameMkLst>
+        </pc:graphicFrameChg>
+        <pc:graphicFrameChg chg="add mod modGraphic">
+          <ac:chgData name="ZHANG Xiangyu" userId="0af619d5-14b7-43d3-95bc-94ad39c803d6" providerId="ADAL" clId="{1DC4A7AB-8307-463F-B68B-CDC3B517A939}" dt="2024-03-15T04:33:31.286" v="470" actId="5736"/>
+          <ac:graphicFrameMkLst>
+            <pc:docMk/>
+            <pc:sldMk cId="2545574032" sldId="272"/>
+            <ac:graphicFrameMk id="9" creationId="{0C4398F0-07C7-379F-9E46-576A774FC7E6}"/>
+          </ac:graphicFrameMkLst>
+        </pc:graphicFrameChg>
       </pc:sldChg>
     </pc:docChg>
   </pc:docChgLst>
@@ -2336,7 +2408,7 @@
           <a:p>
             <a:fld id="{B6A0FF1A-FA3A-44F4-8102-A8B090DA15CE}" type="datetimeFigureOut">
               <a:rPr lang="zh-CN" altLang="en-US" smtClean="0"/>
-              <a:t>2024/3/13</a:t>
+              <a:t>2024/3/15</a:t>
             </a:fld>
             <a:endParaRPr lang="zh-CN" altLang="en-US"/>
           </a:p>
@@ -2918,7 +2990,7 @@
           <a:p>
             <a:fld id="{443201C6-C6B2-4F96-9DF6-297028943761}" type="datetimeFigureOut">
               <a:rPr lang="zh-CN" altLang="en-US" smtClean="0"/>
-              <a:t>2024/3/13</a:t>
+              <a:t>2024/3/15</a:t>
             </a:fld>
             <a:endParaRPr lang="zh-CN" altLang="en-US"/>
           </a:p>
@@ -3116,7 +3188,7 @@
           <a:p>
             <a:fld id="{443201C6-C6B2-4F96-9DF6-297028943761}" type="datetimeFigureOut">
               <a:rPr lang="zh-CN" altLang="en-US" smtClean="0"/>
-              <a:t>2024/3/13</a:t>
+              <a:t>2024/3/15</a:t>
             </a:fld>
             <a:endParaRPr lang="zh-CN" altLang="en-US"/>
           </a:p>
@@ -3324,7 +3396,7 @@
           <a:p>
             <a:fld id="{443201C6-C6B2-4F96-9DF6-297028943761}" type="datetimeFigureOut">
               <a:rPr lang="zh-CN" altLang="en-US" smtClean="0"/>
-              <a:t>2024/3/13</a:t>
+              <a:t>2024/3/15</a:t>
             </a:fld>
             <a:endParaRPr lang="zh-CN" altLang="en-US"/>
           </a:p>
@@ -3522,7 +3594,7 @@
           <a:p>
             <a:fld id="{443201C6-C6B2-4F96-9DF6-297028943761}" type="datetimeFigureOut">
               <a:rPr lang="zh-CN" altLang="en-US" smtClean="0"/>
-              <a:t>2024/3/13</a:t>
+              <a:t>2024/3/15</a:t>
             </a:fld>
             <a:endParaRPr lang="zh-CN" altLang="en-US"/>
           </a:p>
@@ -3797,7 +3869,7 @@
           <a:p>
             <a:fld id="{443201C6-C6B2-4F96-9DF6-297028943761}" type="datetimeFigureOut">
               <a:rPr lang="zh-CN" altLang="en-US" smtClean="0"/>
-              <a:t>2024/3/13</a:t>
+              <a:t>2024/3/15</a:t>
             </a:fld>
             <a:endParaRPr lang="zh-CN" altLang="en-US"/>
           </a:p>
@@ -4062,7 +4134,7 @@
           <a:p>
             <a:fld id="{443201C6-C6B2-4F96-9DF6-297028943761}" type="datetimeFigureOut">
               <a:rPr lang="zh-CN" altLang="en-US" smtClean="0"/>
-              <a:t>2024/3/13</a:t>
+              <a:t>2024/3/15</a:t>
             </a:fld>
             <a:endParaRPr lang="zh-CN" altLang="en-US"/>
           </a:p>
@@ -4474,7 +4546,7 @@
           <a:p>
             <a:fld id="{443201C6-C6B2-4F96-9DF6-297028943761}" type="datetimeFigureOut">
               <a:rPr lang="zh-CN" altLang="en-US" smtClean="0"/>
-              <a:t>2024/3/13</a:t>
+              <a:t>2024/3/15</a:t>
             </a:fld>
             <a:endParaRPr lang="zh-CN" altLang="en-US"/>
           </a:p>
@@ -4615,7 +4687,7 @@
           <a:p>
             <a:fld id="{443201C6-C6B2-4F96-9DF6-297028943761}" type="datetimeFigureOut">
               <a:rPr lang="zh-CN" altLang="en-US" smtClean="0"/>
-              <a:t>2024/3/13</a:t>
+              <a:t>2024/3/15</a:t>
             </a:fld>
             <a:endParaRPr lang="zh-CN" altLang="en-US"/>
           </a:p>
@@ -4728,7 +4800,7 @@
           <a:p>
             <a:fld id="{443201C6-C6B2-4F96-9DF6-297028943761}" type="datetimeFigureOut">
               <a:rPr lang="zh-CN" altLang="en-US" smtClean="0"/>
-              <a:t>2024/3/13</a:t>
+              <a:t>2024/3/15</a:t>
             </a:fld>
             <a:endParaRPr lang="zh-CN" altLang="en-US"/>
           </a:p>
@@ -5039,7 +5111,7 @@
           <a:p>
             <a:fld id="{443201C6-C6B2-4F96-9DF6-297028943761}" type="datetimeFigureOut">
               <a:rPr lang="zh-CN" altLang="en-US" smtClean="0"/>
-              <a:t>2024/3/13</a:t>
+              <a:t>2024/3/15</a:t>
             </a:fld>
             <a:endParaRPr lang="zh-CN" altLang="en-US"/>
           </a:p>
@@ -5327,7 +5399,7 @@
           <a:p>
             <a:fld id="{443201C6-C6B2-4F96-9DF6-297028943761}" type="datetimeFigureOut">
               <a:rPr lang="zh-CN" altLang="en-US" smtClean="0"/>
-              <a:t>2024/3/13</a:t>
+              <a:t>2024/3/15</a:t>
             </a:fld>
             <a:endParaRPr lang="zh-CN" altLang="en-US"/>
           </a:p>
@@ -5568,7 +5640,7 @@
           <a:p>
             <a:fld id="{443201C6-C6B2-4F96-9DF6-297028943761}" type="datetimeFigureOut">
               <a:rPr lang="zh-CN" altLang="en-US" smtClean="0"/>
-              <a:t>2024/3/13</a:t>
+              <a:t>2024/3/15</a:t>
             </a:fld>
             <a:endParaRPr lang="zh-CN" altLang="en-US"/>
           </a:p>
@@ -8494,6 +8566,1593 @@
 </p:sld>
 </file>
 
+<file path=ppt/slides/slide17.xml><?xml version="1.0" encoding="utf-8"?>
+<p:sld xmlns:a="http://schemas.openxmlformats.org/drawingml/2006/main" xmlns:r="http://schemas.openxmlformats.org/officeDocument/2006/relationships" xmlns:p="http://schemas.openxmlformats.org/presentationml/2006/main">
+  <p:cSld>
+    <p:spTree>
+      <p:nvGrpSpPr>
+        <p:cNvPr id="1" name=""/>
+        <p:cNvGrpSpPr/>
+        <p:nvPr/>
+      </p:nvGrpSpPr>
+      <p:grpSpPr>
+        <a:xfrm>
+          <a:off x="0" y="0"/>
+          <a:ext cx="0" cy="0"/>
+          <a:chOff x="0" y="0"/>
+          <a:chExt cx="0" cy="0"/>
+        </a:xfrm>
+      </p:grpSpPr>
+      <p:graphicFrame>
+        <p:nvGraphicFramePr>
+          <p:cNvPr id="5" name="表格 4">
+            <a:extLst>
+              <a:ext uri="{FF2B5EF4-FFF2-40B4-BE49-F238E27FC236}">
+                <a16:creationId xmlns:a16="http://schemas.microsoft.com/office/drawing/2014/main" id="{2330448E-74FD-34FC-8DFD-3133A7E8DE84}"/>
+              </a:ext>
+            </a:extLst>
+          </p:cNvPr>
+          <p:cNvGraphicFramePr>
+            <a:graphicFrameLocks noGrp="1"/>
+          </p:cNvGraphicFramePr>
+          <p:nvPr>
+            <p:extLst>
+              <p:ext uri="{D42A27DB-BD31-4B8C-83A1-F6EECF244321}">
+                <p14:modId xmlns:p14="http://schemas.microsoft.com/office/powerpoint/2010/main" val="1015168201"/>
+              </p:ext>
+            </p:extLst>
+          </p:nvPr>
+        </p:nvGraphicFramePr>
+        <p:xfrm>
+          <a:off x="4042818" y="248283"/>
+          <a:ext cx="3237684" cy="4351342"/>
+        </p:xfrm>
+        <a:graphic>
+          <a:graphicData uri="http://schemas.openxmlformats.org/drawingml/2006/table">
+            <a:tbl>
+              <a:tblPr firstRow="1" firstCol="1" bandRow="1">
+                <a:tableStyleId>{5C22544A-7EE6-4342-B048-85BDC9FD1C3A}</a:tableStyleId>
+              </a:tblPr>
+              <a:tblGrid>
+                <a:gridCol w="652278">
+                  <a:extLst>
+                    <a:ext uri="{9D8B030D-6E8A-4147-A177-3AD203B41FA5}">
+                      <a16:colId xmlns:a16="http://schemas.microsoft.com/office/drawing/2014/main" val="712799989"/>
+                    </a:ext>
+                  </a:extLst>
+                </a:gridCol>
+                <a:gridCol w="782370">
+                  <a:extLst>
+                    <a:ext uri="{9D8B030D-6E8A-4147-A177-3AD203B41FA5}">
+                      <a16:colId xmlns:a16="http://schemas.microsoft.com/office/drawing/2014/main" val="3970970218"/>
+                    </a:ext>
+                  </a:extLst>
+                </a:gridCol>
+                <a:gridCol w="901518">
+                  <a:extLst>
+                    <a:ext uri="{9D8B030D-6E8A-4147-A177-3AD203B41FA5}">
+                      <a16:colId xmlns:a16="http://schemas.microsoft.com/office/drawing/2014/main" val="3214468426"/>
+                    </a:ext>
+                  </a:extLst>
+                </a:gridCol>
+                <a:gridCol w="901518">
+                  <a:extLst>
+                    <a:ext uri="{9D8B030D-6E8A-4147-A177-3AD203B41FA5}">
+                      <a16:colId xmlns:a16="http://schemas.microsoft.com/office/drawing/2014/main" val="3028616526"/>
+                    </a:ext>
+                  </a:extLst>
+                </a:gridCol>
+              </a:tblGrid>
+              <a:tr h="391070">
+                <a:tc>
+                  <a:txBody>
+                    <a:bodyPr/>
+                    <a:lstStyle/>
+                    <a:p>
+                      <a:pPr algn="ctr"/>
+                      <a:r>
+                        <a:rPr lang="en-US" sz="700" kern="100">
+                          <a:effectLst/>
+                        </a:rPr>
+                        <a:t>Date</a:t>
+                      </a:r>
+                      <a:endParaRPr lang="zh-CN" sz="600" kern="100">
+                        <a:effectLst/>
+                        <a:latin typeface="等线" panose="02010600030101010101" pitchFamily="2" charset="-122"/>
+                        <a:ea typeface="等线" panose="02010600030101010101" pitchFamily="2" charset="-122"/>
+                        <a:cs typeface="Times New Roman" panose="02020603050405020304" pitchFamily="18" charset="0"/>
+                      </a:endParaRPr>
+                    </a:p>
+                  </a:txBody>
+                  <a:tcPr marL="5164" marR="5164" marT="5164" marB="0" anchor="ctr"/>
+                </a:tc>
+                <a:tc>
+                  <a:txBody>
+                    <a:bodyPr/>
+                    <a:lstStyle/>
+                    <a:p>
+                      <a:pPr algn="ctr"/>
+                      <a:r>
+                        <a:rPr lang="en-US" sz="700" kern="100">
+                          <a:effectLst/>
+                        </a:rPr>
+                        <a:t>Time</a:t>
+                      </a:r>
+                      <a:endParaRPr lang="zh-CN" sz="600" kern="100">
+                        <a:effectLst/>
+                        <a:latin typeface="等线" panose="02010600030101010101" pitchFamily="2" charset="-122"/>
+                        <a:ea typeface="等线" panose="02010600030101010101" pitchFamily="2" charset="-122"/>
+                        <a:cs typeface="Times New Roman" panose="02020603050405020304" pitchFamily="18" charset="0"/>
+                      </a:endParaRPr>
+                    </a:p>
+                  </a:txBody>
+                  <a:tcPr marL="5164" marR="5164" marT="5164" marB="0" anchor="ctr"/>
+                </a:tc>
+                <a:tc>
+                  <a:txBody>
+                    <a:bodyPr/>
+                    <a:lstStyle/>
+                    <a:p>
+                      <a:pPr algn="ctr"/>
+                      <a:r>
+                        <a:rPr lang="en-US" sz="700" kern="100">
+                          <a:effectLst/>
+                        </a:rPr>
+                        <a:t>Purpose/Function</a:t>
+                      </a:r>
+                      <a:endParaRPr lang="zh-CN" sz="600" kern="100">
+                        <a:effectLst/>
+                        <a:latin typeface="等线" panose="02010600030101010101" pitchFamily="2" charset="-122"/>
+                        <a:ea typeface="等线" panose="02010600030101010101" pitchFamily="2" charset="-122"/>
+                        <a:cs typeface="Times New Roman" panose="02020603050405020304" pitchFamily="18" charset="0"/>
+                      </a:endParaRPr>
+                    </a:p>
+                  </a:txBody>
+                  <a:tcPr marL="5164" marR="5164" marT="5164" marB="0" anchor="ctr"/>
+                </a:tc>
+                <a:tc>
+                  <a:txBody>
+                    <a:bodyPr/>
+                    <a:lstStyle/>
+                    <a:p>
+                      <a:pPr algn="ctr"/>
+                      <a:r>
+                        <a:rPr lang="en-US" sz="700" kern="100">
+                          <a:effectLst/>
+                        </a:rPr>
+                        <a:t>Location</a:t>
+                      </a:r>
+                      <a:endParaRPr lang="zh-CN" sz="600" kern="100">
+                        <a:effectLst/>
+                        <a:latin typeface="等线" panose="02010600030101010101" pitchFamily="2" charset="-122"/>
+                        <a:ea typeface="等线" panose="02010600030101010101" pitchFamily="2" charset="-122"/>
+                        <a:cs typeface="Times New Roman" panose="02020603050405020304" pitchFamily="18" charset="0"/>
+                      </a:endParaRPr>
+                    </a:p>
+                  </a:txBody>
+                  <a:tcPr marL="5164" marR="5164" marT="5164" marB="0" anchor="ctr"/>
+                </a:tc>
+                <a:extLst>
+                  <a:ext uri="{0D108BD9-81ED-4DB2-BD59-A6C34878D82A}">
+                    <a16:rowId xmlns:a16="http://schemas.microsoft.com/office/drawing/2014/main" val="18917906"/>
+                  </a:ext>
+                </a:extLst>
+              </a:tr>
+              <a:tr h="495034">
+                <a:tc>
+                  <a:txBody>
+                    <a:bodyPr/>
+                    <a:lstStyle/>
+                    <a:p>
+                      <a:pPr algn="ctr"/>
+                      <a:r>
+                        <a:rPr lang="en-US" sz="700" kern="100">
+                          <a:effectLst/>
+                        </a:rPr>
+                        <a:t>07 July 2024</a:t>
+                      </a:r>
+                      <a:endParaRPr lang="zh-CN" sz="600" kern="100">
+                        <a:effectLst/>
+                        <a:latin typeface="等线" panose="02010600030101010101" pitchFamily="2" charset="-122"/>
+                        <a:ea typeface="等线" panose="02010600030101010101" pitchFamily="2" charset="-122"/>
+                        <a:cs typeface="Times New Roman" panose="02020603050405020304" pitchFamily="18" charset="0"/>
+                      </a:endParaRPr>
+                    </a:p>
+                  </a:txBody>
+                  <a:tcPr marL="5164" marR="5164" marT="5164" marB="0" anchor="ctr"/>
+                </a:tc>
+                <a:tc>
+                  <a:txBody>
+                    <a:bodyPr/>
+                    <a:lstStyle/>
+                    <a:p>
+                      <a:pPr algn="ctr"/>
+                      <a:r>
+                        <a:rPr lang="en-US" sz="700" kern="100" dirty="0">
+                          <a:effectLst/>
+                        </a:rPr>
+                        <a:t>14:00-20:00</a:t>
+                      </a:r>
+                      <a:endParaRPr lang="zh-CN" sz="600" kern="100" dirty="0">
+                        <a:effectLst/>
+                        <a:latin typeface="等线" panose="02010600030101010101" pitchFamily="2" charset="-122"/>
+                        <a:ea typeface="等线" panose="02010600030101010101" pitchFamily="2" charset="-122"/>
+                        <a:cs typeface="Times New Roman" panose="02020603050405020304" pitchFamily="18" charset="0"/>
+                      </a:endParaRPr>
+                    </a:p>
+                  </a:txBody>
+                  <a:tcPr marL="5164" marR="5164" marT="5164" marB="0" anchor="ctr"/>
+                </a:tc>
+                <a:tc>
+                  <a:txBody>
+                    <a:bodyPr/>
+                    <a:lstStyle/>
+                    <a:p>
+                      <a:pPr algn="ctr"/>
+                      <a:r>
+                        <a:rPr lang="en-US" sz="700" kern="100" dirty="0">
+                          <a:effectLst/>
+                        </a:rPr>
+                        <a:t>Onsite Registration</a:t>
+                      </a:r>
+                      <a:endParaRPr lang="zh-CN" sz="600" kern="100" dirty="0">
+                        <a:effectLst/>
+                        <a:latin typeface="等线" panose="02010600030101010101" pitchFamily="2" charset="-122"/>
+                        <a:ea typeface="等线" panose="02010600030101010101" pitchFamily="2" charset="-122"/>
+                        <a:cs typeface="Times New Roman" panose="02020603050405020304" pitchFamily="18" charset="0"/>
+                      </a:endParaRPr>
+                    </a:p>
+                  </a:txBody>
+                  <a:tcPr marL="5164" marR="5164" marT="5164" marB="0" anchor="ctr"/>
+                </a:tc>
+                <a:tc>
+                  <a:txBody>
+                    <a:bodyPr/>
+                    <a:lstStyle/>
+                    <a:p>
+                      <a:pPr algn="ctr"/>
+                      <a:r>
+                        <a:rPr lang="en-US" sz="700" kern="100" dirty="0">
+                          <a:effectLst/>
+                        </a:rPr>
+                        <a:t>DoubleTree by Hilton Kuala Lumpur</a:t>
+                      </a:r>
+                      <a:endParaRPr lang="zh-CN" sz="600" kern="100" dirty="0">
+                        <a:effectLst/>
+                        <a:latin typeface="等线" panose="02010600030101010101" pitchFamily="2" charset="-122"/>
+                        <a:ea typeface="等线" panose="02010600030101010101" pitchFamily="2" charset="-122"/>
+                        <a:cs typeface="Times New Roman" panose="02020603050405020304" pitchFamily="18" charset="0"/>
+                      </a:endParaRPr>
+                    </a:p>
+                  </a:txBody>
+                  <a:tcPr marL="5164" marR="5164" marT="5164" marB="0" anchor="ctr"/>
+                </a:tc>
+                <a:extLst>
+                  <a:ext uri="{0D108BD9-81ED-4DB2-BD59-A6C34878D82A}">
+                    <a16:rowId xmlns:a16="http://schemas.microsoft.com/office/drawing/2014/main" val="2682104232"/>
+                  </a:ext>
+                </a:extLst>
+              </a:tr>
+              <a:tr h="495034">
+                <a:tc rowSpan="4">
+                  <a:txBody>
+                    <a:bodyPr/>
+                    <a:lstStyle/>
+                    <a:p>
+                      <a:pPr algn="ctr"/>
+                      <a:r>
+                        <a:rPr lang="en-US" sz="700" kern="100">
+                          <a:effectLst/>
+                        </a:rPr>
+                        <a:t>08 July 2024</a:t>
+                      </a:r>
+                      <a:endParaRPr lang="zh-CN" sz="600" kern="100">
+                        <a:effectLst/>
+                        <a:latin typeface="等线" panose="02010600030101010101" pitchFamily="2" charset="-122"/>
+                        <a:ea typeface="等线" panose="02010600030101010101" pitchFamily="2" charset="-122"/>
+                        <a:cs typeface="Times New Roman" panose="02020603050405020304" pitchFamily="18" charset="0"/>
+                      </a:endParaRPr>
+                    </a:p>
+                  </a:txBody>
+                  <a:tcPr marL="5164" marR="5164" marT="5164" marB="0" anchor="ctr"/>
+                </a:tc>
+                <a:tc>
+                  <a:txBody>
+                    <a:bodyPr/>
+                    <a:lstStyle/>
+                    <a:p>
+                      <a:pPr algn="ctr"/>
+                      <a:r>
+                        <a:rPr lang="en-US" sz="700" kern="100">
+                          <a:effectLst/>
+                        </a:rPr>
+                        <a:t>08:00-12:00</a:t>
+                      </a:r>
+                      <a:endParaRPr lang="zh-CN" sz="600" kern="100">
+                        <a:effectLst/>
+                        <a:latin typeface="等线" panose="02010600030101010101" pitchFamily="2" charset="-122"/>
+                        <a:ea typeface="等线" panose="02010600030101010101" pitchFamily="2" charset="-122"/>
+                        <a:cs typeface="Times New Roman" panose="02020603050405020304" pitchFamily="18" charset="0"/>
+                      </a:endParaRPr>
+                    </a:p>
+                  </a:txBody>
+                  <a:tcPr marL="5164" marR="5164" marT="5164" marB="0" anchor="ctr"/>
+                </a:tc>
+                <a:tc>
+                  <a:txBody>
+                    <a:bodyPr/>
+                    <a:lstStyle/>
+                    <a:p>
+                      <a:pPr algn="ctr"/>
+                      <a:r>
+                        <a:rPr lang="en-US" sz="700" kern="100">
+                          <a:effectLst/>
+                        </a:rPr>
+                        <a:t>Opening Ceremony,</a:t>
+                      </a:r>
+                      <a:br>
+                        <a:rPr lang="en-US" sz="700" kern="100">
+                          <a:effectLst/>
+                        </a:rPr>
+                      </a:br>
+                      <a:r>
+                        <a:rPr lang="en-US" sz="700" kern="100">
+                          <a:effectLst/>
+                        </a:rPr>
+                        <a:t>Group Photo,</a:t>
+                      </a:r>
+                      <a:br>
+                        <a:rPr lang="en-US" sz="700" kern="100">
+                          <a:effectLst/>
+                        </a:rPr>
+                      </a:br>
+                      <a:r>
+                        <a:rPr lang="en-US" sz="700" kern="100">
+                          <a:effectLst/>
+                        </a:rPr>
+                        <a:t>Plenary Lectures</a:t>
+                      </a:r>
+                      <a:endParaRPr lang="zh-CN" sz="600" kern="100">
+                        <a:effectLst/>
+                        <a:latin typeface="等线" panose="02010600030101010101" pitchFamily="2" charset="-122"/>
+                        <a:ea typeface="等线" panose="02010600030101010101" pitchFamily="2" charset="-122"/>
+                        <a:cs typeface="Times New Roman" panose="02020603050405020304" pitchFamily="18" charset="0"/>
+                      </a:endParaRPr>
+                    </a:p>
+                  </a:txBody>
+                  <a:tcPr marL="5164" marR="5164" marT="5164" marB="0" anchor="ctr"/>
+                </a:tc>
+                <a:tc>
+                  <a:txBody>
+                    <a:bodyPr/>
+                    <a:lstStyle/>
+                    <a:p>
+                      <a:pPr algn="ctr"/>
+                      <a:r>
+                        <a:rPr lang="en-US" sz="700" kern="100">
+                          <a:effectLst/>
+                        </a:rPr>
+                        <a:t>DoubleTree by Hilton Kuala Lumpur</a:t>
+                      </a:r>
+                      <a:endParaRPr lang="zh-CN" sz="600" kern="100">
+                        <a:effectLst/>
+                        <a:latin typeface="等线" panose="02010600030101010101" pitchFamily="2" charset="-122"/>
+                        <a:ea typeface="等线" panose="02010600030101010101" pitchFamily="2" charset="-122"/>
+                        <a:cs typeface="Times New Roman" panose="02020603050405020304" pitchFamily="18" charset="0"/>
+                      </a:endParaRPr>
+                    </a:p>
+                  </a:txBody>
+                  <a:tcPr marL="5164" marR="5164" marT="5164" marB="0" anchor="ctr"/>
+                </a:tc>
+                <a:extLst>
+                  <a:ext uri="{0D108BD9-81ED-4DB2-BD59-A6C34878D82A}">
+                    <a16:rowId xmlns:a16="http://schemas.microsoft.com/office/drawing/2014/main" val="3941311680"/>
+                  </a:ext>
+                </a:extLst>
+              </a:tr>
+              <a:tr h="495034">
+                <a:tc vMerge="1">
+                  <a:txBody>
+                    <a:bodyPr/>
+                    <a:lstStyle/>
+                    <a:p>
+                      <a:endParaRPr lang="zh-CN" altLang="en-US"/>
+                    </a:p>
+                  </a:txBody>
+                  <a:tcPr/>
+                </a:tc>
+                <a:tc>
+                  <a:txBody>
+                    <a:bodyPr/>
+                    <a:lstStyle/>
+                    <a:p>
+                      <a:pPr algn="ctr"/>
+                      <a:r>
+                        <a:rPr lang="en-US" sz="700" kern="100">
+                          <a:effectLst/>
+                        </a:rPr>
+                        <a:t>12:00-13:30</a:t>
+                      </a:r>
+                      <a:endParaRPr lang="zh-CN" sz="600" kern="100">
+                        <a:effectLst/>
+                        <a:latin typeface="等线" panose="02010600030101010101" pitchFamily="2" charset="-122"/>
+                        <a:ea typeface="等线" panose="02010600030101010101" pitchFamily="2" charset="-122"/>
+                        <a:cs typeface="Times New Roman" panose="02020603050405020304" pitchFamily="18" charset="0"/>
+                      </a:endParaRPr>
+                    </a:p>
+                  </a:txBody>
+                  <a:tcPr marL="5164" marR="5164" marT="5164" marB="0" anchor="ctr"/>
+                </a:tc>
+                <a:tc>
+                  <a:txBody>
+                    <a:bodyPr/>
+                    <a:lstStyle/>
+                    <a:p>
+                      <a:pPr algn="ctr"/>
+                      <a:r>
+                        <a:rPr lang="en-US" sz="700" kern="100">
+                          <a:effectLst/>
+                        </a:rPr>
+                        <a:t>Lunch</a:t>
+                      </a:r>
+                      <a:endParaRPr lang="zh-CN" sz="600" kern="100">
+                        <a:effectLst/>
+                        <a:latin typeface="等线" panose="02010600030101010101" pitchFamily="2" charset="-122"/>
+                        <a:ea typeface="等线" panose="02010600030101010101" pitchFamily="2" charset="-122"/>
+                        <a:cs typeface="Times New Roman" panose="02020603050405020304" pitchFamily="18" charset="0"/>
+                      </a:endParaRPr>
+                    </a:p>
+                  </a:txBody>
+                  <a:tcPr marL="5164" marR="5164" marT="5164" marB="0" anchor="ctr"/>
+                </a:tc>
+                <a:tc>
+                  <a:txBody>
+                    <a:bodyPr/>
+                    <a:lstStyle/>
+                    <a:p>
+                      <a:pPr algn="ctr"/>
+                      <a:r>
+                        <a:rPr lang="en-US" sz="700" kern="100">
+                          <a:effectLst/>
+                        </a:rPr>
+                        <a:t>DoubleTree by Hilton Kuala Lumpur</a:t>
+                      </a:r>
+                      <a:endParaRPr lang="zh-CN" sz="600" kern="100">
+                        <a:effectLst/>
+                        <a:latin typeface="等线" panose="02010600030101010101" pitchFamily="2" charset="-122"/>
+                        <a:ea typeface="等线" panose="02010600030101010101" pitchFamily="2" charset="-122"/>
+                        <a:cs typeface="Times New Roman" panose="02020603050405020304" pitchFamily="18" charset="0"/>
+                      </a:endParaRPr>
+                    </a:p>
+                  </a:txBody>
+                  <a:tcPr marL="5164" marR="5164" marT="5164" marB="0" anchor="ctr"/>
+                </a:tc>
+                <a:extLst>
+                  <a:ext uri="{0D108BD9-81ED-4DB2-BD59-A6C34878D82A}">
+                    <a16:rowId xmlns:a16="http://schemas.microsoft.com/office/drawing/2014/main" val="1715756782"/>
+                  </a:ext>
+                </a:extLst>
+              </a:tr>
+              <a:tr h="495034">
+                <a:tc vMerge="1">
+                  <a:txBody>
+                    <a:bodyPr/>
+                    <a:lstStyle/>
+                    <a:p>
+                      <a:endParaRPr lang="zh-CN" altLang="en-US"/>
+                    </a:p>
+                  </a:txBody>
+                  <a:tcPr/>
+                </a:tc>
+                <a:tc>
+                  <a:txBody>
+                    <a:bodyPr/>
+                    <a:lstStyle/>
+                    <a:p>
+                      <a:pPr algn="ctr"/>
+                      <a:r>
+                        <a:rPr lang="en-US" sz="700" kern="100">
+                          <a:effectLst/>
+                        </a:rPr>
+                        <a:t>14:00-18:00</a:t>
+                      </a:r>
+                      <a:endParaRPr lang="zh-CN" sz="600" kern="100">
+                        <a:effectLst/>
+                        <a:latin typeface="等线" panose="02010600030101010101" pitchFamily="2" charset="-122"/>
+                        <a:ea typeface="等线" panose="02010600030101010101" pitchFamily="2" charset="-122"/>
+                        <a:cs typeface="Times New Roman" panose="02020603050405020304" pitchFamily="18" charset="0"/>
+                      </a:endParaRPr>
+                    </a:p>
+                  </a:txBody>
+                  <a:tcPr marL="5164" marR="5164" marT="5164" marB="0" anchor="ctr"/>
+                </a:tc>
+                <a:tc>
+                  <a:txBody>
+                    <a:bodyPr/>
+                    <a:lstStyle/>
+                    <a:p>
+                      <a:pPr algn="ctr"/>
+                      <a:r>
+                        <a:rPr lang="en-US" sz="700" kern="100">
+                          <a:effectLst/>
+                        </a:rPr>
+                        <a:t>Academic Report</a:t>
+                      </a:r>
+                      <a:endParaRPr lang="zh-CN" sz="600" kern="100">
+                        <a:effectLst/>
+                        <a:latin typeface="等线" panose="02010600030101010101" pitchFamily="2" charset="-122"/>
+                        <a:ea typeface="等线" panose="02010600030101010101" pitchFamily="2" charset="-122"/>
+                        <a:cs typeface="Times New Roman" panose="02020603050405020304" pitchFamily="18" charset="0"/>
+                      </a:endParaRPr>
+                    </a:p>
+                  </a:txBody>
+                  <a:tcPr marL="5164" marR="5164" marT="5164" marB="0" anchor="ctr"/>
+                </a:tc>
+                <a:tc>
+                  <a:txBody>
+                    <a:bodyPr/>
+                    <a:lstStyle/>
+                    <a:p>
+                      <a:pPr algn="ctr"/>
+                      <a:r>
+                        <a:rPr lang="en-US" sz="700" kern="100">
+                          <a:effectLst/>
+                        </a:rPr>
+                        <a:t>Rooms 1-6</a:t>
+                      </a:r>
+                      <a:endParaRPr lang="zh-CN" sz="600" kern="100">
+                        <a:effectLst/>
+                      </a:endParaRPr>
+                    </a:p>
+                    <a:p>
+                      <a:pPr algn="ctr"/>
+                      <a:r>
+                        <a:rPr lang="en-US" sz="700" kern="100">
+                          <a:effectLst/>
+                        </a:rPr>
+                        <a:t>DoubleTree by Hilton Kuala Lumpur</a:t>
+                      </a:r>
+                      <a:endParaRPr lang="zh-CN" sz="600" kern="100">
+                        <a:effectLst/>
+                        <a:latin typeface="等线" panose="02010600030101010101" pitchFamily="2" charset="-122"/>
+                        <a:ea typeface="等线" panose="02010600030101010101" pitchFamily="2" charset="-122"/>
+                        <a:cs typeface="Times New Roman" panose="02020603050405020304" pitchFamily="18" charset="0"/>
+                      </a:endParaRPr>
+                    </a:p>
+                  </a:txBody>
+                  <a:tcPr marL="5164" marR="5164" marT="5164" marB="0" anchor="ctr"/>
+                </a:tc>
+                <a:extLst>
+                  <a:ext uri="{0D108BD9-81ED-4DB2-BD59-A6C34878D82A}">
+                    <a16:rowId xmlns:a16="http://schemas.microsoft.com/office/drawing/2014/main" val="258108380"/>
+                  </a:ext>
+                </a:extLst>
+              </a:tr>
+              <a:tr h="495034">
+                <a:tc vMerge="1">
+                  <a:txBody>
+                    <a:bodyPr/>
+                    <a:lstStyle/>
+                    <a:p>
+                      <a:endParaRPr lang="zh-CN" altLang="en-US"/>
+                    </a:p>
+                  </a:txBody>
+                  <a:tcPr/>
+                </a:tc>
+                <a:tc>
+                  <a:txBody>
+                    <a:bodyPr/>
+                    <a:lstStyle/>
+                    <a:p>
+                      <a:pPr algn="ctr"/>
+                      <a:r>
+                        <a:rPr lang="en-US" sz="700" kern="100">
+                          <a:effectLst/>
+                        </a:rPr>
+                        <a:t>19:00-21:00</a:t>
+                      </a:r>
+                      <a:endParaRPr lang="zh-CN" sz="600" kern="100">
+                        <a:effectLst/>
+                        <a:latin typeface="等线" panose="02010600030101010101" pitchFamily="2" charset="-122"/>
+                        <a:ea typeface="等线" panose="02010600030101010101" pitchFamily="2" charset="-122"/>
+                        <a:cs typeface="Times New Roman" panose="02020603050405020304" pitchFamily="18" charset="0"/>
+                      </a:endParaRPr>
+                    </a:p>
+                  </a:txBody>
+                  <a:tcPr marL="5164" marR="5164" marT="5164" marB="0" anchor="ctr"/>
+                </a:tc>
+                <a:tc>
+                  <a:txBody>
+                    <a:bodyPr/>
+                    <a:lstStyle/>
+                    <a:p>
+                      <a:pPr algn="ctr"/>
+                      <a:r>
+                        <a:rPr lang="en-US" sz="700" kern="100">
+                          <a:effectLst/>
+                        </a:rPr>
+                        <a:t>Banquet</a:t>
+                      </a:r>
+                      <a:endParaRPr lang="zh-CN" sz="600" kern="100">
+                        <a:effectLst/>
+                        <a:latin typeface="等线" panose="02010600030101010101" pitchFamily="2" charset="-122"/>
+                        <a:ea typeface="等线" panose="02010600030101010101" pitchFamily="2" charset="-122"/>
+                        <a:cs typeface="Times New Roman" panose="02020603050405020304" pitchFamily="18" charset="0"/>
+                      </a:endParaRPr>
+                    </a:p>
+                  </a:txBody>
+                  <a:tcPr marL="5164" marR="5164" marT="5164" marB="0" anchor="ctr"/>
+                </a:tc>
+                <a:tc>
+                  <a:txBody>
+                    <a:bodyPr/>
+                    <a:lstStyle/>
+                    <a:p>
+                      <a:pPr algn="ctr"/>
+                      <a:r>
+                        <a:rPr lang="en-US" sz="700" kern="100">
+                          <a:effectLst/>
+                        </a:rPr>
+                        <a:t>DoubleTree by Hilton Kuala Lumpur</a:t>
+                      </a:r>
+                      <a:endParaRPr lang="zh-CN" sz="600" kern="100">
+                        <a:effectLst/>
+                        <a:latin typeface="等线" panose="02010600030101010101" pitchFamily="2" charset="-122"/>
+                        <a:ea typeface="等线" panose="02010600030101010101" pitchFamily="2" charset="-122"/>
+                        <a:cs typeface="Times New Roman" panose="02020603050405020304" pitchFamily="18" charset="0"/>
+                      </a:endParaRPr>
+                    </a:p>
+                  </a:txBody>
+                  <a:tcPr marL="5164" marR="5164" marT="5164" marB="0" anchor="ctr"/>
+                </a:tc>
+                <a:extLst>
+                  <a:ext uri="{0D108BD9-81ED-4DB2-BD59-A6C34878D82A}">
+                    <a16:rowId xmlns:a16="http://schemas.microsoft.com/office/drawing/2014/main" val="1630646940"/>
+                  </a:ext>
+                </a:extLst>
+              </a:tr>
+              <a:tr h="495034">
+                <a:tc rowSpan="3">
+                  <a:txBody>
+                    <a:bodyPr/>
+                    <a:lstStyle/>
+                    <a:p>
+                      <a:pPr algn="ctr"/>
+                      <a:r>
+                        <a:rPr lang="en-US" sz="700" kern="100">
+                          <a:effectLst/>
+                        </a:rPr>
+                        <a:t>09 July 2024</a:t>
+                      </a:r>
+                      <a:endParaRPr lang="zh-CN" sz="600" kern="100">
+                        <a:effectLst/>
+                        <a:latin typeface="等线" panose="02010600030101010101" pitchFamily="2" charset="-122"/>
+                        <a:ea typeface="等线" panose="02010600030101010101" pitchFamily="2" charset="-122"/>
+                        <a:cs typeface="Times New Roman" panose="02020603050405020304" pitchFamily="18" charset="0"/>
+                      </a:endParaRPr>
+                    </a:p>
+                  </a:txBody>
+                  <a:tcPr marL="5164" marR="5164" marT="5164" marB="0" anchor="ctr"/>
+                </a:tc>
+                <a:tc>
+                  <a:txBody>
+                    <a:bodyPr/>
+                    <a:lstStyle/>
+                    <a:p>
+                      <a:pPr algn="ctr"/>
+                      <a:r>
+                        <a:rPr lang="en-US" sz="700" kern="100">
+                          <a:effectLst/>
+                        </a:rPr>
+                        <a:t>08:00-12:00</a:t>
+                      </a:r>
+                      <a:endParaRPr lang="zh-CN" sz="600" kern="100">
+                        <a:effectLst/>
+                        <a:latin typeface="等线" panose="02010600030101010101" pitchFamily="2" charset="-122"/>
+                        <a:ea typeface="等线" panose="02010600030101010101" pitchFamily="2" charset="-122"/>
+                        <a:cs typeface="Times New Roman" panose="02020603050405020304" pitchFamily="18" charset="0"/>
+                      </a:endParaRPr>
+                    </a:p>
+                  </a:txBody>
+                  <a:tcPr marL="5164" marR="5164" marT="5164" marB="0" anchor="ctr"/>
+                </a:tc>
+                <a:tc>
+                  <a:txBody>
+                    <a:bodyPr/>
+                    <a:lstStyle/>
+                    <a:p>
+                      <a:pPr algn="ctr"/>
+                      <a:r>
+                        <a:rPr lang="en-US" sz="700" kern="100">
+                          <a:effectLst/>
+                        </a:rPr>
+                        <a:t>Academic Report</a:t>
+                      </a:r>
+                      <a:endParaRPr lang="zh-CN" sz="600" kern="100">
+                        <a:effectLst/>
+                        <a:latin typeface="等线" panose="02010600030101010101" pitchFamily="2" charset="-122"/>
+                        <a:ea typeface="等线" panose="02010600030101010101" pitchFamily="2" charset="-122"/>
+                        <a:cs typeface="Times New Roman" panose="02020603050405020304" pitchFamily="18" charset="0"/>
+                      </a:endParaRPr>
+                    </a:p>
+                  </a:txBody>
+                  <a:tcPr marL="5164" marR="5164" marT="5164" marB="0" anchor="ctr"/>
+                </a:tc>
+                <a:tc>
+                  <a:txBody>
+                    <a:bodyPr/>
+                    <a:lstStyle/>
+                    <a:p>
+                      <a:pPr algn="ctr"/>
+                      <a:r>
+                        <a:rPr lang="en-US" sz="700" kern="100">
+                          <a:effectLst/>
+                        </a:rPr>
+                        <a:t>Rooms 1-6</a:t>
+                      </a:r>
+                      <a:endParaRPr lang="zh-CN" sz="600" kern="100">
+                        <a:effectLst/>
+                      </a:endParaRPr>
+                    </a:p>
+                    <a:p>
+                      <a:pPr algn="ctr"/>
+                      <a:r>
+                        <a:rPr lang="en-US" sz="700" kern="100">
+                          <a:effectLst/>
+                        </a:rPr>
+                        <a:t>DoubleTree by Hilton Kuala Lumpur</a:t>
+                      </a:r>
+                      <a:endParaRPr lang="zh-CN" sz="600" kern="100">
+                        <a:effectLst/>
+                        <a:latin typeface="等线" panose="02010600030101010101" pitchFamily="2" charset="-122"/>
+                        <a:ea typeface="等线" panose="02010600030101010101" pitchFamily="2" charset="-122"/>
+                        <a:cs typeface="Times New Roman" panose="02020603050405020304" pitchFamily="18" charset="0"/>
+                      </a:endParaRPr>
+                    </a:p>
+                  </a:txBody>
+                  <a:tcPr marL="5164" marR="5164" marT="5164" marB="0" anchor="ctr"/>
+                </a:tc>
+                <a:extLst>
+                  <a:ext uri="{0D108BD9-81ED-4DB2-BD59-A6C34878D82A}">
+                    <a16:rowId xmlns:a16="http://schemas.microsoft.com/office/drawing/2014/main" val="3187078710"/>
+                  </a:ext>
+                </a:extLst>
+              </a:tr>
+              <a:tr h="495034">
+                <a:tc vMerge="1">
+                  <a:txBody>
+                    <a:bodyPr/>
+                    <a:lstStyle/>
+                    <a:p>
+                      <a:endParaRPr lang="zh-CN" altLang="en-US"/>
+                    </a:p>
+                  </a:txBody>
+                  <a:tcPr/>
+                </a:tc>
+                <a:tc>
+                  <a:txBody>
+                    <a:bodyPr/>
+                    <a:lstStyle/>
+                    <a:p>
+                      <a:pPr algn="ctr"/>
+                      <a:r>
+                        <a:rPr lang="en-US" sz="700" kern="100">
+                          <a:effectLst/>
+                        </a:rPr>
+                        <a:t>12:00-13:30</a:t>
+                      </a:r>
+                      <a:endParaRPr lang="zh-CN" sz="600" kern="100">
+                        <a:effectLst/>
+                        <a:latin typeface="等线" panose="02010600030101010101" pitchFamily="2" charset="-122"/>
+                        <a:ea typeface="等线" panose="02010600030101010101" pitchFamily="2" charset="-122"/>
+                        <a:cs typeface="Times New Roman" panose="02020603050405020304" pitchFamily="18" charset="0"/>
+                      </a:endParaRPr>
+                    </a:p>
+                  </a:txBody>
+                  <a:tcPr marL="5164" marR="5164" marT="5164" marB="0" anchor="ctr"/>
+                </a:tc>
+                <a:tc>
+                  <a:txBody>
+                    <a:bodyPr/>
+                    <a:lstStyle/>
+                    <a:p>
+                      <a:pPr algn="ctr"/>
+                      <a:r>
+                        <a:rPr lang="en-US" sz="700" kern="100">
+                          <a:effectLst/>
+                        </a:rPr>
+                        <a:t>Lunch</a:t>
+                      </a:r>
+                      <a:endParaRPr lang="zh-CN" sz="600" kern="100">
+                        <a:effectLst/>
+                        <a:latin typeface="等线" panose="02010600030101010101" pitchFamily="2" charset="-122"/>
+                        <a:ea typeface="等线" panose="02010600030101010101" pitchFamily="2" charset="-122"/>
+                        <a:cs typeface="Times New Roman" panose="02020603050405020304" pitchFamily="18" charset="0"/>
+                      </a:endParaRPr>
+                    </a:p>
+                  </a:txBody>
+                  <a:tcPr marL="5164" marR="5164" marT="5164" marB="0" anchor="ctr"/>
+                </a:tc>
+                <a:tc>
+                  <a:txBody>
+                    <a:bodyPr/>
+                    <a:lstStyle/>
+                    <a:p>
+                      <a:pPr algn="ctr"/>
+                      <a:r>
+                        <a:rPr lang="en-US" sz="700" kern="100">
+                          <a:effectLst/>
+                        </a:rPr>
+                        <a:t>DoubleTree by Hilton Kuala Lumpur</a:t>
+                      </a:r>
+                      <a:endParaRPr lang="zh-CN" sz="600" kern="100">
+                        <a:effectLst/>
+                        <a:latin typeface="等线" panose="02010600030101010101" pitchFamily="2" charset="-122"/>
+                        <a:ea typeface="等线" panose="02010600030101010101" pitchFamily="2" charset="-122"/>
+                        <a:cs typeface="Times New Roman" panose="02020603050405020304" pitchFamily="18" charset="0"/>
+                      </a:endParaRPr>
+                    </a:p>
+                  </a:txBody>
+                  <a:tcPr marL="5164" marR="5164" marT="5164" marB="0" anchor="ctr"/>
+                </a:tc>
+                <a:extLst>
+                  <a:ext uri="{0D108BD9-81ED-4DB2-BD59-A6C34878D82A}">
+                    <a16:rowId xmlns:a16="http://schemas.microsoft.com/office/drawing/2014/main" val="1998801360"/>
+                  </a:ext>
+                </a:extLst>
+              </a:tr>
+              <a:tr h="495034">
+                <a:tc vMerge="1">
+                  <a:txBody>
+                    <a:bodyPr/>
+                    <a:lstStyle/>
+                    <a:p>
+                      <a:endParaRPr lang="zh-CN" altLang="en-US"/>
+                    </a:p>
+                  </a:txBody>
+                  <a:tcPr/>
+                </a:tc>
+                <a:tc>
+                  <a:txBody>
+                    <a:bodyPr/>
+                    <a:lstStyle/>
+                    <a:p>
+                      <a:pPr algn="ctr"/>
+                      <a:r>
+                        <a:rPr lang="en-US" sz="700" kern="100">
+                          <a:effectLst/>
+                        </a:rPr>
+                        <a:t>14:00-18:00</a:t>
+                      </a:r>
+                      <a:endParaRPr lang="zh-CN" sz="600" kern="100">
+                        <a:effectLst/>
+                        <a:latin typeface="等线" panose="02010600030101010101" pitchFamily="2" charset="-122"/>
+                        <a:ea typeface="等线" panose="02010600030101010101" pitchFamily="2" charset="-122"/>
+                        <a:cs typeface="Times New Roman" panose="02020603050405020304" pitchFamily="18" charset="0"/>
+                      </a:endParaRPr>
+                    </a:p>
+                  </a:txBody>
+                  <a:tcPr marL="5164" marR="5164" marT="5164" marB="0" anchor="ctr"/>
+                </a:tc>
+                <a:tc>
+                  <a:txBody>
+                    <a:bodyPr/>
+                    <a:lstStyle/>
+                    <a:p>
+                      <a:pPr algn="ctr"/>
+                      <a:r>
+                        <a:rPr lang="en-US" sz="700" kern="100">
+                          <a:effectLst/>
+                        </a:rPr>
+                        <a:t>Academic Report</a:t>
+                      </a:r>
+                      <a:endParaRPr lang="zh-CN" sz="600" kern="100">
+                        <a:effectLst/>
+                        <a:latin typeface="等线" panose="02010600030101010101" pitchFamily="2" charset="-122"/>
+                        <a:ea typeface="等线" panose="02010600030101010101" pitchFamily="2" charset="-122"/>
+                        <a:cs typeface="Times New Roman" panose="02020603050405020304" pitchFamily="18" charset="0"/>
+                      </a:endParaRPr>
+                    </a:p>
+                  </a:txBody>
+                  <a:tcPr marL="5164" marR="5164" marT="5164" marB="0" anchor="ctr"/>
+                </a:tc>
+                <a:tc>
+                  <a:txBody>
+                    <a:bodyPr/>
+                    <a:lstStyle/>
+                    <a:p>
+                      <a:pPr algn="ctr"/>
+                      <a:r>
+                        <a:rPr lang="en-US" sz="700" kern="100" dirty="0">
+                          <a:effectLst/>
+                        </a:rPr>
+                        <a:t>Rooms 1-6</a:t>
+                      </a:r>
+                      <a:endParaRPr lang="zh-CN" sz="600" kern="100" dirty="0">
+                        <a:effectLst/>
+                      </a:endParaRPr>
+                    </a:p>
+                    <a:p>
+                      <a:pPr algn="ctr"/>
+                      <a:r>
+                        <a:rPr lang="en-US" sz="700" kern="100" dirty="0">
+                          <a:effectLst/>
+                        </a:rPr>
+                        <a:t>DoubleTree by Hilton Kuala Lumpur</a:t>
+                      </a:r>
+                      <a:endParaRPr lang="zh-CN" sz="600" kern="100" dirty="0">
+                        <a:effectLst/>
+                        <a:latin typeface="等线" panose="02010600030101010101" pitchFamily="2" charset="-122"/>
+                        <a:ea typeface="等线" panose="02010600030101010101" pitchFamily="2" charset="-122"/>
+                        <a:cs typeface="Times New Roman" panose="02020603050405020304" pitchFamily="18" charset="0"/>
+                      </a:endParaRPr>
+                    </a:p>
+                  </a:txBody>
+                  <a:tcPr marL="5164" marR="5164" marT="5164" marB="0" anchor="ctr"/>
+                </a:tc>
+                <a:extLst>
+                  <a:ext uri="{0D108BD9-81ED-4DB2-BD59-A6C34878D82A}">
+                    <a16:rowId xmlns:a16="http://schemas.microsoft.com/office/drawing/2014/main" val="2846090268"/>
+                  </a:ext>
+                </a:extLst>
+              </a:tr>
+            </a:tbl>
+          </a:graphicData>
+        </a:graphic>
+      </p:graphicFrame>
+      <p:graphicFrame>
+        <p:nvGraphicFramePr>
+          <p:cNvPr id="9" name="表格 8">
+            <a:extLst>
+              <a:ext uri="{FF2B5EF4-FFF2-40B4-BE49-F238E27FC236}">
+                <a16:creationId xmlns:a16="http://schemas.microsoft.com/office/drawing/2014/main" id="{0C4398F0-07C7-379F-9E46-576A774FC7E6}"/>
+              </a:ext>
+            </a:extLst>
+          </p:cNvPr>
+          <p:cNvGraphicFramePr>
+            <a:graphicFrameLocks noGrp="1"/>
+          </p:cNvGraphicFramePr>
+          <p:nvPr>
+            <p:extLst>
+              <p:ext uri="{D42A27DB-BD31-4B8C-83A1-F6EECF244321}">
+                <p14:modId xmlns:p14="http://schemas.microsoft.com/office/powerpoint/2010/main" val="935361147"/>
+              </p:ext>
+            </p:extLst>
+          </p:nvPr>
+        </p:nvGraphicFramePr>
+        <p:xfrm>
+          <a:off x="8106819" y="389793"/>
+          <a:ext cx="3237683" cy="3037803"/>
+        </p:xfrm>
+        <a:graphic>
+          <a:graphicData uri="http://schemas.openxmlformats.org/drawingml/2006/table">
+            <a:tbl>
+              <a:tblPr firstRow="1" firstCol="1" bandRow="1">
+                <a:tableStyleId>{5C22544A-7EE6-4342-B048-85BDC9FD1C3A}</a:tableStyleId>
+              </a:tblPr>
+              <a:tblGrid>
+                <a:gridCol w="652319">
+                  <a:extLst>
+                    <a:ext uri="{9D8B030D-6E8A-4147-A177-3AD203B41FA5}">
+                      <a16:colId xmlns:a16="http://schemas.microsoft.com/office/drawing/2014/main" val="3065177573"/>
+                    </a:ext>
+                  </a:extLst>
+                </a:gridCol>
+                <a:gridCol w="782292">
+                  <a:extLst>
+                    <a:ext uri="{9D8B030D-6E8A-4147-A177-3AD203B41FA5}">
+                      <a16:colId xmlns:a16="http://schemas.microsoft.com/office/drawing/2014/main" val="2007089319"/>
+                    </a:ext>
+                  </a:extLst>
+                </a:gridCol>
+                <a:gridCol w="901536">
+                  <a:extLst>
+                    <a:ext uri="{9D8B030D-6E8A-4147-A177-3AD203B41FA5}">
+                      <a16:colId xmlns:a16="http://schemas.microsoft.com/office/drawing/2014/main" val="320276390"/>
+                    </a:ext>
+                  </a:extLst>
+                </a:gridCol>
+                <a:gridCol w="901536">
+                  <a:extLst>
+                    <a:ext uri="{9D8B030D-6E8A-4147-A177-3AD203B41FA5}">
+                      <a16:colId xmlns:a16="http://schemas.microsoft.com/office/drawing/2014/main" val="3410652727"/>
+                    </a:ext>
+                  </a:extLst>
+                </a:gridCol>
+              </a:tblGrid>
+              <a:tr h="362288">
+                <a:tc>
+                  <a:txBody>
+                    <a:bodyPr/>
+                    <a:lstStyle/>
+                    <a:p>
+                      <a:pPr algn="ctr"/>
+                      <a:r>
+                        <a:rPr lang="en-US" sz="600" kern="100">
+                          <a:effectLst/>
+                        </a:rPr>
+                        <a:t>Date</a:t>
+                      </a:r>
+                      <a:endParaRPr lang="zh-CN" sz="600" kern="100">
+                        <a:effectLst/>
+                        <a:latin typeface="等线" panose="02010600030101010101" pitchFamily="2" charset="-122"/>
+                        <a:ea typeface="等线" panose="02010600030101010101" pitchFamily="2" charset="-122"/>
+                        <a:cs typeface="Times New Roman" panose="02020603050405020304" pitchFamily="18" charset="0"/>
+                      </a:endParaRPr>
+                    </a:p>
+                  </a:txBody>
+                  <a:tcPr marL="5205" marR="5205" marT="5205" marB="0" anchor="ctr"/>
+                </a:tc>
+                <a:tc>
+                  <a:txBody>
+                    <a:bodyPr/>
+                    <a:lstStyle/>
+                    <a:p>
+                      <a:pPr algn="ctr"/>
+                      <a:r>
+                        <a:rPr lang="en-US" sz="600" kern="100">
+                          <a:effectLst/>
+                        </a:rPr>
+                        <a:t>Time</a:t>
+                      </a:r>
+                      <a:endParaRPr lang="zh-CN" sz="600" kern="100">
+                        <a:effectLst/>
+                        <a:latin typeface="等线" panose="02010600030101010101" pitchFamily="2" charset="-122"/>
+                        <a:ea typeface="等线" panose="02010600030101010101" pitchFamily="2" charset="-122"/>
+                        <a:cs typeface="Times New Roman" panose="02020603050405020304" pitchFamily="18" charset="0"/>
+                      </a:endParaRPr>
+                    </a:p>
+                  </a:txBody>
+                  <a:tcPr marL="5205" marR="5205" marT="5205" marB="0" anchor="ctr"/>
+                </a:tc>
+                <a:tc>
+                  <a:txBody>
+                    <a:bodyPr/>
+                    <a:lstStyle/>
+                    <a:p>
+                      <a:pPr algn="ctr"/>
+                      <a:r>
+                        <a:rPr lang="en-US" sz="600" kern="100">
+                          <a:effectLst/>
+                        </a:rPr>
+                        <a:t>Purpose/Function</a:t>
+                      </a:r>
+                      <a:endParaRPr lang="zh-CN" sz="600" kern="100">
+                        <a:effectLst/>
+                        <a:latin typeface="等线" panose="02010600030101010101" pitchFamily="2" charset="-122"/>
+                        <a:ea typeface="等线" panose="02010600030101010101" pitchFamily="2" charset="-122"/>
+                        <a:cs typeface="Times New Roman" panose="02020603050405020304" pitchFamily="18" charset="0"/>
+                      </a:endParaRPr>
+                    </a:p>
+                  </a:txBody>
+                  <a:tcPr marL="5205" marR="5205" marT="5205" marB="0" anchor="ctr"/>
+                </a:tc>
+                <a:tc>
+                  <a:txBody>
+                    <a:bodyPr/>
+                    <a:lstStyle/>
+                    <a:p>
+                      <a:pPr algn="ctr"/>
+                      <a:r>
+                        <a:rPr lang="en-US" sz="600" kern="100" dirty="0">
+                          <a:effectLst/>
+                        </a:rPr>
+                        <a:t>Location</a:t>
+                      </a:r>
+                      <a:endParaRPr lang="zh-CN" sz="600" kern="100" dirty="0">
+                        <a:effectLst/>
+                        <a:latin typeface="等线" panose="02010600030101010101" pitchFamily="2" charset="-122"/>
+                        <a:ea typeface="等线" panose="02010600030101010101" pitchFamily="2" charset="-122"/>
+                        <a:cs typeface="Times New Roman" panose="02020603050405020304" pitchFamily="18" charset="0"/>
+                      </a:endParaRPr>
+                    </a:p>
+                  </a:txBody>
+                  <a:tcPr marL="5205" marR="5205" marT="5205" marB="0" anchor="ctr"/>
+                </a:tc>
+                <a:extLst>
+                  <a:ext uri="{0D108BD9-81ED-4DB2-BD59-A6C34878D82A}">
+                    <a16:rowId xmlns:a16="http://schemas.microsoft.com/office/drawing/2014/main" val="770916707"/>
+                  </a:ext>
+                </a:extLst>
+              </a:tr>
+              <a:tr h="515670">
+                <a:tc rowSpan="4">
+                  <a:txBody>
+                    <a:bodyPr/>
+                    <a:lstStyle/>
+                    <a:p>
+                      <a:pPr algn="ctr"/>
+                      <a:r>
+                        <a:rPr lang="en-US" sz="600" kern="100">
+                          <a:effectLst/>
+                        </a:rPr>
+                        <a:t>10 July 2024</a:t>
+                      </a:r>
+                      <a:endParaRPr lang="zh-CN" sz="600" kern="100">
+                        <a:effectLst/>
+                        <a:latin typeface="等线" panose="02010600030101010101" pitchFamily="2" charset="-122"/>
+                        <a:ea typeface="等线" panose="02010600030101010101" pitchFamily="2" charset="-122"/>
+                        <a:cs typeface="Times New Roman" panose="02020603050405020304" pitchFamily="18" charset="0"/>
+                      </a:endParaRPr>
+                    </a:p>
+                  </a:txBody>
+                  <a:tcPr marL="63837" marR="63837" marT="31919" marB="31919" anchor="ctr"/>
+                </a:tc>
+                <a:tc>
+                  <a:txBody>
+                    <a:bodyPr/>
+                    <a:lstStyle/>
+                    <a:p>
+                      <a:pPr algn="ctr"/>
+                      <a:r>
+                        <a:rPr lang="en-US" sz="600" kern="100">
+                          <a:effectLst/>
+                        </a:rPr>
+                        <a:t>08:00-12:00</a:t>
+                      </a:r>
+                      <a:endParaRPr lang="zh-CN" sz="600" kern="100">
+                        <a:effectLst/>
+                        <a:latin typeface="等线" panose="02010600030101010101" pitchFamily="2" charset="-122"/>
+                        <a:ea typeface="等线" panose="02010600030101010101" pitchFamily="2" charset="-122"/>
+                        <a:cs typeface="Times New Roman" panose="02020603050405020304" pitchFamily="18" charset="0"/>
+                      </a:endParaRPr>
+                    </a:p>
+                  </a:txBody>
+                  <a:tcPr marL="5205" marR="5205" marT="5205" marB="0" anchor="ctr"/>
+                </a:tc>
+                <a:tc>
+                  <a:txBody>
+                    <a:bodyPr/>
+                    <a:lstStyle/>
+                    <a:p>
+                      <a:pPr algn="ctr"/>
+                      <a:r>
+                        <a:rPr lang="en-US" sz="600" kern="100">
+                          <a:effectLst/>
+                        </a:rPr>
+                        <a:t>Academic/Committee Discussion</a:t>
+                      </a:r>
+                      <a:endParaRPr lang="zh-CN" sz="600" kern="100">
+                        <a:effectLst/>
+                        <a:latin typeface="等线" panose="02010600030101010101" pitchFamily="2" charset="-122"/>
+                        <a:ea typeface="等线" panose="02010600030101010101" pitchFamily="2" charset="-122"/>
+                        <a:cs typeface="Times New Roman" panose="02020603050405020304" pitchFamily="18" charset="0"/>
+                      </a:endParaRPr>
+                    </a:p>
+                  </a:txBody>
+                  <a:tcPr marL="5205" marR="5205" marT="5205" marB="0" anchor="ctr"/>
+                </a:tc>
+                <a:tc>
+                  <a:txBody>
+                    <a:bodyPr/>
+                    <a:lstStyle/>
+                    <a:p>
+                      <a:pPr algn="ctr"/>
+                      <a:r>
+                        <a:rPr lang="en-US" sz="600" kern="100" dirty="0">
+                          <a:effectLst/>
+                        </a:rPr>
+                        <a:t>DoubleTree by Hilton Kuala Lumpur</a:t>
+                      </a:r>
+                      <a:endParaRPr lang="zh-CN" sz="600" kern="100" dirty="0">
+                        <a:effectLst/>
+                        <a:latin typeface="等线" panose="02010600030101010101" pitchFamily="2" charset="-122"/>
+                        <a:ea typeface="等线" panose="02010600030101010101" pitchFamily="2" charset="-122"/>
+                        <a:cs typeface="Times New Roman" panose="02020603050405020304" pitchFamily="18" charset="0"/>
+                      </a:endParaRPr>
+                    </a:p>
+                  </a:txBody>
+                  <a:tcPr marL="5205" marR="5205" marT="5205" marB="0" anchor="ctr"/>
+                </a:tc>
+                <a:extLst>
+                  <a:ext uri="{0D108BD9-81ED-4DB2-BD59-A6C34878D82A}">
+                    <a16:rowId xmlns:a16="http://schemas.microsoft.com/office/drawing/2014/main" val="457216071"/>
+                  </a:ext>
+                </a:extLst>
+              </a:tr>
+              <a:tr h="515670">
+                <a:tc vMerge="1">
+                  <a:txBody>
+                    <a:bodyPr/>
+                    <a:lstStyle/>
+                    <a:p>
+                      <a:endParaRPr lang="zh-CN" altLang="en-US"/>
+                    </a:p>
+                  </a:txBody>
+                  <a:tcPr/>
+                </a:tc>
+                <a:tc>
+                  <a:txBody>
+                    <a:bodyPr/>
+                    <a:lstStyle/>
+                    <a:p>
+                      <a:pPr algn="ctr"/>
+                      <a:r>
+                        <a:rPr lang="en-US" sz="600" kern="100" dirty="0">
+                          <a:effectLst/>
+                        </a:rPr>
+                        <a:t>12:00-13:30</a:t>
+                      </a:r>
+                      <a:endParaRPr lang="zh-CN" sz="600" kern="100" dirty="0">
+                        <a:effectLst/>
+                        <a:latin typeface="等线" panose="02010600030101010101" pitchFamily="2" charset="-122"/>
+                        <a:ea typeface="等线" panose="02010600030101010101" pitchFamily="2" charset="-122"/>
+                        <a:cs typeface="Times New Roman" panose="02020603050405020304" pitchFamily="18" charset="0"/>
+                      </a:endParaRPr>
+                    </a:p>
+                  </a:txBody>
+                  <a:tcPr marL="5205" marR="5205" marT="5205" marB="0" anchor="ctr"/>
+                </a:tc>
+                <a:tc>
+                  <a:txBody>
+                    <a:bodyPr/>
+                    <a:lstStyle/>
+                    <a:p>
+                      <a:pPr algn="ctr"/>
+                      <a:r>
+                        <a:rPr lang="en-US" sz="600" kern="100">
+                          <a:effectLst/>
+                        </a:rPr>
+                        <a:t>Lunch</a:t>
+                      </a:r>
+                      <a:endParaRPr lang="zh-CN" sz="600" kern="100">
+                        <a:effectLst/>
+                        <a:latin typeface="等线" panose="02010600030101010101" pitchFamily="2" charset="-122"/>
+                        <a:ea typeface="等线" panose="02010600030101010101" pitchFamily="2" charset="-122"/>
+                        <a:cs typeface="Times New Roman" panose="02020603050405020304" pitchFamily="18" charset="0"/>
+                      </a:endParaRPr>
+                    </a:p>
+                  </a:txBody>
+                  <a:tcPr marL="5205" marR="5205" marT="5205" marB="0" anchor="ctr"/>
+                </a:tc>
+                <a:tc>
+                  <a:txBody>
+                    <a:bodyPr/>
+                    <a:lstStyle/>
+                    <a:p>
+                      <a:pPr algn="ctr"/>
+                      <a:r>
+                        <a:rPr lang="en-US" sz="600" kern="100" dirty="0">
+                          <a:effectLst/>
+                        </a:rPr>
+                        <a:t>DoubleTree by Hilton Kuala Lumpur</a:t>
+                      </a:r>
+                      <a:endParaRPr lang="zh-CN" sz="600" kern="100" dirty="0">
+                        <a:effectLst/>
+                        <a:latin typeface="等线" panose="02010600030101010101" pitchFamily="2" charset="-122"/>
+                        <a:ea typeface="等线" panose="02010600030101010101" pitchFamily="2" charset="-122"/>
+                        <a:cs typeface="Times New Roman" panose="02020603050405020304" pitchFamily="18" charset="0"/>
+                      </a:endParaRPr>
+                    </a:p>
+                  </a:txBody>
+                  <a:tcPr marL="5205" marR="5205" marT="5205" marB="0" anchor="ctr"/>
+                </a:tc>
+                <a:extLst>
+                  <a:ext uri="{0D108BD9-81ED-4DB2-BD59-A6C34878D82A}">
+                    <a16:rowId xmlns:a16="http://schemas.microsoft.com/office/drawing/2014/main" val="641258909"/>
+                  </a:ext>
+                </a:extLst>
+              </a:tr>
+              <a:tr h="515670">
+                <a:tc vMerge="1">
+                  <a:txBody>
+                    <a:bodyPr/>
+                    <a:lstStyle/>
+                    <a:p>
+                      <a:endParaRPr lang="zh-CN" altLang="en-US"/>
+                    </a:p>
+                  </a:txBody>
+                  <a:tcPr/>
+                </a:tc>
+                <a:tc>
+                  <a:txBody>
+                    <a:bodyPr/>
+                    <a:lstStyle/>
+                    <a:p>
+                      <a:pPr algn="ctr"/>
+                      <a:r>
+                        <a:rPr lang="en-US" sz="600" kern="100">
+                          <a:effectLst/>
+                        </a:rPr>
+                        <a:t>14:00-15:00</a:t>
+                      </a:r>
+                      <a:endParaRPr lang="zh-CN" sz="600" kern="100">
+                        <a:effectLst/>
+                        <a:latin typeface="等线" panose="02010600030101010101" pitchFamily="2" charset="-122"/>
+                        <a:ea typeface="等线" panose="02010600030101010101" pitchFamily="2" charset="-122"/>
+                        <a:cs typeface="Times New Roman" panose="02020603050405020304" pitchFamily="18" charset="0"/>
+                      </a:endParaRPr>
+                    </a:p>
+                  </a:txBody>
+                  <a:tcPr marL="5205" marR="5205" marT="5205" marB="0" anchor="ctr"/>
+                </a:tc>
+                <a:tc>
+                  <a:txBody>
+                    <a:bodyPr/>
+                    <a:lstStyle/>
+                    <a:p>
+                      <a:pPr algn="ctr"/>
+                      <a:r>
+                        <a:rPr lang="en-US" sz="600" kern="100">
+                          <a:effectLst/>
+                        </a:rPr>
+                        <a:t>CMMM20244 Conference Committee Meeting</a:t>
+                      </a:r>
+                      <a:endParaRPr lang="zh-CN" sz="600" kern="100">
+                        <a:effectLst/>
+                        <a:latin typeface="等线" panose="02010600030101010101" pitchFamily="2" charset="-122"/>
+                        <a:ea typeface="等线" panose="02010600030101010101" pitchFamily="2" charset="-122"/>
+                        <a:cs typeface="Times New Roman" panose="02020603050405020304" pitchFamily="18" charset="0"/>
+                      </a:endParaRPr>
+                    </a:p>
+                  </a:txBody>
+                  <a:tcPr marL="5205" marR="5205" marT="5205" marB="0" anchor="ctr"/>
+                </a:tc>
+                <a:tc>
+                  <a:txBody>
+                    <a:bodyPr/>
+                    <a:lstStyle/>
+                    <a:p>
+                      <a:pPr algn="ctr"/>
+                      <a:r>
+                        <a:rPr lang="en-US" sz="600" kern="100">
+                          <a:effectLst/>
+                        </a:rPr>
+                        <a:t>DoubleTree by Hilton Kuala Lumpur</a:t>
+                      </a:r>
+                      <a:endParaRPr lang="zh-CN" sz="600" kern="100">
+                        <a:effectLst/>
+                        <a:latin typeface="等线" panose="02010600030101010101" pitchFamily="2" charset="-122"/>
+                        <a:ea typeface="等线" panose="02010600030101010101" pitchFamily="2" charset="-122"/>
+                        <a:cs typeface="Times New Roman" panose="02020603050405020304" pitchFamily="18" charset="0"/>
+                      </a:endParaRPr>
+                    </a:p>
+                  </a:txBody>
+                  <a:tcPr marL="5205" marR="5205" marT="5205" marB="0" anchor="ctr"/>
+                </a:tc>
+                <a:extLst>
+                  <a:ext uri="{0D108BD9-81ED-4DB2-BD59-A6C34878D82A}">
+                    <a16:rowId xmlns:a16="http://schemas.microsoft.com/office/drawing/2014/main" val="3163577482"/>
+                  </a:ext>
+                </a:extLst>
+              </a:tr>
+              <a:tr h="515670">
+                <a:tc vMerge="1">
+                  <a:txBody>
+                    <a:bodyPr/>
+                    <a:lstStyle/>
+                    <a:p>
+                      <a:endParaRPr lang="zh-CN" altLang="en-US"/>
+                    </a:p>
+                  </a:txBody>
+                  <a:tcPr/>
+                </a:tc>
+                <a:tc>
+                  <a:txBody>
+                    <a:bodyPr/>
+                    <a:lstStyle/>
+                    <a:p>
+                      <a:pPr algn="ctr"/>
+                      <a:r>
+                        <a:rPr lang="en-US" sz="600" kern="100">
+                          <a:effectLst/>
+                        </a:rPr>
+                        <a:t>15:00-17:00</a:t>
+                      </a:r>
+                      <a:endParaRPr lang="zh-CN" sz="600" kern="100">
+                        <a:effectLst/>
+                        <a:latin typeface="等线" panose="02010600030101010101" pitchFamily="2" charset="-122"/>
+                        <a:ea typeface="等线" panose="02010600030101010101" pitchFamily="2" charset="-122"/>
+                        <a:cs typeface="Times New Roman" panose="02020603050405020304" pitchFamily="18" charset="0"/>
+                      </a:endParaRPr>
+                    </a:p>
+                  </a:txBody>
+                  <a:tcPr marL="5205" marR="5205" marT="5205" marB="0" anchor="ctr"/>
+                </a:tc>
+                <a:tc>
+                  <a:txBody>
+                    <a:bodyPr/>
+                    <a:lstStyle/>
+                    <a:p>
+                      <a:pPr algn="ctr"/>
+                      <a:r>
+                        <a:rPr lang="en-US" sz="600" kern="100">
+                          <a:effectLst/>
+                        </a:rPr>
+                        <a:t>CMMM2024 Conference Closing/Certificate Distribution</a:t>
+                      </a:r>
+                      <a:endParaRPr lang="zh-CN" sz="600" kern="100">
+                        <a:effectLst/>
+                        <a:latin typeface="等线" panose="02010600030101010101" pitchFamily="2" charset="-122"/>
+                        <a:ea typeface="等线" panose="02010600030101010101" pitchFamily="2" charset="-122"/>
+                        <a:cs typeface="Times New Roman" panose="02020603050405020304" pitchFamily="18" charset="0"/>
+                      </a:endParaRPr>
+                    </a:p>
+                  </a:txBody>
+                  <a:tcPr marL="5205" marR="5205" marT="5205" marB="0" anchor="ctr"/>
+                </a:tc>
+                <a:tc>
+                  <a:txBody>
+                    <a:bodyPr/>
+                    <a:lstStyle/>
+                    <a:p>
+                      <a:pPr algn="ctr"/>
+                      <a:r>
+                        <a:rPr lang="en-US" sz="600" kern="100">
+                          <a:effectLst/>
+                        </a:rPr>
+                        <a:t>DoubleTree by Hilton Kuala Lumpur</a:t>
+                      </a:r>
+                      <a:endParaRPr lang="zh-CN" sz="600" kern="100">
+                        <a:effectLst/>
+                        <a:latin typeface="等线" panose="02010600030101010101" pitchFamily="2" charset="-122"/>
+                        <a:ea typeface="等线" panose="02010600030101010101" pitchFamily="2" charset="-122"/>
+                        <a:cs typeface="Times New Roman" panose="02020603050405020304" pitchFamily="18" charset="0"/>
+                      </a:endParaRPr>
+                    </a:p>
+                  </a:txBody>
+                  <a:tcPr marL="5205" marR="5205" marT="5205" marB="0" anchor="ctr"/>
+                </a:tc>
+                <a:extLst>
+                  <a:ext uri="{0D108BD9-81ED-4DB2-BD59-A6C34878D82A}">
+                    <a16:rowId xmlns:a16="http://schemas.microsoft.com/office/drawing/2014/main" val="1483014420"/>
+                  </a:ext>
+                </a:extLst>
+              </a:tr>
+              <a:tr h="612835">
+                <a:tc>
+                  <a:txBody>
+                    <a:bodyPr/>
+                    <a:lstStyle/>
+                    <a:p>
+                      <a:pPr algn="ctr"/>
+                      <a:r>
+                        <a:rPr lang="en-US" sz="600" kern="100">
+                          <a:effectLst/>
+                        </a:rPr>
+                        <a:t>11 &amp; 12 July 2024</a:t>
+                      </a:r>
+                      <a:endParaRPr lang="zh-CN" sz="600" kern="100">
+                        <a:effectLst/>
+                        <a:latin typeface="等线" panose="02010600030101010101" pitchFamily="2" charset="-122"/>
+                        <a:ea typeface="等线" panose="02010600030101010101" pitchFamily="2" charset="-122"/>
+                        <a:cs typeface="Times New Roman" panose="02020603050405020304" pitchFamily="18" charset="0"/>
+                      </a:endParaRPr>
+                    </a:p>
+                  </a:txBody>
+                  <a:tcPr marL="5205" marR="5205" marT="5205" marB="0" anchor="ctr"/>
+                </a:tc>
+                <a:tc>
+                  <a:txBody>
+                    <a:bodyPr/>
+                    <a:lstStyle/>
+                    <a:p>
+                      <a:pPr algn="ctr"/>
+                      <a:r>
+                        <a:rPr lang="en-US" sz="600" kern="100">
+                          <a:effectLst/>
+                        </a:rPr>
+                        <a:t>TBC</a:t>
+                      </a:r>
+                      <a:endParaRPr lang="zh-CN" sz="600" kern="100">
+                        <a:effectLst/>
+                        <a:latin typeface="等线" panose="02010600030101010101" pitchFamily="2" charset="-122"/>
+                        <a:ea typeface="等线" panose="02010600030101010101" pitchFamily="2" charset="-122"/>
+                        <a:cs typeface="Times New Roman" panose="02020603050405020304" pitchFamily="18" charset="0"/>
+                      </a:endParaRPr>
+                    </a:p>
+                  </a:txBody>
+                  <a:tcPr marL="5205" marR="5205" marT="5205" marB="0" anchor="ctr"/>
+                </a:tc>
+                <a:tc>
+                  <a:txBody>
+                    <a:bodyPr/>
+                    <a:lstStyle/>
+                    <a:p>
+                      <a:pPr algn="ctr"/>
+                      <a:r>
+                        <a:rPr lang="en-US" sz="600" kern="100">
+                          <a:effectLst/>
+                        </a:rPr>
+                        <a:t>Visit Universiti Malaya, </a:t>
+                      </a:r>
+                      <a:endParaRPr lang="zh-CN" sz="600" kern="100">
+                        <a:effectLst/>
+                      </a:endParaRPr>
+                    </a:p>
+                    <a:p>
+                      <a:pPr algn="ctr"/>
+                      <a:r>
+                        <a:rPr lang="en-US" sz="600" kern="100">
+                          <a:effectLst/>
+                        </a:rPr>
+                        <a:t>Universiti Tunku Abdul Rahman and Other Academic Activities </a:t>
+                      </a:r>
+                      <a:endParaRPr lang="zh-CN" sz="600" kern="100">
+                        <a:effectLst/>
+                        <a:latin typeface="等线" panose="02010600030101010101" pitchFamily="2" charset="-122"/>
+                        <a:ea typeface="等线" panose="02010600030101010101" pitchFamily="2" charset="-122"/>
+                        <a:cs typeface="Times New Roman" panose="02020603050405020304" pitchFamily="18" charset="0"/>
+                      </a:endParaRPr>
+                    </a:p>
+                  </a:txBody>
+                  <a:tcPr marL="5205" marR="5205" marT="5205" marB="0" anchor="ctr"/>
+                </a:tc>
+                <a:tc>
+                  <a:txBody>
+                    <a:bodyPr/>
+                    <a:lstStyle/>
+                    <a:p>
+                      <a:pPr algn="ctr"/>
+                      <a:r>
+                        <a:rPr lang="en-US" sz="600" kern="100" dirty="0" err="1">
+                          <a:effectLst/>
+                        </a:rPr>
+                        <a:t>Universiti</a:t>
+                      </a:r>
+                      <a:r>
+                        <a:rPr lang="en-US" sz="600" kern="100" dirty="0">
+                          <a:effectLst/>
+                        </a:rPr>
+                        <a:t> Malaya &amp; </a:t>
+                      </a:r>
+                      <a:r>
+                        <a:rPr lang="en-US" sz="600" kern="100" dirty="0" err="1">
+                          <a:effectLst/>
+                        </a:rPr>
+                        <a:t>Universiti</a:t>
+                      </a:r>
+                      <a:r>
+                        <a:rPr lang="en-US" sz="600" kern="100" dirty="0">
+                          <a:effectLst/>
+                        </a:rPr>
+                        <a:t> </a:t>
+                      </a:r>
+                      <a:r>
+                        <a:rPr lang="en-US" sz="600" kern="100" dirty="0" err="1">
+                          <a:effectLst/>
+                        </a:rPr>
+                        <a:t>Tunku</a:t>
+                      </a:r>
+                      <a:r>
+                        <a:rPr lang="en-US" sz="600" kern="100" dirty="0">
+                          <a:effectLst/>
+                        </a:rPr>
+                        <a:t> Abdul Rahman</a:t>
+                      </a:r>
+                      <a:endParaRPr lang="zh-CN" sz="600" kern="100" dirty="0">
+                        <a:effectLst/>
+                        <a:latin typeface="等线" panose="02010600030101010101" pitchFamily="2" charset="-122"/>
+                        <a:ea typeface="等线" panose="02010600030101010101" pitchFamily="2" charset="-122"/>
+                        <a:cs typeface="Times New Roman" panose="02020603050405020304" pitchFamily="18" charset="0"/>
+                      </a:endParaRPr>
+                    </a:p>
+                  </a:txBody>
+                  <a:tcPr marL="5205" marR="5205" marT="5205" marB="0" anchor="ctr"/>
+                </a:tc>
+                <a:extLst>
+                  <a:ext uri="{0D108BD9-81ED-4DB2-BD59-A6C34878D82A}">
+                    <a16:rowId xmlns:a16="http://schemas.microsoft.com/office/drawing/2014/main" val="128500032"/>
+                  </a:ext>
+                </a:extLst>
+              </a:tr>
+            </a:tbl>
+          </a:graphicData>
+        </a:graphic>
+      </p:graphicFrame>
+    </p:spTree>
+    <p:extLst>
+      <p:ext uri="{BB962C8B-B14F-4D97-AF65-F5344CB8AC3E}">
+        <p14:creationId xmlns:p14="http://schemas.microsoft.com/office/powerpoint/2010/main" val="2545574032"/>
+      </p:ext>
+    </p:extLst>
+  </p:cSld>
+  <p:clrMapOvr>
+    <a:masterClrMapping/>
+  </p:clrMapOvr>
+</p:sld>
+</file>
+
 <file path=ppt/slides/slide2.xml><?xml version="1.0" encoding="utf-8"?>
 <p:sld xmlns:a="http://schemas.openxmlformats.org/drawingml/2006/main" xmlns:r="http://schemas.openxmlformats.org/officeDocument/2006/relationships" xmlns:p="http://schemas.openxmlformats.org/presentationml/2006/main">
   <p:cSld>

--- a/assets/figures.pptx
+++ b/assets/figures.pptx
@@ -134,7 +134,7 @@
 <file path=ppt/revisionInfo.xml><?xml version="1.0" encoding="utf-8"?>
 <p1510:revInfo xmlns:a="http://schemas.openxmlformats.org/drawingml/2006/main" xmlns:r="http://schemas.openxmlformats.org/officeDocument/2006/relationships" xmlns:p1510="http://schemas.microsoft.com/office/powerpoint/2015/10/main">
   <p1510:revLst>
-    <p1510:client id="{1DC4A7AB-8307-463F-B68B-CDC3B517A939}" v="112" dt="2024-03-15T04:33:31.286"/>
+    <p1510:client id="{1DC4A7AB-8307-463F-B68B-CDC3B517A939}" v="122" dt="2024-03-15T04:49:47.419"/>
   </p1510:revLst>
 </p1510:revInfo>
 </file>
@@ -176,7 +176,7 @@
   <pc:docChgLst>
     <pc:chgData name="ZHANG Xiangyu" userId="0af619d5-14b7-43d3-95bc-94ad39c803d6" providerId="ADAL" clId="{1DC4A7AB-8307-463F-B68B-CDC3B517A939}"/>
     <pc:docChg chg="undo redo custSel addSld modSld">
-      <pc:chgData name="ZHANG Xiangyu" userId="0af619d5-14b7-43d3-95bc-94ad39c803d6" providerId="ADAL" clId="{1DC4A7AB-8307-463F-B68B-CDC3B517A939}" dt="2024-03-15T04:33:31.286" v="470" actId="5736"/>
+      <pc:chgData name="ZHANG Xiangyu" userId="0af619d5-14b7-43d3-95bc-94ad39c803d6" providerId="ADAL" clId="{1DC4A7AB-8307-463F-B68B-CDC3B517A939}" dt="2024-03-15T04:49:47.418" v="541" actId="5736"/>
       <pc:docMkLst>
         <pc:docMk/>
       </pc:docMkLst>
@@ -878,7 +878,7 @@
         </pc:picChg>
       </pc:sldChg>
       <pc:sldChg chg="addSp delSp modSp new mod">
-        <pc:chgData name="ZHANG Xiangyu" userId="0af619d5-14b7-43d3-95bc-94ad39c803d6" providerId="ADAL" clId="{1DC4A7AB-8307-463F-B68B-CDC3B517A939}" dt="2024-03-15T04:33:31.286" v="470" actId="5736"/>
+        <pc:chgData name="ZHANG Xiangyu" userId="0af619d5-14b7-43d3-95bc-94ad39c803d6" providerId="ADAL" clId="{1DC4A7AB-8307-463F-B68B-CDC3B517A939}" dt="2024-03-15T04:49:47.418" v="541" actId="5736"/>
         <pc:sldMkLst>
           <pc:docMk/>
           <pc:sldMk cId="2545574032" sldId="272"/>
@@ -900,11 +900,35 @@
           </ac:spMkLst>
         </pc:spChg>
         <pc:graphicFrameChg chg="add del mod">
+          <ac:chgData name="ZHANG Xiangyu" userId="0af619d5-14b7-43d3-95bc-94ad39c803d6" providerId="ADAL" clId="{1DC4A7AB-8307-463F-B68B-CDC3B517A939}" dt="2024-03-15T04:43:52.900" v="473"/>
+          <ac:graphicFrameMkLst>
+            <pc:docMk/>
+            <pc:sldMk cId="2545574032" sldId="272"/>
+            <ac:graphicFrameMk id="2" creationId="{C9491FB9-808E-C5FE-7A7E-CC2821430045}"/>
+          </ac:graphicFrameMkLst>
+        </pc:graphicFrameChg>
+        <pc:graphicFrameChg chg="add mod modGraphic">
+          <ac:chgData name="ZHANG Xiangyu" userId="0af619d5-14b7-43d3-95bc-94ad39c803d6" providerId="ADAL" clId="{1DC4A7AB-8307-463F-B68B-CDC3B517A939}" dt="2024-03-15T04:44:01.564" v="478" actId="1076"/>
+          <ac:graphicFrameMkLst>
+            <pc:docMk/>
+            <pc:sldMk cId="2545574032" sldId="272"/>
+            <ac:graphicFrameMk id="3" creationId="{CEA4680A-33B4-AE8D-DDC6-B7EEA14C21C3}"/>
+          </ac:graphicFrameMkLst>
+        </pc:graphicFrameChg>
+        <pc:graphicFrameChg chg="add del mod">
           <ac:chgData name="ZHANG Xiangyu" userId="0af619d5-14b7-43d3-95bc-94ad39c803d6" providerId="ADAL" clId="{1DC4A7AB-8307-463F-B68B-CDC3B517A939}" dt="2024-03-15T04:31:28.265" v="452"/>
           <ac:graphicFrameMkLst>
             <pc:docMk/>
             <pc:sldMk cId="2545574032" sldId="272"/>
             <ac:graphicFrameMk id="4" creationId="{00E13720-A4D1-7A95-BDA4-78081D680E73}"/>
+          </ac:graphicFrameMkLst>
+        </pc:graphicFrameChg>
+        <pc:graphicFrameChg chg="add del mod">
+          <ac:chgData name="ZHANG Xiangyu" userId="0af619d5-14b7-43d3-95bc-94ad39c803d6" providerId="ADAL" clId="{1DC4A7AB-8307-463F-B68B-CDC3B517A939}" dt="2024-03-15T04:45:10.925" v="481"/>
+          <ac:graphicFrameMkLst>
+            <pc:docMk/>
+            <pc:sldMk cId="2545574032" sldId="272"/>
+            <ac:graphicFrameMk id="4" creationId="{F15FF4E4-C376-EFE7-5D8E-35EF27FEAE03}"/>
           </ac:graphicFrameMkLst>
         </pc:graphicFrameChg>
         <pc:graphicFrameChg chg="add mod">
@@ -913,6 +937,14 @@
             <pc:docMk/>
             <pc:sldMk cId="2545574032" sldId="272"/>
             <ac:graphicFrameMk id="5" creationId="{2330448E-74FD-34FC-8DFD-3133A7E8DE84}"/>
+          </ac:graphicFrameMkLst>
+        </pc:graphicFrameChg>
+        <pc:graphicFrameChg chg="add mod modGraphic">
+          <ac:chgData name="ZHANG Xiangyu" userId="0af619d5-14b7-43d3-95bc-94ad39c803d6" providerId="ADAL" clId="{1DC4A7AB-8307-463F-B68B-CDC3B517A939}" dt="2024-03-15T04:49:47.418" v="541" actId="5736"/>
+          <ac:graphicFrameMkLst>
+            <pc:docMk/>
+            <pc:sldMk cId="2545574032" sldId="272"/>
+            <ac:graphicFrameMk id="6" creationId="{0C82B174-D277-4C7E-C66C-C5510321B9D8}"/>
           </ac:graphicFrameMkLst>
         </pc:graphicFrameChg>
         <pc:graphicFrameChg chg="add del mod">
@@ -10140,6 +10172,3405 @@
           </a:graphicData>
         </a:graphic>
       </p:graphicFrame>
+      <p:graphicFrame>
+        <p:nvGraphicFramePr>
+          <p:cNvPr id="3" name="表格 2">
+            <a:extLst>
+              <a:ext uri="{FF2B5EF4-FFF2-40B4-BE49-F238E27FC236}">
+                <a16:creationId xmlns:a16="http://schemas.microsoft.com/office/drawing/2014/main" id="{CEA4680A-33B4-AE8D-DDC6-B7EEA14C21C3}"/>
+              </a:ext>
+            </a:extLst>
+          </p:cNvPr>
+          <p:cNvGraphicFramePr>
+            <a:graphicFrameLocks noGrp="1"/>
+          </p:cNvGraphicFramePr>
+          <p:nvPr>
+            <p:extLst>
+              <p:ext uri="{D42A27DB-BD31-4B8C-83A1-F6EECF244321}">
+                <p14:modId xmlns:p14="http://schemas.microsoft.com/office/powerpoint/2010/main" val="1813824578"/>
+              </p:ext>
+            </p:extLst>
+          </p:nvPr>
+        </p:nvGraphicFramePr>
+        <p:xfrm>
+          <a:off x="5867650" y="1825626"/>
+          <a:ext cx="456700" cy="4351335"/>
+        </p:xfrm>
+        <a:graphic>
+          <a:graphicData uri="http://schemas.openxmlformats.org/drawingml/2006/table">
+            <a:tbl>
+              <a:tblPr firstRow="1" firstCol="1" bandRow="1">
+                <a:tableStyleId>{5C22544A-7EE6-4342-B048-85BDC9FD1C3A}</a:tableStyleId>
+              </a:tblPr>
+              <a:tblGrid>
+                <a:gridCol w="163450">
+                  <a:extLst>
+                    <a:ext uri="{9D8B030D-6E8A-4147-A177-3AD203B41FA5}">
+                      <a16:colId xmlns:a16="http://schemas.microsoft.com/office/drawing/2014/main" val="3345725349"/>
+                    </a:ext>
+                  </a:extLst>
+                </a:gridCol>
+                <a:gridCol w="163450">
+                  <a:extLst>
+                    <a:ext uri="{9D8B030D-6E8A-4147-A177-3AD203B41FA5}">
+                      <a16:colId xmlns:a16="http://schemas.microsoft.com/office/drawing/2014/main" val="690585105"/>
+                    </a:ext>
+                  </a:extLst>
+                </a:gridCol>
+                <a:gridCol w="25960">
+                  <a:extLst>
+                    <a:ext uri="{9D8B030D-6E8A-4147-A177-3AD203B41FA5}">
+                      <a16:colId xmlns:a16="http://schemas.microsoft.com/office/drawing/2014/main" val="3040172538"/>
+                    </a:ext>
+                  </a:extLst>
+                </a:gridCol>
+                <a:gridCol w="25960">
+                  <a:extLst>
+                    <a:ext uri="{9D8B030D-6E8A-4147-A177-3AD203B41FA5}">
+                      <a16:colId xmlns:a16="http://schemas.microsoft.com/office/drawing/2014/main" val="4117838843"/>
+                    </a:ext>
+                  </a:extLst>
+                </a:gridCol>
+                <a:gridCol w="25960">
+                  <a:extLst>
+                    <a:ext uri="{9D8B030D-6E8A-4147-A177-3AD203B41FA5}">
+                      <a16:colId xmlns:a16="http://schemas.microsoft.com/office/drawing/2014/main" val="1469620707"/>
+                    </a:ext>
+                  </a:extLst>
+                </a:gridCol>
+                <a:gridCol w="25960">
+                  <a:extLst>
+                    <a:ext uri="{9D8B030D-6E8A-4147-A177-3AD203B41FA5}">
+                      <a16:colId xmlns:a16="http://schemas.microsoft.com/office/drawing/2014/main" val="3454602090"/>
+                    </a:ext>
+                  </a:extLst>
+                </a:gridCol>
+                <a:gridCol w="25960">
+                  <a:extLst>
+                    <a:ext uri="{9D8B030D-6E8A-4147-A177-3AD203B41FA5}">
+                      <a16:colId xmlns:a16="http://schemas.microsoft.com/office/drawing/2014/main" val="3266793501"/>
+                    </a:ext>
+                  </a:extLst>
+                </a:gridCol>
+              </a:tblGrid>
+              <a:tr h="140326">
+                <a:tc>
+                  <a:txBody>
+                    <a:bodyPr/>
+                    <a:lstStyle/>
+                    <a:p>
+                      <a:pPr algn="ctr"/>
+                      <a:r>
+                        <a:rPr lang="en-US" sz="100" kern="100">
+                          <a:effectLst/>
+                        </a:rPr>
+                        <a:t>Date</a:t>
+                      </a:r>
+                      <a:endParaRPr lang="zh-CN" sz="100" kern="100">
+                        <a:effectLst/>
+                        <a:latin typeface="等线" panose="02010600030101010101" pitchFamily="2" charset="-122"/>
+                        <a:ea typeface="等线" panose="02010600030101010101" pitchFamily="2" charset="-122"/>
+                        <a:cs typeface="Times New Roman" panose="02020603050405020304" pitchFamily="18" charset="0"/>
+                      </a:endParaRPr>
+                    </a:p>
+                  </a:txBody>
+                  <a:tcPr marL="560" marR="560" marT="560" marB="0" anchor="ctr"/>
+                </a:tc>
+                <a:tc gridSpan="2">
+                  <a:txBody>
+                    <a:bodyPr/>
+                    <a:lstStyle/>
+                    <a:p>
+                      <a:pPr algn="ctr"/>
+                      <a:r>
+                        <a:rPr lang="en-US" sz="100" kern="100">
+                          <a:effectLst/>
+                        </a:rPr>
+                        <a:t>Time</a:t>
+                      </a:r>
+                      <a:endParaRPr lang="zh-CN" sz="100" kern="100">
+                        <a:effectLst/>
+                        <a:latin typeface="等线" panose="02010600030101010101" pitchFamily="2" charset="-122"/>
+                        <a:ea typeface="等线" panose="02010600030101010101" pitchFamily="2" charset="-122"/>
+                        <a:cs typeface="Times New Roman" panose="02020603050405020304" pitchFamily="18" charset="0"/>
+                      </a:endParaRPr>
+                    </a:p>
+                  </a:txBody>
+                  <a:tcPr marL="560" marR="560" marT="560" marB="0" anchor="ctr"/>
+                </a:tc>
+                <a:tc hMerge="1">
+                  <a:txBody>
+                    <a:bodyPr/>
+                    <a:lstStyle/>
+                    <a:p>
+                      <a:endParaRPr lang="zh-CN" altLang="en-US"/>
+                    </a:p>
+                  </a:txBody>
+                  <a:tcPr/>
+                </a:tc>
+                <a:tc gridSpan="2">
+                  <a:txBody>
+                    <a:bodyPr/>
+                    <a:lstStyle/>
+                    <a:p>
+                      <a:pPr algn="ctr"/>
+                      <a:r>
+                        <a:rPr lang="en-US" sz="100" kern="100">
+                          <a:effectLst/>
+                        </a:rPr>
+                        <a:t>Purpose/Function</a:t>
+                      </a:r>
+                      <a:endParaRPr lang="zh-CN" sz="100" kern="100">
+                        <a:effectLst/>
+                        <a:latin typeface="等线" panose="02010600030101010101" pitchFamily="2" charset="-122"/>
+                        <a:ea typeface="等线" panose="02010600030101010101" pitchFamily="2" charset="-122"/>
+                        <a:cs typeface="Times New Roman" panose="02020603050405020304" pitchFamily="18" charset="0"/>
+                      </a:endParaRPr>
+                    </a:p>
+                  </a:txBody>
+                  <a:tcPr marL="560" marR="560" marT="560" marB="0" anchor="ctr"/>
+                </a:tc>
+                <a:tc hMerge="1">
+                  <a:txBody>
+                    <a:bodyPr/>
+                    <a:lstStyle/>
+                    <a:p>
+                      <a:endParaRPr lang="zh-CN" altLang="en-US"/>
+                    </a:p>
+                  </a:txBody>
+                  <a:tcPr/>
+                </a:tc>
+                <a:tc gridSpan="2">
+                  <a:txBody>
+                    <a:bodyPr/>
+                    <a:lstStyle/>
+                    <a:p>
+                      <a:pPr algn="ctr"/>
+                      <a:r>
+                        <a:rPr lang="en-US" sz="100" kern="100">
+                          <a:effectLst/>
+                        </a:rPr>
+                        <a:t>Location</a:t>
+                      </a:r>
+                      <a:endParaRPr lang="zh-CN" sz="100" kern="100">
+                        <a:effectLst/>
+                        <a:latin typeface="等线" panose="02010600030101010101" pitchFamily="2" charset="-122"/>
+                        <a:ea typeface="等线" panose="02010600030101010101" pitchFamily="2" charset="-122"/>
+                        <a:cs typeface="Times New Roman" panose="02020603050405020304" pitchFamily="18" charset="0"/>
+                      </a:endParaRPr>
+                    </a:p>
+                  </a:txBody>
+                  <a:tcPr marL="560" marR="560" marT="560" marB="0" anchor="ctr"/>
+                </a:tc>
+                <a:tc hMerge="1">
+                  <a:txBody>
+                    <a:bodyPr/>
+                    <a:lstStyle/>
+                    <a:p>
+                      <a:endParaRPr lang="zh-CN" altLang="en-US"/>
+                    </a:p>
+                  </a:txBody>
+                  <a:tcPr/>
+                </a:tc>
+                <a:extLst>
+                  <a:ext uri="{0D108BD9-81ED-4DB2-BD59-A6C34878D82A}">
+                    <a16:rowId xmlns:a16="http://schemas.microsoft.com/office/drawing/2014/main" val="1123396035"/>
+                  </a:ext>
+                </a:extLst>
+              </a:tr>
+              <a:tr h="247838">
+                <a:tc>
+                  <a:txBody>
+                    <a:bodyPr/>
+                    <a:lstStyle/>
+                    <a:p>
+                      <a:pPr algn="ctr"/>
+                      <a:r>
+                        <a:rPr lang="en-US" sz="100" kern="100">
+                          <a:effectLst/>
+                        </a:rPr>
+                        <a:t>07 July 2024</a:t>
+                      </a:r>
+                      <a:endParaRPr lang="zh-CN" sz="100" kern="100">
+                        <a:effectLst/>
+                        <a:latin typeface="等线" panose="02010600030101010101" pitchFamily="2" charset="-122"/>
+                        <a:ea typeface="等线" panose="02010600030101010101" pitchFamily="2" charset="-122"/>
+                        <a:cs typeface="Times New Roman" panose="02020603050405020304" pitchFamily="18" charset="0"/>
+                      </a:endParaRPr>
+                    </a:p>
+                  </a:txBody>
+                  <a:tcPr marL="560" marR="560" marT="560" marB="0" anchor="ctr"/>
+                </a:tc>
+                <a:tc gridSpan="2">
+                  <a:txBody>
+                    <a:bodyPr/>
+                    <a:lstStyle/>
+                    <a:p>
+                      <a:pPr algn="ctr"/>
+                      <a:r>
+                        <a:rPr lang="en-US" sz="100" kern="100">
+                          <a:effectLst/>
+                        </a:rPr>
+                        <a:t>14:00-20:00</a:t>
+                      </a:r>
+                      <a:endParaRPr lang="zh-CN" sz="100" kern="100">
+                        <a:effectLst/>
+                        <a:latin typeface="等线" panose="02010600030101010101" pitchFamily="2" charset="-122"/>
+                        <a:ea typeface="等线" panose="02010600030101010101" pitchFamily="2" charset="-122"/>
+                        <a:cs typeface="Times New Roman" panose="02020603050405020304" pitchFamily="18" charset="0"/>
+                      </a:endParaRPr>
+                    </a:p>
+                  </a:txBody>
+                  <a:tcPr marL="560" marR="560" marT="560" marB="0" anchor="ctr"/>
+                </a:tc>
+                <a:tc hMerge="1">
+                  <a:txBody>
+                    <a:bodyPr/>
+                    <a:lstStyle/>
+                    <a:p>
+                      <a:endParaRPr lang="zh-CN" altLang="en-US"/>
+                    </a:p>
+                  </a:txBody>
+                  <a:tcPr/>
+                </a:tc>
+                <a:tc gridSpan="2">
+                  <a:txBody>
+                    <a:bodyPr/>
+                    <a:lstStyle/>
+                    <a:p>
+                      <a:pPr algn="ctr"/>
+                      <a:r>
+                        <a:rPr lang="en-US" sz="100" kern="100">
+                          <a:effectLst/>
+                        </a:rPr>
+                        <a:t>Onsite Registration</a:t>
+                      </a:r>
+                      <a:endParaRPr lang="zh-CN" sz="100" kern="100">
+                        <a:effectLst/>
+                        <a:latin typeface="等线" panose="02010600030101010101" pitchFamily="2" charset="-122"/>
+                        <a:ea typeface="等线" panose="02010600030101010101" pitchFamily="2" charset="-122"/>
+                        <a:cs typeface="Times New Roman" panose="02020603050405020304" pitchFamily="18" charset="0"/>
+                      </a:endParaRPr>
+                    </a:p>
+                  </a:txBody>
+                  <a:tcPr marL="560" marR="560" marT="560" marB="0" anchor="ctr"/>
+                </a:tc>
+                <a:tc hMerge="1">
+                  <a:txBody>
+                    <a:bodyPr/>
+                    <a:lstStyle/>
+                    <a:p>
+                      <a:endParaRPr lang="zh-CN" altLang="en-US"/>
+                    </a:p>
+                  </a:txBody>
+                  <a:tcPr/>
+                </a:tc>
+                <a:tc gridSpan="2">
+                  <a:txBody>
+                    <a:bodyPr/>
+                    <a:lstStyle/>
+                    <a:p>
+                      <a:pPr algn="ctr"/>
+                      <a:r>
+                        <a:rPr lang="en-US" sz="100" kern="100">
+                          <a:effectLst/>
+                        </a:rPr>
+                        <a:t>DoubleTree by Hilton Kuala Lumpur</a:t>
+                      </a:r>
+                      <a:endParaRPr lang="zh-CN" sz="100" kern="100">
+                        <a:effectLst/>
+                        <a:latin typeface="等线" panose="02010600030101010101" pitchFamily="2" charset="-122"/>
+                        <a:ea typeface="等线" panose="02010600030101010101" pitchFamily="2" charset="-122"/>
+                        <a:cs typeface="Times New Roman" panose="02020603050405020304" pitchFamily="18" charset="0"/>
+                      </a:endParaRPr>
+                    </a:p>
+                  </a:txBody>
+                  <a:tcPr marL="560" marR="560" marT="560" marB="0" anchor="ctr"/>
+                </a:tc>
+                <a:tc hMerge="1">
+                  <a:txBody>
+                    <a:bodyPr/>
+                    <a:lstStyle/>
+                    <a:p>
+                      <a:endParaRPr lang="zh-CN" altLang="en-US"/>
+                    </a:p>
+                  </a:txBody>
+                  <a:tcPr/>
+                </a:tc>
+                <a:extLst>
+                  <a:ext uri="{0D108BD9-81ED-4DB2-BD59-A6C34878D82A}">
+                    <a16:rowId xmlns:a16="http://schemas.microsoft.com/office/drawing/2014/main" val="2376496838"/>
+                  </a:ext>
+                </a:extLst>
+              </a:tr>
+              <a:tr h="344599">
+                <a:tc rowSpan="4">
+                  <a:txBody>
+                    <a:bodyPr/>
+                    <a:lstStyle/>
+                    <a:p>
+                      <a:pPr algn="ctr"/>
+                      <a:r>
+                        <a:rPr lang="en-US" sz="100" kern="100">
+                          <a:effectLst/>
+                        </a:rPr>
+                        <a:t>08 July 2024</a:t>
+                      </a:r>
+                      <a:endParaRPr lang="zh-CN" sz="100" kern="100">
+                        <a:effectLst/>
+                        <a:latin typeface="等线" panose="02010600030101010101" pitchFamily="2" charset="-122"/>
+                        <a:ea typeface="等线" panose="02010600030101010101" pitchFamily="2" charset="-122"/>
+                        <a:cs typeface="Times New Roman" panose="02020603050405020304" pitchFamily="18" charset="0"/>
+                      </a:endParaRPr>
+                    </a:p>
+                  </a:txBody>
+                  <a:tcPr marL="560" marR="560" marT="560" marB="0" anchor="ctr"/>
+                </a:tc>
+                <a:tc gridSpan="2">
+                  <a:txBody>
+                    <a:bodyPr/>
+                    <a:lstStyle/>
+                    <a:p>
+                      <a:pPr algn="ctr"/>
+                      <a:r>
+                        <a:rPr lang="en-US" sz="100" kern="100">
+                          <a:effectLst/>
+                        </a:rPr>
+                        <a:t>08:00-12:00</a:t>
+                      </a:r>
+                      <a:endParaRPr lang="zh-CN" sz="100" kern="100">
+                        <a:effectLst/>
+                        <a:latin typeface="等线" panose="02010600030101010101" pitchFamily="2" charset="-122"/>
+                        <a:ea typeface="等线" panose="02010600030101010101" pitchFamily="2" charset="-122"/>
+                        <a:cs typeface="Times New Roman" panose="02020603050405020304" pitchFamily="18" charset="0"/>
+                      </a:endParaRPr>
+                    </a:p>
+                  </a:txBody>
+                  <a:tcPr marL="560" marR="560" marT="560" marB="0" anchor="ctr"/>
+                </a:tc>
+                <a:tc hMerge="1">
+                  <a:txBody>
+                    <a:bodyPr/>
+                    <a:lstStyle/>
+                    <a:p>
+                      <a:endParaRPr lang="zh-CN" altLang="en-US"/>
+                    </a:p>
+                  </a:txBody>
+                  <a:tcPr/>
+                </a:tc>
+                <a:tc gridSpan="2">
+                  <a:txBody>
+                    <a:bodyPr/>
+                    <a:lstStyle/>
+                    <a:p>
+                      <a:pPr algn="ctr"/>
+                      <a:r>
+                        <a:rPr lang="en-US" sz="100" kern="100">
+                          <a:effectLst/>
+                        </a:rPr>
+                        <a:t>Opening Ceremony,</a:t>
+                      </a:r>
+                      <a:br>
+                        <a:rPr lang="en-US" sz="100" kern="100">
+                          <a:effectLst/>
+                        </a:rPr>
+                      </a:br>
+                      <a:r>
+                        <a:rPr lang="en-US" sz="100" kern="100">
+                          <a:effectLst/>
+                        </a:rPr>
+                        <a:t>Group Photo,</a:t>
+                      </a:r>
+                      <a:br>
+                        <a:rPr lang="en-US" sz="100" kern="100">
+                          <a:effectLst/>
+                        </a:rPr>
+                      </a:br>
+                      <a:r>
+                        <a:rPr lang="en-US" sz="100" kern="100">
+                          <a:effectLst/>
+                        </a:rPr>
+                        <a:t>Plenary Lectures</a:t>
+                      </a:r>
+                      <a:endParaRPr lang="zh-CN" sz="100" kern="100">
+                        <a:effectLst/>
+                        <a:latin typeface="等线" panose="02010600030101010101" pitchFamily="2" charset="-122"/>
+                        <a:ea typeface="等线" panose="02010600030101010101" pitchFamily="2" charset="-122"/>
+                        <a:cs typeface="Times New Roman" panose="02020603050405020304" pitchFamily="18" charset="0"/>
+                      </a:endParaRPr>
+                    </a:p>
+                  </a:txBody>
+                  <a:tcPr marL="560" marR="560" marT="560" marB="0" anchor="ctr"/>
+                </a:tc>
+                <a:tc hMerge="1">
+                  <a:txBody>
+                    <a:bodyPr/>
+                    <a:lstStyle/>
+                    <a:p>
+                      <a:endParaRPr lang="zh-CN" altLang="en-US"/>
+                    </a:p>
+                  </a:txBody>
+                  <a:tcPr/>
+                </a:tc>
+                <a:tc gridSpan="2">
+                  <a:txBody>
+                    <a:bodyPr/>
+                    <a:lstStyle/>
+                    <a:p>
+                      <a:pPr algn="ctr"/>
+                      <a:r>
+                        <a:rPr lang="en-US" sz="100" kern="100">
+                          <a:effectLst/>
+                        </a:rPr>
+                        <a:t>DoubleTree by Hilton Kuala Lumpur</a:t>
+                      </a:r>
+                      <a:endParaRPr lang="zh-CN" sz="100" kern="100">
+                        <a:effectLst/>
+                        <a:latin typeface="等线" panose="02010600030101010101" pitchFamily="2" charset="-122"/>
+                        <a:ea typeface="等线" panose="02010600030101010101" pitchFamily="2" charset="-122"/>
+                        <a:cs typeface="Times New Roman" panose="02020603050405020304" pitchFamily="18" charset="0"/>
+                      </a:endParaRPr>
+                    </a:p>
+                  </a:txBody>
+                  <a:tcPr marL="560" marR="560" marT="560" marB="0" anchor="ctr"/>
+                </a:tc>
+                <a:tc hMerge="1">
+                  <a:txBody>
+                    <a:bodyPr/>
+                    <a:lstStyle/>
+                    <a:p>
+                      <a:endParaRPr lang="zh-CN" altLang="en-US"/>
+                    </a:p>
+                  </a:txBody>
+                  <a:tcPr/>
+                </a:tc>
+                <a:extLst>
+                  <a:ext uri="{0D108BD9-81ED-4DB2-BD59-A6C34878D82A}">
+                    <a16:rowId xmlns:a16="http://schemas.microsoft.com/office/drawing/2014/main" val="916067518"/>
+                  </a:ext>
+                </a:extLst>
+              </a:tr>
+              <a:tr h="247838">
+                <a:tc vMerge="1">
+                  <a:txBody>
+                    <a:bodyPr/>
+                    <a:lstStyle/>
+                    <a:p>
+                      <a:endParaRPr lang="zh-CN" altLang="en-US"/>
+                    </a:p>
+                  </a:txBody>
+                  <a:tcPr/>
+                </a:tc>
+                <a:tc gridSpan="2">
+                  <a:txBody>
+                    <a:bodyPr/>
+                    <a:lstStyle/>
+                    <a:p>
+                      <a:pPr algn="ctr"/>
+                      <a:r>
+                        <a:rPr lang="en-US" sz="100" kern="100">
+                          <a:effectLst/>
+                        </a:rPr>
+                        <a:t>12:00-13:30</a:t>
+                      </a:r>
+                      <a:endParaRPr lang="zh-CN" sz="100" kern="100">
+                        <a:effectLst/>
+                        <a:latin typeface="等线" panose="02010600030101010101" pitchFamily="2" charset="-122"/>
+                        <a:ea typeface="等线" panose="02010600030101010101" pitchFamily="2" charset="-122"/>
+                        <a:cs typeface="Times New Roman" panose="02020603050405020304" pitchFamily="18" charset="0"/>
+                      </a:endParaRPr>
+                    </a:p>
+                  </a:txBody>
+                  <a:tcPr marL="560" marR="560" marT="560" marB="0" anchor="ctr"/>
+                </a:tc>
+                <a:tc hMerge="1">
+                  <a:txBody>
+                    <a:bodyPr/>
+                    <a:lstStyle/>
+                    <a:p>
+                      <a:endParaRPr lang="zh-CN" altLang="en-US"/>
+                    </a:p>
+                  </a:txBody>
+                  <a:tcPr/>
+                </a:tc>
+                <a:tc gridSpan="2">
+                  <a:txBody>
+                    <a:bodyPr/>
+                    <a:lstStyle/>
+                    <a:p>
+                      <a:pPr algn="ctr"/>
+                      <a:r>
+                        <a:rPr lang="en-US" sz="100" kern="100">
+                          <a:effectLst/>
+                        </a:rPr>
+                        <a:t>Lunch</a:t>
+                      </a:r>
+                      <a:endParaRPr lang="zh-CN" sz="100" kern="100">
+                        <a:effectLst/>
+                        <a:latin typeface="等线" panose="02010600030101010101" pitchFamily="2" charset="-122"/>
+                        <a:ea typeface="等线" panose="02010600030101010101" pitchFamily="2" charset="-122"/>
+                        <a:cs typeface="Times New Roman" panose="02020603050405020304" pitchFamily="18" charset="0"/>
+                      </a:endParaRPr>
+                    </a:p>
+                  </a:txBody>
+                  <a:tcPr marL="560" marR="560" marT="560" marB="0" anchor="ctr"/>
+                </a:tc>
+                <a:tc hMerge="1">
+                  <a:txBody>
+                    <a:bodyPr/>
+                    <a:lstStyle/>
+                    <a:p>
+                      <a:endParaRPr lang="zh-CN" altLang="en-US"/>
+                    </a:p>
+                  </a:txBody>
+                  <a:tcPr/>
+                </a:tc>
+                <a:tc gridSpan="2">
+                  <a:txBody>
+                    <a:bodyPr/>
+                    <a:lstStyle/>
+                    <a:p>
+                      <a:pPr algn="ctr"/>
+                      <a:r>
+                        <a:rPr lang="en-US" sz="100" kern="100">
+                          <a:effectLst/>
+                        </a:rPr>
+                        <a:t>DoubleTree by Hilton Kuala Lumpur</a:t>
+                      </a:r>
+                      <a:endParaRPr lang="zh-CN" sz="100" kern="100">
+                        <a:effectLst/>
+                        <a:latin typeface="等线" panose="02010600030101010101" pitchFamily="2" charset="-122"/>
+                        <a:ea typeface="等线" panose="02010600030101010101" pitchFamily="2" charset="-122"/>
+                        <a:cs typeface="Times New Roman" panose="02020603050405020304" pitchFamily="18" charset="0"/>
+                      </a:endParaRPr>
+                    </a:p>
+                  </a:txBody>
+                  <a:tcPr marL="560" marR="560" marT="560" marB="0" anchor="ctr"/>
+                </a:tc>
+                <a:tc hMerge="1">
+                  <a:txBody>
+                    <a:bodyPr/>
+                    <a:lstStyle/>
+                    <a:p>
+                      <a:endParaRPr lang="zh-CN" altLang="en-US"/>
+                    </a:p>
+                  </a:txBody>
+                  <a:tcPr/>
+                </a:tc>
+                <a:extLst>
+                  <a:ext uri="{0D108BD9-81ED-4DB2-BD59-A6C34878D82A}">
+                    <a16:rowId xmlns:a16="http://schemas.microsoft.com/office/drawing/2014/main" val="347117228"/>
+                  </a:ext>
+                </a:extLst>
+              </a:tr>
+              <a:tr h="323097">
+                <a:tc vMerge="1">
+                  <a:txBody>
+                    <a:bodyPr/>
+                    <a:lstStyle/>
+                    <a:p>
+                      <a:endParaRPr lang="zh-CN" altLang="en-US"/>
+                    </a:p>
+                  </a:txBody>
+                  <a:tcPr/>
+                </a:tc>
+                <a:tc gridSpan="2">
+                  <a:txBody>
+                    <a:bodyPr/>
+                    <a:lstStyle/>
+                    <a:p>
+                      <a:pPr algn="ctr"/>
+                      <a:r>
+                        <a:rPr lang="en-US" sz="100" kern="100">
+                          <a:effectLst/>
+                        </a:rPr>
+                        <a:t>14:00-18:00</a:t>
+                      </a:r>
+                      <a:endParaRPr lang="zh-CN" sz="100" kern="100">
+                        <a:effectLst/>
+                        <a:latin typeface="等线" panose="02010600030101010101" pitchFamily="2" charset="-122"/>
+                        <a:ea typeface="等线" panose="02010600030101010101" pitchFamily="2" charset="-122"/>
+                        <a:cs typeface="Times New Roman" panose="02020603050405020304" pitchFamily="18" charset="0"/>
+                      </a:endParaRPr>
+                    </a:p>
+                  </a:txBody>
+                  <a:tcPr marL="560" marR="560" marT="560" marB="0" anchor="ctr"/>
+                </a:tc>
+                <a:tc hMerge="1">
+                  <a:txBody>
+                    <a:bodyPr/>
+                    <a:lstStyle/>
+                    <a:p>
+                      <a:endParaRPr lang="zh-CN" altLang="en-US"/>
+                    </a:p>
+                  </a:txBody>
+                  <a:tcPr/>
+                </a:tc>
+                <a:tc gridSpan="2">
+                  <a:txBody>
+                    <a:bodyPr/>
+                    <a:lstStyle/>
+                    <a:p>
+                      <a:pPr algn="ctr"/>
+                      <a:r>
+                        <a:rPr lang="en-US" sz="100" kern="100">
+                          <a:effectLst/>
+                        </a:rPr>
+                        <a:t>Academic Report</a:t>
+                      </a:r>
+                      <a:endParaRPr lang="zh-CN" sz="100" kern="100">
+                        <a:effectLst/>
+                        <a:latin typeface="等线" panose="02010600030101010101" pitchFamily="2" charset="-122"/>
+                        <a:ea typeface="等线" panose="02010600030101010101" pitchFamily="2" charset="-122"/>
+                        <a:cs typeface="Times New Roman" panose="02020603050405020304" pitchFamily="18" charset="0"/>
+                      </a:endParaRPr>
+                    </a:p>
+                  </a:txBody>
+                  <a:tcPr marL="560" marR="560" marT="560" marB="0" anchor="ctr"/>
+                </a:tc>
+                <a:tc hMerge="1">
+                  <a:txBody>
+                    <a:bodyPr/>
+                    <a:lstStyle/>
+                    <a:p>
+                      <a:endParaRPr lang="zh-CN" altLang="en-US"/>
+                    </a:p>
+                  </a:txBody>
+                  <a:tcPr/>
+                </a:tc>
+                <a:tc gridSpan="2">
+                  <a:txBody>
+                    <a:bodyPr/>
+                    <a:lstStyle/>
+                    <a:p>
+                      <a:pPr algn="ctr"/>
+                      <a:r>
+                        <a:rPr lang="en-US" sz="100" kern="100">
+                          <a:effectLst/>
+                        </a:rPr>
+                        <a:t>Rooms 1-6</a:t>
+                      </a:r>
+                      <a:endParaRPr lang="zh-CN" sz="100" kern="100">
+                        <a:effectLst/>
+                      </a:endParaRPr>
+                    </a:p>
+                    <a:p>
+                      <a:pPr algn="ctr"/>
+                      <a:r>
+                        <a:rPr lang="en-US" sz="100" kern="100">
+                          <a:effectLst/>
+                        </a:rPr>
+                        <a:t>DoubleTree by Hilton Kuala Lumpur</a:t>
+                      </a:r>
+                      <a:endParaRPr lang="zh-CN" sz="100" kern="100">
+                        <a:effectLst/>
+                        <a:latin typeface="等线" panose="02010600030101010101" pitchFamily="2" charset="-122"/>
+                        <a:ea typeface="等线" panose="02010600030101010101" pitchFamily="2" charset="-122"/>
+                        <a:cs typeface="Times New Roman" panose="02020603050405020304" pitchFamily="18" charset="0"/>
+                      </a:endParaRPr>
+                    </a:p>
+                  </a:txBody>
+                  <a:tcPr marL="560" marR="560" marT="560" marB="0" anchor="ctr"/>
+                </a:tc>
+                <a:tc hMerge="1">
+                  <a:txBody>
+                    <a:bodyPr/>
+                    <a:lstStyle/>
+                    <a:p>
+                      <a:endParaRPr lang="zh-CN" altLang="en-US"/>
+                    </a:p>
+                  </a:txBody>
+                  <a:tcPr/>
+                </a:tc>
+                <a:extLst>
+                  <a:ext uri="{0D108BD9-81ED-4DB2-BD59-A6C34878D82A}">
+                    <a16:rowId xmlns:a16="http://schemas.microsoft.com/office/drawing/2014/main" val="862267567"/>
+                  </a:ext>
+                </a:extLst>
+              </a:tr>
+              <a:tr h="247838">
+                <a:tc vMerge="1">
+                  <a:txBody>
+                    <a:bodyPr/>
+                    <a:lstStyle/>
+                    <a:p>
+                      <a:endParaRPr lang="zh-CN" altLang="en-US"/>
+                    </a:p>
+                  </a:txBody>
+                  <a:tcPr/>
+                </a:tc>
+                <a:tc gridSpan="2">
+                  <a:txBody>
+                    <a:bodyPr/>
+                    <a:lstStyle/>
+                    <a:p>
+                      <a:pPr algn="ctr"/>
+                      <a:r>
+                        <a:rPr lang="en-US" sz="100" kern="100">
+                          <a:effectLst/>
+                        </a:rPr>
+                        <a:t>19:00-21:00</a:t>
+                      </a:r>
+                      <a:endParaRPr lang="zh-CN" sz="100" kern="100">
+                        <a:effectLst/>
+                        <a:latin typeface="等线" panose="02010600030101010101" pitchFamily="2" charset="-122"/>
+                        <a:ea typeface="等线" panose="02010600030101010101" pitchFamily="2" charset="-122"/>
+                        <a:cs typeface="Times New Roman" panose="02020603050405020304" pitchFamily="18" charset="0"/>
+                      </a:endParaRPr>
+                    </a:p>
+                  </a:txBody>
+                  <a:tcPr marL="560" marR="560" marT="560" marB="0" anchor="ctr"/>
+                </a:tc>
+                <a:tc hMerge="1">
+                  <a:txBody>
+                    <a:bodyPr/>
+                    <a:lstStyle/>
+                    <a:p>
+                      <a:endParaRPr lang="zh-CN" altLang="en-US"/>
+                    </a:p>
+                  </a:txBody>
+                  <a:tcPr/>
+                </a:tc>
+                <a:tc gridSpan="2">
+                  <a:txBody>
+                    <a:bodyPr/>
+                    <a:lstStyle/>
+                    <a:p>
+                      <a:pPr algn="ctr"/>
+                      <a:r>
+                        <a:rPr lang="en-US" sz="100" kern="100">
+                          <a:effectLst/>
+                        </a:rPr>
+                        <a:t>Banquet</a:t>
+                      </a:r>
+                      <a:endParaRPr lang="zh-CN" sz="100" kern="100">
+                        <a:effectLst/>
+                        <a:latin typeface="等线" panose="02010600030101010101" pitchFamily="2" charset="-122"/>
+                        <a:ea typeface="等线" panose="02010600030101010101" pitchFamily="2" charset="-122"/>
+                        <a:cs typeface="Times New Roman" panose="02020603050405020304" pitchFamily="18" charset="0"/>
+                      </a:endParaRPr>
+                    </a:p>
+                  </a:txBody>
+                  <a:tcPr marL="560" marR="560" marT="560" marB="0" anchor="ctr"/>
+                </a:tc>
+                <a:tc hMerge="1">
+                  <a:txBody>
+                    <a:bodyPr/>
+                    <a:lstStyle/>
+                    <a:p>
+                      <a:endParaRPr lang="zh-CN" altLang="en-US"/>
+                    </a:p>
+                  </a:txBody>
+                  <a:tcPr/>
+                </a:tc>
+                <a:tc gridSpan="2">
+                  <a:txBody>
+                    <a:bodyPr/>
+                    <a:lstStyle/>
+                    <a:p>
+                      <a:pPr algn="ctr"/>
+                      <a:r>
+                        <a:rPr lang="en-US" sz="100" kern="100">
+                          <a:effectLst/>
+                        </a:rPr>
+                        <a:t>DoubleTree by Hilton Kuala Lumpur</a:t>
+                      </a:r>
+                      <a:endParaRPr lang="zh-CN" sz="100" kern="100">
+                        <a:effectLst/>
+                        <a:latin typeface="等线" panose="02010600030101010101" pitchFamily="2" charset="-122"/>
+                        <a:ea typeface="等线" panose="02010600030101010101" pitchFamily="2" charset="-122"/>
+                        <a:cs typeface="Times New Roman" panose="02020603050405020304" pitchFamily="18" charset="0"/>
+                      </a:endParaRPr>
+                    </a:p>
+                  </a:txBody>
+                  <a:tcPr marL="560" marR="560" marT="560" marB="0" anchor="ctr"/>
+                </a:tc>
+                <a:tc hMerge="1">
+                  <a:txBody>
+                    <a:bodyPr/>
+                    <a:lstStyle/>
+                    <a:p>
+                      <a:endParaRPr lang="zh-CN" altLang="en-US"/>
+                    </a:p>
+                  </a:txBody>
+                  <a:tcPr/>
+                </a:tc>
+                <a:extLst>
+                  <a:ext uri="{0D108BD9-81ED-4DB2-BD59-A6C34878D82A}">
+                    <a16:rowId xmlns:a16="http://schemas.microsoft.com/office/drawing/2014/main" val="2578207722"/>
+                  </a:ext>
+                </a:extLst>
+              </a:tr>
+              <a:tr h="323097">
+                <a:tc rowSpan="3">
+                  <a:txBody>
+                    <a:bodyPr/>
+                    <a:lstStyle/>
+                    <a:p>
+                      <a:pPr algn="ctr"/>
+                      <a:r>
+                        <a:rPr lang="en-US" sz="100" kern="100">
+                          <a:effectLst/>
+                        </a:rPr>
+                        <a:t>09 July 2024</a:t>
+                      </a:r>
+                      <a:endParaRPr lang="zh-CN" sz="100" kern="100">
+                        <a:effectLst/>
+                        <a:latin typeface="等线" panose="02010600030101010101" pitchFamily="2" charset="-122"/>
+                        <a:ea typeface="等线" panose="02010600030101010101" pitchFamily="2" charset="-122"/>
+                        <a:cs typeface="Times New Roman" panose="02020603050405020304" pitchFamily="18" charset="0"/>
+                      </a:endParaRPr>
+                    </a:p>
+                  </a:txBody>
+                  <a:tcPr marL="560" marR="560" marT="560" marB="0" anchor="ctr"/>
+                </a:tc>
+                <a:tc gridSpan="2">
+                  <a:txBody>
+                    <a:bodyPr/>
+                    <a:lstStyle/>
+                    <a:p>
+                      <a:pPr algn="ctr"/>
+                      <a:r>
+                        <a:rPr lang="en-US" sz="100" kern="100">
+                          <a:effectLst/>
+                        </a:rPr>
+                        <a:t>08:00-12:00</a:t>
+                      </a:r>
+                      <a:endParaRPr lang="zh-CN" sz="100" kern="100">
+                        <a:effectLst/>
+                        <a:latin typeface="等线" panose="02010600030101010101" pitchFamily="2" charset="-122"/>
+                        <a:ea typeface="等线" panose="02010600030101010101" pitchFamily="2" charset="-122"/>
+                        <a:cs typeface="Times New Roman" panose="02020603050405020304" pitchFamily="18" charset="0"/>
+                      </a:endParaRPr>
+                    </a:p>
+                  </a:txBody>
+                  <a:tcPr marL="560" marR="560" marT="560" marB="0" anchor="ctr"/>
+                </a:tc>
+                <a:tc hMerge="1">
+                  <a:txBody>
+                    <a:bodyPr/>
+                    <a:lstStyle/>
+                    <a:p>
+                      <a:endParaRPr lang="zh-CN" altLang="en-US"/>
+                    </a:p>
+                  </a:txBody>
+                  <a:tcPr/>
+                </a:tc>
+                <a:tc gridSpan="2">
+                  <a:txBody>
+                    <a:bodyPr/>
+                    <a:lstStyle/>
+                    <a:p>
+                      <a:pPr algn="ctr"/>
+                      <a:r>
+                        <a:rPr lang="en-US" sz="100" kern="100">
+                          <a:effectLst/>
+                        </a:rPr>
+                        <a:t>Academic Report</a:t>
+                      </a:r>
+                      <a:endParaRPr lang="zh-CN" sz="100" kern="100">
+                        <a:effectLst/>
+                        <a:latin typeface="等线" panose="02010600030101010101" pitchFamily="2" charset="-122"/>
+                        <a:ea typeface="等线" panose="02010600030101010101" pitchFamily="2" charset="-122"/>
+                        <a:cs typeface="Times New Roman" panose="02020603050405020304" pitchFamily="18" charset="0"/>
+                      </a:endParaRPr>
+                    </a:p>
+                  </a:txBody>
+                  <a:tcPr marL="560" marR="560" marT="560" marB="0" anchor="ctr"/>
+                </a:tc>
+                <a:tc hMerge="1">
+                  <a:txBody>
+                    <a:bodyPr/>
+                    <a:lstStyle/>
+                    <a:p>
+                      <a:endParaRPr lang="zh-CN" altLang="en-US"/>
+                    </a:p>
+                  </a:txBody>
+                  <a:tcPr/>
+                </a:tc>
+                <a:tc gridSpan="2">
+                  <a:txBody>
+                    <a:bodyPr/>
+                    <a:lstStyle/>
+                    <a:p>
+                      <a:pPr algn="ctr"/>
+                      <a:r>
+                        <a:rPr lang="en-US" sz="100" kern="100">
+                          <a:effectLst/>
+                        </a:rPr>
+                        <a:t>Rooms 1-6</a:t>
+                      </a:r>
+                      <a:endParaRPr lang="zh-CN" sz="100" kern="100">
+                        <a:effectLst/>
+                      </a:endParaRPr>
+                    </a:p>
+                    <a:p>
+                      <a:pPr algn="ctr"/>
+                      <a:r>
+                        <a:rPr lang="en-US" sz="100" kern="100">
+                          <a:effectLst/>
+                        </a:rPr>
+                        <a:t>DoubleTree by Hilton Kuala Lumpur</a:t>
+                      </a:r>
+                      <a:endParaRPr lang="zh-CN" sz="100" kern="100">
+                        <a:effectLst/>
+                        <a:latin typeface="等线" panose="02010600030101010101" pitchFamily="2" charset="-122"/>
+                        <a:ea typeface="等线" panose="02010600030101010101" pitchFamily="2" charset="-122"/>
+                        <a:cs typeface="Times New Roman" panose="02020603050405020304" pitchFamily="18" charset="0"/>
+                      </a:endParaRPr>
+                    </a:p>
+                  </a:txBody>
+                  <a:tcPr marL="560" marR="560" marT="560" marB="0" anchor="ctr"/>
+                </a:tc>
+                <a:tc hMerge="1">
+                  <a:txBody>
+                    <a:bodyPr/>
+                    <a:lstStyle/>
+                    <a:p>
+                      <a:endParaRPr lang="zh-CN" altLang="en-US"/>
+                    </a:p>
+                  </a:txBody>
+                  <a:tcPr/>
+                </a:tc>
+                <a:extLst>
+                  <a:ext uri="{0D108BD9-81ED-4DB2-BD59-A6C34878D82A}">
+                    <a16:rowId xmlns:a16="http://schemas.microsoft.com/office/drawing/2014/main" val="2658848599"/>
+                  </a:ext>
+                </a:extLst>
+              </a:tr>
+              <a:tr h="247838">
+                <a:tc vMerge="1">
+                  <a:txBody>
+                    <a:bodyPr/>
+                    <a:lstStyle/>
+                    <a:p>
+                      <a:endParaRPr lang="zh-CN" altLang="en-US"/>
+                    </a:p>
+                  </a:txBody>
+                  <a:tcPr/>
+                </a:tc>
+                <a:tc gridSpan="2">
+                  <a:txBody>
+                    <a:bodyPr/>
+                    <a:lstStyle/>
+                    <a:p>
+                      <a:pPr algn="ctr"/>
+                      <a:r>
+                        <a:rPr lang="en-US" sz="100" kern="100">
+                          <a:effectLst/>
+                        </a:rPr>
+                        <a:t>12:00-13:30</a:t>
+                      </a:r>
+                      <a:endParaRPr lang="zh-CN" sz="100" kern="100">
+                        <a:effectLst/>
+                        <a:latin typeface="等线" panose="02010600030101010101" pitchFamily="2" charset="-122"/>
+                        <a:ea typeface="等线" panose="02010600030101010101" pitchFamily="2" charset="-122"/>
+                        <a:cs typeface="Times New Roman" panose="02020603050405020304" pitchFamily="18" charset="0"/>
+                      </a:endParaRPr>
+                    </a:p>
+                  </a:txBody>
+                  <a:tcPr marL="560" marR="560" marT="560" marB="0" anchor="ctr"/>
+                </a:tc>
+                <a:tc hMerge="1">
+                  <a:txBody>
+                    <a:bodyPr/>
+                    <a:lstStyle/>
+                    <a:p>
+                      <a:endParaRPr lang="zh-CN" altLang="en-US"/>
+                    </a:p>
+                  </a:txBody>
+                  <a:tcPr/>
+                </a:tc>
+                <a:tc gridSpan="2">
+                  <a:txBody>
+                    <a:bodyPr/>
+                    <a:lstStyle/>
+                    <a:p>
+                      <a:pPr algn="ctr"/>
+                      <a:r>
+                        <a:rPr lang="en-US" sz="100" kern="100">
+                          <a:effectLst/>
+                        </a:rPr>
+                        <a:t>Lunch</a:t>
+                      </a:r>
+                      <a:endParaRPr lang="zh-CN" sz="100" kern="100">
+                        <a:effectLst/>
+                        <a:latin typeface="等线" panose="02010600030101010101" pitchFamily="2" charset="-122"/>
+                        <a:ea typeface="等线" panose="02010600030101010101" pitchFamily="2" charset="-122"/>
+                        <a:cs typeface="Times New Roman" panose="02020603050405020304" pitchFamily="18" charset="0"/>
+                      </a:endParaRPr>
+                    </a:p>
+                  </a:txBody>
+                  <a:tcPr marL="560" marR="560" marT="560" marB="0" anchor="ctr"/>
+                </a:tc>
+                <a:tc hMerge="1">
+                  <a:txBody>
+                    <a:bodyPr/>
+                    <a:lstStyle/>
+                    <a:p>
+                      <a:endParaRPr lang="zh-CN" altLang="en-US"/>
+                    </a:p>
+                  </a:txBody>
+                  <a:tcPr/>
+                </a:tc>
+                <a:tc gridSpan="2">
+                  <a:txBody>
+                    <a:bodyPr/>
+                    <a:lstStyle/>
+                    <a:p>
+                      <a:pPr algn="ctr"/>
+                      <a:r>
+                        <a:rPr lang="en-US" sz="100" kern="100">
+                          <a:effectLst/>
+                        </a:rPr>
+                        <a:t>DoubleTree by Hilton Kuala Lumpur</a:t>
+                      </a:r>
+                      <a:endParaRPr lang="zh-CN" sz="100" kern="100">
+                        <a:effectLst/>
+                        <a:latin typeface="等线" panose="02010600030101010101" pitchFamily="2" charset="-122"/>
+                        <a:ea typeface="等线" panose="02010600030101010101" pitchFamily="2" charset="-122"/>
+                        <a:cs typeface="Times New Roman" panose="02020603050405020304" pitchFamily="18" charset="0"/>
+                      </a:endParaRPr>
+                    </a:p>
+                  </a:txBody>
+                  <a:tcPr marL="560" marR="560" marT="560" marB="0" anchor="ctr"/>
+                </a:tc>
+                <a:tc hMerge="1">
+                  <a:txBody>
+                    <a:bodyPr/>
+                    <a:lstStyle/>
+                    <a:p>
+                      <a:endParaRPr lang="zh-CN" altLang="en-US"/>
+                    </a:p>
+                  </a:txBody>
+                  <a:tcPr/>
+                </a:tc>
+                <a:extLst>
+                  <a:ext uri="{0D108BD9-81ED-4DB2-BD59-A6C34878D82A}">
+                    <a16:rowId xmlns:a16="http://schemas.microsoft.com/office/drawing/2014/main" val="2449156871"/>
+                  </a:ext>
+                </a:extLst>
+              </a:tr>
+              <a:tr h="323097">
+                <a:tc vMerge="1">
+                  <a:txBody>
+                    <a:bodyPr/>
+                    <a:lstStyle/>
+                    <a:p>
+                      <a:endParaRPr lang="zh-CN" altLang="en-US"/>
+                    </a:p>
+                  </a:txBody>
+                  <a:tcPr/>
+                </a:tc>
+                <a:tc gridSpan="2">
+                  <a:txBody>
+                    <a:bodyPr/>
+                    <a:lstStyle/>
+                    <a:p>
+                      <a:pPr algn="ctr"/>
+                      <a:r>
+                        <a:rPr lang="en-US" sz="100" kern="100">
+                          <a:effectLst/>
+                        </a:rPr>
+                        <a:t>14:00-18:00</a:t>
+                      </a:r>
+                      <a:endParaRPr lang="zh-CN" sz="100" kern="100">
+                        <a:effectLst/>
+                        <a:latin typeface="等线" panose="02010600030101010101" pitchFamily="2" charset="-122"/>
+                        <a:ea typeface="等线" panose="02010600030101010101" pitchFamily="2" charset="-122"/>
+                        <a:cs typeface="Times New Roman" panose="02020603050405020304" pitchFamily="18" charset="0"/>
+                      </a:endParaRPr>
+                    </a:p>
+                  </a:txBody>
+                  <a:tcPr marL="560" marR="560" marT="560" marB="0" anchor="ctr"/>
+                </a:tc>
+                <a:tc hMerge="1">
+                  <a:txBody>
+                    <a:bodyPr/>
+                    <a:lstStyle/>
+                    <a:p>
+                      <a:endParaRPr lang="zh-CN" altLang="en-US"/>
+                    </a:p>
+                  </a:txBody>
+                  <a:tcPr/>
+                </a:tc>
+                <a:tc gridSpan="2">
+                  <a:txBody>
+                    <a:bodyPr/>
+                    <a:lstStyle/>
+                    <a:p>
+                      <a:pPr algn="ctr"/>
+                      <a:r>
+                        <a:rPr lang="en-US" sz="100" kern="100">
+                          <a:effectLst/>
+                        </a:rPr>
+                        <a:t>Academic Report</a:t>
+                      </a:r>
+                      <a:endParaRPr lang="zh-CN" sz="100" kern="100">
+                        <a:effectLst/>
+                        <a:latin typeface="等线" panose="02010600030101010101" pitchFamily="2" charset="-122"/>
+                        <a:ea typeface="等线" panose="02010600030101010101" pitchFamily="2" charset="-122"/>
+                        <a:cs typeface="Times New Roman" panose="02020603050405020304" pitchFamily="18" charset="0"/>
+                      </a:endParaRPr>
+                    </a:p>
+                  </a:txBody>
+                  <a:tcPr marL="560" marR="560" marT="560" marB="0" anchor="ctr"/>
+                </a:tc>
+                <a:tc hMerge="1">
+                  <a:txBody>
+                    <a:bodyPr/>
+                    <a:lstStyle/>
+                    <a:p>
+                      <a:endParaRPr lang="zh-CN" altLang="en-US"/>
+                    </a:p>
+                  </a:txBody>
+                  <a:tcPr/>
+                </a:tc>
+                <a:tc gridSpan="2">
+                  <a:txBody>
+                    <a:bodyPr/>
+                    <a:lstStyle/>
+                    <a:p>
+                      <a:pPr algn="ctr"/>
+                      <a:r>
+                        <a:rPr lang="en-US" sz="100" kern="100">
+                          <a:effectLst/>
+                        </a:rPr>
+                        <a:t>Rooms 1-6</a:t>
+                      </a:r>
+                      <a:endParaRPr lang="zh-CN" sz="100" kern="100">
+                        <a:effectLst/>
+                      </a:endParaRPr>
+                    </a:p>
+                    <a:p>
+                      <a:pPr algn="ctr"/>
+                      <a:r>
+                        <a:rPr lang="en-US" sz="100" kern="100">
+                          <a:effectLst/>
+                        </a:rPr>
+                        <a:t>DoubleTree by Hilton Kuala Lumpur</a:t>
+                      </a:r>
+                      <a:endParaRPr lang="zh-CN" sz="100" kern="100">
+                        <a:effectLst/>
+                        <a:latin typeface="等线" panose="02010600030101010101" pitchFamily="2" charset="-122"/>
+                        <a:ea typeface="等线" panose="02010600030101010101" pitchFamily="2" charset="-122"/>
+                        <a:cs typeface="Times New Roman" panose="02020603050405020304" pitchFamily="18" charset="0"/>
+                      </a:endParaRPr>
+                    </a:p>
+                  </a:txBody>
+                  <a:tcPr marL="560" marR="560" marT="560" marB="0" anchor="ctr"/>
+                </a:tc>
+                <a:tc hMerge="1">
+                  <a:txBody>
+                    <a:bodyPr/>
+                    <a:lstStyle/>
+                    <a:p>
+                      <a:endParaRPr lang="zh-CN" altLang="en-US"/>
+                    </a:p>
+                  </a:txBody>
+                  <a:tcPr/>
+                </a:tc>
+                <a:extLst>
+                  <a:ext uri="{0D108BD9-81ED-4DB2-BD59-A6C34878D82A}">
+                    <a16:rowId xmlns:a16="http://schemas.microsoft.com/office/drawing/2014/main" val="3501852000"/>
+                  </a:ext>
+                </a:extLst>
+              </a:tr>
+              <a:tr h="247838">
+                <a:tc rowSpan="4">
+                  <a:txBody>
+                    <a:bodyPr/>
+                    <a:lstStyle/>
+                    <a:p>
+                      <a:pPr algn="ctr"/>
+                      <a:r>
+                        <a:rPr lang="en-US" sz="100" kern="100">
+                          <a:effectLst/>
+                        </a:rPr>
+                        <a:t>10 July 2024</a:t>
+                      </a:r>
+                      <a:endParaRPr lang="zh-CN" sz="100" kern="100">
+                        <a:effectLst/>
+                        <a:latin typeface="等线" panose="02010600030101010101" pitchFamily="2" charset="-122"/>
+                        <a:ea typeface="等线" panose="02010600030101010101" pitchFamily="2" charset="-122"/>
+                        <a:cs typeface="Times New Roman" panose="02020603050405020304" pitchFamily="18" charset="0"/>
+                      </a:endParaRPr>
+                    </a:p>
+                  </a:txBody>
+                  <a:tcPr marL="560" marR="560" marT="560" marB="0" anchor="ctr"/>
+                </a:tc>
+                <a:tc>
+                  <a:txBody>
+                    <a:bodyPr/>
+                    <a:lstStyle/>
+                    <a:p>
+                      <a:pPr algn="ctr"/>
+                      <a:r>
+                        <a:rPr lang="en-US" sz="100" kern="100">
+                          <a:effectLst/>
+                        </a:rPr>
+                        <a:t>08:00-12:00</a:t>
+                      </a:r>
+                      <a:endParaRPr lang="zh-CN" sz="100" kern="100">
+                        <a:effectLst/>
+                        <a:latin typeface="等线" panose="02010600030101010101" pitchFamily="2" charset="-122"/>
+                        <a:ea typeface="等线" panose="02010600030101010101" pitchFamily="2" charset="-122"/>
+                        <a:cs typeface="Times New Roman" panose="02020603050405020304" pitchFamily="18" charset="0"/>
+                      </a:endParaRPr>
+                    </a:p>
+                  </a:txBody>
+                  <a:tcPr marL="560" marR="560" marT="560" marB="0" anchor="ctr"/>
+                </a:tc>
+                <a:tc gridSpan="2">
+                  <a:txBody>
+                    <a:bodyPr/>
+                    <a:lstStyle/>
+                    <a:p>
+                      <a:pPr algn="ctr"/>
+                      <a:r>
+                        <a:rPr lang="en-US" sz="100" kern="100">
+                          <a:effectLst/>
+                        </a:rPr>
+                        <a:t>Academic/Committee Discussion</a:t>
+                      </a:r>
+                      <a:endParaRPr lang="zh-CN" sz="100" kern="100">
+                        <a:effectLst/>
+                        <a:latin typeface="等线" panose="02010600030101010101" pitchFamily="2" charset="-122"/>
+                        <a:ea typeface="等线" panose="02010600030101010101" pitchFamily="2" charset="-122"/>
+                        <a:cs typeface="Times New Roman" panose="02020603050405020304" pitchFamily="18" charset="0"/>
+                      </a:endParaRPr>
+                    </a:p>
+                  </a:txBody>
+                  <a:tcPr marL="560" marR="560" marT="560" marB="0" anchor="ctr"/>
+                </a:tc>
+                <a:tc hMerge="1">
+                  <a:txBody>
+                    <a:bodyPr/>
+                    <a:lstStyle/>
+                    <a:p>
+                      <a:endParaRPr lang="zh-CN" altLang="en-US"/>
+                    </a:p>
+                  </a:txBody>
+                  <a:tcPr/>
+                </a:tc>
+                <a:tc gridSpan="2">
+                  <a:txBody>
+                    <a:bodyPr/>
+                    <a:lstStyle/>
+                    <a:p>
+                      <a:pPr algn="ctr"/>
+                      <a:r>
+                        <a:rPr lang="en-US" sz="100" kern="100">
+                          <a:effectLst/>
+                        </a:rPr>
+                        <a:t>DoubleTree by Hilton Kuala Lumpur</a:t>
+                      </a:r>
+                      <a:endParaRPr lang="zh-CN" sz="100" kern="100">
+                        <a:effectLst/>
+                        <a:latin typeface="等线" panose="02010600030101010101" pitchFamily="2" charset="-122"/>
+                        <a:ea typeface="等线" panose="02010600030101010101" pitchFamily="2" charset="-122"/>
+                        <a:cs typeface="Times New Roman" panose="02020603050405020304" pitchFamily="18" charset="0"/>
+                      </a:endParaRPr>
+                    </a:p>
+                  </a:txBody>
+                  <a:tcPr marL="560" marR="560" marT="560" marB="0" anchor="ctr"/>
+                </a:tc>
+                <a:tc hMerge="1">
+                  <a:txBody>
+                    <a:bodyPr/>
+                    <a:lstStyle/>
+                    <a:p>
+                      <a:endParaRPr lang="zh-CN" altLang="en-US"/>
+                    </a:p>
+                  </a:txBody>
+                  <a:tcPr/>
+                </a:tc>
+                <a:tc>
+                  <a:txBody>
+                    <a:bodyPr/>
+                    <a:lstStyle/>
+                    <a:p>
+                      <a:pPr algn="just"/>
+                      <a:r>
+                        <a:rPr lang="zh-CN" sz="100" kern="100">
+                          <a:effectLst/>
+                        </a:rPr>
+                        <a:t> </a:t>
+                      </a:r>
+                      <a:endParaRPr lang="zh-CN" sz="100" kern="100">
+                        <a:effectLst/>
+                        <a:latin typeface="等线" panose="02010600030101010101" pitchFamily="2" charset="-122"/>
+                        <a:ea typeface="等线" panose="02010600030101010101" pitchFamily="2" charset="-122"/>
+                        <a:cs typeface="Times New Roman" panose="02020603050405020304" pitchFamily="18" charset="0"/>
+                      </a:endParaRPr>
+                    </a:p>
+                  </a:txBody>
+                  <a:tcPr marL="0" marR="0" marT="0" marB="0" anchor="ctr"/>
+                </a:tc>
+                <a:extLst>
+                  <a:ext uri="{0D108BD9-81ED-4DB2-BD59-A6C34878D82A}">
+                    <a16:rowId xmlns:a16="http://schemas.microsoft.com/office/drawing/2014/main" val="885601852"/>
+                  </a:ext>
+                </a:extLst>
+              </a:tr>
+              <a:tr h="247838">
+                <a:tc vMerge="1">
+                  <a:txBody>
+                    <a:bodyPr/>
+                    <a:lstStyle/>
+                    <a:p>
+                      <a:endParaRPr lang="zh-CN" altLang="en-US"/>
+                    </a:p>
+                  </a:txBody>
+                  <a:tcPr/>
+                </a:tc>
+                <a:tc>
+                  <a:txBody>
+                    <a:bodyPr/>
+                    <a:lstStyle/>
+                    <a:p>
+                      <a:pPr algn="ctr"/>
+                      <a:r>
+                        <a:rPr lang="en-US" sz="100" kern="100">
+                          <a:effectLst/>
+                        </a:rPr>
+                        <a:t>12:00-13:30</a:t>
+                      </a:r>
+                      <a:endParaRPr lang="zh-CN" sz="100" kern="100">
+                        <a:effectLst/>
+                        <a:latin typeface="等线" panose="02010600030101010101" pitchFamily="2" charset="-122"/>
+                        <a:ea typeface="等线" panose="02010600030101010101" pitchFamily="2" charset="-122"/>
+                        <a:cs typeface="Times New Roman" panose="02020603050405020304" pitchFamily="18" charset="0"/>
+                      </a:endParaRPr>
+                    </a:p>
+                  </a:txBody>
+                  <a:tcPr marL="560" marR="560" marT="560" marB="0" anchor="ctr"/>
+                </a:tc>
+                <a:tc gridSpan="2">
+                  <a:txBody>
+                    <a:bodyPr/>
+                    <a:lstStyle/>
+                    <a:p>
+                      <a:pPr algn="ctr"/>
+                      <a:r>
+                        <a:rPr lang="en-US" sz="100" kern="100">
+                          <a:effectLst/>
+                        </a:rPr>
+                        <a:t>Lunch</a:t>
+                      </a:r>
+                      <a:endParaRPr lang="zh-CN" sz="100" kern="100">
+                        <a:effectLst/>
+                        <a:latin typeface="等线" panose="02010600030101010101" pitchFamily="2" charset="-122"/>
+                        <a:ea typeface="等线" panose="02010600030101010101" pitchFamily="2" charset="-122"/>
+                        <a:cs typeface="Times New Roman" panose="02020603050405020304" pitchFamily="18" charset="0"/>
+                      </a:endParaRPr>
+                    </a:p>
+                  </a:txBody>
+                  <a:tcPr marL="560" marR="560" marT="560" marB="0" anchor="ctr"/>
+                </a:tc>
+                <a:tc hMerge="1">
+                  <a:txBody>
+                    <a:bodyPr/>
+                    <a:lstStyle/>
+                    <a:p>
+                      <a:endParaRPr lang="zh-CN" altLang="en-US"/>
+                    </a:p>
+                  </a:txBody>
+                  <a:tcPr/>
+                </a:tc>
+                <a:tc gridSpan="2">
+                  <a:txBody>
+                    <a:bodyPr/>
+                    <a:lstStyle/>
+                    <a:p>
+                      <a:pPr algn="ctr"/>
+                      <a:r>
+                        <a:rPr lang="en-US" sz="100" kern="100">
+                          <a:effectLst/>
+                        </a:rPr>
+                        <a:t>DoubleTree by Hilton Kuala Lumpur</a:t>
+                      </a:r>
+                      <a:endParaRPr lang="zh-CN" sz="100" kern="100">
+                        <a:effectLst/>
+                        <a:latin typeface="等线" panose="02010600030101010101" pitchFamily="2" charset="-122"/>
+                        <a:ea typeface="等线" panose="02010600030101010101" pitchFamily="2" charset="-122"/>
+                        <a:cs typeface="Times New Roman" panose="02020603050405020304" pitchFamily="18" charset="0"/>
+                      </a:endParaRPr>
+                    </a:p>
+                  </a:txBody>
+                  <a:tcPr marL="560" marR="560" marT="560" marB="0" anchor="ctr"/>
+                </a:tc>
+                <a:tc hMerge="1">
+                  <a:txBody>
+                    <a:bodyPr/>
+                    <a:lstStyle/>
+                    <a:p>
+                      <a:endParaRPr lang="zh-CN" altLang="en-US"/>
+                    </a:p>
+                  </a:txBody>
+                  <a:tcPr/>
+                </a:tc>
+                <a:tc>
+                  <a:txBody>
+                    <a:bodyPr/>
+                    <a:lstStyle/>
+                    <a:p>
+                      <a:pPr algn="just"/>
+                      <a:r>
+                        <a:rPr lang="zh-CN" sz="100" kern="100">
+                          <a:effectLst/>
+                        </a:rPr>
+                        <a:t> </a:t>
+                      </a:r>
+                      <a:endParaRPr lang="zh-CN" sz="100" kern="100">
+                        <a:effectLst/>
+                        <a:latin typeface="等线" panose="02010600030101010101" pitchFamily="2" charset="-122"/>
+                        <a:ea typeface="等线" panose="02010600030101010101" pitchFamily="2" charset="-122"/>
+                        <a:cs typeface="Times New Roman" panose="02020603050405020304" pitchFamily="18" charset="0"/>
+                      </a:endParaRPr>
+                    </a:p>
+                  </a:txBody>
+                  <a:tcPr marL="0" marR="0" marT="0" marB="0" anchor="ctr"/>
+                </a:tc>
+                <a:extLst>
+                  <a:ext uri="{0D108BD9-81ED-4DB2-BD59-A6C34878D82A}">
+                    <a16:rowId xmlns:a16="http://schemas.microsoft.com/office/drawing/2014/main" val="1448864385"/>
+                  </a:ext>
+                </a:extLst>
+              </a:tr>
+              <a:tr h="344599">
+                <a:tc vMerge="1">
+                  <a:txBody>
+                    <a:bodyPr/>
+                    <a:lstStyle/>
+                    <a:p>
+                      <a:endParaRPr lang="zh-CN" altLang="en-US"/>
+                    </a:p>
+                  </a:txBody>
+                  <a:tcPr/>
+                </a:tc>
+                <a:tc>
+                  <a:txBody>
+                    <a:bodyPr/>
+                    <a:lstStyle/>
+                    <a:p>
+                      <a:pPr algn="ctr"/>
+                      <a:r>
+                        <a:rPr lang="en-US" sz="100" kern="100">
+                          <a:effectLst/>
+                        </a:rPr>
+                        <a:t>14:00-15:00</a:t>
+                      </a:r>
+                      <a:endParaRPr lang="zh-CN" sz="100" kern="100">
+                        <a:effectLst/>
+                        <a:latin typeface="等线" panose="02010600030101010101" pitchFamily="2" charset="-122"/>
+                        <a:ea typeface="等线" panose="02010600030101010101" pitchFamily="2" charset="-122"/>
+                        <a:cs typeface="Times New Roman" panose="02020603050405020304" pitchFamily="18" charset="0"/>
+                      </a:endParaRPr>
+                    </a:p>
+                  </a:txBody>
+                  <a:tcPr marL="560" marR="560" marT="560" marB="0" anchor="ctr"/>
+                </a:tc>
+                <a:tc gridSpan="2">
+                  <a:txBody>
+                    <a:bodyPr/>
+                    <a:lstStyle/>
+                    <a:p>
+                      <a:pPr algn="ctr"/>
+                      <a:r>
+                        <a:rPr lang="en-US" sz="100" kern="100">
+                          <a:effectLst/>
+                        </a:rPr>
+                        <a:t>CMMM20244 Conference Committee Meeting</a:t>
+                      </a:r>
+                      <a:endParaRPr lang="zh-CN" sz="100" kern="100">
+                        <a:effectLst/>
+                        <a:latin typeface="等线" panose="02010600030101010101" pitchFamily="2" charset="-122"/>
+                        <a:ea typeface="等线" panose="02010600030101010101" pitchFamily="2" charset="-122"/>
+                        <a:cs typeface="Times New Roman" panose="02020603050405020304" pitchFamily="18" charset="0"/>
+                      </a:endParaRPr>
+                    </a:p>
+                  </a:txBody>
+                  <a:tcPr marL="560" marR="560" marT="560" marB="0" anchor="ctr"/>
+                </a:tc>
+                <a:tc hMerge="1">
+                  <a:txBody>
+                    <a:bodyPr/>
+                    <a:lstStyle/>
+                    <a:p>
+                      <a:endParaRPr lang="zh-CN" altLang="en-US"/>
+                    </a:p>
+                  </a:txBody>
+                  <a:tcPr/>
+                </a:tc>
+                <a:tc gridSpan="2">
+                  <a:txBody>
+                    <a:bodyPr/>
+                    <a:lstStyle/>
+                    <a:p>
+                      <a:pPr algn="ctr"/>
+                      <a:r>
+                        <a:rPr lang="en-US" sz="100" kern="100">
+                          <a:effectLst/>
+                        </a:rPr>
+                        <a:t>DoubleTree by Hilton Kuala Lumpur</a:t>
+                      </a:r>
+                      <a:endParaRPr lang="zh-CN" sz="100" kern="100">
+                        <a:effectLst/>
+                        <a:latin typeface="等线" panose="02010600030101010101" pitchFamily="2" charset="-122"/>
+                        <a:ea typeface="等线" panose="02010600030101010101" pitchFamily="2" charset="-122"/>
+                        <a:cs typeface="Times New Roman" panose="02020603050405020304" pitchFamily="18" charset="0"/>
+                      </a:endParaRPr>
+                    </a:p>
+                  </a:txBody>
+                  <a:tcPr marL="560" marR="560" marT="560" marB="0" anchor="ctr"/>
+                </a:tc>
+                <a:tc hMerge="1">
+                  <a:txBody>
+                    <a:bodyPr/>
+                    <a:lstStyle/>
+                    <a:p>
+                      <a:endParaRPr lang="zh-CN" altLang="en-US"/>
+                    </a:p>
+                  </a:txBody>
+                  <a:tcPr/>
+                </a:tc>
+                <a:tc>
+                  <a:txBody>
+                    <a:bodyPr/>
+                    <a:lstStyle/>
+                    <a:p>
+                      <a:pPr algn="just"/>
+                      <a:r>
+                        <a:rPr lang="zh-CN" sz="100" kern="100">
+                          <a:effectLst/>
+                        </a:rPr>
+                        <a:t> </a:t>
+                      </a:r>
+                      <a:endParaRPr lang="zh-CN" sz="100" kern="100">
+                        <a:effectLst/>
+                        <a:latin typeface="等线" panose="02010600030101010101" pitchFamily="2" charset="-122"/>
+                        <a:ea typeface="等线" panose="02010600030101010101" pitchFamily="2" charset="-122"/>
+                        <a:cs typeface="Times New Roman" panose="02020603050405020304" pitchFamily="18" charset="0"/>
+                      </a:endParaRPr>
+                    </a:p>
+                  </a:txBody>
+                  <a:tcPr marL="0" marR="0" marT="0" marB="0" anchor="ctr"/>
+                </a:tc>
+                <a:extLst>
+                  <a:ext uri="{0D108BD9-81ED-4DB2-BD59-A6C34878D82A}">
+                    <a16:rowId xmlns:a16="http://schemas.microsoft.com/office/drawing/2014/main" val="3334538192"/>
+                  </a:ext>
+                </a:extLst>
+              </a:tr>
+              <a:tr h="430609">
+                <a:tc vMerge="1">
+                  <a:txBody>
+                    <a:bodyPr/>
+                    <a:lstStyle/>
+                    <a:p>
+                      <a:endParaRPr lang="zh-CN" altLang="en-US"/>
+                    </a:p>
+                  </a:txBody>
+                  <a:tcPr/>
+                </a:tc>
+                <a:tc>
+                  <a:txBody>
+                    <a:bodyPr/>
+                    <a:lstStyle/>
+                    <a:p>
+                      <a:pPr algn="ctr"/>
+                      <a:r>
+                        <a:rPr lang="en-US" sz="100" kern="100">
+                          <a:effectLst/>
+                        </a:rPr>
+                        <a:t>15:00-17:00</a:t>
+                      </a:r>
+                      <a:endParaRPr lang="zh-CN" sz="100" kern="100">
+                        <a:effectLst/>
+                        <a:latin typeface="等线" panose="02010600030101010101" pitchFamily="2" charset="-122"/>
+                        <a:ea typeface="等线" panose="02010600030101010101" pitchFamily="2" charset="-122"/>
+                        <a:cs typeface="Times New Roman" panose="02020603050405020304" pitchFamily="18" charset="0"/>
+                      </a:endParaRPr>
+                    </a:p>
+                  </a:txBody>
+                  <a:tcPr marL="560" marR="560" marT="560" marB="0" anchor="ctr"/>
+                </a:tc>
+                <a:tc gridSpan="2">
+                  <a:txBody>
+                    <a:bodyPr/>
+                    <a:lstStyle/>
+                    <a:p>
+                      <a:pPr algn="ctr"/>
+                      <a:r>
+                        <a:rPr lang="en-US" sz="100" kern="100">
+                          <a:effectLst/>
+                        </a:rPr>
+                        <a:t>CMMM2024 Conference Closing/Certificate Distribution</a:t>
+                      </a:r>
+                      <a:endParaRPr lang="zh-CN" sz="100" kern="100">
+                        <a:effectLst/>
+                        <a:latin typeface="等线" panose="02010600030101010101" pitchFamily="2" charset="-122"/>
+                        <a:ea typeface="等线" panose="02010600030101010101" pitchFamily="2" charset="-122"/>
+                        <a:cs typeface="Times New Roman" panose="02020603050405020304" pitchFamily="18" charset="0"/>
+                      </a:endParaRPr>
+                    </a:p>
+                  </a:txBody>
+                  <a:tcPr marL="560" marR="560" marT="560" marB="0" anchor="ctr"/>
+                </a:tc>
+                <a:tc hMerge="1">
+                  <a:txBody>
+                    <a:bodyPr/>
+                    <a:lstStyle/>
+                    <a:p>
+                      <a:endParaRPr lang="zh-CN" altLang="en-US"/>
+                    </a:p>
+                  </a:txBody>
+                  <a:tcPr/>
+                </a:tc>
+                <a:tc gridSpan="2">
+                  <a:txBody>
+                    <a:bodyPr/>
+                    <a:lstStyle/>
+                    <a:p>
+                      <a:pPr algn="ctr"/>
+                      <a:r>
+                        <a:rPr lang="en-US" sz="100" kern="100">
+                          <a:effectLst/>
+                        </a:rPr>
+                        <a:t>DoubleTree by Hilton Kuala Lumpur</a:t>
+                      </a:r>
+                      <a:endParaRPr lang="zh-CN" sz="100" kern="100">
+                        <a:effectLst/>
+                        <a:latin typeface="等线" panose="02010600030101010101" pitchFamily="2" charset="-122"/>
+                        <a:ea typeface="等线" panose="02010600030101010101" pitchFamily="2" charset="-122"/>
+                        <a:cs typeface="Times New Roman" panose="02020603050405020304" pitchFamily="18" charset="0"/>
+                      </a:endParaRPr>
+                    </a:p>
+                  </a:txBody>
+                  <a:tcPr marL="560" marR="560" marT="560" marB="0" anchor="ctr"/>
+                </a:tc>
+                <a:tc hMerge="1">
+                  <a:txBody>
+                    <a:bodyPr/>
+                    <a:lstStyle/>
+                    <a:p>
+                      <a:endParaRPr lang="zh-CN" altLang="en-US"/>
+                    </a:p>
+                  </a:txBody>
+                  <a:tcPr/>
+                </a:tc>
+                <a:tc>
+                  <a:txBody>
+                    <a:bodyPr/>
+                    <a:lstStyle/>
+                    <a:p>
+                      <a:pPr algn="just"/>
+                      <a:r>
+                        <a:rPr lang="zh-CN" sz="100" kern="100">
+                          <a:effectLst/>
+                        </a:rPr>
+                        <a:t> </a:t>
+                      </a:r>
+                      <a:endParaRPr lang="zh-CN" sz="100" kern="100">
+                        <a:effectLst/>
+                        <a:latin typeface="等线" panose="02010600030101010101" pitchFamily="2" charset="-122"/>
+                        <a:ea typeface="等线" panose="02010600030101010101" pitchFamily="2" charset="-122"/>
+                        <a:cs typeface="Times New Roman" panose="02020603050405020304" pitchFamily="18" charset="0"/>
+                      </a:endParaRPr>
+                    </a:p>
+                  </a:txBody>
+                  <a:tcPr marL="0" marR="0" marT="0" marB="0" anchor="ctr"/>
+                </a:tc>
+                <a:extLst>
+                  <a:ext uri="{0D108BD9-81ED-4DB2-BD59-A6C34878D82A}">
+                    <a16:rowId xmlns:a16="http://schemas.microsoft.com/office/drawing/2014/main" val="264734061"/>
+                  </a:ext>
+                </a:extLst>
+              </a:tr>
+              <a:tr h="634883">
+                <a:tc>
+                  <a:txBody>
+                    <a:bodyPr/>
+                    <a:lstStyle/>
+                    <a:p>
+                      <a:pPr algn="ctr"/>
+                      <a:r>
+                        <a:rPr lang="en-US" sz="100" kern="100">
+                          <a:effectLst/>
+                        </a:rPr>
+                        <a:t>11 &amp; 12 July 2024</a:t>
+                      </a:r>
+                      <a:endParaRPr lang="zh-CN" sz="100" kern="100">
+                        <a:effectLst/>
+                        <a:latin typeface="等线" panose="02010600030101010101" pitchFamily="2" charset="-122"/>
+                        <a:ea typeface="等线" panose="02010600030101010101" pitchFamily="2" charset="-122"/>
+                        <a:cs typeface="Times New Roman" panose="02020603050405020304" pitchFamily="18" charset="0"/>
+                      </a:endParaRPr>
+                    </a:p>
+                  </a:txBody>
+                  <a:tcPr marL="560" marR="560" marT="560" marB="0" anchor="ctr"/>
+                </a:tc>
+                <a:tc>
+                  <a:txBody>
+                    <a:bodyPr/>
+                    <a:lstStyle/>
+                    <a:p>
+                      <a:pPr algn="ctr"/>
+                      <a:r>
+                        <a:rPr lang="en-US" sz="100" kern="100">
+                          <a:effectLst/>
+                        </a:rPr>
+                        <a:t>TBC</a:t>
+                      </a:r>
+                      <a:endParaRPr lang="zh-CN" sz="100" kern="100">
+                        <a:effectLst/>
+                        <a:latin typeface="等线" panose="02010600030101010101" pitchFamily="2" charset="-122"/>
+                        <a:ea typeface="等线" panose="02010600030101010101" pitchFamily="2" charset="-122"/>
+                        <a:cs typeface="Times New Roman" panose="02020603050405020304" pitchFamily="18" charset="0"/>
+                      </a:endParaRPr>
+                    </a:p>
+                  </a:txBody>
+                  <a:tcPr marL="560" marR="560" marT="560" marB="0" anchor="ctr"/>
+                </a:tc>
+                <a:tc gridSpan="2">
+                  <a:txBody>
+                    <a:bodyPr/>
+                    <a:lstStyle/>
+                    <a:p>
+                      <a:pPr algn="ctr"/>
+                      <a:r>
+                        <a:rPr lang="en-US" sz="100" kern="100">
+                          <a:effectLst/>
+                        </a:rPr>
+                        <a:t>Visit Universiti Malaya, </a:t>
+                      </a:r>
+                      <a:endParaRPr lang="zh-CN" sz="100" kern="100">
+                        <a:effectLst/>
+                      </a:endParaRPr>
+                    </a:p>
+                    <a:p>
+                      <a:pPr algn="ctr"/>
+                      <a:r>
+                        <a:rPr lang="en-US" sz="100" kern="100">
+                          <a:effectLst/>
+                        </a:rPr>
+                        <a:t>Universiti Tunku Abdul Rahman and Other Academic Activities </a:t>
+                      </a:r>
+                      <a:endParaRPr lang="zh-CN" sz="100" kern="100">
+                        <a:effectLst/>
+                        <a:latin typeface="等线" panose="02010600030101010101" pitchFamily="2" charset="-122"/>
+                        <a:ea typeface="等线" panose="02010600030101010101" pitchFamily="2" charset="-122"/>
+                        <a:cs typeface="Times New Roman" panose="02020603050405020304" pitchFamily="18" charset="0"/>
+                      </a:endParaRPr>
+                    </a:p>
+                  </a:txBody>
+                  <a:tcPr marL="560" marR="560" marT="560" marB="0" anchor="ctr"/>
+                </a:tc>
+                <a:tc hMerge="1">
+                  <a:txBody>
+                    <a:bodyPr/>
+                    <a:lstStyle/>
+                    <a:p>
+                      <a:endParaRPr lang="zh-CN" altLang="en-US"/>
+                    </a:p>
+                  </a:txBody>
+                  <a:tcPr/>
+                </a:tc>
+                <a:tc gridSpan="2">
+                  <a:txBody>
+                    <a:bodyPr/>
+                    <a:lstStyle/>
+                    <a:p>
+                      <a:pPr algn="ctr"/>
+                      <a:r>
+                        <a:rPr lang="en-US" sz="100" kern="100">
+                          <a:effectLst/>
+                        </a:rPr>
+                        <a:t>Universiti Malaya &amp; Universiti Tunku Abdul Rahman</a:t>
+                      </a:r>
+                      <a:endParaRPr lang="zh-CN" sz="100" kern="100">
+                        <a:effectLst/>
+                        <a:latin typeface="等线" panose="02010600030101010101" pitchFamily="2" charset="-122"/>
+                        <a:ea typeface="等线" panose="02010600030101010101" pitchFamily="2" charset="-122"/>
+                        <a:cs typeface="Times New Roman" panose="02020603050405020304" pitchFamily="18" charset="0"/>
+                      </a:endParaRPr>
+                    </a:p>
+                  </a:txBody>
+                  <a:tcPr marL="560" marR="560" marT="560" marB="0" anchor="ctr"/>
+                </a:tc>
+                <a:tc hMerge="1">
+                  <a:txBody>
+                    <a:bodyPr/>
+                    <a:lstStyle/>
+                    <a:p>
+                      <a:endParaRPr lang="zh-CN" altLang="en-US"/>
+                    </a:p>
+                  </a:txBody>
+                  <a:tcPr/>
+                </a:tc>
+                <a:tc>
+                  <a:txBody>
+                    <a:bodyPr/>
+                    <a:lstStyle/>
+                    <a:p>
+                      <a:pPr algn="just"/>
+                      <a:r>
+                        <a:rPr lang="zh-CN" sz="100" kern="100" dirty="0">
+                          <a:effectLst/>
+                        </a:rPr>
+                        <a:t> </a:t>
+                      </a:r>
+                      <a:endParaRPr lang="zh-CN" sz="100" kern="100" dirty="0">
+                        <a:effectLst/>
+                        <a:latin typeface="等线" panose="02010600030101010101" pitchFamily="2" charset="-122"/>
+                        <a:ea typeface="等线" panose="02010600030101010101" pitchFamily="2" charset="-122"/>
+                        <a:cs typeface="Times New Roman" panose="02020603050405020304" pitchFamily="18" charset="0"/>
+                      </a:endParaRPr>
+                    </a:p>
+                  </a:txBody>
+                  <a:tcPr marL="0" marR="0" marT="0" marB="0" anchor="ctr"/>
+                </a:tc>
+                <a:extLst>
+                  <a:ext uri="{0D108BD9-81ED-4DB2-BD59-A6C34878D82A}">
+                    <a16:rowId xmlns:a16="http://schemas.microsoft.com/office/drawing/2014/main" val="1017265506"/>
+                  </a:ext>
+                </a:extLst>
+              </a:tr>
+            </a:tbl>
+          </a:graphicData>
+        </a:graphic>
+      </p:graphicFrame>
+      <p:graphicFrame>
+        <p:nvGraphicFramePr>
+          <p:cNvPr id="6" name="表格 5">
+            <a:extLst>
+              <a:ext uri="{FF2B5EF4-FFF2-40B4-BE49-F238E27FC236}">
+                <a16:creationId xmlns:a16="http://schemas.microsoft.com/office/drawing/2014/main" id="{0C82B174-D277-4C7E-C66C-C5510321B9D8}"/>
+              </a:ext>
+            </a:extLst>
+          </p:cNvPr>
+          <p:cNvGraphicFramePr>
+            <a:graphicFrameLocks noGrp="1"/>
+          </p:cNvGraphicFramePr>
+          <p:nvPr>
+            <p:extLst>
+              <p:ext uri="{D42A27DB-BD31-4B8C-83A1-F6EECF244321}">
+                <p14:modId xmlns:p14="http://schemas.microsoft.com/office/powerpoint/2010/main" val="3641239490"/>
+              </p:ext>
+            </p:extLst>
+          </p:nvPr>
+        </p:nvGraphicFramePr>
+        <p:xfrm>
+          <a:off x="266699" y="-693156"/>
+          <a:ext cx="11658601" cy="14605746"/>
+        </p:xfrm>
+        <a:graphic>
+          <a:graphicData uri="http://schemas.openxmlformats.org/drawingml/2006/table">
+            <a:tbl>
+              <a:tblPr firstRow="1" firstCol="1" bandRow="1">
+                <a:tableStyleId>{5C22544A-7EE6-4342-B048-85BDC9FD1C3A}</a:tableStyleId>
+              </a:tblPr>
+              <a:tblGrid>
+                <a:gridCol w="2443163">
+                  <a:extLst>
+                    <a:ext uri="{9D8B030D-6E8A-4147-A177-3AD203B41FA5}">
+                      <a16:colId xmlns:a16="http://schemas.microsoft.com/office/drawing/2014/main" val="269296699"/>
+                    </a:ext>
+                  </a:extLst>
+                </a:gridCol>
+                <a:gridCol w="2893219">
+                  <a:extLst>
+                    <a:ext uri="{9D8B030D-6E8A-4147-A177-3AD203B41FA5}">
+                      <a16:colId xmlns:a16="http://schemas.microsoft.com/office/drawing/2014/main" val="3335782676"/>
+                    </a:ext>
+                  </a:extLst>
+                </a:gridCol>
+                <a:gridCol w="3964782">
+                  <a:extLst>
+                    <a:ext uri="{9D8B030D-6E8A-4147-A177-3AD203B41FA5}">
+                      <a16:colId xmlns:a16="http://schemas.microsoft.com/office/drawing/2014/main" val="4104923008"/>
+                    </a:ext>
+                  </a:extLst>
+                </a:gridCol>
+                <a:gridCol w="2357437">
+                  <a:extLst>
+                    <a:ext uri="{9D8B030D-6E8A-4147-A177-3AD203B41FA5}">
+                      <a16:colId xmlns:a16="http://schemas.microsoft.com/office/drawing/2014/main" val="421798908"/>
+                    </a:ext>
+                  </a:extLst>
+                </a:gridCol>
+              </a:tblGrid>
+              <a:tr h="1028700">
+                <a:tc>
+                  <a:txBody>
+                    <a:bodyPr/>
+                    <a:lstStyle/>
+                    <a:p>
+                      <a:pPr algn="ctr"/>
+                      <a:r>
+                        <a:rPr lang="en-US" sz="2000" kern="100" dirty="0">
+                          <a:effectLst/>
+                        </a:rPr>
+                        <a:t>Date</a:t>
+                      </a:r>
+                      <a:endParaRPr lang="zh-CN" sz="2000" kern="100" dirty="0">
+                        <a:effectLst/>
+                        <a:latin typeface="等线" panose="02010600030101010101" pitchFamily="2" charset="-122"/>
+                        <a:ea typeface="等线" panose="02010600030101010101" pitchFamily="2" charset="-122"/>
+                        <a:cs typeface="Times New Roman" panose="02020603050405020304" pitchFamily="18" charset="0"/>
+                      </a:endParaRPr>
+                    </a:p>
+                  </a:txBody>
+                  <a:tcPr marL="560" marR="560" marT="560" marB="0" anchor="ctr"/>
+                </a:tc>
+                <a:tc>
+                  <a:txBody>
+                    <a:bodyPr/>
+                    <a:lstStyle/>
+                    <a:p>
+                      <a:pPr algn="ctr"/>
+                      <a:r>
+                        <a:rPr lang="en-US" sz="2000" kern="100" dirty="0">
+                          <a:effectLst/>
+                        </a:rPr>
+                        <a:t>Time</a:t>
+                      </a:r>
+                      <a:endParaRPr lang="zh-CN" sz="2000" kern="100" dirty="0">
+                        <a:effectLst/>
+                        <a:latin typeface="等线" panose="02010600030101010101" pitchFamily="2" charset="-122"/>
+                        <a:ea typeface="等线" panose="02010600030101010101" pitchFamily="2" charset="-122"/>
+                        <a:cs typeface="Times New Roman" panose="02020603050405020304" pitchFamily="18" charset="0"/>
+                      </a:endParaRPr>
+                    </a:p>
+                  </a:txBody>
+                  <a:tcPr marL="560" marR="560" marT="560" marB="0" anchor="ctr"/>
+                </a:tc>
+                <a:tc>
+                  <a:txBody>
+                    <a:bodyPr/>
+                    <a:lstStyle/>
+                    <a:p>
+                      <a:pPr algn="ctr"/>
+                      <a:r>
+                        <a:rPr lang="en-US" sz="2000" kern="100" dirty="0">
+                          <a:effectLst/>
+                        </a:rPr>
+                        <a:t>Purpose/Function</a:t>
+                      </a:r>
+                      <a:endParaRPr lang="zh-CN" altLang="en-US" sz="2000" dirty="0"/>
+                    </a:p>
+                  </a:txBody>
+                  <a:tcPr marL="560" marR="560" marT="560" marB="0" anchor="ctr"/>
+                </a:tc>
+                <a:tc>
+                  <a:txBody>
+                    <a:bodyPr/>
+                    <a:lstStyle/>
+                    <a:p>
+                      <a:pPr algn="ctr"/>
+                      <a:r>
+                        <a:rPr lang="en-US" sz="2000" kern="100">
+                          <a:effectLst/>
+                        </a:rPr>
+                        <a:t>Location</a:t>
+                      </a:r>
+                      <a:endParaRPr lang="zh-CN" altLang="en-US" sz="2000"/>
+                    </a:p>
+                  </a:txBody>
+                  <a:tcPr marL="560" marR="560" marT="560" marB="0" anchor="ctr"/>
+                </a:tc>
+                <a:extLst>
+                  <a:ext uri="{0D108BD9-81ED-4DB2-BD59-A6C34878D82A}">
+                    <a16:rowId xmlns:a16="http://schemas.microsoft.com/office/drawing/2014/main" val="1533477110"/>
+                  </a:ext>
+                </a:extLst>
+              </a:tr>
+              <a:tr h="486971">
+                <a:tc>
+                  <a:txBody>
+                    <a:bodyPr/>
+                    <a:lstStyle/>
+                    <a:p>
+                      <a:pPr algn="ctr">
+                        <a:lnSpc>
+                          <a:spcPct val="150000"/>
+                        </a:lnSpc>
+                      </a:pPr>
+                      <a:r>
+                        <a:rPr lang="en-US" sz="2000" kern="100" dirty="0">
+                          <a:effectLst/>
+                        </a:rPr>
+                        <a:t>07 July 2024</a:t>
+                      </a:r>
+                      <a:endParaRPr lang="zh-CN" sz="2000" kern="100" dirty="0">
+                        <a:effectLst/>
+                        <a:latin typeface="等线" panose="02010600030101010101" pitchFamily="2" charset="-122"/>
+                        <a:ea typeface="等线" panose="02010600030101010101" pitchFamily="2" charset="-122"/>
+                        <a:cs typeface="Times New Roman" panose="02020603050405020304" pitchFamily="18" charset="0"/>
+                      </a:endParaRPr>
+                    </a:p>
+                  </a:txBody>
+                  <a:tcPr marL="560" marR="560" marT="560" marB="0" anchor="ctr"/>
+                </a:tc>
+                <a:tc>
+                  <a:txBody>
+                    <a:bodyPr/>
+                    <a:lstStyle/>
+                    <a:p>
+                      <a:pPr algn="ctr">
+                        <a:lnSpc>
+                          <a:spcPct val="150000"/>
+                        </a:lnSpc>
+                      </a:pPr>
+                      <a:r>
+                        <a:rPr lang="en-US" sz="2000" kern="100" dirty="0">
+                          <a:effectLst/>
+                        </a:rPr>
+                        <a:t>14:00-20:00</a:t>
+                      </a:r>
+                      <a:endParaRPr lang="zh-CN" sz="2000" kern="100" dirty="0">
+                        <a:effectLst/>
+                        <a:latin typeface="等线" panose="02010600030101010101" pitchFamily="2" charset="-122"/>
+                        <a:ea typeface="等线" panose="02010600030101010101" pitchFamily="2" charset="-122"/>
+                        <a:cs typeface="Times New Roman" panose="02020603050405020304" pitchFamily="18" charset="0"/>
+                      </a:endParaRPr>
+                    </a:p>
+                  </a:txBody>
+                  <a:tcPr marL="560" marR="560" marT="560" marB="0" anchor="ctr"/>
+                </a:tc>
+                <a:tc>
+                  <a:txBody>
+                    <a:bodyPr/>
+                    <a:lstStyle/>
+                    <a:p>
+                      <a:pPr algn="ctr">
+                        <a:lnSpc>
+                          <a:spcPct val="150000"/>
+                        </a:lnSpc>
+                      </a:pPr>
+                      <a:r>
+                        <a:rPr lang="en-US" sz="2000" kern="100" dirty="0">
+                          <a:effectLst/>
+                        </a:rPr>
+                        <a:t>Onsite Registration</a:t>
+                      </a:r>
+                      <a:endParaRPr lang="zh-CN" altLang="en-US" sz="2000" dirty="0"/>
+                    </a:p>
+                  </a:txBody>
+                  <a:tcPr marL="560" marR="560" marT="560" marB="0" anchor="ctr"/>
+                </a:tc>
+                <a:tc>
+                  <a:txBody>
+                    <a:bodyPr/>
+                    <a:lstStyle/>
+                    <a:p>
+                      <a:pPr algn="ctr">
+                        <a:lnSpc>
+                          <a:spcPct val="150000"/>
+                        </a:lnSpc>
+                      </a:pPr>
+                      <a:r>
+                        <a:rPr lang="en-US" sz="2000" kern="100" dirty="0">
+                          <a:effectLst/>
+                        </a:rPr>
+                        <a:t>DoubleTree by Hilton Kuala Lumpur</a:t>
+                      </a:r>
+                      <a:endParaRPr lang="zh-CN" altLang="en-US" sz="2000" dirty="0"/>
+                    </a:p>
+                  </a:txBody>
+                  <a:tcPr marL="560" marR="560" marT="560" marB="0" anchor="ctr"/>
+                </a:tc>
+                <a:extLst>
+                  <a:ext uri="{0D108BD9-81ED-4DB2-BD59-A6C34878D82A}">
+                    <a16:rowId xmlns:a16="http://schemas.microsoft.com/office/drawing/2014/main" val="3941822222"/>
+                  </a:ext>
+                </a:extLst>
+              </a:tr>
+              <a:tr h="677095">
+                <a:tc rowSpan="4">
+                  <a:txBody>
+                    <a:bodyPr/>
+                    <a:lstStyle/>
+                    <a:p>
+                      <a:pPr algn="ctr">
+                        <a:lnSpc>
+                          <a:spcPct val="150000"/>
+                        </a:lnSpc>
+                      </a:pPr>
+                      <a:r>
+                        <a:rPr lang="en-US" sz="2000" kern="100" dirty="0">
+                          <a:effectLst/>
+                        </a:rPr>
+                        <a:t>08 July 2024</a:t>
+                      </a:r>
+                      <a:endParaRPr lang="zh-CN" sz="2000" kern="100" dirty="0">
+                        <a:effectLst/>
+                        <a:latin typeface="等线" panose="02010600030101010101" pitchFamily="2" charset="-122"/>
+                        <a:ea typeface="等线" panose="02010600030101010101" pitchFamily="2" charset="-122"/>
+                        <a:cs typeface="Times New Roman" panose="02020603050405020304" pitchFamily="18" charset="0"/>
+                      </a:endParaRPr>
+                    </a:p>
+                  </a:txBody>
+                  <a:tcPr marL="560" marR="560" marT="560" marB="0" anchor="ctr"/>
+                </a:tc>
+                <a:tc>
+                  <a:txBody>
+                    <a:bodyPr/>
+                    <a:lstStyle/>
+                    <a:p>
+                      <a:pPr algn="ctr">
+                        <a:lnSpc>
+                          <a:spcPct val="150000"/>
+                        </a:lnSpc>
+                      </a:pPr>
+                      <a:r>
+                        <a:rPr lang="en-US" sz="2000" kern="100" dirty="0">
+                          <a:effectLst/>
+                        </a:rPr>
+                        <a:t>08:00-12:00</a:t>
+                      </a:r>
+                      <a:endParaRPr lang="zh-CN" sz="2000" kern="100" dirty="0">
+                        <a:effectLst/>
+                        <a:latin typeface="等线" panose="02010600030101010101" pitchFamily="2" charset="-122"/>
+                        <a:ea typeface="等线" panose="02010600030101010101" pitchFamily="2" charset="-122"/>
+                        <a:cs typeface="Times New Roman" panose="02020603050405020304" pitchFamily="18" charset="0"/>
+                      </a:endParaRPr>
+                    </a:p>
+                  </a:txBody>
+                  <a:tcPr marL="560" marR="560" marT="560" marB="0" anchor="ctr"/>
+                </a:tc>
+                <a:tc>
+                  <a:txBody>
+                    <a:bodyPr/>
+                    <a:lstStyle/>
+                    <a:p>
+                      <a:pPr algn="ctr">
+                        <a:lnSpc>
+                          <a:spcPct val="150000"/>
+                        </a:lnSpc>
+                      </a:pPr>
+                      <a:r>
+                        <a:rPr lang="en-US" sz="2000" kern="100" dirty="0">
+                          <a:effectLst/>
+                        </a:rPr>
+                        <a:t>Opening Ceremony,</a:t>
+                      </a:r>
+                      <a:br>
+                        <a:rPr lang="en-US" sz="2000" kern="100" dirty="0">
+                          <a:effectLst/>
+                        </a:rPr>
+                      </a:br>
+                      <a:r>
+                        <a:rPr lang="en-US" sz="2000" kern="100" dirty="0">
+                          <a:effectLst/>
+                        </a:rPr>
+                        <a:t>Group Photo,</a:t>
+                      </a:r>
+                      <a:br>
+                        <a:rPr lang="en-US" sz="2000" kern="100" dirty="0">
+                          <a:effectLst/>
+                        </a:rPr>
+                      </a:br>
+                      <a:r>
+                        <a:rPr lang="en-US" sz="2000" kern="100" dirty="0">
+                          <a:effectLst/>
+                        </a:rPr>
+                        <a:t>Plenary Lectures</a:t>
+                      </a:r>
+                      <a:endParaRPr lang="zh-CN" altLang="en-US" sz="2000" dirty="0"/>
+                    </a:p>
+                  </a:txBody>
+                  <a:tcPr marL="560" marR="560" marT="560" marB="0" anchor="ctr"/>
+                </a:tc>
+                <a:tc>
+                  <a:txBody>
+                    <a:bodyPr/>
+                    <a:lstStyle/>
+                    <a:p>
+                      <a:pPr algn="ctr">
+                        <a:lnSpc>
+                          <a:spcPct val="150000"/>
+                        </a:lnSpc>
+                      </a:pPr>
+                      <a:r>
+                        <a:rPr lang="en-US" sz="2000" kern="100">
+                          <a:effectLst/>
+                        </a:rPr>
+                        <a:t>DoubleTree by Hilton Kuala Lumpur</a:t>
+                      </a:r>
+                      <a:endParaRPr lang="zh-CN" altLang="en-US" sz="2000"/>
+                    </a:p>
+                  </a:txBody>
+                  <a:tcPr marL="560" marR="560" marT="560" marB="0" anchor="ctr"/>
+                </a:tc>
+                <a:extLst>
+                  <a:ext uri="{0D108BD9-81ED-4DB2-BD59-A6C34878D82A}">
+                    <a16:rowId xmlns:a16="http://schemas.microsoft.com/office/drawing/2014/main" val="4111645576"/>
+                  </a:ext>
+                </a:extLst>
+              </a:tr>
+              <a:tr h="486971">
+                <a:tc vMerge="1">
+                  <a:txBody>
+                    <a:bodyPr/>
+                    <a:lstStyle/>
+                    <a:p>
+                      <a:endParaRPr lang="zh-CN" altLang="en-US"/>
+                    </a:p>
+                  </a:txBody>
+                  <a:tcPr/>
+                </a:tc>
+                <a:tc>
+                  <a:txBody>
+                    <a:bodyPr/>
+                    <a:lstStyle/>
+                    <a:p>
+                      <a:pPr algn="ctr">
+                        <a:lnSpc>
+                          <a:spcPct val="150000"/>
+                        </a:lnSpc>
+                      </a:pPr>
+                      <a:r>
+                        <a:rPr lang="en-US" sz="2000" kern="100" dirty="0">
+                          <a:effectLst/>
+                        </a:rPr>
+                        <a:t>12:00-13:30</a:t>
+                      </a:r>
+                      <a:endParaRPr lang="zh-CN" sz="2000" kern="100" dirty="0">
+                        <a:effectLst/>
+                        <a:latin typeface="等线" panose="02010600030101010101" pitchFamily="2" charset="-122"/>
+                        <a:ea typeface="等线" panose="02010600030101010101" pitchFamily="2" charset="-122"/>
+                        <a:cs typeface="Times New Roman" panose="02020603050405020304" pitchFamily="18" charset="0"/>
+                      </a:endParaRPr>
+                    </a:p>
+                  </a:txBody>
+                  <a:tcPr marL="560" marR="560" marT="560" marB="0" anchor="ctr"/>
+                </a:tc>
+                <a:tc>
+                  <a:txBody>
+                    <a:bodyPr/>
+                    <a:lstStyle/>
+                    <a:p>
+                      <a:pPr algn="ctr">
+                        <a:lnSpc>
+                          <a:spcPct val="150000"/>
+                        </a:lnSpc>
+                      </a:pPr>
+                      <a:r>
+                        <a:rPr lang="en-US" sz="2000" kern="100" dirty="0">
+                          <a:effectLst/>
+                        </a:rPr>
+                        <a:t>Lunch</a:t>
+                      </a:r>
+                      <a:endParaRPr lang="zh-CN" altLang="en-US" sz="2000" dirty="0"/>
+                    </a:p>
+                  </a:txBody>
+                  <a:tcPr marL="560" marR="560" marT="560" marB="0" anchor="ctr"/>
+                </a:tc>
+                <a:tc>
+                  <a:txBody>
+                    <a:bodyPr/>
+                    <a:lstStyle/>
+                    <a:p>
+                      <a:pPr algn="ctr">
+                        <a:lnSpc>
+                          <a:spcPct val="150000"/>
+                        </a:lnSpc>
+                      </a:pPr>
+                      <a:r>
+                        <a:rPr lang="en-US" sz="2000" kern="100" dirty="0">
+                          <a:effectLst/>
+                        </a:rPr>
+                        <a:t>DoubleTree by Hilton Kuala Lumpur</a:t>
+                      </a:r>
+                      <a:endParaRPr lang="zh-CN" altLang="en-US" sz="2000" dirty="0"/>
+                    </a:p>
+                  </a:txBody>
+                  <a:tcPr marL="560" marR="560" marT="560" marB="0" anchor="ctr"/>
+                </a:tc>
+                <a:extLst>
+                  <a:ext uri="{0D108BD9-81ED-4DB2-BD59-A6C34878D82A}">
+                    <a16:rowId xmlns:a16="http://schemas.microsoft.com/office/drawing/2014/main" val="2061327703"/>
+                  </a:ext>
+                </a:extLst>
+              </a:tr>
+              <a:tr h="634846">
+                <a:tc vMerge="1">
+                  <a:txBody>
+                    <a:bodyPr/>
+                    <a:lstStyle/>
+                    <a:p>
+                      <a:endParaRPr lang="zh-CN" altLang="en-US"/>
+                    </a:p>
+                  </a:txBody>
+                  <a:tcPr/>
+                </a:tc>
+                <a:tc>
+                  <a:txBody>
+                    <a:bodyPr/>
+                    <a:lstStyle/>
+                    <a:p>
+                      <a:pPr algn="ctr">
+                        <a:lnSpc>
+                          <a:spcPct val="150000"/>
+                        </a:lnSpc>
+                      </a:pPr>
+                      <a:r>
+                        <a:rPr lang="en-US" sz="2000" kern="100" dirty="0">
+                          <a:effectLst/>
+                        </a:rPr>
+                        <a:t>14:00-18:00</a:t>
+                      </a:r>
+                      <a:endParaRPr lang="zh-CN" sz="2000" kern="100" dirty="0">
+                        <a:effectLst/>
+                        <a:latin typeface="等线" panose="02010600030101010101" pitchFamily="2" charset="-122"/>
+                        <a:ea typeface="等线" panose="02010600030101010101" pitchFamily="2" charset="-122"/>
+                        <a:cs typeface="Times New Roman" panose="02020603050405020304" pitchFamily="18" charset="0"/>
+                      </a:endParaRPr>
+                    </a:p>
+                  </a:txBody>
+                  <a:tcPr marL="560" marR="560" marT="560" marB="0" anchor="ctr"/>
+                </a:tc>
+                <a:tc>
+                  <a:txBody>
+                    <a:bodyPr/>
+                    <a:lstStyle/>
+                    <a:p>
+                      <a:pPr algn="ctr">
+                        <a:lnSpc>
+                          <a:spcPct val="150000"/>
+                        </a:lnSpc>
+                      </a:pPr>
+                      <a:r>
+                        <a:rPr lang="en-US" sz="2000" kern="100" dirty="0">
+                          <a:effectLst/>
+                        </a:rPr>
+                        <a:t>Academic Report</a:t>
+                      </a:r>
+                      <a:endParaRPr lang="zh-CN" altLang="en-US" sz="2000" dirty="0"/>
+                    </a:p>
+                  </a:txBody>
+                  <a:tcPr marL="560" marR="560" marT="560" marB="0" anchor="ctr"/>
+                </a:tc>
+                <a:tc>
+                  <a:txBody>
+                    <a:bodyPr/>
+                    <a:lstStyle/>
+                    <a:p>
+                      <a:pPr algn="ctr">
+                        <a:lnSpc>
+                          <a:spcPct val="150000"/>
+                        </a:lnSpc>
+                      </a:pPr>
+                      <a:r>
+                        <a:rPr lang="en-US" sz="2000" kern="100" dirty="0">
+                          <a:effectLst/>
+                        </a:rPr>
+                        <a:t>Rooms 1-6</a:t>
+                      </a:r>
+                      <a:endParaRPr lang="zh-CN" sz="2000" kern="100" dirty="0">
+                        <a:effectLst/>
+                      </a:endParaRPr>
+                    </a:p>
+                    <a:p>
+                      <a:pPr algn="ctr">
+                        <a:lnSpc>
+                          <a:spcPct val="150000"/>
+                        </a:lnSpc>
+                      </a:pPr>
+                      <a:r>
+                        <a:rPr lang="en-US" sz="2000" kern="100" dirty="0">
+                          <a:effectLst/>
+                        </a:rPr>
+                        <a:t>DoubleTree by Hilton Kuala Lumpur</a:t>
+                      </a:r>
+                      <a:endParaRPr lang="zh-CN" altLang="en-US" sz="2000" dirty="0"/>
+                    </a:p>
+                  </a:txBody>
+                  <a:tcPr marL="560" marR="560" marT="560" marB="0" anchor="ctr"/>
+                </a:tc>
+                <a:extLst>
+                  <a:ext uri="{0D108BD9-81ED-4DB2-BD59-A6C34878D82A}">
+                    <a16:rowId xmlns:a16="http://schemas.microsoft.com/office/drawing/2014/main" val="3311139103"/>
+                  </a:ext>
+                </a:extLst>
+              </a:tr>
+              <a:tr h="486971">
+                <a:tc vMerge="1">
+                  <a:txBody>
+                    <a:bodyPr/>
+                    <a:lstStyle/>
+                    <a:p>
+                      <a:endParaRPr lang="zh-CN" altLang="en-US"/>
+                    </a:p>
+                  </a:txBody>
+                  <a:tcPr/>
+                </a:tc>
+                <a:tc>
+                  <a:txBody>
+                    <a:bodyPr/>
+                    <a:lstStyle/>
+                    <a:p>
+                      <a:pPr algn="ctr">
+                        <a:lnSpc>
+                          <a:spcPct val="150000"/>
+                        </a:lnSpc>
+                      </a:pPr>
+                      <a:r>
+                        <a:rPr lang="en-US" sz="2000" kern="100" dirty="0">
+                          <a:effectLst/>
+                        </a:rPr>
+                        <a:t>19:00-21:00</a:t>
+                      </a:r>
+                      <a:endParaRPr lang="zh-CN" sz="2000" kern="100" dirty="0">
+                        <a:effectLst/>
+                        <a:latin typeface="等线" panose="02010600030101010101" pitchFamily="2" charset="-122"/>
+                        <a:ea typeface="等线" panose="02010600030101010101" pitchFamily="2" charset="-122"/>
+                        <a:cs typeface="Times New Roman" panose="02020603050405020304" pitchFamily="18" charset="0"/>
+                      </a:endParaRPr>
+                    </a:p>
+                  </a:txBody>
+                  <a:tcPr marL="560" marR="560" marT="560" marB="0" anchor="ctr"/>
+                </a:tc>
+                <a:tc>
+                  <a:txBody>
+                    <a:bodyPr/>
+                    <a:lstStyle/>
+                    <a:p>
+                      <a:pPr algn="ctr">
+                        <a:lnSpc>
+                          <a:spcPct val="150000"/>
+                        </a:lnSpc>
+                      </a:pPr>
+                      <a:r>
+                        <a:rPr lang="en-US" sz="2000" kern="100" dirty="0">
+                          <a:effectLst/>
+                        </a:rPr>
+                        <a:t>Banquet</a:t>
+                      </a:r>
+                      <a:endParaRPr lang="zh-CN" altLang="en-US" sz="2000" dirty="0"/>
+                    </a:p>
+                  </a:txBody>
+                  <a:tcPr marL="560" marR="560" marT="560" marB="0" anchor="ctr"/>
+                </a:tc>
+                <a:tc>
+                  <a:txBody>
+                    <a:bodyPr/>
+                    <a:lstStyle/>
+                    <a:p>
+                      <a:pPr algn="ctr">
+                        <a:lnSpc>
+                          <a:spcPct val="150000"/>
+                        </a:lnSpc>
+                      </a:pPr>
+                      <a:r>
+                        <a:rPr lang="en-US" sz="2000" kern="100" dirty="0">
+                          <a:effectLst/>
+                        </a:rPr>
+                        <a:t>DoubleTree by Hilton Kuala Lumpur</a:t>
+                      </a:r>
+                      <a:endParaRPr lang="zh-CN" altLang="en-US" sz="2000" dirty="0"/>
+                    </a:p>
+                  </a:txBody>
+                  <a:tcPr marL="560" marR="560" marT="560" marB="0" anchor="ctr"/>
+                </a:tc>
+                <a:extLst>
+                  <a:ext uri="{0D108BD9-81ED-4DB2-BD59-A6C34878D82A}">
+                    <a16:rowId xmlns:a16="http://schemas.microsoft.com/office/drawing/2014/main" val="2561467540"/>
+                  </a:ext>
+                </a:extLst>
+              </a:tr>
+              <a:tr h="634846">
+                <a:tc rowSpan="3">
+                  <a:txBody>
+                    <a:bodyPr/>
+                    <a:lstStyle/>
+                    <a:p>
+                      <a:pPr algn="ctr">
+                        <a:lnSpc>
+                          <a:spcPct val="150000"/>
+                        </a:lnSpc>
+                      </a:pPr>
+                      <a:r>
+                        <a:rPr lang="en-US" sz="2000" kern="100" dirty="0">
+                          <a:effectLst/>
+                        </a:rPr>
+                        <a:t>09 July 2024</a:t>
+                      </a:r>
+                      <a:endParaRPr lang="zh-CN" sz="2000" kern="100" dirty="0">
+                        <a:effectLst/>
+                        <a:latin typeface="等线" panose="02010600030101010101" pitchFamily="2" charset="-122"/>
+                        <a:ea typeface="等线" panose="02010600030101010101" pitchFamily="2" charset="-122"/>
+                        <a:cs typeface="Times New Roman" panose="02020603050405020304" pitchFamily="18" charset="0"/>
+                      </a:endParaRPr>
+                    </a:p>
+                  </a:txBody>
+                  <a:tcPr marL="560" marR="560" marT="560" marB="0" anchor="ctr"/>
+                </a:tc>
+                <a:tc>
+                  <a:txBody>
+                    <a:bodyPr/>
+                    <a:lstStyle/>
+                    <a:p>
+                      <a:pPr algn="ctr">
+                        <a:lnSpc>
+                          <a:spcPct val="150000"/>
+                        </a:lnSpc>
+                      </a:pPr>
+                      <a:r>
+                        <a:rPr lang="en-US" sz="2000" kern="100" dirty="0">
+                          <a:effectLst/>
+                        </a:rPr>
+                        <a:t>08:00-12:00</a:t>
+                      </a:r>
+                      <a:endParaRPr lang="zh-CN" sz="2000" kern="100" dirty="0">
+                        <a:effectLst/>
+                        <a:latin typeface="等线" panose="02010600030101010101" pitchFamily="2" charset="-122"/>
+                        <a:ea typeface="等线" panose="02010600030101010101" pitchFamily="2" charset="-122"/>
+                        <a:cs typeface="Times New Roman" panose="02020603050405020304" pitchFamily="18" charset="0"/>
+                      </a:endParaRPr>
+                    </a:p>
+                  </a:txBody>
+                  <a:tcPr marL="560" marR="560" marT="560" marB="0" anchor="ctr"/>
+                </a:tc>
+                <a:tc>
+                  <a:txBody>
+                    <a:bodyPr/>
+                    <a:lstStyle/>
+                    <a:p>
+                      <a:pPr algn="ctr">
+                        <a:lnSpc>
+                          <a:spcPct val="150000"/>
+                        </a:lnSpc>
+                      </a:pPr>
+                      <a:r>
+                        <a:rPr lang="en-US" sz="2000" kern="100" dirty="0">
+                          <a:effectLst/>
+                        </a:rPr>
+                        <a:t>Academic Report</a:t>
+                      </a:r>
+                      <a:endParaRPr lang="zh-CN" altLang="en-US" sz="2000" dirty="0"/>
+                    </a:p>
+                  </a:txBody>
+                  <a:tcPr marL="560" marR="560" marT="560" marB="0" anchor="ctr"/>
+                </a:tc>
+                <a:tc>
+                  <a:txBody>
+                    <a:bodyPr/>
+                    <a:lstStyle/>
+                    <a:p>
+                      <a:pPr algn="ctr">
+                        <a:lnSpc>
+                          <a:spcPct val="150000"/>
+                        </a:lnSpc>
+                      </a:pPr>
+                      <a:r>
+                        <a:rPr lang="en-US" sz="2000" kern="100" dirty="0">
+                          <a:effectLst/>
+                        </a:rPr>
+                        <a:t>Rooms 1-6</a:t>
+                      </a:r>
+                      <a:endParaRPr lang="zh-CN" sz="2000" kern="100" dirty="0">
+                        <a:effectLst/>
+                      </a:endParaRPr>
+                    </a:p>
+                    <a:p>
+                      <a:pPr algn="ctr">
+                        <a:lnSpc>
+                          <a:spcPct val="150000"/>
+                        </a:lnSpc>
+                      </a:pPr>
+                      <a:r>
+                        <a:rPr lang="en-US" sz="2000" kern="100" dirty="0">
+                          <a:effectLst/>
+                        </a:rPr>
+                        <a:t>DoubleTree by Hilton Kuala Lumpur</a:t>
+                      </a:r>
+                      <a:endParaRPr lang="zh-CN" altLang="en-US" sz="2000" dirty="0"/>
+                    </a:p>
+                  </a:txBody>
+                  <a:tcPr marL="560" marR="560" marT="560" marB="0" anchor="ctr"/>
+                </a:tc>
+                <a:extLst>
+                  <a:ext uri="{0D108BD9-81ED-4DB2-BD59-A6C34878D82A}">
+                    <a16:rowId xmlns:a16="http://schemas.microsoft.com/office/drawing/2014/main" val="3358822968"/>
+                  </a:ext>
+                </a:extLst>
+              </a:tr>
+              <a:tr h="486971">
+                <a:tc vMerge="1">
+                  <a:txBody>
+                    <a:bodyPr/>
+                    <a:lstStyle/>
+                    <a:p>
+                      <a:endParaRPr lang="zh-CN" altLang="en-US"/>
+                    </a:p>
+                  </a:txBody>
+                  <a:tcPr/>
+                </a:tc>
+                <a:tc>
+                  <a:txBody>
+                    <a:bodyPr/>
+                    <a:lstStyle/>
+                    <a:p>
+                      <a:pPr algn="ctr">
+                        <a:lnSpc>
+                          <a:spcPct val="150000"/>
+                        </a:lnSpc>
+                      </a:pPr>
+                      <a:r>
+                        <a:rPr lang="en-US" sz="2000" kern="100" dirty="0">
+                          <a:effectLst/>
+                        </a:rPr>
+                        <a:t>12:00-13:30</a:t>
+                      </a:r>
+                      <a:endParaRPr lang="zh-CN" sz="2000" kern="100" dirty="0">
+                        <a:effectLst/>
+                        <a:latin typeface="等线" panose="02010600030101010101" pitchFamily="2" charset="-122"/>
+                        <a:ea typeface="等线" panose="02010600030101010101" pitchFamily="2" charset="-122"/>
+                        <a:cs typeface="Times New Roman" panose="02020603050405020304" pitchFamily="18" charset="0"/>
+                      </a:endParaRPr>
+                    </a:p>
+                  </a:txBody>
+                  <a:tcPr marL="560" marR="560" marT="560" marB="0" anchor="ctr"/>
+                </a:tc>
+                <a:tc>
+                  <a:txBody>
+                    <a:bodyPr/>
+                    <a:lstStyle/>
+                    <a:p>
+                      <a:pPr algn="ctr">
+                        <a:lnSpc>
+                          <a:spcPct val="150000"/>
+                        </a:lnSpc>
+                      </a:pPr>
+                      <a:r>
+                        <a:rPr lang="en-US" sz="2000" kern="100" dirty="0">
+                          <a:effectLst/>
+                        </a:rPr>
+                        <a:t>Lunch</a:t>
+                      </a:r>
+                      <a:endParaRPr lang="zh-CN" altLang="en-US" sz="2000" dirty="0"/>
+                    </a:p>
+                  </a:txBody>
+                  <a:tcPr marL="560" marR="560" marT="560" marB="0" anchor="ctr"/>
+                </a:tc>
+                <a:tc>
+                  <a:txBody>
+                    <a:bodyPr/>
+                    <a:lstStyle/>
+                    <a:p>
+                      <a:pPr algn="ctr">
+                        <a:lnSpc>
+                          <a:spcPct val="150000"/>
+                        </a:lnSpc>
+                      </a:pPr>
+                      <a:r>
+                        <a:rPr lang="en-US" sz="2000" kern="100" dirty="0">
+                          <a:effectLst/>
+                        </a:rPr>
+                        <a:t>DoubleTree by Hilton Kuala Lumpur</a:t>
+                      </a:r>
+                      <a:endParaRPr lang="zh-CN" altLang="en-US" sz="2000" dirty="0"/>
+                    </a:p>
+                  </a:txBody>
+                  <a:tcPr marL="560" marR="560" marT="560" marB="0" anchor="ctr"/>
+                </a:tc>
+                <a:extLst>
+                  <a:ext uri="{0D108BD9-81ED-4DB2-BD59-A6C34878D82A}">
+                    <a16:rowId xmlns:a16="http://schemas.microsoft.com/office/drawing/2014/main" val="883909964"/>
+                  </a:ext>
+                </a:extLst>
+              </a:tr>
+              <a:tr h="634846">
+                <a:tc vMerge="1">
+                  <a:txBody>
+                    <a:bodyPr/>
+                    <a:lstStyle/>
+                    <a:p>
+                      <a:endParaRPr lang="zh-CN" altLang="en-US"/>
+                    </a:p>
+                  </a:txBody>
+                  <a:tcPr/>
+                </a:tc>
+                <a:tc>
+                  <a:txBody>
+                    <a:bodyPr/>
+                    <a:lstStyle/>
+                    <a:p>
+                      <a:pPr algn="ctr">
+                        <a:lnSpc>
+                          <a:spcPct val="150000"/>
+                        </a:lnSpc>
+                      </a:pPr>
+                      <a:r>
+                        <a:rPr lang="en-US" sz="2000" kern="100" dirty="0">
+                          <a:effectLst/>
+                        </a:rPr>
+                        <a:t>14:00-18:00</a:t>
+                      </a:r>
+                      <a:endParaRPr lang="zh-CN" sz="2000" kern="100" dirty="0">
+                        <a:effectLst/>
+                        <a:latin typeface="等线" panose="02010600030101010101" pitchFamily="2" charset="-122"/>
+                        <a:ea typeface="等线" panose="02010600030101010101" pitchFamily="2" charset="-122"/>
+                        <a:cs typeface="Times New Roman" panose="02020603050405020304" pitchFamily="18" charset="0"/>
+                      </a:endParaRPr>
+                    </a:p>
+                  </a:txBody>
+                  <a:tcPr marL="560" marR="560" marT="560" marB="0" anchor="ctr"/>
+                </a:tc>
+                <a:tc>
+                  <a:txBody>
+                    <a:bodyPr/>
+                    <a:lstStyle/>
+                    <a:p>
+                      <a:pPr algn="ctr">
+                        <a:lnSpc>
+                          <a:spcPct val="150000"/>
+                        </a:lnSpc>
+                      </a:pPr>
+                      <a:r>
+                        <a:rPr lang="en-US" sz="2000" kern="100" dirty="0">
+                          <a:effectLst/>
+                        </a:rPr>
+                        <a:t>Academic Report</a:t>
+                      </a:r>
+                      <a:endParaRPr lang="zh-CN" altLang="en-US" sz="2000" dirty="0"/>
+                    </a:p>
+                  </a:txBody>
+                  <a:tcPr marL="560" marR="560" marT="560" marB="0" anchor="ctr"/>
+                </a:tc>
+                <a:tc>
+                  <a:txBody>
+                    <a:bodyPr/>
+                    <a:lstStyle/>
+                    <a:p>
+                      <a:pPr algn="ctr">
+                        <a:lnSpc>
+                          <a:spcPct val="150000"/>
+                        </a:lnSpc>
+                      </a:pPr>
+                      <a:r>
+                        <a:rPr lang="en-US" sz="2000" kern="100" dirty="0">
+                          <a:effectLst/>
+                        </a:rPr>
+                        <a:t>Rooms 1-6</a:t>
+                      </a:r>
+                      <a:endParaRPr lang="zh-CN" sz="2000" kern="100" dirty="0">
+                        <a:effectLst/>
+                      </a:endParaRPr>
+                    </a:p>
+                    <a:p>
+                      <a:pPr algn="ctr">
+                        <a:lnSpc>
+                          <a:spcPct val="150000"/>
+                        </a:lnSpc>
+                      </a:pPr>
+                      <a:r>
+                        <a:rPr lang="en-US" sz="2000" kern="100" dirty="0">
+                          <a:effectLst/>
+                        </a:rPr>
+                        <a:t>DoubleTree by Hilton Kuala Lumpur</a:t>
+                      </a:r>
+                      <a:endParaRPr lang="zh-CN" altLang="en-US" sz="2000" dirty="0"/>
+                    </a:p>
+                  </a:txBody>
+                  <a:tcPr marL="560" marR="560" marT="560" marB="0" anchor="ctr"/>
+                </a:tc>
+                <a:extLst>
+                  <a:ext uri="{0D108BD9-81ED-4DB2-BD59-A6C34878D82A}">
+                    <a16:rowId xmlns:a16="http://schemas.microsoft.com/office/drawing/2014/main" val="2442818688"/>
+                  </a:ext>
+                </a:extLst>
+              </a:tr>
+              <a:tr h="486971">
+                <a:tc rowSpan="4">
+                  <a:txBody>
+                    <a:bodyPr/>
+                    <a:lstStyle/>
+                    <a:p>
+                      <a:pPr algn="ctr">
+                        <a:lnSpc>
+                          <a:spcPct val="150000"/>
+                        </a:lnSpc>
+                      </a:pPr>
+                      <a:r>
+                        <a:rPr lang="en-US" sz="2000" kern="100" dirty="0">
+                          <a:effectLst/>
+                        </a:rPr>
+                        <a:t>10 July 2024</a:t>
+                      </a:r>
+                      <a:endParaRPr lang="zh-CN" sz="2000" kern="100" dirty="0">
+                        <a:effectLst/>
+                        <a:latin typeface="等线" panose="02010600030101010101" pitchFamily="2" charset="-122"/>
+                        <a:ea typeface="等线" panose="02010600030101010101" pitchFamily="2" charset="-122"/>
+                        <a:cs typeface="Times New Roman" panose="02020603050405020304" pitchFamily="18" charset="0"/>
+                      </a:endParaRPr>
+                    </a:p>
+                  </a:txBody>
+                  <a:tcPr marL="560" marR="560" marT="560" marB="0" anchor="ctr"/>
+                </a:tc>
+                <a:tc>
+                  <a:txBody>
+                    <a:bodyPr/>
+                    <a:lstStyle/>
+                    <a:p>
+                      <a:pPr algn="ctr">
+                        <a:lnSpc>
+                          <a:spcPct val="150000"/>
+                        </a:lnSpc>
+                      </a:pPr>
+                      <a:r>
+                        <a:rPr lang="en-US" sz="2000" kern="100" dirty="0">
+                          <a:effectLst/>
+                        </a:rPr>
+                        <a:t>08:00-12:00</a:t>
+                      </a:r>
+                      <a:endParaRPr lang="zh-CN" sz="2000" kern="100" dirty="0">
+                        <a:effectLst/>
+                        <a:latin typeface="等线" panose="02010600030101010101" pitchFamily="2" charset="-122"/>
+                        <a:ea typeface="等线" panose="02010600030101010101" pitchFamily="2" charset="-122"/>
+                        <a:cs typeface="Times New Roman" panose="02020603050405020304" pitchFamily="18" charset="0"/>
+                      </a:endParaRPr>
+                    </a:p>
+                  </a:txBody>
+                  <a:tcPr marL="560" marR="560" marT="560" marB="0" anchor="ctr"/>
+                </a:tc>
+                <a:tc>
+                  <a:txBody>
+                    <a:bodyPr/>
+                    <a:lstStyle/>
+                    <a:p>
+                      <a:pPr algn="ctr">
+                        <a:lnSpc>
+                          <a:spcPct val="150000"/>
+                        </a:lnSpc>
+                      </a:pPr>
+                      <a:r>
+                        <a:rPr lang="en-US" sz="2000" kern="100" dirty="0">
+                          <a:effectLst/>
+                        </a:rPr>
+                        <a:t>Academic/Committee Discussion</a:t>
+                      </a:r>
+                      <a:endParaRPr lang="zh-CN" sz="2000" kern="100" dirty="0">
+                        <a:effectLst/>
+                        <a:latin typeface="等线" panose="02010600030101010101" pitchFamily="2" charset="-122"/>
+                        <a:ea typeface="等线" panose="02010600030101010101" pitchFamily="2" charset="-122"/>
+                        <a:cs typeface="Times New Roman" panose="02020603050405020304" pitchFamily="18" charset="0"/>
+                      </a:endParaRPr>
+                    </a:p>
+                  </a:txBody>
+                  <a:tcPr marL="560" marR="560" marT="560" marB="0" anchor="ctr"/>
+                </a:tc>
+                <a:tc>
+                  <a:txBody>
+                    <a:bodyPr/>
+                    <a:lstStyle/>
+                    <a:p>
+                      <a:pPr algn="ctr">
+                        <a:lnSpc>
+                          <a:spcPct val="150000"/>
+                        </a:lnSpc>
+                      </a:pPr>
+                      <a:r>
+                        <a:rPr lang="en-US" sz="2000" kern="100" dirty="0">
+                          <a:effectLst/>
+                        </a:rPr>
+                        <a:t>DoubleTree by Hilton Kuala Lumpur</a:t>
+                      </a:r>
+                      <a:endParaRPr lang="zh-CN" sz="2000" kern="100" dirty="0">
+                        <a:effectLst/>
+                        <a:latin typeface="等线" panose="02010600030101010101" pitchFamily="2" charset="-122"/>
+                        <a:ea typeface="等线" panose="02010600030101010101" pitchFamily="2" charset="-122"/>
+                        <a:cs typeface="Times New Roman" panose="02020603050405020304" pitchFamily="18" charset="0"/>
+                      </a:endParaRPr>
+                    </a:p>
+                  </a:txBody>
+                  <a:tcPr marL="560" marR="560" marT="560" marB="0" anchor="ctr"/>
+                </a:tc>
+                <a:extLst>
+                  <a:ext uri="{0D108BD9-81ED-4DB2-BD59-A6C34878D82A}">
+                    <a16:rowId xmlns:a16="http://schemas.microsoft.com/office/drawing/2014/main" val="1956631445"/>
+                  </a:ext>
+                </a:extLst>
+              </a:tr>
+              <a:tr h="486971">
+                <a:tc vMerge="1">
+                  <a:txBody>
+                    <a:bodyPr/>
+                    <a:lstStyle/>
+                    <a:p>
+                      <a:endParaRPr lang="zh-CN" altLang="en-US"/>
+                    </a:p>
+                  </a:txBody>
+                  <a:tcPr/>
+                </a:tc>
+                <a:tc>
+                  <a:txBody>
+                    <a:bodyPr/>
+                    <a:lstStyle/>
+                    <a:p>
+                      <a:pPr algn="ctr">
+                        <a:lnSpc>
+                          <a:spcPct val="150000"/>
+                        </a:lnSpc>
+                      </a:pPr>
+                      <a:r>
+                        <a:rPr lang="en-US" sz="2000" kern="100" dirty="0">
+                          <a:effectLst/>
+                        </a:rPr>
+                        <a:t>12:00-13:30</a:t>
+                      </a:r>
+                      <a:endParaRPr lang="zh-CN" sz="2000" kern="100" dirty="0">
+                        <a:effectLst/>
+                        <a:latin typeface="等线" panose="02010600030101010101" pitchFamily="2" charset="-122"/>
+                        <a:ea typeface="等线" panose="02010600030101010101" pitchFamily="2" charset="-122"/>
+                        <a:cs typeface="Times New Roman" panose="02020603050405020304" pitchFamily="18" charset="0"/>
+                      </a:endParaRPr>
+                    </a:p>
+                  </a:txBody>
+                  <a:tcPr marL="560" marR="560" marT="560" marB="0" anchor="ctr"/>
+                </a:tc>
+                <a:tc>
+                  <a:txBody>
+                    <a:bodyPr/>
+                    <a:lstStyle/>
+                    <a:p>
+                      <a:pPr algn="ctr">
+                        <a:lnSpc>
+                          <a:spcPct val="150000"/>
+                        </a:lnSpc>
+                      </a:pPr>
+                      <a:r>
+                        <a:rPr lang="en-US" sz="2000" kern="100" dirty="0">
+                          <a:effectLst/>
+                        </a:rPr>
+                        <a:t>Lunch</a:t>
+                      </a:r>
+                      <a:endParaRPr lang="zh-CN" sz="2000" kern="100" dirty="0">
+                        <a:effectLst/>
+                        <a:latin typeface="等线" panose="02010600030101010101" pitchFamily="2" charset="-122"/>
+                        <a:ea typeface="等线" panose="02010600030101010101" pitchFamily="2" charset="-122"/>
+                        <a:cs typeface="Times New Roman" panose="02020603050405020304" pitchFamily="18" charset="0"/>
+                      </a:endParaRPr>
+                    </a:p>
+                  </a:txBody>
+                  <a:tcPr marL="560" marR="560" marT="560" marB="0" anchor="ctr"/>
+                </a:tc>
+                <a:tc>
+                  <a:txBody>
+                    <a:bodyPr/>
+                    <a:lstStyle/>
+                    <a:p>
+                      <a:pPr algn="ctr">
+                        <a:lnSpc>
+                          <a:spcPct val="150000"/>
+                        </a:lnSpc>
+                      </a:pPr>
+                      <a:r>
+                        <a:rPr lang="en-US" sz="2000" kern="100" dirty="0">
+                          <a:effectLst/>
+                        </a:rPr>
+                        <a:t>DoubleTree by Hilton Kuala Lumpur</a:t>
+                      </a:r>
+                      <a:endParaRPr lang="zh-CN" sz="2000" kern="100" dirty="0">
+                        <a:effectLst/>
+                        <a:latin typeface="等线" panose="02010600030101010101" pitchFamily="2" charset="-122"/>
+                        <a:ea typeface="等线" panose="02010600030101010101" pitchFamily="2" charset="-122"/>
+                        <a:cs typeface="Times New Roman" panose="02020603050405020304" pitchFamily="18" charset="0"/>
+                      </a:endParaRPr>
+                    </a:p>
+                  </a:txBody>
+                  <a:tcPr marL="560" marR="560" marT="560" marB="0" anchor="ctr"/>
+                </a:tc>
+                <a:extLst>
+                  <a:ext uri="{0D108BD9-81ED-4DB2-BD59-A6C34878D82A}">
+                    <a16:rowId xmlns:a16="http://schemas.microsoft.com/office/drawing/2014/main" val="3053092189"/>
+                  </a:ext>
+                </a:extLst>
+              </a:tr>
+              <a:tr h="677095">
+                <a:tc vMerge="1">
+                  <a:txBody>
+                    <a:bodyPr/>
+                    <a:lstStyle/>
+                    <a:p>
+                      <a:endParaRPr lang="zh-CN" altLang="en-US"/>
+                    </a:p>
+                  </a:txBody>
+                  <a:tcPr/>
+                </a:tc>
+                <a:tc>
+                  <a:txBody>
+                    <a:bodyPr/>
+                    <a:lstStyle/>
+                    <a:p>
+                      <a:pPr algn="ctr">
+                        <a:lnSpc>
+                          <a:spcPct val="150000"/>
+                        </a:lnSpc>
+                      </a:pPr>
+                      <a:r>
+                        <a:rPr lang="en-US" sz="2000" kern="100" dirty="0">
+                          <a:effectLst/>
+                        </a:rPr>
+                        <a:t>14:00-15:00</a:t>
+                      </a:r>
+                      <a:endParaRPr lang="zh-CN" sz="2000" kern="100" dirty="0">
+                        <a:effectLst/>
+                        <a:latin typeface="等线" panose="02010600030101010101" pitchFamily="2" charset="-122"/>
+                        <a:ea typeface="等线" panose="02010600030101010101" pitchFamily="2" charset="-122"/>
+                        <a:cs typeface="Times New Roman" panose="02020603050405020304" pitchFamily="18" charset="0"/>
+                      </a:endParaRPr>
+                    </a:p>
+                  </a:txBody>
+                  <a:tcPr marL="560" marR="560" marT="560" marB="0" anchor="ctr"/>
+                </a:tc>
+                <a:tc>
+                  <a:txBody>
+                    <a:bodyPr/>
+                    <a:lstStyle/>
+                    <a:p>
+                      <a:pPr algn="ctr">
+                        <a:lnSpc>
+                          <a:spcPct val="150000"/>
+                        </a:lnSpc>
+                      </a:pPr>
+                      <a:r>
+                        <a:rPr lang="en-US" sz="2000" kern="100" dirty="0">
+                          <a:effectLst/>
+                        </a:rPr>
+                        <a:t>CMMM20244 Conference Committee Meeting</a:t>
+                      </a:r>
+                      <a:endParaRPr lang="zh-CN" sz="2000" kern="100" dirty="0">
+                        <a:effectLst/>
+                        <a:latin typeface="等线" panose="02010600030101010101" pitchFamily="2" charset="-122"/>
+                        <a:ea typeface="等线" panose="02010600030101010101" pitchFamily="2" charset="-122"/>
+                        <a:cs typeface="Times New Roman" panose="02020603050405020304" pitchFamily="18" charset="0"/>
+                      </a:endParaRPr>
+                    </a:p>
+                  </a:txBody>
+                  <a:tcPr marL="560" marR="560" marT="560" marB="0" anchor="ctr"/>
+                </a:tc>
+                <a:tc>
+                  <a:txBody>
+                    <a:bodyPr/>
+                    <a:lstStyle/>
+                    <a:p>
+                      <a:pPr algn="ctr">
+                        <a:lnSpc>
+                          <a:spcPct val="150000"/>
+                        </a:lnSpc>
+                      </a:pPr>
+                      <a:r>
+                        <a:rPr lang="en-US" sz="2000" kern="100" dirty="0">
+                          <a:effectLst/>
+                        </a:rPr>
+                        <a:t>DoubleTree by Hilton Kuala Lumpur</a:t>
+                      </a:r>
+                      <a:endParaRPr lang="zh-CN" sz="2000" kern="100" dirty="0">
+                        <a:effectLst/>
+                        <a:latin typeface="等线" panose="02010600030101010101" pitchFamily="2" charset="-122"/>
+                        <a:ea typeface="等线" panose="02010600030101010101" pitchFamily="2" charset="-122"/>
+                        <a:cs typeface="Times New Roman" panose="02020603050405020304" pitchFamily="18" charset="0"/>
+                      </a:endParaRPr>
+                    </a:p>
+                  </a:txBody>
+                  <a:tcPr marL="560" marR="560" marT="560" marB="0" anchor="ctr"/>
+                </a:tc>
+                <a:extLst>
+                  <a:ext uri="{0D108BD9-81ED-4DB2-BD59-A6C34878D82A}">
+                    <a16:rowId xmlns:a16="http://schemas.microsoft.com/office/drawing/2014/main" val="3391610167"/>
+                  </a:ext>
+                </a:extLst>
+              </a:tr>
+              <a:tr h="846094">
+                <a:tc vMerge="1">
+                  <a:txBody>
+                    <a:bodyPr/>
+                    <a:lstStyle/>
+                    <a:p>
+                      <a:endParaRPr lang="zh-CN" altLang="en-US"/>
+                    </a:p>
+                  </a:txBody>
+                  <a:tcPr/>
+                </a:tc>
+                <a:tc>
+                  <a:txBody>
+                    <a:bodyPr/>
+                    <a:lstStyle/>
+                    <a:p>
+                      <a:pPr algn="ctr">
+                        <a:lnSpc>
+                          <a:spcPct val="150000"/>
+                        </a:lnSpc>
+                      </a:pPr>
+                      <a:r>
+                        <a:rPr lang="en-US" sz="2000" kern="100" dirty="0">
+                          <a:effectLst/>
+                        </a:rPr>
+                        <a:t>15:00-17:00</a:t>
+                      </a:r>
+                      <a:endParaRPr lang="zh-CN" sz="2000" kern="100" dirty="0">
+                        <a:effectLst/>
+                        <a:latin typeface="等线" panose="02010600030101010101" pitchFamily="2" charset="-122"/>
+                        <a:ea typeface="等线" panose="02010600030101010101" pitchFamily="2" charset="-122"/>
+                        <a:cs typeface="Times New Roman" panose="02020603050405020304" pitchFamily="18" charset="0"/>
+                      </a:endParaRPr>
+                    </a:p>
+                  </a:txBody>
+                  <a:tcPr marL="560" marR="560" marT="560" marB="0" anchor="ctr"/>
+                </a:tc>
+                <a:tc>
+                  <a:txBody>
+                    <a:bodyPr/>
+                    <a:lstStyle/>
+                    <a:p>
+                      <a:pPr algn="ctr">
+                        <a:lnSpc>
+                          <a:spcPct val="150000"/>
+                        </a:lnSpc>
+                      </a:pPr>
+                      <a:r>
+                        <a:rPr lang="en-US" sz="2000" kern="100" dirty="0">
+                          <a:effectLst/>
+                        </a:rPr>
+                        <a:t>CMMM2024 Conference Closing/Certificate Distribution</a:t>
+                      </a:r>
+                      <a:endParaRPr lang="zh-CN" sz="2000" kern="100" dirty="0">
+                        <a:effectLst/>
+                        <a:latin typeface="等线" panose="02010600030101010101" pitchFamily="2" charset="-122"/>
+                        <a:ea typeface="等线" panose="02010600030101010101" pitchFamily="2" charset="-122"/>
+                        <a:cs typeface="Times New Roman" panose="02020603050405020304" pitchFamily="18" charset="0"/>
+                      </a:endParaRPr>
+                    </a:p>
+                  </a:txBody>
+                  <a:tcPr marL="560" marR="560" marT="560" marB="0" anchor="ctr"/>
+                </a:tc>
+                <a:tc>
+                  <a:txBody>
+                    <a:bodyPr/>
+                    <a:lstStyle/>
+                    <a:p>
+                      <a:pPr algn="ctr">
+                        <a:lnSpc>
+                          <a:spcPct val="150000"/>
+                        </a:lnSpc>
+                      </a:pPr>
+                      <a:r>
+                        <a:rPr lang="en-US" sz="2000" kern="100" dirty="0">
+                          <a:effectLst/>
+                        </a:rPr>
+                        <a:t>DoubleTree by Hilton Kuala Lumpur</a:t>
+                      </a:r>
+                      <a:endParaRPr lang="zh-CN" sz="2000" kern="100" dirty="0">
+                        <a:effectLst/>
+                        <a:latin typeface="等线" panose="02010600030101010101" pitchFamily="2" charset="-122"/>
+                        <a:ea typeface="等线" panose="02010600030101010101" pitchFamily="2" charset="-122"/>
+                        <a:cs typeface="Times New Roman" panose="02020603050405020304" pitchFamily="18" charset="0"/>
+                      </a:endParaRPr>
+                    </a:p>
+                  </a:txBody>
+                  <a:tcPr marL="560" marR="560" marT="560" marB="0" anchor="ctr"/>
+                </a:tc>
+                <a:extLst>
+                  <a:ext uri="{0D108BD9-81ED-4DB2-BD59-A6C34878D82A}">
+                    <a16:rowId xmlns:a16="http://schemas.microsoft.com/office/drawing/2014/main" val="1269814123"/>
+                  </a:ext>
+                </a:extLst>
+              </a:tr>
+              <a:tr h="1247467">
+                <a:tc>
+                  <a:txBody>
+                    <a:bodyPr/>
+                    <a:lstStyle/>
+                    <a:p>
+                      <a:pPr algn="ctr">
+                        <a:lnSpc>
+                          <a:spcPct val="150000"/>
+                        </a:lnSpc>
+                      </a:pPr>
+                      <a:r>
+                        <a:rPr lang="en-US" sz="2000" kern="100" dirty="0">
+                          <a:effectLst/>
+                        </a:rPr>
+                        <a:t>11 &amp; 12 July 2024</a:t>
+                      </a:r>
+                      <a:endParaRPr lang="zh-CN" sz="2000" kern="100" dirty="0">
+                        <a:effectLst/>
+                        <a:latin typeface="等线" panose="02010600030101010101" pitchFamily="2" charset="-122"/>
+                        <a:ea typeface="等线" panose="02010600030101010101" pitchFamily="2" charset="-122"/>
+                        <a:cs typeface="Times New Roman" panose="02020603050405020304" pitchFamily="18" charset="0"/>
+                      </a:endParaRPr>
+                    </a:p>
+                  </a:txBody>
+                  <a:tcPr marL="560" marR="560" marT="560" marB="0" anchor="ctr"/>
+                </a:tc>
+                <a:tc>
+                  <a:txBody>
+                    <a:bodyPr/>
+                    <a:lstStyle/>
+                    <a:p>
+                      <a:pPr algn="ctr">
+                        <a:lnSpc>
+                          <a:spcPct val="150000"/>
+                        </a:lnSpc>
+                      </a:pPr>
+                      <a:r>
+                        <a:rPr lang="en-US" sz="2000" kern="100" dirty="0">
+                          <a:effectLst/>
+                        </a:rPr>
+                        <a:t>TBC</a:t>
+                      </a:r>
+                      <a:endParaRPr lang="zh-CN" sz="2000" kern="100" dirty="0">
+                        <a:effectLst/>
+                        <a:latin typeface="等线" panose="02010600030101010101" pitchFamily="2" charset="-122"/>
+                        <a:ea typeface="等线" panose="02010600030101010101" pitchFamily="2" charset="-122"/>
+                        <a:cs typeface="Times New Roman" panose="02020603050405020304" pitchFamily="18" charset="0"/>
+                      </a:endParaRPr>
+                    </a:p>
+                  </a:txBody>
+                  <a:tcPr marL="560" marR="560" marT="560" marB="0" anchor="ctr"/>
+                </a:tc>
+                <a:tc>
+                  <a:txBody>
+                    <a:bodyPr/>
+                    <a:lstStyle/>
+                    <a:p>
+                      <a:pPr algn="ctr">
+                        <a:lnSpc>
+                          <a:spcPct val="150000"/>
+                        </a:lnSpc>
+                      </a:pPr>
+                      <a:r>
+                        <a:rPr lang="en-US" sz="2000" kern="100" dirty="0">
+                          <a:effectLst/>
+                        </a:rPr>
+                        <a:t>Visit </a:t>
+                      </a:r>
+                      <a:r>
+                        <a:rPr lang="en-US" sz="2000" kern="100" dirty="0" err="1">
+                          <a:effectLst/>
+                        </a:rPr>
+                        <a:t>Universiti</a:t>
+                      </a:r>
+                      <a:r>
+                        <a:rPr lang="en-US" sz="2000" kern="100" dirty="0">
+                          <a:effectLst/>
+                        </a:rPr>
+                        <a:t> Malaya, </a:t>
+                      </a:r>
+                      <a:endParaRPr lang="zh-CN" sz="2000" kern="100" dirty="0">
+                        <a:effectLst/>
+                      </a:endParaRPr>
+                    </a:p>
+                    <a:p>
+                      <a:pPr algn="ctr">
+                        <a:lnSpc>
+                          <a:spcPct val="150000"/>
+                        </a:lnSpc>
+                      </a:pPr>
+                      <a:r>
+                        <a:rPr lang="en-US" sz="2000" kern="100" dirty="0" err="1">
+                          <a:effectLst/>
+                        </a:rPr>
+                        <a:t>Universiti</a:t>
+                      </a:r>
+                      <a:r>
+                        <a:rPr lang="en-US" sz="2000" kern="100" dirty="0">
+                          <a:effectLst/>
+                        </a:rPr>
+                        <a:t> </a:t>
+                      </a:r>
+                      <a:r>
+                        <a:rPr lang="en-US" sz="2000" kern="100" dirty="0" err="1">
+                          <a:effectLst/>
+                        </a:rPr>
+                        <a:t>Tunku</a:t>
+                      </a:r>
+                      <a:r>
+                        <a:rPr lang="en-US" sz="2000" kern="100" dirty="0">
+                          <a:effectLst/>
+                        </a:rPr>
+                        <a:t> Abdul Rahman and Other Academic Activities </a:t>
+                      </a:r>
+                      <a:endParaRPr lang="zh-CN" sz="2000" kern="100" dirty="0">
+                        <a:effectLst/>
+                        <a:latin typeface="等线" panose="02010600030101010101" pitchFamily="2" charset="-122"/>
+                        <a:ea typeface="等线" panose="02010600030101010101" pitchFamily="2" charset="-122"/>
+                        <a:cs typeface="Times New Roman" panose="02020603050405020304" pitchFamily="18" charset="0"/>
+                      </a:endParaRPr>
+                    </a:p>
+                  </a:txBody>
+                  <a:tcPr marL="560" marR="560" marT="560" marB="0" anchor="ctr"/>
+                </a:tc>
+                <a:tc>
+                  <a:txBody>
+                    <a:bodyPr/>
+                    <a:lstStyle/>
+                    <a:p>
+                      <a:pPr algn="ctr">
+                        <a:lnSpc>
+                          <a:spcPct val="150000"/>
+                        </a:lnSpc>
+                      </a:pPr>
+                      <a:r>
+                        <a:rPr lang="en-US" sz="2000" kern="100" dirty="0" err="1">
+                          <a:effectLst/>
+                        </a:rPr>
+                        <a:t>Universiti</a:t>
+                      </a:r>
+                      <a:r>
+                        <a:rPr lang="en-US" sz="2000" kern="100" dirty="0">
+                          <a:effectLst/>
+                        </a:rPr>
+                        <a:t> Malaya &amp; </a:t>
+                      </a:r>
+                      <a:r>
+                        <a:rPr lang="en-US" sz="2000" kern="100" dirty="0" err="1">
+                          <a:effectLst/>
+                        </a:rPr>
+                        <a:t>Universiti</a:t>
+                      </a:r>
+                      <a:r>
+                        <a:rPr lang="en-US" sz="2000" kern="100" dirty="0">
+                          <a:effectLst/>
+                        </a:rPr>
+                        <a:t> </a:t>
+                      </a:r>
+                      <a:r>
+                        <a:rPr lang="en-US" sz="2000" kern="100" dirty="0" err="1">
+                          <a:effectLst/>
+                        </a:rPr>
+                        <a:t>Tunku</a:t>
+                      </a:r>
+                      <a:r>
+                        <a:rPr lang="en-US" sz="2000" kern="100" dirty="0">
+                          <a:effectLst/>
+                        </a:rPr>
+                        <a:t> Abdul Rahman</a:t>
+                      </a:r>
+                      <a:endParaRPr lang="zh-CN" sz="2000" kern="100" dirty="0">
+                        <a:effectLst/>
+                        <a:latin typeface="等线" panose="02010600030101010101" pitchFamily="2" charset="-122"/>
+                        <a:ea typeface="等线" panose="02010600030101010101" pitchFamily="2" charset="-122"/>
+                        <a:cs typeface="Times New Roman" panose="02020603050405020304" pitchFamily="18" charset="0"/>
+                      </a:endParaRPr>
+                    </a:p>
+                  </a:txBody>
+                  <a:tcPr marL="560" marR="560" marT="560" marB="0" anchor="ctr"/>
+                </a:tc>
+                <a:extLst>
+                  <a:ext uri="{0D108BD9-81ED-4DB2-BD59-A6C34878D82A}">
+                    <a16:rowId xmlns:a16="http://schemas.microsoft.com/office/drawing/2014/main" val="2458069925"/>
+                  </a:ext>
+                </a:extLst>
+              </a:tr>
+            </a:tbl>
+          </a:graphicData>
+        </a:graphic>
+      </p:graphicFrame>
     </p:spTree>
     <p:extLst>
       <p:ext uri="{BB962C8B-B14F-4D97-AF65-F5344CB8AC3E}">

--- a/assets/figures.pptx
+++ b/assets/figures.pptx
@@ -134,7 +134,7 @@
 <file path=ppt/revisionInfo.xml><?xml version="1.0" encoding="utf-8"?>
 <p1510:revInfo xmlns:a="http://schemas.openxmlformats.org/drawingml/2006/main" xmlns:r="http://schemas.openxmlformats.org/officeDocument/2006/relationships" xmlns:p1510="http://schemas.microsoft.com/office/powerpoint/2015/10/main">
   <p1510:revLst>
-    <p1510:client id="{1DC4A7AB-8307-463F-B68B-CDC3B517A939}" v="122" dt="2024-03-15T04:49:47.419"/>
+    <p1510:client id="{1DC4A7AB-8307-463F-B68B-CDC3B517A939}" v="123" dt="2024-03-15T05:03:39.356"/>
   </p1510:revLst>
 </p1510:revInfo>
 </file>
@@ -176,7 +176,7 @@
   <pc:docChgLst>
     <pc:chgData name="ZHANG Xiangyu" userId="0af619d5-14b7-43d3-95bc-94ad39c803d6" providerId="ADAL" clId="{1DC4A7AB-8307-463F-B68B-CDC3B517A939}"/>
     <pc:docChg chg="undo redo custSel addSld modSld">
-      <pc:chgData name="ZHANG Xiangyu" userId="0af619d5-14b7-43d3-95bc-94ad39c803d6" providerId="ADAL" clId="{1DC4A7AB-8307-463F-B68B-CDC3B517A939}" dt="2024-03-15T04:49:47.418" v="541" actId="5736"/>
+      <pc:chgData name="ZHANG Xiangyu" userId="0af619d5-14b7-43d3-95bc-94ad39c803d6" providerId="ADAL" clId="{1DC4A7AB-8307-463F-B68B-CDC3B517A939}" dt="2024-03-15T05:03:39.355" v="552" actId="5736"/>
       <pc:docMkLst>
         <pc:docMk/>
       </pc:docMkLst>
@@ -878,7 +878,7 @@
         </pc:picChg>
       </pc:sldChg>
       <pc:sldChg chg="addSp delSp modSp new mod">
-        <pc:chgData name="ZHANG Xiangyu" userId="0af619d5-14b7-43d3-95bc-94ad39c803d6" providerId="ADAL" clId="{1DC4A7AB-8307-463F-B68B-CDC3B517A939}" dt="2024-03-15T04:49:47.418" v="541" actId="5736"/>
+        <pc:chgData name="ZHANG Xiangyu" userId="0af619d5-14b7-43d3-95bc-94ad39c803d6" providerId="ADAL" clId="{1DC4A7AB-8307-463F-B68B-CDC3B517A939}" dt="2024-03-15T05:03:39.355" v="552" actId="5736"/>
         <pc:sldMkLst>
           <pc:docMk/>
           <pc:sldMk cId="2545574032" sldId="272"/>
@@ -940,7 +940,7 @@
           </ac:graphicFrameMkLst>
         </pc:graphicFrameChg>
         <pc:graphicFrameChg chg="add mod modGraphic">
-          <ac:chgData name="ZHANG Xiangyu" userId="0af619d5-14b7-43d3-95bc-94ad39c803d6" providerId="ADAL" clId="{1DC4A7AB-8307-463F-B68B-CDC3B517A939}" dt="2024-03-15T04:49:47.418" v="541" actId="5736"/>
+          <ac:chgData name="ZHANG Xiangyu" userId="0af619d5-14b7-43d3-95bc-94ad39c803d6" providerId="ADAL" clId="{1DC4A7AB-8307-463F-B68B-CDC3B517A939}" dt="2024-03-15T05:03:39.355" v="552" actId="5736"/>
           <ac:graphicFrameMkLst>
             <pc:docMk/>
             <pc:sldMk cId="2545574032" sldId="272"/>
@@ -12056,14 +12056,14 @@
           <p:nvPr>
             <p:extLst>
               <p:ext uri="{D42A27DB-BD31-4B8C-83A1-F6EECF244321}">
-                <p14:modId xmlns:p14="http://schemas.microsoft.com/office/powerpoint/2010/main" val="3641239490"/>
+                <p14:modId xmlns:p14="http://schemas.microsoft.com/office/powerpoint/2010/main" val="359930965"/>
               </p:ext>
             </p:extLst>
           </p:nvPr>
         </p:nvGraphicFramePr>
         <p:xfrm>
           <a:off x="266699" y="-693156"/>
-          <a:ext cx="11658601" cy="14605746"/>
+          <a:ext cx="11658601" cy="17054871"/>
         </p:xfrm>
         <a:graphic>
           <a:graphicData uri="http://schemas.openxmlformats.org/drawingml/2006/table">
@@ -12086,14 +12086,14 @@
                     </a:ext>
                   </a:extLst>
                 </a:gridCol>
-                <a:gridCol w="3964782">
+                <a:gridCol w="3889262">
                   <a:extLst>
                     <a:ext uri="{9D8B030D-6E8A-4147-A177-3AD203B41FA5}">
                       <a16:colId xmlns:a16="http://schemas.microsoft.com/office/drawing/2014/main" val="4104923008"/>
                     </a:ext>
                   </a:extLst>
                 </a:gridCol>
-                <a:gridCol w="2357437">
+                <a:gridCol w="2432957">
                   <a:extLst>
                     <a:ext uri="{9D8B030D-6E8A-4147-A177-3AD203B41FA5}">
                       <a16:colId xmlns:a16="http://schemas.microsoft.com/office/drawing/2014/main" val="421798908"/>
@@ -12109,12 +12109,12 @@
                     <a:p>
                       <a:pPr algn="ctr"/>
                       <a:r>
-                        <a:rPr lang="en-US" sz="2000" kern="100" dirty="0">
+                        <a:rPr lang="en-US" sz="1800" kern="100" dirty="0">
                           <a:effectLst/>
                         </a:rPr>
                         <a:t>Date</a:t>
                       </a:r>
-                      <a:endParaRPr lang="zh-CN" sz="2000" kern="100" dirty="0">
+                      <a:endParaRPr lang="zh-CN" sz="1800" kern="100" dirty="0">
                         <a:effectLst/>
                         <a:latin typeface="等线" panose="02010600030101010101" pitchFamily="2" charset="-122"/>
                         <a:ea typeface="等线" panose="02010600030101010101" pitchFamily="2" charset="-122"/>
@@ -12131,12 +12131,12 @@
                     <a:p>
                       <a:pPr algn="ctr"/>
                       <a:r>
-                        <a:rPr lang="en-US" sz="2000" kern="100" dirty="0">
+                        <a:rPr lang="en-US" sz="1800" kern="100" dirty="0">
                           <a:effectLst/>
                         </a:rPr>
                         <a:t>Time</a:t>
                       </a:r>
-                      <a:endParaRPr lang="zh-CN" sz="2000" kern="100" dirty="0">
+                      <a:endParaRPr lang="zh-CN" sz="1800" kern="100" dirty="0">
                         <a:effectLst/>
                         <a:latin typeface="等线" panose="02010600030101010101" pitchFamily="2" charset="-122"/>
                         <a:ea typeface="等线" panose="02010600030101010101" pitchFamily="2" charset="-122"/>
@@ -12153,12 +12153,12 @@
                     <a:p>
                       <a:pPr algn="ctr"/>
                       <a:r>
-                        <a:rPr lang="en-US" sz="2000" kern="100" dirty="0">
+                        <a:rPr lang="en-US" sz="1800" kern="100" dirty="0">
                           <a:effectLst/>
                         </a:rPr>
                         <a:t>Purpose/Function</a:t>
                       </a:r>
-                      <a:endParaRPr lang="zh-CN" altLang="en-US" sz="2000" dirty="0"/>
+                      <a:endParaRPr lang="zh-CN" altLang="en-US" sz="1800" dirty="0"/>
                     </a:p>
                   </a:txBody>
                   <a:tcPr marL="560" marR="560" marT="560" marB="0" anchor="ctr"/>
@@ -12170,12 +12170,12 @@
                     <a:p>
                       <a:pPr algn="ctr"/>
                       <a:r>
-                        <a:rPr lang="en-US" sz="2000" kern="100">
+                        <a:rPr lang="en-US" sz="1800" kern="100">
                           <a:effectLst/>
                         </a:rPr>
                         <a:t>Location</a:t>
                       </a:r>
-                      <a:endParaRPr lang="zh-CN" altLang="en-US" sz="2000"/>
+                      <a:endParaRPr lang="zh-CN" altLang="en-US" sz="1800"/>
                     </a:p>
                   </a:txBody>
                   <a:tcPr marL="560" marR="560" marT="560" marB="0" anchor="ctr"/>
@@ -12198,12 +12198,12 @@
                         </a:lnSpc>
                       </a:pPr>
                       <a:r>
-                        <a:rPr lang="en-US" sz="2000" kern="100" dirty="0">
+                        <a:rPr lang="en-US" sz="1800" kern="100" dirty="0">
                           <a:effectLst/>
                         </a:rPr>
                         <a:t>07 July 2024</a:t>
                       </a:r>
-                      <a:endParaRPr lang="zh-CN" sz="2000" kern="100" dirty="0">
+                      <a:endParaRPr lang="zh-CN" sz="1800" kern="100" dirty="0">
                         <a:effectLst/>
                         <a:latin typeface="等线" panose="02010600030101010101" pitchFamily="2" charset="-122"/>
                         <a:ea typeface="等线" panose="02010600030101010101" pitchFamily="2" charset="-122"/>
@@ -12220,16 +12220,22 @@
                     <a:p>
                       <a:pPr algn="ctr">
                         <a:lnSpc>
-                          <a:spcPct val="150000"/>
+                          <a:spcPct val="200000"/>
                         </a:lnSpc>
+                        <a:spcBef>
+                          <a:spcPts val="0"/>
+                        </a:spcBef>
+                        <a:spcAft>
+                          <a:spcPts val="0"/>
+                        </a:spcAft>
                       </a:pPr>
                       <a:r>
-                        <a:rPr lang="en-US" sz="2000" kern="100" dirty="0">
+                        <a:rPr lang="en-US" sz="1800" kern="100" dirty="0">
                           <a:effectLst/>
                         </a:rPr>
                         <a:t>14:00-20:00</a:t>
                       </a:r>
-                      <a:endParaRPr lang="zh-CN" sz="2000" kern="100" dirty="0">
+                      <a:endParaRPr lang="zh-CN" sz="1800" kern="100" dirty="0">
                         <a:effectLst/>
                         <a:latin typeface="等线" panose="02010600030101010101" pitchFamily="2" charset="-122"/>
                         <a:ea typeface="等线" panose="02010600030101010101" pitchFamily="2" charset="-122"/>
@@ -12246,16 +12252,22 @@
                     <a:p>
                       <a:pPr algn="ctr">
                         <a:lnSpc>
-                          <a:spcPct val="150000"/>
+                          <a:spcPct val="200000"/>
                         </a:lnSpc>
+                        <a:spcBef>
+                          <a:spcPts val="0"/>
+                        </a:spcBef>
+                        <a:spcAft>
+                          <a:spcPts val="0"/>
+                        </a:spcAft>
                       </a:pPr>
                       <a:r>
-                        <a:rPr lang="en-US" sz="2000" kern="100" dirty="0">
+                        <a:rPr lang="en-US" sz="1800" kern="100" dirty="0">
                           <a:effectLst/>
                         </a:rPr>
                         <a:t>Onsite Registration</a:t>
                       </a:r>
-                      <a:endParaRPr lang="zh-CN" altLang="en-US" sz="2000" dirty="0"/>
+                      <a:endParaRPr lang="zh-CN" altLang="en-US" sz="1800" dirty="0"/>
                     </a:p>
                   </a:txBody>
                   <a:tcPr marL="560" marR="560" marT="560" marB="0" anchor="ctr"/>
@@ -12267,16 +12279,22 @@
                     <a:p>
                       <a:pPr algn="ctr">
                         <a:lnSpc>
-                          <a:spcPct val="150000"/>
+                          <a:spcPct val="200000"/>
                         </a:lnSpc>
+                        <a:spcBef>
+                          <a:spcPts val="0"/>
+                        </a:spcBef>
+                        <a:spcAft>
+                          <a:spcPts val="0"/>
+                        </a:spcAft>
                       </a:pPr>
                       <a:r>
-                        <a:rPr lang="en-US" sz="2000" kern="100" dirty="0">
+                        <a:rPr lang="en-US" sz="1800" kern="100" dirty="0">
                           <a:effectLst/>
                         </a:rPr>
                         <a:t>DoubleTree by Hilton Kuala Lumpur</a:t>
                       </a:r>
-                      <a:endParaRPr lang="zh-CN" altLang="en-US" sz="2000" dirty="0"/>
+                      <a:endParaRPr lang="zh-CN" altLang="en-US" sz="1800" dirty="0"/>
                     </a:p>
                   </a:txBody>
                   <a:tcPr marL="560" marR="560" marT="560" marB="0" anchor="ctr"/>
@@ -12299,12 +12317,12 @@
                         </a:lnSpc>
                       </a:pPr>
                       <a:r>
-                        <a:rPr lang="en-US" sz="2000" kern="100" dirty="0">
+                        <a:rPr lang="en-US" sz="1800" kern="100" dirty="0">
                           <a:effectLst/>
                         </a:rPr>
                         <a:t>08 July 2024</a:t>
                       </a:r>
-                      <a:endParaRPr lang="zh-CN" sz="2000" kern="100" dirty="0">
+                      <a:endParaRPr lang="zh-CN" sz="1800" kern="100" dirty="0">
                         <a:effectLst/>
                         <a:latin typeface="等线" panose="02010600030101010101" pitchFamily="2" charset="-122"/>
                         <a:ea typeface="等线" panose="02010600030101010101" pitchFamily="2" charset="-122"/>
@@ -12321,16 +12339,22 @@
                     <a:p>
                       <a:pPr algn="ctr">
                         <a:lnSpc>
-                          <a:spcPct val="150000"/>
+                          <a:spcPct val="200000"/>
                         </a:lnSpc>
+                        <a:spcBef>
+                          <a:spcPts val="0"/>
+                        </a:spcBef>
+                        <a:spcAft>
+                          <a:spcPts val="0"/>
+                        </a:spcAft>
                       </a:pPr>
                       <a:r>
-                        <a:rPr lang="en-US" sz="2000" kern="100" dirty="0">
+                        <a:rPr lang="en-US" sz="1800" kern="100" dirty="0">
                           <a:effectLst/>
                         </a:rPr>
                         <a:t>08:00-12:00</a:t>
                       </a:r>
-                      <a:endParaRPr lang="zh-CN" sz="2000" kern="100" dirty="0">
+                      <a:endParaRPr lang="zh-CN" sz="1800" kern="100" dirty="0">
                         <a:effectLst/>
                         <a:latin typeface="等线" panose="02010600030101010101" pitchFamily="2" charset="-122"/>
                         <a:ea typeface="等线" panose="02010600030101010101" pitchFamily="2" charset="-122"/>
@@ -12347,38 +12371,44 @@
                     <a:p>
                       <a:pPr algn="ctr">
                         <a:lnSpc>
-                          <a:spcPct val="150000"/>
+                          <a:spcPct val="200000"/>
                         </a:lnSpc>
+                        <a:spcBef>
+                          <a:spcPts val="0"/>
+                        </a:spcBef>
+                        <a:spcAft>
+                          <a:spcPts val="0"/>
+                        </a:spcAft>
                       </a:pPr>
                       <a:r>
-                        <a:rPr lang="en-US" sz="2000" kern="100" dirty="0">
+                        <a:rPr lang="en-US" sz="1800" kern="100" dirty="0">
                           <a:effectLst/>
                         </a:rPr>
                         <a:t>Opening Ceremony,</a:t>
                       </a:r>
                       <a:br>
-                        <a:rPr lang="en-US" sz="2000" kern="100" dirty="0">
+                        <a:rPr lang="en-US" sz="1800" kern="100" dirty="0">
                           <a:effectLst/>
                         </a:rPr>
                       </a:br>
                       <a:r>
-                        <a:rPr lang="en-US" sz="2000" kern="100" dirty="0">
+                        <a:rPr lang="en-US" sz="1800" kern="100" dirty="0">
                           <a:effectLst/>
                         </a:rPr>
                         <a:t>Group Photo,</a:t>
                       </a:r>
                       <a:br>
-                        <a:rPr lang="en-US" sz="2000" kern="100" dirty="0">
+                        <a:rPr lang="en-US" sz="1800" kern="100" dirty="0">
                           <a:effectLst/>
                         </a:rPr>
                       </a:br>
                       <a:r>
-                        <a:rPr lang="en-US" sz="2000" kern="100" dirty="0">
+                        <a:rPr lang="en-US" sz="1800" kern="100" dirty="0">
                           <a:effectLst/>
                         </a:rPr>
                         <a:t>Plenary Lectures</a:t>
                       </a:r>
-                      <a:endParaRPr lang="zh-CN" altLang="en-US" sz="2000" dirty="0"/>
+                      <a:endParaRPr lang="zh-CN" altLang="en-US" sz="1800" dirty="0"/>
                     </a:p>
                   </a:txBody>
                   <a:tcPr marL="560" marR="560" marT="560" marB="0" anchor="ctr"/>
@@ -12390,16 +12420,22 @@
                     <a:p>
                       <a:pPr algn="ctr">
                         <a:lnSpc>
-                          <a:spcPct val="150000"/>
+                          <a:spcPct val="200000"/>
                         </a:lnSpc>
+                        <a:spcBef>
+                          <a:spcPts val="0"/>
+                        </a:spcBef>
+                        <a:spcAft>
+                          <a:spcPts val="0"/>
+                        </a:spcAft>
                       </a:pPr>
                       <a:r>
-                        <a:rPr lang="en-US" sz="2000" kern="100">
+                        <a:rPr lang="en-US" sz="1800" kern="100">
                           <a:effectLst/>
                         </a:rPr>
                         <a:t>DoubleTree by Hilton Kuala Lumpur</a:t>
                       </a:r>
-                      <a:endParaRPr lang="zh-CN" altLang="en-US" sz="2000"/>
+                      <a:endParaRPr lang="zh-CN" altLang="en-US" sz="1800"/>
                     </a:p>
                   </a:txBody>
                   <a:tcPr marL="560" marR="560" marT="560" marB="0" anchor="ctr"/>
@@ -12428,16 +12464,22 @@
                     <a:p>
                       <a:pPr algn="ctr">
                         <a:lnSpc>
-                          <a:spcPct val="150000"/>
+                          <a:spcPct val="200000"/>
                         </a:lnSpc>
+                        <a:spcBef>
+                          <a:spcPts val="0"/>
+                        </a:spcBef>
+                        <a:spcAft>
+                          <a:spcPts val="0"/>
+                        </a:spcAft>
                       </a:pPr>
                       <a:r>
-                        <a:rPr lang="en-US" sz="2000" kern="100" dirty="0">
+                        <a:rPr lang="en-US" sz="1800" kern="100" dirty="0">
                           <a:effectLst/>
                         </a:rPr>
                         <a:t>12:00-13:30</a:t>
                       </a:r>
-                      <a:endParaRPr lang="zh-CN" sz="2000" kern="100" dirty="0">
+                      <a:endParaRPr lang="zh-CN" sz="1800" kern="100" dirty="0">
                         <a:effectLst/>
                         <a:latin typeface="等线" panose="02010600030101010101" pitchFamily="2" charset="-122"/>
                         <a:ea typeface="等线" panose="02010600030101010101" pitchFamily="2" charset="-122"/>
@@ -12454,16 +12496,22 @@
                     <a:p>
                       <a:pPr algn="ctr">
                         <a:lnSpc>
-                          <a:spcPct val="150000"/>
+                          <a:spcPct val="200000"/>
                         </a:lnSpc>
+                        <a:spcBef>
+                          <a:spcPts val="0"/>
+                        </a:spcBef>
+                        <a:spcAft>
+                          <a:spcPts val="0"/>
+                        </a:spcAft>
                       </a:pPr>
                       <a:r>
-                        <a:rPr lang="en-US" sz="2000" kern="100" dirty="0">
+                        <a:rPr lang="en-US" sz="1800" kern="100" dirty="0">
                           <a:effectLst/>
                         </a:rPr>
                         <a:t>Lunch</a:t>
                       </a:r>
-                      <a:endParaRPr lang="zh-CN" altLang="en-US" sz="2000" dirty="0"/>
+                      <a:endParaRPr lang="zh-CN" altLang="en-US" sz="1800" dirty="0"/>
                     </a:p>
                   </a:txBody>
                   <a:tcPr marL="560" marR="560" marT="560" marB="0" anchor="ctr"/>
@@ -12475,16 +12523,22 @@
                     <a:p>
                       <a:pPr algn="ctr">
                         <a:lnSpc>
-                          <a:spcPct val="150000"/>
+                          <a:spcPct val="200000"/>
                         </a:lnSpc>
+                        <a:spcBef>
+                          <a:spcPts val="0"/>
+                        </a:spcBef>
+                        <a:spcAft>
+                          <a:spcPts val="0"/>
+                        </a:spcAft>
                       </a:pPr>
                       <a:r>
-                        <a:rPr lang="en-US" sz="2000" kern="100" dirty="0">
+                        <a:rPr lang="en-US" sz="1800" kern="100" dirty="0">
                           <a:effectLst/>
                         </a:rPr>
                         <a:t>DoubleTree by Hilton Kuala Lumpur</a:t>
                       </a:r>
-                      <a:endParaRPr lang="zh-CN" altLang="en-US" sz="2000" dirty="0"/>
+                      <a:endParaRPr lang="zh-CN" altLang="en-US" sz="1800" dirty="0"/>
                     </a:p>
                   </a:txBody>
                   <a:tcPr marL="560" marR="560" marT="560" marB="0" anchor="ctr"/>
@@ -12513,16 +12567,22 @@
                     <a:p>
                       <a:pPr algn="ctr">
                         <a:lnSpc>
-                          <a:spcPct val="150000"/>
+                          <a:spcPct val="200000"/>
                         </a:lnSpc>
+                        <a:spcBef>
+                          <a:spcPts val="0"/>
+                        </a:spcBef>
+                        <a:spcAft>
+                          <a:spcPts val="0"/>
+                        </a:spcAft>
                       </a:pPr>
                       <a:r>
-                        <a:rPr lang="en-US" sz="2000" kern="100" dirty="0">
+                        <a:rPr lang="en-US" sz="1800" kern="100" dirty="0">
                           <a:effectLst/>
                         </a:rPr>
                         <a:t>14:00-18:00</a:t>
                       </a:r>
-                      <a:endParaRPr lang="zh-CN" sz="2000" kern="100" dirty="0">
+                      <a:endParaRPr lang="zh-CN" sz="1800" kern="100" dirty="0">
                         <a:effectLst/>
                         <a:latin typeface="等线" panose="02010600030101010101" pitchFamily="2" charset="-122"/>
                         <a:ea typeface="等线" panose="02010600030101010101" pitchFamily="2" charset="-122"/>
@@ -12539,16 +12599,22 @@
                     <a:p>
                       <a:pPr algn="ctr">
                         <a:lnSpc>
-                          <a:spcPct val="150000"/>
+                          <a:spcPct val="200000"/>
                         </a:lnSpc>
+                        <a:spcBef>
+                          <a:spcPts val="0"/>
+                        </a:spcBef>
+                        <a:spcAft>
+                          <a:spcPts val="0"/>
+                        </a:spcAft>
                       </a:pPr>
                       <a:r>
-                        <a:rPr lang="en-US" sz="2000" kern="100" dirty="0">
+                        <a:rPr lang="en-US" sz="1800" kern="100" dirty="0">
                           <a:effectLst/>
                         </a:rPr>
                         <a:t>Academic Report</a:t>
                       </a:r>
-                      <a:endParaRPr lang="zh-CN" altLang="en-US" sz="2000" dirty="0"/>
+                      <a:endParaRPr lang="zh-CN" altLang="en-US" sz="1800" dirty="0"/>
                     </a:p>
                   </a:txBody>
                   <a:tcPr marL="560" marR="560" marT="560" marB="0" anchor="ctr"/>
@@ -12560,32 +12626,44 @@
                     <a:p>
                       <a:pPr algn="ctr">
                         <a:lnSpc>
-                          <a:spcPct val="150000"/>
+                          <a:spcPct val="200000"/>
                         </a:lnSpc>
+                        <a:spcBef>
+                          <a:spcPts val="0"/>
+                        </a:spcBef>
+                        <a:spcAft>
+                          <a:spcPts val="0"/>
+                        </a:spcAft>
                       </a:pPr>
                       <a:r>
-                        <a:rPr lang="en-US" sz="2000" kern="100" dirty="0">
+                        <a:rPr lang="en-US" sz="1800" kern="100" dirty="0">
                           <a:effectLst/>
                         </a:rPr>
                         <a:t>Rooms 1-6</a:t>
                       </a:r>
-                      <a:endParaRPr lang="zh-CN" sz="2000" kern="100" dirty="0">
+                      <a:endParaRPr lang="zh-CN" sz="1800" kern="100" dirty="0">
                         <a:effectLst/>
                       </a:endParaRPr>
                     </a:p>
                     <a:p>
                       <a:pPr algn="ctr">
                         <a:lnSpc>
-                          <a:spcPct val="150000"/>
+                          <a:spcPct val="200000"/>
                         </a:lnSpc>
+                        <a:spcBef>
+                          <a:spcPts val="0"/>
+                        </a:spcBef>
+                        <a:spcAft>
+                          <a:spcPts val="0"/>
+                        </a:spcAft>
                       </a:pPr>
                       <a:r>
-                        <a:rPr lang="en-US" sz="2000" kern="100" dirty="0">
+                        <a:rPr lang="en-US" sz="1800" kern="100" dirty="0">
                           <a:effectLst/>
                         </a:rPr>
                         <a:t>DoubleTree by Hilton Kuala Lumpur</a:t>
                       </a:r>
-                      <a:endParaRPr lang="zh-CN" altLang="en-US" sz="2000" dirty="0"/>
+                      <a:endParaRPr lang="zh-CN" altLang="en-US" sz="1800" dirty="0"/>
                     </a:p>
                   </a:txBody>
                   <a:tcPr marL="560" marR="560" marT="560" marB="0" anchor="ctr"/>
@@ -12614,16 +12692,22 @@
                     <a:p>
                       <a:pPr algn="ctr">
                         <a:lnSpc>
-                          <a:spcPct val="150000"/>
+                          <a:spcPct val="200000"/>
                         </a:lnSpc>
+                        <a:spcBef>
+                          <a:spcPts val="0"/>
+                        </a:spcBef>
+                        <a:spcAft>
+                          <a:spcPts val="0"/>
+                        </a:spcAft>
                       </a:pPr>
                       <a:r>
-                        <a:rPr lang="en-US" sz="2000" kern="100" dirty="0">
+                        <a:rPr lang="en-US" sz="1800" kern="100" dirty="0">
                           <a:effectLst/>
                         </a:rPr>
                         <a:t>19:00-21:00</a:t>
                       </a:r>
-                      <a:endParaRPr lang="zh-CN" sz="2000" kern="100" dirty="0">
+                      <a:endParaRPr lang="zh-CN" sz="1800" kern="100" dirty="0">
                         <a:effectLst/>
                         <a:latin typeface="等线" panose="02010600030101010101" pitchFamily="2" charset="-122"/>
                         <a:ea typeface="等线" panose="02010600030101010101" pitchFamily="2" charset="-122"/>
@@ -12640,16 +12724,22 @@
                     <a:p>
                       <a:pPr algn="ctr">
                         <a:lnSpc>
-                          <a:spcPct val="150000"/>
+                          <a:spcPct val="200000"/>
                         </a:lnSpc>
+                        <a:spcBef>
+                          <a:spcPts val="0"/>
+                        </a:spcBef>
+                        <a:spcAft>
+                          <a:spcPts val="0"/>
+                        </a:spcAft>
                       </a:pPr>
                       <a:r>
-                        <a:rPr lang="en-US" sz="2000" kern="100" dirty="0">
+                        <a:rPr lang="en-US" sz="1800" kern="100" dirty="0">
                           <a:effectLst/>
                         </a:rPr>
                         <a:t>Banquet</a:t>
                       </a:r>
-                      <a:endParaRPr lang="zh-CN" altLang="en-US" sz="2000" dirty="0"/>
+                      <a:endParaRPr lang="zh-CN" altLang="en-US" sz="1800" dirty="0"/>
                     </a:p>
                   </a:txBody>
                   <a:tcPr marL="560" marR="560" marT="560" marB="0" anchor="ctr"/>
@@ -12661,16 +12751,22 @@
                     <a:p>
                       <a:pPr algn="ctr">
                         <a:lnSpc>
-                          <a:spcPct val="150000"/>
+                          <a:spcPct val="200000"/>
                         </a:lnSpc>
+                        <a:spcBef>
+                          <a:spcPts val="0"/>
+                        </a:spcBef>
+                        <a:spcAft>
+                          <a:spcPts val="0"/>
+                        </a:spcAft>
                       </a:pPr>
                       <a:r>
-                        <a:rPr lang="en-US" sz="2000" kern="100" dirty="0">
+                        <a:rPr lang="en-US" sz="1800" kern="100" dirty="0">
                           <a:effectLst/>
                         </a:rPr>
                         <a:t>DoubleTree by Hilton Kuala Lumpur</a:t>
                       </a:r>
-                      <a:endParaRPr lang="zh-CN" altLang="en-US" sz="2000" dirty="0"/>
+                      <a:endParaRPr lang="zh-CN" altLang="en-US" sz="1800" dirty="0"/>
                     </a:p>
                   </a:txBody>
                   <a:tcPr marL="560" marR="560" marT="560" marB="0" anchor="ctr"/>
@@ -12693,12 +12789,12 @@
                         </a:lnSpc>
                       </a:pPr>
                       <a:r>
-                        <a:rPr lang="en-US" sz="2000" kern="100" dirty="0">
+                        <a:rPr lang="en-US" sz="1800" kern="100" dirty="0">
                           <a:effectLst/>
                         </a:rPr>
                         <a:t>09 July 2024</a:t>
                       </a:r>
-                      <a:endParaRPr lang="zh-CN" sz="2000" kern="100" dirty="0">
+                      <a:endParaRPr lang="zh-CN" sz="1800" kern="100" dirty="0">
                         <a:effectLst/>
                         <a:latin typeface="等线" panose="02010600030101010101" pitchFamily="2" charset="-122"/>
                         <a:ea typeface="等线" panose="02010600030101010101" pitchFamily="2" charset="-122"/>
@@ -12715,16 +12811,22 @@
                     <a:p>
                       <a:pPr algn="ctr">
                         <a:lnSpc>
-                          <a:spcPct val="150000"/>
+                          <a:spcPct val="200000"/>
                         </a:lnSpc>
+                        <a:spcBef>
+                          <a:spcPts val="0"/>
+                        </a:spcBef>
+                        <a:spcAft>
+                          <a:spcPts val="0"/>
+                        </a:spcAft>
                       </a:pPr>
                       <a:r>
-                        <a:rPr lang="en-US" sz="2000" kern="100" dirty="0">
+                        <a:rPr lang="en-US" sz="1800" kern="100" dirty="0">
                           <a:effectLst/>
                         </a:rPr>
                         <a:t>08:00-12:00</a:t>
                       </a:r>
-                      <a:endParaRPr lang="zh-CN" sz="2000" kern="100" dirty="0">
+                      <a:endParaRPr lang="zh-CN" sz="1800" kern="100" dirty="0">
                         <a:effectLst/>
                         <a:latin typeface="等线" panose="02010600030101010101" pitchFamily="2" charset="-122"/>
                         <a:ea typeface="等线" panose="02010600030101010101" pitchFamily="2" charset="-122"/>
@@ -12741,16 +12843,22 @@
                     <a:p>
                       <a:pPr algn="ctr">
                         <a:lnSpc>
-                          <a:spcPct val="150000"/>
+                          <a:spcPct val="200000"/>
                         </a:lnSpc>
+                        <a:spcBef>
+                          <a:spcPts val="0"/>
+                        </a:spcBef>
+                        <a:spcAft>
+                          <a:spcPts val="0"/>
+                        </a:spcAft>
                       </a:pPr>
                       <a:r>
-                        <a:rPr lang="en-US" sz="2000" kern="100" dirty="0">
+                        <a:rPr lang="en-US" sz="1800" kern="100" dirty="0">
                           <a:effectLst/>
                         </a:rPr>
                         <a:t>Academic Report</a:t>
                       </a:r>
-                      <a:endParaRPr lang="zh-CN" altLang="en-US" sz="2000" dirty="0"/>
+                      <a:endParaRPr lang="zh-CN" altLang="en-US" sz="1800" dirty="0"/>
                     </a:p>
                   </a:txBody>
                   <a:tcPr marL="560" marR="560" marT="560" marB="0" anchor="ctr"/>
@@ -12762,32 +12870,44 @@
                     <a:p>
                       <a:pPr algn="ctr">
                         <a:lnSpc>
-                          <a:spcPct val="150000"/>
+                          <a:spcPct val="200000"/>
                         </a:lnSpc>
+                        <a:spcBef>
+                          <a:spcPts val="0"/>
+                        </a:spcBef>
+                        <a:spcAft>
+                          <a:spcPts val="0"/>
+                        </a:spcAft>
                       </a:pPr>
                       <a:r>
-                        <a:rPr lang="en-US" sz="2000" kern="100" dirty="0">
+                        <a:rPr lang="en-US" sz="1800" kern="100" dirty="0">
                           <a:effectLst/>
                         </a:rPr>
                         <a:t>Rooms 1-6</a:t>
                       </a:r>
-                      <a:endParaRPr lang="zh-CN" sz="2000" kern="100" dirty="0">
+                      <a:endParaRPr lang="zh-CN" sz="1800" kern="100" dirty="0">
                         <a:effectLst/>
                       </a:endParaRPr>
                     </a:p>
                     <a:p>
                       <a:pPr algn="ctr">
                         <a:lnSpc>
-                          <a:spcPct val="150000"/>
+                          <a:spcPct val="200000"/>
                         </a:lnSpc>
+                        <a:spcBef>
+                          <a:spcPts val="0"/>
+                        </a:spcBef>
+                        <a:spcAft>
+                          <a:spcPts val="0"/>
+                        </a:spcAft>
                       </a:pPr>
                       <a:r>
-                        <a:rPr lang="en-US" sz="2000" kern="100" dirty="0">
+                        <a:rPr lang="en-US" sz="1800" kern="100" dirty="0">
                           <a:effectLst/>
                         </a:rPr>
                         <a:t>DoubleTree by Hilton Kuala Lumpur</a:t>
                       </a:r>
-                      <a:endParaRPr lang="zh-CN" altLang="en-US" sz="2000" dirty="0"/>
+                      <a:endParaRPr lang="zh-CN" altLang="en-US" sz="1800" dirty="0"/>
                     </a:p>
                   </a:txBody>
                   <a:tcPr marL="560" marR="560" marT="560" marB="0" anchor="ctr"/>
@@ -12816,16 +12936,22 @@
                     <a:p>
                       <a:pPr algn="ctr">
                         <a:lnSpc>
-                          <a:spcPct val="150000"/>
+                          <a:spcPct val="200000"/>
                         </a:lnSpc>
+                        <a:spcBef>
+                          <a:spcPts val="0"/>
+                        </a:spcBef>
+                        <a:spcAft>
+                          <a:spcPts val="0"/>
+                        </a:spcAft>
                       </a:pPr>
                       <a:r>
-                        <a:rPr lang="en-US" sz="2000" kern="100" dirty="0">
+                        <a:rPr lang="en-US" sz="1800" kern="100" dirty="0">
                           <a:effectLst/>
                         </a:rPr>
                         <a:t>12:00-13:30</a:t>
                       </a:r>
-                      <a:endParaRPr lang="zh-CN" sz="2000" kern="100" dirty="0">
+                      <a:endParaRPr lang="zh-CN" sz="1800" kern="100" dirty="0">
                         <a:effectLst/>
                         <a:latin typeface="等线" panose="02010600030101010101" pitchFamily="2" charset="-122"/>
                         <a:ea typeface="等线" panose="02010600030101010101" pitchFamily="2" charset="-122"/>
@@ -12842,16 +12968,22 @@
                     <a:p>
                       <a:pPr algn="ctr">
                         <a:lnSpc>
-                          <a:spcPct val="150000"/>
+                          <a:spcPct val="200000"/>
                         </a:lnSpc>
+                        <a:spcBef>
+                          <a:spcPts val="0"/>
+                        </a:spcBef>
+                        <a:spcAft>
+                          <a:spcPts val="0"/>
+                        </a:spcAft>
                       </a:pPr>
                       <a:r>
-                        <a:rPr lang="en-US" sz="2000" kern="100" dirty="0">
+                        <a:rPr lang="en-US" sz="1800" kern="100" dirty="0">
                           <a:effectLst/>
                         </a:rPr>
                         <a:t>Lunch</a:t>
                       </a:r>
-                      <a:endParaRPr lang="zh-CN" altLang="en-US" sz="2000" dirty="0"/>
+                      <a:endParaRPr lang="zh-CN" altLang="en-US" sz="1800" dirty="0"/>
                     </a:p>
                   </a:txBody>
                   <a:tcPr marL="560" marR="560" marT="560" marB="0" anchor="ctr"/>
@@ -12863,16 +12995,22 @@
                     <a:p>
                       <a:pPr algn="ctr">
                         <a:lnSpc>
-                          <a:spcPct val="150000"/>
+                          <a:spcPct val="200000"/>
                         </a:lnSpc>
+                        <a:spcBef>
+                          <a:spcPts val="0"/>
+                        </a:spcBef>
+                        <a:spcAft>
+                          <a:spcPts val="0"/>
+                        </a:spcAft>
                       </a:pPr>
                       <a:r>
-                        <a:rPr lang="en-US" sz="2000" kern="100" dirty="0">
+                        <a:rPr lang="en-US" sz="1800" kern="100" dirty="0">
                           <a:effectLst/>
                         </a:rPr>
                         <a:t>DoubleTree by Hilton Kuala Lumpur</a:t>
                       </a:r>
-                      <a:endParaRPr lang="zh-CN" altLang="en-US" sz="2000" dirty="0"/>
+                      <a:endParaRPr lang="zh-CN" altLang="en-US" sz="1800" dirty="0"/>
                     </a:p>
                   </a:txBody>
                   <a:tcPr marL="560" marR="560" marT="560" marB="0" anchor="ctr"/>
@@ -12901,16 +13039,22 @@
                     <a:p>
                       <a:pPr algn="ctr">
                         <a:lnSpc>
-                          <a:spcPct val="150000"/>
+                          <a:spcPct val="200000"/>
                         </a:lnSpc>
+                        <a:spcBef>
+                          <a:spcPts val="0"/>
+                        </a:spcBef>
+                        <a:spcAft>
+                          <a:spcPts val="0"/>
+                        </a:spcAft>
                       </a:pPr>
                       <a:r>
-                        <a:rPr lang="en-US" sz="2000" kern="100" dirty="0">
+                        <a:rPr lang="en-US" sz="1800" kern="100" dirty="0">
                           <a:effectLst/>
                         </a:rPr>
                         <a:t>14:00-18:00</a:t>
                       </a:r>
-                      <a:endParaRPr lang="zh-CN" sz="2000" kern="100" dirty="0">
+                      <a:endParaRPr lang="zh-CN" sz="1800" kern="100" dirty="0">
                         <a:effectLst/>
                         <a:latin typeface="等线" panose="02010600030101010101" pitchFamily="2" charset="-122"/>
                         <a:ea typeface="等线" panose="02010600030101010101" pitchFamily="2" charset="-122"/>
@@ -12927,16 +13071,22 @@
                     <a:p>
                       <a:pPr algn="ctr">
                         <a:lnSpc>
-                          <a:spcPct val="150000"/>
+                          <a:spcPct val="200000"/>
                         </a:lnSpc>
+                        <a:spcBef>
+                          <a:spcPts val="0"/>
+                        </a:spcBef>
+                        <a:spcAft>
+                          <a:spcPts val="0"/>
+                        </a:spcAft>
                       </a:pPr>
                       <a:r>
-                        <a:rPr lang="en-US" sz="2000" kern="100" dirty="0">
+                        <a:rPr lang="en-US" sz="1800" kern="100" dirty="0">
                           <a:effectLst/>
                         </a:rPr>
                         <a:t>Academic Report</a:t>
                       </a:r>
-                      <a:endParaRPr lang="zh-CN" altLang="en-US" sz="2000" dirty="0"/>
+                      <a:endParaRPr lang="zh-CN" altLang="en-US" sz="1800" dirty="0"/>
                     </a:p>
                   </a:txBody>
                   <a:tcPr marL="560" marR="560" marT="560" marB="0" anchor="ctr"/>
@@ -12948,32 +13098,44 @@
                     <a:p>
                       <a:pPr algn="ctr">
                         <a:lnSpc>
-                          <a:spcPct val="150000"/>
+                          <a:spcPct val="200000"/>
                         </a:lnSpc>
+                        <a:spcBef>
+                          <a:spcPts val="0"/>
+                        </a:spcBef>
+                        <a:spcAft>
+                          <a:spcPts val="0"/>
+                        </a:spcAft>
                       </a:pPr>
                       <a:r>
-                        <a:rPr lang="en-US" sz="2000" kern="100" dirty="0">
+                        <a:rPr lang="en-US" sz="1800" kern="100" dirty="0">
                           <a:effectLst/>
                         </a:rPr>
                         <a:t>Rooms 1-6</a:t>
                       </a:r>
-                      <a:endParaRPr lang="zh-CN" sz="2000" kern="100" dirty="0">
+                      <a:endParaRPr lang="zh-CN" sz="1800" kern="100" dirty="0">
                         <a:effectLst/>
                       </a:endParaRPr>
                     </a:p>
                     <a:p>
                       <a:pPr algn="ctr">
                         <a:lnSpc>
-                          <a:spcPct val="150000"/>
+                          <a:spcPct val="200000"/>
                         </a:lnSpc>
+                        <a:spcBef>
+                          <a:spcPts val="0"/>
+                        </a:spcBef>
+                        <a:spcAft>
+                          <a:spcPts val="0"/>
+                        </a:spcAft>
                       </a:pPr>
                       <a:r>
-                        <a:rPr lang="en-US" sz="2000" kern="100" dirty="0">
+                        <a:rPr lang="en-US" sz="1800" kern="100" dirty="0">
                           <a:effectLst/>
                         </a:rPr>
                         <a:t>DoubleTree by Hilton Kuala Lumpur</a:t>
                       </a:r>
-                      <a:endParaRPr lang="zh-CN" altLang="en-US" sz="2000" dirty="0"/>
+                      <a:endParaRPr lang="zh-CN" altLang="en-US" sz="1800" dirty="0"/>
                     </a:p>
                   </a:txBody>
                   <a:tcPr marL="560" marR="560" marT="560" marB="0" anchor="ctr"/>
@@ -12996,12 +13158,12 @@
                         </a:lnSpc>
                       </a:pPr>
                       <a:r>
-                        <a:rPr lang="en-US" sz="2000" kern="100" dirty="0">
+                        <a:rPr lang="en-US" sz="1800" kern="100" dirty="0">
                           <a:effectLst/>
                         </a:rPr>
                         <a:t>10 July 2024</a:t>
                       </a:r>
-                      <a:endParaRPr lang="zh-CN" sz="2000" kern="100" dirty="0">
+                      <a:endParaRPr lang="zh-CN" sz="1800" kern="100" dirty="0">
                         <a:effectLst/>
                         <a:latin typeface="等线" panose="02010600030101010101" pitchFamily="2" charset="-122"/>
                         <a:ea typeface="等线" panose="02010600030101010101" pitchFamily="2" charset="-122"/>
@@ -13018,16 +13180,22 @@
                     <a:p>
                       <a:pPr algn="ctr">
                         <a:lnSpc>
-                          <a:spcPct val="150000"/>
+                          <a:spcPct val="200000"/>
                         </a:lnSpc>
+                        <a:spcBef>
+                          <a:spcPts val="0"/>
+                        </a:spcBef>
+                        <a:spcAft>
+                          <a:spcPts val="0"/>
+                        </a:spcAft>
                       </a:pPr>
                       <a:r>
-                        <a:rPr lang="en-US" sz="2000" kern="100" dirty="0">
+                        <a:rPr lang="en-US" sz="1800" kern="100" dirty="0">
                           <a:effectLst/>
                         </a:rPr>
                         <a:t>08:00-12:00</a:t>
                       </a:r>
-                      <a:endParaRPr lang="zh-CN" sz="2000" kern="100" dirty="0">
+                      <a:endParaRPr lang="zh-CN" sz="1800" kern="100" dirty="0">
                         <a:effectLst/>
                         <a:latin typeface="等线" panose="02010600030101010101" pitchFamily="2" charset="-122"/>
                         <a:ea typeface="等线" panose="02010600030101010101" pitchFamily="2" charset="-122"/>
@@ -13044,16 +13212,22 @@
                     <a:p>
                       <a:pPr algn="ctr">
                         <a:lnSpc>
-                          <a:spcPct val="150000"/>
+                          <a:spcPct val="200000"/>
                         </a:lnSpc>
+                        <a:spcBef>
+                          <a:spcPts val="0"/>
+                        </a:spcBef>
+                        <a:spcAft>
+                          <a:spcPts val="0"/>
+                        </a:spcAft>
                       </a:pPr>
                       <a:r>
-                        <a:rPr lang="en-US" sz="2000" kern="100" dirty="0">
+                        <a:rPr lang="en-US" sz="1800" kern="100" dirty="0">
                           <a:effectLst/>
                         </a:rPr>
                         <a:t>Academic/Committee Discussion</a:t>
                       </a:r>
-                      <a:endParaRPr lang="zh-CN" sz="2000" kern="100" dirty="0">
+                      <a:endParaRPr lang="zh-CN" sz="1800" kern="100" dirty="0">
                         <a:effectLst/>
                         <a:latin typeface="等线" panose="02010600030101010101" pitchFamily="2" charset="-122"/>
                         <a:ea typeface="等线" panose="02010600030101010101" pitchFamily="2" charset="-122"/>
@@ -13070,16 +13244,22 @@
                     <a:p>
                       <a:pPr algn="ctr">
                         <a:lnSpc>
-                          <a:spcPct val="150000"/>
+                          <a:spcPct val="200000"/>
                         </a:lnSpc>
+                        <a:spcBef>
+                          <a:spcPts val="0"/>
+                        </a:spcBef>
+                        <a:spcAft>
+                          <a:spcPts val="0"/>
+                        </a:spcAft>
                       </a:pPr>
                       <a:r>
-                        <a:rPr lang="en-US" sz="2000" kern="100" dirty="0">
+                        <a:rPr lang="en-US" sz="1800" kern="100" dirty="0">
                           <a:effectLst/>
                         </a:rPr>
                         <a:t>DoubleTree by Hilton Kuala Lumpur</a:t>
                       </a:r>
-                      <a:endParaRPr lang="zh-CN" sz="2000" kern="100" dirty="0">
+                      <a:endParaRPr lang="zh-CN" sz="1800" kern="100" dirty="0">
                         <a:effectLst/>
                         <a:latin typeface="等线" panose="02010600030101010101" pitchFamily="2" charset="-122"/>
                         <a:ea typeface="等线" panose="02010600030101010101" pitchFamily="2" charset="-122"/>
@@ -13113,16 +13293,22 @@
                     <a:p>
                       <a:pPr algn="ctr">
                         <a:lnSpc>
-                          <a:spcPct val="150000"/>
+                          <a:spcPct val="200000"/>
                         </a:lnSpc>
+                        <a:spcBef>
+                          <a:spcPts val="0"/>
+                        </a:spcBef>
+                        <a:spcAft>
+                          <a:spcPts val="0"/>
+                        </a:spcAft>
                       </a:pPr>
                       <a:r>
-                        <a:rPr lang="en-US" sz="2000" kern="100" dirty="0">
+                        <a:rPr lang="en-US" sz="1800" kern="100" dirty="0">
                           <a:effectLst/>
                         </a:rPr>
                         <a:t>12:00-13:30</a:t>
                       </a:r>
-                      <a:endParaRPr lang="zh-CN" sz="2000" kern="100" dirty="0">
+                      <a:endParaRPr lang="zh-CN" sz="1800" kern="100" dirty="0">
                         <a:effectLst/>
                         <a:latin typeface="等线" panose="02010600030101010101" pitchFamily="2" charset="-122"/>
                         <a:ea typeface="等线" panose="02010600030101010101" pitchFamily="2" charset="-122"/>
@@ -13139,16 +13325,22 @@
                     <a:p>
                       <a:pPr algn="ctr">
                         <a:lnSpc>
-                          <a:spcPct val="150000"/>
+                          <a:spcPct val="200000"/>
                         </a:lnSpc>
+                        <a:spcBef>
+                          <a:spcPts val="0"/>
+                        </a:spcBef>
+                        <a:spcAft>
+                          <a:spcPts val="0"/>
+                        </a:spcAft>
                       </a:pPr>
                       <a:r>
-                        <a:rPr lang="en-US" sz="2000" kern="100" dirty="0">
+                        <a:rPr lang="en-US" sz="1800" kern="100" dirty="0">
                           <a:effectLst/>
                         </a:rPr>
                         <a:t>Lunch</a:t>
                       </a:r>
-                      <a:endParaRPr lang="zh-CN" sz="2000" kern="100" dirty="0">
+                      <a:endParaRPr lang="zh-CN" sz="1800" kern="100" dirty="0">
                         <a:effectLst/>
                         <a:latin typeface="等线" panose="02010600030101010101" pitchFamily="2" charset="-122"/>
                         <a:ea typeface="等线" panose="02010600030101010101" pitchFamily="2" charset="-122"/>
@@ -13165,16 +13357,22 @@
                     <a:p>
                       <a:pPr algn="ctr">
                         <a:lnSpc>
-                          <a:spcPct val="150000"/>
+                          <a:spcPct val="200000"/>
                         </a:lnSpc>
+                        <a:spcBef>
+                          <a:spcPts val="0"/>
+                        </a:spcBef>
+                        <a:spcAft>
+                          <a:spcPts val="0"/>
+                        </a:spcAft>
                       </a:pPr>
                       <a:r>
-                        <a:rPr lang="en-US" sz="2000" kern="100" dirty="0">
+                        <a:rPr lang="en-US" sz="1800" kern="100" dirty="0">
                           <a:effectLst/>
                         </a:rPr>
                         <a:t>DoubleTree by Hilton Kuala Lumpur</a:t>
                       </a:r>
-                      <a:endParaRPr lang="zh-CN" sz="2000" kern="100" dirty="0">
+                      <a:endParaRPr lang="zh-CN" sz="1800" kern="100" dirty="0">
                         <a:effectLst/>
                         <a:latin typeface="等线" panose="02010600030101010101" pitchFamily="2" charset="-122"/>
                         <a:ea typeface="等线" panose="02010600030101010101" pitchFamily="2" charset="-122"/>
@@ -13208,16 +13406,22 @@
                     <a:p>
                       <a:pPr algn="ctr">
                         <a:lnSpc>
-                          <a:spcPct val="150000"/>
+                          <a:spcPct val="200000"/>
                         </a:lnSpc>
+                        <a:spcBef>
+                          <a:spcPts val="0"/>
+                        </a:spcBef>
+                        <a:spcAft>
+                          <a:spcPts val="0"/>
+                        </a:spcAft>
                       </a:pPr>
                       <a:r>
-                        <a:rPr lang="en-US" sz="2000" kern="100" dirty="0">
+                        <a:rPr lang="en-US" sz="1800" kern="100" dirty="0">
                           <a:effectLst/>
                         </a:rPr>
                         <a:t>14:00-15:00</a:t>
                       </a:r>
-                      <a:endParaRPr lang="zh-CN" sz="2000" kern="100" dirty="0">
+                      <a:endParaRPr lang="zh-CN" sz="1800" kern="100" dirty="0">
                         <a:effectLst/>
                         <a:latin typeface="等线" panose="02010600030101010101" pitchFamily="2" charset="-122"/>
                         <a:ea typeface="等线" panose="02010600030101010101" pitchFamily="2" charset="-122"/>
@@ -13234,16 +13438,22 @@
                     <a:p>
                       <a:pPr algn="ctr">
                         <a:lnSpc>
-                          <a:spcPct val="150000"/>
+                          <a:spcPct val="200000"/>
                         </a:lnSpc>
+                        <a:spcBef>
+                          <a:spcPts val="0"/>
+                        </a:spcBef>
+                        <a:spcAft>
+                          <a:spcPts val="0"/>
+                        </a:spcAft>
                       </a:pPr>
                       <a:r>
-                        <a:rPr lang="en-US" sz="2000" kern="100" dirty="0">
+                        <a:rPr lang="en-US" sz="1800" kern="100" dirty="0">
                           <a:effectLst/>
                         </a:rPr>
                         <a:t>CMMM20244 Conference Committee Meeting</a:t>
                       </a:r>
-                      <a:endParaRPr lang="zh-CN" sz="2000" kern="100" dirty="0">
+                      <a:endParaRPr lang="zh-CN" sz="1800" kern="100" dirty="0">
                         <a:effectLst/>
                         <a:latin typeface="等线" panose="02010600030101010101" pitchFamily="2" charset="-122"/>
                         <a:ea typeface="等线" panose="02010600030101010101" pitchFamily="2" charset="-122"/>
@@ -13260,16 +13470,22 @@
                     <a:p>
                       <a:pPr algn="ctr">
                         <a:lnSpc>
-                          <a:spcPct val="150000"/>
+                          <a:spcPct val="200000"/>
                         </a:lnSpc>
+                        <a:spcBef>
+                          <a:spcPts val="0"/>
+                        </a:spcBef>
+                        <a:spcAft>
+                          <a:spcPts val="0"/>
+                        </a:spcAft>
                       </a:pPr>
                       <a:r>
-                        <a:rPr lang="en-US" sz="2000" kern="100" dirty="0">
+                        <a:rPr lang="en-US" sz="1800" kern="100" dirty="0">
                           <a:effectLst/>
                         </a:rPr>
                         <a:t>DoubleTree by Hilton Kuala Lumpur</a:t>
                       </a:r>
-                      <a:endParaRPr lang="zh-CN" sz="2000" kern="100" dirty="0">
+                      <a:endParaRPr lang="zh-CN" sz="1800" kern="100" dirty="0">
                         <a:effectLst/>
                         <a:latin typeface="等线" panose="02010600030101010101" pitchFamily="2" charset="-122"/>
                         <a:ea typeface="等线" panose="02010600030101010101" pitchFamily="2" charset="-122"/>
@@ -13303,16 +13519,22 @@
                     <a:p>
                       <a:pPr algn="ctr">
                         <a:lnSpc>
-                          <a:spcPct val="150000"/>
+                          <a:spcPct val="200000"/>
                         </a:lnSpc>
+                        <a:spcBef>
+                          <a:spcPts val="0"/>
+                        </a:spcBef>
+                        <a:spcAft>
+                          <a:spcPts val="0"/>
+                        </a:spcAft>
                       </a:pPr>
                       <a:r>
-                        <a:rPr lang="en-US" sz="2000" kern="100" dirty="0">
+                        <a:rPr lang="en-US" sz="1800" kern="100" dirty="0">
                           <a:effectLst/>
                         </a:rPr>
                         <a:t>15:00-17:00</a:t>
                       </a:r>
-                      <a:endParaRPr lang="zh-CN" sz="2000" kern="100" dirty="0">
+                      <a:endParaRPr lang="zh-CN" sz="1800" kern="100" dirty="0">
                         <a:effectLst/>
                         <a:latin typeface="等线" panose="02010600030101010101" pitchFamily="2" charset="-122"/>
                         <a:ea typeface="等线" panose="02010600030101010101" pitchFamily="2" charset="-122"/>
@@ -13329,16 +13551,22 @@
                     <a:p>
                       <a:pPr algn="ctr">
                         <a:lnSpc>
-                          <a:spcPct val="150000"/>
+                          <a:spcPct val="200000"/>
                         </a:lnSpc>
+                        <a:spcBef>
+                          <a:spcPts val="0"/>
+                        </a:spcBef>
+                        <a:spcAft>
+                          <a:spcPts val="0"/>
+                        </a:spcAft>
                       </a:pPr>
                       <a:r>
-                        <a:rPr lang="en-US" sz="2000" kern="100" dirty="0">
+                        <a:rPr lang="en-US" sz="1800" kern="100" dirty="0">
                           <a:effectLst/>
                         </a:rPr>
                         <a:t>CMMM2024 Conference Closing/Certificate Distribution</a:t>
                       </a:r>
-                      <a:endParaRPr lang="zh-CN" sz="2000" kern="100" dirty="0">
+                      <a:endParaRPr lang="zh-CN" sz="1800" kern="100" dirty="0">
                         <a:effectLst/>
                         <a:latin typeface="等线" panose="02010600030101010101" pitchFamily="2" charset="-122"/>
                         <a:ea typeface="等线" panose="02010600030101010101" pitchFamily="2" charset="-122"/>
@@ -13355,16 +13583,22 @@
                     <a:p>
                       <a:pPr algn="ctr">
                         <a:lnSpc>
-                          <a:spcPct val="150000"/>
+                          <a:spcPct val="200000"/>
                         </a:lnSpc>
+                        <a:spcBef>
+                          <a:spcPts val="0"/>
+                        </a:spcBef>
+                        <a:spcAft>
+                          <a:spcPts val="0"/>
+                        </a:spcAft>
                       </a:pPr>
                       <a:r>
-                        <a:rPr lang="en-US" sz="2000" kern="100" dirty="0">
+                        <a:rPr lang="en-US" sz="1800" kern="100" dirty="0">
                           <a:effectLst/>
                         </a:rPr>
                         <a:t>DoubleTree by Hilton Kuala Lumpur</a:t>
                       </a:r>
-                      <a:endParaRPr lang="zh-CN" sz="2000" kern="100" dirty="0">
+                      <a:endParaRPr lang="zh-CN" sz="1800" kern="100" dirty="0">
                         <a:effectLst/>
                         <a:latin typeface="等线" panose="02010600030101010101" pitchFamily="2" charset="-122"/>
                         <a:ea typeface="等线" panose="02010600030101010101" pitchFamily="2" charset="-122"/>
@@ -13392,12 +13626,12 @@
                         </a:lnSpc>
                       </a:pPr>
                       <a:r>
-                        <a:rPr lang="en-US" sz="2000" kern="100" dirty="0">
+                        <a:rPr lang="en-US" sz="1800" kern="100" dirty="0">
                           <a:effectLst/>
                         </a:rPr>
                         <a:t>11 &amp; 12 July 2024</a:t>
                       </a:r>
-                      <a:endParaRPr lang="zh-CN" sz="2000" kern="100" dirty="0">
+                      <a:endParaRPr lang="zh-CN" sz="1800" kern="100" dirty="0">
                         <a:effectLst/>
                         <a:latin typeface="等线" panose="02010600030101010101" pitchFamily="2" charset="-122"/>
                         <a:ea typeface="等线" panose="02010600030101010101" pitchFamily="2" charset="-122"/>
@@ -13414,16 +13648,22 @@
                     <a:p>
                       <a:pPr algn="ctr">
                         <a:lnSpc>
-                          <a:spcPct val="150000"/>
+                          <a:spcPct val="200000"/>
                         </a:lnSpc>
+                        <a:spcBef>
+                          <a:spcPts val="0"/>
+                        </a:spcBef>
+                        <a:spcAft>
+                          <a:spcPts val="0"/>
+                        </a:spcAft>
                       </a:pPr>
                       <a:r>
-                        <a:rPr lang="en-US" sz="2000" kern="100" dirty="0">
+                        <a:rPr lang="en-US" sz="1800" kern="100" dirty="0">
                           <a:effectLst/>
                         </a:rPr>
                         <a:t>TBC</a:t>
                       </a:r>
-                      <a:endParaRPr lang="zh-CN" sz="2000" kern="100" dirty="0">
+                      <a:endParaRPr lang="zh-CN" sz="1800" kern="100" dirty="0">
                         <a:effectLst/>
                         <a:latin typeface="等线" panose="02010600030101010101" pitchFamily="2" charset="-122"/>
                         <a:ea typeface="等线" panose="02010600030101010101" pitchFamily="2" charset="-122"/>
@@ -13440,62 +13680,93 @@
                     <a:p>
                       <a:pPr algn="ctr">
                         <a:lnSpc>
-                          <a:spcPct val="150000"/>
+                          <a:spcPct val="200000"/>
                         </a:lnSpc>
+                        <a:spcBef>
+                          <a:spcPts val="0"/>
+                        </a:spcBef>
+                        <a:spcAft>
+                          <a:spcPts val="0"/>
+                        </a:spcAft>
                       </a:pPr>
                       <a:r>
-                        <a:rPr lang="en-US" sz="2000" kern="100" dirty="0">
+                        <a:rPr lang="en-US" sz="1800" kern="100" dirty="0">
                           <a:effectLst/>
                         </a:rPr>
                         <a:t>Visit </a:t>
                       </a:r>
                       <a:r>
-                        <a:rPr lang="en-US" sz="2000" kern="100" dirty="0" err="1">
+                        <a:rPr lang="en-US" sz="1800" kern="100" dirty="0" err="1">
                           <a:effectLst/>
                         </a:rPr>
                         <a:t>Universiti</a:t>
                       </a:r>
                       <a:r>
-                        <a:rPr lang="en-US" sz="2000" kern="100" dirty="0">
+                        <a:rPr lang="en-US" sz="1800" kern="100" dirty="0">
                           <a:effectLst/>
                         </a:rPr>
                         <a:t> Malaya, </a:t>
                       </a:r>
-                      <a:endParaRPr lang="zh-CN" sz="2000" kern="100" dirty="0">
+                      <a:endParaRPr lang="zh-CN" sz="1800" kern="100" dirty="0">
                         <a:effectLst/>
                       </a:endParaRPr>
                     </a:p>
                     <a:p>
                       <a:pPr algn="ctr">
                         <a:lnSpc>
-                          <a:spcPct val="150000"/>
+                          <a:spcPct val="200000"/>
                         </a:lnSpc>
+                        <a:spcBef>
+                          <a:spcPts val="0"/>
+                        </a:spcBef>
+                        <a:spcAft>
+                          <a:spcPts val="0"/>
+                        </a:spcAft>
                       </a:pPr>
                       <a:r>
-                        <a:rPr lang="en-US" sz="2000" kern="100" dirty="0" err="1">
+                        <a:rPr lang="en-US" sz="1800" kern="100" dirty="0" err="1">
                           <a:effectLst/>
                         </a:rPr>
                         <a:t>Universiti</a:t>
                       </a:r>
                       <a:r>
-                        <a:rPr lang="en-US" sz="2000" kern="100" dirty="0">
+                        <a:rPr lang="en-US" sz="1800" kern="100" dirty="0">
                           <a:effectLst/>
                         </a:rPr>
                         <a:t> </a:t>
                       </a:r>
                       <a:r>
-                        <a:rPr lang="en-US" sz="2000" kern="100" dirty="0" err="1">
+                        <a:rPr lang="en-US" sz="1800" kern="100" dirty="0" err="1">
                           <a:effectLst/>
                         </a:rPr>
                         <a:t>Tunku</a:t>
                       </a:r>
                       <a:r>
-                        <a:rPr lang="en-US" sz="2000" kern="100" dirty="0">
-                          <a:effectLst/>
-                        </a:rPr>
-                        <a:t> Abdul Rahman and Other Academic Activities </a:t>
-                      </a:r>
-                      <a:endParaRPr lang="zh-CN" sz="2000" kern="100" dirty="0">
+                        <a:rPr lang="en-US" sz="1800" kern="100" dirty="0">
+                          <a:effectLst/>
+                        </a:rPr>
+                        <a:t> Abdul Rahman </a:t>
+                      </a:r>
+                    </a:p>
+                    <a:p>
+                      <a:pPr algn="ctr">
+                        <a:lnSpc>
+                          <a:spcPct val="200000"/>
+                        </a:lnSpc>
+                        <a:spcBef>
+                          <a:spcPts val="0"/>
+                        </a:spcBef>
+                        <a:spcAft>
+                          <a:spcPts val="0"/>
+                        </a:spcAft>
+                      </a:pPr>
+                      <a:r>
+                        <a:rPr lang="en-US" sz="1800" kern="100" dirty="0">
+                          <a:effectLst/>
+                        </a:rPr>
+                        <a:t>and Other Academic Activities </a:t>
+                      </a:r>
+                      <a:endParaRPr lang="zh-CN" sz="1800" kern="100" dirty="0">
                         <a:effectLst/>
                         <a:latin typeface="等线" panose="02010600030101010101" pitchFamily="2" charset="-122"/>
                         <a:ea typeface="等线" panose="02010600030101010101" pitchFamily="2" charset="-122"/>
@@ -13512,46 +13783,52 @@
                     <a:p>
                       <a:pPr algn="ctr">
                         <a:lnSpc>
-                          <a:spcPct val="150000"/>
+                          <a:spcPct val="200000"/>
                         </a:lnSpc>
+                        <a:spcBef>
+                          <a:spcPts val="0"/>
+                        </a:spcBef>
+                        <a:spcAft>
+                          <a:spcPts val="0"/>
+                        </a:spcAft>
                       </a:pPr>
                       <a:r>
-                        <a:rPr lang="en-US" sz="2000" kern="100" dirty="0" err="1">
+                        <a:rPr lang="en-US" sz="1800" kern="100" dirty="0" err="1">
                           <a:effectLst/>
                         </a:rPr>
                         <a:t>Universiti</a:t>
                       </a:r>
                       <a:r>
-                        <a:rPr lang="en-US" sz="2000" kern="100" dirty="0">
+                        <a:rPr lang="en-US" sz="1800" kern="100" dirty="0">
                           <a:effectLst/>
                         </a:rPr>
                         <a:t> Malaya &amp; </a:t>
                       </a:r>
                       <a:r>
-                        <a:rPr lang="en-US" sz="2000" kern="100" dirty="0" err="1">
+                        <a:rPr lang="en-US" sz="1800" kern="100" dirty="0" err="1">
                           <a:effectLst/>
                         </a:rPr>
                         <a:t>Universiti</a:t>
                       </a:r>
                       <a:r>
-                        <a:rPr lang="en-US" sz="2000" kern="100" dirty="0">
+                        <a:rPr lang="en-US" sz="1800" kern="100" dirty="0">
                           <a:effectLst/>
                         </a:rPr>
                         <a:t> </a:t>
                       </a:r>
                       <a:r>
-                        <a:rPr lang="en-US" sz="2000" kern="100" dirty="0" err="1">
+                        <a:rPr lang="en-US" sz="1800" kern="100" dirty="0" err="1">
                           <a:effectLst/>
                         </a:rPr>
                         <a:t>Tunku</a:t>
                       </a:r>
                       <a:r>
-                        <a:rPr lang="en-US" sz="2000" kern="100" dirty="0">
+                        <a:rPr lang="en-US" sz="1800" kern="100" dirty="0">
                           <a:effectLst/>
                         </a:rPr>
                         <a:t> Abdul Rahman</a:t>
                       </a:r>
-                      <a:endParaRPr lang="zh-CN" sz="2000" kern="100" dirty="0">
+                      <a:endParaRPr lang="zh-CN" sz="1800" kern="100" dirty="0">
                         <a:effectLst/>
                         <a:latin typeface="等线" panose="02010600030101010101" pitchFamily="2" charset="-122"/>
                         <a:ea typeface="等线" panose="02010600030101010101" pitchFamily="2" charset="-122"/>

--- a/assets/figures.pptx
+++ b/assets/figures.pptx
@@ -134,7 +134,7 @@
 <file path=ppt/revisionInfo.xml><?xml version="1.0" encoding="utf-8"?>
 <p1510:revInfo xmlns:a="http://schemas.openxmlformats.org/drawingml/2006/main" xmlns:r="http://schemas.openxmlformats.org/officeDocument/2006/relationships" xmlns:p1510="http://schemas.microsoft.com/office/powerpoint/2015/10/main">
   <p1510:revLst>
-    <p1510:client id="{1DC4A7AB-8307-463F-B68B-CDC3B517A939}" v="123" dt="2024-03-15T05:03:39.356"/>
+    <p1510:client id="{1DC4A7AB-8307-463F-B68B-CDC3B517A939}" v="124" dt="2024-03-15T05:09:42.502"/>
   </p1510:revLst>
 </p1510:revInfo>
 </file>
@@ -176,7 +176,7 @@
   <pc:docChgLst>
     <pc:chgData name="ZHANG Xiangyu" userId="0af619d5-14b7-43d3-95bc-94ad39c803d6" providerId="ADAL" clId="{1DC4A7AB-8307-463F-B68B-CDC3B517A939}"/>
     <pc:docChg chg="undo redo custSel addSld modSld">
-      <pc:chgData name="ZHANG Xiangyu" userId="0af619d5-14b7-43d3-95bc-94ad39c803d6" providerId="ADAL" clId="{1DC4A7AB-8307-463F-B68B-CDC3B517A939}" dt="2024-03-15T05:03:39.355" v="552" actId="5736"/>
+      <pc:chgData name="ZHANG Xiangyu" userId="0af619d5-14b7-43d3-95bc-94ad39c803d6" providerId="ADAL" clId="{1DC4A7AB-8307-463F-B68B-CDC3B517A939}" dt="2024-03-15T05:09:42.501" v="553" actId="5736"/>
       <pc:docMkLst>
         <pc:docMk/>
       </pc:docMkLst>
@@ -878,7 +878,7 @@
         </pc:picChg>
       </pc:sldChg>
       <pc:sldChg chg="addSp delSp modSp new mod">
-        <pc:chgData name="ZHANG Xiangyu" userId="0af619d5-14b7-43d3-95bc-94ad39c803d6" providerId="ADAL" clId="{1DC4A7AB-8307-463F-B68B-CDC3B517A939}" dt="2024-03-15T05:03:39.355" v="552" actId="5736"/>
+        <pc:chgData name="ZHANG Xiangyu" userId="0af619d5-14b7-43d3-95bc-94ad39c803d6" providerId="ADAL" clId="{1DC4A7AB-8307-463F-B68B-CDC3B517A939}" dt="2024-03-15T05:09:42.501" v="553" actId="5736"/>
         <pc:sldMkLst>
           <pc:docMk/>
           <pc:sldMk cId="2545574032" sldId="272"/>
@@ -940,7 +940,7 @@
           </ac:graphicFrameMkLst>
         </pc:graphicFrameChg>
         <pc:graphicFrameChg chg="add mod modGraphic">
-          <ac:chgData name="ZHANG Xiangyu" userId="0af619d5-14b7-43d3-95bc-94ad39c803d6" providerId="ADAL" clId="{1DC4A7AB-8307-463F-B68B-CDC3B517A939}" dt="2024-03-15T05:03:39.355" v="552" actId="5736"/>
+          <ac:chgData name="ZHANG Xiangyu" userId="0af619d5-14b7-43d3-95bc-94ad39c803d6" providerId="ADAL" clId="{1DC4A7AB-8307-463F-B68B-CDC3B517A939}" dt="2024-03-15T05:09:42.501" v="553" actId="5736"/>
           <ac:graphicFrameMkLst>
             <pc:docMk/>
             <pc:sldMk cId="2545574032" sldId="272"/>
@@ -12056,7 +12056,7 @@
           <p:nvPr>
             <p:extLst>
               <p:ext uri="{D42A27DB-BD31-4B8C-83A1-F6EECF244321}">
-                <p14:modId xmlns:p14="http://schemas.microsoft.com/office/powerpoint/2010/main" val="359930965"/>
+                <p14:modId xmlns:p14="http://schemas.microsoft.com/office/powerpoint/2010/main" val="1279874536"/>
               </p:ext>
             </p:extLst>
           </p:nvPr>

--- a/assets/figures.pptx
+++ b/assets/figures.pptx
@@ -134,7 +134,7 @@
 <file path=ppt/revisionInfo.xml><?xml version="1.0" encoding="utf-8"?>
 <p1510:revInfo xmlns:a="http://schemas.openxmlformats.org/drawingml/2006/main" xmlns:r="http://schemas.openxmlformats.org/officeDocument/2006/relationships" xmlns:p1510="http://schemas.microsoft.com/office/powerpoint/2015/10/main">
   <p1510:revLst>
-    <p1510:client id="{1DC4A7AB-8307-463F-B68B-CDC3B517A939}" v="124" dt="2024-03-15T05:09:42.502"/>
+    <p1510:client id="{1DC4A7AB-8307-463F-B68B-CDC3B517A939}" v="126" dt="2024-03-15T05:15:10.330"/>
   </p1510:revLst>
 </p1510:revInfo>
 </file>
@@ -176,7 +176,7 @@
   <pc:docChgLst>
     <pc:chgData name="ZHANG Xiangyu" userId="0af619d5-14b7-43d3-95bc-94ad39c803d6" providerId="ADAL" clId="{1DC4A7AB-8307-463F-B68B-CDC3B517A939}"/>
     <pc:docChg chg="undo redo custSel addSld modSld">
-      <pc:chgData name="ZHANG Xiangyu" userId="0af619d5-14b7-43d3-95bc-94ad39c803d6" providerId="ADAL" clId="{1DC4A7AB-8307-463F-B68B-CDC3B517A939}" dt="2024-03-15T05:09:42.501" v="553" actId="5736"/>
+      <pc:chgData name="ZHANG Xiangyu" userId="0af619d5-14b7-43d3-95bc-94ad39c803d6" providerId="ADAL" clId="{1DC4A7AB-8307-463F-B68B-CDC3B517A939}" dt="2024-03-15T05:15:10.329" v="630" actId="5736"/>
       <pc:docMkLst>
         <pc:docMk/>
       </pc:docMkLst>
@@ -878,7 +878,7 @@
         </pc:picChg>
       </pc:sldChg>
       <pc:sldChg chg="addSp delSp modSp new mod">
-        <pc:chgData name="ZHANG Xiangyu" userId="0af619d5-14b7-43d3-95bc-94ad39c803d6" providerId="ADAL" clId="{1DC4A7AB-8307-463F-B68B-CDC3B517A939}" dt="2024-03-15T05:09:42.501" v="553" actId="5736"/>
+        <pc:chgData name="ZHANG Xiangyu" userId="0af619d5-14b7-43d3-95bc-94ad39c803d6" providerId="ADAL" clId="{1DC4A7AB-8307-463F-B68B-CDC3B517A939}" dt="2024-03-15T05:15:10.329" v="630" actId="5736"/>
         <pc:sldMkLst>
           <pc:docMk/>
           <pc:sldMk cId="2545574032" sldId="272"/>
@@ -940,7 +940,7 @@
           </ac:graphicFrameMkLst>
         </pc:graphicFrameChg>
         <pc:graphicFrameChg chg="add mod modGraphic">
-          <ac:chgData name="ZHANG Xiangyu" userId="0af619d5-14b7-43d3-95bc-94ad39c803d6" providerId="ADAL" clId="{1DC4A7AB-8307-463F-B68B-CDC3B517A939}" dt="2024-03-15T05:09:42.501" v="553" actId="5736"/>
+          <ac:chgData name="ZHANG Xiangyu" userId="0af619d5-14b7-43d3-95bc-94ad39c803d6" providerId="ADAL" clId="{1DC4A7AB-8307-463F-B68B-CDC3B517A939}" dt="2024-03-15T05:15:10.329" v="630" actId="5736"/>
           <ac:graphicFrameMkLst>
             <pc:docMk/>
             <pc:sldMk cId="2545574032" sldId="272"/>
@@ -12056,14 +12056,14 @@
           <p:nvPr>
             <p:extLst>
               <p:ext uri="{D42A27DB-BD31-4B8C-83A1-F6EECF244321}">
-                <p14:modId xmlns:p14="http://schemas.microsoft.com/office/powerpoint/2010/main" val="1279874536"/>
+                <p14:modId xmlns:p14="http://schemas.microsoft.com/office/powerpoint/2010/main" val="1006728657"/>
               </p:ext>
             </p:extLst>
           </p:nvPr>
         </p:nvGraphicFramePr>
         <p:xfrm>
-          <a:off x="266699" y="-693156"/>
-          <a:ext cx="11658601" cy="17054871"/>
+          <a:off x="0" y="-765727"/>
+          <a:ext cx="11393714" cy="11663998"/>
         </p:xfrm>
         <a:graphic>
           <a:graphicData uri="http://schemas.openxmlformats.org/drawingml/2006/table">
@@ -12086,14 +12086,14 @@
                     </a:ext>
                   </a:extLst>
                 </a:gridCol>
-                <a:gridCol w="3889262">
+                <a:gridCol w="3569948">
                   <a:extLst>
                     <a:ext uri="{9D8B030D-6E8A-4147-A177-3AD203B41FA5}">
                       <a16:colId xmlns:a16="http://schemas.microsoft.com/office/drawing/2014/main" val="4104923008"/>
                     </a:ext>
                   </a:extLst>
                 </a:gridCol>
-                <a:gridCol w="2432957">
+                <a:gridCol w="2487384">
                   <a:extLst>
                     <a:ext uri="{9D8B030D-6E8A-4147-A177-3AD203B41FA5}">
                       <a16:colId xmlns:a16="http://schemas.microsoft.com/office/drawing/2014/main" val="421798908"/>
@@ -12101,7 +12101,7 @@
                   </a:extLst>
                 </a:gridCol>
               </a:tblGrid>
-              <a:tr h="1028700">
+              <a:tr h="1154996">
                 <a:tc>
                   <a:txBody>
                     <a:bodyPr/>
@@ -12186,7 +12186,7 @@
                   </a:ext>
                 </a:extLst>
               </a:tr>
-              <a:tr h="486971">
+              <a:tr h="616617">
                 <a:tc>
                   <a:txBody>
                     <a:bodyPr/>
@@ -12220,7 +12220,7 @@
                     <a:p>
                       <a:pPr algn="ctr">
                         <a:lnSpc>
-                          <a:spcPct val="200000"/>
+                          <a:spcPct val="100000"/>
                         </a:lnSpc>
                         <a:spcBef>
                           <a:spcPts val="0"/>
@@ -12252,7 +12252,7 @@
                     <a:p>
                       <a:pPr algn="ctr">
                         <a:lnSpc>
-                          <a:spcPct val="200000"/>
+                          <a:spcPct val="100000"/>
                         </a:lnSpc>
                         <a:spcBef>
                           <a:spcPts val="0"/>
@@ -12279,7 +12279,7 @@
                     <a:p>
                       <a:pPr algn="ctr">
                         <a:lnSpc>
-                          <a:spcPct val="200000"/>
+                          <a:spcPct val="100000"/>
                         </a:lnSpc>
                         <a:spcBef>
                           <a:spcPts val="0"/>
@@ -12305,7 +12305,7 @@
                   </a:ext>
                 </a:extLst>
               </a:tr>
-              <a:tr h="677095">
+              <a:tr h="924628">
                 <a:tc rowSpan="4">
                   <a:txBody>
                     <a:bodyPr/>
@@ -12339,7 +12339,7 @@
                     <a:p>
                       <a:pPr algn="ctr">
                         <a:lnSpc>
-                          <a:spcPct val="200000"/>
+                          <a:spcPct val="100000"/>
                         </a:lnSpc>
                         <a:spcBef>
                           <a:spcPts val="0"/>
@@ -12371,7 +12371,7 @@
                     <a:p>
                       <a:pPr algn="ctr">
                         <a:lnSpc>
-                          <a:spcPct val="200000"/>
+                          <a:spcPct val="100000"/>
                         </a:lnSpc>
                         <a:spcBef>
                           <a:spcPts val="0"/>
@@ -12420,7 +12420,7 @@
                     <a:p>
                       <a:pPr algn="ctr">
                         <a:lnSpc>
-                          <a:spcPct val="200000"/>
+                          <a:spcPct val="100000"/>
                         </a:lnSpc>
                         <a:spcBef>
                           <a:spcPts val="0"/>
@@ -12446,7 +12446,7 @@
                   </a:ext>
                 </a:extLst>
               </a:tr>
-              <a:tr h="486971">
+              <a:tr h="616617">
                 <a:tc vMerge="1">
                   <a:txBody>
                     <a:bodyPr/>
@@ -12464,7 +12464,7 @@
                     <a:p>
                       <a:pPr algn="ctr">
                         <a:lnSpc>
-                          <a:spcPct val="200000"/>
+                          <a:spcPct val="100000"/>
                         </a:lnSpc>
                         <a:spcBef>
                           <a:spcPts val="0"/>
@@ -12496,7 +12496,7 @@
                     <a:p>
                       <a:pPr algn="ctr">
                         <a:lnSpc>
-                          <a:spcPct val="200000"/>
+                          <a:spcPct val="100000"/>
                         </a:lnSpc>
                         <a:spcBef>
                           <a:spcPts val="0"/>
@@ -12523,7 +12523,7 @@
                     <a:p>
                       <a:pPr algn="ctr">
                         <a:lnSpc>
-                          <a:spcPct val="200000"/>
+                          <a:spcPct val="100000"/>
                         </a:lnSpc>
                         <a:spcBef>
                           <a:spcPts val="0"/>
@@ -12549,7 +12549,7 @@
                   </a:ext>
                 </a:extLst>
               </a:tr>
-              <a:tr h="634846">
+              <a:tr h="924628">
                 <a:tc vMerge="1">
                   <a:txBody>
                     <a:bodyPr/>
@@ -12567,7 +12567,7 @@
                     <a:p>
                       <a:pPr algn="ctr">
                         <a:lnSpc>
-                          <a:spcPct val="200000"/>
+                          <a:spcPct val="100000"/>
                         </a:lnSpc>
                         <a:spcBef>
                           <a:spcPts val="0"/>
@@ -12599,7 +12599,7 @@
                     <a:p>
                       <a:pPr algn="ctr">
                         <a:lnSpc>
-                          <a:spcPct val="200000"/>
+                          <a:spcPct val="100000"/>
                         </a:lnSpc>
                         <a:spcBef>
                           <a:spcPts val="0"/>
@@ -12626,7 +12626,7 @@
                     <a:p>
                       <a:pPr algn="ctr">
                         <a:lnSpc>
-                          <a:spcPct val="200000"/>
+                          <a:spcPct val="100000"/>
                         </a:lnSpc>
                         <a:spcBef>
                           <a:spcPts val="0"/>
@@ -12648,7 +12648,7 @@
                     <a:p>
                       <a:pPr algn="ctr">
                         <a:lnSpc>
-                          <a:spcPct val="200000"/>
+                          <a:spcPct val="100000"/>
                         </a:lnSpc>
                         <a:spcBef>
                           <a:spcPts val="0"/>
@@ -12674,7 +12674,7 @@
                   </a:ext>
                 </a:extLst>
               </a:tr>
-              <a:tr h="486971">
+              <a:tr h="616617">
                 <a:tc vMerge="1">
                   <a:txBody>
                     <a:bodyPr/>
@@ -12692,7 +12692,7 @@
                     <a:p>
                       <a:pPr algn="ctr">
                         <a:lnSpc>
-                          <a:spcPct val="200000"/>
+                          <a:spcPct val="100000"/>
                         </a:lnSpc>
                         <a:spcBef>
                           <a:spcPts val="0"/>
@@ -12724,7 +12724,7 @@
                     <a:p>
                       <a:pPr algn="ctr">
                         <a:lnSpc>
-                          <a:spcPct val="200000"/>
+                          <a:spcPct val="100000"/>
                         </a:lnSpc>
                         <a:spcBef>
                           <a:spcPts val="0"/>
@@ -12751,7 +12751,7 @@
                     <a:p>
                       <a:pPr algn="ctr">
                         <a:lnSpc>
-                          <a:spcPct val="200000"/>
+                          <a:spcPct val="100000"/>
                         </a:lnSpc>
                         <a:spcBef>
                           <a:spcPts val="0"/>
@@ -12777,7 +12777,7 @@
                   </a:ext>
                 </a:extLst>
               </a:tr>
-              <a:tr h="634846">
+              <a:tr h="924628">
                 <a:tc rowSpan="3">
                   <a:txBody>
                     <a:bodyPr/>
@@ -12811,7 +12811,7 @@
                     <a:p>
                       <a:pPr algn="ctr">
                         <a:lnSpc>
-                          <a:spcPct val="200000"/>
+                          <a:spcPct val="100000"/>
                         </a:lnSpc>
                         <a:spcBef>
                           <a:spcPts val="0"/>
@@ -12843,7 +12843,7 @@
                     <a:p>
                       <a:pPr algn="ctr">
                         <a:lnSpc>
-                          <a:spcPct val="200000"/>
+                          <a:spcPct val="100000"/>
                         </a:lnSpc>
                         <a:spcBef>
                           <a:spcPts val="0"/>
@@ -12870,7 +12870,7 @@
                     <a:p>
                       <a:pPr algn="ctr">
                         <a:lnSpc>
-                          <a:spcPct val="200000"/>
+                          <a:spcPct val="100000"/>
                         </a:lnSpc>
                         <a:spcBef>
                           <a:spcPts val="0"/>
@@ -12892,7 +12892,7 @@
                     <a:p>
                       <a:pPr algn="ctr">
                         <a:lnSpc>
-                          <a:spcPct val="200000"/>
+                          <a:spcPct val="100000"/>
                         </a:lnSpc>
                         <a:spcBef>
                           <a:spcPts val="0"/>
@@ -12918,7 +12918,7 @@
                   </a:ext>
                 </a:extLst>
               </a:tr>
-              <a:tr h="486971">
+              <a:tr h="616617">
                 <a:tc vMerge="1">
                   <a:txBody>
                     <a:bodyPr/>
@@ -12936,7 +12936,7 @@
                     <a:p>
                       <a:pPr algn="ctr">
                         <a:lnSpc>
-                          <a:spcPct val="200000"/>
+                          <a:spcPct val="100000"/>
                         </a:lnSpc>
                         <a:spcBef>
                           <a:spcPts val="0"/>
@@ -12968,7 +12968,7 @@
                     <a:p>
                       <a:pPr algn="ctr">
                         <a:lnSpc>
-                          <a:spcPct val="200000"/>
+                          <a:spcPct val="100000"/>
                         </a:lnSpc>
                         <a:spcBef>
                           <a:spcPts val="0"/>
@@ -12995,7 +12995,7 @@
                     <a:p>
                       <a:pPr algn="ctr">
                         <a:lnSpc>
-                          <a:spcPct val="200000"/>
+                          <a:spcPct val="100000"/>
                         </a:lnSpc>
                         <a:spcBef>
                           <a:spcPts val="0"/>
@@ -13021,7 +13021,7 @@
                   </a:ext>
                 </a:extLst>
               </a:tr>
-              <a:tr h="634846">
+              <a:tr h="924628">
                 <a:tc vMerge="1">
                   <a:txBody>
                     <a:bodyPr/>
@@ -13039,7 +13039,7 @@
                     <a:p>
                       <a:pPr algn="ctr">
                         <a:lnSpc>
-                          <a:spcPct val="200000"/>
+                          <a:spcPct val="100000"/>
                         </a:lnSpc>
                         <a:spcBef>
                           <a:spcPts val="0"/>
@@ -13071,7 +13071,7 @@
                     <a:p>
                       <a:pPr algn="ctr">
                         <a:lnSpc>
-                          <a:spcPct val="200000"/>
+                          <a:spcPct val="100000"/>
                         </a:lnSpc>
                         <a:spcBef>
                           <a:spcPts val="0"/>
@@ -13098,7 +13098,7 @@
                     <a:p>
                       <a:pPr algn="ctr">
                         <a:lnSpc>
-                          <a:spcPct val="200000"/>
+                          <a:spcPct val="100000"/>
                         </a:lnSpc>
                         <a:spcBef>
                           <a:spcPts val="0"/>
@@ -13120,7 +13120,7 @@
                     <a:p>
                       <a:pPr algn="ctr">
                         <a:lnSpc>
-                          <a:spcPct val="200000"/>
+                          <a:spcPct val="100000"/>
                         </a:lnSpc>
                         <a:spcBef>
                           <a:spcPts val="0"/>
@@ -13146,7 +13146,7 @@
                   </a:ext>
                 </a:extLst>
               </a:tr>
-              <a:tr h="486971">
+              <a:tr h="616617">
                 <a:tc rowSpan="4">
                   <a:txBody>
                     <a:bodyPr/>
@@ -13180,7 +13180,7 @@
                     <a:p>
                       <a:pPr algn="ctr">
                         <a:lnSpc>
-                          <a:spcPct val="200000"/>
+                          <a:spcPct val="100000"/>
                         </a:lnSpc>
                         <a:spcBef>
                           <a:spcPts val="0"/>
@@ -13212,7 +13212,7 @@
                     <a:p>
                       <a:pPr algn="ctr">
                         <a:lnSpc>
-                          <a:spcPct val="200000"/>
+                          <a:spcPct val="100000"/>
                         </a:lnSpc>
                         <a:spcBef>
                           <a:spcPts val="0"/>
@@ -13225,26 +13225,13 @@
                         <a:rPr lang="en-US" sz="1800" kern="100" dirty="0">
                           <a:effectLst/>
                         </a:rPr>
-                        <a:t>Academic/Committee Discussion</a:t>
-                      </a:r>
-                      <a:endParaRPr lang="zh-CN" sz="1800" kern="100" dirty="0">
-                        <a:effectLst/>
-                        <a:latin typeface="等线" panose="02010600030101010101" pitchFamily="2" charset="-122"/>
-                        <a:ea typeface="等线" panose="02010600030101010101" pitchFamily="2" charset="-122"/>
-                        <a:cs typeface="Times New Roman" panose="02020603050405020304" pitchFamily="18" charset="0"/>
-                      </a:endParaRPr>
-                    </a:p>
-                  </a:txBody>
-                  <a:tcPr marL="560" marR="560" marT="560" marB="0" anchor="ctr"/>
-                </a:tc>
-                <a:tc>
-                  <a:txBody>
-                    <a:bodyPr/>
-                    <a:lstStyle/>
+                        <a:t>Academic/Committee </a:t>
+                      </a:r>
+                    </a:p>
                     <a:p>
                       <a:pPr algn="ctr">
                         <a:lnSpc>
-                          <a:spcPct val="200000"/>
+                          <a:spcPct val="100000"/>
                         </a:lnSpc>
                         <a:spcBef>
                           <a:spcPts val="0"/>
@@ -13257,7 +13244,7 @@
                         <a:rPr lang="en-US" sz="1800" kern="100" dirty="0">
                           <a:effectLst/>
                         </a:rPr>
-                        <a:t>DoubleTree by Hilton Kuala Lumpur</a:t>
+                        <a:t>Discussion</a:t>
                       </a:r>
                       <a:endParaRPr lang="zh-CN" sz="1800" kern="100" dirty="0">
                         <a:effectLst/>
@@ -13269,23 +13256,6 @@
                   </a:txBody>
                   <a:tcPr marL="560" marR="560" marT="560" marB="0" anchor="ctr"/>
                 </a:tc>
-                <a:extLst>
-                  <a:ext uri="{0D108BD9-81ED-4DB2-BD59-A6C34878D82A}">
-                    <a16:rowId xmlns:a16="http://schemas.microsoft.com/office/drawing/2014/main" val="1956631445"/>
-                  </a:ext>
-                </a:extLst>
-              </a:tr>
-              <a:tr h="486971">
-                <a:tc vMerge="1">
-                  <a:txBody>
-                    <a:bodyPr/>
-                    <a:lstStyle/>
-                    <a:p>
-                      <a:endParaRPr lang="zh-CN" altLang="en-US"/>
-                    </a:p>
-                  </a:txBody>
-                  <a:tcPr/>
-                </a:tc>
                 <a:tc>
                   <a:txBody>
                     <a:bodyPr/>
@@ -13293,7 +13263,7 @@
                     <a:p>
                       <a:pPr algn="ctr">
                         <a:lnSpc>
-                          <a:spcPct val="200000"/>
+                          <a:spcPct val="100000"/>
                         </a:lnSpc>
                         <a:spcBef>
                           <a:spcPts val="0"/>
@@ -13306,7 +13276,7 @@
                         <a:rPr lang="en-US" sz="1800" kern="100" dirty="0">
                           <a:effectLst/>
                         </a:rPr>
-                        <a:t>12:00-13:30</a:t>
+                        <a:t>DoubleTree by Hilton Kuala Lumpur</a:t>
                       </a:r>
                       <a:endParaRPr lang="zh-CN" sz="1800" kern="100" dirty="0">
                         <a:effectLst/>
@@ -13318,6 +13288,23 @@
                   </a:txBody>
                   <a:tcPr marL="560" marR="560" marT="560" marB="0" anchor="ctr"/>
                 </a:tc>
+                <a:extLst>
+                  <a:ext uri="{0D108BD9-81ED-4DB2-BD59-A6C34878D82A}">
+                    <a16:rowId xmlns:a16="http://schemas.microsoft.com/office/drawing/2014/main" val="1956631445"/>
+                  </a:ext>
+                </a:extLst>
+              </a:tr>
+              <a:tr h="616617">
+                <a:tc vMerge="1">
+                  <a:txBody>
+                    <a:bodyPr/>
+                    <a:lstStyle/>
+                    <a:p>
+                      <a:endParaRPr lang="zh-CN" altLang="en-US"/>
+                    </a:p>
+                  </a:txBody>
+                  <a:tcPr/>
+                </a:tc>
                 <a:tc>
                   <a:txBody>
                     <a:bodyPr/>
@@ -13325,7 +13312,7 @@
                     <a:p>
                       <a:pPr algn="ctr">
                         <a:lnSpc>
-                          <a:spcPct val="200000"/>
+                          <a:spcPct val="100000"/>
                         </a:lnSpc>
                         <a:spcBef>
                           <a:spcPts val="0"/>
@@ -13338,7 +13325,7 @@
                         <a:rPr lang="en-US" sz="1800" kern="100" dirty="0">
                           <a:effectLst/>
                         </a:rPr>
-                        <a:t>Lunch</a:t>
+                        <a:t>12:00-13:30</a:t>
                       </a:r>
                       <a:endParaRPr lang="zh-CN" sz="1800" kern="100" dirty="0">
                         <a:effectLst/>
@@ -13357,7 +13344,7 @@
                     <a:p>
                       <a:pPr algn="ctr">
                         <a:lnSpc>
-                          <a:spcPct val="200000"/>
+                          <a:spcPct val="100000"/>
                         </a:lnSpc>
                         <a:spcBef>
                           <a:spcPts val="0"/>
@@ -13370,7 +13357,7 @@
                         <a:rPr lang="en-US" sz="1800" kern="100" dirty="0">
                           <a:effectLst/>
                         </a:rPr>
-                        <a:t>DoubleTree by Hilton Kuala Lumpur</a:t>
+                        <a:t>Lunch</a:t>
                       </a:r>
                       <a:endParaRPr lang="zh-CN" sz="1800" kern="100" dirty="0">
                         <a:effectLst/>
@@ -13382,23 +13369,6 @@
                   </a:txBody>
                   <a:tcPr marL="560" marR="560" marT="560" marB="0" anchor="ctr"/>
                 </a:tc>
-                <a:extLst>
-                  <a:ext uri="{0D108BD9-81ED-4DB2-BD59-A6C34878D82A}">
-                    <a16:rowId xmlns:a16="http://schemas.microsoft.com/office/drawing/2014/main" val="3053092189"/>
-                  </a:ext>
-                </a:extLst>
-              </a:tr>
-              <a:tr h="677095">
-                <a:tc vMerge="1">
-                  <a:txBody>
-                    <a:bodyPr/>
-                    <a:lstStyle/>
-                    <a:p>
-                      <a:endParaRPr lang="zh-CN" altLang="en-US"/>
-                    </a:p>
-                  </a:txBody>
-                  <a:tcPr/>
-                </a:tc>
                 <a:tc>
                   <a:txBody>
                     <a:bodyPr/>
@@ -13406,7 +13376,7 @@
                     <a:p>
                       <a:pPr algn="ctr">
                         <a:lnSpc>
-                          <a:spcPct val="200000"/>
+                          <a:spcPct val="100000"/>
                         </a:lnSpc>
                         <a:spcBef>
                           <a:spcPts val="0"/>
@@ -13419,7 +13389,7 @@
                         <a:rPr lang="en-US" sz="1800" kern="100" dirty="0">
                           <a:effectLst/>
                         </a:rPr>
-                        <a:t>14:00-15:00</a:t>
+                        <a:t>DoubleTree by Hilton Kuala Lumpur</a:t>
                       </a:r>
                       <a:endParaRPr lang="zh-CN" sz="1800" kern="100" dirty="0">
                         <a:effectLst/>
@@ -13431,6 +13401,23 @@
                   </a:txBody>
                   <a:tcPr marL="560" marR="560" marT="560" marB="0" anchor="ctr"/>
                 </a:tc>
+                <a:extLst>
+                  <a:ext uri="{0D108BD9-81ED-4DB2-BD59-A6C34878D82A}">
+                    <a16:rowId xmlns:a16="http://schemas.microsoft.com/office/drawing/2014/main" val="3053092189"/>
+                  </a:ext>
+                </a:extLst>
+              </a:tr>
+              <a:tr h="760206">
+                <a:tc vMerge="1">
+                  <a:txBody>
+                    <a:bodyPr/>
+                    <a:lstStyle/>
+                    <a:p>
+                      <a:endParaRPr lang="zh-CN" altLang="en-US"/>
+                    </a:p>
+                  </a:txBody>
+                  <a:tcPr/>
+                </a:tc>
                 <a:tc>
                   <a:txBody>
                     <a:bodyPr/>
@@ -13438,7 +13425,7 @@
                     <a:p>
                       <a:pPr algn="ctr">
                         <a:lnSpc>
-                          <a:spcPct val="200000"/>
+                          <a:spcPct val="100000"/>
                         </a:lnSpc>
                         <a:spcBef>
                           <a:spcPts val="0"/>
@@ -13451,7 +13438,7 @@
                         <a:rPr lang="en-US" sz="1800" kern="100" dirty="0">
                           <a:effectLst/>
                         </a:rPr>
-                        <a:t>CMMM20244 Conference Committee Meeting</a:t>
+                        <a:t>14:00-15:00</a:t>
                       </a:r>
                       <a:endParaRPr lang="zh-CN" sz="1800" kern="100" dirty="0">
                         <a:effectLst/>
@@ -13470,7 +13457,7 @@
                     <a:p>
                       <a:pPr algn="ctr">
                         <a:lnSpc>
-                          <a:spcPct val="200000"/>
+                          <a:spcPct val="100000"/>
                         </a:lnSpc>
                         <a:spcBef>
                           <a:spcPts val="0"/>
@@ -13483,43 +13470,13 @@
                         <a:rPr lang="en-US" sz="1800" kern="100" dirty="0">
                           <a:effectLst/>
                         </a:rPr>
-                        <a:t>DoubleTree by Hilton Kuala Lumpur</a:t>
-                      </a:r>
-                      <a:endParaRPr lang="zh-CN" sz="1800" kern="100" dirty="0">
-                        <a:effectLst/>
-                        <a:latin typeface="等线" panose="02010600030101010101" pitchFamily="2" charset="-122"/>
-                        <a:ea typeface="等线" panose="02010600030101010101" pitchFamily="2" charset="-122"/>
-                        <a:cs typeface="Times New Roman" panose="02020603050405020304" pitchFamily="18" charset="0"/>
-                      </a:endParaRPr>
-                    </a:p>
-                  </a:txBody>
-                  <a:tcPr marL="560" marR="560" marT="560" marB="0" anchor="ctr"/>
-                </a:tc>
-                <a:extLst>
-                  <a:ext uri="{0D108BD9-81ED-4DB2-BD59-A6C34878D82A}">
-                    <a16:rowId xmlns:a16="http://schemas.microsoft.com/office/drawing/2014/main" val="3391610167"/>
-                  </a:ext>
-                </a:extLst>
-              </a:tr>
-              <a:tr h="846094">
-                <a:tc vMerge="1">
-                  <a:txBody>
-                    <a:bodyPr/>
-                    <a:lstStyle/>
-                    <a:p>
-                      <a:endParaRPr lang="zh-CN" altLang="en-US"/>
-                    </a:p>
-                  </a:txBody>
-                  <a:tcPr/>
-                </a:tc>
-                <a:tc>
-                  <a:txBody>
-                    <a:bodyPr/>
-                    <a:lstStyle/>
+                        <a:t>CMMM20244 Conference </a:t>
+                      </a:r>
+                    </a:p>
                     <a:p>
                       <a:pPr algn="ctr">
                         <a:lnSpc>
-                          <a:spcPct val="200000"/>
+                          <a:spcPct val="100000"/>
                         </a:lnSpc>
                         <a:spcBef>
                           <a:spcPts val="0"/>
@@ -13532,7 +13489,7 @@
                         <a:rPr lang="en-US" sz="1800" kern="100" dirty="0">
                           <a:effectLst/>
                         </a:rPr>
-                        <a:t>15:00-17:00</a:t>
+                        <a:t>Committee Meeting</a:t>
                       </a:r>
                       <a:endParaRPr lang="zh-CN" sz="1800" kern="100" dirty="0">
                         <a:effectLst/>
@@ -13551,7 +13508,7 @@
                     <a:p>
                       <a:pPr algn="ctr">
                         <a:lnSpc>
-                          <a:spcPct val="200000"/>
+                          <a:spcPct val="100000"/>
                         </a:lnSpc>
                         <a:spcBef>
                           <a:spcPts val="0"/>
@@ -13564,7 +13521,7 @@
                         <a:rPr lang="en-US" sz="1800" kern="100" dirty="0">
                           <a:effectLst/>
                         </a:rPr>
-                        <a:t>CMMM2024 Conference Closing/Certificate Distribution</a:t>
+                        <a:t>DoubleTree by Hilton Kuala Lumpur</a:t>
                       </a:r>
                       <a:endParaRPr lang="zh-CN" sz="1800" kern="100" dirty="0">
                         <a:effectLst/>
@@ -13576,6 +13533,23 @@
                   </a:txBody>
                   <a:tcPr marL="560" marR="560" marT="560" marB="0" anchor="ctr"/>
                 </a:tc>
+                <a:extLst>
+                  <a:ext uri="{0D108BD9-81ED-4DB2-BD59-A6C34878D82A}">
+                    <a16:rowId xmlns:a16="http://schemas.microsoft.com/office/drawing/2014/main" val="3391610167"/>
+                  </a:ext>
+                </a:extLst>
+              </a:tr>
+              <a:tr h="949965">
+                <a:tc vMerge="1">
+                  <a:txBody>
+                    <a:bodyPr/>
+                    <a:lstStyle/>
+                    <a:p>
+                      <a:endParaRPr lang="zh-CN" altLang="en-US"/>
+                    </a:p>
+                  </a:txBody>
+                  <a:tcPr/>
+                </a:tc>
                 <a:tc>
                   <a:txBody>
                     <a:bodyPr/>
@@ -13583,7 +13557,7 @@
                     <a:p>
                       <a:pPr algn="ctr">
                         <a:lnSpc>
-                          <a:spcPct val="200000"/>
+                          <a:spcPct val="100000"/>
                         </a:lnSpc>
                         <a:spcBef>
                           <a:spcPts val="0"/>
@@ -13596,7 +13570,7 @@
                         <a:rPr lang="en-US" sz="1800" kern="100" dirty="0">
                           <a:effectLst/>
                         </a:rPr>
-                        <a:t>DoubleTree by Hilton Kuala Lumpur</a:t>
+                        <a:t>15:00-17:00</a:t>
                       </a:r>
                       <a:endParaRPr lang="zh-CN" sz="1800" kern="100" dirty="0">
                         <a:effectLst/>
@@ -13608,13 +13582,6 @@
                   </a:txBody>
                   <a:tcPr marL="560" marR="560" marT="560" marB="0" anchor="ctr"/>
                 </a:tc>
-                <a:extLst>
-                  <a:ext uri="{0D108BD9-81ED-4DB2-BD59-A6C34878D82A}">
-                    <a16:rowId xmlns:a16="http://schemas.microsoft.com/office/drawing/2014/main" val="1269814123"/>
-                  </a:ext>
-                </a:extLst>
-              </a:tr>
-              <a:tr h="1247467">
                 <a:tc>
                   <a:txBody>
                     <a:bodyPr/>
@@ -13622,33 +13589,7 @@
                     <a:p>
                       <a:pPr algn="ctr">
                         <a:lnSpc>
-                          <a:spcPct val="150000"/>
-                        </a:lnSpc>
-                      </a:pPr>
-                      <a:r>
-                        <a:rPr lang="en-US" sz="1800" kern="100" dirty="0">
-                          <a:effectLst/>
-                        </a:rPr>
-                        <a:t>11 &amp; 12 July 2024</a:t>
-                      </a:r>
-                      <a:endParaRPr lang="zh-CN" sz="1800" kern="100" dirty="0">
-                        <a:effectLst/>
-                        <a:latin typeface="等线" panose="02010600030101010101" pitchFamily="2" charset="-122"/>
-                        <a:ea typeface="等线" panose="02010600030101010101" pitchFamily="2" charset="-122"/>
-                        <a:cs typeface="Times New Roman" panose="02020603050405020304" pitchFamily="18" charset="0"/>
-                      </a:endParaRPr>
-                    </a:p>
-                  </a:txBody>
-                  <a:tcPr marL="560" marR="560" marT="560" marB="0" anchor="ctr"/>
-                </a:tc>
-                <a:tc>
-                  <a:txBody>
-                    <a:bodyPr/>
-                    <a:lstStyle/>
-                    <a:p>
-                      <a:pPr algn="ctr">
-                        <a:lnSpc>
-                          <a:spcPct val="200000"/>
+                          <a:spcPct val="100000"/>
                         </a:lnSpc>
                         <a:spcBef>
                           <a:spcPts val="0"/>
@@ -13661,7 +13602,7 @@
                         <a:rPr lang="en-US" sz="1800" kern="100" dirty="0">
                           <a:effectLst/>
                         </a:rPr>
-                        <a:t>TBC</a:t>
+                        <a:t>CMMM2024 Conference Closing/Certificate Distribution</a:t>
                       </a:r>
                       <a:endParaRPr lang="zh-CN" sz="1800" kern="100" dirty="0">
                         <a:effectLst/>
@@ -13680,7 +13621,7 @@
                     <a:p>
                       <a:pPr algn="ctr">
                         <a:lnSpc>
-                          <a:spcPct val="200000"/>
+                          <a:spcPct val="100000"/>
                         </a:lnSpc>
                         <a:spcBef>
                           <a:spcPts val="0"/>
@@ -13693,28 +13634,59 @@
                         <a:rPr lang="en-US" sz="1800" kern="100" dirty="0">
                           <a:effectLst/>
                         </a:rPr>
-                        <a:t>Visit </a:t>
-                      </a:r>
-                      <a:r>
-                        <a:rPr lang="en-US" sz="1800" kern="100" dirty="0" err="1">
-                          <a:effectLst/>
-                        </a:rPr>
-                        <a:t>Universiti</a:t>
-                      </a:r>
-                      <a:r>
-                        <a:rPr lang="en-US" sz="1800" kern="100" dirty="0">
-                          <a:effectLst/>
-                        </a:rPr>
-                        <a:t> Malaya, </a:t>
+                        <a:t>DoubleTree by Hilton Kuala Lumpur</a:t>
                       </a:r>
                       <a:endParaRPr lang="zh-CN" sz="1800" kern="100" dirty="0">
                         <a:effectLst/>
+                        <a:latin typeface="等线" panose="02010600030101010101" pitchFamily="2" charset="-122"/>
+                        <a:ea typeface="等线" panose="02010600030101010101" pitchFamily="2" charset="-122"/>
+                        <a:cs typeface="Times New Roman" panose="02020603050405020304" pitchFamily="18" charset="0"/>
                       </a:endParaRPr>
                     </a:p>
+                  </a:txBody>
+                  <a:tcPr marL="560" marR="560" marT="560" marB="0" anchor="ctr"/>
+                </a:tc>
+                <a:extLst>
+                  <a:ext uri="{0D108BD9-81ED-4DB2-BD59-A6C34878D82A}">
+                    <a16:rowId xmlns:a16="http://schemas.microsoft.com/office/drawing/2014/main" val="1269814123"/>
+                  </a:ext>
+                </a:extLst>
+              </a:tr>
+              <a:tr h="1400617">
+                <a:tc>
+                  <a:txBody>
+                    <a:bodyPr/>
+                    <a:lstStyle/>
                     <a:p>
                       <a:pPr algn="ctr">
                         <a:lnSpc>
-                          <a:spcPct val="200000"/>
+                          <a:spcPct val="150000"/>
+                        </a:lnSpc>
+                      </a:pPr>
+                      <a:r>
+                        <a:rPr lang="en-US" sz="1800" kern="100" dirty="0">
+                          <a:effectLst/>
+                        </a:rPr>
+                        <a:t>11 &amp; 12 July 2024</a:t>
+                      </a:r>
+                      <a:endParaRPr lang="zh-CN" sz="1800" kern="100" dirty="0">
+                        <a:effectLst/>
+                        <a:latin typeface="等线" panose="02010600030101010101" pitchFamily="2" charset="-122"/>
+                        <a:ea typeface="等线" panose="02010600030101010101" pitchFamily="2" charset="-122"/>
+                        <a:cs typeface="Times New Roman" panose="02020603050405020304" pitchFamily="18" charset="0"/>
+                      </a:endParaRPr>
+                    </a:p>
+                  </a:txBody>
+                  <a:tcPr marL="560" marR="560" marT="560" marB="0" anchor="ctr"/>
+                </a:tc>
+                <a:tc>
+                  <a:txBody>
+                    <a:bodyPr/>
+                    <a:lstStyle/>
+                    <a:p>
+                      <a:pPr algn="ctr">
+                        <a:lnSpc>
+                          <a:spcPct val="100000"/>
                         </a:lnSpc>
                         <a:spcBef>
                           <a:spcPts val="0"/>
@@ -13724,34 +13696,29 @@
                         </a:spcAft>
                       </a:pPr>
                       <a:r>
-                        <a:rPr lang="en-US" sz="1800" kern="100" dirty="0" err="1">
-                          <a:effectLst/>
-                        </a:rPr>
-                        <a:t>Universiti</a:t>
-                      </a:r>
-                      <a:r>
                         <a:rPr lang="en-US" sz="1800" kern="100" dirty="0">
                           <a:effectLst/>
                         </a:rPr>
-                        <a:t> </a:t>
-                      </a:r>
-                      <a:r>
-                        <a:rPr lang="en-US" sz="1800" kern="100" dirty="0" err="1">
-                          <a:effectLst/>
-                        </a:rPr>
-                        <a:t>Tunku</a:t>
-                      </a:r>
-                      <a:r>
-                        <a:rPr lang="en-US" sz="1800" kern="100" dirty="0">
-                          <a:effectLst/>
-                        </a:rPr>
-                        <a:t> Abdul Rahman </a:t>
-                      </a:r>
-                    </a:p>
+                        <a:t>TBC</a:t>
+                      </a:r>
+                      <a:endParaRPr lang="zh-CN" sz="1800" kern="100" dirty="0">
+                        <a:effectLst/>
+                        <a:latin typeface="等线" panose="02010600030101010101" pitchFamily="2" charset="-122"/>
+                        <a:ea typeface="等线" panose="02010600030101010101" pitchFamily="2" charset="-122"/>
+                        <a:cs typeface="Times New Roman" panose="02020603050405020304" pitchFamily="18" charset="0"/>
+                      </a:endParaRPr>
+                    </a:p>
+                  </a:txBody>
+                  <a:tcPr marL="560" marR="560" marT="560" marB="0" anchor="ctr"/>
+                </a:tc>
+                <a:tc>
+                  <a:txBody>
+                    <a:bodyPr/>
+                    <a:lstStyle/>
                     <a:p>
                       <a:pPr algn="ctr">
                         <a:lnSpc>
-                          <a:spcPct val="200000"/>
+                          <a:spcPct val="100000"/>
                         </a:lnSpc>
                         <a:spcBef>
                           <a:spcPts val="0"/>
@@ -13764,6 +13731,77 @@
                         <a:rPr lang="en-US" sz="1800" kern="100" dirty="0">
                           <a:effectLst/>
                         </a:rPr>
+                        <a:t>Visit </a:t>
+                      </a:r>
+                      <a:r>
+                        <a:rPr lang="en-US" sz="1800" kern="100" dirty="0" err="1">
+                          <a:effectLst/>
+                        </a:rPr>
+                        <a:t>Universiti</a:t>
+                      </a:r>
+                      <a:r>
+                        <a:rPr lang="en-US" sz="1800" kern="100" dirty="0">
+                          <a:effectLst/>
+                        </a:rPr>
+                        <a:t> Malaya, </a:t>
+                      </a:r>
+                      <a:endParaRPr lang="zh-CN" sz="1800" kern="100" dirty="0">
+                        <a:effectLst/>
+                      </a:endParaRPr>
+                    </a:p>
+                    <a:p>
+                      <a:pPr algn="ctr">
+                        <a:lnSpc>
+                          <a:spcPct val="100000"/>
+                        </a:lnSpc>
+                        <a:spcBef>
+                          <a:spcPts val="0"/>
+                        </a:spcBef>
+                        <a:spcAft>
+                          <a:spcPts val="0"/>
+                        </a:spcAft>
+                      </a:pPr>
+                      <a:r>
+                        <a:rPr lang="en-US" sz="1800" kern="100" dirty="0" err="1">
+                          <a:effectLst/>
+                        </a:rPr>
+                        <a:t>Universiti</a:t>
+                      </a:r>
+                      <a:r>
+                        <a:rPr lang="en-US" sz="1800" kern="100" dirty="0">
+                          <a:effectLst/>
+                        </a:rPr>
+                        <a:t> </a:t>
+                      </a:r>
+                      <a:r>
+                        <a:rPr lang="en-US" sz="1800" kern="100" dirty="0" err="1">
+                          <a:effectLst/>
+                        </a:rPr>
+                        <a:t>Tunku</a:t>
+                      </a:r>
+                      <a:r>
+                        <a:rPr lang="en-US" sz="1800" kern="100" dirty="0">
+                          <a:effectLst/>
+                        </a:rPr>
+                        <a:t> Abdul Rahman </a:t>
+                      </a:r>
+                    </a:p>
+                    <a:p>
+                      <a:pPr algn="ctr">
+                        <a:lnSpc>
+                          <a:spcPct val="100000"/>
+                        </a:lnSpc>
+                        <a:spcBef>
+                          <a:spcPts val="0"/>
+                        </a:spcBef>
+                        <a:spcAft>
+                          <a:spcPts val="0"/>
+                        </a:spcAft>
+                      </a:pPr>
+                      <a:r>
+                        <a:rPr lang="en-US" sz="1800" kern="100" dirty="0">
+                          <a:effectLst/>
+                        </a:rPr>
                         <a:t>and Other Academic Activities </a:t>
                       </a:r>
                       <a:endParaRPr lang="zh-CN" sz="1800" kern="100" dirty="0">
@@ -13783,7 +13821,7 @@
                     <a:p>
                       <a:pPr algn="ctr">
                         <a:lnSpc>
-                          <a:spcPct val="200000"/>
+                          <a:spcPct val="100000"/>
                         </a:lnSpc>
                         <a:spcBef>
                           <a:spcPts val="0"/>

--- a/assets/figures.pptx
+++ b/assets/figures.pptx
@@ -134,7 +134,7 @@
 <file path=ppt/revisionInfo.xml><?xml version="1.0" encoding="utf-8"?>
 <p1510:revInfo xmlns:a="http://schemas.openxmlformats.org/drawingml/2006/main" xmlns:r="http://schemas.openxmlformats.org/officeDocument/2006/relationships" xmlns:p1510="http://schemas.microsoft.com/office/powerpoint/2015/10/main">
   <p1510:revLst>
-    <p1510:client id="{1DC4A7AB-8307-463F-B68B-CDC3B517A939}" v="126" dt="2024-03-15T05:15:10.330"/>
+    <p1510:client id="{1DC4A7AB-8307-463F-B68B-CDC3B517A939}" v="127" dt="2024-03-15T05:18:38.668"/>
   </p1510:revLst>
 </p1510:revInfo>
 </file>
@@ -176,7 +176,7 @@
   <pc:docChgLst>
     <pc:chgData name="ZHANG Xiangyu" userId="0af619d5-14b7-43d3-95bc-94ad39c803d6" providerId="ADAL" clId="{1DC4A7AB-8307-463F-B68B-CDC3B517A939}"/>
     <pc:docChg chg="undo redo custSel addSld modSld">
-      <pc:chgData name="ZHANG Xiangyu" userId="0af619d5-14b7-43d3-95bc-94ad39c803d6" providerId="ADAL" clId="{1DC4A7AB-8307-463F-B68B-CDC3B517A939}" dt="2024-03-15T05:15:10.329" v="630" actId="5736"/>
+      <pc:chgData name="ZHANG Xiangyu" userId="0af619d5-14b7-43d3-95bc-94ad39c803d6" providerId="ADAL" clId="{1DC4A7AB-8307-463F-B68B-CDC3B517A939}" dt="2024-03-15T05:18:38.668" v="631" actId="5736"/>
       <pc:docMkLst>
         <pc:docMk/>
       </pc:docMkLst>
@@ -878,7 +878,7 @@
         </pc:picChg>
       </pc:sldChg>
       <pc:sldChg chg="addSp delSp modSp new mod">
-        <pc:chgData name="ZHANG Xiangyu" userId="0af619d5-14b7-43d3-95bc-94ad39c803d6" providerId="ADAL" clId="{1DC4A7AB-8307-463F-B68B-CDC3B517A939}" dt="2024-03-15T05:15:10.329" v="630" actId="5736"/>
+        <pc:chgData name="ZHANG Xiangyu" userId="0af619d5-14b7-43d3-95bc-94ad39c803d6" providerId="ADAL" clId="{1DC4A7AB-8307-463F-B68B-CDC3B517A939}" dt="2024-03-15T05:18:38.668" v="631" actId="5736"/>
         <pc:sldMkLst>
           <pc:docMk/>
           <pc:sldMk cId="2545574032" sldId="272"/>
@@ -940,7 +940,7 @@
           </ac:graphicFrameMkLst>
         </pc:graphicFrameChg>
         <pc:graphicFrameChg chg="add mod modGraphic">
-          <ac:chgData name="ZHANG Xiangyu" userId="0af619d5-14b7-43d3-95bc-94ad39c803d6" providerId="ADAL" clId="{1DC4A7AB-8307-463F-B68B-CDC3B517A939}" dt="2024-03-15T05:15:10.329" v="630" actId="5736"/>
+          <ac:chgData name="ZHANG Xiangyu" userId="0af619d5-14b7-43d3-95bc-94ad39c803d6" providerId="ADAL" clId="{1DC4A7AB-8307-463F-B68B-CDC3B517A939}" dt="2024-03-15T05:18:38.668" v="631" actId="5736"/>
           <ac:graphicFrameMkLst>
             <pc:docMk/>
             <pc:sldMk cId="2545574032" sldId="272"/>
@@ -12056,7 +12056,7 @@
           <p:nvPr>
             <p:extLst>
               <p:ext uri="{D42A27DB-BD31-4B8C-83A1-F6EECF244321}">
-                <p14:modId xmlns:p14="http://schemas.microsoft.com/office/powerpoint/2010/main" val="1006728657"/>
+                <p14:modId xmlns:p14="http://schemas.microsoft.com/office/powerpoint/2010/main" val="4243523927"/>
               </p:ext>
             </p:extLst>
           </p:nvPr>

--- a/assets/figures.pptx
+++ b/assets/figures.pptx
@@ -134,7 +134,7 @@
 <file path=ppt/revisionInfo.xml><?xml version="1.0" encoding="utf-8"?>
 <p1510:revInfo xmlns:a="http://schemas.openxmlformats.org/drawingml/2006/main" xmlns:r="http://schemas.openxmlformats.org/officeDocument/2006/relationships" xmlns:p1510="http://schemas.microsoft.com/office/powerpoint/2015/10/main">
   <p1510:revLst>
-    <p1510:client id="{1DC4A7AB-8307-463F-B68B-CDC3B517A939}" v="127" dt="2024-03-15T05:18:38.668"/>
+    <p1510:client id="{1DC4A7AB-8307-463F-B68B-CDC3B517A939}" v="128" dt="2024-03-15T05:22:29.335"/>
   </p1510:revLst>
 </p1510:revInfo>
 </file>
@@ -176,7 +176,7 @@
   <pc:docChgLst>
     <pc:chgData name="ZHANG Xiangyu" userId="0af619d5-14b7-43d3-95bc-94ad39c803d6" providerId="ADAL" clId="{1DC4A7AB-8307-463F-B68B-CDC3B517A939}"/>
     <pc:docChg chg="undo redo custSel addSld modSld">
-      <pc:chgData name="ZHANG Xiangyu" userId="0af619d5-14b7-43d3-95bc-94ad39c803d6" providerId="ADAL" clId="{1DC4A7AB-8307-463F-B68B-CDC3B517A939}" dt="2024-03-15T05:18:38.668" v="631" actId="5736"/>
+      <pc:chgData name="ZHANG Xiangyu" userId="0af619d5-14b7-43d3-95bc-94ad39c803d6" providerId="ADAL" clId="{1DC4A7AB-8307-463F-B68B-CDC3B517A939}" dt="2024-03-15T05:22:29.335" v="659" actId="5736"/>
       <pc:docMkLst>
         <pc:docMk/>
       </pc:docMkLst>
@@ -878,7 +878,7 @@
         </pc:picChg>
       </pc:sldChg>
       <pc:sldChg chg="addSp delSp modSp new mod">
-        <pc:chgData name="ZHANG Xiangyu" userId="0af619d5-14b7-43d3-95bc-94ad39c803d6" providerId="ADAL" clId="{1DC4A7AB-8307-463F-B68B-CDC3B517A939}" dt="2024-03-15T05:18:38.668" v="631" actId="5736"/>
+        <pc:chgData name="ZHANG Xiangyu" userId="0af619d5-14b7-43d3-95bc-94ad39c803d6" providerId="ADAL" clId="{1DC4A7AB-8307-463F-B68B-CDC3B517A939}" dt="2024-03-15T05:22:29.335" v="659" actId="5736"/>
         <pc:sldMkLst>
           <pc:docMk/>
           <pc:sldMk cId="2545574032" sldId="272"/>
@@ -940,7 +940,7 @@
           </ac:graphicFrameMkLst>
         </pc:graphicFrameChg>
         <pc:graphicFrameChg chg="add mod modGraphic">
-          <ac:chgData name="ZHANG Xiangyu" userId="0af619d5-14b7-43d3-95bc-94ad39c803d6" providerId="ADAL" clId="{1DC4A7AB-8307-463F-B68B-CDC3B517A939}" dt="2024-03-15T05:18:38.668" v="631" actId="5736"/>
+          <ac:chgData name="ZHANG Xiangyu" userId="0af619d5-14b7-43d3-95bc-94ad39c803d6" providerId="ADAL" clId="{1DC4A7AB-8307-463F-B68B-CDC3B517A939}" dt="2024-03-15T05:22:29.335" v="659" actId="5736"/>
           <ac:graphicFrameMkLst>
             <pc:docMk/>
             <pc:sldMk cId="2545574032" sldId="272"/>
@@ -12056,14 +12056,14 @@
           <p:nvPr>
             <p:extLst>
               <p:ext uri="{D42A27DB-BD31-4B8C-83A1-F6EECF244321}">
-                <p14:modId xmlns:p14="http://schemas.microsoft.com/office/powerpoint/2010/main" val="4243523927"/>
+                <p14:modId xmlns:p14="http://schemas.microsoft.com/office/powerpoint/2010/main" val="1797273099"/>
               </p:ext>
             </p:extLst>
           </p:nvPr>
         </p:nvGraphicFramePr>
         <p:xfrm>
-          <a:off x="0" y="-765727"/>
-          <a:ext cx="11393714" cy="11663998"/>
+          <a:off x="0" y="217714"/>
+          <a:ext cx="11393714" cy="12439246"/>
         </p:xfrm>
         <a:graphic>
           <a:graphicData uri="http://schemas.openxmlformats.org/drawingml/2006/table">
@@ -12101,7 +12101,7 @@
                   </a:extLst>
                 </a:gridCol>
               </a:tblGrid>
-              <a:tr h="1154996">
+              <a:tr h="762580">
                 <a:tc>
                   <a:txBody>
                     <a:bodyPr/>
@@ -12170,12 +12170,12 @@
                     <a:p>
                       <a:pPr algn="ctr"/>
                       <a:r>
-                        <a:rPr lang="en-US" sz="1800" kern="100">
+                        <a:rPr lang="en-US" sz="1800" kern="100" dirty="0">
                           <a:effectLst/>
                         </a:rPr>
                         <a:t>Location</a:t>
                       </a:r>
-                      <a:endParaRPr lang="zh-CN" altLang="en-US" sz="1800"/>
+                      <a:endParaRPr lang="zh-CN" altLang="en-US" sz="1800" dirty="0"/>
                     </a:p>
                   </a:txBody>
                   <a:tcPr marL="560" marR="560" marT="560" marB="0" anchor="ctr"/>
@@ -12186,7 +12186,7 @@
                   </a:ext>
                 </a:extLst>
               </a:tr>
-              <a:tr h="616617">
+              <a:tr h="685127">
                 <a:tc>
                   <a:txBody>
                     <a:bodyPr/>
@@ -12305,7 +12305,7 @@
                   </a:ext>
                 </a:extLst>
               </a:tr>
-              <a:tr h="924628">
+              <a:tr h="1027369">
                 <a:tc rowSpan="4">
                   <a:txBody>
                     <a:bodyPr/>
@@ -12446,7 +12446,7 @@
                   </a:ext>
                 </a:extLst>
               </a:tr>
-              <a:tr h="616617">
+              <a:tr h="685127">
                 <a:tc vMerge="1">
                   <a:txBody>
                     <a:bodyPr/>
@@ -12549,7 +12549,7 @@
                   </a:ext>
                 </a:extLst>
               </a:tr>
-              <a:tr h="924628">
+              <a:tr h="1027369">
                 <a:tc vMerge="1">
                   <a:txBody>
                     <a:bodyPr/>
@@ -12674,7 +12674,7 @@
                   </a:ext>
                 </a:extLst>
               </a:tr>
-              <a:tr h="616617">
+              <a:tr h="685127">
                 <a:tc vMerge="1">
                   <a:txBody>
                     <a:bodyPr/>
@@ -12777,7 +12777,7 @@
                   </a:ext>
                 </a:extLst>
               </a:tr>
-              <a:tr h="924628">
+              <a:tr h="1027369">
                 <a:tc rowSpan="3">
                   <a:txBody>
                     <a:bodyPr/>
@@ -12918,7 +12918,7 @@
                   </a:ext>
                 </a:extLst>
               </a:tr>
-              <a:tr h="616617">
+              <a:tr h="685127">
                 <a:tc vMerge="1">
                   <a:txBody>
                     <a:bodyPr/>
@@ -13021,7 +13021,7 @@
                   </a:ext>
                 </a:extLst>
               </a:tr>
-              <a:tr h="924628">
+              <a:tr h="1027369">
                 <a:tc vMerge="1">
                   <a:txBody>
                     <a:bodyPr/>
@@ -13146,7 +13146,7 @@
                   </a:ext>
                 </a:extLst>
               </a:tr>
-              <a:tr h="616617">
+              <a:tr h="685127">
                 <a:tc rowSpan="4">
                   <a:txBody>
                     <a:bodyPr/>
@@ -13294,7 +13294,7 @@
                   </a:ext>
                 </a:extLst>
               </a:tr>
-              <a:tr h="616617">
+              <a:tr h="685127">
                 <a:tc vMerge="1">
                   <a:txBody>
                     <a:bodyPr/>
@@ -13407,7 +13407,7 @@
                   </a:ext>
                 </a:extLst>
               </a:tr>
-              <a:tr h="760206">
+              <a:tr h="844667">
                 <a:tc vMerge="1">
                   <a:txBody>
                     <a:bodyPr/>
@@ -13539,7 +13539,7 @@
                   </a:ext>
                 </a:extLst>
               </a:tr>
-              <a:tr h="949965">
+              <a:tr h="1055517">
                 <a:tc vMerge="1">
                   <a:txBody>
                     <a:bodyPr/>
@@ -13652,7 +13652,7 @@
                   </a:ext>
                 </a:extLst>
               </a:tr>
-              <a:tr h="1400617">
+              <a:tr h="1556244">
                 <a:tc>
                   <a:txBody>
                     <a:bodyPr/>

--- a/assets/figures.pptx
+++ b/assets/figures.pptx
@@ -134,7 +134,7 @@
 <file path=ppt/revisionInfo.xml><?xml version="1.0" encoding="utf-8"?>
 <p1510:revInfo xmlns:a="http://schemas.openxmlformats.org/drawingml/2006/main" xmlns:r="http://schemas.openxmlformats.org/officeDocument/2006/relationships" xmlns:p1510="http://schemas.microsoft.com/office/powerpoint/2015/10/main">
   <p1510:revLst>
-    <p1510:client id="{1DC4A7AB-8307-463F-B68B-CDC3B517A939}" v="128" dt="2024-03-15T05:22:29.335"/>
+    <p1510:client id="{1DC4A7AB-8307-463F-B68B-CDC3B517A939}" v="130" dt="2024-03-15T10:36:47.169"/>
   </p1510:revLst>
 </p1510:revInfo>
 </file>
@@ -176,7 +176,7 @@
   <pc:docChgLst>
     <pc:chgData name="ZHANG Xiangyu" userId="0af619d5-14b7-43d3-95bc-94ad39c803d6" providerId="ADAL" clId="{1DC4A7AB-8307-463F-B68B-CDC3B517A939}"/>
     <pc:docChg chg="undo redo custSel addSld modSld">
-      <pc:chgData name="ZHANG Xiangyu" userId="0af619d5-14b7-43d3-95bc-94ad39c803d6" providerId="ADAL" clId="{1DC4A7AB-8307-463F-B68B-CDC3B517A939}" dt="2024-03-15T05:22:29.335" v="659" actId="5736"/>
+      <pc:chgData name="ZHANG Xiangyu" userId="0af619d5-14b7-43d3-95bc-94ad39c803d6" providerId="ADAL" clId="{1DC4A7AB-8307-463F-B68B-CDC3B517A939}" dt="2024-03-15T10:36:47.165" v="666" actId="5736"/>
       <pc:docMkLst>
         <pc:docMk/>
       </pc:docMkLst>
@@ -878,7 +878,7 @@
         </pc:picChg>
       </pc:sldChg>
       <pc:sldChg chg="addSp delSp modSp new mod">
-        <pc:chgData name="ZHANG Xiangyu" userId="0af619d5-14b7-43d3-95bc-94ad39c803d6" providerId="ADAL" clId="{1DC4A7AB-8307-463F-B68B-CDC3B517A939}" dt="2024-03-15T05:22:29.335" v="659" actId="5736"/>
+        <pc:chgData name="ZHANG Xiangyu" userId="0af619d5-14b7-43d3-95bc-94ad39c803d6" providerId="ADAL" clId="{1DC4A7AB-8307-463F-B68B-CDC3B517A939}" dt="2024-03-15T10:36:47.165" v="666" actId="5736"/>
         <pc:sldMkLst>
           <pc:docMk/>
           <pc:sldMk cId="2545574032" sldId="272"/>
@@ -940,7 +940,7 @@
           </ac:graphicFrameMkLst>
         </pc:graphicFrameChg>
         <pc:graphicFrameChg chg="add mod modGraphic">
-          <ac:chgData name="ZHANG Xiangyu" userId="0af619d5-14b7-43d3-95bc-94ad39c803d6" providerId="ADAL" clId="{1DC4A7AB-8307-463F-B68B-CDC3B517A939}" dt="2024-03-15T05:22:29.335" v="659" actId="5736"/>
+          <ac:chgData name="ZHANG Xiangyu" userId="0af619d5-14b7-43d3-95bc-94ad39c803d6" providerId="ADAL" clId="{1DC4A7AB-8307-463F-B68B-CDC3B517A939}" dt="2024-03-15T10:36:47.165" v="666" actId="5736"/>
           <ac:graphicFrameMkLst>
             <pc:docMk/>
             <pc:sldMk cId="2545574032" sldId="272"/>
@@ -12056,7 +12056,7 @@
           <p:nvPr>
             <p:extLst>
               <p:ext uri="{D42A27DB-BD31-4B8C-83A1-F6EECF244321}">
-                <p14:modId xmlns:p14="http://schemas.microsoft.com/office/powerpoint/2010/main" val="1797273099"/>
+                <p14:modId xmlns:p14="http://schemas.microsoft.com/office/powerpoint/2010/main" val="1880212175"/>
               </p:ext>
             </p:extLst>
           </p:nvPr>
@@ -13728,10 +13728,16 @@
                         </a:spcAft>
                       </a:pPr>
                       <a:r>
+                        <a:rPr lang="en-US" altLang="zh-CN" sz="1800" kern="100" dirty="0">
+                          <a:effectLst/>
+                        </a:rPr>
+                        <a:t>Technical </a:t>
+                      </a:r>
+                      <a:r>
                         <a:rPr lang="en-US" sz="1800" kern="100" dirty="0">
                           <a:effectLst/>
                         </a:rPr>
-                        <a:t>Visit </a:t>
+                        <a:t>Visit to </a:t>
                       </a:r>
                       <a:r>
                         <a:rPr lang="en-US" sz="1800" kern="100" dirty="0" err="1">

--- a/assets/figures.pptx
+++ b/assets/figures.pptx
@@ -134,7 +134,7 @@
 <file path=ppt/revisionInfo.xml><?xml version="1.0" encoding="utf-8"?>
 <p1510:revInfo xmlns:a="http://schemas.openxmlformats.org/drawingml/2006/main" xmlns:r="http://schemas.openxmlformats.org/officeDocument/2006/relationships" xmlns:p1510="http://schemas.microsoft.com/office/powerpoint/2015/10/main">
   <p1510:revLst>
-    <p1510:client id="{1DC4A7AB-8307-463F-B68B-CDC3B517A939}" v="130" dt="2024-03-15T10:36:47.169"/>
+    <p1510:client id="{1DC4A7AB-8307-463F-B68B-CDC3B517A939}" v="141" dt="2024-03-19T13:53:02.765"/>
   </p1510:revLst>
 </p1510:revInfo>
 </file>
@@ -176,7 +176,7 @@
   <pc:docChgLst>
     <pc:chgData name="ZHANG Xiangyu" userId="0af619d5-14b7-43d3-95bc-94ad39c803d6" providerId="ADAL" clId="{1DC4A7AB-8307-463F-B68B-CDC3B517A939}"/>
     <pc:docChg chg="undo redo custSel addSld modSld">
-      <pc:chgData name="ZHANG Xiangyu" userId="0af619d5-14b7-43d3-95bc-94ad39c803d6" providerId="ADAL" clId="{1DC4A7AB-8307-463F-B68B-CDC3B517A939}" dt="2024-03-15T10:36:47.165" v="666" actId="5736"/>
+      <pc:chgData name="ZHANG Xiangyu" userId="0af619d5-14b7-43d3-95bc-94ad39c803d6" providerId="ADAL" clId="{1DC4A7AB-8307-463F-B68B-CDC3B517A939}" dt="2024-03-19T13:53:05.306" v="717" actId="1076"/>
       <pc:docMkLst>
         <pc:docMk/>
       </pc:docMkLst>
@@ -615,7 +615,7 @@
         </pc:picChg>
       </pc:sldChg>
       <pc:sldChg chg="addSp delSp modSp new mod">
-        <pc:chgData name="ZHANG Xiangyu" userId="0af619d5-14b7-43d3-95bc-94ad39c803d6" providerId="ADAL" clId="{1DC4A7AB-8307-463F-B68B-CDC3B517A939}" dt="2024-03-13T05:02:33.759" v="447" actId="1076"/>
+        <pc:chgData name="ZHANG Xiangyu" userId="0af619d5-14b7-43d3-95bc-94ad39c803d6" providerId="ADAL" clId="{1DC4A7AB-8307-463F-B68B-CDC3B517A939}" dt="2024-03-19T13:53:05.306" v="717" actId="1076"/>
         <pc:sldMkLst>
           <pc:docMk/>
           <pc:sldMk cId="3560355421" sldId="271"/>
@@ -701,6 +701,14 @@
           </ac:grpSpMkLst>
         </pc:grpChg>
         <pc:grpChg chg="add del mod">
+          <ac:chgData name="ZHANG Xiangyu" userId="0af619d5-14b7-43d3-95bc-94ad39c803d6" providerId="ADAL" clId="{1DC4A7AB-8307-463F-B68B-CDC3B517A939}" dt="2024-03-19T13:51:45.996" v="698" actId="478"/>
+          <ac:grpSpMkLst>
+            <pc:docMk/>
+            <pc:sldMk cId="3560355421" sldId="271"/>
+            <ac:grpSpMk id="4" creationId="{B7698325-7725-02EE-4BFF-70D6ED65AB61}"/>
+          </ac:grpSpMkLst>
+        </pc:grpChg>
+        <pc:grpChg chg="add del mod">
           <ac:chgData name="ZHANG Xiangyu" userId="0af619d5-14b7-43d3-95bc-94ad39c803d6" providerId="ADAL" clId="{1DC4A7AB-8307-463F-B68B-CDC3B517A939}" dt="2024-03-06T12:43:54.789" v="413" actId="165"/>
           <ac:grpSpMkLst>
             <pc:docMk/>
@@ -708,8 +716,8 @@
             <ac:grpSpMk id="8" creationId="{57C310DE-96F9-13E5-A5A9-5C83C79D2B8C}"/>
           </ac:grpSpMkLst>
         </pc:grpChg>
-        <pc:grpChg chg="add mod">
-          <ac:chgData name="ZHANG Xiangyu" userId="0af619d5-14b7-43d3-95bc-94ad39c803d6" providerId="ADAL" clId="{1DC4A7AB-8307-463F-B68B-CDC3B517A939}" dt="2024-03-13T05:02:20.897" v="443" actId="164"/>
+        <pc:grpChg chg="add mod topLvl">
+          <ac:chgData name="ZHANG Xiangyu" userId="0af619d5-14b7-43d3-95bc-94ad39c803d6" providerId="ADAL" clId="{1DC4A7AB-8307-463F-B68B-CDC3B517A939}" dt="2024-03-19T13:52:52.216" v="712" actId="164"/>
           <ac:grpSpMkLst>
             <pc:docMk/>
             <pc:sldMk cId="3560355421" sldId="271"/>
@@ -724,6 +732,14 @@
             <ac:grpSpMk id="10" creationId="{A43F547D-68A6-C92B-DE7E-5CEEDDFDDE05}"/>
           </ac:grpSpMkLst>
         </pc:grpChg>
+        <pc:grpChg chg="add mod">
+          <ac:chgData name="ZHANG Xiangyu" userId="0af619d5-14b7-43d3-95bc-94ad39c803d6" providerId="ADAL" clId="{1DC4A7AB-8307-463F-B68B-CDC3B517A939}" dt="2024-03-19T13:52:52.216" v="712" actId="164"/>
+          <ac:grpSpMkLst>
+            <pc:docMk/>
+            <pc:sldMk cId="3560355421" sldId="271"/>
+            <ac:grpSpMk id="13" creationId="{FAC49200-1111-D77B-F6FA-15BD334E3053}"/>
+          </ac:grpSpMkLst>
+        </pc:grpChg>
         <pc:graphicFrameChg chg="add del mod">
           <ac:chgData name="ZHANG Xiangyu" userId="0af619d5-14b7-43d3-95bc-94ad39c803d6" providerId="ADAL" clId="{1DC4A7AB-8307-463F-B68B-CDC3B517A939}" dt="2024-03-13T05:01:27.813" v="429"/>
           <ac:graphicFrameMkLst>
@@ -764,6 +780,14 @@
             <ac:picMk id="2" creationId="{E197838B-8E41-0FDC-0640-6AC96FE74179}"/>
           </ac:picMkLst>
         </pc:picChg>
+        <pc:picChg chg="add del mod topLvl modCrop">
+          <ac:chgData name="ZHANG Xiangyu" userId="0af619d5-14b7-43d3-95bc-94ad39c803d6" providerId="ADAL" clId="{1DC4A7AB-8307-463F-B68B-CDC3B517A939}" dt="2024-03-19T13:51:45.996" v="698" actId="478"/>
+          <ac:picMkLst>
+            <pc:docMk/>
+            <pc:sldMk cId="3560355421" sldId="271"/>
+            <ac:picMk id="3" creationId="{60B631B4-7B30-5423-372F-5C957D4DAB09}"/>
+          </ac:picMkLst>
+        </pc:picChg>
         <pc:picChg chg="mod">
           <ac:chgData name="ZHANG Xiangyu" userId="0af619d5-14b7-43d3-95bc-94ad39c803d6" providerId="ADAL" clId="{1DC4A7AB-8307-463F-B68B-CDC3B517A939}" dt="2024-02-29T12:51:16.683" v="203" actId="1076"/>
           <ac:picMkLst>
@@ -796,6 +820,14 @@
             <ac:picMk id="4" creationId="{B07F78C9-2D70-8913-A528-EB35349EEA25}"/>
           </ac:picMkLst>
         </pc:picChg>
+        <pc:picChg chg="add mod">
+          <ac:chgData name="ZHANG Xiangyu" userId="0af619d5-14b7-43d3-95bc-94ad39c803d6" providerId="ADAL" clId="{1DC4A7AB-8307-463F-B68B-CDC3B517A939}" dt="2024-03-19T13:40:09.890" v="691" actId="1076"/>
+          <ac:picMkLst>
+            <pc:docMk/>
+            <pc:sldMk cId="3560355421" sldId="271"/>
+            <ac:picMk id="6" creationId="{28FC4C00-FA4A-A253-CAE2-77BEF7A94363}"/>
+          </ac:picMkLst>
+        </pc:picChg>
         <pc:picChg chg="add del mod topLvl modCrop">
           <ac:chgData name="ZHANG Xiangyu" userId="0af619d5-14b7-43d3-95bc-94ad39c803d6" providerId="ADAL" clId="{1DC4A7AB-8307-463F-B68B-CDC3B517A939}" dt="2024-03-13T05:02:15.899" v="441" actId="478"/>
           <ac:picMkLst>
@@ -804,8 +836,8 @@
             <ac:picMk id="6" creationId="{F6307878-3997-1B88-BC10-ECE6FDEEE914}"/>
           </ac:picMkLst>
         </pc:picChg>
-        <pc:picChg chg="add mod modCrop">
-          <ac:chgData name="ZHANG Xiangyu" userId="0af619d5-14b7-43d3-95bc-94ad39c803d6" providerId="ADAL" clId="{1DC4A7AB-8307-463F-B68B-CDC3B517A939}" dt="2024-03-13T05:02:20.897" v="443" actId="164"/>
+        <pc:picChg chg="add del mod modCrop">
+          <ac:chgData name="ZHANG Xiangyu" userId="0af619d5-14b7-43d3-95bc-94ad39c803d6" providerId="ADAL" clId="{1DC4A7AB-8307-463F-B68B-CDC3B517A939}" dt="2024-03-19T13:39:40.309" v="680" actId="478"/>
           <ac:picMkLst>
             <pc:docMk/>
             <pc:sldMk cId="3560355421" sldId="271"/>
@@ -852,8 +884,8 @@
             <ac:picMk id="10" creationId="{5DF23A82-91C6-362D-AE28-02811DDA2C28}"/>
           </ac:picMkLst>
         </pc:picChg>
-        <pc:picChg chg="add mod">
-          <ac:chgData name="ZHANG Xiangyu" userId="0af619d5-14b7-43d3-95bc-94ad39c803d6" providerId="ADAL" clId="{1DC4A7AB-8307-463F-B68B-CDC3B517A939}" dt="2024-03-13T05:02:33.759" v="447" actId="1076"/>
+        <pc:picChg chg="add del mod">
+          <ac:chgData name="ZHANG Xiangyu" userId="0af619d5-14b7-43d3-95bc-94ad39c803d6" providerId="ADAL" clId="{1DC4A7AB-8307-463F-B68B-CDC3B517A939}" dt="2024-03-19T13:51:44.590" v="697" actId="478"/>
           <ac:picMkLst>
             <pc:docMk/>
             <pc:sldMk cId="3560355421" sldId="271"/>
@@ -866,6 +898,22 @@
             <pc:docMk/>
             <pc:sldMk cId="3560355421" sldId="271"/>
             <ac:picMk id="11" creationId="{AF6F1760-64B4-A137-A120-BAB7E85EA9B0}"/>
+          </ac:picMkLst>
+        </pc:picChg>
+        <pc:picChg chg="add mod modCrop">
+          <ac:chgData name="ZHANG Xiangyu" userId="0af619d5-14b7-43d3-95bc-94ad39c803d6" providerId="ADAL" clId="{1DC4A7AB-8307-463F-B68B-CDC3B517A939}" dt="2024-03-19T13:52:58.828" v="714" actId="1076"/>
+          <ac:picMkLst>
+            <pc:docMk/>
+            <pc:sldMk cId="3560355421" sldId="271"/>
+            <ac:picMk id="12" creationId="{AE7587D4-6A04-63BC-71AF-77FDD116DA26}"/>
+          </ac:picMkLst>
+        </pc:picChg>
+        <pc:picChg chg="add mod">
+          <ac:chgData name="ZHANG Xiangyu" userId="0af619d5-14b7-43d3-95bc-94ad39c803d6" providerId="ADAL" clId="{1DC4A7AB-8307-463F-B68B-CDC3B517A939}" dt="2024-03-19T13:53:05.306" v="717" actId="1076"/>
+          <ac:picMkLst>
+            <pc:docMk/>
+            <pc:sldMk cId="3560355421" sldId="271"/>
+            <ac:picMk id="14" creationId="{5D4BF472-E539-565C-55DC-975517678688}"/>
           </ac:picMkLst>
         </pc:picChg>
         <pc:picChg chg="add del mod">
@@ -2440,7 +2488,7 @@
           <a:p>
             <a:fld id="{B6A0FF1A-FA3A-44F4-8102-A8B090DA15CE}" type="datetimeFigureOut">
               <a:rPr lang="zh-CN" altLang="en-US" smtClean="0"/>
-              <a:t>2024/3/15</a:t>
+              <a:t>2024/3/19</a:t>
             </a:fld>
             <a:endParaRPr lang="zh-CN" altLang="en-US"/>
           </a:p>
@@ -3022,7 +3070,7 @@
           <a:p>
             <a:fld id="{443201C6-C6B2-4F96-9DF6-297028943761}" type="datetimeFigureOut">
               <a:rPr lang="zh-CN" altLang="en-US" smtClean="0"/>
-              <a:t>2024/3/15</a:t>
+              <a:t>2024/3/19</a:t>
             </a:fld>
             <a:endParaRPr lang="zh-CN" altLang="en-US"/>
           </a:p>
@@ -3220,7 +3268,7 @@
           <a:p>
             <a:fld id="{443201C6-C6B2-4F96-9DF6-297028943761}" type="datetimeFigureOut">
               <a:rPr lang="zh-CN" altLang="en-US" smtClean="0"/>
-              <a:t>2024/3/15</a:t>
+              <a:t>2024/3/19</a:t>
             </a:fld>
             <a:endParaRPr lang="zh-CN" altLang="en-US"/>
           </a:p>
@@ -3428,7 +3476,7 @@
           <a:p>
             <a:fld id="{443201C6-C6B2-4F96-9DF6-297028943761}" type="datetimeFigureOut">
               <a:rPr lang="zh-CN" altLang="en-US" smtClean="0"/>
-              <a:t>2024/3/15</a:t>
+              <a:t>2024/3/19</a:t>
             </a:fld>
             <a:endParaRPr lang="zh-CN" altLang="en-US"/>
           </a:p>
@@ -3626,7 +3674,7 @@
           <a:p>
             <a:fld id="{443201C6-C6B2-4F96-9DF6-297028943761}" type="datetimeFigureOut">
               <a:rPr lang="zh-CN" altLang="en-US" smtClean="0"/>
-              <a:t>2024/3/15</a:t>
+              <a:t>2024/3/19</a:t>
             </a:fld>
             <a:endParaRPr lang="zh-CN" altLang="en-US"/>
           </a:p>
@@ -3901,7 +3949,7 @@
           <a:p>
             <a:fld id="{443201C6-C6B2-4F96-9DF6-297028943761}" type="datetimeFigureOut">
               <a:rPr lang="zh-CN" altLang="en-US" smtClean="0"/>
-              <a:t>2024/3/15</a:t>
+              <a:t>2024/3/19</a:t>
             </a:fld>
             <a:endParaRPr lang="zh-CN" altLang="en-US"/>
           </a:p>
@@ -4166,7 +4214,7 @@
           <a:p>
             <a:fld id="{443201C6-C6B2-4F96-9DF6-297028943761}" type="datetimeFigureOut">
               <a:rPr lang="zh-CN" altLang="en-US" smtClean="0"/>
-              <a:t>2024/3/15</a:t>
+              <a:t>2024/3/19</a:t>
             </a:fld>
             <a:endParaRPr lang="zh-CN" altLang="en-US"/>
           </a:p>
@@ -4578,7 +4626,7 @@
           <a:p>
             <a:fld id="{443201C6-C6B2-4F96-9DF6-297028943761}" type="datetimeFigureOut">
               <a:rPr lang="zh-CN" altLang="en-US" smtClean="0"/>
-              <a:t>2024/3/15</a:t>
+              <a:t>2024/3/19</a:t>
             </a:fld>
             <a:endParaRPr lang="zh-CN" altLang="en-US"/>
           </a:p>
@@ -4719,7 +4767,7 @@
           <a:p>
             <a:fld id="{443201C6-C6B2-4F96-9DF6-297028943761}" type="datetimeFigureOut">
               <a:rPr lang="zh-CN" altLang="en-US" smtClean="0"/>
-              <a:t>2024/3/15</a:t>
+              <a:t>2024/3/19</a:t>
             </a:fld>
             <a:endParaRPr lang="zh-CN" altLang="en-US"/>
           </a:p>
@@ -4832,7 +4880,7 @@
           <a:p>
             <a:fld id="{443201C6-C6B2-4F96-9DF6-297028943761}" type="datetimeFigureOut">
               <a:rPr lang="zh-CN" altLang="en-US" smtClean="0"/>
-              <a:t>2024/3/15</a:t>
+              <a:t>2024/3/19</a:t>
             </a:fld>
             <a:endParaRPr lang="zh-CN" altLang="en-US"/>
           </a:p>
@@ -5143,7 +5191,7 @@
           <a:p>
             <a:fld id="{443201C6-C6B2-4F96-9DF6-297028943761}" type="datetimeFigureOut">
               <a:rPr lang="zh-CN" altLang="en-US" smtClean="0"/>
-              <a:t>2024/3/15</a:t>
+              <a:t>2024/3/19</a:t>
             </a:fld>
             <a:endParaRPr lang="zh-CN" altLang="en-US"/>
           </a:p>
@@ -5431,7 +5479,7 @@
           <a:p>
             <a:fld id="{443201C6-C6B2-4F96-9DF6-297028943761}" type="datetimeFigureOut">
               <a:rPr lang="zh-CN" altLang="en-US" smtClean="0"/>
-              <a:t>2024/3/15</a:t>
+              <a:t>2024/3/19</a:t>
             </a:fld>
             <a:endParaRPr lang="zh-CN" altLang="en-US"/>
           </a:p>
@@ -5672,7 +5720,7 @@
           <a:p>
             <a:fld id="{443201C6-C6B2-4F96-9DF6-297028943761}" type="datetimeFigureOut">
               <a:rPr lang="zh-CN" altLang="en-US" smtClean="0"/>
-              <a:t>2024/3/15</a:t>
+              <a:t>2024/3/19</a:t>
             </a:fld>
             <a:endParaRPr lang="zh-CN" altLang="en-US"/>
           </a:p>
@@ -8319,10 +8367,10 @@
       </p:grpSpPr>
       <p:grpSp>
         <p:nvGrpSpPr>
-          <p:cNvPr id="9" name="组合 8">
+          <p:cNvPr id="13" name="组合 12">
             <a:extLst>
               <a:ext uri="{FF2B5EF4-FFF2-40B4-BE49-F238E27FC236}">
-                <a16:creationId xmlns:a16="http://schemas.microsoft.com/office/drawing/2014/main" id="{1E13113B-05B3-5544-3606-B05BFE5B4757}"/>
+                <a16:creationId xmlns:a16="http://schemas.microsoft.com/office/drawing/2014/main" id="{FAC49200-1111-D77B-F6FA-15BD334E3053}"/>
               </a:ext>
             </a:extLst>
           </p:cNvPr>
@@ -8332,194 +8380,215 @@
         <p:grpSpPr>
           <a:xfrm>
             <a:off x="1440775" y="1798638"/>
-            <a:ext cx="9699129" cy="2834102"/>
+            <a:ext cx="9699129" cy="2793842"/>
             <a:chOff x="1440775" y="1798638"/>
-            <a:chExt cx="9699129" cy="2834102"/>
+            <a:chExt cx="9699129" cy="2793842"/>
           </a:xfrm>
         </p:grpSpPr>
-        <p:sp>
-          <p:nvSpPr>
-            <p:cNvPr id="5" name="文本框 4">
+        <p:grpSp>
+          <p:nvGrpSpPr>
+            <p:cNvPr id="9" name="组合 8">
               <a:extLst>
                 <a:ext uri="{FF2B5EF4-FFF2-40B4-BE49-F238E27FC236}">
-                  <a16:creationId xmlns:a16="http://schemas.microsoft.com/office/drawing/2014/main" id="{4EFF7833-2C1E-DD27-7410-CED7DD5BB11F}"/>
+                  <a16:creationId xmlns:a16="http://schemas.microsoft.com/office/drawing/2014/main" id="{1E13113B-05B3-5544-3606-B05BFE5B4757}"/>
                 </a:ext>
               </a:extLst>
             </p:cNvPr>
-            <p:cNvSpPr txBox="1"/>
+            <p:cNvGrpSpPr/>
             <p:nvPr/>
-          </p:nvSpPr>
-          <p:spPr>
+          </p:nvGrpSpPr>
+          <p:grpSpPr>
             <a:xfrm>
-              <a:off x="1440775" y="1896188"/>
-              <a:ext cx="4915808" cy="830997"/>
+              <a:off x="1440775" y="1798638"/>
+              <a:ext cx="9699129" cy="2793842"/>
+              <a:chOff x="1440775" y="1798638"/>
+              <a:chExt cx="9699129" cy="2793842"/>
             </a:xfrm>
-            <a:prstGeom prst="rect">
-              <a:avLst/>
-            </a:prstGeom>
-            <a:noFill/>
-          </p:spPr>
-          <p:txBody>
-            <a:bodyPr wrap="square">
-              <a:spAutoFit/>
-            </a:bodyPr>
-            <a:lstStyle/>
-            <a:p>
-              <a:pPr algn="ctr" fontAlgn="base"/>
-              <a:r>
-                <a:rPr lang="en-US" altLang="zh-CN" sz="2400" i="0" dirty="0">
-                  <a:solidFill>
-                    <a:srgbClr val="000000"/>
-                  </a:solidFill>
-                  <a:effectLst/>
-                  <a:latin typeface="Arial" panose="020B0604020202020204" pitchFamily="34" charset="0"/>
-                </a:rPr>
-                <a:t>Scan the QR code to join</a:t>
-              </a:r>
-              <a:br>
-                <a:rPr lang="en-US" altLang="zh-CN" sz="2400" i="0" dirty="0">
-                  <a:solidFill>
-                    <a:srgbClr val="000000"/>
-                  </a:solidFill>
-                  <a:effectLst/>
-                  <a:latin typeface="Arial" panose="020B0604020202020204" pitchFamily="34" charset="0"/>
-                </a:rPr>
-              </a:br>
-              <a:r>
-                <a:rPr lang="en-US" altLang="zh-CN" sz="2400" i="0" dirty="0">
-                  <a:solidFill>
-                    <a:srgbClr val="000000"/>
-                  </a:solidFill>
-                  <a:effectLst/>
-                  <a:latin typeface="Arial" panose="020B0604020202020204" pitchFamily="34" charset="0"/>
-                </a:rPr>
-                <a:t>CMMM2024 WeChat Group </a:t>
-              </a:r>
-            </a:p>
-          </p:txBody>
-        </p:sp>
-        <p:sp>
-          <p:nvSpPr>
-            <p:cNvPr id="7" name="文本框 6">
-              <a:extLst>
-                <a:ext uri="{FF2B5EF4-FFF2-40B4-BE49-F238E27FC236}">
-                  <a16:creationId xmlns:a16="http://schemas.microsoft.com/office/drawing/2014/main" id="{33049768-9AC4-3030-433C-6B81DB9C9022}"/>
-                </a:ext>
-              </a:extLst>
-            </p:cNvPr>
-            <p:cNvSpPr txBox="1"/>
-            <p:nvPr/>
-          </p:nvSpPr>
-          <p:spPr>
-            <a:xfrm>
-              <a:off x="7753237" y="1798638"/>
-              <a:ext cx="3386667" cy="2793842"/>
-            </a:xfrm>
-            <a:prstGeom prst="rect">
-              <a:avLst/>
-            </a:prstGeom>
-            <a:noFill/>
-          </p:spPr>
-          <p:txBody>
-            <a:bodyPr wrap="square">
-              <a:spAutoFit/>
-            </a:bodyPr>
-            <a:lstStyle/>
-            <a:p>
-              <a:pPr fontAlgn="base">
-                <a:lnSpc>
-                  <a:spcPct val="150000"/>
-                </a:lnSpc>
-              </a:pPr>
-              <a:r>
-                <a:rPr lang="en-US" altLang="zh-CN" sz="2800" b="1" i="0" dirty="0">
+          </p:grpSpPr>
+          <p:sp>
+            <p:nvSpPr>
+              <p:cNvPr id="5" name="文本框 4">
+                <a:extLst>
+                  <a:ext uri="{FF2B5EF4-FFF2-40B4-BE49-F238E27FC236}">
+                    <a16:creationId xmlns:a16="http://schemas.microsoft.com/office/drawing/2014/main" id="{4EFF7833-2C1E-DD27-7410-CED7DD5BB11F}"/>
+                  </a:ext>
+                </a:extLst>
+              </p:cNvPr>
+              <p:cNvSpPr txBox="1"/>
+              <p:nvPr/>
+            </p:nvSpPr>
+            <p:spPr>
+              <a:xfrm>
+                <a:off x="1440775" y="1896188"/>
+                <a:ext cx="4915808" cy="830997"/>
+              </a:xfrm>
+              <a:prstGeom prst="rect">
+                <a:avLst/>
+              </a:prstGeom>
+              <a:noFill/>
+            </p:spPr>
+            <p:txBody>
+              <a:bodyPr wrap="square">
+                <a:spAutoFit/>
+              </a:bodyPr>
+              <a:lstStyle/>
+              <a:p>
+                <a:pPr algn="ctr" fontAlgn="base"/>
+                <a:r>
+                  <a:rPr lang="en-US" altLang="zh-CN" sz="2400" i="0" dirty="0">
+                    <a:solidFill>
+                      <a:srgbClr val="000000"/>
+                    </a:solidFill>
+                    <a:effectLst/>
+                    <a:latin typeface="Arial" panose="020B0604020202020204" pitchFamily="34" charset="0"/>
+                  </a:rPr>
+                  <a:t>Scan the QR code to join</a:t>
+                </a:r>
+                <a:br>
+                  <a:rPr lang="en-US" altLang="zh-CN" sz="2400" i="0" dirty="0">
+                    <a:solidFill>
+                      <a:srgbClr val="000000"/>
+                    </a:solidFill>
+                    <a:effectLst/>
+                    <a:latin typeface="Arial" panose="020B0604020202020204" pitchFamily="34" charset="0"/>
+                  </a:rPr>
+                </a:br>
+                <a:r>
+                  <a:rPr lang="en-US" altLang="zh-CN" sz="2400" i="0" dirty="0">
+                    <a:solidFill>
+                      <a:srgbClr val="000000"/>
+                    </a:solidFill>
+                    <a:effectLst/>
+                    <a:latin typeface="Arial" panose="020B0604020202020204" pitchFamily="34" charset="0"/>
+                  </a:rPr>
+                  <a:t>CMMM2024 WeChat Group </a:t>
+                </a:r>
+              </a:p>
+            </p:txBody>
+          </p:sp>
+          <p:sp>
+            <p:nvSpPr>
+              <p:cNvPr id="7" name="文本框 6">
+                <a:extLst>
+                  <a:ext uri="{FF2B5EF4-FFF2-40B4-BE49-F238E27FC236}">
+                    <a16:creationId xmlns:a16="http://schemas.microsoft.com/office/drawing/2014/main" id="{33049768-9AC4-3030-433C-6B81DB9C9022}"/>
+                  </a:ext>
+                </a:extLst>
+              </p:cNvPr>
+              <p:cNvSpPr txBox="1"/>
+              <p:nvPr/>
+            </p:nvSpPr>
+            <p:spPr>
+              <a:xfrm>
+                <a:off x="7753237" y="1798638"/>
+                <a:ext cx="3386667" cy="2793842"/>
+              </a:xfrm>
+              <a:prstGeom prst="rect">
+                <a:avLst/>
+              </a:prstGeom>
+              <a:noFill/>
+            </p:spPr>
+            <p:txBody>
+              <a:bodyPr wrap="square">
+                <a:spAutoFit/>
+              </a:bodyPr>
+              <a:lstStyle/>
+              <a:p>
+                <a:pPr fontAlgn="base">
+                  <a:lnSpc>
+                    <a:spcPct val="150000"/>
+                  </a:lnSpc>
+                </a:pPr>
+                <a:r>
+                  <a:rPr lang="en-US" altLang="zh-CN" sz="2800" b="1" i="0" dirty="0">
+                    <a:solidFill>
+                      <a:srgbClr val="000000"/>
+                    </a:solidFill>
+                    <a:effectLst/>
+                    <a:latin typeface="Arial" panose="020B0604020202020204" pitchFamily="34" charset="0"/>
+                    <a:cs typeface="Arial" panose="020B0604020202020204" pitchFamily="34" charset="0"/>
+                  </a:rPr>
+                  <a:t>Secretariat: </a:t>
+                </a:r>
+              </a:p>
+              <a:p>
+                <a:pPr fontAlgn="base">
+                  <a:lnSpc>
+                    <a:spcPct val="150000"/>
+                  </a:lnSpc>
+                </a:pPr>
+                <a:r>
+                  <a:rPr lang="en-US" altLang="zh-CN" sz="2400" i="0" dirty="0">
+                    <a:solidFill>
+                      <a:srgbClr val="000000"/>
+                    </a:solidFill>
+                    <a:effectLst/>
+                    <a:latin typeface="Arial" panose="020B0604020202020204" pitchFamily="34" charset="0"/>
+                    <a:cs typeface="Arial" panose="020B0604020202020204" pitchFamily="34" charset="0"/>
+                  </a:rPr>
+                  <a:t>Dr. Yin Binbin</a:t>
+                </a:r>
+              </a:p>
+              <a:p>
+                <a:pPr fontAlgn="base"/>
+                <a:endParaRPr lang="en-US" altLang="zh-CN" sz="2400" i="0" dirty="0">
                   <a:solidFill>
                     <a:srgbClr val="000000"/>
                   </a:solidFill>
                   <a:effectLst/>
                   <a:latin typeface="Arial" panose="020B0604020202020204" pitchFamily="34" charset="0"/>
                   <a:cs typeface="Arial" panose="020B0604020202020204" pitchFamily="34" charset="0"/>
-                </a:rPr>
-                <a:t>Secretariat: </a:t>
-              </a:r>
-            </a:p>
-            <a:p>
-              <a:pPr fontAlgn="base">
-                <a:lnSpc>
-                  <a:spcPct val="150000"/>
-                </a:lnSpc>
-              </a:pPr>
-              <a:r>
-                <a:rPr lang="en-US" altLang="zh-CN" sz="2400" i="0" dirty="0">
-                  <a:solidFill>
-                    <a:srgbClr val="000000"/>
-                  </a:solidFill>
-                  <a:effectLst/>
+                </a:endParaRPr>
+              </a:p>
+              <a:p>
+                <a:pPr>
+                  <a:lnSpc>
+                    <a:spcPct val="150000"/>
+                  </a:lnSpc>
+                </a:pPr>
+                <a:r>
+                  <a:rPr lang="en-US" altLang="zh-CN" sz="2800" b="1" i="0" dirty="0">
+                    <a:solidFill>
+                      <a:srgbClr val="000000"/>
+                    </a:solidFill>
+                    <a:effectLst/>
+                    <a:latin typeface="Arial" panose="020B0604020202020204" pitchFamily="34" charset="0"/>
+                    <a:cs typeface="Arial" panose="020B0604020202020204" pitchFamily="34" charset="0"/>
+                  </a:rPr>
+                  <a:t>Email: </a:t>
+                </a:r>
+              </a:p>
+              <a:p>
+                <a:pPr>
+                  <a:lnSpc>
+                    <a:spcPct val="150000"/>
+                  </a:lnSpc>
+                </a:pPr>
+                <a:r>
+                  <a:rPr lang="en-US" altLang="zh-CN" sz="2400" b="0" i="0" dirty="0">
+                    <a:solidFill>
+                      <a:srgbClr val="000000"/>
+                    </a:solidFill>
+                    <a:effectLst/>
+                    <a:latin typeface="Arial" panose="020B0604020202020204" pitchFamily="34" charset="0"/>
+                    <a:cs typeface="Arial" panose="020B0604020202020204" pitchFamily="34" charset="0"/>
+                  </a:rPr>
+                  <a:t>cmmm2024@163.com</a:t>
+                </a:r>
+                <a:endParaRPr lang="zh-CN" altLang="en-US" sz="2400" dirty="0">
                   <a:latin typeface="Arial" panose="020B0604020202020204" pitchFamily="34" charset="0"/>
                   <a:cs typeface="Arial" panose="020B0604020202020204" pitchFamily="34" charset="0"/>
-                </a:rPr>
-                <a:t>Dr. Yin Binbin</a:t>
-              </a:r>
-            </a:p>
-            <a:p>
-              <a:pPr fontAlgn="base"/>
-              <a:endParaRPr lang="en-US" altLang="zh-CN" sz="2400" i="0" dirty="0">
-                <a:solidFill>
-                  <a:srgbClr val="000000"/>
-                </a:solidFill>
-                <a:effectLst/>
-                <a:latin typeface="Arial" panose="020B0604020202020204" pitchFamily="34" charset="0"/>
-                <a:cs typeface="Arial" panose="020B0604020202020204" pitchFamily="34" charset="0"/>
-              </a:endParaRPr>
-            </a:p>
-            <a:p>
-              <a:pPr>
-                <a:lnSpc>
-                  <a:spcPct val="150000"/>
-                </a:lnSpc>
-              </a:pPr>
-              <a:r>
-                <a:rPr lang="en-US" altLang="zh-CN" sz="2800" b="1" i="0" dirty="0">
-                  <a:solidFill>
-                    <a:srgbClr val="000000"/>
-                  </a:solidFill>
-                  <a:effectLst/>
-                  <a:latin typeface="Arial" panose="020B0604020202020204" pitchFamily="34" charset="0"/>
-                  <a:cs typeface="Arial" panose="020B0604020202020204" pitchFamily="34" charset="0"/>
-                </a:rPr>
-                <a:t>Email: </a:t>
-              </a:r>
-            </a:p>
-            <a:p>
-              <a:pPr>
-                <a:lnSpc>
-                  <a:spcPct val="150000"/>
-                </a:lnSpc>
-              </a:pPr>
-              <a:r>
-                <a:rPr lang="en-US" altLang="zh-CN" sz="2400" b="0" i="0" dirty="0">
-                  <a:solidFill>
-                    <a:srgbClr val="000000"/>
-                  </a:solidFill>
-                  <a:effectLst/>
-                  <a:latin typeface="Arial" panose="020B0604020202020204" pitchFamily="34" charset="0"/>
-                  <a:cs typeface="Arial" panose="020B0604020202020204" pitchFamily="34" charset="0"/>
-                </a:rPr>
-                <a:t>cmmm2024@163.com</a:t>
-              </a:r>
-              <a:endParaRPr lang="zh-CN" altLang="en-US" sz="2400" dirty="0">
-                <a:latin typeface="Arial" panose="020B0604020202020204" pitchFamily="34" charset="0"/>
-                <a:cs typeface="Arial" panose="020B0604020202020204" pitchFamily="34" charset="0"/>
-              </a:endParaRPr>
-            </a:p>
-          </p:txBody>
-        </p:sp>
+                </a:endParaRPr>
+              </a:p>
+            </p:txBody>
+          </p:sp>
+        </p:grpSp>
         <p:pic>
           <p:nvPicPr>
-            <p:cNvPr id="8" name="图片 7" descr="QR 代码&#10;&#10;描述已自动生成">
+            <p:cNvPr id="12" name="图片 11" descr="QR 代码&#10;&#10;描述已自动生成">
               <a:extLst>
                 <a:ext uri="{FF2B5EF4-FFF2-40B4-BE49-F238E27FC236}">
-                  <a16:creationId xmlns:a16="http://schemas.microsoft.com/office/drawing/2014/main" id="{28543EB1-5FA5-EE6A-AD06-925806C7E393}"/>
+                  <a16:creationId xmlns:a16="http://schemas.microsoft.com/office/drawing/2014/main" id="{AE7587D4-6A04-63BC-71AF-77FDD116DA26}"/>
                 </a:ext>
               </a:extLst>
             </p:cNvPr>
@@ -8541,13 +8610,13 @@
                 </a:clrTo>
               </a:clrChange>
             </a:blip>
-            <a:srcRect l="16248" t="33750" r="16250" b="17361"/>
+            <a:srcRect l="17062" t="34815" r="17004" b="18148"/>
             <a:stretch/>
           </p:blipFill>
           <p:spPr>
             <a:xfrm>
-              <a:off x="2956793" y="2727185"/>
-              <a:ext cx="1883771" cy="1905555"/>
+              <a:off x="2988733" y="2792823"/>
+              <a:ext cx="1794933" cy="1799657"/>
             </a:xfrm>
             <a:prstGeom prst="rect">
               <a:avLst/>
@@ -8557,10 +8626,10 @@
       </p:grpSp>
       <p:pic>
         <p:nvPicPr>
-          <p:cNvPr id="11" name="图片 10">
+          <p:cNvPr id="14" name="图片 13">
             <a:extLst>
               <a:ext uri="{FF2B5EF4-FFF2-40B4-BE49-F238E27FC236}">
-                <a16:creationId xmlns:a16="http://schemas.microsoft.com/office/drawing/2014/main" id="{0352FA1B-B170-2C84-FEC3-725262DB4060}"/>
+                <a16:creationId xmlns:a16="http://schemas.microsoft.com/office/drawing/2014/main" id="{5D4BF472-E539-565C-55DC-975517678688}"/>
               </a:ext>
             </a:extLst>
           </p:cNvPr>
@@ -8577,7 +8646,7 @@
         </p:blipFill>
         <p:spPr>
           <a:xfrm>
-            <a:off x="1506794" y="5116849"/>
+            <a:off x="1440327" y="5155395"/>
             <a:ext cx="9699577" cy="2914141"/>
           </a:xfrm>
           <a:prstGeom prst="rect">
